--- a/student_session_2021/Доклад.pptx
+++ b/student_session_2021/Доклад.pptx
@@ -1,34 +1,464 @@
 
 <file path=ppt/presentation.xml><?xml version="1.0" encoding="utf-8"?>
-<p:presentation xmlns:a="http://schemas.openxmlformats.org/drawingml/2006/main" xmlns:p="http://schemas.openxmlformats.org/presentationml/2006/main" xmlns:r="http://schemas.openxmlformats.org/officeDocument/2006/relationships" xmlns:p14="http://schemas.microsoft.com/office/powerpoint/2010/main" xmlns:p15="http://schemas.microsoft.com/office/powerpoint/2012/main" xmlns:mc="http://schemas.openxmlformats.org/markup-compatibility/2006">
+<p:presentation xmlns:a="http://schemas.openxmlformats.org/drawingml/2006/main" xmlns:r="http://schemas.openxmlformats.org/officeDocument/2006/relationships" xmlns:p="http://schemas.openxmlformats.org/presentationml/2006/main">
   <p:sldMasterIdLst>
-    <p:sldMasterId id="2147483648" r:id="rId2"/>
-    <p:sldMasterId id="2147483661" r:id="rId3"/>
+    <p:sldMasterId id="2147483648" r:id="rId1"/>
+    <p:sldMasterId id="2147483661" r:id="rId2"/>
   </p:sldMasterIdLst>
   <p:notesMasterIdLst>
-    <p:notesMasterId r:id="rId4"/>
+    <p:notesMasterId r:id="rId15"/>
   </p:notesMasterIdLst>
   <p:sldIdLst>
-    <p:sldId id="256" r:id="rId5"/>
-    <p:sldId id="257" r:id="rId6"/>
-    <p:sldId id="258" r:id="rId7"/>
-    <p:sldId id="259" r:id="rId8"/>
-    <p:sldId id="260" r:id="rId9"/>
-    <p:sldId id="261" r:id="rId10"/>
-    <p:sldId id="262" r:id="rId11"/>
-    <p:sldId id="263" r:id="rId12"/>
-    <p:sldId id="264" r:id="rId13"/>
-    <p:sldId id="265" r:id="rId14"/>
-    <p:sldId id="266" r:id="rId15"/>
-    <p:sldId id="267" r:id="rId16"/>
+    <p:sldId id="256" r:id="rId3"/>
+    <p:sldId id="257" r:id="rId4"/>
+    <p:sldId id="258" r:id="rId5"/>
+    <p:sldId id="259" r:id="rId6"/>
+    <p:sldId id="260" r:id="rId7"/>
+    <p:sldId id="261" r:id="rId8"/>
+    <p:sldId id="262" r:id="rId9"/>
+    <p:sldId id="263" r:id="rId10"/>
+    <p:sldId id="264" r:id="rId11"/>
+    <p:sldId id="265" r:id="rId12"/>
+    <p:sldId id="266" r:id="rId13"/>
+    <p:sldId id="267" r:id="rId14"/>
   </p:sldIdLst>
-  <p:sldSz cx="9144000" cy="6858000"/>
+  <p:sldSz cx="9144000" cy="6858000" type="screen4x3"/>
   <p:notesSz cx="6858000" cy="9144000"/>
+  <p:defaultTextStyle>
+    <a:defPPr>
+      <a:defRPr lang="ru-RU"/>
+    </a:defPPr>
+    <a:lvl1pPr marL="0" algn="l" defTabSz="914400" rtl="0" eaLnBrk="1" latinLnBrk="0" hangingPunct="1">
+      <a:defRPr sz="1800" kern="1200">
+        <a:solidFill>
+          <a:schemeClr val="tx1"/>
+        </a:solidFill>
+        <a:latin typeface="+mn-lt"/>
+        <a:ea typeface="+mn-ea"/>
+        <a:cs typeface="+mn-cs"/>
+      </a:defRPr>
+    </a:lvl1pPr>
+    <a:lvl2pPr marL="457200" algn="l" defTabSz="914400" rtl="0" eaLnBrk="1" latinLnBrk="0" hangingPunct="1">
+      <a:defRPr sz="1800" kern="1200">
+        <a:solidFill>
+          <a:schemeClr val="tx1"/>
+        </a:solidFill>
+        <a:latin typeface="+mn-lt"/>
+        <a:ea typeface="+mn-ea"/>
+        <a:cs typeface="+mn-cs"/>
+      </a:defRPr>
+    </a:lvl2pPr>
+    <a:lvl3pPr marL="914400" algn="l" defTabSz="914400" rtl="0" eaLnBrk="1" latinLnBrk="0" hangingPunct="1">
+      <a:defRPr sz="1800" kern="1200">
+        <a:solidFill>
+          <a:schemeClr val="tx1"/>
+        </a:solidFill>
+        <a:latin typeface="+mn-lt"/>
+        <a:ea typeface="+mn-ea"/>
+        <a:cs typeface="+mn-cs"/>
+      </a:defRPr>
+    </a:lvl3pPr>
+    <a:lvl4pPr marL="1371600" algn="l" defTabSz="914400" rtl="0" eaLnBrk="1" latinLnBrk="0" hangingPunct="1">
+      <a:defRPr sz="1800" kern="1200">
+        <a:solidFill>
+          <a:schemeClr val="tx1"/>
+        </a:solidFill>
+        <a:latin typeface="+mn-lt"/>
+        <a:ea typeface="+mn-ea"/>
+        <a:cs typeface="+mn-cs"/>
+      </a:defRPr>
+    </a:lvl4pPr>
+    <a:lvl5pPr marL="1828800" algn="l" defTabSz="914400" rtl="0" eaLnBrk="1" latinLnBrk="0" hangingPunct="1">
+      <a:defRPr sz="1800" kern="1200">
+        <a:solidFill>
+          <a:schemeClr val="tx1"/>
+        </a:solidFill>
+        <a:latin typeface="+mn-lt"/>
+        <a:ea typeface="+mn-ea"/>
+        <a:cs typeface="+mn-cs"/>
+      </a:defRPr>
+    </a:lvl5pPr>
+    <a:lvl6pPr marL="2286000" algn="l" defTabSz="914400" rtl="0" eaLnBrk="1" latinLnBrk="0" hangingPunct="1">
+      <a:defRPr sz="1800" kern="1200">
+        <a:solidFill>
+          <a:schemeClr val="tx1"/>
+        </a:solidFill>
+        <a:latin typeface="+mn-lt"/>
+        <a:ea typeface="+mn-ea"/>
+        <a:cs typeface="+mn-cs"/>
+      </a:defRPr>
+    </a:lvl6pPr>
+    <a:lvl7pPr marL="2743200" algn="l" defTabSz="914400" rtl="0" eaLnBrk="1" latinLnBrk="0" hangingPunct="1">
+      <a:defRPr sz="1800" kern="1200">
+        <a:solidFill>
+          <a:schemeClr val="tx1"/>
+        </a:solidFill>
+        <a:latin typeface="+mn-lt"/>
+        <a:ea typeface="+mn-ea"/>
+        <a:cs typeface="+mn-cs"/>
+      </a:defRPr>
+    </a:lvl7pPr>
+    <a:lvl8pPr marL="3200400" algn="l" defTabSz="914400" rtl="0" eaLnBrk="1" latinLnBrk="0" hangingPunct="1">
+      <a:defRPr sz="1800" kern="1200">
+        <a:solidFill>
+          <a:schemeClr val="tx1"/>
+        </a:solidFill>
+        <a:latin typeface="+mn-lt"/>
+        <a:ea typeface="+mn-ea"/>
+        <a:cs typeface="+mn-cs"/>
+      </a:defRPr>
+    </a:lvl8pPr>
+    <a:lvl9pPr marL="3657600" algn="l" defTabSz="914400" rtl="0" eaLnBrk="1" latinLnBrk="0" hangingPunct="1">
+      <a:defRPr sz="1800" kern="1200">
+        <a:solidFill>
+          <a:schemeClr val="tx1"/>
+        </a:solidFill>
+        <a:latin typeface="+mn-lt"/>
+        <a:ea typeface="+mn-ea"/>
+        <a:cs typeface="+mn-cs"/>
+      </a:defRPr>
+    </a:lvl9pPr>
+  </p:defaultTextStyle>
 </p:presentation>
 </file>
 
 <file path=ppt/notesMasters/notesMaster1.xml><?xml version="1.0" encoding="utf-8"?>
-<p:notesMaster xmlns:a="http://schemas.openxmlformats.org/drawingml/2006/main" xmlns:p="http://schemas.openxmlformats.org/presentationml/2006/main" xmlns:r="http://schemas.openxmlformats.org/officeDocument/2006/relationships" xmlns:p14="http://schemas.microsoft.com/office/powerpoint/2010/main" xmlns:p15="http://schemas.microsoft.com/office/powerpoint/2012/main" xmlns:mc="http://schemas.openxmlformats.org/markup-compatibility/2006">
+<p:notesMaster xmlns:a="http://schemas.openxmlformats.org/drawingml/2006/main" xmlns:r="http://schemas.openxmlformats.org/officeDocument/2006/relationships" xmlns:p="http://schemas.openxmlformats.org/presentationml/2006/main">
+  <p:cSld>
+    <p:bg>
+      <p:bgRef idx="1001">
+        <a:schemeClr val="bg1"/>
+      </p:bgRef>
+    </p:bg>
+    <p:spTree>
+      <p:nvGrpSpPr>
+        <p:cNvPr id="1" name=""/>
+        <p:cNvGrpSpPr/>
+        <p:nvPr/>
+      </p:nvGrpSpPr>
+      <p:grpSpPr>
+        <a:xfrm>
+          <a:off x="0" y="0"/>
+          <a:ext cx="0" cy="0"/>
+          <a:chOff x="0" y="0"/>
+          <a:chExt cx="0" cy="0"/>
+        </a:xfrm>
+      </p:grpSpPr>
+      <p:sp>
+        <p:nvSpPr>
+          <p:cNvPr id="76" name="PlaceHolder 1"/>
+          <p:cNvSpPr>
+            <a:spLocks noGrp="1" noRot="1" noChangeAspect="1"/>
+          </p:cNvSpPr>
+          <p:nvPr>
+            <p:ph type="sldImg"/>
+          </p:nvPr>
+        </p:nvSpPr>
+        <p:spPr>
+          <a:xfrm>
+            <a:off x="216000" y="812520"/>
+            <a:ext cx="7127280" cy="4008960"/>
+          </a:xfrm>
+          <a:prstGeom prst="rect">
+            <a:avLst/>
+          </a:prstGeom>
+        </p:spPr>
+        <p:txBody>
+          <a:bodyPr lIns="0" tIns="0" rIns="0" bIns="0" anchor="ctr">
+            <a:noAutofit/>
+          </a:bodyPr>
+          <a:lstStyle/>
+          <a:p>
+            <a:pPr algn="ctr"/>
+            <a:r>
+              <a:rPr lang="ru-RU" sz="4400" b="0" strike="noStrike" spc="-1">
+                <a:latin typeface="Arial"/>
+              </a:rPr>
+              <a:t>Для перемещения страницы щёлкните мышью</a:t>
+            </a:r>
+          </a:p>
+        </p:txBody>
+      </p:sp>
+      <p:sp>
+        <p:nvSpPr>
+          <p:cNvPr id="77" name="PlaceHolder 2"/>
+          <p:cNvSpPr>
+            <a:spLocks noGrp="1"/>
+          </p:cNvSpPr>
+          <p:nvPr>
+            <p:ph type="body"/>
+          </p:nvPr>
+        </p:nvSpPr>
+        <p:spPr>
+          <a:xfrm>
+            <a:off x="756000" y="5078520"/>
+            <a:ext cx="6047640" cy="4811040"/>
+          </a:xfrm>
+          <a:prstGeom prst="rect">
+            <a:avLst/>
+          </a:prstGeom>
+        </p:spPr>
+        <p:txBody>
+          <a:bodyPr lIns="0" tIns="0" rIns="0" bIns="0">
+            <a:noAutofit/>
+          </a:bodyPr>
+          <a:lstStyle/>
+          <a:p>
+            <a:r>
+              <a:rPr lang="ru-RU" sz="2000" b="0" strike="noStrike" spc="-1">
+                <a:latin typeface="Arial"/>
+              </a:rPr>
+              <a:t>Для правки формата примечаний щёлкните мышью</a:t>
+            </a:r>
+          </a:p>
+        </p:txBody>
+      </p:sp>
+      <p:sp>
+        <p:nvSpPr>
+          <p:cNvPr id="78" name="PlaceHolder 3"/>
+          <p:cNvSpPr>
+            <a:spLocks noGrp="1"/>
+          </p:cNvSpPr>
+          <p:nvPr>
+            <p:ph type="hdr"/>
+          </p:nvPr>
+        </p:nvSpPr>
+        <p:spPr>
+          <a:xfrm>
+            <a:off x="0" y="0"/>
+            <a:ext cx="3280680" cy="534240"/>
+          </a:xfrm>
+          <a:prstGeom prst="rect">
+            <a:avLst/>
+          </a:prstGeom>
+        </p:spPr>
+        <p:txBody>
+          <a:bodyPr lIns="0" tIns="0" rIns="0" bIns="0">
+            <a:noAutofit/>
+          </a:bodyPr>
+          <a:lstStyle/>
+          <a:p>
+            <a:r>
+              <a:rPr lang="ru-RU" sz="1400" b="0" strike="noStrike" spc="-1">
+                <a:latin typeface="Times New Roman"/>
+              </a:rPr>
+              <a:t>&lt;верхний колонтитул&gt;</a:t>
+            </a:r>
+          </a:p>
+        </p:txBody>
+      </p:sp>
+      <p:sp>
+        <p:nvSpPr>
+          <p:cNvPr id="79" name="PlaceHolder 4"/>
+          <p:cNvSpPr>
+            <a:spLocks noGrp="1"/>
+          </p:cNvSpPr>
+          <p:nvPr>
+            <p:ph type="dt"/>
+          </p:nvPr>
+        </p:nvSpPr>
+        <p:spPr>
+          <a:xfrm>
+            <a:off x="4278960" y="0"/>
+            <a:ext cx="3280680" cy="534240"/>
+          </a:xfrm>
+          <a:prstGeom prst="rect">
+            <a:avLst/>
+          </a:prstGeom>
+        </p:spPr>
+        <p:txBody>
+          <a:bodyPr lIns="0" tIns="0" rIns="0" bIns="0">
+            <a:noAutofit/>
+          </a:bodyPr>
+          <a:lstStyle/>
+          <a:p>
+            <a:pPr algn="r"/>
+            <a:r>
+              <a:rPr lang="ru-RU" sz="1400" b="0" strike="noStrike" spc="-1">
+                <a:latin typeface="Times New Roman"/>
+              </a:rPr>
+              <a:t>&lt;дата/время&gt;</a:t>
+            </a:r>
+          </a:p>
+        </p:txBody>
+      </p:sp>
+      <p:sp>
+        <p:nvSpPr>
+          <p:cNvPr id="80" name="PlaceHolder 5"/>
+          <p:cNvSpPr>
+            <a:spLocks noGrp="1"/>
+          </p:cNvSpPr>
+          <p:nvPr>
+            <p:ph type="ftr"/>
+          </p:nvPr>
+        </p:nvSpPr>
+        <p:spPr>
+          <a:xfrm>
+            <a:off x="0" y="10157400"/>
+            <a:ext cx="3280680" cy="534240"/>
+          </a:xfrm>
+          <a:prstGeom prst="rect">
+            <a:avLst/>
+          </a:prstGeom>
+        </p:spPr>
+        <p:txBody>
+          <a:bodyPr lIns="0" tIns="0" rIns="0" bIns="0" anchor="b">
+            <a:noAutofit/>
+          </a:bodyPr>
+          <a:lstStyle/>
+          <a:p>
+            <a:r>
+              <a:rPr lang="ru-RU" sz="1400" b="0" strike="noStrike" spc="-1">
+                <a:latin typeface="Times New Roman"/>
+              </a:rPr>
+              <a:t>&lt;нижний колонтитул&gt;</a:t>
+            </a:r>
+          </a:p>
+        </p:txBody>
+      </p:sp>
+      <p:sp>
+        <p:nvSpPr>
+          <p:cNvPr id="81" name="PlaceHolder 6"/>
+          <p:cNvSpPr>
+            <a:spLocks noGrp="1"/>
+          </p:cNvSpPr>
+          <p:nvPr>
+            <p:ph type="sldNum"/>
+          </p:nvPr>
+        </p:nvSpPr>
+        <p:spPr>
+          <a:xfrm>
+            <a:off x="4278960" y="10157400"/>
+            <a:ext cx="3280680" cy="534240"/>
+          </a:xfrm>
+          <a:prstGeom prst="rect">
+            <a:avLst/>
+          </a:prstGeom>
+        </p:spPr>
+        <p:txBody>
+          <a:bodyPr lIns="0" tIns="0" rIns="0" bIns="0" anchor="b">
+            <a:noAutofit/>
+          </a:bodyPr>
+          <a:lstStyle/>
+          <a:p>
+            <a:pPr algn="r"/>
+            <a:fld id="{AF52B30E-D67A-455A-8D73-57E2DD6F57AF}" type="slidenum">
+              <a:rPr lang="ru-RU" sz="1400" b="0" strike="noStrike" spc="-1">
+                <a:latin typeface="Times New Roman"/>
+              </a:rPr>
+              <a:t>‹#›</a:t>
+            </a:fld>
+            <a:endParaRPr lang="ru-RU" sz="1400" b="0" strike="noStrike" spc="-1">
+              <a:latin typeface="Times New Roman"/>
+            </a:endParaRPr>
+          </a:p>
+        </p:txBody>
+      </p:sp>
+    </p:spTree>
+    <p:extLst>
+      <p:ext uri="{BB962C8B-B14F-4D97-AF65-F5344CB8AC3E}">
+        <p14:creationId xmlns:p14="http://schemas.microsoft.com/office/powerpoint/2010/main" val="3481111226"/>
+      </p:ext>
+    </p:extLst>
+  </p:cSld>
+  <p:clrMap bg1="lt1" tx1="dk1" bg2="lt2" tx2="dk2" accent1="accent1" accent2="accent2" accent3="accent3" accent4="accent4" accent5="accent5" accent6="accent6" hlink="hlink" folHlink="folHlink"/>
+  <p:notesStyle>
+    <a:lvl1pPr marL="0" algn="l" defTabSz="914400" rtl="0" eaLnBrk="1" latinLnBrk="0" hangingPunct="1">
+      <a:defRPr sz="1200" kern="1200">
+        <a:solidFill>
+          <a:schemeClr val="tx1"/>
+        </a:solidFill>
+        <a:latin typeface="+mn-lt"/>
+        <a:ea typeface="+mn-ea"/>
+        <a:cs typeface="+mn-cs"/>
+      </a:defRPr>
+    </a:lvl1pPr>
+    <a:lvl2pPr marL="457200" algn="l" defTabSz="914400" rtl="0" eaLnBrk="1" latinLnBrk="0" hangingPunct="1">
+      <a:defRPr sz="1200" kern="1200">
+        <a:solidFill>
+          <a:schemeClr val="tx1"/>
+        </a:solidFill>
+        <a:latin typeface="+mn-lt"/>
+        <a:ea typeface="+mn-ea"/>
+        <a:cs typeface="+mn-cs"/>
+      </a:defRPr>
+    </a:lvl2pPr>
+    <a:lvl3pPr marL="914400" algn="l" defTabSz="914400" rtl="0" eaLnBrk="1" latinLnBrk="0" hangingPunct="1">
+      <a:defRPr sz="1200" kern="1200">
+        <a:solidFill>
+          <a:schemeClr val="tx1"/>
+        </a:solidFill>
+        <a:latin typeface="+mn-lt"/>
+        <a:ea typeface="+mn-ea"/>
+        <a:cs typeface="+mn-cs"/>
+      </a:defRPr>
+    </a:lvl3pPr>
+    <a:lvl4pPr marL="1371600" algn="l" defTabSz="914400" rtl="0" eaLnBrk="1" latinLnBrk="0" hangingPunct="1">
+      <a:defRPr sz="1200" kern="1200">
+        <a:solidFill>
+          <a:schemeClr val="tx1"/>
+        </a:solidFill>
+        <a:latin typeface="+mn-lt"/>
+        <a:ea typeface="+mn-ea"/>
+        <a:cs typeface="+mn-cs"/>
+      </a:defRPr>
+    </a:lvl4pPr>
+    <a:lvl5pPr marL="1828800" algn="l" defTabSz="914400" rtl="0" eaLnBrk="1" latinLnBrk="0" hangingPunct="1">
+      <a:defRPr sz="1200" kern="1200">
+        <a:solidFill>
+          <a:schemeClr val="tx1"/>
+        </a:solidFill>
+        <a:latin typeface="+mn-lt"/>
+        <a:ea typeface="+mn-ea"/>
+        <a:cs typeface="+mn-cs"/>
+      </a:defRPr>
+    </a:lvl5pPr>
+    <a:lvl6pPr marL="2286000" algn="l" defTabSz="914400" rtl="0" eaLnBrk="1" latinLnBrk="0" hangingPunct="1">
+      <a:defRPr sz="1200" kern="1200">
+        <a:solidFill>
+          <a:schemeClr val="tx1"/>
+        </a:solidFill>
+        <a:latin typeface="+mn-lt"/>
+        <a:ea typeface="+mn-ea"/>
+        <a:cs typeface="+mn-cs"/>
+      </a:defRPr>
+    </a:lvl6pPr>
+    <a:lvl7pPr marL="2743200" algn="l" defTabSz="914400" rtl="0" eaLnBrk="1" latinLnBrk="0" hangingPunct="1">
+      <a:defRPr sz="1200" kern="1200">
+        <a:solidFill>
+          <a:schemeClr val="tx1"/>
+        </a:solidFill>
+        <a:latin typeface="+mn-lt"/>
+        <a:ea typeface="+mn-ea"/>
+        <a:cs typeface="+mn-cs"/>
+      </a:defRPr>
+    </a:lvl7pPr>
+    <a:lvl8pPr marL="3200400" algn="l" defTabSz="914400" rtl="0" eaLnBrk="1" latinLnBrk="0" hangingPunct="1">
+      <a:defRPr sz="1200" kern="1200">
+        <a:solidFill>
+          <a:schemeClr val="tx1"/>
+        </a:solidFill>
+        <a:latin typeface="+mn-lt"/>
+        <a:ea typeface="+mn-ea"/>
+        <a:cs typeface="+mn-cs"/>
+      </a:defRPr>
+    </a:lvl8pPr>
+    <a:lvl9pPr marL="3657600" algn="l" defTabSz="914400" rtl="0" eaLnBrk="1" latinLnBrk="0" hangingPunct="1">
+      <a:defRPr sz="1200" kern="1200">
+        <a:solidFill>
+          <a:schemeClr val="tx1"/>
+        </a:solidFill>
+        <a:latin typeface="+mn-lt"/>
+        <a:ea typeface="+mn-ea"/>
+        <a:cs typeface="+mn-cs"/>
+      </a:defRPr>
+    </a:lvl9pPr>
+  </p:notesStyle>
+</p:notesMaster>
+</file>
+
+<file path=ppt/notesSlides/notesSlide1.xml><?xml version="1.0" encoding="utf-8"?>
+<p:notes xmlns:a="http://schemas.openxmlformats.org/drawingml/2006/main" xmlns:r="http://schemas.openxmlformats.org/officeDocument/2006/relationships" xmlns:p="http://schemas.openxmlformats.org/presentationml/2006/main">
   <p:cSld>
     <p:spTree>
       <p:nvGrpSpPr>
@@ -46,9 +476,9 @@
       </p:grpSpPr>
       <p:sp>
         <p:nvSpPr>
-          <p:cNvPr id="76" name="PlaceHolder 1"/>
+          <p:cNvPr id="127" name="PlaceHolder 1"/>
           <p:cNvSpPr>
-            <a:spLocks noGrp="1"/>
+            <a:spLocks noGrp="1" noRot="1" noChangeAspect="1"/>
           </p:cNvSpPr>
           <p:nvPr>
             <p:ph type="sldImg"/>
@@ -56,34 +486,17 @@
         </p:nvSpPr>
         <p:spPr>
           <a:xfrm>
-            <a:off x="216000" y="812520"/>
-            <a:ext cx="7127280" cy="4008960"/>
-          </a:xfrm>
-          <a:prstGeom prst="rect">
-            <a:avLst/>
-          </a:prstGeom>
-        </p:spPr>
-        <p:txBody>
-          <a:bodyPr lIns="0" rIns="0" tIns="0" bIns="0" anchor="ctr">
-            <a:noAutofit/>
-          </a:bodyPr>
-          <a:p>
-            <a:pPr algn="ctr"/>
-            <a:r>
-              <a:rPr b="0" lang="ru-RU" sz="4400" spc="-1" strike="noStrike">
-                <a:latin typeface="Arial"/>
-              </a:rPr>
-              <a:t>Для перемещения страницы щёлкните мышью</a:t>
-            </a:r>
-            <a:endParaRPr b="0" lang="ru-RU" sz="4400" spc="-1" strike="noStrike">
-              <a:latin typeface="Arial"/>
-            </a:endParaRPr>
-          </a:p>
-        </p:txBody>
-      </p:sp>
-      <p:sp>
-        <p:nvSpPr>
-          <p:cNvPr id="77" name="PlaceHolder 2"/>
+            <a:off x="1144588" y="685800"/>
+            <a:ext cx="4560887" cy="3421063"/>
+          </a:xfrm>
+          <a:prstGeom prst="rect">
+            <a:avLst/>
+          </a:prstGeom>
+        </p:spPr>
+      </p:sp>
+      <p:sp>
+        <p:nvSpPr>
+          <p:cNvPr id="128" name="PlaceHolder 2"/>
           <p:cNvSpPr>
             <a:spLocks noGrp="1"/>
           </p:cNvSpPr>
@@ -93,184 +506,352 @@
         </p:nvSpPr>
         <p:spPr>
           <a:xfrm>
-            <a:off x="756000" y="5078520"/>
-            <a:ext cx="6047640" cy="4811040"/>
-          </a:xfrm>
-          <a:prstGeom prst="rect">
-            <a:avLst/>
-          </a:prstGeom>
-        </p:spPr>
-        <p:txBody>
-          <a:bodyPr lIns="0" rIns="0" tIns="0" bIns="0">
+            <a:off x="685800" y="4343400"/>
+            <a:ext cx="5477760" cy="4106160"/>
+          </a:xfrm>
+          <a:prstGeom prst="rect">
+            <a:avLst/>
+          </a:prstGeom>
+        </p:spPr>
+        <p:txBody>
+          <a:bodyPr lIns="0" tIns="0" rIns="0" bIns="0">
             <a:noAutofit/>
           </a:bodyPr>
-          <a:p>
-            <a:r>
-              <a:rPr b="0" lang="ru-RU" sz="2000" spc="-1" strike="noStrike">
-                <a:latin typeface="Arial"/>
-              </a:rPr>
-              <a:t>Для правки формата примечаний щёлкните мышью</a:t>
-            </a:r>
-            <a:endParaRPr b="0" lang="ru-RU" sz="2000" spc="-1" strike="noStrike">
-              <a:latin typeface="Arial"/>
-            </a:endParaRPr>
-          </a:p>
-        </p:txBody>
-      </p:sp>
-      <p:sp>
-        <p:nvSpPr>
-          <p:cNvPr id="78" name="PlaceHolder 3"/>
-          <p:cNvSpPr>
-            <a:spLocks noGrp="1"/>
-          </p:cNvSpPr>
-          <p:nvPr>
-            <p:ph type="hdr"/>
-          </p:nvPr>
-        </p:nvSpPr>
-        <p:spPr>
-          <a:xfrm>
-            <a:off x="0" y="0"/>
-            <a:ext cx="3280680" cy="534240"/>
-          </a:xfrm>
-          <a:prstGeom prst="rect">
-            <a:avLst/>
-          </a:prstGeom>
-        </p:spPr>
-        <p:txBody>
-          <a:bodyPr lIns="0" rIns="0" tIns="0" bIns="0">
+          <a:lstStyle/>
+          <a:p>
+            <a:pPr marL="216000" indent="-207720">
+              <a:lnSpc>
+                <a:spcPct val="100000"/>
+              </a:lnSpc>
+              <a:tabLst>
+                <a:tab pos="0" algn="l"/>
+              </a:tabLst>
+            </a:pPr>
+            <a:r>
+              <a:rPr lang="ru-RU" sz="1200" b="0" strike="noStrike" spc="-1" dirty="0" smtClean="0">
+                <a:solidFill>
+                  <a:srgbClr val="000000"/>
+                </a:solidFill>
+                <a:latin typeface="+mn-lt"/>
+                <a:ea typeface="+mn-ea"/>
+              </a:rPr>
+              <a:t>МР</a:t>
+            </a:r>
+            <a:r>
+              <a:rPr lang="ru-RU" sz="1200" b="0" strike="noStrike" spc="-1" baseline="0" dirty="0" smtClean="0">
+                <a:solidFill>
+                  <a:srgbClr val="000000"/>
+                </a:solidFill>
+                <a:latin typeface="+mn-lt"/>
+                <a:ea typeface="+mn-ea"/>
+              </a:rPr>
+              <a:t> нашли свое применение не только в системах речевой связи, но и в сфере безопасности. </a:t>
+            </a:r>
+          </a:p>
+          <a:p>
+            <a:pPr marL="216000" indent="-207720">
+              <a:lnSpc>
+                <a:spcPct val="100000"/>
+              </a:lnSpc>
+              <a:tabLst>
+                <a:tab pos="0" algn="l"/>
+              </a:tabLst>
+            </a:pPr>
+            <a:r>
+              <a:rPr lang="ru-RU" sz="1200" b="0" strike="noStrike" spc="-1" baseline="0" dirty="0" smtClean="0">
+                <a:solidFill>
+                  <a:srgbClr val="000000"/>
+                </a:solidFill>
+                <a:latin typeface="+mn-lt"/>
+                <a:ea typeface="+mn-ea"/>
+              </a:rPr>
+              <a:t>Система </a:t>
+            </a:r>
+            <a:r>
+              <a:rPr lang="ru-RU" sz="1200" b="0" strike="noStrike" spc="-1" dirty="0" smtClean="0">
+                <a:solidFill>
+                  <a:srgbClr val="000000"/>
+                </a:solidFill>
+                <a:latin typeface="+mn-lt"/>
+                <a:ea typeface="+mn-ea"/>
+              </a:rPr>
+              <a:t>«</a:t>
+            </a:r>
+            <a:r>
+              <a:rPr lang="ru-RU" sz="1200" b="0" strike="noStrike" spc="-1" dirty="0">
+                <a:solidFill>
+                  <a:srgbClr val="000000"/>
+                </a:solidFill>
+                <a:latin typeface="+mn-lt"/>
+                <a:ea typeface="+mn-ea"/>
+              </a:rPr>
+              <a:t>Бумеранг» </a:t>
+            </a:r>
+            <a:r>
+              <a:rPr lang="ru-RU" sz="1200" b="0" strike="noStrike" spc="-1" baseline="0" dirty="0" smtClean="0">
+                <a:solidFill>
+                  <a:srgbClr val="000000"/>
+                </a:solidFill>
+                <a:latin typeface="+mn-lt"/>
+                <a:ea typeface="+mn-ea"/>
+              </a:rPr>
+              <a:t> </a:t>
+            </a:r>
+            <a:r>
+              <a:rPr lang="ru-RU" sz="1200" b="0" strike="noStrike" spc="-1" dirty="0" smtClean="0">
+                <a:solidFill>
+                  <a:srgbClr val="000000"/>
+                </a:solidFill>
+                <a:latin typeface="+mn-lt"/>
+                <a:ea typeface="+mn-ea"/>
+              </a:rPr>
+              <a:t>используется </a:t>
+            </a:r>
+            <a:r>
+              <a:rPr lang="ru-RU" sz="1200" b="0" strike="noStrike" spc="-1" dirty="0">
+                <a:solidFill>
+                  <a:srgbClr val="000000"/>
+                </a:solidFill>
+                <a:latin typeface="+mn-lt"/>
+                <a:ea typeface="+mn-ea"/>
+              </a:rPr>
+              <a:t>для защиты транспортных средств и войск от снайперского огня. </a:t>
+            </a:r>
+            <a:r>
+              <a:rPr lang="ru-RU" sz="1200" b="0" strike="noStrike" spc="-1" dirty="0" smtClean="0">
+                <a:solidFill>
+                  <a:srgbClr val="000000"/>
+                </a:solidFill>
+                <a:latin typeface="+mn-lt"/>
+                <a:ea typeface="+mn-ea"/>
+              </a:rPr>
+              <a:t>Она позволяет </a:t>
+            </a:r>
+            <a:r>
+              <a:rPr lang="ru-RU" sz="1200" b="0" strike="noStrike" spc="-1" dirty="0">
+                <a:solidFill>
+                  <a:srgbClr val="000000"/>
+                </a:solidFill>
+                <a:latin typeface="+mn-lt"/>
+                <a:ea typeface="+mn-ea"/>
+              </a:rPr>
+              <a:t>определить положение стрелка. </a:t>
+            </a:r>
+            <a:endParaRPr lang="ru-RU" sz="1200" b="0" strike="noStrike" spc="-1" dirty="0" smtClean="0">
+              <a:solidFill>
+                <a:srgbClr val="000000"/>
+              </a:solidFill>
+              <a:latin typeface="+mn-lt"/>
+              <a:ea typeface="+mn-ea"/>
+            </a:endParaRPr>
+          </a:p>
+          <a:p>
+            <a:pPr marL="216000" indent="-207720">
+              <a:lnSpc>
+                <a:spcPct val="100000"/>
+              </a:lnSpc>
+              <a:tabLst>
+                <a:tab pos="0" algn="l"/>
+              </a:tabLst>
+            </a:pPr>
+            <a:endParaRPr lang="ru-RU" sz="1200" b="0" strike="noStrike" spc="-1" dirty="0" smtClean="0">
+              <a:solidFill>
+                <a:srgbClr val="000000"/>
+              </a:solidFill>
+              <a:latin typeface="+mn-lt"/>
+              <a:ea typeface="+mn-ea"/>
+            </a:endParaRPr>
+          </a:p>
+          <a:p>
+            <a:pPr marL="216000" indent="-207720">
+              <a:lnSpc>
+                <a:spcPct val="100000"/>
+              </a:lnSpc>
+              <a:tabLst>
+                <a:tab pos="0" algn="l"/>
+              </a:tabLst>
+            </a:pPr>
+            <a:r>
+              <a:rPr lang="ru-RU" sz="1200" b="0" strike="noStrike" spc="-1" dirty="0" smtClean="0">
+                <a:solidFill>
+                  <a:srgbClr val="000000"/>
+                </a:solidFill>
+                <a:latin typeface="+mn-lt"/>
+                <a:ea typeface="+mn-ea"/>
+              </a:rPr>
+              <a:t>Система «</a:t>
+            </a:r>
+            <a:r>
+              <a:rPr lang="ru-RU" sz="1200" b="0" strike="noStrike" spc="-1" dirty="0">
+                <a:solidFill>
+                  <a:srgbClr val="000000"/>
+                </a:solidFill>
+                <a:latin typeface="+mn-lt"/>
+                <a:ea typeface="+mn-ea"/>
+              </a:rPr>
+              <a:t>SENTRI» </a:t>
+            </a:r>
+            <a:r>
+              <a:rPr lang="ru-RU" sz="1200" b="0" strike="noStrike" spc="-1" dirty="0" smtClean="0">
+                <a:solidFill>
+                  <a:srgbClr val="000000"/>
+                </a:solidFill>
+                <a:latin typeface="+mn-lt"/>
+                <a:ea typeface="+mn-ea"/>
+              </a:rPr>
+              <a:t>применяется в городах, способна различить</a:t>
+            </a:r>
+            <a:r>
+              <a:rPr lang="ru-RU" sz="1200" b="0" strike="noStrike" spc="-1" baseline="0" dirty="0" smtClean="0">
+                <a:solidFill>
+                  <a:srgbClr val="000000"/>
+                </a:solidFill>
+                <a:latin typeface="+mn-lt"/>
+                <a:ea typeface="+mn-ea"/>
+              </a:rPr>
+              <a:t> звук выстрела, определить его </a:t>
+            </a:r>
+            <a:r>
+              <a:rPr lang="ru-RU" sz="1200" b="0" strike="noStrike" spc="-1" baseline="0" dirty="0" err="1" smtClean="0">
+                <a:solidFill>
+                  <a:srgbClr val="000000"/>
+                </a:solidFill>
+                <a:latin typeface="+mn-lt"/>
+                <a:ea typeface="+mn-ea"/>
+              </a:rPr>
+              <a:t>направлениее</a:t>
+            </a:r>
+            <a:r>
+              <a:rPr lang="ru-RU" sz="1200" b="0" strike="noStrike" spc="-1" baseline="0" dirty="0" smtClean="0">
+                <a:solidFill>
+                  <a:srgbClr val="000000"/>
+                </a:solidFill>
+                <a:latin typeface="+mn-lt"/>
+                <a:ea typeface="+mn-ea"/>
+              </a:rPr>
+              <a:t> и вызвать полицию </a:t>
+            </a:r>
+            <a:endParaRPr lang="en-US" sz="1200" b="0" strike="noStrike" spc="-1" baseline="0" dirty="0" smtClean="0">
+              <a:solidFill>
+                <a:srgbClr val="000000"/>
+              </a:solidFill>
+              <a:latin typeface="+mn-lt"/>
+              <a:ea typeface="+mn-ea"/>
+            </a:endParaRPr>
+          </a:p>
+          <a:p>
+            <a:pPr marL="216000" indent="-207720">
+              <a:lnSpc>
+                <a:spcPct val="100000"/>
+              </a:lnSpc>
+              <a:tabLst>
+                <a:tab pos="0" algn="l"/>
+              </a:tabLst>
+            </a:pPr>
+            <a:r>
+              <a:rPr lang="ru-RU" sz="1200" b="0" strike="noStrike" spc="-1" baseline="0" dirty="0" smtClean="0">
+                <a:solidFill>
+                  <a:srgbClr val="000000"/>
+                </a:solidFill>
+                <a:latin typeface="+mn-lt"/>
+                <a:ea typeface="+mn-ea"/>
+              </a:rPr>
+              <a:t>МР </a:t>
+            </a:r>
+            <a:r>
+              <a:rPr lang="ru-RU" sz="1200" b="0" strike="noStrike" spc="-1" dirty="0" smtClean="0">
+                <a:solidFill>
+                  <a:srgbClr val="000000"/>
+                </a:solidFill>
+                <a:latin typeface="+mn-lt"/>
+                <a:ea typeface="+mn-ea"/>
+              </a:rPr>
+              <a:t>используются  </a:t>
+            </a:r>
+            <a:r>
+              <a:rPr lang="ru-RU" sz="1200" b="0" strike="noStrike" spc="-1" dirty="0">
+                <a:solidFill>
+                  <a:srgbClr val="000000"/>
+                </a:solidFill>
+                <a:latin typeface="+mn-lt"/>
+                <a:ea typeface="+mn-ea"/>
+              </a:rPr>
+              <a:t>для  получения  объемной  звуковой картины. Такие решения используются, например, в  автомобильной  промышленности  для  точного выявления мест, являющихся источниками нежелательных шумов – скрипа, стука и т.д.</a:t>
+            </a:r>
+            <a:endParaRPr lang="ru-RU" sz="1200" b="0" strike="noStrike" spc="-1" dirty="0">
+              <a:latin typeface="Arial"/>
+            </a:endParaRPr>
+          </a:p>
+        </p:txBody>
+      </p:sp>
+      <p:sp>
+        <p:nvSpPr>
+          <p:cNvPr id="129" name="CustomShape 3"/>
+          <p:cNvSpPr/>
+          <p:nvPr/>
+        </p:nvSpPr>
+        <p:spPr>
+          <a:xfrm>
+            <a:off x="3884760" y="8685360"/>
+            <a:ext cx="2963160" cy="448560"/>
+          </a:xfrm>
+          <a:prstGeom prst="rect">
+            <a:avLst/>
+          </a:prstGeom>
+          <a:noFill/>
+          <a:ln>
+            <a:noFill/>
+          </a:ln>
+        </p:spPr>
+        <p:style>
+          <a:lnRef idx="0">
+            <a:scrgbClr r="0" g="0" b="0"/>
+          </a:lnRef>
+          <a:fillRef idx="0">
+            <a:scrgbClr r="0" g="0" b="0"/>
+          </a:fillRef>
+          <a:effectRef idx="0">
+            <a:scrgbClr r="0" g="0" b="0"/>
+          </a:effectRef>
+          <a:fontRef idx="minor"/>
+        </p:style>
+        <p:txBody>
+          <a:bodyPr lIns="90000" tIns="45000" rIns="90000" bIns="45000" anchor="b">
             <a:noAutofit/>
           </a:bodyPr>
-          <a:p>
-            <a:r>
-              <a:rPr b="0" lang="ru-RU" sz="1400" spc="-1" strike="noStrike">
-                <a:latin typeface="Times New Roman"/>
-              </a:rPr>
-              <a:t>&lt;верхний колонтитул&gt;</a:t>
-            </a:r>
-            <a:endParaRPr b="0" lang="ru-RU" sz="1400" spc="-1" strike="noStrike">
-              <a:latin typeface="Times New Roman"/>
-            </a:endParaRPr>
-          </a:p>
-        </p:txBody>
-      </p:sp>
-      <p:sp>
-        <p:nvSpPr>
-          <p:cNvPr id="79" name="PlaceHolder 4"/>
-          <p:cNvSpPr>
-            <a:spLocks noGrp="1"/>
-          </p:cNvSpPr>
-          <p:nvPr>
-            <p:ph type="dt"/>
-          </p:nvPr>
-        </p:nvSpPr>
-        <p:spPr>
-          <a:xfrm>
-            <a:off x="4278960" y="0"/>
-            <a:ext cx="3280680" cy="534240"/>
-          </a:xfrm>
-          <a:prstGeom prst="rect">
-            <a:avLst/>
-          </a:prstGeom>
-        </p:spPr>
-        <p:txBody>
-          <a:bodyPr lIns="0" rIns="0" tIns="0" bIns="0">
-            <a:noAutofit/>
-          </a:bodyPr>
-          <a:p>
-            <a:pPr algn="r"/>
-            <a:r>
-              <a:rPr b="0" lang="ru-RU" sz="1400" spc="-1" strike="noStrike">
-                <a:latin typeface="Times New Roman"/>
-              </a:rPr>
-              <a:t>&lt;дата/время&gt;</a:t>
-            </a:r>
-            <a:endParaRPr b="0" lang="ru-RU" sz="1400" spc="-1" strike="noStrike">
-              <a:latin typeface="Times New Roman"/>
-            </a:endParaRPr>
-          </a:p>
-        </p:txBody>
-      </p:sp>
-      <p:sp>
-        <p:nvSpPr>
-          <p:cNvPr id="80" name="PlaceHolder 5"/>
-          <p:cNvSpPr>
-            <a:spLocks noGrp="1"/>
-          </p:cNvSpPr>
-          <p:nvPr>
-            <p:ph type="ftr"/>
-          </p:nvPr>
-        </p:nvSpPr>
-        <p:spPr>
-          <a:xfrm>
-            <a:off x="0" y="10157400"/>
-            <a:ext cx="3280680" cy="534240"/>
-          </a:xfrm>
-          <a:prstGeom prst="rect">
-            <a:avLst/>
-          </a:prstGeom>
-        </p:spPr>
-        <p:txBody>
-          <a:bodyPr lIns="0" rIns="0" tIns="0" bIns="0" anchor="b">
-            <a:noAutofit/>
-          </a:bodyPr>
-          <a:p>
-            <a:r>
-              <a:rPr b="0" lang="ru-RU" sz="1400" spc="-1" strike="noStrike">
-                <a:latin typeface="Times New Roman"/>
-              </a:rPr>
-              <a:t>&lt;нижний колонтитул&gt;</a:t>
-            </a:r>
-            <a:endParaRPr b="0" lang="ru-RU" sz="1400" spc="-1" strike="noStrike">
-              <a:latin typeface="Times New Roman"/>
-            </a:endParaRPr>
-          </a:p>
-        </p:txBody>
-      </p:sp>
-      <p:sp>
-        <p:nvSpPr>
-          <p:cNvPr id="81" name="PlaceHolder 6"/>
-          <p:cNvSpPr>
-            <a:spLocks noGrp="1"/>
-          </p:cNvSpPr>
-          <p:nvPr>
-            <p:ph type="sldNum"/>
-          </p:nvPr>
-        </p:nvSpPr>
-        <p:spPr>
-          <a:xfrm>
-            <a:off x="4278960" y="10157400"/>
-            <a:ext cx="3280680" cy="534240"/>
-          </a:xfrm>
-          <a:prstGeom prst="rect">
-            <a:avLst/>
-          </a:prstGeom>
-        </p:spPr>
-        <p:txBody>
-          <a:bodyPr lIns="0" rIns="0" tIns="0" bIns="0" anchor="b">
-            <a:noAutofit/>
-          </a:bodyPr>
-          <a:p>
-            <a:pPr algn="r"/>
-            <a:fld id="{AF52B30E-D67A-455A-8D73-57E2DD6F57AF}" type="slidenum">
-              <a:rPr b="0" lang="ru-RU" sz="1400" spc="-1" strike="noStrike">
-                <a:latin typeface="Times New Roman"/>
-              </a:rPr>
-              <a:t>&lt;номер&gt;</a:t>
+          <a:lstStyle/>
+          <a:p>
+            <a:pPr algn="r">
+              <a:lnSpc>
+                <a:spcPct val="100000"/>
+              </a:lnSpc>
+            </a:pPr>
+            <a:fld id="{ECD64A31-712F-4B1E-99B3-D841FA6A60CE}" type="slidenum">
+              <a:rPr lang="ru-RU" sz="1200" b="0" strike="noStrike" spc="-1">
+                <a:solidFill>
+                  <a:srgbClr val="000000"/>
+                </a:solidFill>
+                <a:latin typeface="+mn-lt"/>
+                <a:ea typeface="+mn-ea"/>
+              </a:rPr>
+              <a:t>3</a:t>
             </a:fld>
-            <a:endParaRPr b="0" lang="ru-RU" sz="1400" spc="-1" strike="noStrike">
-              <a:latin typeface="Times New Roman"/>
+            <a:endParaRPr lang="ru-RU" sz="1200" b="0" strike="noStrike" spc="-1">
+              <a:latin typeface="Arial"/>
             </a:endParaRPr>
           </a:p>
         </p:txBody>
       </p:sp>
     </p:spTree>
   </p:cSld>
-  <p:clrMap bg1="lt1" bg2="lt2" tx1="dk1" tx2="dk2" accent1="accent1" accent2="accent2" accent3="accent3" accent4="accent4" accent5="accent5" accent6="accent6" hlink="hlink" folHlink="folHlink"/>
-</p:notesMaster>
+  <p:clrMapOvr>
+    <a:masterClrMapping/>
+  </p:clrMapOvr>
+</p:notes>
 </file>
 
-<file path=ppt/notesSlides/notesSlide10.xml><?xml version="1.0" encoding="utf-8"?>
-<p:notes xmlns:a="http://schemas.openxmlformats.org/drawingml/2006/main" xmlns:p="http://schemas.openxmlformats.org/presentationml/2006/main" xmlns:r="http://schemas.openxmlformats.org/officeDocument/2006/relationships" xmlns:p14="http://schemas.microsoft.com/office/powerpoint/2010/main" xmlns:p15="http://schemas.microsoft.com/office/powerpoint/2012/main" xmlns:mc="http://schemas.openxmlformats.org/markup-compatibility/2006">
+<file path=ppt/notesSlides/notesSlide2.xml><?xml version="1.0" encoding="utf-8"?>
+<p:notes xmlns:a="http://schemas.openxmlformats.org/drawingml/2006/main" xmlns:r="http://schemas.openxmlformats.org/officeDocument/2006/relationships" xmlns:p="http://schemas.openxmlformats.org/presentationml/2006/main">
   <p:cSld>
     <p:spTree>
       <p:nvGrpSpPr>
@@ -288,9 +869,9 @@
       </p:grpSpPr>
       <p:sp>
         <p:nvSpPr>
-          <p:cNvPr id="148" name="PlaceHolder 1"/>
+          <p:cNvPr id="130" name="PlaceHolder 1"/>
           <p:cNvSpPr>
-            <a:spLocks noGrp="1"/>
+            <a:spLocks noGrp="1" noRot="1" noChangeAspect="1"/>
           </p:cNvSpPr>
           <p:nvPr>
             <p:ph type="sldImg"/>
@@ -298,17 +879,17 @@
         </p:nvSpPr>
         <p:spPr>
           <a:xfrm>
-            <a:off x="1143000" y="685800"/>
-            <a:ext cx="4563360" cy="3420360"/>
-          </a:xfrm>
-          <a:prstGeom prst="rect">
-            <a:avLst/>
-          </a:prstGeom>
-        </p:spPr>
-      </p:sp>
-      <p:sp>
-        <p:nvSpPr>
-          <p:cNvPr id="149" name="PlaceHolder 2"/>
+            <a:off x="1144588" y="685800"/>
+            <a:ext cx="4560887" cy="3421063"/>
+          </a:xfrm>
+          <a:prstGeom prst="rect">
+            <a:avLst/>
+          </a:prstGeom>
+        </p:spPr>
+      </p:sp>
+      <p:sp>
+        <p:nvSpPr>
+          <p:cNvPr id="131" name="PlaceHolder 2"/>
           <p:cNvSpPr>
             <a:spLocks noGrp="1"/>
           </p:cNvSpPr>
@@ -326,80 +907,200 @@
           </a:prstGeom>
         </p:spPr>
         <p:txBody>
-          <a:bodyPr lIns="0" rIns="0" tIns="0" bIns="0">
+          <a:bodyPr lIns="0" tIns="0" rIns="0" bIns="0">
             <a:noAutofit/>
           </a:bodyPr>
+          <a:lstStyle/>
+          <a:p>
+            <a:pPr marL="216000" marR="0" lvl="0" indent="-207720" algn="l" defTabSz="914400" rtl="0" eaLnBrk="1" fontAlgn="auto" latinLnBrk="0" hangingPunct="1">
+              <a:lnSpc>
+                <a:spcPct val="100000"/>
+              </a:lnSpc>
+              <a:spcBef>
+                <a:spcPts val="0"/>
+              </a:spcBef>
+              <a:spcAft>
+                <a:spcPts val="0"/>
+              </a:spcAft>
+              <a:buClrTx/>
+              <a:buSzTx/>
+              <a:buFontTx/>
+              <a:buNone/>
+              <a:tabLst>
+                <a:tab pos="0" algn="l"/>
+              </a:tabLst>
+              <a:defRPr/>
+            </a:pPr>
+            <a:r>
+              <a:rPr lang="ru-RU" sz="1400" kern="1200" dirty="0" smtClean="0">
+                <a:solidFill>
+                  <a:schemeClr val="tx1"/>
+                </a:solidFill>
+                <a:effectLst/>
+                <a:latin typeface="+mn-lt"/>
+                <a:ea typeface="+mn-ea"/>
+                <a:cs typeface="+mn-cs"/>
+              </a:rPr>
+              <a:t>Сигналы речевого диапазона частот занимают полосу от 300 до 3400 Гц, то есть являются широкополосными.</a:t>
+            </a:r>
+          </a:p>
+          <a:p>
+            <a:pPr marL="216000" marR="0" lvl="0" indent="-207720" algn="l" defTabSz="914400" rtl="0" eaLnBrk="1" fontAlgn="auto" latinLnBrk="0" hangingPunct="1">
+              <a:lnSpc>
+                <a:spcPct val="100000"/>
+              </a:lnSpc>
+              <a:spcBef>
+                <a:spcPts val="0"/>
+              </a:spcBef>
+              <a:spcAft>
+                <a:spcPts val="0"/>
+              </a:spcAft>
+              <a:buClrTx/>
+              <a:buSzTx/>
+              <a:buFontTx/>
+              <a:buNone/>
+              <a:tabLst>
+                <a:tab pos="0" algn="l"/>
+              </a:tabLst>
+              <a:defRPr/>
+            </a:pPr>
+            <a:r>
+              <a:rPr lang="ru-RU" sz="1400" kern="1200" dirty="0" smtClean="0">
+                <a:solidFill>
+                  <a:schemeClr val="tx1"/>
+                </a:solidFill>
+                <a:effectLst/>
+                <a:latin typeface="+mn-lt"/>
+                <a:ea typeface="+mn-ea"/>
+                <a:cs typeface="+mn-cs"/>
+              </a:rPr>
+              <a:t>Для обработки звука</a:t>
+            </a:r>
+            <a:r>
+              <a:rPr lang="ru-RU" sz="1400" kern="1200" baseline="0" dirty="0" smtClean="0">
+                <a:solidFill>
+                  <a:schemeClr val="tx1"/>
+                </a:solidFill>
+                <a:effectLst/>
+                <a:latin typeface="+mn-lt"/>
+                <a:ea typeface="+mn-ea"/>
+                <a:cs typeface="+mn-cs"/>
+              </a:rPr>
+              <a:t> МР используются в сочетании с формирователями луча. Это процессоры, которые обеспечивают частотно-зависимый отклик для каждого канала МР. Различают</a:t>
+            </a:r>
+            <a:endParaRPr lang="ru-RU" sz="1400" kern="1200" dirty="0" smtClean="0">
+              <a:solidFill>
+                <a:schemeClr val="tx1"/>
+              </a:solidFill>
+              <a:effectLst/>
+              <a:latin typeface="+mn-lt"/>
+              <a:ea typeface="+mn-ea"/>
+              <a:cs typeface="+mn-cs"/>
+            </a:endParaRPr>
+          </a:p>
           <a:p>
             <a:pPr marL="216000" indent="-207720">
               <a:lnSpc>
                 <a:spcPct val="100000"/>
               </a:lnSpc>
               <a:tabLst>
-                <a:tab algn="l" pos="0"/>
+                <a:tab pos="0" algn="l"/>
               </a:tabLst>
             </a:pPr>
-            <a:r>
-              <a:rPr b="0" lang="ru-RU" sz="1200" spc="-1" strike="noStrike">
+            <a:endParaRPr lang="ru-RU" sz="1400" b="0" strike="noStrike" spc="-1" dirty="0" smtClean="0">
+              <a:latin typeface="Arial"/>
+            </a:endParaRPr>
+          </a:p>
+          <a:p>
+            <a:pPr marL="216000" indent="-207720">
+              <a:lnSpc>
+                <a:spcPct val="100000"/>
+              </a:lnSpc>
+              <a:tabLst>
+                <a:tab pos="0" algn="l"/>
+              </a:tabLst>
+            </a:pPr>
+            <a:endParaRPr lang="ru-RU" sz="1400" b="0" strike="noStrike" spc="-1" dirty="0" smtClean="0">
+              <a:latin typeface="Arial"/>
+            </a:endParaRPr>
+          </a:p>
+          <a:p>
+            <a:pPr marL="216000" indent="-207720">
+              <a:lnSpc>
+                <a:spcPct val="100000"/>
+              </a:lnSpc>
+              <a:tabLst>
+                <a:tab pos="0" algn="l"/>
+              </a:tabLst>
+            </a:pPr>
+            <a:r>
+              <a:rPr lang="ru-RU" sz="1400" b="0" strike="noStrike" spc="-1" dirty="0" smtClean="0">
+                <a:latin typeface="Arial"/>
+              </a:rPr>
+              <a:t>Частотный ФЛ, </a:t>
+            </a:r>
+            <a:r>
+              <a:rPr lang="ru-RU" sz="1400" b="0" strike="noStrike" spc="-1" dirty="0">
+                <a:latin typeface="Arial"/>
+              </a:rPr>
+              <a:t>который разбивает спектр принятых сигналов на диапазоны и умножает каждый диапазон на соответствующие коэффициенты, и временной,  который  обеспечивает  частотно  зависимые коэффициенты с помощью линий задержки КИХ фильтров, расположенных в канале каждого сенсора. В данной работе я работал с временным формирователем луча</a:t>
+            </a:r>
+          </a:p>
+        </p:txBody>
+      </p:sp>
+      <p:sp>
+        <p:nvSpPr>
+          <p:cNvPr id="132" name="CustomShape 3"/>
+          <p:cNvSpPr/>
+          <p:nvPr/>
+        </p:nvSpPr>
+        <p:spPr>
+          <a:xfrm>
+            <a:off x="3884760" y="8685360"/>
+            <a:ext cx="2963160" cy="448560"/>
+          </a:xfrm>
+          <a:prstGeom prst="rect">
+            <a:avLst/>
+          </a:prstGeom>
+          <a:noFill/>
+          <a:ln>
+            <a:noFill/>
+          </a:ln>
+        </p:spPr>
+        <p:style>
+          <a:lnRef idx="0">
+            <a:scrgbClr r="0" g="0" b="0"/>
+          </a:lnRef>
+          <a:fillRef idx="0">
+            <a:scrgbClr r="0" g="0" b="0"/>
+          </a:fillRef>
+          <a:effectRef idx="0">
+            <a:scrgbClr r="0" g="0" b="0"/>
+          </a:effectRef>
+          <a:fontRef idx="minor"/>
+        </p:style>
+        <p:txBody>
+          <a:bodyPr lIns="90000" tIns="45000" rIns="90000" bIns="45000" anchor="b">
+            <a:noAutofit/>
+          </a:bodyPr>
+          <a:lstStyle/>
+          <a:p>
+            <a:pPr algn="r">
+              <a:lnSpc>
+                <a:spcPct val="100000"/>
+              </a:lnSpc>
+            </a:pPr>
+            <a:fld id="{B875CB0B-2BEB-4B2C-A427-5AAF16A4C41A}" type="slidenum">
+              <a:rPr lang="ru-RU" sz="1200" b="0" strike="noStrike" spc="-1">
                 <a:solidFill>
                   <a:srgbClr val="000000"/>
                 </a:solidFill>
                 <a:latin typeface="+mn-lt"/>
                 <a:ea typeface="+mn-ea"/>
               </a:rPr>
-              <a:t>графики выигрыша в ОСШ от порядка адаптивных фильтров и от числа микрофонов. Тоже самое для выигрыша в PESQ. </a:t>
-            </a:r>
-            <a:endParaRPr b="0" lang="ru-RU" sz="1200" spc="-1" strike="noStrike">
-              <a:latin typeface="Arial"/>
-            </a:endParaRPr>
-          </a:p>
-        </p:txBody>
-      </p:sp>
-      <p:sp>
-        <p:nvSpPr>
-          <p:cNvPr id="150" name="CustomShape 3"/>
-          <p:cNvSpPr/>
-          <p:nvPr/>
-        </p:nvSpPr>
-        <p:spPr>
-          <a:xfrm>
-            <a:off x="3884760" y="8685360"/>
-            <a:ext cx="2963160" cy="448560"/>
-          </a:xfrm>
-          <a:prstGeom prst="rect">
-            <a:avLst/>
-          </a:prstGeom>
-          <a:noFill/>
-          <a:ln>
-            <a:noFill/>
-          </a:ln>
-        </p:spPr>
-        <p:style>
-          <a:lnRef idx="0"/>
-          <a:fillRef idx="0"/>
-          <a:effectRef idx="0"/>
-          <a:fontRef idx="minor"/>
-        </p:style>
-        <p:txBody>
-          <a:bodyPr lIns="90000" rIns="90000" tIns="45000" bIns="45000" anchor="b">
-            <a:noAutofit/>
-          </a:bodyPr>
-          <a:p>
-            <a:pPr algn="r">
-              <a:lnSpc>
-                <a:spcPct val="100000"/>
-              </a:lnSpc>
-            </a:pPr>
-            <a:fld id="{7D46E883-34ED-4EC1-9584-904BB03CC24D}" type="slidenum">
-              <a:rPr b="0" lang="ru-RU" sz="1200" spc="-1" strike="noStrike">
-                <a:solidFill>
-                  <a:srgbClr val="000000"/>
-                </a:solidFill>
-                <a:latin typeface="+mn-lt"/>
-                <a:ea typeface="+mn-ea"/>
-              </a:rPr>
-              <a:t>&lt;номер&gt;</a:t>
+              <a:t>4</a:t>
             </a:fld>
-            <a:endParaRPr b="0" lang="ru-RU" sz="1200" spc="-1" strike="noStrike">
+            <a:endParaRPr lang="ru-RU" sz="1200" b="0" strike="noStrike" spc="-1">
               <a:latin typeface="Arial"/>
             </a:endParaRPr>
           </a:p>
@@ -407,11 +1108,14 @@
       </p:sp>
     </p:spTree>
   </p:cSld>
+  <p:clrMapOvr>
+    <a:masterClrMapping/>
+  </p:clrMapOvr>
 </p:notes>
 </file>
 
 <file path=ppt/notesSlides/notesSlide3.xml><?xml version="1.0" encoding="utf-8"?>
-<p:notes xmlns:a="http://schemas.openxmlformats.org/drawingml/2006/main" xmlns:p="http://schemas.openxmlformats.org/presentationml/2006/main" xmlns:r="http://schemas.openxmlformats.org/officeDocument/2006/relationships" xmlns:p14="http://schemas.microsoft.com/office/powerpoint/2010/main" xmlns:p15="http://schemas.microsoft.com/office/powerpoint/2012/main" xmlns:mc="http://schemas.openxmlformats.org/markup-compatibility/2006">
+<p:notes xmlns:a="http://schemas.openxmlformats.org/drawingml/2006/main" xmlns:r="http://schemas.openxmlformats.org/officeDocument/2006/relationships" xmlns:p="http://schemas.openxmlformats.org/presentationml/2006/main">
   <p:cSld>
     <p:spTree>
       <p:nvGrpSpPr>
@@ -429,9 +1133,9 @@
       </p:grpSpPr>
       <p:sp>
         <p:nvSpPr>
-          <p:cNvPr id="127" name="PlaceHolder 1"/>
+          <p:cNvPr id="133" name="PlaceHolder 1"/>
           <p:cNvSpPr>
-            <a:spLocks noGrp="1"/>
+            <a:spLocks noGrp="1" noRot="1" noChangeAspect="1"/>
           </p:cNvSpPr>
           <p:nvPr>
             <p:ph type="sldImg"/>
@@ -439,17 +1143,17 @@
         </p:nvSpPr>
         <p:spPr>
           <a:xfrm>
-            <a:off x="1143000" y="685800"/>
-            <a:ext cx="4563360" cy="3420360"/>
-          </a:xfrm>
-          <a:prstGeom prst="rect">
-            <a:avLst/>
-          </a:prstGeom>
-        </p:spPr>
-      </p:sp>
-      <p:sp>
-        <p:nvSpPr>
-          <p:cNvPr id="128" name="PlaceHolder 2"/>
+            <a:off x="1144588" y="685800"/>
+            <a:ext cx="4560887" cy="3421063"/>
+          </a:xfrm>
+          <a:prstGeom prst="rect">
+            <a:avLst/>
+          </a:prstGeom>
+        </p:spPr>
+      </p:sp>
+      <p:sp>
+        <p:nvSpPr>
+          <p:cNvPr id="134" name="PlaceHolder 2"/>
           <p:cNvSpPr>
             <a:spLocks noGrp="1"/>
           </p:cNvSpPr>
@@ -467,80 +1171,127 @@
           </a:prstGeom>
         </p:spPr>
         <p:txBody>
-          <a:bodyPr lIns="0" rIns="0" tIns="0" bIns="0">
+          <a:bodyPr lIns="0" tIns="0" rIns="0" bIns="0">
             <a:noAutofit/>
           </a:bodyPr>
-          <a:p>
-            <a:pPr marL="216000" indent="-207720">
+          <a:lstStyle/>
+          <a:p>
+            <a:pPr marL="216000" indent="-214200">
               <a:lnSpc>
                 <a:spcPct val="100000"/>
               </a:lnSpc>
               <a:tabLst>
-                <a:tab algn="l" pos="0"/>
+                <a:tab pos="0" algn="l"/>
               </a:tabLst>
             </a:pPr>
             <a:r>
-              <a:rPr b="0" lang="ru-RU" sz="1200" spc="-1" strike="noStrike">
+              <a:rPr lang="ru-RU" sz="1400" b="0" strike="noStrike" spc="-1" dirty="0" smtClean="0">
+                <a:latin typeface="+mn-lt"/>
+              </a:rPr>
+              <a:t>Формирователь луча можно рассматривать как разновидность фильтра. Частотно-</a:t>
+            </a:r>
+            <a:r>
+              <a:rPr lang="ru-RU" sz="1400" b="0" strike="noStrike" spc="-1" dirty="0" err="1" smtClean="0">
+                <a:latin typeface="+mn-lt"/>
+              </a:rPr>
+              <a:t>ВременнОй</a:t>
+            </a:r>
+            <a:r>
+              <a:rPr lang="ru-RU" sz="1400" b="0" strike="noStrike" spc="-1" baseline="0" dirty="0" smtClean="0">
+                <a:latin typeface="+mn-lt"/>
+              </a:rPr>
+              <a:t> </a:t>
+            </a:r>
+            <a:r>
+              <a:rPr lang="ru-RU" sz="1400" b="0" strike="noStrike" spc="-1" dirty="0" smtClean="0">
+                <a:latin typeface="+mn-lt"/>
+              </a:rPr>
+              <a:t>фильтр используются для приема сигнала и увеличения или уменьшения его отдельных частотных</a:t>
+            </a:r>
+            <a:r>
+              <a:rPr lang="ru-RU" sz="1400" b="0" strike="noStrike" spc="-1" baseline="0" dirty="0" smtClean="0">
+                <a:latin typeface="+mn-lt"/>
+              </a:rPr>
+              <a:t> компонент</a:t>
+            </a:r>
+            <a:endParaRPr lang="ru-RU" sz="1400" b="0" strike="noStrike" spc="-1" dirty="0" smtClean="0">
+              <a:latin typeface="+mn-lt"/>
+            </a:endParaRPr>
+          </a:p>
+          <a:p>
+            <a:pPr marL="216000" indent="-214200">
+              <a:lnSpc>
+                <a:spcPct val="100000"/>
+              </a:lnSpc>
+              <a:tabLst>
+                <a:tab pos="0" algn="l"/>
+              </a:tabLst>
+            </a:pPr>
+            <a:r>
+              <a:rPr lang="ru-RU" sz="1400" b="0" strike="noStrike" spc="-1" dirty="0" smtClean="0">
+                <a:latin typeface="+mn-lt"/>
+              </a:rPr>
+              <a:t>А роль ФЛ состоит в увеличении сигналов с определенного направления и уменьшении сигналов со всех других направлений</a:t>
+            </a:r>
+            <a:endParaRPr lang="ru-RU" sz="1400" b="0" strike="noStrike" spc="-1" dirty="0">
+              <a:latin typeface="Arial"/>
+            </a:endParaRPr>
+          </a:p>
+        </p:txBody>
+      </p:sp>
+      <p:sp>
+        <p:nvSpPr>
+          <p:cNvPr id="135" name="CustomShape 3"/>
+          <p:cNvSpPr/>
+          <p:nvPr/>
+        </p:nvSpPr>
+        <p:spPr>
+          <a:xfrm>
+            <a:off x="3884760" y="8685360"/>
+            <a:ext cx="2963160" cy="448560"/>
+          </a:xfrm>
+          <a:prstGeom prst="rect">
+            <a:avLst/>
+          </a:prstGeom>
+          <a:noFill/>
+          <a:ln>
+            <a:noFill/>
+          </a:ln>
+        </p:spPr>
+        <p:style>
+          <a:lnRef idx="0">
+            <a:scrgbClr r="0" g="0" b="0"/>
+          </a:lnRef>
+          <a:fillRef idx="0">
+            <a:scrgbClr r="0" g="0" b="0"/>
+          </a:fillRef>
+          <a:effectRef idx="0">
+            <a:scrgbClr r="0" g="0" b="0"/>
+          </a:effectRef>
+          <a:fontRef idx="minor"/>
+        </p:style>
+        <p:txBody>
+          <a:bodyPr lIns="90000" tIns="45000" rIns="90000" bIns="45000" anchor="b">
+            <a:noAutofit/>
+          </a:bodyPr>
+          <a:lstStyle/>
+          <a:p>
+            <a:pPr algn="r">
+              <a:lnSpc>
+                <a:spcPct val="100000"/>
+              </a:lnSpc>
+            </a:pPr>
+            <a:fld id="{944D1F3B-AB0E-4E7D-B0A0-BEE60EDBB94C}" type="slidenum">
+              <a:rPr lang="ru-RU" sz="1200" b="0" strike="noStrike" spc="-1">
                 <a:solidFill>
                   <a:srgbClr val="000000"/>
                 </a:solidFill>
                 <a:latin typeface="+mn-lt"/>
                 <a:ea typeface="+mn-ea"/>
               </a:rPr>
-              <a:t>Микрофонные решетки находят применение в военной, автомобильной промышленности. Так же используются для записи объемного звука и применяются в контексте безопасности. Так система «Бумеранг» , состоящая из нескольких микрофонов, используется для защиты транспортных средств и войск от снайперского огня. Система позволяет определить положение стрелка. Система обнаружения выстрелов «SENTRI» позволяет при помощи МР определять, является ли полученный звук выстрелом, а не огнем автомобиля или сиреной, а затем, используя алгоритмы локализации, определяет направление источника.  Микрофон-ные  массивы используются  для  получения  объемной  звуковой картины. Такие решения используются, например, в  автомобильной  промышленности  для  точного выявления мест, являющихся источниками нежелательных шумов – скрипа, стука и т.д.</a:t>
-            </a:r>
-            <a:endParaRPr b="0" lang="ru-RU" sz="1200" spc="-1" strike="noStrike">
-              <a:latin typeface="Arial"/>
-            </a:endParaRPr>
-          </a:p>
-        </p:txBody>
-      </p:sp>
-      <p:sp>
-        <p:nvSpPr>
-          <p:cNvPr id="129" name="CustomShape 3"/>
-          <p:cNvSpPr/>
-          <p:nvPr/>
-        </p:nvSpPr>
-        <p:spPr>
-          <a:xfrm>
-            <a:off x="3884760" y="8685360"/>
-            <a:ext cx="2963160" cy="448560"/>
-          </a:xfrm>
-          <a:prstGeom prst="rect">
-            <a:avLst/>
-          </a:prstGeom>
-          <a:noFill/>
-          <a:ln>
-            <a:noFill/>
-          </a:ln>
-        </p:spPr>
-        <p:style>
-          <a:lnRef idx="0"/>
-          <a:fillRef idx="0"/>
-          <a:effectRef idx="0"/>
-          <a:fontRef idx="minor"/>
-        </p:style>
-        <p:txBody>
-          <a:bodyPr lIns="90000" rIns="90000" tIns="45000" bIns="45000" anchor="b">
-            <a:noAutofit/>
-          </a:bodyPr>
-          <a:p>
-            <a:pPr algn="r">
-              <a:lnSpc>
-                <a:spcPct val="100000"/>
-              </a:lnSpc>
-            </a:pPr>
-            <a:fld id="{ECD64A31-712F-4B1E-99B3-D841FA6A60CE}" type="slidenum">
-              <a:rPr b="0" lang="ru-RU" sz="1200" spc="-1" strike="noStrike">
-                <a:solidFill>
-                  <a:srgbClr val="000000"/>
-                </a:solidFill>
-                <a:latin typeface="+mn-lt"/>
-                <a:ea typeface="+mn-ea"/>
-              </a:rPr>
-              <a:t>&lt;номер&gt;</a:t>
+              <a:t>5</a:t>
             </a:fld>
-            <a:endParaRPr b="0" lang="ru-RU" sz="1200" spc="-1" strike="noStrike">
+            <a:endParaRPr lang="ru-RU" sz="1200" b="0" strike="noStrike" spc="-1">
               <a:latin typeface="Arial"/>
             </a:endParaRPr>
           </a:p>
@@ -548,11 +1299,14 @@
       </p:sp>
     </p:spTree>
   </p:cSld>
+  <p:clrMapOvr>
+    <a:masterClrMapping/>
+  </p:clrMapOvr>
 </p:notes>
 </file>
 
 <file path=ppt/notesSlides/notesSlide4.xml><?xml version="1.0" encoding="utf-8"?>
-<p:notes xmlns:a="http://schemas.openxmlformats.org/drawingml/2006/main" xmlns:p="http://schemas.openxmlformats.org/presentationml/2006/main" xmlns:r="http://schemas.openxmlformats.org/officeDocument/2006/relationships" xmlns:p14="http://schemas.microsoft.com/office/powerpoint/2010/main" xmlns:p15="http://schemas.microsoft.com/office/powerpoint/2012/main" xmlns:mc="http://schemas.openxmlformats.org/markup-compatibility/2006">
+<p:notes xmlns:a="http://schemas.openxmlformats.org/drawingml/2006/main" xmlns:r="http://schemas.openxmlformats.org/officeDocument/2006/relationships" xmlns:p="http://schemas.openxmlformats.org/presentationml/2006/main">
   <p:cSld>
     <p:spTree>
       <p:nvGrpSpPr>
@@ -570,9 +1324,9 @@
       </p:grpSpPr>
       <p:sp>
         <p:nvSpPr>
-          <p:cNvPr id="130" name="PlaceHolder 1"/>
+          <p:cNvPr id="136" name="PlaceHolder 1"/>
           <p:cNvSpPr>
-            <a:spLocks noGrp="1"/>
+            <a:spLocks noGrp="1" noRot="1" noChangeAspect="1"/>
           </p:cNvSpPr>
           <p:nvPr>
             <p:ph type="sldImg"/>
@@ -580,17 +1334,17 @@
         </p:nvSpPr>
         <p:spPr>
           <a:xfrm>
-            <a:off x="1143000" y="685800"/>
-            <a:ext cx="4563360" cy="3420360"/>
-          </a:xfrm>
-          <a:prstGeom prst="rect">
-            <a:avLst/>
-          </a:prstGeom>
-        </p:spPr>
-      </p:sp>
-      <p:sp>
-        <p:nvSpPr>
-          <p:cNvPr id="131" name="PlaceHolder 2"/>
+            <a:off x="1144588" y="685800"/>
+            <a:ext cx="4560887" cy="3421063"/>
+          </a:xfrm>
+          <a:prstGeom prst="rect">
+            <a:avLst/>
+          </a:prstGeom>
+        </p:spPr>
+      </p:sp>
+      <p:sp>
+        <p:nvSpPr>
+          <p:cNvPr id="137" name="PlaceHolder 2"/>
           <p:cNvSpPr>
             <a:spLocks noGrp="1"/>
           </p:cNvSpPr>
@@ -608,33 +1362,105 @@
           </a:prstGeom>
         </p:spPr>
         <p:txBody>
-          <a:bodyPr lIns="0" rIns="0" tIns="0" bIns="0">
+          <a:bodyPr lIns="0" tIns="0" rIns="0" bIns="0">
             <a:noAutofit/>
           </a:bodyPr>
+          <a:lstStyle/>
           <a:p>
             <a:pPr marL="216000" indent="-207720">
               <a:lnSpc>
                 <a:spcPct val="100000"/>
               </a:lnSpc>
               <a:tabLst>
-                <a:tab algn="l" pos="0"/>
+                <a:tab pos="0" algn="l"/>
               </a:tabLst>
             </a:pPr>
             <a:r>
-              <a:rPr b="0" lang="ru-RU" sz="1400" spc="-1" strike="noStrike">
-                <a:latin typeface="Arial"/>
-              </a:rPr>
-              <a:t>Звук во время обработки является широкополосным, поэтому и формирователи луча являются широкополосными. Они делятся на частотный, который разбивает спектр принятых сигналов на диапазоны и умножает каждый диапазон на соответствующие коэффициенты, и временной,  который  обеспечивает  частотно  зависимые коэффициенты с помощью линий задержки КИХ фильтров, расположенных в канале каждого сенсора. В данной работе я работал с временным формирователем луча</a:t>
-            </a:r>
-            <a:endParaRPr b="0" lang="ru-RU" sz="1400" spc="-1" strike="noStrike">
-              <a:latin typeface="Arial"/>
-            </a:endParaRPr>
-          </a:p>
-        </p:txBody>
-      </p:sp>
-      <p:sp>
-        <p:nvSpPr>
-          <p:cNvPr id="132" name="CustomShape 3"/>
+              <a:rPr lang="ru-RU" sz="1200" b="0" strike="noStrike" spc="-1" dirty="0">
+                <a:solidFill>
+                  <a:srgbClr val="000000"/>
+                </a:solidFill>
+                <a:latin typeface="+mn-lt"/>
+                <a:ea typeface="+mn-ea"/>
+              </a:rPr>
+              <a:t>Существует два подхода пространственной фильтрации. </a:t>
+            </a:r>
+            <a:endParaRPr lang="en-US" sz="1200" b="0" strike="noStrike" spc="-1" dirty="0" smtClean="0">
+              <a:solidFill>
+                <a:srgbClr val="000000"/>
+              </a:solidFill>
+              <a:latin typeface="+mn-lt"/>
+              <a:ea typeface="+mn-ea"/>
+            </a:endParaRPr>
+          </a:p>
+          <a:p>
+            <a:pPr marL="216000" indent="-207720">
+              <a:lnSpc>
+                <a:spcPct val="100000"/>
+              </a:lnSpc>
+              <a:tabLst>
+                <a:tab pos="0" algn="l"/>
+              </a:tabLst>
+            </a:pPr>
+            <a:r>
+              <a:rPr lang="ru-RU" sz="1200" b="0" strike="noStrike" spc="-1" dirty="0" smtClean="0">
+                <a:solidFill>
+                  <a:srgbClr val="000000"/>
+                </a:solidFill>
+                <a:latin typeface="+mn-lt"/>
+                <a:ea typeface="+mn-ea"/>
+              </a:rPr>
+              <a:t>В первом случае работа</a:t>
+            </a:r>
+            <a:r>
+              <a:rPr lang="ru-RU" sz="1200" b="0" strike="noStrike" spc="-1" baseline="0" dirty="0" smtClean="0">
+                <a:solidFill>
+                  <a:srgbClr val="000000"/>
+                </a:solidFill>
+                <a:latin typeface="+mn-lt"/>
+                <a:ea typeface="+mn-ea"/>
+              </a:rPr>
+              <a:t> ФЛ не зависит от входных данных. Применяется в стационарной помеховой обстановке, где мы априори знаем положения источников помех.</a:t>
+            </a:r>
+          </a:p>
+          <a:p>
+            <a:pPr marL="216000" indent="-207720">
+              <a:lnSpc>
+                <a:spcPct val="100000"/>
+              </a:lnSpc>
+              <a:tabLst>
+                <a:tab pos="0" algn="l"/>
+              </a:tabLst>
+            </a:pPr>
+            <a:r>
+              <a:rPr lang="ru-RU" sz="1200" b="0" strike="noStrike" spc="-1" baseline="0" dirty="0" smtClean="0">
+                <a:solidFill>
+                  <a:srgbClr val="000000"/>
+                </a:solidFill>
+                <a:latin typeface="+mn-lt"/>
+                <a:ea typeface="+mn-ea"/>
+              </a:rPr>
+              <a:t>Во втором подходе ФЛ определяет статистику входных данных и адаптирует коэффициенты к оптимальному с точки зрения определенных критериев решению. Такой алгоритм работоспособен в динамической помеховой обстановке. </a:t>
+            </a:r>
+          </a:p>
+          <a:p>
+            <a:pPr marL="216000" indent="-207720">
+              <a:lnSpc>
+                <a:spcPct val="100000"/>
+              </a:lnSpc>
+              <a:tabLst>
+                <a:tab pos="0" algn="l"/>
+              </a:tabLst>
+            </a:pPr>
+            <a:endParaRPr lang="ru-RU" sz="1200" b="0" strike="noStrike" spc="-1" dirty="0">
+              <a:latin typeface="Arial"/>
+            </a:endParaRPr>
+          </a:p>
+        </p:txBody>
+      </p:sp>
+      <p:sp>
+        <p:nvSpPr>
+          <p:cNvPr id="138" name="CustomShape 3"/>
           <p:cNvSpPr/>
           <p:nvPr/>
         </p:nvSpPr>
@@ -652,32 +1478,39 @@
           </a:ln>
         </p:spPr>
         <p:style>
-          <a:lnRef idx="0"/>
-          <a:fillRef idx="0"/>
-          <a:effectRef idx="0"/>
+          <a:lnRef idx="0">
+            <a:scrgbClr r="0" g="0" b="0"/>
+          </a:lnRef>
+          <a:fillRef idx="0">
+            <a:scrgbClr r="0" g="0" b="0"/>
+          </a:fillRef>
+          <a:effectRef idx="0">
+            <a:scrgbClr r="0" g="0" b="0"/>
+          </a:effectRef>
           <a:fontRef idx="minor"/>
         </p:style>
         <p:txBody>
-          <a:bodyPr lIns="90000" rIns="90000" tIns="45000" bIns="45000" anchor="b">
+          <a:bodyPr lIns="90000" tIns="45000" rIns="90000" bIns="45000" anchor="b">
             <a:noAutofit/>
           </a:bodyPr>
+          <a:lstStyle/>
           <a:p>
             <a:pPr algn="r">
               <a:lnSpc>
                 <a:spcPct val="100000"/>
               </a:lnSpc>
             </a:pPr>
-            <a:fld id="{B875CB0B-2BEB-4B2C-A427-5AAF16A4C41A}" type="slidenum">
-              <a:rPr b="0" lang="ru-RU" sz="1200" spc="-1" strike="noStrike">
+            <a:fld id="{8AE40307-109E-42BD-8609-D8418B4FB18F}" type="slidenum">
+              <a:rPr lang="ru-RU" sz="1200" b="0" strike="noStrike" spc="-1">
                 <a:solidFill>
                   <a:srgbClr val="000000"/>
                 </a:solidFill>
                 <a:latin typeface="+mn-lt"/>
                 <a:ea typeface="+mn-ea"/>
               </a:rPr>
-              <a:t>&lt;номер&gt;</a:t>
+              <a:t>6</a:t>
             </a:fld>
-            <a:endParaRPr b="0" lang="ru-RU" sz="1200" spc="-1" strike="noStrike">
+            <a:endParaRPr lang="ru-RU" sz="1200" b="0" strike="noStrike" spc="-1">
               <a:latin typeface="Arial"/>
             </a:endParaRPr>
           </a:p>
@@ -685,11 +1518,14 @@
       </p:sp>
     </p:spTree>
   </p:cSld>
+  <p:clrMapOvr>
+    <a:masterClrMapping/>
+  </p:clrMapOvr>
 </p:notes>
 </file>
 
 <file path=ppt/notesSlides/notesSlide5.xml><?xml version="1.0" encoding="utf-8"?>
-<p:notes xmlns:a="http://schemas.openxmlformats.org/drawingml/2006/main" xmlns:p="http://schemas.openxmlformats.org/presentationml/2006/main" xmlns:r="http://schemas.openxmlformats.org/officeDocument/2006/relationships" xmlns:p14="http://schemas.microsoft.com/office/powerpoint/2010/main" xmlns:p15="http://schemas.microsoft.com/office/powerpoint/2012/main" xmlns:mc="http://schemas.openxmlformats.org/markup-compatibility/2006">
+<p:notes xmlns:a="http://schemas.openxmlformats.org/drawingml/2006/main" xmlns:r="http://schemas.openxmlformats.org/officeDocument/2006/relationships" xmlns:p="http://schemas.openxmlformats.org/presentationml/2006/main">
   <p:cSld>
     <p:spTree>
       <p:nvGrpSpPr>
@@ -707,9 +1543,9 @@
       </p:grpSpPr>
       <p:sp>
         <p:nvSpPr>
-          <p:cNvPr id="133" name="PlaceHolder 1"/>
+          <p:cNvPr id="139" name="PlaceHolder 1"/>
           <p:cNvSpPr>
-            <a:spLocks noGrp="1"/>
+            <a:spLocks noGrp="1" noRot="1" noChangeAspect="1"/>
           </p:cNvSpPr>
           <p:nvPr>
             <p:ph type="sldImg"/>
@@ -717,17 +1553,17 @@
         </p:nvSpPr>
         <p:spPr>
           <a:xfrm>
-            <a:off x="1143000" y="685800"/>
-            <a:ext cx="4563360" cy="3420360"/>
-          </a:xfrm>
-          <a:prstGeom prst="rect">
-            <a:avLst/>
-          </a:prstGeom>
-        </p:spPr>
-      </p:sp>
-      <p:sp>
-        <p:nvSpPr>
-          <p:cNvPr id="134" name="PlaceHolder 2"/>
+            <a:off x="1144588" y="685800"/>
+            <a:ext cx="4560887" cy="3421063"/>
+          </a:xfrm>
+          <a:prstGeom prst="rect">
+            <a:avLst/>
+          </a:prstGeom>
+        </p:spPr>
+      </p:sp>
+      <p:sp>
+        <p:nvSpPr>
+          <p:cNvPr id="140" name="PlaceHolder 2"/>
           <p:cNvSpPr>
             <a:spLocks noGrp="1"/>
           </p:cNvSpPr>
@@ -745,33 +1581,125 @@
           </a:prstGeom>
         </p:spPr>
         <p:txBody>
-          <a:bodyPr lIns="0" rIns="0" tIns="0" bIns="0">
+          <a:bodyPr lIns="0" tIns="0" rIns="0" bIns="0">
             <a:noAutofit/>
           </a:bodyPr>
-          <a:p>
-            <a:pPr marL="216000" indent="-214200">
+          <a:lstStyle/>
+          <a:p>
+            <a:pPr marL="216000" indent="-207720">
               <a:lnSpc>
                 <a:spcPct val="100000"/>
               </a:lnSpc>
               <a:tabLst>
-                <a:tab algn="l" pos="0"/>
+                <a:tab pos="0" algn="l"/>
               </a:tabLst>
             </a:pPr>
             <a:r>
-              <a:rPr b="0" lang="ru-RU" sz="1400" spc="-1" strike="noStrike">
-                <a:latin typeface="Arial"/>
-              </a:rPr>
-              <a:t>ФЛ выполняет пространственную фильтрацию  для  разделения  сигналов,  которые  имеют  перекрывающиеся  частотные спектры, но исходя из разных пространственных местоположений. Принцип данного метода состоит в том, чтобы сформировать луч и задать нужное направление, а по направлению приёма помеховых сигналов поставить нули или минимумы диаграммы направленности.В результате сигналы, у которых направление прихода совпадает с углом луча, усиливаются, а сигналы от других направлений ослабляются. </a:t>
-            </a:r>
-            <a:endParaRPr b="0" lang="ru-RU" sz="1400" spc="-1" strike="noStrike">
-              <a:latin typeface="Arial"/>
-            </a:endParaRPr>
-          </a:p>
-        </p:txBody>
-      </p:sp>
-      <p:sp>
-        <p:nvSpPr>
-          <p:cNvPr id="135" name="CustomShape 3"/>
+              <a:rPr lang="ru-RU" sz="1200" b="0" strike="noStrike" spc="-1" dirty="0" smtClean="0">
+                <a:solidFill>
+                  <a:srgbClr val="000000"/>
+                </a:solidFill>
+                <a:latin typeface="+mn-lt"/>
+                <a:ea typeface="+mn-ea"/>
+              </a:rPr>
+              <a:t>Один</a:t>
+            </a:r>
+            <a:r>
+              <a:rPr lang="ru-RU" sz="1200" b="0" strike="noStrike" spc="-1" baseline="0" dirty="0" smtClean="0">
+                <a:solidFill>
+                  <a:srgbClr val="000000"/>
+                </a:solidFill>
+                <a:latin typeface="+mn-lt"/>
+                <a:ea typeface="+mn-ea"/>
+              </a:rPr>
+              <a:t> из подходов</a:t>
+            </a:r>
+            <a:r>
+              <a:rPr lang="ru-RU" sz="1200" b="0" strike="noStrike" spc="-1" dirty="0" smtClean="0">
+                <a:solidFill>
+                  <a:srgbClr val="000000"/>
+                </a:solidFill>
+                <a:latin typeface="+mn-lt"/>
+                <a:ea typeface="+mn-ea"/>
+              </a:rPr>
+              <a:t> адаптивной</a:t>
+            </a:r>
+            <a:r>
+              <a:rPr lang="ru-RU" sz="1200" b="0" strike="noStrike" spc="-1" baseline="0" dirty="0" smtClean="0">
+                <a:solidFill>
+                  <a:srgbClr val="000000"/>
+                </a:solidFill>
+                <a:latin typeface="+mn-lt"/>
+                <a:ea typeface="+mn-ea"/>
+              </a:rPr>
+              <a:t> пространственной фильтрации состоит в минимизации целевой функции при выполнении линейных ограничений. Были рассмотрены 2 традиционных адаптивных алгоритма </a:t>
+            </a:r>
+            <a:r>
+              <a:rPr lang="en-US" sz="1200" b="0" strike="noStrike" spc="-1" baseline="0" dirty="0" smtClean="0">
+                <a:solidFill>
+                  <a:srgbClr val="000000"/>
+                </a:solidFill>
+                <a:latin typeface="+mn-lt"/>
+                <a:ea typeface="+mn-ea"/>
+              </a:rPr>
+              <a:t>LC LMS, LC RLS.</a:t>
+            </a:r>
+            <a:endParaRPr lang="ru-RU" sz="1200" b="0" strike="noStrike" spc="-1" baseline="0" dirty="0" smtClean="0">
+              <a:solidFill>
+                <a:srgbClr val="000000"/>
+              </a:solidFill>
+              <a:latin typeface="+mn-lt"/>
+              <a:ea typeface="+mn-ea"/>
+            </a:endParaRPr>
+          </a:p>
+          <a:p>
+            <a:pPr marL="216000" indent="-207720">
+              <a:lnSpc>
+                <a:spcPct val="100000"/>
+              </a:lnSpc>
+              <a:tabLst>
+                <a:tab pos="0" algn="l"/>
+              </a:tabLst>
+            </a:pPr>
+            <a:r>
+              <a:rPr lang="ru-RU" sz="1200" b="0" strike="noStrike" spc="-1" dirty="0" smtClean="0">
+                <a:solidFill>
+                  <a:srgbClr val="000000"/>
+                </a:solidFill>
+                <a:latin typeface="+mn-lt"/>
+                <a:ea typeface="+mn-ea"/>
+              </a:rPr>
+              <a:t>RLS алгоритм</a:t>
+            </a:r>
+            <a:r>
+              <a:rPr lang="ru-RU" sz="1200" b="0" strike="noStrike" spc="-1" baseline="0" dirty="0" smtClean="0">
+                <a:solidFill>
+                  <a:srgbClr val="000000"/>
+                </a:solidFill>
+                <a:latin typeface="+mn-lt"/>
+                <a:ea typeface="+mn-ea"/>
+              </a:rPr>
+              <a:t> имеет более высокую скорость сходимости, но в то же время более вычислительно </a:t>
+            </a:r>
+            <a:r>
+              <a:rPr lang="ru-RU" sz="1200" b="0" strike="noStrike" spc="-1" baseline="0" dirty="0" err="1" smtClean="0">
+                <a:solidFill>
+                  <a:srgbClr val="000000"/>
+                </a:solidFill>
+                <a:latin typeface="+mn-lt"/>
+                <a:ea typeface="+mn-ea"/>
+              </a:rPr>
+              <a:t>затратен</a:t>
+            </a:r>
+            <a:endParaRPr lang="ru-RU" sz="1200" b="0" strike="noStrike" spc="-1" dirty="0">
+              <a:latin typeface="Arial"/>
+            </a:endParaRPr>
+          </a:p>
+        </p:txBody>
+      </p:sp>
+      <p:sp>
+        <p:nvSpPr>
+          <p:cNvPr id="141" name="CustomShape 3"/>
           <p:cNvSpPr/>
           <p:nvPr/>
         </p:nvSpPr>
@@ -789,32 +1717,39 @@
           </a:ln>
         </p:spPr>
         <p:style>
-          <a:lnRef idx="0"/>
-          <a:fillRef idx="0"/>
-          <a:effectRef idx="0"/>
+          <a:lnRef idx="0">
+            <a:scrgbClr r="0" g="0" b="0"/>
+          </a:lnRef>
+          <a:fillRef idx="0">
+            <a:scrgbClr r="0" g="0" b="0"/>
+          </a:fillRef>
+          <a:effectRef idx="0">
+            <a:scrgbClr r="0" g="0" b="0"/>
+          </a:effectRef>
           <a:fontRef idx="minor"/>
         </p:style>
         <p:txBody>
-          <a:bodyPr lIns="90000" rIns="90000" tIns="45000" bIns="45000" anchor="b">
+          <a:bodyPr lIns="90000" tIns="45000" rIns="90000" bIns="45000" anchor="b">
             <a:noAutofit/>
           </a:bodyPr>
+          <a:lstStyle/>
           <a:p>
             <a:pPr algn="r">
               <a:lnSpc>
                 <a:spcPct val="100000"/>
               </a:lnSpc>
             </a:pPr>
-            <a:fld id="{944D1F3B-AB0E-4E7D-B0A0-BEE60EDBB94C}" type="slidenum">
-              <a:rPr b="0" lang="ru-RU" sz="1200" spc="-1" strike="noStrike">
+            <a:fld id="{CD9154DF-0844-4BE5-9F0C-DF87EDB264FC}" type="slidenum">
+              <a:rPr lang="ru-RU" sz="1200" b="0" strike="noStrike" spc="-1">
                 <a:solidFill>
                   <a:srgbClr val="000000"/>
                 </a:solidFill>
                 <a:latin typeface="+mn-lt"/>
                 <a:ea typeface="+mn-ea"/>
               </a:rPr>
-              <a:t>&lt;номер&gt;</a:t>
+              <a:t>7</a:t>
             </a:fld>
-            <a:endParaRPr b="0" lang="ru-RU" sz="1200" spc="-1" strike="noStrike">
+            <a:endParaRPr lang="ru-RU" sz="1200" b="0" strike="noStrike" spc="-1">
               <a:latin typeface="Arial"/>
             </a:endParaRPr>
           </a:p>
@@ -822,11 +1757,14 @@
       </p:sp>
     </p:spTree>
   </p:cSld>
+  <p:clrMapOvr>
+    <a:masterClrMapping/>
+  </p:clrMapOvr>
 </p:notes>
 </file>
 
 <file path=ppt/notesSlides/notesSlide6.xml><?xml version="1.0" encoding="utf-8"?>
-<p:notes xmlns:a="http://schemas.openxmlformats.org/drawingml/2006/main" xmlns:p="http://schemas.openxmlformats.org/presentationml/2006/main" xmlns:r="http://schemas.openxmlformats.org/officeDocument/2006/relationships" xmlns:p14="http://schemas.microsoft.com/office/powerpoint/2010/main" xmlns:p15="http://schemas.microsoft.com/office/powerpoint/2012/main" xmlns:mc="http://schemas.openxmlformats.org/markup-compatibility/2006">
+<p:notes xmlns:a="http://schemas.openxmlformats.org/drawingml/2006/main" xmlns:r="http://schemas.openxmlformats.org/officeDocument/2006/relationships" xmlns:p="http://schemas.openxmlformats.org/presentationml/2006/main">
   <p:cSld>
     <p:spTree>
       <p:nvGrpSpPr>
@@ -844,9 +1782,9 @@
       </p:grpSpPr>
       <p:sp>
         <p:nvSpPr>
-          <p:cNvPr id="136" name="PlaceHolder 1"/>
+          <p:cNvPr id="142" name="PlaceHolder 1"/>
           <p:cNvSpPr>
-            <a:spLocks noGrp="1"/>
+            <a:spLocks noGrp="1" noRot="1" noChangeAspect="1"/>
           </p:cNvSpPr>
           <p:nvPr>
             <p:ph type="sldImg"/>
@@ -864,7 +1802,7 @@
       </p:sp>
       <p:sp>
         <p:nvSpPr>
-          <p:cNvPr id="137" name="PlaceHolder 2"/>
+          <p:cNvPr id="143" name="PlaceHolder 2"/>
           <p:cNvSpPr>
             <a:spLocks noGrp="1"/>
           </p:cNvSpPr>
@@ -882,80 +1820,157 @@
           </a:prstGeom>
         </p:spPr>
         <p:txBody>
-          <a:bodyPr lIns="0" rIns="0" tIns="0" bIns="0">
+          <a:bodyPr lIns="0" tIns="0" rIns="0" bIns="0">
             <a:noAutofit/>
           </a:bodyPr>
+          <a:lstStyle/>
           <a:p>
             <a:pPr marL="216000" indent="-207720">
               <a:lnSpc>
                 <a:spcPct val="100000"/>
               </a:lnSpc>
               <a:tabLst>
-                <a:tab algn="l" pos="0"/>
+                <a:tab pos="0" algn="l"/>
               </a:tabLst>
             </a:pPr>
             <a:r>
-              <a:rPr b="0" lang="ru-RU" sz="1200" spc="-1" strike="noStrike">
+              <a:rPr lang="ru-RU" sz="2000" b="0" strike="noStrike" spc="-1" dirty="0">
+                <a:latin typeface="Arial"/>
+              </a:rPr>
+              <a:t>Для последующего моделирования </a:t>
+            </a:r>
+            <a:r>
+              <a:rPr lang="ru-RU" sz="2000" b="0" strike="noStrike" spc="-1" dirty="0" smtClean="0">
+                <a:latin typeface="Arial"/>
+              </a:rPr>
+              <a:t>была</a:t>
+            </a:r>
+            <a:r>
+              <a:rPr lang="ru-RU" sz="2000" b="0" strike="noStrike" spc="-1" baseline="0" dirty="0" smtClean="0">
+                <a:latin typeface="Arial"/>
+              </a:rPr>
+              <a:t> использована </a:t>
+            </a:r>
+            <a:r>
+              <a:rPr lang="ru-RU" sz="2000" b="0" strike="noStrike" spc="-1" dirty="0" smtClean="0">
+                <a:latin typeface="Arial"/>
+              </a:rPr>
+              <a:t>линейная эквидистантная</a:t>
+            </a:r>
+            <a:r>
+              <a:rPr lang="ru-RU" sz="2000" b="0" strike="noStrike" spc="-1" baseline="0" dirty="0" smtClean="0">
+                <a:latin typeface="Arial"/>
+              </a:rPr>
+              <a:t> </a:t>
+            </a:r>
+            <a:r>
+              <a:rPr lang="ru-RU" sz="2000" b="0" strike="noStrike" spc="-1" dirty="0" smtClean="0">
+                <a:latin typeface="Arial"/>
+              </a:rPr>
+              <a:t>микрофонная решетка </a:t>
+            </a:r>
+            <a:r>
+              <a:rPr lang="ru-RU" sz="2000" b="0" strike="noStrike" spc="-1" dirty="0">
+                <a:latin typeface="Arial"/>
+              </a:rPr>
+              <a:t>с расстоянием между </a:t>
+            </a:r>
+            <a:r>
+              <a:rPr lang="ru-RU" sz="2000" b="0" strike="noStrike" spc="-1" dirty="0" smtClean="0">
+                <a:latin typeface="Arial"/>
+              </a:rPr>
+              <a:t>микрофонами </a:t>
+            </a:r>
+            <a:r>
+              <a:rPr lang="ru-RU" sz="2000" b="0" strike="noStrike" spc="-1" dirty="0">
+                <a:latin typeface="Arial"/>
+              </a:rPr>
+              <a:t>4 см. </a:t>
+            </a:r>
+            <a:endParaRPr lang="ru-RU" sz="2000" b="0" strike="noStrike" spc="-1" dirty="0" smtClean="0">
+              <a:latin typeface="Arial"/>
+            </a:endParaRPr>
+          </a:p>
+          <a:p>
+            <a:pPr marL="216000" indent="-207720">
+              <a:lnSpc>
+                <a:spcPct val="100000"/>
+              </a:lnSpc>
+              <a:tabLst>
+                <a:tab pos="0" algn="l"/>
+              </a:tabLst>
+            </a:pPr>
+            <a:r>
+              <a:rPr lang="ru-RU" sz="2000" b="0" strike="noStrike" spc="-1" dirty="0" smtClean="0">
+                <a:latin typeface="Arial"/>
+              </a:rPr>
+              <a:t>Ею</a:t>
+            </a:r>
+            <a:r>
+              <a:rPr lang="ru-RU" sz="2000" b="0" strike="noStrike" spc="-1" baseline="0" dirty="0" smtClean="0">
+                <a:latin typeface="Arial"/>
+              </a:rPr>
+              <a:t> был осуществлен прием смеси полезного сигнала с направления 0 град азимута и помехи – с направления 60 град.</a:t>
+            </a:r>
+            <a:endParaRPr lang="ru-RU" sz="2000" b="0" strike="noStrike" spc="-1" dirty="0">
+              <a:latin typeface="Arial"/>
+            </a:endParaRPr>
+          </a:p>
+        </p:txBody>
+      </p:sp>
+      <p:sp>
+        <p:nvSpPr>
+          <p:cNvPr id="144" name="CustomShape 3"/>
+          <p:cNvSpPr/>
+          <p:nvPr/>
+        </p:nvSpPr>
+        <p:spPr>
+          <a:xfrm>
+            <a:off x="3884760" y="8685360"/>
+            <a:ext cx="2963160" cy="448560"/>
+          </a:xfrm>
+          <a:prstGeom prst="rect">
+            <a:avLst/>
+          </a:prstGeom>
+          <a:noFill/>
+          <a:ln>
+            <a:noFill/>
+          </a:ln>
+        </p:spPr>
+        <p:style>
+          <a:lnRef idx="0">
+            <a:scrgbClr r="0" g="0" b="0"/>
+          </a:lnRef>
+          <a:fillRef idx="0">
+            <a:scrgbClr r="0" g="0" b="0"/>
+          </a:fillRef>
+          <a:effectRef idx="0">
+            <a:scrgbClr r="0" g="0" b="0"/>
+          </a:effectRef>
+          <a:fontRef idx="minor"/>
+        </p:style>
+        <p:txBody>
+          <a:bodyPr lIns="90000" tIns="45000" rIns="90000" bIns="45000" anchor="b">
+            <a:noAutofit/>
+          </a:bodyPr>
+          <a:lstStyle/>
+          <a:p>
+            <a:pPr algn="r">
+              <a:lnSpc>
+                <a:spcPct val="100000"/>
+              </a:lnSpc>
+            </a:pPr>
+            <a:fld id="{C49A5351-5DB4-42E8-8ADE-5DF633D6AC75}" type="slidenum">
+              <a:rPr lang="ru-RU" sz="1200" b="0" strike="noStrike" spc="-1">
                 <a:solidFill>
                   <a:srgbClr val="000000"/>
                 </a:solidFill>
                 <a:latin typeface="+mn-lt"/>
                 <a:ea typeface="+mn-ea"/>
               </a:rPr>
-              <a:t>Существует два подхода пространственной фильтрации. Первый заключается в формировании постоянных весовых коэффициентов фильтра таким образом что бы сигнал усиливался в направлении приёма полезного сигнала,а в другом направлении сигнал подавлялся. Однако такой метод имеет всегда фиксированные направление подавления помехи, что не позволяет качественно  отфильтровать помеху приходящую  из другого направления. Для случая  с изменяющимися в пространстве помехам применяют адаптивные алгоритмы фильтрации, поскольку он может подстраивать свои весовые коэффициенты так, что бы помеха подавлялась. </a:t>
-            </a:r>
-            <a:endParaRPr b="0" lang="ru-RU" sz="1200" spc="-1" strike="noStrike">
-              <a:latin typeface="Arial"/>
-            </a:endParaRPr>
-          </a:p>
-        </p:txBody>
-      </p:sp>
-      <p:sp>
-        <p:nvSpPr>
-          <p:cNvPr id="138" name="CustomShape 3"/>
-          <p:cNvSpPr/>
-          <p:nvPr/>
-        </p:nvSpPr>
-        <p:spPr>
-          <a:xfrm>
-            <a:off x="3884760" y="8685360"/>
-            <a:ext cx="2963160" cy="448560"/>
-          </a:xfrm>
-          <a:prstGeom prst="rect">
-            <a:avLst/>
-          </a:prstGeom>
-          <a:noFill/>
-          <a:ln>
-            <a:noFill/>
-          </a:ln>
-        </p:spPr>
-        <p:style>
-          <a:lnRef idx="0"/>
-          <a:fillRef idx="0"/>
-          <a:effectRef idx="0"/>
-          <a:fontRef idx="minor"/>
-        </p:style>
-        <p:txBody>
-          <a:bodyPr lIns="90000" rIns="90000" tIns="45000" bIns="45000" anchor="b">
-            <a:noAutofit/>
-          </a:bodyPr>
-          <a:p>
-            <a:pPr algn="r">
-              <a:lnSpc>
-                <a:spcPct val="100000"/>
-              </a:lnSpc>
-            </a:pPr>
-            <a:fld id="{8AE40307-109E-42BD-8609-D8418B4FB18F}" type="slidenum">
-              <a:rPr b="0" lang="ru-RU" sz="1200" spc="-1" strike="noStrike">
-                <a:solidFill>
-                  <a:srgbClr val="000000"/>
-                </a:solidFill>
-                <a:latin typeface="+mn-lt"/>
-                <a:ea typeface="+mn-ea"/>
-              </a:rPr>
-              <a:t>&lt;номер&gt;</a:t>
+              <a:t>8</a:t>
             </a:fld>
-            <a:endParaRPr b="0" lang="ru-RU" sz="1200" spc="-1" strike="noStrike">
+            <a:endParaRPr lang="ru-RU" sz="1200" b="0" strike="noStrike" spc="-1">
               <a:latin typeface="Arial"/>
             </a:endParaRPr>
           </a:p>
@@ -963,11 +1978,14 @@
       </p:sp>
     </p:spTree>
   </p:cSld>
+  <p:clrMapOvr>
+    <a:masterClrMapping/>
+  </p:clrMapOvr>
 </p:notes>
 </file>
 
 <file path=ppt/notesSlides/notesSlide7.xml><?xml version="1.0" encoding="utf-8"?>
-<p:notes xmlns:a="http://schemas.openxmlformats.org/drawingml/2006/main" xmlns:p="http://schemas.openxmlformats.org/presentationml/2006/main" xmlns:r="http://schemas.openxmlformats.org/officeDocument/2006/relationships" xmlns:p14="http://schemas.microsoft.com/office/powerpoint/2010/main" xmlns:p15="http://schemas.microsoft.com/office/powerpoint/2012/main" xmlns:mc="http://schemas.openxmlformats.org/markup-compatibility/2006">
+<p:notes xmlns:a="http://schemas.openxmlformats.org/drawingml/2006/main" xmlns:r="http://schemas.openxmlformats.org/officeDocument/2006/relationships" xmlns:p="http://schemas.openxmlformats.org/presentationml/2006/main">
   <p:cSld>
     <p:spTree>
       <p:nvGrpSpPr>
@@ -985,9 +2003,9 @@
       </p:grpSpPr>
       <p:sp>
         <p:nvSpPr>
-          <p:cNvPr id="139" name="PlaceHolder 1"/>
+          <p:cNvPr id="145" name="PlaceHolder 1"/>
           <p:cNvSpPr>
-            <a:spLocks noGrp="1"/>
+            <a:spLocks noGrp="1" noRot="1" noChangeAspect="1"/>
           </p:cNvSpPr>
           <p:nvPr>
             <p:ph type="sldImg"/>
@@ -995,17 +2013,17 @@
         </p:nvSpPr>
         <p:spPr>
           <a:xfrm>
-            <a:off x="1143000" y="685800"/>
-            <a:ext cx="4563360" cy="3420360"/>
-          </a:xfrm>
-          <a:prstGeom prst="rect">
-            <a:avLst/>
-          </a:prstGeom>
-        </p:spPr>
-      </p:sp>
-      <p:sp>
-        <p:nvSpPr>
-          <p:cNvPr id="140" name="PlaceHolder 2"/>
+            <a:off x="1144588" y="685800"/>
+            <a:ext cx="4560887" cy="3421063"/>
+          </a:xfrm>
+          <a:prstGeom prst="rect">
+            <a:avLst/>
+          </a:prstGeom>
+        </p:spPr>
+      </p:sp>
+      <p:sp>
+        <p:nvSpPr>
+          <p:cNvPr id="146" name="PlaceHolder 2"/>
           <p:cNvSpPr>
             <a:spLocks noGrp="1"/>
           </p:cNvSpPr>
@@ -1023,37 +2041,102 @@
           </a:prstGeom>
         </p:spPr>
         <p:txBody>
-          <a:bodyPr lIns="0" rIns="0" tIns="0" bIns="0">
+          <a:bodyPr lIns="0" tIns="0" rIns="0" bIns="0">
             <a:noAutofit/>
           </a:bodyPr>
+          <a:lstStyle/>
           <a:p>
             <a:pPr marL="216000" indent="-207720">
               <a:lnSpc>
                 <a:spcPct val="100000"/>
               </a:lnSpc>
               <a:tabLst>
-                <a:tab algn="l" pos="0"/>
+                <a:tab pos="0" algn="l"/>
               </a:tabLst>
             </a:pPr>
             <a:r>
-              <a:rPr b="0" lang="ru-RU" sz="1200" spc="-1" strike="noStrike">
+              <a:rPr lang="ru-RU" sz="1200" b="0" strike="noStrike" spc="-1" dirty="0" smtClean="0">
                 <a:solidFill>
                   <a:srgbClr val="000000"/>
                 </a:solidFill>
                 <a:latin typeface="+mn-lt"/>
                 <a:ea typeface="+mn-ea"/>
               </a:rPr>
-              <a:t>Адаптивные фильтры фиксируют отклик МР по направлению прихода полезного сигнала. Помехи, приходящие из другого направления будут подавляться. Суть адаптивных алгоритмов в вычислении весовых коэффициентов обеспечивающих минимизацию целевой функции. Так LC LMS минимизирует функцию среднеквадратичной ошибки, при этом LC RLS минимизирует функцию наименьшего квадрата ошибки. При этом первый алгоритм требует большее время сходимости, чем второй.  Однако вычислительная сложность LC RLS выше, чем у LC LMS.</a:t>
-            </a:r>
-            <a:endParaRPr b="0" lang="ru-RU" sz="1200" spc="-1" strike="noStrike">
-              <a:latin typeface="Arial"/>
-            </a:endParaRPr>
-          </a:p>
-        </p:txBody>
-      </p:sp>
-      <p:sp>
-        <p:nvSpPr>
-          <p:cNvPr id="141" name="CustomShape 3"/>
+              <a:t>Для оценки</a:t>
+            </a:r>
+            <a:r>
+              <a:rPr lang="ru-RU" sz="1200" b="0" strike="noStrike" spc="-1" baseline="0" dirty="0" smtClean="0">
+                <a:solidFill>
+                  <a:srgbClr val="000000"/>
+                </a:solidFill>
+                <a:latin typeface="+mn-lt"/>
+                <a:ea typeface="+mn-ea"/>
+              </a:rPr>
+              <a:t> работы адаптивных формирователей луча помимо традиционного расчета ОСШ, применялась одна из техник объективной оценки качества, разборчивости речи. </a:t>
+            </a:r>
+            <a:endParaRPr lang="ru-RU" sz="1200" b="0" strike="noStrike" spc="-1" dirty="0" smtClean="0">
+              <a:solidFill>
+                <a:srgbClr val="000000"/>
+              </a:solidFill>
+              <a:latin typeface="+mn-lt"/>
+              <a:ea typeface="+mn-ea"/>
+            </a:endParaRPr>
+          </a:p>
+          <a:p>
+            <a:pPr marL="216000" indent="-207720" algn="l">
+              <a:lnSpc>
+                <a:spcPct val="100000"/>
+              </a:lnSpc>
+              <a:tabLst>
+                <a:tab pos="0" algn="l"/>
+              </a:tabLst>
+            </a:pPr>
+            <a:endParaRPr lang="ru-RU" sz="1200" b="0" strike="noStrike" spc="-1" dirty="0" smtClean="0">
+              <a:solidFill>
+                <a:srgbClr val="000000"/>
+              </a:solidFill>
+              <a:latin typeface="+mn-lt"/>
+              <a:ea typeface="+mn-ea"/>
+            </a:endParaRPr>
+          </a:p>
+          <a:p>
+            <a:pPr marL="216000" indent="-207720">
+              <a:lnSpc>
+                <a:spcPct val="100000"/>
+              </a:lnSpc>
+              <a:tabLst>
+                <a:tab pos="0" algn="l"/>
+              </a:tabLst>
+            </a:pPr>
+            <a:r>
+              <a:rPr lang="ru-RU" sz="1200" b="0" strike="noStrike" spc="-1" dirty="0" smtClean="0">
+                <a:solidFill>
+                  <a:srgbClr val="000000"/>
+                </a:solidFill>
+                <a:latin typeface="+mn-lt"/>
+                <a:ea typeface="+mn-ea"/>
+              </a:rPr>
+              <a:t>Для </a:t>
+            </a:r>
+            <a:r>
+              <a:rPr lang="ru-RU" sz="1200" b="0" strike="noStrike" spc="-1" dirty="0">
+                <a:solidFill>
+                  <a:srgbClr val="000000"/>
+                </a:solidFill>
+                <a:latin typeface="+mn-lt"/>
+                <a:ea typeface="+mn-ea"/>
+              </a:rPr>
+              <a:t>определения качества передачи речи в PESQ предусмотрено сравнение входного, или эталонного, сигнала с его искаженной версией на выходе системы связи. Этот процесс схематично показан на рисунке. </a:t>
+            </a:r>
+            <a:endParaRPr lang="ru-RU" sz="1200" b="0" strike="noStrike" spc="-1" dirty="0">
+              <a:latin typeface="Arial"/>
+            </a:endParaRPr>
+          </a:p>
+        </p:txBody>
+      </p:sp>
+      <p:sp>
+        <p:nvSpPr>
+          <p:cNvPr id="147" name="CustomShape 3"/>
           <p:cNvSpPr/>
           <p:nvPr/>
         </p:nvSpPr>
@@ -1071,32 +2154,39 @@
           </a:ln>
         </p:spPr>
         <p:style>
-          <a:lnRef idx="0"/>
-          <a:fillRef idx="0"/>
-          <a:effectRef idx="0"/>
+          <a:lnRef idx="0">
+            <a:scrgbClr r="0" g="0" b="0"/>
+          </a:lnRef>
+          <a:fillRef idx="0">
+            <a:scrgbClr r="0" g="0" b="0"/>
+          </a:fillRef>
+          <a:effectRef idx="0">
+            <a:scrgbClr r="0" g="0" b="0"/>
+          </a:effectRef>
           <a:fontRef idx="minor"/>
         </p:style>
         <p:txBody>
-          <a:bodyPr lIns="90000" rIns="90000" tIns="45000" bIns="45000" anchor="b">
+          <a:bodyPr lIns="90000" tIns="45000" rIns="90000" bIns="45000" anchor="b">
             <a:noAutofit/>
           </a:bodyPr>
+          <a:lstStyle/>
           <a:p>
             <a:pPr algn="r">
               <a:lnSpc>
                 <a:spcPct val="100000"/>
               </a:lnSpc>
             </a:pPr>
-            <a:fld id="{CD9154DF-0844-4BE5-9F0C-DF87EDB264FC}" type="slidenum">
-              <a:rPr b="0" lang="ru-RU" sz="1200" spc="-1" strike="noStrike">
+            <a:fld id="{CE0DD17F-97F5-4E84-BAC2-677E22C25D5B}" type="slidenum">
+              <a:rPr lang="ru-RU" sz="1200" b="0" strike="noStrike" spc="-1">
                 <a:solidFill>
                   <a:srgbClr val="000000"/>
                 </a:solidFill>
                 <a:latin typeface="+mn-lt"/>
                 <a:ea typeface="+mn-ea"/>
               </a:rPr>
-              <a:t>&lt;номер&gt;</a:t>
+              <a:t>9</a:t>
             </a:fld>
-            <a:endParaRPr b="0" lang="ru-RU" sz="1200" spc="-1" strike="noStrike">
+            <a:endParaRPr lang="ru-RU" sz="1200" b="0" strike="noStrike" spc="-1">
               <a:latin typeface="Arial"/>
             </a:endParaRPr>
           </a:p>
@@ -1104,11 +2194,14 @@
       </p:sp>
     </p:spTree>
   </p:cSld>
+  <p:clrMapOvr>
+    <a:masterClrMapping/>
+  </p:clrMapOvr>
 </p:notes>
 </file>
 
 <file path=ppt/notesSlides/notesSlide8.xml><?xml version="1.0" encoding="utf-8"?>
-<p:notes xmlns:a="http://schemas.openxmlformats.org/drawingml/2006/main" xmlns:p="http://schemas.openxmlformats.org/presentationml/2006/main" xmlns:r="http://schemas.openxmlformats.org/officeDocument/2006/relationships" xmlns:p14="http://schemas.microsoft.com/office/powerpoint/2010/main" xmlns:p15="http://schemas.microsoft.com/office/powerpoint/2012/main" xmlns:mc="http://schemas.openxmlformats.org/markup-compatibility/2006">
+<p:notes xmlns:a="http://schemas.openxmlformats.org/drawingml/2006/main" xmlns:r="http://schemas.openxmlformats.org/officeDocument/2006/relationships" xmlns:p="http://schemas.openxmlformats.org/presentationml/2006/main">
   <p:cSld>
     <p:spTree>
       <p:nvGrpSpPr>
@@ -1126,9 +2219,9 @@
       </p:grpSpPr>
       <p:sp>
         <p:nvSpPr>
-          <p:cNvPr id="142" name="PlaceHolder 1"/>
+          <p:cNvPr id="148" name="PlaceHolder 1"/>
           <p:cNvSpPr>
-            <a:spLocks noGrp="1"/>
+            <a:spLocks noGrp="1" noRot="1" noChangeAspect="1"/>
           </p:cNvSpPr>
           <p:nvPr>
             <p:ph type="sldImg"/>
@@ -1146,7 +2239,7 @@
       </p:sp>
       <p:sp>
         <p:nvSpPr>
-          <p:cNvPr id="143" name="PlaceHolder 2"/>
+          <p:cNvPr id="149" name="PlaceHolder 2"/>
           <p:cNvSpPr>
             <a:spLocks noGrp="1"/>
           </p:cNvSpPr>
@@ -1164,33 +2257,38 @@
           </a:prstGeom>
         </p:spPr>
         <p:txBody>
-          <a:bodyPr lIns="0" rIns="0" tIns="0" bIns="0">
+          <a:bodyPr lIns="0" tIns="0" rIns="0" bIns="0">
             <a:noAutofit/>
           </a:bodyPr>
+          <a:lstStyle/>
           <a:p>
             <a:pPr marL="216000" indent="-207720">
               <a:lnSpc>
                 <a:spcPct val="100000"/>
               </a:lnSpc>
               <a:tabLst>
-                <a:tab algn="l" pos="0"/>
+                <a:tab pos="0" algn="l"/>
               </a:tabLst>
             </a:pPr>
             <a:r>
-              <a:rPr b="0" lang="ru-RU" sz="2000" spc="-1" strike="noStrike">
-                <a:latin typeface="Arial"/>
-              </a:rPr>
-              <a:t>Для последующего моделирования использовал линейную микрофонную решетку с расстоянием между элементами МР 4 см. Число элементов равно 4. Угол подъема выбрал равны 90 град для каждого сигнала. Угол азимута полезного сигнала равен 0 град,а угол азимута помехи 60 град. </a:t>
-            </a:r>
-            <a:endParaRPr b="0" lang="ru-RU" sz="2000" spc="-1" strike="noStrike">
-              <a:latin typeface="Arial"/>
-            </a:endParaRPr>
-          </a:p>
-        </p:txBody>
-      </p:sp>
-      <p:sp>
-        <p:nvSpPr>
-          <p:cNvPr id="144" name="CustomShape 3"/>
+              <a:rPr lang="ru-RU" sz="1200" b="0" strike="noStrike" spc="-1">
+                <a:solidFill>
+                  <a:srgbClr val="000000"/>
+                </a:solidFill>
+                <a:latin typeface="+mn-lt"/>
+                <a:ea typeface="+mn-ea"/>
+              </a:rPr>
+              <a:t>графики выигрыша в ОСШ от порядка адаптивных фильтров и от числа микрофонов. Тоже самое для выигрыша в PESQ. </a:t>
+            </a:r>
+            <a:endParaRPr lang="ru-RU" sz="1200" b="0" strike="noStrike" spc="-1">
+              <a:latin typeface="Arial"/>
+            </a:endParaRPr>
+          </a:p>
+        </p:txBody>
+      </p:sp>
+      <p:sp>
+        <p:nvSpPr>
+          <p:cNvPr id="150" name="CustomShape 3"/>
           <p:cNvSpPr/>
           <p:nvPr/>
         </p:nvSpPr>
@@ -1208,32 +2306,39 @@
           </a:ln>
         </p:spPr>
         <p:style>
-          <a:lnRef idx="0"/>
-          <a:fillRef idx="0"/>
-          <a:effectRef idx="0"/>
+          <a:lnRef idx="0">
+            <a:scrgbClr r="0" g="0" b="0"/>
+          </a:lnRef>
+          <a:fillRef idx="0">
+            <a:scrgbClr r="0" g="0" b="0"/>
+          </a:fillRef>
+          <a:effectRef idx="0">
+            <a:scrgbClr r="0" g="0" b="0"/>
+          </a:effectRef>
           <a:fontRef idx="minor"/>
         </p:style>
         <p:txBody>
-          <a:bodyPr lIns="90000" rIns="90000" tIns="45000" bIns="45000" anchor="b">
+          <a:bodyPr lIns="90000" tIns="45000" rIns="90000" bIns="45000" anchor="b">
             <a:noAutofit/>
           </a:bodyPr>
+          <a:lstStyle/>
           <a:p>
             <a:pPr algn="r">
               <a:lnSpc>
                 <a:spcPct val="100000"/>
               </a:lnSpc>
             </a:pPr>
-            <a:fld id="{C49A5351-5DB4-42E8-8ADE-5DF633D6AC75}" type="slidenum">
-              <a:rPr b="0" lang="ru-RU" sz="1200" spc="-1" strike="noStrike">
+            <a:fld id="{7D46E883-34ED-4EC1-9584-904BB03CC24D}" type="slidenum">
+              <a:rPr lang="ru-RU" sz="1200" b="0" strike="noStrike" spc="-1">
                 <a:solidFill>
                   <a:srgbClr val="000000"/>
                 </a:solidFill>
                 <a:latin typeface="+mn-lt"/>
                 <a:ea typeface="+mn-ea"/>
               </a:rPr>
-              <a:t>&lt;номер&gt;</a:t>
+              <a:t>10</a:t>
             </a:fld>
-            <a:endParaRPr b="0" lang="ru-RU" sz="1200" spc="-1" strike="noStrike">
+            <a:endParaRPr lang="ru-RU" sz="1200" b="0" strike="noStrike" spc="-1">
               <a:latin typeface="Arial"/>
             </a:endParaRPr>
           </a:p>
@@ -1241,152 +2346,14 @@
       </p:sp>
     </p:spTree>
   </p:cSld>
-</p:notes>
-</file>
-
-<file path=ppt/notesSlides/notesSlide9.xml><?xml version="1.0" encoding="utf-8"?>
-<p:notes xmlns:a="http://schemas.openxmlformats.org/drawingml/2006/main" xmlns:p="http://schemas.openxmlformats.org/presentationml/2006/main" xmlns:r="http://schemas.openxmlformats.org/officeDocument/2006/relationships" xmlns:p14="http://schemas.microsoft.com/office/powerpoint/2010/main" xmlns:p15="http://schemas.microsoft.com/office/powerpoint/2012/main" xmlns:mc="http://schemas.openxmlformats.org/markup-compatibility/2006">
-  <p:cSld>
-    <p:spTree>
-      <p:nvGrpSpPr>
-        <p:cNvPr id="1" name=""/>
-        <p:cNvGrpSpPr/>
-        <p:nvPr/>
-      </p:nvGrpSpPr>
-      <p:grpSpPr>
-        <a:xfrm>
-          <a:off x="0" y="0"/>
-          <a:ext cx="0" cy="0"/>
-          <a:chOff x="0" y="0"/>
-          <a:chExt cx="0" cy="0"/>
-        </a:xfrm>
-      </p:grpSpPr>
-      <p:sp>
-        <p:nvSpPr>
-          <p:cNvPr id="145" name="PlaceHolder 1"/>
-          <p:cNvSpPr>
-            <a:spLocks noGrp="1"/>
-          </p:cNvSpPr>
-          <p:nvPr>
-            <p:ph type="sldImg"/>
-          </p:nvPr>
-        </p:nvSpPr>
-        <p:spPr>
-          <a:xfrm>
-            <a:off x="1143000" y="685800"/>
-            <a:ext cx="4563360" cy="3420360"/>
-          </a:xfrm>
-          <a:prstGeom prst="rect">
-            <a:avLst/>
-          </a:prstGeom>
-        </p:spPr>
-      </p:sp>
-      <p:sp>
-        <p:nvSpPr>
-          <p:cNvPr id="146" name="PlaceHolder 2"/>
-          <p:cNvSpPr>
-            <a:spLocks noGrp="1"/>
-          </p:cNvSpPr>
-          <p:nvPr>
-            <p:ph type="body"/>
-          </p:nvPr>
-        </p:nvSpPr>
-        <p:spPr>
-          <a:xfrm>
-            <a:off x="685800" y="4343400"/>
-            <a:ext cx="5477760" cy="4106160"/>
-          </a:xfrm>
-          <a:prstGeom prst="rect">
-            <a:avLst/>
-          </a:prstGeom>
-        </p:spPr>
-        <p:txBody>
-          <a:bodyPr lIns="0" rIns="0" tIns="0" bIns="0">
-            <a:noAutofit/>
-          </a:bodyPr>
-          <a:p>
-            <a:pPr marL="216000" indent="-207720">
-              <a:lnSpc>
-                <a:spcPct val="100000"/>
-              </a:lnSpc>
-              <a:tabLst>
-                <a:tab algn="l" pos="0"/>
-              </a:tabLst>
-            </a:pPr>
-            <a:r>
-              <a:rPr b="0" lang="ru-RU" sz="1200" spc="-1" strike="noStrike">
-                <a:solidFill>
-                  <a:srgbClr val="000000"/>
-                </a:solidFill>
-                <a:latin typeface="+mn-lt"/>
-                <a:ea typeface="+mn-ea"/>
-              </a:rPr>
-              <a:t>Характеристики сигнала ОСШ не дает понимание насколько речь стала разборчивее. Полезный сигнал может сильно искажаться, оставаясь при этом очень мощным. Существую различные объективные оценки качества речи. Одним из которых является PESQ. Данный алгоритм представляет собой объективную методику определения качества речевой связи в телефонных системах. Для определения качества передачи речи в PESQ предусмотрено сравнение входного, или эталонного, сигнала с его искаженной версией на выходе системы связи. Этот процесс схематично показан на рисунке. В алгоритме PESQ учитываются следующие причины ухудшения качества сигнала: искажение его при кодировании, ошибки при передаче, потеря пакетов, время задержки передачи пакетов и флуктуация этого времени, фильтрация сигнала в аналоговых сетевых компонентах. </a:t>
-            </a:r>
-            <a:endParaRPr b="0" lang="ru-RU" sz="1200" spc="-1" strike="noStrike">
-              <a:latin typeface="Arial"/>
-            </a:endParaRPr>
-          </a:p>
-        </p:txBody>
-      </p:sp>
-      <p:sp>
-        <p:nvSpPr>
-          <p:cNvPr id="147" name="CustomShape 3"/>
-          <p:cNvSpPr/>
-          <p:nvPr/>
-        </p:nvSpPr>
-        <p:spPr>
-          <a:xfrm>
-            <a:off x="3884760" y="8685360"/>
-            <a:ext cx="2963160" cy="448560"/>
-          </a:xfrm>
-          <a:prstGeom prst="rect">
-            <a:avLst/>
-          </a:prstGeom>
-          <a:noFill/>
-          <a:ln>
-            <a:noFill/>
-          </a:ln>
-        </p:spPr>
-        <p:style>
-          <a:lnRef idx="0"/>
-          <a:fillRef idx="0"/>
-          <a:effectRef idx="0"/>
-          <a:fontRef idx="minor"/>
-        </p:style>
-        <p:txBody>
-          <a:bodyPr lIns="90000" rIns="90000" tIns="45000" bIns="45000" anchor="b">
-            <a:noAutofit/>
-          </a:bodyPr>
-          <a:p>
-            <a:pPr algn="r">
-              <a:lnSpc>
-                <a:spcPct val="100000"/>
-              </a:lnSpc>
-            </a:pPr>
-            <a:fld id="{CE0DD17F-97F5-4E84-BAC2-677E22C25D5B}" type="slidenum">
-              <a:rPr b="0" lang="ru-RU" sz="1200" spc="-1" strike="noStrike">
-                <a:solidFill>
-                  <a:srgbClr val="000000"/>
-                </a:solidFill>
-                <a:latin typeface="+mn-lt"/>
-                <a:ea typeface="+mn-ea"/>
-              </a:rPr>
-              <a:t>&lt;номер&gt;</a:t>
-            </a:fld>
-            <a:endParaRPr b="0" lang="ru-RU" sz="1200" spc="-1" strike="noStrike">
-              <a:latin typeface="Arial"/>
-            </a:endParaRPr>
-          </a:p>
-        </p:txBody>
-      </p:sp>
-    </p:spTree>
-  </p:cSld>
+  <p:clrMapOvr>
+    <a:masterClrMapping/>
+  </p:clrMapOvr>
 </p:notes>
 </file>
 
 <file path=ppt/slideLayouts/slideLayout1.xml><?xml version="1.0" encoding="utf-8"?>
-<p:sldLayout xmlns:a="http://schemas.openxmlformats.org/drawingml/2006/main" xmlns:p="http://schemas.openxmlformats.org/presentationml/2006/main" xmlns:r="http://schemas.openxmlformats.org/officeDocument/2006/relationships" xmlns:p14="http://schemas.microsoft.com/office/powerpoint/2010/main" xmlns:p15="http://schemas.microsoft.com/office/powerpoint/2012/main" xmlns:mc="http://schemas.openxmlformats.org/markup-compatibility/2006" type="blank" preserve="1">
+<p:sldLayout xmlns:a="http://schemas.openxmlformats.org/drawingml/2006/main" xmlns:r="http://schemas.openxmlformats.org/officeDocument/2006/relationships" xmlns:p="http://schemas.openxmlformats.org/presentationml/2006/main" type="blank" preserve="1">
   <p:cSld name="Blank Slide">
     <p:spTree>
       <p:nvGrpSpPr>
@@ -1404,11 +2371,14 @@
       </p:grpSpPr>
     </p:spTree>
   </p:cSld>
+  <p:clrMapOvr>
+    <a:masterClrMapping/>
+  </p:clrMapOvr>
 </p:sldLayout>
 </file>
 
 <file path=ppt/slideLayouts/slideLayout10.xml><?xml version="1.0" encoding="utf-8"?>
-<p:sldLayout xmlns:a="http://schemas.openxmlformats.org/drawingml/2006/main" xmlns:p="http://schemas.openxmlformats.org/presentationml/2006/main" xmlns:r="http://schemas.openxmlformats.org/officeDocument/2006/relationships" xmlns:p14="http://schemas.microsoft.com/office/powerpoint/2010/main" xmlns:p15="http://schemas.microsoft.com/office/powerpoint/2012/main" xmlns:mc="http://schemas.openxmlformats.org/markup-compatibility/2006" type="objOverTx" preserve="1">
+<p:sldLayout xmlns:a="http://schemas.openxmlformats.org/drawingml/2006/main" xmlns:r="http://schemas.openxmlformats.org/officeDocument/2006/relationships" xmlns:p="http://schemas.openxmlformats.org/presentationml/2006/main" type="objOverTx" preserve="1">
   <p:cSld name="Title, Content over Content">
     <p:spTree>
       <p:nvGrpSpPr>
@@ -1444,12 +2414,13 @@
           </a:prstGeom>
         </p:spPr>
         <p:txBody>
-          <a:bodyPr lIns="0" rIns="0" tIns="0" bIns="0" anchor="ctr">
+          <a:bodyPr lIns="0" tIns="0" rIns="0" bIns="0" anchor="ctr">
             <a:noAutofit/>
           </a:bodyPr>
+          <a:lstStyle/>
           <a:p>
             <a:pPr algn="ctr"/>
-            <a:endParaRPr b="0" lang="ru-RU" sz="4400" spc="-1" strike="noStrike">
+            <a:endParaRPr lang="ru-RU" sz="4400" b="0" strike="noStrike" spc="-1">
               <a:latin typeface="Arial"/>
             </a:endParaRPr>
           </a:p>
@@ -1475,11 +2446,12 @@
           </a:prstGeom>
         </p:spPr>
         <p:txBody>
-          <a:bodyPr lIns="0" rIns="0" tIns="0" bIns="0">
+          <a:bodyPr lIns="0" tIns="0" rIns="0" bIns="0">
             <a:normAutofit/>
           </a:bodyPr>
-          <a:p>
-            <a:endParaRPr b="0" lang="ru-RU" sz="3200" spc="-1" strike="noStrike">
+          <a:lstStyle/>
+          <a:p>
+            <a:endParaRPr lang="ru-RU" sz="3200" b="0" strike="noStrike" spc="-1">
               <a:latin typeface="Arial"/>
             </a:endParaRPr>
           </a:p>
@@ -1505,11 +2477,12 @@
           </a:prstGeom>
         </p:spPr>
         <p:txBody>
-          <a:bodyPr lIns="0" rIns="0" tIns="0" bIns="0">
+          <a:bodyPr lIns="0" tIns="0" rIns="0" bIns="0">
             <a:normAutofit/>
           </a:bodyPr>
-          <a:p>
-            <a:endParaRPr b="0" lang="ru-RU" sz="3200" spc="-1" strike="noStrike">
+          <a:lstStyle/>
+          <a:p>
+            <a:endParaRPr lang="ru-RU" sz="3200" b="0" strike="noStrike" spc="-1">
               <a:latin typeface="Arial"/>
             </a:endParaRPr>
           </a:p>
@@ -1517,11 +2490,14 @@
       </p:sp>
     </p:spTree>
   </p:cSld>
+  <p:clrMapOvr>
+    <a:masterClrMapping/>
+  </p:clrMapOvr>
 </p:sldLayout>
 </file>
 
 <file path=ppt/slideLayouts/slideLayout11.xml><?xml version="1.0" encoding="utf-8"?>
-<p:sldLayout xmlns:a="http://schemas.openxmlformats.org/drawingml/2006/main" xmlns:p="http://schemas.openxmlformats.org/presentationml/2006/main" xmlns:r="http://schemas.openxmlformats.org/officeDocument/2006/relationships" xmlns:p14="http://schemas.microsoft.com/office/powerpoint/2010/main" xmlns:p15="http://schemas.microsoft.com/office/powerpoint/2012/main" xmlns:mc="http://schemas.openxmlformats.org/markup-compatibility/2006" type="fourObj" preserve="1">
+<p:sldLayout xmlns:a="http://schemas.openxmlformats.org/drawingml/2006/main" xmlns:r="http://schemas.openxmlformats.org/officeDocument/2006/relationships" xmlns:p="http://schemas.openxmlformats.org/presentationml/2006/main" type="fourObj" preserve="1">
   <p:cSld name="Title, 4 Content">
     <p:spTree>
       <p:nvGrpSpPr>
@@ -1557,12 +2533,13 @@
           </a:prstGeom>
         </p:spPr>
         <p:txBody>
-          <a:bodyPr lIns="0" rIns="0" tIns="0" bIns="0" anchor="ctr">
+          <a:bodyPr lIns="0" tIns="0" rIns="0" bIns="0" anchor="ctr">
             <a:noAutofit/>
           </a:bodyPr>
+          <a:lstStyle/>
           <a:p>
             <a:pPr algn="ctr"/>
-            <a:endParaRPr b="0" lang="ru-RU" sz="4400" spc="-1" strike="noStrike">
+            <a:endParaRPr lang="ru-RU" sz="4400" b="0" strike="noStrike" spc="-1">
               <a:latin typeface="Arial"/>
             </a:endParaRPr>
           </a:p>
@@ -1588,11 +2565,12 @@
           </a:prstGeom>
         </p:spPr>
         <p:txBody>
-          <a:bodyPr lIns="0" rIns="0" tIns="0" bIns="0">
+          <a:bodyPr lIns="0" tIns="0" rIns="0" bIns="0">
             <a:normAutofit/>
           </a:bodyPr>
-          <a:p>
-            <a:endParaRPr b="0" lang="ru-RU" sz="3200" spc="-1" strike="noStrike">
+          <a:lstStyle/>
+          <a:p>
+            <a:endParaRPr lang="ru-RU" sz="3200" b="0" strike="noStrike" spc="-1">
               <a:latin typeface="Arial"/>
             </a:endParaRPr>
           </a:p>
@@ -1618,11 +2596,12 @@
           </a:prstGeom>
         </p:spPr>
         <p:txBody>
-          <a:bodyPr lIns="0" rIns="0" tIns="0" bIns="0">
+          <a:bodyPr lIns="0" tIns="0" rIns="0" bIns="0">
             <a:normAutofit/>
           </a:bodyPr>
-          <a:p>
-            <a:endParaRPr b="0" lang="ru-RU" sz="3200" spc="-1" strike="noStrike">
+          <a:lstStyle/>
+          <a:p>
+            <a:endParaRPr lang="ru-RU" sz="3200" b="0" strike="noStrike" spc="-1">
               <a:latin typeface="Arial"/>
             </a:endParaRPr>
           </a:p>
@@ -1648,11 +2627,12 @@
           </a:prstGeom>
         </p:spPr>
         <p:txBody>
-          <a:bodyPr lIns="0" rIns="0" tIns="0" bIns="0">
+          <a:bodyPr lIns="0" tIns="0" rIns="0" bIns="0">
             <a:normAutofit/>
           </a:bodyPr>
-          <a:p>
-            <a:endParaRPr b="0" lang="ru-RU" sz="3200" spc="-1" strike="noStrike">
+          <a:lstStyle/>
+          <a:p>
+            <a:endParaRPr lang="ru-RU" sz="3200" b="0" strike="noStrike" spc="-1">
               <a:latin typeface="Arial"/>
             </a:endParaRPr>
           </a:p>
@@ -1678,11 +2658,12 @@
           </a:prstGeom>
         </p:spPr>
         <p:txBody>
-          <a:bodyPr lIns="0" rIns="0" tIns="0" bIns="0">
+          <a:bodyPr lIns="0" tIns="0" rIns="0" bIns="0">
             <a:normAutofit/>
           </a:bodyPr>
-          <a:p>
-            <a:endParaRPr b="0" lang="ru-RU" sz="3200" spc="-1" strike="noStrike">
+          <a:lstStyle/>
+          <a:p>
+            <a:endParaRPr lang="ru-RU" sz="3200" b="0" strike="noStrike" spc="-1">
               <a:latin typeface="Arial"/>
             </a:endParaRPr>
           </a:p>
@@ -1690,11 +2671,14 @@
       </p:sp>
     </p:spTree>
   </p:cSld>
+  <p:clrMapOvr>
+    <a:masterClrMapping/>
+  </p:clrMapOvr>
 </p:sldLayout>
 </file>
 
 <file path=ppt/slideLayouts/slideLayout12.xml><?xml version="1.0" encoding="utf-8"?>
-<p:sldLayout xmlns:a="http://schemas.openxmlformats.org/drawingml/2006/main" xmlns:p="http://schemas.openxmlformats.org/presentationml/2006/main" xmlns:r="http://schemas.openxmlformats.org/officeDocument/2006/relationships" xmlns:p14="http://schemas.microsoft.com/office/powerpoint/2010/main" xmlns:p15="http://schemas.microsoft.com/office/powerpoint/2012/main" xmlns:mc="http://schemas.openxmlformats.org/markup-compatibility/2006" type="blank" preserve="1">
+<p:sldLayout xmlns:a="http://schemas.openxmlformats.org/drawingml/2006/main" xmlns:r="http://schemas.openxmlformats.org/officeDocument/2006/relationships" xmlns:p="http://schemas.openxmlformats.org/presentationml/2006/main" type="blank" preserve="1">
   <p:cSld name="Title, 6 Content">
     <p:spTree>
       <p:nvGrpSpPr>
@@ -1730,12 +2714,13 @@
           </a:prstGeom>
         </p:spPr>
         <p:txBody>
-          <a:bodyPr lIns="0" rIns="0" tIns="0" bIns="0" anchor="ctr">
+          <a:bodyPr lIns="0" tIns="0" rIns="0" bIns="0" anchor="ctr">
             <a:noAutofit/>
           </a:bodyPr>
+          <a:lstStyle/>
           <a:p>
             <a:pPr algn="ctr"/>
-            <a:endParaRPr b="0" lang="ru-RU" sz="4400" spc="-1" strike="noStrike">
+            <a:endParaRPr lang="ru-RU" sz="4400" b="0" strike="noStrike" spc="-1">
               <a:latin typeface="Arial"/>
             </a:endParaRPr>
           </a:p>
@@ -1761,11 +2746,12 @@
           </a:prstGeom>
         </p:spPr>
         <p:txBody>
-          <a:bodyPr lIns="0" rIns="0" tIns="0" bIns="0">
+          <a:bodyPr lIns="0" tIns="0" rIns="0" bIns="0">
             <a:normAutofit fontScale="76000"/>
           </a:bodyPr>
-          <a:p>
-            <a:endParaRPr b="0" lang="ru-RU" sz="3200" spc="-1" strike="noStrike">
+          <a:lstStyle/>
+          <a:p>
+            <a:endParaRPr lang="ru-RU" sz="3200" b="0" strike="noStrike" spc="-1">
               <a:latin typeface="Arial"/>
             </a:endParaRPr>
           </a:p>
@@ -1791,11 +2777,12 @@
           </a:prstGeom>
         </p:spPr>
         <p:txBody>
-          <a:bodyPr lIns="0" rIns="0" tIns="0" bIns="0">
+          <a:bodyPr lIns="0" tIns="0" rIns="0" bIns="0">
             <a:normAutofit fontScale="76000"/>
           </a:bodyPr>
-          <a:p>
-            <a:endParaRPr b="0" lang="ru-RU" sz="3200" spc="-1" strike="noStrike">
+          <a:lstStyle/>
+          <a:p>
+            <a:endParaRPr lang="ru-RU" sz="3200" b="0" strike="noStrike" spc="-1">
               <a:latin typeface="Arial"/>
             </a:endParaRPr>
           </a:p>
@@ -1821,11 +2808,12 @@
           </a:prstGeom>
         </p:spPr>
         <p:txBody>
-          <a:bodyPr lIns="0" rIns="0" tIns="0" bIns="0">
+          <a:bodyPr lIns="0" tIns="0" rIns="0" bIns="0">
             <a:normAutofit fontScale="76000"/>
           </a:bodyPr>
-          <a:p>
-            <a:endParaRPr b="0" lang="ru-RU" sz="3200" spc="-1" strike="noStrike">
+          <a:lstStyle/>
+          <a:p>
+            <a:endParaRPr lang="ru-RU" sz="3200" b="0" strike="noStrike" spc="-1">
               <a:latin typeface="Arial"/>
             </a:endParaRPr>
           </a:p>
@@ -1851,11 +2839,12 @@
           </a:prstGeom>
         </p:spPr>
         <p:txBody>
-          <a:bodyPr lIns="0" rIns="0" tIns="0" bIns="0">
+          <a:bodyPr lIns="0" tIns="0" rIns="0" bIns="0">
             <a:normAutofit fontScale="76000"/>
           </a:bodyPr>
-          <a:p>
-            <a:endParaRPr b="0" lang="ru-RU" sz="3200" spc="-1" strike="noStrike">
+          <a:lstStyle/>
+          <a:p>
+            <a:endParaRPr lang="ru-RU" sz="3200" b="0" strike="noStrike" spc="-1">
               <a:latin typeface="Arial"/>
             </a:endParaRPr>
           </a:p>
@@ -1881,11 +2870,12 @@
           </a:prstGeom>
         </p:spPr>
         <p:txBody>
-          <a:bodyPr lIns="0" rIns="0" tIns="0" bIns="0">
+          <a:bodyPr lIns="0" tIns="0" rIns="0" bIns="0">
             <a:normAutofit fontScale="76000"/>
           </a:bodyPr>
-          <a:p>
-            <a:endParaRPr b="0" lang="ru-RU" sz="3200" spc="-1" strike="noStrike">
+          <a:lstStyle/>
+          <a:p>
+            <a:endParaRPr lang="ru-RU" sz="3200" b="0" strike="noStrike" spc="-1">
               <a:latin typeface="Arial"/>
             </a:endParaRPr>
           </a:p>
@@ -1911,11 +2901,12 @@
           </a:prstGeom>
         </p:spPr>
         <p:txBody>
-          <a:bodyPr lIns="0" rIns="0" tIns="0" bIns="0">
+          <a:bodyPr lIns="0" tIns="0" rIns="0" bIns="0">
             <a:normAutofit fontScale="76000"/>
           </a:bodyPr>
-          <a:p>
-            <a:endParaRPr b="0" lang="ru-RU" sz="3200" spc="-1" strike="noStrike">
+          <a:lstStyle/>
+          <a:p>
+            <a:endParaRPr lang="ru-RU" sz="3200" b="0" strike="noStrike" spc="-1">
               <a:latin typeface="Arial"/>
             </a:endParaRPr>
           </a:p>
@@ -1923,11 +2914,14 @@
       </p:sp>
     </p:spTree>
   </p:cSld>
+  <p:clrMapOvr>
+    <a:masterClrMapping/>
+  </p:clrMapOvr>
 </p:sldLayout>
 </file>
 
 <file path=ppt/slideLayouts/slideLayout13.xml><?xml version="1.0" encoding="utf-8"?>
-<p:sldLayout xmlns:a="http://schemas.openxmlformats.org/drawingml/2006/main" xmlns:p="http://schemas.openxmlformats.org/presentationml/2006/main" xmlns:r="http://schemas.openxmlformats.org/officeDocument/2006/relationships" xmlns:p14="http://schemas.microsoft.com/office/powerpoint/2010/main" xmlns:p15="http://schemas.microsoft.com/office/powerpoint/2012/main" xmlns:mc="http://schemas.openxmlformats.org/markup-compatibility/2006" type="blank" preserve="1">
+<p:sldLayout xmlns:a="http://schemas.openxmlformats.org/drawingml/2006/main" xmlns:r="http://schemas.openxmlformats.org/officeDocument/2006/relationships" xmlns:p="http://schemas.openxmlformats.org/presentationml/2006/main" type="blank" preserve="1">
   <p:cSld name="Blank Slide">
     <p:spTree>
       <p:nvGrpSpPr>
@@ -1945,11 +2939,14 @@
       </p:grpSpPr>
     </p:spTree>
   </p:cSld>
+  <p:clrMapOvr>
+    <a:masterClrMapping/>
+  </p:clrMapOvr>
 </p:sldLayout>
 </file>
 
 <file path=ppt/slideLayouts/slideLayout14.xml><?xml version="1.0" encoding="utf-8"?>
-<p:sldLayout xmlns:a="http://schemas.openxmlformats.org/drawingml/2006/main" xmlns:p="http://schemas.openxmlformats.org/presentationml/2006/main" xmlns:r="http://schemas.openxmlformats.org/officeDocument/2006/relationships" xmlns:p14="http://schemas.microsoft.com/office/powerpoint/2010/main" xmlns:p15="http://schemas.microsoft.com/office/powerpoint/2012/main" xmlns:mc="http://schemas.openxmlformats.org/markup-compatibility/2006" type="tx" preserve="1">
+<p:sldLayout xmlns:a="http://schemas.openxmlformats.org/drawingml/2006/main" xmlns:r="http://schemas.openxmlformats.org/officeDocument/2006/relationships" xmlns:p="http://schemas.openxmlformats.org/presentationml/2006/main" type="tx" preserve="1">
   <p:cSld name="Title Slide">
     <p:spTree>
       <p:nvGrpSpPr>
@@ -1985,12 +2982,13 @@
           </a:prstGeom>
         </p:spPr>
         <p:txBody>
-          <a:bodyPr lIns="0" rIns="0" tIns="0" bIns="0" anchor="ctr">
+          <a:bodyPr lIns="0" tIns="0" rIns="0" bIns="0" anchor="ctr">
             <a:noAutofit/>
           </a:bodyPr>
+          <a:lstStyle/>
           <a:p>
             <a:pPr algn="ctr"/>
-            <a:endParaRPr b="0" lang="ru-RU" sz="4400" spc="-1" strike="noStrike">
+            <a:endParaRPr lang="ru-RU" sz="4400" b="0" strike="noStrike" spc="-1">
               <a:latin typeface="Arial"/>
             </a:endParaRPr>
           </a:p>
@@ -2016,12 +3014,13 @@
           </a:prstGeom>
         </p:spPr>
         <p:txBody>
-          <a:bodyPr lIns="0" rIns="0" tIns="0" bIns="0" anchor="ctr">
+          <a:bodyPr lIns="0" tIns="0" rIns="0" bIns="0" anchor="ctr">
             <a:noAutofit/>
           </a:bodyPr>
+          <a:lstStyle/>
           <a:p>
             <a:pPr algn="ctr"/>
-            <a:endParaRPr b="0" lang="ru-RU" sz="3200" spc="-1" strike="noStrike">
+            <a:endParaRPr lang="ru-RU" sz="3200" b="0" strike="noStrike" spc="-1">
               <a:latin typeface="Arial"/>
             </a:endParaRPr>
           </a:p>
@@ -2029,11 +3028,14 @@
       </p:sp>
     </p:spTree>
   </p:cSld>
+  <p:clrMapOvr>
+    <a:masterClrMapping/>
+  </p:clrMapOvr>
 </p:sldLayout>
 </file>
 
 <file path=ppt/slideLayouts/slideLayout15.xml><?xml version="1.0" encoding="utf-8"?>
-<p:sldLayout xmlns:a="http://schemas.openxmlformats.org/drawingml/2006/main" xmlns:p="http://schemas.openxmlformats.org/presentationml/2006/main" xmlns:r="http://schemas.openxmlformats.org/officeDocument/2006/relationships" xmlns:p14="http://schemas.microsoft.com/office/powerpoint/2010/main" xmlns:p15="http://schemas.microsoft.com/office/powerpoint/2012/main" xmlns:mc="http://schemas.openxmlformats.org/markup-compatibility/2006" type="obj" preserve="1">
+<p:sldLayout xmlns:a="http://schemas.openxmlformats.org/drawingml/2006/main" xmlns:r="http://schemas.openxmlformats.org/officeDocument/2006/relationships" xmlns:p="http://schemas.openxmlformats.org/presentationml/2006/main" type="obj" preserve="1">
   <p:cSld name="Title, Content">
     <p:spTree>
       <p:nvGrpSpPr>
@@ -2069,12 +3071,13 @@
           </a:prstGeom>
         </p:spPr>
         <p:txBody>
-          <a:bodyPr lIns="0" rIns="0" tIns="0" bIns="0" anchor="ctr">
+          <a:bodyPr lIns="0" tIns="0" rIns="0" bIns="0" anchor="ctr">
             <a:noAutofit/>
           </a:bodyPr>
+          <a:lstStyle/>
           <a:p>
             <a:pPr algn="ctr"/>
-            <a:endParaRPr b="0" lang="ru-RU" sz="4400" spc="-1" strike="noStrike">
+            <a:endParaRPr lang="ru-RU" sz="4400" b="0" strike="noStrike" spc="-1">
               <a:latin typeface="Arial"/>
             </a:endParaRPr>
           </a:p>
@@ -2100,11 +3103,12 @@
           </a:prstGeom>
         </p:spPr>
         <p:txBody>
-          <a:bodyPr lIns="0" rIns="0" tIns="0" bIns="0">
+          <a:bodyPr lIns="0" tIns="0" rIns="0" bIns="0">
             <a:normAutofit/>
           </a:bodyPr>
-          <a:p>
-            <a:endParaRPr b="0" lang="ru-RU" sz="3200" spc="-1" strike="noStrike">
+          <a:lstStyle/>
+          <a:p>
+            <a:endParaRPr lang="ru-RU" sz="3200" b="0" strike="noStrike" spc="-1">
               <a:latin typeface="Arial"/>
             </a:endParaRPr>
           </a:p>
@@ -2112,11 +3116,14 @@
       </p:sp>
     </p:spTree>
   </p:cSld>
+  <p:clrMapOvr>
+    <a:masterClrMapping/>
+  </p:clrMapOvr>
 </p:sldLayout>
 </file>
 
 <file path=ppt/slideLayouts/slideLayout16.xml><?xml version="1.0" encoding="utf-8"?>
-<p:sldLayout xmlns:a="http://schemas.openxmlformats.org/drawingml/2006/main" xmlns:p="http://schemas.openxmlformats.org/presentationml/2006/main" xmlns:r="http://schemas.openxmlformats.org/officeDocument/2006/relationships" xmlns:p14="http://schemas.microsoft.com/office/powerpoint/2010/main" xmlns:p15="http://schemas.microsoft.com/office/powerpoint/2012/main" xmlns:mc="http://schemas.openxmlformats.org/markup-compatibility/2006" type="twoObj" preserve="1">
+<p:sldLayout xmlns:a="http://schemas.openxmlformats.org/drawingml/2006/main" xmlns:r="http://schemas.openxmlformats.org/officeDocument/2006/relationships" xmlns:p="http://schemas.openxmlformats.org/presentationml/2006/main" type="twoObj" preserve="1">
   <p:cSld name="Title, 2 Content">
     <p:spTree>
       <p:nvGrpSpPr>
@@ -2152,12 +3159,13 @@
           </a:prstGeom>
         </p:spPr>
         <p:txBody>
-          <a:bodyPr lIns="0" rIns="0" tIns="0" bIns="0" anchor="ctr">
+          <a:bodyPr lIns="0" tIns="0" rIns="0" bIns="0" anchor="ctr">
             <a:noAutofit/>
           </a:bodyPr>
+          <a:lstStyle/>
           <a:p>
             <a:pPr algn="ctr"/>
-            <a:endParaRPr b="0" lang="ru-RU" sz="4400" spc="-1" strike="noStrike">
+            <a:endParaRPr lang="ru-RU" sz="4400" b="0" strike="noStrike" spc="-1">
               <a:latin typeface="Arial"/>
             </a:endParaRPr>
           </a:p>
@@ -2183,11 +3191,12 @@
           </a:prstGeom>
         </p:spPr>
         <p:txBody>
-          <a:bodyPr lIns="0" rIns="0" tIns="0" bIns="0">
+          <a:bodyPr lIns="0" tIns="0" rIns="0" bIns="0">
             <a:normAutofit/>
           </a:bodyPr>
-          <a:p>
-            <a:endParaRPr b="0" lang="ru-RU" sz="3200" spc="-1" strike="noStrike">
+          <a:lstStyle/>
+          <a:p>
+            <a:endParaRPr lang="ru-RU" sz="3200" b="0" strike="noStrike" spc="-1">
               <a:latin typeface="Arial"/>
             </a:endParaRPr>
           </a:p>
@@ -2213,11 +3222,12 @@
           </a:prstGeom>
         </p:spPr>
         <p:txBody>
-          <a:bodyPr lIns="0" rIns="0" tIns="0" bIns="0">
+          <a:bodyPr lIns="0" tIns="0" rIns="0" bIns="0">
             <a:normAutofit/>
           </a:bodyPr>
-          <a:p>
-            <a:endParaRPr b="0" lang="ru-RU" sz="3200" spc="-1" strike="noStrike">
+          <a:lstStyle/>
+          <a:p>
+            <a:endParaRPr lang="ru-RU" sz="3200" b="0" strike="noStrike" spc="-1">
               <a:latin typeface="Arial"/>
             </a:endParaRPr>
           </a:p>
@@ -2225,11 +3235,14 @@
       </p:sp>
     </p:spTree>
   </p:cSld>
+  <p:clrMapOvr>
+    <a:masterClrMapping/>
+  </p:clrMapOvr>
 </p:sldLayout>
 </file>
 
 <file path=ppt/slideLayouts/slideLayout17.xml><?xml version="1.0" encoding="utf-8"?>
-<p:sldLayout xmlns:a="http://schemas.openxmlformats.org/drawingml/2006/main" xmlns:p="http://schemas.openxmlformats.org/presentationml/2006/main" xmlns:r="http://schemas.openxmlformats.org/officeDocument/2006/relationships" xmlns:p14="http://schemas.microsoft.com/office/powerpoint/2010/main" xmlns:p15="http://schemas.microsoft.com/office/powerpoint/2012/main" xmlns:mc="http://schemas.openxmlformats.org/markup-compatibility/2006" type="titleOnly" preserve="1">
+<p:sldLayout xmlns:a="http://schemas.openxmlformats.org/drawingml/2006/main" xmlns:r="http://schemas.openxmlformats.org/officeDocument/2006/relationships" xmlns:p="http://schemas.openxmlformats.org/presentationml/2006/main" type="titleOnly" preserve="1">
   <p:cSld name="Title Only">
     <p:spTree>
       <p:nvGrpSpPr>
@@ -2265,12 +3278,13 @@
           </a:prstGeom>
         </p:spPr>
         <p:txBody>
-          <a:bodyPr lIns="0" rIns="0" tIns="0" bIns="0" anchor="ctr">
+          <a:bodyPr lIns="0" tIns="0" rIns="0" bIns="0" anchor="ctr">
             <a:noAutofit/>
           </a:bodyPr>
+          <a:lstStyle/>
           <a:p>
             <a:pPr algn="ctr"/>
-            <a:endParaRPr b="0" lang="ru-RU" sz="4400" spc="-1" strike="noStrike">
+            <a:endParaRPr lang="ru-RU" sz="4400" b="0" strike="noStrike" spc="-1">
               <a:latin typeface="Arial"/>
             </a:endParaRPr>
           </a:p>
@@ -2278,11 +3292,14 @@
       </p:sp>
     </p:spTree>
   </p:cSld>
+  <p:clrMapOvr>
+    <a:masterClrMapping/>
+  </p:clrMapOvr>
 </p:sldLayout>
 </file>
 
 <file path=ppt/slideLayouts/slideLayout18.xml><?xml version="1.0" encoding="utf-8"?>
-<p:sldLayout xmlns:a="http://schemas.openxmlformats.org/drawingml/2006/main" xmlns:p="http://schemas.openxmlformats.org/presentationml/2006/main" xmlns:r="http://schemas.openxmlformats.org/officeDocument/2006/relationships" xmlns:p14="http://schemas.microsoft.com/office/powerpoint/2010/main" xmlns:p15="http://schemas.microsoft.com/office/powerpoint/2012/main" xmlns:mc="http://schemas.openxmlformats.org/markup-compatibility/2006" type="objOnly" preserve="1">
+<p:sldLayout xmlns:a="http://schemas.openxmlformats.org/drawingml/2006/main" xmlns:r="http://schemas.openxmlformats.org/officeDocument/2006/relationships" xmlns:p="http://schemas.openxmlformats.org/presentationml/2006/main" type="objOnly" preserve="1">
   <p:cSld name="Centered Text">
     <p:spTree>
       <p:nvGrpSpPr>
@@ -2318,12 +3335,13 @@
           </a:prstGeom>
         </p:spPr>
         <p:txBody>
-          <a:bodyPr lIns="0" rIns="0" tIns="0" bIns="0" anchor="ctr">
+          <a:bodyPr lIns="0" tIns="0" rIns="0" bIns="0" anchor="ctr">
             <a:noAutofit/>
           </a:bodyPr>
+          <a:lstStyle/>
           <a:p>
             <a:pPr algn="ctr"/>
-            <a:endParaRPr b="0" lang="ru-RU" sz="3200" spc="-1" strike="noStrike">
+            <a:endParaRPr lang="ru-RU" sz="3200" b="0" strike="noStrike" spc="-1">
               <a:latin typeface="Arial"/>
             </a:endParaRPr>
           </a:p>
@@ -2331,11 +3349,14 @@
       </p:sp>
     </p:spTree>
   </p:cSld>
+  <p:clrMapOvr>
+    <a:masterClrMapping/>
+  </p:clrMapOvr>
 </p:sldLayout>
 </file>
 
 <file path=ppt/slideLayouts/slideLayout19.xml><?xml version="1.0" encoding="utf-8"?>
-<p:sldLayout xmlns:a="http://schemas.openxmlformats.org/drawingml/2006/main" xmlns:p="http://schemas.openxmlformats.org/presentationml/2006/main" xmlns:r="http://schemas.openxmlformats.org/officeDocument/2006/relationships" xmlns:p14="http://schemas.microsoft.com/office/powerpoint/2010/main" xmlns:p15="http://schemas.microsoft.com/office/powerpoint/2012/main" xmlns:mc="http://schemas.openxmlformats.org/markup-compatibility/2006" type="twoObjAndObj" preserve="1">
+<p:sldLayout xmlns:a="http://schemas.openxmlformats.org/drawingml/2006/main" xmlns:r="http://schemas.openxmlformats.org/officeDocument/2006/relationships" xmlns:p="http://schemas.openxmlformats.org/presentationml/2006/main" type="twoObjAndObj" preserve="1">
   <p:cSld name="Title, 2 Content and Content">
     <p:spTree>
       <p:nvGrpSpPr>
@@ -2371,12 +3392,13 @@
           </a:prstGeom>
         </p:spPr>
         <p:txBody>
-          <a:bodyPr lIns="0" rIns="0" tIns="0" bIns="0" anchor="ctr">
+          <a:bodyPr lIns="0" tIns="0" rIns="0" bIns="0" anchor="ctr">
             <a:noAutofit/>
           </a:bodyPr>
+          <a:lstStyle/>
           <a:p>
             <a:pPr algn="ctr"/>
-            <a:endParaRPr b="0" lang="ru-RU" sz="4400" spc="-1" strike="noStrike">
+            <a:endParaRPr lang="ru-RU" sz="4400" b="0" strike="noStrike" spc="-1">
               <a:latin typeface="Arial"/>
             </a:endParaRPr>
           </a:p>
@@ -2402,11 +3424,12 @@
           </a:prstGeom>
         </p:spPr>
         <p:txBody>
-          <a:bodyPr lIns="0" rIns="0" tIns="0" bIns="0">
+          <a:bodyPr lIns="0" tIns="0" rIns="0" bIns="0">
             <a:normAutofit/>
           </a:bodyPr>
-          <a:p>
-            <a:endParaRPr b="0" lang="ru-RU" sz="3200" spc="-1" strike="noStrike">
+          <a:lstStyle/>
+          <a:p>
+            <a:endParaRPr lang="ru-RU" sz="3200" b="0" strike="noStrike" spc="-1">
               <a:latin typeface="Arial"/>
             </a:endParaRPr>
           </a:p>
@@ -2432,11 +3455,12 @@
           </a:prstGeom>
         </p:spPr>
         <p:txBody>
-          <a:bodyPr lIns="0" rIns="0" tIns="0" bIns="0">
+          <a:bodyPr lIns="0" tIns="0" rIns="0" bIns="0">
             <a:normAutofit/>
           </a:bodyPr>
-          <a:p>
-            <a:endParaRPr b="0" lang="ru-RU" sz="3200" spc="-1" strike="noStrike">
+          <a:lstStyle/>
+          <a:p>
+            <a:endParaRPr lang="ru-RU" sz="3200" b="0" strike="noStrike" spc="-1">
               <a:latin typeface="Arial"/>
             </a:endParaRPr>
           </a:p>
@@ -2462,11 +3486,12 @@
           </a:prstGeom>
         </p:spPr>
         <p:txBody>
-          <a:bodyPr lIns="0" rIns="0" tIns="0" bIns="0">
+          <a:bodyPr lIns="0" tIns="0" rIns="0" bIns="0">
             <a:normAutofit/>
           </a:bodyPr>
-          <a:p>
-            <a:endParaRPr b="0" lang="ru-RU" sz="3200" spc="-1" strike="noStrike">
+          <a:lstStyle/>
+          <a:p>
+            <a:endParaRPr lang="ru-RU" sz="3200" b="0" strike="noStrike" spc="-1">
               <a:latin typeface="Arial"/>
             </a:endParaRPr>
           </a:p>
@@ -2474,11 +3499,14 @@
       </p:sp>
     </p:spTree>
   </p:cSld>
+  <p:clrMapOvr>
+    <a:masterClrMapping/>
+  </p:clrMapOvr>
 </p:sldLayout>
 </file>
 
 <file path=ppt/slideLayouts/slideLayout2.xml><?xml version="1.0" encoding="utf-8"?>
-<p:sldLayout xmlns:a="http://schemas.openxmlformats.org/drawingml/2006/main" xmlns:p="http://schemas.openxmlformats.org/presentationml/2006/main" xmlns:r="http://schemas.openxmlformats.org/officeDocument/2006/relationships" xmlns:p14="http://schemas.microsoft.com/office/powerpoint/2010/main" xmlns:p15="http://schemas.microsoft.com/office/powerpoint/2012/main" xmlns:mc="http://schemas.openxmlformats.org/markup-compatibility/2006" type="tx" preserve="1">
+<p:sldLayout xmlns:a="http://schemas.openxmlformats.org/drawingml/2006/main" xmlns:r="http://schemas.openxmlformats.org/officeDocument/2006/relationships" xmlns:p="http://schemas.openxmlformats.org/presentationml/2006/main" type="tx" preserve="1">
   <p:cSld name="Title Slide">
     <p:spTree>
       <p:nvGrpSpPr>
@@ -2514,12 +3542,13 @@
           </a:prstGeom>
         </p:spPr>
         <p:txBody>
-          <a:bodyPr lIns="0" rIns="0" tIns="0" bIns="0" anchor="ctr">
+          <a:bodyPr lIns="0" tIns="0" rIns="0" bIns="0" anchor="ctr">
             <a:noAutofit/>
           </a:bodyPr>
+          <a:lstStyle/>
           <a:p>
             <a:pPr algn="ctr"/>
-            <a:endParaRPr b="0" lang="ru-RU" sz="4400" spc="-1" strike="noStrike">
+            <a:endParaRPr lang="ru-RU" sz="4400" b="0" strike="noStrike" spc="-1">
               <a:latin typeface="Arial"/>
             </a:endParaRPr>
           </a:p>
@@ -2545,12 +3574,13 @@
           </a:prstGeom>
         </p:spPr>
         <p:txBody>
-          <a:bodyPr lIns="0" rIns="0" tIns="0" bIns="0" anchor="ctr">
+          <a:bodyPr lIns="0" tIns="0" rIns="0" bIns="0" anchor="ctr">
             <a:noAutofit/>
           </a:bodyPr>
+          <a:lstStyle/>
           <a:p>
             <a:pPr algn="ctr"/>
-            <a:endParaRPr b="0" lang="ru-RU" sz="3200" spc="-1" strike="noStrike">
+            <a:endParaRPr lang="ru-RU" sz="3200" b="0" strike="noStrike" spc="-1">
               <a:latin typeface="Arial"/>
             </a:endParaRPr>
           </a:p>
@@ -2558,11 +3588,14 @@
       </p:sp>
     </p:spTree>
   </p:cSld>
+  <p:clrMapOvr>
+    <a:masterClrMapping/>
+  </p:clrMapOvr>
 </p:sldLayout>
 </file>
 
 <file path=ppt/slideLayouts/slideLayout20.xml><?xml version="1.0" encoding="utf-8"?>
-<p:sldLayout xmlns:a="http://schemas.openxmlformats.org/drawingml/2006/main" xmlns:p="http://schemas.openxmlformats.org/presentationml/2006/main" xmlns:r="http://schemas.openxmlformats.org/officeDocument/2006/relationships" xmlns:p14="http://schemas.microsoft.com/office/powerpoint/2010/main" xmlns:p15="http://schemas.microsoft.com/office/powerpoint/2012/main" xmlns:mc="http://schemas.openxmlformats.org/markup-compatibility/2006" type="objAndTwoObj" preserve="1">
+<p:sldLayout xmlns:a="http://schemas.openxmlformats.org/drawingml/2006/main" xmlns:r="http://schemas.openxmlformats.org/officeDocument/2006/relationships" xmlns:p="http://schemas.openxmlformats.org/presentationml/2006/main" type="objAndTwoObj" preserve="1">
   <p:cSld name="Title Content and 2 Content">
     <p:spTree>
       <p:nvGrpSpPr>
@@ -2598,12 +3631,13 @@
           </a:prstGeom>
         </p:spPr>
         <p:txBody>
-          <a:bodyPr lIns="0" rIns="0" tIns="0" bIns="0" anchor="ctr">
+          <a:bodyPr lIns="0" tIns="0" rIns="0" bIns="0" anchor="ctr">
             <a:noAutofit/>
           </a:bodyPr>
+          <a:lstStyle/>
           <a:p>
             <a:pPr algn="ctr"/>
-            <a:endParaRPr b="0" lang="ru-RU" sz="4400" spc="-1" strike="noStrike">
+            <a:endParaRPr lang="ru-RU" sz="4400" b="0" strike="noStrike" spc="-1">
               <a:latin typeface="Arial"/>
             </a:endParaRPr>
           </a:p>
@@ -2629,11 +3663,12 @@
           </a:prstGeom>
         </p:spPr>
         <p:txBody>
-          <a:bodyPr lIns="0" rIns="0" tIns="0" bIns="0">
+          <a:bodyPr lIns="0" tIns="0" rIns="0" bIns="0">
             <a:normAutofit/>
           </a:bodyPr>
-          <a:p>
-            <a:endParaRPr b="0" lang="ru-RU" sz="3200" spc="-1" strike="noStrike">
+          <a:lstStyle/>
+          <a:p>
+            <a:endParaRPr lang="ru-RU" sz="3200" b="0" strike="noStrike" spc="-1">
               <a:latin typeface="Arial"/>
             </a:endParaRPr>
           </a:p>
@@ -2659,11 +3694,12 @@
           </a:prstGeom>
         </p:spPr>
         <p:txBody>
-          <a:bodyPr lIns="0" rIns="0" tIns="0" bIns="0">
+          <a:bodyPr lIns="0" tIns="0" rIns="0" bIns="0">
             <a:normAutofit/>
           </a:bodyPr>
-          <a:p>
-            <a:endParaRPr b="0" lang="ru-RU" sz="3200" spc="-1" strike="noStrike">
+          <a:lstStyle/>
+          <a:p>
+            <a:endParaRPr lang="ru-RU" sz="3200" b="0" strike="noStrike" spc="-1">
               <a:latin typeface="Arial"/>
             </a:endParaRPr>
           </a:p>
@@ -2689,11 +3725,12 @@
           </a:prstGeom>
         </p:spPr>
         <p:txBody>
-          <a:bodyPr lIns="0" rIns="0" tIns="0" bIns="0">
+          <a:bodyPr lIns="0" tIns="0" rIns="0" bIns="0">
             <a:normAutofit/>
           </a:bodyPr>
-          <a:p>
-            <a:endParaRPr b="0" lang="ru-RU" sz="3200" spc="-1" strike="noStrike">
+          <a:lstStyle/>
+          <a:p>
+            <a:endParaRPr lang="ru-RU" sz="3200" b="0" strike="noStrike" spc="-1">
               <a:latin typeface="Arial"/>
             </a:endParaRPr>
           </a:p>
@@ -2701,11 +3738,14 @@
       </p:sp>
     </p:spTree>
   </p:cSld>
+  <p:clrMapOvr>
+    <a:masterClrMapping/>
+  </p:clrMapOvr>
 </p:sldLayout>
 </file>
 
 <file path=ppt/slideLayouts/slideLayout21.xml><?xml version="1.0" encoding="utf-8"?>
-<p:sldLayout xmlns:a="http://schemas.openxmlformats.org/drawingml/2006/main" xmlns:p="http://schemas.openxmlformats.org/presentationml/2006/main" xmlns:r="http://schemas.openxmlformats.org/officeDocument/2006/relationships" xmlns:p14="http://schemas.microsoft.com/office/powerpoint/2010/main" xmlns:p15="http://schemas.microsoft.com/office/powerpoint/2012/main" xmlns:mc="http://schemas.openxmlformats.org/markup-compatibility/2006" type="twoObjOverTx" preserve="1">
+<p:sldLayout xmlns:a="http://schemas.openxmlformats.org/drawingml/2006/main" xmlns:r="http://schemas.openxmlformats.org/officeDocument/2006/relationships" xmlns:p="http://schemas.openxmlformats.org/presentationml/2006/main" type="twoObjOverTx" preserve="1">
   <p:cSld name="Title, 2 Content over Content">
     <p:spTree>
       <p:nvGrpSpPr>
@@ -2741,12 +3781,13 @@
           </a:prstGeom>
         </p:spPr>
         <p:txBody>
-          <a:bodyPr lIns="0" rIns="0" tIns="0" bIns="0" anchor="ctr">
+          <a:bodyPr lIns="0" tIns="0" rIns="0" bIns="0" anchor="ctr">
             <a:noAutofit/>
           </a:bodyPr>
+          <a:lstStyle/>
           <a:p>
             <a:pPr algn="ctr"/>
-            <a:endParaRPr b="0" lang="ru-RU" sz="4400" spc="-1" strike="noStrike">
+            <a:endParaRPr lang="ru-RU" sz="4400" b="0" strike="noStrike" spc="-1">
               <a:latin typeface="Arial"/>
             </a:endParaRPr>
           </a:p>
@@ -2772,11 +3813,12 @@
           </a:prstGeom>
         </p:spPr>
         <p:txBody>
-          <a:bodyPr lIns="0" rIns="0" tIns="0" bIns="0">
+          <a:bodyPr lIns="0" tIns="0" rIns="0" bIns="0">
             <a:normAutofit/>
           </a:bodyPr>
-          <a:p>
-            <a:endParaRPr b="0" lang="ru-RU" sz="3200" spc="-1" strike="noStrike">
+          <a:lstStyle/>
+          <a:p>
+            <a:endParaRPr lang="ru-RU" sz="3200" b="0" strike="noStrike" spc="-1">
               <a:latin typeface="Arial"/>
             </a:endParaRPr>
           </a:p>
@@ -2802,11 +3844,12 @@
           </a:prstGeom>
         </p:spPr>
         <p:txBody>
-          <a:bodyPr lIns="0" rIns="0" tIns="0" bIns="0">
+          <a:bodyPr lIns="0" tIns="0" rIns="0" bIns="0">
             <a:normAutofit/>
           </a:bodyPr>
-          <a:p>
-            <a:endParaRPr b="0" lang="ru-RU" sz="3200" spc="-1" strike="noStrike">
+          <a:lstStyle/>
+          <a:p>
+            <a:endParaRPr lang="ru-RU" sz="3200" b="0" strike="noStrike" spc="-1">
               <a:latin typeface="Arial"/>
             </a:endParaRPr>
           </a:p>
@@ -2832,11 +3875,12 @@
           </a:prstGeom>
         </p:spPr>
         <p:txBody>
-          <a:bodyPr lIns="0" rIns="0" tIns="0" bIns="0">
+          <a:bodyPr lIns="0" tIns="0" rIns="0" bIns="0">
             <a:normAutofit/>
           </a:bodyPr>
-          <a:p>
-            <a:endParaRPr b="0" lang="ru-RU" sz="3200" spc="-1" strike="noStrike">
+          <a:lstStyle/>
+          <a:p>
+            <a:endParaRPr lang="ru-RU" sz="3200" b="0" strike="noStrike" spc="-1">
               <a:latin typeface="Arial"/>
             </a:endParaRPr>
           </a:p>
@@ -2844,11 +3888,14 @@
       </p:sp>
     </p:spTree>
   </p:cSld>
+  <p:clrMapOvr>
+    <a:masterClrMapping/>
+  </p:clrMapOvr>
 </p:sldLayout>
 </file>
 
 <file path=ppt/slideLayouts/slideLayout22.xml><?xml version="1.0" encoding="utf-8"?>
-<p:sldLayout xmlns:a="http://schemas.openxmlformats.org/drawingml/2006/main" xmlns:p="http://schemas.openxmlformats.org/presentationml/2006/main" xmlns:r="http://schemas.openxmlformats.org/officeDocument/2006/relationships" xmlns:p14="http://schemas.microsoft.com/office/powerpoint/2010/main" xmlns:p15="http://schemas.microsoft.com/office/powerpoint/2012/main" xmlns:mc="http://schemas.openxmlformats.org/markup-compatibility/2006" type="objOverTx" preserve="1">
+<p:sldLayout xmlns:a="http://schemas.openxmlformats.org/drawingml/2006/main" xmlns:r="http://schemas.openxmlformats.org/officeDocument/2006/relationships" xmlns:p="http://schemas.openxmlformats.org/presentationml/2006/main" type="objOverTx" preserve="1">
   <p:cSld name="Title, Content over Content">
     <p:spTree>
       <p:nvGrpSpPr>
@@ -2884,12 +3931,13 @@
           </a:prstGeom>
         </p:spPr>
         <p:txBody>
-          <a:bodyPr lIns="0" rIns="0" tIns="0" bIns="0" anchor="ctr">
+          <a:bodyPr lIns="0" tIns="0" rIns="0" bIns="0" anchor="ctr">
             <a:noAutofit/>
           </a:bodyPr>
+          <a:lstStyle/>
           <a:p>
             <a:pPr algn="ctr"/>
-            <a:endParaRPr b="0" lang="ru-RU" sz="4400" spc="-1" strike="noStrike">
+            <a:endParaRPr lang="ru-RU" sz="4400" b="0" strike="noStrike" spc="-1">
               <a:latin typeface="Arial"/>
             </a:endParaRPr>
           </a:p>
@@ -2915,11 +3963,12 @@
           </a:prstGeom>
         </p:spPr>
         <p:txBody>
-          <a:bodyPr lIns="0" rIns="0" tIns="0" bIns="0">
+          <a:bodyPr lIns="0" tIns="0" rIns="0" bIns="0">
             <a:normAutofit/>
           </a:bodyPr>
-          <a:p>
-            <a:endParaRPr b="0" lang="ru-RU" sz="3200" spc="-1" strike="noStrike">
+          <a:lstStyle/>
+          <a:p>
+            <a:endParaRPr lang="ru-RU" sz="3200" b="0" strike="noStrike" spc="-1">
               <a:latin typeface="Arial"/>
             </a:endParaRPr>
           </a:p>
@@ -2945,11 +3994,12 @@
           </a:prstGeom>
         </p:spPr>
         <p:txBody>
-          <a:bodyPr lIns="0" rIns="0" tIns="0" bIns="0">
+          <a:bodyPr lIns="0" tIns="0" rIns="0" bIns="0">
             <a:normAutofit/>
           </a:bodyPr>
-          <a:p>
-            <a:endParaRPr b="0" lang="ru-RU" sz="3200" spc="-1" strike="noStrike">
+          <a:lstStyle/>
+          <a:p>
+            <a:endParaRPr lang="ru-RU" sz="3200" b="0" strike="noStrike" spc="-1">
               <a:latin typeface="Arial"/>
             </a:endParaRPr>
           </a:p>
@@ -2957,11 +4007,14 @@
       </p:sp>
     </p:spTree>
   </p:cSld>
+  <p:clrMapOvr>
+    <a:masterClrMapping/>
+  </p:clrMapOvr>
 </p:sldLayout>
 </file>
 
 <file path=ppt/slideLayouts/slideLayout23.xml><?xml version="1.0" encoding="utf-8"?>
-<p:sldLayout xmlns:a="http://schemas.openxmlformats.org/drawingml/2006/main" xmlns:p="http://schemas.openxmlformats.org/presentationml/2006/main" xmlns:r="http://schemas.openxmlformats.org/officeDocument/2006/relationships" xmlns:p14="http://schemas.microsoft.com/office/powerpoint/2010/main" xmlns:p15="http://schemas.microsoft.com/office/powerpoint/2012/main" xmlns:mc="http://schemas.openxmlformats.org/markup-compatibility/2006" type="fourObj" preserve="1">
+<p:sldLayout xmlns:a="http://schemas.openxmlformats.org/drawingml/2006/main" xmlns:r="http://schemas.openxmlformats.org/officeDocument/2006/relationships" xmlns:p="http://schemas.openxmlformats.org/presentationml/2006/main" type="fourObj" preserve="1">
   <p:cSld name="Title, 4 Content">
     <p:spTree>
       <p:nvGrpSpPr>
@@ -2997,12 +4050,13 @@
           </a:prstGeom>
         </p:spPr>
         <p:txBody>
-          <a:bodyPr lIns="0" rIns="0" tIns="0" bIns="0" anchor="ctr">
+          <a:bodyPr lIns="0" tIns="0" rIns="0" bIns="0" anchor="ctr">
             <a:noAutofit/>
           </a:bodyPr>
+          <a:lstStyle/>
           <a:p>
             <a:pPr algn="ctr"/>
-            <a:endParaRPr b="0" lang="ru-RU" sz="4400" spc="-1" strike="noStrike">
+            <a:endParaRPr lang="ru-RU" sz="4400" b="0" strike="noStrike" spc="-1">
               <a:latin typeface="Arial"/>
             </a:endParaRPr>
           </a:p>
@@ -3028,11 +4082,12 @@
           </a:prstGeom>
         </p:spPr>
         <p:txBody>
-          <a:bodyPr lIns="0" rIns="0" tIns="0" bIns="0">
+          <a:bodyPr lIns="0" tIns="0" rIns="0" bIns="0">
             <a:normAutofit/>
           </a:bodyPr>
-          <a:p>
-            <a:endParaRPr b="0" lang="ru-RU" sz="3200" spc="-1" strike="noStrike">
+          <a:lstStyle/>
+          <a:p>
+            <a:endParaRPr lang="ru-RU" sz="3200" b="0" strike="noStrike" spc="-1">
               <a:latin typeface="Arial"/>
             </a:endParaRPr>
           </a:p>
@@ -3058,11 +4113,12 @@
           </a:prstGeom>
         </p:spPr>
         <p:txBody>
-          <a:bodyPr lIns="0" rIns="0" tIns="0" bIns="0">
+          <a:bodyPr lIns="0" tIns="0" rIns="0" bIns="0">
             <a:normAutofit/>
           </a:bodyPr>
-          <a:p>
-            <a:endParaRPr b="0" lang="ru-RU" sz="3200" spc="-1" strike="noStrike">
+          <a:lstStyle/>
+          <a:p>
+            <a:endParaRPr lang="ru-RU" sz="3200" b="0" strike="noStrike" spc="-1">
               <a:latin typeface="Arial"/>
             </a:endParaRPr>
           </a:p>
@@ -3088,11 +4144,12 @@
           </a:prstGeom>
         </p:spPr>
         <p:txBody>
-          <a:bodyPr lIns="0" rIns="0" tIns="0" bIns="0">
+          <a:bodyPr lIns="0" tIns="0" rIns="0" bIns="0">
             <a:normAutofit/>
           </a:bodyPr>
-          <a:p>
-            <a:endParaRPr b="0" lang="ru-RU" sz="3200" spc="-1" strike="noStrike">
+          <a:lstStyle/>
+          <a:p>
+            <a:endParaRPr lang="ru-RU" sz="3200" b="0" strike="noStrike" spc="-1">
               <a:latin typeface="Arial"/>
             </a:endParaRPr>
           </a:p>
@@ -3118,11 +4175,12 @@
           </a:prstGeom>
         </p:spPr>
         <p:txBody>
-          <a:bodyPr lIns="0" rIns="0" tIns="0" bIns="0">
+          <a:bodyPr lIns="0" tIns="0" rIns="0" bIns="0">
             <a:normAutofit/>
           </a:bodyPr>
-          <a:p>
-            <a:endParaRPr b="0" lang="ru-RU" sz="3200" spc="-1" strike="noStrike">
+          <a:lstStyle/>
+          <a:p>
+            <a:endParaRPr lang="ru-RU" sz="3200" b="0" strike="noStrike" spc="-1">
               <a:latin typeface="Arial"/>
             </a:endParaRPr>
           </a:p>
@@ -3130,11 +4188,14 @@
       </p:sp>
     </p:spTree>
   </p:cSld>
+  <p:clrMapOvr>
+    <a:masterClrMapping/>
+  </p:clrMapOvr>
 </p:sldLayout>
 </file>
 
 <file path=ppt/slideLayouts/slideLayout24.xml><?xml version="1.0" encoding="utf-8"?>
-<p:sldLayout xmlns:a="http://schemas.openxmlformats.org/drawingml/2006/main" xmlns:p="http://schemas.openxmlformats.org/presentationml/2006/main" xmlns:r="http://schemas.openxmlformats.org/officeDocument/2006/relationships" xmlns:p14="http://schemas.microsoft.com/office/powerpoint/2010/main" xmlns:p15="http://schemas.microsoft.com/office/powerpoint/2012/main" xmlns:mc="http://schemas.openxmlformats.org/markup-compatibility/2006" type="blank" preserve="1">
+<p:sldLayout xmlns:a="http://schemas.openxmlformats.org/drawingml/2006/main" xmlns:r="http://schemas.openxmlformats.org/officeDocument/2006/relationships" xmlns:p="http://schemas.openxmlformats.org/presentationml/2006/main" type="blank" preserve="1">
   <p:cSld name="Title, 6 Content">
     <p:spTree>
       <p:nvGrpSpPr>
@@ -3170,12 +4231,13 @@
           </a:prstGeom>
         </p:spPr>
         <p:txBody>
-          <a:bodyPr lIns="0" rIns="0" tIns="0" bIns="0" anchor="ctr">
+          <a:bodyPr lIns="0" tIns="0" rIns="0" bIns="0" anchor="ctr">
             <a:noAutofit/>
           </a:bodyPr>
+          <a:lstStyle/>
           <a:p>
             <a:pPr algn="ctr"/>
-            <a:endParaRPr b="0" lang="ru-RU" sz="4400" spc="-1" strike="noStrike">
+            <a:endParaRPr lang="ru-RU" sz="4400" b="0" strike="noStrike" spc="-1">
               <a:latin typeface="Arial"/>
             </a:endParaRPr>
           </a:p>
@@ -3201,11 +4263,12 @@
           </a:prstGeom>
         </p:spPr>
         <p:txBody>
-          <a:bodyPr lIns="0" rIns="0" tIns="0" bIns="0">
+          <a:bodyPr lIns="0" tIns="0" rIns="0" bIns="0">
             <a:normAutofit fontScale="76000"/>
           </a:bodyPr>
-          <a:p>
-            <a:endParaRPr b="0" lang="ru-RU" sz="3200" spc="-1" strike="noStrike">
+          <a:lstStyle/>
+          <a:p>
+            <a:endParaRPr lang="ru-RU" sz="3200" b="0" strike="noStrike" spc="-1">
               <a:latin typeface="Arial"/>
             </a:endParaRPr>
           </a:p>
@@ -3231,11 +4294,12 @@
           </a:prstGeom>
         </p:spPr>
         <p:txBody>
-          <a:bodyPr lIns="0" rIns="0" tIns="0" bIns="0">
+          <a:bodyPr lIns="0" tIns="0" rIns="0" bIns="0">
             <a:normAutofit fontScale="76000"/>
           </a:bodyPr>
-          <a:p>
-            <a:endParaRPr b="0" lang="ru-RU" sz="3200" spc="-1" strike="noStrike">
+          <a:lstStyle/>
+          <a:p>
+            <a:endParaRPr lang="ru-RU" sz="3200" b="0" strike="noStrike" spc="-1">
               <a:latin typeface="Arial"/>
             </a:endParaRPr>
           </a:p>
@@ -3261,11 +4325,12 @@
           </a:prstGeom>
         </p:spPr>
         <p:txBody>
-          <a:bodyPr lIns="0" rIns="0" tIns="0" bIns="0">
+          <a:bodyPr lIns="0" tIns="0" rIns="0" bIns="0">
             <a:normAutofit fontScale="76000"/>
           </a:bodyPr>
-          <a:p>
-            <a:endParaRPr b="0" lang="ru-RU" sz="3200" spc="-1" strike="noStrike">
+          <a:lstStyle/>
+          <a:p>
+            <a:endParaRPr lang="ru-RU" sz="3200" b="0" strike="noStrike" spc="-1">
               <a:latin typeface="Arial"/>
             </a:endParaRPr>
           </a:p>
@@ -3291,11 +4356,12 @@
           </a:prstGeom>
         </p:spPr>
         <p:txBody>
-          <a:bodyPr lIns="0" rIns="0" tIns="0" bIns="0">
+          <a:bodyPr lIns="0" tIns="0" rIns="0" bIns="0">
             <a:normAutofit fontScale="76000"/>
           </a:bodyPr>
-          <a:p>
-            <a:endParaRPr b="0" lang="ru-RU" sz="3200" spc="-1" strike="noStrike">
+          <a:lstStyle/>
+          <a:p>
+            <a:endParaRPr lang="ru-RU" sz="3200" b="0" strike="noStrike" spc="-1">
               <a:latin typeface="Arial"/>
             </a:endParaRPr>
           </a:p>
@@ -3321,11 +4387,12 @@
           </a:prstGeom>
         </p:spPr>
         <p:txBody>
-          <a:bodyPr lIns="0" rIns="0" tIns="0" bIns="0">
+          <a:bodyPr lIns="0" tIns="0" rIns="0" bIns="0">
             <a:normAutofit fontScale="76000"/>
           </a:bodyPr>
-          <a:p>
-            <a:endParaRPr b="0" lang="ru-RU" sz="3200" spc="-1" strike="noStrike">
+          <a:lstStyle/>
+          <a:p>
+            <a:endParaRPr lang="ru-RU" sz="3200" b="0" strike="noStrike" spc="-1">
               <a:latin typeface="Arial"/>
             </a:endParaRPr>
           </a:p>
@@ -3351,11 +4418,12 @@
           </a:prstGeom>
         </p:spPr>
         <p:txBody>
-          <a:bodyPr lIns="0" rIns="0" tIns="0" bIns="0">
+          <a:bodyPr lIns="0" tIns="0" rIns="0" bIns="0">
             <a:normAutofit fontScale="76000"/>
           </a:bodyPr>
-          <a:p>
-            <a:endParaRPr b="0" lang="ru-RU" sz="3200" spc="-1" strike="noStrike">
+          <a:lstStyle/>
+          <a:p>
+            <a:endParaRPr lang="ru-RU" sz="3200" b="0" strike="noStrike" spc="-1">
               <a:latin typeface="Arial"/>
             </a:endParaRPr>
           </a:p>
@@ -3363,11 +4431,14 @@
       </p:sp>
     </p:spTree>
   </p:cSld>
+  <p:clrMapOvr>
+    <a:masterClrMapping/>
+  </p:clrMapOvr>
 </p:sldLayout>
 </file>
 
 <file path=ppt/slideLayouts/slideLayout3.xml><?xml version="1.0" encoding="utf-8"?>
-<p:sldLayout xmlns:a="http://schemas.openxmlformats.org/drawingml/2006/main" xmlns:p="http://schemas.openxmlformats.org/presentationml/2006/main" xmlns:r="http://schemas.openxmlformats.org/officeDocument/2006/relationships" xmlns:p14="http://schemas.microsoft.com/office/powerpoint/2010/main" xmlns:p15="http://schemas.microsoft.com/office/powerpoint/2012/main" xmlns:mc="http://schemas.openxmlformats.org/markup-compatibility/2006" type="obj" preserve="1">
+<p:sldLayout xmlns:a="http://schemas.openxmlformats.org/drawingml/2006/main" xmlns:r="http://schemas.openxmlformats.org/officeDocument/2006/relationships" xmlns:p="http://schemas.openxmlformats.org/presentationml/2006/main" type="obj" preserve="1">
   <p:cSld name="Title, Content">
     <p:spTree>
       <p:nvGrpSpPr>
@@ -3403,12 +4474,13 @@
           </a:prstGeom>
         </p:spPr>
         <p:txBody>
-          <a:bodyPr lIns="0" rIns="0" tIns="0" bIns="0" anchor="ctr">
+          <a:bodyPr lIns="0" tIns="0" rIns="0" bIns="0" anchor="ctr">
             <a:noAutofit/>
           </a:bodyPr>
+          <a:lstStyle/>
           <a:p>
             <a:pPr algn="ctr"/>
-            <a:endParaRPr b="0" lang="ru-RU" sz="4400" spc="-1" strike="noStrike">
+            <a:endParaRPr lang="ru-RU" sz="4400" b="0" strike="noStrike" spc="-1">
               <a:latin typeface="Arial"/>
             </a:endParaRPr>
           </a:p>
@@ -3434,11 +4506,12 @@
           </a:prstGeom>
         </p:spPr>
         <p:txBody>
-          <a:bodyPr lIns="0" rIns="0" tIns="0" bIns="0">
+          <a:bodyPr lIns="0" tIns="0" rIns="0" bIns="0">
             <a:normAutofit/>
           </a:bodyPr>
-          <a:p>
-            <a:endParaRPr b="0" lang="ru-RU" sz="3200" spc="-1" strike="noStrike">
+          <a:lstStyle/>
+          <a:p>
+            <a:endParaRPr lang="ru-RU" sz="3200" b="0" strike="noStrike" spc="-1">
               <a:latin typeface="Arial"/>
             </a:endParaRPr>
           </a:p>
@@ -3446,11 +4519,14 @@
       </p:sp>
     </p:spTree>
   </p:cSld>
+  <p:clrMapOvr>
+    <a:masterClrMapping/>
+  </p:clrMapOvr>
 </p:sldLayout>
 </file>
 
 <file path=ppt/slideLayouts/slideLayout4.xml><?xml version="1.0" encoding="utf-8"?>
-<p:sldLayout xmlns:a="http://schemas.openxmlformats.org/drawingml/2006/main" xmlns:p="http://schemas.openxmlformats.org/presentationml/2006/main" xmlns:r="http://schemas.openxmlformats.org/officeDocument/2006/relationships" xmlns:p14="http://schemas.microsoft.com/office/powerpoint/2010/main" xmlns:p15="http://schemas.microsoft.com/office/powerpoint/2012/main" xmlns:mc="http://schemas.openxmlformats.org/markup-compatibility/2006" type="twoObj" preserve="1">
+<p:sldLayout xmlns:a="http://schemas.openxmlformats.org/drawingml/2006/main" xmlns:r="http://schemas.openxmlformats.org/officeDocument/2006/relationships" xmlns:p="http://schemas.openxmlformats.org/presentationml/2006/main" type="twoObj" preserve="1">
   <p:cSld name="Title, 2 Content">
     <p:spTree>
       <p:nvGrpSpPr>
@@ -3486,12 +4562,13 @@
           </a:prstGeom>
         </p:spPr>
         <p:txBody>
-          <a:bodyPr lIns="0" rIns="0" tIns="0" bIns="0" anchor="ctr">
+          <a:bodyPr lIns="0" tIns="0" rIns="0" bIns="0" anchor="ctr">
             <a:noAutofit/>
           </a:bodyPr>
+          <a:lstStyle/>
           <a:p>
             <a:pPr algn="ctr"/>
-            <a:endParaRPr b="0" lang="ru-RU" sz="4400" spc="-1" strike="noStrike">
+            <a:endParaRPr lang="ru-RU" sz="4400" b="0" strike="noStrike" spc="-1">
               <a:latin typeface="Arial"/>
             </a:endParaRPr>
           </a:p>
@@ -3517,11 +4594,12 @@
           </a:prstGeom>
         </p:spPr>
         <p:txBody>
-          <a:bodyPr lIns="0" rIns="0" tIns="0" bIns="0">
+          <a:bodyPr lIns="0" tIns="0" rIns="0" bIns="0">
             <a:normAutofit/>
           </a:bodyPr>
-          <a:p>
-            <a:endParaRPr b="0" lang="ru-RU" sz="3200" spc="-1" strike="noStrike">
+          <a:lstStyle/>
+          <a:p>
+            <a:endParaRPr lang="ru-RU" sz="3200" b="0" strike="noStrike" spc="-1">
               <a:latin typeface="Arial"/>
             </a:endParaRPr>
           </a:p>
@@ -3547,11 +4625,12 @@
           </a:prstGeom>
         </p:spPr>
         <p:txBody>
-          <a:bodyPr lIns="0" rIns="0" tIns="0" bIns="0">
+          <a:bodyPr lIns="0" tIns="0" rIns="0" bIns="0">
             <a:normAutofit/>
           </a:bodyPr>
-          <a:p>
-            <a:endParaRPr b="0" lang="ru-RU" sz="3200" spc="-1" strike="noStrike">
+          <a:lstStyle/>
+          <a:p>
+            <a:endParaRPr lang="ru-RU" sz="3200" b="0" strike="noStrike" spc="-1">
               <a:latin typeface="Arial"/>
             </a:endParaRPr>
           </a:p>
@@ -3559,11 +4638,14 @@
       </p:sp>
     </p:spTree>
   </p:cSld>
+  <p:clrMapOvr>
+    <a:masterClrMapping/>
+  </p:clrMapOvr>
 </p:sldLayout>
 </file>
 
 <file path=ppt/slideLayouts/slideLayout5.xml><?xml version="1.0" encoding="utf-8"?>
-<p:sldLayout xmlns:a="http://schemas.openxmlformats.org/drawingml/2006/main" xmlns:p="http://schemas.openxmlformats.org/presentationml/2006/main" xmlns:r="http://schemas.openxmlformats.org/officeDocument/2006/relationships" xmlns:p14="http://schemas.microsoft.com/office/powerpoint/2010/main" xmlns:p15="http://schemas.microsoft.com/office/powerpoint/2012/main" xmlns:mc="http://schemas.openxmlformats.org/markup-compatibility/2006" type="titleOnly" preserve="1">
+<p:sldLayout xmlns:a="http://schemas.openxmlformats.org/drawingml/2006/main" xmlns:r="http://schemas.openxmlformats.org/officeDocument/2006/relationships" xmlns:p="http://schemas.openxmlformats.org/presentationml/2006/main" type="titleOnly" preserve="1">
   <p:cSld name="Title Only">
     <p:spTree>
       <p:nvGrpSpPr>
@@ -3599,12 +4681,13 @@
           </a:prstGeom>
         </p:spPr>
         <p:txBody>
-          <a:bodyPr lIns="0" rIns="0" tIns="0" bIns="0" anchor="ctr">
+          <a:bodyPr lIns="0" tIns="0" rIns="0" bIns="0" anchor="ctr">
             <a:noAutofit/>
           </a:bodyPr>
+          <a:lstStyle/>
           <a:p>
             <a:pPr algn="ctr"/>
-            <a:endParaRPr b="0" lang="ru-RU" sz="4400" spc="-1" strike="noStrike">
+            <a:endParaRPr lang="ru-RU" sz="4400" b="0" strike="noStrike" spc="-1">
               <a:latin typeface="Arial"/>
             </a:endParaRPr>
           </a:p>
@@ -3612,11 +4695,14 @@
       </p:sp>
     </p:spTree>
   </p:cSld>
+  <p:clrMapOvr>
+    <a:masterClrMapping/>
+  </p:clrMapOvr>
 </p:sldLayout>
 </file>
 
 <file path=ppt/slideLayouts/slideLayout6.xml><?xml version="1.0" encoding="utf-8"?>
-<p:sldLayout xmlns:a="http://schemas.openxmlformats.org/drawingml/2006/main" xmlns:p="http://schemas.openxmlformats.org/presentationml/2006/main" xmlns:r="http://schemas.openxmlformats.org/officeDocument/2006/relationships" xmlns:p14="http://schemas.microsoft.com/office/powerpoint/2010/main" xmlns:p15="http://schemas.microsoft.com/office/powerpoint/2012/main" xmlns:mc="http://schemas.openxmlformats.org/markup-compatibility/2006" type="objOnly" preserve="1">
+<p:sldLayout xmlns:a="http://schemas.openxmlformats.org/drawingml/2006/main" xmlns:r="http://schemas.openxmlformats.org/officeDocument/2006/relationships" xmlns:p="http://schemas.openxmlformats.org/presentationml/2006/main" type="objOnly" preserve="1">
   <p:cSld name="Centered Text">
     <p:spTree>
       <p:nvGrpSpPr>
@@ -3652,12 +4738,13 @@
           </a:prstGeom>
         </p:spPr>
         <p:txBody>
-          <a:bodyPr lIns="0" rIns="0" tIns="0" bIns="0" anchor="ctr">
+          <a:bodyPr lIns="0" tIns="0" rIns="0" bIns="0" anchor="ctr">
             <a:noAutofit/>
           </a:bodyPr>
+          <a:lstStyle/>
           <a:p>
             <a:pPr algn="ctr"/>
-            <a:endParaRPr b="0" lang="ru-RU" sz="3200" spc="-1" strike="noStrike">
+            <a:endParaRPr lang="ru-RU" sz="3200" b="0" strike="noStrike" spc="-1">
               <a:latin typeface="Arial"/>
             </a:endParaRPr>
           </a:p>
@@ -3665,11 +4752,14 @@
       </p:sp>
     </p:spTree>
   </p:cSld>
+  <p:clrMapOvr>
+    <a:masterClrMapping/>
+  </p:clrMapOvr>
 </p:sldLayout>
 </file>
 
 <file path=ppt/slideLayouts/slideLayout7.xml><?xml version="1.0" encoding="utf-8"?>
-<p:sldLayout xmlns:a="http://schemas.openxmlformats.org/drawingml/2006/main" xmlns:p="http://schemas.openxmlformats.org/presentationml/2006/main" xmlns:r="http://schemas.openxmlformats.org/officeDocument/2006/relationships" xmlns:p14="http://schemas.microsoft.com/office/powerpoint/2010/main" xmlns:p15="http://schemas.microsoft.com/office/powerpoint/2012/main" xmlns:mc="http://schemas.openxmlformats.org/markup-compatibility/2006" type="twoObjAndObj" preserve="1">
+<p:sldLayout xmlns:a="http://schemas.openxmlformats.org/drawingml/2006/main" xmlns:r="http://schemas.openxmlformats.org/officeDocument/2006/relationships" xmlns:p="http://schemas.openxmlformats.org/presentationml/2006/main" type="twoObjAndObj" preserve="1">
   <p:cSld name="Title, 2 Content and Content">
     <p:spTree>
       <p:nvGrpSpPr>
@@ -3705,12 +4795,13 @@
           </a:prstGeom>
         </p:spPr>
         <p:txBody>
-          <a:bodyPr lIns="0" rIns="0" tIns="0" bIns="0" anchor="ctr">
+          <a:bodyPr lIns="0" tIns="0" rIns="0" bIns="0" anchor="ctr">
             <a:noAutofit/>
           </a:bodyPr>
+          <a:lstStyle/>
           <a:p>
             <a:pPr algn="ctr"/>
-            <a:endParaRPr b="0" lang="ru-RU" sz="4400" spc="-1" strike="noStrike">
+            <a:endParaRPr lang="ru-RU" sz="4400" b="0" strike="noStrike" spc="-1">
               <a:latin typeface="Arial"/>
             </a:endParaRPr>
           </a:p>
@@ -3736,11 +4827,12 @@
           </a:prstGeom>
         </p:spPr>
         <p:txBody>
-          <a:bodyPr lIns="0" rIns="0" tIns="0" bIns="0">
+          <a:bodyPr lIns="0" tIns="0" rIns="0" bIns="0">
             <a:normAutofit/>
           </a:bodyPr>
-          <a:p>
-            <a:endParaRPr b="0" lang="ru-RU" sz="3200" spc="-1" strike="noStrike">
+          <a:lstStyle/>
+          <a:p>
+            <a:endParaRPr lang="ru-RU" sz="3200" b="0" strike="noStrike" spc="-1">
               <a:latin typeface="Arial"/>
             </a:endParaRPr>
           </a:p>
@@ -3766,11 +4858,12 @@
           </a:prstGeom>
         </p:spPr>
         <p:txBody>
-          <a:bodyPr lIns="0" rIns="0" tIns="0" bIns="0">
+          <a:bodyPr lIns="0" tIns="0" rIns="0" bIns="0">
             <a:normAutofit/>
           </a:bodyPr>
-          <a:p>
-            <a:endParaRPr b="0" lang="ru-RU" sz="3200" spc="-1" strike="noStrike">
+          <a:lstStyle/>
+          <a:p>
+            <a:endParaRPr lang="ru-RU" sz="3200" b="0" strike="noStrike" spc="-1">
               <a:latin typeface="Arial"/>
             </a:endParaRPr>
           </a:p>
@@ -3796,11 +4889,12 @@
           </a:prstGeom>
         </p:spPr>
         <p:txBody>
-          <a:bodyPr lIns="0" rIns="0" tIns="0" bIns="0">
+          <a:bodyPr lIns="0" tIns="0" rIns="0" bIns="0">
             <a:normAutofit/>
           </a:bodyPr>
-          <a:p>
-            <a:endParaRPr b="0" lang="ru-RU" sz="3200" spc="-1" strike="noStrike">
+          <a:lstStyle/>
+          <a:p>
+            <a:endParaRPr lang="ru-RU" sz="3200" b="0" strike="noStrike" spc="-1">
               <a:latin typeface="Arial"/>
             </a:endParaRPr>
           </a:p>
@@ -3808,11 +4902,14 @@
       </p:sp>
     </p:spTree>
   </p:cSld>
+  <p:clrMapOvr>
+    <a:masterClrMapping/>
+  </p:clrMapOvr>
 </p:sldLayout>
 </file>
 
 <file path=ppt/slideLayouts/slideLayout8.xml><?xml version="1.0" encoding="utf-8"?>
-<p:sldLayout xmlns:a="http://schemas.openxmlformats.org/drawingml/2006/main" xmlns:p="http://schemas.openxmlformats.org/presentationml/2006/main" xmlns:r="http://schemas.openxmlformats.org/officeDocument/2006/relationships" xmlns:p14="http://schemas.microsoft.com/office/powerpoint/2010/main" xmlns:p15="http://schemas.microsoft.com/office/powerpoint/2012/main" xmlns:mc="http://schemas.openxmlformats.org/markup-compatibility/2006" type="objAndTwoObj" preserve="1">
+<p:sldLayout xmlns:a="http://schemas.openxmlformats.org/drawingml/2006/main" xmlns:r="http://schemas.openxmlformats.org/officeDocument/2006/relationships" xmlns:p="http://schemas.openxmlformats.org/presentationml/2006/main" type="objAndTwoObj" preserve="1">
   <p:cSld name="Title Content and 2 Content">
     <p:spTree>
       <p:nvGrpSpPr>
@@ -3848,12 +4945,13 @@
           </a:prstGeom>
         </p:spPr>
         <p:txBody>
-          <a:bodyPr lIns="0" rIns="0" tIns="0" bIns="0" anchor="ctr">
+          <a:bodyPr lIns="0" tIns="0" rIns="0" bIns="0" anchor="ctr">
             <a:noAutofit/>
           </a:bodyPr>
+          <a:lstStyle/>
           <a:p>
             <a:pPr algn="ctr"/>
-            <a:endParaRPr b="0" lang="ru-RU" sz="4400" spc="-1" strike="noStrike">
+            <a:endParaRPr lang="ru-RU" sz="4400" b="0" strike="noStrike" spc="-1">
               <a:latin typeface="Arial"/>
             </a:endParaRPr>
           </a:p>
@@ -3879,11 +4977,12 @@
           </a:prstGeom>
         </p:spPr>
         <p:txBody>
-          <a:bodyPr lIns="0" rIns="0" tIns="0" bIns="0">
+          <a:bodyPr lIns="0" tIns="0" rIns="0" bIns="0">
             <a:normAutofit/>
           </a:bodyPr>
-          <a:p>
-            <a:endParaRPr b="0" lang="ru-RU" sz="3200" spc="-1" strike="noStrike">
+          <a:lstStyle/>
+          <a:p>
+            <a:endParaRPr lang="ru-RU" sz="3200" b="0" strike="noStrike" spc="-1">
               <a:latin typeface="Arial"/>
             </a:endParaRPr>
           </a:p>
@@ -3909,11 +5008,12 @@
           </a:prstGeom>
         </p:spPr>
         <p:txBody>
-          <a:bodyPr lIns="0" rIns="0" tIns="0" bIns="0">
+          <a:bodyPr lIns="0" tIns="0" rIns="0" bIns="0">
             <a:normAutofit/>
           </a:bodyPr>
-          <a:p>
-            <a:endParaRPr b="0" lang="ru-RU" sz="3200" spc="-1" strike="noStrike">
+          <a:lstStyle/>
+          <a:p>
+            <a:endParaRPr lang="ru-RU" sz="3200" b="0" strike="noStrike" spc="-1">
               <a:latin typeface="Arial"/>
             </a:endParaRPr>
           </a:p>
@@ -3939,11 +5039,12 @@
           </a:prstGeom>
         </p:spPr>
         <p:txBody>
-          <a:bodyPr lIns="0" rIns="0" tIns="0" bIns="0">
+          <a:bodyPr lIns="0" tIns="0" rIns="0" bIns="0">
             <a:normAutofit/>
           </a:bodyPr>
-          <a:p>
-            <a:endParaRPr b="0" lang="ru-RU" sz="3200" spc="-1" strike="noStrike">
+          <a:lstStyle/>
+          <a:p>
+            <a:endParaRPr lang="ru-RU" sz="3200" b="0" strike="noStrike" spc="-1">
               <a:latin typeface="Arial"/>
             </a:endParaRPr>
           </a:p>
@@ -3951,11 +5052,14 @@
       </p:sp>
     </p:spTree>
   </p:cSld>
+  <p:clrMapOvr>
+    <a:masterClrMapping/>
+  </p:clrMapOvr>
 </p:sldLayout>
 </file>
 
 <file path=ppt/slideLayouts/slideLayout9.xml><?xml version="1.0" encoding="utf-8"?>
-<p:sldLayout xmlns:a="http://schemas.openxmlformats.org/drawingml/2006/main" xmlns:p="http://schemas.openxmlformats.org/presentationml/2006/main" xmlns:r="http://schemas.openxmlformats.org/officeDocument/2006/relationships" xmlns:p14="http://schemas.microsoft.com/office/powerpoint/2010/main" xmlns:p15="http://schemas.microsoft.com/office/powerpoint/2012/main" xmlns:mc="http://schemas.openxmlformats.org/markup-compatibility/2006" type="twoObjOverTx" preserve="1">
+<p:sldLayout xmlns:a="http://schemas.openxmlformats.org/drawingml/2006/main" xmlns:r="http://schemas.openxmlformats.org/officeDocument/2006/relationships" xmlns:p="http://schemas.openxmlformats.org/presentationml/2006/main" type="twoObjOverTx" preserve="1">
   <p:cSld name="Title, 2 Content over Content">
     <p:spTree>
       <p:nvGrpSpPr>
@@ -3991,12 +5095,13 @@
           </a:prstGeom>
         </p:spPr>
         <p:txBody>
-          <a:bodyPr lIns="0" rIns="0" tIns="0" bIns="0" anchor="ctr">
+          <a:bodyPr lIns="0" tIns="0" rIns="0" bIns="0" anchor="ctr">
             <a:noAutofit/>
           </a:bodyPr>
+          <a:lstStyle/>
           <a:p>
             <a:pPr algn="ctr"/>
-            <a:endParaRPr b="0" lang="ru-RU" sz="4400" spc="-1" strike="noStrike">
+            <a:endParaRPr lang="ru-RU" sz="4400" b="0" strike="noStrike" spc="-1">
               <a:latin typeface="Arial"/>
             </a:endParaRPr>
           </a:p>
@@ -4022,11 +5127,12 @@
           </a:prstGeom>
         </p:spPr>
         <p:txBody>
-          <a:bodyPr lIns="0" rIns="0" tIns="0" bIns="0">
+          <a:bodyPr lIns="0" tIns="0" rIns="0" bIns="0">
             <a:normAutofit/>
           </a:bodyPr>
-          <a:p>
-            <a:endParaRPr b="0" lang="ru-RU" sz="3200" spc="-1" strike="noStrike">
+          <a:lstStyle/>
+          <a:p>
+            <a:endParaRPr lang="ru-RU" sz="3200" b="0" strike="noStrike" spc="-1">
               <a:latin typeface="Arial"/>
             </a:endParaRPr>
           </a:p>
@@ -4052,11 +5158,12 @@
           </a:prstGeom>
         </p:spPr>
         <p:txBody>
-          <a:bodyPr lIns="0" rIns="0" tIns="0" bIns="0">
+          <a:bodyPr lIns="0" tIns="0" rIns="0" bIns="0">
             <a:normAutofit/>
           </a:bodyPr>
-          <a:p>
-            <a:endParaRPr b="0" lang="ru-RU" sz="3200" spc="-1" strike="noStrike">
+          <a:lstStyle/>
+          <a:p>
+            <a:endParaRPr lang="ru-RU" sz="3200" b="0" strike="noStrike" spc="-1">
               <a:latin typeface="Arial"/>
             </a:endParaRPr>
           </a:p>
@@ -4082,11 +5189,12 @@
           </a:prstGeom>
         </p:spPr>
         <p:txBody>
-          <a:bodyPr lIns="0" rIns="0" tIns="0" bIns="0">
+          <a:bodyPr lIns="0" tIns="0" rIns="0" bIns="0">
             <a:normAutofit/>
           </a:bodyPr>
-          <a:p>
-            <a:endParaRPr b="0" lang="ru-RU" sz="3200" spc="-1" strike="noStrike">
+          <a:lstStyle/>
+          <a:p>
+            <a:endParaRPr lang="ru-RU" sz="3200" b="0" strike="noStrike" spc="-1">
               <a:latin typeface="Arial"/>
             </a:endParaRPr>
           </a:p>
@@ -4094,17 +5202,21 @@
       </p:sp>
     </p:spTree>
   </p:cSld>
+  <p:clrMapOvr>
+    <a:masterClrMapping/>
+  </p:clrMapOvr>
 </p:sldLayout>
 </file>
 
 <file path=ppt/slideMasters/slideMaster1.xml><?xml version="1.0" encoding="utf-8"?>
-<p:sldMaster xmlns:a="http://schemas.openxmlformats.org/drawingml/2006/main" xmlns:p="http://schemas.openxmlformats.org/presentationml/2006/main" xmlns:r="http://schemas.openxmlformats.org/officeDocument/2006/relationships" xmlns:p14="http://schemas.microsoft.com/office/powerpoint/2010/main" xmlns:p15="http://schemas.microsoft.com/office/powerpoint/2012/main" xmlns:mc="http://schemas.openxmlformats.org/markup-compatibility/2006">
+<p:sldMaster xmlns:a="http://schemas.openxmlformats.org/drawingml/2006/main" xmlns:r="http://schemas.openxmlformats.org/officeDocument/2006/relationships" xmlns:p="http://schemas.openxmlformats.org/presentationml/2006/main">
   <p:cSld>
     <p:bg>
       <p:bgPr>
         <a:solidFill>
-          <a:srgbClr val="ffffff"/>
+          <a:srgbClr val="FFFFFF"/>
         </a:solidFill>
+        <a:effectLst/>
       </p:bgPr>
     </p:bg>
     <p:spTree>
@@ -4123,7 +5235,7 @@
       </p:grpSpPr>
       <p:sp>
         <p:nvSpPr>
-          <p:cNvPr id="0" name="PlaceHolder 1"/>
+          <p:cNvPr id="2" name="PlaceHolder 1"/>
           <p:cNvSpPr>
             <a:spLocks noGrp="1"/>
           </p:cNvSpPr>
@@ -4141,56 +5253,24 @@
           </a:prstGeom>
         </p:spPr>
         <p:txBody>
-          <a:bodyPr lIns="0" rIns="0" tIns="0" bIns="0" anchor="ctr">
+          <a:bodyPr lIns="0" tIns="0" rIns="0" bIns="0" anchor="ctr">
             <a:noAutofit/>
           </a:bodyPr>
+          <a:lstStyle/>
           <a:p>
             <a:pPr algn="ctr"/>
             <a:r>
-              <a:rPr b="0" lang="ru-RU" sz="4400" spc="-1" strike="noStrike">
+              <a:rPr lang="ru-RU" sz="4400" b="0" strike="noStrike" spc="-1">
                 <a:latin typeface="Arial"/>
               </a:rPr>
-              <a:t>Для </a:t>
-            </a:r>
-            <a:r>
-              <a:rPr b="0" lang="ru-RU" sz="4400" spc="-1" strike="noStrike">
-                <a:latin typeface="Arial"/>
-              </a:rPr>
-              <a:t>правки </a:t>
-            </a:r>
-            <a:r>
-              <a:rPr b="0" lang="ru-RU" sz="4400" spc="-1" strike="noStrike">
-                <a:latin typeface="Arial"/>
-              </a:rPr>
-              <a:t>текста </a:t>
-            </a:r>
-            <a:r>
-              <a:rPr b="0" lang="ru-RU" sz="4400" spc="-1" strike="noStrike">
-                <a:latin typeface="Arial"/>
-              </a:rPr>
-              <a:t>заглавия </a:t>
-            </a:r>
-            <a:r>
-              <a:rPr b="0" lang="ru-RU" sz="4400" spc="-1" strike="noStrike">
-                <a:latin typeface="Arial"/>
-              </a:rPr>
-              <a:t>щёлкните </a:t>
-            </a:r>
-            <a:r>
-              <a:rPr b="0" lang="ru-RU" sz="4400" spc="-1" strike="noStrike">
-                <a:latin typeface="Arial"/>
-              </a:rPr>
-              <a:t>мышью</a:t>
-            </a:r>
-            <a:endParaRPr b="0" lang="ru-RU" sz="4400" spc="-1" strike="noStrike">
-              <a:latin typeface="Arial"/>
-            </a:endParaRPr>
-          </a:p>
-        </p:txBody>
-      </p:sp>
-      <p:sp>
-        <p:nvSpPr>
-          <p:cNvPr id="1" name="PlaceHolder 2"/>
+              <a:t>Для правки текста заглавия щёлкните мышью</a:t>
+            </a:r>
+          </a:p>
+        </p:txBody>
+      </p:sp>
+      <p:sp>
+        <p:nvSpPr>
+          <p:cNvPr id="3" name="PlaceHolder 2"/>
           <p:cNvSpPr>
             <a:spLocks noGrp="1"/>
           </p:cNvSpPr>
@@ -4208,9 +5288,10 @@
           </a:prstGeom>
         </p:spPr>
         <p:txBody>
-          <a:bodyPr lIns="0" rIns="0" tIns="0" bIns="0">
+          <a:bodyPr lIns="0" tIns="0" rIns="0" bIns="0">
             <a:normAutofit/>
           </a:bodyPr>
+          <a:lstStyle/>
           <a:p>
             <a:pPr marL="432000" indent="-324000">
               <a:spcBef>
@@ -4224,17 +5305,14 @@
               <a:buChar char=""/>
             </a:pPr>
             <a:r>
-              <a:rPr b="0" lang="ru-RU" sz="3200" spc="-1" strike="noStrike">
+              <a:rPr lang="ru-RU" sz="3200" b="0" strike="noStrike" spc="-1">
                 <a:latin typeface="Arial"/>
               </a:rPr>
               <a:t>Для правки структуры щёлкните мышью</a:t>
             </a:r>
-            <a:endParaRPr b="0" lang="ru-RU" sz="3200" spc="-1" strike="noStrike">
-              <a:latin typeface="Arial"/>
-            </a:endParaRPr>
-          </a:p>
-          <a:p>
-            <a:pPr lvl="1" marL="864000" indent="-324000">
+          </a:p>
+          <a:p>
+            <a:pPr marL="864000" lvl="1" indent="-324000">
               <a:spcBef>
                 <a:spcPts val="1134"/>
               </a:spcBef>
@@ -4246,17 +5324,14 @@
               <a:buChar char=""/>
             </a:pPr>
             <a:r>
-              <a:rPr b="0" lang="ru-RU" sz="2800" spc="-1" strike="noStrike">
+              <a:rPr lang="ru-RU" sz="2800" b="0" strike="noStrike" spc="-1">
                 <a:latin typeface="Arial"/>
               </a:rPr>
               <a:t>Второй уровень структуры</a:t>
             </a:r>
-            <a:endParaRPr b="0" lang="ru-RU" sz="2800" spc="-1" strike="noStrike">
-              <a:latin typeface="Arial"/>
-            </a:endParaRPr>
-          </a:p>
-          <a:p>
-            <a:pPr lvl="2" marL="1296000" indent="-288000">
+          </a:p>
+          <a:p>
+            <a:pPr marL="1296000" lvl="2" indent="-288000">
               <a:spcBef>
                 <a:spcPts val="850"/>
               </a:spcBef>
@@ -4268,17 +5343,14 @@
               <a:buChar char=""/>
             </a:pPr>
             <a:r>
-              <a:rPr b="0" lang="ru-RU" sz="2400" spc="-1" strike="noStrike">
+              <a:rPr lang="ru-RU" sz="2400" b="0" strike="noStrike" spc="-1">
                 <a:latin typeface="Arial"/>
               </a:rPr>
               <a:t>Третий уровень структуры</a:t>
             </a:r>
-            <a:endParaRPr b="0" lang="ru-RU" sz="2400" spc="-1" strike="noStrike">
-              <a:latin typeface="Arial"/>
-            </a:endParaRPr>
-          </a:p>
-          <a:p>
-            <a:pPr lvl="3" marL="1728000" indent="-216000">
+          </a:p>
+          <a:p>
+            <a:pPr marL="1728000" lvl="3" indent="-216000">
               <a:spcBef>
                 <a:spcPts val="567"/>
               </a:spcBef>
@@ -4290,17 +5362,14 @@
               <a:buChar char=""/>
             </a:pPr>
             <a:r>
-              <a:rPr b="0" lang="ru-RU" sz="2000" spc="-1" strike="noStrike">
+              <a:rPr lang="ru-RU" sz="2000" b="0" strike="noStrike" spc="-1">
                 <a:latin typeface="Arial"/>
               </a:rPr>
               <a:t>Четвёртый уровень структуры</a:t>
             </a:r>
-            <a:endParaRPr b="0" lang="ru-RU" sz="2000" spc="-1" strike="noStrike">
-              <a:latin typeface="Arial"/>
-            </a:endParaRPr>
-          </a:p>
-          <a:p>
-            <a:pPr lvl="4" marL="2160000" indent="-216000">
+          </a:p>
+          <a:p>
+            <a:pPr marL="2160000" lvl="4" indent="-216000">
               <a:spcBef>
                 <a:spcPts val="283"/>
               </a:spcBef>
@@ -4312,17 +5381,14 @@
               <a:buChar char=""/>
             </a:pPr>
             <a:r>
-              <a:rPr b="0" lang="ru-RU" sz="2000" spc="-1" strike="noStrike">
+              <a:rPr lang="ru-RU" sz="2000" b="0" strike="noStrike" spc="-1">
                 <a:latin typeface="Arial"/>
               </a:rPr>
               <a:t>Пятый уровень структуры</a:t>
             </a:r>
-            <a:endParaRPr b="0" lang="ru-RU" sz="2000" spc="-1" strike="noStrike">
-              <a:latin typeface="Arial"/>
-            </a:endParaRPr>
-          </a:p>
-          <a:p>
-            <a:pPr lvl="5" marL="2592000" indent="-216000">
+          </a:p>
+          <a:p>
+            <a:pPr marL="2592000" lvl="5" indent="-216000">
               <a:spcBef>
                 <a:spcPts val="283"/>
               </a:spcBef>
@@ -4334,17 +5400,14 @@
               <a:buChar char=""/>
             </a:pPr>
             <a:r>
-              <a:rPr b="0" lang="ru-RU" sz="2000" spc="-1" strike="noStrike">
+              <a:rPr lang="ru-RU" sz="2000" b="0" strike="noStrike" spc="-1">
                 <a:latin typeface="Arial"/>
               </a:rPr>
               <a:t>Шестой уровень структуры</a:t>
             </a:r>
-            <a:endParaRPr b="0" lang="ru-RU" sz="2000" spc="-1" strike="noStrike">
-              <a:latin typeface="Arial"/>
-            </a:endParaRPr>
-          </a:p>
-          <a:p>
-            <a:pPr lvl="6" marL="3024000" indent="-216000">
+          </a:p>
+          <a:p>
+            <a:pPr marL="3024000" lvl="6" indent="-216000">
               <a:spcBef>
                 <a:spcPts val="283"/>
               </a:spcBef>
@@ -4356,45 +5419,48 @@
               <a:buChar char=""/>
             </a:pPr>
             <a:r>
-              <a:rPr b="0" lang="ru-RU" sz="2000" spc="-1" strike="noStrike">
+              <a:rPr lang="ru-RU" sz="2000" b="0" strike="noStrike" spc="-1">
                 <a:latin typeface="Arial"/>
               </a:rPr>
               <a:t>Седьмой уровень структуры</a:t>
             </a:r>
-            <a:endParaRPr b="0" lang="ru-RU" sz="2000" spc="-1" strike="noStrike">
-              <a:latin typeface="Arial"/>
-            </a:endParaRPr>
           </a:p>
         </p:txBody>
       </p:sp>
     </p:spTree>
   </p:cSld>
-  <p:clrMap bg1="lt1" bg2="lt2" tx1="dk1" tx2="dk2" accent1="accent1" accent2="accent2" accent3="accent3" accent4="accent4" accent5="accent5" accent6="accent6" hlink="hlink" folHlink="folHlink"/>
+  <p:clrMap bg1="lt1" tx1="dk1" bg2="lt2" tx2="dk2" accent1="accent1" accent2="accent2" accent3="accent3" accent4="accent4" accent5="accent5" accent6="accent6" hlink="hlink" folHlink="folHlink"/>
   <p:sldLayoutIdLst>
-    <p:sldLayoutId id="2147483649" r:id="rId2"/>
-    <p:sldLayoutId id="2147483650" r:id="rId3"/>
-    <p:sldLayoutId id="2147483651" r:id="rId4"/>
-    <p:sldLayoutId id="2147483652" r:id="rId5"/>
-    <p:sldLayoutId id="2147483653" r:id="rId6"/>
-    <p:sldLayoutId id="2147483654" r:id="rId7"/>
-    <p:sldLayoutId id="2147483655" r:id="rId8"/>
-    <p:sldLayoutId id="2147483656" r:id="rId9"/>
-    <p:sldLayoutId id="2147483657" r:id="rId10"/>
-    <p:sldLayoutId id="2147483658" r:id="rId11"/>
-    <p:sldLayoutId id="2147483659" r:id="rId12"/>
-    <p:sldLayoutId id="2147483660" r:id="rId13"/>
+    <p:sldLayoutId id="2147483649" r:id="rId1"/>
+    <p:sldLayoutId id="2147483650" r:id="rId2"/>
+    <p:sldLayoutId id="2147483651" r:id="rId3"/>
+    <p:sldLayoutId id="2147483652" r:id="rId4"/>
+    <p:sldLayoutId id="2147483653" r:id="rId5"/>
+    <p:sldLayoutId id="2147483654" r:id="rId6"/>
+    <p:sldLayoutId id="2147483655" r:id="rId7"/>
+    <p:sldLayoutId id="2147483656" r:id="rId8"/>
+    <p:sldLayoutId id="2147483657" r:id="rId9"/>
+    <p:sldLayoutId id="2147483658" r:id="rId10"/>
+    <p:sldLayoutId id="2147483659" r:id="rId11"/>
+    <p:sldLayoutId id="2147483660" r:id="rId12"/>
   </p:sldLayoutIdLst>
+  <p:txStyles>
+    <p:titleStyle/>
+    <p:bodyStyle/>
+    <p:otherStyle/>
+  </p:txStyles>
 </p:sldMaster>
 </file>
 
 <file path=ppt/slideMasters/slideMaster2.xml><?xml version="1.0" encoding="utf-8"?>
-<p:sldMaster xmlns:a="http://schemas.openxmlformats.org/drawingml/2006/main" xmlns:p="http://schemas.openxmlformats.org/presentationml/2006/main" xmlns:r="http://schemas.openxmlformats.org/officeDocument/2006/relationships" xmlns:p14="http://schemas.microsoft.com/office/powerpoint/2010/main" xmlns:p15="http://schemas.microsoft.com/office/powerpoint/2012/main" xmlns:mc="http://schemas.openxmlformats.org/markup-compatibility/2006">
+<p:sldMaster xmlns:a="http://schemas.openxmlformats.org/drawingml/2006/main" xmlns:r="http://schemas.openxmlformats.org/officeDocument/2006/relationships" xmlns:p="http://schemas.openxmlformats.org/presentationml/2006/main">
   <p:cSld>
     <p:bg>
       <p:bgPr>
         <a:solidFill>
-          <a:srgbClr val="ffffff"/>
+          <a:srgbClr val="FFFFFF"/>
         </a:solidFill>
+        <a:effectLst/>
       </p:bgPr>
     </p:bg>
     <p:spTree>
@@ -4431,26 +5497,18 @@
           </a:prstGeom>
         </p:spPr>
         <p:txBody>
-          <a:bodyPr lIns="0" rIns="0" tIns="0" bIns="0" anchor="ctr">
+          <a:bodyPr lIns="0" tIns="0" rIns="0" bIns="0" anchor="ctr">
             <a:noAutofit/>
           </a:bodyPr>
+          <a:lstStyle/>
           <a:p>
             <a:pPr algn="ctr"/>
             <a:r>
-              <a:rPr b="0" lang="ru-RU" sz="4400" spc="-1" strike="noStrike">
+              <a:rPr lang="ru-RU" sz="4400" b="0" strike="noStrike" spc="-1">
                 <a:latin typeface="Arial"/>
               </a:rPr>
-              <a:t>Для правки текста заглавия щёлкните </a:t>
-            </a:r>
-            <a:r>
-              <a:rPr b="0" lang="ru-RU" sz="4400" spc="-1" strike="noStrike">
-                <a:latin typeface="Arial"/>
-              </a:rPr>
-              <a:t>мышью</a:t>
-            </a:r>
-            <a:endParaRPr b="0" lang="ru-RU" sz="4400" spc="-1" strike="noStrike">
-              <a:latin typeface="Arial"/>
-            </a:endParaRPr>
+              <a:t>Для правки текста заглавия щёлкните мышью</a:t>
+            </a:r>
           </a:p>
         </p:txBody>
       </p:sp>
@@ -4474,9 +5532,10 @@
           </a:prstGeom>
         </p:spPr>
         <p:txBody>
-          <a:bodyPr lIns="0" rIns="0" tIns="0" bIns="0">
+          <a:bodyPr lIns="0" tIns="0" rIns="0" bIns="0">
             <a:normAutofit/>
           </a:bodyPr>
+          <a:lstStyle/>
           <a:p>
             <a:pPr marL="432000" indent="-324000">
               <a:spcBef>
@@ -4490,17 +5549,14 @@
               <a:buChar char=""/>
             </a:pPr>
             <a:r>
-              <a:rPr b="0" lang="ru-RU" sz="3200" spc="-1" strike="noStrike">
+              <a:rPr lang="ru-RU" sz="3200" b="0" strike="noStrike" spc="-1">
                 <a:latin typeface="Arial"/>
               </a:rPr>
               <a:t>Для правки структуры щёлкните мышью</a:t>
             </a:r>
-            <a:endParaRPr b="0" lang="ru-RU" sz="3200" spc="-1" strike="noStrike">
-              <a:latin typeface="Arial"/>
-            </a:endParaRPr>
-          </a:p>
-          <a:p>
-            <a:pPr lvl="1" marL="864000" indent="-324000">
+          </a:p>
+          <a:p>
+            <a:pPr marL="864000" lvl="1" indent="-324000">
               <a:spcBef>
                 <a:spcPts val="1134"/>
               </a:spcBef>
@@ -4512,17 +5568,14 @@
               <a:buChar char=""/>
             </a:pPr>
             <a:r>
-              <a:rPr b="0" lang="ru-RU" sz="2800" spc="-1" strike="noStrike">
+              <a:rPr lang="ru-RU" sz="2800" b="0" strike="noStrike" spc="-1">
                 <a:latin typeface="Arial"/>
               </a:rPr>
               <a:t>Второй уровень структуры</a:t>
             </a:r>
-            <a:endParaRPr b="0" lang="ru-RU" sz="2800" spc="-1" strike="noStrike">
-              <a:latin typeface="Arial"/>
-            </a:endParaRPr>
-          </a:p>
-          <a:p>
-            <a:pPr lvl="2" marL="1296000" indent="-288000">
+          </a:p>
+          <a:p>
+            <a:pPr marL="1296000" lvl="2" indent="-288000">
               <a:spcBef>
                 <a:spcPts val="850"/>
               </a:spcBef>
@@ -4534,17 +5587,14 @@
               <a:buChar char=""/>
             </a:pPr>
             <a:r>
-              <a:rPr b="0" lang="ru-RU" sz="2400" spc="-1" strike="noStrike">
+              <a:rPr lang="ru-RU" sz="2400" b="0" strike="noStrike" spc="-1">
                 <a:latin typeface="Arial"/>
               </a:rPr>
               <a:t>Третий уровень структуры</a:t>
             </a:r>
-            <a:endParaRPr b="0" lang="ru-RU" sz="2400" spc="-1" strike="noStrike">
-              <a:latin typeface="Arial"/>
-            </a:endParaRPr>
-          </a:p>
-          <a:p>
-            <a:pPr lvl="3" marL="1728000" indent="-216000">
+          </a:p>
+          <a:p>
+            <a:pPr marL="1728000" lvl="3" indent="-216000">
               <a:spcBef>
                 <a:spcPts val="567"/>
               </a:spcBef>
@@ -4556,17 +5606,14 @@
               <a:buChar char=""/>
             </a:pPr>
             <a:r>
-              <a:rPr b="0" lang="ru-RU" sz="2000" spc="-1" strike="noStrike">
+              <a:rPr lang="ru-RU" sz="2000" b="0" strike="noStrike" spc="-1">
                 <a:latin typeface="Arial"/>
               </a:rPr>
               <a:t>Четвёртый уровень структуры</a:t>
             </a:r>
-            <a:endParaRPr b="0" lang="ru-RU" sz="2000" spc="-1" strike="noStrike">
-              <a:latin typeface="Arial"/>
-            </a:endParaRPr>
-          </a:p>
-          <a:p>
-            <a:pPr lvl="4" marL="2160000" indent="-216000">
+          </a:p>
+          <a:p>
+            <a:pPr marL="2160000" lvl="4" indent="-216000">
               <a:spcBef>
                 <a:spcPts val="283"/>
               </a:spcBef>
@@ -4578,17 +5625,14 @@
               <a:buChar char=""/>
             </a:pPr>
             <a:r>
-              <a:rPr b="0" lang="ru-RU" sz="2000" spc="-1" strike="noStrike">
+              <a:rPr lang="ru-RU" sz="2000" b="0" strike="noStrike" spc="-1">
                 <a:latin typeface="Arial"/>
               </a:rPr>
               <a:t>Пятый уровень структуры</a:t>
             </a:r>
-            <a:endParaRPr b="0" lang="ru-RU" sz="2000" spc="-1" strike="noStrike">
-              <a:latin typeface="Arial"/>
-            </a:endParaRPr>
-          </a:p>
-          <a:p>
-            <a:pPr lvl="5" marL="2592000" indent="-216000">
+          </a:p>
+          <a:p>
+            <a:pPr marL="2592000" lvl="5" indent="-216000">
               <a:spcBef>
                 <a:spcPts val="283"/>
               </a:spcBef>
@@ -4600,17 +5644,14 @@
               <a:buChar char=""/>
             </a:pPr>
             <a:r>
-              <a:rPr b="0" lang="ru-RU" sz="2000" spc="-1" strike="noStrike">
+              <a:rPr lang="ru-RU" sz="2000" b="0" strike="noStrike" spc="-1">
                 <a:latin typeface="Arial"/>
               </a:rPr>
               <a:t>Шестой уровень структуры</a:t>
             </a:r>
-            <a:endParaRPr b="0" lang="ru-RU" sz="2000" spc="-1" strike="noStrike">
-              <a:latin typeface="Arial"/>
-            </a:endParaRPr>
-          </a:p>
-          <a:p>
-            <a:pPr lvl="6" marL="3024000" indent="-216000">
+          </a:p>
+          <a:p>
+            <a:pPr marL="3024000" lvl="6" indent="-216000">
               <a:spcBef>
                 <a:spcPts val="283"/>
               </a:spcBef>
@@ -4622,39 +5663,41 @@
               <a:buChar char=""/>
             </a:pPr>
             <a:r>
-              <a:rPr b="0" lang="ru-RU" sz="2000" spc="-1" strike="noStrike">
+              <a:rPr lang="ru-RU" sz="2000" b="0" strike="noStrike" spc="-1">
                 <a:latin typeface="Arial"/>
               </a:rPr>
               <a:t>Седьмой уровень структуры</a:t>
             </a:r>
-            <a:endParaRPr b="0" lang="ru-RU" sz="2000" spc="-1" strike="noStrike">
-              <a:latin typeface="Arial"/>
-            </a:endParaRPr>
           </a:p>
         </p:txBody>
       </p:sp>
     </p:spTree>
   </p:cSld>
-  <p:clrMap bg1="lt1" bg2="lt2" tx1="dk1" tx2="dk2" accent1="accent1" accent2="accent2" accent3="accent3" accent4="accent4" accent5="accent5" accent6="accent6" hlink="hlink" folHlink="folHlink"/>
+  <p:clrMap bg1="lt1" tx1="dk1" bg2="lt2" tx2="dk2" accent1="accent1" accent2="accent2" accent3="accent3" accent4="accent4" accent5="accent5" accent6="accent6" hlink="hlink" folHlink="folHlink"/>
   <p:sldLayoutIdLst>
-    <p:sldLayoutId id="2147483662" r:id="rId2"/>
-    <p:sldLayoutId id="2147483663" r:id="rId3"/>
-    <p:sldLayoutId id="2147483664" r:id="rId4"/>
-    <p:sldLayoutId id="2147483665" r:id="rId5"/>
-    <p:sldLayoutId id="2147483666" r:id="rId6"/>
-    <p:sldLayoutId id="2147483667" r:id="rId7"/>
-    <p:sldLayoutId id="2147483668" r:id="rId8"/>
-    <p:sldLayoutId id="2147483669" r:id="rId9"/>
-    <p:sldLayoutId id="2147483670" r:id="rId10"/>
-    <p:sldLayoutId id="2147483671" r:id="rId11"/>
-    <p:sldLayoutId id="2147483672" r:id="rId12"/>
-    <p:sldLayoutId id="2147483673" r:id="rId13"/>
+    <p:sldLayoutId id="2147483662" r:id="rId1"/>
+    <p:sldLayoutId id="2147483663" r:id="rId2"/>
+    <p:sldLayoutId id="2147483664" r:id="rId3"/>
+    <p:sldLayoutId id="2147483665" r:id="rId4"/>
+    <p:sldLayoutId id="2147483666" r:id="rId5"/>
+    <p:sldLayoutId id="2147483667" r:id="rId6"/>
+    <p:sldLayoutId id="2147483668" r:id="rId7"/>
+    <p:sldLayoutId id="2147483669" r:id="rId8"/>
+    <p:sldLayoutId id="2147483670" r:id="rId9"/>
+    <p:sldLayoutId id="2147483671" r:id="rId10"/>
+    <p:sldLayoutId id="2147483672" r:id="rId11"/>
+    <p:sldLayoutId id="2147483673" r:id="rId12"/>
   </p:sldLayoutIdLst>
+  <p:txStyles>
+    <p:titleStyle/>
+    <p:bodyStyle/>
+    <p:otherStyle/>
+  </p:txStyles>
 </p:sldMaster>
 </file>
 
 <file path=ppt/slides/slide1.xml><?xml version="1.0" encoding="utf-8"?>
-<p:sld xmlns:a="http://schemas.openxmlformats.org/drawingml/2006/main" xmlns:p="http://schemas.openxmlformats.org/presentationml/2006/main" xmlns:r="http://schemas.openxmlformats.org/officeDocument/2006/relationships" xmlns:p14="http://schemas.microsoft.com/office/powerpoint/2010/main" xmlns:p15="http://schemas.microsoft.com/office/powerpoint/2012/main" xmlns:mc="http://schemas.openxmlformats.org/markup-compatibility/2006">
+<p:sld xmlns:a="http://schemas.openxmlformats.org/drawingml/2006/main" xmlns:r="http://schemas.openxmlformats.org/officeDocument/2006/relationships" xmlns:p="http://schemas.openxmlformats.org/presentationml/2006/main">
   <p:cSld>
     <p:spTree>
       <p:nvGrpSpPr>
@@ -4690,15 +5733,22 @@
           </a:ln>
         </p:spPr>
         <p:style>
-          <a:lnRef idx="0"/>
-          <a:fillRef idx="0"/>
-          <a:effectRef idx="0"/>
+          <a:lnRef idx="0">
+            <a:scrgbClr r="0" g="0" b="0"/>
+          </a:lnRef>
+          <a:fillRef idx="0">
+            <a:scrgbClr r="0" g="0" b="0"/>
+          </a:fillRef>
+          <a:effectRef idx="0">
+            <a:scrgbClr r="0" g="0" b="0"/>
+          </a:effectRef>
           <a:fontRef idx="minor"/>
         </p:style>
         <p:txBody>
-          <a:bodyPr lIns="90000" rIns="90000" tIns="45000" bIns="45000" anchor="ctr">
-            <a:normAutofit fontScale="73000"/>
-          </a:bodyPr>
+          <a:bodyPr lIns="90000" tIns="45000" rIns="90000" bIns="45000" anchor="ctr">
+            <a:normAutofit fontScale="73000" lnSpcReduction="10000"/>
+          </a:bodyPr>
+          <a:lstStyle/>
           <a:p>
             <a:pPr algn="ctr">
               <a:lnSpc>
@@ -4706,7 +5756,7 @@
               </a:lnSpc>
             </a:pPr>
             <a:r>
-              <a:rPr b="0" lang="ru-RU" sz="4400" spc="-1" strike="noStrike">
+              <a:rPr lang="ru-RU" sz="4400" b="0" strike="noStrike" spc="-1">
                 <a:solidFill>
                   <a:srgbClr val="000000"/>
                 </a:solidFill>
@@ -4715,7 +5765,7 @@
               </a:rPr>
               <a:t>Временные адаптивные алгоритмы пространственной фильтрации в линейных МР</a:t>
             </a:r>
-            <a:endParaRPr b="0" lang="ru-RU" sz="4400" spc="-1" strike="noStrike">
+            <a:endParaRPr lang="ru-RU" sz="4400" b="0" strike="noStrike" spc="-1">
               <a:latin typeface="Arial"/>
             </a:endParaRPr>
           </a:p>
@@ -4741,9 +5791,15 @@
           </a:ln>
         </p:spPr>
         <p:style>
-          <a:lnRef idx="0"/>
-          <a:fillRef idx="0"/>
-          <a:effectRef idx="0"/>
+          <a:lnRef idx="0">
+            <a:scrgbClr r="0" g="0" b="0"/>
+          </a:lnRef>
+          <a:fillRef idx="0">
+            <a:scrgbClr r="0" g="0" b="0"/>
+          </a:fillRef>
+          <a:effectRef idx="0">
+            <a:scrgbClr r="0" g="0" b="0"/>
+          </a:effectRef>
           <a:fontRef idx="minor"/>
         </p:style>
       </p:sp>
@@ -4767,15 +5823,22 @@
           </a:ln>
         </p:spPr>
         <p:style>
-          <a:lnRef idx="0"/>
-          <a:fillRef idx="0"/>
-          <a:effectRef idx="0"/>
+          <a:lnRef idx="0">
+            <a:scrgbClr r="0" g="0" b="0"/>
+          </a:lnRef>
+          <a:fillRef idx="0">
+            <a:scrgbClr r="0" g="0" b="0"/>
+          </a:fillRef>
+          <a:effectRef idx="0">
+            <a:scrgbClr r="0" g="0" b="0"/>
+          </a:effectRef>
           <a:fontRef idx="minor"/>
         </p:style>
         <p:txBody>
-          <a:bodyPr lIns="90000" rIns="90000" tIns="45000" bIns="45000">
+          <a:bodyPr lIns="90000" tIns="45000" rIns="90000" bIns="45000">
             <a:noAutofit/>
           </a:bodyPr>
+          <a:lstStyle/>
           <a:p>
             <a:pPr>
               <a:lnSpc>
@@ -4783,7 +5846,7 @@
               </a:lnSpc>
             </a:pPr>
             <a:r>
-              <a:rPr b="0" lang="ru-RU" sz="1800" spc="-1" strike="noStrike">
+              <a:rPr lang="ru-RU" sz="1800" b="0" strike="noStrike" spc="-1">
                 <a:solidFill>
                   <a:srgbClr val="000000"/>
                 </a:solidFill>
@@ -4792,7 +5855,7 @@
               </a:rPr>
               <a:t>Автор: Усиков Д.А.</a:t>
             </a:r>
-            <a:endParaRPr b="0" lang="ru-RU" sz="1800" spc="-1" strike="noStrike">
+            <a:endParaRPr lang="ru-RU" sz="1800" b="0" strike="noStrike" spc="-1">
               <a:latin typeface="Arial"/>
             </a:endParaRPr>
           </a:p>
@@ -4818,15 +5881,22 @@
           </a:ln>
         </p:spPr>
         <p:style>
-          <a:lnRef idx="0"/>
-          <a:fillRef idx="0"/>
-          <a:effectRef idx="0"/>
+          <a:lnRef idx="0">
+            <a:scrgbClr r="0" g="0" b="0"/>
+          </a:lnRef>
+          <a:fillRef idx="0">
+            <a:scrgbClr r="0" g="0" b="0"/>
+          </a:fillRef>
+          <a:effectRef idx="0">
+            <a:scrgbClr r="0" g="0" b="0"/>
+          </a:effectRef>
           <a:fontRef idx="minor"/>
         </p:style>
         <p:txBody>
-          <a:bodyPr lIns="90000" rIns="90000" tIns="45000" bIns="45000">
+          <a:bodyPr lIns="90000" tIns="45000" rIns="90000" bIns="45000">
             <a:noAutofit/>
           </a:bodyPr>
+          <a:lstStyle/>
           <a:p>
             <a:pPr>
               <a:lnSpc>
@@ -4834,7 +5904,7 @@
               </a:lnSpc>
             </a:pPr>
             <a:r>
-              <a:rPr b="0" lang="ru-RU" sz="1800" spc="-1" strike="noStrike">
+              <a:rPr lang="ru-RU" sz="1800" b="0" strike="noStrike" spc="-1">
                 <a:solidFill>
                   <a:srgbClr val="000000"/>
                 </a:solidFill>
@@ -4843,7 +5913,7 @@
               </a:rPr>
               <a:t>Научный руководитель:д. ф.-м. н., доц. Л.И. Аверина </a:t>
             </a:r>
-            <a:endParaRPr b="0" lang="ru-RU" sz="1800" spc="-1" strike="noStrike">
+            <a:endParaRPr lang="ru-RU" sz="1800" b="0" strike="noStrike" spc="-1">
               <a:latin typeface="Arial"/>
             </a:endParaRPr>
           </a:p>
@@ -4851,19 +5921,29 @@
       </p:sp>
     </p:spTree>
   </p:cSld>
-  <mc:AlternateContent>
+  <p:clrMapOvr>
+    <a:masterClrMapping/>
+  </p:clrMapOvr>
+  <mc:AlternateContent xmlns:mc="http://schemas.openxmlformats.org/markup-compatibility/2006" xmlns:p14="http://schemas.microsoft.com/office/powerpoint/2010/main">
     <mc:Choice Requires="p14">
       <p:transition spd="slow" p14:dur="2000"/>
     </mc:Choice>
-    <mc:Fallback>
+    <mc:Fallback xmlns:p15="http://schemas.microsoft.com/office/powerpoint/2012/main" xmlns="">
       <p:transition spd="slow"/>
     </mc:Fallback>
   </mc:AlternateContent>
+  <p:timing>
+    <p:tnLst>
+      <p:par>
+        <p:cTn id="1" dur="indefinite" restart="never" nodeType="tmRoot"/>
+      </p:par>
+    </p:tnLst>
+  </p:timing>
 </p:sld>
 </file>
 
 <file path=ppt/slides/slide10.xml><?xml version="1.0" encoding="utf-8"?>
-<p:sld xmlns:a="http://schemas.openxmlformats.org/drawingml/2006/main" xmlns:p="http://schemas.openxmlformats.org/presentationml/2006/main" xmlns:r="http://schemas.openxmlformats.org/officeDocument/2006/relationships" xmlns:p14="http://schemas.microsoft.com/office/powerpoint/2010/main" xmlns:p15="http://schemas.microsoft.com/office/powerpoint/2012/main" xmlns:mc="http://schemas.openxmlformats.org/markup-compatibility/2006">
+<p:sld xmlns:a="http://schemas.openxmlformats.org/drawingml/2006/main" xmlns:r="http://schemas.openxmlformats.org/officeDocument/2006/relationships" xmlns:p="http://schemas.openxmlformats.org/presentationml/2006/main">
   <p:cSld>
     <p:spTree>
       <p:nvGrpSpPr>
@@ -4899,15 +5979,22 @@
           </a:ln>
         </p:spPr>
         <p:style>
-          <a:lnRef idx="0"/>
-          <a:fillRef idx="0"/>
-          <a:effectRef idx="0"/>
+          <a:lnRef idx="0">
+            <a:scrgbClr r="0" g="0" b="0"/>
+          </a:lnRef>
+          <a:fillRef idx="0">
+            <a:scrgbClr r="0" g="0" b="0"/>
+          </a:fillRef>
+          <a:effectRef idx="0">
+            <a:scrgbClr r="0" g="0" b="0"/>
+          </a:effectRef>
           <a:fontRef idx="minor"/>
         </p:style>
         <p:txBody>
-          <a:bodyPr lIns="90000" rIns="90000" tIns="45000" bIns="45000" anchor="ctr">
+          <a:bodyPr lIns="90000" tIns="45000" rIns="90000" bIns="45000" anchor="ctr">
             <a:noAutofit/>
           </a:bodyPr>
+          <a:lstStyle/>
           <a:p>
             <a:pPr algn="ctr">
               <a:lnSpc>
@@ -4915,7 +6002,7 @@
               </a:lnSpc>
             </a:pPr>
             <a:r>
-              <a:rPr b="0" lang="ru-RU" sz="4400" spc="-1" strike="noStrike">
+              <a:rPr lang="ru-RU" sz="4400" b="0" strike="noStrike" spc="-1">
                 <a:solidFill>
                   <a:srgbClr val="000000"/>
                 </a:solidFill>
@@ -4924,7 +6011,7 @@
               </a:rPr>
               <a:t>Результаты моделирования</a:t>
             </a:r>
-            <a:endParaRPr b="0" lang="ru-RU" sz="4400" spc="-1" strike="noStrike">
+            <a:endParaRPr lang="ru-RU" sz="4400" b="0" strike="noStrike" spc="-1">
               <a:latin typeface="Arial"/>
             </a:endParaRPr>
           </a:p>
@@ -4950,27 +6037,43 @@
           </a:ln>
         </p:spPr>
         <p:style>
-          <a:lnRef idx="0"/>
-          <a:fillRef idx="0"/>
-          <a:effectRef idx="0"/>
+          <a:lnRef idx="0">
+            <a:scrgbClr r="0" g="0" b="0"/>
+          </a:lnRef>
+          <a:fillRef idx="0">
+            <a:scrgbClr r="0" g="0" b="0"/>
+          </a:fillRef>
+          <a:effectRef idx="0">
+            <a:scrgbClr r="0" g="0" b="0"/>
+          </a:effectRef>
           <a:fontRef idx="minor"/>
         </p:style>
       </p:sp>
     </p:spTree>
   </p:cSld>
-  <mc:AlternateContent>
+  <p:clrMapOvr>
+    <a:masterClrMapping/>
+  </p:clrMapOvr>
+  <mc:AlternateContent xmlns:mc="http://schemas.openxmlformats.org/markup-compatibility/2006" xmlns:p14="http://schemas.microsoft.com/office/powerpoint/2010/main">
     <mc:Choice Requires="p14">
       <p:transition spd="slow" p14:dur="2000"/>
     </mc:Choice>
-    <mc:Fallback>
+    <mc:Fallback xmlns:p15="http://schemas.microsoft.com/office/powerpoint/2012/main" xmlns="">
       <p:transition spd="slow"/>
     </mc:Fallback>
   </mc:AlternateContent>
+  <p:timing>
+    <p:tnLst>
+      <p:par>
+        <p:cTn id="1" dur="indefinite" restart="never" nodeType="tmRoot"/>
+      </p:par>
+    </p:tnLst>
+  </p:timing>
 </p:sld>
 </file>
 
 <file path=ppt/slides/slide11.xml><?xml version="1.0" encoding="utf-8"?>
-<p:sld xmlns:a="http://schemas.openxmlformats.org/drawingml/2006/main" xmlns:p="http://schemas.openxmlformats.org/presentationml/2006/main" xmlns:r="http://schemas.openxmlformats.org/officeDocument/2006/relationships" xmlns:p14="http://schemas.microsoft.com/office/powerpoint/2010/main" xmlns:p15="http://schemas.microsoft.com/office/powerpoint/2012/main" xmlns:mc="http://schemas.openxmlformats.org/markup-compatibility/2006">
+<p:sld xmlns:a="http://schemas.openxmlformats.org/drawingml/2006/main" xmlns:r="http://schemas.openxmlformats.org/officeDocument/2006/relationships" xmlns:p="http://schemas.openxmlformats.org/presentationml/2006/main">
   <p:cSld>
     <p:spTree>
       <p:nvGrpSpPr>
@@ -5006,9 +6109,15 @@
           </a:ln>
         </p:spPr>
         <p:style>
-          <a:lnRef idx="0"/>
-          <a:fillRef idx="0"/>
-          <a:effectRef idx="0"/>
+          <a:lnRef idx="0">
+            <a:scrgbClr r="0" g="0" b="0"/>
+          </a:lnRef>
+          <a:fillRef idx="0">
+            <a:scrgbClr r="0" g="0" b="0"/>
+          </a:fillRef>
+          <a:effectRef idx="0">
+            <a:scrgbClr r="0" g="0" b="0"/>
+          </a:effectRef>
           <a:fontRef idx="minor"/>
         </p:style>
       </p:sp>
@@ -5032,27 +6141,43 @@
           </a:ln>
         </p:spPr>
         <p:style>
-          <a:lnRef idx="0"/>
-          <a:fillRef idx="0"/>
-          <a:effectRef idx="0"/>
+          <a:lnRef idx="0">
+            <a:scrgbClr r="0" g="0" b="0"/>
+          </a:lnRef>
+          <a:fillRef idx="0">
+            <a:scrgbClr r="0" g="0" b="0"/>
+          </a:fillRef>
+          <a:effectRef idx="0">
+            <a:scrgbClr r="0" g="0" b="0"/>
+          </a:effectRef>
           <a:fontRef idx="minor"/>
         </p:style>
       </p:sp>
     </p:spTree>
   </p:cSld>
-  <mc:AlternateContent>
+  <p:clrMapOvr>
+    <a:masterClrMapping/>
+  </p:clrMapOvr>
+  <mc:AlternateContent xmlns:mc="http://schemas.openxmlformats.org/markup-compatibility/2006" xmlns:p14="http://schemas.microsoft.com/office/powerpoint/2010/main">
     <mc:Choice Requires="p14">
       <p:transition spd="slow" p14:dur="2000"/>
     </mc:Choice>
-    <mc:Fallback>
+    <mc:Fallback xmlns:p15="http://schemas.microsoft.com/office/powerpoint/2012/main" xmlns="">
       <p:transition spd="slow"/>
     </mc:Fallback>
   </mc:AlternateContent>
+  <p:timing>
+    <p:tnLst>
+      <p:par>
+        <p:cTn id="1" dur="indefinite" restart="never" nodeType="tmRoot"/>
+      </p:par>
+    </p:tnLst>
+  </p:timing>
 </p:sld>
 </file>
 
 <file path=ppt/slides/slide12.xml><?xml version="1.0" encoding="utf-8"?>
-<p:sld xmlns:a="http://schemas.openxmlformats.org/drawingml/2006/main" xmlns:p="http://schemas.openxmlformats.org/presentationml/2006/main" xmlns:r="http://schemas.openxmlformats.org/officeDocument/2006/relationships" xmlns:p14="http://schemas.microsoft.com/office/powerpoint/2010/main" xmlns:p15="http://schemas.microsoft.com/office/powerpoint/2012/main" xmlns:mc="http://schemas.openxmlformats.org/markup-compatibility/2006">
+<p:sld xmlns:a="http://schemas.openxmlformats.org/drawingml/2006/main" xmlns:r="http://schemas.openxmlformats.org/officeDocument/2006/relationships" xmlns:p="http://schemas.openxmlformats.org/presentationml/2006/main">
   <p:cSld>
     <p:spTree>
       <p:nvGrpSpPr>
@@ -5088,9 +6213,15 @@
           </a:ln>
         </p:spPr>
         <p:style>
-          <a:lnRef idx="0"/>
-          <a:fillRef idx="0"/>
-          <a:effectRef idx="0"/>
+          <a:lnRef idx="0">
+            <a:scrgbClr r="0" g="0" b="0"/>
+          </a:lnRef>
+          <a:fillRef idx="0">
+            <a:scrgbClr r="0" g="0" b="0"/>
+          </a:fillRef>
+          <a:effectRef idx="0">
+            <a:scrgbClr r="0" g="0" b="0"/>
+          </a:effectRef>
           <a:fontRef idx="minor"/>
         </p:style>
       </p:sp>
@@ -5114,15 +6245,22 @@
           </a:ln>
         </p:spPr>
         <p:style>
-          <a:lnRef idx="0"/>
-          <a:fillRef idx="0"/>
-          <a:effectRef idx="0"/>
+          <a:lnRef idx="0">
+            <a:scrgbClr r="0" g="0" b="0"/>
+          </a:lnRef>
+          <a:fillRef idx="0">
+            <a:scrgbClr r="0" g="0" b="0"/>
+          </a:fillRef>
+          <a:effectRef idx="0">
+            <a:scrgbClr r="0" g="0" b="0"/>
+          </a:effectRef>
           <a:fontRef idx="minor"/>
         </p:style>
         <p:txBody>
-          <a:bodyPr lIns="90000" rIns="90000" tIns="45000" bIns="45000">
+          <a:bodyPr lIns="90000" tIns="45000" rIns="90000" bIns="45000">
             <a:noAutofit/>
           </a:bodyPr>
+          <a:lstStyle/>
           <a:p>
             <a:pPr marL="343080" indent="-334440">
               <a:lnSpc>
@@ -5138,7 +6276,7 @@
               <a:buChar char="•"/>
             </a:pPr>
             <a:r>
-              <a:rPr b="0" lang="ru-RU" sz="3200" spc="-1" strike="noStrike">
+              <a:rPr lang="ru-RU" sz="3200" b="0" strike="noStrike" spc="-1">
                 <a:solidFill>
                   <a:srgbClr val="000000"/>
                 </a:solidFill>
@@ -5147,7 +6285,7 @@
               </a:rPr>
               <a:t>Спасибо за внимание</a:t>
             </a:r>
-            <a:endParaRPr b="0" lang="ru-RU" sz="3200" spc="-1" strike="noStrike">
+            <a:endParaRPr lang="ru-RU" sz="3200" b="0" strike="noStrike" spc="-1">
               <a:latin typeface="Arial"/>
             </a:endParaRPr>
           </a:p>
@@ -5155,11 +6293,14 @@
       </p:sp>
     </p:spTree>
   </p:cSld>
-  <mc:AlternateContent>
+  <p:clrMapOvr>
+    <a:masterClrMapping/>
+  </p:clrMapOvr>
+  <mc:AlternateContent xmlns:mc="http://schemas.openxmlformats.org/markup-compatibility/2006" xmlns:p14="http://schemas.microsoft.com/office/powerpoint/2010/main">
     <mc:Choice Requires="p14">
       <p:transition spd="slow" p14:dur="2000"/>
     </mc:Choice>
-    <mc:Fallback>
+    <mc:Fallback xmlns:p15="http://schemas.microsoft.com/office/powerpoint/2012/main" xmlns="">
       <p:transition spd="slow"/>
     </mc:Fallback>
   </mc:AlternateContent>
@@ -5167,7 +6308,7 @@
 </file>
 
 <file path=ppt/slides/slide2.xml><?xml version="1.0" encoding="utf-8"?>
-<p:sld xmlns:a="http://schemas.openxmlformats.org/drawingml/2006/main" xmlns:p="http://schemas.openxmlformats.org/presentationml/2006/main" xmlns:r="http://schemas.openxmlformats.org/officeDocument/2006/relationships" xmlns:p14="http://schemas.microsoft.com/office/powerpoint/2010/main" xmlns:p15="http://schemas.microsoft.com/office/powerpoint/2012/main" xmlns:mc="http://schemas.openxmlformats.org/markup-compatibility/2006">
+<p:sld xmlns:a="http://schemas.openxmlformats.org/drawingml/2006/main" xmlns:r="http://schemas.openxmlformats.org/officeDocument/2006/relationships" xmlns:p="http://schemas.openxmlformats.org/presentationml/2006/main">
   <p:cSld>
     <p:spTree>
       <p:nvGrpSpPr>
@@ -5185,14 +6326,14 @@
       </p:grpSpPr>
       <p:sp>
         <p:nvSpPr>
-          <p:cNvPr id="86" name="CustomShape 1"/>
+          <p:cNvPr id="3" name="CustomShape 1"/>
           <p:cNvSpPr/>
           <p:nvPr/>
         </p:nvSpPr>
         <p:spPr>
           <a:xfrm>
-            <a:off x="457200" y="288000"/>
-            <a:ext cx="8220960" cy="4517280"/>
+            <a:off x="459540" y="476672"/>
+            <a:ext cx="8224920" cy="4521240"/>
           </a:xfrm>
           <a:prstGeom prst="rect">
             <a:avLst/>
@@ -5203,15 +6344,116 @@
           </a:ln>
         </p:spPr>
         <p:style>
-          <a:lnRef idx="0"/>
-          <a:fillRef idx="0"/>
-          <a:effectRef idx="0"/>
+          <a:lnRef idx="0">
+            <a:scrgbClr r="0" g="0" b="0"/>
+          </a:lnRef>
+          <a:fillRef idx="0">
+            <a:scrgbClr r="0" g="0" b="0"/>
+          </a:fillRef>
+          <a:effectRef idx="0">
+            <a:scrgbClr r="0" g="0" b="0"/>
+          </a:effectRef>
           <a:fontRef idx="minor"/>
         </p:style>
         <p:txBody>
-          <a:bodyPr lIns="90000" rIns="90000" tIns="45000" bIns="45000">
+          <a:bodyPr lIns="90000" tIns="45000" rIns="90000" bIns="45000">
             <a:noAutofit/>
           </a:bodyPr>
+          <a:lstStyle>
+            <a:defPPr>
+              <a:defRPr lang="ru-RU"/>
+            </a:defPPr>
+            <a:lvl1pPr marL="0" algn="l" defTabSz="914400" rtl="0" eaLnBrk="1" latinLnBrk="0" hangingPunct="1">
+              <a:defRPr sz="1800" kern="1200">
+                <a:solidFill>
+                  <a:schemeClr val="tx1"/>
+                </a:solidFill>
+                <a:latin typeface="+mn-lt"/>
+                <a:ea typeface="+mn-ea"/>
+                <a:cs typeface="+mn-cs"/>
+              </a:defRPr>
+            </a:lvl1pPr>
+            <a:lvl2pPr marL="457200" algn="l" defTabSz="914400" rtl="0" eaLnBrk="1" latinLnBrk="0" hangingPunct="1">
+              <a:defRPr sz="1800" kern="1200">
+                <a:solidFill>
+                  <a:schemeClr val="tx1"/>
+                </a:solidFill>
+                <a:latin typeface="+mn-lt"/>
+                <a:ea typeface="+mn-ea"/>
+                <a:cs typeface="+mn-cs"/>
+              </a:defRPr>
+            </a:lvl2pPr>
+            <a:lvl3pPr marL="914400" algn="l" defTabSz="914400" rtl="0" eaLnBrk="1" latinLnBrk="0" hangingPunct="1">
+              <a:defRPr sz="1800" kern="1200">
+                <a:solidFill>
+                  <a:schemeClr val="tx1"/>
+                </a:solidFill>
+                <a:latin typeface="+mn-lt"/>
+                <a:ea typeface="+mn-ea"/>
+                <a:cs typeface="+mn-cs"/>
+              </a:defRPr>
+            </a:lvl3pPr>
+            <a:lvl4pPr marL="1371600" algn="l" defTabSz="914400" rtl="0" eaLnBrk="1" latinLnBrk="0" hangingPunct="1">
+              <a:defRPr sz="1800" kern="1200">
+                <a:solidFill>
+                  <a:schemeClr val="tx1"/>
+                </a:solidFill>
+                <a:latin typeface="+mn-lt"/>
+                <a:ea typeface="+mn-ea"/>
+                <a:cs typeface="+mn-cs"/>
+              </a:defRPr>
+            </a:lvl4pPr>
+            <a:lvl5pPr marL="1828800" algn="l" defTabSz="914400" rtl="0" eaLnBrk="1" latinLnBrk="0" hangingPunct="1">
+              <a:defRPr sz="1800" kern="1200">
+                <a:solidFill>
+                  <a:schemeClr val="tx1"/>
+                </a:solidFill>
+                <a:latin typeface="+mn-lt"/>
+                <a:ea typeface="+mn-ea"/>
+                <a:cs typeface="+mn-cs"/>
+              </a:defRPr>
+            </a:lvl5pPr>
+            <a:lvl6pPr marL="2286000" algn="l" defTabSz="914400" rtl="0" eaLnBrk="1" latinLnBrk="0" hangingPunct="1">
+              <a:defRPr sz="1800" kern="1200">
+                <a:solidFill>
+                  <a:schemeClr val="tx1"/>
+                </a:solidFill>
+                <a:latin typeface="+mn-lt"/>
+                <a:ea typeface="+mn-ea"/>
+                <a:cs typeface="+mn-cs"/>
+              </a:defRPr>
+            </a:lvl6pPr>
+            <a:lvl7pPr marL="2743200" algn="l" defTabSz="914400" rtl="0" eaLnBrk="1" latinLnBrk="0" hangingPunct="1">
+              <a:defRPr sz="1800" kern="1200">
+                <a:solidFill>
+                  <a:schemeClr val="tx1"/>
+                </a:solidFill>
+                <a:latin typeface="+mn-lt"/>
+                <a:ea typeface="+mn-ea"/>
+                <a:cs typeface="+mn-cs"/>
+              </a:defRPr>
+            </a:lvl7pPr>
+            <a:lvl8pPr marL="3200400" algn="l" defTabSz="914400" rtl="0" eaLnBrk="1" latinLnBrk="0" hangingPunct="1">
+              <a:defRPr sz="1800" kern="1200">
+                <a:solidFill>
+                  <a:schemeClr val="tx1"/>
+                </a:solidFill>
+                <a:latin typeface="+mn-lt"/>
+                <a:ea typeface="+mn-ea"/>
+                <a:cs typeface="+mn-cs"/>
+              </a:defRPr>
+            </a:lvl8pPr>
+            <a:lvl9pPr marL="3657600" algn="l" defTabSz="914400" rtl="0" eaLnBrk="1" latinLnBrk="0" hangingPunct="1">
+              <a:defRPr sz="1800" kern="1200">
+                <a:solidFill>
+                  <a:schemeClr val="tx1"/>
+                </a:solidFill>
+                <a:latin typeface="+mn-lt"/>
+                <a:ea typeface="+mn-ea"/>
+                <a:cs typeface="+mn-cs"/>
+              </a:defRPr>
+            </a:lvl9pPr>
+          </a:lstStyle>
           <a:p>
             <a:pPr>
               <a:lnSpc>
@@ -5222,17 +6464,21 @@
               </a:spcBef>
             </a:pPr>
             <a:r>
-              <a:rPr b="0" lang="ru-RU" sz="2400" spc="-1" strike="noStrike">
+              <a:rPr lang="ru-RU" sz="2000" b="0" strike="noStrike" spc="-1" dirty="0">
                 <a:solidFill>
                   <a:srgbClr val="000000"/>
                 </a:solidFill>
                 <a:latin typeface="Calibri"/>
                 <a:ea typeface="DejaVu Sans"/>
               </a:rPr>
-              <a:t>Цель: изучение адаптивных алгоритмов пространственной фильтрации в линейных микрофонных решетках и их моделирование</a:t>
-            </a:r>
-            <a:endParaRPr b="0" lang="ru-RU" sz="2400" spc="-1" strike="noStrike">
-              <a:latin typeface="Arial"/>
+              <a:t>Цель: </a:t>
+            </a:r>
+            <a:endParaRPr lang="ru-RU" sz="2000" b="0" strike="noStrike" spc="-1" dirty="0" smtClean="0">
+              <a:solidFill>
+                <a:srgbClr val="000000"/>
+              </a:solidFill>
+              <a:latin typeface="Calibri"/>
+              <a:ea typeface="DejaVu Sans"/>
             </a:endParaRPr>
           </a:p>
           <a:p>
@@ -5245,16 +6491,15 @@
               </a:spcBef>
             </a:pPr>
             <a:r>
-              <a:rPr b="0" lang="ru-RU" sz="2400" spc="-1" strike="noStrike">
+              <a:rPr lang="ru-RU" sz="2000" spc="-1" dirty="0" smtClean="0">
                 <a:solidFill>
                   <a:srgbClr val="000000"/>
                 </a:solidFill>
                 <a:latin typeface="Calibri"/>
-                <a:ea typeface="DejaVu Sans"/>
-              </a:rPr>
-              <a:t>Задачи: 1)рассмотреть основные подходы пространственной фильтрации</a:t>
-            </a:r>
-            <a:endParaRPr b="0" lang="ru-RU" sz="2400" spc="-1" strike="noStrike">
+              </a:rPr>
+              <a:t>Изучить основы адаптивной пространственной фильтрации в МР и проверить полученные знания на численном эксперименте</a:t>
+            </a:r>
+            <a:endParaRPr lang="ru-RU" sz="2000" b="0" strike="noStrike" spc="-1" dirty="0">
               <a:latin typeface="Arial"/>
             </a:endParaRPr>
           </a:p>
@@ -5268,27 +6513,21 @@
               </a:spcBef>
             </a:pPr>
             <a:r>
-              <a:rPr b="0" lang="ru-RU" sz="2400" spc="-1" strike="noStrike">
+              <a:rPr lang="ru-RU" sz="2000" b="0" strike="noStrike" spc="-1" dirty="0">
                 <a:solidFill>
                   <a:srgbClr val="000000"/>
                 </a:solidFill>
                 <a:latin typeface="Calibri"/>
                 <a:ea typeface="DejaVu Sans"/>
               </a:rPr>
-              <a:t>               </a:t>
-            </a:r>
-            <a:r>
-              <a:rPr b="0" lang="ru-RU" sz="2400" spc="-1" strike="noStrike">
-                <a:solidFill>
-                  <a:srgbClr val="000000"/>
-                </a:solidFill>
-                <a:latin typeface="Calibri"/>
-                <a:ea typeface="DejaVu Sans"/>
-              </a:rPr>
-              <a:t>2)рассмотреть адаптивные алгоритмы</a:t>
-            </a:r>
-            <a:endParaRPr b="0" lang="ru-RU" sz="2400" spc="-1" strike="noStrike">
-              <a:latin typeface="Arial"/>
+              <a:t>Задачи: </a:t>
+            </a:r>
+            <a:endParaRPr lang="en-US" sz="2000" b="0" strike="noStrike" spc="-1" dirty="0" smtClean="0">
+              <a:solidFill>
+                <a:srgbClr val="000000"/>
+              </a:solidFill>
+              <a:latin typeface="Calibri"/>
+              <a:ea typeface="DejaVu Sans"/>
             </a:endParaRPr>
           </a:p>
           <a:p>
@@ -5301,56 +6540,26 @@
               </a:spcBef>
             </a:pPr>
             <a:r>
-              <a:rPr b="0" lang="ru-RU" sz="2400" spc="-1" strike="noStrike">
+              <a:rPr lang="ru-RU" sz="2000" b="0" strike="noStrike" spc="-1" dirty="0" smtClean="0">
                 <a:solidFill>
                   <a:srgbClr val="000000"/>
                 </a:solidFill>
                 <a:latin typeface="Calibri"/>
                 <a:ea typeface="DejaVu Sans"/>
               </a:rPr>
-              <a:t> </a:t>
-            </a:r>
-            <a:r>
-              <a:rPr b="0" lang="ru-RU" sz="2400" spc="-1" strike="noStrike">
+              <a:t>1)рассмотреть </a:t>
+            </a:r>
+            <a:r>
+              <a:rPr lang="ru-RU" sz="2000" b="0" strike="noStrike" spc="-1" dirty="0">
                 <a:solidFill>
                   <a:srgbClr val="000000"/>
                 </a:solidFill>
                 <a:latin typeface="Calibri"/>
                 <a:ea typeface="DejaVu Sans"/>
               </a:rPr>
-              <a:t>	</a:t>
-            </a:r>
-            <a:r>
-              <a:rPr b="0" lang="ru-RU" sz="2400" spc="-1" strike="noStrike">
-                <a:solidFill>
-                  <a:srgbClr val="000000"/>
-                </a:solidFill>
-                <a:latin typeface="Calibri"/>
-                <a:ea typeface="DejaVu Sans"/>
-              </a:rPr>
-              <a:t>	</a:t>
-            </a:r>
-            <a:r>
-              <a:rPr b="0" lang="ru-RU" sz="2400" spc="-1" strike="noStrike">
-                <a:solidFill>
-                  <a:srgbClr val="000000"/>
-                </a:solidFill>
-                <a:latin typeface="Calibri"/>
-                <a:ea typeface="DejaVu Sans"/>
-              </a:rPr>
-              <a:t>  </a:t>
-            </a:r>
-            <a:r>
-              <a:rPr b="0" lang="ru-RU" sz="2400" spc="-1" strike="noStrike">
-                <a:solidFill>
-                  <a:srgbClr val="000000"/>
-                </a:solidFill>
-                <a:latin typeface="Calibri"/>
-                <a:ea typeface="DejaVu Sans"/>
-              </a:rPr>
-              <a:t>3)рассмотреть методы формирования луча </a:t>
-            </a:r>
-            <a:endParaRPr b="0" lang="ru-RU" sz="2400" spc="-1" strike="noStrike">
+              <a:t>основные подходы пространственной фильтрации</a:t>
+            </a:r>
+            <a:endParaRPr lang="ru-RU" sz="2000" b="0" strike="noStrike" spc="-1" dirty="0">
               <a:latin typeface="Arial"/>
             </a:endParaRPr>
           </a:p>
@@ -5364,56 +6573,26 @@
               </a:spcBef>
             </a:pPr>
             <a:r>
-              <a:rPr b="0" lang="ru-RU" sz="2400" spc="-1" strike="noStrike">
+              <a:rPr lang="ru-RU" sz="2000" b="0" strike="noStrike" spc="-1" dirty="0" smtClean="0">
                 <a:solidFill>
                   <a:srgbClr val="000000"/>
                 </a:solidFill>
                 <a:latin typeface="Calibri"/>
                 <a:ea typeface="DejaVu Sans"/>
               </a:rPr>
-              <a:t> </a:t>
-            </a:r>
-            <a:r>
-              <a:rPr b="0" lang="ru-RU" sz="2400" spc="-1" strike="noStrike">
+              <a:t>2)рассмотреть </a:t>
+            </a:r>
+            <a:r>
+              <a:rPr lang="ru-RU" sz="2000" b="0" strike="noStrike" spc="-1" dirty="0">
                 <a:solidFill>
                   <a:srgbClr val="000000"/>
                 </a:solidFill>
                 <a:latin typeface="Calibri"/>
                 <a:ea typeface="DejaVu Sans"/>
               </a:rPr>
-              <a:t>	</a:t>
-            </a:r>
-            <a:r>
-              <a:rPr b="0" lang="ru-RU" sz="2400" spc="-1" strike="noStrike">
-                <a:solidFill>
-                  <a:srgbClr val="000000"/>
-                </a:solidFill>
-                <a:latin typeface="Calibri"/>
-                <a:ea typeface="DejaVu Sans"/>
-              </a:rPr>
-              <a:t>	</a:t>
-            </a:r>
-            <a:r>
-              <a:rPr b="0" lang="ru-RU" sz="2400" spc="-1" strike="noStrike">
-                <a:solidFill>
-                  <a:srgbClr val="000000"/>
-                </a:solidFill>
-                <a:latin typeface="Calibri"/>
-                <a:ea typeface="DejaVu Sans"/>
-              </a:rPr>
-              <a:t>  </a:t>
-            </a:r>
-            <a:r>
-              <a:rPr b="0" lang="ru-RU" sz="2400" spc="-1" strike="noStrike">
-                <a:solidFill>
-                  <a:srgbClr val="000000"/>
-                </a:solidFill>
-                <a:latin typeface="Calibri"/>
-                <a:ea typeface="DejaVu Sans"/>
-              </a:rPr>
-              <a:t>4)смоделировать приём сигнала на микрофонную решетку с последующей фильтрацией</a:t>
-            </a:r>
-            <a:endParaRPr b="0" lang="ru-RU" sz="2400" spc="-1" strike="noStrike">
+              <a:t>адаптивные алгоритмы</a:t>
+            </a:r>
+            <a:endParaRPr lang="ru-RU" sz="2000" b="0" strike="noStrike" spc="-1" dirty="0">
               <a:latin typeface="Arial"/>
             </a:endParaRPr>
           </a:p>
@@ -5427,56 +6606,26 @@
               </a:spcBef>
             </a:pPr>
             <a:r>
-              <a:rPr b="0" lang="ru-RU" sz="2400" spc="-1" strike="noStrike">
+              <a:rPr lang="ru-RU" sz="2000" b="0" strike="noStrike" spc="-1" dirty="0" smtClean="0">
                 <a:solidFill>
                   <a:srgbClr val="000000"/>
                 </a:solidFill>
                 <a:latin typeface="Calibri"/>
                 <a:ea typeface="DejaVu Sans"/>
               </a:rPr>
-              <a:t> </a:t>
-            </a:r>
-            <a:r>
-              <a:rPr b="0" lang="ru-RU" sz="2400" spc="-1" strike="noStrike">
+              <a:t>3)рассмотреть </a:t>
+            </a:r>
+            <a:r>
+              <a:rPr lang="ru-RU" sz="2000" b="0" strike="noStrike" spc="-1" dirty="0">
                 <a:solidFill>
                   <a:srgbClr val="000000"/>
                 </a:solidFill>
                 <a:latin typeface="Calibri"/>
                 <a:ea typeface="DejaVu Sans"/>
               </a:rPr>
-              <a:t>	</a:t>
-            </a:r>
-            <a:r>
-              <a:rPr b="0" lang="ru-RU" sz="2400" spc="-1" strike="noStrike">
-                <a:solidFill>
-                  <a:srgbClr val="000000"/>
-                </a:solidFill>
-                <a:latin typeface="Calibri"/>
-                <a:ea typeface="DejaVu Sans"/>
-              </a:rPr>
-              <a:t>	</a:t>
-            </a:r>
-            <a:r>
-              <a:rPr b="0" lang="ru-RU" sz="2400" spc="-1" strike="noStrike">
-                <a:solidFill>
-                  <a:srgbClr val="000000"/>
-                </a:solidFill>
-                <a:latin typeface="Calibri"/>
-                <a:ea typeface="DejaVu Sans"/>
-              </a:rPr>
-              <a:t>  </a:t>
-            </a:r>
-            <a:r>
-              <a:rPr b="0" lang="ru-RU" sz="2400" spc="-1" strike="noStrike">
-                <a:solidFill>
-                  <a:srgbClr val="000000"/>
-                </a:solidFill>
-                <a:latin typeface="Calibri"/>
-                <a:ea typeface="DejaVu Sans"/>
-              </a:rPr>
-              <a:t>5)изучить литературу по данной теме</a:t>
-            </a:r>
-            <a:endParaRPr b="0" lang="ru-RU" sz="2400" spc="-1" strike="noStrike">
+              <a:t>методы формирования луча </a:t>
+            </a:r>
+            <a:endParaRPr lang="ru-RU" sz="2000" b="0" strike="noStrike" spc="-1" dirty="0">
               <a:latin typeface="Arial"/>
             </a:endParaRPr>
           </a:p>
@@ -5489,27 +6638,104 @@
                 <a:spcPts val="641"/>
               </a:spcBef>
             </a:pPr>
-            <a:endParaRPr b="0" lang="ru-RU" sz="2400" spc="-1" strike="noStrike">
-              <a:latin typeface="Arial"/>
+            <a:r>
+              <a:rPr lang="ru-RU" sz="2000" b="0" strike="noStrike" spc="-1" dirty="0" smtClean="0">
+                <a:solidFill>
+                  <a:srgbClr val="000000"/>
+                </a:solidFill>
+                <a:latin typeface="Calibri"/>
+                <a:ea typeface="DejaVu Sans"/>
+              </a:rPr>
+              <a:t>4)смоделировать </a:t>
+            </a:r>
+            <a:r>
+              <a:rPr lang="ru-RU" sz="2000" b="0" strike="noStrike" spc="-1" dirty="0">
+                <a:solidFill>
+                  <a:srgbClr val="000000"/>
+                </a:solidFill>
+                <a:latin typeface="Calibri"/>
+                <a:ea typeface="DejaVu Sans"/>
+              </a:rPr>
+              <a:t>приём сигнала на МР с последующей фильтрацией</a:t>
+            </a:r>
+            <a:endParaRPr lang="ru-RU" sz="2000" b="0" strike="noStrike" spc="-1" dirty="0">
+              <a:latin typeface="Arial"/>
+            </a:endParaRPr>
+          </a:p>
+          <a:p>
+            <a:pPr>
+              <a:lnSpc>
+                <a:spcPct val="100000"/>
+              </a:lnSpc>
+              <a:spcBef>
+                <a:spcPts val="641"/>
+              </a:spcBef>
+            </a:pPr>
+            <a:r>
+              <a:rPr lang="ru-RU" sz="2000" b="0" strike="noStrike" spc="-1" dirty="0" smtClean="0">
+                <a:solidFill>
+                  <a:srgbClr val="000000"/>
+                </a:solidFill>
+                <a:latin typeface="Calibri"/>
+                <a:ea typeface="DejaVu Sans"/>
+              </a:rPr>
+              <a:t>5)изучить </a:t>
+            </a:r>
+            <a:r>
+              <a:rPr lang="ru-RU" sz="2000" b="0" strike="noStrike" spc="-1" dirty="0">
+                <a:solidFill>
+                  <a:srgbClr val="000000"/>
+                </a:solidFill>
+                <a:latin typeface="Calibri"/>
+                <a:ea typeface="DejaVu Sans"/>
+              </a:rPr>
+              <a:t>литературу по данной </a:t>
+            </a:r>
+            <a:r>
+              <a:rPr lang="ru-RU" sz="2000" b="0" strike="noStrike" spc="-1" dirty="0" smtClean="0">
+                <a:solidFill>
+                  <a:srgbClr val="000000"/>
+                </a:solidFill>
+                <a:latin typeface="Calibri"/>
+                <a:ea typeface="DejaVu Sans"/>
+              </a:rPr>
+              <a:t>теме</a:t>
+            </a:r>
+            <a:endParaRPr lang="en-US" sz="2000" b="0" strike="noStrike" spc="-1" dirty="0" smtClean="0">
+              <a:solidFill>
+                <a:srgbClr val="000000"/>
+              </a:solidFill>
+              <a:latin typeface="Calibri"/>
+              <a:ea typeface="DejaVu Sans"/>
             </a:endParaRPr>
           </a:p>
         </p:txBody>
       </p:sp>
     </p:spTree>
   </p:cSld>
-  <mc:AlternateContent>
+  <p:clrMapOvr>
+    <a:masterClrMapping/>
+  </p:clrMapOvr>
+  <mc:AlternateContent xmlns:mc="http://schemas.openxmlformats.org/markup-compatibility/2006" xmlns:p14="http://schemas.microsoft.com/office/powerpoint/2010/main">
     <mc:Choice Requires="p14">
       <p:transition spd="slow" p14:dur="2000"/>
     </mc:Choice>
-    <mc:Fallback>
+    <mc:Fallback xmlns:p15="http://schemas.microsoft.com/office/powerpoint/2012/main" xmlns="">
       <p:transition spd="slow"/>
     </mc:Fallback>
   </mc:AlternateContent>
+  <p:timing>
+    <p:tnLst>
+      <p:par>
+        <p:cTn id="1" dur="indefinite" restart="never" nodeType="tmRoot"/>
+      </p:par>
+    </p:tnLst>
+  </p:timing>
 </p:sld>
 </file>
 
 <file path=ppt/slides/slide3.xml><?xml version="1.0" encoding="utf-8"?>
-<p:sld xmlns:a="http://schemas.openxmlformats.org/drawingml/2006/main" xmlns:p="http://schemas.openxmlformats.org/presentationml/2006/main" xmlns:r="http://schemas.openxmlformats.org/officeDocument/2006/relationships" xmlns:p14="http://schemas.microsoft.com/office/powerpoint/2010/main" xmlns:p15="http://schemas.microsoft.com/office/powerpoint/2012/main" xmlns:mc="http://schemas.openxmlformats.org/markup-compatibility/2006">
+<p:sld xmlns:a="http://schemas.openxmlformats.org/drawingml/2006/main" xmlns:r="http://schemas.openxmlformats.org/officeDocument/2006/relationships" xmlns:p="http://schemas.openxmlformats.org/presentationml/2006/main">
   <p:cSld>
     <p:spTree>
       <p:nvGrpSpPr>
@@ -5545,15 +6771,22 @@
           </a:ln>
         </p:spPr>
         <p:style>
-          <a:lnRef idx="0"/>
-          <a:fillRef idx="0"/>
-          <a:effectRef idx="0"/>
+          <a:lnRef idx="0">
+            <a:scrgbClr r="0" g="0" b="0"/>
+          </a:lnRef>
+          <a:fillRef idx="0">
+            <a:scrgbClr r="0" g="0" b="0"/>
+          </a:fillRef>
+          <a:effectRef idx="0">
+            <a:scrgbClr r="0" g="0" b="0"/>
+          </a:effectRef>
           <a:fontRef idx="minor"/>
         </p:style>
         <p:txBody>
-          <a:bodyPr lIns="90000" rIns="90000" tIns="45000" bIns="45000" anchor="ctr">
+          <a:bodyPr lIns="90000" tIns="45000" rIns="90000" bIns="45000" anchor="ctr">
             <a:noAutofit/>
           </a:bodyPr>
+          <a:lstStyle/>
           <a:p>
             <a:pPr algn="ctr">
               <a:lnSpc>
@@ -5561,7 +6794,7 @@
               </a:lnSpc>
             </a:pPr>
             <a:r>
-              <a:rPr b="0" lang="ru-RU" sz="4400" spc="-1" strike="noStrike">
+              <a:rPr lang="ru-RU" sz="4400" b="0" strike="noStrike" spc="-1" dirty="0">
                 <a:solidFill>
                   <a:srgbClr val="000000"/>
                 </a:solidFill>
@@ -5570,22 +6803,22 @@
               </a:rPr>
               <a:t>Применение</a:t>
             </a:r>
-            <a:endParaRPr b="0" lang="ru-RU" sz="4400" spc="-1" strike="noStrike">
-              <a:latin typeface="Arial"/>
-            </a:endParaRPr>
-          </a:p>
-        </p:txBody>
-      </p:sp>
-      <p:sp>
-        <p:nvSpPr>
-          <p:cNvPr id="88" name="CustomShape 2"/>
+            <a:endParaRPr lang="ru-RU" sz="4400" b="0" strike="noStrike" spc="-1" dirty="0">
+              <a:latin typeface="Arial"/>
+            </a:endParaRPr>
+          </a:p>
+        </p:txBody>
+      </p:sp>
+      <p:sp>
+        <p:nvSpPr>
+          <p:cNvPr id="92" name="CustomShape 3"/>
           <p:cNvSpPr/>
           <p:nvPr/>
         </p:nvSpPr>
         <p:spPr>
           <a:xfrm>
-            <a:off x="338760" y="1450440"/>
-            <a:ext cx="8220960" cy="4517280"/>
+            <a:off x="457200" y="5798064"/>
+            <a:ext cx="2416680" cy="343440"/>
           </a:xfrm>
           <a:prstGeom prst="rect">
             <a:avLst/>
@@ -5596,118 +6829,30 @@
           </a:ln>
         </p:spPr>
         <p:style>
-          <a:lnRef idx="0"/>
-          <a:fillRef idx="0"/>
-          <a:effectRef idx="0"/>
+          <a:lnRef idx="0">
+            <a:scrgbClr r="0" g="0" b="0"/>
+          </a:lnRef>
+          <a:fillRef idx="0">
+            <a:scrgbClr r="0" g="0" b="0"/>
+          </a:fillRef>
+          <a:effectRef idx="0">
+            <a:scrgbClr r="0" g="0" b="0"/>
+          </a:effectRef>
           <a:fontRef idx="minor"/>
         </p:style>
-      </p:sp>
-      <p:pic>
-        <p:nvPicPr>
-          <p:cNvPr id="89" name="" descr=""/>
-          <p:cNvPicPr/>
-          <p:nvPr/>
-        </p:nvPicPr>
-        <p:blipFill>
-          <a:blip r:embed="rId1"/>
-          <a:stretch/>
-        </p:blipFill>
-        <p:spPr>
-          <a:xfrm>
-            <a:off x="363600" y="1815120"/>
-            <a:ext cx="2225520" cy="2502000"/>
-          </a:xfrm>
-          <a:prstGeom prst="rect">
-            <a:avLst/>
-          </a:prstGeom>
-          <a:ln>
-            <a:noFill/>
-          </a:ln>
-        </p:spPr>
-      </p:pic>
-      <p:pic>
-        <p:nvPicPr>
-          <p:cNvPr id="90" name="" descr=""/>
-          <p:cNvPicPr/>
-          <p:nvPr/>
-        </p:nvPicPr>
-        <p:blipFill>
-          <a:blip r:embed="rId2"/>
-          <a:stretch/>
-        </p:blipFill>
-        <p:spPr>
-          <a:xfrm>
-            <a:off x="2808000" y="1759680"/>
-            <a:ext cx="3355200" cy="2557440"/>
-          </a:xfrm>
-          <a:prstGeom prst="rect">
-            <a:avLst/>
-          </a:prstGeom>
-          <a:ln>
-            <a:noFill/>
-          </a:ln>
-        </p:spPr>
-      </p:pic>
-      <p:pic>
-        <p:nvPicPr>
-          <p:cNvPr id="91" name="" descr=""/>
-          <p:cNvPicPr/>
-          <p:nvPr/>
-        </p:nvPicPr>
-        <p:blipFill>
-          <a:blip r:embed="rId3"/>
-          <a:stretch/>
-        </p:blipFill>
-        <p:spPr>
-          <a:xfrm>
-            <a:off x="6336000" y="1728000"/>
-            <a:ext cx="2733120" cy="2733120"/>
-          </a:xfrm>
-          <a:prstGeom prst="rect">
-            <a:avLst/>
-          </a:prstGeom>
-          <a:ln>
-            <a:noFill/>
-          </a:ln>
-        </p:spPr>
-      </p:pic>
-      <p:sp>
-        <p:nvSpPr>
-          <p:cNvPr id="92" name="CustomShape 3"/>
-          <p:cNvSpPr/>
-          <p:nvPr/>
-        </p:nvSpPr>
-        <p:spPr>
-          <a:xfrm>
-            <a:off x="266400" y="4536000"/>
-            <a:ext cx="2416680" cy="343440"/>
-          </a:xfrm>
-          <a:prstGeom prst="rect">
-            <a:avLst/>
-          </a:prstGeom>
-          <a:noFill/>
-          <a:ln>
-            <a:noFill/>
-          </a:ln>
-        </p:spPr>
-        <p:style>
-          <a:lnRef idx="0"/>
-          <a:fillRef idx="0"/>
-          <a:effectRef idx="0"/>
-          <a:fontRef idx="minor"/>
-        </p:style>
-        <p:txBody>
-          <a:bodyPr lIns="90000" rIns="90000" tIns="45000" bIns="45000">
+        <p:txBody>
+          <a:bodyPr lIns="90000" tIns="45000" rIns="90000" bIns="45000">
             <a:noAutofit/>
           </a:bodyPr>
-          <a:p>
-            <a:pPr>
+          <a:lstStyle/>
+          <a:p>
+            <a:pPr algn="ctr">
               <a:lnSpc>
                 <a:spcPct val="100000"/>
               </a:lnSpc>
             </a:pPr>
             <a:r>
-              <a:rPr b="0" lang="ru-RU" sz="1800" spc="-1" strike="noStrike">
+              <a:rPr lang="ru-RU" sz="1800" b="0" strike="noStrike" spc="-1" dirty="0">
                 <a:solidFill>
                   <a:srgbClr val="000000"/>
                 </a:solidFill>
@@ -5716,7 +6861,7 @@
               </a:rPr>
               <a:t>Система «Бумеранг»</a:t>
             </a:r>
-            <a:endParaRPr b="0" lang="ru-RU" sz="1800" spc="-1" strike="noStrike">
+            <a:endParaRPr lang="ru-RU" sz="1800" b="0" strike="noStrike" spc="-1" dirty="0">
               <a:latin typeface="Arial"/>
             </a:endParaRPr>
           </a:p>
@@ -5730,7 +6875,7 @@
         </p:nvSpPr>
         <p:spPr>
           <a:xfrm>
-            <a:off x="3168000" y="4549680"/>
+            <a:off x="2949120" y="5954026"/>
             <a:ext cx="3237120" cy="343440"/>
           </a:xfrm>
           <a:prstGeom prst="rect">
@@ -5742,23 +6887,30 @@
           </a:ln>
         </p:spPr>
         <p:style>
-          <a:lnRef idx="0"/>
-          <a:fillRef idx="0"/>
-          <a:effectRef idx="0"/>
+          <a:lnRef idx="0">
+            <a:scrgbClr r="0" g="0" b="0"/>
+          </a:lnRef>
+          <a:fillRef idx="0">
+            <a:scrgbClr r="0" g="0" b="0"/>
+          </a:fillRef>
+          <a:effectRef idx="0">
+            <a:scrgbClr r="0" g="0" b="0"/>
+          </a:effectRef>
           <a:fontRef idx="minor"/>
         </p:style>
         <p:txBody>
-          <a:bodyPr lIns="90000" rIns="90000" tIns="45000" bIns="45000">
+          <a:bodyPr lIns="90000" tIns="45000" rIns="90000" bIns="45000">
             <a:noAutofit/>
           </a:bodyPr>
-          <a:p>
-            <a:pPr>
+          <a:lstStyle/>
+          <a:p>
+            <a:pPr algn="ctr">
               <a:lnSpc>
                 <a:spcPct val="100000"/>
               </a:lnSpc>
             </a:pPr>
             <a:r>
-              <a:rPr b="0" lang="ru-RU" sz="1800" spc="-1" strike="noStrike">
+              <a:rPr lang="ru-RU" sz="1800" b="0" strike="noStrike" spc="-1" dirty="0">
                 <a:solidFill>
                   <a:srgbClr val="000000"/>
                 </a:solidFill>
@@ -5767,22 +6919,151 @@
               </a:rPr>
               <a:t>Система «SENTRI»</a:t>
             </a:r>
-            <a:endParaRPr b="0" lang="ru-RU" sz="1800" spc="-1" strike="noStrike">
-              <a:latin typeface="Arial"/>
-            </a:endParaRPr>
-          </a:p>
-        </p:txBody>
-      </p:sp>
-      <p:sp>
-        <p:nvSpPr>
-          <p:cNvPr id="94" name="CustomShape 5"/>
+            <a:endParaRPr lang="ru-RU" sz="1800" b="0" strike="noStrike" spc="-1" dirty="0">
+              <a:latin typeface="Arial"/>
+            </a:endParaRPr>
+          </a:p>
+        </p:txBody>
+      </p:sp>
+      <p:pic>
+        <p:nvPicPr>
+          <p:cNvPr id="2" name="Рисунок 1"/>
+          <p:cNvPicPr>
+            <a:picLocks noChangeAspect="1"/>
+          </p:cNvPicPr>
+          <p:nvPr/>
+        </p:nvPicPr>
+        <p:blipFill>
+          <a:blip r:embed="rId3" cstate="print">
+            <a:extLst>
+              <a:ext uri="{28A0092B-C50C-407E-A947-70E740481C1C}">
+                <a14:useLocalDpi xmlns:a14="http://schemas.microsoft.com/office/drawing/2010/main" val="0"/>
+              </a:ext>
+            </a:extLst>
+          </a:blip>
+          <a:stretch>
+            <a:fillRect/>
+          </a:stretch>
+        </p:blipFill>
+        <p:spPr>
+          <a:xfrm>
+            <a:off x="3563887" y="1450440"/>
+            <a:ext cx="1575349" cy="2453613"/>
+          </a:xfrm>
+          <a:prstGeom prst="rect">
+            <a:avLst/>
+          </a:prstGeom>
+        </p:spPr>
+      </p:pic>
+      <p:pic>
+        <p:nvPicPr>
+          <p:cNvPr id="3" name="Рисунок 2"/>
+          <p:cNvPicPr>
+            <a:picLocks noChangeAspect="1"/>
+          </p:cNvPicPr>
+          <p:nvPr/>
+        </p:nvPicPr>
+        <p:blipFill>
+          <a:blip r:embed="rId4" cstate="print">
+            <a:extLst>
+              <a:ext uri="{28A0092B-C50C-407E-A947-70E740481C1C}">
+                <a14:useLocalDpi xmlns:a14="http://schemas.microsoft.com/office/drawing/2010/main" val="0"/>
+              </a:ext>
+            </a:extLst>
+          </a:blip>
+          <a:stretch>
+            <a:fillRect/>
+          </a:stretch>
+        </p:blipFill>
+        <p:spPr>
+          <a:xfrm>
+            <a:off x="216393" y="1844824"/>
+            <a:ext cx="2987455" cy="2020437"/>
+          </a:xfrm>
+          <a:prstGeom prst="rect">
+            <a:avLst/>
+          </a:prstGeom>
+        </p:spPr>
+      </p:pic>
+      <p:pic>
+        <p:nvPicPr>
+          <p:cNvPr id="89" name="Рисунок 88"/>
+          <p:cNvPicPr/>
+          <p:nvPr/>
+        </p:nvPicPr>
+        <p:blipFill>
+          <a:blip r:embed="rId5"/>
+          <a:stretch/>
+        </p:blipFill>
+        <p:spPr>
+          <a:xfrm>
+            <a:off x="1307447" y="3618366"/>
+            <a:ext cx="1632043" cy="1917352"/>
+          </a:xfrm>
+          <a:prstGeom prst="rect">
+            <a:avLst/>
+          </a:prstGeom>
+          <a:ln>
+            <a:noFill/>
+          </a:ln>
+        </p:spPr>
+      </p:pic>
+      <p:pic>
+        <p:nvPicPr>
+          <p:cNvPr id="90" name="Рисунок 89"/>
+          <p:cNvPicPr/>
+          <p:nvPr/>
+        </p:nvPicPr>
+        <p:blipFill>
+          <a:blip r:embed="rId6"/>
+          <a:stretch/>
+        </p:blipFill>
+        <p:spPr>
+          <a:xfrm>
+            <a:off x="3707904" y="3835002"/>
+            <a:ext cx="2231440" cy="1739310"/>
+          </a:xfrm>
+          <a:prstGeom prst="rect">
+            <a:avLst/>
+          </a:prstGeom>
+          <a:ln>
+            <a:noFill/>
+          </a:ln>
+        </p:spPr>
+      </p:pic>
+      <p:pic>
+        <p:nvPicPr>
+          <p:cNvPr id="13" name="Рисунок 12"/>
+          <p:cNvPicPr/>
+          <p:nvPr/>
+        </p:nvPicPr>
+        <p:blipFill>
+          <a:blip r:embed="rId7"/>
+          <a:stretch/>
+        </p:blipFill>
+        <p:spPr>
+          <a:xfrm>
+            <a:off x="6243762" y="2468442"/>
+            <a:ext cx="2733120" cy="2733120"/>
+          </a:xfrm>
+          <a:prstGeom prst="rect">
+            <a:avLst/>
+          </a:prstGeom>
+          <a:ln>
+            <a:noFill/>
+          </a:ln>
+        </p:spPr>
+      </p:pic>
+      <p:sp>
+        <p:nvSpPr>
+          <p:cNvPr id="14" name="CustomShape 5"/>
           <p:cNvSpPr/>
           <p:nvPr/>
         </p:nvSpPr>
         <p:spPr>
           <a:xfrm>
-            <a:off x="6048000" y="4464000"/>
-            <a:ext cx="3093120" cy="1111320"/>
+            <a:off x="5994620" y="5754130"/>
+            <a:ext cx="3093120" cy="743232"/>
           </a:xfrm>
           <a:prstGeom prst="rect">
             <a:avLst/>
@@ -5793,26 +7074,33 @@
           </a:ln>
         </p:spPr>
         <p:style>
-          <a:lnRef idx="0"/>
-          <a:fillRef idx="0"/>
-          <a:effectRef idx="0"/>
+          <a:lnRef idx="0">
+            <a:scrgbClr r="0" g="0" b="0"/>
+          </a:lnRef>
+          <a:fillRef idx="0">
+            <a:scrgbClr r="0" g="0" b="0"/>
+          </a:fillRef>
+          <a:effectRef idx="0">
+            <a:scrgbClr r="0" g="0" b="0"/>
+          </a:effectRef>
           <a:fontRef idx="minor"/>
         </p:style>
         <p:txBody>
-          <a:bodyPr lIns="90000" rIns="90000" tIns="45000" bIns="45000">
+          <a:bodyPr lIns="90000" tIns="45000" rIns="90000" bIns="45000">
             <a:noAutofit/>
           </a:bodyPr>
+          <a:lstStyle/>
           <a:p>
             <a:pPr algn="ctr">
               <a:lnSpc>
                 <a:spcPct val="100000"/>
               </a:lnSpc>
               <a:tabLst>
-                <a:tab algn="l" pos="408240"/>
+                <a:tab pos="408240" algn="l"/>
               </a:tabLst>
             </a:pPr>
             <a:r>
-              <a:rPr b="0" lang="ru-RU" sz="1800" spc="-1" strike="noStrike">
+              <a:rPr lang="ru-RU" sz="1800" b="0" strike="noStrike" spc="-1" dirty="0">
                 <a:solidFill>
                   <a:srgbClr val="000000"/>
                 </a:solidFill>
@@ -5821,7 +7109,7 @@
               </a:rPr>
               <a:t>Микрофонная решетка для объёмной записи звука</a:t>
             </a:r>
-            <a:endParaRPr b="0" lang="ru-RU" sz="1800" spc="-1" strike="noStrike">
+            <a:endParaRPr lang="ru-RU" sz="1800" b="0" strike="noStrike" spc="-1" dirty="0">
               <a:latin typeface="Arial"/>
             </a:endParaRPr>
           </a:p>
@@ -5829,19 +7117,29 @@
       </p:sp>
     </p:spTree>
   </p:cSld>
-  <mc:AlternateContent>
+  <p:clrMapOvr>
+    <a:masterClrMapping/>
+  </p:clrMapOvr>
+  <mc:AlternateContent xmlns:mc="http://schemas.openxmlformats.org/markup-compatibility/2006" xmlns:p14="http://schemas.microsoft.com/office/powerpoint/2010/main">
     <mc:Choice Requires="p14">
       <p:transition spd="slow" p14:dur="2000"/>
     </mc:Choice>
-    <mc:Fallback>
+    <mc:Fallback xmlns:p15="http://schemas.microsoft.com/office/powerpoint/2012/main" xmlns="">
       <p:transition spd="slow"/>
     </mc:Fallback>
   </mc:AlternateContent>
+  <p:timing>
+    <p:tnLst>
+      <p:par>
+        <p:cTn id="1" dur="indefinite" restart="never" nodeType="tmRoot"/>
+      </p:par>
+    </p:tnLst>
+  </p:timing>
 </p:sld>
 </file>
 
 <file path=ppt/slides/slide4.xml><?xml version="1.0" encoding="utf-8"?>
-<p:sld xmlns:a="http://schemas.openxmlformats.org/drawingml/2006/main" xmlns:p="http://schemas.openxmlformats.org/presentationml/2006/main" xmlns:r="http://schemas.openxmlformats.org/officeDocument/2006/relationships" xmlns:p14="http://schemas.microsoft.com/office/powerpoint/2010/main" xmlns:p15="http://schemas.microsoft.com/office/powerpoint/2012/main" xmlns:mc="http://schemas.openxmlformats.org/markup-compatibility/2006">
+<p:sld xmlns:a="http://schemas.openxmlformats.org/drawingml/2006/main" xmlns:r="http://schemas.openxmlformats.org/officeDocument/2006/relationships" xmlns:p="http://schemas.openxmlformats.org/presentationml/2006/main">
   <p:cSld>
     <p:spTree>
       <p:nvGrpSpPr>
@@ -5877,15 +7175,22 @@
           </a:ln>
         </p:spPr>
         <p:style>
-          <a:lnRef idx="0"/>
-          <a:fillRef idx="0"/>
-          <a:effectRef idx="0"/>
+          <a:lnRef idx="0">
+            <a:scrgbClr r="0" g="0" b="0"/>
+          </a:lnRef>
+          <a:fillRef idx="0">
+            <a:scrgbClr r="0" g="0" b="0"/>
+          </a:fillRef>
+          <a:effectRef idx="0">
+            <a:scrgbClr r="0" g="0" b="0"/>
+          </a:effectRef>
           <a:fontRef idx="minor"/>
         </p:style>
         <p:txBody>
-          <a:bodyPr lIns="90000" rIns="90000" tIns="45000" bIns="45000" anchor="ctr">
+          <a:bodyPr lIns="90000" tIns="45000" rIns="90000" bIns="45000" anchor="ctr">
             <a:noAutofit/>
           </a:bodyPr>
+          <a:lstStyle/>
           <a:p>
             <a:pPr algn="ctr">
               <a:lnSpc>
@@ -5893,7 +7198,7 @@
               </a:lnSpc>
             </a:pPr>
             <a:r>
-              <a:rPr b="0" lang="ru-RU" sz="4400" spc="-1" strike="noStrike">
+              <a:rPr lang="ru-RU" sz="4400" b="0" strike="noStrike" spc="-1" dirty="0">
                 <a:solidFill>
                   <a:srgbClr val="000000"/>
                 </a:solidFill>
@@ -5902,7 +7207,7 @@
               </a:rPr>
               <a:t>Формирователи луча</a:t>
             </a:r>
-            <a:endParaRPr b="0" lang="ru-RU" sz="4400" spc="-1" strike="noStrike">
+            <a:endParaRPr lang="ru-RU" sz="4400" b="0" strike="noStrike" spc="-1" dirty="0">
               <a:latin typeface="Arial"/>
             </a:endParaRPr>
           </a:p>
@@ -5928,9 +7233,15 @@
           </a:ln>
         </p:spPr>
         <p:style>
-          <a:lnRef idx="0"/>
-          <a:fillRef idx="0"/>
-          <a:effectRef idx="0"/>
+          <a:lnRef idx="0">
+            <a:scrgbClr r="0" g="0" b="0"/>
+          </a:lnRef>
+          <a:fillRef idx="0">
+            <a:scrgbClr r="0" g="0" b="0"/>
+          </a:fillRef>
+          <a:effectRef idx="0">
+            <a:scrgbClr r="0" g="0" b="0"/>
+          </a:effectRef>
           <a:fontRef idx="minor"/>
         </p:style>
       </p:sp>
@@ -5942,7 +7253,7 @@
         </p:nvSpPr>
         <p:spPr>
           <a:xfrm>
-            <a:off x="360000" y="4968000"/>
+            <a:off x="381420" y="1997072"/>
             <a:ext cx="3885480" cy="343800"/>
           </a:xfrm>
           <a:prstGeom prst="rect">
@@ -5954,15 +7265,22 @@
           </a:ln>
         </p:spPr>
         <p:style>
-          <a:lnRef idx="0"/>
-          <a:fillRef idx="0"/>
-          <a:effectRef idx="0"/>
+          <a:lnRef idx="0">
+            <a:scrgbClr r="0" g="0" b="0"/>
+          </a:lnRef>
+          <a:fillRef idx="0">
+            <a:scrgbClr r="0" g="0" b="0"/>
+          </a:fillRef>
+          <a:effectRef idx="0">
+            <a:scrgbClr r="0" g="0" b="0"/>
+          </a:effectRef>
           <a:fontRef idx="minor"/>
         </p:style>
         <p:txBody>
-          <a:bodyPr lIns="90000" rIns="90000" tIns="45000" bIns="45000">
+          <a:bodyPr lIns="90000" tIns="45000" rIns="90000" bIns="45000">
             <a:noAutofit/>
           </a:bodyPr>
+          <a:lstStyle/>
           <a:p>
             <a:pPr>
               <a:lnSpc>
@@ -5970,7 +7288,7 @@
               </a:lnSpc>
             </a:pPr>
             <a:r>
-              <a:rPr b="0" lang="ru-RU" sz="1800" spc="-1" strike="noStrike">
+              <a:rPr lang="ru-RU" sz="1800" b="0" strike="noStrike" spc="-1" dirty="0">
                 <a:solidFill>
                   <a:srgbClr val="000000"/>
                 </a:solidFill>
@@ -5979,7 +7297,7 @@
               </a:rPr>
               <a:t>Частотный формирователь луча</a:t>
             </a:r>
-            <a:endParaRPr b="0" lang="ru-RU" sz="1800" spc="-1" strike="noStrike">
+            <a:endParaRPr lang="ru-RU" sz="1800" b="0" strike="noStrike" spc="-1" dirty="0">
               <a:latin typeface="Arial"/>
             </a:endParaRPr>
           </a:p>
@@ -5993,7 +7311,7 @@
         </p:nvSpPr>
         <p:spPr>
           <a:xfrm>
-            <a:off x="4608000" y="4968000"/>
+            <a:off x="4821120" y="1997072"/>
             <a:ext cx="4029480" cy="343800"/>
           </a:xfrm>
           <a:prstGeom prst="rect">
@@ -6005,15 +7323,22 @@
           </a:ln>
         </p:spPr>
         <p:style>
-          <a:lnRef idx="0"/>
-          <a:fillRef idx="0"/>
-          <a:effectRef idx="0"/>
+          <a:lnRef idx="0">
+            <a:scrgbClr r="0" g="0" b="0"/>
+          </a:lnRef>
+          <a:fillRef idx="0">
+            <a:scrgbClr r="0" g="0" b="0"/>
+          </a:fillRef>
+          <a:effectRef idx="0">
+            <a:scrgbClr r="0" g="0" b="0"/>
+          </a:effectRef>
           <a:fontRef idx="minor"/>
         </p:style>
         <p:txBody>
-          <a:bodyPr lIns="90000" rIns="90000" tIns="45000" bIns="45000">
+          <a:bodyPr lIns="90000" tIns="45000" rIns="90000" bIns="45000">
             <a:noAutofit/>
           </a:bodyPr>
+          <a:lstStyle/>
           <a:p>
             <a:pPr>
               <a:lnSpc>
@@ -6021,7 +7346,7 @@
               </a:lnSpc>
             </a:pPr>
             <a:r>
-              <a:rPr b="0" lang="ru-RU" sz="1800" spc="-1" strike="noStrike">
+              <a:rPr lang="ru-RU" sz="1800" b="0" strike="noStrike" spc="-1" dirty="0">
                 <a:solidFill>
                   <a:srgbClr val="000000"/>
                 </a:solidFill>
@@ -6030,7 +7355,7 @@
               </a:rPr>
               <a:t>Временной формирователь луча</a:t>
             </a:r>
-            <a:endParaRPr b="0" lang="ru-RU" sz="1800" spc="-1" strike="noStrike">
+            <a:endParaRPr lang="ru-RU" sz="1800" b="0" strike="noStrike" spc="-1" dirty="0">
               <a:latin typeface="Arial"/>
             </a:endParaRPr>
           </a:p>
@@ -6038,17 +7363,17 @@
       </p:sp>
       <p:pic>
         <p:nvPicPr>
-          <p:cNvPr id="99" name="" descr=""/>
+          <p:cNvPr id="99" name="Рисунок 98"/>
           <p:cNvPicPr/>
           <p:nvPr/>
         </p:nvPicPr>
         <p:blipFill>
-          <a:blip r:embed="rId1"/>
+          <a:blip r:embed="rId3"/>
           <a:stretch/>
         </p:blipFill>
         <p:spPr>
           <a:xfrm>
-            <a:off x="4607640" y="1805760"/>
+            <a:off x="4567680" y="2789160"/>
             <a:ext cx="4536360" cy="2800080"/>
           </a:xfrm>
           <a:prstGeom prst="rect">
@@ -6061,17 +7386,17 @@
       </p:pic>
       <p:pic>
         <p:nvPicPr>
-          <p:cNvPr id="100" name="" descr=""/>
+          <p:cNvPr id="100" name="Рисунок 99"/>
           <p:cNvPicPr/>
           <p:nvPr/>
         </p:nvPicPr>
         <p:blipFill>
-          <a:blip r:embed="rId2"/>
+          <a:blip r:embed="rId4"/>
           <a:stretch/>
         </p:blipFill>
         <p:spPr>
           <a:xfrm>
-            <a:off x="72000" y="1656000"/>
+            <a:off x="80640" y="2617752"/>
             <a:ext cx="4487040" cy="2891880"/>
           </a:xfrm>
           <a:prstGeom prst="rect">
@@ -6084,19 +7409,29 @@
       </p:pic>
     </p:spTree>
   </p:cSld>
-  <mc:AlternateContent>
+  <p:clrMapOvr>
+    <a:masterClrMapping/>
+  </p:clrMapOvr>
+  <mc:AlternateContent xmlns:mc="http://schemas.openxmlformats.org/markup-compatibility/2006" xmlns:p14="http://schemas.microsoft.com/office/powerpoint/2010/main">
     <mc:Choice Requires="p14">
       <p:transition spd="slow" p14:dur="2000"/>
     </mc:Choice>
-    <mc:Fallback>
+    <mc:Fallback xmlns:p15="http://schemas.microsoft.com/office/powerpoint/2012/main" xmlns="">
       <p:transition spd="slow"/>
     </mc:Fallback>
   </mc:AlternateContent>
+  <p:timing>
+    <p:tnLst>
+      <p:par>
+        <p:cTn id="1" dur="indefinite" restart="never" nodeType="tmRoot"/>
+      </p:par>
+    </p:tnLst>
+  </p:timing>
 </p:sld>
 </file>
 
 <file path=ppt/slides/slide5.xml><?xml version="1.0" encoding="utf-8"?>
-<p:sld xmlns:a="http://schemas.openxmlformats.org/drawingml/2006/main" xmlns:p="http://schemas.openxmlformats.org/presentationml/2006/main" xmlns:r="http://schemas.openxmlformats.org/officeDocument/2006/relationships" xmlns:p14="http://schemas.microsoft.com/office/powerpoint/2010/main" xmlns:p15="http://schemas.microsoft.com/office/powerpoint/2012/main" xmlns:mc="http://schemas.openxmlformats.org/markup-compatibility/2006">
+<p:sld xmlns:a="http://schemas.openxmlformats.org/drawingml/2006/main" xmlns:r="http://schemas.openxmlformats.org/officeDocument/2006/relationships" xmlns:p="http://schemas.openxmlformats.org/presentationml/2006/main">
   <p:cSld>
     <p:spTree>
       <p:nvGrpSpPr>
@@ -6132,15 +7467,22 @@
           </a:ln>
         </p:spPr>
         <p:style>
-          <a:lnRef idx="0"/>
-          <a:fillRef idx="0"/>
-          <a:effectRef idx="0"/>
+          <a:lnRef idx="0">
+            <a:scrgbClr r="0" g="0" b="0"/>
+          </a:lnRef>
+          <a:fillRef idx="0">
+            <a:scrgbClr r="0" g="0" b="0"/>
+          </a:fillRef>
+          <a:effectRef idx="0">
+            <a:scrgbClr r="0" g="0" b="0"/>
+          </a:effectRef>
           <a:fontRef idx="minor"/>
         </p:style>
         <p:txBody>
-          <a:bodyPr lIns="90000" rIns="90000" tIns="45000" bIns="45000" anchor="ctr">
+          <a:bodyPr lIns="90000" tIns="45000" rIns="90000" bIns="45000" anchor="ctr">
             <a:noAutofit/>
           </a:bodyPr>
+          <a:lstStyle/>
           <a:p>
             <a:pPr algn="ctr">
               <a:lnSpc>
@@ -6148,7 +7490,7 @@
               </a:lnSpc>
             </a:pPr>
             <a:r>
-              <a:rPr b="0" lang="ru-RU" sz="4400" spc="-1" strike="noStrike">
+              <a:rPr lang="ru-RU" sz="4400" b="0" strike="noStrike" spc="-1">
                 <a:solidFill>
                   <a:srgbClr val="000000"/>
                 </a:solidFill>
@@ -6157,7 +7499,7 @@
               </a:rPr>
               <a:t>Пространственная фильтрация</a:t>
             </a:r>
-            <a:endParaRPr b="0" lang="ru-RU" sz="4400" spc="-1" strike="noStrike">
+            <a:endParaRPr lang="ru-RU" sz="4400" b="0" strike="noStrike" spc="-1">
               <a:latin typeface="Arial"/>
             </a:endParaRPr>
           </a:p>
@@ -6183,50 +7525,333 @@
           </a:ln>
         </p:spPr>
         <p:style>
-          <a:lnRef idx="0"/>
-          <a:fillRef idx="0"/>
-          <a:effectRef idx="0"/>
+          <a:lnRef idx="0">
+            <a:scrgbClr r="0" g="0" b="0"/>
+          </a:lnRef>
+          <a:fillRef idx="0">
+            <a:scrgbClr r="0" g="0" b="0"/>
+          </a:fillRef>
+          <a:effectRef idx="0">
+            <a:scrgbClr r="0" g="0" b="0"/>
+          </a:effectRef>
           <a:fontRef idx="minor"/>
         </p:style>
       </p:sp>
-      <p:pic>
-        <p:nvPicPr>
-          <p:cNvPr id="103" name="" descr=""/>
-          <p:cNvPicPr/>
+      <p:grpSp>
+        <p:nvGrpSpPr>
+          <p:cNvPr id="7" name="Группа 6"/>
+          <p:cNvGrpSpPr/>
           <p:nvPr/>
-        </p:nvPicPr>
-        <p:blipFill>
-          <a:blip r:embed="rId1"/>
-          <a:stretch/>
-        </p:blipFill>
-        <p:spPr>
-          <a:xfrm>
-            <a:off x="308520" y="1926720"/>
-            <a:ext cx="8475120" cy="3760920"/>
-          </a:xfrm>
-          <a:prstGeom prst="rect">
-            <a:avLst/>
-          </a:prstGeom>
-          <a:ln>
+        </p:nvGrpSpPr>
+        <p:grpSpPr>
+          <a:xfrm>
+            <a:off x="323528" y="1844824"/>
+            <a:ext cx="8589941" cy="3484984"/>
+            <a:chOff x="323528" y="1844824"/>
+            <a:chExt cx="8589941" cy="3484984"/>
+          </a:xfrm>
+        </p:grpSpPr>
+        <p:pic>
+          <p:nvPicPr>
+            <p:cNvPr id="2" name="Рисунок 1"/>
+            <p:cNvPicPr>
+              <a:picLocks noChangeAspect="1"/>
+            </p:cNvPicPr>
+            <p:nvPr/>
+          </p:nvPicPr>
+          <p:blipFill>
+            <a:blip r:embed="rId3">
+              <a:extLst>
+                <a:ext uri="{28A0092B-C50C-407E-A947-70E740481C1C}">
+                  <a14:useLocalDpi xmlns:a14="http://schemas.microsoft.com/office/drawing/2010/main" val="0"/>
+                </a:ext>
+              </a:extLst>
+            </a:blip>
+            <a:stretch>
+              <a:fillRect/>
+            </a:stretch>
+          </p:blipFill>
+          <p:spPr>
+            <a:xfrm>
+              <a:off x="323528" y="1844824"/>
+              <a:ext cx="8589941" cy="3484984"/>
+            </a:xfrm>
+            <a:prstGeom prst="rect">
+              <a:avLst/>
+            </a:prstGeom>
+          </p:spPr>
+        </p:pic>
+        <p:sp>
+          <p:nvSpPr>
+            <p:cNvPr id="3" name="TextBox 2"/>
+            <p:cNvSpPr txBox="1"/>
+            <p:nvPr/>
+          </p:nvSpPr>
+          <p:spPr>
+            <a:xfrm>
+              <a:off x="6804248" y="3284984"/>
+              <a:ext cx="504056" cy="369332"/>
+            </a:xfrm>
+            <a:prstGeom prst="rect">
+              <a:avLst/>
+            </a:prstGeom>
             <a:noFill/>
-          </a:ln>
-        </p:spPr>
-      </p:pic>
+          </p:spPr>
+          <p:txBody>
+            <a:bodyPr wrap="square" rtlCol="0">
+              <a:spAutoFit/>
+            </a:bodyPr>
+            <a:lstStyle/>
+            <a:p>
+              <a:endParaRPr lang="ru-RU" dirty="0"/>
+            </a:p>
+          </p:txBody>
+        </p:sp>
+        <p:sp>
+          <p:nvSpPr>
+            <p:cNvPr id="4" name="Прямоугольник 3"/>
+            <p:cNvSpPr/>
+            <p:nvPr/>
+          </p:nvSpPr>
+          <p:spPr>
+            <a:xfrm>
+              <a:off x="6876256" y="3284984"/>
+              <a:ext cx="432048" cy="400690"/>
+            </a:xfrm>
+            <a:prstGeom prst="rect">
+              <a:avLst/>
+            </a:prstGeom>
+            <a:ln>
+              <a:solidFill>
+                <a:schemeClr val="bg1"/>
+              </a:solidFill>
+            </a:ln>
+          </p:spPr>
+          <p:style>
+            <a:lnRef idx="2">
+              <a:schemeClr val="dk1"/>
+            </a:lnRef>
+            <a:fillRef idx="1">
+              <a:schemeClr val="lt1"/>
+            </a:fillRef>
+            <a:effectRef idx="0">
+              <a:schemeClr val="dk1"/>
+            </a:effectRef>
+            <a:fontRef idx="minor">
+              <a:schemeClr val="dk1"/>
+            </a:fontRef>
+          </p:style>
+          <p:txBody>
+            <a:bodyPr rtlCol="0" anchor="ctr"/>
+            <a:lstStyle/>
+            <a:p>
+              <a:pPr algn="ctr"/>
+              <a:endParaRPr lang="ru-RU"/>
+            </a:p>
+          </p:txBody>
+        </p:sp>
+        <p:sp>
+          <p:nvSpPr>
+            <p:cNvPr id="5" name="TextBox 4"/>
+            <p:cNvSpPr txBox="1"/>
+            <p:nvPr/>
+          </p:nvSpPr>
+          <p:spPr>
+            <a:xfrm>
+              <a:off x="6840252" y="3316342"/>
+              <a:ext cx="504056" cy="369332"/>
+            </a:xfrm>
+            <a:prstGeom prst="rect">
+              <a:avLst/>
+            </a:prstGeom>
+            <a:noFill/>
+          </p:spPr>
+          <p:txBody>
+            <a:bodyPr wrap="square" rtlCol="0">
+              <a:spAutoFit/>
+            </a:bodyPr>
+            <a:lstStyle/>
+            <a:p>
+              <a:r>
+                <a:rPr lang="ru-RU" dirty="0" smtClean="0"/>
+                <a:t>ФЛ</a:t>
+              </a:r>
+              <a:endParaRPr lang="ru-RU" dirty="0"/>
+            </a:p>
+          </p:txBody>
+        </p:sp>
+        <p:sp>
+          <p:nvSpPr>
+            <p:cNvPr id="9" name="Прямоугольник 8"/>
+            <p:cNvSpPr/>
+            <p:nvPr/>
+          </p:nvSpPr>
+          <p:spPr>
+            <a:xfrm>
+              <a:off x="3754195" y="2605554"/>
+              <a:ext cx="493769" cy="400690"/>
+            </a:xfrm>
+            <a:prstGeom prst="rect">
+              <a:avLst/>
+            </a:prstGeom>
+            <a:ln>
+              <a:solidFill>
+                <a:schemeClr val="bg1"/>
+              </a:solidFill>
+            </a:ln>
+          </p:spPr>
+          <p:style>
+            <a:lnRef idx="2">
+              <a:schemeClr val="dk1"/>
+            </a:lnRef>
+            <a:fillRef idx="1">
+              <a:schemeClr val="lt1"/>
+            </a:fillRef>
+            <a:effectRef idx="0">
+              <a:schemeClr val="dk1"/>
+            </a:effectRef>
+            <a:fontRef idx="minor">
+              <a:schemeClr val="dk1"/>
+            </a:fontRef>
+          </p:style>
+          <p:txBody>
+            <a:bodyPr rtlCol="0" anchor="ctr"/>
+            <a:lstStyle/>
+            <a:p>
+              <a:pPr algn="ctr"/>
+              <a:endParaRPr lang="ru-RU"/>
+            </a:p>
+          </p:txBody>
+        </p:sp>
+        <p:sp>
+          <p:nvSpPr>
+            <p:cNvPr id="10" name="TextBox 9"/>
+            <p:cNvSpPr txBox="1"/>
+            <p:nvPr/>
+          </p:nvSpPr>
+          <p:spPr>
+            <a:xfrm>
+              <a:off x="3701244" y="2636912"/>
+              <a:ext cx="720080" cy="369332"/>
+            </a:xfrm>
+            <a:prstGeom prst="rect">
+              <a:avLst/>
+            </a:prstGeom>
+            <a:noFill/>
+          </p:spPr>
+          <p:txBody>
+            <a:bodyPr wrap="square" rtlCol="0">
+              <a:spAutoFit/>
+            </a:bodyPr>
+            <a:lstStyle/>
+            <a:p>
+              <a:r>
+                <a:rPr lang="ru-RU" dirty="0" smtClean="0"/>
+                <a:t>МК1</a:t>
+              </a:r>
+              <a:endParaRPr lang="ru-RU" dirty="0"/>
+            </a:p>
+          </p:txBody>
+        </p:sp>
+        <p:sp>
+          <p:nvSpPr>
+            <p:cNvPr id="13" name="Прямоугольник 12"/>
+            <p:cNvSpPr/>
+            <p:nvPr/>
+          </p:nvSpPr>
+          <p:spPr>
+            <a:xfrm>
+              <a:off x="3747535" y="4077072"/>
+              <a:ext cx="493769" cy="400690"/>
+            </a:xfrm>
+            <a:prstGeom prst="rect">
+              <a:avLst/>
+            </a:prstGeom>
+            <a:ln>
+              <a:solidFill>
+                <a:schemeClr val="bg1"/>
+              </a:solidFill>
+            </a:ln>
+          </p:spPr>
+          <p:style>
+            <a:lnRef idx="2">
+              <a:schemeClr val="dk1"/>
+            </a:lnRef>
+            <a:fillRef idx="1">
+              <a:schemeClr val="lt1"/>
+            </a:fillRef>
+            <a:effectRef idx="0">
+              <a:schemeClr val="dk1"/>
+            </a:effectRef>
+            <a:fontRef idx="minor">
+              <a:schemeClr val="dk1"/>
+            </a:fontRef>
+          </p:style>
+          <p:txBody>
+            <a:bodyPr rtlCol="0" anchor="ctr"/>
+            <a:lstStyle/>
+            <a:p>
+              <a:pPr algn="ctr"/>
+              <a:endParaRPr lang="ru-RU"/>
+            </a:p>
+          </p:txBody>
+        </p:sp>
+        <p:sp>
+          <p:nvSpPr>
+            <p:cNvPr id="14" name="TextBox 13"/>
+            <p:cNvSpPr txBox="1"/>
+            <p:nvPr/>
+          </p:nvSpPr>
+          <p:spPr>
+            <a:xfrm>
+              <a:off x="3701244" y="4077072"/>
+              <a:ext cx="654732" cy="369332"/>
+            </a:xfrm>
+            <a:prstGeom prst="rect">
+              <a:avLst/>
+            </a:prstGeom>
+            <a:noFill/>
+          </p:spPr>
+          <p:txBody>
+            <a:bodyPr wrap="square" rtlCol="0">
+              <a:spAutoFit/>
+            </a:bodyPr>
+            <a:lstStyle/>
+            <a:p>
+              <a:r>
+                <a:rPr lang="ru-RU" dirty="0" smtClean="0"/>
+                <a:t>МК2</a:t>
+              </a:r>
+              <a:endParaRPr lang="ru-RU" dirty="0"/>
+            </a:p>
+          </p:txBody>
+        </p:sp>
+      </p:grpSp>
     </p:spTree>
   </p:cSld>
-  <mc:AlternateContent>
+  <p:clrMapOvr>
+    <a:masterClrMapping/>
+  </p:clrMapOvr>
+  <mc:AlternateContent xmlns:mc="http://schemas.openxmlformats.org/markup-compatibility/2006" xmlns:p14="http://schemas.microsoft.com/office/powerpoint/2010/main">
     <mc:Choice Requires="p14">
       <p:transition spd="slow" p14:dur="2000"/>
     </mc:Choice>
-    <mc:Fallback>
+    <mc:Fallback xmlns:p15="http://schemas.microsoft.com/office/powerpoint/2012/main" xmlns="">
       <p:transition spd="slow"/>
     </mc:Fallback>
   </mc:AlternateContent>
+  <p:timing>
+    <p:tnLst>
+      <p:par>
+        <p:cTn id="1" dur="indefinite" restart="never" nodeType="tmRoot"/>
+      </p:par>
+    </p:tnLst>
+  </p:timing>
 </p:sld>
 </file>
 
 <file path=ppt/slides/slide6.xml><?xml version="1.0" encoding="utf-8"?>
-<p:sld xmlns:a="http://schemas.openxmlformats.org/drawingml/2006/main" xmlns:p="http://schemas.openxmlformats.org/presentationml/2006/main" xmlns:r="http://schemas.openxmlformats.org/officeDocument/2006/relationships" xmlns:p14="http://schemas.microsoft.com/office/powerpoint/2010/main" xmlns:p15="http://schemas.microsoft.com/office/powerpoint/2012/main" xmlns:mc="http://schemas.openxmlformats.org/markup-compatibility/2006">
+<p:sld xmlns:a="http://schemas.openxmlformats.org/drawingml/2006/main" xmlns:r="http://schemas.openxmlformats.org/officeDocument/2006/relationships" xmlns:p="http://schemas.openxmlformats.org/presentationml/2006/main">
   <p:cSld>
     <p:spTree>
       <p:nvGrpSpPr>
@@ -6262,15 +7887,22 @@
           </a:ln>
         </p:spPr>
         <p:style>
-          <a:lnRef idx="0"/>
-          <a:fillRef idx="0"/>
-          <a:effectRef idx="0"/>
+          <a:lnRef idx="0">
+            <a:scrgbClr r="0" g="0" b="0"/>
+          </a:lnRef>
+          <a:fillRef idx="0">
+            <a:scrgbClr r="0" g="0" b="0"/>
+          </a:fillRef>
+          <a:effectRef idx="0">
+            <a:scrgbClr r="0" g="0" b="0"/>
+          </a:effectRef>
           <a:fontRef idx="minor"/>
         </p:style>
         <p:txBody>
-          <a:bodyPr lIns="90000" rIns="90000" tIns="45000" bIns="45000" anchor="ctr">
+          <a:bodyPr lIns="90000" tIns="45000" rIns="90000" bIns="45000" anchor="ctr">
             <a:noAutofit/>
           </a:bodyPr>
+          <a:lstStyle/>
           <a:p>
             <a:pPr algn="ctr">
               <a:lnSpc>
@@ -6278,7 +7910,7 @@
               </a:lnSpc>
             </a:pPr>
             <a:r>
-              <a:rPr b="0" lang="ru-RU" sz="4400" spc="-1" strike="noStrike">
+              <a:rPr lang="ru-RU" sz="4400" b="0" strike="noStrike" spc="-1">
                 <a:solidFill>
                   <a:srgbClr val="000000"/>
                 </a:solidFill>
@@ -6287,69 +7919,48 @@
               </a:rPr>
               <a:t>Подходы пространственной фильтрации</a:t>
             </a:r>
-            <a:endParaRPr b="0" lang="ru-RU" sz="4400" spc="-1" strike="noStrike">
-              <a:latin typeface="Arial"/>
-            </a:endParaRPr>
-          </a:p>
-        </p:txBody>
-      </p:sp>
-      <p:pic>
-        <p:nvPicPr>
-          <p:cNvPr id="105" name="" descr=""/>
-          <p:cNvPicPr/>
+            <a:endParaRPr lang="ru-RU" sz="4400" b="0" strike="noStrike" spc="-1">
+              <a:latin typeface="Arial"/>
+            </a:endParaRPr>
+          </a:p>
+        </p:txBody>
+      </p:sp>
+      <p:sp>
+        <p:nvSpPr>
+          <p:cNvPr id="107" name="CustomShape 3"/>
+          <p:cNvSpPr/>
           <p:nvPr/>
-        </p:nvPicPr>
-        <p:blipFill>
-          <a:blip r:embed="rId1"/>
-          <a:stretch/>
-        </p:blipFill>
-        <p:spPr>
-          <a:xfrm>
-            <a:off x="4533480" y="1800000"/>
-            <a:ext cx="4536360" cy="2800080"/>
-          </a:xfrm>
-          <a:prstGeom prst="rect">
-            <a:avLst/>
-          </a:prstGeom>
+        </p:nvSpPr>
+        <p:spPr>
+          <a:xfrm>
+            <a:off x="470128" y="1676752"/>
+            <a:ext cx="3813840" cy="600120"/>
+          </a:xfrm>
+          <a:prstGeom prst="rect">
+            <a:avLst/>
+          </a:prstGeom>
+          <a:noFill/>
           <a:ln>
             <a:noFill/>
           </a:ln>
         </p:spPr>
-      </p:pic>
-      <p:sp>
-        <p:nvSpPr>
-          <p:cNvPr id="106" name="CustomShape 2"/>
-          <p:cNvSpPr/>
-          <p:nvPr/>
-        </p:nvSpPr>
-        <p:spPr>
-          <a:xfrm>
-            <a:off x="72000" y="1872000"/>
-            <a:ext cx="4459320" cy="2445840"/>
-          </a:xfrm>
-          <a:prstGeom prst="rect">
-            <a:avLst/>
-          </a:prstGeom>
-          <a:blipFill rotWithShape="0">
-            <a:blip r:embed="rId2"/>
-            <a:stretch>
-              <a:fillRect/>
-            </a:stretch>
-          </a:blipFill>
-          <a:ln>
-            <a:noFill/>
-          </a:ln>
-        </p:spPr>
         <p:style>
-          <a:lnRef idx="0"/>
-          <a:fillRef idx="0"/>
-          <a:effectRef idx="0"/>
+          <a:lnRef idx="0">
+            <a:scrgbClr r="0" g="0" b="0"/>
+          </a:lnRef>
+          <a:fillRef idx="0">
+            <a:scrgbClr r="0" g="0" b="0"/>
+          </a:fillRef>
+          <a:effectRef idx="0">
+            <a:scrgbClr r="0" g="0" b="0"/>
+          </a:effectRef>
           <a:fontRef idx="minor"/>
         </p:style>
         <p:txBody>
-          <a:bodyPr lIns="90000" rIns="90000" tIns="45000" bIns="45000" anchor="ctr" anchorCtr="1">
+          <a:bodyPr lIns="90000" tIns="45000" rIns="90000" bIns="45000">
             <a:noAutofit/>
           </a:bodyPr>
+          <a:lstStyle/>
           <a:p>
             <a:pPr algn="ctr">
               <a:lnSpc>
@@ -6357,30 +7968,29 @@
               </a:lnSpc>
             </a:pPr>
             <a:r>
-              <a:rPr b="0" lang="ru-RU" sz="1800" spc="-1" strike="noStrike">
+              <a:rPr lang="en-US" spc="-1" dirty="0" smtClean="0">
                 <a:solidFill>
                   <a:srgbClr val="000000"/>
                 </a:solidFill>
                 <a:latin typeface="Arial"/>
-                <a:ea typeface="DejaVu Sans"/>
-              </a:rPr>
-              <a:t> </a:t>
-            </a:r>
-            <a:endParaRPr b="0" lang="ru-RU" sz="1800" spc="-1" strike="noStrike">
-              <a:latin typeface="Arial"/>
-            </a:endParaRPr>
-          </a:p>
-        </p:txBody>
-      </p:sp>
-      <p:sp>
-        <p:nvSpPr>
-          <p:cNvPr id="107" name="CustomShape 3"/>
+              </a:rPr>
+              <a:t>Data-independent</a:t>
+            </a:r>
+            <a:endParaRPr lang="ru-RU" sz="1800" b="0" strike="noStrike" spc="-1" dirty="0">
+              <a:latin typeface="Arial"/>
+            </a:endParaRPr>
+          </a:p>
+        </p:txBody>
+      </p:sp>
+      <p:sp>
+        <p:nvSpPr>
+          <p:cNvPr id="7" name="CustomShape 3"/>
           <p:cNvSpPr/>
           <p:nvPr/>
         </p:nvSpPr>
         <p:spPr>
           <a:xfrm>
-            <a:off x="144000" y="4464000"/>
+            <a:off x="4572000" y="1686069"/>
             <a:ext cx="3813840" cy="600120"/>
           </a:xfrm>
           <a:prstGeom prst="rect">
@@ -6392,15 +8002,22 @@
           </a:ln>
         </p:spPr>
         <p:style>
-          <a:lnRef idx="0"/>
-          <a:fillRef idx="0"/>
-          <a:effectRef idx="0"/>
+          <a:lnRef idx="0">
+            <a:scrgbClr r="0" g="0" b="0"/>
+          </a:lnRef>
+          <a:fillRef idx="0">
+            <a:scrgbClr r="0" g="0" b="0"/>
+          </a:fillRef>
+          <a:effectRef idx="0">
+            <a:scrgbClr r="0" g="0" b="0"/>
+          </a:effectRef>
           <a:fontRef idx="minor"/>
         </p:style>
         <p:txBody>
-          <a:bodyPr lIns="90000" rIns="90000" tIns="45000" bIns="45000">
+          <a:bodyPr lIns="90000" tIns="45000" rIns="90000" bIns="45000">
             <a:noAutofit/>
           </a:bodyPr>
+          <a:lstStyle/>
           <a:p>
             <a:pPr algn="ctr">
               <a:lnSpc>
@@ -6408,87 +8025,114 @@
               </a:lnSpc>
             </a:pPr>
             <a:r>
-              <a:rPr b="0" lang="ru-RU" sz="1800" spc="-1" strike="noStrike">
+              <a:rPr lang="en-US" spc="-1" dirty="0" err="1" smtClean="0">
                 <a:solidFill>
                   <a:srgbClr val="000000"/>
                 </a:solidFill>
                 <a:latin typeface="Arial"/>
-                <a:ea typeface="DejaVu Sans"/>
-              </a:rPr>
-              <a:t>Фиксированные формирователи луча</a:t>
-            </a:r>
-            <a:endParaRPr b="0" lang="ru-RU" sz="1800" spc="-1" strike="noStrike">
-              <a:latin typeface="Arial"/>
-            </a:endParaRPr>
-          </a:p>
-        </p:txBody>
-      </p:sp>
-      <p:sp>
-        <p:nvSpPr>
-          <p:cNvPr id="108" name="CustomShape 4"/>
-          <p:cNvSpPr/>
-          <p:nvPr/>
-        </p:nvSpPr>
-        <p:spPr>
-          <a:xfrm>
-            <a:off x="4680000" y="4536000"/>
-            <a:ext cx="3885840" cy="344160"/>
-          </a:xfrm>
-          <a:prstGeom prst="rect">
-            <a:avLst/>
-          </a:prstGeom>
-          <a:noFill/>
-          <a:ln>
-            <a:noFill/>
-          </a:ln>
-        </p:spPr>
-        <p:style>
-          <a:lnRef idx="0"/>
-          <a:fillRef idx="0"/>
-          <a:effectRef idx="0"/>
-          <a:fontRef idx="minor"/>
-        </p:style>
-        <p:txBody>
-          <a:bodyPr lIns="90000" rIns="90000" tIns="45000" bIns="45000">
-            <a:noAutofit/>
-          </a:bodyPr>
-          <a:p>
-            <a:pPr>
-              <a:lnSpc>
-                <a:spcPct val="100000"/>
-              </a:lnSpc>
-            </a:pPr>
-            <a:r>
-              <a:rPr b="0" lang="ru-RU" sz="1800" spc="-1" strike="noStrike">
+              </a:rPr>
+              <a:t>Stastically</a:t>
+            </a:r>
+            <a:r>
+              <a:rPr lang="en-US" spc="-1" dirty="0" smtClean="0">
                 <a:solidFill>
                   <a:srgbClr val="000000"/>
                 </a:solidFill>
                 <a:latin typeface="Arial"/>
-                <a:ea typeface="DejaVu Sans"/>
-              </a:rPr>
-              <a:t>Адаптивные формирователи луча</a:t>
-            </a:r>
-            <a:endParaRPr b="0" lang="ru-RU" sz="1800" spc="-1" strike="noStrike">
-              <a:latin typeface="Arial"/>
-            </a:endParaRPr>
-          </a:p>
-        </p:txBody>
-      </p:sp>
+              </a:rPr>
+              <a:t>-optimum</a:t>
+            </a:r>
+            <a:endParaRPr lang="ru-RU" sz="1800" b="0" strike="noStrike" spc="-1" dirty="0">
+              <a:latin typeface="Arial"/>
+            </a:endParaRPr>
+          </a:p>
+        </p:txBody>
+      </p:sp>
+      <p:pic>
+        <p:nvPicPr>
+          <p:cNvPr id="2" name="Рисунок 1"/>
+          <p:cNvPicPr>
+            <a:picLocks noChangeAspect="1"/>
+          </p:cNvPicPr>
+          <p:nvPr/>
+        </p:nvPicPr>
+        <p:blipFill>
+          <a:blip r:embed="rId3">
+            <a:extLst>
+              <a:ext uri="{28A0092B-C50C-407E-A947-70E740481C1C}">
+                <a14:useLocalDpi xmlns:a14="http://schemas.microsoft.com/office/drawing/2010/main" val="0"/>
+              </a:ext>
+            </a:extLst>
+          </a:blip>
+          <a:stretch>
+            <a:fillRect/>
+          </a:stretch>
+        </p:blipFill>
+        <p:spPr>
+          <a:xfrm>
+            <a:off x="827584" y="2324877"/>
+            <a:ext cx="3888432" cy="2592287"/>
+          </a:xfrm>
+          <a:prstGeom prst="rect">
+            <a:avLst/>
+          </a:prstGeom>
+        </p:spPr>
+      </p:pic>
+      <p:pic>
+        <p:nvPicPr>
+          <p:cNvPr id="3" name="Рисунок 2"/>
+          <p:cNvPicPr>
+            <a:picLocks noChangeAspect="1"/>
+          </p:cNvPicPr>
+          <p:nvPr/>
+        </p:nvPicPr>
+        <p:blipFill>
+          <a:blip r:embed="rId4">
+            <a:extLst>
+              <a:ext uri="{28A0092B-C50C-407E-A947-70E740481C1C}">
+                <a14:useLocalDpi xmlns:a14="http://schemas.microsoft.com/office/drawing/2010/main" val="0"/>
+              </a:ext>
+            </a:extLst>
+          </a:blip>
+          <a:stretch>
+            <a:fillRect/>
+          </a:stretch>
+        </p:blipFill>
+        <p:spPr>
+          <a:xfrm>
+            <a:off x="5047746" y="2315654"/>
+            <a:ext cx="3988750" cy="3417602"/>
+          </a:xfrm>
+          <a:prstGeom prst="rect">
+            <a:avLst/>
+          </a:prstGeom>
+        </p:spPr>
+      </p:pic>
     </p:spTree>
   </p:cSld>
-  <mc:AlternateContent>
+  <p:clrMapOvr>
+    <a:masterClrMapping/>
+  </p:clrMapOvr>
+  <mc:AlternateContent xmlns:mc="http://schemas.openxmlformats.org/markup-compatibility/2006" xmlns:p14="http://schemas.microsoft.com/office/powerpoint/2010/main">
     <mc:Choice Requires="p14">
       <p:transition spd="slow" p14:dur="2000"/>
     </mc:Choice>
-    <mc:Fallback>
+    <mc:Fallback xmlns:p15="http://schemas.microsoft.com/office/powerpoint/2012/main" xmlns="">
       <p:transition spd="slow"/>
     </mc:Fallback>
   </mc:AlternateContent>
+  <p:timing>
+    <p:tnLst>
+      <p:par>
+        <p:cTn id="1" dur="indefinite" restart="never" nodeType="tmRoot"/>
+      </p:par>
+    </p:tnLst>
+  </p:timing>
 </p:sld>
 </file>
 
 <file path=ppt/slides/slide7.xml><?xml version="1.0" encoding="utf-8"?>
-<p:sld xmlns:a="http://schemas.openxmlformats.org/drawingml/2006/main" xmlns:p="http://schemas.openxmlformats.org/presentationml/2006/main" xmlns:r="http://schemas.openxmlformats.org/officeDocument/2006/relationships" xmlns:p14="http://schemas.microsoft.com/office/powerpoint/2010/main" xmlns:p15="http://schemas.microsoft.com/office/powerpoint/2012/main" xmlns:mc="http://schemas.openxmlformats.org/markup-compatibility/2006">
+<p:sld xmlns:a="http://schemas.openxmlformats.org/drawingml/2006/main" xmlns:r="http://schemas.openxmlformats.org/officeDocument/2006/relationships" xmlns:p="http://schemas.openxmlformats.org/presentationml/2006/main">
   <p:cSld>
     <p:spTree>
       <p:nvGrpSpPr>
@@ -6524,15 +8168,22 @@
           </a:ln>
         </p:spPr>
         <p:style>
-          <a:lnRef idx="0"/>
-          <a:fillRef idx="0"/>
-          <a:effectRef idx="0"/>
+          <a:lnRef idx="0">
+            <a:scrgbClr r="0" g="0" b="0"/>
+          </a:lnRef>
+          <a:fillRef idx="0">
+            <a:scrgbClr r="0" g="0" b="0"/>
+          </a:fillRef>
+          <a:effectRef idx="0">
+            <a:scrgbClr r="0" g="0" b="0"/>
+          </a:effectRef>
           <a:fontRef idx="minor"/>
         </p:style>
         <p:txBody>
-          <a:bodyPr lIns="90000" rIns="90000" tIns="45000" bIns="45000" anchor="ctr">
+          <a:bodyPr lIns="90000" tIns="45000" rIns="90000" bIns="45000" anchor="ctr">
             <a:noAutofit/>
           </a:bodyPr>
+          <a:lstStyle/>
           <a:p>
             <a:pPr algn="ctr">
               <a:lnSpc>
@@ -6540,7 +8191,7 @@
               </a:lnSpc>
             </a:pPr>
             <a:r>
-              <a:rPr b="0" lang="ru-RU" sz="4400" spc="-1" strike="noStrike">
+              <a:rPr lang="ru-RU" sz="4400" b="0" strike="noStrike" spc="-1" dirty="0">
                 <a:solidFill>
                   <a:srgbClr val="000000"/>
                 </a:solidFill>
@@ -6549,7 +8200,7 @@
               </a:rPr>
               <a:t>Линейно ограниченные ФЛ</a:t>
             </a:r>
-            <a:endParaRPr b="0" lang="ru-RU" sz="4400" spc="-1" strike="noStrike">
+            <a:endParaRPr lang="ru-RU" sz="4400" b="0" strike="noStrike" spc="-1" dirty="0">
               <a:latin typeface="Arial"/>
             </a:endParaRPr>
           </a:p>
@@ -6575,73 +8226,669 @@
           </a:ln>
         </p:spPr>
         <p:style>
-          <a:lnRef idx="0"/>
-          <a:fillRef idx="0"/>
-          <a:effectRef idx="0"/>
+          <a:lnRef idx="0">
+            <a:scrgbClr r="0" g="0" b="0"/>
+          </a:lnRef>
+          <a:fillRef idx="0">
+            <a:scrgbClr r="0" g="0" b="0"/>
+          </a:fillRef>
+          <a:effectRef idx="0">
+            <a:scrgbClr r="0" g="0" b="0"/>
+          </a:effectRef>
           <a:fontRef idx="minor"/>
         </p:style>
       </p:sp>
-      <p:pic>
-        <p:nvPicPr>
-          <p:cNvPr id="111" name="" descr=""/>
-          <p:cNvPicPr/>
+      <p:sp>
+        <p:nvSpPr>
+          <p:cNvPr id="34" name="Прямоугольник 33"/>
+          <p:cNvSpPr/>
           <p:nvPr/>
-        </p:nvPicPr>
-        <p:blipFill>
-          <a:blip r:embed="rId1"/>
-          <a:stretch/>
-        </p:blipFill>
-        <p:spPr>
-          <a:xfrm>
-            <a:off x="313560" y="2376000"/>
-            <a:ext cx="8684640" cy="2283840"/>
-          </a:xfrm>
-          <a:prstGeom prst="rect">
-            <a:avLst/>
-          </a:prstGeom>
-          <a:ln>
-            <a:noFill/>
+        </p:nvSpPr>
+        <p:spPr>
+          <a:xfrm>
+            <a:off x="467544" y="5057889"/>
+            <a:ext cx="8568952" cy="1323439"/>
+          </a:xfrm>
+          <a:prstGeom prst="rect">
+            <a:avLst/>
+          </a:prstGeom>
+        </p:spPr>
+        <p:txBody>
+          <a:bodyPr wrap="square">
+            <a:spAutoFit/>
+          </a:bodyPr>
+          <a:lstStyle/>
+          <a:p>
+            <a:r>
+              <a:rPr lang="en-US" sz="2000" i="1" dirty="0" smtClean="0">
+                <a:latin typeface="Times New Roman" panose="02020603050405020304" pitchFamily="18" charset="0"/>
+                <a:cs typeface="Times New Roman" panose="02020603050405020304" pitchFamily="18" charset="0"/>
+              </a:rPr>
+              <a:t>LC </a:t>
+            </a:r>
+            <a:r>
+              <a:rPr lang="en-US" sz="2000" i="1" dirty="0" smtClean="0">
+                <a:latin typeface="Times New Roman" panose="02020603050405020304" pitchFamily="18" charset="0"/>
+                <a:cs typeface="Times New Roman" panose="02020603050405020304" pitchFamily="18" charset="0"/>
+              </a:rPr>
+              <a:t>LMS </a:t>
+            </a:r>
+            <a:r>
+              <a:rPr lang="ru-RU" sz="2000" i="1" dirty="0" smtClean="0">
+                <a:latin typeface="Times New Roman" panose="02020603050405020304" pitchFamily="18" charset="0"/>
+                <a:cs typeface="Times New Roman" panose="02020603050405020304" pitchFamily="18" charset="0"/>
+              </a:rPr>
+              <a:t>– </a:t>
+            </a:r>
+            <a:r>
+              <a:rPr lang="en-US" sz="2000" i="1" dirty="0" smtClean="0">
+                <a:latin typeface="Times New Roman" panose="02020603050405020304" pitchFamily="18" charset="0"/>
+                <a:cs typeface="Times New Roman" panose="02020603050405020304" pitchFamily="18" charset="0"/>
+              </a:rPr>
+              <a:t> Linear Constrained Least Mean Squares </a:t>
+            </a:r>
+            <a:r>
+              <a:rPr lang="ru-RU" sz="2000" i="1" dirty="0" smtClean="0">
+                <a:latin typeface="Times New Roman" panose="02020603050405020304" pitchFamily="18" charset="0"/>
+                <a:cs typeface="Times New Roman" panose="02020603050405020304" pitchFamily="18" charset="0"/>
+              </a:rPr>
+              <a:t> –</a:t>
+            </a:r>
+            <a:r>
+              <a:rPr lang="en-US" sz="2000" i="1" dirty="0" smtClean="0">
+                <a:latin typeface="Times New Roman" panose="02020603050405020304" pitchFamily="18" charset="0"/>
+                <a:cs typeface="Times New Roman" panose="02020603050405020304" pitchFamily="18" charset="0"/>
+              </a:rPr>
+              <a:t> </a:t>
+            </a:r>
+            <a:r>
+              <a:rPr lang="ru-RU" sz="2000" i="1" dirty="0" smtClean="0">
+                <a:latin typeface="Times New Roman" panose="02020603050405020304" pitchFamily="18" charset="0"/>
+                <a:cs typeface="Times New Roman" panose="02020603050405020304" pitchFamily="18" charset="0"/>
+              </a:rPr>
+              <a:t>Алгоритм Фроста</a:t>
+            </a:r>
+            <a:endParaRPr lang="ru-RU" sz="2000" b="1" dirty="0" smtClean="0">
+              <a:latin typeface="Times New Roman" panose="02020603050405020304" pitchFamily="18" charset="0"/>
+              <a:cs typeface="Times New Roman" panose="02020603050405020304" pitchFamily="18" charset="0"/>
+            </a:endParaRPr>
+          </a:p>
+          <a:p>
+            <a:r>
+              <a:rPr lang="en-US" sz="2000" i="1" dirty="0">
+                <a:latin typeface="Times New Roman" panose="02020603050405020304" pitchFamily="18" charset="0"/>
+                <a:cs typeface="Times New Roman" panose="02020603050405020304" pitchFamily="18" charset="0"/>
+              </a:rPr>
+              <a:t>LC </a:t>
+            </a:r>
+            <a:r>
+              <a:rPr lang="en-US" sz="2000" i="1" dirty="0" smtClean="0">
+                <a:latin typeface="Times New Roman" panose="02020603050405020304" pitchFamily="18" charset="0"/>
+                <a:cs typeface="Times New Roman" panose="02020603050405020304" pitchFamily="18" charset="0"/>
+              </a:rPr>
+              <a:t>RLS </a:t>
+            </a:r>
+            <a:r>
+              <a:rPr lang="ru-RU" sz="2000" i="1" dirty="0" smtClean="0">
+                <a:latin typeface="Times New Roman" panose="02020603050405020304" pitchFamily="18" charset="0"/>
+                <a:cs typeface="Times New Roman" panose="02020603050405020304" pitchFamily="18" charset="0"/>
+              </a:rPr>
+              <a:t>– </a:t>
+            </a:r>
+            <a:r>
+              <a:rPr lang="en-US" sz="2000" i="1" dirty="0" smtClean="0">
+                <a:latin typeface="Times New Roman" panose="02020603050405020304" pitchFamily="18" charset="0"/>
+                <a:cs typeface="Times New Roman" panose="02020603050405020304" pitchFamily="18" charset="0"/>
+              </a:rPr>
+              <a:t> Linear Constrained Recursive Least Squares</a:t>
+            </a:r>
+            <a:endParaRPr lang="ru-RU" sz="2000" b="1" dirty="0" smtClean="0">
+              <a:latin typeface="Times New Roman" panose="02020603050405020304" pitchFamily="18" charset="0"/>
+              <a:cs typeface="Times New Roman" panose="02020603050405020304" pitchFamily="18" charset="0"/>
+            </a:endParaRPr>
+          </a:p>
+          <a:p>
+            <a:pPr marL="285750" indent="-285750">
+              <a:buFont typeface="Arial" panose="020B0604020202020204" pitchFamily="34" charset="0"/>
+              <a:buChar char="•"/>
+            </a:pPr>
+            <a:endParaRPr lang="ru-RU" sz="2000" dirty="0" smtClean="0"/>
+          </a:p>
+          <a:p>
+            <a:pPr marL="285750" indent="-285750">
+              <a:buFont typeface="Arial" panose="020B0604020202020204" pitchFamily="34" charset="0"/>
+              <a:buChar char="•"/>
+            </a:pPr>
+            <a:endParaRPr lang="ru-RU" sz="2000" dirty="0"/>
+          </a:p>
+        </p:txBody>
+      </p:sp>
+      <p:sp>
+        <p:nvSpPr>
+          <p:cNvPr id="35" name="TextBox 34"/>
+          <p:cNvSpPr txBox="1"/>
+          <p:nvPr/>
+        </p:nvSpPr>
+        <p:spPr>
+          <a:xfrm>
+            <a:off x="467544" y="1755554"/>
+            <a:ext cx="4392488" cy="707886"/>
+          </a:xfrm>
+          <a:prstGeom prst="rect">
+            <a:avLst/>
+          </a:prstGeom>
+          <a:noFill/>
+        </p:spPr>
+        <p:txBody>
+          <a:bodyPr wrap="square" rtlCol="0">
+            <a:spAutoFit/>
+          </a:bodyPr>
+          <a:lstStyle/>
+          <a:p>
+            <a:r>
+              <a:rPr lang="ru-RU" sz="2000" dirty="0" smtClean="0">
+                <a:latin typeface="Times New Roman" panose="02020603050405020304" pitchFamily="18" charset="0"/>
+                <a:cs typeface="Times New Roman" panose="02020603050405020304" pitchFamily="18" charset="0"/>
+              </a:rPr>
+              <a:t>Минимизация </a:t>
+            </a:r>
+            <a:r>
+              <a:rPr lang="en-US" sz="2000" dirty="0" smtClean="0">
+                <a:latin typeface="Times New Roman" panose="02020603050405020304" pitchFamily="18" charset="0"/>
+                <a:cs typeface="Times New Roman" panose="02020603050405020304" pitchFamily="18" charset="0"/>
+              </a:rPr>
+              <a:t>MSE</a:t>
+            </a:r>
+            <a:r>
+              <a:rPr lang="ru-RU" sz="2000" dirty="0" smtClean="0">
+                <a:latin typeface="Times New Roman" panose="02020603050405020304" pitchFamily="18" charset="0"/>
+                <a:cs typeface="Times New Roman" panose="02020603050405020304" pitchFamily="18" charset="0"/>
+              </a:rPr>
+              <a:t>-функции </a:t>
+            </a:r>
+            <a:r>
+              <a:rPr lang="en-US" sz="2000" dirty="0" smtClean="0">
+                <a:latin typeface="Times New Roman" panose="02020603050405020304" pitchFamily="18" charset="0"/>
+                <a:cs typeface="Times New Roman" panose="02020603050405020304" pitchFamily="18" charset="0"/>
+              </a:rPr>
+              <a:t/>
+            </a:r>
+            <a:br>
+              <a:rPr lang="en-US" sz="2000" dirty="0" smtClean="0">
+                <a:latin typeface="Times New Roman" panose="02020603050405020304" pitchFamily="18" charset="0"/>
+                <a:cs typeface="Times New Roman" panose="02020603050405020304" pitchFamily="18" charset="0"/>
+              </a:rPr>
+            </a:br>
+            <a:r>
+              <a:rPr lang="ru-RU" sz="2000" dirty="0" smtClean="0">
+                <a:latin typeface="Times New Roman" panose="02020603050405020304" pitchFamily="18" charset="0"/>
+                <a:cs typeface="Times New Roman" panose="02020603050405020304" pitchFamily="18" charset="0"/>
+              </a:rPr>
+              <a:t>с линейными ограничениями </a:t>
+            </a:r>
+            <a:endParaRPr lang="ru-RU" sz="1400" dirty="0">
+              <a:latin typeface="Times New Roman" panose="02020603050405020304" pitchFamily="18" charset="0"/>
+              <a:cs typeface="Times New Roman" panose="02020603050405020304" pitchFamily="18" charset="0"/>
+            </a:endParaRPr>
+          </a:p>
+        </p:txBody>
+      </p:sp>
+      <p:graphicFrame>
+        <p:nvGraphicFramePr>
+          <p:cNvPr id="36" name="Объект 35"/>
+          <p:cNvGraphicFramePr>
+            <a:graphicFrameLocks noChangeAspect="1"/>
+          </p:cNvGraphicFramePr>
+          <p:nvPr>
+            <p:extLst>
+              <p:ext uri="{D42A27DB-BD31-4B8C-83A1-F6EECF244321}">
+                <p14:modId xmlns:p14="http://schemas.microsoft.com/office/powerpoint/2010/main" val="2715046539"/>
+              </p:ext>
+            </p:extLst>
+          </p:nvPr>
+        </p:nvGraphicFramePr>
+        <p:xfrm>
+          <a:off x="971600" y="2654599"/>
+          <a:ext cx="2232025" cy="812800"/>
+        </p:xfrm>
+        <a:graphic>
+          <a:graphicData uri="http://schemas.openxmlformats.org/presentationml/2006/ole">
+            <mc:AlternateContent xmlns:mc="http://schemas.openxmlformats.org/markup-compatibility/2006">
+              <mc:Choice xmlns:v="urn:schemas-microsoft-com:vml" Requires="v">
+                <p:oleObj spid="_x0000_s1030" name="Формула" r:id="rId4" imgW="1511280" imgH="571320" progId="Equation.3">
+                  <p:embed/>
+                </p:oleObj>
+              </mc:Choice>
+              <mc:Fallback>
+                <p:oleObj name="Формула" r:id="rId4" imgW="1511280" imgH="571320" progId="Equation.3">
+                  <p:embed/>
+                  <p:pic>
+                    <p:nvPicPr>
+                      <p:cNvPr id="0" name=""/>
+                      <p:cNvPicPr>
+                        <a:picLocks noChangeAspect="1" noChangeArrowheads="1"/>
+                      </p:cNvPicPr>
+                      <p:nvPr/>
+                    </p:nvPicPr>
+                    <p:blipFill>
+                      <a:blip r:embed="rId5">
+                        <a:extLst>
+                          <a:ext uri="{28A0092B-C50C-407E-A947-70E740481C1C}">
+                            <a14:useLocalDpi xmlns:a14="http://schemas.microsoft.com/office/drawing/2010/main" val="0"/>
+                          </a:ext>
+                        </a:extLst>
+                      </a:blip>
+                      <a:srcRect/>
+                      <a:stretch>
+                        <a:fillRect/>
+                      </a:stretch>
+                    </p:blipFill>
+                    <p:spPr bwMode="auto">
+                      <a:xfrm>
+                        <a:off x="971600" y="2654599"/>
+                        <a:ext cx="2232025" cy="812800"/>
+                      </a:xfrm>
+                      <a:prstGeom prst="rect">
+                        <a:avLst/>
+                      </a:prstGeom>
+                      <a:noFill/>
+                      <a:ln>
+                        <a:noFill/>
+                      </a:ln>
+                    </p:spPr>
+                  </p:pic>
+                </p:oleObj>
+              </mc:Fallback>
+            </mc:AlternateContent>
+          </a:graphicData>
+        </a:graphic>
+      </p:graphicFrame>
+      <p:graphicFrame>
+        <p:nvGraphicFramePr>
+          <p:cNvPr id="37" name="Объект 36"/>
+          <p:cNvGraphicFramePr>
+            <a:graphicFrameLocks noChangeAspect="1"/>
+          </p:cNvGraphicFramePr>
+          <p:nvPr>
+            <p:extLst>
+              <p:ext uri="{D42A27DB-BD31-4B8C-83A1-F6EECF244321}">
+                <p14:modId xmlns:p14="http://schemas.microsoft.com/office/powerpoint/2010/main" val="2762298460"/>
+              </p:ext>
+            </p:extLst>
+          </p:nvPr>
+        </p:nvGraphicFramePr>
+        <p:xfrm>
+          <a:off x="4952282" y="2564905"/>
+          <a:ext cx="3262312" cy="992188"/>
+        </p:xfrm>
+        <a:graphic>
+          <a:graphicData uri="http://schemas.openxmlformats.org/presentationml/2006/ole">
+            <mc:AlternateContent xmlns:mc="http://schemas.openxmlformats.org/markup-compatibility/2006">
+              <mc:Choice xmlns:v="urn:schemas-microsoft-com:vml" Requires="v">
+                <p:oleObj spid="_x0000_s1031" name="Формула" r:id="rId6" imgW="2209680" imgH="698400" progId="Equation.3">
+                  <p:embed/>
+                </p:oleObj>
+              </mc:Choice>
+              <mc:Fallback>
+                <p:oleObj name="Формула" r:id="rId6" imgW="2209680" imgH="698400" progId="Equation.3">
+                  <p:embed/>
+                  <p:pic>
+                    <p:nvPicPr>
+                      <p:cNvPr id="0" name=""/>
+                      <p:cNvPicPr>
+                        <a:picLocks noChangeAspect="1" noChangeArrowheads="1"/>
+                      </p:cNvPicPr>
+                      <p:nvPr/>
+                    </p:nvPicPr>
+                    <p:blipFill>
+                      <a:blip r:embed="rId7"/>
+                      <a:srcRect/>
+                      <a:stretch>
+                        <a:fillRect/>
+                      </a:stretch>
+                    </p:blipFill>
+                    <p:spPr bwMode="auto">
+                      <a:xfrm>
+                        <a:off x="4952282" y="2564905"/>
+                        <a:ext cx="3262312" cy="992188"/>
+                      </a:xfrm>
+                      <a:prstGeom prst="rect">
+                        <a:avLst/>
+                      </a:prstGeom>
+                      <a:noFill/>
+                      <a:ln>
+                        <a:noFill/>
+                      </a:ln>
+                      <a:extLst>
+                        <a:ext uri="{909E8E84-426E-40DD-AFC4-6F175D3DCCD1}">
+                          <a14:hiddenFill xmlns:a14="http://schemas.microsoft.com/office/drawing/2010/main">
+                            <a:solidFill>
+                              <a:srgbClr val="FFFFFF"/>
+                            </a:solidFill>
+                          </a14:hiddenFill>
+                        </a:ext>
+                        <a:ext uri="{91240B29-F687-4F45-9708-019B960494DF}">
+                          <a14:hiddenLine xmlns:a14="http://schemas.microsoft.com/office/drawing/2010/main" w="9525">
+                            <a:solidFill>
+                              <a:srgbClr val="000000"/>
+                            </a:solidFill>
+                            <a:miter lim="800000"/>
+                            <a:headEnd/>
+                            <a:tailEnd/>
+                          </a14:hiddenLine>
+                        </a:ext>
+                      </a:extLst>
+                    </p:spPr>
+                  </p:pic>
+                </p:oleObj>
+              </mc:Fallback>
+            </mc:AlternateContent>
+          </a:graphicData>
+        </a:graphic>
+      </p:graphicFrame>
+      <p:sp>
+        <p:nvSpPr>
+          <p:cNvPr id="38" name="TextBox 37"/>
+          <p:cNvSpPr txBox="1"/>
+          <p:nvPr/>
+        </p:nvSpPr>
+        <p:spPr>
+          <a:xfrm>
+            <a:off x="4932040" y="1755554"/>
+            <a:ext cx="4392488" cy="707886"/>
+          </a:xfrm>
+          <a:prstGeom prst="rect">
+            <a:avLst/>
+          </a:prstGeom>
+          <a:noFill/>
+        </p:spPr>
+        <p:txBody>
+          <a:bodyPr wrap="square" rtlCol="0">
+            <a:spAutoFit/>
+          </a:bodyPr>
+          <a:lstStyle/>
+          <a:p>
+            <a:r>
+              <a:rPr lang="ru-RU" sz="2000" dirty="0" smtClean="0">
+                <a:latin typeface="Times New Roman" panose="02020603050405020304" pitchFamily="18" charset="0"/>
+                <a:cs typeface="Times New Roman" panose="02020603050405020304" pitchFamily="18" charset="0"/>
+              </a:rPr>
+              <a:t>Минимизация </a:t>
+            </a:r>
+            <a:r>
+              <a:rPr lang="en-US" sz="2000" dirty="0" smtClean="0">
+                <a:latin typeface="Times New Roman" panose="02020603050405020304" pitchFamily="18" charset="0"/>
+                <a:cs typeface="Times New Roman" panose="02020603050405020304" pitchFamily="18" charset="0"/>
+              </a:rPr>
+              <a:t>LS</a:t>
+            </a:r>
+            <a:r>
+              <a:rPr lang="ru-RU" sz="2000" dirty="0" smtClean="0">
+                <a:latin typeface="Times New Roman" panose="02020603050405020304" pitchFamily="18" charset="0"/>
+                <a:cs typeface="Times New Roman" panose="02020603050405020304" pitchFamily="18" charset="0"/>
+              </a:rPr>
+              <a:t>-функции </a:t>
+            </a:r>
+            <a:r>
+              <a:rPr lang="en-US" sz="2000" dirty="0" smtClean="0">
+                <a:latin typeface="Times New Roman" panose="02020603050405020304" pitchFamily="18" charset="0"/>
+                <a:cs typeface="Times New Roman" panose="02020603050405020304" pitchFamily="18" charset="0"/>
+              </a:rPr>
+              <a:t/>
+            </a:r>
+            <a:br>
+              <a:rPr lang="en-US" sz="2000" dirty="0" smtClean="0">
+                <a:latin typeface="Times New Roman" panose="02020603050405020304" pitchFamily="18" charset="0"/>
+                <a:cs typeface="Times New Roman" panose="02020603050405020304" pitchFamily="18" charset="0"/>
+              </a:rPr>
+            </a:br>
+            <a:r>
+              <a:rPr lang="ru-RU" sz="2000" dirty="0" smtClean="0">
+                <a:latin typeface="Times New Roman" panose="02020603050405020304" pitchFamily="18" charset="0"/>
+                <a:cs typeface="Times New Roman" panose="02020603050405020304" pitchFamily="18" charset="0"/>
+              </a:rPr>
+              <a:t>с линейными ограничениями </a:t>
+            </a:r>
+            <a:endParaRPr lang="ru-RU" sz="1400" dirty="0">
+              <a:latin typeface="Times New Roman" panose="02020603050405020304" pitchFamily="18" charset="0"/>
+              <a:cs typeface="Times New Roman" panose="02020603050405020304" pitchFamily="18" charset="0"/>
+            </a:endParaRPr>
+          </a:p>
+        </p:txBody>
+      </p:sp>
+      <p:cxnSp>
+        <p:nvCxnSpPr>
+          <p:cNvPr id="40" name="Прямая со стрелкой 39"/>
+          <p:cNvCxnSpPr/>
+          <p:nvPr/>
+        </p:nvCxnSpPr>
+        <p:spPr>
+          <a:xfrm flipH="1">
+            <a:off x="2915816" y="1268761"/>
+            <a:ext cx="1224136" cy="486793"/>
+          </a:xfrm>
+          <a:prstGeom prst="straightConnector1">
+            <a:avLst/>
+          </a:prstGeom>
+          <a:ln w="28575">
+            <a:solidFill>
+              <a:schemeClr val="tx1"/>
+            </a:solidFill>
+            <a:tailEnd type="arrow"/>
           </a:ln>
         </p:spPr>
-      </p:pic>
-      <p:pic>
-        <p:nvPicPr>
-          <p:cNvPr id="112" name="" descr=""/>
-          <p:cNvPicPr/>
+        <p:style>
+          <a:lnRef idx="1">
+            <a:schemeClr val="accent1"/>
+          </a:lnRef>
+          <a:fillRef idx="0">
+            <a:schemeClr val="accent1"/>
+          </a:fillRef>
+          <a:effectRef idx="0">
+            <a:schemeClr val="accent1"/>
+          </a:effectRef>
+          <a:fontRef idx="minor">
+            <a:schemeClr val="tx1"/>
+          </a:fontRef>
+        </p:style>
+      </p:cxnSp>
+      <p:cxnSp>
+        <p:nvCxnSpPr>
+          <p:cNvPr id="41" name="Прямая со стрелкой 40"/>
+          <p:cNvCxnSpPr/>
           <p:nvPr/>
-        </p:nvPicPr>
-        <p:blipFill>
-          <a:blip r:embed="rId2"/>
-          <a:stretch/>
-        </p:blipFill>
-        <p:spPr>
-          <a:xfrm>
-            <a:off x="288000" y="2016000"/>
-            <a:ext cx="8684640" cy="3238200"/>
-          </a:xfrm>
-          <a:prstGeom prst="rect">
-            <a:avLst/>
-          </a:prstGeom>
-          <a:ln>
-            <a:noFill/>
+        </p:nvCxnSpPr>
+        <p:spPr>
+          <a:xfrm>
+            <a:off x="4139952" y="1268760"/>
+            <a:ext cx="1224136" cy="486793"/>
+          </a:xfrm>
+          <a:prstGeom prst="straightConnector1">
+            <a:avLst/>
+          </a:prstGeom>
+          <a:ln w="28575">
+            <a:solidFill>
+              <a:schemeClr val="tx1"/>
+            </a:solidFill>
+            <a:tailEnd type="arrow"/>
           </a:ln>
         </p:spPr>
-      </p:pic>
+        <p:style>
+          <a:lnRef idx="1">
+            <a:schemeClr val="accent1"/>
+          </a:lnRef>
+          <a:fillRef idx="0">
+            <a:schemeClr val="accent1"/>
+          </a:fillRef>
+          <a:effectRef idx="0">
+            <a:schemeClr val="accent1"/>
+          </a:effectRef>
+          <a:fontRef idx="minor">
+            <a:schemeClr val="tx1"/>
+          </a:fontRef>
+        </p:style>
+      </p:cxnSp>
+      <p:sp>
+        <p:nvSpPr>
+          <p:cNvPr id="46" name="Прямоугольник 45"/>
+          <p:cNvSpPr/>
+          <p:nvPr/>
+        </p:nvSpPr>
+        <p:spPr>
+          <a:xfrm>
+            <a:off x="6012160" y="4149080"/>
+            <a:ext cx="990977" cy="400110"/>
+          </a:xfrm>
+          <a:prstGeom prst="rect">
+            <a:avLst/>
+          </a:prstGeom>
+        </p:spPr>
+        <p:txBody>
+          <a:bodyPr wrap="none">
+            <a:spAutoFit/>
+          </a:bodyPr>
+          <a:lstStyle/>
+          <a:p>
+            <a:r>
+              <a:rPr lang="en-US" sz="2000" i="1" dirty="0">
+                <a:latin typeface="Times New Roman" panose="02020603050405020304" pitchFamily="18" charset="0"/>
+                <a:cs typeface="Times New Roman" panose="02020603050405020304" pitchFamily="18" charset="0"/>
+              </a:rPr>
+              <a:t>LC RLS</a:t>
+            </a:r>
+            <a:endParaRPr lang="ru-RU" sz="2000" dirty="0"/>
+          </a:p>
+        </p:txBody>
+      </p:sp>
+      <p:cxnSp>
+        <p:nvCxnSpPr>
+          <p:cNvPr id="47" name="Прямая со стрелкой 46"/>
+          <p:cNvCxnSpPr/>
+          <p:nvPr/>
+        </p:nvCxnSpPr>
+        <p:spPr>
+          <a:xfrm>
+            <a:off x="6457115" y="3531231"/>
+            <a:ext cx="0" cy="476684"/>
+          </a:xfrm>
+          <a:prstGeom prst="straightConnector1">
+            <a:avLst/>
+          </a:prstGeom>
+          <a:ln w="28575">
+            <a:solidFill>
+              <a:schemeClr val="tx1"/>
+            </a:solidFill>
+            <a:tailEnd type="arrow"/>
+          </a:ln>
+        </p:spPr>
+        <p:style>
+          <a:lnRef idx="1">
+            <a:schemeClr val="accent1"/>
+          </a:lnRef>
+          <a:fillRef idx="0">
+            <a:schemeClr val="accent1"/>
+          </a:fillRef>
+          <a:effectRef idx="0">
+            <a:schemeClr val="accent1"/>
+          </a:effectRef>
+          <a:fontRef idx="minor">
+            <a:schemeClr val="tx1"/>
+          </a:fontRef>
+        </p:style>
+      </p:cxnSp>
+      <p:sp>
+        <p:nvSpPr>
+          <p:cNvPr id="48" name="Прямоугольник 47"/>
+          <p:cNvSpPr/>
+          <p:nvPr/>
+        </p:nvSpPr>
+        <p:spPr>
+          <a:xfrm>
+            <a:off x="1654968" y="4149080"/>
+            <a:ext cx="1047082" cy="400110"/>
+          </a:xfrm>
+          <a:prstGeom prst="rect">
+            <a:avLst/>
+          </a:prstGeom>
+        </p:spPr>
+        <p:txBody>
+          <a:bodyPr wrap="none">
+            <a:spAutoFit/>
+          </a:bodyPr>
+          <a:lstStyle/>
+          <a:p>
+            <a:r>
+              <a:rPr lang="en-US" sz="2000" i="1" dirty="0" smtClean="0">
+                <a:latin typeface="Times New Roman" panose="02020603050405020304" pitchFamily="18" charset="0"/>
+                <a:cs typeface="Times New Roman" panose="02020603050405020304" pitchFamily="18" charset="0"/>
+              </a:rPr>
+              <a:t>LC LMS</a:t>
+            </a:r>
+            <a:endParaRPr lang="ru-RU" sz="2000" dirty="0"/>
+          </a:p>
+        </p:txBody>
+      </p:sp>
+      <p:cxnSp>
+        <p:nvCxnSpPr>
+          <p:cNvPr id="49" name="Прямая со стрелкой 48"/>
+          <p:cNvCxnSpPr/>
+          <p:nvPr/>
+        </p:nvCxnSpPr>
+        <p:spPr>
+          <a:xfrm>
+            <a:off x="2099923" y="3531231"/>
+            <a:ext cx="0" cy="476684"/>
+          </a:xfrm>
+          <a:prstGeom prst="straightConnector1">
+            <a:avLst/>
+          </a:prstGeom>
+          <a:ln w="28575">
+            <a:solidFill>
+              <a:schemeClr val="tx1"/>
+            </a:solidFill>
+            <a:tailEnd type="arrow"/>
+          </a:ln>
+        </p:spPr>
+        <p:style>
+          <a:lnRef idx="1">
+            <a:schemeClr val="accent1"/>
+          </a:lnRef>
+          <a:fillRef idx="0">
+            <a:schemeClr val="accent1"/>
+          </a:fillRef>
+          <a:effectRef idx="0">
+            <a:schemeClr val="accent1"/>
+          </a:effectRef>
+          <a:fontRef idx="minor">
+            <a:schemeClr val="tx1"/>
+          </a:fontRef>
+        </p:style>
+      </p:cxnSp>
     </p:spTree>
   </p:cSld>
-  <mc:AlternateContent>
+  <p:clrMapOvr>
+    <a:masterClrMapping/>
+  </p:clrMapOvr>
+  <mc:AlternateContent xmlns:mc="http://schemas.openxmlformats.org/markup-compatibility/2006" xmlns:p14="http://schemas.microsoft.com/office/powerpoint/2010/main">
     <mc:Choice Requires="p14">
       <p:transition spd="slow" p14:dur="2000"/>
     </mc:Choice>
-    <mc:Fallback>
+    <mc:Fallback xmlns:p15="http://schemas.microsoft.com/office/powerpoint/2012/main" xmlns="">
       <p:transition spd="slow"/>
     </mc:Fallback>
   </mc:AlternateContent>
+  <p:timing>
+    <p:tnLst>
+      <p:par>
+        <p:cTn id="1" dur="indefinite" restart="never" nodeType="tmRoot"/>
+      </p:par>
+    </p:tnLst>
+  </p:timing>
 </p:sld>
 </file>
 
 <file path=ppt/slides/slide8.xml><?xml version="1.0" encoding="utf-8"?>
-<p:sld xmlns:a="http://schemas.openxmlformats.org/drawingml/2006/main" xmlns:p="http://schemas.openxmlformats.org/presentationml/2006/main" xmlns:r="http://schemas.openxmlformats.org/officeDocument/2006/relationships" xmlns:p14="http://schemas.microsoft.com/office/powerpoint/2010/main" xmlns:p15="http://schemas.microsoft.com/office/powerpoint/2012/main" xmlns:mc="http://schemas.openxmlformats.org/markup-compatibility/2006">
+<p:sld xmlns:a="http://schemas.openxmlformats.org/drawingml/2006/main" xmlns:r="http://schemas.openxmlformats.org/officeDocument/2006/relationships" xmlns:p="http://schemas.openxmlformats.org/presentationml/2006/main">
   <p:cSld>
     <p:spTree>
       <p:nvGrpSpPr>
@@ -6677,15 +8924,22 @@
           </a:ln>
         </p:spPr>
         <p:style>
-          <a:lnRef idx="0"/>
-          <a:fillRef idx="0"/>
-          <a:effectRef idx="0"/>
+          <a:lnRef idx="0">
+            <a:scrgbClr r="0" g="0" b="0"/>
+          </a:lnRef>
+          <a:fillRef idx="0">
+            <a:scrgbClr r="0" g="0" b="0"/>
+          </a:fillRef>
+          <a:effectRef idx="0">
+            <a:scrgbClr r="0" g="0" b="0"/>
+          </a:effectRef>
           <a:fontRef idx="minor"/>
         </p:style>
         <p:txBody>
-          <a:bodyPr lIns="90000" rIns="90000" tIns="45000" bIns="45000" anchor="ctr">
+          <a:bodyPr lIns="90000" tIns="45000" rIns="90000" bIns="45000" anchor="ctr">
             <a:normAutofit fontScale="88000"/>
           </a:bodyPr>
+          <a:lstStyle/>
           <a:p>
             <a:pPr algn="ctr">
               <a:lnSpc>
@@ -6693,7 +8947,7 @@
               </a:lnSpc>
             </a:pPr>
             <a:r>
-              <a:rPr b="0" lang="ru-RU" sz="4400" spc="-1" strike="noStrike">
+              <a:rPr lang="ru-RU" sz="4400" b="0" strike="noStrike" spc="-1">
                 <a:solidFill>
                   <a:srgbClr val="000000"/>
                 </a:solidFill>
@@ -6702,7 +8956,7 @@
               </a:rPr>
               <a:t>Моделирование. Постановка задачи.</a:t>
             </a:r>
-            <a:endParaRPr b="0" lang="ru-RU" sz="4400" spc="-1" strike="noStrike">
+            <a:endParaRPr lang="ru-RU" sz="4400" b="0" strike="noStrike" spc="-1">
               <a:latin typeface="Arial"/>
             </a:endParaRPr>
           </a:p>
@@ -6710,53 +8964,7 @@
       </p:sp>
       <p:pic>
         <p:nvPicPr>
-          <p:cNvPr id="114" name="" descr=""/>
-          <p:cNvPicPr/>
-          <p:nvPr/>
-        </p:nvPicPr>
-        <p:blipFill>
-          <a:blip r:embed="rId1"/>
-          <a:stretch/>
-        </p:blipFill>
-        <p:spPr>
-          <a:xfrm>
-            <a:off x="4122000" y="2448000"/>
-            <a:ext cx="4458600" cy="2355480"/>
-          </a:xfrm>
-          <a:prstGeom prst="rect">
-            <a:avLst/>
-          </a:prstGeom>
-          <a:ln>
-            <a:noFill/>
-          </a:ln>
-        </p:spPr>
-      </p:pic>
-      <p:pic>
-        <p:nvPicPr>
-          <p:cNvPr id="115" name="" descr=""/>
-          <p:cNvPicPr/>
-          <p:nvPr/>
-        </p:nvPicPr>
-        <p:blipFill>
-          <a:blip r:embed="rId2"/>
-          <a:stretch/>
-        </p:blipFill>
-        <p:spPr>
-          <a:xfrm>
-            <a:off x="288000" y="1440000"/>
-            <a:ext cx="3830760" cy="3652920"/>
-          </a:xfrm>
-          <a:prstGeom prst="rect">
-            <a:avLst/>
-          </a:prstGeom>
-          <a:ln>
-            <a:noFill/>
-          </a:ln>
-        </p:spPr>
-      </p:pic>
-      <p:pic>
-        <p:nvPicPr>
-          <p:cNvPr id="116" name="" descr=""/>
+          <p:cNvPr id="114" name="Рисунок 113"/>
           <p:cNvPicPr/>
           <p:nvPr/>
         </p:nvPicPr>
@@ -6766,8 +8974,8 @@
         </p:blipFill>
         <p:spPr>
           <a:xfrm>
-            <a:off x="613800" y="5096160"/>
-            <a:ext cx="5502960" cy="1565640"/>
+            <a:off x="4122000" y="2448000"/>
+            <a:ext cx="4458600" cy="2355480"/>
           </a:xfrm>
           <a:prstGeom prst="rect">
             <a:avLst/>
@@ -6779,7 +8987,7 @@
       </p:pic>
       <p:pic>
         <p:nvPicPr>
-          <p:cNvPr id="117" name="" descr=""/>
+          <p:cNvPr id="115" name="Рисунок 114"/>
           <p:cNvPicPr/>
           <p:nvPr/>
         </p:nvPicPr>
@@ -6789,8 +8997,8 @@
         </p:blipFill>
         <p:spPr>
           <a:xfrm>
-            <a:off x="6192000" y="5138640"/>
-            <a:ext cx="1796760" cy="1487160"/>
+            <a:off x="288000" y="1440000"/>
+            <a:ext cx="3830760" cy="3652920"/>
           </a:xfrm>
           <a:prstGeom prst="rect">
             <a:avLst/>
@@ -6800,21 +9008,77 @@
           </a:ln>
         </p:spPr>
       </p:pic>
+      <p:pic>
+        <p:nvPicPr>
+          <p:cNvPr id="116" name="Рисунок 115"/>
+          <p:cNvPicPr/>
+          <p:nvPr/>
+        </p:nvPicPr>
+        <p:blipFill>
+          <a:blip r:embed="rId5"/>
+          <a:stretch/>
+        </p:blipFill>
+        <p:spPr>
+          <a:xfrm>
+            <a:off x="613800" y="5096160"/>
+            <a:ext cx="5502960" cy="1565640"/>
+          </a:xfrm>
+          <a:prstGeom prst="rect">
+            <a:avLst/>
+          </a:prstGeom>
+          <a:ln>
+            <a:noFill/>
+          </a:ln>
+        </p:spPr>
+      </p:pic>
+      <p:pic>
+        <p:nvPicPr>
+          <p:cNvPr id="117" name="Рисунок 116"/>
+          <p:cNvPicPr/>
+          <p:nvPr/>
+        </p:nvPicPr>
+        <p:blipFill>
+          <a:blip r:embed="rId6"/>
+          <a:stretch/>
+        </p:blipFill>
+        <p:spPr>
+          <a:xfrm>
+            <a:off x="6192000" y="5138640"/>
+            <a:ext cx="1796760" cy="1487160"/>
+          </a:xfrm>
+          <a:prstGeom prst="rect">
+            <a:avLst/>
+          </a:prstGeom>
+          <a:ln>
+            <a:noFill/>
+          </a:ln>
+        </p:spPr>
+      </p:pic>
     </p:spTree>
   </p:cSld>
-  <mc:AlternateContent>
+  <p:clrMapOvr>
+    <a:masterClrMapping/>
+  </p:clrMapOvr>
+  <mc:AlternateContent xmlns:mc="http://schemas.openxmlformats.org/markup-compatibility/2006" xmlns:p14="http://schemas.microsoft.com/office/powerpoint/2010/main">
     <mc:Choice Requires="p14">
       <p:transition spd="slow" p14:dur="2000"/>
     </mc:Choice>
-    <mc:Fallback>
+    <mc:Fallback xmlns:p15="http://schemas.microsoft.com/office/powerpoint/2012/main" xmlns="">
       <p:transition spd="slow"/>
     </mc:Fallback>
   </mc:AlternateContent>
+  <p:timing>
+    <p:tnLst>
+      <p:par>
+        <p:cTn id="1" dur="indefinite" restart="never" nodeType="tmRoot"/>
+      </p:par>
+    </p:tnLst>
+  </p:timing>
 </p:sld>
 </file>
 
 <file path=ppt/slides/slide9.xml><?xml version="1.0" encoding="utf-8"?>
-<p:sld xmlns:a="http://schemas.openxmlformats.org/drawingml/2006/main" xmlns:p="http://schemas.openxmlformats.org/presentationml/2006/main" xmlns:r="http://schemas.openxmlformats.org/officeDocument/2006/relationships" xmlns:p14="http://schemas.microsoft.com/office/powerpoint/2010/main" xmlns:p15="http://schemas.microsoft.com/office/powerpoint/2012/main" xmlns:mc="http://schemas.openxmlformats.org/markup-compatibility/2006">
+<p:sld xmlns:a="http://schemas.openxmlformats.org/drawingml/2006/main" xmlns:r="http://schemas.openxmlformats.org/officeDocument/2006/relationships" xmlns:p="http://schemas.openxmlformats.org/presentationml/2006/main">
   <p:cSld>
     <p:spTree>
       <p:nvGrpSpPr>
@@ -6838,7 +9102,7 @@
         </p:nvSpPr>
         <p:spPr>
           <a:xfrm>
-            <a:off x="457200" y="274680"/>
+            <a:off x="457200" y="422432"/>
             <a:ext cx="8220960" cy="1134360"/>
           </a:xfrm>
           <a:prstGeom prst="rect">
@@ -6850,15 +9114,22 @@
           </a:ln>
         </p:spPr>
         <p:style>
-          <a:lnRef idx="0"/>
-          <a:fillRef idx="0"/>
-          <a:effectRef idx="0"/>
+          <a:lnRef idx="0">
+            <a:scrgbClr r="0" g="0" b="0"/>
+          </a:lnRef>
+          <a:fillRef idx="0">
+            <a:scrgbClr r="0" g="0" b="0"/>
+          </a:fillRef>
+          <a:effectRef idx="0">
+            <a:scrgbClr r="0" g="0" b="0"/>
+          </a:effectRef>
           <a:fontRef idx="minor"/>
         </p:style>
         <p:txBody>
-          <a:bodyPr lIns="90000" rIns="90000" tIns="45000" bIns="45000" anchor="ctr">
-            <a:normAutofit fontScale="88000"/>
-          </a:bodyPr>
+          <a:bodyPr lIns="90000" tIns="45000" rIns="90000" bIns="45000" anchor="ctr">
+            <a:normAutofit fontScale="88000" lnSpcReduction="20000"/>
+          </a:bodyPr>
+          <a:lstStyle/>
           <a:p>
             <a:pPr algn="ctr">
               <a:lnSpc>
@@ -6866,16 +9137,15 @@
               </a:lnSpc>
             </a:pPr>
             <a:r>
-              <a:rPr b="0" lang="ru-RU" sz="4400" spc="-1" strike="noStrike">
+              <a:rPr lang="en-US" sz="4400" spc="-1" dirty="0">
                 <a:solidFill>
                   <a:srgbClr val="000000"/>
                 </a:solidFill>
                 <a:latin typeface="Calibri"/>
-                <a:ea typeface="DejaVu Sans"/>
-              </a:rPr>
-              <a:t>Критерии оценки эффективности работы МР</a:t>
-            </a:r>
-            <a:endParaRPr b="0" lang="ru-RU" sz="4400" spc="-1" strike="noStrike">
+              </a:rPr>
+              <a:t>Perceptual Evaluation of Speech Quality (PESQ)</a:t>
+            </a:r>
+            <a:endParaRPr lang="ru-RU" sz="4400" b="0" strike="noStrike" spc="-1" dirty="0">
               <a:latin typeface="Arial"/>
             </a:endParaRPr>
           </a:p>
@@ -6901,25 +9171,31 @@
           </a:ln>
         </p:spPr>
         <p:style>
-          <a:lnRef idx="0"/>
-          <a:fillRef idx="0"/>
-          <a:effectRef idx="0"/>
+          <a:lnRef idx="0">
+            <a:scrgbClr r="0" g="0" b="0"/>
+          </a:lnRef>
+          <a:fillRef idx="0">
+            <a:scrgbClr r="0" g="0" b="0"/>
+          </a:fillRef>
+          <a:effectRef idx="0">
+            <a:scrgbClr r="0" g="0" b="0"/>
+          </a:effectRef>
           <a:fontRef idx="minor"/>
         </p:style>
       </p:sp>
       <p:pic>
         <p:nvPicPr>
-          <p:cNvPr id="120" name="" descr=""/>
+          <p:cNvPr id="120" name="Рисунок 119"/>
           <p:cNvPicPr/>
           <p:nvPr/>
         </p:nvPicPr>
         <p:blipFill>
-          <a:blip r:embed="rId1"/>
+          <a:blip r:embed="rId3"/>
           <a:stretch/>
         </p:blipFill>
         <p:spPr>
           <a:xfrm>
-            <a:off x="1608120" y="2304000"/>
+            <a:off x="1763688" y="2304000"/>
             <a:ext cx="5441400" cy="2517120"/>
           </a:xfrm>
           <a:prstGeom prst="rect">
@@ -6932,14 +9208,24 @@
       </p:pic>
     </p:spTree>
   </p:cSld>
-  <mc:AlternateContent>
+  <p:clrMapOvr>
+    <a:masterClrMapping/>
+  </p:clrMapOvr>
+  <mc:AlternateContent xmlns:mc="http://schemas.openxmlformats.org/markup-compatibility/2006" xmlns:p14="http://schemas.microsoft.com/office/powerpoint/2010/main">
     <mc:Choice Requires="p14">
       <p:transition spd="slow" p14:dur="2000"/>
     </mc:Choice>
-    <mc:Fallback>
+    <mc:Fallback xmlns:p15="http://schemas.microsoft.com/office/powerpoint/2012/main" xmlns="">
       <p:transition spd="slow"/>
     </mc:Fallback>
   </mc:AlternateContent>
+  <p:timing>
+    <p:tnLst>
+      <p:par>
+        <p:cTn id="1" dur="indefinite" restart="never" nodeType="tmRoot"/>
+      </p:par>
+    </p:tnLst>
+  </p:timing>
 </p:sld>
 </file>
 
@@ -6954,31 +9240,31 @@
         <a:sysClr val="window" lastClr="FFFFFF"/>
       </a:lt1>
       <a:dk2>
-        <a:srgbClr val="1f497d"/>
+        <a:srgbClr val="1F497D"/>
       </a:dk2>
       <a:lt2>
-        <a:srgbClr val="eeece1"/>
+        <a:srgbClr val="EEECE1"/>
       </a:lt2>
       <a:accent1>
-        <a:srgbClr val="4f81bd"/>
+        <a:srgbClr val="4F81BD"/>
       </a:accent1>
       <a:accent2>
-        <a:srgbClr val="c0504d"/>
+        <a:srgbClr val="C0504D"/>
       </a:accent2>
       <a:accent3>
-        <a:srgbClr val="9bbb59"/>
+        <a:srgbClr val="9BBB59"/>
       </a:accent3>
       <a:accent4>
-        <a:srgbClr val="8064a2"/>
+        <a:srgbClr val="8064A2"/>
       </a:accent4>
       <a:accent5>
-        <a:srgbClr val="4bacc6"/>
+        <a:srgbClr val="4BACC6"/>
       </a:accent5>
       <a:accent6>
-        <a:srgbClr val="f79646"/>
+        <a:srgbClr val="F79646"/>
       </a:accent6>
       <a:hlink>
-        <a:srgbClr val="0000ff"/>
+        <a:srgbClr val="0000FF"/>
       </a:hlink>
       <a:folHlink>
         <a:srgbClr val="800080"/>
@@ -7166,6 +9452,8 @@
       </a:bgFillStyleLst>
     </a:fmtScheme>
   </a:themeElements>
+  <a:objectDefaults/>
+  <a:extraClrSchemeLst/>
 </a:theme>
 </file>
 
@@ -7180,31 +9468,31 @@
         <a:sysClr val="window" lastClr="FFFFFF"/>
       </a:lt1>
       <a:dk2>
-        <a:srgbClr val="1f497d"/>
+        <a:srgbClr val="1F497D"/>
       </a:dk2>
       <a:lt2>
-        <a:srgbClr val="eeece1"/>
+        <a:srgbClr val="EEECE1"/>
       </a:lt2>
       <a:accent1>
-        <a:srgbClr val="4f81bd"/>
+        <a:srgbClr val="4F81BD"/>
       </a:accent1>
       <a:accent2>
-        <a:srgbClr val="c0504d"/>
+        <a:srgbClr val="C0504D"/>
       </a:accent2>
       <a:accent3>
-        <a:srgbClr val="9bbb59"/>
+        <a:srgbClr val="9BBB59"/>
       </a:accent3>
       <a:accent4>
-        <a:srgbClr val="8064a2"/>
+        <a:srgbClr val="8064A2"/>
       </a:accent4>
       <a:accent5>
-        <a:srgbClr val="4bacc6"/>
+        <a:srgbClr val="4BACC6"/>
       </a:accent5>
       <a:accent6>
-        <a:srgbClr val="f79646"/>
+        <a:srgbClr val="F79646"/>
       </a:accent6>
       <a:hlink>
-        <a:srgbClr val="0000ff"/>
+        <a:srgbClr val="0000FF"/>
       </a:hlink>
       <a:folHlink>
         <a:srgbClr val="800080"/>
@@ -7392,6 +9680,8 @@
       </a:bgFillStyleLst>
     </a:fmtScheme>
   </a:themeElements>
+  <a:objectDefaults/>
+  <a:extraClrSchemeLst/>
 </a:theme>
 </file>
 
@@ -7406,31 +9696,31 @@
         <a:sysClr val="window" lastClr="FFFFFF"/>
       </a:lt1>
       <a:dk2>
-        <a:srgbClr val="1f497d"/>
+        <a:srgbClr val="1F497D"/>
       </a:dk2>
       <a:lt2>
-        <a:srgbClr val="eeece1"/>
+        <a:srgbClr val="EEECE1"/>
       </a:lt2>
       <a:accent1>
-        <a:srgbClr val="4f81bd"/>
+        <a:srgbClr val="4F81BD"/>
       </a:accent1>
       <a:accent2>
-        <a:srgbClr val="c0504d"/>
+        <a:srgbClr val="C0504D"/>
       </a:accent2>
       <a:accent3>
-        <a:srgbClr val="9bbb59"/>
+        <a:srgbClr val="9BBB59"/>
       </a:accent3>
       <a:accent4>
-        <a:srgbClr val="8064a2"/>
+        <a:srgbClr val="8064A2"/>
       </a:accent4>
       <a:accent5>
-        <a:srgbClr val="4bacc6"/>
+        <a:srgbClr val="4BACC6"/>
       </a:accent5>
       <a:accent6>
-        <a:srgbClr val="f79646"/>
+        <a:srgbClr val="F79646"/>
       </a:accent6>
       <a:hlink>
-        <a:srgbClr val="0000ff"/>
+        <a:srgbClr val="0000FF"/>
       </a:hlink>
       <a:folHlink>
         <a:srgbClr val="800080"/>
@@ -7618,5 +9908,7 @@
       </a:bgFillStyleLst>
     </a:fmtScheme>
   </a:themeElements>
+  <a:objectDefaults/>
+  <a:extraClrSchemeLst/>
 </a:theme>
 </file>
--- a/student_session_2021/Доклад.pptx
+++ b/student_session_2021/Доклад.pptx
@@ -1792,8 +1792,8 @@
         </p:nvSpPr>
         <p:spPr>
           <a:xfrm>
-            <a:off x="1143000" y="685800"/>
-            <a:ext cx="4563360" cy="3420360"/>
+            <a:off x="1144588" y="685800"/>
+            <a:ext cx="4560887" cy="3421063"/>
           </a:xfrm>
           <a:prstGeom prst="rect">
             <a:avLst/>
@@ -2229,8 +2229,8 @@
         </p:nvSpPr>
         <p:spPr>
           <a:xfrm>
-            <a:off x="1143000" y="685800"/>
-            <a:ext cx="4563360" cy="3420360"/>
+            <a:off x="1144588" y="685800"/>
+            <a:ext cx="4560887" cy="3421063"/>
           </a:xfrm>
           <a:prstGeom prst="rect">
             <a:avLst/>
@@ -5746,7 +5746,7 @@
         </p:style>
         <p:txBody>
           <a:bodyPr lIns="90000" tIns="45000" rIns="90000" bIns="45000" anchor="ctr">
-            <a:normAutofit fontScale="73000" lnSpcReduction="10000"/>
+            <a:normAutofit fontScale="80500" lnSpcReduction="20000"/>
           </a:bodyPr>
           <a:lstStyle/>
           <a:p>
@@ -5803,122 +5803,227 @@
           <a:fontRef idx="minor"/>
         </p:style>
       </p:sp>
-      <p:sp>
-        <p:nvSpPr>
-          <p:cNvPr id="84" name="CustomShape 3"/>
-          <p:cNvSpPr/>
-          <p:nvPr/>
-        </p:nvSpPr>
-        <p:spPr>
-          <a:xfrm>
-            <a:off x="720000" y="4248000"/>
-            <a:ext cx="3092760" cy="343080"/>
-          </a:xfrm>
-          <a:prstGeom prst="rect">
-            <a:avLst/>
-          </a:prstGeom>
-          <a:noFill/>
-          <a:ln>
-            <a:noFill/>
-          </a:ln>
-        </p:spPr>
-        <p:style>
-          <a:lnRef idx="0">
-            <a:scrgbClr r="0" g="0" b="0"/>
-          </a:lnRef>
-          <a:fillRef idx="0">
-            <a:scrgbClr r="0" g="0" b="0"/>
-          </a:fillRef>
-          <a:effectRef idx="0">
-            <a:scrgbClr r="0" g="0" b="0"/>
-          </a:effectRef>
-          <a:fontRef idx="minor"/>
-        </p:style>
-        <p:txBody>
-          <a:bodyPr lIns="90000" tIns="45000" rIns="90000" bIns="45000">
-            <a:noAutofit/>
-          </a:bodyPr>
-          <a:lstStyle/>
-          <a:p>
-            <a:pPr>
-              <a:lnSpc>
-                <a:spcPct val="100000"/>
-              </a:lnSpc>
-            </a:pPr>
-            <a:r>
-              <a:rPr lang="ru-RU" sz="1800" b="0" strike="noStrike" spc="-1">
-                <a:solidFill>
-                  <a:srgbClr val="000000"/>
-                </a:solidFill>
-                <a:latin typeface="Arial"/>
-                <a:ea typeface="DejaVu Sans"/>
-              </a:rPr>
-              <a:t>Автор: Усиков Д.А.</a:t>
-            </a:r>
-            <a:endParaRPr lang="ru-RU" sz="1800" b="0" strike="noStrike" spc="-1">
-              <a:latin typeface="Arial"/>
-            </a:endParaRPr>
-          </a:p>
-        </p:txBody>
-      </p:sp>
-      <p:sp>
-        <p:nvSpPr>
-          <p:cNvPr id="85" name="CustomShape 4"/>
-          <p:cNvSpPr/>
-          <p:nvPr/>
-        </p:nvSpPr>
-        <p:spPr>
-          <a:xfrm>
-            <a:off x="720000" y="5112000"/>
-            <a:ext cx="6332760" cy="599040"/>
-          </a:xfrm>
-          <a:prstGeom prst="rect">
-            <a:avLst/>
-          </a:prstGeom>
-          <a:noFill/>
-          <a:ln>
-            <a:noFill/>
-          </a:ln>
-        </p:spPr>
-        <p:style>
-          <a:lnRef idx="0">
-            <a:scrgbClr r="0" g="0" b="0"/>
-          </a:lnRef>
-          <a:fillRef idx="0">
-            <a:scrgbClr r="0" g="0" b="0"/>
-          </a:fillRef>
-          <a:effectRef idx="0">
-            <a:scrgbClr r="0" g="0" b="0"/>
-          </a:effectRef>
-          <a:fontRef idx="minor"/>
-        </p:style>
-        <p:txBody>
-          <a:bodyPr lIns="90000" tIns="45000" rIns="90000" bIns="45000">
-            <a:noAutofit/>
-          </a:bodyPr>
-          <a:lstStyle/>
-          <a:p>
-            <a:pPr>
-              <a:lnSpc>
-                <a:spcPct val="100000"/>
-              </a:lnSpc>
-            </a:pPr>
-            <a:r>
-              <a:rPr lang="ru-RU" sz="1800" b="0" strike="noStrike" spc="-1">
-                <a:solidFill>
-                  <a:srgbClr val="000000"/>
-                </a:solidFill>
-                <a:latin typeface="Arial"/>
-                <a:ea typeface="DejaVu Sans"/>
-              </a:rPr>
-              <a:t>Научный руководитель:д. ф.-м. н., доц. Л.И. Аверина </a:t>
-            </a:r>
-            <a:endParaRPr lang="ru-RU" sz="1800" b="0" strike="noStrike" spc="-1">
-              <a:latin typeface="Arial"/>
-            </a:endParaRPr>
-          </a:p>
-        </p:txBody>
-      </p:sp>
+      <p:graphicFrame>
+        <p:nvGraphicFramePr>
+          <p:cNvPr id="6" name="Таблица 5"/>
+          <p:cNvGraphicFramePr>
+            <a:graphicFrameLocks noGrp="1"/>
+          </p:cNvGraphicFramePr>
+          <p:nvPr>
+            <p:extLst>
+              <p:ext uri="{D42A27DB-BD31-4B8C-83A1-F6EECF244321}">
+                <p14:modId xmlns:p14="http://schemas.microsoft.com/office/powerpoint/2010/main" val="765366587"/>
+              </p:ext>
+            </p:extLst>
+          </p:nvPr>
+        </p:nvGraphicFramePr>
+        <p:xfrm>
+          <a:off x="2627784" y="5445224"/>
+          <a:ext cx="6516216" cy="859282"/>
+        </p:xfrm>
+        <a:graphic>
+          <a:graphicData uri="http://schemas.openxmlformats.org/drawingml/2006/table">
+            <a:tbl>
+              <a:tblPr firstRow="1" firstCol="1" bandRow="1">
+                <a:tableStyleId>{2D5ABB26-0587-4C30-8999-92F81FD0307C}</a:tableStyleId>
+              </a:tblPr>
+              <a:tblGrid>
+                <a:gridCol w="2168449"/>
+                <a:gridCol w="2270843"/>
+                <a:gridCol w="2076924"/>
+              </a:tblGrid>
+              <a:tr h="26288">
+                <a:tc>
+                  <a:txBody>
+                    <a:bodyPr/>
+                    <a:lstStyle/>
+                    <a:p>
+                      <a:pPr>
+                        <a:lnSpc>
+                          <a:spcPct val="150000"/>
+                        </a:lnSpc>
+                        <a:spcAft>
+                          <a:spcPts val="800"/>
+                        </a:spcAft>
+                      </a:pPr>
+                      <a:r>
+                        <a:rPr lang="ru-RU" sz="2000" dirty="0" smtClean="0">
+                          <a:effectLst/>
+                        </a:rPr>
+                        <a:t>Обучающийся:</a:t>
+                      </a:r>
+                      <a:endParaRPr lang="ru-RU" sz="1600" dirty="0">
+                        <a:effectLst/>
+                        <a:latin typeface="Times New Roman" panose="02020603050405020304" pitchFamily="18" charset="0"/>
+                        <a:ea typeface="Calibri"/>
+                        <a:cs typeface="Times New Roman" panose="02020603050405020304" pitchFamily="18" charset="0"/>
+                      </a:endParaRPr>
+                    </a:p>
+                  </a:txBody>
+                  <a:tcPr marL="68580" marR="68580" marT="0" marB="0"/>
+                </a:tc>
+                <a:tc>
+                  <a:txBody>
+                    <a:bodyPr/>
+                    <a:lstStyle/>
+                    <a:p>
+                      <a:pPr>
+                        <a:lnSpc>
+                          <a:spcPct val="150000"/>
+                        </a:lnSpc>
+                        <a:spcAft>
+                          <a:spcPts val="800"/>
+                        </a:spcAft>
+                      </a:pPr>
+                      <a:r>
+                        <a:rPr lang="ru-RU" sz="2000" dirty="0">
+                          <a:effectLst/>
+                        </a:rPr>
+                        <a:t> </a:t>
+                      </a:r>
+                      <a:endParaRPr lang="ru-RU" sz="1600" dirty="0">
+                        <a:effectLst/>
+                        <a:latin typeface="Times New Roman" panose="02020603050405020304" pitchFamily="18" charset="0"/>
+                        <a:ea typeface="Calibri"/>
+                        <a:cs typeface="Times New Roman" panose="02020603050405020304" pitchFamily="18" charset="0"/>
+                      </a:endParaRPr>
+                    </a:p>
+                  </a:txBody>
+                  <a:tcPr marL="68580" marR="68580" marT="0" marB="0"/>
+                </a:tc>
+                <a:tc>
+                  <a:txBody>
+                    <a:bodyPr/>
+                    <a:lstStyle/>
+                    <a:p>
+                      <a:pPr>
+                        <a:lnSpc>
+                          <a:spcPct val="150000"/>
+                        </a:lnSpc>
+                        <a:spcAft>
+                          <a:spcPts val="800"/>
+                        </a:spcAft>
+                      </a:pPr>
+                      <a:r>
+                        <a:rPr lang="ru-RU" sz="2000" b="0" strike="noStrike" spc="-1" dirty="0" smtClean="0">
+                          <a:solidFill>
+                            <a:srgbClr val="000000"/>
+                          </a:solidFill>
+                          <a:latin typeface="+mn-lt"/>
+                          <a:ea typeface="+mn-ea"/>
+                        </a:rPr>
+                        <a:t>Усиков Д.А</a:t>
+                      </a:r>
+                      <a:r>
+                        <a:rPr lang="ru-RU" sz="2000" dirty="0" smtClean="0">
+                          <a:effectLst/>
+                        </a:rPr>
+                        <a:t>.</a:t>
+                      </a:r>
+                      <a:endParaRPr lang="ru-RU" sz="1600" dirty="0">
+                        <a:effectLst/>
+                        <a:latin typeface="Times New Roman" panose="02020603050405020304" pitchFamily="18" charset="0"/>
+                        <a:ea typeface="Calibri"/>
+                        <a:cs typeface="Times New Roman" panose="02020603050405020304" pitchFamily="18" charset="0"/>
+                      </a:endParaRPr>
+                    </a:p>
+                  </a:txBody>
+                  <a:tcPr marL="68580" marR="68580" marT="0" marB="0"/>
+                </a:tc>
+              </a:tr>
+              <a:tr h="0">
+                <a:tc>
+                  <a:txBody>
+                    <a:bodyPr/>
+                    <a:lstStyle/>
+                    <a:p>
+                      <a:pPr>
+                        <a:lnSpc>
+                          <a:spcPct val="150000"/>
+                        </a:lnSpc>
+                        <a:spcAft>
+                          <a:spcPts val="800"/>
+                        </a:spcAft>
+                      </a:pPr>
+                      <a:r>
+                        <a:rPr lang="ru-RU" sz="2000" dirty="0" smtClean="0">
+                          <a:effectLst/>
+                        </a:rPr>
+                        <a:t>Руководитель:</a:t>
+                      </a:r>
+                      <a:endParaRPr lang="ru-RU" sz="1600" dirty="0">
+                        <a:effectLst/>
+                        <a:latin typeface="Times New Roman" panose="02020603050405020304" pitchFamily="18" charset="0"/>
+                        <a:ea typeface="Calibri"/>
+                        <a:cs typeface="Times New Roman" panose="02020603050405020304" pitchFamily="18" charset="0"/>
+                      </a:endParaRPr>
+                    </a:p>
+                  </a:txBody>
+                  <a:tcPr marL="68580" marR="68580" marT="0" marB="0"/>
+                </a:tc>
+                <a:tc>
+                  <a:txBody>
+                    <a:bodyPr/>
+                    <a:lstStyle/>
+                    <a:p>
+                      <a:pPr>
+                        <a:lnSpc>
+                          <a:spcPct val="150000"/>
+                        </a:lnSpc>
+                        <a:spcAft>
+                          <a:spcPts val="800"/>
+                        </a:spcAft>
+                      </a:pPr>
+                      <a:r>
+                        <a:rPr lang="ru-RU" sz="2000">
+                          <a:effectLst/>
+                        </a:rPr>
+                        <a:t>д. ф.-м. н, проф.</a:t>
+                      </a:r>
+                      <a:endParaRPr lang="ru-RU" sz="1600">
+                        <a:effectLst/>
+                        <a:latin typeface="Times New Roman" panose="02020603050405020304" pitchFamily="18" charset="0"/>
+                        <a:ea typeface="Calibri"/>
+                        <a:cs typeface="Times New Roman" panose="02020603050405020304" pitchFamily="18" charset="0"/>
+                      </a:endParaRPr>
+                    </a:p>
+                  </a:txBody>
+                  <a:tcPr marL="68580" marR="68580" marT="0" marB="0"/>
+                </a:tc>
+                <a:tc>
+                  <a:txBody>
+                    <a:bodyPr/>
+                    <a:lstStyle/>
+                    <a:p>
+                      <a:pPr>
+                        <a:lnSpc>
+                          <a:spcPct val="150000"/>
+                        </a:lnSpc>
+                        <a:spcAft>
+                          <a:spcPts val="800"/>
+                        </a:spcAft>
+                      </a:pPr>
+                      <a:r>
+                        <a:rPr lang="ru-RU" sz="2000" dirty="0">
+                          <a:effectLst/>
+                        </a:rPr>
+                        <a:t>Аверина Л. И.</a:t>
+                      </a:r>
+                      <a:endParaRPr lang="ru-RU" sz="1600" dirty="0">
+                        <a:effectLst/>
+                        <a:latin typeface="Times New Roman" panose="02020603050405020304" pitchFamily="18" charset="0"/>
+                        <a:ea typeface="Calibri"/>
+                        <a:cs typeface="Times New Roman" panose="02020603050405020304" pitchFamily="18" charset="0"/>
+                      </a:endParaRPr>
+                    </a:p>
+                  </a:txBody>
+                  <a:tcPr marL="68580" marR="68580" marT="0" marB="0"/>
+                </a:tc>
+              </a:tr>
+            </a:tbl>
+          </a:graphicData>
+        </a:graphic>
+      </p:graphicFrame>
     </p:spTree>
   </p:cSld>
   <p:clrMapOvr>
@@ -5928,7 +6033,7 @@
     <mc:Choice Requires="p14">
       <p:transition spd="slow" p14:dur="2000"/>
     </mc:Choice>
-    <mc:Fallback xmlns:p15="http://schemas.microsoft.com/office/powerpoint/2012/main" xmlns="">
+    <mc:Fallback xmlns="" xmlns:p15="http://schemas.microsoft.com/office/powerpoint/2012/main">
       <p:transition spd="slow"/>
     </mc:Fallback>
   </mc:AlternateContent>
@@ -6049,6 +6154,38 @@
           <a:fontRef idx="minor"/>
         </p:style>
       </p:sp>
+      <p:sp>
+        <p:nvSpPr>
+          <p:cNvPr id="4" name="TextBox 3"/>
+          <p:cNvSpPr txBox="1"/>
+          <p:nvPr/>
+        </p:nvSpPr>
+        <p:spPr>
+          <a:xfrm>
+            <a:off x="8460432" y="0"/>
+            <a:ext cx="683568" cy="461665"/>
+          </a:xfrm>
+          <a:prstGeom prst="rect">
+            <a:avLst/>
+          </a:prstGeom>
+          <a:noFill/>
+        </p:spPr>
+        <p:txBody>
+          <a:bodyPr wrap="square" rtlCol="0">
+            <a:spAutoFit/>
+          </a:bodyPr>
+          <a:lstStyle/>
+          <a:p>
+            <a:pPr algn="ctr"/>
+            <a:fld id="{4ECEE6B5-8CB6-40F7-9C10-5B351414AB6E}" type="slidenum">
+              <a:rPr lang="ru-RU" sz="2400" smtClean="0"/>
+              <a:pPr algn="ctr"/>
+              <a:t>10</a:t>
+            </a:fld>
+            <a:endParaRPr lang="ru-RU" sz="2400" dirty="0"/>
+          </a:p>
+        </p:txBody>
+      </p:sp>
     </p:spTree>
   </p:cSld>
   <p:clrMapOvr>
@@ -6058,7 +6195,7 @@
     <mc:Choice Requires="p14">
       <p:transition spd="slow" p14:dur="2000"/>
     </mc:Choice>
-    <mc:Fallback xmlns:p15="http://schemas.microsoft.com/office/powerpoint/2012/main" xmlns="">
+    <mc:Fallback xmlns="" xmlns:p15="http://schemas.microsoft.com/office/powerpoint/2012/main">
       <p:transition spd="slow"/>
     </mc:Fallback>
   </mc:AlternateContent>
@@ -6153,6 +6290,38 @@
           <a:fontRef idx="minor"/>
         </p:style>
       </p:sp>
+      <p:sp>
+        <p:nvSpPr>
+          <p:cNvPr id="4" name="TextBox 3"/>
+          <p:cNvSpPr txBox="1"/>
+          <p:nvPr/>
+        </p:nvSpPr>
+        <p:spPr>
+          <a:xfrm>
+            <a:off x="8460432" y="0"/>
+            <a:ext cx="683568" cy="461665"/>
+          </a:xfrm>
+          <a:prstGeom prst="rect">
+            <a:avLst/>
+          </a:prstGeom>
+          <a:noFill/>
+        </p:spPr>
+        <p:txBody>
+          <a:bodyPr wrap="square" rtlCol="0">
+            <a:spAutoFit/>
+          </a:bodyPr>
+          <a:lstStyle/>
+          <a:p>
+            <a:pPr algn="ctr"/>
+            <a:fld id="{4ECEE6B5-8CB6-40F7-9C10-5B351414AB6E}" type="slidenum">
+              <a:rPr lang="ru-RU" sz="2400" smtClean="0"/>
+              <a:pPr algn="ctr"/>
+              <a:t>11</a:t>
+            </a:fld>
+            <a:endParaRPr lang="ru-RU" sz="2400" dirty="0"/>
+          </a:p>
+        </p:txBody>
+      </p:sp>
     </p:spTree>
   </p:cSld>
   <p:clrMapOvr>
@@ -6162,7 +6331,7 @@
     <mc:Choice Requires="p14">
       <p:transition spd="slow" p14:dur="2000"/>
     </mc:Choice>
-    <mc:Fallback xmlns:p15="http://schemas.microsoft.com/office/powerpoint/2012/main" xmlns="">
+    <mc:Fallback xmlns="" xmlns:p15="http://schemas.microsoft.com/office/powerpoint/2012/main">
       <p:transition spd="slow"/>
     </mc:Fallback>
   </mc:AlternateContent>
@@ -6291,6 +6460,38 @@
           </a:p>
         </p:txBody>
       </p:sp>
+      <p:sp>
+        <p:nvSpPr>
+          <p:cNvPr id="4" name="TextBox 3"/>
+          <p:cNvSpPr txBox="1"/>
+          <p:nvPr/>
+        </p:nvSpPr>
+        <p:spPr>
+          <a:xfrm>
+            <a:off x="8460432" y="0"/>
+            <a:ext cx="683568" cy="461665"/>
+          </a:xfrm>
+          <a:prstGeom prst="rect">
+            <a:avLst/>
+          </a:prstGeom>
+          <a:noFill/>
+        </p:spPr>
+        <p:txBody>
+          <a:bodyPr wrap="square" rtlCol="0">
+            <a:spAutoFit/>
+          </a:bodyPr>
+          <a:lstStyle/>
+          <a:p>
+            <a:pPr algn="ctr"/>
+            <a:fld id="{4ECEE6B5-8CB6-40F7-9C10-5B351414AB6E}" type="slidenum">
+              <a:rPr lang="ru-RU" sz="2400" smtClean="0"/>
+              <a:pPr algn="ctr"/>
+              <a:t>12</a:t>
+            </a:fld>
+            <a:endParaRPr lang="ru-RU" sz="2400" dirty="0"/>
+          </a:p>
+        </p:txBody>
+      </p:sp>
     </p:spTree>
   </p:cSld>
   <p:clrMapOvr>
@@ -6300,7 +6501,7 @@
     <mc:Choice Requires="p14">
       <p:transition spd="slow" p14:dur="2000"/>
     </mc:Choice>
-    <mc:Fallback xmlns:p15="http://schemas.microsoft.com/office/powerpoint/2012/main" xmlns="">
+    <mc:Fallback xmlns="" xmlns:p15="http://schemas.microsoft.com/office/powerpoint/2012/main">
       <p:transition spd="slow"/>
     </mc:Fallback>
   </mc:AlternateContent>
@@ -6497,7 +6698,16 @@
                 </a:solidFill>
                 <a:latin typeface="Calibri"/>
               </a:rPr>
-              <a:t>Изучить основы адаптивной пространственной фильтрации в МР и проверить полученные знания на численном эксперименте</a:t>
+              <a:t>Изучение основ </a:t>
+            </a:r>
+            <a:r>
+              <a:rPr lang="ru-RU" sz="2000" spc="-1" dirty="0" smtClean="0">
+                <a:solidFill>
+                  <a:srgbClr val="000000"/>
+                </a:solidFill>
+                <a:latin typeface="Calibri"/>
+              </a:rPr>
+              <a:t>адаптивной пространственной фильтрации в МР и проверить полученные знания на численном эксперименте</a:t>
             </a:r>
             <a:endParaRPr lang="ru-RU" sz="2000" b="0" strike="noStrike" spc="-1" dirty="0">
               <a:latin typeface="Arial"/>
@@ -6547,7 +6757,37 @@
                 <a:latin typeface="Calibri"/>
                 <a:ea typeface="DejaVu Sans"/>
               </a:rPr>
-              <a:t>1)рассмотреть </a:t>
+              <a:t>1</a:t>
+            </a:r>
+            <a:r>
+              <a:rPr lang="ru-RU" sz="2000" b="0" strike="noStrike" spc="-1" dirty="0" smtClean="0">
+                <a:solidFill>
+                  <a:srgbClr val="000000"/>
+                </a:solidFill>
+                <a:latin typeface="Calibri"/>
+                <a:ea typeface="DejaVu Sans"/>
+              </a:rPr>
+              <a:t>) </a:t>
+            </a:r>
+            <a:r>
+              <a:rPr lang="ru-RU" sz="2000" b="0" strike="noStrike" spc="-1" dirty="0" smtClean="0">
+                <a:solidFill>
+                  <a:srgbClr val="C00000"/>
+                </a:solidFill>
+                <a:latin typeface="Calibri"/>
+                <a:ea typeface="DejaVu Sans"/>
+              </a:rPr>
+              <a:t>Рассмотреть</a:t>
+            </a:r>
+            <a:r>
+              <a:rPr lang="ru-RU" sz="2000" b="0" strike="noStrike" spc="-1" dirty="0" smtClean="0">
+                <a:solidFill>
+                  <a:srgbClr val="000000"/>
+                </a:solidFill>
+                <a:latin typeface="Calibri"/>
+                <a:ea typeface="DejaVu Sans"/>
+              </a:rPr>
+              <a:t> </a:t>
             </a:r>
             <a:r>
               <a:rPr lang="ru-RU" sz="2000" b="0" strike="noStrike" spc="-1" dirty="0">
@@ -6580,7 +6820,37 @@
                 <a:latin typeface="Calibri"/>
                 <a:ea typeface="DejaVu Sans"/>
               </a:rPr>
-              <a:t>2)рассмотреть </a:t>
+              <a:t>2</a:t>
+            </a:r>
+            <a:r>
+              <a:rPr lang="ru-RU" sz="2000" b="0" strike="noStrike" spc="-1" dirty="0" smtClean="0">
+                <a:solidFill>
+                  <a:srgbClr val="000000"/>
+                </a:solidFill>
+                <a:latin typeface="Calibri"/>
+                <a:ea typeface="DejaVu Sans"/>
+              </a:rPr>
+              <a:t>) </a:t>
+            </a:r>
+            <a:r>
+              <a:rPr lang="ru-RU" sz="2000" b="0" strike="noStrike" spc="-1" dirty="0" smtClean="0">
+                <a:solidFill>
+                  <a:srgbClr val="C00000"/>
+                </a:solidFill>
+                <a:latin typeface="Calibri"/>
+                <a:ea typeface="DejaVu Sans"/>
+              </a:rPr>
+              <a:t>Рассмотреть</a:t>
+            </a:r>
+            <a:r>
+              <a:rPr lang="ru-RU" sz="2000" b="0" strike="noStrike" spc="-1" dirty="0" smtClean="0">
+                <a:solidFill>
+                  <a:srgbClr val="000000"/>
+                </a:solidFill>
+                <a:latin typeface="Calibri"/>
+                <a:ea typeface="DejaVu Sans"/>
+              </a:rPr>
+              <a:t> </a:t>
             </a:r>
             <a:r>
               <a:rPr lang="ru-RU" sz="2000" b="0" strike="noStrike" spc="-1" dirty="0">
@@ -6613,7 +6883,37 @@
                 <a:latin typeface="Calibri"/>
                 <a:ea typeface="DejaVu Sans"/>
               </a:rPr>
-              <a:t>3)рассмотреть </a:t>
+              <a:t>3</a:t>
+            </a:r>
+            <a:r>
+              <a:rPr lang="ru-RU" sz="2000" b="0" strike="noStrike" spc="-1" dirty="0" smtClean="0">
+                <a:solidFill>
+                  <a:srgbClr val="000000"/>
+                </a:solidFill>
+                <a:latin typeface="Calibri"/>
+                <a:ea typeface="DejaVu Sans"/>
+              </a:rPr>
+              <a:t>) </a:t>
+            </a:r>
+            <a:r>
+              <a:rPr lang="ru-RU" sz="2000" b="0" strike="noStrike" spc="-1" dirty="0" smtClean="0">
+                <a:solidFill>
+                  <a:srgbClr val="C00000"/>
+                </a:solidFill>
+                <a:latin typeface="Calibri"/>
+                <a:ea typeface="DejaVu Sans"/>
+              </a:rPr>
+              <a:t>Рассмотреть</a:t>
+            </a:r>
+            <a:r>
+              <a:rPr lang="ru-RU" sz="2000" b="0" strike="noStrike" spc="-1" dirty="0" smtClean="0">
+                <a:solidFill>
+                  <a:srgbClr val="000000"/>
+                </a:solidFill>
+                <a:latin typeface="Calibri"/>
+                <a:ea typeface="DejaVu Sans"/>
+              </a:rPr>
+              <a:t> </a:t>
             </a:r>
             <a:r>
               <a:rPr lang="ru-RU" sz="2000" b="0" strike="noStrike" spc="-1" dirty="0">
@@ -6646,7 +6946,17 @@
                 <a:latin typeface="Calibri"/>
                 <a:ea typeface="DejaVu Sans"/>
               </a:rPr>
-              <a:t>4)смоделировать </a:t>
+              <a:t>4</a:t>
+            </a:r>
+            <a:r>
+              <a:rPr lang="ru-RU" sz="2000" b="0" strike="noStrike" spc="-1" dirty="0" smtClean="0">
+                <a:solidFill>
+                  <a:srgbClr val="000000"/>
+                </a:solidFill>
+                <a:latin typeface="Calibri"/>
+                <a:ea typeface="DejaVu Sans"/>
+              </a:rPr>
+              <a:t>) Смоделировать </a:t>
             </a:r>
             <a:r>
               <a:rPr lang="ru-RU" sz="2000" b="0" strike="noStrike" spc="-1" dirty="0">
@@ -6656,21 +6966,8 @@
                 <a:latin typeface="Calibri"/>
                 <a:ea typeface="DejaVu Sans"/>
               </a:rPr>
-              <a:t>приём сигнала на МР с последующей фильтрацией</a:t>
-            </a:r>
-            <a:endParaRPr lang="ru-RU" sz="2000" b="0" strike="noStrike" spc="-1" dirty="0">
-              <a:latin typeface="Arial"/>
-            </a:endParaRPr>
-          </a:p>
-          <a:p>
-            <a:pPr>
-              <a:lnSpc>
-                <a:spcPct val="100000"/>
-              </a:lnSpc>
-              <a:spcBef>
-                <a:spcPts val="641"/>
-              </a:spcBef>
-            </a:pPr>
+              <a:t>приём сигнала на МР с последующей </a:t>
+            </a:r>
             <a:r>
               <a:rPr lang="ru-RU" sz="2000" b="0" strike="noStrike" spc="-1" dirty="0" smtClean="0">
                 <a:solidFill>
@@ -6679,35 +6976,43 @@
                 <a:latin typeface="Calibri"/>
                 <a:ea typeface="DejaVu Sans"/>
               </a:rPr>
-              <a:t>5)изучить </a:t>
-            </a:r>
-            <a:r>
-              <a:rPr lang="ru-RU" sz="2000" b="0" strike="noStrike" spc="-1" dirty="0">
-                <a:solidFill>
-                  <a:srgbClr val="000000"/>
-                </a:solidFill>
-                <a:latin typeface="Calibri"/>
-                <a:ea typeface="DejaVu Sans"/>
-              </a:rPr>
-              <a:t>литературу по данной </a:t>
-            </a:r>
-            <a:r>
-              <a:rPr lang="ru-RU" sz="2000" b="0" strike="noStrike" spc="-1" dirty="0" smtClean="0">
-                <a:solidFill>
-                  <a:srgbClr val="000000"/>
-                </a:solidFill>
-                <a:latin typeface="Calibri"/>
-                <a:ea typeface="DejaVu Sans"/>
-              </a:rPr>
-              <a:t>теме</a:t>
-            </a:r>
-            <a:endParaRPr lang="en-US" sz="2000" b="0" strike="noStrike" spc="-1" dirty="0" smtClean="0">
-              <a:solidFill>
-                <a:srgbClr val="000000"/>
-              </a:solidFill>
-              <a:latin typeface="Calibri"/>
-              <a:ea typeface="DejaVu Sans"/>
-            </a:endParaRPr>
+              <a:t>фильтрацией</a:t>
+            </a:r>
+            <a:endParaRPr lang="ru-RU" sz="2000" b="0" strike="noStrike" spc="-1" dirty="0">
+              <a:latin typeface="Arial"/>
+            </a:endParaRPr>
+          </a:p>
+        </p:txBody>
+      </p:sp>
+      <p:sp>
+        <p:nvSpPr>
+          <p:cNvPr id="2" name="TextBox 1"/>
+          <p:cNvSpPr txBox="1"/>
+          <p:nvPr/>
+        </p:nvSpPr>
+        <p:spPr>
+          <a:xfrm>
+            <a:off x="8460432" y="0"/>
+            <a:ext cx="683568" cy="461665"/>
+          </a:xfrm>
+          <a:prstGeom prst="rect">
+            <a:avLst/>
+          </a:prstGeom>
+          <a:noFill/>
+        </p:spPr>
+        <p:txBody>
+          <a:bodyPr wrap="square" rtlCol="0">
+            <a:spAutoFit/>
+          </a:bodyPr>
+          <a:lstStyle/>
+          <a:p>
+            <a:pPr algn="ctr"/>
+            <a:fld id="{4ECEE6B5-8CB6-40F7-9C10-5B351414AB6E}" type="slidenum">
+              <a:rPr lang="ru-RU" sz="2400" smtClean="0"/>
+              <a:pPr algn="ctr"/>
+              <a:t>2</a:t>
+            </a:fld>
+            <a:endParaRPr lang="ru-RU" sz="2400" dirty="0"/>
           </a:p>
         </p:txBody>
       </p:sp>
@@ -6720,7 +7025,7 @@
     <mc:Choice Requires="p14">
       <p:transition spd="slow" p14:dur="2000"/>
     </mc:Choice>
-    <mc:Fallback xmlns:p15="http://schemas.microsoft.com/office/powerpoint/2012/main" xmlns="">
+    <mc:Fallback xmlns="" xmlns:p15="http://schemas.microsoft.com/office/powerpoint/2012/main">
       <p:transition spd="slow"/>
     </mc:Fallback>
   </mc:AlternateContent>
@@ -7115,6 +7420,38 @@
           </a:p>
         </p:txBody>
       </p:sp>
+      <p:sp>
+        <p:nvSpPr>
+          <p:cNvPr id="11" name="TextBox 10"/>
+          <p:cNvSpPr txBox="1"/>
+          <p:nvPr/>
+        </p:nvSpPr>
+        <p:spPr>
+          <a:xfrm>
+            <a:off x="8460432" y="0"/>
+            <a:ext cx="683568" cy="461665"/>
+          </a:xfrm>
+          <a:prstGeom prst="rect">
+            <a:avLst/>
+          </a:prstGeom>
+          <a:noFill/>
+        </p:spPr>
+        <p:txBody>
+          <a:bodyPr wrap="square" rtlCol="0">
+            <a:spAutoFit/>
+          </a:bodyPr>
+          <a:lstStyle/>
+          <a:p>
+            <a:pPr algn="ctr"/>
+            <a:fld id="{4ECEE6B5-8CB6-40F7-9C10-5B351414AB6E}" type="slidenum">
+              <a:rPr lang="ru-RU" sz="2400" smtClean="0"/>
+              <a:pPr algn="ctr"/>
+              <a:t>3</a:t>
+            </a:fld>
+            <a:endParaRPr lang="ru-RU" sz="2400" dirty="0"/>
+          </a:p>
+        </p:txBody>
+      </p:sp>
     </p:spTree>
   </p:cSld>
   <p:clrMapOvr>
@@ -7124,7 +7461,7 @@
     <mc:Choice Requires="p14">
       <p:transition spd="slow" p14:dur="2000"/>
     </mc:Choice>
-    <mc:Fallback xmlns:p15="http://schemas.microsoft.com/office/powerpoint/2012/main" xmlns="">
+    <mc:Fallback xmlns="" xmlns:p15="http://schemas.microsoft.com/office/powerpoint/2012/main">
       <p:transition spd="slow"/>
     </mc:Fallback>
   </mc:AlternateContent>
@@ -7407,6 +7744,38 @@
           </a:ln>
         </p:spPr>
       </p:pic>
+      <p:sp>
+        <p:nvSpPr>
+          <p:cNvPr id="8" name="TextBox 7"/>
+          <p:cNvSpPr txBox="1"/>
+          <p:nvPr/>
+        </p:nvSpPr>
+        <p:spPr>
+          <a:xfrm>
+            <a:off x="8460432" y="0"/>
+            <a:ext cx="683568" cy="461665"/>
+          </a:xfrm>
+          <a:prstGeom prst="rect">
+            <a:avLst/>
+          </a:prstGeom>
+          <a:noFill/>
+        </p:spPr>
+        <p:txBody>
+          <a:bodyPr wrap="square" rtlCol="0">
+            <a:spAutoFit/>
+          </a:bodyPr>
+          <a:lstStyle/>
+          <a:p>
+            <a:pPr algn="ctr"/>
+            <a:fld id="{4ECEE6B5-8CB6-40F7-9C10-5B351414AB6E}" type="slidenum">
+              <a:rPr lang="ru-RU" sz="2400" smtClean="0"/>
+              <a:pPr algn="ctr"/>
+              <a:t>4</a:t>
+            </a:fld>
+            <a:endParaRPr lang="ru-RU" sz="2400" dirty="0"/>
+          </a:p>
+        </p:txBody>
+      </p:sp>
     </p:spTree>
   </p:cSld>
   <p:clrMapOvr>
@@ -7416,7 +7785,7 @@
     <mc:Choice Requires="p14">
       <p:transition spd="slow" p14:dur="2000"/>
     </mc:Choice>
-    <mc:Fallback xmlns:p15="http://schemas.microsoft.com/office/powerpoint/2012/main" xmlns="">
+    <mc:Fallback xmlns="" xmlns:p15="http://schemas.microsoft.com/office/powerpoint/2012/main">
       <p:transition spd="slow"/>
     </mc:Fallback>
   </mc:AlternateContent>
@@ -7827,6 +8196,38 @@
           </p:txBody>
         </p:sp>
       </p:grpSp>
+      <p:sp>
+        <p:nvSpPr>
+          <p:cNvPr id="15" name="TextBox 14"/>
+          <p:cNvSpPr txBox="1"/>
+          <p:nvPr/>
+        </p:nvSpPr>
+        <p:spPr>
+          <a:xfrm>
+            <a:off x="8460432" y="0"/>
+            <a:ext cx="683568" cy="461665"/>
+          </a:xfrm>
+          <a:prstGeom prst="rect">
+            <a:avLst/>
+          </a:prstGeom>
+          <a:noFill/>
+        </p:spPr>
+        <p:txBody>
+          <a:bodyPr wrap="square" rtlCol="0">
+            <a:spAutoFit/>
+          </a:bodyPr>
+          <a:lstStyle/>
+          <a:p>
+            <a:pPr algn="ctr"/>
+            <a:fld id="{4ECEE6B5-8CB6-40F7-9C10-5B351414AB6E}" type="slidenum">
+              <a:rPr lang="ru-RU" sz="2400" smtClean="0"/>
+              <a:pPr algn="ctr"/>
+              <a:t>5</a:t>
+            </a:fld>
+            <a:endParaRPr lang="ru-RU" sz="2400" dirty="0"/>
+          </a:p>
+        </p:txBody>
+      </p:sp>
     </p:spTree>
   </p:cSld>
   <p:clrMapOvr>
@@ -7836,7 +8237,7 @@
     <mc:Choice Requires="p14">
       <p:transition spd="slow" p14:dur="2000"/>
     </mc:Choice>
-    <mc:Fallback xmlns:p15="http://schemas.microsoft.com/office/powerpoint/2012/main" xmlns="">
+    <mc:Fallback xmlns="" xmlns:p15="http://schemas.microsoft.com/office/powerpoint/2012/main">
       <p:transition spd="slow"/>
     </mc:Fallback>
   </mc:AlternateContent>
@@ -8108,6 +8509,38 @@
           </a:prstGeom>
         </p:spPr>
       </p:pic>
+      <p:sp>
+        <p:nvSpPr>
+          <p:cNvPr id="8" name="TextBox 7"/>
+          <p:cNvSpPr txBox="1"/>
+          <p:nvPr/>
+        </p:nvSpPr>
+        <p:spPr>
+          <a:xfrm>
+            <a:off x="8460432" y="0"/>
+            <a:ext cx="683568" cy="461665"/>
+          </a:xfrm>
+          <a:prstGeom prst="rect">
+            <a:avLst/>
+          </a:prstGeom>
+          <a:noFill/>
+        </p:spPr>
+        <p:txBody>
+          <a:bodyPr wrap="square" rtlCol="0">
+            <a:spAutoFit/>
+          </a:bodyPr>
+          <a:lstStyle/>
+          <a:p>
+            <a:pPr algn="ctr"/>
+            <a:fld id="{4ECEE6B5-8CB6-40F7-9C10-5B351414AB6E}" type="slidenum">
+              <a:rPr lang="ru-RU" sz="2400" smtClean="0"/>
+              <a:pPr algn="ctr"/>
+              <a:t>6</a:t>
+            </a:fld>
+            <a:endParaRPr lang="ru-RU" sz="2400" dirty="0"/>
+          </a:p>
+        </p:txBody>
+      </p:sp>
     </p:spTree>
   </p:cSld>
   <p:clrMapOvr>
@@ -8117,7 +8550,7 @@
     <mc:Choice Requires="p14">
       <p:transition spd="slow" p14:dur="2000"/>
     </mc:Choice>
-    <mc:Fallback xmlns:p15="http://schemas.microsoft.com/office/powerpoint/2012/main" xmlns="">
+    <mc:Fallback xmlns="" xmlns:p15="http://schemas.microsoft.com/office/powerpoint/2012/main">
       <p:transition spd="slow"/>
     </mc:Fallback>
   </mc:AlternateContent>
@@ -8264,14 +8697,7 @@
                 <a:latin typeface="Times New Roman" panose="02020603050405020304" pitchFamily="18" charset="0"/>
                 <a:cs typeface="Times New Roman" panose="02020603050405020304" pitchFamily="18" charset="0"/>
               </a:rPr>
-              <a:t>LC </a:t>
-            </a:r>
-            <a:r>
-              <a:rPr lang="en-US" sz="2000" i="1" dirty="0" smtClean="0">
-                <a:latin typeface="Times New Roman" panose="02020603050405020304" pitchFamily="18" charset="0"/>
-                <a:cs typeface="Times New Roman" panose="02020603050405020304" pitchFamily="18" charset="0"/>
-              </a:rPr>
-              <a:t>LMS </a:t>
+              <a:t>LC LMS </a:t>
             </a:r>
             <a:r>
               <a:rPr lang="ru-RU" sz="2000" i="1" dirty="0" smtClean="0">
@@ -8455,7 +8881,7 @@
           <a:graphicData uri="http://schemas.openxmlformats.org/presentationml/2006/ole">
             <mc:AlternateContent xmlns:mc="http://schemas.openxmlformats.org/markup-compatibility/2006">
               <mc:Choice xmlns:v="urn:schemas-microsoft-com:vml" Requires="v">
-                <p:oleObj spid="_x0000_s1030" name="Формула" r:id="rId4" imgW="1511280" imgH="571320" progId="Equation.3">
+                <p:oleObj spid="_x0000_s1032" name="Формула" r:id="rId4" imgW="1511280" imgH="571320" progId="Equation.3">
                   <p:embed/>
                 </p:oleObj>
               </mc:Choice>
@@ -8525,7 +8951,7 @@
           <a:graphicData uri="http://schemas.openxmlformats.org/presentationml/2006/ole">
             <mc:AlternateContent xmlns:mc="http://schemas.openxmlformats.org/markup-compatibility/2006">
               <mc:Choice xmlns:v="urn:schemas-microsoft-com:vml" Requires="v">
-                <p:oleObj spid="_x0000_s1031" name="Формула" r:id="rId6" imgW="2209680" imgH="698400" progId="Equation.3">
+                <p:oleObj spid="_x0000_s1033" name="Формула" r:id="rId6" imgW="2209680" imgH="698400" progId="Equation.3">
                   <p:embed/>
                 </p:oleObj>
               </mc:Choice>
@@ -8864,6 +9290,38 @@
           </a:fontRef>
         </p:style>
       </p:cxnSp>
+      <p:sp>
+        <p:nvSpPr>
+          <p:cNvPr id="15" name="TextBox 14"/>
+          <p:cNvSpPr txBox="1"/>
+          <p:nvPr/>
+        </p:nvSpPr>
+        <p:spPr>
+          <a:xfrm>
+            <a:off x="8460432" y="0"/>
+            <a:ext cx="683568" cy="461665"/>
+          </a:xfrm>
+          <a:prstGeom prst="rect">
+            <a:avLst/>
+          </a:prstGeom>
+          <a:noFill/>
+        </p:spPr>
+        <p:txBody>
+          <a:bodyPr wrap="square" rtlCol="0">
+            <a:spAutoFit/>
+          </a:bodyPr>
+          <a:lstStyle/>
+          <a:p>
+            <a:pPr algn="ctr"/>
+            <a:fld id="{4ECEE6B5-8CB6-40F7-9C10-5B351414AB6E}" type="slidenum">
+              <a:rPr lang="ru-RU" sz="2400" smtClean="0"/>
+              <a:pPr algn="ctr"/>
+              <a:t>7</a:t>
+            </a:fld>
+            <a:endParaRPr lang="ru-RU" sz="2400" dirty="0"/>
+          </a:p>
+        </p:txBody>
+      </p:sp>
     </p:spTree>
   </p:cSld>
   <p:clrMapOvr>
@@ -8873,7 +9331,7 @@
     <mc:Choice Requires="p14">
       <p:transition spd="slow" p14:dur="2000"/>
     </mc:Choice>
-    <mc:Fallback xmlns:p15="http://schemas.microsoft.com/office/powerpoint/2012/main" xmlns="">
+    <mc:Fallback xmlns="" xmlns:p15="http://schemas.microsoft.com/office/powerpoint/2012/main">
       <p:transition spd="slow"/>
     </mc:Fallback>
   </mc:AlternateContent>
@@ -9054,6 +9512,38 @@
           </a:ln>
         </p:spPr>
       </p:pic>
+      <p:sp>
+        <p:nvSpPr>
+          <p:cNvPr id="7" name="TextBox 6"/>
+          <p:cNvSpPr txBox="1"/>
+          <p:nvPr/>
+        </p:nvSpPr>
+        <p:spPr>
+          <a:xfrm>
+            <a:off x="8460432" y="0"/>
+            <a:ext cx="683568" cy="461665"/>
+          </a:xfrm>
+          <a:prstGeom prst="rect">
+            <a:avLst/>
+          </a:prstGeom>
+          <a:noFill/>
+        </p:spPr>
+        <p:txBody>
+          <a:bodyPr wrap="square" rtlCol="0">
+            <a:spAutoFit/>
+          </a:bodyPr>
+          <a:lstStyle/>
+          <a:p>
+            <a:pPr algn="ctr"/>
+            <a:fld id="{4ECEE6B5-8CB6-40F7-9C10-5B351414AB6E}" type="slidenum">
+              <a:rPr lang="ru-RU" sz="2400" smtClean="0"/>
+              <a:pPr algn="ctr"/>
+              <a:t>8</a:t>
+            </a:fld>
+            <a:endParaRPr lang="ru-RU" sz="2400" dirty="0"/>
+          </a:p>
+        </p:txBody>
+      </p:sp>
     </p:spTree>
   </p:cSld>
   <p:clrMapOvr>
@@ -9063,7 +9553,7 @@
     <mc:Choice Requires="p14">
       <p:transition spd="slow" p14:dur="2000"/>
     </mc:Choice>
-    <mc:Fallback xmlns:p15="http://schemas.microsoft.com/office/powerpoint/2012/main" xmlns="">
+    <mc:Fallback xmlns="" xmlns:p15="http://schemas.microsoft.com/office/powerpoint/2012/main">
       <p:transition spd="slow"/>
     </mc:Fallback>
   </mc:AlternateContent>
@@ -9206,6 +9696,38 @@
           </a:ln>
         </p:spPr>
       </p:pic>
+      <p:sp>
+        <p:nvSpPr>
+          <p:cNvPr id="5" name="TextBox 4"/>
+          <p:cNvSpPr txBox="1"/>
+          <p:nvPr/>
+        </p:nvSpPr>
+        <p:spPr>
+          <a:xfrm>
+            <a:off x="8460432" y="0"/>
+            <a:ext cx="683568" cy="461665"/>
+          </a:xfrm>
+          <a:prstGeom prst="rect">
+            <a:avLst/>
+          </a:prstGeom>
+          <a:noFill/>
+        </p:spPr>
+        <p:txBody>
+          <a:bodyPr wrap="square" rtlCol="0">
+            <a:spAutoFit/>
+          </a:bodyPr>
+          <a:lstStyle/>
+          <a:p>
+            <a:pPr algn="ctr"/>
+            <a:fld id="{4ECEE6B5-8CB6-40F7-9C10-5B351414AB6E}" type="slidenum">
+              <a:rPr lang="ru-RU" sz="2400" smtClean="0"/>
+              <a:pPr algn="ctr"/>
+              <a:t>9</a:t>
+            </a:fld>
+            <a:endParaRPr lang="ru-RU" sz="2400" dirty="0"/>
+          </a:p>
+        </p:txBody>
+      </p:sp>
     </p:spTree>
   </p:cSld>
   <p:clrMapOvr>
@@ -9215,7 +9737,7 @@
     <mc:Choice Requires="p14">
       <p:transition spd="slow" p14:dur="2000"/>
     </mc:Choice>
-    <mc:Fallback xmlns:p15="http://schemas.microsoft.com/office/powerpoint/2012/main" xmlns="">
+    <mc:Fallback xmlns="" xmlns:p15="http://schemas.microsoft.com/office/powerpoint/2012/main">
       <p:transition spd="slow"/>
     </mc:Fallback>
   </mc:AlternateContent>

--- a/student_session_2021/Доклад.pptx
+++ b/student_session_2021/Доклад.pptx
@@ -1,34 +1,464 @@
 
 <file path=ppt/presentation.xml><?xml version="1.0" encoding="utf-8"?>
-<p:presentation xmlns:a="http://schemas.openxmlformats.org/drawingml/2006/main" xmlns:p="http://schemas.openxmlformats.org/presentationml/2006/main" xmlns:r="http://schemas.openxmlformats.org/officeDocument/2006/relationships" xmlns:p14="http://schemas.microsoft.com/office/powerpoint/2010/main" xmlns:p15="http://schemas.microsoft.com/office/powerpoint/2012/main" xmlns:mc="http://schemas.openxmlformats.org/markup-compatibility/2006">
+<p:presentation xmlns:a="http://schemas.openxmlformats.org/drawingml/2006/main" xmlns:r="http://schemas.openxmlformats.org/officeDocument/2006/relationships" xmlns:p="http://schemas.openxmlformats.org/presentationml/2006/main">
   <p:sldMasterIdLst>
-    <p:sldMasterId id="2147483648" r:id="rId2"/>
-    <p:sldMasterId id="2147483661" r:id="rId3"/>
+    <p:sldMasterId id="2147483648" r:id="rId1"/>
+    <p:sldMasterId id="2147483661" r:id="rId2"/>
   </p:sldMasterIdLst>
   <p:notesMasterIdLst>
-    <p:notesMasterId r:id="rId4"/>
+    <p:notesMasterId r:id="rId15"/>
   </p:notesMasterIdLst>
   <p:sldIdLst>
-    <p:sldId id="256" r:id="rId5"/>
-    <p:sldId id="257" r:id="rId6"/>
-    <p:sldId id="258" r:id="rId7"/>
-    <p:sldId id="259" r:id="rId8"/>
-    <p:sldId id="260" r:id="rId9"/>
-    <p:sldId id="261" r:id="rId10"/>
-    <p:sldId id="262" r:id="rId11"/>
-    <p:sldId id="263" r:id="rId12"/>
-    <p:sldId id="264" r:id="rId13"/>
-    <p:sldId id="265" r:id="rId14"/>
-    <p:sldId id="266" r:id="rId15"/>
-    <p:sldId id="267" r:id="rId16"/>
+    <p:sldId id="256" r:id="rId3"/>
+    <p:sldId id="257" r:id="rId4"/>
+    <p:sldId id="258" r:id="rId5"/>
+    <p:sldId id="259" r:id="rId6"/>
+    <p:sldId id="260" r:id="rId7"/>
+    <p:sldId id="261" r:id="rId8"/>
+    <p:sldId id="262" r:id="rId9"/>
+    <p:sldId id="263" r:id="rId10"/>
+    <p:sldId id="264" r:id="rId11"/>
+    <p:sldId id="265" r:id="rId12"/>
+    <p:sldId id="266" r:id="rId13"/>
+    <p:sldId id="267" r:id="rId14"/>
   </p:sldIdLst>
-  <p:sldSz cx="9144000" cy="6858000"/>
+  <p:sldSz cx="9144000" cy="6858000" type="screen4x3"/>
   <p:notesSz cx="6858000" cy="9144000"/>
+  <p:defaultTextStyle>
+    <a:defPPr>
+      <a:defRPr lang="ru-RU"/>
+    </a:defPPr>
+    <a:lvl1pPr marL="0" algn="l" defTabSz="914400" rtl="0" eaLnBrk="1" latinLnBrk="0" hangingPunct="1">
+      <a:defRPr sz="1800" kern="1200">
+        <a:solidFill>
+          <a:schemeClr val="tx1"/>
+        </a:solidFill>
+        <a:latin typeface="+mn-lt"/>
+        <a:ea typeface="+mn-ea"/>
+        <a:cs typeface="+mn-cs"/>
+      </a:defRPr>
+    </a:lvl1pPr>
+    <a:lvl2pPr marL="457200" algn="l" defTabSz="914400" rtl="0" eaLnBrk="1" latinLnBrk="0" hangingPunct="1">
+      <a:defRPr sz="1800" kern="1200">
+        <a:solidFill>
+          <a:schemeClr val="tx1"/>
+        </a:solidFill>
+        <a:latin typeface="+mn-lt"/>
+        <a:ea typeface="+mn-ea"/>
+        <a:cs typeface="+mn-cs"/>
+      </a:defRPr>
+    </a:lvl2pPr>
+    <a:lvl3pPr marL="914400" algn="l" defTabSz="914400" rtl="0" eaLnBrk="1" latinLnBrk="0" hangingPunct="1">
+      <a:defRPr sz="1800" kern="1200">
+        <a:solidFill>
+          <a:schemeClr val="tx1"/>
+        </a:solidFill>
+        <a:latin typeface="+mn-lt"/>
+        <a:ea typeface="+mn-ea"/>
+        <a:cs typeface="+mn-cs"/>
+      </a:defRPr>
+    </a:lvl3pPr>
+    <a:lvl4pPr marL="1371600" algn="l" defTabSz="914400" rtl="0" eaLnBrk="1" latinLnBrk="0" hangingPunct="1">
+      <a:defRPr sz="1800" kern="1200">
+        <a:solidFill>
+          <a:schemeClr val="tx1"/>
+        </a:solidFill>
+        <a:latin typeface="+mn-lt"/>
+        <a:ea typeface="+mn-ea"/>
+        <a:cs typeface="+mn-cs"/>
+      </a:defRPr>
+    </a:lvl4pPr>
+    <a:lvl5pPr marL="1828800" algn="l" defTabSz="914400" rtl="0" eaLnBrk="1" latinLnBrk="0" hangingPunct="1">
+      <a:defRPr sz="1800" kern="1200">
+        <a:solidFill>
+          <a:schemeClr val="tx1"/>
+        </a:solidFill>
+        <a:latin typeface="+mn-lt"/>
+        <a:ea typeface="+mn-ea"/>
+        <a:cs typeface="+mn-cs"/>
+      </a:defRPr>
+    </a:lvl5pPr>
+    <a:lvl6pPr marL="2286000" algn="l" defTabSz="914400" rtl="0" eaLnBrk="1" latinLnBrk="0" hangingPunct="1">
+      <a:defRPr sz="1800" kern="1200">
+        <a:solidFill>
+          <a:schemeClr val="tx1"/>
+        </a:solidFill>
+        <a:latin typeface="+mn-lt"/>
+        <a:ea typeface="+mn-ea"/>
+        <a:cs typeface="+mn-cs"/>
+      </a:defRPr>
+    </a:lvl6pPr>
+    <a:lvl7pPr marL="2743200" algn="l" defTabSz="914400" rtl="0" eaLnBrk="1" latinLnBrk="0" hangingPunct="1">
+      <a:defRPr sz="1800" kern="1200">
+        <a:solidFill>
+          <a:schemeClr val="tx1"/>
+        </a:solidFill>
+        <a:latin typeface="+mn-lt"/>
+        <a:ea typeface="+mn-ea"/>
+        <a:cs typeface="+mn-cs"/>
+      </a:defRPr>
+    </a:lvl7pPr>
+    <a:lvl8pPr marL="3200400" algn="l" defTabSz="914400" rtl="0" eaLnBrk="1" latinLnBrk="0" hangingPunct="1">
+      <a:defRPr sz="1800" kern="1200">
+        <a:solidFill>
+          <a:schemeClr val="tx1"/>
+        </a:solidFill>
+        <a:latin typeface="+mn-lt"/>
+        <a:ea typeface="+mn-ea"/>
+        <a:cs typeface="+mn-cs"/>
+      </a:defRPr>
+    </a:lvl8pPr>
+    <a:lvl9pPr marL="3657600" algn="l" defTabSz="914400" rtl="0" eaLnBrk="1" latinLnBrk="0" hangingPunct="1">
+      <a:defRPr sz="1800" kern="1200">
+        <a:solidFill>
+          <a:schemeClr val="tx1"/>
+        </a:solidFill>
+        <a:latin typeface="+mn-lt"/>
+        <a:ea typeface="+mn-ea"/>
+        <a:cs typeface="+mn-cs"/>
+      </a:defRPr>
+    </a:lvl9pPr>
+  </p:defaultTextStyle>
 </p:presentation>
 </file>
 
 <file path=ppt/notesMasters/notesMaster1.xml><?xml version="1.0" encoding="utf-8"?>
-<p:notesMaster xmlns:a="http://schemas.openxmlformats.org/drawingml/2006/main" xmlns:p="http://schemas.openxmlformats.org/presentationml/2006/main" xmlns:r="http://schemas.openxmlformats.org/officeDocument/2006/relationships" xmlns:p14="http://schemas.microsoft.com/office/powerpoint/2010/main" xmlns:p15="http://schemas.microsoft.com/office/powerpoint/2012/main" xmlns:mc="http://schemas.openxmlformats.org/markup-compatibility/2006">
+<p:notesMaster xmlns:a="http://schemas.openxmlformats.org/drawingml/2006/main" xmlns:r="http://schemas.openxmlformats.org/officeDocument/2006/relationships" xmlns:p="http://schemas.openxmlformats.org/presentationml/2006/main">
+  <p:cSld>
+    <p:bg>
+      <p:bgRef idx="1001">
+        <a:schemeClr val="bg1"/>
+      </p:bgRef>
+    </p:bg>
+    <p:spTree>
+      <p:nvGrpSpPr>
+        <p:cNvPr id="1" name=""/>
+        <p:cNvGrpSpPr/>
+        <p:nvPr/>
+      </p:nvGrpSpPr>
+      <p:grpSpPr>
+        <a:xfrm>
+          <a:off x="0" y="0"/>
+          <a:ext cx="0" cy="0"/>
+          <a:chOff x="0" y="0"/>
+          <a:chExt cx="0" cy="0"/>
+        </a:xfrm>
+      </p:grpSpPr>
+      <p:sp>
+        <p:nvSpPr>
+          <p:cNvPr id="76" name="PlaceHolder 1"/>
+          <p:cNvSpPr>
+            <a:spLocks noGrp="1" noRot="1" noChangeAspect="1"/>
+          </p:cNvSpPr>
+          <p:nvPr>
+            <p:ph type="sldImg"/>
+          </p:nvPr>
+        </p:nvSpPr>
+        <p:spPr>
+          <a:xfrm>
+            <a:off x="216000" y="812520"/>
+            <a:ext cx="7127280" cy="4008960"/>
+          </a:xfrm>
+          <a:prstGeom prst="rect">
+            <a:avLst/>
+          </a:prstGeom>
+        </p:spPr>
+        <p:txBody>
+          <a:bodyPr lIns="0" tIns="0" rIns="0" bIns="0" anchor="ctr">
+            <a:noAutofit/>
+          </a:bodyPr>
+          <a:lstStyle/>
+          <a:p>
+            <a:pPr algn="ctr"/>
+            <a:r>
+              <a:rPr lang="ru-RU" sz="4400" b="0" strike="noStrike" spc="-1">
+                <a:latin typeface="Arial"/>
+              </a:rPr>
+              <a:t>Для перемещения страницы щёлкните мышью</a:t>
+            </a:r>
+          </a:p>
+        </p:txBody>
+      </p:sp>
+      <p:sp>
+        <p:nvSpPr>
+          <p:cNvPr id="77" name="PlaceHolder 2"/>
+          <p:cNvSpPr>
+            <a:spLocks noGrp="1"/>
+          </p:cNvSpPr>
+          <p:nvPr>
+            <p:ph type="body"/>
+          </p:nvPr>
+        </p:nvSpPr>
+        <p:spPr>
+          <a:xfrm>
+            <a:off x="756000" y="5078520"/>
+            <a:ext cx="6047640" cy="4811040"/>
+          </a:xfrm>
+          <a:prstGeom prst="rect">
+            <a:avLst/>
+          </a:prstGeom>
+        </p:spPr>
+        <p:txBody>
+          <a:bodyPr lIns="0" tIns="0" rIns="0" bIns="0">
+            <a:noAutofit/>
+          </a:bodyPr>
+          <a:lstStyle/>
+          <a:p>
+            <a:r>
+              <a:rPr lang="ru-RU" sz="2000" b="0" strike="noStrike" spc="-1">
+                <a:latin typeface="Arial"/>
+              </a:rPr>
+              <a:t>Для правки формата примечаний щёлкните мышью</a:t>
+            </a:r>
+          </a:p>
+        </p:txBody>
+      </p:sp>
+      <p:sp>
+        <p:nvSpPr>
+          <p:cNvPr id="78" name="PlaceHolder 3"/>
+          <p:cNvSpPr>
+            <a:spLocks noGrp="1"/>
+          </p:cNvSpPr>
+          <p:nvPr>
+            <p:ph type="hdr"/>
+          </p:nvPr>
+        </p:nvSpPr>
+        <p:spPr>
+          <a:xfrm>
+            <a:off x="0" y="0"/>
+            <a:ext cx="3280680" cy="534240"/>
+          </a:xfrm>
+          <a:prstGeom prst="rect">
+            <a:avLst/>
+          </a:prstGeom>
+        </p:spPr>
+        <p:txBody>
+          <a:bodyPr lIns="0" tIns="0" rIns="0" bIns="0">
+            <a:noAutofit/>
+          </a:bodyPr>
+          <a:lstStyle/>
+          <a:p>
+            <a:r>
+              <a:rPr lang="ru-RU" sz="1400" b="0" strike="noStrike" spc="-1">
+                <a:latin typeface="Times New Roman"/>
+              </a:rPr>
+              <a:t>&lt;верхний колонтитул&gt;</a:t>
+            </a:r>
+          </a:p>
+        </p:txBody>
+      </p:sp>
+      <p:sp>
+        <p:nvSpPr>
+          <p:cNvPr id="79" name="PlaceHolder 4"/>
+          <p:cNvSpPr>
+            <a:spLocks noGrp="1"/>
+          </p:cNvSpPr>
+          <p:nvPr>
+            <p:ph type="dt"/>
+          </p:nvPr>
+        </p:nvSpPr>
+        <p:spPr>
+          <a:xfrm>
+            <a:off x="4278960" y="0"/>
+            <a:ext cx="3280680" cy="534240"/>
+          </a:xfrm>
+          <a:prstGeom prst="rect">
+            <a:avLst/>
+          </a:prstGeom>
+        </p:spPr>
+        <p:txBody>
+          <a:bodyPr lIns="0" tIns="0" rIns="0" bIns="0">
+            <a:noAutofit/>
+          </a:bodyPr>
+          <a:lstStyle/>
+          <a:p>
+            <a:pPr algn="r"/>
+            <a:r>
+              <a:rPr lang="ru-RU" sz="1400" b="0" strike="noStrike" spc="-1">
+                <a:latin typeface="Times New Roman"/>
+              </a:rPr>
+              <a:t>&lt;дата/время&gt;</a:t>
+            </a:r>
+          </a:p>
+        </p:txBody>
+      </p:sp>
+      <p:sp>
+        <p:nvSpPr>
+          <p:cNvPr id="80" name="PlaceHolder 5"/>
+          <p:cNvSpPr>
+            <a:spLocks noGrp="1"/>
+          </p:cNvSpPr>
+          <p:nvPr>
+            <p:ph type="ftr"/>
+          </p:nvPr>
+        </p:nvSpPr>
+        <p:spPr>
+          <a:xfrm>
+            <a:off x="0" y="10157400"/>
+            <a:ext cx="3280680" cy="534240"/>
+          </a:xfrm>
+          <a:prstGeom prst="rect">
+            <a:avLst/>
+          </a:prstGeom>
+        </p:spPr>
+        <p:txBody>
+          <a:bodyPr lIns="0" tIns="0" rIns="0" bIns="0" anchor="b">
+            <a:noAutofit/>
+          </a:bodyPr>
+          <a:lstStyle/>
+          <a:p>
+            <a:r>
+              <a:rPr lang="ru-RU" sz="1400" b="0" strike="noStrike" spc="-1">
+                <a:latin typeface="Times New Roman"/>
+              </a:rPr>
+              <a:t>&lt;нижний колонтитул&gt;</a:t>
+            </a:r>
+          </a:p>
+        </p:txBody>
+      </p:sp>
+      <p:sp>
+        <p:nvSpPr>
+          <p:cNvPr id="81" name="PlaceHolder 6"/>
+          <p:cNvSpPr>
+            <a:spLocks noGrp="1"/>
+          </p:cNvSpPr>
+          <p:nvPr>
+            <p:ph type="sldNum"/>
+          </p:nvPr>
+        </p:nvSpPr>
+        <p:spPr>
+          <a:xfrm>
+            <a:off x="4278960" y="10157400"/>
+            <a:ext cx="3280680" cy="534240"/>
+          </a:xfrm>
+          <a:prstGeom prst="rect">
+            <a:avLst/>
+          </a:prstGeom>
+        </p:spPr>
+        <p:txBody>
+          <a:bodyPr lIns="0" tIns="0" rIns="0" bIns="0" anchor="b">
+            <a:noAutofit/>
+          </a:bodyPr>
+          <a:lstStyle/>
+          <a:p>
+            <a:pPr algn="r"/>
+            <a:fld id="{AF52B30E-D67A-455A-8D73-57E2DD6F57AF}" type="slidenum">
+              <a:rPr lang="ru-RU" sz="1400" b="0" strike="noStrike" spc="-1">
+                <a:latin typeface="Times New Roman"/>
+              </a:rPr>
+              <a:t>‹#›</a:t>
+            </a:fld>
+            <a:endParaRPr lang="ru-RU" sz="1400" b="0" strike="noStrike" spc="-1">
+              <a:latin typeface="Times New Roman"/>
+            </a:endParaRPr>
+          </a:p>
+        </p:txBody>
+      </p:sp>
+    </p:spTree>
+    <p:extLst>
+      <p:ext uri="{BB962C8B-B14F-4D97-AF65-F5344CB8AC3E}">
+        <p14:creationId xmlns:p14="http://schemas.microsoft.com/office/powerpoint/2010/main" val="3481111226"/>
+      </p:ext>
+    </p:extLst>
+  </p:cSld>
+  <p:clrMap bg1="lt1" tx1="dk1" bg2="lt2" tx2="dk2" accent1="accent1" accent2="accent2" accent3="accent3" accent4="accent4" accent5="accent5" accent6="accent6" hlink="hlink" folHlink="folHlink"/>
+  <p:notesStyle>
+    <a:lvl1pPr marL="0" algn="l" defTabSz="914400" rtl="0" eaLnBrk="1" latinLnBrk="0" hangingPunct="1">
+      <a:defRPr sz="1200" kern="1200">
+        <a:solidFill>
+          <a:schemeClr val="tx1"/>
+        </a:solidFill>
+        <a:latin typeface="+mn-lt"/>
+        <a:ea typeface="+mn-ea"/>
+        <a:cs typeface="+mn-cs"/>
+      </a:defRPr>
+    </a:lvl1pPr>
+    <a:lvl2pPr marL="457200" algn="l" defTabSz="914400" rtl="0" eaLnBrk="1" latinLnBrk="0" hangingPunct="1">
+      <a:defRPr sz="1200" kern="1200">
+        <a:solidFill>
+          <a:schemeClr val="tx1"/>
+        </a:solidFill>
+        <a:latin typeface="+mn-lt"/>
+        <a:ea typeface="+mn-ea"/>
+        <a:cs typeface="+mn-cs"/>
+      </a:defRPr>
+    </a:lvl2pPr>
+    <a:lvl3pPr marL="914400" algn="l" defTabSz="914400" rtl="0" eaLnBrk="1" latinLnBrk="0" hangingPunct="1">
+      <a:defRPr sz="1200" kern="1200">
+        <a:solidFill>
+          <a:schemeClr val="tx1"/>
+        </a:solidFill>
+        <a:latin typeface="+mn-lt"/>
+        <a:ea typeface="+mn-ea"/>
+        <a:cs typeface="+mn-cs"/>
+      </a:defRPr>
+    </a:lvl3pPr>
+    <a:lvl4pPr marL="1371600" algn="l" defTabSz="914400" rtl="0" eaLnBrk="1" latinLnBrk="0" hangingPunct="1">
+      <a:defRPr sz="1200" kern="1200">
+        <a:solidFill>
+          <a:schemeClr val="tx1"/>
+        </a:solidFill>
+        <a:latin typeface="+mn-lt"/>
+        <a:ea typeface="+mn-ea"/>
+        <a:cs typeface="+mn-cs"/>
+      </a:defRPr>
+    </a:lvl4pPr>
+    <a:lvl5pPr marL="1828800" algn="l" defTabSz="914400" rtl="0" eaLnBrk="1" latinLnBrk="0" hangingPunct="1">
+      <a:defRPr sz="1200" kern="1200">
+        <a:solidFill>
+          <a:schemeClr val="tx1"/>
+        </a:solidFill>
+        <a:latin typeface="+mn-lt"/>
+        <a:ea typeface="+mn-ea"/>
+        <a:cs typeface="+mn-cs"/>
+      </a:defRPr>
+    </a:lvl5pPr>
+    <a:lvl6pPr marL="2286000" algn="l" defTabSz="914400" rtl="0" eaLnBrk="1" latinLnBrk="0" hangingPunct="1">
+      <a:defRPr sz="1200" kern="1200">
+        <a:solidFill>
+          <a:schemeClr val="tx1"/>
+        </a:solidFill>
+        <a:latin typeface="+mn-lt"/>
+        <a:ea typeface="+mn-ea"/>
+        <a:cs typeface="+mn-cs"/>
+      </a:defRPr>
+    </a:lvl6pPr>
+    <a:lvl7pPr marL="2743200" algn="l" defTabSz="914400" rtl="0" eaLnBrk="1" latinLnBrk="0" hangingPunct="1">
+      <a:defRPr sz="1200" kern="1200">
+        <a:solidFill>
+          <a:schemeClr val="tx1"/>
+        </a:solidFill>
+        <a:latin typeface="+mn-lt"/>
+        <a:ea typeface="+mn-ea"/>
+        <a:cs typeface="+mn-cs"/>
+      </a:defRPr>
+    </a:lvl7pPr>
+    <a:lvl8pPr marL="3200400" algn="l" defTabSz="914400" rtl="0" eaLnBrk="1" latinLnBrk="0" hangingPunct="1">
+      <a:defRPr sz="1200" kern="1200">
+        <a:solidFill>
+          <a:schemeClr val="tx1"/>
+        </a:solidFill>
+        <a:latin typeface="+mn-lt"/>
+        <a:ea typeface="+mn-ea"/>
+        <a:cs typeface="+mn-cs"/>
+      </a:defRPr>
+    </a:lvl8pPr>
+    <a:lvl9pPr marL="3657600" algn="l" defTabSz="914400" rtl="0" eaLnBrk="1" latinLnBrk="0" hangingPunct="1">
+      <a:defRPr sz="1200" kern="1200">
+        <a:solidFill>
+          <a:schemeClr val="tx1"/>
+        </a:solidFill>
+        <a:latin typeface="+mn-lt"/>
+        <a:ea typeface="+mn-ea"/>
+        <a:cs typeface="+mn-cs"/>
+      </a:defRPr>
+    </a:lvl9pPr>
+  </p:notesStyle>
+</p:notesMaster>
+</file>
+
+<file path=ppt/notesSlides/notesSlide1.xml><?xml version="1.0" encoding="utf-8"?>
+<p:notes xmlns:a="http://schemas.openxmlformats.org/drawingml/2006/main" xmlns:r="http://schemas.openxmlformats.org/officeDocument/2006/relationships" xmlns:p="http://schemas.openxmlformats.org/presentationml/2006/main">
   <p:cSld>
     <p:spTree>
       <p:nvGrpSpPr>
@@ -46,9 +476,9 @@
       </p:grpSpPr>
       <p:sp>
         <p:nvSpPr>
-          <p:cNvPr id="76" name="PlaceHolder 1"/>
+          <p:cNvPr id="127" name="PlaceHolder 1"/>
           <p:cNvSpPr>
-            <a:spLocks noGrp="1"/>
+            <a:spLocks noGrp="1" noRot="1" noChangeAspect="1"/>
           </p:cNvSpPr>
           <p:nvPr>
             <p:ph type="sldImg"/>
@@ -56,34 +486,17 @@
         </p:nvSpPr>
         <p:spPr>
           <a:xfrm>
-            <a:off x="216000" y="812520"/>
-            <a:ext cx="7127280" cy="4008960"/>
-          </a:xfrm>
-          <a:prstGeom prst="rect">
-            <a:avLst/>
-          </a:prstGeom>
-        </p:spPr>
-        <p:txBody>
-          <a:bodyPr lIns="0" rIns="0" tIns="0" bIns="0" anchor="ctr">
-            <a:noAutofit/>
-          </a:bodyPr>
-          <a:p>
-            <a:pPr algn="ctr"/>
-            <a:r>
-              <a:rPr b="0" lang="ru-RU" sz="4400" spc="-1" strike="noStrike">
-                <a:latin typeface="Arial"/>
-              </a:rPr>
-              <a:t>Для перемещения страницы щёлкните мышью</a:t>
-            </a:r>
-            <a:endParaRPr b="0" lang="ru-RU" sz="4400" spc="-1" strike="noStrike">
-              <a:latin typeface="Arial"/>
-            </a:endParaRPr>
-          </a:p>
-        </p:txBody>
-      </p:sp>
-      <p:sp>
-        <p:nvSpPr>
-          <p:cNvPr id="77" name="PlaceHolder 2"/>
+            <a:off x="1144588" y="685800"/>
+            <a:ext cx="4560887" cy="3421063"/>
+          </a:xfrm>
+          <a:prstGeom prst="rect">
+            <a:avLst/>
+          </a:prstGeom>
+        </p:spPr>
+      </p:sp>
+      <p:sp>
+        <p:nvSpPr>
+          <p:cNvPr id="128" name="PlaceHolder 2"/>
           <p:cNvSpPr>
             <a:spLocks noGrp="1"/>
           </p:cNvSpPr>
@@ -93,184 +506,352 @@
         </p:nvSpPr>
         <p:spPr>
           <a:xfrm>
-            <a:off x="756000" y="5078520"/>
-            <a:ext cx="6047640" cy="4811040"/>
-          </a:xfrm>
-          <a:prstGeom prst="rect">
-            <a:avLst/>
-          </a:prstGeom>
-        </p:spPr>
-        <p:txBody>
-          <a:bodyPr lIns="0" rIns="0" tIns="0" bIns="0">
+            <a:off x="685800" y="4343400"/>
+            <a:ext cx="5477760" cy="4106160"/>
+          </a:xfrm>
+          <a:prstGeom prst="rect">
+            <a:avLst/>
+          </a:prstGeom>
+        </p:spPr>
+        <p:txBody>
+          <a:bodyPr lIns="0" tIns="0" rIns="0" bIns="0">
             <a:noAutofit/>
           </a:bodyPr>
-          <a:p>
-            <a:r>
-              <a:rPr b="0" lang="ru-RU" sz="2000" spc="-1" strike="noStrike">
-                <a:latin typeface="Arial"/>
-              </a:rPr>
-              <a:t>Для правки формата примечаний щёлкните мышью</a:t>
-            </a:r>
-            <a:endParaRPr b="0" lang="ru-RU" sz="2000" spc="-1" strike="noStrike">
-              <a:latin typeface="Arial"/>
-            </a:endParaRPr>
-          </a:p>
-        </p:txBody>
-      </p:sp>
-      <p:sp>
-        <p:nvSpPr>
-          <p:cNvPr id="78" name="PlaceHolder 3"/>
-          <p:cNvSpPr>
-            <a:spLocks noGrp="1"/>
-          </p:cNvSpPr>
-          <p:nvPr>
-            <p:ph type="hdr"/>
-          </p:nvPr>
-        </p:nvSpPr>
-        <p:spPr>
-          <a:xfrm>
-            <a:off x="0" y="0"/>
-            <a:ext cx="3280680" cy="534240"/>
-          </a:xfrm>
-          <a:prstGeom prst="rect">
-            <a:avLst/>
-          </a:prstGeom>
-        </p:spPr>
-        <p:txBody>
-          <a:bodyPr lIns="0" rIns="0" tIns="0" bIns="0">
+          <a:lstStyle/>
+          <a:p>
+            <a:pPr marL="216000" indent="-207720">
+              <a:lnSpc>
+                <a:spcPct val="100000"/>
+              </a:lnSpc>
+              <a:tabLst>
+                <a:tab pos="0" algn="l"/>
+              </a:tabLst>
+            </a:pPr>
+            <a:r>
+              <a:rPr lang="ru-RU" sz="1200" b="0" strike="noStrike" spc="-1" dirty="0" smtClean="0">
+                <a:solidFill>
+                  <a:srgbClr val="000000"/>
+                </a:solidFill>
+                <a:latin typeface="+mn-lt"/>
+                <a:ea typeface="+mn-ea"/>
+              </a:rPr>
+              <a:t>МР</a:t>
+            </a:r>
+            <a:r>
+              <a:rPr lang="ru-RU" sz="1200" b="0" strike="noStrike" spc="-1" baseline="0" dirty="0" smtClean="0">
+                <a:solidFill>
+                  <a:srgbClr val="000000"/>
+                </a:solidFill>
+                <a:latin typeface="+mn-lt"/>
+                <a:ea typeface="+mn-ea"/>
+              </a:rPr>
+              <a:t> нашли свое применение не только в системах речевой связи, но и в сфере безопасности. </a:t>
+            </a:r>
+          </a:p>
+          <a:p>
+            <a:pPr marL="216000" indent="-207720">
+              <a:lnSpc>
+                <a:spcPct val="100000"/>
+              </a:lnSpc>
+              <a:tabLst>
+                <a:tab pos="0" algn="l"/>
+              </a:tabLst>
+            </a:pPr>
+            <a:r>
+              <a:rPr lang="ru-RU" sz="1200" b="0" strike="noStrike" spc="-1" baseline="0" dirty="0" smtClean="0">
+                <a:solidFill>
+                  <a:srgbClr val="000000"/>
+                </a:solidFill>
+                <a:latin typeface="+mn-lt"/>
+                <a:ea typeface="+mn-ea"/>
+              </a:rPr>
+              <a:t>Система </a:t>
+            </a:r>
+            <a:r>
+              <a:rPr lang="ru-RU" sz="1200" b="0" strike="noStrike" spc="-1" dirty="0" smtClean="0">
+                <a:solidFill>
+                  <a:srgbClr val="000000"/>
+                </a:solidFill>
+                <a:latin typeface="+mn-lt"/>
+                <a:ea typeface="+mn-ea"/>
+              </a:rPr>
+              <a:t>«</a:t>
+            </a:r>
+            <a:r>
+              <a:rPr lang="ru-RU" sz="1200" b="0" strike="noStrike" spc="-1" dirty="0">
+                <a:solidFill>
+                  <a:srgbClr val="000000"/>
+                </a:solidFill>
+                <a:latin typeface="+mn-lt"/>
+                <a:ea typeface="+mn-ea"/>
+              </a:rPr>
+              <a:t>Бумеранг» </a:t>
+            </a:r>
+            <a:r>
+              <a:rPr lang="ru-RU" sz="1200" b="0" strike="noStrike" spc="-1" baseline="0" dirty="0" smtClean="0">
+                <a:solidFill>
+                  <a:srgbClr val="000000"/>
+                </a:solidFill>
+                <a:latin typeface="+mn-lt"/>
+                <a:ea typeface="+mn-ea"/>
+              </a:rPr>
+              <a:t> </a:t>
+            </a:r>
+            <a:r>
+              <a:rPr lang="ru-RU" sz="1200" b="0" strike="noStrike" spc="-1" dirty="0" smtClean="0">
+                <a:solidFill>
+                  <a:srgbClr val="000000"/>
+                </a:solidFill>
+                <a:latin typeface="+mn-lt"/>
+                <a:ea typeface="+mn-ea"/>
+              </a:rPr>
+              <a:t>используется </a:t>
+            </a:r>
+            <a:r>
+              <a:rPr lang="ru-RU" sz="1200" b="0" strike="noStrike" spc="-1" dirty="0">
+                <a:solidFill>
+                  <a:srgbClr val="000000"/>
+                </a:solidFill>
+                <a:latin typeface="+mn-lt"/>
+                <a:ea typeface="+mn-ea"/>
+              </a:rPr>
+              <a:t>для защиты транспортных средств и войск от снайперского огня. </a:t>
+            </a:r>
+            <a:r>
+              <a:rPr lang="ru-RU" sz="1200" b="0" strike="noStrike" spc="-1" dirty="0" smtClean="0">
+                <a:solidFill>
+                  <a:srgbClr val="000000"/>
+                </a:solidFill>
+                <a:latin typeface="+mn-lt"/>
+                <a:ea typeface="+mn-ea"/>
+              </a:rPr>
+              <a:t>Она позволяет </a:t>
+            </a:r>
+            <a:r>
+              <a:rPr lang="ru-RU" sz="1200" b="0" strike="noStrike" spc="-1" dirty="0">
+                <a:solidFill>
+                  <a:srgbClr val="000000"/>
+                </a:solidFill>
+                <a:latin typeface="+mn-lt"/>
+                <a:ea typeface="+mn-ea"/>
+              </a:rPr>
+              <a:t>определить положение стрелка. </a:t>
+            </a:r>
+            <a:endParaRPr lang="ru-RU" sz="1200" b="0" strike="noStrike" spc="-1" dirty="0" smtClean="0">
+              <a:solidFill>
+                <a:srgbClr val="000000"/>
+              </a:solidFill>
+              <a:latin typeface="+mn-lt"/>
+              <a:ea typeface="+mn-ea"/>
+            </a:endParaRPr>
+          </a:p>
+          <a:p>
+            <a:pPr marL="216000" indent="-207720">
+              <a:lnSpc>
+                <a:spcPct val="100000"/>
+              </a:lnSpc>
+              <a:tabLst>
+                <a:tab pos="0" algn="l"/>
+              </a:tabLst>
+            </a:pPr>
+            <a:endParaRPr lang="ru-RU" sz="1200" b="0" strike="noStrike" spc="-1" dirty="0" smtClean="0">
+              <a:solidFill>
+                <a:srgbClr val="000000"/>
+              </a:solidFill>
+              <a:latin typeface="+mn-lt"/>
+              <a:ea typeface="+mn-ea"/>
+            </a:endParaRPr>
+          </a:p>
+          <a:p>
+            <a:pPr marL="216000" indent="-207720">
+              <a:lnSpc>
+                <a:spcPct val="100000"/>
+              </a:lnSpc>
+              <a:tabLst>
+                <a:tab pos="0" algn="l"/>
+              </a:tabLst>
+            </a:pPr>
+            <a:r>
+              <a:rPr lang="ru-RU" sz="1200" b="0" strike="noStrike" spc="-1" dirty="0" smtClean="0">
+                <a:solidFill>
+                  <a:srgbClr val="000000"/>
+                </a:solidFill>
+                <a:latin typeface="+mn-lt"/>
+                <a:ea typeface="+mn-ea"/>
+              </a:rPr>
+              <a:t>Система «</a:t>
+            </a:r>
+            <a:r>
+              <a:rPr lang="ru-RU" sz="1200" b="0" strike="noStrike" spc="-1" dirty="0">
+                <a:solidFill>
+                  <a:srgbClr val="000000"/>
+                </a:solidFill>
+                <a:latin typeface="+mn-lt"/>
+                <a:ea typeface="+mn-ea"/>
+              </a:rPr>
+              <a:t>SENTRI» </a:t>
+            </a:r>
+            <a:r>
+              <a:rPr lang="ru-RU" sz="1200" b="0" strike="noStrike" spc="-1" dirty="0" smtClean="0">
+                <a:solidFill>
+                  <a:srgbClr val="000000"/>
+                </a:solidFill>
+                <a:latin typeface="+mn-lt"/>
+                <a:ea typeface="+mn-ea"/>
+              </a:rPr>
+              <a:t>применяется в городах, способна различить</a:t>
+            </a:r>
+            <a:r>
+              <a:rPr lang="ru-RU" sz="1200" b="0" strike="noStrike" spc="-1" baseline="0" dirty="0" smtClean="0">
+                <a:solidFill>
+                  <a:srgbClr val="000000"/>
+                </a:solidFill>
+                <a:latin typeface="+mn-lt"/>
+                <a:ea typeface="+mn-ea"/>
+              </a:rPr>
+              <a:t> звук выстрела, определить его </a:t>
+            </a:r>
+            <a:r>
+              <a:rPr lang="ru-RU" sz="1200" b="0" strike="noStrike" spc="-1" baseline="0" dirty="0" err="1" smtClean="0">
+                <a:solidFill>
+                  <a:srgbClr val="000000"/>
+                </a:solidFill>
+                <a:latin typeface="+mn-lt"/>
+                <a:ea typeface="+mn-ea"/>
+              </a:rPr>
+              <a:t>направлениее</a:t>
+            </a:r>
+            <a:r>
+              <a:rPr lang="ru-RU" sz="1200" b="0" strike="noStrike" spc="-1" baseline="0" dirty="0" smtClean="0">
+                <a:solidFill>
+                  <a:srgbClr val="000000"/>
+                </a:solidFill>
+                <a:latin typeface="+mn-lt"/>
+                <a:ea typeface="+mn-ea"/>
+              </a:rPr>
+              <a:t> и вызвать полицию </a:t>
+            </a:r>
+            <a:endParaRPr lang="en-US" sz="1200" b="0" strike="noStrike" spc="-1" baseline="0" dirty="0" smtClean="0">
+              <a:solidFill>
+                <a:srgbClr val="000000"/>
+              </a:solidFill>
+              <a:latin typeface="+mn-lt"/>
+              <a:ea typeface="+mn-ea"/>
+            </a:endParaRPr>
+          </a:p>
+          <a:p>
+            <a:pPr marL="216000" indent="-207720">
+              <a:lnSpc>
+                <a:spcPct val="100000"/>
+              </a:lnSpc>
+              <a:tabLst>
+                <a:tab pos="0" algn="l"/>
+              </a:tabLst>
+            </a:pPr>
+            <a:r>
+              <a:rPr lang="ru-RU" sz="1200" b="0" strike="noStrike" spc="-1" baseline="0" dirty="0" smtClean="0">
+                <a:solidFill>
+                  <a:srgbClr val="000000"/>
+                </a:solidFill>
+                <a:latin typeface="+mn-lt"/>
+                <a:ea typeface="+mn-ea"/>
+              </a:rPr>
+              <a:t>МР </a:t>
+            </a:r>
+            <a:r>
+              <a:rPr lang="ru-RU" sz="1200" b="0" strike="noStrike" spc="-1" dirty="0" smtClean="0">
+                <a:solidFill>
+                  <a:srgbClr val="000000"/>
+                </a:solidFill>
+                <a:latin typeface="+mn-lt"/>
+                <a:ea typeface="+mn-ea"/>
+              </a:rPr>
+              <a:t>используются  </a:t>
+            </a:r>
+            <a:r>
+              <a:rPr lang="ru-RU" sz="1200" b="0" strike="noStrike" spc="-1" dirty="0">
+                <a:solidFill>
+                  <a:srgbClr val="000000"/>
+                </a:solidFill>
+                <a:latin typeface="+mn-lt"/>
+                <a:ea typeface="+mn-ea"/>
+              </a:rPr>
+              <a:t>для  получения  объемной  звуковой картины. Такие решения используются, например, в  автомобильной  промышленности  для  точного выявления мест, являющихся источниками нежелательных шумов – скрипа, стука и т.д.</a:t>
+            </a:r>
+            <a:endParaRPr lang="ru-RU" sz="1200" b="0" strike="noStrike" spc="-1" dirty="0">
+              <a:latin typeface="Arial"/>
+            </a:endParaRPr>
+          </a:p>
+        </p:txBody>
+      </p:sp>
+      <p:sp>
+        <p:nvSpPr>
+          <p:cNvPr id="129" name="CustomShape 3"/>
+          <p:cNvSpPr/>
+          <p:nvPr/>
+        </p:nvSpPr>
+        <p:spPr>
+          <a:xfrm>
+            <a:off x="3884760" y="8685360"/>
+            <a:ext cx="2963160" cy="448560"/>
+          </a:xfrm>
+          <a:prstGeom prst="rect">
+            <a:avLst/>
+          </a:prstGeom>
+          <a:noFill/>
+          <a:ln>
+            <a:noFill/>
+          </a:ln>
+        </p:spPr>
+        <p:style>
+          <a:lnRef idx="0">
+            <a:scrgbClr r="0" g="0" b="0"/>
+          </a:lnRef>
+          <a:fillRef idx="0">
+            <a:scrgbClr r="0" g="0" b="0"/>
+          </a:fillRef>
+          <a:effectRef idx="0">
+            <a:scrgbClr r="0" g="0" b="0"/>
+          </a:effectRef>
+          <a:fontRef idx="minor"/>
+        </p:style>
+        <p:txBody>
+          <a:bodyPr lIns="90000" tIns="45000" rIns="90000" bIns="45000" anchor="b">
             <a:noAutofit/>
           </a:bodyPr>
-          <a:p>
-            <a:r>
-              <a:rPr b="0" lang="ru-RU" sz="1400" spc="-1" strike="noStrike">
-                <a:latin typeface="Times New Roman"/>
-              </a:rPr>
-              <a:t>&lt;верхний колонтитул&gt;</a:t>
-            </a:r>
-            <a:endParaRPr b="0" lang="ru-RU" sz="1400" spc="-1" strike="noStrike">
-              <a:latin typeface="Times New Roman"/>
-            </a:endParaRPr>
-          </a:p>
-        </p:txBody>
-      </p:sp>
-      <p:sp>
-        <p:nvSpPr>
-          <p:cNvPr id="79" name="PlaceHolder 4"/>
-          <p:cNvSpPr>
-            <a:spLocks noGrp="1"/>
-          </p:cNvSpPr>
-          <p:nvPr>
-            <p:ph type="dt"/>
-          </p:nvPr>
-        </p:nvSpPr>
-        <p:spPr>
-          <a:xfrm>
-            <a:off x="4278960" y="0"/>
-            <a:ext cx="3280680" cy="534240"/>
-          </a:xfrm>
-          <a:prstGeom prst="rect">
-            <a:avLst/>
-          </a:prstGeom>
-        </p:spPr>
-        <p:txBody>
-          <a:bodyPr lIns="0" rIns="0" tIns="0" bIns="0">
-            <a:noAutofit/>
-          </a:bodyPr>
-          <a:p>
-            <a:pPr algn="r"/>
-            <a:r>
-              <a:rPr b="0" lang="ru-RU" sz="1400" spc="-1" strike="noStrike">
-                <a:latin typeface="Times New Roman"/>
-              </a:rPr>
-              <a:t>&lt;дата/время&gt;</a:t>
-            </a:r>
-            <a:endParaRPr b="0" lang="ru-RU" sz="1400" spc="-1" strike="noStrike">
-              <a:latin typeface="Times New Roman"/>
-            </a:endParaRPr>
-          </a:p>
-        </p:txBody>
-      </p:sp>
-      <p:sp>
-        <p:nvSpPr>
-          <p:cNvPr id="80" name="PlaceHolder 5"/>
-          <p:cNvSpPr>
-            <a:spLocks noGrp="1"/>
-          </p:cNvSpPr>
-          <p:nvPr>
-            <p:ph type="ftr"/>
-          </p:nvPr>
-        </p:nvSpPr>
-        <p:spPr>
-          <a:xfrm>
-            <a:off x="0" y="10157400"/>
-            <a:ext cx="3280680" cy="534240"/>
-          </a:xfrm>
-          <a:prstGeom prst="rect">
-            <a:avLst/>
-          </a:prstGeom>
-        </p:spPr>
-        <p:txBody>
-          <a:bodyPr lIns="0" rIns="0" tIns="0" bIns="0" anchor="b">
-            <a:noAutofit/>
-          </a:bodyPr>
-          <a:p>
-            <a:r>
-              <a:rPr b="0" lang="ru-RU" sz="1400" spc="-1" strike="noStrike">
-                <a:latin typeface="Times New Roman"/>
-              </a:rPr>
-              <a:t>&lt;нижний колонтитул&gt;</a:t>
-            </a:r>
-            <a:endParaRPr b="0" lang="ru-RU" sz="1400" spc="-1" strike="noStrike">
-              <a:latin typeface="Times New Roman"/>
-            </a:endParaRPr>
-          </a:p>
-        </p:txBody>
-      </p:sp>
-      <p:sp>
-        <p:nvSpPr>
-          <p:cNvPr id="81" name="PlaceHolder 6"/>
-          <p:cNvSpPr>
-            <a:spLocks noGrp="1"/>
-          </p:cNvSpPr>
-          <p:nvPr>
-            <p:ph type="sldNum"/>
-          </p:nvPr>
-        </p:nvSpPr>
-        <p:spPr>
-          <a:xfrm>
-            <a:off x="4278960" y="10157400"/>
-            <a:ext cx="3280680" cy="534240"/>
-          </a:xfrm>
-          <a:prstGeom prst="rect">
-            <a:avLst/>
-          </a:prstGeom>
-        </p:spPr>
-        <p:txBody>
-          <a:bodyPr lIns="0" rIns="0" tIns="0" bIns="0" anchor="b">
-            <a:noAutofit/>
-          </a:bodyPr>
-          <a:p>
-            <a:pPr algn="r"/>
-            <a:fld id="{AF52B30E-D67A-455A-8D73-57E2DD6F57AF}" type="slidenum">
-              <a:rPr b="0" lang="ru-RU" sz="1400" spc="-1" strike="noStrike">
-                <a:latin typeface="Times New Roman"/>
-              </a:rPr>
-              <a:t>&lt;номер&gt;</a:t>
+          <a:lstStyle/>
+          <a:p>
+            <a:pPr algn="r">
+              <a:lnSpc>
+                <a:spcPct val="100000"/>
+              </a:lnSpc>
+            </a:pPr>
+            <a:fld id="{ECD64A31-712F-4B1E-99B3-D841FA6A60CE}" type="slidenum">
+              <a:rPr lang="ru-RU" sz="1200" b="0" strike="noStrike" spc="-1">
+                <a:solidFill>
+                  <a:srgbClr val="000000"/>
+                </a:solidFill>
+                <a:latin typeface="+mn-lt"/>
+                <a:ea typeface="+mn-ea"/>
+              </a:rPr>
+              <a:t>3</a:t>
             </a:fld>
-            <a:endParaRPr b="0" lang="ru-RU" sz="1400" spc="-1" strike="noStrike">
-              <a:latin typeface="Times New Roman"/>
+            <a:endParaRPr lang="ru-RU" sz="1200" b="0" strike="noStrike" spc="-1">
+              <a:latin typeface="Arial"/>
             </a:endParaRPr>
           </a:p>
         </p:txBody>
       </p:sp>
     </p:spTree>
   </p:cSld>
-  <p:clrMap bg1="lt1" bg2="lt2" tx1="dk1" tx2="dk2" accent1="accent1" accent2="accent2" accent3="accent3" accent4="accent4" accent5="accent5" accent6="accent6" hlink="hlink" folHlink="folHlink"/>
-</p:notesMaster>
+  <p:clrMapOvr>
+    <a:masterClrMapping/>
+  </p:clrMapOvr>
+</p:notes>
 </file>
 
-<file path=ppt/notesSlides/notesSlide10.xml><?xml version="1.0" encoding="utf-8"?>
-<p:notes xmlns:a="http://schemas.openxmlformats.org/drawingml/2006/main" xmlns:p="http://schemas.openxmlformats.org/presentationml/2006/main" xmlns:r="http://schemas.openxmlformats.org/officeDocument/2006/relationships" xmlns:p14="http://schemas.microsoft.com/office/powerpoint/2010/main" xmlns:p15="http://schemas.microsoft.com/office/powerpoint/2012/main" xmlns:mc="http://schemas.openxmlformats.org/markup-compatibility/2006">
+<file path=ppt/notesSlides/notesSlide2.xml><?xml version="1.0" encoding="utf-8"?>
+<p:notes xmlns:a="http://schemas.openxmlformats.org/drawingml/2006/main" xmlns:r="http://schemas.openxmlformats.org/officeDocument/2006/relationships" xmlns:p="http://schemas.openxmlformats.org/presentationml/2006/main">
   <p:cSld>
     <p:spTree>
       <p:nvGrpSpPr>
@@ -288,9 +869,9 @@
       </p:grpSpPr>
       <p:sp>
         <p:nvSpPr>
-          <p:cNvPr id="148" name="PlaceHolder 1"/>
+          <p:cNvPr id="130" name="PlaceHolder 1"/>
           <p:cNvSpPr>
-            <a:spLocks noGrp="1"/>
+            <a:spLocks noGrp="1" noRot="1" noChangeAspect="1"/>
           </p:cNvSpPr>
           <p:nvPr>
             <p:ph type="sldImg"/>
@@ -298,17 +879,17 @@
         </p:nvSpPr>
         <p:spPr>
           <a:xfrm>
-            <a:off x="1143000" y="685800"/>
-            <a:ext cx="4563360" cy="3420360"/>
-          </a:xfrm>
-          <a:prstGeom prst="rect">
-            <a:avLst/>
-          </a:prstGeom>
-        </p:spPr>
-      </p:sp>
-      <p:sp>
-        <p:nvSpPr>
-          <p:cNvPr id="149" name="PlaceHolder 2"/>
+            <a:off x="1144588" y="685800"/>
+            <a:ext cx="4560887" cy="3421063"/>
+          </a:xfrm>
+          <a:prstGeom prst="rect">
+            <a:avLst/>
+          </a:prstGeom>
+        </p:spPr>
+      </p:sp>
+      <p:sp>
+        <p:nvSpPr>
+          <p:cNvPr id="131" name="PlaceHolder 2"/>
           <p:cNvSpPr>
             <a:spLocks noGrp="1"/>
           </p:cNvSpPr>
@@ -326,80 +907,200 @@
           </a:prstGeom>
         </p:spPr>
         <p:txBody>
-          <a:bodyPr lIns="0" rIns="0" tIns="0" bIns="0">
+          <a:bodyPr lIns="0" tIns="0" rIns="0" bIns="0">
             <a:noAutofit/>
           </a:bodyPr>
+          <a:lstStyle/>
+          <a:p>
+            <a:pPr marL="216000" marR="0" lvl="0" indent="-207720" algn="l" defTabSz="914400" rtl="0" eaLnBrk="1" fontAlgn="auto" latinLnBrk="0" hangingPunct="1">
+              <a:lnSpc>
+                <a:spcPct val="100000"/>
+              </a:lnSpc>
+              <a:spcBef>
+                <a:spcPts val="0"/>
+              </a:spcBef>
+              <a:spcAft>
+                <a:spcPts val="0"/>
+              </a:spcAft>
+              <a:buClrTx/>
+              <a:buSzTx/>
+              <a:buFontTx/>
+              <a:buNone/>
+              <a:tabLst>
+                <a:tab pos="0" algn="l"/>
+              </a:tabLst>
+              <a:defRPr/>
+            </a:pPr>
+            <a:r>
+              <a:rPr lang="ru-RU" sz="1400" kern="1200" dirty="0" smtClean="0">
+                <a:solidFill>
+                  <a:schemeClr val="tx1"/>
+                </a:solidFill>
+                <a:effectLst/>
+                <a:latin typeface="+mn-lt"/>
+                <a:ea typeface="+mn-ea"/>
+                <a:cs typeface="+mn-cs"/>
+              </a:rPr>
+              <a:t>Сигналы речевого диапазона частот занимают полосу от 300 до 3400 Гц, то есть являются широкополосными.</a:t>
+            </a:r>
+          </a:p>
+          <a:p>
+            <a:pPr marL="216000" marR="0" lvl="0" indent="-207720" algn="l" defTabSz="914400" rtl="0" eaLnBrk="1" fontAlgn="auto" latinLnBrk="0" hangingPunct="1">
+              <a:lnSpc>
+                <a:spcPct val="100000"/>
+              </a:lnSpc>
+              <a:spcBef>
+                <a:spcPts val="0"/>
+              </a:spcBef>
+              <a:spcAft>
+                <a:spcPts val="0"/>
+              </a:spcAft>
+              <a:buClrTx/>
+              <a:buSzTx/>
+              <a:buFontTx/>
+              <a:buNone/>
+              <a:tabLst>
+                <a:tab pos="0" algn="l"/>
+              </a:tabLst>
+              <a:defRPr/>
+            </a:pPr>
+            <a:r>
+              <a:rPr lang="ru-RU" sz="1400" kern="1200" dirty="0" smtClean="0">
+                <a:solidFill>
+                  <a:schemeClr val="tx1"/>
+                </a:solidFill>
+                <a:effectLst/>
+                <a:latin typeface="+mn-lt"/>
+                <a:ea typeface="+mn-ea"/>
+                <a:cs typeface="+mn-cs"/>
+              </a:rPr>
+              <a:t>Для обработки звука</a:t>
+            </a:r>
+            <a:r>
+              <a:rPr lang="ru-RU" sz="1400" kern="1200" baseline="0" dirty="0" smtClean="0">
+                <a:solidFill>
+                  <a:schemeClr val="tx1"/>
+                </a:solidFill>
+                <a:effectLst/>
+                <a:latin typeface="+mn-lt"/>
+                <a:ea typeface="+mn-ea"/>
+                <a:cs typeface="+mn-cs"/>
+              </a:rPr>
+              <a:t> МР используются в сочетании с формирователями луча. Это процессоры, которые обеспечивают частотно-зависимый отклик для каждого канала МР. Различают</a:t>
+            </a:r>
+            <a:endParaRPr lang="ru-RU" sz="1400" kern="1200" dirty="0" smtClean="0">
+              <a:solidFill>
+                <a:schemeClr val="tx1"/>
+              </a:solidFill>
+              <a:effectLst/>
+              <a:latin typeface="+mn-lt"/>
+              <a:ea typeface="+mn-ea"/>
+              <a:cs typeface="+mn-cs"/>
+            </a:endParaRPr>
+          </a:p>
           <a:p>
             <a:pPr marL="216000" indent="-207720">
               <a:lnSpc>
                 <a:spcPct val="100000"/>
               </a:lnSpc>
               <a:tabLst>
-                <a:tab algn="l" pos="0"/>
+                <a:tab pos="0" algn="l"/>
               </a:tabLst>
             </a:pPr>
-            <a:r>
-              <a:rPr b="0" lang="ru-RU" sz="1200" spc="-1" strike="noStrike">
+            <a:endParaRPr lang="ru-RU" sz="1400" b="0" strike="noStrike" spc="-1" dirty="0" smtClean="0">
+              <a:latin typeface="Arial"/>
+            </a:endParaRPr>
+          </a:p>
+          <a:p>
+            <a:pPr marL="216000" indent="-207720">
+              <a:lnSpc>
+                <a:spcPct val="100000"/>
+              </a:lnSpc>
+              <a:tabLst>
+                <a:tab pos="0" algn="l"/>
+              </a:tabLst>
+            </a:pPr>
+            <a:endParaRPr lang="ru-RU" sz="1400" b="0" strike="noStrike" spc="-1" dirty="0" smtClean="0">
+              <a:latin typeface="Arial"/>
+            </a:endParaRPr>
+          </a:p>
+          <a:p>
+            <a:pPr marL="216000" indent="-207720">
+              <a:lnSpc>
+                <a:spcPct val="100000"/>
+              </a:lnSpc>
+              <a:tabLst>
+                <a:tab pos="0" algn="l"/>
+              </a:tabLst>
+            </a:pPr>
+            <a:r>
+              <a:rPr lang="ru-RU" sz="1400" b="0" strike="noStrike" spc="-1" dirty="0" smtClean="0">
+                <a:latin typeface="Arial"/>
+              </a:rPr>
+              <a:t>Частотный ФЛ, </a:t>
+            </a:r>
+            <a:r>
+              <a:rPr lang="ru-RU" sz="1400" b="0" strike="noStrike" spc="-1" dirty="0">
+                <a:latin typeface="Arial"/>
+              </a:rPr>
+              <a:t>который разбивает спектр принятых сигналов на диапазоны и умножает каждый диапазон на соответствующие коэффициенты, и временной,  который  обеспечивает  частотно  зависимые коэффициенты с помощью линий задержки КИХ фильтров, расположенных в канале каждого сенсора. В данной работе я работал с временным формирователем луча</a:t>
+            </a:r>
+          </a:p>
+        </p:txBody>
+      </p:sp>
+      <p:sp>
+        <p:nvSpPr>
+          <p:cNvPr id="132" name="CustomShape 3"/>
+          <p:cNvSpPr/>
+          <p:nvPr/>
+        </p:nvSpPr>
+        <p:spPr>
+          <a:xfrm>
+            <a:off x="3884760" y="8685360"/>
+            <a:ext cx="2963160" cy="448560"/>
+          </a:xfrm>
+          <a:prstGeom prst="rect">
+            <a:avLst/>
+          </a:prstGeom>
+          <a:noFill/>
+          <a:ln>
+            <a:noFill/>
+          </a:ln>
+        </p:spPr>
+        <p:style>
+          <a:lnRef idx="0">
+            <a:scrgbClr r="0" g="0" b="0"/>
+          </a:lnRef>
+          <a:fillRef idx="0">
+            <a:scrgbClr r="0" g="0" b="0"/>
+          </a:fillRef>
+          <a:effectRef idx="0">
+            <a:scrgbClr r="0" g="0" b="0"/>
+          </a:effectRef>
+          <a:fontRef idx="minor"/>
+        </p:style>
+        <p:txBody>
+          <a:bodyPr lIns="90000" tIns="45000" rIns="90000" bIns="45000" anchor="b">
+            <a:noAutofit/>
+          </a:bodyPr>
+          <a:lstStyle/>
+          <a:p>
+            <a:pPr algn="r">
+              <a:lnSpc>
+                <a:spcPct val="100000"/>
+              </a:lnSpc>
+            </a:pPr>
+            <a:fld id="{B875CB0B-2BEB-4B2C-A427-5AAF16A4C41A}" type="slidenum">
+              <a:rPr lang="ru-RU" sz="1200" b="0" strike="noStrike" spc="-1">
                 <a:solidFill>
                   <a:srgbClr val="000000"/>
                 </a:solidFill>
                 <a:latin typeface="+mn-lt"/>
                 <a:ea typeface="+mn-ea"/>
               </a:rPr>
-              <a:t>графики выигрыша в ОСШ от порядка адаптивных фильтров и от числа микрофонов. Тоже самое для выигрыша в PESQ. </a:t>
-            </a:r>
-            <a:endParaRPr b="0" lang="ru-RU" sz="1200" spc="-1" strike="noStrike">
-              <a:latin typeface="Arial"/>
-            </a:endParaRPr>
-          </a:p>
-        </p:txBody>
-      </p:sp>
-      <p:sp>
-        <p:nvSpPr>
-          <p:cNvPr id="150" name="CustomShape 3"/>
-          <p:cNvSpPr/>
-          <p:nvPr/>
-        </p:nvSpPr>
-        <p:spPr>
-          <a:xfrm>
-            <a:off x="3884760" y="8685360"/>
-            <a:ext cx="2963160" cy="448560"/>
-          </a:xfrm>
-          <a:prstGeom prst="rect">
-            <a:avLst/>
-          </a:prstGeom>
-          <a:noFill/>
-          <a:ln>
-            <a:noFill/>
-          </a:ln>
-        </p:spPr>
-        <p:style>
-          <a:lnRef idx="0"/>
-          <a:fillRef idx="0"/>
-          <a:effectRef idx="0"/>
-          <a:fontRef idx="minor"/>
-        </p:style>
-        <p:txBody>
-          <a:bodyPr lIns="90000" rIns="90000" tIns="45000" bIns="45000" anchor="b">
-            <a:noAutofit/>
-          </a:bodyPr>
-          <a:p>
-            <a:pPr algn="r">
-              <a:lnSpc>
-                <a:spcPct val="100000"/>
-              </a:lnSpc>
-            </a:pPr>
-            <a:fld id="{7D46E883-34ED-4EC1-9584-904BB03CC24D}" type="slidenum">
-              <a:rPr b="0" lang="ru-RU" sz="1200" spc="-1" strike="noStrike">
-                <a:solidFill>
-                  <a:srgbClr val="000000"/>
-                </a:solidFill>
-                <a:latin typeface="+mn-lt"/>
-                <a:ea typeface="+mn-ea"/>
-              </a:rPr>
-              <a:t>&lt;номер&gt;</a:t>
+              <a:t>4</a:t>
             </a:fld>
-            <a:endParaRPr b="0" lang="ru-RU" sz="1200" spc="-1" strike="noStrike">
+            <a:endParaRPr lang="ru-RU" sz="1200" b="0" strike="noStrike" spc="-1">
               <a:latin typeface="Arial"/>
             </a:endParaRPr>
           </a:p>
@@ -407,11 +1108,14 @@
       </p:sp>
     </p:spTree>
   </p:cSld>
+  <p:clrMapOvr>
+    <a:masterClrMapping/>
+  </p:clrMapOvr>
 </p:notes>
 </file>
 
 <file path=ppt/notesSlides/notesSlide3.xml><?xml version="1.0" encoding="utf-8"?>
-<p:notes xmlns:a="http://schemas.openxmlformats.org/drawingml/2006/main" xmlns:p="http://schemas.openxmlformats.org/presentationml/2006/main" xmlns:r="http://schemas.openxmlformats.org/officeDocument/2006/relationships" xmlns:p14="http://schemas.microsoft.com/office/powerpoint/2010/main" xmlns:p15="http://schemas.microsoft.com/office/powerpoint/2012/main" xmlns:mc="http://schemas.openxmlformats.org/markup-compatibility/2006">
+<p:notes xmlns:a="http://schemas.openxmlformats.org/drawingml/2006/main" xmlns:r="http://schemas.openxmlformats.org/officeDocument/2006/relationships" xmlns:p="http://schemas.openxmlformats.org/presentationml/2006/main">
   <p:cSld>
     <p:spTree>
       <p:nvGrpSpPr>
@@ -429,9 +1133,9 @@
       </p:grpSpPr>
       <p:sp>
         <p:nvSpPr>
-          <p:cNvPr id="127" name="PlaceHolder 1"/>
+          <p:cNvPr id="133" name="PlaceHolder 1"/>
           <p:cNvSpPr>
-            <a:spLocks noGrp="1"/>
+            <a:spLocks noGrp="1" noRot="1" noChangeAspect="1"/>
           </p:cNvSpPr>
           <p:nvPr>
             <p:ph type="sldImg"/>
@@ -439,17 +1143,17 @@
         </p:nvSpPr>
         <p:spPr>
           <a:xfrm>
-            <a:off x="1143000" y="685800"/>
-            <a:ext cx="4563360" cy="3420360"/>
-          </a:xfrm>
-          <a:prstGeom prst="rect">
-            <a:avLst/>
-          </a:prstGeom>
-        </p:spPr>
-      </p:sp>
-      <p:sp>
-        <p:nvSpPr>
-          <p:cNvPr id="128" name="PlaceHolder 2"/>
+            <a:off x="1144588" y="685800"/>
+            <a:ext cx="4560887" cy="3421063"/>
+          </a:xfrm>
+          <a:prstGeom prst="rect">
+            <a:avLst/>
+          </a:prstGeom>
+        </p:spPr>
+      </p:sp>
+      <p:sp>
+        <p:nvSpPr>
+          <p:cNvPr id="134" name="PlaceHolder 2"/>
           <p:cNvSpPr>
             <a:spLocks noGrp="1"/>
           </p:cNvSpPr>
@@ -467,80 +1171,127 @@
           </a:prstGeom>
         </p:spPr>
         <p:txBody>
-          <a:bodyPr lIns="0" rIns="0" tIns="0" bIns="0">
+          <a:bodyPr lIns="0" tIns="0" rIns="0" bIns="0">
             <a:noAutofit/>
           </a:bodyPr>
-          <a:p>
-            <a:pPr marL="216000" indent="-207720">
+          <a:lstStyle/>
+          <a:p>
+            <a:pPr marL="216000" indent="-214200">
               <a:lnSpc>
                 <a:spcPct val="100000"/>
               </a:lnSpc>
               <a:tabLst>
-                <a:tab algn="l" pos="0"/>
+                <a:tab pos="0" algn="l"/>
               </a:tabLst>
             </a:pPr>
             <a:r>
-              <a:rPr b="0" lang="ru-RU" sz="1200" spc="-1" strike="noStrike">
+              <a:rPr lang="ru-RU" sz="1400" b="0" strike="noStrike" spc="-1" dirty="0" smtClean="0">
+                <a:latin typeface="+mn-lt"/>
+              </a:rPr>
+              <a:t>Формирователь луча можно рассматривать как разновидность фильтра. Частотно-</a:t>
+            </a:r>
+            <a:r>
+              <a:rPr lang="ru-RU" sz="1400" b="0" strike="noStrike" spc="-1" dirty="0" err="1" smtClean="0">
+                <a:latin typeface="+mn-lt"/>
+              </a:rPr>
+              <a:t>ВременнОй</a:t>
+            </a:r>
+            <a:r>
+              <a:rPr lang="ru-RU" sz="1400" b="0" strike="noStrike" spc="-1" baseline="0" dirty="0" smtClean="0">
+                <a:latin typeface="+mn-lt"/>
+              </a:rPr>
+              <a:t> </a:t>
+            </a:r>
+            <a:r>
+              <a:rPr lang="ru-RU" sz="1400" b="0" strike="noStrike" spc="-1" dirty="0" smtClean="0">
+                <a:latin typeface="+mn-lt"/>
+              </a:rPr>
+              <a:t>фильтр используются для приема сигнала и увеличения или уменьшения его отдельных частотных</a:t>
+            </a:r>
+            <a:r>
+              <a:rPr lang="ru-RU" sz="1400" b="0" strike="noStrike" spc="-1" baseline="0" dirty="0" smtClean="0">
+                <a:latin typeface="+mn-lt"/>
+              </a:rPr>
+              <a:t> компонент</a:t>
+            </a:r>
+            <a:endParaRPr lang="ru-RU" sz="1400" b="0" strike="noStrike" spc="-1" dirty="0" smtClean="0">
+              <a:latin typeface="+mn-lt"/>
+            </a:endParaRPr>
+          </a:p>
+          <a:p>
+            <a:pPr marL="216000" indent="-214200">
+              <a:lnSpc>
+                <a:spcPct val="100000"/>
+              </a:lnSpc>
+              <a:tabLst>
+                <a:tab pos="0" algn="l"/>
+              </a:tabLst>
+            </a:pPr>
+            <a:r>
+              <a:rPr lang="ru-RU" sz="1400" b="0" strike="noStrike" spc="-1" dirty="0" smtClean="0">
+                <a:latin typeface="+mn-lt"/>
+              </a:rPr>
+              <a:t>А роль ФЛ состоит в увеличении сигналов с определенного направления и уменьшении сигналов со всех других направлений</a:t>
+            </a:r>
+            <a:endParaRPr lang="ru-RU" sz="1400" b="0" strike="noStrike" spc="-1" dirty="0">
+              <a:latin typeface="Arial"/>
+            </a:endParaRPr>
+          </a:p>
+        </p:txBody>
+      </p:sp>
+      <p:sp>
+        <p:nvSpPr>
+          <p:cNvPr id="135" name="CustomShape 3"/>
+          <p:cNvSpPr/>
+          <p:nvPr/>
+        </p:nvSpPr>
+        <p:spPr>
+          <a:xfrm>
+            <a:off x="3884760" y="8685360"/>
+            <a:ext cx="2963160" cy="448560"/>
+          </a:xfrm>
+          <a:prstGeom prst="rect">
+            <a:avLst/>
+          </a:prstGeom>
+          <a:noFill/>
+          <a:ln>
+            <a:noFill/>
+          </a:ln>
+        </p:spPr>
+        <p:style>
+          <a:lnRef idx="0">
+            <a:scrgbClr r="0" g="0" b="0"/>
+          </a:lnRef>
+          <a:fillRef idx="0">
+            <a:scrgbClr r="0" g="0" b="0"/>
+          </a:fillRef>
+          <a:effectRef idx="0">
+            <a:scrgbClr r="0" g="0" b="0"/>
+          </a:effectRef>
+          <a:fontRef idx="minor"/>
+        </p:style>
+        <p:txBody>
+          <a:bodyPr lIns="90000" tIns="45000" rIns="90000" bIns="45000" anchor="b">
+            <a:noAutofit/>
+          </a:bodyPr>
+          <a:lstStyle/>
+          <a:p>
+            <a:pPr algn="r">
+              <a:lnSpc>
+                <a:spcPct val="100000"/>
+              </a:lnSpc>
+            </a:pPr>
+            <a:fld id="{944D1F3B-AB0E-4E7D-B0A0-BEE60EDBB94C}" type="slidenum">
+              <a:rPr lang="ru-RU" sz="1200" b="0" strike="noStrike" spc="-1">
                 <a:solidFill>
                   <a:srgbClr val="000000"/>
                 </a:solidFill>
                 <a:latin typeface="+mn-lt"/>
                 <a:ea typeface="+mn-ea"/>
               </a:rPr>
-              <a:t>Микрофонные решетки находят применение в военной, автомобильной промышленности. Так же используются для записи объемного звука и применяются в контексте безопасности. Так система «Бумеранг» , состоящая из нескольких микрофонов, используется для защиты транспортных средств и войск от снайперского огня. Система позволяет определить положение стрелка. Система обнаружения выстрелов «SENTRI» позволяет при помощи МР определять, является ли полученный звук выстрелом, а не огнем автомобиля или сиреной, а затем, используя алгоритмы локализации, определяет направление источника.  Микрофон-ные  массивы используются  для  получения  объемной  звуковой картины. Такие решения используются, например, в  автомобильной  промышленности  для  точного выявления мест, являющихся источниками нежелательных шумов – скрипа, стука и т.д.</a:t>
-            </a:r>
-            <a:endParaRPr b="0" lang="ru-RU" sz="1200" spc="-1" strike="noStrike">
-              <a:latin typeface="Arial"/>
-            </a:endParaRPr>
-          </a:p>
-        </p:txBody>
-      </p:sp>
-      <p:sp>
-        <p:nvSpPr>
-          <p:cNvPr id="129" name="CustomShape 3"/>
-          <p:cNvSpPr/>
-          <p:nvPr/>
-        </p:nvSpPr>
-        <p:spPr>
-          <a:xfrm>
-            <a:off x="3884760" y="8685360"/>
-            <a:ext cx="2963160" cy="448560"/>
-          </a:xfrm>
-          <a:prstGeom prst="rect">
-            <a:avLst/>
-          </a:prstGeom>
-          <a:noFill/>
-          <a:ln>
-            <a:noFill/>
-          </a:ln>
-        </p:spPr>
-        <p:style>
-          <a:lnRef idx="0"/>
-          <a:fillRef idx="0"/>
-          <a:effectRef idx="0"/>
-          <a:fontRef idx="minor"/>
-        </p:style>
-        <p:txBody>
-          <a:bodyPr lIns="90000" rIns="90000" tIns="45000" bIns="45000" anchor="b">
-            <a:noAutofit/>
-          </a:bodyPr>
-          <a:p>
-            <a:pPr algn="r">
-              <a:lnSpc>
-                <a:spcPct val="100000"/>
-              </a:lnSpc>
-            </a:pPr>
-            <a:fld id="{ECD64A31-712F-4B1E-99B3-D841FA6A60CE}" type="slidenum">
-              <a:rPr b="0" lang="ru-RU" sz="1200" spc="-1" strike="noStrike">
-                <a:solidFill>
-                  <a:srgbClr val="000000"/>
-                </a:solidFill>
-                <a:latin typeface="+mn-lt"/>
-                <a:ea typeface="+mn-ea"/>
-              </a:rPr>
-              <a:t>&lt;номер&gt;</a:t>
+              <a:t>5</a:t>
             </a:fld>
-            <a:endParaRPr b="0" lang="ru-RU" sz="1200" spc="-1" strike="noStrike">
+            <a:endParaRPr lang="ru-RU" sz="1200" b="0" strike="noStrike" spc="-1">
               <a:latin typeface="Arial"/>
             </a:endParaRPr>
           </a:p>
@@ -548,11 +1299,14 @@
       </p:sp>
     </p:spTree>
   </p:cSld>
+  <p:clrMapOvr>
+    <a:masterClrMapping/>
+  </p:clrMapOvr>
 </p:notes>
 </file>
 
 <file path=ppt/notesSlides/notesSlide4.xml><?xml version="1.0" encoding="utf-8"?>
-<p:notes xmlns:a="http://schemas.openxmlformats.org/drawingml/2006/main" xmlns:p="http://schemas.openxmlformats.org/presentationml/2006/main" xmlns:r="http://schemas.openxmlformats.org/officeDocument/2006/relationships" xmlns:p14="http://schemas.microsoft.com/office/powerpoint/2010/main" xmlns:p15="http://schemas.microsoft.com/office/powerpoint/2012/main" xmlns:mc="http://schemas.openxmlformats.org/markup-compatibility/2006">
+<p:notes xmlns:a="http://schemas.openxmlformats.org/drawingml/2006/main" xmlns:r="http://schemas.openxmlformats.org/officeDocument/2006/relationships" xmlns:p="http://schemas.openxmlformats.org/presentationml/2006/main">
   <p:cSld>
     <p:spTree>
       <p:nvGrpSpPr>
@@ -570,9 +1324,9 @@
       </p:grpSpPr>
       <p:sp>
         <p:nvSpPr>
-          <p:cNvPr id="130" name="PlaceHolder 1"/>
+          <p:cNvPr id="136" name="PlaceHolder 1"/>
           <p:cNvSpPr>
-            <a:spLocks noGrp="1"/>
+            <a:spLocks noGrp="1" noRot="1" noChangeAspect="1"/>
           </p:cNvSpPr>
           <p:nvPr>
             <p:ph type="sldImg"/>
@@ -580,17 +1334,17 @@
         </p:nvSpPr>
         <p:spPr>
           <a:xfrm>
-            <a:off x="1143000" y="685800"/>
-            <a:ext cx="4563360" cy="3420360"/>
-          </a:xfrm>
-          <a:prstGeom prst="rect">
-            <a:avLst/>
-          </a:prstGeom>
-        </p:spPr>
-      </p:sp>
-      <p:sp>
-        <p:nvSpPr>
-          <p:cNvPr id="131" name="PlaceHolder 2"/>
+            <a:off x="1144588" y="685800"/>
+            <a:ext cx="4560887" cy="3421063"/>
+          </a:xfrm>
+          <a:prstGeom prst="rect">
+            <a:avLst/>
+          </a:prstGeom>
+        </p:spPr>
+      </p:sp>
+      <p:sp>
+        <p:nvSpPr>
+          <p:cNvPr id="137" name="PlaceHolder 2"/>
           <p:cNvSpPr>
             <a:spLocks noGrp="1"/>
           </p:cNvSpPr>
@@ -608,33 +1362,105 @@
           </a:prstGeom>
         </p:spPr>
         <p:txBody>
-          <a:bodyPr lIns="0" rIns="0" tIns="0" bIns="0">
+          <a:bodyPr lIns="0" tIns="0" rIns="0" bIns="0">
             <a:noAutofit/>
           </a:bodyPr>
+          <a:lstStyle/>
           <a:p>
             <a:pPr marL="216000" indent="-207720">
               <a:lnSpc>
                 <a:spcPct val="100000"/>
               </a:lnSpc>
               <a:tabLst>
-                <a:tab algn="l" pos="0"/>
+                <a:tab pos="0" algn="l"/>
               </a:tabLst>
             </a:pPr>
             <a:r>
-              <a:rPr b="0" lang="ru-RU" sz="1400" spc="-1" strike="noStrike">
-                <a:latin typeface="Arial"/>
-              </a:rPr>
-              <a:t>Звук во время обработки является широкополосным, поэтому и формирователи луча являются широкополосными. Они делятся на частотный, который разбивает спектр принятых сигналов на диапазоны и умножает каждый диапазон на соответствующие коэффициенты, и временной,  который  обеспечивает  частотно  зависимые коэффициенты с помощью линий задержки КИХ фильтров, расположенных в канале каждого сенсора. В данной работе я работал с временным формирователем луча</a:t>
-            </a:r>
-            <a:endParaRPr b="0" lang="ru-RU" sz="1400" spc="-1" strike="noStrike">
-              <a:latin typeface="Arial"/>
-            </a:endParaRPr>
-          </a:p>
-        </p:txBody>
-      </p:sp>
-      <p:sp>
-        <p:nvSpPr>
-          <p:cNvPr id="132" name="CustomShape 3"/>
+              <a:rPr lang="ru-RU" sz="1200" b="0" strike="noStrike" spc="-1" dirty="0">
+                <a:solidFill>
+                  <a:srgbClr val="000000"/>
+                </a:solidFill>
+                <a:latin typeface="+mn-lt"/>
+                <a:ea typeface="+mn-ea"/>
+              </a:rPr>
+              <a:t>Существует два подхода пространственной фильтрации. </a:t>
+            </a:r>
+            <a:endParaRPr lang="en-US" sz="1200" b="0" strike="noStrike" spc="-1" dirty="0" smtClean="0">
+              <a:solidFill>
+                <a:srgbClr val="000000"/>
+              </a:solidFill>
+              <a:latin typeface="+mn-lt"/>
+              <a:ea typeface="+mn-ea"/>
+            </a:endParaRPr>
+          </a:p>
+          <a:p>
+            <a:pPr marL="216000" indent="-207720">
+              <a:lnSpc>
+                <a:spcPct val="100000"/>
+              </a:lnSpc>
+              <a:tabLst>
+                <a:tab pos="0" algn="l"/>
+              </a:tabLst>
+            </a:pPr>
+            <a:r>
+              <a:rPr lang="ru-RU" sz="1200" b="0" strike="noStrike" spc="-1" dirty="0" smtClean="0">
+                <a:solidFill>
+                  <a:srgbClr val="000000"/>
+                </a:solidFill>
+                <a:latin typeface="+mn-lt"/>
+                <a:ea typeface="+mn-ea"/>
+              </a:rPr>
+              <a:t>В первом случае работа</a:t>
+            </a:r>
+            <a:r>
+              <a:rPr lang="ru-RU" sz="1200" b="0" strike="noStrike" spc="-1" baseline="0" dirty="0" smtClean="0">
+                <a:solidFill>
+                  <a:srgbClr val="000000"/>
+                </a:solidFill>
+                <a:latin typeface="+mn-lt"/>
+                <a:ea typeface="+mn-ea"/>
+              </a:rPr>
+              <a:t> ФЛ не зависит от входных данных. Применяется в стационарной помеховой обстановке, где мы априори знаем положения источников помех.</a:t>
+            </a:r>
+          </a:p>
+          <a:p>
+            <a:pPr marL="216000" indent="-207720">
+              <a:lnSpc>
+                <a:spcPct val="100000"/>
+              </a:lnSpc>
+              <a:tabLst>
+                <a:tab pos="0" algn="l"/>
+              </a:tabLst>
+            </a:pPr>
+            <a:r>
+              <a:rPr lang="ru-RU" sz="1200" b="0" strike="noStrike" spc="-1" baseline="0" dirty="0" smtClean="0">
+                <a:solidFill>
+                  <a:srgbClr val="000000"/>
+                </a:solidFill>
+                <a:latin typeface="+mn-lt"/>
+                <a:ea typeface="+mn-ea"/>
+              </a:rPr>
+              <a:t>Во втором подходе ФЛ определяет статистику входных данных и адаптирует коэффициенты к оптимальному с точки зрения определенных критериев решению. Такой алгоритм работоспособен в динамической помеховой обстановке. </a:t>
+            </a:r>
+          </a:p>
+          <a:p>
+            <a:pPr marL="216000" indent="-207720">
+              <a:lnSpc>
+                <a:spcPct val="100000"/>
+              </a:lnSpc>
+              <a:tabLst>
+                <a:tab pos="0" algn="l"/>
+              </a:tabLst>
+            </a:pPr>
+            <a:endParaRPr lang="ru-RU" sz="1200" b="0" strike="noStrike" spc="-1" dirty="0">
+              <a:latin typeface="Arial"/>
+            </a:endParaRPr>
+          </a:p>
+        </p:txBody>
+      </p:sp>
+      <p:sp>
+        <p:nvSpPr>
+          <p:cNvPr id="138" name="CustomShape 3"/>
           <p:cNvSpPr/>
           <p:nvPr/>
         </p:nvSpPr>
@@ -652,32 +1478,39 @@
           </a:ln>
         </p:spPr>
         <p:style>
-          <a:lnRef idx="0"/>
-          <a:fillRef idx="0"/>
-          <a:effectRef idx="0"/>
+          <a:lnRef idx="0">
+            <a:scrgbClr r="0" g="0" b="0"/>
+          </a:lnRef>
+          <a:fillRef idx="0">
+            <a:scrgbClr r="0" g="0" b="0"/>
+          </a:fillRef>
+          <a:effectRef idx="0">
+            <a:scrgbClr r="0" g="0" b="0"/>
+          </a:effectRef>
           <a:fontRef idx="minor"/>
         </p:style>
         <p:txBody>
-          <a:bodyPr lIns="90000" rIns="90000" tIns="45000" bIns="45000" anchor="b">
+          <a:bodyPr lIns="90000" tIns="45000" rIns="90000" bIns="45000" anchor="b">
             <a:noAutofit/>
           </a:bodyPr>
+          <a:lstStyle/>
           <a:p>
             <a:pPr algn="r">
               <a:lnSpc>
                 <a:spcPct val="100000"/>
               </a:lnSpc>
             </a:pPr>
-            <a:fld id="{B875CB0B-2BEB-4B2C-A427-5AAF16A4C41A}" type="slidenum">
-              <a:rPr b="0" lang="ru-RU" sz="1200" spc="-1" strike="noStrike">
+            <a:fld id="{8AE40307-109E-42BD-8609-D8418B4FB18F}" type="slidenum">
+              <a:rPr lang="ru-RU" sz="1200" b="0" strike="noStrike" spc="-1">
                 <a:solidFill>
                   <a:srgbClr val="000000"/>
                 </a:solidFill>
                 <a:latin typeface="+mn-lt"/>
                 <a:ea typeface="+mn-ea"/>
               </a:rPr>
-              <a:t>&lt;номер&gt;</a:t>
+              <a:t>6</a:t>
             </a:fld>
-            <a:endParaRPr b="0" lang="ru-RU" sz="1200" spc="-1" strike="noStrike">
+            <a:endParaRPr lang="ru-RU" sz="1200" b="0" strike="noStrike" spc="-1">
               <a:latin typeface="Arial"/>
             </a:endParaRPr>
           </a:p>
@@ -685,11 +1518,14 @@
       </p:sp>
     </p:spTree>
   </p:cSld>
+  <p:clrMapOvr>
+    <a:masterClrMapping/>
+  </p:clrMapOvr>
 </p:notes>
 </file>
 
 <file path=ppt/notesSlides/notesSlide5.xml><?xml version="1.0" encoding="utf-8"?>
-<p:notes xmlns:a="http://schemas.openxmlformats.org/drawingml/2006/main" xmlns:p="http://schemas.openxmlformats.org/presentationml/2006/main" xmlns:r="http://schemas.openxmlformats.org/officeDocument/2006/relationships" xmlns:p14="http://schemas.microsoft.com/office/powerpoint/2010/main" xmlns:p15="http://schemas.microsoft.com/office/powerpoint/2012/main" xmlns:mc="http://schemas.openxmlformats.org/markup-compatibility/2006">
+<p:notes xmlns:a="http://schemas.openxmlformats.org/drawingml/2006/main" xmlns:r="http://schemas.openxmlformats.org/officeDocument/2006/relationships" xmlns:p="http://schemas.openxmlformats.org/presentationml/2006/main">
   <p:cSld>
     <p:spTree>
       <p:nvGrpSpPr>
@@ -707,9 +1543,9 @@
       </p:grpSpPr>
       <p:sp>
         <p:nvSpPr>
-          <p:cNvPr id="133" name="PlaceHolder 1"/>
+          <p:cNvPr id="139" name="PlaceHolder 1"/>
           <p:cNvSpPr>
-            <a:spLocks noGrp="1"/>
+            <a:spLocks noGrp="1" noRot="1" noChangeAspect="1"/>
           </p:cNvSpPr>
           <p:nvPr>
             <p:ph type="sldImg"/>
@@ -717,17 +1553,17 @@
         </p:nvSpPr>
         <p:spPr>
           <a:xfrm>
-            <a:off x="1143000" y="685800"/>
-            <a:ext cx="4563360" cy="3420360"/>
-          </a:xfrm>
-          <a:prstGeom prst="rect">
-            <a:avLst/>
-          </a:prstGeom>
-        </p:spPr>
-      </p:sp>
-      <p:sp>
-        <p:nvSpPr>
-          <p:cNvPr id="134" name="PlaceHolder 2"/>
+            <a:off x="1144588" y="685800"/>
+            <a:ext cx="4560887" cy="3421063"/>
+          </a:xfrm>
+          <a:prstGeom prst="rect">
+            <a:avLst/>
+          </a:prstGeom>
+        </p:spPr>
+      </p:sp>
+      <p:sp>
+        <p:nvSpPr>
+          <p:cNvPr id="140" name="PlaceHolder 2"/>
           <p:cNvSpPr>
             <a:spLocks noGrp="1"/>
           </p:cNvSpPr>
@@ -745,33 +1581,125 @@
           </a:prstGeom>
         </p:spPr>
         <p:txBody>
-          <a:bodyPr lIns="0" rIns="0" tIns="0" bIns="0">
+          <a:bodyPr lIns="0" tIns="0" rIns="0" bIns="0">
             <a:noAutofit/>
           </a:bodyPr>
-          <a:p>
-            <a:pPr marL="216000" indent="-214200">
+          <a:lstStyle/>
+          <a:p>
+            <a:pPr marL="216000" indent="-207720">
               <a:lnSpc>
                 <a:spcPct val="100000"/>
               </a:lnSpc>
               <a:tabLst>
-                <a:tab algn="l" pos="0"/>
+                <a:tab pos="0" algn="l"/>
               </a:tabLst>
             </a:pPr>
             <a:r>
-              <a:rPr b="0" lang="ru-RU" sz="1400" spc="-1" strike="noStrike">
-                <a:latin typeface="Arial"/>
-              </a:rPr>
-              <a:t>ФЛ выполняет пространственную фильтрацию  для  разделения  сигналов,  которые  имеют  перекрывающиеся  частотные спектры, но исходя из разных пространственных местоположений. Принцип данного метода состоит в том, чтобы сформировать луч и задать нужное направление, а по направлению приёма помеховых сигналов поставить нули или минимумы диаграммы направленности.В результате сигналы, у которых направление прихода совпадает с углом луча, усиливаются, а сигналы от других направлений ослабляются. </a:t>
-            </a:r>
-            <a:endParaRPr b="0" lang="ru-RU" sz="1400" spc="-1" strike="noStrike">
-              <a:latin typeface="Arial"/>
-            </a:endParaRPr>
-          </a:p>
-        </p:txBody>
-      </p:sp>
-      <p:sp>
-        <p:nvSpPr>
-          <p:cNvPr id="135" name="CustomShape 3"/>
+              <a:rPr lang="ru-RU" sz="1200" b="0" strike="noStrike" spc="-1" dirty="0" smtClean="0">
+                <a:solidFill>
+                  <a:srgbClr val="000000"/>
+                </a:solidFill>
+                <a:latin typeface="+mn-lt"/>
+                <a:ea typeface="+mn-ea"/>
+              </a:rPr>
+              <a:t>Один</a:t>
+            </a:r>
+            <a:r>
+              <a:rPr lang="ru-RU" sz="1200" b="0" strike="noStrike" spc="-1" baseline="0" dirty="0" smtClean="0">
+                <a:solidFill>
+                  <a:srgbClr val="000000"/>
+                </a:solidFill>
+                <a:latin typeface="+mn-lt"/>
+                <a:ea typeface="+mn-ea"/>
+              </a:rPr>
+              <a:t> из подходов</a:t>
+            </a:r>
+            <a:r>
+              <a:rPr lang="ru-RU" sz="1200" b="0" strike="noStrike" spc="-1" dirty="0" smtClean="0">
+                <a:solidFill>
+                  <a:srgbClr val="000000"/>
+                </a:solidFill>
+                <a:latin typeface="+mn-lt"/>
+                <a:ea typeface="+mn-ea"/>
+              </a:rPr>
+              <a:t> адаптивной</a:t>
+            </a:r>
+            <a:r>
+              <a:rPr lang="ru-RU" sz="1200" b="0" strike="noStrike" spc="-1" baseline="0" dirty="0" smtClean="0">
+                <a:solidFill>
+                  <a:srgbClr val="000000"/>
+                </a:solidFill>
+                <a:latin typeface="+mn-lt"/>
+                <a:ea typeface="+mn-ea"/>
+              </a:rPr>
+              <a:t> пространственной фильтрации состоит в минимизации целевой функции при выполнении линейных ограничений. Были рассмотрены 2 традиционных адаптивных алгоритма </a:t>
+            </a:r>
+            <a:r>
+              <a:rPr lang="en-US" sz="1200" b="0" strike="noStrike" spc="-1" baseline="0" dirty="0" smtClean="0">
+                <a:solidFill>
+                  <a:srgbClr val="000000"/>
+                </a:solidFill>
+                <a:latin typeface="+mn-lt"/>
+                <a:ea typeface="+mn-ea"/>
+              </a:rPr>
+              <a:t>LC LMS, LC RLS.</a:t>
+            </a:r>
+            <a:endParaRPr lang="ru-RU" sz="1200" b="0" strike="noStrike" spc="-1" baseline="0" dirty="0" smtClean="0">
+              <a:solidFill>
+                <a:srgbClr val="000000"/>
+              </a:solidFill>
+              <a:latin typeface="+mn-lt"/>
+              <a:ea typeface="+mn-ea"/>
+            </a:endParaRPr>
+          </a:p>
+          <a:p>
+            <a:pPr marL="216000" indent="-207720">
+              <a:lnSpc>
+                <a:spcPct val="100000"/>
+              </a:lnSpc>
+              <a:tabLst>
+                <a:tab pos="0" algn="l"/>
+              </a:tabLst>
+            </a:pPr>
+            <a:r>
+              <a:rPr lang="ru-RU" sz="1200" b="0" strike="noStrike" spc="-1" dirty="0" smtClean="0">
+                <a:solidFill>
+                  <a:srgbClr val="000000"/>
+                </a:solidFill>
+                <a:latin typeface="+mn-lt"/>
+                <a:ea typeface="+mn-ea"/>
+              </a:rPr>
+              <a:t>RLS алгоритм</a:t>
+            </a:r>
+            <a:r>
+              <a:rPr lang="ru-RU" sz="1200" b="0" strike="noStrike" spc="-1" baseline="0" dirty="0" smtClean="0">
+                <a:solidFill>
+                  <a:srgbClr val="000000"/>
+                </a:solidFill>
+                <a:latin typeface="+mn-lt"/>
+                <a:ea typeface="+mn-ea"/>
+              </a:rPr>
+              <a:t> имеет более высокую скорость сходимости, но в то же время более вычислительно </a:t>
+            </a:r>
+            <a:r>
+              <a:rPr lang="ru-RU" sz="1200" b="0" strike="noStrike" spc="-1" baseline="0" dirty="0" err="1" smtClean="0">
+                <a:solidFill>
+                  <a:srgbClr val="000000"/>
+                </a:solidFill>
+                <a:latin typeface="+mn-lt"/>
+                <a:ea typeface="+mn-ea"/>
+              </a:rPr>
+              <a:t>затратен</a:t>
+            </a:r>
+            <a:endParaRPr lang="ru-RU" sz="1200" b="0" strike="noStrike" spc="-1" dirty="0">
+              <a:latin typeface="Arial"/>
+            </a:endParaRPr>
+          </a:p>
+        </p:txBody>
+      </p:sp>
+      <p:sp>
+        <p:nvSpPr>
+          <p:cNvPr id="141" name="CustomShape 3"/>
           <p:cNvSpPr/>
           <p:nvPr/>
         </p:nvSpPr>
@@ -789,32 +1717,39 @@
           </a:ln>
         </p:spPr>
         <p:style>
-          <a:lnRef idx="0"/>
-          <a:fillRef idx="0"/>
-          <a:effectRef idx="0"/>
+          <a:lnRef idx="0">
+            <a:scrgbClr r="0" g="0" b="0"/>
+          </a:lnRef>
+          <a:fillRef idx="0">
+            <a:scrgbClr r="0" g="0" b="0"/>
+          </a:fillRef>
+          <a:effectRef idx="0">
+            <a:scrgbClr r="0" g="0" b="0"/>
+          </a:effectRef>
           <a:fontRef idx="minor"/>
         </p:style>
         <p:txBody>
-          <a:bodyPr lIns="90000" rIns="90000" tIns="45000" bIns="45000" anchor="b">
+          <a:bodyPr lIns="90000" tIns="45000" rIns="90000" bIns="45000" anchor="b">
             <a:noAutofit/>
           </a:bodyPr>
+          <a:lstStyle/>
           <a:p>
             <a:pPr algn="r">
               <a:lnSpc>
                 <a:spcPct val="100000"/>
               </a:lnSpc>
             </a:pPr>
-            <a:fld id="{944D1F3B-AB0E-4E7D-B0A0-BEE60EDBB94C}" type="slidenum">
-              <a:rPr b="0" lang="ru-RU" sz="1200" spc="-1" strike="noStrike">
+            <a:fld id="{CD9154DF-0844-4BE5-9F0C-DF87EDB264FC}" type="slidenum">
+              <a:rPr lang="ru-RU" sz="1200" b="0" strike="noStrike" spc="-1">
                 <a:solidFill>
                   <a:srgbClr val="000000"/>
                 </a:solidFill>
                 <a:latin typeface="+mn-lt"/>
                 <a:ea typeface="+mn-ea"/>
               </a:rPr>
-              <a:t>&lt;номер&gt;</a:t>
+              <a:t>7</a:t>
             </a:fld>
-            <a:endParaRPr b="0" lang="ru-RU" sz="1200" spc="-1" strike="noStrike">
+            <a:endParaRPr lang="ru-RU" sz="1200" b="0" strike="noStrike" spc="-1">
               <a:latin typeface="Arial"/>
             </a:endParaRPr>
           </a:p>
@@ -822,11 +1757,14 @@
       </p:sp>
     </p:spTree>
   </p:cSld>
+  <p:clrMapOvr>
+    <a:masterClrMapping/>
+  </p:clrMapOvr>
 </p:notes>
 </file>
 
 <file path=ppt/notesSlides/notesSlide6.xml><?xml version="1.0" encoding="utf-8"?>
-<p:notes xmlns:a="http://schemas.openxmlformats.org/drawingml/2006/main" xmlns:p="http://schemas.openxmlformats.org/presentationml/2006/main" xmlns:r="http://schemas.openxmlformats.org/officeDocument/2006/relationships" xmlns:p14="http://schemas.microsoft.com/office/powerpoint/2010/main" xmlns:p15="http://schemas.microsoft.com/office/powerpoint/2012/main" xmlns:mc="http://schemas.openxmlformats.org/markup-compatibility/2006">
+<p:notes xmlns:a="http://schemas.openxmlformats.org/drawingml/2006/main" xmlns:r="http://schemas.openxmlformats.org/officeDocument/2006/relationships" xmlns:p="http://schemas.openxmlformats.org/presentationml/2006/main">
   <p:cSld>
     <p:spTree>
       <p:nvGrpSpPr>
@@ -844,9 +1782,9 @@
       </p:grpSpPr>
       <p:sp>
         <p:nvSpPr>
-          <p:cNvPr id="136" name="PlaceHolder 1"/>
+          <p:cNvPr id="142" name="PlaceHolder 1"/>
           <p:cNvSpPr>
-            <a:spLocks noGrp="1"/>
+            <a:spLocks noGrp="1" noRot="1" noChangeAspect="1"/>
           </p:cNvSpPr>
           <p:nvPr>
             <p:ph type="sldImg"/>
@@ -854,17 +1792,17 @@
         </p:nvSpPr>
         <p:spPr>
           <a:xfrm>
-            <a:off x="1143000" y="685800"/>
-            <a:ext cx="4563360" cy="3420360"/>
-          </a:xfrm>
-          <a:prstGeom prst="rect">
-            <a:avLst/>
-          </a:prstGeom>
-        </p:spPr>
-      </p:sp>
-      <p:sp>
-        <p:nvSpPr>
-          <p:cNvPr id="137" name="PlaceHolder 2"/>
+            <a:off x="1144588" y="685800"/>
+            <a:ext cx="4560887" cy="3421063"/>
+          </a:xfrm>
+          <a:prstGeom prst="rect">
+            <a:avLst/>
+          </a:prstGeom>
+        </p:spPr>
+      </p:sp>
+      <p:sp>
+        <p:nvSpPr>
+          <p:cNvPr id="143" name="PlaceHolder 2"/>
           <p:cNvSpPr>
             <a:spLocks noGrp="1"/>
           </p:cNvSpPr>
@@ -882,80 +1820,157 @@
           </a:prstGeom>
         </p:spPr>
         <p:txBody>
-          <a:bodyPr lIns="0" rIns="0" tIns="0" bIns="0">
+          <a:bodyPr lIns="0" tIns="0" rIns="0" bIns="0">
             <a:noAutofit/>
           </a:bodyPr>
+          <a:lstStyle/>
           <a:p>
             <a:pPr marL="216000" indent="-207720">
               <a:lnSpc>
                 <a:spcPct val="100000"/>
               </a:lnSpc>
               <a:tabLst>
-                <a:tab algn="l" pos="0"/>
+                <a:tab pos="0" algn="l"/>
               </a:tabLst>
             </a:pPr>
             <a:r>
-              <a:rPr b="0" lang="ru-RU" sz="1200" spc="-1" strike="noStrike">
+              <a:rPr lang="ru-RU" sz="2000" b="0" strike="noStrike" spc="-1" dirty="0">
+                <a:latin typeface="Arial"/>
+              </a:rPr>
+              <a:t>Для последующего моделирования </a:t>
+            </a:r>
+            <a:r>
+              <a:rPr lang="ru-RU" sz="2000" b="0" strike="noStrike" spc="-1" dirty="0" smtClean="0">
+                <a:latin typeface="Arial"/>
+              </a:rPr>
+              <a:t>была</a:t>
+            </a:r>
+            <a:r>
+              <a:rPr lang="ru-RU" sz="2000" b="0" strike="noStrike" spc="-1" baseline="0" dirty="0" smtClean="0">
+                <a:latin typeface="Arial"/>
+              </a:rPr>
+              <a:t> использована </a:t>
+            </a:r>
+            <a:r>
+              <a:rPr lang="ru-RU" sz="2000" b="0" strike="noStrike" spc="-1" dirty="0" smtClean="0">
+                <a:latin typeface="Arial"/>
+              </a:rPr>
+              <a:t>линейная эквидистантная</a:t>
+            </a:r>
+            <a:r>
+              <a:rPr lang="ru-RU" sz="2000" b="0" strike="noStrike" spc="-1" baseline="0" dirty="0" smtClean="0">
+                <a:latin typeface="Arial"/>
+              </a:rPr>
+              <a:t> </a:t>
+            </a:r>
+            <a:r>
+              <a:rPr lang="ru-RU" sz="2000" b="0" strike="noStrike" spc="-1" dirty="0" smtClean="0">
+                <a:latin typeface="Arial"/>
+              </a:rPr>
+              <a:t>микрофонная решетка </a:t>
+            </a:r>
+            <a:r>
+              <a:rPr lang="ru-RU" sz="2000" b="0" strike="noStrike" spc="-1" dirty="0">
+                <a:latin typeface="Arial"/>
+              </a:rPr>
+              <a:t>с расстоянием между </a:t>
+            </a:r>
+            <a:r>
+              <a:rPr lang="ru-RU" sz="2000" b="0" strike="noStrike" spc="-1" dirty="0" smtClean="0">
+                <a:latin typeface="Arial"/>
+              </a:rPr>
+              <a:t>микрофонами </a:t>
+            </a:r>
+            <a:r>
+              <a:rPr lang="ru-RU" sz="2000" b="0" strike="noStrike" spc="-1" dirty="0">
+                <a:latin typeface="Arial"/>
+              </a:rPr>
+              <a:t>4 см. </a:t>
+            </a:r>
+            <a:endParaRPr lang="ru-RU" sz="2000" b="0" strike="noStrike" spc="-1" dirty="0" smtClean="0">
+              <a:latin typeface="Arial"/>
+            </a:endParaRPr>
+          </a:p>
+          <a:p>
+            <a:pPr marL="216000" indent="-207720">
+              <a:lnSpc>
+                <a:spcPct val="100000"/>
+              </a:lnSpc>
+              <a:tabLst>
+                <a:tab pos="0" algn="l"/>
+              </a:tabLst>
+            </a:pPr>
+            <a:r>
+              <a:rPr lang="ru-RU" sz="2000" b="0" strike="noStrike" spc="-1" dirty="0" smtClean="0">
+                <a:latin typeface="Arial"/>
+              </a:rPr>
+              <a:t>Ею</a:t>
+            </a:r>
+            <a:r>
+              <a:rPr lang="ru-RU" sz="2000" b="0" strike="noStrike" spc="-1" baseline="0" dirty="0" smtClean="0">
+                <a:latin typeface="Arial"/>
+              </a:rPr>
+              <a:t> был осуществлен прием смеси полезного сигнала с направления 0 град азимута и помехи – с направления 60 град.</a:t>
+            </a:r>
+            <a:endParaRPr lang="ru-RU" sz="2000" b="0" strike="noStrike" spc="-1" dirty="0">
+              <a:latin typeface="Arial"/>
+            </a:endParaRPr>
+          </a:p>
+        </p:txBody>
+      </p:sp>
+      <p:sp>
+        <p:nvSpPr>
+          <p:cNvPr id="144" name="CustomShape 3"/>
+          <p:cNvSpPr/>
+          <p:nvPr/>
+        </p:nvSpPr>
+        <p:spPr>
+          <a:xfrm>
+            <a:off x="3884760" y="8685360"/>
+            <a:ext cx="2963160" cy="448560"/>
+          </a:xfrm>
+          <a:prstGeom prst="rect">
+            <a:avLst/>
+          </a:prstGeom>
+          <a:noFill/>
+          <a:ln>
+            <a:noFill/>
+          </a:ln>
+        </p:spPr>
+        <p:style>
+          <a:lnRef idx="0">
+            <a:scrgbClr r="0" g="0" b="0"/>
+          </a:lnRef>
+          <a:fillRef idx="0">
+            <a:scrgbClr r="0" g="0" b="0"/>
+          </a:fillRef>
+          <a:effectRef idx="0">
+            <a:scrgbClr r="0" g="0" b="0"/>
+          </a:effectRef>
+          <a:fontRef idx="minor"/>
+        </p:style>
+        <p:txBody>
+          <a:bodyPr lIns="90000" tIns="45000" rIns="90000" bIns="45000" anchor="b">
+            <a:noAutofit/>
+          </a:bodyPr>
+          <a:lstStyle/>
+          <a:p>
+            <a:pPr algn="r">
+              <a:lnSpc>
+                <a:spcPct val="100000"/>
+              </a:lnSpc>
+            </a:pPr>
+            <a:fld id="{C49A5351-5DB4-42E8-8ADE-5DF633D6AC75}" type="slidenum">
+              <a:rPr lang="ru-RU" sz="1200" b="0" strike="noStrike" spc="-1">
                 <a:solidFill>
                   <a:srgbClr val="000000"/>
                 </a:solidFill>
                 <a:latin typeface="+mn-lt"/>
                 <a:ea typeface="+mn-ea"/>
               </a:rPr>
-              <a:t>Существует два подхода пространственной фильтрации. Первый заключается в формировании постоянных весовых коэффициентов фильтра таким образом что бы сигнал усиливался в направлении приёма полезного сигнала,а в другом направлении сигнал подавлялся. Однако такой метод имеет всегда фиксированные направление подавления помехи, что не позволяет качественно  отфильтровать помеху приходящую  из другого направления. Для случая  с изменяющимися в пространстве помехам применяют адаптивные алгоритмы фильтрации, поскольку он может подстраивать свои весовые коэффициенты так, что бы помеха подавлялась. </a:t>
-            </a:r>
-            <a:endParaRPr b="0" lang="ru-RU" sz="1200" spc="-1" strike="noStrike">
-              <a:latin typeface="Arial"/>
-            </a:endParaRPr>
-          </a:p>
-        </p:txBody>
-      </p:sp>
-      <p:sp>
-        <p:nvSpPr>
-          <p:cNvPr id="138" name="CustomShape 3"/>
-          <p:cNvSpPr/>
-          <p:nvPr/>
-        </p:nvSpPr>
-        <p:spPr>
-          <a:xfrm>
-            <a:off x="3884760" y="8685360"/>
-            <a:ext cx="2963160" cy="448560"/>
-          </a:xfrm>
-          <a:prstGeom prst="rect">
-            <a:avLst/>
-          </a:prstGeom>
-          <a:noFill/>
-          <a:ln>
-            <a:noFill/>
-          </a:ln>
-        </p:spPr>
-        <p:style>
-          <a:lnRef idx="0"/>
-          <a:fillRef idx="0"/>
-          <a:effectRef idx="0"/>
-          <a:fontRef idx="minor"/>
-        </p:style>
-        <p:txBody>
-          <a:bodyPr lIns="90000" rIns="90000" tIns="45000" bIns="45000" anchor="b">
-            <a:noAutofit/>
-          </a:bodyPr>
-          <a:p>
-            <a:pPr algn="r">
-              <a:lnSpc>
-                <a:spcPct val="100000"/>
-              </a:lnSpc>
-            </a:pPr>
-            <a:fld id="{8AE40307-109E-42BD-8609-D8418B4FB18F}" type="slidenum">
-              <a:rPr b="0" lang="ru-RU" sz="1200" spc="-1" strike="noStrike">
-                <a:solidFill>
-                  <a:srgbClr val="000000"/>
-                </a:solidFill>
-                <a:latin typeface="+mn-lt"/>
-                <a:ea typeface="+mn-ea"/>
-              </a:rPr>
-              <a:t>&lt;номер&gt;</a:t>
+              <a:t>8</a:t>
             </a:fld>
-            <a:endParaRPr b="0" lang="ru-RU" sz="1200" spc="-1" strike="noStrike">
+            <a:endParaRPr lang="ru-RU" sz="1200" b="0" strike="noStrike" spc="-1">
               <a:latin typeface="Arial"/>
             </a:endParaRPr>
           </a:p>
@@ -963,11 +1978,14 @@
       </p:sp>
     </p:spTree>
   </p:cSld>
+  <p:clrMapOvr>
+    <a:masterClrMapping/>
+  </p:clrMapOvr>
 </p:notes>
 </file>
 
 <file path=ppt/notesSlides/notesSlide7.xml><?xml version="1.0" encoding="utf-8"?>
-<p:notes xmlns:a="http://schemas.openxmlformats.org/drawingml/2006/main" xmlns:p="http://schemas.openxmlformats.org/presentationml/2006/main" xmlns:r="http://schemas.openxmlformats.org/officeDocument/2006/relationships" xmlns:p14="http://schemas.microsoft.com/office/powerpoint/2010/main" xmlns:p15="http://schemas.microsoft.com/office/powerpoint/2012/main" xmlns:mc="http://schemas.openxmlformats.org/markup-compatibility/2006">
+<p:notes xmlns:a="http://schemas.openxmlformats.org/drawingml/2006/main" xmlns:r="http://schemas.openxmlformats.org/officeDocument/2006/relationships" xmlns:p="http://schemas.openxmlformats.org/presentationml/2006/main">
   <p:cSld>
     <p:spTree>
       <p:nvGrpSpPr>
@@ -985,9 +2003,9 @@
       </p:grpSpPr>
       <p:sp>
         <p:nvSpPr>
-          <p:cNvPr id="139" name="PlaceHolder 1"/>
+          <p:cNvPr id="145" name="PlaceHolder 1"/>
           <p:cNvSpPr>
-            <a:spLocks noGrp="1"/>
+            <a:spLocks noGrp="1" noRot="1" noChangeAspect="1"/>
           </p:cNvSpPr>
           <p:nvPr>
             <p:ph type="sldImg"/>
@@ -995,17 +2013,17 @@
         </p:nvSpPr>
         <p:spPr>
           <a:xfrm>
-            <a:off x="1143000" y="685800"/>
-            <a:ext cx="4563360" cy="3420360"/>
-          </a:xfrm>
-          <a:prstGeom prst="rect">
-            <a:avLst/>
-          </a:prstGeom>
-        </p:spPr>
-      </p:sp>
-      <p:sp>
-        <p:nvSpPr>
-          <p:cNvPr id="140" name="PlaceHolder 2"/>
+            <a:off x="1144588" y="685800"/>
+            <a:ext cx="4560887" cy="3421063"/>
+          </a:xfrm>
+          <a:prstGeom prst="rect">
+            <a:avLst/>
+          </a:prstGeom>
+        </p:spPr>
+      </p:sp>
+      <p:sp>
+        <p:nvSpPr>
+          <p:cNvPr id="146" name="PlaceHolder 2"/>
           <p:cNvSpPr>
             <a:spLocks noGrp="1"/>
           </p:cNvSpPr>
@@ -1023,37 +2041,102 @@
           </a:prstGeom>
         </p:spPr>
         <p:txBody>
-          <a:bodyPr lIns="0" rIns="0" tIns="0" bIns="0">
+          <a:bodyPr lIns="0" tIns="0" rIns="0" bIns="0">
             <a:noAutofit/>
           </a:bodyPr>
+          <a:lstStyle/>
           <a:p>
             <a:pPr marL="216000" indent="-207720">
               <a:lnSpc>
                 <a:spcPct val="100000"/>
               </a:lnSpc>
               <a:tabLst>
-                <a:tab algn="l" pos="0"/>
+                <a:tab pos="0" algn="l"/>
               </a:tabLst>
             </a:pPr>
             <a:r>
-              <a:rPr b="0" lang="ru-RU" sz="1200" spc="-1" strike="noStrike">
+              <a:rPr lang="ru-RU" sz="1200" b="0" strike="noStrike" spc="-1" dirty="0" smtClean="0">
                 <a:solidFill>
                   <a:srgbClr val="000000"/>
                 </a:solidFill>
                 <a:latin typeface="+mn-lt"/>
                 <a:ea typeface="+mn-ea"/>
               </a:rPr>
-              <a:t>Адаптивные фильтры фиксируют отклик МР по направлению прихода полезного сигнала. Помехи, приходящие из другого направления будут подавляться. Суть адаптивных алгоритмов в вычислении весовых коэффициентов обеспечивающих минимизацию целевой функции. Так LC LMS минимизирует функцию среднеквадратичной ошибки, при этом LC RLS минимизирует функцию наименьшего квадрата ошибки. При этом первый алгоритм требует большее время сходимости, чем второй.  Однако вычислительная сложность LC RLS выше, чем у LC LMS.</a:t>
-            </a:r>
-            <a:endParaRPr b="0" lang="ru-RU" sz="1200" spc="-1" strike="noStrike">
-              <a:latin typeface="Arial"/>
-            </a:endParaRPr>
-          </a:p>
-        </p:txBody>
-      </p:sp>
-      <p:sp>
-        <p:nvSpPr>
-          <p:cNvPr id="141" name="CustomShape 3"/>
+              <a:t>Для оценки</a:t>
+            </a:r>
+            <a:r>
+              <a:rPr lang="ru-RU" sz="1200" b="0" strike="noStrike" spc="-1" baseline="0" dirty="0" smtClean="0">
+                <a:solidFill>
+                  <a:srgbClr val="000000"/>
+                </a:solidFill>
+                <a:latin typeface="+mn-lt"/>
+                <a:ea typeface="+mn-ea"/>
+              </a:rPr>
+              <a:t> работы адаптивных формирователей луча помимо традиционного расчета ОСШ, применялась одна из техник объективной оценки качества, разборчивости речи. </a:t>
+            </a:r>
+            <a:endParaRPr lang="ru-RU" sz="1200" b="0" strike="noStrike" spc="-1" dirty="0" smtClean="0">
+              <a:solidFill>
+                <a:srgbClr val="000000"/>
+              </a:solidFill>
+              <a:latin typeface="+mn-lt"/>
+              <a:ea typeface="+mn-ea"/>
+            </a:endParaRPr>
+          </a:p>
+          <a:p>
+            <a:pPr marL="216000" indent="-207720" algn="l">
+              <a:lnSpc>
+                <a:spcPct val="100000"/>
+              </a:lnSpc>
+              <a:tabLst>
+                <a:tab pos="0" algn="l"/>
+              </a:tabLst>
+            </a:pPr>
+            <a:endParaRPr lang="ru-RU" sz="1200" b="0" strike="noStrike" spc="-1" dirty="0" smtClean="0">
+              <a:solidFill>
+                <a:srgbClr val="000000"/>
+              </a:solidFill>
+              <a:latin typeface="+mn-lt"/>
+              <a:ea typeface="+mn-ea"/>
+            </a:endParaRPr>
+          </a:p>
+          <a:p>
+            <a:pPr marL="216000" indent="-207720">
+              <a:lnSpc>
+                <a:spcPct val="100000"/>
+              </a:lnSpc>
+              <a:tabLst>
+                <a:tab pos="0" algn="l"/>
+              </a:tabLst>
+            </a:pPr>
+            <a:r>
+              <a:rPr lang="ru-RU" sz="1200" b="0" strike="noStrike" spc="-1" dirty="0" smtClean="0">
+                <a:solidFill>
+                  <a:srgbClr val="000000"/>
+                </a:solidFill>
+                <a:latin typeface="+mn-lt"/>
+                <a:ea typeface="+mn-ea"/>
+              </a:rPr>
+              <a:t>Для </a:t>
+            </a:r>
+            <a:r>
+              <a:rPr lang="ru-RU" sz="1200" b="0" strike="noStrike" spc="-1" dirty="0">
+                <a:solidFill>
+                  <a:srgbClr val="000000"/>
+                </a:solidFill>
+                <a:latin typeface="+mn-lt"/>
+                <a:ea typeface="+mn-ea"/>
+              </a:rPr>
+              <a:t>определения качества передачи речи в PESQ предусмотрено сравнение входного, или эталонного, сигнала с его искаженной версией на выходе системы связи. Этот процесс схематично показан на рисунке. </a:t>
+            </a:r>
+            <a:endParaRPr lang="ru-RU" sz="1200" b="0" strike="noStrike" spc="-1" dirty="0">
+              <a:latin typeface="Arial"/>
+            </a:endParaRPr>
+          </a:p>
+        </p:txBody>
+      </p:sp>
+      <p:sp>
+        <p:nvSpPr>
+          <p:cNvPr id="147" name="CustomShape 3"/>
           <p:cNvSpPr/>
           <p:nvPr/>
         </p:nvSpPr>
@@ -1071,32 +2154,39 @@
           </a:ln>
         </p:spPr>
         <p:style>
-          <a:lnRef idx="0"/>
-          <a:fillRef idx="0"/>
-          <a:effectRef idx="0"/>
+          <a:lnRef idx="0">
+            <a:scrgbClr r="0" g="0" b="0"/>
+          </a:lnRef>
+          <a:fillRef idx="0">
+            <a:scrgbClr r="0" g="0" b="0"/>
+          </a:fillRef>
+          <a:effectRef idx="0">
+            <a:scrgbClr r="0" g="0" b="0"/>
+          </a:effectRef>
           <a:fontRef idx="minor"/>
         </p:style>
         <p:txBody>
-          <a:bodyPr lIns="90000" rIns="90000" tIns="45000" bIns="45000" anchor="b">
+          <a:bodyPr lIns="90000" tIns="45000" rIns="90000" bIns="45000" anchor="b">
             <a:noAutofit/>
           </a:bodyPr>
+          <a:lstStyle/>
           <a:p>
             <a:pPr algn="r">
               <a:lnSpc>
                 <a:spcPct val="100000"/>
               </a:lnSpc>
             </a:pPr>
-            <a:fld id="{CD9154DF-0844-4BE5-9F0C-DF87EDB264FC}" type="slidenum">
-              <a:rPr b="0" lang="ru-RU" sz="1200" spc="-1" strike="noStrike">
+            <a:fld id="{CE0DD17F-97F5-4E84-BAC2-677E22C25D5B}" type="slidenum">
+              <a:rPr lang="ru-RU" sz="1200" b="0" strike="noStrike" spc="-1">
                 <a:solidFill>
                   <a:srgbClr val="000000"/>
                 </a:solidFill>
                 <a:latin typeface="+mn-lt"/>
                 <a:ea typeface="+mn-ea"/>
               </a:rPr>
-              <a:t>&lt;номер&gt;</a:t>
+              <a:t>9</a:t>
             </a:fld>
-            <a:endParaRPr b="0" lang="ru-RU" sz="1200" spc="-1" strike="noStrike">
+            <a:endParaRPr lang="ru-RU" sz="1200" b="0" strike="noStrike" spc="-1">
               <a:latin typeface="Arial"/>
             </a:endParaRPr>
           </a:p>
@@ -1104,11 +2194,14 @@
       </p:sp>
     </p:spTree>
   </p:cSld>
+  <p:clrMapOvr>
+    <a:masterClrMapping/>
+  </p:clrMapOvr>
 </p:notes>
 </file>
 
 <file path=ppt/notesSlides/notesSlide8.xml><?xml version="1.0" encoding="utf-8"?>
-<p:notes xmlns:a="http://schemas.openxmlformats.org/drawingml/2006/main" xmlns:p="http://schemas.openxmlformats.org/presentationml/2006/main" xmlns:r="http://schemas.openxmlformats.org/officeDocument/2006/relationships" xmlns:p14="http://schemas.microsoft.com/office/powerpoint/2010/main" xmlns:p15="http://schemas.microsoft.com/office/powerpoint/2012/main" xmlns:mc="http://schemas.openxmlformats.org/markup-compatibility/2006">
+<p:notes xmlns:a="http://schemas.openxmlformats.org/drawingml/2006/main" xmlns:r="http://schemas.openxmlformats.org/officeDocument/2006/relationships" xmlns:p="http://schemas.openxmlformats.org/presentationml/2006/main">
   <p:cSld>
     <p:spTree>
       <p:nvGrpSpPr>
@@ -1126,9 +2219,9 @@
       </p:grpSpPr>
       <p:sp>
         <p:nvSpPr>
-          <p:cNvPr id="142" name="PlaceHolder 1"/>
+          <p:cNvPr id="148" name="PlaceHolder 1"/>
           <p:cNvSpPr>
-            <a:spLocks noGrp="1"/>
+            <a:spLocks noGrp="1" noRot="1" noChangeAspect="1"/>
           </p:cNvSpPr>
           <p:nvPr>
             <p:ph type="sldImg"/>
@@ -1136,17 +2229,17 @@
         </p:nvSpPr>
         <p:spPr>
           <a:xfrm>
-            <a:off x="1143000" y="685800"/>
-            <a:ext cx="4563360" cy="3420360"/>
-          </a:xfrm>
-          <a:prstGeom prst="rect">
-            <a:avLst/>
-          </a:prstGeom>
-        </p:spPr>
-      </p:sp>
-      <p:sp>
-        <p:nvSpPr>
-          <p:cNvPr id="143" name="PlaceHolder 2"/>
+            <a:off x="1144588" y="685800"/>
+            <a:ext cx="4560887" cy="3421063"/>
+          </a:xfrm>
+          <a:prstGeom prst="rect">
+            <a:avLst/>
+          </a:prstGeom>
+        </p:spPr>
+      </p:sp>
+      <p:sp>
+        <p:nvSpPr>
+          <p:cNvPr id="149" name="PlaceHolder 2"/>
           <p:cNvSpPr>
             <a:spLocks noGrp="1"/>
           </p:cNvSpPr>
@@ -1164,33 +2257,38 @@
           </a:prstGeom>
         </p:spPr>
         <p:txBody>
-          <a:bodyPr lIns="0" rIns="0" tIns="0" bIns="0">
+          <a:bodyPr lIns="0" tIns="0" rIns="0" bIns="0">
             <a:noAutofit/>
           </a:bodyPr>
+          <a:lstStyle/>
           <a:p>
             <a:pPr marL="216000" indent="-207720">
               <a:lnSpc>
                 <a:spcPct val="100000"/>
               </a:lnSpc>
               <a:tabLst>
-                <a:tab algn="l" pos="0"/>
+                <a:tab pos="0" algn="l"/>
               </a:tabLst>
             </a:pPr>
             <a:r>
-              <a:rPr b="0" lang="ru-RU" sz="2000" spc="-1" strike="noStrike">
-                <a:latin typeface="Arial"/>
-              </a:rPr>
-              <a:t>Для последующего моделирования использовал линейную микрофонную решетку с расстоянием между элементами МР 4 см. Число элементов равно 4. Угол подъема выбрал равны 90 град для каждого сигнала. Угол азимута полезного сигнала равен 0 град,а угол азимута помехи 60 град. </a:t>
-            </a:r>
-            <a:endParaRPr b="0" lang="ru-RU" sz="2000" spc="-1" strike="noStrike">
-              <a:latin typeface="Arial"/>
-            </a:endParaRPr>
-          </a:p>
-        </p:txBody>
-      </p:sp>
-      <p:sp>
-        <p:nvSpPr>
-          <p:cNvPr id="144" name="CustomShape 3"/>
+              <a:rPr lang="ru-RU" sz="1200" b="0" strike="noStrike" spc="-1">
+                <a:solidFill>
+                  <a:srgbClr val="000000"/>
+                </a:solidFill>
+                <a:latin typeface="+mn-lt"/>
+                <a:ea typeface="+mn-ea"/>
+              </a:rPr>
+              <a:t>графики выигрыша в ОСШ от порядка адаптивных фильтров и от числа микрофонов. Тоже самое для выигрыша в PESQ. </a:t>
+            </a:r>
+            <a:endParaRPr lang="ru-RU" sz="1200" b="0" strike="noStrike" spc="-1">
+              <a:latin typeface="Arial"/>
+            </a:endParaRPr>
+          </a:p>
+        </p:txBody>
+      </p:sp>
+      <p:sp>
+        <p:nvSpPr>
+          <p:cNvPr id="150" name="CustomShape 3"/>
           <p:cNvSpPr/>
           <p:nvPr/>
         </p:nvSpPr>
@@ -1208,32 +2306,39 @@
           </a:ln>
         </p:spPr>
         <p:style>
-          <a:lnRef idx="0"/>
-          <a:fillRef idx="0"/>
-          <a:effectRef idx="0"/>
+          <a:lnRef idx="0">
+            <a:scrgbClr r="0" g="0" b="0"/>
+          </a:lnRef>
+          <a:fillRef idx="0">
+            <a:scrgbClr r="0" g="0" b="0"/>
+          </a:fillRef>
+          <a:effectRef idx="0">
+            <a:scrgbClr r="0" g="0" b="0"/>
+          </a:effectRef>
           <a:fontRef idx="minor"/>
         </p:style>
         <p:txBody>
-          <a:bodyPr lIns="90000" rIns="90000" tIns="45000" bIns="45000" anchor="b">
+          <a:bodyPr lIns="90000" tIns="45000" rIns="90000" bIns="45000" anchor="b">
             <a:noAutofit/>
           </a:bodyPr>
+          <a:lstStyle/>
           <a:p>
             <a:pPr algn="r">
               <a:lnSpc>
                 <a:spcPct val="100000"/>
               </a:lnSpc>
             </a:pPr>
-            <a:fld id="{C49A5351-5DB4-42E8-8ADE-5DF633D6AC75}" type="slidenum">
-              <a:rPr b="0" lang="ru-RU" sz="1200" spc="-1" strike="noStrike">
+            <a:fld id="{7D46E883-34ED-4EC1-9584-904BB03CC24D}" type="slidenum">
+              <a:rPr lang="ru-RU" sz="1200" b="0" strike="noStrike" spc="-1">
                 <a:solidFill>
                   <a:srgbClr val="000000"/>
                 </a:solidFill>
                 <a:latin typeface="+mn-lt"/>
                 <a:ea typeface="+mn-ea"/>
               </a:rPr>
-              <a:t>&lt;номер&gt;</a:t>
+              <a:t>10</a:t>
             </a:fld>
-            <a:endParaRPr b="0" lang="ru-RU" sz="1200" spc="-1" strike="noStrike">
+            <a:endParaRPr lang="ru-RU" sz="1200" b="0" strike="noStrike" spc="-1">
               <a:latin typeface="Arial"/>
             </a:endParaRPr>
           </a:p>
@@ -1241,152 +2346,14 @@
       </p:sp>
     </p:spTree>
   </p:cSld>
-</p:notes>
-</file>
-
-<file path=ppt/notesSlides/notesSlide9.xml><?xml version="1.0" encoding="utf-8"?>
-<p:notes xmlns:a="http://schemas.openxmlformats.org/drawingml/2006/main" xmlns:p="http://schemas.openxmlformats.org/presentationml/2006/main" xmlns:r="http://schemas.openxmlformats.org/officeDocument/2006/relationships" xmlns:p14="http://schemas.microsoft.com/office/powerpoint/2010/main" xmlns:p15="http://schemas.microsoft.com/office/powerpoint/2012/main" xmlns:mc="http://schemas.openxmlformats.org/markup-compatibility/2006">
-  <p:cSld>
-    <p:spTree>
-      <p:nvGrpSpPr>
-        <p:cNvPr id="1" name=""/>
-        <p:cNvGrpSpPr/>
-        <p:nvPr/>
-      </p:nvGrpSpPr>
-      <p:grpSpPr>
-        <a:xfrm>
-          <a:off x="0" y="0"/>
-          <a:ext cx="0" cy="0"/>
-          <a:chOff x="0" y="0"/>
-          <a:chExt cx="0" cy="0"/>
-        </a:xfrm>
-      </p:grpSpPr>
-      <p:sp>
-        <p:nvSpPr>
-          <p:cNvPr id="145" name="PlaceHolder 1"/>
-          <p:cNvSpPr>
-            <a:spLocks noGrp="1"/>
-          </p:cNvSpPr>
-          <p:nvPr>
-            <p:ph type="sldImg"/>
-          </p:nvPr>
-        </p:nvSpPr>
-        <p:spPr>
-          <a:xfrm>
-            <a:off x="1143000" y="685800"/>
-            <a:ext cx="4563360" cy="3420360"/>
-          </a:xfrm>
-          <a:prstGeom prst="rect">
-            <a:avLst/>
-          </a:prstGeom>
-        </p:spPr>
-      </p:sp>
-      <p:sp>
-        <p:nvSpPr>
-          <p:cNvPr id="146" name="PlaceHolder 2"/>
-          <p:cNvSpPr>
-            <a:spLocks noGrp="1"/>
-          </p:cNvSpPr>
-          <p:nvPr>
-            <p:ph type="body"/>
-          </p:nvPr>
-        </p:nvSpPr>
-        <p:spPr>
-          <a:xfrm>
-            <a:off x="685800" y="4343400"/>
-            <a:ext cx="5477760" cy="4106160"/>
-          </a:xfrm>
-          <a:prstGeom prst="rect">
-            <a:avLst/>
-          </a:prstGeom>
-        </p:spPr>
-        <p:txBody>
-          <a:bodyPr lIns="0" rIns="0" tIns="0" bIns="0">
-            <a:noAutofit/>
-          </a:bodyPr>
-          <a:p>
-            <a:pPr marL="216000" indent="-207720">
-              <a:lnSpc>
-                <a:spcPct val="100000"/>
-              </a:lnSpc>
-              <a:tabLst>
-                <a:tab algn="l" pos="0"/>
-              </a:tabLst>
-            </a:pPr>
-            <a:r>
-              <a:rPr b="0" lang="ru-RU" sz="1200" spc="-1" strike="noStrike">
-                <a:solidFill>
-                  <a:srgbClr val="000000"/>
-                </a:solidFill>
-                <a:latin typeface="+mn-lt"/>
-                <a:ea typeface="+mn-ea"/>
-              </a:rPr>
-              <a:t>Характеристики сигнала ОСШ не дает понимание насколько речь стала разборчивее. Полезный сигнал может сильно искажаться, оставаясь при этом очень мощным. Существую различные объективные оценки качества речи. Одним из которых является PESQ. Данный алгоритм представляет собой объективную методику определения качества речевой связи в телефонных системах. Для определения качества передачи речи в PESQ предусмотрено сравнение входного, или эталонного, сигнала с его искаженной версией на выходе системы связи. Этот процесс схематично показан на рисунке. В алгоритме PESQ учитываются следующие причины ухудшения качества сигнала: искажение его при кодировании, ошибки при передаче, потеря пакетов, время задержки передачи пакетов и флуктуация этого времени, фильтрация сигнала в аналоговых сетевых компонентах. </a:t>
-            </a:r>
-            <a:endParaRPr b="0" lang="ru-RU" sz="1200" spc="-1" strike="noStrike">
-              <a:latin typeface="Arial"/>
-            </a:endParaRPr>
-          </a:p>
-        </p:txBody>
-      </p:sp>
-      <p:sp>
-        <p:nvSpPr>
-          <p:cNvPr id="147" name="CustomShape 3"/>
-          <p:cNvSpPr/>
-          <p:nvPr/>
-        </p:nvSpPr>
-        <p:spPr>
-          <a:xfrm>
-            <a:off x="3884760" y="8685360"/>
-            <a:ext cx="2963160" cy="448560"/>
-          </a:xfrm>
-          <a:prstGeom prst="rect">
-            <a:avLst/>
-          </a:prstGeom>
-          <a:noFill/>
-          <a:ln>
-            <a:noFill/>
-          </a:ln>
-        </p:spPr>
-        <p:style>
-          <a:lnRef idx="0"/>
-          <a:fillRef idx="0"/>
-          <a:effectRef idx="0"/>
-          <a:fontRef idx="minor"/>
-        </p:style>
-        <p:txBody>
-          <a:bodyPr lIns="90000" rIns="90000" tIns="45000" bIns="45000" anchor="b">
-            <a:noAutofit/>
-          </a:bodyPr>
-          <a:p>
-            <a:pPr algn="r">
-              <a:lnSpc>
-                <a:spcPct val="100000"/>
-              </a:lnSpc>
-            </a:pPr>
-            <a:fld id="{CE0DD17F-97F5-4E84-BAC2-677E22C25D5B}" type="slidenum">
-              <a:rPr b="0" lang="ru-RU" sz="1200" spc="-1" strike="noStrike">
-                <a:solidFill>
-                  <a:srgbClr val="000000"/>
-                </a:solidFill>
-                <a:latin typeface="+mn-lt"/>
-                <a:ea typeface="+mn-ea"/>
-              </a:rPr>
-              <a:t>&lt;номер&gt;</a:t>
-            </a:fld>
-            <a:endParaRPr b="0" lang="ru-RU" sz="1200" spc="-1" strike="noStrike">
-              <a:latin typeface="Arial"/>
-            </a:endParaRPr>
-          </a:p>
-        </p:txBody>
-      </p:sp>
-    </p:spTree>
-  </p:cSld>
+  <p:clrMapOvr>
+    <a:masterClrMapping/>
+  </p:clrMapOvr>
 </p:notes>
 </file>
 
 <file path=ppt/slideLayouts/slideLayout1.xml><?xml version="1.0" encoding="utf-8"?>
-<p:sldLayout xmlns:a="http://schemas.openxmlformats.org/drawingml/2006/main" xmlns:p="http://schemas.openxmlformats.org/presentationml/2006/main" xmlns:r="http://schemas.openxmlformats.org/officeDocument/2006/relationships" xmlns:p14="http://schemas.microsoft.com/office/powerpoint/2010/main" xmlns:p15="http://schemas.microsoft.com/office/powerpoint/2012/main" xmlns:mc="http://schemas.openxmlformats.org/markup-compatibility/2006" type="blank" preserve="1">
+<p:sldLayout xmlns:a="http://schemas.openxmlformats.org/drawingml/2006/main" xmlns:r="http://schemas.openxmlformats.org/officeDocument/2006/relationships" xmlns:p="http://schemas.openxmlformats.org/presentationml/2006/main" type="blank" preserve="1">
   <p:cSld name="Blank Slide">
     <p:spTree>
       <p:nvGrpSpPr>
@@ -1404,11 +2371,14 @@
       </p:grpSpPr>
     </p:spTree>
   </p:cSld>
+  <p:clrMapOvr>
+    <a:masterClrMapping/>
+  </p:clrMapOvr>
 </p:sldLayout>
 </file>
 
 <file path=ppt/slideLayouts/slideLayout10.xml><?xml version="1.0" encoding="utf-8"?>
-<p:sldLayout xmlns:a="http://schemas.openxmlformats.org/drawingml/2006/main" xmlns:p="http://schemas.openxmlformats.org/presentationml/2006/main" xmlns:r="http://schemas.openxmlformats.org/officeDocument/2006/relationships" xmlns:p14="http://schemas.microsoft.com/office/powerpoint/2010/main" xmlns:p15="http://schemas.microsoft.com/office/powerpoint/2012/main" xmlns:mc="http://schemas.openxmlformats.org/markup-compatibility/2006" type="objOverTx" preserve="1">
+<p:sldLayout xmlns:a="http://schemas.openxmlformats.org/drawingml/2006/main" xmlns:r="http://schemas.openxmlformats.org/officeDocument/2006/relationships" xmlns:p="http://schemas.openxmlformats.org/presentationml/2006/main" type="objOverTx" preserve="1">
   <p:cSld name="Title, Content over Content">
     <p:spTree>
       <p:nvGrpSpPr>
@@ -1444,12 +2414,13 @@
           </a:prstGeom>
         </p:spPr>
         <p:txBody>
-          <a:bodyPr lIns="0" rIns="0" tIns="0" bIns="0" anchor="ctr">
+          <a:bodyPr lIns="0" tIns="0" rIns="0" bIns="0" anchor="ctr">
             <a:noAutofit/>
           </a:bodyPr>
+          <a:lstStyle/>
           <a:p>
             <a:pPr algn="ctr"/>
-            <a:endParaRPr b="0" lang="ru-RU" sz="4400" spc="-1" strike="noStrike">
+            <a:endParaRPr lang="ru-RU" sz="4400" b="0" strike="noStrike" spc="-1">
               <a:latin typeface="Arial"/>
             </a:endParaRPr>
           </a:p>
@@ -1475,11 +2446,12 @@
           </a:prstGeom>
         </p:spPr>
         <p:txBody>
-          <a:bodyPr lIns="0" rIns="0" tIns="0" bIns="0">
+          <a:bodyPr lIns="0" tIns="0" rIns="0" bIns="0">
             <a:normAutofit/>
           </a:bodyPr>
-          <a:p>
-            <a:endParaRPr b="0" lang="ru-RU" sz="3200" spc="-1" strike="noStrike">
+          <a:lstStyle/>
+          <a:p>
+            <a:endParaRPr lang="ru-RU" sz="3200" b="0" strike="noStrike" spc="-1">
               <a:latin typeface="Arial"/>
             </a:endParaRPr>
           </a:p>
@@ -1505,11 +2477,12 @@
           </a:prstGeom>
         </p:spPr>
         <p:txBody>
-          <a:bodyPr lIns="0" rIns="0" tIns="0" bIns="0">
+          <a:bodyPr lIns="0" tIns="0" rIns="0" bIns="0">
             <a:normAutofit/>
           </a:bodyPr>
-          <a:p>
-            <a:endParaRPr b="0" lang="ru-RU" sz="3200" spc="-1" strike="noStrike">
+          <a:lstStyle/>
+          <a:p>
+            <a:endParaRPr lang="ru-RU" sz="3200" b="0" strike="noStrike" spc="-1">
               <a:latin typeface="Arial"/>
             </a:endParaRPr>
           </a:p>
@@ -1517,11 +2490,14 @@
       </p:sp>
     </p:spTree>
   </p:cSld>
+  <p:clrMapOvr>
+    <a:masterClrMapping/>
+  </p:clrMapOvr>
 </p:sldLayout>
 </file>
 
 <file path=ppt/slideLayouts/slideLayout11.xml><?xml version="1.0" encoding="utf-8"?>
-<p:sldLayout xmlns:a="http://schemas.openxmlformats.org/drawingml/2006/main" xmlns:p="http://schemas.openxmlformats.org/presentationml/2006/main" xmlns:r="http://schemas.openxmlformats.org/officeDocument/2006/relationships" xmlns:p14="http://schemas.microsoft.com/office/powerpoint/2010/main" xmlns:p15="http://schemas.microsoft.com/office/powerpoint/2012/main" xmlns:mc="http://schemas.openxmlformats.org/markup-compatibility/2006" type="fourObj" preserve="1">
+<p:sldLayout xmlns:a="http://schemas.openxmlformats.org/drawingml/2006/main" xmlns:r="http://schemas.openxmlformats.org/officeDocument/2006/relationships" xmlns:p="http://schemas.openxmlformats.org/presentationml/2006/main" type="fourObj" preserve="1">
   <p:cSld name="Title, 4 Content">
     <p:spTree>
       <p:nvGrpSpPr>
@@ -1557,12 +2533,13 @@
           </a:prstGeom>
         </p:spPr>
         <p:txBody>
-          <a:bodyPr lIns="0" rIns="0" tIns="0" bIns="0" anchor="ctr">
+          <a:bodyPr lIns="0" tIns="0" rIns="0" bIns="0" anchor="ctr">
             <a:noAutofit/>
           </a:bodyPr>
+          <a:lstStyle/>
           <a:p>
             <a:pPr algn="ctr"/>
-            <a:endParaRPr b="0" lang="ru-RU" sz="4400" spc="-1" strike="noStrike">
+            <a:endParaRPr lang="ru-RU" sz="4400" b="0" strike="noStrike" spc="-1">
               <a:latin typeface="Arial"/>
             </a:endParaRPr>
           </a:p>
@@ -1588,11 +2565,12 @@
           </a:prstGeom>
         </p:spPr>
         <p:txBody>
-          <a:bodyPr lIns="0" rIns="0" tIns="0" bIns="0">
+          <a:bodyPr lIns="0" tIns="0" rIns="0" bIns="0">
             <a:normAutofit/>
           </a:bodyPr>
-          <a:p>
-            <a:endParaRPr b="0" lang="ru-RU" sz="3200" spc="-1" strike="noStrike">
+          <a:lstStyle/>
+          <a:p>
+            <a:endParaRPr lang="ru-RU" sz="3200" b="0" strike="noStrike" spc="-1">
               <a:latin typeface="Arial"/>
             </a:endParaRPr>
           </a:p>
@@ -1618,11 +2596,12 @@
           </a:prstGeom>
         </p:spPr>
         <p:txBody>
-          <a:bodyPr lIns="0" rIns="0" tIns="0" bIns="0">
+          <a:bodyPr lIns="0" tIns="0" rIns="0" bIns="0">
             <a:normAutofit/>
           </a:bodyPr>
-          <a:p>
-            <a:endParaRPr b="0" lang="ru-RU" sz="3200" spc="-1" strike="noStrike">
+          <a:lstStyle/>
+          <a:p>
+            <a:endParaRPr lang="ru-RU" sz="3200" b="0" strike="noStrike" spc="-1">
               <a:latin typeface="Arial"/>
             </a:endParaRPr>
           </a:p>
@@ -1648,11 +2627,12 @@
           </a:prstGeom>
         </p:spPr>
         <p:txBody>
-          <a:bodyPr lIns="0" rIns="0" tIns="0" bIns="0">
+          <a:bodyPr lIns="0" tIns="0" rIns="0" bIns="0">
             <a:normAutofit/>
           </a:bodyPr>
-          <a:p>
-            <a:endParaRPr b="0" lang="ru-RU" sz="3200" spc="-1" strike="noStrike">
+          <a:lstStyle/>
+          <a:p>
+            <a:endParaRPr lang="ru-RU" sz="3200" b="0" strike="noStrike" spc="-1">
               <a:latin typeface="Arial"/>
             </a:endParaRPr>
           </a:p>
@@ -1678,11 +2658,12 @@
           </a:prstGeom>
         </p:spPr>
         <p:txBody>
-          <a:bodyPr lIns="0" rIns="0" tIns="0" bIns="0">
+          <a:bodyPr lIns="0" tIns="0" rIns="0" bIns="0">
             <a:normAutofit/>
           </a:bodyPr>
-          <a:p>
-            <a:endParaRPr b="0" lang="ru-RU" sz="3200" spc="-1" strike="noStrike">
+          <a:lstStyle/>
+          <a:p>
+            <a:endParaRPr lang="ru-RU" sz="3200" b="0" strike="noStrike" spc="-1">
               <a:latin typeface="Arial"/>
             </a:endParaRPr>
           </a:p>
@@ -1690,11 +2671,14 @@
       </p:sp>
     </p:spTree>
   </p:cSld>
+  <p:clrMapOvr>
+    <a:masterClrMapping/>
+  </p:clrMapOvr>
 </p:sldLayout>
 </file>
 
 <file path=ppt/slideLayouts/slideLayout12.xml><?xml version="1.0" encoding="utf-8"?>
-<p:sldLayout xmlns:a="http://schemas.openxmlformats.org/drawingml/2006/main" xmlns:p="http://schemas.openxmlformats.org/presentationml/2006/main" xmlns:r="http://schemas.openxmlformats.org/officeDocument/2006/relationships" xmlns:p14="http://schemas.microsoft.com/office/powerpoint/2010/main" xmlns:p15="http://schemas.microsoft.com/office/powerpoint/2012/main" xmlns:mc="http://schemas.openxmlformats.org/markup-compatibility/2006" type="blank" preserve="1">
+<p:sldLayout xmlns:a="http://schemas.openxmlformats.org/drawingml/2006/main" xmlns:r="http://schemas.openxmlformats.org/officeDocument/2006/relationships" xmlns:p="http://schemas.openxmlformats.org/presentationml/2006/main" type="blank" preserve="1">
   <p:cSld name="Title, 6 Content">
     <p:spTree>
       <p:nvGrpSpPr>
@@ -1730,12 +2714,13 @@
           </a:prstGeom>
         </p:spPr>
         <p:txBody>
-          <a:bodyPr lIns="0" rIns="0" tIns="0" bIns="0" anchor="ctr">
+          <a:bodyPr lIns="0" tIns="0" rIns="0" bIns="0" anchor="ctr">
             <a:noAutofit/>
           </a:bodyPr>
+          <a:lstStyle/>
           <a:p>
             <a:pPr algn="ctr"/>
-            <a:endParaRPr b="0" lang="ru-RU" sz="4400" spc="-1" strike="noStrike">
+            <a:endParaRPr lang="ru-RU" sz="4400" b="0" strike="noStrike" spc="-1">
               <a:latin typeface="Arial"/>
             </a:endParaRPr>
           </a:p>
@@ -1761,11 +2746,12 @@
           </a:prstGeom>
         </p:spPr>
         <p:txBody>
-          <a:bodyPr lIns="0" rIns="0" tIns="0" bIns="0">
+          <a:bodyPr lIns="0" tIns="0" rIns="0" bIns="0">
             <a:normAutofit fontScale="76000"/>
           </a:bodyPr>
-          <a:p>
-            <a:endParaRPr b="0" lang="ru-RU" sz="3200" spc="-1" strike="noStrike">
+          <a:lstStyle/>
+          <a:p>
+            <a:endParaRPr lang="ru-RU" sz="3200" b="0" strike="noStrike" spc="-1">
               <a:latin typeface="Arial"/>
             </a:endParaRPr>
           </a:p>
@@ -1791,11 +2777,12 @@
           </a:prstGeom>
         </p:spPr>
         <p:txBody>
-          <a:bodyPr lIns="0" rIns="0" tIns="0" bIns="0">
+          <a:bodyPr lIns="0" tIns="0" rIns="0" bIns="0">
             <a:normAutofit fontScale="76000"/>
           </a:bodyPr>
-          <a:p>
-            <a:endParaRPr b="0" lang="ru-RU" sz="3200" spc="-1" strike="noStrike">
+          <a:lstStyle/>
+          <a:p>
+            <a:endParaRPr lang="ru-RU" sz="3200" b="0" strike="noStrike" spc="-1">
               <a:latin typeface="Arial"/>
             </a:endParaRPr>
           </a:p>
@@ -1821,11 +2808,12 @@
           </a:prstGeom>
         </p:spPr>
         <p:txBody>
-          <a:bodyPr lIns="0" rIns="0" tIns="0" bIns="0">
+          <a:bodyPr lIns="0" tIns="0" rIns="0" bIns="0">
             <a:normAutofit fontScale="76000"/>
           </a:bodyPr>
-          <a:p>
-            <a:endParaRPr b="0" lang="ru-RU" sz="3200" spc="-1" strike="noStrike">
+          <a:lstStyle/>
+          <a:p>
+            <a:endParaRPr lang="ru-RU" sz="3200" b="0" strike="noStrike" spc="-1">
               <a:latin typeface="Arial"/>
             </a:endParaRPr>
           </a:p>
@@ -1851,11 +2839,12 @@
           </a:prstGeom>
         </p:spPr>
         <p:txBody>
-          <a:bodyPr lIns="0" rIns="0" tIns="0" bIns="0">
+          <a:bodyPr lIns="0" tIns="0" rIns="0" bIns="0">
             <a:normAutofit fontScale="76000"/>
           </a:bodyPr>
-          <a:p>
-            <a:endParaRPr b="0" lang="ru-RU" sz="3200" spc="-1" strike="noStrike">
+          <a:lstStyle/>
+          <a:p>
+            <a:endParaRPr lang="ru-RU" sz="3200" b="0" strike="noStrike" spc="-1">
               <a:latin typeface="Arial"/>
             </a:endParaRPr>
           </a:p>
@@ -1881,11 +2870,12 @@
           </a:prstGeom>
         </p:spPr>
         <p:txBody>
-          <a:bodyPr lIns="0" rIns="0" tIns="0" bIns="0">
+          <a:bodyPr lIns="0" tIns="0" rIns="0" bIns="0">
             <a:normAutofit fontScale="76000"/>
           </a:bodyPr>
-          <a:p>
-            <a:endParaRPr b="0" lang="ru-RU" sz="3200" spc="-1" strike="noStrike">
+          <a:lstStyle/>
+          <a:p>
+            <a:endParaRPr lang="ru-RU" sz="3200" b="0" strike="noStrike" spc="-1">
               <a:latin typeface="Arial"/>
             </a:endParaRPr>
           </a:p>
@@ -1911,11 +2901,12 @@
           </a:prstGeom>
         </p:spPr>
         <p:txBody>
-          <a:bodyPr lIns="0" rIns="0" tIns="0" bIns="0">
+          <a:bodyPr lIns="0" tIns="0" rIns="0" bIns="0">
             <a:normAutofit fontScale="76000"/>
           </a:bodyPr>
-          <a:p>
-            <a:endParaRPr b="0" lang="ru-RU" sz="3200" spc="-1" strike="noStrike">
+          <a:lstStyle/>
+          <a:p>
+            <a:endParaRPr lang="ru-RU" sz="3200" b="0" strike="noStrike" spc="-1">
               <a:latin typeface="Arial"/>
             </a:endParaRPr>
           </a:p>
@@ -1923,11 +2914,14 @@
       </p:sp>
     </p:spTree>
   </p:cSld>
+  <p:clrMapOvr>
+    <a:masterClrMapping/>
+  </p:clrMapOvr>
 </p:sldLayout>
 </file>
 
 <file path=ppt/slideLayouts/slideLayout13.xml><?xml version="1.0" encoding="utf-8"?>
-<p:sldLayout xmlns:a="http://schemas.openxmlformats.org/drawingml/2006/main" xmlns:p="http://schemas.openxmlformats.org/presentationml/2006/main" xmlns:r="http://schemas.openxmlformats.org/officeDocument/2006/relationships" xmlns:p14="http://schemas.microsoft.com/office/powerpoint/2010/main" xmlns:p15="http://schemas.microsoft.com/office/powerpoint/2012/main" xmlns:mc="http://schemas.openxmlformats.org/markup-compatibility/2006" type="blank" preserve="1">
+<p:sldLayout xmlns:a="http://schemas.openxmlformats.org/drawingml/2006/main" xmlns:r="http://schemas.openxmlformats.org/officeDocument/2006/relationships" xmlns:p="http://schemas.openxmlformats.org/presentationml/2006/main" type="blank" preserve="1">
   <p:cSld name="Blank Slide">
     <p:spTree>
       <p:nvGrpSpPr>
@@ -1945,11 +2939,14 @@
       </p:grpSpPr>
     </p:spTree>
   </p:cSld>
+  <p:clrMapOvr>
+    <a:masterClrMapping/>
+  </p:clrMapOvr>
 </p:sldLayout>
 </file>
 
 <file path=ppt/slideLayouts/slideLayout14.xml><?xml version="1.0" encoding="utf-8"?>
-<p:sldLayout xmlns:a="http://schemas.openxmlformats.org/drawingml/2006/main" xmlns:p="http://schemas.openxmlformats.org/presentationml/2006/main" xmlns:r="http://schemas.openxmlformats.org/officeDocument/2006/relationships" xmlns:p14="http://schemas.microsoft.com/office/powerpoint/2010/main" xmlns:p15="http://schemas.microsoft.com/office/powerpoint/2012/main" xmlns:mc="http://schemas.openxmlformats.org/markup-compatibility/2006" type="tx" preserve="1">
+<p:sldLayout xmlns:a="http://schemas.openxmlformats.org/drawingml/2006/main" xmlns:r="http://schemas.openxmlformats.org/officeDocument/2006/relationships" xmlns:p="http://schemas.openxmlformats.org/presentationml/2006/main" type="tx" preserve="1">
   <p:cSld name="Title Slide">
     <p:spTree>
       <p:nvGrpSpPr>
@@ -1985,12 +2982,13 @@
           </a:prstGeom>
         </p:spPr>
         <p:txBody>
-          <a:bodyPr lIns="0" rIns="0" tIns="0" bIns="0" anchor="ctr">
+          <a:bodyPr lIns="0" tIns="0" rIns="0" bIns="0" anchor="ctr">
             <a:noAutofit/>
           </a:bodyPr>
+          <a:lstStyle/>
           <a:p>
             <a:pPr algn="ctr"/>
-            <a:endParaRPr b="0" lang="ru-RU" sz="4400" spc="-1" strike="noStrike">
+            <a:endParaRPr lang="ru-RU" sz="4400" b="0" strike="noStrike" spc="-1">
               <a:latin typeface="Arial"/>
             </a:endParaRPr>
           </a:p>
@@ -2016,12 +3014,13 @@
           </a:prstGeom>
         </p:spPr>
         <p:txBody>
-          <a:bodyPr lIns="0" rIns="0" tIns="0" bIns="0" anchor="ctr">
+          <a:bodyPr lIns="0" tIns="0" rIns="0" bIns="0" anchor="ctr">
             <a:noAutofit/>
           </a:bodyPr>
+          <a:lstStyle/>
           <a:p>
             <a:pPr algn="ctr"/>
-            <a:endParaRPr b="0" lang="ru-RU" sz="3200" spc="-1" strike="noStrike">
+            <a:endParaRPr lang="ru-RU" sz="3200" b="0" strike="noStrike" spc="-1">
               <a:latin typeface="Arial"/>
             </a:endParaRPr>
           </a:p>
@@ -2029,11 +3028,14 @@
       </p:sp>
     </p:spTree>
   </p:cSld>
+  <p:clrMapOvr>
+    <a:masterClrMapping/>
+  </p:clrMapOvr>
 </p:sldLayout>
 </file>
 
 <file path=ppt/slideLayouts/slideLayout15.xml><?xml version="1.0" encoding="utf-8"?>
-<p:sldLayout xmlns:a="http://schemas.openxmlformats.org/drawingml/2006/main" xmlns:p="http://schemas.openxmlformats.org/presentationml/2006/main" xmlns:r="http://schemas.openxmlformats.org/officeDocument/2006/relationships" xmlns:p14="http://schemas.microsoft.com/office/powerpoint/2010/main" xmlns:p15="http://schemas.microsoft.com/office/powerpoint/2012/main" xmlns:mc="http://schemas.openxmlformats.org/markup-compatibility/2006" type="obj" preserve="1">
+<p:sldLayout xmlns:a="http://schemas.openxmlformats.org/drawingml/2006/main" xmlns:r="http://schemas.openxmlformats.org/officeDocument/2006/relationships" xmlns:p="http://schemas.openxmlformats.org/presentationml/2006/main" type="obj" preserve="1">
   <p:cSld name="Title, Content">
     <p:spTree>
       <p:nvGrpSpPr>
@@ -2069,12 +3071,13 @@
           </a:prstGeom>
         </p:spPr>
         <p:txBody>
-          <a:bodyPr lIns="0" rIns="0" tIns="0" bIns="0" anchor="ctr">
+          <a:bodyPr lIns="0" tIns="0" rIns="0" bIns="0" anchor="ctr">
             <a:noAutofit/>
           </a:bodyPr>
+          <a:lstStyle/>
           <a:p>
             <a:pPr algn="ctr"/>
-            <a:endParaRPr b="0" lang="ru-RU" sz="4400" spc="-1" strike="noStrike">
+            <a:endParaRPr lang="ru-RU" sz="4400" b="0" strike="noStrike" spc="-1">
               <a:latin typeface="Arial"/>
             </a:endParaRPr>
           </a:p>
@@ -2100,11 +3103,12 @@
           </a:prstGeom>
         </p:spPr>
         <p:txBody>
-          <a:bodyPr lIns="0" rIns="0" tIns="0" bIns="0">
+          <a:bodyPr lIns="0" tIns="0" rIns="0" bIns="0">
             <a:normAutofit/>
           </a:bodyPr>
-          <a:p>
-            <a:endParaRPr b="0" lang="ru-RU" sz="3200" spc="-1" strike="noStrike">
+          <a:lstStyle/>
+          <a:p>
+            <a:endParaRPr lang="ru-RU" sz="3200" b="0" strike="noStrike" spc="-1">
               <a:latin typeface="Arial"/>
             </a:endParaRPr>
           </a:p>
@@ -2112,11 +3116,14 @@
       </p:sp>
     </p:spTree>
   </p:cSld>
+  <p:clrMapOvr>
+    <a:masterClrMapping/>
+  </p:clrMapOvr>
 </p:sldLayout>
 </file>
 
 <file path=ppt/slideLayouts/slideLayout16.xml><?xml version="1.0" encoding="utf-8"?>
-<p:sldLayout xmlns:a="http://schemas.openxmlformats.org/drawingml/2006/main" xmlns:p="http://schemas.openxmlformats.org/presentationml/2006/main" xmlns:r="http://schemas.openxmlformats.org/officeDocument/2006/relationships" xmlns:p14="http://schemas.microsoft.com/office/powerpoint/2010/main" xmlns:p15="http://schemas.microsoft.com/office/powerpoint/2012/main" xmlns:mc="http://schemas.openxmlformats.org/markup-compatibility/2006" type="twoObj" preserve="1">
+<p:sldLayout xmlns:a="http://schemas.openxmlformats.org/drawingml/2006/main" xmlns:r="http://schemas.openxmlformats.org/officeDocument/2006/relationships" xmlns:p="http://schemas.openxmlformats.org/presentationml/2006/main" type="twoObj" preserve="1">
   <p:cSld name="Title, 2 Content">
     <p:spTree>
       <p:nvGrpSpPr>
@@ -2152,12 +3159,13 @@
           </a:prstGeom>
         </p:spPr>
         <p:txBody>
-          <a:bodyPr lIns="0" rIns="0" tIns="0" bIns="0" anchor="ctr">
+          <a:bodyPr lIns="0" tIns="0" rIns="0" bIns="0" anchor="ctr">
             <a:noAutofit/>
           </a:bodyPr>
+          <a:lstStyle/>
           <a:p>
             <a:pPr algn="ctr"/>
-            <a:endParaRPr b="0" lang="ru-RU" sz="4400" spc="-1" strike="noStrike">
+            <a:endParaRPr lang="ru-RU" sz="4400" b="0" strike="noStrike" spc="-1">
               <a:latin typeface="Arial"/>
             </a:endParaRPr>
           </a:p>
@@ -2183,11 +3191,12 @@
           </a:prstGeom>
         </p:spPr>
         <p:txBody>
-          <a:bodyPr lIns="0" rIns="0" tIns="0" bIns="0">
+          <a:bodyPr lIns="0" tIns="0" rIns="0" bIns="0">
             <a:normAutofit/>
           </a:bodyPr>
-          <a:p>
-            <a:endParaRPr b="0" lang="ru-RU" sz="3200" spc="-1" strike="noStrike">
+          <a:lstStyle/>
+          <a:p>
+            <a:endParaRPr lang="ru-RU" sz="3200" b="0" strike="noStrike" spc="-1">
               <a:latin typeface="Arial"/>
             </a:endParaRPr>
           </a:p>
@@ -2213,11 +3222,12 @@
           </a:prstGeom>
         </p:spPr>
         <p:txBody>
-          <a:bodyPr lIns="0" rIns="0" tIns="0" bIns="0">
+          <a:bodyPr lIns="0" tIns="0" rIns="0" bIns="0">
             <a:normAutofit/>
           </a:bodyPr>
-          <a:p>
-            <a:endParaRPr b="0" lang="ru-RU" sz="3200" spc="-1" strike="noStrike">
+          <a:lstStyle/>
+          <a:p>
+            <a:endParaRPr lang="ru-RU" sz="3200" b="0" strike="noStrike" spc="-1">
               <a:latin typeface="Arial"/>
             </a:endParaRPr>
           </a:p>
@@ -2225,11 +3235,14 @@
       </p:sp>
     </p:spTree>
   </p:cSld>
+  <p:clrMapOvr>
+    <a:masterClrMapping/>
+  </p:clrMapOvr>
 </p:sldLayout>
 </file>
 
 <file path=ppt/slideLayouts/slideLayout17.xml><?xml version="1.0" encoding="utf-8"?>
-<p:sldLayout xmlns:a="http://schemas.openxmlformats.org/drawingml/2006/main" xmlns:p="http://schemas.openxmlformats.org/presentationml/2006/main" xmlns:r="http://schemas.openxmlformats.org/officeDocument/2006/relationships" xmlns:p14="http://schemas.microsoft.com/office/powerpoint/2010/main" xmlns:p15="http://schemas.microsoft.com/office/powerpoint/2012/main" xmlns:mc="http://schemas.openxmlformats.org/markup-compatibility/2006" type="titleOnly" preserve="1">
+<p:sldLayout xmlns:a="http://schemas.openxmlformats.org/drawingml/2006/main" xmlns:r="http://schemas.openxmlformats.org/officeDocument/2006/relationships" xmlns:p="http://schemas.openxmlformats.org/presentationml/2006/main" type="titleOnly" preserve="1">
   <p:cSld name="Title Only">
     <p:spTree>
       <p:nvGrpSpPr>
@@ -2265,12 +3278,13 @@
           </a:prstGeom>
         </p:spPr>
         <p:txBody>
-          <a:bodyPr lIns="0" rIns="0" tIns="0" bIns="0" anchor="ctr">
+          <a:bodyPr lIns="0" tIns="0" rIns="0" bIns="0" anchor="ctr">
             <a:noAutofit/>
           </a:bodyPr>
+          <a:lstStyle/>
           <a:p>
             <a:pPr algn="ctr"/>
-            <a:endParaRPr b="0" lang="ru-RU" sz="4400" spc="-1" strike="noStrike">
+            <a:endParaRPr lang="ru-RU" sz="4400" b="0" strike="noStrike" spc="-1">
               <a:latin typeface="Arial"/>
             </a:endParaRPr>
           </a:p>
@@ -2278,11 +3292,14 @@
       </p:sp>
     </p:spTree>
   </p:cSld>
+  <p:clrMapOvr>
+    <a:masterClrMapping/>
+  </p:clrMapOvr>
 </p:sldLayout>
 </file>
 
 <file path=ppt/slideLayouts/slideLayout18.xml><?xml version="1.0" encoding="utf-8"?>
-<p:sldLayout xmlns:a="http://schemas.openxmlformats.org/drawingml/2006/main" xmlns:p="http://schemas.openxmlformats.org/presentationml/2006/main" xmlns:r="http://schemas.openxmlformats.org/officeDocument/2006/relationships" xmlns:p14="http://schemas.microsoft.com/office/powerpoint/2010/main" xmlns:p15="http://schemas.microsoft.com/office/powerpoint/2012/main" xmlns:mc="http://schemas.openxmlformats.org/markup-compatibility/2006" type="objOnly" preserve="1">
+<p:sldLayout xmlns:a="http://schemas.openxmlformats.org/drawingml/2006/main" xmlns:r="http://schemas.openxmlformats.org/officeDocument/2006/relationships" xmlns:p="http://schemas.openxmlformats.org/presentationml/2006/main" type="objOnly" preserve="1">
   <p:cSld name="Centered Text">
     <p:spTree>
       <p:nvGrpSpPr>
@@ -2318,12 +3335,13 @@
           </a:prstGeom>
         </p:spPr>
         <p:txBody>
-          <a:bodyPr lIns="0" rIns="0" tIns="0" bIns="0" anchor="ctr">
+          <a:bodyPr lIns="0" tIns="0" rIns="0" bIns="0" anchor="ctr">
             <a:noAutofit/>
           </a:bodyPr>
+          <a:lstStyle/>
           <a:p>
             <a:pPr algn="ctr"/>
-            <a:endParaRPr b="0" lang="ru-RU" sz="3200" spc="-1" strike="noStrike">
+            <a:endParaRPr lang="ru-RU" sz="3200" b="0" strike="noStrike" spc="-1">
               <a:latin typeface="Arial"/>
             </a:endParaRPr>
           </a:p>
@@ -2331,11 +3349,14 @@
       </p:sp>
     </p:spTree>
   </p:cSld>
+  <p:clrMapOvr>
+    <a:masterClrMapping/>
+  </p:clrMapOvr>
 </p:sldLayout>
 </file>
 
 <file path=ppt/slideLayouts/slideLayout19.xml><?xml version="1.0" encoding="utf-8"?>
-<p:sldLayout xmlns:a="http://schemas.openxmlformats.org/drawingml/2006/main" xmlns:p="http://schemas.openxmlformats.org/presentationml/2006/main" xmlns:r="http://schemas.openxmlformats.org/officeDocument/2006/relationships" xmlns:p14="http://schemas.microsoft.com/office/powerpoint/2010/main" xmlns:p15="http://schemas.microsoft.com/office/powerpoint/2012/main" xmlns:mc="http://schemas.openxmlformats.org/markup-compatibility/2006" type="twoObjAndObj" preserve="1">
+<p:sldLayout xmlns:a="http://schemas.openxmlformats.org/drawingml/2006/main" xmlns:r="http://schemas.openxmlformats.org/officeDocument/2006/relationships" xmlns:p="http://schemas.openxmlformats.org/presentationml/2006/main" type="twoObjAndObj" preserve="1">
   <p:cSld name="Title, 2 Content and Content">
     <p:spTree>
       <p:nvGrpSpPr>
@@ -2371,12 +3392,13 @@
           </a:prstGeom>
         </p:spPr>
         <p:txBody>
-          <a:bodyPr lIns="0" rIns="0" tIns="0" bIns="0" anchor="ctr">
+          <a:bodyPr lIns="0" tIns="0" rIns="0" bIns="0" anchor="ctr">
             <a:noAutofit/>
           </a:bodyPr>
+          <a:lstStyle/>
           <a:p>
             <a:pPr algn="ctr"/>
-            <a:endParaRPr b="0" lang="ru-RU" sz="4400" spc="-1" strike="noStrike">
+            <a:endParaRPr lang="ru-RU" sz="4400" b="0" strike="noStrike" spc="-1">
               <a:latin typeface="Arial"/>
             </a:endParaRPr>
           </a:p>
@@ -2402,11 +3424,12 @@
           </a:prstGeom>
         </p:spPr>
         <p:txBody>
-          <a:bodyPr lIns="0" rIns="0" tIns="0" bIns="0">
+          <a:bodyPr lIns="0" tIns="0" rIns="0" bIns="0">
             <a:normAutofit/>
           </a:bodyPr>
-          <a:p>
-            <a:endParaRPr b="0" lang="ru-RU" sz="3200" spc="-1" strike="noStrike">
+          <a:lstStyle/>
+          <a:p>
+            <a:endParaRPr lang="ru-RU" sz="3200" b="0" strike="noStrike" spc="-1">
               <a:latin typeface="Arial"/>
             </a:endParaRPr>
           </a:p>
@@ -2432,11 +3455,12 @@
           </a:prstGeom>
         </p:spPr>
         <p:txBody>
-          <a:bodyPr lIns="0" rIns="0" tIns="0" bIns="0">
+          <a:bodyPr lIns="0" tIns="0" rIns="0" bIns="0">
             <a:normAutofit/>
           </a:bodyPr>
-          <a:p>
-            <a:endParaRPr b="0" lang="ru-RU" sz="3200" spc="-1" strike="noStrike">
+          <a:lstStyle/>
+          <a:p>
+            <a:endParaRPr lang="ru-RU" sz="3200" b="0" strike="noStrike" spc="-1">
               <a:latin typeface="Arial"/>
             </a:endParaRPr>
           </a:p>
@@ -2462,11 +3486,12 @@
           </a:prstGeom>
         </p:spPr>
         <p:txBody>
-          <a:bodyPr lIns="0" rIns="0" tIns="0" bIns="0">
+          <a:bodyPr lIns="0" tIns="0" rIns="0" bIns="0">
             <a:normAutofit/>
           </a:bodyPr>
-          <a:p>
-            <a:endParaRPr b="0" lang="ru-RU" sz="3200" spc="-1" strike="noStrike">
+          <a:lstStyle/>
+          <a:p>
+            <a:endParaRPr lang="ru-RU" sz="3200" b="0" strike="noStrike" spc="-1">
               <a:latin typeface="Arial"/>
             </a:endParaRPr>
           </a:p>
@@ -2474,11 +3499,14 @@
       </p:sp>
     </p:spTree>
   </p:cSld>
+  <p:clrMapOvr>
+    <a:masterClrMapping/>
+  </p:clrMapOvr>
 </p:sldLayout>
 </file>
 
 <file path=ppt/slideLayouts/slideLayout2.xml><?xml version="1.0" encoding="utf-8"?>
-<p:sldLayout xmlns:a="http://schemas.openxmlformats.org/drawingml/2006/main" xmlns:p="http://schemas.openxmlformats.org/presentationml/2006/main" xmlns:r="http://schemas.openxmlformats.org/officeDocument/2006/relationships" xmlns:p14="http://schemas.microsoft.com/office/powerpoint/2010/main" xmlns:p15="http://schemas.microsoft.com/office/powerpoint/2012/main" xmlns:mc="http://schemas.openxmlformats.org/markup-compatibility/2006" type="tx" preserve="1">
+<p:sldLayout xmlns:a="http://schemas.openxmlformats.org/drawingml/2006/main" xmlns:r="http://schemas.openxmlformats.org/officeDocument/2006/relationships" xmlns:p="http://schemas.openxmlformats.org/presentationml/2006/main" type="tx" preserve="1">
   <p:cSld name="Title Slide">
     <p:spTree>
       <p:nvGrpSpPr>
@@ -2514,12 +3542,13 @@
           </a:prstGeom>
         </p:spPr>
         <p:txBody>
-          <a:bodyPr lIns="0" rIns="0" tIns="0" bIns="0" anchor="ctr">
+          <a:bodyPr lIns="0" tIns="0" rIns="0" bIns="0" anchor="ctr">
             <a:noAutofit/>
           </a:bodyPr>
+          <a:lstStyle/>
           <a:p>
             <a:pPr algn="ctr"/>
-            <a:endParaRPr b="0" lang="ru-RU" sz="4400" spc="-1" strike="noStrike">
+            <a:endParaRPr lang="ru-RU" sz="4400" b="0" strike="noStrike" spc="-1">
               <a:latin typeface="Arial"/>
             </a:endParaRPr>
           </a:p>
@@ -2545,12 +3574,13 @@
           </a:prstGeom>
         </p:spPr>
         <p:txBody>
-          <a:bodyPr lIns="0" rIns="0" tIns="0" bIns="0" anchor="ctr">
+          <a:bodyPr lIns="0" tIns="0" rIns="0" bIns="0" anchor="ctr">
             <a:noAutofit/>
           </a:bodyPr>
+          <a:lstStyle/>
           <a:p>
             <a:pPr algn="ctr"/>
-            <a:endParaRPr b="0" lang="ru-RU" sz="3200" spc="-1" strike="noStrike">
+            <a:endParaRPr lang="ru-RU" sz="3200" b="0" strike="noStrike" spc="-1">
               <a:latin typeface="Arial"/>
             </a:endParaRPr>
           </a:p>
@@ -2558,11 +3588,14 @@
       </p:sp>
     </p:spTree>
   </p:cSld>
+  <p:clrMapOvr>
+    <a:masterClrMapping/>
+  </p:clrMapOvr>
 </p:sldLayout>
 </file>
 
 <file path=ppt/slideLayouts/slideLayout20.xml><?xml version="1.0" encoding="utf-8"?>
-<p:sldLayout xmlns:a="http://schemas.openxmlformats.org/drawingml/2006/main" xmlns:p="http://schemas.openxmlformats.org/presentationml/2006/main" xmlns:r="http://schemas.openxmlformats.org/officeDocument/2006/relationships" xmlns:p14="http://schemas.microsoft.com/office/powerpoint/2010/main" xmlns:p15="http://schemas.microsoft.com/office/powerpoint/2012/main" xmlns:mc="http://schemas.openxmlformats.org/markup-compatibility/2006" type="objAndTwoObj" preserve="1">
+<p:sldLayout xmlns:a="http://schemas.openxmlformats.org/drawingml/2006/main" xmlns:r="http://schemas.openxmlformats.org/officeDocument/2006/relationships" xmlns:p="http://schemas.openxmlformats.org/presentationml/2006/main" type="objAndTwoObj" preserve="1">
   <p:cSld name="Title Content and 2 Content">
     <p:spTree>
       <p:nvGrpSpPr>
@@ -2598,12 +3631,13 @@
           </a:prstGeom>
         </p:spPr>
         <p:txBody>
-          <a:bodyPr lIns="0" rIns="0" tIns="0" bIns="0" anchor="ctr">
+          <a:bodyPr lIns="0" tIns="0" rIns="0" bIns="0" anchor="ctr">
             <a:noAutofit/>
           </a:bodyPr>
+          <a:lstStyle/>
           <a:p>
             <a:pPr algn="ctr"/>
-            <a:endParaRPr b="0" lang="ru-RU" sz="4400" spc="-1" strike="noStrike">
+            <a:endParaRPr lang="ru-RU" sz="4400" b="0" strike="noStrike" spc="-1">
               <a:latin typeface="Arial"/>
             </a:endParaRPr>
           </a:p>
@@ -2629,11 +3663,12 @@
           </a:prstGeom>
         </p:spPr>
         <p:txBody>
-          <a:bodyPr lIns="0" rIns="0" tIns="0" bIns="0">
+          <a:bodyPr lIns="0" tIns="0" rIns="0" bIns="0">
             <a:normAutofit/>
           </a:bodyPr>
-          <a:p>
-            <a:endParaRPr b="0" lang="ru-RU" sz="3200" spc="-1" strike="noStrike">
+          <a:lstStyle/>
+          <a:p>
+            <a:endParaRPr lang="ru-RU" sz="3200" b="0" strike="noStrike" spc="-1">
               <a:latin typeface="Arial"/>
             </a:endParaRPr>
           </a:p>
@@ -2659,11 +3694,12 @@
           </a:prstGeom>
         </p:spPr>
         <p:txBody>
-          <a:bodyPr lIns="0" rIns="0" tIns="0" bIns="0">
+          <a:bodyPr lIns="0" tIns="0" rIns="0" bIns="0">
             <a:normAutofit/>
           </a:bodyPr>
-          <a:p>
-            <a:endParaRPr b="0" lang="ru-RU" sz="3200" spc="-1" strike="noStrike">
+          <a:lstStyle/>
+          <a:p>
+            <a:endParaRPr lang="ru-RU" sz="3200" b="0" strike="noStrike" spc="-1">
               <a:latin typeface="Arial"/>
             </a:endParaRPr>
           </a:p>
@@ -2689,11 +3725,12 @@
           </a:prstGeom>
         </p:spPr>
         <p:txBody>
-          <a:bodyPr lIns="0" rIns="0" tIns="0" bIns="0">
+          <a:bodyPr lIns="0" tIns="0" rIns="0" bIns="0">
             <a:normAutofit/>
           </a:bodyPr>
-          <a:p>
-            <a:endParaRPr b="0" lang="ru-RU" sz="3200" spc="-1" strike="noStrike">
+          <a:lstStyle/>
+          <a:p>
+            <a:endParaRPr lang="ru-RU" sz="3200" b="0" strike="noStrike" spc="-1">
               <a:latin typeface="Arial"/>
             </a:endParaRPr>
           </a:p>
@@ -2701,11 +3738,14 @@
       </p:sp>
     </p:spTree>
   </p:cSld>
+  <p:clrMapOvr>
+    <a:masterClrMapping/>
+  </p:clrMapOvr>
 </p:sldLayout>
 </file>
 
 <file path=ppt/slideLayouts/slideLayout21.xml><?xml version="1.0" encoding="utf-8"?>
-<p:sldLayout xmlns:a="http://schemas.openxmlformats.org/drawingml/2006/main" xmlns:p="http://schemas.openxmlformats.org/presentationml/2006/main" xmlns:r="http://schemas.openxmlformats.org/officeDocument/2006/relationships" xmlns:p14="http://schemas.microsoft.com/office/powerpoint/2010/main" xmlns:p15="http://schemas.microsoft.com/office/powerpoint/2012/main" xmlns:mc="http://schemas.openxmlformats.org/markup-compatibility/2006" type="twoObjOverTx" preserve="1">
+<p:sldLayout xmlns:a="http://schemas.openxmlformats.org/drawingml/2006/main" xmlns:r="http://schemas.openxmlformats.org/officeDocument/2006/relationships" xmlns:p="http://schemas.openxmlformats.org/presentationml/2006/main" type="twoObjOverTx" preserve="1">
   <p:cSld name="Title, 2 Content over Content">
     <p:spTree>
       <p:nvGrpSpPr>
@@ -2741,12 +3781,13 @@
           </a:prstGeom>
         </p:spPr>
         <p:txBody>
-          <a:bodyPr lIns="0" rIns="0" tIns="0" bIns="0" anchor="ctr">
+          <a:bodyPr lIns="0" tIns="0" rIns="0" bIns="0" anchor="ctr">
             <a:noAutofit/>
           </a:bodyPr>
+          <a:lstStyle/>
           <a:p>
             <a:pPr algn="ctr"/>
-            <a:endParaRPr b="0" lang="ru-RU" sz="4400" spc="-1" strike="noStrike">
+            <a:endParaRPr lang="ru-RU" sz="4400" b="0" strike="noStrike" spc="-1">
               <a:latin typeface="Arial"/>
             </a:endParaRPr>
           </a:p>
@@ -2772,11 +3813,12 @@
           </a:prstGeom>
         </p:spPr>
         <p:txBody>
-          <a:bodyPr lIns="0" rIns="0" tIns="0" bIns="0">
+          <a:bodyPr lIns="0" tIns="0" rIns="0" bIns="0">
             <a:normAutofit/>
           </a:bodyPr>
-          <a:p>
-            <a:endParaRPr b="0" lang="ru-RU" sz="3200" spc="-1" strike="noStrike">
+          <a:lstStyle/>
+          <a:p>
+            <a:endParaRPr lang="ru-RU" sz="3200" b="0" strike="noStrike" spc="-1">
               <a:latin typeface="Arial"/>
             </a:endParaRPr>
           </a:p>
@@ -2802,11 +3844,12 @@
           </a:prstGeom>
         </p:spPr>
         <p:txBody>
-          <a:bodyPr lIns="0" rIns="0" tIns="0" bIns="0">
+          <a:bodyPr lIns="0" tIns="0" rIns="0" bIns="0">
             <a:normAutofit/>
           </a:bodyPr>
-          <a:p>
-            <a:endParaRPr b="0" lang="ru-RU" sz="3200" spc="-1" strike="noStrike">
+          <a:lstStyle/>
+          <a:p>
+            <a:endParaRPr lang="ru-RU" sz="3200" b="0" strike="noStrike" spc="-1">
               <a:latin typeface="Arial"/>
             </a:endParaRPr>
           </a:p>
@@ -2832,11 +3875,12 @@
           </a:prstGeom>
         </p:spPr>
         <p:txBody>
-          <a:bodyPr lIns="0" rIns="0" tIns="0" bIns="0">
+          <a:bodyPr lIns="0" tIns="0" rIns="0" bIns="0">
             <a:normAutofit/>
           </a:bodyPr>
-          <a:p>
-            <a:endParaRPr b="0" lang="ru-RU" sz="3200" spc="-1" strike="noStrike">
+          <a:lstStyle/>
+          <a:p>
+            <a:endParaRPr lang="ru-RU" sz="3200" b="0" strike="noStrike" spc="-1">
               <a:latin typeface="Arial"/>
             </a:endParaRPr>
           </a:p>
@@ -2844,11 +3888,14 @@
       </p:sp>
     </p:spTree>
   </p:cSld>
+  <p:clrMapOvr>
+    <a:masterClrMapping/>
+  </p:clrMapOvr>
 </p:sldLayout>
 </file>
 
 <file path=ppt/slideLayouts/slideLayout22.xml><?xml version="1.0" encoding="utf-8"?>
-<p:sldLayout xmlns:a="http://schemas.openxmlformats.org/drawingml/2006/main" xmlns:p="http://schemas.openxmlformats.org/presentationml/2006/main" xmlns:r="http://schemas.openxmlformats.org/officeDocument/2006/relationships" xmlns:p14="http://schemas.microsoft.com/office/powerpoint/2010/main" xmlns:p15="http://schemas.microsoft.com/office/powerpoint/2012/main" xmlns:mc="http://schemas.openxmlformats.org/markup-compatibility/2006" type="objOverTx" preserve="1">
+<p:sldLayout xmlns:a="http://schemas.openxmlformats.org/drawingml/2006/main" xmlns:r="http://schemas.openxmlformats.org/officeDocument/2006/relationships" xmlns:p="http://schemas.openxmlformats.org/presentationml/2006/main" type="objOverTx" preserve="1">
   <p:cSld name="Title, Content over Content">
     <p:spTree>
       <p:nvGrpSpPr>
@@ -2884,12 +3931,13 @@
           </a:prstGeom>
         </p:spPr>
         <p:txBody>
-          <a:bodyPr lIns="0" rIns="0" tIns="0" bIns="0" anchor="ctr">
+          <a:bodyPr lIns="0" tIns="0" rIns="0" bIns="0" anchor="ctr">
             <a:noAutofit/>
           </a:bodyPr>
+          <a:lstStyle/>
           <a:p>
             <a:pPr algn="ctr"/>
-            <a:endParaRPr b="0" lang="ru-RU" sz="4400" spc="-1" strike="noStrike">
+            <a:endParaRPr lang="ru-RU" sz="4400" b="0" strike="noStrike" spc="-1">
               <a:latin typeface="Arial"/>
             </a:endParaRPr>
           </a:p>
@@ -2915,11 +3963,12 @@
           </a:prstGeom>
         </p:spPr>
         <p:txBody>
-          <a:bodyPr lIns="0" rIns="0" tIns="0" bIns="0">
+          <a:bodyPr lIns="0" tIns="0" rIns="0" bIns="0">
             <a:normAutofit/>
           </a:bodyPr>
-          <a:p>
-            <a:endParaRPr b="0" lang="ru-RU" sz="3200" spc="-1" strike="noStrike">
+          <a:lstStyle/>
+          <a:p>
+            <a:endParaRPr lang="ru-RU" sz="3200" b="0" strike="noStrike" spc="-1">
               <a:latin typeface="Arial"/>
             </a:endParaRPr>
           </a:p>
@@ -2945,11 +3994,12 @@
           </a:prstGeom>
         </p:spPr>
         <p:txBody>
-          <a:bodyPr lIns="0" rIns="0" tIns="0" bIns="0">
+          <a:bodyPr lIns="0" tIns="0" rIns="0" bIns="0">
             <a:normAutofit/>
           </a:bodyPr>
-          <a:p>
-            <a:endParaRPr b="0" lang="ru-RU" sz="3200" spc="-1" strike="noStrike">
+          <a:lstStyle/>
+          <a:p>
+            <a:endParaRPr lang="ru-RU" sz="3200" b="0" strike="noStrike" spc="-1">
               <a:latin typeface="Arial"/>
             </a:endParaRPr>
           </a:p>
@@ -2957,11 +4007,14 @@
       </p:sp>
     </p:spTree>
   </p:cSld>
+  <p:clrMapOvr>
+    <a:masterClrMapping/>
+  </p:clrMapOvr>
 </p:sldLayout>
 </file>
 
 <file path=ppt/slideLayouts/slideLayout23.xml><?xml version="1.0" encoding="utf-8"?>
-<p:sldLayout xmlns:a="http://schemas.openxmlformats.org/drawingml/2006/main" xmlns:p="http://schemas.openxmlformats.org/presentationml/2006/main" xmlns:r="http://schemas.openxmlformats.org/officeDocument/2006/relationships" xmlns:p14="http://schemas.microsoft.com/office/powerpoint/2010/main" xmlns:p15="http://schemas.microsoft.com/office/powerpoint/2012/main" xmlns:mc="http://schemas.openxmlformats.org/markup-compatibility/2006" type="fourObj" preserve="1">
+<p:sldLayout xmlns:a="http://schemas.openxmlformats.org/drawingml/2006/main" xmlns:r="http://schemas.openxmlformats.org/officeDocument/2006/relationships" xmlns:p="http://schemas.openxmlformats.org/presentationml/2006/main" type="fourObj" preserve="1">
   <p:cSld name="Title, 4 Content">
     <p:spTree>
       <p:nvGrpSpPr>
@@ -2997,12 +4050,13 @@
           </a:prstGeom>
         </p:spPr>
         <p:txBody>
-          <a:bodyPr lIns="0" rIns="0" tIns="0" bIns="0" anchor="ctr">
+          <a:bodyPr lIns="0" tIns="0" rIns="0" bIns="0" anchor="ctr">
             <a:noAutofit/>
           </a:bodyPr>
+          <a:lstStyle/>
           <a:p>
             <a:pPr algn="ctr"/>
-            <a:endParaRPr b="0" lang="ru-RU" sz="4400" spc="-1" strike="noStrike">
+            <a:endParaRPr lang="ru-RU" sz="4400" b="0" strike="noStrike" spc="-1">
               <a:latin typeface="Arial"/>
             </a:endParaRPr>
           </a:p>
@@ -3028,11 +4082,12 @@
           </a:prstGeom>
         </p:spPr>
         <p:txBody>
-          <a:bodyPr lIns="0" rIns="0" tIns="0" bIns="0">
+          <a:bodyPr lIns="0" tIns="0" rIns="0" bIns="0">
             <a:normAutofit/>
           </a:bodyPr>
-          <a:p>
-            <a:endParaRPr b="0" lang="ru-RU" sz="3200" spc="-1" strike="noStrike">
+          <a:lstStyle/>
+          <a:p>
+            <a:endParaRPr lang="ru-RU" sz="3200" b="0" strike="noStrike" spc="-1">
               <a:latin typeface="Arial"/>
             </a:endParaRPr>
           </a:p>
@@ -3058,11 +4113,12 @@
           </a:prstGeom>
         </p:spPr>
         <p:txBody>
-          <a:bodyPr lIns="0" rIns="0" tIns="0" bIns="0">
+          <a:bodyPr lIns="0" tIns="0" rIns="0" bIns="0">
             <a:normAutofit/>
           </a:bodyPr>
-          <a:p>
-            <a:endParaRPr b="0" lang="ru-RU" sz="3200" spc="-1" strike="noStrike">
+          <a:lstStyle/>
+          <a:p>
+            <a:endParaRPr lang="ru-RU" sz="3200" b="0" strike="noStrike" spc="-1">
               <a:latin typeface="Arial"/>
             </a:endParaRPr>
           </a:p>
@@ -3088,11 +4144,12 @@
           </a:prstGeom>
         </p:spPr>
         <p:txBody>
-          <a:bodyPr lIns="0" rIns="0" tIns="0" bIns="0">
+          <a:bodyPr lIns="0" tIns="0" rIns="0" bIns="0">
             <a:normAutofit/>
           </a:bodyPr>
-          <a:p>
-            <a:endParaRPr b="0" lang="ru-RU" sz="3200" spc="-1" strike="noStrike">
+          <a:lstStyle/>
+          <a:p>
+            <a:endParaRPr lang="ru-RU" sz="3200" b="0" strike="noStrike" spc="-1">
               <a:latin typeface="Arial"/>
             </a:endParaRPr>
           </a:p>
@@ -3118,11 +4175,12 @@
           </a:prstGeom>
         </p:spPr>
         <p:txBody>
-          <a:bodyPr lIns="0" rIns="0" tIns="0" bIns="0">
+          <a:bodyPr lIns="0" tIns="0" rIns="0" bIns="0">
             <a:normAutofit/>
           </a:bodyPr>
-          <a:p>
-            <a:endParaRPr b="0" lang="ru-RU" sz="3200" spc="-1" strike="noStrike">
+          <a:lstStyle/>
+          <a:p>
+            <a:endParaRPr lang="ru-RU" sz="3200" b="0" strike="noStrike" spc="-1">
               <a:latin typeface="Arial"/>
             </a:endParaRPr>
           </a:p>
@@ -3130,11 +4188,14 @@
       </p:sp>
     </p:spTree>
   </p:cSld>
+  <p:clrMapOvr>
+    <a:masterClrMapping/>
+  </p:clrMapOvr>
 </p:sldLayout>
 </file>
 
 <file path=ppt/slideLayouts/slideLayout24.xml><?xml version="1.0" encoding="utf-8"?>
-<p:sldLayout xmlns:a="http://schemas.openxmlformats.org/drawingml/2006/main" xmlns:p="http://schemas.openxmlformats.org/presentationml/2006/main" xmlns:r="http://schemas.openxmlformats.org/officeDocument/2006/relationships" xmlns:p14="http://schemas.microsoft.com/office/powerpoint/2010/main" xmlns:p15="http://schemas.microsoft.com/office/powerpoint/2012/main" xmlns:mc="http://schemas.openxmlformats.org/markup-compatibility/2006" type="blank" preserve="1">
+<p:sldLayout xmlns:a="http://schemas.openxmlformats.org/drawingml/2006/main" xmlns:r="http://schemas.openxmlformats.org/officeDocument/2006/relationships" xmlns:p="http://schemas.openxmlformats.org/presentationml/2006/main" type="blank" preserve="1">
   <p:cSld name="Title, 6 Content">
     <p:spTree>
       <p:nvGrpSpPr>
@@ -3170,12 +4231,13 @@
           </a:prstGeom>
         </p:spPr>
         <p:txBody>
-          <a:bodyPr lIns="0" rIns="0" tIns="0" bIns="0" anchor="ctr">
+          <a:bodyPr lIns="0" tIns="0" rIns="0" bIns="0" anchor="ctr">
             <a:noAutofit/>
           </a:bodyPr>
+          <a:lstStyle/>
           <a:p>
             <a:pPr algn="ctr"/>
-            <a:endParaRPr b="0" lang="ru-RU" sz="4400" spc="-1" strike="noStrike">
+            <a:endParaRPr lang="ru-RU" sz="4400" b="0" strike="noStrike" spc="-1">
               <a:latin typeface="Arial"/>
             </a:endParaRPr>
           </a:p>
@@ -3201,11 +4263,12 @@
           </a:prstGeom>
         </p:spPr>
         <p:txBody>
-          <a:bodyPr lIns="0" rIns="0" tIns="0" bIns="0">
+          <a:bodyPr lIns="0" tIns="0" rIns="0" bIns="0">
             <a:normAutofit fontScale="76000"/>
           </a:bodyPr>
-          <a:p>
-            <a:endParaRPr b="0" lang="ru-RU" sz="3200" spc="-1" strike="noStrike">
+          <a:lstStyle/>
+          <a:p>
+            <a:endParaRPr lang="ru-RU" sz="3200" b="0" strike="noStrike" spc="-1">
               <a:latin typeface="Arial"/>
             </a:endParaRPr>
           </a:p>
@@ -3231,11 +4294,12 @@
           </a:prstGeom>
         </p:spPr>
         <p:txBody>
-          <a:bodyPr lIns="0" rIns="0" tIns="0" bIns="0">
+          <a:bodyPr lIns="0" tIns="0" rIns="0" bIns="0">
             <a:normAutofit fontScale="76000"/>
           </a:bodyPr>
-          <a:p>
-            <a:endParaRPr b="0" lang="ru-RU" sz="3200" spc="-1" strike="noStrike">
+          <a:lstStyle/>
+          <a:p>
+            <a:endParaRPr lang="ru-RU" sz="3200" b="0" strike="noStrike" spc="-1">
               <a:latin typeface="Arial"/>
             </a:endParaRPr>
           </a:p>
@@ -3261,11 +4325,12 @@
           </a:prstGeom>
         </p:spPr>
         <p:txBody>
-          <a:bodyPr lIns="0" rIns="0" tIns="0" bIns="0">
+          <a:bodyPr lIns="0" tIns="0" rIns="0" bIns="0">
             <a:normAutofit fontScale="76000"/>
           </a:bodyPr>
-          <a:p>
-            <a:endParaRPr b="0" lang="ru-RU" sz="3200" spc="-1" strike="noStrike">
+          <a:lstStyle/>
+          <a:p>
+            <a:endParaRPr lang="ru-RU" sz="3200" b="0" strike="noStrike" spc="-1">
               <a:latin typeface="Arial"/>
             </a:endParaRPr>
           </a:p>
@@ -3291,11 +4356,12 @@
           </a:prstGeom>
         </p:spPr>
         <p:txBody>
-          <a:bodyPr lIns="0" rIns="0" tIns="0" bIns="0">
+          <a:bodyPr lIns="0" tIns="0" rIns="0" bIns="0">
             <a:normAutofit fontScale="76000"/>
           </a:bodyPr>
-          <a:p>
-            <a:endParaRPr b="0" lang="ru-RU" sz="3200" spc="-1" strike="noStrike">
+          <a:lstStyle/>
+          <a:p>
+            <a:endParaRPr lang="ru-RU" sz="3200" b="0" strike="noStrike" spc="-1">
               <a:latin typeface="Arial"/>
             </a:endParaRPr>
           </a:p>
@@ -3321,11 +4387,12 @@
           </a:prstGeom>
         </p:spPr>
         <p:txBody>
-          <a:bodyPr lIns="0" rIns="0" tIns="0" bIns="0">
+          <a:bodyPr lIns="0" tIns="0" rIns="0" bIns="0">
             <a:normAutofit fontScale="76000"/>
           </a:bodyPr>
-          <a:p>
-            <a:endParaRPr b="0" lang="ru-RU" sz="3200" spc="-1" strike="noStrike">
+          <a:lstStyle/>
+          <a:p>
+            <a:endParaRPr lang="ru-RU" sz="3200" b="0" strike="noStrike" spc="-1">
               <a:latin typeface="Arial"/>
             </a:endParaRPr>
           </a:p>
@@ -3351,11 +4418,12 @@
           </a:prstGeom>
         </p:spPr>
         <p:txBody>
-          <a:bodyPr lIns="0" rIns="0" tIns="0" bIns="0">
+          <a:bodyPr lIns="0" tIns="0" rIns="0" bIns="0">
             <a:normAutofit fontScale="76000"/>
           </a:bodyPr>
-          <a:p>
-            <a:endParaRPr b="0" lang="ru-RU" sz="3200" spc="-1" strike="noStrike">
+          <a:lstStyle/>
+          <a:p>
+            <a:endParaRPr lang="ru-RU" sz="3200" b="0" strike="noStrike" spc="-1">
               <a:latin typeface="Arial"/>
             </a:endParaRPr>
           </a:p>
@@ -3363,11 +4431,14 @@
       </p:sp>
     </p:spTree>
   </p:cSld>
+  <p:clrMapOvr>
+    <a:masterClrMapping/>
+  </p:clrMapOvr>
 </p:sldLayout>
 </file>
 
 <file path=ppt/slideLayouts/slideLayout3.xml><?xml version="1.0" encoding="utf-8"?>
-<p:sldLayout xmlns:a="http://schemas.openxmlformats.org/drawingml/2006/main" xmlns:p="http://schemas.openxmlformats.org/presentationml/2006/main" xmlns:r="http://schemas.openxmlformats.org/officeDocument/2006/relationships" xmlns:p14="http://schemas.microsoft.com/office/powerpoint/2010/main" xmlns:p15="http://schemas.microsoft.com/office/powerpoint/2012/main" xmlns:mc="http://schemas.openxmlformats.org/markup-compatibility/2006" type="obj" preserve="1">
+<p:sldLayout xmlns:a="http://schemas.openxmlformats.org/drawingml/2006/main" xmlns:r="http://schemas.openxmlformats.org/officeDocument/2006/relationships" xmlns:p="http://schemas.openxmlformats.org/presentationml/2006/main" type="obj" preserve="1">
   <p:cSld name="Title, Content">
     <p:spTree>
       <p:nvGrpSpPr>
@@ -3403,12 +4474,13 @@
           </a:prstGeom>
         </p:spPr>
         <p:txBody>
-          <a:bodyPr lIns="0" rIns="0" tIns="0" bIns="0" anchor="ctr">
+          <a:bodyPr lIns="0" tIns="0" rIns="0" bIns="0" anchor="ctr">
             <a:noAutofit/>
           </a:bodyPr>
+          <a:lstStyle/>
           <a:p>
             <a:pPr algn="ctr"/>
-            <a:endParaRPr b="0" lang="ru-RU" sz="4400" spc="-1" strike="noStrike">
+            <a:endParaRPr lang="ru-RU" sz="4400" b="0" strike="noStrike" spc="-1">
               <a:latin typeface="Arial"/>
             </a:endParaRPr>
           </a:p>
@@ -3434,11 +4506,12 @@
           </a:prstGeom>
         </p:spPr>
         <p:txBody>
-          <a:bodyPr lIns="0" rIns="0" tIns="0" bIns="0">
+          <a:bodyPr lIns="0" tIns="0" rIns="0" bIns="0">
             <a:normAutofit/>
           </a:bodyPr>
-          <a:p>
-            <a:endParaRPr b="0" lang="ru-RU" sz="3200" spc="-1" strike="noStrike">
+          <a:lstStyle/>
+          <a:p>
+            <a:endParaRPr lang="ru-RU" sz="3200" b="0" strike="noStrike" spc="-1">
               <a:latin typeface="Arial"/>
             </a:endParaRPr>
           </a:p>
@@ -3446,11 +4519,14 @@
       </p:sp>
     </p:spTree>
   </p:cSld>
+  <p:clrMapOvr>
+    <a:masterClrMapping/>
+  </p:clrMapOvr>
 </p:sldLayout>
 </file>
 
 <file path=ppt/slideLayouts/slideLayout4.xml><?xml version="1.0" encoding="utf-8"?>
-<p:sldLayout xmlns:a="http://schemas.openxmlformats.org/drawingml/2006/main" xmlns:p="http://schemas.openxmlformats.org/presentationml/2006/main" xmlns:r="http://schemas.openxmlformats.org/officeDocument/2006/relationships" xmlns:p14="http://schemas.microsoft.com/office/powerpoint/2010/main" xmlns:p15="http://schemas.microsoft.com/office/powerpoint/2012/main" xmlns:mc="http://schemas.openxmlformats.org/markup-compatibility/2006" type="twoObj" preserve="1">
+<p:sldLayout xmlns:a="http://schemas.openxmlformats.org/drawingml/2006/main" xmlns:r="http://schemas.openxmlformats.org/officeDocument/2006/relationships" xmlns:p="http://schemas.openxmlformats.org/presentationml/2006/main" type="twoObj" preserve="1">
   <p:cSld name="Title, 2 Content">
     <p:spTree>
       <p:nvGrpSpPr>
@@ -3486,12 +4562,13 @@
           </a:prstGeom>
         </p:spPr>
         <p:txBody>
-          <a:bodyPr lIns="0" rIns="0" tIns="0" bIns="0" anchor="ctr">
+          <a:bodyPr lIns="0" tIns="0" rIns="0" bIns="0" anchor="ctr">
             <a:noAutofit/>
           </a:bodyPr>
+          <a:lstStyle/>
           <a:p>
             <a:pPr algn="ctr"/>
-            <a:endParaRPr b="0" lang="ru-RU" sz="4400" spc="-1" strike="noStrike">
+            <a:endParaRPr lang="ru-RU" sz="4400" b="0" strike="noStrike" spc="-1">
               <a:latin typeface="Arial"/>
             </a:endParaRPr>
           </a:p>
@@ -3517,11 +4594,12 @@
           </a:prstGeom>
         </p:spPr>
         <p:txBody>
-          <a:bodyPr lIns="0" rIns="0" tIns="0" bIns="0">
+          <a:bodyPr lIns="0" tIns="0" rIns="0" bIns="0">
             <a:normAutofit/>
           </a:bodyPr>
-          <a:p>
-            <a:endParaRPr b="0" lang="ru-RU" sz="3200" spc="-1" strike="noStrike">
+          <a:lstStyle/>
+          <a:p>
+            <a:endParaRPr lang="ru-RU" sz="3200" b="0" strike="noStrike" spc="-1">
               <a:latin typeface="Arial"/>
             </a:endParaRPr>
           </a:p>
@@ -3547,11 +4625,12 @@
           </a:prstGeom>
         </p:spPr>
         <p:txBody>
-          <a:bodyPr lIns="0" rIns="0" tIns="0" bIns="0">
+          <a:bodyPr lIns="0" tIns="0" rIns="0" bIns="0">
             <a:normAutofit/>
           </a:bodyPr>
-          <a:p>
-            <a:endParaRPr b="0" lang="ru-RU" sz="3200" spc="-1" strike="noStrike">
+          <a:lstStyle/>
+          <a:p>
+            <a:endParaRPr lang="ru-RU" sz="3200" b="0" strike="noStrike" spc="-1">
               <a:latin typeface="Arial"/>
             </a:endParaRPr>
           </a:p>
@@ -3559,11 +4638,14 @@
       </p:sp>
     </p:spTree>
   </p:cSld>
+  <p:clrMapOvr>
+    <a:masterClrMapping/>
+  </p:clrMapOvr>
 </p:sldLayout>
 </file>
 
 <file path=ppt/slideLayouts/slideLayout5.xml><?xml version="1.0" encoding="utf-8"?>
-<p:sldLayout xmlns:a="http://schemas.openxmlformats.org/drawingml/2006/main" xmlns:p="http://schemas.openxmlformats.org/presentationml/2006/main" xmlns:r="http://schemas.openxmlformats.org/officeDocument/2006/relationships" xmlns:p14="http://schemas.microsoft.com/office/powerpoint/2010/main" xmlns:p15="http://schemas.microsoft.com/office/powerpoint/2012/main" xmlns:mc="http://schemas.openxmlformats.org/markup-compatibility/2006" type="titleOnly" preserve="1">
+<p:sldLayout xmlns:a="http://schemas.openxmlformats.org/drawingml/2006/main" xmlns:r="http://schemas.openxmlformats.org/officeDocument/2006/relationships" xmlns:p="http://schemas.openxmlformats.org/presentationml/2006/main" type="titleOnly" preserve="1">
   <p:cSld name="Title Only">
     <p:spTree>
       <p:nvGrpSpPr>
@@ -3599,12 +4681,13 @@
           </a:prstGeom>
         </p:spPr>
         <p:txBody>
-          <a:bodyPr lIns="0" rIns="0" tIns="0" bIns="0" anchor="ctr">
+          <a:bodyPr lIns="0" tIns="0" rIns="0" bIns="0" anchor="ctr">
             <a:noAutofit/>
           </a:bodyPr>
+          <a:lstStyle/>
           <a:p>
             <a:pPr algn="ctr"/>
-            <a:endParaRPr b="0" lang="ru-RU" sz="4400" spc="-1" strike="noStrike">
+            <a:endParaRPr lang="ru-RU" sz="4400" b="0" strike="noStrike" spc="-1">
               <a:latin typeface="Arial"/>
             </a:endParaRPr>
           </a:p>
@@ -3612,11 +4695,14 @@
       </p:sp>
     </p:spTree>
   </p:cSld>
+  <p:clrMapOvr>
+    <a:masterClrMapping/>
+  </p:clrMapOvr>
 </p:sldLayout>
 </file>
 
 <file path=ppt/slideLayouts/slideLayout6.xml><?xml version="1.0" encoding="utf-8"?>
-<p:sldLayout xmlns:a="http://schemas.openxmlformats.org/drawingml/2006/main" xmlns:p="http://schemas.openxmlformats.org/presentationml/2006/main" xmlns:r="http://schemas.openxmlformats.org/officeDocument/2006/relationships" xmlns:p14="http://schemas.microsoft.com/office/powerpoint/2010/main" xmlns:p15="http://schemas.microsoft.com/office/powerpoint/2012/main" xmlns:mc="http://schemas.openxmlformats.org/markup-compatibility/2006" type="objOnly" preserve="1">
+<p:sldLayout xmlns:a="http://schemas.openxmlformats.org/drawingml/2006/main" xmlns:r="http://schemas.openxmlformats.org/officeDocument/2006/relationships" xmlns:p="http://schemas.openxmlformats.org/presentationml/2006/main" type="objOnly" preserve="1">
   <p:cSld name="Centered Text">
     <p:spTree>
       <p:nvGrpSpPr>
@@ -3652,12 +4738,13 @@
           </a:prstGeom>
         </p:spPr>
         <p:txBody>
-          <a:bodyPr lIns="0" rIns="0" tIns="0" bIns="0" anchor="ctr">
+          <a:bodyPr lIns="0" tIns="0" rIns="0" bIns="0" anchor="ctr">
             <a:noAutofit/>
           </a:bodyPr>
+          <a:lstStyle/>
           <a:p>
             <a:pPr algn="ctr"/>
-            <a:endParaRPr b="0" lang="ru-RU" sz="3200" spc="-1" strike="noStrike">
+            <a:endParaRPr lang="ru-RU" sz="3200" b="0" strike="noStrike" spc="-1">
               <a:latin typeface="Arial"/>
             </a:endParaRPr>
           </a:p>
@@ -3665,11 +4752,14 @@
       </p:sp>
     </p:spTree>
   </p:cSld>
+  <p:clrMapOvr>
+    <a:masterClrMapping/>
+  </p:clrMapOvr>
 </p:sldLayout>
 </file>
 
 <file path=ppt/slideLayouts/slideLayout7.xml><?xml version="1.0" encoding="utf-8"?>
-<p:sldLayout xmlns:a="http://schemas.openxmlformats.org/drawingml/2006/main" xmlns:p="http://schemas.openxmlformats.org/presentationml/2006/main" xmlns:r="http://schemas.openxmlformats.org/officeDocument/2006/relationships" xmlns:p14="http://schemas.microsoft.com/office/powerpoint/2010/main" xmlns:p15="http://schemas.microsoft.com/office/powerpoint/2012/main" xmlns:mc="http://schemas.openxmlformats.org/markup-compatibility/2006" type="twoObjAndObj" preserve="1">
+<p:sldLayout xmlns:a="http://schemas.openxmlformats.org/drawingml/2006/main" xmlns:r="http://schemas.openxmlformats.org/officeDocument/2006/relationships" xmlns:p="http://schemas.openxmlformats.org/presentationml/2006/main" type="twoObjAndObj" preserve="1">
   <p:cSld name="Title, 2 Content and Content">
     <p:spTree>
       <p:nvGrpSpPr>
@@ -3705,12 +4795,13 @@
           </a:prstGeom>
         </p:spPr>
         <p:txBody>
-          <a:bodyPr lIns="0" rIns="0" tIns="0" bIns="0" anchor="ctr">
+          <a:bodyPr lIns="0" tIns="0" rIns="0" bIns="0" anchor="ctr">
             <a:noAutofit/>
           </a:bodyPr>
+          <a:lstStyle/>
           <a:p>
             <a:pPr algn="ctr"/>
-            <a:endParaRPr b="0" lang="ru-RU" sz="4400" spc="-1" strike="noStrike">
+            <a:endParaRPr lang="ru-RU" sz="4400" b="0" strike="noStrike" spc="-1">
               <a:latin typeface="Arial"/>
             </a:endParaRPr>
           </a:p>
@@ -3736,11 +4827,12 @@
           </a:prstGeom>
         </p:spPr>
         <p:txBody>
-          <a:bodyPr lIns="0" rIns="0" tIns="0" bIns="0">
+          <a:bodyPr lIns="0" tIns="0" rIns="0" bIns="0">
             <a:normAutofit/>
           </a:bodyPr>
-          <a:p>
-            <a:endParaRPr b="0" lang="ru-RU" sz="3200" spc="-1" strike="noStrike">
+          <a:lstStyle/>
+          <a:p>
+            <a:endParaRPr lang="ru-RU" sz="3200" b="0" strike="noStrike" spc="-1">
               <a:latin typeface="Arial"/>
             </a:endParaRPr>
           </a:p>
@@ -3766,11 +4858,12 @@
           </a:prstGeom>
         </p:spPr>
         <p:txBody>
-          <a:bodyPr lIns="0" rIns="0" tIns="0" bIns="0">
+          <a:bodyPr lIns="0" tIns="0" rIns="0" bIns="0">
             <a:normAutofit/>
           </a:bodyPr>
-          <a:p>
-            <a:endParaRPr b="0" lang="ru-RU" sz="3200" spc="-1" strike="noStrike">
+          <a:lstStyle/>
+          <a:p>
+            <a:endParaRPr lang="ru-RU" sz="3200" b="0" strike="noStrike" spc="-1">
               <a:latin typeface="Arial"/>
             </a:endParaRPr>
           </a:p>
@@ -3796,11 +4889,12 @@
           </a:prstGeom>
         </p:spPr>
         <p:txBody>
-          <a:bodyPr lIns="0" rIns="0" tIns="0" bIns="0">
+          <a:bodyPr lIns="0" tIns="0" rIns="0" bIns="0">
             <a:normAutofit/>
           </a:bodyPr>
-          <a:p>
-            <a:endParaRPr b="0" lang="ru-RU" sz="3200" spc="-1" strike="noStrike">
+          <a:lstStyle/>
+          <a:p>
+            <a:endParaRPr lang="ru-RU" sz="3200" b="0" strike="noStrike" spc="-1">
               <a:latin typeface="Arial"/>
             </a:endParaRPr>
           </a:p>
@@ -3808,11 +4902,14 @@
       </p:sp>
     </p:spTree>
   </p:cSld>
+  <p:clrMapOvr>
+    <a:masterClrMapping/>
+  </p:clrMapOvr>
 </p:sldLayout>
 </file>
 
 <file path=ppt/slideLayouts/slideLayout8.xml><?xml version="1.0" encoding="utf-8"?>
-<p:sldLayout xmlns:a="http://schemas.openxmlformats.org/drawingml/2006/main" xmlns:p="http://schemas.openxmlformats.org/presentationml/2006/main" xmlns:r="http://schemas.openxmlformats.org/officeDocument/2006/relationships" xmlns:p14="http://schemas.microsoft.com/office/powerpoint/2010/main" xmlns:p15="http://schemas.microsoft.com/office/powerpoint/2012/main" xmlns:mc="http://schemas.openxmlformats.org/markup-compatibility/2006" type="objAndTwoObj" preserve="1">
+<p:sldLayout xmlns:a="http://schemas.openxmlformats.org/drawingml/2006/main" xmlns:r="http://schemas.openxmlformats.org/officeDocument/2006/relationships" xmlns:p="http://schemas.openxmlformats.org/presentationml/2006/main" type="objAndTwoObj" preserve="1">
   <p:cSld name="Title Content and 2 Content">
     <p:spTree>
       <p:nvGrpSpPr>
@@ -3848,12 +4945,13 @@
           </a:prstGeom>
         </p:spPr>
         <p:txBody>
-          <a:bodyPr lIns="0" rIns="0" tIns="0" bIns="0" anchor="ctr">
+          <a:bodyPr lIns="0" tIns="0" rIns="0" bIns="0" anchor="ctr">
             <a:noAutofit/>
           </a:bodyPr>
+          <a:lstStyle/>
           <a:p>
             <a:pPr algn="ctr"/>
-            <a:endParaRPr b="0" lang="ru-RU" sz="4400" spc="-1" strike="noStrike">
+            <a:endParaRPr lang="ru-RU" sz="4400" b="0" strike="noStrike" spc="-1">
               <a:latin typeface="Arial"/>
             </a:endParaRPr>
           </a:p>
@@ -3879,11 +4977,12 @@
           </a:prstGeom>
         </p:spPr>
         <p:txBody>
-          <a:bodyPr lIns="0" rIns="0" tIns="0" bIns="0">
+          <a:bodyPr lIns="0" tIns="0" rIns="0" bIns="0">
             <a:normAutofit/>
           </a:bodyPr>
-          <a:p>
-            <a:endParaRPr b="0" lang="ru-RU" sz="3200" spc="-1" strike="noStrike">
+          <a:lstStyle/>
+          <a:p>
+            <a:endParaRPr lang="ru-RU" sz="3200" b="0" strike="noStrike" spc="-1">
               <a:latin typeface="Arial"/>
             </a:endParaRPr>
           </a:p>
@@ -3909,11 +5008,12 @@
           </a:prstGeom>
         </p:spPr>
         <p:txBody>
-          <a:bodyPr lIns="0" rIns="0" tIns="0" bIns="0">
+          <a:bodyPr lIns="0" tIns="0" rIns="0" bIns="0">
             <a:normAutofit/>
           </a:bodyPr>
-          <a:p>
-            <a:endParaRPr b="0" lang="ru-RU" sz="3200" spc="-1" strike="noStrike">
+          <a:lstStyle/>
+          <a:p>
+            <a:endParaRPr lang="ru-RU" sz="3200" b="0" strike="noStrike" spc="-1">
               <a:latin typeface="Arial"/>
             </a:endParaRPr>
           </a:p>
@@ -3939,11 +5039,12 @@
           </a:prstGeom>
         </p:spPr>
         <p:txBody>
-          <a:bodyPr lIns="0" rIns="0" tIns="0" bIns="0">
+          <a:bodyPr lIns="0" tIns="0" rIns="0" bIns="0">
             <a:normAutofit/>
           </a:bodyPr>
-          <a:p>
-            <a:endParaRPr b="0" lang="ru-RU" sz="3200" spc="-1" strike="noStrike">
+          <a:lstStyle/>
+          <a:p>
+            <a:endParaRPr lang="ru-RU" sz="3200" b="0" strike="noStrike" spc="-1">
               <a:latin typeface="Arial"/>
             </a:endParaRPr>
           </a:p>
@@ -3951,11 +5052,14 @@
       </p:sp>
     </p:spTree>
   </p:cSld>
+  <p:clrMapOvr>
+    <a:masterClrMapping/>
+  </p:clrMapOvr>
 </p:sldLayout>
 </file>
 
 <file path=ppt/slideLayouts/slideLayout9.xml><?xml version="1.0" encoding="utf-8"?>
-<p:sldLayout xmlns:a="http://schemas.openxmlformats.org/drawingml/2006/main" xmlns:p="http://schemas.openxmlformats.org/presentationml/2006/main" xmlns:r="http://schemas.openxmlformats.org/officeDocument/2006/relationships" xmlns:p14="http://schemas.microsoft.com/office/powerpoint/2010/main" xmlns:p15="http://schemas.microsoft.com/office/powerpoint/2012/main" xmlns:mc="http://schemas.openxmlformats.org/markup-compatibility/2006" type="twoObjOverTx" preserve="1">
+<p:sldLayout xmlns:a="http://schemas.openxmlformats.org/drawingml/2006/main" xmlns:r="http://schemas.openxmlformats.org/officeDocument/2006/relationships" xmlns:p="http://schemas.openxmlformats.org/presentationml/2006/main" type="twoObjOverTx" preserve="1">
   <p:cSld name="Title, 2 Content over Content">
     <p:spTree>
       <p:nvGrpSpPr>
@@ -3991,12 +5095,13 @@
           </a:prstGeom>
         </p:spPr>
         <p:txBody>
-          <a:bodyPr lIns="0" rIns="0" tIns="0" bIns="0" anchor="ctr">
+          <a:bodyPr lIns="0" tIns="0" rIns="0" bIns="0" anchor="ctr">
             <a:noAutofit/>
           </a:bodyPr>
+          <a:lstStyle/>
           <a:p>
             <a:pPr algn="ctr"/>
-            <a:endParaRPr b="0" lang="ru-RU" sz="4400" spc="-1" strike="noStrike">
+            <a:endParaRPr lang="ru-RU" sz="4400" b="0" strike="noStrike" spc="-1">
               <a:latin typeface="Arial"/>
             </a:endParaRPr>
           </a:p>
@@ -4022,11 +5127,12 @@
           </a:prstGeom>
         </p:spPr>
         <p:txBody>
-          <a:bodyPr lIns="0" rIns="0" tIns="0" bIns="0">
+          <a:bodyPr lIns="0" tIns="0" rIns="0" bIns="0">
             <a:normAutofit/>
           </a:bodyPr>
-          <a:p>
-            <a:endParaRPr b="0" lang="ru-RU" sz="3200" spc="-1" strike="noStrike">
+          <a:lstStyle/>
+          <a:p>
+            <a:endParaRPr lang="ru-RU" sz="3200" b="0" strike="noStrike" spc="-1">
               <a:latin typeface="Arial"/>
             </a:endParaRPr>
           </a:p>
@@ -4052,11 +5158,12 @@
           </a:prstGeom>
         </p:spPr>
         <p:txBody>
-          <a:bodyPr lIns="0" rIns="0" tIns="0" bIns="0">
+          <a:bodyPr lIns="0" tIns="0" rIns="0" bIns="0">
             <a:normAutofit/>
           </a:bodyPr>
-          <a:p>
-            <a:endParaRPr b="0" lang="ru-RU" sz="3200" spc="-1" strike="noStrike">
+          <a:lstStyle/>
+          <a:p>
+            <a:endParaRPr lang="ru-RU" sz="3200" b="0" strike="noStrike" spc="-1">
               <a:latin typeface="Arial"/>
             </a:endParaRPr>
           </a:p>
@@ -4082,11 +5189,12 @@
           </a:prstGeom>
         </p:spPr>
         <p:txBody>
-          <a:bodyPr lIns="0" rIns="0" tIns="0" bIns="0">
+          <a:bodyPr lIns="0" tIns="0" rIns="0" bIns="0">
             <a:normAutofit/>
           </a:bodyPr>
-          <a:p>
-            <a:endParaRPr b="0" lang="ru-RU" sz="3200" spc="-1" strike="noStrike">
+          <a:lstStyle/>
+          <a:p>
+            <a:endParaRPr lang="ru-RU" sz="3200" b="0" strike="noStrike" spc="-1">
               <a:latin typeface="Arial"/>
             </a:endParaRPr>
           </a:p>
@@ -4094,17 +5202,21 @@
       </p:sp>
     </p:spTree>
   </p:cSld>
+  <p:clrMapOvr>
+    <a:masterClrMapping/>
+  </p:clrMapOvr>
 </p:sldLayout>
 </file>
 
 <file path=ppt/slideMasters/slideMaster1.xml><?xml version="1.0" encoding="utf-8"?>
-<p:sldMaster xmlns:a="http://schemas.openxmlformats.org/drawingml/2006/main" xmlns:p="http://schemas.openxmlformats.org/presentationml/2006/main" xmlns:r="http://schemas.openxmlformats.org/officeDocument/2006/relationships" xmlns:p14="http://schemas.microsoft.com/office/powerpoint/2010/main" xmlns:p15="http://schemas.microsoft.com/office/powerpoint/2012/main" xmlns:mc="http://schemas.openxmlformats.org/markup-compatibility/2006">
+<p:sldMaster xmlns:a="http://schemas.openxmlformats.org/drawingml/2006/main" xmlns:r="http://schemas.openxmlformats.org/officeDocument/2006/relationships" xmlns:p="http://schemas.openxmlformats.org/presentationml/2006/main">
   <p:cSld>
     <p:bg>
       <p:bgPr>
         <a:solidFill>
-          <a:srgbClr val="ffffff"/>
+          <a:srgbClr val="FFFFFF"/>
         </a:solidFill>
+        <a:effectLst/>
       </p:bgPr>
     </p:bg>
     <p:spTree>
@@ -4123,7 +5235,7 @@
       </p:grpSpPr>
       <p:sp>
         <p:nvSpPr>
-          <p:cNvPr id="0" name="PlaceHolder 1"/>
+          <p:cNvPr id="2" name="PlaceHolder 1"/>
           <p:cNvSpPr>
             <a:spLocks noGrp="1"/>
           </p:cNvSpPr>
@@ -4141,56 +5253,24 @@
           </a:prstGeom>
         </p:spPr>
         <p:txBody>
-          <a:bodyPr lIns="0" rIns="0" tIns="0" bIns="0" anchor="ctr">
+          <a:bodyPr lIns="0" tIns="0" rIns="0" bIns="0" anchor="ctr">
             <a:noAutofit/>
           </a:bodyPr>
+          <a:lstStyle/>
           <a:p>
             <a:pPr algn="ctr"/>
             <a:r>
-              <a:rPr b="0" lang="ru-RU" sz="4400" spc="-1" strike="noStrike">
+              <a:rPr lang="ru-RU" sz="4400" b="0" strike="noStrike" spc="-1">
                 <a:latin typeface="Arial"/>
               </a:rPr>
-              <a:t>Для </a:t>
-            </a:r>
-            <a:r>
-              <a:rPr b="0" lang="ru-RU" sz="4400" spc="-1" strike="noStrike">
-                <a:latin typeface="Arial"/>
-              </a:rPr>
-              <a:t>правки </a:t>
-            </a:r>
-            <a:r>
-              <a:rPr b="0" lang="ru-RU" sz="4400" spc="-1" strike="noStrike">
-                <a:latin typeface="Arial"/>
-              </a:rPr>
-              <a:t>текста </a:t>
-            </a:r>
-            <a:r>
-              <a:rPr b="0" lang="ru-RU" sz="4400" spc="-1" strike="noStrike">
-                <a:latin typeface="Arial"/>
-              </a:rPr>
-              <a:t>заглавия </a:t>
-            </a:r>
-            <a:r>
-              <a:rPr b="0" lang="ru-RU" sz="4400" spc="-1" strike="noStrike">
-                <a:latin typeface="Arial"/>
-              </a:rPr>
-              <a:t>щёлкните </a:t>
-            </a:r>
-            <a:r>
-              <a:rPr b="0" lang="ru-RU" sz="4400" spc="-1" strike="noStrike">
-                <a:latin typeface="Arial"/>
-              </a:rPr>
-              <a:t>мышью</a:t>
-            </a:r>
-            <a:endParaRPr b="0" lang="ru-RU" sz="4400" spc="-1" strike="noStrike">
-              <a:latin typeface="Arial"/>
-            </a:endParaRPr>
-          </a:p>
-        </p:txBody>
-      </p:sp>
-      <p:sp>
-        <p:nvSpPr>
-          <p:cNvPr id="1" name="PlaceHolder 2"/>
+              <a:t>Для правки текста заглавия щёлкните мышью</a:t>
+            </a:r>
+          </a:p>
+        </p:txBody>
+      </p:sp>
+      <p:sp>
+        <p:nvSpPr>
+          <p:cNvPr id="3" name="PlaceHolder 2"/>
           <p:cNvSpPr>
             <a:spLocks noGrp="1"/>
           </p:cNvSpPr>
@@ -4208,9 +5288,10 @@
           </a:prstGeom>
         </p:spPr>
         <p:txBody>
-          <a:bodyPr lIns="0" rIns="0" tIns="0" bIns="0">
+          <a:bodyPr lIns="0" tIns="0" rIns="0" bIns="0">
             <a:normAutofit/>
           </a:bodyPr>
+          <a:lstStyle/>
           <a:p>
             <a:pPr marL="432000" indent="-324000">
               <a:spcBef>
@@ -4224,17 +5305,14 @@
               <a:buChar char=""/>
             </a:pPr>
             <a:r>
-              <a:rPr b="0" lang="ru-RU" sz="3200" spc="-1" strike="noStrike">
+              <a:rPr lang="ru-RU" sz="3200" b="0" strike="noStrike" spc="-1">
                 <a:latin typeface="Arial"/>
               </a:rPr>
               <a:t>Для правки структуры щёлкните мышью</a:t>
             </a:r>
-            <a:endParaRPr b="0" lang="ru-RU" sz="3200" spc="-1" strike="noStrike">
-              <a:latin typeface="Arial"/>
-            </a:endParaRPr>
-          </a:p>
-          <a:p>
-            <a:pPr lvl="1" marL="864000" indent="-324000">
+          </a:p>
+          <a:p>
+            <a:pPr marL="864000" lvl="1" indent="-324000">
               <a:spcBef>
                 <a:spcPts val="1134"/>
               </a:spcBef>
@@ -4246,17 +5324,14 @@
               <a:buChar char=""/>
             </a:pPr>
             <a:r>
-              <a:rPr b="0" lang="ru-RU" sz="2800" spc="-1" strike="noStrike">
+              <a:rPr lang="ru-RU" sz="2800" b="0" strike="noStrike" spc="-1">
                 <a:latin typeface="Arial"/>
               </a:rPr>
               <a:t>Второй уровень структуры</a:t>
             </a:r>
-            <a:endParaRPr b="0" lang="ru-RU" sz="2800" spc="-1" strike="noStrike">
-              <a:latin typeface="Arial"/>
-            </a:endParaRPr>
-          </a:p>
-          <a:p>
-            <a:pPr lvl="2" marL="1296000" indent="-288000">
+          </a:p>
+          <a:p>
+            <a:pPr marL="1296000" lvl="2" indent="-288000">
               <a:spcBef>
                 <a:spcPts val="850"/>
               </a:spcBef>
@@ -4268,17 +5343,14 @@
               <a:buChar char=""/>
             </a:pPr>
             <a:r>
-              <a:rPr b="0" lang="ru-RU" sz="2400" spc="-1" strike="noStrike">
+              <a:rPr lang="ru-RU" sz="2400" b="0" strike="noStrike" spc="-1">
                 <a:latin typeface="Arial"/>
               </a:rPr>
               <a:t>Третий уровень структуры</a:t>
             </a:r>
-            <a:endParaRPr b="0" lang="ru-RU" sz="2400" spc="-1" strike="noStrike">
-              <a:latin typeface="Arial"/>
-            </a:endParaRPr>
-          </a:p>
-          <a:p>
-            <a:pPr lvl="3" marL="1728000" indent="-216000">
+          </a:p>
+          <a:p>
+            <a:pPr marL="1728000" lvl="3" indent="-216000">
               <a:spcBef>
                 <a:spcPts val="567"/>
               </a:spcBef>
@@ -4290,17 +5362,14 @@
               <a:buChar char=""/>
             </a:pPr>
             <a:r>
-              <a:rPr b="0" lang="ru-RU" sz="2000" spc="-1" strike="noStrike">
+              <a:rPr lang="ru-RU" sz="2000" b="0" strike="noStrike" spc="-1">
                 <a:latin typeface="Arial"/>
               </a:rPr>
               <a:t>Четвёртый уровень структуры</a:t>
             </a:r>
-            <a:endParaRPr b="0" lang="ru-RU" sz="2000" spc="-1" strike="noStrike">
-              <a:latin typeface="Arial"/>
-            </a:endParaRPr>
-          </a:p>
-          <a:p>
-            <a:pPr lvl="4" marL="2160000" indent="-216000">
+          </a:p>
+          <a:p>
+            <a:pPr marL="2160000" lvl="4" indent="-216000">
               <a:spcBef>
                 <a:spcPts val="283"/>
               </a:spcBef>
@@ -4312,17 +5381,14 @@
               <a:buChar char=""/>
             </a:pPr>
             <a:r>
-              <a:rPr b="0" lang="ru-RU" sz="2000" spc="-1" strike="noStrike">
+              <a:rPr lang="ru-RU" sz="2000" b="0" strike="noStrike" spc="-1">
                 <a:latin typeface="Arial"/>
               </a:rPr>
               <a:t>Пятый уровень структуры</a:t>
             </a:r>
-            <a:endParaRPr b="0" lang="ru-RU" sz="2000" spc="-1" strike="noStrike">
-              <a:latin typeface="Arial"/>
-            </a:endParaRPr>
-          </a:p>
-          <a:p>
-            <a:pPr lvl="5" marL="2592000" indent="-216000">
+          </a:p>
+          <a:p>
+            <a:pPr marL="2592000" lvl="5" indent="-216000">
               <a:spcBef>
                 <a:spcPts val="283"/>
               </a:spcBef>
@@ -4334,17 +5400,14 @@
               <a:buChar char=""/>
             </a:pPr>
             <a:r>
-              <a:rPr b="0" lang="ru-RU" sz="2000" spc="-1" strike="noStrike">
+              <a:rPr lang="ru-RU" sz="2000" b="0" strike="noStrike" spc="-1">
                 <a:latin typeface="Arial"/>
               </a:rPr>
               <a:t>Шестой уровень структуры</a:t>
             </a:r>
-            <a:endParaRPr b="0" lang="ru-RU" sz="2000" spc="-1" strike="noStrike">
-              <a:latin typeface="Arial"/>
-            </a:endParaRPr>
-          </a:p>
-          <a:p>
-            <a:pPr lvl="6" marL="3024000" indent="-216000">
+          </a:p>
+          <a:p>
+            <a:pPr marL="3024000" lvl="6" indent="-216000">
               <a:spcBef>
                 <a:spcPts val="283"/>
               </a:spcBef>
@@ -4356,45 +5419,48 @@
               <a:buChar char=""/>
             </a:pPr>
             <a:r>
-              <a:rPr b="0" lang="ru-RU" sz="2000" spc="-1" strike="noStrike">
+              <a:rPr lang="ru-RU" sz="2000" b="0" strike="noStrike" spc="-1">
                 <a:latin typeface="Arial"/>
               </a:rPr>
               <a:t>Седьмой уровень структуры</a:t>
             </a:r>
-            <a:endParaRPr b="0" lang="ru-RU" sz="2000" spc="-1" strike="noStrike">
-              <a:latin typeface="Arial"/>
-            </a:endParaRPr>
           </a:p>
         </p:txBody>
       </p:sp>
     </p:spTree>
   </p:cSld>
-  <p:clrMap bg1="lt1" bg2="lt2" tx1="dk1" tx2="dk2" accent1="accent1" accent2="accent2" accent3="accent3" accent4="accent4" accent5="accent5" accent6="accent6" hlink="hlink" folHlink="folHlink"/>
+  <p:clrMap bg1="lt1" tx1="dk1" bg2="lt2" tx2="dk2" accent1="accent1" accent2="accent2" accent3="accent3" accent4="accent4" accent5="accent5" accent6="accent6" hlink="hlink" folHlink="folHlink"/>
   <p:sldLayoutIdLst>
-    <p:sldLayoutId id="2147483649" r:id="rId2"/>
-    <p:sldLayoutId id="2147483650" r:id="rId3"/>
-    <p:sldLayoutId id="2147483651" r:id="rId4"/>
-    <p:sldLayoutId id="2147483652" r:id="rId5"/>
-    <p:sldLayoutId id="2147483653" r:id="rId6"/>
-    <p:sldLayoutId id="2147483654" r:id="rId7"/>
-    <p:sldLayoutId id="2147483655" r:id="rId8"/>
-    <p:sldLayoutId id="2147483656" r:id="rId9"/>
-    <p:sldLayoutId id="2147483657" r:id="rId10"/>
-    <p:sldLayoutId id="2147483658" r:id="rId11"/>
-    <p:sldLayoutId id="2147483659" r:id="rId12"/>
-    <p:sldLayoutId id="2147483660" r:id="rId13"/>
+    <p:sldLayoutId id="2147483649" r:id="rId1"/>
+    <p:sldLayoutId id="2147483650" r:id="rId2"/>
+    <p:sldLayoutId id="2147483651" r:id="rId3"/>
+    <p:sldLayoutId id="2147483652" r:id="rId4"/>
+    <p:sldLayoutId id="2147483653" r:id="rId5"/>
+    <p:sldLayoutId id="2147483654" r:id="rId6"/>
+    <p:sldLayoutId id="2147483655" r:id="rId7"/>
+    <p:sldLayoutId id="2147483656" r:id="rId8"/>
+    <p:sldLayoutId id="2147483657" r:id="rId9"/>
+    <p:sldLayoutId id="2147483658" r:id="rId10"/>
+    <p:sldLayoutId id="2147483659" r:id="rId11"/>
+    <p:sldLayoutId id="2147483660" r:id="rId12"/>
   </p:sldLayoutIdLst>
+  <p:txStyles>
+    <p:titleStyle/>
+    <p:bodyStyle/>
+    <p:otherStyle/>
+  </p:txStyles>
 </p:sldMaster>
 </file>
 
 <file path=ppt/slideMasters/slideMaster2.xml><?xml version="1.0" encoding="utf-8"?>
-<p:sldMaster xmlns:a="http://schemas.openxmlformats.org/drawingml/2006/main" xmlns:p="http://schemas.openxmlformats.org/presentationml/2006/main" xmlns:r="http://schemas.openxmlformats.org/officeDocument/2006/relationships" xmlns:p14="http://schemas.microsoft.com/office/powerpoint/2010/main" xmlns:p15="http://schemas.microsoft.com/office/powerpoint/2012/main" xmlns:mc="http://schemas.openxmlformats.org/markup-compatibility/2006">
+<p:sldMaster xmlns:a="http://schemas.openxmlformats.org/drawingml/2006/main" xmlns:r="http://schemas.openxmlformats.org/officeDocument/2006/relationships" xmlns:p="http://schemas.openxmlformats.org/presentationml/2006/main">
   <p:cSld>
     <p:bg>
       <p:bgPr>
         <a:solidFill>
-          <a:srgbClr val="ffffff"/>
+          <a:srgbClr val="FFFFFF"/>
         </a:solidFill>
+        <a:effectLst/>
       </p:bgPr>
     </p:bg>
     <p:spTree>
@@ -4431,26 +5497,18 @@
           </a:prstGeom>
         </p:spPr>
         <p:txBody>
-          <a:bodyPr lIns="0" rIns="0" tIns="0" bIns="0" anchor="ctr">
+          <a:bodyPr lIns="0" tIns="0" rIns="0" bIns="0" anchor="ctr">
             <a:noAutofit/>
           </a:bodyPr>
+          <a:lstStyle/>
           <a:p>
             <a:pPr algn="ctr"/>
             <a:r>
-              <a:rPr b="0" lang="ru-RU" sz="4400" spc="-1" strike="noStrike">
+              <a:rPr lang="ru-RU" sz="4400" b="0" strike="noStrike" spc="-1">
                 <a:latin typeface="Arial"/>
               </a:rPr>
-              <a:t>Для правки текста заглавия щёлкните </a:t>
-            </a:r>
-            <a:r>
-              <a:rPr b="0" lang="ru-RU" sz="4400" spc="-1" strike="noStrike">
-                <a:latin typeface="Arial"/>
-              </a:rPr>
-              <a:t>мышью</a:t>
-            </a:r>
-            <a:endParaRPr b="0" lang="ru-RU" sz="4400" spc="-1" strike="noStrike">
-              <a:latin typeface="Arial"/>
-            </a:endParaRPr>
+              <a:t>Для правки текста заглавия щёлкните мышью</a:t>
+            </a:r>
           </a:p>
         </p:txBody>
       </p:sp>
@@ -4474,9 +5532,10 @@
           </a:prstGeom>
         </p:spPr>
         <p:txBody>
-          <a:bodyPr lIns="0" rIns="0" tIns="0" bIns="0">
+          <a:bodyPr lIns="0" tIns="0" rIns="0" bIns="0">
             <a:normAutofit/>
           </a:bodyPr>
+          <a:lstStyle/>
           <a:p>
             <a:pPr marL="432000" indent="-324000">
               <a:spcBef>
@@ -4490,17 +5549,14 @@
               <a:buChar char=""/>
             </a:pPr>
             <a:r>
-              <a:rPr b="0" lang="ru-RU" sz="3200" spc="-1" strike="noStrike">
+              <a:rPr lang="ru-RU" sz="3200" b="0" strike="noStrike" spc="-1">
                 <a:latin typeface="Arial"/>
               </a:rPr>
               <a:t>Для правки структуры щёлкните мышью</a:t>
             </a:r>
-            <a:endParaRPr b="0" lang="ru-RU" sz="3200" spc="-1" strike="noStrike">
-              <a:latin typeface="Arial"/>
-            </a:endParaRPr>
-          </a:p>
-          <a:p>
-            <a:pPr lvl="1" marL="864000" indent="-324000">
+          </a:p>
+          <a:p>
+            <a:pPr marL="864000" lvl="1" indent="-324000">
               <a:spcBef>
                 <a:spcPts val="1134"/>
               </a:spcBef>
@@ -4512,17 +5568,14 @@
               <a:buChar char=""/>
             </a:pPr>
             <a:r>
-              <a:rPr b="0" lang="ru-RU" sz="2800" spc="-1" strike="noStrike">
+              <a:rPr lang="ru-RU" sz="2800" b="0" strike="noStrike" spc="-1">
                 <a:latin typeface="Arial"/>
               </a:rPr>
               <a:t>Второй уровень структуры</a:t>
             </a:r>
-            <a:endParaRPr b="0" lang="ru-RU" sz="2800" spc="-1" strike="noStrike">
-              <a:latin typeface="Arial"/>
-            </a:endParaRPr>
-          </a:p>
-          <a:p>
-            <a:pPr lvl="2" marL="1296000" indent="-288000">
+          </a:p>
+          <a:p>
+            <a:pPr marL="1296000" lvl="2" indent="-288000">
               <a:spcBef>
                 <a:spcPts val="850"/>
               </a:spcBef>
@@ -4534,17 +5587,14 @@
               <a:buChar char=""/>
             </a:pPr>
             <a:r>
-              <a:rPr b="0" lang="ru-RU" sz="2400" spc="-1" strike="noStrike">
+              <a:rPr lang="ru-RU" sz="2400" b="0" strike="noStrike" spc="-1">
                 <a:latin typeface="Arial"/>
               </a:rPr>
               <a:t>Третий уровень структуры</a:t>
             </a:r>
-            <a:endParaRPr b="0" lang="ru-RU" sz="2400" spc="-1" strike="noStrike">
-              <a:latin typeface="Arial"/>
-            </a:endParaRPr>
-          </a:p>
-          <a:p>
-            <a:pPr lvl="3" marL="1728000" indent="-216000">
+          </a:p>
+          <a:p>
+            <a:pPr marL="1728000" lvl="3" indent="-216000">
               <a:spcBef>
                 <a:spcPts val="567"/>
               </a:spcBef>
@@ -4556,17 +5606,14 @@
               <a:buChar char=""/>
             </a:pPr>
             <a:r>
-              <a:rPr b="0" lang="ru-RU" sz="2000" spc="-1" strike="noStrike">
+              <a:rPr lang="ru-RU" sz="2000" b="0" strike="noStrike" spc="-1">
                 <a:latin typeface="Arial"/>
               </a:rPr>
               <a:t>Четвёртый уровень структуры</a:t>
             </a:r>
-            <a:endParaRPr b="0" lang="ru-RU" sz="2000" spc="-1" strike="noStrike">
-              <a:latin typeface="Arial"/>
-            </a:endParaRPr>
-          </a:p>
-          <a:p>
-            <a:pPr lvl="4" marL="2160000" indent="-216000">
+          </a:p>
+          <a:p>
+            <a:pPr marL="2160000" lvl="4" indent="-216000">
               <a:spcBef>
                 <a:spcPts val="283"/>
               </a:spcBef>
@@ -4578,17 +5625,14 @@
               <a:buChar char=""/>
             </a:pPr>
             <a:r>
-              <a:rPr b="0" lang="ru-RU" sz="2000" spc="-1" strike="noStrike">
+              <a:rPr lang="ru-RU" sz="2000" b="0" strike="noStrike" spc="-1">
                 <a:latin typeface="Arial"/>
               </a:rPr>
               <a:t>Пятый уровень структуры</a:t>
             </a:r>
-            <a:endParaRPr b="0" lang="ru-RU" sz="2000" spc="-1" strike="noStrike">
-              <a:latin typeface="Arial"/>
-            </a:endParaRPr>
-          </a:p>
-          <a:p>
-            <a:pPr lvl="5" marL="2592000" indent="-216000">
+          </a:p>
+          <a:p>
+            <a:pPr marL="2592000" lvl="5" indent="-216000">
               <a:spcBef>
                 <a:spcPts val="283"/>
               </a:spcBef>
@@ -4600,17 +5644,14 @@
               <a:buChar char=""/>
             </a:pPr>
             <a:r>
-              <a:rPr b="0" lang="ru-RU" sz="2000" spc="-1" strike="noStrike">
+              <a:rPr lang="ru-RU" sz="2000" b="0" strike="noStrike" spc="-1">
                 <a:latin typeface="Arial"/>
               </a:rPr>
               <a:t>Шестой уровень структуры</a:t>
             </a:r>
-            <a:endParaRPr b="0" lang="ru-RU" sz="2000" spc="-1" strike="noStrike">
-              <a:latin typeface="Arial"/>
-            </a:endParaRPr>
-          </a:p>
-          <a:p>
-            <a:pPr lvl="6" marL="3024000" indent="-216000">
+          </a:p>
+          <a:p>
+            <a:pPr marL="3024000" lvl="6" indent="-216000">
               <a:spcBef>
                 <a:spcPts val="283"/>
               </a:spcBef>
@@ -4622,39 +5663,41 @@
               <a:buChar char=""/>
             </a:pPr>
             <a:r>
-              <a:rPr b="0" lang="ru-RU" sz="2000" spc="-1" strike="noStrike">
+              <a:rPr lang="ru-RU" sz="2000" b="0" strike="noStrike" spc="-1">
                 <a:latin typeface="Arial"/>
               </a:rPr>
               <a:t>Седьмой уровень структуры</a:t>
             </a:r>
-            <a:endParaRPr b="0" lang="ru-RU" sz="2000" spc="-1" strike="noStrike">
-              <a:latin typeface="Arial"/>
-            </a:endParaRPr>
           </a:p>
         </p:txBody>
       </p:sp>
     </p:spTree>
   </p:cSld>
-  <p:clrMap bg1="lt1" bg2="lt2" tx1="dk1" tx2="dk2" accent1="accent1" accent2="accent2" accent3="accent3" accent4="accent4" accent5="accent5" accent6="accent6" hlink="hlink" folHlink="folHlink"/>
+  <p:clrMap bg1="lt1" tx1="dk1" bg2="lt2" tx2="dk2" accent1="accent1" accent2="accent2" accent3="accent3" accent4="accent4" accent5="accent5" accent6="accent6" hlink="hlink" folHlink="folHlink"/>
   <p:sldLayoutIdLst>
-    <p:sldLayoutId id="2147483662" r:id="rId2"/>
-    <p:sldLayoutId id="2147483663" r:id="rId3"/>
-    <p:sldLayoutId id="2147483664" r:id="rId4"/>
-    <p:sldLayoutId id="2147483665" r:id="rId5"/>
-    <p:sldLayoutId id="2147483666" r:id="rId6"/>
-    <p:sldLayoutId id="2147483667" r:id="rId7"/>
-    <p:sldLayoutId id="2147483668" r:id="rId8"/>
-    <p:sldLayoutId id="2147483669" r:id="rId9"/>
-    <p:sldLayoutId id="2147483670" r:id="rId10"/>
-    <p:sldLayoutId id="2147483671" r:id="rId11"/>
-    <p:sldLayoutId id="2147483672" r:id="rId12"/>
-    <p:sldLayoutId id="2147483673" r:id="rId13"/>
+    <p:sldLayoutId id="2147483662" r:id="rId1"/>
+    <p:sldLayoutId id="2147483663" r:id="rId2"/>
+    <p:sldLayoutId id="2147483664" r:id="rId3"/>
+    <p:sldLayoutId id="2147483665" r:id="rId4"/>
+    <p:sldLayoutId id="2147483666" r:id="rId5"/>
+    <p:sldLayoutId id="2147483667" r:id="rId6"/>
+    <p:sldLayoutId id="2147483668" r:id="rId7"/>
+    <p:sldLayoutId id="2147483669" r:id="rId8"/>
+    <p:sldLayoutId id="2147483670" r:id="rId9"/>
+    <p:sldLayoutId id="2147483671" r:id="rId10"/>
+    <p:sldLayoutId id="2147483672" r:id="rId11"/>
+    <p:sldLayoutId id="2147483673" r:id="rId12"/>
   </p:sldLayoutIdLst>
+  <p:txStyles>
+    <p:titleStyle/>
+    <p:bodyStyle/>
+    <p:otherStyle/>
+  </p:txStyles>
 </p:sldMaster>
 </file>
 
 <file path=ppt/slides/slide1.xml><?xml version="1.0" encoding="utf-8"?>
-<p:sld xmlns:a="http://schemas.openxmlformats.org/drawingml/2006/main" xmlns:p="http://schemas.openxmlformats.org/presentationml/2006/main" xmlns:r="http://schemas.openxmlformats.org/officeDocument/2006/relationships" xmlns:p14="http://schemas.microsoft.com/office/powerpoint/2010/main" xmlns:p15="http://schemas.microsoft.com/office/powerpoint/2012/main" xmlns:mc="http://schemas.openxmlformats.org/markup-compatibility/2006">
+<p:sld xmlns:a="http://schemas.openxmlformats.org/drawingml/2006/main" xmlns:r="http://schemas.openxmlformats.org/officeDocument/2006/relationships" xmlns:p="http://schemas.openxmlformats.org/presentationml/2006/main">
   <p:cSld>
     <p:spTree>
       <p:nvGrpSpPr>
@@ -4690,15 +5733,22 @@
           </a:ln>
         </p:spPr>
         <p:style>
-          <a:lnRef idx="0"/>
-          <a:fillRef idx="0"/>
-          <a:effectRef idx="0"/>
+          <a:lnRef idx="0">
+            <a:scrgbClr r="0" g="0" b="0"/>
+          </a:lnRef>
+          <a:fillRef idx="0">
+            <a:scrgbClr r="0" g="0" b="0"/>
+          </a:fillRef>
+          <a:effectRef idx="0">
+            <a:scrgbClr r="0" g="0" b="0"/>
+          </a:effectRef>
           <a:fontRef idx="minor"/>
         </p:style>
         <p:txBody>
-          <a:bodyPr lIns="90000" rIns="90000" tIns="45000" bIns="45000" anchor="ctr">
-            <a:normAutofit fontScale="73000"/>
-          </a:bodyPr>
+          <a:bodyPr lIns="90000" tIns="45000" rIns="90000" bIns="45000" anchor="ctr">
+            <a:normAutofit fontScale="80500" lnSpcReduction="20000"/>
+          </a:bodyPr>
+          <a:lstStyle/>
           <a:p>
             <a:pPr algn="ctr">
               <a:lnSpc>
@@ -4706,7 +5756,7 @@
               </a:lnSpc>
             </a:pPr>
             <a:r>
-              <a:rPr b="0" lang="ru-RU" sz="4400" spc="-1" strike="noStrike">
+              <a:rPr lang="ru-RU" sz="4400" b="0" strike="noStrike" spc="-1">
                 <a:solidFill>
                   <a:srgbClr val="000000"/>
                 </a:solidFill>
@@ -4715,7 +5765,7 @@
               </a:rPr>
               <a:t>Временные адаптивные алгоритмы пространственной фильтрации в линейных МР</a:t>
             </a:r>
-            <a:endParaRPr b="0" lang="ru-RU" sz="4400" spc="-1" strike="noStrike">
+            <a:endParaRPr lang="ru-RU" sz="4400" b="0" strike="noStrike" spc="-1">
               <a:latin typeface="Arial"/>
             </a:endParaRPr>
           </a:p>
@@ -4741,129 +5791,264 @@
           </a:ln>
         </p:spPr>
         <p:style>
-          <a:lnRef idx="0"/>
-          <a:fillRef idx="0"/>
-          <a:effectRef idx="0"/>
+          <a:lnRef idx="0">
+            <a:scrgbClr r="0" g="0" b="0"/>
+          </a:lnRef>
+          <a:fillRef idx="0">
+            <a:scrgbClr r="0" g="0" b="0"/>
+          </a:fillRef>
+          <a:effectRef idx="0">
+            <a:scrgbClr r="0" g="0" b="0"/>
+          </a:effectRef>
           <a:fontRef idx="minor"/>
         </p:style>
       </p:sp>
-      <p:sp>
-        <p:nvSpPr>
-          <p:cNvPr id="84" name="CustomShape 3"/>
-          <p:cNvSpPr/>
-          <p:nvPr/>
-        </p:nvSpPr>
-        <p:spPr>
-          <a:xfrm>
-            <a:off x="720000" y="4248000"/>
-            <a:ext cx="3092760" cy="343080"/>
-          </a:xfrm>
-          <a:prstGeom prst="rect">
-            <a:avLst/>
-          </a:prstGeom>
-          <a:noFill/>
-          <a:ln>
-            <a:noFill/>
-          </a:ln>
-        </p:spPr>
-        <p:style>
-          <a:lnRef idx="0"/>
-          <a:fillRef idx="0"/>
-          <a:effectRef idx="0"/>
-          <a:fontRef idx="minor"/>
-        </p:style>
-        <p:txBody>
-          <a:bodyPr lIns="90000" rIns="90000" tIns="45000" bIns="45000">
-            <a:noAutofit/>
-          </a:bodyPr>
-          <a:p>
-            <a:pPr>
-              <a:lnSpc>
-                <a:spcPct val="100000"/>
-              </a:lnSpc>
-            </a:pPr>
-            <a:r>
-              <a:rPr b="0" lang="ru-RU" sz="1800" spc="-1" strike="noStrike">
-                <a:solidFill>
-                  <a:srgbClr val="000000"/>
-                </a:solidFill>
-                <a:latin typeface="Arial"/>
-                <a:ea typeface="DejaVu Sans"/>
-              </a:rPr>
-              <a:t>Автор: Усиков Д.А.</a:t>
-            </a:r>
-            <a:endParaRPr b="0" lang="ru-RU" sz="1800" spc="-1" strike="noStrike">
-              <a:latin typeface="Arial"/>
-            </a:endParaRPr>
-          </a:p>
-        </p:txBody>
-      </p:sp>
-      <p:sp>
-        <p:nvSpPr>
-          <p:cNvPr id="85" name="CustomShape 4"/>
-          <p:cNvSpPr/>
-          <p:nvPr/>
-        </p:nvSpPr>
-        <p:spPr>
-          <a:xfrm>
-            <a:off x="720000" y="5112000"/>
-            <a:ext cx="6332760" cy="599040"/>
-          </a:xfrm>
-          <a:prstGeom prst="rect">
-            <a:avLst/>
-          </a:prstGeom>
-          <a:noFill/>
-          <a:ln>
-            <a:noFill/>
-          </a:ln>
-        </p:spPr>
-        <p:style>
-          <a:lnRef idx="0"/>
-          <a:fillRef idx="0"/>
-          <a:effectRef idx="0"/>
-          <a:fontRef idx="minor"/>
-        </p:style>
-        <p:txBody>
-          <a:bodyPr lIns="90000" rIns="90000" tIns="45000" bIns="45000">
-            <a:noAutofit/>
-          </a:bodyPr>
-          <a:p>
-            <a:pPr>
-              <a:lnSpc>
-                <a:spcPct val="100000"/>
-              </a:lnSpc>
-            </a:pPr>
-            <a:r>
-              <a:rPr b="0" lang="ru-RU" sz="1800" spc="-1" strike="noStrike">
-                <a:solidFill>
-                  <a:srgbClr val="000000"/>
-                </a:solidFill>
-                <a:latin typeface="Arial"/>
-                <a:ea typeface="DejaVu Sans"/>
-              </a:rPr>
-              <a:t>Научный руководитель:д. ф.-м. н., доц. Л.И. Аверина </a:t>
-            </a:r>
-            <a:endParaRPr b="0" lang="ru-RU" sz="1800" spc="-1" strike="noStrike">
-              <a:latin typeface="Arial"/>
-            </a:endParaRPr>
-          </a:p>
-        </p:txBody>
-      </p:sp>
+      <p:graphicFrame>
+        <p:nvGraphicFramePr>
+          <p:cNvPr id="6" name="Таблица 5"/>
+          <p:cNvGraphicFramePr>
+            <a:graphicFrameLocks noGrp="1"/>
+          </p:cNvGraphicFramePr>
+          <p:nvPr>
+            <p:extLst>
+              <p:ext uri="{D42A27DB-BD31-4B8C-83A1-F6EECF244321}">
+                <p14:modId xmlns:p14="http://schemas.microsoft.com/office/powerpoint/2010/main" val="765366587"/>
+              </p:ext>
+            </p:extLst>
+          </p:nvPr>
+        </p:nvGraphicFramePr>
+        <p:xfrm>
+          <a:off x="2627784" y="5445224"/>
+          <a:ext cx="6516216" cy="859282"/>
+        </p:xfrm>
+        <a:graphic>
+          <a:graphicData uri="http://schemas.openxmlformats.org/drawingml/2006/table">
+            <a:tbl>
+              <a:tblPr firstRow="1" firstCol="1" bandRow="1">
+                <a:tableStyleId>{2D5ABB26-0587-4C30-8999-92F81FD0307C}</a:tableStyleId>
+              </a:tblPr>
+              <a:tblGrid>
+                <a:gridCol w="2168449"/>
+                <a:gridCol w="2270843"/>
+                <a:gridCol w="2076924"/>
+              </a:tblGrid>
+              <a:tr h="26288">
+                <a:tc>
+                  <a:txBody>
+                    <a:bodyPr/>
+                    <a:lstStyle/>
+                    <a:p>
+                      <a:pPr>
+                        <a:lnSpc>
+                          <a:spcPct val="150000"/>
+                        </a:lnSpc>
+                        <a:spcAft>
+                          <a:spcPts val="800"/>
+                        </a:spcAft>
+                      </a:pPr>
+                      <a:r>
+                        <a:rPr lang="ru-RU" sz="2000" dirty="0" smtClean="0">
+                          <a:effectLst/>
+                        </a:rPr>
+                        <a:t>Обучающийся:</a:t>
+                      </a:r>
+                      <a:endParaRPr lang="ru-RU" sz="1600" dirty="0">
+                        <a:effectLst/>
+                        <a:latin typeface="Times New Roman" panose="02020603050405020304" pitchFamily="18" charset="0"/>
+                        <a:ea typeface="Calibri"/>
+                        <a:cs typeface="Times New Roman" panose="02020603050405020304" pitchFamily="18" charset="0"/>
+                      </a:endParaRPr>
+                    </a:p>
+                  </a:txBody>
+                  <a:tcPr marL="68580" marR="68580" marT="0" marB="0"/>
+                </a:tc>
+                <a:tc>
+                  <a:txBody>
+                    <a:bodyPr/>
+                    <a:lstStyle/>
+                    <a:p>
+                      <a:pPr>
+                        <a:lnSpc>
+                          <a:spcPct val="150000"/>
+                        </a:lnSpc>
+                        <a:spcAft>
+                          <a:spcPts val="800"/>
+                        </a:spcAft>
+                      </a:pPr>
+                      <a:r>
+                        <a:rPr lang="ru-RU" sz="2000" dirty="0">
+                          <a:effectLst/>
+                        </a:rPr>
+                        <a:t> </a:t>
+                      </a:r>
+                      <a:endParaRPr lang="ru-RU" sz="1600" dirty="0">
+                        <a:effectLst/>
+                        <a:latin typeface="Times New Roman" panose="02020603050405020304" pitchFamily="18" charset="0"/>
+                        <a:ea typeface="Calibri"/>
+                        <a:cs typeface="Times New Roman" panose="02020603050405020304" pitchFamily="18" charset="0"/>
+                      </a:endParaRPr>
+                    </a:p>
+                  </a:txBody>
+                  <a:tcPr marL="68580" marR="68580" marT="0" marB="0"/>
+                </a:tc>
+                <a:tc>
+                  <a:txBody>
+                    <a:bodyPr/>
+                    <a:lstStyle/>
+                    <a:p>
+                      <a:pPr>
+                        <a:lnSpc>
+                          <a:spcPct val="150000"/>
+                        </a:lnSpc>
+                        <a:spcAft>
+                          <a:spcPts val="800"/>
+                        </a:spcAft>
+                      </a:pPr>
+                      <a:r>
+                        <a:rPr lang="ru-RU" sz="2000" b="0" strike="noStrike" spc="-1" dirty="0" smtClean="0">
+                          <a:solidFill>
+                            <a:srgbClr val="000000"/>
+                          </a:solidFill>
+                          <a:latin typeface="+mn-lt"/>
+                          <a:ea typeface="+mn-ea"/>
+                        </a:rPr>
+                        <a:t>Усиков Д.А</a:t>
+                      </a:r>
+                      <a:r>
+                        <a:rPr lang="ru-RU" sz="2000" dirty="0" smtClean="0">
+                          <a:effectLst/>
+                        </a:rPr>
+                        <a:t>.</a:t>
+                      </a:r>
+                      <a:endParaRPr lang="ru-RU" sz="1600" dirty="0">
+                        <a:effectLst/>
+                        <a:latin typeface="Times New Roman" panose="02020603050405020304" pitchFamily="18" charset="0"/>
+                        <a:ea typeface="Calibri"/>
+                        <a:cs typeface="Times New Roman" panose="02020603050405020304" pitchFamily="18" charset="0"/>
+                      </a:endParaRPr>
+                    </a:p>
+                  </a:txBody>
+                  <a:tcPr marL="68580" marR="68580" marT="0" marB="0"/>
+                </a:tc>
+              </a:tr>
+              <a:tr h="0">
+                <a:tc>
+                  <a:txBody>
+                    <a:bodyPr/>
+                    <a:lstStyle/>
+                    <a:p>
+                      <a:pPr>
+                        <a:lnSpc>
+                          <a:spcPct val="150000"/>
+                        </a:lnSpc>
+                        <a:spcAft>
+                          <a:spcPts val="800"/>
+                        </a:spcAft>
+                      </a:pPr>
+                      <a:r>
+                        <a:rPr lang="ru-RU" sz="2000" dirty="0" smtClean="0">
+                          <a:effectLst/>
+                        </a:rPr>
+                        <a:t>Руководитель:</a:t>
+                      </a:r>
+                      <a:endParaRPr lang="ru-RU" sz="1600" dirty="0">
+                        <a:effectLst/>
+                        <a:latin typeface="Times New Roman" panose="02020603050405020304" pitchFamily="18" charset="0"/>
+                        <a:ea typeface="Calibri"/>
+                        <a:cs typeface="Times New Roman" panose="02020603050405020304" pitchFamily="18" charset="0"/>
+                      </a:endParaRPr>
+                    </a:p>
+                  </a:txBody>
+                  <a:tcPr marL="68580" marR="68580" marT="0" marB="0"/>
+                </a:tc>
+                <a:tc>
+                  <a:txBody>
+                    <a:bodyPr/>
+                    <a:lstStyle/>
+                    <a:p>
+                      <a:pPr>
+                        <a:lnSpc>
+                          <a:spcPct val="150000"/>
+                        </a:lnSpc>
+                        <a:spcAft>
+                          <a:spcPts val="800"/>
+                        </a:spcAft>
+                      </a:pPr>
+                      <a:r>
+                        <a:rPr lang="ru-RU" sz="2000">
+                          <a:effectLst/>
+                        </a:rPr>
+                        <a:t>д. ф.-м. н, проф.</a:t>
+                      </a:r>
+                      <a:endParaRPr lang="ru-RU" sz="1600">
+                        <a:effectLst/>
+                        <a:latin typeface="Times New Roman" panose="02020603050405020304" pitchFamily="18" charset="0"/>
+                        <a:ea typeface="Calibri"/>
+                        <a:cs typeface="Times New Roman" panose="02020603050405020304" pitchFamily="18" charset="0"/>
+                      </a:endParaRPr>
+                    </a:p>
+                  </a:txBody>
+                  <a:tcPr marL="68580" marR="68580" marT="0" marB="0"/>
+                </a:tc>
+                <a:tc>
+                  <a:txBody>
+                    <a:bodyPr/>
+                    <a:lstStyle/>
+                    <a:p>
+                      <a:pPr>
+                        <a:lnSpc>
+                          <a:spcPct val="150000"/>
+                        </a:lnSpc>
+                        <a:spcAft>
+                          <a:spcPts val="800"/>
+                        </a:spcAft>
+                      </a:pPr>
+                      <a:r>
+                        <a:rPr lang="ru-RU" sz="2000" dirty="0">
+                          <a:effectLst/>
+                        </a:rPr>
+                        <a:t>Аверина Л. И.</a:t>
+                      </a:r>
+                      <a:endParaRPr lang="ru-RU" sz="1600" dirty="0">
+                        <a:effectLst/>
+                        <a:latin typeface="Times New Roman" panose="02020603050405020304" pitchFamily="18" charset="0"/>
+                        <a:ea typeface="Calibri"/>
+                        <a:cs typeface="Times New Roman" panose="02020603050405020304" pitchFamily="18" charset="0"/>
+                      </a:endParaRPr>
+                    </a:p>
+                  </a:txBody>
+                  <a:tcPr marL="68580" marR="68580" marT="0" marB="0"/>
+                </a:tc>
+              </a:tr>
+            </a:tbl>
+          </a:graphicData>
+        </a:graphic>
+      </p:graphicFrame>
     </p:spTree>
   </p:cSld>
-  <mc:AlternateContent>
+  <p:clrMapOvr>
+    <a:masterClrMapping/>
+  </p:clrMapOvr>
+  <mc:AlternateContent xmlns:mc="http://schemas.openxmlformats.org/markup-compatibility/2006" xmlns:p14="http://schemas.microsoft.com/office/powerpoint/2010/main">
     <mc:Choice Requires="p14">
       <p:transition spd="slow" p14:dur="2000"/>
     </mc:Choice>
-    <mc:Fallback>
+    <mc:Fallback xmlns="" xmlns:p15="http://schemas.microsoft.com/office/powerpoint/2012/main">
       <p:transition spd="slow"/>
     </mc:Fallback>
   </mc:AlternateContent>
+  <p:timing>
+    <p:tnLst>
+      <p:par>
+        <p:cTn id="1" dur="indefinite" restart="never" nodeType="tmRoot"/>
+      </p:par>
+    </p:tnLst>
+  </p:timing>
 </p:sld>
 </file>
 
 <file path=ppt/slides/slide10.xml><?xml version="1.0" encoding="utf-8"?>
-<p:sld xmlns:a="http://schemas.openxmlformats.org/drawingml/2006/main" xmlns:p="http://schemas.openxmlformats.org/presentationml/2006/main" xmlns:r="http://schemas.openxmlformats.org/officeDocument/2006/relationships" xmlns:p14="http://schemas.microsoft.com/office/powerpoint/2010/main" xmlns:p15="http://schemas.microsoft.com/office/powerpoint/2012/main" xmlns:mc="http://schemas.openxmlformats.org/markup-compatibility/2006">
+<p:sld xmlns:a="http://schemas.openxmlformats.org/drawingml/2006/main" xmlns:r="http://schemas.openxmlformats.org/officeDocument/2006/relationships" xmlns:p="http://schemas.openxmlformats.org/presentationml/2006/main">
   <p:cSld>
     <p:spTree>
       <p:nvGrpSpPr>
@@ -4899,15 +6084,22 @@
           </a:ln>
         </p:spPr>
         <p:style>
-          <a:lnRef idx="0"/>
-          <a:fillRef idx="0"/>
-          <a:effectRef idx="0"/>
+          <a:lnRef idx="0">
+            <a:scrgbClr r="0" g="0" b="0"/>
+          </a:lnRef>
+          <a:fillRef idx="0">
+            <a:scrgbClr r="0" g="0" b="0"/>
+          </a:fillRef>
+          <a:effectRef idx="0">
+            <a:scrgbClr r="0" g="0" b="0"/>
+          </a:effectRef>
           <a:fontRef idx="minor"/>
         </p:style>
         <p:txBody>
-          <a:bodyPr lIns="90000" rIns="90000" tIns="45000" bIns="45000" anchor="ctr">
+          <a:bodyPr lIns="90000" tIns="45000" rIns="90000" bIns="45000" anchor="ctr">
             <a:noAutofit/>
           </a:bodyPr>
+          <a:lstStyle/>
           <a:p>
             <a:pPr algn="ctr">
               <a:lnSpc>
@@ -4915,7 +6107,7 @@
               </a:lnSpc>
             </a:pPr>
             <a:r>
-              <a:rPr b="0" lang="ru-RU" sz="4400" spc="-1" strike="noStrike">
+              <a:rPr lang="ru-RU" sz="4400" b="0" strike="noStrike" spc="-1">
                 <a:solidFill>
                   <a:srgbClr val="000000"/>
                 </a:solidFill>
@@ -4924,7 +6116,7 @@
               </a:rPr>
               <a:t>Результаты моделирования</a:t>
             </a:r>
-            <a:endParaRPr b="0" lang="ru-RU" sz="4400" spc="-1" strike="noStrike">
+            <a:endParaRPr lang="ru-RU" sz="4400" b="0" strike="noStrike" spc="-1">
               <a:latin typeface="Arial"/>
             </a:endParaRPr>
           </a:p>
@@ -4950,27 +6142,75 @@
           </a:ln>
         </p:spPr>
         <p:style>
-          <a:lnRef idx="0"/>
-          <a:fillRef idx="0"/>
-          <a:effectRef idx="0"/>
+          <a:lnRef idx="0">
+            <a:scrgbClr r="0" g="0" b="0"/>
+          </a:lnRef>
+          <a:fillRef idx="0">
+            <a:scrgbClr r="0" g="0" b="0"/>
+          </a:fillRef>
+          <a:effectRef idx="0">
+            <a:scrgbClr r="0" g="0" b="0"/>
+          </a:effectRef>
           <a:fontRef idx="minor"/>
         </p:style>
       </p:sp>
+      <p:sp>
+        <p:nvSpPr>
+          <p:cNvPr id="4" name="TextBox 3"/>
+          <p:cNvSpPr txBox="1"/>
+          <p:nvPr/>
+        </p:nvSpPr>
+        <p:spPr>
+          <a:xfrm>
+            <a:off x="8460432" y="0"/>
+            <a:ext cx="683568" cy="461665"/>
+          </a:xfrm>
+          <a:prstGeom prst="rect">
+            <a:avLst/>
+          </a:prstGeom>
+          <a:noFill/>
+        </p:spPr>
+        <p:txBody>
+          <a:bodyPr wrap="square" rtlCol="0">
+            <a:spAutoFit/>
+          </a:bodyPr>
+          <a:lstStyle/>
+          <a:p>
+            <a:pPr algn="ctr"/>
+            <a:fld id="{4ECEE6B5-8CB6-40F7-9C10-5B351414AB6E}" type="slidenum">
+              <a:rPr lang="ru-RU" sz="2400" smtClean="0"/>
+              <a:pPr algn="ctr"/>
+              <a:t>10</a:t>
+            </a:fld>
+            <a:endParaRPr lang="ru-RU" sz="2400" dirty="0"/>
+          </a:p>
+        </p:txBody>
+      </p:sp>
     </p:spTree>
   </p:cSld>
-  <mc:AlternateContent>
+  <p:clrMapOvr>
+    <a:masterClrMapping/>
+  </p:clrMapOvr>
+  <mc:AlternateContent xmlns:mc="http://schemas.openxmlformats.org/markup-compatibility/2006" xmlns:p14="http://schemas.microsoft.com/office/powerpoint/2010/main">
     <mc:Choice Requires="p14">
       <p:transition spd="slow" p14:dur="2000"/>
     </mc:Choice>
-    <mc:Fallback>
+    <mc:Fallback xmlns="" xmlns:p15="http://schemas.microsoft.com/office/powerpoint/2012/main">
       <p:transition spd="slow"/>
     </mc:Fallback>
   </mc:AlternateContent>
+  <p:timing>
+    <p:tnLst>
+      <p:par>
+        <p:cTn id="1" dur="indefinite" restart="never" nodeType="tmRoot"/>
+      </p:par>
+    </p:tnLst>
+  </p:timing>
 </p:sld>
 </file>
 
 <file path=ppt/slides/slide11.xml><?xml version="1.0" encoding="utf-8"?>
-<p:sld xmlns:a="http://schemas.openxmlformats.org/drawingml/2006/main" xmlns:p="http://schemas.openxmlformats.org/presentationml/2006/main" xmlns:r="http://schemas.openxmlformats.org/officeDocument/2006/relationships" xmlns:p14="http://schemas.microsoft.com/office/powerpoint/2010/main" xmlns:p15="http://schemas.microsoft.com/office/powerpoint/2012/main" xmlns:mc="http://schemas.openxmlformats.org/markup-compatibility/2006">
+<p:sld xmlns:a="http://schemas.openxmlformats.org/drawingml/2006/main" xmlns:r="http://schemas.openxmlformats.org/officeDocument/2006/relationships" xmlns:p="http://schemas.openxmlformats.org/presentationml/2006/main">
   <p:cSld>
     <p:spTree>
       <p:nvGrpSpPr>
@@ -5006,9 +6246,15 @@
           </a:ln>
         </p:spPr>
         <p:style>
-          <a:lnRef idx="0"/>
-          <a:fillRef idx="0"/>
-          <a:effectRef idx="0"/>
+          <a:lnRef idx="0">
+            <a:scrgbClr r="0" g="0" b="0"/>
+          </a:lnRef>
+          <a:fillRef idx="0">
+            <a:scrgbClr r="0" g="0" b="0"/>
+          </a:fillRef>
+          <a:effectRef idx="0">
+            <a:scrgbClr r="0" g="0" b="0"/>
+          </a:effectRef>
           <a:fontRef idx="minor"/>
         </p:style>
       </p:sp>
@@ -5032,27 +6278,75 @@
           </a:ln>
         </p:spPr>
         <p:style>
-          <a:lnRef idx="0"/>
-          <a:fillRef idx="0"/>
-          <a:effectRef idx="0"/>
+          <a:lnRef idx="0">
+            <a:scrgbClr r="0" g="0" b="0"/>
+          </a:lnRef>
+          <a:fillRef idx="0">
+            <a:scrgbClr r="0" g="0" b="0"/>
+          </a:fillRef>
+          <a:effectRef idx="0">
+            <a:scrgbClr r="0" g="0" b="0"/>
+          </a:effectRef>
           <a:fontRef idx="minor"/>
         </p:style>
       </p:sp>
+      <p:sp>
+        <p:nvSpPr>
+          <p:cNvPr id="4" name="TextBox 3"/>
+          <p:cNvSpPr txBox="1"/>
+          <p:nvPr/>
+        </p:nvSpPr>
+        <p:spPr>
+          <a:xfrm>
+            <a:off x="8460432" y="0"/>
+            <a:ext cx="683568" cy="461665"/>
+          </a:xfrm>
+          <a:prstGeom prst="rect">
+            <a:avLst/>
+          </a:prstGeom>
+          <a:noFill/>
+        </p:spPr>
+        <p:txBody>
+          <a:bodyPr wrap="square" rtlCol="0">
+            <a:spAutoFit/>
+          </a:bodyPr>
+          <a:lstStyle/>
+          <a:p>
+            <a:pPr algn="ctr"/>
+            <a:fld id="{4ECEE6B5-8CB6-40F7-9C10-5B351414AB6E}" type="slidenum">
+              <a:rPr lang="ru-RU" sz="2400" smtClean="0"/>
+              <a:pPr algn="ctr"/>
+              <a:t>11</a:t>
+            </a:fld>
+            <a:endParaRPr lang="ru-RU" sz="2400" dirty="0"/>
+          </a:p>
+        </p:txBody>
+      </p:sp>
     </p:spTree>
   </p:cSld>
-  <mc:AlternateContent>
+  <p:clrMapOvr>
+    <a:masterClrMapping/>
+  </p:clrMapOvr>
+  <mc:AlternateContent xmlns:mc="http://schemas.openxmlformats.org/markup-compatibility/2006" xmlns:p14="http://schemas.microsoft.com/office/powerpoint/2010/main">
     <mc:Choice Requires="p14">
       <p:transition spd="slow" p14:dur="2000"/>
     </mc:Choice>
-    <mc:Fallback>
+    <mc:Fallback xmlns="" xmlns:p15="http://schemas.microsoft.com/office/powerpoint/2012/main">
       <p:transition spd="slow"/>
     </mc:Fallback>
   </mc:AlternateContent>
+  <p:timing>
+    <p:tnLst>
+      <p:par>
+        <p:cTn id="1" dur="indefinite" restart="never" nodeType="tmRoot"/>
+      </p:par>
+    </p:tnLst>
+  </p:timing>
 </p:sld>
 </file>
 
 <file path=ppt/slides/slide12.xml><?xml version="1.0" encoding="utf-8"?>
-<p:sld xmlns:a="http://schemas.openxmlformats.org/drawingml/2006/main" xmlns:p="http://schemas.openxmlformats.org/presentationml/2006/main" xmlns:r="http://schemas.openxmlformats.org/officeDocument/2006/relationships" xmlns:p14="http://schemas.microsoft.com/office/powerpoint/2010/main" xmlns:p15="http://schemas.microsoft.com/office/powerpoint/2012/main" xmlns:mc="http://schemas.openxmlformats.org/markup-compatibility/2006">
+<p:sld xmlns:a="http://schemas.openxmlformats.org/drawingml/2006/main" xmlns:r="http://schemas.openxmlformats.org/officeDocument/2006/relationships" xmlns:p="http://schemas.openxmlformats.org/presentationml/2006/main">
   <p:cSld>
     <p:spTree>
       <p:nvGrpSpPr>
@@ -5088,9 +6382,15 @@
           </a:ln>
         </p:spPr>
         <p:style>
-          <a:lnRef idx="0"/>
-          <a:fillRef idx="0"/>
-          <a:effectRef idx="0"/>
+          <a:lnRef idx="0">
+            <a:scrgbClr r="0" g="0" b="0"/>
+          </a:lnRef>
+          <a:fillRef idx="0">
+            <a:scrgbClr r="0" g="0" b="0"/>
+          </a:fillRef>
+          <a:effectRef idx="0">
+            <a:scrgbClr r="0" g="0" b="0"/>
+          </a:effectRef>
           <a:fontRef idx="minor"/>
         </p:style>
       </p:sp>
@@ -5114,15 +6414,22 @@
           </a:ln>
         </p:spPr>
         <p:style>
-          <a:lnRef idx="0"/>
-          <a:fillRef idx="0"/>
-          <a:effectRef idx="0"/>
+          <a:lnRef idx="0">
+            <a:scrgbClr r="0" g="0" b="0"/>
+          </a:lnRef>
+          <a:fillRef idx="0">
+            <a:scrgbClr r="0" g="0" b="0"/>
+          </a:fillRef>
+          <a:effectRef idx="0">
+            <a:scrgbClr r="0" g="0" b="0"/>
+          </a:effectRef>
           <a:fontRef idx="minor"/>
         </p:style>
         <p:txBody>
-          <a:bodyPr lIns="90000" rIns="90000" tIns="45000" bIns="45000">
+          <a:bodyPr lIns="90000" tIns="45000" rIns="90000" bIns="45000">
             <a:noAutofit/>
           </a:bodyPr>
+          <a:lstStyle/>
           <a:p>
             <a:pPr marL="343080" indent="-334440">
               <a:lnSpc>
@@ -5138,7 +6445,7 @@
               <a:buChar char="•"/>
             </a:pPr>
             <a:r>
-              <a:rPr b="0" lang="ru-RU" sz="3200" spc="-1" strike="noStrike">
+              <a:rPr lang="ru-RU" sz="3200" b="0" strike="noStrike" spc="-1">
                 <a:solidFill>
                   <a:srgbClr val="000000"/>
                 </a:solidFill>
@@ -5147,19 +6454,54 @@
               </a:rPr>
               <a:t>Спасибо за внимание</a:t>
             </a:r>
-            <a:endParaRPr b="0" lang="ru-RU" sz="3200" spc="-1" strike="noStrike">
-              <a:latin typeface="Arial"/>
-            </a:endParaRPr>
+            <a:endParaRPr lang="ru-RU" sz="3200" b="0" strike="noStrike" spc="-1">
+              <a:latin typeface="Arial"/>
+            </a:endParaRPr>
+          </a:p>
+        </p:txBody>
+      </p:sp>
+      <p:sp>
+        <p:nvSpPr>
+          <p:cNvPr id="4" name="TextBox 3"/>
+          <p:cNvSpPr txBox="1"/>
+          <p:nvPr/>
+        </p:nvSpPr>
+        <p:spPr>
+          <a:xfrm>
+            <a:off x="8460432" y="0"/>
+            <a:ext cx="683568" cy="461665"/>
+          </a:xfrm>
+          <a:prstGeom prst="rect">
+            <a:avLst/>
+          </a:prstGeom>
+          <a:noFill/>
+        </p:spPr>
+        <p:txBody>
+          <a:bodyPr wrap="square" rtlCol="0">
+            <a:spAutoFit/>
+          </a:bodyPr>
+          <a:lstStyle/>
+          <a:p>
+            <a:pPr algn="ctr"/>
+            <a:fld id="{4ECEE6B5-8CB6-40F7-9C10-5B351414AB6E}" type="slidenum">
+              <a:rPr lang="ru-RU" sz="2400" smtClean="0"/>
+              <a:pPr algn="ctr"/>
+              <a:t>12</a:t>
+            </a:fld>
+            <a:endParaRPr lang="ru-RU" sz="2400" dirty="0"/>
           </a:p>
         </p:txBody>
       </p:sp>
     </p:spTree>
   </p:cSld>
-  <mc:AlternateContent>
+  <p:clrMapOvr>
+    <a:masterClrMapping/>
+  </p:clrMapOvr>
+  <mc:AlternateContent xmlns:mc="http://schemas.openxmlformats.org/markup-compatibility/2006" xmlns:p14="http://schemas.microsoft.com/office/powerpoint/2010/main">
     <mc:Choice Requires="p14">
       <p:transition spd="slow" p14:dur="2000"/>
     </mc:Choice>
-    <mc:Fallback>
+    <mc:Fallback xmlns="" xmlns:p15="http://schemas.microsoft.com/office/powerpoint/2012/main">
       <p:transition spd="slow"/>
     </mc:Fallback>
   </mc:AlternateContent>
@@ -5167,7 +6509,7 @@
 </file>
 
 <file path=ppt/slides/slide2.xml><?xml version="1.0" encoding="utf-8"?>
-<p:sld xmlns:a="http://schemas.openxmlformats.org/drawingml/2006/main" xmlns:p="http://schemas.openxmlformats.org/presentationml/2006/main" xmlns:r="http://schemas.openxmlformats.org/officeDocument/2006/relationships" xmlns:p14="http://schemas.microsoft.com/office/powerpoint/2010/main" xmlns:p15="http://schemas.microsoft.com/office/powerpoint/2012/main" xmlns:mc="http://schemas.openxmlformats.org/markup-compatibility/2006">
+<p:sld xmlns:a="http://schemas.openxmlformats.org/drawingml/2006/main" xmlns:r="http://schemas.openxmlformats.org/officeDocument/2006/relationships" xmlns:p="http://schemas.openxmlformats.org/presentationml/2006/main">
   <p:cSld>
     <p:spTree>
       <p:nvGrpSpPr>
@@ -5185,14 +6527,14 @@
       </p:grpSpPr>
       <p:sp>
         <p:nvSpPr>
-          <p:cNvPr id="86" name="CustomShape 1"/>
+          <p:cNvPr id="3" name="CustomShape 1"/>
           <p:cNvSpPr/>
           <p:nvPr/>
         </p:nvSpPr>
         <p:spPr>
           <a:xfrm>
-            <a:off x="457200" y="288000"/>
-            <a:ext cx="8220960" cy="4517280"/>
+            <a:off x="459540" y="476672"/>
+            <a:ext cx="8224920" cy="4521240"/>
           </a:xfrm>
           <a:prstGeom prst="rect">
             <a:avLst/>
@@ -5203,15 +6545,116 @@
           </a:ln>
         </p:spPr>
         <p:style>
-          <a:lnRef idx="0"/>
-          <a:fillRef idx="0"/>
-          <a:effectRef idx="0"/>
+          <a:lnRef idx="0">
+            <a:scrgbClr r="0" g="0" b="0"/>
+          </a:lnRef>
+          <a:fillRef idx="0">
+            <a:scrgbClr r="0" g="0" b="0"/>
+          </a:fillRef>
+          <a:effectRef idx="0">
+            <a:scrgbClr r="0" g="0" b="0"/>
+          </a:effectRef>
           <a:fontRef idx="minor"/>
         </p:style>
         <p:txBody>
-          <a:bodyPr lIns="90000" rIns="90000" tIns="45000" bIns="45000">
+          <a:bodyPr lIns="90000" tIns="45000" rIns="90000" bIns="45000">
             <a:noAutofit/>
           </a:bodyPr>
+          <a:lstStyle>
+            <a:defPPr>
+              <a:defRPr lang="ru-RU"/>
+            </a:defPPr>
+            <a:lvl1pPr marL="0" algn="l" defTabSz="914400" rtl="0" eaLnBrk="1" latinLnBrk="0" hangingPunct="1">
+              <a:defRPr sz="1800" kern="1200">
+                <a:solidFill>
+                  <a:schemeClr val="tx1"/>
+                </a:solidFill>
+                <a:latin typeface="+mn-lt"/>
+                <a:ea typeface="+mn-ea"/>
+                <a:cs typeface="+mn-cs"/>
+              </a:defRPr>
+            </a:lvl1pPr>
+            <a:lvl2pPr marL="457200" algn="l" defTabSz="914400" rtl="0" eaLnBrk="1" latinLnBrk="0" hangingPunct="1">
+              <a:defRPr sz="1800" kern="1200">
+                <a:solidFill>
+                  <a:schemeClr val="tx1"/>
+                </a:solidFill>
+                <a:latin typeface="+mn-lt"/>
+                <a:ea typeface="+mn-ea"/>
+                <a:cs typeface="+mn-cs"/>
+              </a:defRPr>
+            </a:lvl2pPr>
+            <a:lvl3pPr marL="914400" algn="l" defTabSz="914400" rtl="0" eaLnBrk="1" latinLnBrk="0" hangingPunct="1">
+              <a:defRPr sz="1800" kern="1200">
+                <a:solidFill>
+                  <a:schemeClr val="tx1"/>
+                </a:solidFill>
+                <a:latin typeface="+mn-lt"/>
+                <a:ea typeface="+mn-ea"/>
+                <a:cs typeface="+mn-cs"/>
+              </a:defRPr>
+            </a:lvl3pPr>
+            <a:lvl4pPr marL="1371600" algn="l" defTabSz="914400" rtl="0" eaLnBrk="1" latinLnBrk="0" hangingPunct="1">
+              <a:defRPr sz="1800" kern="1200">
+                <a:solidFill>
+                  <a:schemeClr val="tx1"/>
+                </a:solidFill>
+                <a:latin typeface="+mn-lt"/>
+                <a:ea typeface="+mn-ea"/>
+                <a:cs typeface="+mn-cs"/>
+              </a:defRPr>
+            </a:lvl4pPr>
+            <a:lvl5pPr marL="1828800" algn="l" defTabSz="914400" rtl="0" eaLnBrk="1" latinLnBrk="0" hangingPunct="1">
+              <a:defRPr sz="1800" kern="1200">
+                <a:solidFill>
+                  <a:schemeClr val="tx1"/>
+                </a:solidFill>
+                <a:latin typeface="+mn-lt"/>
+                <a:ea typeface="+mn-ea"/>
+                <a:cs typeface="+mn-cs"/>
+              </a:defRPr>
+            </a:lvl5pPr>
+            <a:lvl6pPr marL="2286000" algn="l" defTabSz="914400" rtl="0" eaLnBrk="1" latinLnBrk="0" hangingPunct="1">
+              <a:defRPr sz="1800" kern="1200">
+                <a:solidFill>
+                  <a:schemeClr val="tx1"/>
+                </a:solidFill>
+                <a:latin typeface="+mn-lt"/>
+                <a:ea typeface="+mn-ea"/>
+                <a:cs typeface="+mn-cs"/>
+              </a:defRPr>
+            </a:lvl6pPr>
+            <a:lvl7pPr marL="2743200" algn="l" defTabSz="914400" rtl="0" eaLnBrk="1" latinLnBrk="0" hangingPunct="1">
+              <a:defRPr sz="1800" kern="1200">
+                <a:solidFill>
+                  <a:schemeClr val="tx1"/>
+                </a:solidFill>
+                <a:latin typeface="+mn-lt"/>
+                <a:ea typeface="+mn-ea"/>
+                <a:cs typeface="+mn-cs"/>
+              </a:defRPr>
+            </a:lvl7pPr>
+            <a:lvl8pPr marL="3200400" algn="l" defTabSz="914400" rtl="0" eaLnBrk="1" latinLnBrk="0" hangingPunct="1">
+              <a:defRPr sz="1800" kern="1200">
+                <a:solidFill>
+                  <a:schemeClr val="tx1"/>
+                </a:solidFill>
+                <a:latin typeface="+mn-lt"/>
+                <a:ea typeface="+mn-ea"/>
+                <a:cs typeface="+mn-cs"/>
+              </a:defRPr>
+            </a:lvl8pPr>
+            <a:lvl9pPr marL="3657600" algn="l" defTabSz="914400" rtl="0" eaLnBrk="1" latinLnBrk="0" hangingPunct="1">
+              <a:defRPr sz="1800" kern="1200">
+                <a:solidFill>
+                  <a:schemeClr val="tx1"/>
+                </a:solidFill>
+                <a:latin typeface="+mn-lt"/>
+                <a:ea typeface="+mn-ea"/>
+                <a:cs typeface="+mn-cs"/>
+              </a:defRPr>
+            </a:lvl9pPr>
+          </a:lstStyle>
           <a:p>
             <a:pPr>
               <a:lnSpc>
@@ -5222,17 +6665,21 @@
               </a:spcBef>
             </a:pPr>
             <a:r>
-              <a:rPr b="0" lang="ru-RU" sz="2400" spc="-1" strike="noStrike">
+              <a:rPr lang="ru-RU" sz="2000" b="0" strike="noStrike" spc="-1" dirty="0">
                 <a:solidFill>
                   <a:srgbClr val="000000"/>
                 </a:solidFill>
                 <a:latin typeface="Calibri"/>
                 <a:ea typeface="DejaVu Sans"/>
               </a:rPr>
-              <a:t>Цель: изучение адаптивных алгоритмов пространственной фильтрации в линейных микрофонных решетках и их моделирование</a:t>
-            </a:r>
-            <a:endParaRPr b="0" lang="ru-RU" sz="2400" spc="-1" strike="noStrike">
-              <a:latin typeface="Arial"/>
+              <a:t>Цель: </a:t>
+            </a:r>
+            <a:endParaRPr lang="ru-RU" sz="2000" b="0" strike="noStrike" spc="-1" dirty="0" smtClean="0">
+              <a:solidFill>
+                <a:srgbClr val="000000"/>
+              </a:solidFill>
+              <a:latin typeface="Calibri"/>
+              <a:ea typeface="DejaVu Sans"/>
             </a:endParaRPr>
           </a:p>
           <a:p>
@@ -5245,16 +6692,24 @@
               </a:spcBef>
             </a:pPr>
             <a:r>
-              <a:rPr b="0" lang="ru-RU" sz="2400" spc="-1" strike="noStrike">
+              <a:rPr lang="ru-RU" sz="2000" spc="-1" dirty="0" smtClean="0">
                 <a:solidFill>
                   <a:srgbClr val="000000"/>
                 </a:solidFill>
                 <a:latin typeface="Calibri"/>
-                <a:ea typeface="DejaVu Sans"/>
-              </a:rPr>
-              <a:t>Задачи: 1)рассмотреть основные подходы пространственной фильтрации</a:t>
-            </a:r>
-            <a:endParaRPr b="0" lang="ru-RU" sz="2400" spc="-1" strike="noStrike">
+              </a:rPr>
+              <a:t>Изучение основ </a:t>
+            </a:r>
+            <a:r>
+              <a:rPr lang="ru-RU" sz="2000" spc="-1" dirty="0" smtClean="0">
+                <a:solidFill>
+                  <a:srgbClr val="000000"/>
+                </a:solidFill>
+                <a:latin typeface="Calibri"/>
+              </a:rPr>
+              <a:t>адаптивной пространственной фильтрации в МР и проверить полученные знания на численном эксперименте</a:t>
+            </a:r>
+            <a:endParaRPr lang="ru-RU" sz="2000" b="0" strike="noStrike" spc="-1" dirty="0">
               <a:latin typeface="Arial"/>
             </a:endParaRPr>
           </a:p>
@@ -5268,27 +6723,21 @@
               </a:spcBef>
             </a:pPr>
             <a:r>
-              <a:rPr b="0" lang="ru-RU" sz="2400" spc="-1" strike="noStrike">
+              <a:rPr lang="ru-RU" sz="2000" b="0" strike="noStrike" spc="-1" dirty="0">
                 <a:solidFill>
                   <a:srgbClr val="000000"/>
                 </a:solidFill>
                 <a:latin typeface="Calibri"/>
                 <a:ea typeface="DejaVu Sans"/>
               </a:rPr>
-              <a:t>               </a:t>
-            </a:r>
-            <a:r>
-              <a:rPr b="0" lang="ru-RU" sz="2400" spc="-1" strike="noStrike">
-                <a:solidFill>
-                  <a:srgbClr val="000000"/>
-                </a:solidFill>
-                <a:latin typeface="Calibri"/>
-                <a:ea typeface="DejaVu Sans"/>
-              </a:rPr>
-              <a:t>2)рассмотреть адаптивные алгоритмы</a:t>
-            </a:r>
-            <a:endParaRPr b="0" lang="ru-RU" sz="2400" spc="-1" strike="noStrike">
-              <a:latin typeface="Arial"/>
+              <a:t>Задачи: </a:t>
+            </a:r>
+            <a:endParaRPr lang="en-US" sz="2000" b="0" strike="noStrike" spc="-1" dirty="0" smtClean="0">
+              <a:solidFill>
+                <a:srgbClr val="000000"/>
+              </a:solidFill>
+              <a:latin typeface="Calibri"/>
+              <a:ea typeface="DejaVu Sans"/>
             </a:endParaRPr>
           </a:p>
           <a:p>
@@ -5301,56 +6750,56 @@
               </a:spcBef>
             </a:pPr>
             <a:r>
-              <a:rPr b="0" lang="ru-RU" sz="2400" spc="-1" strike="noStrike">
+              <a:rPr lang="ru-RU" sz="2000" b="0" strike="noStrike" spc="-1" dirty="0" smtClean="0">
                 <a:solidFill>
                   <a:srgbClr val="000000"/>
                 </a:solidFill>
                 <a:latin typeface="Calibri"/>
                 <a:ea typeface="DejaVu Sans"/>
               </a:rPr>
-              <a:t> </a:t>
-            </a:r>
-            <a:r>
-              <a:rPr b="0" lang="ru-RU" sz="2400" spc="-1" strike="noStrike">
+              <a:t>1</a:t>
+            </a:r>
+            <a:r>
+              <a:rPr lang="ru-RU" sz="2000" b="0" strike="noStrike" spc="-1" dirty="0" smtClean="0">
                 <a:solidFill>
                   <a:srgbClr val="000000"/>
                 </a:solidFill>
                 <a:latin typeface="Calibri"/>
                 <a:ea typeface="DejaVu Sans"/>
               </a:rPr>
-              <a:t>	</a:t>
-            </a:r>
-            <a:r>
-              <a:rPr b="0" lang="ru-RU" sz="2400" spc="-1" strike="noStrike">
+              <a:t>) </a:t>
+            </a:r>
+            <a:r>
+              <a:rPr lang="ru-RU" sz="2000" b="0" strike="noStrike" spc="-1" dirty="0" smtClean="0">
+                <a:solidFill>
+                  <a:srgbClr val="C00000"/>
+                </a:solidFill>
+                <a:latin typeface="Calibri"/>
+                <a:ea typeface="DejaVu Sans"/>
+              </a:rPr>
+              <a:t>Рассмотреть</a:t>
+            </a:r>
+            <a:r>
+              <a:rPr lang="ru-RU" sz="2000" b="0" strike="noStrike" spc="-1" dirty="0" smtClean="0">
                 <a:solidFill>
                   <a:srgbClr val="000000"/>
                 </a:solidFill>
                 <a:latin typeface="Calibri"/>
                 <a:ea typeface="DejaVu Sans"/>
               </a:rPr>
-              <a:t>	</a:t>
-            </a:r>
-            <a:r>
-              <a:rPr b="0" lang="ru-RU" sz="2400" spc="-1" strike="noStrike">
+              <a:t> </a:t>
+            </a:r>
+            <a:r>
+              <a:rPr lang="ru-RU" sz="2000" b="0" strike="noStrike" spc="-1" dirty="0">
                 <a:solidFill>
                   <a:srgbClr val="000000"/>
                 </a:solidFill>
                 <a:latin typeface="Calibri"/>
                 <a:ea typeface="DejaVu Sans"/>
               </a:rPr>
-              <a:t>  </a:t>
-            </a:r>
-            <a:r>
-              <a:rPr b="0" lang="ru-RU" sz="2400" spc="-1" strike="noStrike">
-                <a:solidFill>
-                  <a:srgbClr val="000000"/>
-                </a:solidFill>
-                <a:latin typeface="Calibri"/>
-                <a:ea typeface="DejaVu Sans"/>
-              </a:rPr>
-              <a:t>3)рассмотреть методы формирования луча </a:t>
-            </a:r>
-            <a:endParaRPr b="0" lang="ru-RU" sz="2400" spc="-1" strike="noStrike">
+              <a:t>основные подходы пространственной фильтрации</a:t>
+            </a:r>
+            <a:endParaRPr lang="ru-RU" sz="2000" b="0" strike="noStrike" spc="-1" dirty="0">
               <a:latin typeface="Arial"/>
             </a:endParaRPr>
           </a:p>
@@ -5364,56 +6813,56 @@
               </a:spcBef>
             </a:pPr>
             <a:r>
-              <a:rPr b="0" lang="ru-RU" sz="2400" spc="-1" strike="noStrike">
+              <a:rPr lang="ru-RU" sz="2000" b="0" strike="noStrike" spc="-1" dirty="0" smtClean="0">
                 <a:solidFill>
                   <a:srgbClr val="000000"/>
                 </a:solidFill>
                 <a:latin typeface="Calibri"/>
                 <a:ea typeface="DejaVu Sans"/>
               </a:rPr>
-              <a:t> </a:t>
-            </a:r>
-            <a:r>
-              <a:rPr b="0" lang="ru-RU" sz="2400" spc="-1" strike="noStrike">
+              <a:t>2</a:t>
+            </a:r>
+            <a:r>
+              <a:rPr lang="ru-RU" sz="2000" b="0" strike="noStrike" spc="-1" dirty="0" smtClean="0">
                 <a:solidFill>
                   <a:srgbClr val="000000"/>
                 </a:solidFill>
                 <a:latin typeface="Calibri"/>
                 <a:ea typeface="DejaVu Sans"/>
               </a:rPr>
-              <a:t>	</a:t>
-            </a:r>
-            <a:r>
-              <a:rPr b="0" lang="ru-RU" sz="2400" spc="-1" strike="noStrike">
+              <a:t>) </a:t>
+            </a:r>
+            <a:r>
+              <a:rPr lang="ru-RU" sz="2000" b="0" strike="noStrike" spc="-1" dirty="0" smtClean="0">
+                <a:solidFill>
+                  <a:srgbClr val="C00000"/>
+                </a:solidFill>
+                <a:latin typeface="Calibri"/>
+                <a:ea typeface="DejaVu Sans"/>
+              </a:rPr>
+              <a:t>Рассмотреть</a:t>
+            </a:r>
+            <a:r>
+              <a:rPr lang="ru-RU" sz="2000" b="0" strike="noStrike" spc="-1" dirty="0" smtClean="0">
                 <a:solidFill>
                   <a:srgbClr val="000000"/>
                 </a:solidFill>
                 <a:latin typeface="Calibri"/>
                 <a:ea typeface="DejaVu Sans"/>
               </a:rPr>
-              <a:t>	</a:t>
-            </a:r>
-            <a:r>
-              <a:rPr b="0" lang="ru-RU" sz="2400" spc="-1" strike="noStrike">
+              <a:t> </a:t>
+            </a:r>
+            <a:r>
+              <a:rPr lang="ru-RU" sz="2000" b="0" strike="noStrike" spc="-1" dirty="0">
                 <a:solidFill>
                   <a:srgbClr val="000000"/>
                 </a:solidFill>
                 <a:latin typeface="Calibri"/>
                 <a:ea typeface="DejaVu Sans"/>
               </a:rPr>
-              <a:t>  </a:t>
-            </a:r>
-            <a:r>
-              <a:rPr b="0" lang="ru-RU" sz="2400" spc="-1" strike="noStrike">
-                <a:solidFill>
-                  <a:srgbClr val="000000"/>
-                </a:solidFill>
-                <a:latin typeface="Calibri"/>
-                <a:ea typeface="DejaVu Sans"/>
-              </a:rPr>
-              <a:t>4)смоделировать приём сигнала на микрофонную решетку с последующей фильтрацией</a:t>
-            </a:r>
-            <a:endParaRPr b="0" lang="ru-RU" sz="2400" spc="-1" strike="noStrike">
+              <a:t>адаптивные алгоритмы</a:t>
+            </a:r>
+            <a:endParaRPr lang="ru-RU" sz="2000" b="0" strike="noStrike" spc="-1" dirty="0">
               <a:latin typeface="Arial"/>
             </a:endParaRPr>
           </a:p>
@@ -5427,56 +6876,56 @@
               </a:spcBef>
             </a:pPr>
             <a:r>
-              <a:rPr b="0" lang="ru-RU" sz="2400" spc="-1" strike="noStrike">
+              <a:rPr lang="ru-RU" sz="2000" b="0" strike="noStrike" spc="-1" dirty="0" smtClean="0">
                 <a:solidFill>
                   <a:srgbClr val="000000"/>
                 </a:solidFill>
                 <a:latin typeface="Calibri"/>
                 <a:ea typeface="DejaVu Sans"/>
               </a:rPr>
-              <a:t> </a:t>
-            </a:r>
-            <a:r>
-              <a:rPr b="0" lang="ru-RU" sz="2400" spc="-1" strike="noStrike">
+              <a:t>3</a:t>
+            </a:r>
+            <a:r>
+              <a:rPr lang="ru-RU" sz="2000" b="0" strike="noStrike" spc="-1" dirty="0" smtClean="0">
                 <a:solidFill>
                   <a:srgbClr val="000000"/>
                 </a:solidFill>
                 <a:latin typeface="Calibri"/>
                 <a:ea typeface="DejaVu Sans"/>
               </a:rPr>
-              <a:t>	</a:t>
-            </a:r>
-            <a:r>
-              <a:rPr b="0" lang="ru-RU" sz="2400" spc="-1" strike="noStrike">
+              <a:t>) </a:t>
+            </a:r>
+            <a:r>
+              <a:rPr lang="ru-RU" sz="2000" b="0" strike="noStrike" spc="-1" dirty="0" smtClean="0">
+                <a:solidFill>
+                  <a:srgbClr val="C00000"/>
+                </a:solidFill>
+                <a:latin typeface="Calibri"/>
+                <a:ea typeface="DejaVu Sans"/>
+              </a:rPr>
+              <a:t>Рассмотреть</a:t>
+            </a:r>
+            <a:r>
+              <a:rPr lang="ru-RU" sz="2000" b="0" strike="noStrike" spc="-1" dirty="0" smtClean="0">
                 <a:solidFill>
                   <a:srgbClr val="000000"/>
                 </a:solidFill>
                 <a:latin typeface="Calibri"/>
                 <a:ea typeface="DejaVu Sans"/>
               </a:rPr>
-              <a:t>	</a:t>
-            </a:r>
-            <a:r>
-              <a:rPr b="0" lang="ru-RU" sz="2400" spc="-1" strike="noStrike">
+              <a:t> </a:t>
+            </a:r>
+            <a:r>
+              <a:rPr lang="ru-RU" sz="2000" b="0" strike="noStrike" spc="-1" dirty="0">
                 <a:solidFill>
                   <a:srgbClr val="000000"/>
                 </a:solidFill>
                 <a:latin typeface="Calibri"/>
                 <a:ea typeface="DejaVu Sans"/>
               </a:rPr>
-              <a:t>  </a:t>
-            </a:r>
-            <a:r>
-              <a:rPr b="0" lang="ru-RU" sz="2400" spc="-1" strike="noStrike">
-                <a:solidFill>
-                  <a:srgbClr val="000000"/>
-                </a:solidFill>
-                <a:latin typeface="Calibri"/>
-                <a:ea typeface="DejaVu Sans"/>
-              </a:rPr>
-              <a:t>5)изучить литературу по данной теме</a:t>
-            </a:r>
-            <a:endParaRPr b="0" lang="ru-RU" sz="2400" spc="-1" strike="noStrike">
+              <a:t>методы формирования луча </a:t>
+            </a:r>
+            <a:endParaRPr lang="ru-RU" sz="2000" b="0" strike="noStrike" spc="-1" dirty="0">
               <a:latin typeface="Arial"/>
             </a:endParaRPr>
           </a:p>
@@ -5489,27 +6938,109 @@
                 <a:spcPts val="641"/>
               </a:spcBef>
             </a:pPr>
-            <a:endParaRPr b="0" lang="ru-RU" sz="2400" spc="-1" strike="noStrike">
-              <a:latin typeface="Arial"/>
-            </a:endParaRPr>
+            <a:r>
+              <a:rPr lang="ru-RU" sz="2000" b="0" strike="noStrike" spc="-1" dirty="0" smtClean="0">
+                <a:solidFill>
+                  <a:srgbClr val="000000"/>
+                </a:solidFill>
+                <a:latin typeface="Calibri"/>
+                <a:ea typeface="DejaVu Sans"/>
+              </a:rPr>
+              <a:t>4</a:t>
+            </a:r>
+            <a:r>
+              <a:rPr lang="ru-RU" sz="2000" b="0" strike="noStrike" spc="-1" dirty="0" smtClean="0">
+                <a:solidFill>
+                  <a:srgbClr val="000000"/>
+                </a:solidFill>
+                <a:latin typeface="Calibri"/>
+                <a:ea typeface="DejaVu Sans"/>
+              </a:rPr>
+              <a:t>) Смоделировать </a:t>
+            </a:r>
+            <a:r>
+              <a:rPr lang="ru-RU" sz="2000" b="0" strike="noStrike" spc="-1" dirty="0">
+                <a:solidFill>
+                  <a:srgbClr val="000000"/>
+                </a:solidFill>
+                <a:latin typeface="Calibri"/>
+                <a:ea typeface="DejaVu Sans"/>
+              </a:rPr>
+              <a:t>приём сигнала на МР с последующей </a:t>
+            </a:r>
+            <a:r>
+              <a:rPr lang="ru-RU" sz="2000" b="0" strike="noStrike" spc="-1" dirty="0" smtClean="0">
+                <a:solidFill>
+                  <a:srgbClr val="000000"/>
+                </a:solidFill>
+                <a:latin typeface="Calibri"/>
+                <a:ea typeface="DejaVu Sans"/>
+              </a:rPr>
+              <a:t>фильтрацией</a:t>
+            </a:r>
+            <a:endParaRPr lang="ru-RU" sz="2000" b="0" strike="noStrike" spc="-1" dirty="0">
+              <a:latin typeface="Arial"/>
+            </a:endParaRPr>
+          </a:p>
+        </p:txBody>
+      </p:sp>
+      <p:sp>
+        <p:nvSpPr>
+          <p:cNvPr id="2" name="TextBox 1"/>
+          <p:cNvSpPr txBox="1"/>
+          <p:nvPr/>
+        </p:nvSpPr>
+        <p:spPr>
+          <a:xfrm>
+            <a:off x="8460432" y="0"/>
+            <a:ext cx="683568" cy="461665"/>
+          </a:xfrm>
+          <a:prstGeom prst="rect">
+            <a:avLst/>
+          </a:prstGeom>
+          <a:noFill/>
+        </p:spPr>
+        <p:txBody>
+          <a:bodyPr wrap="square" rtlCol="0">
+            <a:spAutoFit/>
+          </a:bodyPr>
+          <a:lstStyle/>
+          <a:p>
+            <a:pPr algn="ctr"/>
+            <a:fld id="{4ECEE6B5-8CB6-40F7-9C10-5B351414AB6E}" type="slidenum">
+              <a:rPr lang="ru-RU" sz="2400" smtClean="0"/>
+              <a:pPr algn="ctr"/>
+              <a:t>2</a:t>
+            </a:fld>
+            <a:endParaRPr lang="ru-RU" sz="2400" dirty="0"/>
           </a:p>
         </p:txBody>
       </p:sp>
     </p:spTree>
   </p:cSld>
-  <mc:AlternateContent>
+  <p:clrMapOvr>
+    <a:masterClrMapping/>
+  </p:clrMapOvr>
+  <mc:AlternateContent xmlns:mc="http://schemas.openxmlformats.org/markup-compatibility/2006" xmlns:p14="http://schemas.microsoft.com/office/powerpoint/2010/main">
     <mc:Choice Requires="p14">
       <p:transition spd="slow" p14:dur="2000"/>
     </mc:Choice>
-    <mc:Fallback>
+    <mc:Fallback xmlns="" xmlns:p15="http://schemas.microsoft.com/office/powerpoint/2012/main">
       <p:transition spd="slow"/>
     </mc:Fallback>
   </mc:AlternateContent>
+  <p:timing>
+    <p:tnLst>
+      <p:par>
+        <p:cTn id="1" dur="indefinite" restart="never" nodeType="tmRoot"/>
+      </p:par>
+    </p:tnLst>
+  </p:timing>
 </p:sld>
 </file>
 
 <file path=ppt/slides/slide3.xml><?xml version="1.0" encoding="utf-8"?>
-<p:sld xmlns:a="http://schemas.openxmlformats.org/drawingml/2006/main" xmlns:p="http://schemas.openxmlformats.org/presentationml/2006/main" xmlns:r="http://schemas.openxmlformats.org/officeDocument/2006/relationships" xmlns:p14="http://schemas.microsoft.com/office/powerpoint/2010/main" xmlns:p15="http://schemas.microsoft.com/office/powerpoint/2012/main" xmlns:mc="http://schemas.openxmlformats.org/markup-compatibility/2006">
+<p:sld xmlns:a="http://schemas.openxmlformats.org/drawingml/2006/main" xmlns:r="http://schemas.openxmlformats.org/officeDocument/2006/relationships" xmlns:p="http://schemas.openxmlformats.org/presentationml/2006/main">
   <p:cSld>
     <p:spTree>
       <p:nvGrpSpPr>
@@ -5545,15 +7076,22 @@
           </a:ln>
         </p:spPr>
         <p:style>
-          <a:lnRef idx="0"/>
-          <a:fillRef idx="0"/>
-          <a:effectRef idx="0"/>
+          <a:lnRef idx="0">
+            <a:scrgbClr r="0" g="0" b="0"/>
+          </a:lnRef>
+          <a:fillRef idx="0">
+            <a:scrgbClr r="0" g="0" b="0"/>
+          </a:fillRef>
+          <a:effectRef idx="0">
+            <a:scrgbClr r="0" g="0" b="0"/>
+          </a:effectRef>
           <a:fontRef idx="minor"/>
         </p:style>
         <p:txBody>
-          <a:bodyPr lIns="90000" rIns="90000" tIns="45000" bIns="45000" anchor="ctr">
+          <a:bodyPr lIns="90000" tIns="45000" rIns="90000" bIns="45000" anchor="ctr">
             <a:noAutofit/>
           </a:bodyPr>
+          <a:lstStyle/>
           <a:p>
             <a:pPr algn="ctr">
               <a:lnSpc>
@@ -5561,7 +7099,7 @@
               </a:lnSpc>
             </a:pPr>
             <a:r>
-              <a:rPr b="0" lang="ru-RU" sz="4400" spc="-1" strike="noStrike">
+              <a:rPr lang="ru-RU" sz="4400" b="0" strike="noStrike" spc="-1" dirty="0">
                 <a:solidFill>
                   <a:srgbClr val="000000"/>
                 </a:solidFill>
@@ -5570,22 +7108,22 @@
               </a:rPr>
               <a:t>Применение</a:t>
             </a:r>
-            <a:endParaRPr b="0" lang="ru-RU" sz="4400" spc="-1" strike="noStrike">
-              <a:latin typeface="Arial"/>
-            </a:endParaRPr>
-          </a:p>
-        </p:txBody>
-      </p:sp>
-      <p:sp>
-        <p:nvSpPr>
-          <p:cNvPr id="88" name="CustomShape 2"/>
+            <a:endParaRPr lang="ru-RU" sz="4400" b="0" strike="noStrike" spc="-1" dirty="0">
+              <a:latin typeface="Arial"/>
+            </a:endParaRPr>
+          </a:p>
+        </p:txBody>
+      </p:sp>
+      <p:sp>
+        <p:nvSpPr>
+          <p:cNvPr id="92" name="CustomShape 3"/>
           <p:cNvSpPr/>
           <p:nvPr/>
         </p:nvSpPr>
         <p:spPr>
           <a:xfrm>
-            <a:off x="338760" y="1450440"/>
-            <a:ext cx="8220960" cy="4517280"/>
+            <a:off x="457200" y="5798064"/>
+            <a:ext cx="2416680" cy="343440"/>
           </a:xfrm>
           <a:prstGeom prst="rect">
             <a:avLst/>
@@ -5596,118 +7134,30 @@
           </a:ln>
         </p:spPr>
         <p:style>
-          <a:lnRef idx="0"/>
-          <a:fillRef idx="0"/>
-          <a:effectRef idx="0"/>
+          <a:lnRef idx="0">
+            <a:scrgbClr r="0" g="0" b="0"/>
+          </a:lnRef>
+          <a:fillRef idx="0">
+            <a:scrgbClr r="0" g="0" b="0"/>
+          </a:fillRef>
+          <a:effectRef idx="0">
+            <a:scrgbClr r="0" g="0" b="0"/>
+          </a:effectRef>
           <a:fontRef idx="minor"/>
         </p:style>
-      </p:sp>
-      <p:pic>
-        <p:nvPicPr>
-          <p:cNvPr id="89" name="" descr=""/>
-          <p:cNvPicPr/>
-          <p:nvPr/>
-        </p:nvPicPr>
-        <p:blipFill>
-          <a:blip r:embed="rId1"/>
-          <a:stretch/>
-        </p:blipFill>
-        <p:spPr>
-          <a:xfrm>
-            <a:off x="363600" y="1815120"/>
-            <a:ext cx="2225520" cy="2502000"/>
-          </a:xfrm>
-          <a:prstGeom prst="rect">
-            <a:avLst/>
-          </a:prstGeom>
-          <a:ln>
-            <a:noFill/>
-          </a:ln>
-        </p:spPr>
-      </p:pic>
-      <p:pic>
-        <p:nvPicPr>
-          <p:cNvPr id="90" name="" descr=""/>
-          <p:cNvPicPr/>
-          <p:nvPr/>
-        </p:nvPicPr>
-        <p:blipFill>
-          <a:blip r:embed="rId2"/>
-          <a:stretch/>
-        </p:blipFill>
-        <p:spPr>
-          <a:xfrm>
-            <a:off x="2808000" y="1759680"/>
-            <a:ext cx="3355200" cy="2557440"/>
-          </a:xfrm>
-          <a:prstGeom prst="rect">
-            <a:avLst/>
-          </a:prstGeom>
-          <a:ln>
-            <a:noFill/>
-          </a:ln>
-        </p:spPr>
-      </p:pic>
-      <p:pic>
-        <p:nvPicPr>
-          <p:cNvPr id="91" name="" descr=""/>
-          <p:cNvPicPr/>
-          <p:nvPr/>
-        </p:nvPicPr>
-        <p:blipFill>
-          <a:blip r:embed="rId3"/>
-          <a:stretch/>
-        </p:blipFill>
-        <p:spPr>
-          <a:xfrm>
-            <a:off x="6336000" y="1728000"/>
-            <a:ext cx="2733120" cy="2733120"/>
-          </a:xfrm>
-          <a:prstGeom prst="rect">
-            <a:avLst/>
-          </a:prstGeom>
-          <a:ln>
-            <a:noFill/>
-          </a:ln>
-        </p:spPr>
-      </p:pic>
-      <p:sp>
-        <p:nvSpPr>
-          <p:cNvPr id="92" name="CustomShape 3"/>
-          <p:cNvSpPr/>
-          <p:nvPr/>
-        </p:nvSpPr>
-        <p:spPr>
-          <a:xfrm>
-            <a:off x="266400" y="4536000"/>
-            <a:ext cx="2416680" cy="343440"/>
-          </a:xfrm>
-          <a:prstGeom prst="rect">
-            <a:avLst/>
-          </a:prstGeom>
-          <a:noFill/>
-          <a:ln>
-            <a:noFill/>
-          </a:ln>
-        </p:spPr>
-        <p:style>
-          <a:lnRef idx="0"/>
-          <a:fillRef idx="0"/>
-          <a:effectRef idx="0"/>
-          <a:fontRef idx="minor"/>
-        </p:style>
-        <p:txBody>
-          <a:bodyPr lIns="90000" rIns="90000" tIns="45000" bIns="45000">
+        <p:txBody>
+          <a:bodyPr lIns="90000" tIns="45000" rIns="90000" bIns="45000">
             <a:noAutofit/>
           </a:bodyPr>
-          <a:p>
-            <a:pPr>
+          <a:lstStyle/>
+          <a:p>
+            <a:pPr algn="ctr">
               <a:lnSpc>
                 <a:spcPct val="100000"/>
               </a:lnSpc>
             </a:pPr>
             <a:r>
-              <a:rPr b="0" lang="ru-RU" sz="1800" spc="-1" strike="noStrike">
+              <a:rPr lang="ru-RU" sz="1800" b="0" strike="noStrike" spc="-1" dirty="0">
                 <a:solidFill>
                   <a:srgbClr val="000000"/>
                 </a:solidFill>
@@ -5716,7 +7166,7 @@
               </a:rPr>
               <a:t>Система «Бумеранг»</a:t>
             </a:r>
-            <a:endParaRPr b="0" lang="ru-RU" sz="1800" spc="-1" strike="noStrike">
+            <a:endParaRPr lang="ru-RU" sz="1800" b="0" strike="noStrike" spc="-1" dirty="0">
               <a:latin typeface="Arial"/>
             </a:endParaRPr>
           </a:p>
@@ -5730,7 +7180,7 @@
         </p:nvSpPr>
         <p:spPr>
           <a:xfrm>
-            <a:off x="3168000" y="4549680"/>
+            <a:off x="2949120" y="5954026"/>
             <a:ext cx="3237120" cy="343440"/>
           </a:xfrm>
           <a:prstGeom prst="rect">
@@ -5742,23 +7192,30 @@
           </a:ln>
         </p:spPr>
         <p:style>
-          <a:lnRef idx="0"/>
-          <a:fillRef idx="0"/>
-          <a:effectRef idx="0"/>
+          <a:lnRef idx="0">
+            <a:scrgbClr r="0" g="0" b="0"/>
+          </a:lnRef>
+          <a:fillRef idx="0">
+            <a:scrgbClr r="0" g="0" b="0"/>
+          </a:fillRef>
+          <a:effectRef idx="0">
+            <a:scrgbClr r="0" g="0" b="0"/>
+          </a:effectRef>
           <a:fontRef idx="minor"/>
         </p:style>
         <p:txBody>
-          <a:bodyPr lIns="90000" rIns="90000" tIns="45000" bIns="45000">
+          <a:bodyPr lIns="90000" tIns="45000" rIns="90000" bIns="45000">
             <a:noAutofit/>
           </a:bodyPr>
-          <a:p>
-            <a:pPr>
+          <a:lstStyle/>
+          <a:p>
+            <a:pPr algn="ctr">
               <a:lnSpc>
                 <a:spcPct val="100000"/>
               </a:lnSpc>
             </a:pPr>
             <a:r>
-              <a:rPr b="0" lang="ru-RU" sz="1800" spc="-1" strike="noStrike">
+              <a:rPr lang="ru-RU" sz="1800" b="0" strike="noStrike" spc="-1" dirty="0">
                 <a:solidFill>
                   <a:srgbClr val="000000"/>
                 </a:solidFill>
@@ -5767,22 +7224,151 @@
               </a:rPr>
               <a:t>Система «SENTRI»</a:t>
             </a:r>
-            <a:endParaRPr b="0" lang="ru-RU" sz="1800" spc="-1" strike="noStrike">
-              <a:latin typeface="Arial"/>
-            </a:endParaRPr>
-          </a:p>
-        </p:txBody>
-      </p:sp>
-      <p:sp>
-        <p:nvSpPr>
-          <p:cNvPr id="94" name="CustomShape 5"/>
+            <a:endParaRPr lang="ru-RU" sz="1800" b="0" strike="noStrike" spc="-1" dirty="0">
+              <a:latin typeface="Arial"/>
+            </a:endParaRPr>
+          </a:p>
+        </p:txBody>
+      </p:sp>
+      <p:pic>
+        <p:nvPicPr>
+          <p:cNvPr id="2" name="Рисунок 1"/>
+          <p:cNvPicPr>
+            <a:picLocks noChangeAspect="1"/>
+          </p:cNvPicPr>
+          <p:nvPr/>
+        </p:nvPicPr>
+        <p:blipFill>
+          <a:blip r:embed="rId3" cstate="print">
+            <a:extLst>
+              <a:ext uri="{28A0092B-C50C-407E-A947-70E740481C1C}">
+                <a14:useLocalDpi xmlns:a14="http://schemas.microsoft.com/office/drawing/2010/main" val="0"/>
+              </a:ext>
+            </a:extLst>
+          </a:blip>
+          <a:stretch>
+            <a:fillRect/>
+          </a:stretch>
+        </p:blipFill>
+        <p:spPr>
+          <a:xfrm>
+            <a:off x="3563887" y="1450440"/>
+            <a:ext cx="1575349" cy="2453613"/>
+          </a:xfrm>
+          <a:prstGeom prst="rect">
+            <a:avLst/>
+          </a:prstGeom>
+        </p:spPr>
+      </p:pic>
+      <p:pic>
+        <p:nvPicPr>
+          <p:cNvPr id="3" name="Рисунок 2"/>
+          <p:cNvPicPr>
+            <a:picLocks noChangeAspect="1"/>
+          </p:cNvPicPr>
+          <p:nvPr/>
+        </p:nvPicPr>
+        <p:blipFill>
+          <a:blip r:embed="rId4" cstate="print">
+            <a:extLst>
+              <a:ext uri="{28A0092B-C50C-407E-A947-70E740481C1C}">
+                <a14:useLocalDpi xmlns:a14="http://schemas.microsoft.com/office/drawing/2010/main" val="0"/>
+              </a:ext>
+            </a:extLst>
+          </a:blip>
+          <a:stretch>
+            <a:fillRect/>
+          </a:stretch>
+        </p:blipFill>
+        <p:spPr>
+          <a:xfrm>
+            <a:off x="216393" y="1844824"/>
+            <a:ext cx="2987455" cy="2020437"/>
+          </a:xfrm>
+          <a:prstGeom prst="rect">
+            <a:avLst/>
+          </a:prstGeom>
+        </p:spPr>
+      </p:pic>
+      <p:pic>
+        <p:nvPicPr>
+          <p:cNvPr id="89" name="Рисунок 88"/>
+          <p:cNvPicPr/>
+          <p:nvPr/>
+        </p:nvPicPr>
+        <p:blipFill>
+          <a:blip r:embed="rId5"/>
+          <a:stretch/>
+        </p:blipFill>
+        <p:spPr>
+          <a:xfrm>
+            <a:off x="1307447" y="3618366"/>
+            <a:ext cx="1632043" cy="1917352"/>
+          </a:xfrm>
+          <a:prstGeom prst="rect">
+            <a:avLst/>
+          </a:prstGeom>
+          <a:ln>
+            <a:noFill/>
+          </a:ln>
+        </p:spPr>
+      </p:pic>
+      <p:pic>
+        <p:nvPicPr>
+          <p:cNvPr id="90" name="Рисунок 89"/>
+          <p:cNvPicPr/>
+          <p:nvPr/>
+        </p:nvPicPr>
+        <p:blipFill>
+          <a:blip r:embed="rId6"/>
+          <a:stretch/>
+        </p:blipFill>
+        <p:spPr>
+          <a:xfrm>
+            <a:off x="3707904" y="3835002"/>
+            <a:ext cx="2231440" cy="1739310"/>
+          </a:xfrm>
+          <a:prstGeom prst="rect">
+            <a:avLst/>
+          </a:prstGeom>
+          <a:ln>
+            <a:noFill/>
+          </a:ln>
+        </p:spPr>
+      </p:pic>
+      <p:pic>
+        <p:nvPicPr>
+          <p:cNvPr id="13" name="Рисунок 12"/>
+          <p:cNvPicPr/>
+          <p:nvPr/>
+        </p:nvPicPr>
+        <p:blipFill>
+          <a:blip r:embed="rId7"/>
+          <a:stretch/>
+        </p:blipFill>
+        <p:spPr>
+          <a:xfrm>
+            <a:off x="6243762" y="2468442"/>
+            <a:ext cx="2733120" cy="2733120"/>
+          </a:xfrm>
+          <a:prstGeom prst="rect">
+            <a:avLst/>
+          </a:prstGeom>
+          <a:ln>
+            <a:noFill/>
+          </a:ln>
+        </p:spPr>
+      </p:pic>
+      <p:sp>
+        <p:nvSpPr>
+          <p:cNvPr id="14" name="CustomShape 5"/>
           <p:cNvSpPr/>
           <p:nvPr/>
         </p:nvSpPr>
         <p:spPr>
           <a:xfrm>
-            <a:off x="6048000" y="4464000"/>
-            <a:ext cx="3093120" cy="1111320"/>
+            <a:off x="5994620" y="5754130"/>
+            <a:ext cx="3093120" cy="743232"/>
           </a:xfrm>
           <a:prstGeom prst="rect">
             <a:avLst/>
@@ -5793,26 +7379,33 @@
           </a:ln>
         </p:spPr>
         <p:style>
-          <a:lnRef idx="0"/>
-          <a:fillRef idx="0"/>
-          <a:effectRef idx="0"/>
+          <a:lnRef idx="0">
+            <a:scrgbClr r="0" g="0" b="0"/>
+          </a:lnRef>
+          <a:fillRef idx="0">
+            <a:scrgbClr r="0" g="0" b="0"/>
+          </a:fillRef>
+          <a:effectRef idx="0">
+            <a:scrgbClr r="0" g="0" b="0"/>
+          </a:effectRef>
           <a:fontRef idx="minor"/>
         </p:style>
         <p:txBody>
-          <a:bodyPr lIns="90000" rIns="90000" tIns="45000" bIns="45000">
+          <a:bodyPr lIns="90000" tIns="45000" rIns="90000" bIns="45000">
             <a:noAutofit/>
           </a:bodyPr>
+          <a:lstStyle/>
           <a:p>
             <a:pPr algn="ctr">
               <a:lnSpc>
                 <a:spcPct val="100000"/>
               </a:lnSpc>
               <a:tabLst>
-                <a:tab algn="l" pos="408240"/>
+                <a:tab pos="408240" algn="l"/>
               </a:tabLst>
             </a:pPr>
             <a:r>
-              <a:rPr b="0" lang="ru-RU" sz="1800" spc="-1" strike="noStrike">
+              <a:rPr lang="ru-RU" sz="1800" b="0" strike="noStrike" spc="-1" dirty="0">
                 <a:solidFill>
                   <a:srgbClr val="000000"/>
                 </a:solidFill>
@@ -5821,27 +7414,69 @@
               </a:rPr>
               <a:t>Микрофонная решетка для объёмной записи звука</a:t>
             </a:r>
-            <a:endParaRPr b="0" lang="ru-RU" sz="1800" spc="-1" strike="noStrike">
-              <a:latin typeface="Arial"/>
-            </a:endParaRPr>
+            <a:endParaRPr lang="ru-RU" sz="1800" b="0" strike="noStrike" spc="-1" dirty="0">
+              <a:latin typeface="Arial"/>
+            </a:endParaRPr>
+          </a:p>
+        </p:txBody>
+      </p:sp>
+      <p:sp>
+        <p:nvSpPr>
+          <p:cNvPr id="11" name="TextBox 10"/>
+          <p:cNvSpPr txBox="1"/>
+          <p:nvPr/>
+        </p:nvSpPr>
+        <p:spPr>
+          <a:xfrm>
+            <a:off x="8460432" y="0"/>
+            <a:ext cx="683568" cy="461665"/>
+          </a:xfrm>
+          <a:prstGeom prst="rect">
+            <a:avLst/>
+          </a:prstGeom>
+          <a:noFill/>
+        </p:spPr>
+        <p:txBody>
+          <a:bodyPr wrap="square" rtlCol="0">
+            <a:spAutoFit/>
+          </a:bodyPr>
+          <a:lstStyle/>
+          <a:p>
+            <a:pPr algn="ctr"/>
+            <a:fld id="{4ECEE6B5-8CB6-40F7-9C10-5B351414AB6E}" type="slidenum">
+              <a:rPr lang="ru-RU" sz="2400" smtClean="0"/>
+              <a:pPr algn="ctr"/>
+              <a:t>3</a:t>
+            </a:fld>
+            <a:endParaRPr lang="ru-RU" sz="2400" dirty="0"/>
           </a:p>
         </p:txBody>
       </p:sp>
     </p:spTree>
   </p:cSld>
-  <mc:AlternateContent>
+  <p:clrMapOvr>
+    <a:masterClrMapping/>
+  </p:clrMapOvr>
+  <mc:AlternateContent xmlns:mc="http://schemas.openxmlformats.org/markup-compatibility/2006" xmlns:p14="http://schemas.microsoft.com/office/powerpoint/2010/main">
     <mc:Choice Requires="p14">
       <p:transition spd="slow" p14:dur="2000"/>
     </mc:Choice>
-    <mc:Fallback>
+    <mc:Fallback xmlns="" xmlns:p15="http://schemas.microsoft.com/office/powerpoint/2012/main">
       <p:transition spd="slow"/>
     </mc:Fallback>
   </mc:AlternateContent>
+  <p:timing>
+    <p:tnLst>
+      <p:par>
+        <p:cTn id="1" dur="indefinite" restart="never" nodeType="tmRoot"/>
+      </p:par>
+    </p:tnLst>
+  </p:timing>
 </p:sld>
 </file>
 
 <file path=ppt/slides/slide4.xml><?xml version="1.0" encoding="utf-8"?>
-<p:sld xmlns:a="http://schemas.openxmlformats.org/drawingml/2006/main" xmlns:p="http://schemas.openxmlformats.org/presentationml/2006/main" xmlns:r="http://schemas.openxmlformats.org/officeDocument/2006/relationships" xmlns:p14="http://schemas.microsoft.com/office/powerpoint/2010/main" xmlns:p15="http://schemas.microsoft.com/office/powerpoint/2012/main" xmlns:mc="http://schemas.openxmlformats.org/markup-compatibility/2006">
+<p:sld xmlns:a="http://schemas.openxmlformats.org/drawingml/2006/main" xmlns:r="http://schemas.openxmlformats.org/officeDocument/2006/relationships" xmlns:p="http://schemas.openxmlformats.org/presentationml/2006/main">
   <p:cSld>
     <p:spTree>
       <p:nvGrpSpPr>
@@ -5877,15 +7512,22 @@
           </a:ln>
         </p:spPr>
         <p:style>
-          <a:lnRef idx="0"/>
-          <a:fillRef idx="0"/>
-          <a:effectRef idx="0"/>
+          <a:lnRef idx="0">
+            <a:scrgbClr r="0" g="0" b="0"/>
+          </a:lnRef>
+          <a:fillRef idx="0">
+            <a:scrgbClr r="0" g="0" b="0"/>
+          </a:fillRef>
+          <a:effectRef idx="0">
+            <a:scrgbClr r="0" g="0" b="0"/>
+          </a:effectRef>
           <a:fontRef idx="minor"/>
         </p:style>
         <p:txBody>
-          <a:bodyPr lIns="90000" rIns="90000" tIns="45000" bIns="45000" anchor="ctr">
+          <a:bodyPr lIns="90000" tIns="45000" rIns="90000" bIns="45000" anchor="ctr">
             <a:noAutofit/>
           </a:bodyPr>
+          <a:lstStyle/>
           <a:p>
             <a:pPr algn="ctr">
               <a:lnSpc>
@@ -5893,7 +7535,7 @@
               </a:lnSpc>
             </a:pPr>
             <a:r>
-              <a:rPr b="0" lang="ru-RU" sz="4400" spc="-1" strike="noStrike">
+              <a:rPr lang="ru-RU" sz="4400" b="0" strike="noStrike" spc="-1" dirty="0">
                 <a:solidFill>
                   <a:srgbClr val="000000"/>
                 </a:solidFill>
@@ -5902,7 +7544,7 @@
               </a:rPr>
               <a:t>Формирователи луча</a:t>
             </a:r>
-            <a:endParaRPr b="0" lang="ru-RU" sz="4400" spc="-1" strike="noStrike">
+            <a:endParaRPr lang="ru-RU" sz="4400" b="0" strike="noStrike" spc="-1" dirty="0">
               <a:latin typeface="Arial"/>
             </a:endParaRPr>
           </a:p>
@@ -5928,9 +7570,15 @@
           </a:ln>
         </p:spPr>
         <p:style>
-          <a:lnRef idx="0"/>
-          <a:fillRef idx="0"/>
-          <a:effectRef idx="0"/>
+          <a:lnRef idx="0">
+            <a:scrgbClr r="0" g="0" b="0"/>
+          </a:lnRef>
+          <a:fillRef idx="0">
+            <a:scrgbClr r="0" g="0" b="0"/>
+          </a:fillRef>
+          <a:effectRef idx="0">
+            <a:scrgbClr r="0" g="0" b="0"/>
+          </a:effectRef>
           <a:fontRef idx="minor"/>
         </p:style>
       </p:sp>
@@ -5942,7 +7590,7 @@
         </p:nvSpPr>
         <p:spPr>
           <a:xfrm>
-            <a:off x="360000" y="4968000"/>
+            <a:off x="381420" y="1997072"/>
             <a:ext cx="3885480" cy="343800"/>
           </a:xfrm>
           <a:prstGeom prst="rect">
@@ -5954,15 +7602,22 @@
           </a:ln>
         </p:spPr>
         <p:style>
-          <a:lnRef idx="0"/>
-          <a:fillRef idx="0"/>
-          <a:effectRef idx="0"/>
+          <a:lnRef idx="0">
+            <a:scrgbClr r="0" g="0" b="0"/>
+          </a:lnRef>
+          <a:fillRef idx="0">
+            <a:scrgbClr r="0" g="0" b="0"/>
+          </a:fillRef>
+          <a:effectRef idx="0">
+            <a:scrgbClr r="0" g="0" b="0"/>
+          </a:effectRef>
           <a:fontRef idx="minor"/>
         </p:style>
         <p:txBody>
-          <a:bodyPr lIns="90000" rIns="90000" tIns="45000" bIns="45000">
+          <a:bodyPr lIns="90000" tIns="45000" rIns="90000" bIns="45000">
             <a:noAutofit/>
           </a:bodyPr>
+          <a:lstStyle/>
           <a:p>
             <a:pPr>
               <a:lnSpc>
@@ -5970,7 +7625,7 @@
               </a:lnSpc>
             </a:pPr>
             <a:r>
-              <a:rPr b="0" lang="ru-RU" sz="1800" spc="-1" strike="noStrike">
+              <a:rPr lang="ru-RU" sz="1800" b="0" strike="noStrike" spc="-1" dirty="0">
                 <a:solidFill>
                   <a:srgbClr val="000000"/>
                 </a:solidFill>
@@ -5979,7 +7634,7 @@
               </a:rPr>
               <a:t>Частотный формирователь луча</a:t>
             </a:r>
-            <a:endParaRPr b="0" lang="ru-RU" sz="1800" spc="-1" strike="noStrike">
+            <a:endParaRPr lang="ru-RU" sz="1800" b="0" strike="noStrike" spc="-1" dirty="0">
               <a:latin typeface="Arial"/>
             </a:endParaRPr>
           </a:p>
@@ -5993,7 +7648,7 @@
         </p:nvSpPr>
         <p:spPr>
           <a:xfrm>
-            <a:off x="4608000" y="4968000"/>
+            <a:off x="4821120" y="1997072"/>
             <a:ext cx="4029480" cy="343800"/>
           </a:xfrm>
           <a:prstGeom prst="rect">
@@ -6005,15 +7660,22 @@
           </a:ln>
         </p:spPr>
         <p:style>
-          <a:lnRef idx="0"/>
-          <a:fillRef idx="0"/>
-          <a:effectRef idx="0"/>
+          <a:lnRef idx="0">
+            <a:scrgbClr r="0" g="0" b="0"/>
+          </a:lnRef>
+          <a:fillRef idx="0">
+            <a:scrgbClr r="0" g="0" b="0"/>
+          </a:fillRef>
+          <a:effectRef idx="0">
+            <a:scrgbClr r="0" g="0" b="0"/>
+          </a:effectRef>
           <a:fontRef idx="minor"/>
         </p:style>
         <p:txBody>
-          <a:bodyPr lIns="90000" rIns="90000" tIns="45000" bIns="45000">
+          <a:bodyPr lIns="90000" tIns="45000" rIns="90000" bIns="45000">
             <a:noAutofit/>
           </a:bodyPr>
+          <a:lstStyle/>
           <a:p>
             <a:pPr>
               <a:lnSpc>
@@ -6021,7 +7683,7 @@
               </a:lnSpc>
             </a:pPr>
             <a:r>
-              <a:rPr b="0" lang="ru-RU" sz="1800" spc="-1" strike="noStrike">
+              <a:rPr lang="ru-RU" sz="1800" b="0" strike="noStrike" spc="-1" dirty="0">
                 <a:solidFill>
                   <a:srgbClr val="000000"/>
                 </a:solidFill>
@@ -6030,7 +7692,7 @@
               </a:rPr>
               <a:t>Временной формирователь луча</a:t>
             </a:r>
-            <a:endParaRPr b="0" lang="ru-RU" sz="1800" spc="-1" strike="noStrike">
+            <a:endParaRPr lang="ru-RU" sz="1800" b="0" strike="noStrike" spc="-1" dirty="0">
               <a:latin typeface="Arial"/>
             </a:endParaRPr>
           </a:p>
@@ -6038,17 +7700,17 @@
       </p:sp>
       <p:pic>
         <p:nvPicPr>
-          <p:cNvPr id="99" name="" descr=""/>
+          <p:cNvPr id="99" name="Рисунок 98"/>
           <p:cNvPicPr/>
           <p:nvPr/>
         </p:nvPicPr>
         <p:blipFill>
-          <a:blip r:embed="rId1"/>
+          <a:blip r:embed="rId3"/>
           <a:stretch/>
         </p:blipFill>
         <p:spPr>
           <a:xfrm>
-            <a:off x="4607640" y="1805760"/>
+            <a:off x="4567680" y="2789160"/>
             <a:ext cx="4536360" cy="2800080"/>
           </a:xfrm>
           <a:prstGeom prst="rect">
@@ -6061,17 +7723,17 @@
       </p:pic>
       <p:pic>
         <p:nvPicPr>
-          <p:cNvPr id="100" name="" descr=""/>
+          <p:cNvPr id="100" name="Рисунок 99"/>
           <p:cNvPicPr/>
           <p:nvPr/>
         </p:nvPicPr>
         <p:blipFill>
-          <a:blip r:embed="rId2"/>
+          <a:blip r:embed="rId4"/>
           <a:stretch/>
         </p:blipFill>
         <p:spPr>
           <a:xfrm>
-            <a:off x="72000" y="1656000"/>
+            <a:off x="80640" y="2617752"/>
             <a:ext cx="4487040" cy="2891880"/>
           </a:xfrm>
           <a:prstGeom prst="rect">
@@ -6082,21 +7744,63 @@
           </a:ln>
         </p:spPr>
       </p:pic>
+      <p:sp>
+        <p:nvSpPr>
+          <p:cNvPr id="8" name="TextBox 7"/>
+          <p:cNvSpPr txBox="1"/>
+          <p:nvPr/>
+        </p:nvSpPr>
+        <p:spPr>
+          <a:xfrm>
+            <a:off x="8460432" y="0"/>
+            <a:ext cx="683568" cy="461665"/>
+          </a:xfrm>
+          <a:prstGeom prst="rect">
+            <a:avLst/>
+          </a:prstGeom>
+          <a:noFill/>
+        </p:spPr>
+        <p:txBody>
+          <a:bodyPr wrap="square" rtlCol="0">
+            <a:spAutoFit/>
+          </a:bodyPr>
+          <a:lstStyle/>
+          <a:p>
+            <a:pPr algn="ctr"/>
+            <a:fld id="{4ECEE6B5-8CB6-40F7-9C10-5B351414AB6E}" type="slidenum">
+              <a:rPr lang="ru-RU" sz="2400" smtClean="0"/>
+              <a:pPr algn="ctr"/>
+              <a:t>4</a:t>
+            </a:fld>
+            <a:endParaRPr lang="ru-RU" sz="2400" dirty="0"/>
+          </a:p>
+        </p:txBody>
+      </p:sp>
     </p:spTree>
   </p:cSld>
-  <mc:AlternateContent>
+  <p:clrMapOvr>
+    <a:masterClrMapping/>
+  </p:clrMapOvr>
+  <mc:AlternateContent xmlns:mc="http://schemas.openxmlformats.org/markup-compatibility/2006" xmlns:p14="http://schemas.microsoft.com/office/powerpoint/2010/main">
     <mc:Choice Requires="p14">
       <p:transition spd="slow" p14:dur="2000"/>
     </mc:Choice>
-    <mc:Fallback>
+    <mc:Fallback xmlns="" xmlns:p15="http://schemas.microsoft.com/office/powerpoint/2012/main">
       <p:transition spd="slow"/>
     </mc:Fallback>
   </mc:AlternateContent>
+  <p:timing>
+    <p:tnLst>
+      <p:par>
+        <p:cTn id="1" dur="indefinite" restart="never" nodeType="tmRoot"/>
+      </p:par>
+    </p:tnLst>
+  </p:timing>
 </p:sld>
 </file>
 
 <file path=ppt/slides/slide5.xml><?xml version="1.0" encoding="utf-8"?>
-<p:sld xmlns:a="http://schemas.openxmlformats.org/drawingml/2006/main" xmlns:p="http://schemas.openxmlformats.org/presentationml/2006/main" xmlns:r="http://schemas.openxmlformats.org/officeDocument/2006/relationships" xmlns:p14="http://schemas.microsoft.com/office/powerpoint/2010/main" xmlns:p15="http://schemas.microsoft.com/office/powerpoint/2012/main" xmlns:mc="http://schemas.openxmlformats.org/markup-compatibility/2006">
+<p:sld xmlns:a="http://schemas.openxmlformats.org/drawingml/2006/main" xmlns:r="http://schemas.openxmlformats.org/officeDocument/2006/relationships" xmlns:p="http://schemas.openxmlformats.org/presentationml/2006/main">
   <p:cSld>
     <p:spTree>
       <p:nvGrpSpPr>
@@ -6132,15 +7836,22 @@
           </a:ln>
         </p:spPr>
         <p:style>
-          <a:lnRef idx="0"/>
-          <a:fillRef idx="0"/>
-          <a:effectRef idx="0"/>
+          <a:lnRef idx="0">
+            <a:scrgbClr r="0" g="0" b="0"/>
+          </a:lnRef>
+          <a:fillRef idx="0">
+            <a:scrgbClr r="0" g="0" b="0"/>
+          </a:fillRef>
+          <a:effectRef idx="0">
+            <a:scrgbClr r="0" g="0" b="0"/>
+          </a:effectRef>
           <a:fontRef idx="minor"/>
         </p:style>
         <p:txBody>
-          <a:bodyPr lIns="90000" rIns="90000" tIns="45000" bIns="45000" anchor="ctr">
+          <a:bodyPr lIns="90000" tIns="45000" rIns="90000" bIns="45000" anchor="ctr">
             <a:noAutofit/>
           </a:bodyPr>
+          <a:lstStyle/>
           <a:p>
             <a:pPr algn="ctr">
               <a:lnSpc>
@@ -6148,7 +7859,7 @@
               </a:lnSpc>
             </a:pPr>
             <a:r>
-              <a:rPr b="0" lang="ru-RU" sz="4400" spc="-1" strike="noStrike">
+              <a:rPr lang="ru-RU" sz="4400" b="0" strike="noStrike" spc="-1">
                 <a:solidFill>
                   <a:srgbClr val="000000"/>
                 </a:solidFill>
@@ -6157,7 +7868,7 @@
               </a:rPr>
               <a:t>Пространственная фильтрация</a:t>
             </a:r>
-            <a:endParaRPr b="0" lang="ru-RU" sz="4400" spc="-1" strike="noStrike">
+            <a:endParaRPr lang="ru-RU" sz="4400" b="0" strike="noStrike" spc="-1">
               <a:latin typeface="Arial"/>
             </a:endParaRPr>
           </a:p>
@@ -6183,50 +7894,365 @@
           </a:ln>
         </p:spPr>
         <p:style>
-          <a:lnRef idx="0"/>
-          <a:fillRef idx="0"/>
-          <a:effectRef idx="0"/>
+          <a:lnRef idx="0">
+            <a:scrgbClr r="0" g="0" b="0"/>
+          </a:lnRef>
+          <a:fillRef idx="0">
+            <a:scrgbClr r="0" g="0" b="0"/>
+          </a:fillRef>
+          <a:effectRef idx="0">
+            <a:scrgbClr r="0" g="0" b="0"/>
+          </a:effectRef>
           <a:fontRef idx="minor"/>
         </p:style>
       </p:sp>
-      <p:pic>
-        <p:nvPicPr>
-          <p:cNvPr id="103" name="" descr=""/>
-          <p:cNvPicPr/>
+      <p:grpSp>
+        <p:nvGrpSpPr>
+          <p:cNvPr id="7" name="Группа 6"/>
+          <p:cNvGrpSpPr/>
           <p:nvPr/>
-        </p:nvPicPr>
-        <p:blipFill>
-          <a:blip r:embed="rId1"/>
-          <a:stretch/>
-        </p:blipFill>
-        <p:spPr>
-          <a:xfrm>
-            <a:off x="308520" y="1926720"/>
-            <a:ext cx="8475120" cy="3760920"/>
-          </a:xfrm>
-          <a:prstGeom prst="rect">
-            <a:avLst/>
-          </a:prstGeom>
-          <a:ln>
+        </p:nvGrpSpPr>
+        <p:grpSpPr>
+          <a:xfrm>
+            <a:off x="323528" y="1844824"/>
+            <a:ext cx="8589941" cy="3484984"/>
+            <a:chOff x="323528" y="1844824"/>
+            <a:chExt cx="8589941" cy="3484984"/>
+          </a:xfrm>
+        </p:grpSpPr>
+        <p:pic>
+          <p:nvPicPr>
+            <p:cNvPr id="2" name="Рисунок 1"/>
+            <p:cNvPicPr>
+              <a:picLocks noChangeAspect="1"/>
+            </p:cNvPicPr>
+            <p:nvPr/>
+          </p:nvPicPr>
+          <p:blipFill>
+            <a:blip r:embed="rId3">
+              <a:extLst>
+                <a:ext uri="{28A0092B-C50C-407E-A947-70E740481C1C}">
+                  <a14:useLocalDpi xmlns:a14="http://schemas.microsoft.com/office/drawing/2010/main" val="0"/>
+                </a:ext>
+              </a:extLst>
+            </a:blip>
+            <a:stretch>
+              <a:fillRect/>
+            </a:stretch>
+          </p:blipFill>
+          <p:spPr>
+            <a:xfrm>
+              <a:off x="323528" y="1844824"/>
+              <a:ext cx="8589941" cy="3484984"/>
+            </a:xfrm>
+            <a:prstGeom prst="rect">
+              <a:avLst/>
+            </a:prstGeom>
+          </p:spPr>
+        </p:pic>
+        <p:sp>
+          <p:nvSpPr>
+            <p:cNvPr id="3" name="TextBox 2"/>
+            <p:cNvSpPr txBox="1"/>
+            <p:nvPr/>
+          </p:nvSpPr>
+          <p:spPr>
+            <a:xfrm>
+              <a:off x="6804248" y="3284984"/>
+              <a:ext cx="504056" cy="369332"/>
+            </a:xfrm>
+            <a:prstGeom prst="rect">
+              <a:avLst/>
+            </a:prstGeom>
             <a:noFill/>
-          </a:ln>
-        </p:spPr>
-      </p:pic>
+          </p:spPr>
+          <p:txBody>
+            <a:bodyPr wrap="square" rtlCol="0">
+              <a:spAutoFit/>
+            </a:bodyPr>
+            <a:lstStyle/>
+            <a:p>
+              <a:endParaRPr lang="ru-RU" dirty="0"/>
+            </a:p>
+          </p:txBody>
+        </p:sp>
+        <p:sp>
+          <p:nvSpPr>
+            <p:cNvPr id="4" name="Прямоугольник 3"/>
+            <p:cNvSpPr/>
+            <p:nvPr/>
+          </p:nvSpPr>
+          <p:spPr>
+            <a:xfrm>
+              <a:off x="6876256" y="3284984"/>
+              <a:ext cx="432048" cy="400690"/>
+            </a:xfrm>
+            <a:prstGeom prst="rect">
+              <a:avLst/>
+            </a:prstGeom>
+            <a:ln>
+              <a:solidFill>
+                <a:schemeClr val="bg1"/>
+              </a:solidFill>
+            </a:ln>
+          </p:spPr>
+          <p:style>
+            <a:lnRef idx="2">
+              <a:schemeClr val="dk1"/>
+            </a:lnRef>
+            <a:fillRef idx="1">
+              <a:schemeClr val="lt1"/>
+            </a:fillRef>
+            <a:effectRef idx="0">
+              <a:schemeClr val="dk1"/>
+            </a:effectRef>
+            <a:fontRef idx="minor">
+              <a:schemeClr val="dk1"/>
+            </a:fontRef>
+          </p:style>
+          <p:txBody>
+            <a:bodyPr rtlCol="0" anchor="ctr"/>
+            <a:lstStyle/>
+            <a:p>
+              <a:pPr algn="ctr"/>
+              <a:endParaRPr lang="ru-RU"/>
+            </a:p>
+          </p:txBody>
+        </p:sp>
+        <p:sp>
+          <p:nvSpPr>
+            <p:cNvPr id="5" name="TextBox 4"/>
+            <p:cNvSpPr txBox="1"/>
+            <p:nvPr/>
+          </p:nvSpPr>
+          <p:spPr>
+            <a:xfrm>
+              <a:off x="6840252" y="3316342"/>
+              <a:ext cx="504056" cy="369332"/>
+            </a:xfrm>
+            <a:prstGeom prst="rect">
+              <a:avLst/>
+            </a:prstGeom>
+            <a:noFill/>
+          </p:spPr>
+          <p:txBody>
+            <a:bodyPr wrap="square" rtlCol="0">
+              <a:spAutoFit/>
+            </a:bodyPr>
+            <a:lstStyle/>
+            <a:p>
+              <a:r>
+                <a:rPr lang="ru-RU" dirty="0" smtClean="0"/>
+                <a:t>ФЛ</a:t>
+              </a:r>
+              <a:endParaRPr lang="ru-RU" dirty="0"/>
+            </a:p>
+          </p:txBody>
+        </p:sp>
+        <p:sp>
+          <p:nvSpPr>
+            <p:cNvPr id="9" name="Прямоугольник 8"/>
+            <p:cNvSpPr/>
+            <p:nvPr/>
+          </p:nvSpPr>
+          <p:spPr>
+            <a:xfrm>
+              <a:off x="3754195" y="2605554"/>
+              <a:ext cx="493769" cy="400690"/>
+            </a:xfrm>
+            <a:prstGeom prst="rect">
+              <a:avLst/>
+            </a:prstGeom>
+            <a:ln>
+              <a:solidFill>
+                <a:schemeClr val="bg1"/>
+              </a:solidFill>
+            </a:ln>
+          </p:spPr>
+          <p:style>
+            <a:lnRef idx="2">
+              <a:schemeClr val="dk1"/>
+            </a:lnRef>
+            <a:fillRef idx="1">
+              <a:schemeClr val="lt1"/>
+            </a:fillRef>
+            <a:effectRef idx="0">
+              <a:schemeClr val="dk1"/>
+            </a:effectRef>
+            <a:fontRef idx="minor">
+              <a:schemeClr val="dk1"/>
+            </a:fontRef>
+          </p:style>
+          <p:txBody>
+            <a:bodyPr rtlCol="0" anchor="ctr"/>
+            <a:lstStyle/>
+            <a:p>
+              <a:pPr algn="ctr"/>
+              <a:endParaRPr lang="ru-RU"/>
+            </a:p>
+          </p:txBody>
+        </p:sp>
+        <p:sp>
+          <p:nvSpPr>
+            <p:cNvPr id="10" name="TextBox 9"/>
+            <p:cNvSpPr txBox="1"/>
+            <p:nvPr/>
+          </p:nvSpPr>
+          <p:spPr>
+            <a:xfrm>
+              <a:off x="3701244" y="2636912"/>
+              <a:ext cx="720080" cy="369332"/>
+            </a:xfrm>
+            <a:prstGeom prst="rect">
+              <a:avLst/>
+            </a:prstGeom>
+            <a:noFill/>
+          </p:spPr>
+          <p:txBody>
+            <a:bodyPr wrap="square" rtlCol="0">
+              <a:spAutoFit/>
+            </a:bodyPr>
+            <a:lstStyle/>
+            <a:p>
+              <a:r>
+                <a:rPr lang="ru-RU" dirty="0" smtClean="0"/>
+                <a:t>МК1</a:t>
+              </a:r>
+              <a:endParaRPr lang="ru-RU" dirty="0"/>
+            </a:p>
+          </p:txBody>
+        </p:sp>
+        <p:sp>
+          <p:nvSpPr>
+            <p:cNvPr id="13" name="Прямоугольник 12"/>
+            <p:cNvSpPr/>
+            <p:nvPr/>
+          </p:nvSpPr>
+          <p:spPr>
+            <a:xfrm>
+              <a:off x="3747535" y="4077072"/>
+              <a:ext cx="493769" cy="400690"/>
+            </a:xfrm>
+            <a:prstGeom prst="rect">
+              <a:avLst/>
+            </a:prstGeom>
+            <a:ln>
+              <a:solidFill>
+                <a:schemeClr val="bg1"/>
+              </a:solidFill>
+            </a:ln>
+          </p:spPr>
+          <p:style>
+            <a:lnRef idx="2">
+              <a:schemeClr val="dk1"/>
+            </a:lnRef>
+            <a:fillRef idx="1">
+              <a:schemeClr val="lt1"/>
+            </a:fillRef>
+            <a:effectRef idx="0">
+              <a:schemeClr val="dk1"/>
+            </a:effectRef>
+            <a:fontRef idx="minor">
+              <a:schemeClr val="dk1"/>
+            </a:fontRef>
+          </p:style>
+          <p:txBody>
+            <a:bodyPr rtlCol="0" anchor="ctr"/>
+            <a:lstStyle/>
+            <a:p>
+              <a:pPr algn="ctr"/>
+              <a:endParaRPr lang="ru-RU"/>
+            </a:p>
+          </p:txBody>
+        </p:sp>
+        <p:sp>
+          <p:nvSpPr>
+            <p:cNvPr id="14" name="TextBox 13"/>
+            <p:cNvSpPr txBox="1"/>
+            <p:nvPr/>
+          </p:nvSpPr>
+          <p:spPr>
+            <a:xfrm>
+              <a:off x="3701244" y="4077072"/>
+              <a:ext cx="654732" cy="369332"/>
+            </a:xfrm>
+            <a:prstGeom prst="rect">
+              <a:avLst/>
+            </a:prstGeom>
+            <a:noFill/>
+          </p:spPr>
+          <p:txBody>
+            <a:bodyPr wrap="square" rtlCol="0">
+              <a:spAutoFit/>
+            </a:bodyPr>
+            <a:lstStyle/>
+            <a:p>
+              <a:r>
+                <a:rPr lang="ru-RU" dirty="0" smtClean="0"/>
+                <a:t>МК2</a:t>
+              </a:r>
+              <a:endParaRPr lang="ru-RU" dirty="0"/>
+            </a:p>
+          </p:txBody>
+        </p:sp>
+      </p:grpSp>
+      <p:sp>
+        <p:nvSpPr>
+          <p:cNvPr id="15" name="TextBox 14"/>
+          <p:cNvSpPr txBox="1"/>
+          <p:nvPr/>
+        </p:nvSpPr>
+        <p:spPr>
+          <a:xfrm>
+            <a:off x="8460432" y="0"/>
+            <a:ext cx="683568" cy="461665"/>
+          </a:xfrm>
+          <a:prstGeom prst="rect">
+            <a:avLst/>
+          </a:prstGeom>
+          <a:noFill/>
+        </p:spPr>
+        <p:txBody>
+          <a:bodyPr wrap="square" rtlCol="0">
+            <a:spAutoFit/>
+          </a:bodyPr>
+          <a:lstStyle/>
+          <a:p>
+            <a:pPr algn="ctr"/>
+            <a:fld id="{4ECEE6B5-8CB6-40F7-9C10-5B351414AB6E}" type="slidenum">
+              <a:rPr lang="ru-RU" sz="2400" smtClean="0"/>
+              <a:pPr algn="ctr"/>
+              <a:t>5</a:t>
+            </a:fld>
+            <a:endParaRPr lang="ru-RU" sz="2400" dirty="0"/>
+          </a:p>
+        </p:txBody>
+      </p:sp>
     </p:spTree>
   </p:cSld>
-  <mc:AlternateContent>
+  <p:clrMapOvr>
+    <a:masterClrMapping/>
+  </p:clrMapOvr>
+  <mc:AlternateContent xmlns:mc="http://schemas.openxmlformats.org/markup-compatibility/2006" xmlns:p14="http://schemas.microsoft.com/office/powerpoint/2010/main">
     <mc:Choice Requires="p14">
       <p:transition spd="slow" p14:dur="2000"/>
     </mc:Choice>
-    <mc:Fallback>
+    <mc:Fallback xmlns="" xmlns:p15="http://schemas.microsoft.com/office/powerpoint/2012/main">
       <p:transition spd="slow"/>
     </mc:Fallback>
   </mc:AlternateContent>
+  <p:timing>
+    <p:tnLst>
+      <p:par>
+        <p:cTn id="1" dur="indefinite" restart="never" nodeType="tmRoot"/>
+      </p:par>
+    </p:tnLst>
+  </p:timing>
 </p:sld>
 </file>
 
 <file path=ppt/slides/slide6.xml><?xml version="1.0" encoding="utf-8"?>
-<p:sld xmlns:a="http://schemas.openxmlformats.org/drawingml/2006/main" xmlns:p="http://schemas.openxmlformats.org/presentationml/2006/main" xmlns:r="http://schemas.openxmlformats.org/officeDocument/2006/relationships" xmlns:p14="http://schemas.microsoft.com/office/powerpoint/2010/main" xmlns:p15="http://schemas.microsoft.com/office/powerpoint/2012/main" xmlns:mc="http://schemas.openxmlformats.org/markup-compatibility/2006">
+<p:sld xmlns:a="http://schemas.openxmlformats.org/drawingml/2006/main" xmlns:r="http://schemas.openxmlformats.org/officeDocument/2006/relationships" xmlns:p="http://schemas.openxmlformats.org/presentationml/2006/main">
   <p:cSld>
     <p:spTree>
       <p:nvGrpSpPr>
@@ -6262,15 +8288,22 @@
           </a:ln>
         </p:spPr>
         <p:style>
-          <a:lnRef idx="0"/>
-          <a:fillRef idx="0"/>
-          <a:effectRef idx="0"/>
+          <a:lnRef idx="0">
+            <a:scrgbClr r="0" g="0" b="0"/>
+          </a:lnRef>
+          <a:fillRef idx="0">
+            <a:scrgbClr r="0" g="0" b="0"/>
+          </a:fillRef>
+          <a:effectRef idx="0">
+            <a:scrgbClr r="0" g="0" b="0"/>
+          </a:effectRef>
           <a:fontRef idx="minor"/>
         </p:style>
         <p:txBody>
-          <a:bodyPr lIns="90000" rIns="90000" tIns="45000" bIns="45000" anchor="ctr">
+          <a:bodyPr lIns="90000" tIns="45000" rIns="90000" bIns="45000" anchor="ctr">
             <a:noAutofit/>
           </a:bodyPr>
+          <a:lstStyle/>
           <a:p>
             <a:pPr algn="ctr">
               <a:lnSpc>
@@ -6278,7 +8311,7 @@
               </a:lnSpc>
             </a:pPr>
             <a:r>
-              <a:rPr b="0" lang="ru-RU" sz="4400" spc="-1" strike="noStrike">
+              <a:rPr lang="ru-RU" sz="4400" b="0" strike="noStrike" spc="-1">
                 <a:solidFill>
                   <a:srgbClr val="000000"/>
                 </a:solidFill>
@@ -6287,69 +8320,48 @@
               </a:rPr>
               <a:t>Подходы пространственной фильтрации</a:t>
             </a:r>
-            <a:endParaRPr b="0" lang="ru-RU" sz="4400" spc="-1" strike="noStrike">
-              <a:latin typeface="Arial"/>
-            </a:endParaRPr>
-          </a:p>
-        </p:txBody>
-      </p:sp>
-      <p:pic>
-        <p:nvPicPr>
-          <p:cNvPr id="105" name="" descr=""/>
-          <p:cNvPicPr/>
+            <a:endParaRPr lang="ru-RU" sz="4400" b="0" strike="noStrike" spc="-1">
+              <a:latin typeface="Arial"/>
+            </a:endParaRPr>
+          </a:p>
+        </p:txBody>
+      </p:sp>
+      <p:sp>
+        <p:nvSpPr>
+          <p:cNvPr id="107" name="CustomShape 3"/>
+          <p:cNvSpPr/>
           <p:nvPr/>
-        </p:nvPicPr>
-        <p:blipFill>
-          <a:blip r:embed="rId1"/>
-          <a:stretch/>
-        </p:blipFill>
-        <p:spPr>
-          <a:xfrm>
-            <a:off x="4533480" y="1800000"/>
-            <a:ext cx="4536360" cy="2800080"/>
-          </a:xfrm>
-          <a:prstGeom prst="rect">
-            <a:avLst/>
-          </a:prstGeom>
+        </p:nvSpPr>
+        <p:spPr>
+          <a:xfrm>
+            <a:off x="470128" y="1676752"/>
+            <a:ext cx="3813840" cy="600120"/>
+          </a:xfrm>
+          <a:prstGeom prst="rect">
+            <a:avLst/>
+          </a:prstGeom>
+          <a:noFill/>
           <a:ln>
             <a:noFill/>
           </a:ln>
         </p:spPr>
-      </p:pic>
-      <p:sp>
-        <p:nvSpPr>
-          <p:cNvPr id="106" name="CustomShape 2"/>
-          <p:cNvSpPr/>
-          <p:nvPr/>
-        </p:nvSpPr>
-        <p:spPr>
-          <a:xfrm>
-            <a:off x="72000" y="1872000"/>
-            <a:ext cx="4459320" cy="2445840"/>
-          </a:xfrm>
-          <a:prstGeom prst="rect">
-            <a:avLst/>
-          </a:prstGeom>
-          <a:blipFill rotWithShape="0">
-            <a:blip r:embed="rId2"/>
-            <a:stretch>
-              <a:fillRect/>
-            </a:stretch>
-          </a:blipFill>
-          <a:ln>
-            <a:noFill/>
-          </a:ln>
-        </p:spPr>
         <p:style>
-          <a:lnRef idx="0"/>
-          <a:fillRef idx="0"/>
-          <a:effectRef idx="0"/>
+          <a:lnRef idx="0">
+            <a:scrgbClr r="0" g="0" b="0"/>
+          </a:lnRef>
+          <a:fillRef idx="0">
+            <a:scrgbClr r="0" g="0" b="0"/>
+          </a:fillRef>
+          <a:effectRef idx="0">
+            <a:scrgbClr r="0" g="0" b="0"/>
+          </a:effectRef>
           <a:fontRef idx="minor"/>
         </p:style>
         <p:txBody>
-          <a:bodyPr lIns="90000" rIns="90000" tIns="45000" bIns="45000" anchor="ctr" anchorCtr="1">
+          <a:bodyPr lIns="90000" tIns="45000" rIns="90000" bIns="45000">
             <a:noAutofit/>
           </a:bodyPr>
+          <a:lstStyle/>
           <a:p>
             <a:pPr algn="ctr">
               <a:lnSpc>
@@ -6357,30 +8369,29 @@
               </a:lnSpc>
             </a:pPr>
             <a:r>
-              <a:rPr b="0" lang="ru-RU" sz="1800" spc="-1" strike="noStrike">
+              <a:rPr lang="en-US" spc="-1" dirty="0" smtClean="0">
                 <a:solidFill>
                   <a:srgbClr val="000000"/>
                 </a:solidFill>
                 <a:latin typeface="Arial"/>
-                <a:ea typeface="DejaVu Sans"/>
-              </a:rPr>
-              <a:t> </a:t>
-            </a:r>
-            <a:endParaRPr b="0" lang="ru-RU" sz="1800" spc="-1" strike="noStrike">
-              <a:latin typeface="Arial"/>
-            </a:endParaRPr>
-          </a:p>
-        </p:txBody>
-      </p:sp>
-      <p:sp>
-        <p:nvSpPr>
-          <p:cNvPr id="107" name="CustomShape 3"/>
+              </a:rPr>
+              <a:t>Data-independent</a:t>
+            </a:r>
+            <a:endParaRPr lang="ru-RU" sz="1800" b="0" strike="noStrike" spc="-1" dirty="0">
+              <a:latin typeface="Arial"/>
+            </a:endParaRPr>
+          </a:p>
+        </p:txBody>
+      </p:sp>
+      <p:sp>
+        <p:nvSpPr>
+          <p:cNvPr id="7" name="CustomShape 3"/>
           <p:cNvSpPr/>
           <p:nvPr/>
         </p:nvSpPr>
         <p:spPr>
           <a:xfrm>
-            <a:off x="144000" y="4464000"/>
+            <a:off x="4572000" y="1686069"/>
             <a:ext cx="3813840" cy="600120"/>
           </a:xfrm>
           <a:prstGeom prst="rect">
@@ -6392,15 +8403,22 @@
           </a:ln>
         </p:spPr>
         <p:style>
-          <a:lnRef idx="0"/>
-          <a:fillRef idx="0"/>
-          <a:effectRef idx="0"/>
+          <a:lnRef idx="0">
+            <a:scrgbClr r="0" g="0" b="0"/>
+          </a:lnRef>
+          <a:fillRef idx="0">
+            <a:scrgbClr r="0" g="0" b="0"/>
+          </a:fillRef>
+          <a:effectRef idx="0">
+            <a:scrgbClr r="0" g="0" b="0"/>
+          </a:effectRef>
           <a:fontRef idx="minor"/>
         </p:style>
         <p:txBody>
-          <a:bodyPr lIns="90000" rIns="90000" tIns="45000" bIns="45000">
+          <a:bodyPr lIns="90000" tIns="45000" rIns="90000" bIns="45000">
             <a:noAutofit/>
           </a:bodyPr>
+          <a:lstStyle/>
           <a:p>
             <a:pPr algn="ctr">
               <a:lnSpc>
@@ -6408,87 +8426,146 @@
               </a:lnSpc>
             </a:pPr>
             <a:r>
-              <a:rPr b="0" lang="ru-RU" sz="1800" spc="-1" strike="noStrike">
+              <a:rPr lang="en-US" spc="-1" dirty="0" err="1" smtClean="0">
                 <a:solidFill>
                   <a:srgbClr val="000000"/>
                 </a:solidFill>
                 <a:latin typeface="Arial"/>
-                <a:ea typeface="DejaVu Sans"/>
-              </a:rPr>
-              <a:t>Фиксированные формирователи луча</a:t>
-            </a:r>
-            <a:endParaRPr b="0" lang="ru-RU" sz="1800" spc="-1" strike="noStrike">
-              <a:latin typeface="Arial"/>
-            </a:endParaRPr>
-          </a:p>
-        </p:txBody>
-      </p:sp>
-      <p:sp>
-        <p:nvSpPr>
-          <p:cNvPr id="108" name="CustomShape 4"/>
-          <p:cNvSpPr/>
-          <p:nvPr/>
-        </p:nvSpPr>
-        <p:spPr>
-          <a:xfrm>
-            <a:off x="4680000" y="4536000"/>
-            <a:ext cx="3885840" cy="344160"/>
-          </a:xfrm>
-          <a:prstGeom prst="rect">
-            <a:avLst/>
-          </a:prstGeom>
-          <a:noFill/>
-          <a:ln>
-            <a:noFill/>
-          </a:ln>
-        </p:spPr>
-        <p:style>
-          <a:lnRef idx="0"/>
-          <a:fillRef idx="0"/>
-          <a:effectRef idx="0"/>
-          <a:fontRef idx="minor"/>
-        </p:style>
-        <p:txBody>
-          <a:bodyPr lIns="90000" rIns="90000" tIns="45000" bIns="45000">
-            <a:noAutofit/>
-          </a:bodyPr>
-          <a:p>
-            <a:pPr>
-              <a:lnSpc>
-                <a:spcPct val="100000"/>
-              </a:lnSpc>
-            </a:pPr>
-            <a:r>
-              <a:rPr b="0" lang="ru-RU" sz="1800" spc="-1" strike="noStrike">
+              </a:rPr>
+              <a:t>Stastically</a:t>
+            </a:r>
+            <a:r>
+              <a:rPr lang="en-US" spc="-1" dirty="0" smtClean="0">
                 <a:solidFill>
                   <a:srgbClr val="000000"/>
                 </a:solidFill>
                 <a:latin typeface="Arial"/>
-                <a:ea typeface="DejaVu Sans"/>
-              </a:rPr>
-              <a:t>Адаптивные формирователи луча</a:t>
-            </a:r>
-            <a:endParaRPr b="0" lang="ru-RU" sz="1800" spc="-1" strike="noStrike">
-              <a:latin typeface="Arial"/>
-            </a:endParaRPr>
+              </a:rPr>
+              <a:t>-optimum</a:t>
+            </a:r>
+            <a:endParaRPr lang="ru-RU" sz="1800" b="0" strike="noStrike" spc="-1" dirty="0">
+              <a:latin typeface="Arial"/>
+            </a:endParaRPr>
+          </a:p>
+        </p:txBody>
+      </p:sp>
+      <p:pic>
+        <p:nvPicPr>
+          <p:cNvPr id="2" name="Рисунок 1"/>
+          <p:cNvPicPr>
+            <a:picLocks noChangeAspect="1"/>
+          </p:cNvPicPr>
+          <p:nvPr/>
+        </p:nvPicPr>
+        <p:blipFill>
+          <a:blip r:embed="rId3">
+            <a:extLst>
+              <a:ext uri="{28A0092B-C50C-407E-A947-70E740481C1C}">
+                <a14:useLocalDpi xmlns:a14="http://schemas.microsoft.com/office/drawing/2010/main" val="0"/>
+              </a:ext>
+            </a:extLst>
+          </a:blip>
+          <a:stretch>
+            <a:fillRect/>
+          </a:stretch>
+        </p:blipFill>
+        <p:spPr>
+          <a:xfrm>
+            <a:off x="827584" y="2324877"/>
+            <a:ext cx="3888432" cy="2592287"/>
+          </a:xfrm>
+          <a:prstGeom prst="rect">
+            <a:avLst/>
+          </a:prstGeom>
+        </p:spPr>
+      </p:pic>
+      <p:pic>
+        <p:nvPicPr>
+          <p:cNvPr id="3" name="Рисунок 2"/>
+          <p:cNvPicPr>
+            <a:picLocks noChangeAspect="1"/>
+          </p:cNvPicPr>
+          <p:nvPr/>
+        </p:nvPicPr>
+        <p:blipFill>
+          <a:blip r:embed="rId4">
+            <a:extLst>
+              <a:ext uri="{28A0092B-C50C-407E-A947-70E740481C1C}">
+                <a14:useLocalDpi xmlns:a14="http://schemas.microsoft.com/office/drawing/2010/main" val="0"/>
+              </a:ext>
+            </a:extLst>
+          </a:blip>
+          <a:stretch>
+            <a:fillRect/>
+          </a:stretch>
+        </p:blipFill>
+        <p:spPr>
+          <a:xfrm>
+            <a:off x="5047746" y="2315654"/>
+            <a:ext cx="3988750" cy="3417602"/>
+          </a:xfrm>
+          <a:prstGeom prst="rect">
+            <a:avLst/>
+          </a:prstGeom>
+        </p:spPr>
+      </p:pic>
+      <p:sp>
+        <p:nvSpPr>
+          <p:cNvPr id="8" name="TextBox 7"/>
+          <p:cNvSpPr txBox="1"/>
+          <p:nvPr/>
+        </p:nvSpPr>
+        <p:spPr>
+          <a:xfrm>
+            <a:off x="8460432" y="0"/>
+            <a:ext cx="683568" cy="461665"/>
+          </a:xfrm>
+          <a:prstGeom prst="rect">
+            <a:avLst/>
+          </a:prstGeom>
+          <a:noFill/>
+        </p:spPr>
+        <p:txBody>
+          <a:bodyPr wrap="square" rtlCol="0">
+            <a:spAutoFit/>
+          </a:bodyPr>
+          <a:lstStyle/>
+          <a:p>
+            <a:pPr algn="ctr"/>
+            <a:fld id="{4ECEE6B5-8CB6-40F7-9C10-5B351414AB6E}" type="slidenum">
+              <a:rPr lang="ru-RU" sz="2400" smtClean="0"/>
+              <a:pPr algn="ctr"/>
+              <a:t>6</a:t>
+            </a:fld>
+            <a:endParaRPr lang="ru-RU" sz="2400" dirty="0"/>
           </a:p>
         </p:txBody>
       </p:sp>
     </p:spTree>
   </p:cSld>
-  <mc:AlternateContent>
+  <p:clrMapOvr>
+    <a:masterClrMapping/>
+  </p:clrMapOvr>
+  <mc:AlternateContent xmlns:mc="http://schemas.openxmlformats.org/markup-compatibility/2006" xmlns:p14="http://schemas.microsoft.com/office/powerpoint/2010/main">
     <mc:Choice Requires="p14">
       <p:transition spd="slow" p14:dur="2000"/>
     </mc:Choice>
-    <mc:Fallback>
+    <mc:Fallback xmlns="" xmlns:p15="http://schemas.microsoft.com/office/powerpoint/2012/main">
       <p:transition spd="slow"/>
     </mc:Fallback>
   </mc:AlternateContent>
+  <p:timing>
+    <p:tnLst>
+      <p:par>
+        <p:cTn id="1" dur="indefinite" restart="never" nodeType="tmRoot"/>
+      </p:par>
+    </p:tnLst>
+  </p:timing>
 </p:sld>
 </file>
 
 <file path=ppt/slides/slide7.xml><?xml version="1.0" encoding="utf-8"?>
-<p:sld xmlns:a="http://schemas.openxmlformats.org/drawingml/2006/main" xmlns:p="http://schemas.openxmlformats.org/presentationml/2006/main" xmlns:r="http://schemas.openxmlformats.org/officeDocument/2006/relationships" xmlns:p14="http://schemas.microsoft.com/office/powerpoint/2010/main" xmlns:p15="http://schemas.microsoft.com/office/powerpoint/2012/main" xmlns:mc="http://schemas.openxmlformats.org/markup-compatibility/2006">
+<p:sld xmlns:a="http://schemas.openxmlformats.org/drawingml/2006/main" xmlns:r="http://schemas.openxmlformats.org/officeDocument/2006/relationships" xmlns:p="http://schemas.openxmlformats.org/presentationml/2006/main">
   <p:cSld>
     <p:spTree>
       <p:nvGrpSpPr>
@@ -6524,15 +8601,22 @@
           </a:ln>
         </p:spPr>
         <p:style>
-          <a:lnRef idx="0"/>
-          <a:fillRef idx="0"/>
-          <a:effectRef idx="0"/>
+          <a:lnRef idx="0">
+            <a:scrgbClr r="0" g="0" b="0"/>
+          </a:lnRef>
+          <a:fillRef idx="0">
+            <a:scrgbClr r="0" g="0" b="0"/>
+          </a:fillRef>
+          <a:effectRef idx="0">
+            <a:scrgbClr r="0" g="0" b="0"/>
+          </a:effectRef>
           <a:fontRef idx="minor"/>
         </p:style>
         <p:txBody>
-          <a:bodyPr lIns="90000" rIns="90000" tIns="45000" bIns="45000" anchor="ctr">
+          <a:bodyPr lIns="90000" tIns="45000" rIns="90000" bIns="45000" anchor="ctr">
             <a:noAutofit/>
           </a:bodyPr>
+          <a:lstStyle/>
           <a:p>
             <a:pPr algn="ctr">
               <a:lnSpc>
@@ -6540,7 +8624,7 @@
               </a:lnSpc>
             </a:pPr>
             <a:r>
-              <a:rPr b="0" lang="ru-RU" sz="4400" spc="-1" strike="noStrike">
+              <a:rPr lang="ru-RU" sz="4400" b="0" strike="noStrike" spc="-1" dirty="0">
                 <a:solidFill>
                   <a:srgbClr val="000000"/>
                 </a:solidFill>
@@ -6549,7 +8633,7 @@
               </a:rPr>
               <a:t>Линейно ограниченные ФЛ</a:t>
             </a:r>
-            <a:endParaRPr b="0" lang="ru-RU" sz="4400" spc="-1" strike="noStrike">
+            <a:endParaRPr lang="ru-RU" sz="4400" b="0" strike="noStrike" spc="-1" dirty="0">
               <a:latin typeface="Arial"/>
             </a:endParaRPr>
           </a:p>
@@ -6575,73 +8659,694 @@
           </a:ln>
         </p:spPr>
         <p:style>
-          <a:lnRef idx="0"/>
-          <a:fillRef idx="0"/>
-          <a:effectRef idx="0"/>
+          <a:lnRef idx="0">
+            <a:scrgbClr r="0" g="0" b="0"/>
+          </a:lnRef>
+          <a:fillRef idx="0">
+            <a:scrgbClr r="0" g="0" b="0"/>
+          </a:fillRef>
+          <a:effectRef idx="0">
+            <a:scrgbClr r="0" g="0" b="0"/>
+          </a:effectRef>
           <a:fontRef idx="minor"/>
         </p:style>
       </p:sp>
-      <p:pic>
-        <p:nvPicPr>
-          <p:cNvPr id="111" name="" descr=""/>
-          <p:cNvPicPr/>
+      <p:sp>
+        <p:nvSpPr>
+          <p:cNvPr id="34" name="Прямоугольник 33"/>
+          <p:cNvSpPr/>
           <p:nvPr/>
-        </p:nvPicPr>
-        <p:blipFill>
-          <a:blip r:embed="rId1"/>
-          <a:stretch/>
-        </p:blipFill>
-        <p:spPr>
-          <a:xfrm>
-            <a:off x="313560" y="2376000"/>
-            <a:ext cx="8684640" cy="2283840"/>
-          </a:xfrm>
-          <a:prstGeom prst="rect">
-            <a:avLst/>
-          </a:prstGeom>
-          <a:ln>
-            <a:noFill/>
+        </p:nvSpPr>
+        <p:spPr>
+          <a:xfrm>
+            <a:off x="467544" y="5057889"/>
+            <a:ext cx="8568952" cy="1323439"/>
+          </a:xfrm>
+          <a:prstGeom prst="rect">
+            <a:avLst/>
+          </a:prstGeom>
+        </p:spPr>
+        <p:txBody>
+          <a:bodyPr wrap="square">
+            <a:spAutoFit/>
+          </a:bodyPr>
+          <a:lstStyle/>
+          <a:p>
+            <a:r>
+              <a:rPr lang="en-US" sz="2000" i="1" dirty="0" smtClean="0">
+                <a:latin typeface="Times New Roman" panose="02020603050405020304" pitchFamily="18" charset="0"/>
+                <a:cs typeface="Times New Roman" panose="02020603050405020304" pitchFamily="18" charset="0"/>
+              </a:rPr>
+              <a:t>LC LMS </a:t>
+            </a:r>
+            <a:r>
+              <a:rPr lang="ru-RU" sz="2000" i="1" dirty="0" smtClean="0">
+                <a:latin typeface="Times New Roman" panose="02020603050405020304" pitchFamily="18" charset="0"/>
+                <a:cs typeface="Times New Roman" panose="02020603050405020304" pitchFamily="18" charset="0"/>
+              </a:rPr>
+              <a:t>– </a:t>
+            </a:r>
+            <a:r>
+              <a:rPr lang="en-US" sz="2000" i="1" dirty="0" smtClean="0">
+                <a:latin typeface="Times New Roman" panose="02020603050405020304" pitchFamily="18" charset="0"/>
+                <a:cs typeface="Times New Roman" panose="02020603050405020304" pitchFamily="18" charset="0"/>
+              </a:rPr>
+              <a:t> Linear Constrained Least Mean Squares </a:t>
+            </a:r>
+            <a:r>
+              <a:rPr lang="ru-RU" sz="2000" i="1" dirty="0" smtClean="0">
+                <a:latin typeface="Times New Roman" panose="02020603050405020304" pitchFamily="18" charset="0"/>
+                <a:cs typeface="Times New Roman" panose="02020603050405020304" pitchFamily="18" charset="0"/>
+              </a:rPr>
+              <a:t> –</a:t>
+            </a:r>
+            <a:r>
+              <a:rPr lang="en-US" sz="2000" i="1" dirty="0" smtClean="0">
+                <a:latin typeface="Times New Roman" panose="02020603050405020304" pitchFamily="18" charset="0"/>
+                <a:cs typeface="Times New Roman" panose="02020603050405020304" pitchFamily="18" charset="0"/>
+              </a:rPr>
+              <a:t> </a:t>
+            </a:r>
+            <a:r>
+              <a:rPr lang="ru-RU" sz="2000" i="1" dirty="0" smtClean="0">
+                <a:latin typeface="Times New Roman" panose="02020603050405020304" pitchFamily="18" charset="0"/>
+                <a:cs typeface="Times New Roman" panose="02020603050405020304" pitchFamily="18" charset="0"/>
+              </a:rPr>
+              <a:t>Алгоритм Фроста</a:t>
+            </a:r>
+            <a:endParaRPr lang="ru-RU" sz="2000" b="1" dirty="0" smtClean="0">
+              <a:latin typeface="Times New Roman" panose="02020603050405020304" pitchFamily="18" charset="0"/>
+              <a:cs typeface="Times New Roman" panose="02020603050405020304" pitchFamily="18" charset="0"/>
+            </a:endParaRPr>
+          </a:p>
+          <a:p>
+            <a:r>
+              <a:rPr lang="en-US" sz="2000" i="1" dirty="0">
+                <a:latin typeface="Times New Roman" panose="02020603050405020304" pitchFamily="18" charset="0"/>
+                <a:cs typeface="Times New Roman" panose="02020603050405020304" pitchFamily="18" charset="0"/>
+              </a:rPr>
+              <a:t>LC </a:t>
+            </a:r>
+            <a:r>
+              <a:rPr lang="en-US" sz="2000" i="1" dirty="0" smtClean="0">
+                <a:latin typeface="Times New Roman" panose="02020603050405020304" pitchFamily="18" charset="0"/>
+                <a:cs typeface="Times New Roman" panose="02020603050405020304" pitchFamily="18" charset="0"/>
+              </a:rPr>
+              <a:t>RLS </a:t>
+            </a:r>
+            <a:r>
+              <a:rPr lang="ru-RU" sz="2000" i="1" dirty="0" smtClean="0">
+                <a:latin typeface="Times New Roman" panose="02020603050405020304" pitchFamily="18" charset="0"/>
+                <a:cs typeface="Times New Roman" panose="02020603050405020304" pitchFamily="18" charset="0"/>
+              </a:rPr>
+              <a:t>– </a:t>
+            </a:r>
+            <a:r>
+              <a:rPr lang="en-US" sz="2000" i="1" dirty="0" smtClean="0">
+                <a:latin typeface="Times New Roman" panose="02020603050405020304" pitchFamily="18" charset="0"/>
+                <a:cs typeface="Times New Roman" panose="02020603050405020304" pitchFamily="18" charset="0"/>
+              </a:rPr>
+              <a:t> Linear Constrained Recursive Least Squares</a:t>
+            </a:r>
+            <a:endParaRPr lang="ru-RU" sz="2000" b="1" dirty="0" smtClean="0">
+              <a:latin typeface="Times New Roman" panose="02020603050405020304" pitchFamily="18" charset="0"/>
+              <a:cs typeface="Times New Roman" panose="02020603050405020304" pitchFamily="18" charset="0"/>
+            </a:endParaRPr>
+          </a:p>
+          <a:p>
+            <a:pPr marL="285750" indent="-285750">
+              <a:buFont typeface="Arial" panose="020B0604020202020204" pitchFamily="34" charset="0"/>
+              <a:buChar char="•"/>
+            </a:pPr>
+            <a:endParaRPr lang="ru-RU" sz="2000" dirty="0" smtClean="0"/>
+          </a:p>
+          <a:p>
+            <a:pPr marL="285750" indent="-285750">
+              <a:buFont typeface="Arial" panose="020B0604020202020204" pitchFamily="34" charset="0"/>
+              <a:buChar char="•"/>
+            </a:pPr>
+            <a:endParaRPr lang="ru-RU" sz="2000" dirty="0"/>
+          </a:p>
+        </p:txBody>
+      </p:sp>
+      <p:sp>
+        <p:nvSpPr>
+          <p:cNvPr id="35" name="TextBox 34"/>
+          <p:cNvSpPr txBox="1"/>
+          <p:nvPr/>
+        </p:nvSpPr>
+        <p:spPr>
+          <a:xfrm>
+            <a:off x="467544" y="1755554"/>
+            <a:ext cx="4392488" cy="707886"/>
+          </a:xfrm>
+          <a:prstGeom prst="rect">
+            <a:avLst/>
+          </a:prstGeom>
+          <a:noFill/>
+        </p:spPr>
+        <p:txBody>
+          <a:bodyPr wrap="square" rtlCol="0">
+            <a:spAutoFit/>
+          </a:bodyPr>
+          <a:lstStyle/>
+          <a:p>
+            <a:r>
+              <a:rPr lang="ru-RU" sz="2000" dirty="0" smtClean="0">
+                <a:latin typeface="Times New Roman" panose="02020603050405020304" pitchFamily="18" charset="0"/>
+                <a:cs typeface="Times New Roman" panose="02020603050405020304" pitchFamily="18" charset="0"/>
+              </a:rPr>
+              <a:t>Минимизация </a:t>
+            </a:r>
+            <a:r>
+              <a:rPr lang="en-US" sz="2000" dirty="0" smtClean="0">
+                <a:latin typeface="Times New Roman" panose="02020603050405020304" pitchFamily="18" charset="0"/>
+                <a:cs typeface="Times New Roman" panose="02020603050405020304" pitchFamily="18" charset="0"/>
+              </a:rPr>
+              <a:t>MSE</a:t>
+            </a:r>
+            <a:r>
+              <a:rPr lang="ru-RU" sz="2000" dirty="0" smtClean="0">
+                <a:latin typeface="Times New Roman" panose="02020603050405020304" pitchFamily="18" charset="0"/>
+                <a:cs typeface="Times New Roman" panose="02020603050405020304" pitchFamily="18" charset="0"/>
+              </a:rPr>
+              <a:t>-функции </a:t>
+            </a:r>
+            <a:r>
+              <a:rPr lang="en-US" sz="2000" dirty="0" smtClean="0">
+                <a:latin typeface="Times New Roman" panose="02020603050405020304" pitchFamily="18" charset="0"/>
+                <a:cs typeface="Times New Roman" panose="02020603050405020304" pitchFamily="18" charset="0"/>
+              </a:rPr>
+              <a:t/>
+            </a:r>
+            <a:br>
+              <a:rPr lang="en-US" sz="2000" dirty="0" smtClean="0">
+                <a:latin typeface="Times New Roman" panose="02020603050405020304" pitchFamily="18" charset="0"/>
+                <a:cs typeface="Times New Roman" panose="02020603050405020304" pitchFamily="18" charset="0"/>
+              </a:rPr>
+            </a:br>
+            <a:r>
+              <a:rPr lang="ru-RU" sz="2000" dirty="0" smtClean="0">
+                <a:latin typeface="Times New Roman" panose="02020603050405020304" pitchFamily="18" charset="0"/>
+                <a:cs typeface="Times New Roman" panose="02020603050405020304" pitchFamily="18" charset="0"/>
+              </a:rPr>
+              <a:t>с линейными ограничениями </a:t>
+            </a:r>
+            <a:endParaRPr lang="ru-RU" sz="1400" dirty="0">
+              <a:latin typeface="Times New Roman" panose="02020603050405020304" pitchFamily="18" charset="0"/>
+              <a:cs typeface="Times New Roman" panose="02020603050405020304" pitchFamily="18" charset="0"/>
+            </a:endParaRPr>
+          </a:p>
+        </p:txBody>
+      </p:sp>
+      <p:graphicFrame>
+        <p:nvGraphicFramePr>
+          <p:cNvPr id="36" name="Объект 35"/>
+          <p:cNvGraphicFramePr>
+            <a:graphicFrameLocks noChangeAspect="1"/>
+          </p:cNvGraphicFramePr>
+          <p:nvPr>
+            <p:extLst>
+              <p:ext uri="{D42A27DB-BD31-4B8C-83A1-F6EECF244321}">
+                <p14:modId xmlns:p14="http://schemas.microsoft.com/office/powerpoint/2010/main" val="2715046539"/>
+              </p:ext>
+            </p:extLst>
+          </p:nvPr>
+        </p:nvGraphicFramePr>
+        <p:xfrm>
+          <a:off x="971600" y="2654599"/>
+          <a:ext cx="2232025" cy="812800"/>
+        </p:xfrm>
+        <a:graphic>
+          <a:graphicData uri="http://schemas.openxmlformats.org/presentationml/2006/ole">
+            <mc:AlternateContent xmlns:mc="http://schemas.openxmlformats.org/markup-compatibility/2006">
+              <mc:Choice xmlns:v="urn:schemas-microsoft-com:vml" Requires="v">
+                <p:oleObj spid="_x0000_s1032" name="Формула" r:id="rId4" imgW="1511280" imgH="571320" progId="Equation.3">
+                  <p:embed/>
+                </p:oleObj>
+              </mc:Choice>
+              <mc:Fallback>
+                <p:oleObj name="Формула" r:id="rId4" imgW="1511280" imgH="571320" progId="Equation.3">
+                  <p:embed/>
+                  <p:pic>
+                    <p:nvPicPr>
+                      <p:cNvPr id="0" name=""/>
+                      <p:cNvPicPr>
+                        <a:picLocks noChangeAspect="1" noChangeArrowheads="1"/>
+                      </p:cNvPicPr>
+                      <p:nvPr/>
+                    </p:nvPicPr>
+                    <p:blipFill>
+                      <a:blip r:embed="rId5">
+                        <a:extLst>
+                          <a:ext uri="{28A0092B-C50C-407E-A947-70E740481C1C}">
+                            <a14:useLocalDpi xmlns:a14="http://schemas.microsoft.com/office/drawing/2010/main" val="0"/>
+                          </a:ext>
+                        </a:extLst>
+                      </a:blip>
+                      <a:srcRect/>
+                      <a:stretch>
+                        <a:fillRect/>
+                      </a:stretch>
+                    </p:blipFill>
+                    <p:spPr bwMode="auto">
+                      <a:xfrm>
+                        <a:off x="971600" y="2654599"/>
+                        <a:ext cx="2232025" cy="812800"/>
+                      </a:xfrm>
+                      <a:prstGeom prst="rect">
+                        <a:avLst/>
+                      </a:prstGeom>
+                      <a:noFill/>
+                      <a:ln>
+                        <a:noFill/>
+                      </a:ln>
+                    </p:spPr>
+                  </p:pic>
+                </p:oleObj>
+              </mc:Fallback>
+            </mc:AlternateContent>
+          </a:graphicData>
+        </a:graphic>
+      </p:graphicFrame>
+      <p:graphicFrame>
+        <p:nvGraphicFramePr>
+          <p:cNvPr id="37" name="Объект 36"/>
+          <p:cNvGraphicFramePr>
+            <a:graphicFrameLocks noChangeAspect="1"/>
+          </p:cNvGraphicFramePr>
+          <p:nvPr>
+            <p:extLst>
+              <p:ext uri="{D42A27DB-BD31-4B8C-83A1-F6EECF244321}">
+                <p14:modId xmlns:p14="http://schemas.microsoft.com/office/powerpoint/2010/main" val="2762298460"/>
+              </p:ext>
+            </p:extLst>
+          </p:nvPr>
+        </p:nvGraphicFramePr>
+        <p:xfrm>
+          <a:off x="4952282" y="2564905"/>
+          <a:ext cx="3262312" cy="992188"/>
+        </p:xfrm>
+        <a:graphic>
+          <a:graphicData uri="http://schemas.openxmlformats.org/presentationml/2006/ole">
+            <mc:AlternateContent xmlns:mc="http://schemas.openxmlformats.org/markup-compatibility/2006">
+              <mc:Choice xmlns:v="urn:schemas-microsoft-com:vml" Requires="v">
+                <p:oleObj spid="_x0000_s1033" name="Формула" r:id="rId6" imgW="2209680" imgH="698400" progId="Equation.3">
+                  <p:embed/>
+                </p:oleObj>
+              </mc:Choice>
+              <mc:Fallback>
+                <p:oleObj name="Формула" r:id="rId6" imgW="2209680" imgH="698400" progId="Equation.3">
+                  <p:embed/>
+                  <p:pic>
+                    <p:nvPicPr>
+                      <p:cNvPr id="0" name=""/>
+                      <p:cNvPicPr>
+                        <a:picLocks noChangeAspect="1" noChangeArrowheads="1"/>
+                      </p:cNvPicPr>
+                      <p:nvPr/>
+                    </p:nvPicPr>
+                    <p:blipFill>
+                      <a:blip r:embed="rId7"/>
+                      <a:srcRect/>
+                      <a:stretch>
+                        <a:fillRect/>
+                      </a:stretch>
+                    </p:blipFill>
+                    <p:spPr bwMode="auto">
+                      <a:xfrm>
+                        <a:off x="4952282" y="2564905"/>
+                        <a:ext cx="3262312" cy="992188"/>
+                      </a:xfrm>
+                      <a:prstGeom prst="rect">
+                        <a:avLst/>
+                      </a:prstGeom>
+                      <a:noFill/>
+                      <a:ln>
+                        <a:noFill/>
+                      </a:ln>
+                      <a:extLst>
+                        <a:ext uri="{909E8E84-426E-40DD-AFC4-6F175D3DCCD1}">
+                          <a14:hiddenFill xmlns:a14="http://schemas.microsoft.com/office/drawing/2010/main">
+                            <a:solidFill>
+                              <a:srgbClr val="FFFFFF"/>
+                            </a:solidFill>
+                          </a14:hiddenFill>
+                        </a:ext>
+                        <a:ext uri="{91240B29-F687-4F45-9708-019B960494DF}">
+                          <a14:hiddenLine xmlns:a14="http://schemas.microsoft.com/office/drawing/2010/main" w="9525">
+                            <a:solidFill>
+                              <a:srgbClr val="000000"/>
+                            </a:solidFill>
+                            <a:miter lim="800000"/>
+                            <a:headEnd/>
+                            <a:tailEnd/>
+                          </a14:hiddenLine>
+                        </a:ext>
+                      </a:extLst>
+                    </p:spPr>
+                  </p:pic>
+                </p:oleObj>
+              </mc:Fallback>
+            </mc:AlternateContent>
+          </a:graphicData>
+        </a:graphic>
+      </p:graphicFrame>
+      <p:sp>
+        <p:nvSpPr>
+          <p:cNvPr id="38" name="TextBox 37"/>
+          <p:cNvSpPr txBox="1"/>
+          <p:nvPr/>
+        </p:nvSpPr>
+        <p:spPr>
+          <a:xfrm>
+            <a:off x="4932040" y="1755554"/>
+            <a:ext cx="4392488" cy="707886"/>
+          </a:xfrm>
+          <a:prstGeom prst="rect">
+            <a:avLst/>
+          </a:prstGeom>
+          <a:noFill/>
+        </p:spPr>
+        <p:txBody>
+          <a:bodyPr wrap="square" rtlCol="0">
+            <a:spAutoFit/>
+          </a:bodyPr>
+          <a:lstStyle/>
+          <a:p>
+            <a:r>
+              <a:rPr lang="ru-RU" sz="2000" dirty="0" smtClean="0">
+                <a:latin typeface="Times New Roman" panose="02020603050405020304" pitchFamily="18" charset="0"/>
+                <a:cs typeface="Times New Roman" panose="02020603050405020304" pitchFamily="18" charset="0"/>
+              </a:rPr>
+              <a:t>Минимизация </a:t>
+            </a:r>
+            <a:r>
+              <a:rPr lang="en-US" sz="2000" dirty="0" smtClean="0">
+                <a:latin typeface="Times New Roman" panose="02020603050405020304" pitchFamily="18" charset="0"/>
+                <a:cs typeface="Times New Roman" panose="02020603050405020304" pitchFamily="18" charset="0"/>
+              </a:rPr>
+              <a:t>LS</a:t>
+            </a:r>
+            <a:r>
+              <a:rPr lang="ru-RU" sz="2000" dirty="0" smtClean="0">
+                <a:latin typeface="Times New Roman" panose="02020603050405020304" pitchFamily="18" charset="0"/>
+                <a:cs typeface="Times New Roman" panose="02020603050405020304" pitchFamily="18" charset="0"/>
+              </a:rPr>
+              <a:t>-функции </a:t>
+            </a:r>
+            <a:r>
+              <a:rPr lang="en-US" sz="2000" dirty="0" smtClean="0">
+                <a:latin typeface="Times New Roman" panose="02020603050405020304" pitchFamily="18" charset="0"/>
+                <a:cs typeface="Times New Roman" panose="02020603050405020304" pitchFamily="18" charset="0"/>
+              </a:rPr>
+              <a:t/>
+            </a:r>
+            <a:br>
+              <a:rPr lang="en-US" sz="2000" dirty="0" smtClean="0">
+                <a:latin typeface="Times New Roman" panose="02020603050405020304" pitchFamily="18" charset="0"/>
+                <a:cs typeface="Times New Roman" panose="02020603050405020304" pitchFamily="18" charset="0"/>
+              </a:rPr>
+            </a:br>
+            <a:r>
+              <a:rPr lang="ru-RU" sz="2000" dirty="0" smtClean="0">
+                <a:latin typeface="Times New Roman" panose="02020603050405020304" pitchFamily="18" charset="0"/>
+                <a:cs typeface="Times New Roman" panose="02020603050405020304" pitchFamily="18" charset="0"/>
+              </a:rPr>
+              <a:t>с линейными ограничениями </a:t>
+            </a:r>
+            <a:endParaRPr lang="ru-RU" sz="1400" dirty="0">
+              <a:latin typeface="Times New Roman" panose="02020603050405020304" pitchFamily="18" charset="0"/>
+              <a:cs typeface="Times New Roman" panose="02020603050405020304" pitchFamily="18" charset="0"/>
+            </a:endParaRPr>
+          </a:p>
+        </p:txBody>
+      </p:sp>
+      <p:cxnSp>
+        <p:nvCxnSpPr>
+          <p:cNvPr id="40" name="Прямая со стрелкой 39"/>
+          <p:cNvCxnSpPr/>
+          <p:nvPr/>
+        </p:nvCxnSpPr>
+        <p:spPr>
+          <a:xfrm flipH="1">
+            <a:off x="2915816" y="1268761"/>
+            <a:ext cx="1224136" cy="486793"/>
+          </a:xfrm>
+          <a:prstGeom prst="straightConnector1">
+            <a:avLst/>
+          </a:prstGeom>
+          <a:ln w="28575">
+            <a:solidFill>
+              <a:schemeClr val="tx1"/>
+            </a:solidFill>
+            <a:tailEnd type="arrow"/>
           </a:ln>
         </p:spPr>
-      </p:pic>
-      <p:pic>
-        <p:nvPicPr>
-          <p:cNvPr id="112" name="" descr=""/>
-          <p:cNvPicPr/>
+        <p:style>
+          <a:lnRef idx="1">
+            <a:schemeClr val="accent1"/>
+          </a:lnRef>
+          <a:fillRef idx="0">
+            <a:schemeClr val="accent1"/>
+          </a:fillRef>
+          <a:effectRef idx="0">
+            <a:schemeClr val="accent1"/>
+          </a:effectRef>
+          <a:fontRef idx="minor">
+            <a:schemeClr val="tx1"/>
+          </a:fontRef>
+        </p:style>
+      </p:cxnSp>
+      <p:cxnSp>
+        <p:nvCxnSpPr>
+          <p:cNvPr id="41" name="Прямая со стрелкой 40"/>
+          <p:cNvCxnSpPr/>
           <p:nvPr/>
-        </p:nvPicPr>
-        <p:blipFill>
-          <a:blip r:embed="rId2"/>
-          <a:stretch/>
-        </p:blipFill>
-        <p:spPr>
-          <a:xfrm>
-            <a:off x="288000" y="2016000"/>
-            <a:ext cx="8684640" cy="3238200"/>
-          </a:xfrm>
-          <a:prstGeom prst="rect">
-            <a:avLst/>
-          </a:prstGeom>
-          <a:ln>
-            <a:noFill/>
+        </p:nvCxnSpPr>
+        <p:spPr>
+          <a:xfrm>
+            <a:off x="4139952" y="1268760"/>
+            <a:ext cx="1224136" cy="486793"/>
+          </a:xfrm>
+          <a:prstGeom prst="straightConnector1">
+            <a:avLst/>
+          </a:prstGeom>
+          <a:ln w="28575">
+            <a:solidFill>
+              <a:schemeClr val="tx1"/>
+            </a:solidFill>
+            <a:tailEnd type="arrow"/>
           </a:ln>
         </p:spPr>
-      </p:pic>
+        <p:style>
+          <a:lnRef idx="1">
+            <a:schemeClr val="accent1"/>
+          </a:lnRef>
+          <a:fillRef idx="0">
+            <a:schemeClr val="accent1"/>
+          </a:fillRef>
+          <a:effectRef idx="0">
+            <a:schemeClr val="accent1"/>
+          </a:effectRef>
+          <a:fontRef idx="minor">
+            <a:schemeClr val="tx1"/>
+          </a:fontRef>
+        </p:style>
+      </p:cxnSp>
+      <p:sp>
+        <p:nvSpPr>
+          <p:cNvPr id="46" name="Прямоугольник 45"/>
+          <p:cNvSpPr/>
+          <p:nvPr/>
+        </p:nvSpPr>
+        <p:spPr>
+          <a:xfrm>
+            <a:off x="6012160" y="4149080"/>
+            <a:ext cx="990977" cy="400110"/>
+          </a:xfrm>
+          <a:prstGeom prst="rect">
+            <a:avLst/>
+          </a:prstGeom>
+        </p:spPr>
+        <p:txBody>
+          <a:bodyPr wrap="none">
+            <a:spAutoFit/>
+          </a:bodyPr>
+          <a:lstStyle/>
+          <a:p>
+            <a:r>
+              <a:rPr lang="en-US" sz="2000" i="1" dirty="0">
+                <a:latin typeface="Times New Roman" panose="02020603050405020304" pitchFamily="18" charset="0"/>
+                <a:cs typeface="Times New Roman" panose="02020603050405020304" pitchFamily="18" charset="0"/>
+              </a:rPr>
+              <a:t>LC RLS</a:t>
+            </a:r>
+            <a:endParaRPr lang="ru-RU" sz="2000" dirty="0"/>
+          </a:p>
+        </p:txBody>
+      </p:sp>
+      <p:cxnSp>
+        <p:nvCxnSpPr>
+          <p:cNvPr id="47" name="Прямая со стрелкой 46"/>
+          <p:cNvCxnSpPr/>
+          <p:nvPr/>
+        </p:nvCxnSpPr>
+        <p:spPr>
+          <a:xfrm>
+            <a:off x="6457115" y="3531231"/>
+            <a:ext cx="0" cy="476684"/>
+          </a:xfrm>
+          <a:prstGeom prst="straightConnector1">
+            <a:avLst/>
+          </a:prstGeom>
+          <a:ln w="28575">
+            <a:solidFill>
+              <a:schemeClr val="tx1"/>
+            </a:solidFill>
+            <a:tailEnd type="arrow"/>
+          </a:ln>
+        </p:spPr>
+        <p:style>
+          <a:lnRef idx="1">
+            <a:schemeClr val="accent1"/>
+          </a:lnRef>
+          <a:fillRef idx="0">
+            <a:schemeClr val="accent1"/>
+          </a:fillRef>
+          <a:effectRef idx="0">
+            <a:schemeClr val="accent1"/>
+          </a:effectRef>
+          <a:fontRef idx="minor">
+            <a:schemeClr val="tx1"/>
+          </a:fontRef>
+        </p:style>
+      </p:cxnSp>
+      <p:sp>
+        <p:nvSpPr>
+          <p:cNvPr id="48" name="Прямоугольник 47"/>
+          <p:cNvSpPr/>
+          <p:nvPr/>
+        </p:nvSpPr>
+        <p:spPr>
+          <a:xfrm>
+            <a:off x="1654968" y="4149080"/>
+            <a:ext cx="1047082" cy="400110"/>
+          </a:xfrm>
+          <a:prstGeom prst="rect">
+            <a:avLst/>
+          </a:prstGeom>
+        </p:spPr>
+        <p:txBody>
+          <a:bodyPr wrap="none">
+            <a:spAutoFit/>
+          </a:bodyPr>
+          <a:lstStyle/>
+          <a:p>
+            <a:r>
+              <a:rPr lang="en-US" sz="2000" i="1" dirty="0" smtClean="0">
+                <a:latin typeface="Times New Roman" panose="02020603050405020304" pitchFamily="18" charset="0"/>
+                <a:cs typeface="Times New Roman" panose="02020603050405020304" pitchFamily="18" charset="0"/>
+              </a:rPr>
+              <a:t>LC LMS</a:t>
+            </a:r>
+            <a:endParaRPr lang="ru-RU" sz="2000" dirty="0"/>
+          </a:p>
+        </p:txBody>
+      </p:sp>
+      <p:cxnSp>
+        <p:nvCxnSpPr>
+          <p:cNvPr id="49" name="Прямая со стрелкой 48"/>
+          <p:cNvCxnSpPr/>
+          <p:nvPr/>
+        </p:nvCxnSpPr>
+        <p:spPr>
+          <a:xfrm>
+            <a:off x="2099923" y="3531231"/>
+            <a:ext cx="0" cy="476684"/>
+          </a:xfrm>
+          <a:prstGeom prst="straightConnector1">
+            <a:avLst/>
+          </a:prstGeom>
+          <a:ln w="28575">
+            <a:solidFill>
+              <a:schemeClr val="tx1"/>
+            </a:solidFill>
+            <a:tailEnd type="arrow"/>
+          </a:ln>
+        </p:spPr>
+        <p:style>
+          <a:lnRef idx="1">
+            <a:schemeClr val="accent1"/>
+          </a:lnRef>
+          <a:fillRef idx="0">
+            <a:schemeClr val="accent1"/>
+          </a:fillRef>
+          <a:effectRef idx="0">
+            <a:schemeClr val="accent1"/>
+          </a:effectRef>
+          <a:fontRef idx="minor">
+            <a:schemeClr val="tx1"/>
+          </a:fontRef>
+        </p:style>
+      </p:cxnSp>
+      <p:sp>
+        <p:nvSpPr>
+          <p:cNvPr id="15" name="TextBox 14"/>
+          <p:cNvSpPr txBox="1"/>
+          <p:nvPr/>
+        </p:nvSpPr>
+        <p:spPr>
+          <a:xfrm>
+            <a:off x="8460432" y="0"/>
+            <a:ext cx="683568" cy="461665"/>
+          </a:xfrm>
+          <a:prstGeom prst="rect">
+            <a:avLst/>
+          </a:prstGeom>
+          <a:noFill/>
+        </p:spPr>
+        <p:txBody>
+          <a:bodyPr wrap="square" rtlCol="0">
+            <a:spAutoFit/>
+          </a:bodyPr>
+          <a:lstStyle/>
+          <a:p>
+            <a:pPr algn="ctr"/>
+            <a:fld id="{4ECEE6B5-8CB6-40F7-9C10-5B351414AB6E}" type="slidenum">
+              <a:rPr lang="ru-RU" sz="2400" smtClean="0"/>
+              <a:pPr algn="ctr"/>
+              <a:t>7</a:t>
+            </a:fld>
+            <a:endParaRPr lang="ru-RU" sz="2400" dirty="0"/>
+          </a:p>
+        </p:txBody>
+      </p:sp>
     </p:spTree>
   </p:cSld>
-  <mc:AlternateContent>
+  <p:clrMapOvr>
+    <a:masterClrMapping/>
+  </p:clrMapOvr>
+  <mc:AlternateContent xmlns:mc="http://schemas.openxmlformats.org/markup-compatibility/2006" xmlns:p14="http://schemas.microsoft.com/office/powerpoint/2010/main">
     <mc:Choice Requires="p14">
       <p:transition spd="slow" p14:dur="2000"/>
     </mc:Choice>
-    <mc:Fallback>
+    <mc:Fallback xmlns="" xmlns:p15="http://schemas.microsoft.com/office/powerpoint/2012/main">
       <p:transition spd="slow"/>
     </mc:Fallback>
   </mc:AlternateContent>
+  <p:timing>
+    <p:tnLst>
+      <p:par>
+        <p:cTn id="1" dur="indefinite" restart="never" nodeType="tmRoot"/>
+      </p:par>
+    </p:tnLst>
+  </p:timing>
 </p:sld>
 </file>
 
 <file path=ppt/slides/slide8.xml><?xml version="1.0" encoding="utf-8"?>
-<p:sld xmlns:a="http://schemas.openxmlformats.org/drawingml/2006/main" xmlns:p="http://schemas.openxmlformats.org/presentationml/2006/main" xmlns:r="http://schemas.openxmlformats.org/officeDocument/2006/relationships" xmlns:p14="http://schemas.microsoft.com/office/powerpoint/2010/main" xmlns:p15="http://schemas.microsoft.com/office/powerpoint/2012/main" xmlns:mc="http://schemas.openxmlformats.org/markup-compatibility/2006">
+<p:sld xmlns:a="http://schemas.openxmlformats.org/drawingml/2006/main" xmlns:r="http://schemas.openxmlformats.org/officeDocument/2006/relationships" xmlns:p="http://schemas.openxmlformats.org/presentationml/2006/main">
   <p:cSld>
     <p:spTree>
       <p:nvGrpSpPr>
@@ -6677,15 +9382,22 @@
           </a:ln>
         </p:spPr>
         <p:style>
-          <a:lnRef idx="0"/>
-          <a:fillRef idx="0"/>
-          <a:effectRef idx="0"/>
+          <a:lnRef idx="0">
+            <a:scrgbClr r="0" g="0" b="0"/>
+          </a:lnRef>
+          <a:fillRef idx="0">
+            <a:scrgbClr r="0" g="0" b="0"/>
+          </a:fillRef>
+          <a:effectRef idx="0">
+            <a:scrgbClr r="0" g="0" b="0"/>
+          </a:effectRef>
           <a:fontRef idx="minor"/>
         </p:style>
         <p:txBody>
-          <a:bodyPr lIns="90000" rIns="90000" tIns="45000" bIns="45000" anchor="ctr">
+          <a:bodyPr lIns="90000" tIns="45000" rIns="90000" bIns="45000" anchor="ctr">
             <a:normAutofit fontScale="88000"/>
           </a:bodyPr>
+          <a:lstStyle/>
           <a:p>
             <a:pPr algn="ctr">
               <a:lnSpc>
@@ -6693,7 +9405,7 @@
               </a:lnSpc>
             </a:pPr>
             <a:r>
-              <a:rPr b="0" lang="ru-RU" sz="4400" spc="-1" strike="noStrike">
+              <a:rPr lang="ru-RU" sz="4400" b="0" strike="noStrike" spc="-1">
                 <a:solidFill>
                   <a:srgbClr val="000000"/>
                 </a:solidFill>
@@ -6702,7 +9414,7 @@
               </a:rPr>
               <a:t>Моделирование. Постановка задачи.</a:t>
             </a:r>
-            <a:endParaRPr b="0" lang="ru-RU" sz="4400" spc="-1" strike="noStrike">
+            <a:endParaRPr lang="ru-RU" sz="4400" b="0" strike="noStrike" spc="-1">
               <a:latin typeface="Arial"/>
             </a:endParaRPr>
           </a:p>
@@ -6710,53 +9422,7 @@
       </p:sp>
       <p:pic>
         <p:nvPicPr>
-          <p:cNvPr id="114" name="" descr=""/>
-          <p:cNvPicPr/>
-          <p:nvPr/>
-        </p:nvPicPr>
-        <p:blipFill>
-          <a:blip r:embed="rId1"/>
-          <a:stretch/>
-        </p:blipFill>
-        <p:spPr>
-          <a:xfrm>
-            <a:off x="4122000" y="2448000"/>
-            <a:ext cx="4458600" cy="2355480"/>
-          </a:xfrm>
-          <a:prstGeom prst="rect">
-            <a:avLst/>
-          </a:prstGeom>
-          <a:ln>
-            <a:noFill/>
-          </a:ln>
-        </p:spPr>
-      </p:pic>
-      <p:pic>
-        <p:nvPicPr>
-          <p:cNvPr id="115" name="" descr=""/>
-          <p:cNvPicPr/>
-          <p:nvPr/>
-        </p:nvPicPr>
-        <p:blipFill>
-          <a:blip r:embed="rId2"/>
-          <a:stretch/>
-        </p:blipFill>
-        <p:spPr>
-          <a:xfrm>
-            <a:off x="288000" y="1440000"/>
-            <a:ext cx="3830760" cy="3652920"/>
-          </a:xfrm>
-          <a:prstGeom prst="rect">
-            <a:avLst/>
-          </a:prstGeom>
-          <a:ln>
-            <a:noFill/>
-          </a:ln>
-        </p:spPr>
-      </p:pic>
-      <p:pic>
-        <p:nvPicPr>
-          <p:cNvPr id="116" name="" descr=""/>
+          <p:cNvPr id="114" name="Рисунок 113"/>
           <p:cNvPicPr/>
           <p:nvPr/>
         </p:nvPicPr>
@@ -6766,8 +9432,8 @@
         </p:blipFill>
         <p:spPr>
           <a:xfrm>
-            <a:off x="613800" y="5096160"/>
-            <a:ext cx="5502960" cy="1565640"/>
+            <a:off x="4122000" y="2448000"/>
+            <a:ext cx="4458600" cy="2355480"/>
           </a:xfrm>
           <a:prstGeom prst="rect">
             <a:avLst/>
@@ -6779,7 +9445,7 @@
       </p:pic>
       <p:pic>
         <p:nvPicPr>
-          <p:cNvPr id="117" name="" descr=""/>
+          <p:cNvPr id="115" name="Рисунок 114"/>
           <p:cNvPicPr/>
           <p:nvPr/>
         </p:nvPicPr>
@@ -6789,8 +9455,8 @@
         </p:blipFill>
         <p:spPr>
           <a:xfrm>
-            <a:off x="6192000" y="5138640"/>
-            <a:ext cx="1796760" cy="1487160"/>
+            <a:off x="288000" y="1440000"/>
+            <a:ext cx="3830760" cy="3652920"/>
           </a:xfrm>
           <a:prstGeom prst="rect">
             <a:avLst/>
@@ -6800,21 +9466,109 @@
           </a:ln>
         </p:spPr>
       </p:pic>
+      <p:pic>
+        <p:nvPicPr>
+          <p:cNvPr id="116" name="Рисунок 115"/>
+          <p:cNvPicPr/>
+          <p:nvPr/>
+        </p:nvPicPr>
+        <p:blipFill>
+          <a:blip r:embed="rId5"/>
+          <a:stretch/>
+        </p:blipFill>
+        <p:spPr>
+          <a:xfrm>
+            <a:off x="613800" y="5096160"/>
+            <a:ext cx="5502960" cy="1565640"/>
+          </a:xfrm>
+          <a:prstGeom prst="rect">
+            <a:avLst/>
+          </a:prstGeom>
+          <a:ln>
+            <a:noFill/>
+          </a:ln>
+        </p:spPr>
+      </p:pic>
+      <p:pic>
+        <p:nvPicPr>
+          <p:cNvPr id="117" name="Рисунок 116"/>
+          <p:cNvPicPr/>
+          <p:nvPr/>
+        </p:nvPicPr>
+        <p:blipFill>
+          <a:blip r:embed="rId6"/>
+          <a:stretch/>
+        </p:blipFill>
+        <p:spPr>
+          <a:xfrm>
+            <a:off x="6192000" y="5138640"/>
+            <a:ext cx="1796760" cy="1487160"/>
+          </a:xfrm>
+          <a:prstGeom prst="rect">
+            <a:avLst/>
+          </a:prstGeom>
+          <a:ln>
+            <a:noFill/>
+          </a:ln>
+        </p:spPr>
+      </p:pic>
+      <p:sp>
+        <p:nvSpPr>
+          <p:cNvPr id="7" name="TextBox 6"/>
+          <p:cNvSpPr txBox="1"/>
+          <p:nvPr/>
+        </p:nvSpPr>
+        <p:spPr>
+          <a:xfrm>
+            <a:off x="8460432" y="0"/>
+            <a:ext cx="683568" cy="461665"/>
+          </a:xfrm>
+          <a:prstGeom prst="rect">
+            <a:avLst/>
+          </a:prstGeom>
+          <a:noFill/>
+        </p:spPr>
+        <p:txBody>
+          <a:bodyPr wrap="square" rtlCol="0">
+            <a:spAutoFit/>
+          </a:bodyPr>
+          <a:lstStyle/>
+          <a:p>
+            <a:pPr algn="ctr"/>
+            <a:fld id="{4ECEE6B5-8CB6-40F7-9C10-5B351414AB6E}" type="slidenum">
+              <a:rPr lang="ru-RU" sz="2400" smtClean="0"/>
+              <a:pPr algn="ctr"/>
+              <a:t>8</a:t>
+            </a:fld>
+            <a:endParaRPr lang="ru-RU" sz="2400" dirty="0"/>
+          </a:p>
+        </p:txBody>
+      </p:sp>
     </p:spTree>
   </p:cSld>
-  <mc:AlternateContent>
+  <p:clrMapOvr>
+    <a:masterClrMapping/>
+  </p:clrMapOvr>
+  <mc:AlternateContent xmlns:mc="http://schemas.openxmlformats.org/markup-compatibility/2006" xmlns:p14="http://schemas.microsoft.com/office/powerpoint/2010/main">
     <mc:Choice Requires="p14">
       <p:transition spd="slow" p14:dur="2000"/>
     </mc:Choice>
-    <mc:Fallback>
+    <mc:Fallback xmlns="" xmlns:p15="http://schemas.microsoft.com/office/powerpoint/2012/main">
       <p:transition spd="slow"/>
     </mc:Fallback>
   </mc:AlternateContent>
+  <p:timing>
+    <p:tnLst>
+      <p:par>
+        <p:cTn id="1" dur="indefinite" restart="never" nodeType="tmRoot"/>
+      </p:par>
+    </p:tnLst>
+  </p:timing>
 </p:sld>
 </file>
 
 <file path=ppt/slides/slide9.xml><?xml version="1.0" encoding="utf-8"?>
-<p:sld xmlns:a="http://schemas.openxmlformats.org/drawingml/2006/main" xmlns:p="http://schemas.openxmlformats.org/presentationml/2006/main" xmlns:r="http://schemas.openxmlformats.org/officeDocument/2006/relationships" xmlns:p14="http://schemas.microsoft.com/office/powerpoint/2010/main" xmlns:p15="http://schemas.microsoft.com/office/powerpoint/2012/main" xmlns:mc="http://schemas.openxmlformats.org/markup-compatibility/2006">
+<p:sld xmlns:a="http://schemas.openxmlformats.org/drawingml/2006/main" xmlns:r="http://schemas.openxmlformats.org/officeDocument/2006/relationships" xmlns:p="http://schemas.openxmlformats.org/presentationml/2006/main">
   <p:cSld>
     <p:spTree>
       <p:nvGrpSpPr>
@@ -6838,7 +9592,7 @@
         </p:nvSpPr>
         <p:spPr>
           <a:xfrm>
-            <a:off x="457200" y="274680"/>
+            <a:off x="457200" y="422432"/>
             <a:ext cx="8220960" cy="1134360"/>
           </a:xfrm>
           <a:prstGeom prst="rect">
@@ -6850,15 +9604,22 @@
           </a:ln>
         </p:spPr>
         <p:style>
-          <a:lnRef idx="0"/>
-          <a:fillRef idx="0"/>
-          <a:effectRef idx="0"/>
+          <a:lnRef idx="0">
+            <a:scrgbClr r="0" g="0" b="0"/>
+          </a:lnRef>
+          <a:fillRef idx="0">
+            <a:scrgbClr r="0" g="0" b="0"/>
+          </a:fillRef>
+          <a:effectRef idx="0">
+            <a:scrgbClr r="0" g="0" b="0"/>
+          </a:effectRef>
           <a:fontRef idx="minor"/>
         </p:style>
         <p:txBody>
-          <a:bodyPr lIns="90000" rIns="90000" tIns="45000" bIns="45000" anchor="ctr">
-            <a:normAutofit fontScale="88000"/>
-          </a:bodyPr>
+          <a:bodyPr lIns="90000" tIns="45000" rIns="90000" bIns="45000" anchor="ctr">
+            <a:normAutofit fontScale="88000" lnSpcReduction="20000"/>
+          </a:bodyPr>
+          <a:lstStyle/>
           <a:p>
             <a:pPr algn="ctr">
               <a:lnSpc>
@@ -6866,16 +9627,15 @@
               </a:lnSpc>
             </a:pPr>
             <a:r>
-              <a:rPr b="0" lang="ru-RU" sz="4400" spc="-1" strike="noStrike">
+              <a:rPr lang="en-US" sz="4400" spc="-1" dirty="0">
                 <a:solidFill>
                   <a:srgbClr val="000000"/>
                 </a:solidFill>
                 <a:latin typeface="Calibri"/>
-                <a:ea typeface="DejaVu Sans"/>
-              </a:rPr>
-              <a:t>Критерии оценки эффективности работы МР</a:t>
-            </a:r>
-            <a:endParaRPr b="0" lang="ru-RU" sz="4400" spc="-1" strike="noStrike">
+              </a:rPr>
+              <a:t>Perceptual Evaluation of Speech Quality (PESQ)</a:t>
+            </a:r>
+            <a:endParaRPr lang="ru-RU" sz="4400" b="0" strike="noStrike" spc="-1" dirty="0">
               <a:latin typeface="Arial"/>
             </a:endParaRPr>
           </a:p>
@@ -6901,25 +9661,31 @@
           </a:ln>
         </p:spPr>
         <p:style>
-          <a:lnRef idx="0"/>
-          <a:fillRef idx="0"/>
-          <a:effectRef idx="0"/>
+          <a:lnRef idx="0">
+            <a:scrgbClr r="0" g="0" b="0"/>
+          </a:lnRef>
+          <a:fillRef idx="0">
+            <a:scrgbClr r="0" g="0" b="0"/>
+          </a:fillRef>
+          <a:effectRef idx="0">
+            <a:scrgbClr r="0" g="0" b="0"/>
+          </a:effectRef>
           <a:fontRef idx="minor"/>
         </p:style>
       </p:sp>
       <p:pic>
         <p:nvPicPr>
-          <p:cNvPr id="120" name="" descr=""/>
+          <p:cNvPr id="120" name="Рисунок 119"/>
           <p:cNvPicPr/>
           <p:nvPr/>
         </p:nvPicPr>
         <p:blipFill>
-          <a:blip r:embed="rId1"/>
+          <a:blip r:embed="rId3"/>
           <a:stretch/>
         </p:blipFill>
         <p:spPr>
           <a:xfrm>
-            <a:off x="1608120" y="2304000"/>
+            <a:off x="1763688" y="2304000"/>
             <a:ext cx="5441400" cy="2517120"/>
           </a:xfrm>
           <a:prstGeom prst="rect">
@@ -6930,16 +9696,58 @@
           </a:ln>
         </p:spPr>
       </p:pic>
+      <p:sp>
+        <p:nvSpPr>
+          <p:cNvPr id="5" name="TextBox 4"/>
+          <p:cNvSpPr txBox="1"/>
+          <p:nvPr/>
+        </p:nvSpPr>
+        <p:spPr>
+          <a:xfrm>
+            <a:off x="8460432" y="0"/>
+            <a:ext cx="683568" cy="461665"/>
+          </a:xfrm>
+          <a:prstGeom prst="rect">
+            <a:avLst/>
+          </a:prstGeom>
+          <a:noFill/>
+        </p:spPr>
+        <p:txBody>
+          <a:bodyPr wrap="square" rtlCol="0">
+            <a:spAutoFit/>
+          </a:bodyPr>
+          <a:lstStyle/>
+          <a:p>
+            <a:pPr algn="ctr"/>
+            <a:fld id="{4ECEE6B5-8CB6-40F7-9C10-5B351414AB6E}" type="slidenum">
+              <a:rPr lang="ru-RU" sz="2400" smtClean="0"/>
+              <a:pPr algn="ctr"/>
+              <a:t>9</a:t>
+            </a:fld>
+            <a:endParaRPr lang="ru-RU" sz="2400" dirty="0"/>
+          </a:p>
+        </p:txBody>
+      </p:sp>
     </p:spTree>
   </p:cSld>
-  <mc:AlternateContent>
+  <p:clrMapOvr>
+    <a:masterClrMapping/>
+  </p:clrMapOvr>
+  <mc:AlternateContent xmlns:mc="http://schemas.openxmlformats.org/markup-compatibility/2006" xmlns:p14="http://schemas.microsoft.com/office/powerpoint/2010/main">
     <mc:Choice Requires="p14">
       <p:transition spd="slow" p14:dur="2000"/>
     </mc:Choice>
-    <mc:Fallback>
+    <mc:Fallback xmlns="" xmlns:p15="http://schemas.microsoft.com/office/powerpoint/2012/main">
       <p:transition spd="slow"/>
     </mc:Fallback>
   </mc:AlternateContent>
+  <p:timing>
+    <p:tnLst>
+      <p:par>
+        <p:cTn id="1" dur="indefinite" restart="never" nodeType="tmRoot"/>
+      </p:par>
+    </p:tnLst>
+  </p:timing>
 </p:sld>
 </file>
 
@@ -6954,31 +9762,31 @@
         <a:sysClr val="window" lastClr="FFFFFF"/>
       </a:lt1>
       <a:dk2>
-        <a:srgbClr val="1f497d"/>
+        <a:srgbClr val="1F497D"/>
       </a:dk2>
       <a:lt2>
-        <a:srgbClr val="eeece1"/>
+        <a:srgbClr val="EEECE1"/>
       </a:lt2>
       <a:accent1>
-        <a:srgbClr val="4f81bd"/>
+        <a:srgbClr val="4F81BD"/>
       </a:accent1>
       <a:accent2>
-        <a:srgbClr val="c0504d"/>
+        <a:srgbClr val="C0504D"/>
       </a:accent2>
       <a:accent3>
-        <a:srgbClr val="9bbb59"/>
+        <a:srgbClr val="9BBB59"/>
       </a:accent3>
       <a:accent4>
-        <a:srgbClr val="8064a2"/>
+        <a:srgbClr val="8064A2"/>
       </a:accent4>
       <a:accent5>
-        <a:srgbClr val="4bacc6"/>
+        <a:srgbClr val="4BACC6"/>
       </a:accent5>
       <a:accent6>
-        <a:srgbClr val="f79646"/>
+        <a:srgbClr val="F79646"/>
       </a:accent6>
       <a:hlink>
-        <a:srgbClr val="0000ff"/>
+        <a:srgbClr val="0000FF"/>
       </a:hlink>
       <a:folHlink>
         <a:srgbClr val="800080"/>
@@ -7166,6 +9974,8 @@
       </a:bgFillStyleLst>
     </a:fmtScheme>
   </a:themeElements>
+  <a:objectDefaults/>
+  <a:extraClrSchemeLst/>
 </a:theme>
 </file>
 
@@ -7180,31 +9990,31 @@
         <a:sysClr val="window" lastClr="FFFFFF"/>
       </a:lt1>
       <a:dk2>
-        <a:srgbClr val="1f497d"/>
+        <a:srgbClr val="1F497D"/>
       </a:dk2>
       <a:lt2>
-        <a:srgbClr val="eeece1"/>
+        <a:srgbClr val="EEECE1"/>
       </a:lt2>
       <a:accent1>
-        <a:srgbClr val="4f81bd"/>
+        <a:srgbClr val="4F81BD"/>
       </a:accent1>
       <a:accent2>
-        <a:srgbClr val="c0504d"/>
+        <a:srgbClr val="C0504D"/>
       </a:accent2>
       <a:accent3>
-        <a:srgbClr val="9bbb59"/>
+        <a:srgbClr val="9BBB59"/>
       </a:accent3>
       <a:accent4>
-        <a:srgbClr val="8064a2"/>
+        <a:srgbClr val="8064A2"/>
       </a:accent4>
       <a:accent5>
-        <a:srgbClr val="4bacc6"/>
+        <a:srgbClr val="4BACC6"/>
       </a:accent5>
       <a:accent6>
-        <a:srgbClr val="f79646"/>
+        <a:srgbClr val="F79646"/>
       </a:accent6>
       <a:hlink>
-        <a:srgbClr val="0000ff"/>
+        <a:srgbClr val="0000FF"/>
       </a:hlink>
       <a:folHlink>
         <a:srgbClr val="800080"/>
@@ -7392,6 +10202,8 @@
       </a:bgFillStyleLst>
     </a:fmtScheme>
   </a:themeElements>
+  <a:objectDefaults/>
+  <a:extraClrSchemeLst/>
 </a:theme>
 </file>
 
@@ -7406,31 +10218,31 @@
         <a:sysClr val="window" lastClr="FFFFFF"/>
       </a:lt1>
       <a:dk2>
-        <a:srgbClr val="1f497d"/>
+        <a:srgbClr val="1F497D"/>
       </a:dk2>
       <a:lt2>
-        <a:srgbClr val="eeece1"/>
+        <a:srgbClr val="EEECE1"/>
       </a:lt2>
       <a:accent1>
-        <a:srgbClr val="4f81bd"/>
+        <a:srgbClr val="4F81BD"/>
       </a:accent1>
       <a:accent2>
-        <a:srgbClr val="c0504d"/>
+        <a:srgbClr val="C0504D"/>
       </a:accent2>
       <a:accent3>
-        <a:srgbClr val="9bbb59"/>
+        <a:srgbClr val="9BBB59"/>
       </a:accent3>
       <a:accent4>
-        <a:srgbClr val="8064a2"/>
+        <a:srgbClr val="8064A2"/>
       </a:accent4>
       <a:accent5>
-        <a:srgbClr val="4bacc6"/>
+        <a:srgbClr val="4BACC6"/>
       </a:accent5>
       <a:accent6>
-        <a:srgbClr val="f79646"/>
+        <a:srgbClr val="F79646"/>
       </a:accent6>
       <a:hlink>
-        <a:srgbClr val="0000ff"/>
+        <a:srgbClr val="0000FF"/>
       </a:hlink>
       <a:folHlink>
         <a:srgbClr val="800080"/>
@@ -7618,5 +10430,7 @@
       </a:bgFillStyleLst>
     </a:fmtScheme>
   </a:themeElements>
+  <a:objectDefaults/>
+  <a:extraClrSchemeLst/>
 </a:theme>
 </file>
--- a/student_session_2021/Доклад.pptx
+++ b/student_session_2021/Доклад.pptx
@@ -1,33 +1,465 @@
 
 <file path=ppt/presentation.xml><?xml version="1.0" encoding="utf-8"?>
-<p:presentation xmlns:a="http://schemas.openxmlformats.org/drawingml/2006/main" xmlns:p="http://schemas.openxmlformats.org/presentationml/2006/main" xmlns:r="http://schemas.openxmlformats.org/officeDocument/2006/relationships" xmlns:p14="http://schemas.microsoft.com/office/powerpoint/2010/main" xmlns:p15="http://schemas.microsoft.com/office/powerpoint/2012/main" xmlns:mc="http://schemas.openxmlformats.org/markup-compatibility/2006">
+<p:presentation xmlns:a="http://schemas.openxmlformats.org/drawingml/2006/main" xmlns:r="http://schemas.openxmlformats.org/officeDocument/2006/relationships" xmlns:p="http://schemas.openxmlformats.org/presentationml/2006/main">
   <p:sldMasterIdLst>
-    <p:sldMasterId id="2147483648" r:id="rId2"/>
-    <p:sldMasterId id="2147483661" r:id="rId3"/>
+    <p:sldMasterId id="2147483648" r:id="rId1"/>
+    <p:sldMasterId id="2147483661" r:id="rId2"/>
   </p:sldMasterIdLst>
   <p:notesMasterIdLst>
-    <p:notesMasterId r:id="rId4"/>
+    <p:notesMasterId r:id="rId14"/>
   </p:notesMasterIdLst>
   <p:sldIdLst>
-    <p:sldId id="256" r:id="rId5"/>
-    <p:sldId id="257" r:id="rId6"/>
-    <p:sldId id="258" r:id="rId7"/>
-    <p:sldId id="259" r:id="rId8"/>
-    <p:sldId id="260" r:id="rId9"/>
-    <p:sldId id="261" r:id="rId10"/>
-    <p:sldId id="262" r:id="rId11"/>
-    <p:sldId id="263" r:id="rId12"/>
-    <p:sldId id="264" r:id="rId13"/>
-    <p:sldId id="265" r:id="rId14"/>
-    <p:sldId id="266" r:id="rId15"/>
+    <p:sldId id="256" r:id="rId3"/>
+    <p:sldId id="257" r:id="rId4"/>
+    <p:sldId id="258" r:id="rId5"/>
+    <p:sldId id="259" r:id="rId6"/>
+    <p:sldId id="260" r:id="rId7"/>
+    <p:sldId id="261" r:id="rId8"/>
+    <p:sldId id="262" r:id="rId9"/>
+    <p:sldId id="263" r:id="rId10"/>
+    <p:sldId id="264" r:id="rId11"/>
+    <p:sldId id="265" r:id="rId12"/>
+    <p:sldId id="267" r:id="rId13"/>
   </p:sldIdLst>
-  <p:sldSz cx="9144000" cy="6858000"/>
+  <p:sldSz cx="9144000" cy="6858000" type="screen4x3"/>
   <p:notesSz cx="6858000" cy="9144000"/>
+  <p:defaultTextStyle>
+    <a:defPPr>
+      <a:defRPr lang="ru-RU"/>
+    </a:defPPr>
+    <a:lvl1pPr marL="0" algn="l" defTabSz="914400" rtl="0" eaLnBrk="1" latinLnBrk="0" hangingPunct="1">
+      <a:defRPr sz="1800" kern="1200">
+        <a:solidFill>
+          <a:schemeClr val="tx1"/>
+        </a:solidFill>
+        <a:latin typeface="+mn-lt"/>
+        <a:ea typeface="+mn-ea"/>
+        <a:cs typeface="+mn-cs"/>
+      </a:defRPr>
+    </a:lvl1pPr>
+    <a:lvl2pPr marL="457200" algn="l" defTabSz="914400" rtl="0" eaLnBrk="1" latinLnBrk="0" hangingPunct="1">
+      <a:defRPr sz="1800" kern="1200">
+        <a:solidFill>
+          <a:schemeClr val="tx1"/>
+        </a:solidFill>
+        <a:latin typeface="+mn-lt"/>
+        <a:ea typeface="+mn-ea"/>
+        <a:cs typeface="+mn-cs"/>
+      </a:defRPr>
+    </a:lvl2pPr>
+    <a:lvl3pPr marL="914400" algn="l" defTabSz="914400" rtl="0" eaLnBrk="1" latinLnBrk="0" hangingPunct="1">
+      <a:defRPr sz="1800" kern="1200">
+        <a:solidFill>
+          <a:schemeClr val="tx1"/>
+        </a:solidFill>
+        <a:latin typeface="+mn-lt"/>
+        <a:ea typeface="+mn-ea"/>
+        <a:cs typeface="+mn-cs"/>
+      </a:defRPr>
+    </a:lvl3pPr>
+    <a:lvl4pPr marL="1371600" algn="l" defTabSz="914400" rtl="0" eaLnBrk="1" latinLnBrk="0" hangingPunct="1">
+      <a:defRPr sz="1800" kern="1200">
+        <a:solidFill>
+          <a:schemeClr val="tx1"/>
+        </a:solidFill>
+        <a:latin typeface="+mn-lt"/>
+        <a:ea typeface="+mn-ea"/>
+        <a:cs typeface="+mn-cs"/>
+      </a:defRPr>
+    </a:lvl4pPr>
+    <a:lvl5pPr marL="1828800" algn="l" defTabSz="914400" rtl="0" eaLnBrk="1" latinLnBrk="0" hangingPunct="1">
+      <a:defRPr sz="1800" kern="1200">
+        <a:solidFill>
+          <a:schemeClr val="tx1"/>
+        </a:solidFill>
+        <a:latin typeface="+mn-lt"/>
+        <a:ea typeface="+mn-ea"/>
+        <a:cs typeface="+mn-cs"/>
+      </a:defRPr>
+    </a:lvl5pPr>
+    <a:lvl6pPr marL="2286000" algn="l" defTabSz="914400" rtl="0" eaLnBrk="1" latinLnBrk="0" hangingPunct="1">
+      <a:defRPr sz="1800" kern="1200">
+        <a:solidFill>
+          <a:schemeClr val="tx1"/>
+        </a:solidFill>
+        <a:latin typeface="+mn-lt"/>
+        <a:ea typeface="+mn-ea"/>
+        <a:cs typeface="+mn-cs"/>
+      </a:defRPr>
+    </a:lvl6pPr>
+    <a:lvl7pPr marL="2743200" algn="l" defTabSz="914400" rtl="0" eaLnBrk="1" latinLnBrk="0" hangingPunct="1">
+      <a:defRPr sz="1800" kern="1200">
+        <a:solidFill>
+          <a:schemeClr val="tx1"/>
+        </a:solidFill>
+        <a:latin typeface="+mn-lt"/>
+        <a:ea typeface="+mn-ea"/>
+        <a:cs typeface="+mn-cs"/>
+      </a:defRPr>
+    </a:lvl7pPr>
+    <a:lvl8pPr marL="3200400" algn="l" defTabSz="914400" rtl="0" eaLnBrk="1" latinLnBrk="0" hangingPunct="1">
+      <a:defRPr sz="1800" kern="1200">
+        <a:solidFill>
+          <a:schemeClr val="tx1"/>
+        </a:solidFill>
+        <a:latin typeface="+mn-lt"/>
+        <a:ea typeface="+mn-ea"/>
+        <a:cs typeface="+mn-cs"/>
+      </a:defRPr>
+    </a:lvl8pPr>
+    <a:lvl9pPr marL="3657600" algn="l" defTabSz="914400" rtl="0" eaLnBrk="1" latinLnBrk="0" hangingPunct="1">
+      <a:defRPr sz="1800" kern="1200">
+        <a:solidFill>
+          <a:schemeClr val="tx1"/>
+        </a:solidFill>
+        <a:latin typeface="+mn-lt"/>
+        <a:ea typeface="+mn-ea"/>
+        <a:cs typeface="+mn-cs"/>
+      </a:defRPr>
+    </a:lvl9pPr>
+  </p:defaultTextStyle>
 </p:presentation>
 </file>
 
 <file path=ppt/notesMasters/notesMaster1.xml><?xml version="1.0" encoding="utf-8"?>
-<p:notesMaster xmlns:a="http://schemas.openxmlformats.org/drawingml/2006/main" xmlns:p="http://schemas.openxmlformats.org/presentationml/2006/main" xmlns:r="http://schemas.openxmlformats.org/officeDocument/2006/relationships" xmlns:p14="http://schemas.microsoft.com/office/powerpoint/2010/main" xmlns:p15="http://schemas.microsoft.com/office/powerpoint/2012/main" xmlns:mc="http://schemas.openxmlformats.org/markup-compatibility/2006">
+<p:notesMaster xmlns:a="http://schemas.openxmlformats.org/drawingml/2006/main" xmlns:r="http://schemas.openxmlformats.org/officeDocument/2006/relationships" xmlns:p="http://schemas.openxmlformats.org/presentationml/2006/main">
+  <p:cSld>
+    <p:bg>
+      <p:bgRef idx="1001">
+        <a:schemeClr val="bg1"/>
+      </p:bgRef>
+    </p:bg>
+    <p:spTree>
+      <p:nvGrpSpPr>
+        <p:cNvPr id="1" name=""/>
+        <p:cNvGrpSpPr/>
+        <p:nvPr/>
+      </p:nvGrpSpPr>
+      <p:grpSpPr>
+        <a:xfrm>
+          <a:off x="0" y="0"/>
+          <a:ext cx="0" cy="0"/>
+          <a:chOff x="0" y="0"/>
+          <a:chExt cx="0" cy="0"/>
+        </a:xfrm>
+      </p:grpSpPr>
+      <p:sp>
+        <p:nvSpPr>
+          <p:cNvPr id="76" name="PlaceHolder 1"/>
+          <p:cNvSpPr>
+            <a:spLocks noGrp="1" noRot="1" noChangeAspect="1"/>
+          </p:cNvSpPr>
+          <p:nvPr>
+            <p:ph type="sldImg"/>
+          </p:nvPr>
+        </p:nvSpPr>
+        <p:spPr>
+          <a:xfrm>
+            <a:off x="216000" y="812520"/>
+            <a:ext cx="7127280" cy="4008960"/>
+          </a:xfrm>
+          <a:prstGeom prst="rect">
+            <a:avLst/>
+          </a:prstGeom>
+        </p:spPr>
+        <p:txBody>
+          <a:bodyPr lIns="0" tIns="0" rIns="0" bIns="0" anchor="ctr">
+            <a:noAutofit/>
+          </a:bodyPr>
+          <a:lstStyle/>
+          <a:p>
+            <a:r>
+              <a:rPr lang="ru-RU" sz="1800" b="0" strike="noStrike" spc="-1">
+                <a:solidFill>
+                  <a:srgbClr val="000000"/>
+                </a:solidFill>
+                <a:latin typeface="Arial"/>
+              </a:rPr>
+              <a:t>Для перемещения страницы щёлкните мышью</a:t>
+            </a:r>
+          </a:p>
+        </p:txBody>
+      </p:sp>
+      <p:sp>
+        <p:nvSpPr>
+          <p:cNvPr id="77" name="PlaceHolder 2"/>
+          <p:cNvSpPr>
+            <a:spLocks noGrp="1"/>
+          </p:cNvSpPr>
+          <p:nvPr>
+            <p:ph type="body"/>
+          </p:nvPr>
+        </p:nvSpPr>
+        <p:spPr>
+          <a:xfrm>
+            <a:off x="756000" y="5078520"/>
+            <a:ext cx="6047640" cy="4811040"/>
+          </a:xfrm>
+          <a:prstGeom prst="rect">
+            <a:avLst/>
+          </a:prstGeom>
+        </p:spPr>
+        <p:txBody>
+          <a:bodyPr lIns="0" tIns="0" rIns="0" bIns="0">
+            <a:noAutofit/>
+          </a:bodyPr>
+          <a:lstStyle/>
+          <a:p>
+            <a:r>
+              <a:rPr lang="ru-RU" sz="2000" b="0" strike="noStrike" spc="-1">
+                <a:latin typeface="Arial"/>
+              </a:rPr>
+              <a:t>Для правки формата примечаний щёлкните мышью</a:t>
+            </a:r>
+          </a:p>
+        </p:txBody>
+      </p:sp>
+      <p:sp>
+        <p:nvSpPr>
+          <p:cNvPr id="78" name="PlaceHolder 3"/>
+          <p:cNvSpPr>
+            <a:spLocks noGrp="1"/>
+          </p:cNvSpPr>
+          <p:nvPr>
+            <p:ph type="hdr"/>
+          </p:nvPr>
+        </p:nvSpPr>
+        <p:spPr>
+          <a:xfrm>
+            <a:off x="0" y="0"/>
+            <a:ext cx="3280680" cy="534240"/>
+          </a:xfrm>
+          <a:prstGeom prst="rect">
+            <a:avLst/>
+          </a:prstGeom>
+        </p:spPr>
+        <p:txBody>
+          <a:bodyPr lIns="0" tIns="0" rIns="0" bIns="0">
+            <a:noAutofit/>
+          </a:bodyPr>
+          <a:lstStyle/>
+          <a:p>
+            <a:r>
+              <a:rPr lang="ru-RU" sz="1400" b="0" strike="noStrike" spc="-1">
+                <a:latin typeface="Times New Roman"/>
+              </a:rPr>
+              <a:t>&lt;верхний колонтитул&gt;</a:t>
+            </a:r>
+          </a:p>
+        </p:txBody>
+      </p:sp>
+      <p:sp>
+        <p:nvSpPr>
+          <p:cNvPr id="79" name="PlaceHolder 4"/>
+          <p:cNvSpPr>
+            <a:spLocks noGrp="1"/>
+          </p:cNvSpPr>
+          <p:nvPr>
+            <p:ph type="dt"/>
+          </p:nvPr>
+        </p:nvSpPr>
+        <p:spPr>
+          <a:xfrm>
+            <a:off x="4278960" y="0"/>
+            <a:ext cx="3280680" cy="534240"/>
+          </a:xfrm>
+          <a:prstGeom prst="rect">
+            <a:avLst/>
+          </a:prstGeom>
+        </p:spPr>
+        <p:txBody>
+          <a:bodyPr lIns="0" tIns="0" rIns="0" bIns="0">
+            <a:noAutofit/>
+          </a:bodyPr>
+          <a:lstStyle/>
+          <a:p>
+            <a:pPr algn="r"/>
+            <a:r>
+              <a:rPr lang="ru-RU" sz="1400" b="0" strike="noStrike" spc="-1">
+                <a:latin typeface="Times New Roman"/>
+              </a:rPr>
+              <a:t>&lt;дата/время&gt;</a:t>
+            </a:r>
+          </a:p>
+        </p:txBody>
+      </p:sp>
+      <p:sp>
+        <p:nvSpPr>
+          <p:cNvPr id="80" name="PlaceHolder 5"/>
+          <p:cNvSpPr>
+            <a:spLocks noGrp="1"/>
+          </p:cNvSpPr>
+          <p:nvPr>
+            <p:ph type="ftr"/>
+          </p:nvPr>
+        </p:nvSpPr>
+        <p:spPr>
+          <a:xfrm>
+            <a:off x="0" y="10157400"/>
+            <a:ext cx="3280680" cy="534240"/>
+          </a:xfrm>
+          <a:prstGeom prst="rect">
+            <a:avLst/>
+          </a:prstGeom>
+        </p:spPr>
+        <p:txBody>
+          <a:bodyPr lIns="0" tIns="0" rIns="0" bIns="0" anchor="b">
+            <a:noAutofit/>
+          </a:bodyPr>
+          <a:lstStyle/>
+          <a:p>
+            <a:r>
+              <a:rPr lang="ru-RU" sz="1400" b="0" strike="noStrike" spc="-1">
+                <a:latin typeface="Times New Roman"/>
+              </a:rPr>
+              <a:t>&lt;нижний колонтитул&gt;</a:t>
+            </a:r>
+          </a:p>
+        </p:txBody>
+      </p:sp>
+      <p:sp>
+        <p:nvSpPr>
+          <p:cNvPr id="81" name="PlaceHolder 6"/>
+          <p:cNvSpPr>
+            <a:spLocks noGrp="1"/>
+          </p:cNvSpPr>
+          <p:nvPr>
+            <p:ph type="sldNum"/>
+          </p:nvPr>
+        </p:nvSpPr>
+        <p:spPr>
+          <a:xfrm>
+            <a:off x="4278960" y="10157400"/>
+            <a:ext cx="3280680" cy="534240"/>
+          </a:xfrm>
+          <a:prstGeom prst="rect">
+            <a:avLst/>
+          </a:prstGeom>
+        </p:spPr>
+        <p:txBody>
+          <a:bodyPr lIns="0" tIns="0" rIns="0" bIns="0" anchor="b">
+            <a:noAutofit/>
+          </a:bodyPr>
+          <a:lstStyle/>
+          <a:p>
+            <a:pPr algn="r"/>
+            <a:fld id="{6410BF2D-4816-43BF-97E4-114F60F0381D}" type="slidenum">
+              <a:rPr lang="ru-RU" sz="1400" b="0" strike="noStrike" spc="-1">
+                <a:latin typeface="Times New Roman"/>
+              </a:rPr>
+              <a:t>‹#›</a:t>
+            </a:fld>
+            <a:endParaRPr lang="ru-RU" sz="1400" b="0" strike="noStrike" spc="-1">
+              <a:latin typeface="Times New Roman"/>
+            </a:endParaRPr>
+          </a:p>
+        </p:txBody>
+      </p:sp>
+    </p:spTree>
+    <p:extLst>
+      <p:ext uri="{BB962C8B-B14F-4D97-AF65-F5344CB8AC3E}">
+        <p14:creationId xmlns:p14="http://schemas.microsoft.com/office/powerpoint/2010/main" val="2383741252"/>
+      </p:ext>
+    </p:extLst>
+  </p:cSld>
+  <p:clrMap bg1="lt1" tx1="dk1" bg2="lt2" tx2="dk2" accent1="accent1" accent2="accent2" accent3="accent3" accent4="accent4" accent5="accent5" accent6="accent6" hlink="hlink" folHlink="folHlink"/>
+  <p:notesStyle>
+    <a:lvl1pPr marL="0" algn="l" defTabSz="914400" rtl="0" eaLnBrk="1" latinLnBrk="0" hangingPunct="1">
+      <a:defRPr sz="1200" kern="1200">
+        <a:solidFill>
+          <a:schemeClr val="tx1"/>
+        </a:solidFill>
+        <a:latin typeface="+mn-lt"/>
+        <a:ea typeface="+mn-ea"/>
+        <a:cs typeface="+mn-cs"/>
+      </a:defRPr>
+    </a:lvl1pPr>
+    <a:lvl2pPr marL="457200" algn="l" defTabSz="914400" rtl="0" eaLnBrk="1" latinLnBrk="0" hangingPunct="1">
+      <a:defRPr sz="1200" kern="1200">
+        <a:solidFill>
+          <a:schemeClr val="tx1"/>
+        </a:solidFill>
+        <a:latin typeface="+mn-lt"/>
+        <a:ea typeface="+mn-ea"/>
+        <a:cs typeface="+mn-cs"/>
+      </a:defRPr>
+    </a:lvl2pPr>
+    <a:lvl3pPr marL="914400" algn="l" defTabSz="914400" rtl="0" eaLnBrk="1" latinLnBrk="0" hangingPunct="1">
+      <a:defRPr sz="1200" kern="1200">
+        <a:solidFill>
+          <a:schemeClr val="tx1"/>
+        </a:solidFill>
+        <a:latin typeface="+mn-lt"/>
+        <a:ea typeface="+mn-ea"/>
+        <a:cs typeface="+mn-cs"/>
+      </a:defRPr>
+    </a:lvl3pPr>
+    <a:lvl4pPr marL="1371600" algn="l" defTabSz="914400" rtl="0" eaLnBrk="1" latinLnBrk="0" hangingPunct="1">
+      <a:defRPr sz="1200" kern="1200">
+        <a:solidFill>
+          <a:schemeClr val="tx1"/>
+        </a:solidFill>
+        <a:latin typeface="+mn-lt"/>
+        <a:ea typeface="+mn-ea"/>
+        <a:cs typeface="+mn-cs"/>
+      </a:defRPr>
+    </a:lvl4pPr>
+    <a:lvl5pPr marL="1828800" algn="l" defTabSz="914400" rtl="0" eaLnBrk="1" latinLnBrk="0" hangingPunct="1">
+      <a:defRPr sz="1200" kern="1200">
+        <a:solidFill>
+          <a:schemeClr val="tx1"/>
+        </a:solidFill>
+        <a:latin typeface="+mn-lt"/>
+        <a:ea typeface="+mn-ea"/>
+        <a:cs typeface="+mn-cs"/>
+      </a:defRPr>
+    </a:lvl5pPr>
+    <a:lvl6pPr marL="2286000" algn="l" defTabSz="914400" rtl="0" eaLnBrk="1" latinLnBrk="0" hangingPunct="1">
+      <a:defRPr sz="1200" kern="1200">
+        <a:solidFill>
+          <a:schemeClr val="tx1"/>
+        </a:solidFill>
+        <a:latin typeface="+mn-lt"/>
+        <a:ea typeface="+mn-ea"/>
+        <a:cs typeface="+mn-cs"/>
+      </a:defRPr>
+    </a:lvl6pPr>
+    <a:lvl7pPr marL="2743200" algn="l" defTabSz="914400" rtl="0" eaLnBrk="1" latinLnBrk="0" hangingPunct="1">
+      <a:defRPr sz="1200" kern="1200">
+        <a:solidFill>
+          <a:schemeClr val="tx1"/>
+        </a:solidFill>
+        <a:latin typeface="+mn-lt"/>
+        <a:ea typeface="+mn-ea"/>
+        <a:cs typeface="+mn-cs"/>
+      </a:defRPr>
+    </a:lvl7pPr>
+    <a:lvl8pPr marL="3200400" algn="l" defTabSz="914400" rtl="0" eaLnBrk="1" latinLnBrk="0" hangingPunct="1">
+      <a:defRPr sz="1200" kern="1200">
+        <a:solidFill>
+          <a:schemeClr val="tx1"/>
+        </a:solidFill>
+        <a:latin typeface="+mn-lt"/>
+        <a:ea typeface="+mn-ea"/>
+        <a:cs typeface="+mn-cs"/>
+      </a:defRPr>
+    </a:lvl8pPr>
+    <a:lvl9pPr marL="3657600" algn="l" defTabSz="914400" rtl="0" eaLnBrk="1" latinLnBrk="0" hangingPunct="1">
+      <a:defRPr sz="1200" kern="1200">
+        <a:solidFill>
+          <a:schemeClr val="tx1"/>
+        </a:solidFill>
+        <a:latin typeface="+mn-lt"/>
+        <a:ea typeface="+mn-ea"/>
+        <a:cs typeface="+mn-cs"/>
+      </a:defRPr>
+    </a:lvl9pPr>
+  </p:notesStyle>
+</p:notesMaster>
+</file>
+
+<file path=ppt/notesSlides/notesSlide1.xml><?xml version="1.0" encoding="utf-8"?>
+<p:notes xmlns:a="http://schemas.openxmlformats.org/drawingml/2006/main" xmlns:r="http://schemas.openxmlformats.org/officeDocument/2006/relationships" xmlns:p="http://schemas.openxmlformats.org/presentationml/2006/main">
   <p:cSld>
     <p:spTree>
       <p:nvGrpSpPr>
@@ -45,9 +477,9 @@
       </p:grpSpPr>
       <p:sp>
         <p:nvSpPr>
-          <p:cNvPr id="76" name="PlaceHolder 1"/>
+          <p:cNvPr id="159" name="PlaceHolder 1"/>
           <p:cNvSpPr>
-            <a:spLocks noGrp="1"/>
+            <a:spLocks noGrp="1" noRot="1" noChangeAspect="1"/>
           </p:cNvSpPr>
           <p:nvPr>
             <p:ph type="sldImg"/>
@@ -55,138 +487,17 @@
         </p:nvSpPr>
         <p:spPr>
           <a:xfrm>
-            <a:off x="216000" y="812520"/>
-            <a:ext cx="7127280" cy="4008960"/>
-          </a:xfrm>
-          <a:prstGeom prst="rect">
-            <a:avLst/>
-          </a:prstGeom>
-        </p:spPr>
-        <p:txBody>
-          <a:bodyPr lIns="0" rIns="0" tIns="0" bIns="0" anchor="ctr">
-            <a:noAutofit/>
-          </a:bodyPr>
-          <a:p>
-            <a:r>
-              <a:rPr b="0" lang="ru-RU" sz="1800" spc="-1" strike="noStrike">
-                <a:solidFill>
-                  <a:srgbClr val="000000"/>
-                </a:solidFill>
-                <a:latin typeface="Arial"/>
-              </a:rPr>
-              <a:t>Для </a:t>
-            </a:r>
-            <a:r>
-              <a:rPr b="0" lang="ru-RU" sz="1800" spc="-1" strike="noStrike">
-                <a:solidFill>
-                  <a:srgbClr val="000000"/>
-                </a:solidFill>
-                <a:latin typeface="Arial"/>
-              </a:rPr>
-              <a:t>пере</a:t>
-            </a:r>
-            <a:r>
-              <a:rPr b="0" lang="ru-RU" sz="1800" spc="-1" strike="noStrike">
-                <a:solidFill>
-                  <a:srgbClr val="000000"/>
-                </a:solidFill>
-                <a:latin typeface="Arial"/>
-              </a:rPr>
-              <a:t>мещ</a:t>
-            </a:r>
-            <a:r>
-              <a:rPr b="0" lang="ru-RU" sz="1800" spc="-1" strike="noStrike">
-                <a:solidFill>
-                  <a:srgbClr val="000000"/>
-                </a:solidFill>
-                <a:latin typeface="Arial"/>
-              </a:rPr>
-              <a:t>ения </a:t>
-            </a:r>
-            <a:r>
-              <a:rPr b="0" lang="ru-RU" sz="1800" spc="-1" strike="noStrike">
-                <a:solidFill>
-                  <a:srgbClr val="000000"/>
-                </a:solidFill>
-                <a:latin typeface="Arial"/>
-              </a:rPr>
-              <a:t>стра</a:t>
-            </a:r>
-            <a:r>
-              <a:rPr b="0" lang="ru-RU" sz="1800" spc="-1" strike="noStrike">
-                <a:solidFill>
-                  <a:srgbClr val="000000"/>
-                </a:solidFill>
-                <a:latin typeface="Arial"/>
-              </a:rPr>
-              <a:t>ниц</a:t>
-            </a:r>
-            <a:r>
-              <a:rPr b="0" lang="ru-RU" sz="1800" spc="-1" strike="noStrike">
-                <a:solidFill>
-                  <a:srgbClr val="000000"/>
-                </a:solidFill>
-                <a:latin typeface="Arial"/>
-              </a:rPr>
-              <a:t>ы </a:t>
-            </a:r>
-            <a:r>
-              <a:rPr b="0" lang="ru-RU" sz="1800" spc="-1" strike="noStrike">
-                <a:solidFill>
-                  <a:srgbClr val="000000"/>
-                </a:solidFill>
-                <a:latin typeface="Arial"/>
-              </a:rPr>
-              <a:t>щёл</a:t>
-            </a:r>
-            <a:r>
-              <a:rPr b="0" lang="ru-RU" sz="1800" spc="-1" strike="noStrike">
-                <a:solidFill>
-                  <a:srgbClr val="000000"/>
-                </a:solidFill>
-                <a:latin typeface="Arial"/>
-              </a:rPr>
-              <a:t>книт</a:t>
-            </a:r>
-            <a:r>
-              <a:rPr b="0" lang="ru-RU" sz="1800" spc="-1" strike="noStrike">
-                <a:solidFill>
-                  <a:srgbClr val="000000"/>
-                </a:solidFill>
-                <a:latin typeface="Arial"/>
-              </a:rPr>
-              <a:t>е </a:t>
-            </a:r>
-            <a:r>
-              <a:rPr b="0" lang="ru-RU" sz="1800" spc="-1" strike="noStrike">
-                <a:solidFill>
-                  <a:srgbClr val="000000"/>
-                </a:solidFill>
-                <a:latin typeface="Arial"/>
-              </a:rPr>
-              <a:t>мы</a:t>
-            </a:r>
-            <a:r>
-              <a:rPr b="0" lang="ru-RU" sz="1800" spc="-1" strike="noStrike">
-                <a:solidFill>
-                  <a:srgbClr val="000000"/>
-                </a:solidFill>
-                <a:latin typeface="Arial"/>
-              </a:rPr>
-              <a:t>шью</a:t>
-            </a:r>
-            <a:endParaRPr b="0" lang="ru-RU" sz="1800" spc="-1" strike="noStrike">
-              <a:solidFill>
-                <a:srgbClr val="000000"/>
-              </a:solidFill>
-              <a:latin typeface="Arial"/>
-            </a:endParaRPr>
-          </a:p>
-        </p:txBody>
-      </p:sp>
-      <p:sp>
-        <p:nvSpPr>
-          <p:cNvPr id="77" name="PlaceHolder 2"/>
+            <a:off x="1144440" y="685800"/>
+            <a:ext cx="4560480" cy="3420720"/>
+          </a:xfrm>
+          <a:prstGeom prst="rect">
+            <a:avLst/>
+          </a:prstGeom>
+        </p:spPr>
+      </p:sp>
+      <p:sp>
+        <p:nvSpPr>
+          <p:cNvPr id="160" name="PlaceHolder 2"/>
           <p:cNvSpPr>
             <a:spLocks noGrp="1"/>
           </p:cNvSpPr>
@@ -196,184 +507,193 @@
         </p:nvSpPr>
         <p:spPr>
           <a:xfrm>
-            <a:off x="756000" y="5078520"/>
-            <a:ext cx="6047640" cy="4811040"/>
-          </a:xfrm>
-          <a:prstGeom prst="rect">
-            <a:avLst/>
-          </a:prstGeom>
-        </p:spPr>
-        <p:txBody>
-          <a:bodyPr lIns="0" rIns="0" tIns="0" bIns="0">
+            <a:off x="685800" y="4343400"/>
+            <a:ext cx="5477400" cy="4105800"/>
+          </a:xfrm>
+          <a:prstGeom prst="rect">
+            <a:avLst/>
+          </a:prstGeom>
+        </p:spPr>
+        <p:txBody>
+          <a:bodyPr lIns="0" tIns="0" rIns="0" bIns="0">
             <a:noAutofit/>
           </a:bodyPr>
-          <a:p>
+          <a:lstStyle/>
+          <a:p>
+            <a:pPr marL="216000" indent="-207360">
+              <a:lnSpc>
+                <a:spcPct val="100000"/>
+              </a:lnSpc>
+              <a:tabLst>
+                <a:tab pos="0" algn="l"/>
+              </a:tabLst>
+            </a:pPr>
             <a:r>
-              <a:rPr b="0" lang="ru-RU" sz="2000" spc="-1" strike="noStrike">
-                <a:latin typeface="Arial"/>
-              </a:rPr>
-              <a:t>Для правки формата примечаний щёлкните мышью</a:t>
+              <a:rPr lang="ru-RU" sz="1200" b="0" strike="noStrike" spc="-1">
+                <a:solidFill>
+                  <a:srgbClr val="000000"/>
+                </a:solidFill>
+                <a:latin typeface="+mn-lt"/>
+                <a:ea typeface="+mn-ea"/>
+              </a:rPr>
+              <a:t>МР нашли свое применение не только в системах речевой связи, но и в сфере безопасности. </a:t>
             </a:r>
-            <a:endParaRPr b="0" lang="ru-RU" sz="2000" spc="-1" strike="noStrike">
-              <a:latin typeface="Arial"/>
-            </a:endParaRPr>
-          </a:p>
-        </p:txBody>
-      </p:sp>
-      <p:sp>
-        <p:nvSpPr>
-          <p:cNvPr id="78" name="PlaceHolder 3"/>
-          <p:cNvSpPr>
-            <a:spLocks noGrp="1"/>
-          </p:cNvSpPr>
-          <p:nvPr>
-            <p:ph type="hdr"/>
-          </p:nvPr>
-        </p:nvSpPr>
-        <p:spPr>
-          <a:xfrm>
-            <a:off x="0" y="0"/>
-            <a:ext cx="3280680" cy="534240"/>
-          </a:xfrm>
-          <a:prstGeom prst="rect">
-            <a:avLst/>
-          </a:prstGeom>
-        </p:spPr>
-        <p:txBody>
-          <a:bodyPr lIns="0" rIns="0" tIns="0" bIns="0">
+            <a:endParaRPr lang="ru-RU" sz="1200" b="0" strike="noStrike" spc="-1">
+              <a:latin typeface="Arial"/>
+            </a:endParaRPr>
+          </a:p>
+          <a:p>
+            <a:pPr marL="216000" indent="-207360">
+              <a:lnSpc>
+                <a:spcPct val="100000"/>
+              </a:lnSpc>
+              <a:tabLst>
+                <a:tab pos="0" algn="l"/>
+              </a:tabLst>
+            </a:pPr>
+            <a:r>
+              <a:rPr lang="ru-RU" sz="1200" b="0" strike="noStrike" spc="-1">
+                <a:solidFill>
+                  <a:srgbClr val="000000"/>
+                </a:solidFill>
+                <a:latin typeface="+mn-lt"/>
+                <a:ea typeface="+mn-ea"/>
+              </a:rPr>
+              <a:t>Система «Бумеранг»  используется для защиты транспортных средств и войск от снайперского огня. Она позволяет определить положение стрелка. </a:t>
+            </a:r>
+            <a:endParaRPr lang="ru-RU" sz="1200" b="0" strike="noStrike" spc="-1">
+              <a:latin typeface="Arial"/>
+            </a:endParaRPr>
+          </a:p>
+          <a:p>
+            <a:pPr marL="216000" indent="-207360">
+              <a:lnSpc>
+                <a:spcPct val="100000"/>
+              </a:lnSpc>
+              <a:tabLst>
+                <a:tab pos="0" algn="l"/>
+              </a:tabLst>
+            </a:pPr>
+            <a:endParaRPr lang="ru-RU" sz="1200" b="0" strike="noStrike" spc="-1">
+              <a:latin typeface="Arial"/>
+            </a:endParaRPr>
+          </a:p>
+          <a:p>
+            <a:pPr marL="216000" indent="-207360">
+              <a:lnSpc>
+                <a:spcPct val="100000"/>
+              </a:lnSpc>
+              <a:tabLst>
+                <a:tab pos="0" algn="l"/>
+              </a:tabLst>
+            </a:pPr>
+            <a:r>
+              <a:rPr lang="ru-RU" sz="1200" b="0" strike="noStrike" spc="-1">
+                <a:solidFill>
+                  <a:srgbClr val="000000"/>
+                </a:solidFill>
+                <a:latin typeface="+mn-lt"/>
+                <a:ea typeface="+mn-ea"/>
+              </a:rPr>
+              <a:t>Система «SENTRI» применяется в городах, способна различить звук выстрела, определить его направлениее и вызвать полицию </a:t>
+            </a:r>
+            <a:endParaRPr lang="ru-RU" sz="1200" b="0" strike="noStrike" spc="-1">
+              <a:latin typeface="Arial"/>
+            </a:endParaRPr>
+          </a:p>
+          <a:p>
+            <a:pPr marL="216000" indent="-207360">
+              <a:lnSpc>
+                <a:spcPct val="100000"/>
+              </a:lnSpc>
+              <a:tabLst>
+                <a:tab pos="0" algn="l"/>
+              </a:tabLst>
+            </a:pPr>
+            <a:r>
+              <a:rPr lang="ru-RU" sz="1200" b="0" strike="noStrike" spc="-1">
+                <a:solidFill>
+                  <a:srgbClr val="000000"/>
+                </a:solidFill>
+                <a:latin typeface="+mn-lt"/>
+                <a:ea typeface="+mn-ea"/>
+              </a:rPr>
+              <a:t>МР используются  для  получения  объемной  звуковой картины. Такие решения используются, например, в  автомобильной  промышленности  для  точного выявления мест, являющихся источниками нежелательных шумов – скрипа, стука и т.д.</a:t>
+            </a:r>
+            <a:endParaRPr lang="ru-RU" sz="1200" b="0" strike="noStrike" spc="-1">
+              <a:latin typeface="Arial"/>
+            </a:endParaRPr>
+          </a:p>
+        </p:txBody>
+      </p:sp>
+      <p:sp>
+        <p:nvSpPr>
+          <p:cNvPr id="161" name="CustomShape 3"/>
+          <p:cNvSpPr/>
+          <p:nvPr/>
+        </p:nvSpPr>
+        <p:spPr>
+          <a:xfrm>
+            <a:off x="3884760" y="8685360"/>
+            <a:ext cx="2962800" cy="448200"/>
+          </a:xfrm>
+          <a:prstGeom prst="rect">
+            <a:avLst/>
+          </a:prstGeom>
+          <a:noFill/>
+          <a:ln>
+            <a:noFill/>
+          </a:ln>
+        </p:spPr>
+        <p:style>
+          <a:lnRef idx="0">
+            <a:scrgbClr r="0" g="0" b="0"/>
+          </a:lnRef>
+          <a:fillRef idx="0">
+            <a:scrgbClr r="0" g="0" b="0"/>
+          </a:fillRef>
+          <a:effectRef idx="0">
+            <a:scrgbClr r="0" g="0" b="0"/>
+          </a:effectRef>
+          <a:fontRef idx="minor"/>
+        </p:style>
+        <p:txBody>
+          <a:bodyPr lIns="90000" tIns="45000" rIns="90000" bIns="45000" anchor="b">
             <a:noAutofit/>
           </a:bodyPr>
-          <a:p>
-            <a:r>
-              <a:rPr b="0" lang="ru-RU" sz="1400" spc="-1" strike="noStrike">
-                <a:latin typeface="Times New Roman"/>
-              </a:rPr>
-              <a:t>&lt;верхний колонтитул&gt;</a:t>
-            </a:r>
-            <a:endParaRPr b="0" lang="ru-RU" sz="1400" spc="-1" strike="noStrike">
-              <a:latin typeface="Times New Roman"/>
-            </a:endParaRPr>
-          </a:p>
-        </p:txBody>
-      </p:sp>
-      <p:sp>
-        <p:nvSpPr>
-          <p:cNvPr id="79" name="PlaceHolder 4"/>
-          <p:cNvSpPr>
-            <a:spLocks noGrp="1"/>
-          </p:cNvSpPr>
-          <p:nvPr>
-            <p:ph type="dt"/>
-          </p:nvPr>
-        </p:nvSpPr>
-        <p:spPr>
-          <a:xfrm>
-            <a:off x="4278960" y="0"/>
-            <a:ext cx="3280680" cy="534240"/>
-          </a:xfrm>
-          <a:prstGeom prst="rect">
-            <a:avLst/>
-          </a:prstGeom>
-        </p:spPr>
-        <p:txBody>
-          <a:bodyPr lIns="0" rIns="0" tIns="0" bIns="0">
-            <a:noAutofit/>
-          </a:bodyPr>
-          <a:p>
-            <a:pPr algn="r"/>
-            <a:r>
-              <a:rPr b="0" lang="ru-RU" sz="1400" spc="-1" strike="noStrike">
-                <a:latin typeface="Times New Roman"/>
-              </a:rPr>
-              <a:t>&lt;дата/время&gt;</a:t>
-            </a:r>
-            <a:endParaRPr b="0" lang="ru-RU" sz="1400" spc="-1" strike="noStrike">
-              <a:latin typeface="Times New Roman"/>
-            </a:endParaRPr>
-          </a:p>
-        </p:txBody>
-      </p:sp>
-      <p:sp>
-        <p:nvSpPr>
-          <p:cNvPr id="80" name="PlaceHolder 5"/>
-          <p:cNvSpPr>
-            <a:spLocks noGrp="1"/>
-          </p:cNvSpPr>
-          <p:nvPr>
-            <p:ph type="ftr"/>
-          </p:nvPr>
-        </p:nvSpPr>
-        <p:spPr>
-          <a:xfrm>
-            <a:off x="0" y="10157400"/>
-            <a:ext cx="3280680" cy="534240"/>
-          </a:xfrm>
-          <a:prstGeom prst="rect">
-            <a:avLst/>
-          </a:prstGeom>
-        </p:spPr>
-        <p:txBody>
-          <a:bodyPr lIns="0" rIns="0" tIns="0" bIns="0" anchor="b">
-            <a:noAutofit/>
-          </a:bodyPr>
-          <a:p>
-            <a:r>
-              <a:rPr b="0" lang="ru-RU" sz="1400" spc="-1" strike="noStrike">
-                <a:latin typeface="Times New Roman"/>
-              </a:rPr>
-              <a:t>&lt;нижний колонтитул&gt;</a:t>
-            </a:r>
-            <a:endParaRPr b="0" lang="ru-RU" sz="1400" spc="-1" strike="noStrike">
-              <a:latin typeface="Times New Roman"/>
-            </a:endParaRPr>
-          </a:p>
-        </p:txBody>
-      </p:sp>
-      <p:sp>
-        <p:nvSpPr>
-          <p:cNvPr id="81" name="PlaceHolder 6"/>
-          <p:cNvSpPr>
-            <a:spLocks noGrp="1"/>
-          </p:cNvSpPr>
-          <p:nvPr>
-            <p:ph type="sldNum"/>
-          </p:nvPr>
-        </p:nvSpPr>
-        <p:spPr>
-          <a:xfrm>
-            <a:off x="4278960" y="10157400"/>
-            <a:ext cx="3280680" cy="534240"/>
-          </a:xfrm>
-          <a:prstGeom prst="rect">
-            <a:avLst/>
-          </a:prstGeom>
-        </p:spPr>
-        <p:txBody>
-          <a:bodyPr lIns="0" rIns="0" tIns="0" bIns="0" anchor="b">
-            <a:noAutofit/>
-          </a:bodyPr>
-          <a:p>
-            <a:pPr algn="r"/>
-            <a:fld id="{6410BF2D-4816-43BF-97E4-114F60F0381D}" type="slidenum">
-              <a:rPr b="0" lang="ru-RU" sz="1400" spc="-1" strike="noStrike">
-                <a:latin typeface="Times New Roman"/>
-              </a:rPr>
-              <a:t>&lt;номер&gt;</a:t>
+          <a:lstStyle/>
+          <a:p>
+            <a:pPr algn="r">
+              <a:lnSpc>
+                <a:spcPct val="100000"/>
+              </a:lnSpc>
+            </a:pPr>
+            <a:fld id="{3F30AEF6-3226-451C-B33A-66CE37AB2510}" type="slidenum">
+              <a:rPr lang="ru-RU" sz="1200" b="0" strike="noStrike" spc="-1">
+                <a:solidFill>
+                  <a:srgbClr val="000000"/>
+                </a:solidFill>
+                <a:latin typeface="+mn-lt"/>
+                <a:ea typeface="+mn-ea"/>
+              </a:rPr>
+              <a:t>3</a:t>
             </a:fld>
-            <a:endParaRPr b="0" lang="ru-RU" sz="1400" spc="-1" strike="noStrike">
-              <a:latin typeface="Times New Roman"/>
+            <a:endParaRPr lang="ru-RU" sz="1200" b="0" strike="noStrike" spc="-1">
+              <a:latin typeface="Arial"/>
             </a:endParaRPr>
           </a:p>
         </p:txBody>
       </p:sp>
     </p:spTree>
   </p:cSld>
-  <p:clrMap bg1="lt1" bg2="lt2" tx1="dk1" tx2="dk2" accent1="accent1" accent2="accent2" accent3="accent3" accent4="accent4" accent5="accent5" accent6="accent6" hlink="hlink" folHlink="folHlink"/>
-</p:notesMaster>
+  <p:clrMapOvr>
+    <a:masterClrMapping/>
+  </p:clrMapOvr>
+</p:notes>
 </file>
 
-<file path=ppt/notesSlides/notesSlide10.xml><?xml version="1.0" encoding="utf-8"?>
-<p:notes xmlns:a="http://schemas.openxmlformats.org/drawingml/2006/main" xmlns:p="http://schemas.openxmlformats.org/presentationml/2006/main" xmlns:r="http://schemas.openxmlformats.org/officeDocument/2006/relationships" xmlns:p14="http://schemas.microsoft.com/office/powerpoint/2010/main" xmlns:p15="http://schemas.microsoft.com/office/powerpoint/2012/main" xmlns:mc="http://schemas.openxmlformats.org/markup-compatibility/2006">
+<file path=ppt/notesSlides/notesSlide2.xml><?xml version="1.0" encoding="utf-8"?>
+<p:notes xmlns:a="http://schemas.openxmlformats.org/drawingml/2006/main" xmlns:r="http://schemas.openxmlformats.org/officeDocument/2006/relationships" xmlns:p="http://schemas.openxmlformats.org/presentationml/2006/main">
   <p:cSld>
     <p:spTree>
       <p:nvGrpSpPr>
@@ -391,9 +711,9 @@
       </p:grpSpPr>
       <p:sp>
         <p:nvSpPr>
-          <p:cNvPr id="180" name="PlaceHolder 1"/>
+          <p:cNvPr id="162" name="PlaceHolder 1"/>
           <p:cNvSpPr>
-            <a:spLocks noGrp="1"/>
+            <a:spLocks noGrp="1" noRot="1" noChangeAspect="1"/>
           </p:cNvSpPr>
           <p:nvPr>
             <p:ph type="sldImg"/>
@@ -411,7 +731,7 @@
       </p:sp>
       <p:sp>
         <p:nvSpPr>
-          <p:cNvPr id="181" name="PlaceHolder 2"/>
+          <p:cNvPr id="163" name="PlaceHolder 2"/>
           <p:cNvSpPr>
             <a:spLocks noGrp="1"/>
           </p:cNvSpPr>
@@ -429,37 +749,110 @@
           </a:prstGeom>
         </p:spPr>
         <p:txBody>
-          <a:bodyPr lIns="0" rIns="0" tIns="0" bIns="0">
+          <a:bodyPr lIns="0" tIns="0" rIns="0" bIns="0">
             <a:noAutofit/>
           </a:bodyPr>
+          <a:lstStyle/>
           <a:p>
             <a:pPr marL="216000" indent="-207360">
               <a:lnSpc>
                 <a:spcPct val="100000"/>
               </a:lnSpc>
               <a:tabLst>
-                <a:tab algn="l" pos="0"/>
+                <a:tab pos="0" algn="l"/>
               </a:tabLst>
             </a:pPr>
             <a:r>
-              <a:rPr b="0" lang="ru-RU" sz="1200" spc="-1" strike="noStrike">
+              <a:rPr lang="ru-RU" sz="1400" b="0" strike="noStrike" spc="-1">
                 <a:solidFill>
                   <a:srgbClr val="000000"/>
                 </a:solidFill>
                 <a:latin typeface="+mn-lt"/>
                 <a:ea typeface="+mn-ea"/>
               </a:rPr>
-              <a:t>графики выигрыша в ОСШ от порядка адаптивных фильтров и от числа микрофонов. Тоже самое для выигрыша в PESQ. </a:t>
+              <a:t>Сигналы речевого диапазона частот занимают полосу от 300 до 3400 Гц, то есть являются широкополосными.</a:t>
             </a:r>
-            <a:endParaRPr b="0" lang="ru-RU" sz="1200" spc="-1" strike="noStrike">
-              <a:latin typeface="Arial"/>
-            </a:endParaRPr>
-          </a:p>
-        </p:txBody>
-      </p:sp>
-      <p:sp>
-        <p:nvSpPr>
-          <p:cNvPr id="182" name="CustomShape 3"/>
+            <a:endParaRPr lang="ru-RU" sz="1400" b="0" strike="noStrike" spc="-1">
+              <a:latin typeface="Arial"/>
+            </a:endParaRPr>
+          </a:p>
+          <a:p>
+            <a:pPr marL="216000" indent="-207360">
+              <a:lnSpc>
+                <a:spcPct val="100000"/>
+              </a:lnSpc>
+              <a:tabLst>
+                <a:tab pos="0" algn="l"/>
+              </a:tabLst>
+            </a:pPr>
+            <a:r>
+              <a:rPr lang="ru-RU" sz="1400" b="0" strike="noStrike" spc="-1">
+                <a:solidFill>
+                  <a:srgbClr val="000000"/>
+                </a:solidFill>
+                <a:latin typeface="+mn-lt"/>
+                <a:ea typeface="+mn-ea"/>
+              </a:rPr>
+              <a:t>Для обработки звука МР используются в сочетании с формирователями луча. Это процессоры, которые обеспечивают частотно-зависимый отклик для каждого канала МР. Различают</a:t>
+            </a:r>
+            <a:endParaRPr lang="ru-RU" sz="1400" b="0" strike="noStrike" spc="-1">
+              <a:latin typeface="Arial"/>
+            </a:endParaRPr>
+          </a:p>
+          <a:p>
+            <a:pPr marL="216000" indent="-207360">
+              <a:lnSpc>
+                <a:spcPct val="100000"/>
+              </a:lnSpc>
+              <a:tabLst>
+                <a:tab pos="0" algn="l"/>
+              </a:tabLst>
+            </a:pPr>
+            <a:endParaRPr lang="ru-RU" sz="1400" b="0" strike="noStrike" spc="-1">
+              <a:latin typeface="Arial"/>
+            </a:endParaRPr>
+          </a:p>
+          <a:p>
+            <a:pPr marL="216000" indent="-207360">
+              <a:lnSpc>
+                <a:spcPct val="100000"/>
+              </a:lnSpc>
+              <a:tabLst>
+                <a:tab pos="0" algn="l"/>
+              </a:tabLst>
+            </a:pPr>
+            <a:endParaRPr lang="ru-RU" sz="1400" b="0" strike="noStrike" spc="-1">
+              <a:latin typeface="Arial"/>
+            </a:endParaRPr>
+          </a:p>
+          <a:p>
+            <a:pPr marL="216000" indent="-207360">
+              <a:lnSpc>
+                <a:spcPct val="100000"/>
+              </a:lnSpc>
+              <a:tabLst>
+                <a:tab pos="0" algn="l"/>
+              </a:tabLst>
+            </a:pPr>
+            <a:r>
+              <a:rPr lang="ru-RU" sz="1400" b="0" strike="noStrike" spc="-1">
+                <a:solidFill>
+                  <a:srgbClr val="000000"/>
+                </a:solidFill>
+                <a:latin typeface="Arial"/>
+                <a:ea typeface="+mn-ea"/>
+              </a:rPr>
+              <a:t>Частотный ФЛ, который разбивает спектр принятых сигналов на диапазоны и умножает каждый диапазон на соответствующие коэффициенты, и временной,  который  обеспечивает  частотно  зависимые коэффициенты с помощью линий задержки КИХ фильтров, расположенных в канале каждого сенсора. В данной работе я работал с временным формирователем луча</a:t>
+            </a:r>
+            <a:endParaRPr lang="ru-RU" sz="1400" b="0" strike="noStrike" spc="-1">
+              <a:latin typeface="Arial"/>
+            </a:endParaRPr>
+          </a:p>
+        </p:txBody>
+      </p:sp>
+      <p:sp>
+        <p:nvSpPr>
+          <p:cNvPr id="164" name="CustomShape 3"/>
           <p:cNvSpPr/>
           <p:nvPr/>
         </p:nvSpPr>
@@ -477,32 +870,39 @@
           </a:ln>
         </p:spPr>
         <p:style>
-          <a:lnRef idx="0"/>
-          <a:fillRef idx="0"/>
-          <a:effectRef idx="0"/>
+          <a:lnRef idx="0">
+            <a:scrgbClr r="0" g="0" b="0"/>
+          </a:lnRef>
+          <a:fillRef idx="0">
+            <a:scrgbClr r="0" g="0" b="0"/>
+          </a:fillRef>
+          <a:effectRef idx="0">
+            <a:scrgbClr r="0" g="0" b="0"/>
+          </a:effectRef>
           <a:fontRef idx="minor"/>
         </p:style>
         <p:txBody>
-          <a:bodyPr lIns="90000" rIns="90000" tIns="45000" bIns="45000" anchor="b">
+          <a:bodyPr lIns="90000" tIns="45000" rIns="90000" bIns="45000" anchor="b">
             <a:noAutofit/>
           </a:bodyPr>
+          <a:lstStyle/>
           <a:p>
             <a:pPr algn="r">
               <a:lnSpc>
                 <a:spcPct val="100000"/>
               </a:lnSpc>
             </a:pPr>
-            <a:fld id="{D57FC0CE-AF01-48DE-8C5C-8D4FB780FA0D}" type="slidenum">
-              <a:rPr b="0" lang="ru-RU" sz="1200" spc="-1" strike="noStrike">
+            <a:fld id="{1507A502-3E92-49DA-A377-FA9A5647826E}" type="slidenum">
+              <a:rPr lang="ru-RU" sz="1200" b="0" strike="noStrike" spc="-1">
                 <a:solidFill>
                   <a:srgbClr val="000000"/>
                 </a:solidFill>
                 <a:latin typeface="+mn-lt"/>
                 <a:ea typeface="+mn-ea"/>
               </a:rPr>
-              <a:t>&lt;номер&gt;</a:t>
+              <a:t>4</a:t>
             </a:fld>
-            <a:endParaRPr b="0" lang="ru-RU" sz="1200" spc="-1" strike="noStrike">
+            <a:endParaRPr lang="ru-RU" sz="1200" b="0" strike="noStrike" spc="-1">
               <a:latin typeface="Arial"/>
             </a:endParaRPr>
           </a:p>
@@ -510,11 +910,14 @@
       </p:sp>
     </p:spTree>
   </p:cSld>
+  <p:clrMapOvr>
+    <a:masterClrMapping/>
+  </p:clrMapOvr>
 </p:notes>
 </file>
 
 <file path=ppt/notesSlides/notesSlide3.xml><?xml version="1.0" encoding="utf-8"?>
-<p:notes xmlns:a="http://schemas.openxmlformats.org/drawingml/2006/main" xmlns:p="http://schemas.openxmlformats.org/presentationml/2006/main" xmlns:r="http://schemas.openxmlformats.org/officeDocument/2006/relationships" xmlns:p14="http://schemas.microsoft.com/office/powerpoint/2010/main" xmlns:p15="http://schemas.microsoft.com/office/powerpoint/2012/main" xmlns:mc="http://schemas.openxmlformats.org/markup-compatibility/2006">
+<p:notes xmlns:a="http://schemas.openxmlformats.org/drawingml/2006/main" xmlns:r="http://schemas.openxmlformats.org/officeDocument/2006/relationships" xmlns:p="http://schemas.openxmlformats.org/presentationml/2006/main">
   <p:cSld>
     <p:spTree>
       <p:nvGrpSpPr>
@@ -532,9 +935,9 @@
       </p:grpSpPr>
       <p:sp>
         <p:nvSpPr>
-          <p:cNvPr id="159" name="PlaceHolder 1"/>
+          <p:cNvPr id="165" name="PlaceHolder 1"/>
           <p:cNvSpPr>
-            <a:spLocks noGrp="1"/>
+            <a:spLocks noGrp="1" noRot="1" noChangeAspect="1"/>
           </p:cNvSpPr>
           <p:nvPr>
             <p:ph type="sldImg"/>
@@ -552,7 +955,7 @@
       </p:sp>
       <p:sp>
         <p:nvSpPr>
-          <p:cNvPr id="160" name="PlaceHolder 2"/>
+          <p:cNvPr id="166" name="PlaceHolder 2"/>
           <p:cNvSpPr>
             <a:spLocks noGrp="1"/>
           </p:cNvSpPr>
@@ -570,162 +973,103 @@
           </a:prstGeom>
         </p:spPr>
         <p:txBody>
-          <a:bodyPr lIns="0" rIns="0" tIns="0" bIns="0">
+          <a:bodyPr lIns="0" tIns="0" rIns="0" bIns="0">
             <a:noAutofit/>
           </a:bodyPr>
-          <a:p>
-            <a:pPr marL="216000" indent="-207360">
+          <a:lstStyle/>
+          <a:p>
+            <a:pPr marL="216000" indent="-213840">
               <a:lnSpc>
                 <a:spcPct val="100000"/>
               </a:lnSpc>
               <a:tabLst>
-                <a:tab algn="l" pos="0"/>
+                <a:tab pos="0" algn="l"/>
               </a:tabLst>
             </a:pPr>
             <a:r>
-              <a:rPr b="0" lang="ru-RU" sz="1200" spc="-1" strike="noStrike">
+              <a:rPr lang="ru-RU" sz="1400" b="0" strike="noStrike" spc="-1">
+                <a:latin typeface="+mn-lt"/>
+              </a:rPr>
+              <a:t>Формирователь луча можно рассматривать как разновидность фильтра. Частотно-ВременнОй фильтр используются для приема сигнала и увеличения или уменьшения его отдельных частотных компонент</a:t>
+            </a:r>
+            <a:endParaRPr lang="ru-RU" sz="1400" b="0" strike="noStrike" spc="-1">
+              <a:latin typeface="Arial"/>
+            </a:endParaRPr>
+          </a:p>
+          <a:p>
+            <a:pPr marL="216000" indent="-213840">
+              <a:lnSpc>
+                <a:spcPct val="100000"/>
+              </a:lnSpc>
+              <a:tabLst>
+                <a:tab pos="0" algn="l"/>
+              </a:tabLst>
+            </a:pPr>
+            <a:r>
+              <a:rPr lang="ru-RU" sz="1400" b="0" strike="noStrike" spc="-1">
+                <a:latin typeface="+mn-lt"/>
+              </a:rPr>
+              <a:t>А роль ФЛ состоит в увеличении сигналов с определенного направления и уменьшении сигналов со всех других направлений</a:t>
+            </a:r>
+            <a:endParaRPr lang="ru-RU" sz="1400" b="0" strike="noStrike" spc="-1">
+              <a:latin typeface="Arial"/>
+            </a:endParaRPr>
+          </a:p>
+        </p:txBody>
+      </p:sp>
+      <p:sp>
+        <p:nvSpPr>
+          <p:cNvPr id="167" name="CustomShape 3"/>
+          <p:cNvSpPr/>
+          <p:nvPr/>
+        </p:nvSpPr>
+        <p:spPr>
+          <a:xfrm>
+            <a:off x="3884760" y="8685360"/>
+            <a:ext cx="2962800" cy="448200"/>
+          </a:xfrm>
+          <a:prstGeom prst="rect">
+            <a:avLst/>
+          </a:prstGeom>
+          <a:noFill/>
+          <a:ln>
+            <a:noFill/>
+          </a:ln>
+        </p:spPr>
+        <p:style>
+          <a:lnRef idx="0">
+            <a:scrgbClr r="0" g="0" b="0"/>
+          </a:lnRef>
+          <a:fillRef idx="0">
+            <a:scrgbClr r="0" g="0" b="0"/>
+          </a:fillRef>
+          <a:effectRef idx="0">
+            <a:scrgbClr r="0" g="0" b="0"/>
+          </a:effectRef>
+          <a:fontRef idx="minor"/>
+        </p:style>
+        <p:txBody>
+          <a:bodyPr lIns="90000" tIns="45000" rIns="90000" bIns="45000" anchor="b">
+            <a:noAutofit/>
+          </a:bodyPr>
+          <a:lstStyle/>
+          <a:p>
+            <a:pPr algn="r">
+              <a:lnSpc>
+                <a:spcPct val="100000"/>
+              </a:lnSpc>
+            </a:pPr>
+            <a:fld id="{865156BD-8435-4ACA-A462-38C1CC084CB5}" type="slidenum">
+              <a:rPr lang="ru-RU" sz="1200" b="0" strike="noStrike" spc="-1">
                 <a:solidFill>
                   <a:srgbClr val="000000"/>
                 </a:solidFill>
                 <a:latin typeface="+mn-lt"/>
                 <a:ea typeface="+mn-ea"/>
               </a:rPr>
-              <a:t>МР нашли свое применение не только в системах речевой связи, но и в сфере безопасности. </a:t>
-            </a:r>
-            <a:endParaRPr b="0" lang="ru-RU" sz="1200" spc="-1" strike="noStrike">
-              <a:latin typeface="Arial"/>
-            </a:endParaRPr>
-          </a:p>
-          <a:p>
-            <a:pPr marL="216000" indent="-207360">
-              <a:lnSpc>
-                <a:spcPct val="100000"/>
-              </a:lnSpc>
-              <a:tabLst>
-                <a:tab algn="l" pos="0"/>
-              </a:tabLst>
-            </a:pPr>
-            <a:r>
-              <a:rPr b="0" lang="ru-RU" sz="1200" spc="-1" strike="noStrike">
-                <a:solidFill>
-                  <a:srgbClr val="000000"/>
-                </a:solidFill>
-                <a:latin typeface="+mn-lt"/>
-                <a:ea typeface="+mn-ea"/>
-              </a:rPr>
-              <a:t>Система «Бумеранг»  используется для защиты транспортных средств и войск от снайперского огня. Она позволяет определить положение стрелка. </a:t>
-            </a:r>
-            <a:endParaRPr b="0" lang="ru-RU" sz="1200" spc="-1" strike="noStrike">
-              <a:latin typeface="Arial"/>
-            </a:endParaRPr>
-          </a:p>
-          <a:p>
-            <a:pPr marL="216000" indent="-207360">
-              <a:lnSpc>
-                <a:spcPct val="100000"/>
-              </a:lnSpc>
-              <a:tabLst>
-                <a:tab algn="l" pos="0"/>
-              </a:tabLst>
-            </a:pPr>
-            <a:endParaRPr b="0" lang="ru-RU" sz="1200" spc="-1" strike="noStrike">
-              <a:latin typeface="Arial"/>
-            </a:endParaRPr>
-          </a:p>
-          <a:p>
-            <a:pPr marL="216000" indent="-207360">
-              <a:lnSpc>
-                <a:spcPct val="100000"/>
-              </a:lnSpc>
-              <a:tabLst>
-                <a:tab algn="l" pos="0"/>
-              </a:tabLst>
-            </a:pPr>
-            <a:r>
-              <a:rPr b="0" lang="ru-RU" sz="1200" spc="-1" strike="noStrike">
-                <a:solidFill>
-                  <a:srgbClr val="000000"/>
-                </a:solidFill>
-                <a:latin typeface="+mn-lt"/>
-                <a:ea typeface="+mn-ea"/>
-              </a:rPr>
-              <a:t>Система «SENTRI» применяется в городах, способна различить звук выстрела, определить его направлениее и вызвать полицию </a:t>
-            </a:r>
-            <a:endParaRPr b="0" lang="ru-RU" sz="1200" spc="-1" strike="noStrike">
-              <a:latin typeface="Arial"/>
-            </a:endParaRPr>
-          </a:p>
-          <a:p>
-            <a:pPr marL="216000" indent="-207360">
-              <a:lnSpc>
-                <a:spcPct val="100000"/>
-              </a:lnSpc>
-              <a:tabLst>
-                <a:tab algn="l" pos="0"/>
-              </a:tabLst>
-            </a:pPr>
-            <a:r>
-              <a:rPr b="0" lang="ru-RU" sz="1200" spc="-1" strike="noStrike">
-                <a:solidFill>
-                  <a:srgbClr val="000000"/>
-                </a:solidFill>
-                <a:latin typeface="+mn-lt"/>
-                <a:ea typeface="+mn-ea"/>
-              </a:rPr>
-              <a:t>МР используются  для  получения  объемной  звуковой картины. Такие решения используются, например, в  автомобильной  промышленности  для  точного выявления мест, являющихся источниками нежелательных шумов – скрипа, стука и т.д.</a:t>
-            </a:r>
-            <a:endParaRPr b="0" lang="ru-RU" sz="1200" spc="-1" strike="noStrike">
-              <a:latin typeface="Arial"/>
-            </a:endParaRPr>
-          </a:p>
-        </p:txBody>
-      </p:sp>
-      <p:sp>
-        <p:nvSpPr>
-          <p:cNvPr id="161" name="CustomShape 3"/>
-          <p:cNvSpPr/>
-          <p:nvPr/>
-        </p:nvSpPr>
-        <p:spPr>
-          <a:xfrm>
-            <a:off x="3884760" y="8685360"/>
-            <a:ext cx="2962800" cy="448200"/>
-          </a:xfrm>
-          <a:prstGeom prst="rect">
-            <a:avLst/>
-          </a:prstGeom>
-          <a:noFill/>
-          <a:ln>
-            <a:noFill/>
-          </a:ln>
-        </p:spPr>
-        <p:style>
-          <a:lnRef idx="0"/>
-          <a:fillRef idx="0"/>
-          <a:effectRef idx="0"/>
-          <a:fontRef idx="minor"/>
-        </p:style>
-        <p:txBody>
-          <a:bodyPr lIns="90000" rIns="90000" tIns="45000" bIns="45000" anchor="b">
-            <a:noAutofit/>
-          </a:bodyPr>
-          <a:p>
-            <a:pPr algn="r">
-              <a:lnSpc>
-                <a:spcPct val="100000"/>
-              </a:lnSpc>
-            </a:pPr>
-            <a:fld id="{3F30AEF6-3226-451C-B33A-66CE37AB2510}" type="slidenum">
-              <a:rPr b="0" lang="ru-RU" sz="1200" spc="-1" strike="noStrike">
-                <a:solidFill>
-                  <a:srgbClr val="000000"/>
-                </a:solidFill>
-                <a:latin typeface="+mn-lt"/>
-                <a:ea typeface="+mn-ea"/>
-              </a:rPr>
-              <a:t>9</a:t>
+              <a:t>5</a:t>
             </a:fld>
-            <a:endParaRPr b="0" lang="ru-RU" sz="1200" spc="-1" strike="noStrike">
+            <a:endParaRPr lang="ru-RU" sz="1200" b="0" strike="noStrike" spc="-1">
               <a:latin typeface="Arial"/>
             </a:endParaRPr>
           </a:p>
@@ -733,11 +1077,14 @@
       </p:sp>
     </p:spTree>
   </p:cSld>
+  <p:clrMapOvr>
+    <a:masterClrMapping/>
+  </p:clrMapOvr>
 </p:notes>
 </file>
 
 <file path=ppt/notesSlides/notesSlide4.xml><?xml version="1.0" encoding="utf-8"?>
-<p:notes xmlns:a="http://schemas.openxmlformats.org/drawingml/2006/main" xmlns:p="http://schemas.openxmlformats.org/presentationml/2006/main" xmlns:r="http://schemas.openxmlformats.org/officeDocument/2006/relationships" xmlns:p14="http://schemas.microsoft.com/office/powerpoint/2010/main" xmlns:p15="http://schemas.microsoft.com/office/powerpoint/2012/main" xmlns:mc="http://schemas.openxmlformats.org/markup-compatibility/2006">
+<p:notes xmlns:a="http://schemas.openxmlformats.org/drawingml/2006/main" xmlns:r="http://schemas.openxmlformats.org/officeDocument/2006/relationships" xmlns:p="http://schemas.openxmlformats.org/presentationml/2006/main">
   <p:cSld>
     <p:spTree>
       <p:nvGrpSpPr>
@@ -755,9 +1102,9 @@
       </p:grpSpPr>
       <p:sp>
         <p:nvSpPr>
-          <p:cNvPr id="162" name="PlaceHolder 1"/>
+          <p:cNvPr id="168" name="PlaceHolder 1"/>
           <p:cNvSpPr>
-            <a:spLocks noGrp="1"/>
+            <a:spLocks noGrp="1" noRot="1" noChangeAspect="1"/>
           </p:cNvSpPr>
           <p:nvPr>
             <p:ph type="sldImg"/>
@@ -775,7 +1122,7 @@
       </p:sp>
       <p:sp>
         <p:nvSpPr>
-          <p:cNvPr id="163" name="PlaceHolder 2"/>
+          <p:cNvPr id="169" name="PlaceHolder 2"/>
           <p:cNvSpPr>
             <a:spLocks noGrp="1"/>
           </p:cNvSpPr>
@@ -793,29 +1140,30 @@
           </a:prstGeom>
         </p:spPr>
         <p:txBody>
-          <a:bodyPr lIns="0" rIns="0" tIns="0" bIns="0">
+          <a:bodyPr lIns="0" tIns="0" rIns="0" bIns="0">
             <a:noAutofit/>
           </a:bodyPr>
+          <a:lstStyle/>
           <a:p>
             <a:pPr marL="216000" indent="-207360">
               <a:lnSpc>
                 <a:spcPct val="100000"/>
               </a:lnSpc>
               <a:tabLst>
-                <a:tab algn="l" pos="0"/>
+                <a:tab pos="0" algn="l"/>
               </a:tabLst>
             </a:pPr>
             <a:r>
-              <a:rPr b="0" lang="ru-RU" sz="1400" spc="-1" strike="noStrike">
+              <a:rPr lang="ru-RU" sz="1200" b="0" strike="noStrike" spc="-1">
                 <a:solidFill>
                   <a:srgbClr val="000000"/>
                 </a:solidFill>
                 <a:latin typeface="+mn-lt"/>
                 <a:ea typeface="+mn-ea"/>
               </a:rPr>
-              <a:t>Сигналы речевого диапазона частот занимают полосу от 300 до 3400 Гц, то есть являются широкополосными.</a:t>
+              <a:t>Существует два подхода пространственной фильтрации. </a:t>
             </a:r>
-            <a:endParaRPr b="0" lang="ru-RU" sz="1400" spc="-1" strike="noStrike">
+            <a:endParaRPr lang="ru-RU" sz="1200" b="0" strike="noStrike" spc="-1">
               <a:latin typeface="Arial"/>
             </a:endParaRPr>
           </a:p>
@@ -825,20 +1173,20 @@
                 <a:spcPct val="100000"/>
               </a:lnSpc>
               <a:tabLst>
-                <a:tab algn="l" pos="0"/>
+                <a:tab pos="0" algn="l"/>
               </a:tabLst>
             </a:pPr>
             <a:r>
-              <a:rPr b="0" lang="ru-RU" sz="1400" spc="-1" strike="noStrike">
+              <a:rPr lang="ru-RU" sz="1200" b="0" strike="noStrike" spc="-1">
                 <a:solidFill>
                   <a:srgbClr val="000000"/>
                 </a:solidFill>
                 <a:latin typeface="+mn-lt"/>
                 <a:ea typeface="+mn-ea"/>
               </a:rPr>
-              <a:t>Для обработки звука МР используются в сочетании с формирователями луча. Это процессоры, которые обеспечивают частотно-зависимый отклик для каждого канала МР. Различают</a:t>
+              <a:t>В первом случае работа ФЛ не зависит от входных данных. Применяется в стационарной помеховой обстановке, где мы априори знаем положения источников помех.</a:t>
             </a:r>
-            <a:endParaRPr b="0" lang="ru-RU" sz="1400" spc="-1" strike="noStrike">
+            <a:endParaRPr lang="ru-RU" sz="1200" b="0" strike="noStrike" spc="-1">
               <a:latin typeface="Arial"/>
             </a:endParaRPr>
           </a:p>
@@ -848,10 +1196,20 @@
                 <a:spcPct val="100000"/>
               </a:lnSpc>
               <a:tabLst>
-                <a:tab algn="l" pos="0"/>
+                <a:tab pos="0" algn="l"/>
               </a:tabLst>
             </a:pPr>
-            <a:endParaRPr b="0" lang="ru-RU" sz="1400" spc="-1" strike="noStrike">
+            <a:r>
+              <a:rPr lang="ru-RU" sz="1200" b="0" strike="noStrike" spc="-1">
+                <a:solidFill>
+                  <a:srgbClr val="000000"/>
+                </a:solidFill>
+                <a:latin typeface="+mn-lt"/>
+                <a:ea typeface="+mn-ea"/>
+              </a:rPr>
+              <a:t>Во втором подходе ФЛ определяет статистику входных данных и адаптирует коэффициенты к оптимальному с точки зрения определенных критериев решению. Такой алгоритм работоспособен в динамической помеховой обстановке. </a:t>
+            </a:r>
+            <a:endParaRPr lang="ru-RU" sz="1200" b="0" strike="noStrike" spc="-1">
               <a:latin typeface="Arial"/>
             </a:endParaRPr>
           </a:p>
@@ -861,41 +1219,18 @@
                 <a:spcPct val="100000"/>
               </a:lnSpc>
               <a:tabLst>
-                <a:tab algn="l" pos="0"/>
+                <a:tab pos="0" algn="l"/>
               </a:tabLst>
             </a:pPr>
-            <a:endParaRPr b="0" lang="ru-RU" sz="1400" spc="-1" strike="noStrike">
-              <a:latin typeface="Arial"/>
-            </a:endParaRPr>
-          </a:p>
-          <a:p>
-            <a:pPr marL="216000" indent="-207360">
-              <a:lnSpc>
-                <a:spcPct val="100000"/>
-              </a:lnSpc>
-              <a:tabLst>
-                <a:tab algn="l" pos="0"/>
-              </a:tabLst>
-            </a:pPr>
-            <a:r>
-              <a:rPr b="0" lang="ru-RU" sz="1400" spc="-1" strike="noStrike">
-                <a:solidFill>
-                  <a:srgbClr val="000000"/>
-                </a:solidFill>
-                <a:latin typeface="Arial"/>
-                <a:ea typeface="+mn-ea"/>
-              </a:rPr>
-              <a:t>Частотный ФЛ, который разбивает спектр принятых сигналов на диапазоны и умножает каждый диапазон на соответствующие коэффициенты, и временной,  который  обеспечивает  частотно  зависимые коэффициенты с помощью линий задержки КИХ фильтров, расположенных в канале каждого сенсора. В данной работе я работал с временным формирователем луча</a:t>
-            </a:r>
-            <a:endParaRPr b="0" lang="ru-RU" sz="1400" spc="-1" strike="noStrike">
-              <a:latin typeface="Arial"/>
-            </a:endParaRPr>
-          </a:p>
-        </p:txBody>
-      </p:sp>
-      <p:sp>
-        <p:nvSpPr>
-          <p:cNvPr id="164" name="CustomShape 3"/>
+            <a:endParaRPr lang="ru-RU" sz="1200" b="0" strike="noStrike" spc="-1">
+              <a:latin typeface="Arial"/>
+            </a:endParaRPr>
+          </a:p>
+        </p:txBody>
+      </p:sp>
+      <p:sp>
+        <p:nvSpPr>
+          <p:cNvPr id="170" name="CustomShape 3"/>
           <p:cNvSpPr/>
           <p:nvPr/>
         </p:nvSpPr>
@@ -913,32 +1248,39 @@
           </a:ln>
         </p:spPr>
         <p:style>
-          <a:lnRef idx="0"/>
-          <a:fillRef idx="0"/>
-          <a:effectRef idx="0"/>
+          <a:lnRef idx="0">
+            <a:scrgbClr r="0" g="0" b="0"/>
+          </a:lnRef>
+          <a:fillRef idx="0">
+            <a:scrgbClr r="0" g="0" b="0"/>
+          </a:fillRef>
+          <a:effectRef idx="0">
+            <a:scrgbClr r="0" g="0" b="0"/>
+          </a:effectRef>
           <a:fontRef idx="minor"/>
         </p:style>
         <p:txBody>
-          <a:bodyPr lIns="90000" rIns="90000" tIns="45000" bIns="45000" anchor="b">
+          <a:bodyPr lIns="90000" tIns="45000" rIns="90000" bIns="45000" anchor="b">
             <a:noAutofit/>
           </a:bodyPr>
+          <a:lstStyle/>
           <a:p>
             <a:pPr algn="r">
               <a:lnSpc>
                 <a:spcPct val="100000"/>
               </a:lnSpc>
             </a:pPr>
-            <a:fld id="{1507A502-3E92-49DA-A377-FA9A5647826E}" type="slidenum">
-              <a:rPr b="0" lang="ru-RU" sz="1200" spc="-1" strike="noStrike">
+            <a:fld id="{DB54B509-CF37-4CF1-97AC-183A4A47F8B6}" type="slidenum">
+              <a:rPr lang="ru-RU" sz="1200" b="0" strike="noStrike" spc="-1">
                 <a:solidFill>
                   <a:srgbClr val="000000"/>
                 </a:solidFill>
                 <a:latin typeface="+mn-lt"/>
                 <a:ea typeface="+mn-ea"/>
               </a:rPr>
-              <a:t>9</a:t>
+              <a:t>6</a:t>
             </a:fld>
-            <a:endParaRPr b="0" lang="ru-RU" sz="1200" spc="-1" strike="noStrike">
+            <a:endParaRPr lang="ru-RU" sz="1200" b="0" strike="noStrike" spc="-1">
               <a:latin typeface="Arial"/>
             </a:endParaRPr>
           </a:p>
@@ -946,11 +1288,14 @@
       </p:sp>
     </p:spTree>
   </p:cSld>
+  <p:clrMapOvr>
+    <a:masterClrMapping/>
+  </p:clrMapOvr>
 </p:notes>
 </file>
 
 <file path=ppt/notesSlides/notesSlide5.xml><?xml version="1.0" encoding="utf-8"?>
-<p:notes xmlns:a="http://schemas.openxmlformats.org/drawingml/2006/main" xmlns:p="http://schemas.openxmlformats.org/presentationml/2006/main" xmlns:r="http://schemas.openxmlformats.org/officeDocument/2006/relationships" xmlns:p14="http://schemas.microsoft.com/office/powerpoint/2010/main" xmlns:p15="http://schemas.microsoft.com/office/powerpoint/2012/main" xmlns:mc="http://schemas.openxmlformats.org/markup-compatibility/2006">
+<p:notes xmlns:a="http://schemas.openxmlformats.org/drawingml/2006/main" xmlns:r="http://schemas.openxmlformats.org/officeDocument/2006/relationships" xmlns:p="http://schemas.openxmlformats.org/presentationml/2006/main">
   <p:cSld>
     <p:spTree>
       <p:nvGrpSpPr>
@@ -968,9 +1313,9 @@
       </p:grpSpPr>
       <p:sp>
         <p:nvSpPr>
-          <p:cNvPr id="165" name="PlaceHolder 1"/>
+          <p:cNvPr id="171" name="PlaceHolder 1"/>
           <p:cNvSpPr>
-            <a:spLocks noGrp="1"/>
+            <a:spLocks noGrp="1" noRot="1" noChangeAspect="1"/>
           </p:cNvSpPr>
           <p:nvPr>
             <p:ph type="sldImg"/>
@@ -988,7 +1333,7 @@
       </p:sp>
       <p:sp>
         <p:nvSpPr>
-          <p:cNvPr id="166" name="PlaceHolder 2"/>
+          <p:cNvPr id="172" name="PlaceHolder 2"/>
           <p:cNvSpPr>
             <a:spLocks noGrp="1"/>
           </p:cNvSpPr>
@@ -1006,52 +1351,71 @@
           </a:prstGeom>
         </p:spPr>
         <p:txBody>
-          <a:bodyPr lIns="0" rIns="0" tIns="0" bIns="0">
+          <a:bodyPr lIns="0" tIns="0" rIns="0" bIns="0">
             <a:noAutofit/>
           </a:bodyPr>
-          <a:p>
-            <a:pPr marL="216000" indent="-213840">
+          <a:lstStyle/>
+          <a:p>
+            <a:pPr marL="216000" indent="-207360">
               <a:lnSpc>
                 <a:spcPct val="100000"/>
               </a:lnSpc>
               <a:tabLst>
-                <a:tab algn="l" pos="0"/>
+                <a:tab pos="0" algn="l"/>
               </a:tabLst>
             </a:pPr>
             <a:r>
-              <a:rPr b="0" lang="ru-RU" sz="1400" spc="-1" strike="noStrike">
+              <a:rPr lang="ru-RU" sz="1200" b="0" strike="noStrike" spc="-1">
+                <a:solidFill>
+                  <a:srgbClr val="000000"/>
+                </a:solidFill>
                 <a:latin typeface="+mn-lt"/>
-              </a:rPr>
-              <a:t>Формирователь луча можно рассматривать как разновидность фильтра. Частотно-ВременнОй фильтр используются для приема сигнала и увеличения или уменьшения его отдельных частотных компонент</a:t>
+                <a:ea typeface="+mn-ea"/>
+              </a:rPr>
+              <a:t>Один из подходов адаптивной пространственной фильтрации состоит в минимизации целевой функции при выполнении линейных ограничений. Были рассмотрены 2 традиционных адаптивных алгоритма </a:t>
             </a:r>
-            <a:endParaRPr b="0" lang="ru-RU" sz="1400" spc="-1" strike="noStrike">
-              <a:latin typeface="Arial"/>
-            </a:endParaRPr>
-          </a:p>
-          <a:p>
-            <a:pPr marL="216000" indent="-213840">
+            <a:r>
+              <a:rPr lang="en-US" sz="1200" b="0" strike="noStrike" spc="-1">
+                <a:solidFill>
+                  <a:srgbClr val="000000"/>
+                </a:solidFill>
+                <a:latin typeface="+mn-lt"/>
+                <a:ea typeface="+mn-ea"/>
+              </a:rPr>
+              <a:t>LC LMS, LC RLS.</a:t>
+            </a:r>
+            <a:endParaRPr lang="ru-RU" sz="1200" b="0" strike="noStrike" spc="-1">
+              <a:latin typeface="Arial"/>
+            </a:endParaRPr>
+          </a:p>
+          <a:p>
+            <a:pPr marL="216000" indent="-207360">
               <a:lnSpc>
                 <a:spcPct val="100000"/>
               </a:lnSpc>
               <a:tabLst>
-                <a:tab algn="l" pos="0"/>
+                <a:tab pos="0" algn="l"/>
               </a:tabLst>
             </a:pPr>
             <a:r>
-              <a:rPr b="0" lang="ru-RU" sz="1400" spc="-1" strike="noStrike">
+              <a:rPr lang="ru-RU" sz="1200" b="0" strike="noStrike" spc="-1">
+                <a:solidFill>
+                  <a:srgbClr val="000000"/>
+                </a:solidFill>
                 <a:latin typeface="+mn-lt"/>
-              </a:rPr>
-              <a:t>А роль ФЛ состоит в увеличении сигналов с определенного направления и уменьшении сигналов со всех других направлений</a:t>
+                <a:ea typeface="+mn-ea"/>
+              </a:rPr>
+              <a:t>RLS алгоритм имеет более высокую скорость сходимости, но в то же время более вычислительно затратен</a:t>
             </a:r>
-            <a:endParaRPr b="0" lang="ru-RU" sz="1400" spc="-1" strike="noStrike">
-              <a:latin typeface="Arial"/>
-            </a:endParaRPr>
-          </a:p>
-        </p:txBody>
-      </p:sp>
-      <p:sp>
-        <p:nvSpPr>
-          <p:cNvPr id="167" name="CustomShape 3"/>
+            <a:endParaRPr lang="ru-RU" sz="1200" b="0" strike="noStrike" spc="-1">
+              <a:latin typeface="Arial"/>
+            </a:endParaRPr>
+          </a:p>
+        </p:txBody>
+      </p:sp>
+      <p:sp>
+        <p:nvSpPr>
+          <p:cNvPr id="173" name="CustomShape 3"/>
           <p:cNvSpPr/>
           <p:nvPr/>
         </p:nvSpPr>
@@ -1069,32 +1433,39 @@
           </a:ln>
         </p:spPr>
         <p:style>
-          <a:lnRef idx="0"/>
-          <a:fillRef idx="0"/>
-          <a:effectRef idx="0"/>
+          <a:lnRef idx="0">
+            <a:scrgbClr r="0" g="0" b="0"/>
+          </a:lnRef>
+          <a:fillRef idx="0">
+            <a:scrgbClr r="0" g="0" b="0"/>
+          </a:fillRef>
+          <a:effectRef idx="0">
+            <a:scrgbClr r="0" g="0" b="0"/>
+          </a:effectRef>
           <a:fontRef idx="minor"/>
         </p:style>
         <p:txBody>
-          <a:bodyPr lIns="90000" rIns="90000" tIns="45000" bIns="45000" anchor="b">
+          <a:bodyPr lIns="90000" tIns="45000" rIns="90000" bIns="45000" anchor="b">
             <a:noAutofit/>
           </a:bodyPr>
+          <a:lstStyle/>
           <a:p>
             <a:pPr algn="r">
               <a:lnSpc>
                 <a:spcPct val="100000"/>
               </a:lnSpc>
             </a:pPr>
-            <a:fld id="{865156BD-8435-4ACA-A462-38C1CC084CB5}" type="slidenum">
-              <a:rPr b="0" lang="ru-RU" sz="1200" spc="-1" strike="noStrike">
+            <a:fld id="{5B806057-DF07-4F59-B349-823FC39519D9}" type="slidenum">
+              <a:rPr lang="ru-RU" sz="1200" b="0" strike="noStrike" spc="-1">
                 <a:solidFill>
                   <a:srgbClr val="000000"/>
                 </a:solidFill>
                 <a:latin typeface="+mn-lt"/>
                 <a:ea typeface="+mn-ea"/>
               </a:rPr>
-              <a:t>9</a:t>
+              <a:t>7</a:t>
             </a:fld>
-            <a:endParaRPr b="0" lang="ru-RU" sz="1200" spc="-1" strike="noStrike">
+            <a:endParaRPr lang="ru-RU" sz="1200" b="0" strike="noStrike" spc="-1">
               <a:latin typeface="Arial"/>
             </a:endParaRPr>
           </a:p>
@@ -1102,11 +1473,14 @@
       </p:sp>
     </p:spTree>
   </p:cSld>
+  <p:clrMapOvr>
+    <a:masterClrMapping/>
+  </p:clrMapOvr>
 </p:notes>
 </file>
 
 <file path=ppt/notesSlides/notesSlide6.xml><?xml version="1.0" encoding="utf-8"?>
-<p:notes xmlns:a="http://schemas.openxmlformats.org/drawingml/2006/main" xmlns:p="http://schemas.openxmlformats.org/presentationml/2006/main" xmlns:r="http://schemas.openxmlformats.org/officeDocument/2006/relationships" xmlns:p14="http://schemas.microsoft.com/office/powerpoint/2010/main" xmlns:p15="http://schemas.microsoft.com/office/powerpoint/2012/main" xmlns:mc="http://schemas.openxmlformats.org/markup-compatibility/2006">
+<p:notes xmlns:a="http://schemas.openxmlformats.org/drawingml/2006/main" xmlns:r="http://schemas.openxmlformats.org/officeDocument/2006/relationships" xmlns:p="http://schemas.openxmlformats.org/presentationml/2006/main">
   <p:cSld>
     <p:spTree>
       <p:nvGrpSpPr>
@@ -1124,9 +1498,9 @@
       </p:grpSpPr>
       <p:sp>
         <p:nvSpPr>
-          <p:cNvPr id="168" name="PlaceHolder 1"/>
+          <p:cNvPr id="174" name="PlaceHolder 1"/>
           <p:cNvSpPr>
-            <a:spLocks noGrp="1"/>
+            <a:spLocks noGrp="1" noRot="1" noChangeAspect="1"/>
           </p:cNvSpPr>
           <p:nvPr>
             <p:ph type="sldImg"/>
@@ -1144,7 +1518,7 @@
       </p:sp>
       <p:sp>
         <p:nvSpPr>
-          <p:cNvPr id="169" name="PlaceHolder 2"/>
+          <p:cNvPr id="175" name="PlaceHolder 2"/>
           <p:cNvSpPr>
             <a:spLocks noGrp="1"/>
           </p:cNvSpPr>
@@ -1162,139 +1536,97 @@
           </a:prstGeom>
         </p:spPr>
         <p:txBody>
-          <a:bodyPr lIns="0" rIns="0" tIns="0" bIns="0">
+          <a:bodyPr lIns="0" tIns="0" rIns="0" bIns="0">
             <a:noAutofit/>
           </a:bodyPr>
+          <a:lstStyle/>
           <a:p>
             <a:pPr marL="216000" indent="-207360">
               <a:lnSpc>
                 <a:spcPct val="100000"/>
               </a:lnSpc>
               <a:tabLst>
-                <a:tab algn="l" pos="0"/>
+                <a:tab pos="0" algn="l"/>
               </a:tabLst>
             </a:pPr>
             <a:r>
-              <a:rPr b="0" lang="ru-RU" sz="1200" spc="-1" strike="noStrike">
+              <a:rPr lang="ru-RU" sz="2000" b="0" strike="noStrike" spc="-1">
+                <a:latin typeface="Arial"/>
+              </a:rPr>
+              <a:t>Для последующего моделирования была использована линейная эквидистантная микрофонная решетка с расстоянием между микрофонами 4 см. </a:t>
+            </a:r>
+          </a:p>
+          <a:p>
+            <a:pPr marL="216000" indent="-207360">
+              <a:lnSpc>
+                <a:spcPct val="100000"/>
+              </a:lnSpc>
+              <a:tabLst>
+                <a:tab pos="0" algn="l"/>
+              </a:tabLst>
+            </a:pPr>
+            <a:r>
+              <a:rPr lang="ru-RU" sz="2000" b="0" strike="noStrike" spc="-1">
+                <a:latin typeface="Arial"/>
+              </a:rPr>
+              <a:t>Ею был осуществлен прием смеси полезного сигнала с направления 0 град азимута и помехи – с направления 60 град.</a:t>
+            </a:r>
+          </a:p>
+        </p:txBody>
+      </p:sp>
+      <p:sp>
+        <p:nvSpPr>
+          <p:cNvPr id="176" name="CustomShape 3"/>
+          <p:cNvSpPr/>
+          <p:nvPr/>
+        </p:nvSpPr>
+        <p:spPr>
+          <a:xfrm>
+            <a:off x="3884760" y="8685360"/>
+            <a:ext cx="2962800" cy="448200"/>
+          </a:xfrm>
+          <a:prstGeom prst="rect">
+            <a:avLst/>
+          </a:prstGeom>
+          <a:noFill/>
+          <a:ln>
+            <a:noFill/>
+          </a:ln>
+        </p:spPr>
+        <p:style>
+          <a:lnRef idx="0">
+            <a:scrgbClr r="0" g="0" b="0"/>
+          </a:lnRef>
+          <a:fillRef idx="0">
+            <a:scrgbClr r="0" g="0" b="0"/>
+          </a:fillRef>
+          <a:effectRef idx="0">
+            <a:scrgbClr r="0" g="0" b="0"/>
+          </a:effectRef>
+          <a:fontRef idx="minor"/>
+        </p:style>
+        <p:txBody>
+          <a:bodyPr lIns="90000" tIns="45000" rIns="90000" bIns="45000" anchor="b">
+            <a:noAutofit/>
+          </a:bodyPr>
+          <a:lstStyle/>
+          <a:p>
+            <a:pPr algn="r">
+              <a:lnSpc>
+                <a:spcPct val="100000"/>
+              </a:lnSpc>
+            </a:pPr>
+            <a:fld id="{3BE6C443-D109-4DEF-BD46-84D100B5DCE1}" type="slidenum">
+              <a:rPr lang="ru-RU" sz="1200" b="0" strike="noStrike" spc="-1">
                 <a:solidFill>
                   <a:srgbClr val="000000"/>
                 </a:solidFill>
                 <a:latin typeface="+mn-lt"/>
                 <a:ea typeface="+mn-ea"/>
               </a:rPr>
-              <a:t>Существует два подхода пространственной фильтрации. </a:t>
-            </a:r>
-            <a:endParaRPr b="0" lang="ru-RU" sz="1200" spc="-1" strike="noStrike">
-              <a:latin typeface="Arial"/>
-            </a:endParaRPr>
-          </a:p>
-          <a:p>
-            <a:pPr marL="216000" indent="-207360">
-              <a:lnSpc>
-                <a:spcPct val="100000"/>
-              </a:lnSpc>
-              <a:tabLst>
-                <a:tab algn="l" pos="0"/>
-              </a:tabLst>
-            </a:pPr>
-            <a:r>
-              <a:rPr b="0" lang="ru-RU" sz="1200" spc="-1" strike="noStrike">
-                <a:solidFill>
-                  <a:srgbClr val="000000"/>
-                </a:solidFill>
-                <a:latin typeface="+mn-lt"/>
-                <a:ea typeface="+mn-ea"/>
-              </a:rPr>
-              <a:t>В первом случае работа ФЛ не зависит от входных данных. Применяется в стационарной помеховой обстановке, где мы априори знаем положения источников помех.</a:t>
-            </a:r>
-            <a:endParaRPr b="0" lang="ru-RU" sz="1200" spc="-1" strike="noStrike">
-              <a:latin typeface="Arial"/>
-            </a:endParaRPr>
-          </a:p>
-          <a:p>
-            <a:pPr marL="216000" indent="-207360">
-              <a:lnSpc>
-                <a:spcPct val="100000"/>
-              </a:lnSpc>
-              <a:tabLst>
-                <a:tab algn="l" pos="0"/>
-              </a:tabLst>
-            </a:pPr>
-            <a:r>
-              <a:rPr b="0" lang="ru-RU" sz="1200" spc="-1" strike="noStrike">
-                <a:solidFill>
-                  <a:srgbClr val="000000"/>
-                </a:solidFill>
-                <a:latin typeface="+mn-lt"/>
-                <a:ea typeface="+mn-ea"/>
-              </a:rPr>
-              <a:t>Во втором подходе ФЛ определяет статистику входных данных и адаптирует коэффициенты к оптимальному с точки зрения определенных критериев решению. Такой алгоритм работоспособен в динамической помеховой обстановке. </a:t>
-            </a:r>
-            <a:endParaRPr b="0" lang="ru-RU" sz="1200" spc="-1" strike="noStrike">
-              <a:latin typeface="Arial"/>
-            </a:endParaRPr>
-          </a:p>
-          <a:p>
-            <a:pPr marL="216000" indent="-207360">
-              <a:lnSpc>
-                <a:spcPct val="100000"/>
-              </a:lnSpc>
-              <a:tabLst>
-                <a:tab algn="l" pos="0"/>
-              </a:tabLst>
-            </a:pPr>
-            <a:endParaRPr b="0" lang="ru-RU" sz="1200" spc="-1" strike="noStrike">
-              <a:latin typeface="Arial"/>
-            </a:endParaRPr>
-          </a:p>
-        </p:txBody>
-      </p:sp>
-      <p:sp>
-        <p:nvSpPr>
-          <p:cNvPr id="170" name="CustomShape 3"/>
-          <p:cNvSpPr/>
-          <p:nvPr/>
-        </p:nvSpPr>
-        <p:spPr>
-          <a:xfrm>
-            <a:off x="3884760" y="8685360"/>
-            <a:ext cx="2962800" cy="448200"/>
-          </a:xfrm>
-          <a:prstGeom prst="rect">
-            <a:avLst/>
-          </a:prstGeom>
-          <a:noFill/>
-          <a:ln>
-            <a:noFill/>
-          </a:ln>
-        </p:spPr>
-        <p:style>
-          <a:lnRef idx="0"/>
-          <a:fillRef idx="0"/>
-          <a:effectRef idx="0"/>
-          <a:fontRef idx="minor"/>
-        </p:style>
-        <p:txBody>
-          <a:bodyPr lIns="90000" rIns="90000" tIns="45000" bIns="45000" anchor="b">
-            <a:noAutofit/>
-          </a:bodyPr>
-          <a:p>
-            <a:pPr algn="r">
-              <a:lnSpc>
-                <a:spcPct val="100000"/>
-              </a:lnSpc>
-            </a:pPr>
-            <a:fld id="{DB54B509-CF37-4CF1-97AC-183A4A47F8B6}" type="slidenum">
-              <a:rPr b="0" lang="ru-RU" sz="1200" spc="-1" strike="noStrike">
-                <a:solidFill>
-                  <a:srgbClr val="000000"/>
-                </a:solidFill>
-                <a:latin typeface="+mn-lt"/>
-                <a:ea typeface="+mn-ea"/>
-              </a:rPr>
-              <a:t>9</a:t>
+              <a:t>8</a:t>
             </a:fld>
-            <a:endParaRPr b="0" lang="ru-RU" sz="1200" spc="-1" strike="noStrike">
+            <a:endParaRPr lang="ru-RU" sz="1200" b="0" strike="noStrike" spc="-1">
               <a:latin typeface="Arial"/>
             </a:endParaRPr>
           </a:p>
@@ -1302,11 +1634,14 @@
       </p:sp>
     </p:spTree>
   </p:cSld>
+  <p:clrMapOvr>
+    <a:masterClrMapping/>
+  </p:clrMapOvr>
 </p:notes>
 </file>
 
 <file path=ppt/notesSlides/notesSlide7.xml><?xml version="1.0" encoding="utf-8"?>
-<p:notes xmlns:a="http://schemas.openxmlformats.org/drawingml/2006/main" xmlns:p="http://schemas.openxmlformats.org/presentationml/2006/main" xmlns:r="http://schemas.openxmlformats.org/officeDocument/2006/relationships" xmlns:p14="http://schemas.microsoft.com/office/powerpoint/2010/main" xmlns:p15="http://schemas.microsoft.com/office/powerpoint/2012/main" xmlns:mc="http://schemas.openxmlformats.org/markup-compatibility/2006">
+<p:notes xmlns:a="http://schemas.openxmlformats.org/drawingml/2006/main" xmlns:r="http://schemas.openxmlformats.org/officeDocument/2006/relationships" xmlns:p="http://schemas.openxmlformats.org/presentationml/2006/main">
   <p:cSld>
     <p:spTree>
       <p:nvGrpSpPr>
@@ -1324,9 +1659,9 @@
       </p:grpSpPr>
       <p:sp>
         <p:nvSpPr>
-          <p:cNvPr id="171" name="PlaceHolder 1"/>
+          <p:cNvPr id="177" name="PlaceHolder 1"/>
           <p:cNvSpPr>
-            <a:spLocks noGrp="1"/>
+            <a:spLocks noGrp="1" noRot="1" noChangeAspect="1"/>
           </p:cNvSpPr>
           <p:nvPr>
             <p:ph type="sldImg"/>
@@ -1344,7 +1679,7 @@
       </p:sp>
       <p:sp>
         <p:nvSpPr>
-          <p:cNvPr id="172" name="PlaceHolder 2"/>
+          <p:cNvPr id="178" name="PlaceHolder 2"/>
           <p:cNvSpPr>
             <a:spLocks noGrp="1"/>
           </p:cNvSpPr>
@@ -1362,113 +1697,124 @@
           </a:prstGeom>
         </p:spPr>
         <p:txBody>
-          <a:bodyPr lIns="0" rIns="0" tIns="0" bIns="0">
+          <a:bodyPr lIns="0" tIns="0" rIns="0" bIns="0">
             <a:noAutofit/>
           </a:bodyPr>
+          <a:lstStyle/>
           <a:p>
             <a:pPr marL="216000" indent="-207360">
               <a:lnSpc>
                 <a:spcPct val="100000"/>
               </a:lnSpc>
               <a:tabLst>
-                <a:tab algn="l" pos="0"/>
+                <a:tab pos="0" algn="l"/>
               </a:tabLst>
             </a:pPr>
             <a:r>
-              <a:rPr b="0" lang="ru-RU" sz="1200" spc="-1" strike="noStrike">
+              <a:rPr lang="ru-RU" sz="1200" b="0" strike="noStrike" spc="-1">
                 <a:solidFill>
                   <a:srgbClr val="000000"/>
                 </a:solidFill>
                 <a:latin typeface="+mn-lt"/>
                 <a:ea typeface="+mn-ea"/>
               </a:rPr>
-              <a:t>Один из подходов адаптивной пространственной фильтрации состоит в минимизации целевой функции при выполнении линейных ограничений. Были рассмотрены 2 традиционных адаптивных алгоритма </a:t>
+              <a:t>Для оценки работы адаптивных формирователей луча помимо традиционного расчета ОСШ, применялась одна из техник объективной оценки качества, разборчивости речи. </a:t>
             </a:r>
+            <a:endParaRPr lang="ru-RU" sz="1200" b="0" strike="noStrike" spc="-1">
+              <a:latin typeface="Arial"/>
+            </a:endParaRPr>
+          </a:p>
+          <a:p>
+            <a:pPr marL="216000" indent="-207360">
+              <a:lnSpc>
+                <a:spcPct val="100000"/>
+              </a:lnSpc>
+              <a:tabLst>
+                <a:tab pos="0" algn="l"/>
+              </a:tabLst>
+            </a:pPr>
+            <a:endParaRPr lang="ru-RU" sz="1200" b="0" strike="noStrike" spc="-1">
+              <a:latin typeface="Arial"/>
+            </a:endParaRPr>
+          </a:p>
+          <a:p>
+            <a:pPr marL="216000" indent="-207360">
+              <a:lnSpc>
+                <a:spcPct val="100000"/>
+              </a:lnSpc>
+              <a:tabLst>
+                <a:tab pos="0" algn="l"/>
+              </a:tabLst>
+            </a:pPr>
             <a:r>
-              <a:rPr b="0" lang="en-US" sz="1200" spc="-1" strike="noStrike">
+              <a:rPr lang="ru-RU" sz="1200" b="0" strike="noStrike" spc="-1">
                 <a:solidFill>
                   <a:srgbClr val="000000"/>
                 </a:solidFill>
                 <a:latin typeface="+mn-lt"/>
                 <a:ea typeface="+mn-ea"/>
               </a:rPr>
-              <a:t>LC LMS, LC RLS.</a:t>
+              <a:t>Для определения качества передачи речи в PESQ предусмотрено сравнение входного, или эталонного, сигнала с его искаженной версией на выходе системы связи. Этот процесс схематично показан на рисунке. </a:t>
             </a:r>
-            <a:endParaRPr b="0" lang="ru-RU" sz="1200" spc="-1" strike="noStrike">
-              <a:latin typeface="Arial"/>
-            </a:endParaRPr>
-          </a:p>
-          <a:p>
-            <a:pPr marL="216000" indent="-207360">
+            <a:endParaRPr lang="ru-RU" sz="1200" b="0" strike="noStrike" spc="-1">
+              <a:latin typeface="Arial"/>
+            </a:endParaRPr>
+          </a:p>
+        </p:txBody>
+      </p:sp>
+      <p:sp>
+        <p:nvSpPr>
+          <p:cNvPr id="179" name="CustomShape 3"/>
+          <p:cNvSpPr/>
+          <p:nvPr/>
+        </p:nvSpPr>
+        <p:spPr>
+          <a:xfrm>
+            <a:off x="3884760" y="8685360"/>
+            <a:ext cx="2962800" cy="448200"/>
+          </a:xfrm>
+          <a:prstGeom prst="rect">
+            <a:avLst/>
+          </a:prstGeom>
+          <a:noFill/>
+          <a:ln>
+            <a:noFill/>
+          </a:ln>
+        </p:spPr>
+        <p:style>
+          <a:lnRef idx="0">
+            <a:scrgbClr r="0" g="0" b="0"/>
+          </a:lnRef>
+          <a:fillRef idx="0">
+            <a:scrgbClr r="0" g="0" b="0"/>
+          </a:fillRef>
+          <a:effectRef idx="0">
+            <a:scrgbClr r="0" g="0" b="0"/>
+          </a:effectRef>
+          <a:fontRef idx="minor"/>
+        </p:style>
+        <p:txBody>
+          <a:bodyPr lIns="90000" tIns="45000" rIns="90000" bIns="45000" anchor="b">
+            <a:noAutofit/>
+          </a:bodyPr>
+          <a:lstStyle/>
+          <a:p>
+            <a:pPr algn="r">
               <a:lnSpc>
                 <a:spcPct val="100000"/>
               </a:lnSpc>
-              <a:tabLst>
-                <a:tab algn="l" pos="0"/>
-              </a:tabLst>
             </a:pPr>
-            <a:r>
-              <a:rPr b="0" lang="ru-RU" sz="1200" spc="-1" strike="noStrike">
+            <a:fld id="{FC7EAD93-C929-4D38-81CC-48AE63DC79BE}" type="slidenum">
+              <a:rPr lang="ru-RU" sz="1200" b="0" strike="noStrike" spc="-1">
                 <a:solidFill>
                   <a:srgbClr val="000000"/>
                 </a:solidFill>
                 <a:latin typeface="+mn-lt"/>
                 <a:ea typeface="+mn-ea"/>
               </a:rPr>
-              <a:t>RLS алгоритм имеет более высокую скорость сходимости, но в то же время более вычислительно затратен</a:t>
-            </a:r>
-            <a:endParaRPr b="0" lang="ru-RU" sz="1200" spc="-1" strike="noStrike">
-              <a:latin typeface="Arial"/>
-            </a:endParaRPr>
-          </a:p>
-        </p:txBody>
-      </p:sp>
-      <p:sp>
-        <p:nvSpPr>
-          <p:cNvPr id="173" name="CustomShape 3"/>
-          <p:cNvSpPr/>
-          <p:nvPr/>
-        </p:nvSpPr>
-        <p:spPr>
-          <a:xfrm>
-            <a:off x="3884760" y="8685360"/>
-            <a:ext cx="2962800" cy="448200"/>
-          </a:xfrm>
-          <a:prstGeom prst="rect">
-            <a:avLst/>
-          </a:prstGeom>
-          <a:noFill/>
-          <a:ln>
-            <a:noFill/>
-          </a:ln>
-        </p:spPr>
-        <p:style>
-          <a:lnRef idx="0"/>
-          <a:fillRef idx="0"/>
-          <a:effectRef idx="0"/>
-          <a:fontRef idx="minor"/>
-        </p:style>
-        <p:txBody>
-          <a:bodyPr lIns="90000" rIns="90000" tIns="45000" bIns="45000" anchor="b">
-            <a:noAutofit/>
-          </a:bodyPr>
-          <a:p>
-            <a:pPr algn="r">
-              <a:lnSpc>
-                <a:spcPct val="100000"/>
-              </a:lnSpc>
-            </a:pPr>
-            <a:fld id="{5B806057-DF07-4F59-B349-823FC39519D9}" type="slidenum">
-              <a:rPr b="0" lang="ru-RU" sz="1200" spc="-1" strike="noStrike">
-                <a:solidFill>
-                  <a:srgbClr val="000000"/>
-                </a:solidFill>
-                <a:latin typeface="+mn-lt"/>
-                <a:ea typeface="+mn-ea"/>
-              </a:rPr>
               <a:t>9</a:t>
             </a:fld>
-            <a:endParaRPr b="0" lang="ru-RU" sz="1200" spc="-1" strike="noStrike">
+            <a:endParaRPr lang="ru-RU" sz="1200" b="0" strike="noStrike" spc="-1">
               <a:latin typeface="Arial"/>
             </a:endParaRPr>
           </a:p>
@@ -1476,11 +1822,14 @@
       </p:sp>
     </p:spTree>
   </p:cSld>
+  <p:clrMapOvr>
+    <a:masterClrMapping/>
+  </p:clrMapOvr>
 </p:notes>
 </file>
 
 <file path=ppt/notesSlides/notesSlide8.xml><?xml version="1.0" encoding="utf-8"?>
-<p:notes xmlns:a="http://schemas.openxmlformats.org/drawingml/2006/main" xmlns:p="http://schemas.openxmlformats.org/presentationml/2006/main" xmlns:r="http://schemas.openxmlformats.org/officeDocument/2006/relationships" xmlns:p14="http://schemas.microsoft.com/office/powerpoint/2010/main" xmlns:p15="http://schemas.microsoft.com/office/powerpoint/2012/main" xmlns:mc="http://schemas.openxmlformats.org/markup-compatibility/2006">
+<p:notes xmlns:a="http://schemas.openxmlformats.org/drawingml/2006/main" xmlns:r="http://schemas.openxmlformats.org/officeDocument/2006/relationships" xmlns:p="http://schemas.openxmlformats.org/presentationml/2006/main">
   <p:cSld>
     <p:spTree>
       <p:nvGrpSpPr>
@@ -1498,9 +1847,9 @@
       </p:grpSpPr>
       <p:sp>
         <p:nvSpPr>
-          <p:cNvPr id="174" name="PlaceHolder 1"/>
+          <p:cNvPr id="180" name="PlaceHolder 1"/>
           <p:cNvSpPr>
-            <a:spLocks noGrp="1"/>
+            <a:spLocks noGrp="1" noRot="1" noChangeAspect="1"/>
           </p:cNvSpPr>
           <p:nvPr>
             <p:ph type="sldImg"/>
@@ -1518,7 +1867,7 @@
       </p:sp>
       <p:sp>
         <p:nvSpPr>
-          <p:cNvPr id="175" name="PlaceHolder 2"/>
+          <p:cNvPr id="181" name="PlaceHolder 2"/>
           <p:cNvSpPr>
             <a:spLocks noGrp="1"/>
           </p:cNvSpPr>
@@ -1536,52 +1885,38 @@
           </a:prstGeom>
         </p:spPr>
         <p:txBody>
-          <a:bodyPr lIns="0" rIns="0" tIns="0" bIns="0">
+          <a:bodyPr lIns="0" tIns="0" rIns="0" bIns="0">
             <a:noAutofit/>
           </a:bodyPr>
+          <a:lstStyle/>
           <a:p>
             <a:pPr marL="216000" indent="-207360">
               <a:lnSpc>
                 <a:spcPct val="100000"/>
               </a:lnSpc>
               <a:tabLst>
-                <a:tab algn="l" pos="0"/>
+                <a:tab pos="0" algn="l"/>
               </a:tabLst>
             </a:pPr>
             <a:r>
-              <a:rPr b="0" lang="ru-RU" sz="2000" spc="-1" strike="noStrike">
-                <a:latin typeface="Arial"/>
-              </a:rPr>
-              <a:t>Для последующего моделирования была использована линейная эквидистантная микрофонная решетка с расстоянием между микрофонами 4 см. </a:t>
+              <a:rPr lang="ru-RU" sz="1200" b="0" strike="noStrike" spc="-1">
+                <a:solidFill>
+                  <a:srgbClr val="000000"/>
+                </a:solidFill>
+                <a:latin typeface="+mn-lt"/>
+                <a:ea typeface="+mn-ea"/>
+              </a:rPr>
+              <a:t>графики выигрыша в ОСШ от порядка адаптивных фильтров и от числа микрофонов. Тоже самое для выигрыша в PESQ. </a:t>
             </a:r>
-            <a:endParaRPr b="0" lang="ru-RU" sz="2000" spc="-1" strike="noStrike">
-              <a:latin typeface="Arial"/>
-            </a:endParaRPr>
-          </a:p>
-          <a:p>
-            <a:pPr marL="216000" indent="-207360">
-              <a:lnSpc>
-                <a:spcPct val="100000"/>
-              </a:lnSpc>
-              <a:tabLst>
-                <a:tab algn="l" pos="0"/>
-              </a:tabLst>
-            </a:pPr>
-            <a:r>
-              <a:rPr b="0" lang="ru-RU" sz="2000" spc="-1" strike="noStrike">
-                <a:latin typeface="Arial"/>
-              </a:rPr>
-              <a:t>Ею был осуществлен прием смеси полезного сигнала с направления 0 град азимута и помехи – с направления 60 град.</a:t>
-            </a:r>
-            <a:endParaRPr b="0" lang="ru-RU" sz="2000" spc="-1" strike="noStrike">
-              <a:latin typeface="Arial"/>
-            </a:endParaRPr>
-          </a:p>
-        </p:txBody>
-      </p:sp>
-      <p:sp>
-        <p:nvSpPr>
-          <p:cNvPr id="176" name="CustomShape 3"/>
+            <a:endParaRPr lang="ru-RU" sz="1200" b="0" strike="noStrike" spc="-1">
+              <a:latin typeface="Arial"/>
+            </a:endParaRPr>
+          </a:p>
+        </p:txBody>
+      </p:sp>
+      <p:sp>
+        <p:nvSpPr>
+          <p:cNvPr id="182" name="CustomShape 3"/>
           <p:cNvSpPr/>
           <p:nvPr/>
         </p:nvSpPr>
@@ -1599,32 +1934,39 @@
           </a:ln>
         </p:spPr>
         <p:style>
-          <a:lnRef idx="0"/>
-          <a:fillRef idx="0"/>
-          <a:effectRef idx="0"/>
+          <a:lnRef idx="0">
+            <a:scrgbClr r="0" g="0" b="0"/>
+          </a:lnRef>
+          <a:fillRef idx="0">
+            <a:scrgbClr r="0" g="0" b="0"/>
+          </a:fillRef>
+          <a:effectRef idx="0">
+            <a:scrgbClr r="0" g="0" b="0"/>
+          </a:effectRef>
           <a:fontRef idx="minor"/>
         </p:style>
         <p:txBody>
-          <a:bodyPr lIns="90000" rIns="90000" tIns="45000" bIns="45000" anchor="b">
+          <a:bodyPr lIns="90000" tIns="45000" rIns="90000" bIns="45000" anchor="b">
             <a:noAutofit/>
           </a:bodyPr>
+          <a:lstStyle/>
           <a:p>
             <a:pPr algn="r">
               <a:lnSpc>
                 <a:spcPct val="100000"/>
               </a:lnSpc>
             </a:pPr>
-            <a:fld id="{3BE6C443-D109-4DEF-BD46-84D100B5DCE1}" type="slidenum">
-              <a:rPr b="0" lang="ru-RU" sz="1200" spc="-1" strike="noStrike">
+            <a:fld id="{D57FC0CE-AF01-48DE-8C5C-8D4FB780FA0D}" type="slidenum">
+              <a:rPr lang="ru-RU" sz="1200" b="0" strike="noStrike" spc="-1">
                 <a:solidFill>
                   <a:srgbClr val="000000"/>
                 </a:solidFill>
                 <a:latin typeface="+mn-lt"/>
                 <a:ea typeface="+mn-ea"/>
               </a:rPr>
-              <a:t>&lt;номер&gt;</a:t>
+              <a:t>10</a:t>
             </a:fld>
-            <a:endParaRPr b="0" lang="ru-RU" sz="1200" spc="-1" strike="noStrike">
+            <a:endParaRPr lang="ru-RU" sz="1200" b="0" strike="noStrike" spc="-1">
               <a:latin typeface="Arial"/>
             </a:endParaRPr>
           </a:p>
@@ -1632,11 +1974,14 @@
       </p:sp>
     </p:spTree>
   </p:cSld>
+  <p:clrMapOvr>
+    <a:masterClrMapping/>
+  </p:clrMapOvr>
 </p:notes>
 </file>
 
 <file path=ppt/notesSlides/notesSlide9.xml><?xml version="1.0" encoding="utf-8"?>
-<p:notes xmlns:a="http://schemas.openxmlformats.org/drawingml/2006/main" xmlns:p="http://schemas.openxmlformats.org/presentationml/2006/main" xmlns:r="http://schemas.openxmlformats.org/officeDocument/2006/relationships" xmlns:p14="http://schemas.microsoft.com/office/powerpoint/2010/main" xmlns:p15="http://schemas.microsoft.com/office/powerpoint/2012/main" xmlns:mc="http://schemas.openxmlformats.org/markup-compatibility/2006">
+<p:notes xmlns:a="http://schemas.openxmlformats.org/drawingml/2006/main" xmlns:r="http://schemas.openxmlformats.org/officeDocument/2006/relationships" xmlns:p="http://schemas.openxmlformats.org/presentationml/2006/main">
   <p:cSld>
     <p:spTree>
       <p:nvGrpSpPr>
@@ -1654,9 +1999,9 @@
       </p:grpSpPr>
       <p:sp>
         <p:nvSpPr>
-          <p:cNvPr id="177" name="PlaceHolder 1"/>
+          <p:cNvPr id="180" name="PlaceHolder 1"/>
           <p:cNvSpPr>
-            <a:spLocks noGrp="1"/>
+            <a:spLocks noGrp="1" noRot="1" noChangeAspect="1"/>
           </p:cNvSpPr>
           <p:nvPr>
             <p:ph type="sldImg"/>
@@ -1664,17 +2009,17 @@
         </p:nvSpPr>
         <p:spPr>
           <a:xfrm>
-            <a:off x="1144440" y="685800"/>
-            <a:ext cx="4560480" cy="3420720"/>
-          </a:xfrm>
-          <a:prstGeom prst="rect">
-            <a:avLst/>
-          </a:prstGeom>
-        </p:spPr>
-      </p:sp>
-      <p:sp>
-        <p:nvSpPr>
-          <p:cNvPr id="178" name="PlaceHolder 2"/>
+            <a:off x="1144588" y="685800"/>
+            <a:ext cx="4560887" cy="3421063"/>
+          </a:xfrm>
+          <a:prstGeom prst="rect">
+            <a:avLst/>
+          </a:prstGeom>
+        </p:spPr>
+      </p:sp>
+      <p:sp>
+        <p:nvSpPr>
+          <p:cNvPr id="181" name="PlaceHolder 2"/>
           <p:cNvSpPr>
             <a:spLocks noGrp="1"/>
           </p:cNvSpPr>
@@ -1692,116 +2037,96 @@
           </a:prstGeom>
         </p:spPr>
         <p:txBody>
-          <a:bodyPr lIns="0" rIns="0" tIns="0" bIns="0">
+          <a:bodyPr lIns="0" tIns="0" rIns="0" bIns="0">
             <a:noAutofit/>
           </a:bodyPr>
+          <a:lstStyle/>
           <a:p>
             <a:pPr marL="216000" indent="-207360">
               <a:lnSpc>
                 <a:spcPct val="100000"/>
               </a:lnSpc>
               <a:tabLst>
-                <a:tab algn="l" pos="0"/>
+                <a:tab pos="0" algn="l"/>
               </a:tabLst>
             </a:pPr>
             <a:r>
-              <a:rPr b="0" lang="ru-RU" sz="1200" spc="-1" strike="noStrike">
+              <a:rPr lang="ru-RU" sz="1200" b="0" strike="noStrike" spc="-1" dirty="0" smtClean="0">
+                <a:latin typeface="Arial"/>
+              </a:rPr>
+              <a:t>В конце откроешь</a:t>
+            </a:r>
+            <a:r>
+              <a:rPr lang="ru-RU" sz="1200" b="0" strike="noStrike" spc="-1" baseline="0" dirty="0" smtClean="0">
+                <a:latin typeface="Arial"/>
+              </a:rPr>
+              <a:t> слайд и скажешь  типа «Основные результаты работы представлены на слайде, спасибо </a:t>
+            </a:r>
+            <a:r>
+              <a:rPr lang="ru-RU" sz="1200" b="0" strike="noStrike" spc="-1" baseline="0" smtClean="0">
+                <a:latin typeface="Arial"/>
+              </a:rPr>
+              <a:t>за внимание»</a:t>
+            </a:r>
+            <a:endParaRPr lang="ru-RU" sz="1200" b="0" strike="noStrike" spc="-1" dirty="0">
+              <a:latin typeface="Arial"/>
+            </a:endParaRPr>
+          </a:p>
+        </p:txBody>
+      </p:sp>
+      <p:sp>
+        <p:nvSpPr>
+          <p:cNvPr id="182" name="CustomShape 3"/>
+          <p:cNvSpPr/>
+          <p:nvPr/>
+        </p:nvSpPr>
+        <p:spPr>
+          <a:xfrm>
+            <a:off x="3884760" y="8685360"/>
+            <a:ext cx="2962800" cy="448200"/>
+          </a:xfrm>
+          <a:prstGeom prst="rect">
+            <a:avLst/>
+          </a:prstGeom>
+          <a:noFill/>
+          <a:ln>
+            <a:noFill/>
+          </a:ln>
+        </p:spPr>
+        <p:style>
+          <a:lnRef idx="0">
+            <a:scrgbClr r="0" g="0" b="0"/>
+          </a:lnRef>
+          <a:fillRef idx="0">
+            <a:scrgbClr r="0" g="0" b="0"/>
+          </a:fillRef>
+          <a:effectRef idx="0">
+            <a:scrgbClr r="0" g="0" b="0"/>
+          </a:effectRef>
+          <a:fontRef idx="minor"/>
+        </p:style>
+        <p:txBody>
+          <a:bodyPr lIns="90000" tIns="45000" rIns="90000" bIns="45000" anchor="b">
+            <a:noAutofit/>
+          </a:bodyPr>
+          <a:lstStyle/>
+          <a:p>
+            <a:pPr algn="r">
+              <a:lnSpc>
+                <a:spcPct val="100000"/>
+              </a:lnSpc>
+            </a:pPr>
+            <a:fld id="{D57FC0CE-AF01-48DE-8C5C-8D4FB780FA0D}" type="slidenum">
+              <a:rPr lang="ru-RU" sz="1200" b="0" strike="noStrike" spc="-1">
                 <a:solidFill>
                   <a:srgbClr val="000000"/>
                 </a:solidFill>
                 <a:latin typeface="+mn-lt"/>
                 <a:ea typeface="+mn-ea"/>
               </a:rPr>
-              <a:t>Для оценки работы адаптивных формирователей луча помимо традиционного расчета ОСШ, применялась одна из техник объективной оценки качества, разборчивости речи. </a:t>
-            </a:r>
-            <a:endParaRPr b="0" lang="ru-RU" sz="1200" spc="-1" strike="noStrike">
-              <a:latin typeface="Arial"/>
-            </a:endParaRPr>
-          </a:p>
-          <a:p>
-            <a:pPr marL="216000" indent="-207360">
-              <a:lnSpc>
-                <a:spcPct val="100000"/>
-              </a:lnSpc>
-              <a:tabLst>
-                <a:tab algn="l" pos="0"/>
-              </a:tabLst>
-            </a:pPr>
-            <a:endParaRPr b="0" lang="ru-RU" sz="1200" spc="-1" strike="noStrike">
-              <a:latin typeface="Arial"/>
-            </a:endParaRPr>
-          </a:p>
-          <a:p>
-            <a:pPr marL="216000" indent="-207360">
-              <a:lnSpc>
-                <a:spcPct val="100000"/>
-              </a:lnSpc>
-              <a:tabLst>
-                <a:tab algn="l" pos="0"/>
-              </a:tabLst>
-            </a:pPr>
-            <a:r>
-              <a:rPr b="0" lang="ru-RU" sz="1200" spc="-1" strike="noStrike">
-                <a:solidFill>
-                  <a:srgbClr val="000000"/>
-                </a:solidFill>
-                <a:latin typeface="+mn-lt"/>
-                <a:ea typeface="+mn-ea"/>
-              </a:rPr>
-              <a:t>Для определения качества передачи речи в PESQ предусмотрено сравнение входного, или эталонного, сигнала с его искаженной версией на выходе системы связи. Этот процесс схематично показан на рисунке. </a:t>
-            </a:r>
-            <a:endParaRPr b="0" lang="ru-RU" sz="1200" spc="-1" strike="noStrike">
-              <a:latin typeface="Arial"/>
-            </a:endParaRPr>
-          </a:p>
-        </p:txBody>
-      </p:sp>
-      <p:sp>
-        <p:nvSpPr>
-          <p:cNvPr id="179" name="CustomShape 3"/>
-          <p:cNvSpPr/>
-          <p:nvPr/>
-        </p:nvSpPr>
-        <p:spPr>
-          <a:xfrm>
-            <a:off x="3884760" y="8685360"/>
-            <a:ext cx="2962800" cy="448200"/>
-          </a:xfrm>
-          <a:prstGeom prst="rect">
-            <a:avLst/>
-          </a:prstGeom>
-          <a:noFill/>
-          <a:ln>
-            <a:noFill/>
-          </a:ln>
-        </p:spPr>
-        <p:style>
-          <a:lnRef idx="0"/>
-          <a:fillRef idx="0"/>
-          <a:effectRef idx="0"/>
-          <a:fontRef idx="minor"/>
-        </p:style>
-        <p:txBody>
-          <a:bodyPr lIns="90000" rIns="90000" tIns="45000" bIns="45000" anchor="b">
-            <a:noAutofit/>
-          </a:bodyPr>
-          <a:p>
-            <a:pPr algn="r">
-              <a:lnSpc>
-                <a:spcPct val="100000"/>
-              </a:lnSpc>
-            </a:pPr>
-            <a:fld id="{FC7EAD93-C929-4D38-81CC-48AE63DC79BE}" type="slidenum">
-              <a:rPr b="0" lang="ru-RU" sz="1200" spc="-1" strike="noStrike">
-                <a:solidFill>
-                  <a:srgbClr val="000000"/>
-                </a:solidFill>
-                <a:latin typeface="+mn-lt"/>
-                <a:ea typeface="+mn-ea"/>
-              </a:rPr>
-              <a:t>&lt;номер&gt;</a:t>
+              <a:t>11</a:t>
             </a:fld>
-            <a:endParaRPr b="0" lang="ru-RU" sz="1200" spc="-1" strike="noStrike">
+            <a:endParaRPr lang="ru-RU" sz="1200" b="0" strike="noStrike" spc="-1">
               <a:latin typeface="Arial"/>
             </a:endParaRPr>
           </a:p>
@@ -1809,11 +2134,14 @@
       </p:sp>
     </p:spTree>
   </p:cSld>
+  <p:clrMapOvr>
+    <a:masterClrMapping/>
+  </p:clrMapOvr>
 </p:notes>
 </file>
 
 <file path=ppt/slideLayouts/slideLayout1.xml><?xml version="1.0" encoding="utf-8"?>
-<p:sldLayout xmlns:a="http://schemas.openxmlformats.org/drawingml/2006/main" xmlns:p="http://schemas.openxmlformats.org/presentationml/2006/main" xmlns:r="http://schemas.openxmlformats.org/officeDocument/2006/relationships" xmlns:p14="http://schemas.microsoft.com/office/powerpoint/2010/main" xmlns:p15="http://schemas.microsoft.com/office/powerpoint/2012/main" xmlns:mc="http://schemas.openxmlformats.org/markup-compatibility/2006" type="blank" preserve="1">
+<p:sldLayout xmlns:a="http://schemas.openxmlformats.org/drawingml/2006/main" xmlns:r="http://schemas.openxmlformats.org/officeDocument/2006/relationships" xmlns:p="http://schemas.openxmlformats.org/presentationml/2006/main" type="blank" preserve="1">
   <p:cSld name="Blank Slide">
     <p:spTree>
       <p:nvGrpSpPr>
@@ -1831,11 +2159,14 @@
       </p:grpSpPr>
     </p:spTree>
   </p:cSld>
+  <p:clrMapOvr>
+    <a:masterClrMapping/>
+  </p:clrMapOvr>
 </p:sldLayout>
 </file>
 
 <file path=ppt/slideLayouts/slideLayout10.xml><?xml version="1.0" encoding="utf-8"?>
-<p:sldLayout xmlns:a="http://schemas.openxmlformats.org/drawingml/2006/main" xmlns:p="http://schemas.openxmlformats.org/presentationml/2006/main" xmlns:r="http://schemas.openxmlformats.org/officeDocument/2006/relationships" xmlns:p14="http://schemas.microsoft.com/office/powerpoint/2010/main" xmlns:p15="http://schemas.microsoft.com/office/powerpoint/2012/main" xmlns:mc="http://schemas.openxmlformats.org/markup-compatibility/2006" type="objOverTx" preserve="1">
+<p:sldLayout xmlns:a="http://schemas.openxmlformats.org/drawingml/2006/main" xmlns:r="http://schemas.openxmlformats.org/officeDocument/2006/relationships" xmlns:p="http://schemas.openxmlformats.org/presentationml/2006/main" type="objOverTx" preserve="1">
   <p:cSld name="Title, Content over Content">
     <p:spTree>
       <p:nvGrpSpPr>
@@ -1871,11 +2202,12 @@
           </a:prstGeom>
         </p:spPr>
         <p:txBody>
-          <a:bodyPr lIns="0" rIns="0" tIns="0" bIns="0" anchor="ctr">
+          <a:bodyPr lIns="0" tIns="0" rIns="0" bIns="0" anchor="ctr">
             <a:noAutofit/>
           </a:bodyPr>
-          <a:p>
-            <a:endParaRPr b="0" lang="ru-RU" sz="1800" spc="-1" strike="noStrike">
+          <a:lstStyle/>
+          <a:p>
+            <a:endParaRPr lang="ru-RU" sz="1800" b="0" strike="noStrike" spc="-1">
               <a:solidFill>
                 <a:srgbClr val="000000"/>
               </a:solidFill>
@@ -1904,11 +2236,12 @@
           </a:prstGeom>
         </p:spPr>
         <p:txBody>
-          <a:bodyPr lIns="0" rIns="0" tIns="0" bIns="0">
+          <a:bodyPr lIns="0" tIns="0" rIns="0" bIns="0">
             <a:normAutofit/>
           </a:bodyPr>
-          <a:p>
-            <a:endParaRPr b="0" lang="ru-RU" sz="1800" spc="-1" strike="noStrike">
+          <a:lstStyle/>
+          <a:p>
+            <a:endParaRPr lang="ru-RU" sz="1800" b="0" strike="noStrike" spc="-1">
               <a:solidFill>
                 <a:srgbClr val="000000"/>
               </a:solidFill>
@@ -1937,11 +2270,12 @@
           </a:prstGeom>
         </p:spPr>
         <p:txBody>
-          <a:bodyPr lIns="0" rIns="0" tIns="0" bIns="0">
+          <a:bodyPr lIns="0" tIns="0" rIns="0" bIns="0">
             <a:normAutofit/>
           </a:bodyPr>
-          <a:p>
-            <a:endParaRPr b="0" lang="ru-RU" sz="1800" spc="-1" strike="noStrike">
+          <a:lstStyle/>
+          <a:p>
+            <a:endParaRPr lang="ru-RU" sz="1800" b="0" strike="noStrike" spc="-1">
               <a:solidFill>
                 <a:srgbClr val="000000"/>
               </a:solidFill>
@@ -1952,11 +2286,14 @@
       </p:sp>
     </p:spTree>
   </p:cSld>
+  <p:clrMapOvr>
+    <a:masterClrMapping/>
+  </p:clrMapOvr>
 </p:sldLayout>
 </file>
 
 <file path=ppt/slideLayouts/slideLayout11.xml><?xml version="1.0" encoding="utf-8"?>
-<p:sldLayout xmlns:a="http://schemas.openxmlformats.org/drawingml/2006/main" xmlns:p="http://schemas.openxmlformats.org/presentationml/2006/main" xmlns:r="http://schemas.openxmlformats.org/officeDocument/2006/relationships" xmlns:p14="http://schemas.microsoft.com/office/powerpoint/2010/main" xmlns:p15="http://schemas.microsoft.com/office/powerpoint/2012/main" xmlns:mc="http://schemas.openxmlformats.org/markup-compatibility/2006" type="fourObj" preserve="1">
+<p:sldLayout xmlns:a="http://schemas.openxmlformats.org/drawingml/2006/main" xmlns:r="http://schemas.openxmlformats.org/officeDocument/2006/relationships" xmlns:p="http://schemas.openxmlformats.org/presentationml/2006/main" type="fourObj" preserve="1">
   <p:cSld name="Title, 4 Content">
     <p:spTree>
       <p:nvGrpSpPr>
@@ -1992,11 +2329,12 @@
           </a:prstGeom>
         </p:spPr>
         <p:txBody>
-          <a:bodyPr lIns="0" rIns="0" tIns="0" bIns="0" anchor="ctr">
+          <a:bodyPr lIns="0" tIns="0" rIns="0" bIns="0" anchor="ctr">
             <a:noAutofit/>
           </a:bodyPr>
-          <a:p>
-            <a:endParaRPr b="0" lang="ru-RU" sz="1800" spc="-1" strike="noStrike">
+          <a:lstStyle/>
+          <a:p>
+            <a:endParaRPr lang="ru-RU" sz="1800" b="0" strike="noStrike" spc="-1">
               <a:solidFill>
                 <a:srgbClr val="000000"/>
               </a:solidFill>
@@ -2025,11 +2363,12 @@
           </a:prstGeom>
         </p:spPr>
         <p:txBody>
-          <a:bodyPr lIns="0" rIns="0" tIns="0" bIns="0">
+          <a:bodyPr lIns="0" tIns="0" rIns="0" bIns="0">
             <a:normAutofit/>
           </a:bodyPr>
-          <a:p>
-            <a:endParaRPr b="0" lang="ru-RU" sz="1800" spc="-1" strike="noStrike">
+          <a:lstStyle/>
+          <a:p>
+            <a:endParaRPr lang="ru-RU" sz="1800" b="0" strike="noStrike" spc="-1">
               <a:solidFill>
                 <a:srgbClr val="000000"/>
               </a:solidFill>
@@ -2058,11 +2397,12 @@
           </a:prstGeom>
         </p:spPr>
         <p:txBody>
-          <a:bodyPr lIns="0" rIns="0" tIns="0" bIns="0">
+          <a:bodyPr lIns="0" tIns="0" rIns="0" bIns="0">
             <a:normAutofit/>
           </a:bodyPr>
-          <a:p>
-            <a:endParaRPr b="0" lang="ru-RU" sz="1800" spc="-1" strike="noStrike">
+          <a:lstStyle/>
+          <a:p>
+            <a:endParaRPr lang="ru-RU" sz="1800" b="0" strike="noStrike" spc="-1">
               <a:solidFill>
                 <a:srgbClr val="000000"/>
               </a:solidFill>
@@ -2091,11 +2431,12 @@
           </a:prstGeom>
         </p:spPr>
         <p:txBody>
-          <a:bodyPr lIns="0" rIns="0" tIns="0" bIns="0">
+          <a:bodyPr lIns="0" tIns="0" rIns="0" bIns="0">
             <a:normAutofit/>
           </a:bodyPr>
-          <a:p>
-            <a:endParaRPr b="0" lang="ru-RU" sz="1800" spc="-1" strike="noStrike">
+          <a:lstStyle/>
+          <a:p>
+            <a:endParaRPr lang="ru-RU" sz="1800" b="0" strike="noStrike" spc="-1">
               <a:solidFill>
                 <a:srgbClr val="000000"/>
               </a:solidFill>
@@ -2124,11 +2465,12 @@
           </a:prstGeom>
         </p:spPr>
         <p:txBody>
-          <a:bodyPr lIns="0" rIns="0" tIns="0" bIns="0">
+          <a:bodyPr lIns="0" tIns="0" rIns="0" bIns="0">
             <a:normAutofit/>
           </a:bodyPr>
-          <a:p>
-            <a:endParaRPr b="0" lang="ru-RU" sz="1800" spc="-1" strike="noStrike">
+          <a:lstStyle/>
+          <a:p>
+            <a:endParaRPr lang="ru-RU" sz="1800" b="0" strike="noStrike" spc="-1">
               <a:solidFill>
                 <a:srgbClr val="000000"/>
               </a:solidFill>
@@ -2139,11 +2481,14 @@
       </p:sp>
     </p:spTree>
   </p:cSld>
+  <p:clrMapOvr>
+    <a:masterClrMapping/>
+  </p:clrMapOvr>
 </p:sldLayout>
 </file>
 
 <file path=ppt/slideLayouts/slideLayout12.xml><?xml version="1.0" encoding="utf-8"?>
-<p:sldLayout xmlns:a="http://schemas.openxmlformats.org/drawingml/2006/main" xmlns:p="http://schemas.openxmlformats.org/presentationml/2006/main" xmlns:r="http://schemas.openxmlformats.org/officeDocument/2006/relationships" xmlns:p14="http://schemas.microsoft.com/office/powerpoint/2010/main" xmlns:p15="http://schemas.microsoft.com/office/powerpoint/2012/main" xmlns:mc="http://schemas.openxmlformats.org/markup-compatibility/2006" type="blank" preserve="1">
+<p:sldLayout xmlns:a="http://schemas.openxmlformats.org/drawingml/2006/main" xmlns:r="http://schemas.openxmlformats.org/officeDocument/2006/relationships" xmlns:p="http://schemas.openxmlformats.org/presentationml/2006/main" type="blank" preserve="1">
   <p:cSld name="Title, 6 Content">
     <p:spTree>
       <p:nvGrpSpPr>
@@ -2179,11 +2524,12 @@
           </a:prstGeom>
         </p:spPr>
         <p:txBody>
-          <a:bodyPr lIns="0" rIns="0" tIns="0" bIns="0" anchor="ctr">
+          <a:bodyPr lIns="0" tIns="0" rIns="0" bIns="0" anchor="ctr">
             <a:noAutofit/>
           </a:bodyPr>
-          <a:p>
-            <a:endParaRPr b="0" lang="ru-RU" sz="1800" spc="-1" strike="noStrike">
+          <a:lstStyle/>
+          <a:p>
+            <a:endParaRPr lang="ru-RU" sz="1800" b="0" strike="noStrike" spc="-1">
               <a:solidFill>
                 <a:srgbClr val="000000"/>
               </a:solidFill>
@@ -2212,11 +2558,12 @@
           </a:prstGeom>
         </p:spPr>
         <p:txBody>
-          <a:bodyPr lIns="0" rIns="0" tIns="0" bIns="0">
+          <a:bodyPr lIns="0" tIns="0" rIns="0" bIns="0">
             <a:normAutofit/>
           </a:bodyPr>
-          <a:p>
-            <a:endParaRPr b="0" lang="ru-RU" sz="1800" spc="-1" strike="noStrike">
+          <a:lstStyle/>
+          <a:p>
+            <a:endParaRPr lang="ru-RU" sz="1800" b="0" strike="noStrike" spc="-1">
               <a:solidFill>
                 <a:srgbClr val="000000"/>
               </a:solidFill>
@@ -2245,11 +2592,12 @@
           </a:prstGeom>
         </p:spPr>
         <p:txBody>
-          <a:bodyPr lIns="0" rIns="0" tIns="0" bIns="0">
+          <a:bodyPr lIns="0" tIns="0" rIns="0" bIns="0">
             <a:normAutofit/>
           </a:bodyPr>
-          <a:p>
-            <a:endParaRPr b="0" lang="ru-RU" sz="1800" spc="-1" strike="noStrike">
+          <a:lstStyle/>
+          <a:p>
+            <a:endParaRPr lang="ru-RU" sz="1800" b="0" strike="noStrike" spc="-1">
               <a:solidFill>
                 <a:srgbClr val="000000"/>
               </a:solidFill>
@@ -2278,11 +2626,12 @@
           </a:prstGeom>
         </p:spPr>
         <p:txBody>
-          <a:bodyPr lIns="0" rIns="0" tIns="0" bIns="0">
+          <a:bodyPr lIns="0" tIns="0" rIns="0" bIns="0">
             <a:normAutofit/>
           </a:bodyPr>
-          <a:p>
-            <a:endParaRPr b="0" lang="ru-RU" sz="1800" spc="-1" strike="noStrike">
+          <a:lstStyle/>
+          <a:p>
+            <a:endParaRPr lang="ru-RU" sz="1800" b="0" strike="noStrike" spc="-1">
               <a:solidFill>
                 <a:srgbClr val="000000"/>
               </a:solidFill>
@@ -2311,11 +2660,12 @@
           </a:prstGeom>
         </p:spPr>
         <p:txBody>
-          <a:bodyPr lIns="0" rIns="0" tIns="0" bIns="0">
+          <a:bodyPr lIns="0" tIns="0" rIns="0" bIns="0">
             <a:normAutofit/>
           </a:bodyPr>
-          <a:p>
-            <a:endParaRPr b="0" lang="ru-RU" sz="1800" spc="-1" strike="noStrike">
+          <a:lstStyle/>
+          <a:p>
+            <a:endParaRPr lang="ru-RU" sz="1800" b="0" strike="noStrike" spc="-1">
               <a:solidFill>
                 <a:srgbClr val="000000"/>
               </a:solidFill>
@@ -2344,11 +2694,12 @@
           </a:prstGeom>
         </p:spPr>
         <p:txBody>
-          <a:bodyPr lIns="0" rIns="0" tIns="0" bIns="0">
+          <a:bodyPr lIns="0" tIns="0" rIns="0" bIns="0">
             <a:normAutofit/>
           </a:bodyPr>
-          <a:p>
-            <a:endParaRPr b="0" lang="ru-RU" sz="1800" spc="-1" strike="noStrike">
+          <a:lstStyle/>
+          <a:p>
+            <a:endParaRPr lang="ru-RU" sz="1800" b="0" strike="noStrike" spc="-1">
               <a:solidFill>
                 <a:srgbClr val="000000"/>
               </a:solidFill>
@@ -2377,11 +2728,12 @@
           </a:prstGeom>
         </p:spPr>
         <p:txBody>
-          <a:bodyPr lIns="0" rIns="0" tIns="0" bIns="0">
+          <a:bodyPr lIns="0" tIns="0" rIns="0" bIns="0">
             <a:normAutofit/>
           </a:bodyPr>
-          <a:p>
-            <a:endParaRPr b="0" lang="ru-RU" sz="1800" spc="-1" strike="noStrike">
+          <a:lstStyle/>
+          <a:p>
+            <a:endParaRPr lang="ru-RU" sz="1800" b="0" strike="noStrike" spc="-1">
               <a:solidFill>
                 <a:srgbClr val="000000"/>
               </a:solidFill>
@@ -2392,11 +2744,14 @@
       </p:sp>
     </p:spTree>
   </p:cSld>
+  <p:clrMapOvr>
+    <a:masterClrMapping/>
+  </p:clrMapOvr>
 </p:sldLayout>
 </file>
 
 <file path=ppt/slideLayouts/slideLayout13.xml><?xml version="1.0" encoding="utf-8"?>
-<p:sldLayout xmlns:a="http://schemas.openxmlformats.org/drawingml/2006/main" xmlns:p="http://schemas.openxmlformats.org/presentationml/2006/main" xmlns:r="http://schemas.openxmlformats.org/officeDocument/2006/relationships" xmlns:p14="http://schemas.microsoft.com/office/powerpoint/2010/main" xmlns:p15="http://schemas.microsoft.com/office/powerpoint/2012/main" xmlns:mc="http://schemas.openxmlformats.org/markup-compatibility/2006" type="blank" preserve="1">
+<p:sldLayout xmlns:a="http://schemas.openxmlformats.org/drawingml/2006/main" xmlns:r="http://schemas.openxmlformats.org/officeDocument/2006/relationships" xmlns:p="http://schemas.openxmlformats.org/presentationml/2006/main" type="blank" preserve="1">
   <p:cSld name="Blank Slide">
     <p:spTree>
       <p:nvGrpSpPr>
@@ -2414,11 +2769,14 @@
       </p:grpSpPr>
     </p:spTree>
   </p:cSld>
+  <p:clrMapOvr>
+    <a:masterClrMapping/>
+  </p:clrMapOvr>
 </p:sldLayout>
 </file>
 
 <file path=ppt/slideLayouts/slideLayout14.xml><?xml version="1.0" encoding="utf-8"?>
-<p:sldLayout xmlns:a="http://schemas.openxmlformats.org/drawingml/2006/main" xmlns:p="http://schemas.openxmlformats.org/presentationml/2006/main" xmlns:r="http://schemas.openxmlformats.org/officeDocument/2006/relationships" xmlns:p14="http://schemas.microsoft.com/office/powerpoint/2010/main" xmlns:p15="http://schemas.microsoft.com/office/powerpoint/2012/main" xmlns:mc="http://schemas.openxmlformats.org/markup-compatibility/2006" type="tx" preserve="1">
+<p:sldLayout xmlns:a="http://schemas.openxmlformats.org/drawingml/2006/main" xmlns:r="http://schemas.openxmlformats.org/officeDocument/2006/relationships" xmlns:p="http://schemas.openxmlformats.org/presentationml/2006/main" type="tx" preserve="1">
   <p:cSld name="Title Slide">
     <p:spTree>
       <p:nvGrpSpPr>
@@ -2454,11 +2812,12 @@
           </a:prstGeom>
         </p:spPr>
         <p:txBody>
-          <a:bodyPr lIns="0" rIns="0" tIns="0" bIns="0" anchor="ctr">
+          <a:bodyPr lIns="0" tIns="0" rIns="0" bIns="0" anchor="ctr">
             <a:noAutofit/>
           </a:bodyPr>
-          <a:p>
-            <a:endParaRPr b="0" lang="ru-RU" sz="1800" spc="-1" strike="noStrike">
+          <a:lstStyle/>
+          <a:p>
+            <a:endParaRPr lang="ru-RU" sz="1800" b="0" strike="noStrike" spc="-1">
               <a:solidFill>
                 <a:srgbClr val="000000"/>
               </a:solidFill>
@@ -2487,12 +2846,13 @@
           </a:prstGeom>
         </p:spPr>
         <p:txBody>
-          <a:bodyPr lIns="0" rIns="0" tIns="0" bIns="0" anchor="ctr">
+          <a:bodyPr lIns="0" tIns="0" rIns="0" bIns="0" anchor="ctr">
             <a:noAutofit/>
           </a:bodyPr>
+          <a:lstStyle/>
           <a:p>
             <a:pPr algn="ctr"/>
-            <a:endParaRPr b="0" lang="ru-RU" sz="3200" spc="-1" strike="noStrike">
+            <a:endParaRPr lang="ru-RU" sz="3200" b="0" strike="noStrike" spc="-1">
               <a:latin typeface="Arial"/>
             </a:endParaRPr>
           </a:p>
@@ -2500,11 +2860,14 @@
       </p:sp>
     </p:spTree>
   </p:cSld>
+  <p:clrMapOvr>
+    <a:masterClrMapping/>
+  </p:clrMapOvr>
 </p:sldLayout>
 </file>
 
 <file path=ppt/slideLayouts/slideLayout15.xml><?xml version="1.0" encoding="utf-8"?>
-<p:sldLayout xmlns:a="http://schemas.openxmlformats.org/drawingml/2006/main" xmlns:p="http://schemas.openxmlformats.org/presentationml/2006/main" xmlns:r="http://schemas.openxmlformats.org/officeDocument/2006/relationships" xmlns:p14="http://schemas.microsoft.com/office/powerpoint/2010/main" xmlns:p15="http://schemas.microsoft.com/office/powerpoint/2012/main" xmlns:mc="http://schemas.openxmlformats.org/markup-compatibility/2006" type="obj" preserve="1">
+<p:sldLayout xmlns:a="http://schemas.openxmlformats.org/drawingml/2006/main" xmlns:r="http://schemas.openxmlformats.org/officeDocument/2006/relationships" xmlns:p="http://schemas.openxmlformats.org/presentationml/2006/main" type="obj" preserve="1">
   <p:cSld name="Title, Content">
     <p:spTree>
       <p:nvGrpSpPr>
@@ -2540,11 +2903,12 @@
           </a:prstGeom>
         </p:spPr>
         <p:txBody>
-          <a:bodyPr lIns="0" rIns="0" tIns="0" bIns="0" anchor="ctr">
+          <a:bodyPr lIns="0" tIns="0" rIns="0" bIns="0" anchor="ctr">
             <a:noAutofit/>
           </a:bodyPr>
-          <a:p>
-            <a:endParaRPr b="0" lang="ru-RU" sz="1800" spc="-1" strike="noStrike">
+          <a:lstStyle/>
+          <a:p>
+            <a:endParaRPr lang="ru-RU" sz="1800" b="0" strike="noStrike" spc="-1">
               <a:solidFill>
                 <a:srgbClr val="000000"/>
               </a:solidFill>
@@ -2573,11 +2937,12 @@
           </a:prstGeom>
         </p:spPr>
         <p:txBody>
-          <a:bodyPr lIns="0" rIns="0" tIns="0" bIns="0">
+          <a:bodyPr lIns="0" tIns="0" rIns="0" bIns="0">
             <a:normAutofit/>
           </a:bodyPr>
-          <a:p>
-            <a:endParaRPr b="0" lang="ru-RU" sz="1800" spc="-1" strike="noStrike">
+          <a:lstStyle/>
+          <a:p>
+            <a:endParaRPr lang="ru-RU" sz="1800" b="0" strike="noStrike" spc="-1">
               <a:solidFill>
                 <a:srgbClr val="000000"/>
               </a:solidFill>
@@ -2588,11 +2953,14 @@
       </p:sp>
     </p:spTree>
   </p:cSld>
+  <p:clrMapOvr>
+    <a:masterClrMapping/>
+  </p:clrMapOvr>
 </p:sldLayout>
 </file>
 
 <file path=ppt/slideLayouts/slideLayout16.xml><?xml version="1.0" encoding="utf-8"?>
-<p:sldLayout xmlns:a="http://schemas.openxmlformats.org/drawingml/2006/main" xmlns:p="http://schemas.openxmlformats.org/presentationml/2006/main" xmlns:r="http://schemas.openxmlformats.org/officeDocument/2006/relationships" xmlns:p14="http://schemas.microsoft.com/office/powerpoint/2010/main" xmlns:p15="http://schemas.microsoft.com/office/powerpoint/2012/main" xmlns:mc="http://schemas.openxmlformats.org/markup-compatibility/2006" type="twoObj" preserve="1">
+<p:sldLayout xmlns:a="http://schemas.openxmlformats.org/drawingml/2006/main" xmlns:r="http://schemas.openxmlformats.org/officeDocument/2006/relationships" xmlns:p="http://schemas.openxmlformats.org/presentationml/2006/main" type="twoObj" preserve="1">
   <p:cSld name="Title, 2 Content">
     <p:spTree>
       <p:nvGrpSpPr>
@@ -2628,11 +2996,12 @@
           </a:prstGeom>
         </p:spPr>
         <p:txBody>
-          <a:bodyPr lIns="0" rIns="0" tIns="0" bIns="0" anchor="ctr">
+          <a:bodyPr lIns="0" tIns="0" rIns="0" bIns="0" anchor="ctr">
             <a:noAutofit/>
           </a:bodyPr>
-          <a:p>
-            <a:endParaRPr b="0" lang="ru-RU" sz="1800" spc="-1" strike="noStrike">
+          <a:lstStyle/>
+          <a:p>
+            <a:endParaRPr lang="ru-RU" sz="1800" b="0" strike="noStrike" spc="-1">
               <a:solidFill>
                 <a:srgbClr val="000000"/>
               </a:solidFill>
@@ -2661,11 +3030,12 @@
           </a:prstGeom>
         </p:spPr>
         <p:txBody>
-          <a:bodyPr lIns="0" rIns="0" tIns="0" bIns="0">
+          <a:bodyPr lIns="0" tIns="0" rIns="0" bIns="0">
             <a:normAutofit/>
           </a:bodyPr>
-          <a:p>
-            <a:endParaRPr b="0" lang="ru-RU" sz="1800" spc="-1" strike="noStrike">
+          <a:lstStyle/>
+          <a:p>
+            <a:endParaRPr lang="ru-RU" sz="1800" b="0" strike="noStrike" spc="-1">
               <a:solidFill>
                 <a:srgbClr val="000000"/>
               </a:solidFill>
@@ -2694,11 +3064,12 @@
           </a:prstGeom>
         </p:spPr>
         <p:txBody>
-          <a:bodyPr lIns="0" rIns="0" tIns="0" bIns="0">
+          <a:bodyPr lIns="0" tIns="0" rIns="0" bIns="0">
             <a:normAutofit/>
           </a:bodyPr>
-          <a:p>
-            <a:endParaRPr b="0" lang="ru-RU" sz="1800" spc="-1" strike="noStrike">
+          <a:lstStyle/>
+          <a:p>
+            <a:endParaRPr lang="ru-RU" sz="1800" b="0" strike="noStrike" spc="-1">
               <a:solidFill>
                 <a:srgbClr val="000000"/>
               </a:solidFill>
@@ -2709,11 +3080,14 @@
       </p:sp>
     </p:spTree>
   </p:cSld>
+  <p:clrMapOvr>
+    <a:masterClrMapping/>
+  </p:clrMapOvr>
 </p:sldLayout>
 </file>
 
 <file path=ppt/slideLayouts/slideLayout17.xml><?xml version="1.0" encoding="utf-8"?>
-<p:sldLayout xmlns:a="http://schemas.openxmlformats.org/drawingml/2006/main" xmlns:p="http://schemas.openxmlformats.org/presentationml/2006/main" xmlns:r="http://schemas.openxmlformats.org/officeDocument/2006/relationships" xmlns:p14="http://schemas.microsoft.com/office/powerpoint/2010/main" xmlns:p15="http://schemas.microsoft.com/office/powerpoint/2012/main" xmlns:mc="http://schemas.openxmlformats.org/markup-compatibility/2006" type="titleOnly" preserve="1">
+<p:sldLayout xmlns:a="http://schemas.openxmlformats.org/drawingml/2006/main" xmlns:r="http://schemas.openxmlformats.org/officeDocument/2006/relationships" xmlns:p="http://schemas.openxmlformats.org/presentationml/2006/main" type="titleOnly" preserve="1">
   <p:cSld name="Title Only">
     <p:spTree>
       <p:nvGrpSpPr>
@@ -2749,11 +3123,12 @@
           </a:prstGeom>
         </p:spPr>
         <p:txBody>
-          <a:bodyPr lIns="0" rIns="0" tIns="0" bIns="0" anchor="ctr">
+          <a:bodyPr lIns="0" tIns="0" rIns="0" bIns="0" anchor="ctr">
             <a:noAutofit/>
           </a:bodyPr>
-          <a:p>
-            <a:endParaRPr b="0" lang="ru-RU" sz="1800" spc="-1" strike="noStrike">
+          <a:lstStyle/>
+          <a:p>
+            <a:endParaRPr lang="ru-RU" sz="1800" b="0" strike="noStrike" spc="-1">
               <a:solidFill>
                 <a:srgbClr val="000000"/>
               </a:solidFill>
@@ -2764,11 +3139,14 @@
       </p:sp>
     </p:spTree>
   </p:cSld>
+  <p:clrMapOvr>
+    <a:masterClrMapping/>
+  </p:clrMapOvr>
 </p:sldLayout>
 </file>
 
 <file path=ppt/slideLayouts/slideLayout18.xml><?xml version="1.0" encoding="utf-8"?>
-<p:sldLayout xmlns:a="http://schemas.openxmlformats.org/drawingml/2006/main" xmlns:p="http://schemas.openxmlformats.org/presentationml/2006/main" xmlns:r="http://schemas.openxmlformats.org/officeDocument/2006/relationships" xmlns:p14="http://schemas.microsoft.com/office/powerpoint/2010/main" xmlns:p15="http://schemas.microsoft.com/office/powerpoint/2012/main" xmlns:mc="http://schemas.openxmlformats.org/markup-compatibility/2006" type="objOnly" preserve="1">
+<p:sldLayout xmlns:a="http://schemas.openxmlformats.org/drawingml/2006/main" xmlns:r="http://schemas.openxmlformats.org/officeDocument/2006/relationships" xmlns:p="http://schemas.openxmlformats.org/presentationml/2006/main" type="objOnly" preserve="1">
   <p:cSld name="Centered Text">
     <p:spTree>
       <p:nvGrpSpPr>
@@ -2804,12 +3182,13 @@
           </a:prstGeom>
         </p:spPr>
         <p:txBody>
-          <a:bodyPr lIns="0" rIns="0" tIns="0" bIns="0" anchor="ctr">
+          <a:bodyPr lIns="0" tIns="0" rIns="0" bIns="0" anchor="ctr">
             <a:noAutofit/>
           </a:bodyPr>
+          <a:lstStyle/>
           <a:p>
             <a:pPr algn="ctr"/>
-            <a:endParaRPr b="0" lang="ru-RU" sz="3200" spc="-1" strike="noStrike">
+            <a:endParaRPr lang="ru-RU" sz="3200" b="0" strike="noStrike" spc="-1">
               <a:latin typeface="Arial"/>
             </a:endParaRPr>
           </a:p>
@@ -2817,11 +3196,14 @@
       </p:sp>
     </p:spTree>
   </p:cSld>
+  <p:clrMapOvr>
+    <a:masterClrMapping/>
+  </p:clrMapOvr>
 </p:sldLayout>
 </file>
 
 <file path=ppt/slideLayouts/slideLayout19.xml><?xml version="1.0" encoding="utf-8"?>
-<p:sldLayout xmlns:a="http://schemas.openxmlformats.org/drawingml/2006/main" xmlns:p="http://schemas.openxmlformats.org/presentationml/2006/main" xmlns:r="http://schemas.openxmlformats.org/officeDocument/2006/relationships" xmlns:p14="http://schemas.microsoft.com/office/powerpoint/2010/main" xmlns:p15="http://schemas.microsoft.com/office/powerpoint/2012/main" xmlns:mc="http://schemas.openxmlformats.org/markup-compatibility/2006" type="twoObjAndObj" preserve="1">
+<p:sldLayout xmlns:a="http://schemas.openxmlformats.org/drawingml/2006/main" xmlns:r="http://schemas.openxmlformats.org/officeDocument/2006/relationships" xmlns:p="http://schemas.openxmlformats.org/presentationml/2006/main" type="twoObjAndObj" preserve="1">
   <p:cSld name="Title, 2 Content and Content">
     <p:spTree>
       <p:nvGrpSpPr>
@@ -2857,11 +3239,12 @@
           </a:prstGeom>
         </p:spPr>
         <p:txBody>
-          <a:bodyPr lIns="0" rIns="0" tIns="0" bIns="0" anchor="ctr">
+          <a:bodyPr lIns="0" tIns="0" rIns="0" bIns="0" anchor="ctr">
             <a:noAutofit/>
           </a:bodyPr>
-          <a:p>
-            <a:endParaRPr b="0" lang="ru-RU" sz="1800" spc="-1" strike="noStrike">
+          <a:lstStyle/>
+          <a:p>
+            <a:endParaRPr lang="ru-RU" sz="1800" b="0" strike="noStrike" spc="-1">
               <a:solidFill>
                 <a:srgbClr val="000000"/>
               </a:solidFill>
@@ -2890,11 +3273,12 @@
           </a:prstGeom>
         </p:spPr>
         <p:txBody>
-          <a:bodyPr lIns="0" rIns="0" tIns="0" bIns="0">
+          <a:bodyPr lIns="0" tIns="0" rIns="0" bIns="0">
             <a:normAutofit/>
           </a:bodyPr>
-          <a:p>
-            <a:endParaRPr b="0" lang="ru-RU" sz="1800" spc="-1" strike="noStrike">
+          <a:lstStyle/>
+          <a:p>
+            <a:endParaRPr lang="ru-RU" sz="1800" b="0" strike="noStrike" spc="-1">
               <a:solidFill>
                 <a:srgbClr val="000000"/>
               </a:solidFill>
@@ -2923,11 +3307,12 @@
           </a:prstGeom>
         </p:spPr>
         <p:txBody>
-          <a:bodyPr lIns="0" rIns="0" tIns="0" bIns="0">
+          <a:bodyPr lIns="0" tIns="0" rIns="0" bIns="0">
             <a:normAutofit/>
           </a:bodyPr>
-          <a:p>
-            <a:endParaRPr b="0" lang="ru-RU" sz="1800" spc="-1" strike="noStrike">
+          <a:lstStyle/>
+          <a:p>
+            <a:endParaRPr lang="ru-RU" sz="1800" b="0" strike="noStrike" spc="-1">
               <a:solidFill>
                 <a:srgbClr val="000000"/>
               </a:solidFill>
@@ -2956,11 +3341,12 @@
           </a:prstGeom>
         </p:spPr>
         <p:txBody>
-          <a:bodyPr lIns="0" rIns="0" tIns="0" bIns="0">
+          <a:bodyPr lIns="0" tIns="0" rIns="0" bIns="0">
             <a:normAutofit/>
           </a:bodyPr>
-          <a:p>
-            <a:endParaRPr b="0" lang="ru-RU" sz="1800" spc="-1" strike="noStrike">
+          <a:lstStyle/>
+          <a:p>
+            <a:endParaRPr lang="ru-RU" sz="1800" b="0" strike="noStrike" spc="-1">
               <a:solidFill>
                 <a:srgbClr val="000000"/>
               </a:solidFill>
@@ -2971,11 +3357,14 @@
       </p:sp>
     </p:spTree>
   </p:cSld>
+  <p:clrMapOvr>
+    <a:masterClrMapping/>
+  </p:clrMapOvr>
 </p:sldLayout>
 </file>
 
 <file path=ppt/slideLayouts/slideLayout2.xml><?xml version="1.0" encoding="utf-8"?>
-<p:sldLayout xmlns:a="http://schemas.openxmlformats.org/drawingml/2006/main" xmlns:p="http://schemas.openxmlformats.org/presentationml/2006/main" xmlns:r="http://schemas.openxmlformats.org/officeDocument/2006/relationships" xmlns:p14="http://schemas.microsoft.com/office/powerpoint/2010/main" xmlns:p15="http://schemas.microsoft.com/office/powerpoint/2012/main" xmlns:mc="http://schemas.openxmlformats.org/markup-compatibility/2006" type="tx" preserve="1">
+<p:sldLayout xmlns:a="http://schemas.openxmlformats.org/drawingml/2006/main" xmlns:r="http://schemas.openxmlformats.org/officeDocument/2006/relationships" xmlns:p="http://schemas.openxmlformats.org/presentationml/2006/main" type="tx" preserve="1">
   <p:cSld name="Title Slide">
     <p:spTree>
       <p:nvGrpSpPr>
@@ -3011,11 +3400,12 @@
           </a:prstGeom>
         </p:spPr>
         <p:txBody>
-          <a:bodyPr lIns="0" rIns="0" tIns="0" bIns="0" anchor="ctr">
+          <a:bodyPr lIns="0" tIns="0" rIns="0" bIns="0" anchor="ctr">
             <a:noAutofit/>
           </a:bodyPr>
-          <a:p>
-            <a:endParaRPr b="0" lang="ru-RU" sz="1800" spc="-1" strike="noStrike">
+          <a:lstStyle/>
+          <a:p>
+            <a:endParaRPr lang="ru-RU" sz="1800" b="0" strike="noStrike" spc="-1">
               <a:solidFill>
                 <a:srgbClr val="000000"/>
               </a:solidFill>
@@ -3044,12 +3434,13 @@
           </a:prstGeom>
         </p:spPr>
         <p:txBody>
-          <a:bodyPr lIns="0" rIns="0" tIns="0" bIns="0" anchor="ctr">
+          <a:bodyPr lIns="0" tIns="0" rIns="0" bIns="0" anchor="ctr">
             <a:noAutofit/>
           </a:bodyPr>
+          <a:lstStyle/>
           <a:p>
             <a:pPr algn="ctr"/>
-            <a:endParaRPr b="0" lang="ru-RU" sz="3200" spc="-1" strike="noStrike">
+            <a:endParaRPr lang="ru-RU" sz="3200" b="0" strike="noStrike" spc="-1">
               <a:latin typeface="Arial"/>
             </a:endParaRPr>
           </a:p>
@@ -3057,11 +3448,14 @@
       </p:sp>
     </p:spTree>
   </p:cSld>
+  <p:clrMapOvr>
+    <a:masterClrMapping/>
+  </p:clrMapOvr>
 </p:sldLayout>
 </file>
 
 <file path=ppt/slideLayouts/slideLayout20.xml><?xml version="1.0" encoding="utf-8"?>
-<p:sldLayout xmlns:a="http://schemas.openxmlformats.org/drawingml/2006/main" xmlns:p="http://schemas.openxmlformats.org/presentationml/2006/main" xmlns:r="http://schemas.openxmlformats.org/officeDocument/2006/relationships" xmlns:p14="http://schemas.microsoft.com/office/powerpoint/2010/main" xmlns:p15="http://schemas.microsoft.com/office/powerpoint/2012/main" xmlns:mc="http://schemas.openxmlformats.org/markup-compatibility/2006" type="objAndTwoObj" preserve="1">
+<p:sldLayout xmlns:a="http://schemas.openxmlformats.org/drawingml/2006/main" xmlns:r="http://schemas.openxmlformats.org/officeDocument/2006/relationships" xmlns:p="http://schemas.openxmlformats.org/presentationml/2006/main" type="objAndTwoObj" preserve="1">
   <p:cSld name="Title Content and 2 Content">
     <p:spTree>
       <p:nvGrpSpPr>
@@ -3097,11 +3491,12 @@
           </a:prstGeom>
         </p:spPr>
         <p:txBody>
-          <a:bodyPr lIns="0" rIns="0" tIns="0" bIns="0" anchor="ctr">
+          <a:bodyPr lIns="0" tIns="0" rIns="0" bIns="0" anchor="ctr">
             <a:noAutofit/>
           </a:bodyPr>
-          <a:p>
-            <a:endParaRPr b="0" lang="ru-RU" sz="1800" spc="-1" strike="noStrike">
+          <a:lstStyle/>
+          <a:p>
+            <a:endParaRPr lang="ru-RU" sz="1800" b="0" strike="noStrike" spc="-1">
               <a:solidFill>
                 <a:srgbClr val="000000"/>
               </a:solidFill>
@@ -3130,11 +3525,12 @@
           </a:prstGeom>
         </p:spPr>
         <p:txBody>
-          <a:bodyPr lIns="0" rIns="0" tIns="0" bIns="0">
+          <a:bodyPr lIns="0" tIns="0" rIns="0" bIns="0">
             <a:normAutofit/>
           </a:bodyPr>
-          <a:p>
-            <a:endParaRPr b="0" lang="ru-RU" sz="1800" spc="-1" strike="noStrike">
+          <a:lstStyle/>
+          <a:p>
+            <a:endParaRPr lang="ru-RU" sz="1800" b="0" strike="noStrike" spc="-1">
               <a:solidFill>
                 <a:srgbClr val="000000"/>
               </a:solidFill>
@@ -3163,11 +3559,12 @@
           </a:prstGeom>
         </p:spPr>
         <p:txBody>
-          <a:bodyPr lIns="0" rIns="0" tIns="0" bIns="0">
+          <a:bodyPr lIns="0" tIns="0" rIns="0" bIns="0">
             <a:normAutofit/>
           </a:bodyPr>
-          <a:p>
-            <a:endParaRPr b="0" lang="ru-RU" sz="1800" spc="-1" strike="noStrike">
+          <a:lstStyle/>
+          <a:p>
+            <a:endParaRPr lang="ru-RU" sz="1800" b="0" strike="noStrike" spc="-1">
               <a:solidFill>
                 <a:srgbClr val="000000"/>
               </a:solidFill>
@@ -3196,11 +3593,12 @@
           </a:prstGeom>
         </p:spPr>
         <p:txBody>
-          <a:bodyPr lIns="0" rIns="0" tIns="0" bIns="0">
+          <a:bodyPr lIns="0" tIns="0" rIns="0" bIns="0">
             <a:normAutofit/>
           </a:bodyPr>
-          <a:p>
-            <a:endParaRPr b="0" lang="ru-RU" sz="1800" spc="-1" strike="noStrike">
+          <a:lstStyle/>
+          <a:p>
+            <a:endParaRPr lang="ru-RU" sz="1800" b="0" strike="noStrike" spc="-1">
               <a:solidFill>
                 <a:srgbClr val="000000"/>
               </a:solidFill>
@@ -3211,11 +3609,14 @@
       </p:sp>
     </p:spTree>
   </p:cSld>
+  <p:clrMapOvr>
+    <a:masterClrMapping/>
+  </p:clrMapOvr>
 </p:sldLayout>
 </file>
 
 <file path=ppt/slideLayouts/slideLayout21.xml><?xml version="1.0" encoding="utf-8"?>
-<p:sldLayout xmlns:a="http://schemas.openxmlformats.org/drawingml/2006/main" xmlns:p="http://schemas.openxmlformats.org/presentationml/2006/main" xmlns:r="http://schemas.openxmlformats.org/officeDocument/2006/relationships" xmlns:p14="http://schemas.microsoft.com/office/powerpoint/2010/main" xmlns:p15="http://schemas.microsoft.com/office/powerpoint/2012/main" xmlns:mc="http://schemas.openxmlformats.org/markup-compatibility/2006" type="twoObjOverTx" preserve="1">
+<p:sldLayout xmlns:a="http://schemas.openxmlformats.org/drawingml/2006/main" xmlns:r="http://schemas.openxmlformats.org/officeDocument/2006/relationships" xmlns:p="http://schemas.openxmlformats.org/presentationml/2006/main" type="twoObjOverTx" preserve="1">
   <p:cSld name="Title, 2 Content over Content">
     <p:spTree>
       <p:nvGrpSpPr>
@@ -3251,11 +3652,12 @@
           </a:prstGeom>
         </p:spPr>
         <p:txBody>
-          <a:bodyPr lIns="0" rIns="0" tIns="0" bIns="0" anchor="ctr">
+          <a:bodyPr lIns="0" tIns="0" rIns="0" bIns="0" anchor="ctr">
             <a:noAutofit/>
           </a:bodyPr>
-          <a:p>
-            <a:endParaRPr b="0" lang="ru-RU" sz="1800" spc="-1" strike="noStrike">
+          <a:lstStyle/>
+          <a:p>
+            <a:endParaRPr lang="ru-RU" sz="1800" b="0" strike="noStrike" spc="-1">
               <a:solidFill>
                 <a:srgbClr val="000000"/>
               </a:solidFill>
@@ -3284,11 +3686,12 @@
           </a:prstGeom>
         </p:spPr>
         <p:txBody>
-          <a:bodyPr lIns="0" rIns="0" tIns="0" bIns="0">
+          <a:bodyPr lIns="0" tIns="0" rIns="0" bIns="0">
             <a:normAutofit/>
           </a:bodyPr>
-          <a:p>
-            <a:endParaRPr b="0" lang="ru-RU" sz="1800" spc="-1" strike="noStrike">
+          <a:lstStyle/>
+          <a:p>
+            <a:endParaRPr lang="ru-RU" sz="1800" b="0" strike="noStrike" spc="-1">
               <a:solidFill>
                 <a:srgbClr val="000000"/>
               </a:solidFill>
@@ -3317,11 +3720,12 @@
           </a:prstGeom>
         </p:spPr>
         <p:txBody>
-          <a:bodyPr lIns="0" rIns="0" tIns="0" bIns="0">
+          <a:bodyPr lIns="0" tIns="0" rIns="0" bIns="0">
             <a:normAutofit/>
           </a:bodyPr>
-          <a:p>
-            <a:endParaRPr b="0" lang="ru-RU" sz="1800" spc="-1" strike="noStrike">
+          <a:lstStyle/>
+          <a:p>
+            <a:endParaRPr lang="ru-RU" sz="1800" b="0" strike="noStrike" spc="-1">
               <a:solidFill>
                 <a:srgbClr val="000000"/>
               </a:solidFill>
@@ -3350,11 +3754,12 @@
           </a:prstGeom>
         </p:spPr>
         <p:txBody>
-          <a:bodyPr lIns="0" rIns="0" tIns="0" bIns="0">
+          <a:bodyPr lIns="0" tIns="0" rIns="0" bIns="0">
             <a:normAutofit/>
           </a:bodyPr>
-          <a:p>
-            <a:endParaRPr b="0" lang="ru-RU" sz="1800" spc="-1" strike="noStrike">
+          <a:lstStyle/>
+          <a:p>
+            <a:endParaRPr lang="ru-RU" sz="1800" b="0" strike="noStrike" spc="-1">
               <a:solidFill>
                 <a:srgbClr val="000000"/>
               </a:solidFill>
@@ -3365,11 +3770,14 @@
       </p:sp>
     </p:spTree>
   </p:cSld>
+  <p:clrMapOvr>
+    <a:masterClrMapping/>
+  </p:clrMapOvr>
 </p:sldLayout>
 </file>
 
 <file path=ppt/slideLayouts/slideLayout22.xml><?xml version="1.0" encoding="utf-8"?>
-<p:sldLayout xmlns:a="http://schemas.openxmlformats.org/drawingml/2006/main" xmlns:p="http://schemas.openxmlformats.org/presentationml/2006/main" xmlns:r="http://schemas.openxmlformats.org/officeDocument/2006/relationships" xmlns:p14="http://schemas.microsoft.com/office/powerpoint/2010/main" xmlns:p15="http://schemas.microsoft.com/office/powerpoint/2012/main" xmlns:mc="http://schemas.openxmlformats.org/markup-compatibility/2006" type="objOverTx" preserve="1">
+<p:sldLayout xmlns:a="http://schemas.openxmlformats.org/drawingml/2006/main" xmlns:r="http://schemas.openxmlformats.org/officeDocument/2006/relationships" xmlns:p="http://schemas.openxmlformats.org/presentationml/2006/main" type="objOverTx" preserve="1">
   <p:cSld name="Title, Content over Content">
     <p:spTree>
       <p:nvGrpSpPr>
@@ -3405,11 +3813,12 @@
           </a:prstGeom>
         </p:spPr>
         <p:txBody>
-          <a:bodyPr lIns="0" rIns="0" tIns="0" bIns="0" anchor="ctr">
+          <a:bodyPr lIns="0" tIns="0" rIns="0" bIns="0" anchor="ctr">
             <a:noAutofit/>
           </a:bodyPr>
-          <a:p>
-            <a:endParaRPr b="0" lang="ru-RU" sz="1800" spc="-1" strike="noStrike">
+          <a:lstStyle/>
+          <a:p>
+            <a:endParaRPr lang="ru-RU" sz="1800" b="0" strike="noStrike" spc="-1">
               <a:solidFill>
                 <a:srgbClr val="000000"/>
               </a:solidFill>
@@ -3438,11 +3847,12 @@
           </a:prstGeom>
         </p:spPr>
         <p:txBody>
-          <a:bodyPr lIns="0" rIns="0" tIns="0" bIns="0">
+          <a:bodyPr lIns="0" tIns="0" rIns="0" bIns="0">
             <a:normAutofit/>
           </a:bodyPr>
-          <a:p>
-            <a:endParaRPr b="0" lang="ru-RU" sz="1800" spc="-1" strike="noStrike">
+          <a:lstStyle/>
+          <a:p>
+            <a:endParaRPr lang="ru-RU" sz="1800" b="0" strike="noStrike" spc="-1">
               <a:solidFill>
                 <a:srgbClr val="000000"/>
               </a:solidFill>
@@ -3471,11 +3881,12 @@
           </a:prstGeom>
         </p:spPr>
         <p:txBody>
-          <a:bodyPr lIns="0" rIns="0" tIns="0" bIns="0">
+          <a:bodyPr lIns="0" tIns="0" rIns="0" bIns="0">
             <a:normAutofit/>
           </a:bodyPr>
-          <a:p>
-            <a:endParaRPr b="0" lang="ru-RU" sz="1800" spc="-1" strike="noStrike">
+          <a:lstStyle/>
+          <a:p>
+            <a:endParaRPr lang="ru-RU" sz="1800" b="0" strike="noStrike" spc="-1">
               <a:solidFill>
                 <a:srgbClr val="000000"/>
               </a:solidFill>
@@ -3486,11 +3897,14 @@
       </p:sp>
     </p:spTree>
   </p:cSld>
+  <p:clrMapOvr>
+    <a:masterClrMapping/>
+  </p:clrMapOvr>
 </p:sldLayout>
 </file>
 
 <file path=ppt/slideLayouts/slideLayout23.xml><?xml version="1.0" encoding="utf-8"?>
-<p:sldLayout xmlns:a="http://schemas.openxmlformats.org/drawingml/2006/main" xmlns:p="http://schemas.openxmlformats.org/presentationml/2006/main" xmlns:r="http://schemas.openxmlformats.org/officeDocument/2006/relationships" xmlns:p14="http://schemas.microsoft.com/office/powerpoint/2010/main" xmlns:p15="http://schemas.microsoft.com/office/powerpoint/2012/main" xmlns:mc="http://schemas.openxmlformats.org/markup-compatibility/2006" type="fourObj" preserve="1">
+<p:sldLayout xmlns:a="http://schemas.openxmlformats.org/drawingml/2006/main" xmlns:r="http://schemas.openxmlformats.org/officeDocument/2006/relationships" xmlns:p="http://schemas.openxmlformats.org/presentationml/2006/main" type="fourObj" preserve="1">
   <p:cSld name="Title, 4 Content">
     <p:spTree>
       <p:nvGrpSpPr>
@@ -3526,11 +3940,12 @@
           </a:prstGeom>
         </p:spPr>
         <p:txBody>
-          <a:bodyPr lIns="0" rIns="0" tIns="0" bIns="0" anchor="ctr">
+          <a:bodyPr lIns="0" tIns="0" rIns="0" bIns="0" anchor="ctr">
             <a:noAutofit/>
           </a:bodyPr>
-          <a:p>
-            <a:endParaRPr b="0" lang="ru-RU" sz="1800" spc="-1" strike="noStrike">
+          <a:lstStyle/>
+          <a:p>
+            <a:endParaRPr lang="ru-RU" sz="1800" b="0" strike="noStrike" spc="-1">
               <a:solidFill>
                 <a:srgbClr val="000000"/>
               </a:solidFill>
@@ -3559,11 +3974,12 @@
           </a:prstGeom>
         </p:spPr>
         <p:txBody>
-          <a:bodyPr lIns="0" rIns="0" tIns="0" bIns="0">
+          <a:bodyPr lIns="0" tIns="0" rIns="0" bIns="0">
             <a:normAutofit/>
           </a:bodyPr>
-          <a:p>
-            <a:endParaRPr b="0" lang="ru-RU" sz="1800" spc="-1" strike="noStrike">
+          <a:lstStyle/>
+          <a:p>
+            <a:endParaRPr lang="ru-RU" sz="1800" b="0" strike="noStrike" spc="-1">
               <a:solidFill>
                 <a:srgbClr val="000000"/>
               </a:solidFill>
@@ -3592,11 +4008,12 @@
           </a:prstGeom>
         </p:spPr>
         <p:txBody>
-          <a:bodyPr lIns="0" rIns="0" tIns="0" bIns="0">
+          <a:bodyPr lIns="0" tIns="0" rIns="0" bIns="0">
             <a:normAutofit/>
           </a:bodyPr>
-          <a:p>
-            <a:endParaRPr b="0" lang="ru-RU" sz="1800" spc="-1" strike="noStrike">
+          <a:lstStyle/>
+          <a:p>
+            <a:endParaRPr lang="ru-RU" sz="1800" b="0" strike="noStrike" spc="-1">
               <a:solidFill>
                 <a:srgbClr val="000000"/>
               </a:solidFill>
@@ -3625,11 +4042,12 @@
           </a:prstGeom>
         </p:spPr>
         <p:txBody>
-          <a:bodyPr lIns="0" rIns="0" tIns="0" bIns="0">
+          <a:bodyPr lIns="0" tIns="0" rIns="0" bIns="0">
             <a:normAutofit/>
           </a:bodyPr>
-          <a:p>
-            <a:endParaRPr b="0" lang="ru-RU" sz="1800" spc="-1" strike="noStrike">
+          <a:lstStyle/>
+          <a:p>
+            <a:endParaRPr lang="ru-RU" sz="1800" b="0" strike="noStrike" spc="-1">
               <a:solidFill>
                 <a:srgbClr val="000000"/>
               </a:solidFill>
@@ -3658,11 +4076,12 @@
           </a:prstGeom>
         </p:spPr>
         <p:txBody>
-          <a:bodyPr lIns="0" rIns="0" tIns="0" bIns="0">
+          <a:bodyPr lIns="0" tIns="0" rIns="0" bIns="0">
             <a:normAutofit/>
           </a:bodyPr>
-          <a:p>
-            <a:endParaRPr b="0" lang="ru-RU" sz="1800" spc="-1" strike="noStrike">
+          <a:lstStyle/>
+          <a:p>
+            <a:endParaRPr lang="ru-RU" sz="1800" b="0" strike="noStrike" spc="-1">
               <a:solidFill>
                 <a:srgbClr val="000000"/>
               </a:solidFill>
@@ -3673,11 +4092,14 @@
       </p:sp>
     </p:spTree>
   </p:cSld>
+  <p:clrMapOvr>
+    <a:masterClrMapping/>
+  </p:clrMapOvr>
 </p:sldLayout>
 </file>
 
 <file path=ppt/slideLayouts/slideLayout24.xml><?xml version="1.0" encoding="utf-8"?>
-<p:sldLayout xmlns:a="http://schemas.openxmlformats.org/drawingml/2006/main" xmlns:p="http://schemas.openxmlformats.org/presentationml/2006/main" xmlns:r="http://schemas.openxmlformats.org/officeDocument/2006/relationships" xmlns:p14="http://schemas.microsoft.com/office/powerpoint/2010/main" xmlns:p15="http://schemas.microsoft.com/office/powerpoint/2012/main" xmlns:mc="http://schemas.openxmlformats.org/markup-compatibility/2006" type="blank" preserve="1">
+<p:sldLayout xmlns:a="http://schemas.openxmlformats.org/drawingml/2006/main" xmlns:r="http://schemas.openxmlformats.org/officeDocument/2006/relationships" xmlns:p="http://schemas.openxmlformats.org/presentationml/2006/main" type="blank" preserve="1">
   <p:cSld name="Title, 6 Content">
     <p:spTree>
       <p:nvGrpSpPr>
@@ -3713,11 +4135,12 @@
           </a:prstGeom>
         </p:spPr>
         <p:txBody>
-          <a:bodyPr lIns="0" rIns="0" tIns="0" bIns="0" anchor="ctr">
+          <a:bodyPr lIns="0" tIns="0" rIns="0" bIns="0" anchor="ctr">
             <a:noAutofit/>
           </a:bodyPr>
-          <a:p>
-            <a:endParaRPr b="0" lang="ru-RU" sz="1800" spc="-1" strike="noStrike">
+          <a:lstStyle/>
+          <a:p>
+            <a:endParaRPr lang="ru-RU" sz="1800" b="0" strike="noStrike" spc="-1">
               <a:solidFill>
                 <a:srgbClr val="000000"/>
               </a:solidFill>
@@ -3746,11 +4169,12 @@
           </a:prstGeom>
         </p:spPr>
         <p:txBody>
-          <a:bodyPr lIns="0" rIns="0" tIns="0" bIns="0">
+          <a:bodyPr lIns="0" tIns="0" rIns="0" bIns="0">
             <a:normAutofit/>
           </a:bodyPr>
-          <a:p>
-            <a:endParaRPr b="0" lang="ru-RU" sz="1800" spc="-1" strike="noStrike">
+          <a:lstStyle/>
+          <a:p>
+            <a:endParaRPr lang="ru-RU" sz="1800" b="0" strike="noStrike" spc="-1">
               <a:solidFill>
                 <a:srgbClr val="000000"/>
               </a:solidFill>
@@ -3779,11 +4203,12 @@
           </a:prstGeom>
         </p:spPr>
         <p:txBody>
-          <a:bodyPr lIns="0" rIns="0" tIns="0" bIns="0">
+          <a:bodyPr lIns="0" tIns="0" rIns="0" bIns="0">
             <a:normAutofit/>
           </a:bodyPr>
-          <a:p>
-            <a:endParaRPr b="0" lang="ru-RU" sz="1800" spc="-1" strike="noStrike">
+          <a:lstStyle/>
+          <a:p>
+            <a:endParaRPr lang="ru-RU" sz="1800" b="0" strike="noStrike" spc="-1">
               <a:solidFill>
                 <a:srgbClr val="000000"/>
               </a:solidFill>
@@ -3812,11 +4237,12 @@
           </a:prstGeom>
         </p:spPr>
         <p:txBody>
-          <a:bodyPr lIns="0" rIns="0" tIns="0" bIns="0">
+          <a:bodyPr lIns="0" tIns="0" rIns="0" bIns="0">
             <a:normAutofit/>
           </a:bodyPr>
-          <a:p>
-            <a:endParaRPr b="0" lang="ru-RU" sz="1800" spc="-1" strike="noStrike">
+          <a:lstStyle/>
+          <a:p>
+            <a:endParaRPr lang="ru-RU" sz="1800" b="0" strike="noStrike" spc="-1">
               <a:solidFill>
                 <a:srgbClr val="000000"/>
               </a:solidFill>
@@ -3845,11 +4271,12 @@
           </a:prstGeom>
         </p:spPr>
         <p:txBody>
-          <a:bodyPr lIns="0" rIns="0" tIns="0" bIns="0">
+          <a:bodyPr lIns="0" tIns="0" rIns="0" bIns="0">
             <a:normAutofit/>
           </a:bodyPr>
-          <a:p>
-            <a:endParaRPr b="0" lang="ru-RU" sz="1800" spc="-1" strike="noStrike">
+          <a:lstStyle/>
+          <a:p>
+            <a:endParaRPr lang="ru-RU" sz="1800" b="0" strike="noStrike" spc="-1">
               <a:solidFill>
                 <a:srgbClr val="000000"/>
               </a:solidFill>
@@ -3878,11 +4305,12 @@
           </a:prstGeom>
         </p:spPr>
         <p:txBody>
-          <a:bodyPr lIns="0" rIns="0" tIns="0" bIns="0">
+          <a:bodyPr lIns="0" tIns="0" rIns="0" bIns="0">
             <a:normAutofit/>
           </a:bodyPr>
-          <a:p>
-            <a:endParaRPr b="0" lang="ru-RU" sz="1800" spc="-1" strike="noStrike">
+          <a:lstStyle/>
+          <a:p>
+            <a:endParaRPr lang="ru-RU" sz="1800" b="0" strike="noStrike" spc="-1">
               <a:solidFill>
                 <a:srgbClr val="000000"/>
               </a:solidFill>
@@ -3911,11 +4339,12 @@
           </a:prstGeom>
         </p:spPr>
         <p:txBody>
-          <a:bodyPr lIns="0" rIns="0" tIns="0" bIns="0">
+          <a:bodyPr lIns="0" tIns="0" rIns="0" bIns="0">
             <a:normAutofit/>
           </a:bodyPr>
-          <a:p>
-            <a:endParaRPr b="0" lang="ru-RU" sz="1800" spc="-1" strike="noStrike">
+          <a:lstStyle/>
+          <a:p>
+            <a:endParaRPr lang="ru-RU" sz="1800" b="0" strike="noStrike" spc="-1">
               <a:solidFill>
                 <a:srgbClr val="000000"/>
               </a:solidFill>
@@ -3926,11 +4355,14 @@
       </p:sp>
     </p:spTree>
   </p:cSld>
+  <p:clrMapOvr>
+    <a:masterClrMapping/>
+  </p:clrMapOvr>
 </p:sldLayout>
 </file>
 
 <file path=ppt/slideLayouts/slideLayout3.xml><?xml version="1.0" encoding="utf-8"?>
-<p:sldLayout xmlns:a="http://schemas.openxmlformats.org/drawingml/2006/main" xmlns:p="http://schemas.openxmlformats.org/presentationml/2006/main" xmlns:r="http://schemas.openxmlformats.org/officeDocument/2006/relationships" xmlns:p14="http://schemas.microsoft.com/office/powerpoint/2010/main" xmlns:p15="http://schemas.microsoft.com/office/powerpoint/2012/main" xmlns:mc="http://schemas.openxmlformats.org/markup-compatibility/2006" type="obj" preserve="1">
+<p:sldLayout xmlns:a="http://schemas.openxmlformats.org/drawingml/2006/main" xmlns:r="http://schemas.openxmlformats.org/officeDocument/2006/relationships" xmlns:p="http://schemas.openxmlformats.org/presentationml/2006/main" type="obj" preserve="1">
   <p:cSld name="Title, Content">
     <p:spTree>
       <p:nvGrpSpPr>
@@ -3966,11 +4398,12 @@
           </a:prstGeom>
         </p:spPr>
         <p:txBody>
-          <a:bodyPr lIns="0" rIns="0" tIns="0" bIns="0" anchor="ctr">
+          <a:bodyPr lIns="0" tIns="0" rIns="0" bIns="0" anchor="ctr">
             <a:noAutofit/>
           </a:bodyPr>
-          <a:p>
-            <a:endParaRPr b="0" lang="ru-RU" sz="1800" spc="-1" strike="noStrike">
+          <a:lstStyle/>
+          <a:p>
+            <a:endParaRPr lang="ru-RU" sz="1800" b="0" strike="noStrike" spc="-1">
               <a:solidFill>
                 <a:srgbClr val="000000"/>
               </a:solidFill>
@@ -3999,11 +4432,12 @@
           </a:prstGeom>
         </p:spPr>
         <p:txBody>
-          <a:bodyPr lIns="0" rIns="0" tIns="0" bIns="0">
+          <a:bodyPr lIns="0" tIns="0" rIns="0" bIns="0">
             <a:normAutofit/>
           </a:bodyPr>
-          <a:p>
-            <a:endParaRPr b="0" lang="ru-RU" sz="1800" spc="-1" strike="noStrike">
+          <a:lstStyle/>
+          <a:p>
+            <a:endParaRPr lang="ru-RU" sz="1800" b="0" strike="noStrike" spc="-1">
               <a:solidFill>
                 <a:srgbClr val="000000"/>
               </a:solidFill>
@@ -4014,11 +4448,14 @@
       </p:sp>
     </p:spTree>
   </p:cSld>
+  <p:clrMapOvr>
+    <a:masterClrMapping/>
+  </p:clrMapOvr>
 </p:sldLayout>
 </file>
 
 <file path=ppt/slideLayouts/slideLayout4.xml><?xml version="1.0" encoding="utf-8"?>
-<p:sldLayout xmlns:a="http://schemas.openxmlformats.org/drawingml/2006/main" xmlns:p="http://schemas.openxmlformats.org/presentationml/2006/main" xmlns:r="http://schemas.openxmlformats.org/officeDocument/2006/relationships" xmlns:p14="http://schemas.microsoft.com/office/powerpoint/2010/main" xmlns:p15="http://schemas.microsoft.com/office/powerpoint/2012/main" xmlns:mc="http://schemas.openxmlformats.org/markup-compatibility/2006" type="twoObj" preserve="1">
+<p:sldLayout xmlns:a="http://schemas.openxmlformats.org/drawingml/2006/main" xmlns:r="http://schemas.openxmlformats.org/officeDocument/2006/relationships" xmlns:p="http://schemas.openxmlformats.org/presentationml/2006/main" type="twoObj" preserve="1">
   <p:cSld name="Title, 2 Content">
     <p:spTree>
       <p:nvGrpSpPr>
@@ -4054,11 +4491,12 @@
           </a:prstGeom>
         </p:spPr>
         <p:txBody>
-          <a:bodyPr lIns="0" rIns="0" tIns="0" bIns="0" anchor="ctr">
+          <a:bodyPr lIns="0" tIns="0" rIns="0" bIns="0" anchor="ctr">
             <a:noAutofit/>
           </a:bodyPr>
-          <a:p>
-            <a:endParaRPr b="0" lang="ru-RU" sz="1800" spc="-1" strike="noStrike">
+          <a:lstStyle/>
+          <a:p>
+            <a:endParaRPr lang="ru-RU" sz="1800" b="0" strike="noStrike" spc="-1">
               <a:solidFill>
                 <a:srgbClr val="000000"/>
               </a:solidFill>
@@ -4087,11 +4525,12 @@
           </a:prstGeom>
         </p:spPr>
         <p:txBody>
-          <a:bodyPr lIns="0" rIns="0" tIns="0" bIns="0">
+          <a:bodyPr lIns="0" tIns="0" rIns="0" bIns="0">
             <a:normAutofit/>
           </a:bodyPr>
-          <a:p>
-            <a:endParaRPr b="0" lang="ru-RU" sz="1800" spc="-1" strike="noStrike">
+          <a:lstStyle/>
+          <a:p>
+            <a:endParaRPr lang="ru-RU" sz="1800" b="0" strike="noStrike" spc="-1">
               <a:solidFill>
                 <a:srgbClr val="000000"/>
               </a:solidFill>
@@ -4120,11 +4559,12 @@
           </a:prstGeom>
         </p:spPr>
         <p:txBody>
-          <a:bodyPr lIns="0" rIns="0" tIns="0" bIns="0">
+          <a:bodyPr lIns="0" tIns="0" rIns="0" bIns="0">
             <a:normAutofit/>
           </a:bodyPr>
-          <a:p>
-            <a:endParaRPr b="0" lang="ru-RU" sz="1800" spc="-1" strike="noStrike">
+          <a:lstStyle/>
+          <a:p>
+            <a:endParaRPr lang="ru-RU" sz="1800" b="0" strike="noStrike" spc="-1">
               <a:solidFill>
                 <a:srgbClr val="000000"/>
               </a:solidFill>
@@ -4135,11 +4575,14 @@
       </p:sp>
     </p:spTree>
   </p:cSld>
+  <p:clrMapOvr>
+    <a:masterClrMapping/>
+  </p:clrMapOvr>
 </p:sldLayout>
 </file>
 
 <file path=ppt/slideLayouts/slideLayout5.xml><?xml version="1.0" encoding="utf-8"?>
-<p:sldLayout xmlns:a="http://schemas.openxmlformats.org/drawingml/2006/main" xmlns:p="http://schemas.openxmlformats.org/presentationml/2006/main" xmlns:r="http://schemas.openxmlformats.org/officeDocument/2006/relationships" xmlns:p14="http://schemas.microsoft.com/office/powerpoint/2010/main" xmlns:p15="http://schemas.microsoft.com/office/powerpoint/2012/main" xmlns:mc="http://schemas.openxmlformats.org/markup-compatibility/2006" type="titleOnly" preserve="1">
+<p:sldLayout xmlns:a="http://schemas.openxmlformats.org/drawingml/2006/main" xmlns:r="http://schemas.openxmlformats.org/officeDocument/2006/relationships" xmlns:p="http://schemas.openxmlformats.org/presentationml/2006/main" type="titleOnly" preserve="1">
   <p:cSld name="Title Only">
     <p:spTree>
       <p:nvGrpSpPr>
@@ -4175,11 +4618,12 @@
           </a:prstGeom>
         </p:spPr>
         <p:txBody>
-          <a:bodyPr lIns="0" rIns="0" tIns="0" bIns="0" anchor="ctr">
+          <a:bodyPr lIns="0" tIns="0" rIns="0" bIns="0" anchor="ctr">
             <a:noAutofit/>
           </a:bodyPr>
-          <a:p>
-            <a:endParaRPr b="0" lang="ru-RU" sz="1800" spc="-1" strike="noStrike">
+          <a:lstStyle/>
+          <a:p>
+            <a:endParaRPr lang="ru-RU" sz="1800" b="0" strike="noStrike" spc="-1">
               <a:solidFill>
                 <a:srgbClr val="000000"/>
               </a:solidFill>
@@ -4190,11 +4634,14 @@
       </p:sp>
     </p:spTree>
   </p:cSld>
+  <p:clrMapOvr>
+    <a:masterClrMapping/>
+  </p:clrMapOvr>
 </p:sldLayout>
 </file>
 
 <file path=ppt/slideLayouts/slideLayout6.xml><?xml version="1.0" encoding="utf-8"?>
-<p:sldLayout xmlns:a="http://schemas.openxmlformats.org/drawingml/2006/main" xmlns:p="http://schemas.openxmlformats.org/presentationml/2006/main" xmlns:r="http://schemas.openxmlformats.org/officeDocument/2006/relationships" xmlns:p14="http://schemas.microsoft.com/office/powerpoint/2010/main" xmlns:p15="http://schemas.microsoft.com/office/powerpoint/2012/main" xmlns:mc="http://schemas.openxmlformats.org/markup-compatibility/2006" type="objOnly" preserve="1">
+<p:sldLayout xmlns:a="http://schemas.openxmlformats.org/drawingml/2006/main" xmlns:r="http://schemas.openxmlformats.org/officeDocument/2006/relationships" xmlns:p="http://schemas.openxmlformats.org/presentationml/2006/main" type="objOnly" preserve="1">
   <p:cSld name="Centered Text">
     <p:spTree>
       <p:nvGrpSpPr>
@@ -4230,12 +4677,13 @@
           </a:prstGeom>
         </p:spPr>
         <p:txBody>
-          <a:bodyPr lIns="0" rIns="0" tIns="0" bIns="0" anchor="ctr">
+          <a:bodyPr lIns="0" tIns="0" rIns="0" bIns="0" anchor="ctr">
             <a:noAutofit/>
           </a:bodyPr>
+          <a:lstStyle/>
           <a:p>
             <a:pPr algn="ctr"/>
-            <a:endParaRPr b="0" lang="ru-RU" sz="3200" spc="-1" strike="noStrike">
+            <a:endParaRPr lang="ru-RU" sz="3200" b="0" strike="noStrike" spc="-1">
               <a:latin typeface="Arial"/>
             </a:endParaRPr>
           </a:p>
@@ -4243,11 +4691,14 @@
       </p:sp>
     </p:spTree>
   </p:cSld>
+  <p:clrMapOvr>
+    <a:masterClrMapping/>
+  </p:clrMapOvr>
 </p:sldLayout>
 </file>
 
 <file path=ppt/slideLayouts/slideLayout7.xml><?xml version="1.0" encoding="utf-8"?>
-<p:sldLayout xmlns:a="http://schemas.openxmlformats.org/drawingml/2006/main" xmlns:p="http://schemas.openxmlformats.org/presentationml/2006/main" xmlns:r="http://schemas.openxmlformats.org/officeDocument/2006/relationships" xmlns:p14="http://schemas.microsoft.com/office/powerpoint/2010/main" xmlns:p15="http://schemas.microsoft.com/office/powerpoint/2012/main" xmlns:mc="http://schemas.openxmlformats.org/markup-compatibility/2006" type="twoObjAndObj" preserve="1">
+<p:sldLayout xmlns:a="http://schemas.openxmlformats.org/drawingml/2006/main" xmlns:r="http://schemas.openxmlformats.org/officeDocument/2006/relationships" xmlns:p="http://schemas.openxmlformats.org/presentationml/2006/main" type="twoObjAndObj" preserve="1">
   <p:cSld name="Title, 2 Content and Content">
     <p:spTree>
       <p:nvGrpSpPr>
@@ -4283,11 +4734,12 @@
           </a:prstGeom>
         </p:spPr>
         <p:txBody>
-          <a:bodyPr lIns="0" rIns="0" tIns="0" bIns="0" anchor="ctr">
+          <a:bodyPr lIns="0" tIns="0" rIns="0" bIns="0" anchor="ctr">
             <a:noAutofit/>
           </a:bodyPr>
-          <a:p>
-            <a:endParaRPr b="0" lang="ru-RU" sz="1800" spc="-1" strike="noStrike">
+          <a:lstStyle/>
+          <a:p>
+            <a:endParaRPr lang="ru-RU" sz="1800" b="0" strike="noStrike" spc="-1">
               <a:solidFill>
                 <a:srgbClr val="000000"/>
               </a:solidFill>
@@ -4316,11 +4768,12 @@
           </a:prstGeom>
         </p:spPr>
         <p:txBody>
-          <a:bodyPr lIns="0" rIns="0" tIns="0" bIns="0">
+          <a:bodyPr lIns="0" tIns="0" rIns="0" bIns="0">
             <a:normAutofit/>
           </a:bodyPr>
-          <a:p>
-            <a:endParaRPr b="0" lang="ru-RU" sz="1800" spc="-1" strike="noStrike">
+          <a:lstStyle/>
+          <a:p>
+            <a:endParaRPr lang="ru-RU" sz="1800" b="0" strike="noStrike" spc="-1">
               <a:solidFill>
                 <a:srgbClr val="000000"/>
               </a:solidFill>
@@ -4349,11 +4802,12 @@
           </a:prstGeom>
         </p:spPr>
         <p:txBody>
-          <a:bodyPr lIns="0" rIns="0" tIns="0" bIns="0">
+          <a:bodyPr lIns="0" tIns="0" rIns="0" bIns="0">
             <a:normAutofit/>
           </a:bodyPr>
-          <a:p>
-            <a:endParaRPr b="0" lang="ru-RU" sz="1800" spc="-1" strike="noStrike">
+          <a:lstStyle/>
+          <a:p>
+            <a:endParaRPr lang="ru-RU" sz="1800" b="0" strike="noStrike" spc="-1">
               <a:solidFill>
                 <a:srgbClr val="000000"/>
               </a:solidFill>
@@ -4382,11 +4836,12 @@
           </a:prstGeom>
         </p:spPr>
         <p:txBody>
-          <a:bodyPr lIns="0" rIns="0" tIns="0" bIns="0">
+          <a:bodyPr lIns="0" tIns="0" rIns="0" bIns="0">
             <a:normAutofit/>
           </a:bodyPr>
-          <a:p>
-            <a:endParaRPr b="0" lang="ru-RU" sz="1800" spc="-1" strike="noStrike">
+          <a:lstStyle/>
+          <a:p>
+            <a:endParaRPr lang="ru-RU" sz="1800" b="0" strike="noStrike" spc="-1">
               <a:solidFill>
                 <a:srgbClr val="000000"/>
               </a:solidFill>
@@ -4397,11 +4852,14 @@
       </p:sp>
     </p:spTree>
   </p:cSld>
+  <p:clrMapOvr>
+    <a:masterClrMapping/>
+  </p:clrMapOvr>
 </p:sldLayout>
 </file>
 
 <file path=ppt/slideLayouts/slideLayout8.xml><?xml version="1.0" encoding="utf-8"?>
-<p:sldLayout xmlns:a="http://schemas.openxmlformats.org/drawingml/2006/main" xmlns:p="http://schemas.openxmlformats.org/presentationml/2006/main" xmlns:r="http://schemas.openxmlformats.org/officeDocument/2006/relationships" xmlns:p14="http://schemas.microsoft.com/office/powerpoint/2010/main" xmlns:p15="http://schemas.microsoft.com/office/powerpoint/2012/main" xmlns:mc="http://schemas.openxmlformats.org/markup-compatibility/2006" type="objAndTwoObj" preserve="1">
+<p:sldLayout xmlns:a="http://schemas.openxmlformats.org/drawingml/2006/main" xmlns:r="http://schemas.openxmlformats.org/officeDocument/2006/relationships" xmlns:p="http://schemas.openxmlformats.org/presentationml/2006/main" type="objAndTwoObj" preserve="1">
   <p:cSld name="Title Content and 2 Content">
     <p:spTree>
       <p:nvGrpSpPr>
@@ -4437,11 +4895,12 @@
           </a:prstGeom>
         </p:spPr>
         <p:txBody>
-          <a:bodyPr lIns="0" rIns="0" tIns="0" bIns="0" anchor="ctr">
+          <a:bodyPr lIns="0" tIns="0" rIns="0" bIns="0" anchor="ctr">
             <a:noAutofit/>
           </a:bodyPr>
-          <a:p>
-            <a:endParaRPr b="0" lang="ru-RU" sz="1800" spc="-1" strike="noStrike">
+          <a:lstStyle/>
+          <a:p>
+            <a:endParaRPr lang="ru-RU" sz="1800" b="0" strike="noStrike" spc="-1">
               <a:solidFill>
                 <a:srgbClr val="000000"/>
               </a:solidFill>
@@ -4470,11 +4929,12 @@
           </a:prstGeom>
         </p:spPr>
         <p:txBody>
-          <a:bodyPr lIns="0" rIns="0" tIns="0" bIns="0">
+          <a:bodyPr lIns="0" tIns="0" rIns="0" bIns="0">
             <a:normAutofit/>
           </a:bodyPr>
-          <a:p>
-            <a:endParaRPr b="0" lang="ru-RU" sz="1800" spc="-1" strike="noStrike">
+          <a:lstStyle/>
+          <a:p>
+            <a:endParaRPr lang="ru-RU" sz="1800" b="0" strike="noStrike" spc="-1">
               <a:solidFill>
                 <a:srgbClr val="000000"/>
               </a:solidFill>
@@ -4503,11 +4963,12 @@
           </a:prstGeom>
         </p:spPr>
         <p:txBody>
-          <a:bodyPr lIns="0" rIns="0" tIns="0" bIns="0">
+          <a:bodyPr lIns="0" tIns="0" rIns="0" bIns="0">
             <a:normAutofit/>
           </a:bodyPr>
-          <a:p>
-            <a:endParaRPr b="0" lang="ru-RU" sz="1800" spc="-1" strike="noStrike">
+          <a:lstStyle/>
+          <a:p>
+            <a:endParaRPr lang="ru-RU" sz="1800" b="0" strike="noStrike" spc="-1">
               <a:solidFill>
                 <a:srgbClr val="000000"/>
               </a:solidFill>
@@ -4536,11 +4997,12 @@
           </a:prstGeom>
         </p:spPr>
         <p:txBody>
-          <a:bodyPr lIns="0" rIns="0" tIns="0" bIns="0">
+          <a:bodyPr lIns="0" tIns="0" rIns="0" bIns="0">
             <a:normAutofit/>
           </a:bodyPr>
-          <a:p>
-            <a:endParaRPr b="0" lang="ru-RU" sz="1800" spc="-1" strike="noStrike">
+          <a:lstStyle/>
+          <a:p>
+            <a:endParaRPr lang="ru-RU" sz="1800" b="0" strike="noStrike" spc="-1">
               <a:solidFill>
                 <a:srgbClr val="000000"/>
               </a:solidFill>
@@ -4551,11 +5013,14 @@
       </p:sp>
     </p:spTree>
   </p:cSld>
+  <p:clrMapOvr>
+    <a:masterClrMapping/>
+  </p:clrMapOvr>
 </p:sldLayout>
 </file>
 
 <file path=ppt/slideLayouts/slideLayout9.xml><?xml version="1.0" encoding="utf-8"?>
-<p:sldLayout xmlns:a="http://schemas.openxmlformats.org/drawingml/2006/main" xmlns:p="http://schemas.openxmlformats.org/presentationml/2006/main" xmlns:r="http://schemas.openxmlformats.org/officeDocument/2006/relationships" xmlns:p14="http://schemas.microsoft.com/office/powerpoint/2010/main" xmlns:p15="http://schemas.microsoft.com/office/powerpoint/2012/main" xmlns:mc="http://schemas.openxmlformats.org/markup-compatibility/2006" type="twoObjOverTx" preserve="1">
+<p:sldLayout xmlns:a="http://schemas.openxmlformats.org/drawingml/2006/main" xmlns:r="http://schemas.openxmlformats.org/officeDocument/2006/relationships" xmlns:p="http://schemas.openxmlformats.org/presentationml/2006/main" type="twoObjOverTx" preserve="1">
   <p:cSld name="Title, 2 Content over Content">
     <p:spTree>
       <p:nvGrpSpPr>
@@ -4591,11 +5056,12 @@
           </a:prstGeom>
         </p:spPr>
         <p:txBody>
-          <a:bodyPr lIns="0" rIns="0" tIns="0" bIns="0" anchor="ctr">
+          <a:bodyPr lIns="0" tIns="0" rIns="0" bIns="0" anchor="ctr">
             <a:noAutofit/>
           </a:bodyPr>
-          <a:p>
-            <a:endParaRPr b="0" lang="ru-RU" sz="1800" spc="-1" strike="noStrike">
+          <a:lstStyle/>
+          <a:p>
+            <a:endParaRPr lang="ru-RU" sz="1800" b="0" strike="noStrike" spc="-1">
               <a:solidFill>
                 <a:srgbClr val="000000"/>
               </a:solidFill>
@@ -4624,11 +5090,12 @@
           </a:prstGeom>
         </p:spPr>
         <p:txBody>
-          <a:bodyPr lIns="0" rIns="0" tIns="0" bIns="0">
+          <a:bodyPr lIns="0" tIns="0" rIns="0" bIns="0">
             <a:normAutofit/>
           </a:bodyPr>
-          <a:p>
-            <a:endParaRPr b="0" lang="ru-RU" sz="1800" spc="-1" strike="noStrike">
+          <a:lstStyle/>
+          <a:p>
+            <a:endParaRPr lang="ru-RU" sz="1800" b="0" strike="noStrike" spc="-1">
               <a:solidFill>
                 <a:srgbClr val="000000"/>
               </a:solidFill>
@@ -4657,11 +5124,12 @@
           </a:prstGeom>
         </p:spPr>
         <p:txBody>
-          <a:bodyPr lIns="0" rIns="0" tIns="0" bIns="0">
+          <a:bodyPr lIns="0" tIns="0" rIns="0" bIns="0">
             <a:normAutofit/>
           </a:bodyPr>
-          <a:p>
-            <a:endParaRPr b="0" lang="ru-RU" sz="1800" spc="-1" strike="noStrike">
+          <a:lstStyle/>
+          <a:p>
+            <a:endParaRPr lang="ru-RU" sz="1800" b="0" strike="noStrike" spc="-1">
               <a:solidFill>
                 <a:srgbClr val="000000"/>
               </a:solidFill>
@@ -4690,11 +5158,12 @@
           </a:prstGeom>
         </p:spPr>
         <p:txBody>
-          <a:bodyPr lIns="0" rIns="0" tIns="0" bIns="0">
+          <a:bodyPr lIns="0" tIns="0" rIns="0" bIns="0">
             <a:normAutofit/>
           </a:bodyPr>
-          <a:p>
-            <a:endParaRPr b="0" lang="ru-RU" sz="1800" spc="-1" strike="noStrike">
+          <a:lstStyle/>
+          <a:p>
+            <a:endParaRPr lang="ru-RU" sz="1800" b="0" strike="noStrike" spc="-1">
               <a:solidFill>
                 <a:srgbClr val="000000"/>
               </a:solidFill>
@@ -4705,17 +5174,21 @@
       </p:sp>
     </p:spTree>
   </p:cSld>
+  <p:clrMapOvr>
+    <a:masterClrMapping/>
+  </p:clrMapOvr>
 </p:sldLayout>
 </file>
 
 <file path=ppt/slideMasters/slideMaster1.xml><?xml version="1.0" encoding="utf-8"?>
-<p:sldMaster xmlns:a="http://schemas.openxmlformats.org/drawingml/2006/main" xmlns:p="http://schemas.openxmlformats.org/presentationml/2006/main" xmlns:r="http://schemas.openxmlformats.org/officeDocument/2006/relationships" xmlns:p14="http://schemas.microsoft.com/office/powerpoint/2010/main" xmlns:p15="http://schemas.microsoft.com/office/powerpoint/2012/main" xmlns:mc="http://schemas.openxmlformats.org/markup-compatibility/2006">
+<p:sldMaster xmlns:a="http://schemas.openxmlformats.org/drawingml/2006/main" xmlns:r="http://schemas.openxmlformats.org/officeDocument/2006/relationships" xmlns:p="http://schemas.openxmlformats.org/presentationml/2006/main">
   <p:cSld>
     <p:bg>
       <p:bgPr>
         <a:solidFill>
-          <a:srgbClr val="ffffff"/>
+          <a:srgbClr val="FFFFFF"/>
         </a:solidFill>
+        <a:effectLst/>
       </p:bgPr>
     </p:bg>
     <p:spTree>
@@ -4734,7 +5207,7 @@
       </p:grpSpPr>
       <p:sp>
         <p:nvSpPr>
-          <p:cNvPr id="0" name="PlaceHolder 1"/>
+          <p:cNvPr id="2" name="PlaceHolder 1"/>
           <p:cNvSpPr>
             <a:spLocks noGrp="1"/>
           </p:cNvSpPr>
@@ -4752,40 +5225,26 @@
           </a:prstGeom>
         </p:spPr>
         <p:txBody>
-          <a:bodyPr lIns="0" rIns="0" tIns="0" bIns="0" anchor="ctr">
+          <a:bodyPr lIns="0" tIns="0" rIns="0" bIns="0" anchor="ctr">
             <a:noAutofit/>
           </a:bodyPr>
+          <a:lstStyle/>
           <a:p>
             <a:r>
-              <a:rPr b="0" lang="ru-RU" sz="1800" spc="-1" strike="noStrike">
+              <a:rPr lang="ru-RU" sz="1800" b="0" strike="noStrike" spc="-1">
                 <a:solidFill>
                   <a:srgbClr val="000000"/>
                 </a:solidFill>
                 <a:latin typeface="Arial"/>
               </a:rPr>
-              <a:t>Для правки текста заглавия </a:t>
+              <a:t>Для правки текста заглавия щёлкните мышью</a:t>
             </a:r>
-            <a:r>
-              <a:rPr b="0" lang="ru-RU" sz="1800" spc="-1" strike="noStrike">
-                <a:solidFill>
-                  <a:srgbClr val="000000"/>
-                </a:solidFill>
-                <a:latin typeface="Arial"/>
-              </a:rPr>
-              <a:t>щёлкните мышью</a:t>
-            </a:r>
-            <a:endParaRPr b="0" lang="ru-RU" sz="1800" spc="-1" strike="noStrike">
-              <a:solidFill>
-                <a:srgbClr val="000000"/>
-              </a:solidFill>
-              <a:latin typeface="Arial"/>
-            </a:endParaRPr>
-          </a:p>
-        </p:txBody>
-      </p:sp>
-      <p:sp>
-        <p:nvSpPr>
-          <p:cNvPr id="1" name="PlaceHolder 2"/>
+          </a:p>
+        </p:txBody>
+      </p:sp>
+      <p:sp>
+        <p:nvSpPr>
+          <p:cNvPr id="3" name="PlaceHolder 2"/>
           <p:cNvSpPr>
             <a:spLocks noGrp="1"/>
           </p:cNvSpPr>
@@ -4803,9 +5262,10 @@
           </a:prstGeom>
         </p:spPr>
         <p:txBody>
-          <a:bodyPr lIns="0" rIns="0" tIns="0" bIns="0">
+          <a:bodyPr lIns="0" tIns="0" rIns="0" bIns="0">
             <a:normAutofit/>
           </a:bodyPr>
+          <a:lstStyle/>
           <a:p>
             <a:pPr marL="432000" indent="-324000">
               <a:spcBef>
@@ -4819,7 +5279,7 @@
               <a:buChar char=""/>
             </a:pPr>
             <a:r>
-              <a:rPr b="0" lang="ru-RU" sz="1800" spc="-1" strike="noStrike">
+              <a:rPr lang="ru-RU" sz="1800" b="0" strike="noStrike" spc="-1">
                 <a:solidFill>
                   <a:srgbClr val="000000"/>
                 </a:solidFill>
@@ -4827,15 +5287,9 @@
               </a:rPr>
               <a:t>Для правки структуры щёлкните мышью</a:t>
             </a:r>
-            <a:endParaRPr b="0" lang="ru-RU" sz="1800" spc="-1" strike="noStrike">
-              <a:solidFill>
-                <a:srgbClr val="000000"/>
-              </a:solidFill>
-              <a:latin typeface="Arial"/>
-            </a:endParaRPr>
-          </a:p>
-          <a:p>
-            <a:pPr lvl="1" marL="864000" indent="-324000">
+          </a:p>
+          <a:p>
+            <a:pPr marL="864000" lvl="1" indent="-324000">
               <a:spcBef>
                 <a:spcPts val="1134"/>
               </a:spcBef>
@@ -4847,7 +5301,7 @@
               <a:buChar char=""/>
             </a:pPr>
             <a:r>
-              <a:rPr b="0" lang="ru-RU" sz="1800" spc="-1" strike="noStrike">
+              <a:rPr lang="ru-RU" sz="1800" b="0" strike="noStrike" spc="-1">
                 <a:solidFill>
                   <a:srgbClr val="000000"/>
                 </a:solidFill>
@@ -4855,15 +5309,9 @@
               </a:rPr>
               <a:t>Второй уровень структуры</a:t>
             </a:r>
-            <a:endParaRPr b="0" lang="ru-RU" sz="1800" spc="-1" strike="noStrike">
-              <a:solidFill>
-                <a:srgbClr val="000000"/>
-              </a:solidFill>
-              <a:latin typeface="Arial"/>
-            </a:endParaRPr>
-          </a:p>
-          <a:p>
-            <a:pPr lvl="2" marL="1296000" indent="-288000">
+          </a:p>
+          <a:p>
+            <a:pPr marL="1296000" lvl="2" indent="-288000">
               <a:spcBef>
                 <a:spcPts val="850"/>
               </a:spcBef>
@@ -4875,7 +5323,7 @@
               <a:buChar char=""/>
             </a:pPr>
             <a:r>
-              <a:rPr b="0" lang="ru-RU" sz="1800" spc="-1" strike="noStrike">
+              <a:rPr lang="ru-RU" sz="1800" b="0" strike="noStrike" spc="-1">
                 <a:solidFill>
                   <a:srgbClr val="000000"/>
                 </a:solidFill>
@@ -4883,15 +5331,9 @@
               </a:rPr>
               <a:t>Третий уровень структуры</a:t>
             </a:r>
-            <a:endParaRPr b="0" lang="ru-RU" sz="1800" spc="-1" strike="noStrike">
-              <a:solidFill>
-                <a:srgbClr val="000000"/>
-              </a:solidFill>
-              <a:latin typeface="Arial"/>
-            </a:endParaRPr>
-          </a:p>
-          <a:p>
-            <a:pPr lvl="3" marL="1728000" indent="-216000">
+          </a:p>
+          <a:p>
+            <a:pPr marL="1728000" lvl="3" indent="-216000">
               <a:spcBef>
                 <a:spcPts val="567"/>
               </a:spcBef>
@@ -4903,7 +5345,7 @@
               <a:buChar char=""/>
             </a:pPr>
             <a:r>
-              <a:rPr b="0" lang="ru-RU" sz="1800" spc="-1" strike="noStrike">
+              <a:rPr lang="ru-RU" sz="1800" b="0" strike="noStrike" spc="-1">
                 <a:solidFill>
                   <a:srgbClr val="000000"/>
                 </a:solidFill>
@@ -4911,15 +5353,9 @@
               </a:rPr>
               <a:t>Четвёртый уровень структуры</a:t>
             </a:r>
-            <a:endParaRPr b="0" lang="ru-RU" sz="1800" spc="-1" strike="noStrike">
-              <a:solidFill>
-                <a:srgbClr val="000000"/>
-              </a:solidFill>
-              <a:latin typeface="Arial"/>
-            </a:endParaRPr>
-          </a:p>
-          <a:p>
-            <a:pPr lvl="4" marL="2160000" indent="-216000">
+          </a:p>
+          <a:p>
+            <a:pPr marL="2160000" lvl="4" indent="-216000">
               <a:spcBef>
                 <a:spcPts val="283"/>
               </a:spcBef>
@@ -4931,7 +5367,7 @@
               <a:buChar char=""/>
             </a:pPr>
             <a:r>
-              <a:rPr b="0" lang="ru-RU" sz="2000" spc="-1" strike="noStrike">
+              <a:rPr lang="ru-RU" sz="2000" b="0" strike="noStrike" spc="-1">
                 <a:solidFill>
                   <a:srgbClr val="000000"/>
                 </a:solidFill>
@@ -4939,15 +5375,9 @@
               </a:rPr>
               <a:t>Пятый уровень структуры</a:t>
             </a:r>
-            <a:endParaRPr b="0" lang="ru-RU" sz="2000" spc="-1" strike="noStrike">
-              <a:solidFill>
-                <a:srgbClr val="000000"/>
-              </a:solidFill>
-              <a:latin typeface="Arial"/>
-            </a:endParaRPr>
-          </a:p>
-          <a:p>
-            <a:pPr lvl="5" marL="2592000" indent="-216000">
+          </a:p>
+          <a:p>
+            <a:pPr marL="2592000" lvl="5" indent="-216000">
               <a:spcBef>
                 <a:spcPts val="283"/>
               </a:spcBef>
@@ -4959,7 +5389,7 @@
               <a:buChar char=""/>
             </a:pPr>
             <a:r>
-              <a:rPr b="0" lang="ru-RU" sz="2000" spc="-1" strike="noStrike">
+              <a:rPr lang="ru-RU" sz="2000" b="0" strike="noStrike" spc="-1">
                 <a:solidFill>
                   <a:srgbClr val="000000"/>
                 </a:solidFill>
@@ -4967,15 +5397,9 @@
               </a:rPr>
               <a:t>Шестой уровень структуры</a:t>
             </a:r>
-            <a:endParaRPr b="0" lang="ru-RU" sz="2000" spc="-1" strike="noStrike">
-              <a:solidFill>
-                <a:srgbClr val="000000"/>
-              </a:solidFill>
-              <a:latin typeface="Arial"/>
-            </a:endParaRPr>
-          </a:p>
-          <a:p>
-            <a:pPr lvl="6" marL="3024000" indent="-216000">
+          </a:p>
+          <a:p>
+            <a:pPr marL="3024000" lvl="6" indent="-216000">
               <a:spcBef>
                 <a:spcPts val="283"/>
               </a:spcBef>
@@ -4987,7 +5411,7 @@
               <a:buChar char=""/>
             </a:pPr>
             <a:r>
-              <a:rPr b="0" lang="ru-RU" sz="2000" spc="-1" strike="noStrike">
+              <a:rPr lang="ru-RU" sz="2000" b="0" strike="noStrike" spc="-1">
                 <a:solidFill>
                   <a:srgbClr val="000000"/>
                 </a:solidFill>
@@ -4995,43 +5419,43 @@
               </a:rPr>
               <a:t>Седьмой уровень структуры</a:t>
             </a:r>
-            <a:endParaRPr b="0" lang="ru-RU" sz="2000" spc="-1" strike="noStrike">
-              <a:solidFill>
-                <a:srgbClr val="000000"/>
-              </a:solidFill>
-              <a:latin typeface="Arial"/>
-            </a:endParaRPr>
           </a:p>
         </p:txBody>
       </p:sp>
     </p:spTree>
   </p:cSld>
-  <p:clrMap bg1="lt1" bg2="lt2" tx1="dk1" tx2="dk2" accent1="accent1" accent2="accent2" accent3="accent3" accent4="accent4" accent5="accent5" accent6="accent6" hlink="hlink" folHlink="folHlink"/>
+  <p:clrMap bg1="lt1" tx1="dk1" bg2="lt2" tx2="dk2" accent1="accent1" accent2="accent2" accent3="accent3" accent4="accent4" accent5="accent5" accent6="accent6" hlink="hlink" folHlink="folHlink"/>
   <p:sldLayoutIdLst>
-    <p:sldLayoutId id="2147483649" r:id="rId2"/>
-    <p:sldLayoutId id="2147483650" r:id="rId3"/>
-    <p:sldLayoutId id="2147483651" r:id="rId4"/>
-    <p:sldLayoutId id="2147483652" r:id="rId5"/>
-    <p:sldLayoutId id="2147483653" r:id="rId6"/>
-    <p:sldLayoutId id="2147483654" r:id="rId7"/>
-    <p:sldLayoutId id="2147483655" r:id="rId8"/>
-    <p:sldLayoutId id="2147483656" r:id="rId9"/>
-    <p:sldLayoutId id="2147483657" r:id="rId10"/>
-    <p:sldLayoutId id="2147483658" r:id="rId11"/>
-    <p:sldLayoutId id="2147483659" r:id="rId12"/>
-    <p:sldLayoutId id="2147483660" r:id="rId13"/>
+    <p:sldLayoutId id="2147483649" r:id="rId1"/>
+    <p:sldLayoutId id="2147483650" r:id="rId2"/>
+    <p:sldLayoutId id="2147483651" r:id="rId3"/>
+    <p:sldLayoutId id="2147483652" r:id="rId4"/>
+    <p:sldLayoutId id="2147483653" r:id="rId5"/>
+    <p:sldLayoutId id="2147483654" r:id="rId6"/>
+    <p:sldLayoutId id="2147483655" r:id="rId7"/>
+    <p:sldLayoutId id="2147483656" r:id="rId8"/>
+    <p:sldLayoutId id="2147483657" r:id="rId9"/>
+    <p:sldLayoutId id="2147483658" r:id="rId10"/>
+    <p:sldLayoutId id="2147483659" r:id="rId11"/>
+    <p:sldLayoutId id="2147483660" r:id="rId12"/>
   </p:sldLayoutIdLst>
+  <p:txStyles>
+    <p:titleStyle/>
+    <p:bodyStyle/>
+    <p:otherStyle/>
+  </p:txStyles>
 </p:sldMaster>
 </file>
 
 <file path=ppt/slideMasters/slideMaster2.xml><?xml version="1.0" encoding="utf-8"?>
-<p:sldMaster xmlns:a="http://schemas.openxmlformats.org/drawingml/2006/main" xmlns:p="http://schemas.openxmlformats.org/presentationml/2006/main" xmlns:r="http://schemas.openxmlformats.org/officeDocument/2006/relationships" xmlns:p14="http://schemas.microsoft.com/office/powerpoint/2010/main" xmlns:p15="http://schemas.microsoft.com/office/powerpoint/2012/main" xmlns:mc="http://schemas.openxmlformats.org/markup-compatibility/2006">
+<p:sldMaster xmlns:a="http://schemas.openxmlformats.org/drawingml/2006/main" xmlns:r="http://schemas.openxmlformats.org/officeDocument/2006/relationships" xmlns:p="http://schemas.openxmlformats.org/presentationml/2006/main">
   <p:cSld>
     <p:bg>
       <p:bgPr>
         <a:solidFill>
-          <a:srgbClr val="ffffff"/>
+          <a:srgbClr val="FFFFFF"/>
         </a:solidFill>
+        <a:effectLst/>
       </p:bgPr>
     </p:bg>
     <p:spTree>
@@ -5068,34 +5492,20 @@
           </a:prstGeom>
         </p:spPr>
         <p:txBody>
-          <a:bodyPr lIns="0" rIns="0" tIns="0" bIns="0" anchor="ctr">
+          <a:bodyPr lIns="0" tIns="0" rIns="0" bIns="0" anchor="ctr">
             <a:noAutofit/>
           </a:bodyPr>
+          <a:lstStyle/>
           <a:p>
             <a:r>
-              <a:rPr b="0" lang="ru-RU" sz="1800" spc="-1" strike="noStrike">
+              <a:rPr lang="ru-RU" sz="1800" b="0" strike="noStrike" spc="-1">
                 <a:solidFill>
                   <a:srgbClr val="000000"/>
                 </a:solidFill>
                 <a:latin typeface="Arial"/>
               </a:rPr>
-              <a:t>Для правки текста заглавия </a:t>
+              <a:t>Для правки текста заглавия щёлкните мышью</a:t>
             </a:r>
-            <a:r>
-              <a:rPr b="0" lang="ru-RU" sz="1800" spc="-1" strike="noStrike">
-                <a:solidFill>
-                  <a:srgbClr val="000000"/>
-                </a:solidFill>
-                <a:latin typeface="Arial"/>
-              </a:rPr>
-              <a:t>щёлкните мышью</a:t>
-            </a:r>
-            <a:endParaRPr b="0" lang="ru-RU" sz="1800" spc="-1" strike="noStrike">
-              <a:solidFill>
-                <a:srgbClr val="000000"/>
-              </a:solidFill>
-              <a:latin typeface="Arial"/>
-            </a:endParaRPr>
           </a:p>
         </p:txBody>
       </p:sp>
@@ -5119,9 +5529,10 @@
           </a:prstGeom>
         </p:spPr>
         <p:txBody>
-          <a:bodyPr lIns="0" rIns="0" tIns="0" bIns="0">
+          <a:bodyPr lIns="0" tIns="0" rIns="0" bIns="0">
             <a:normAutofit/>
           </a:bodyPr>
+          <a:lstStyle/>
           <a:p>
             <a:pPr marL="432000" indent="-324000">
               <a:spcBef>
@@ -5135,7 +5546,7 @@
               <a:buChar char=""/>
             </a:pPr>
             <a:r>
-              <a:rPr b="0" lang="ru-RU" sz="1800" spc="-1" strike="noStrike">
+              <a:rPr lang="ru-RU" sz="1800" b="0" strike="noStrike" spc="-1">
                 <a:solidFill>
                   <a:srgbClr val="000000"/>
                 </a:solidFill>
@@ -5143,15 +5554,9 @@
               </a:rPr>
               <a:t>Для правки структуры щёлкните мышью</a:t>
             </a:r>
-            <a:endParaRPr b="0" lang="ru-RU" sz="1800" spc="-1" strike="noStrike">
-              <a:solidFill>
-                <a:srgbClr val="000000"/>
-              </a:solidFill>
-              <a:latin typeface="Arial"/>
-            </a:endParaRPr>
-          </a:p>
-          <a:p>
-            <a:pPr lvl="1" marL="864000" indent="-324000">
+          </a:p>
+          <a:p>
+            <a:pPr marL="864000" lvl="1" indent="-324000">
               <a:spcBef>
                 <a:spcPts val="1134"/>
               </a:spcBef>
@@ -5163,7 +5568,7 @@
               <a:buChar char=""/>
             </a:pPr>
             <a:r>
-              <a:rPr b="0" lang="ru-RU" sz="1800" spc="-1" strike="noStrike">
+              <a:rPr lang="ru-RU" sz="1800" b="0" strike="noStrike" spc="-1">
                 <a:solidFill>
                   <a:srgbClr val="000000"/>
                 </a:solidFill>
@@ -5171,15 +5576,9 @@
               </a:rPr>
               <a:t>Второй уровень структуры</a:t>
             </a:r>
-            <a:endParaRPr b="0" lang="ru-RU" sz="1800" spc="-1" strike="noStrike">
-              <a:solidFill>
-                <a:srgbClr val="000000"/>
-              </a:solidFill>
-              <a:latin typeface="Arial"/>
-            </a:endParaRPr>
-          </a:p>
-          <a:p>
-            <a:pPr lvl="2" marL="1296000" indent="-288000">
+          </a:p>
+          <a:p>
+            <a:pPr marL="1296000" lvl="2" indent="-288000">
               <a:spcBef>
                 <a:spcPts val="850"/>
               </a:spcBef>
@@ -5191,7 +5590,7 @@
               <a:buChar char=""/>
             </a:pPr>
             <a:r>
-              <a:rPr b="0" lang="ru-RU" sz="1800" spc="-1" strike="noStrike">
+              <a:rPr lang="ru-RU" sz="1800" b="0" strike="noStrike" spc="-1">
                 <a:solidFill>
                   <a:srgbClr val="000000"/>
                 </a:solidFill>
@@ -5199,15 +5598,9 @@
               </a:rPr>
               <a:t>Третий уровень структуры</a:t>
             </a:r>
-            <a:endParaRPr b="0" lang="ru-RU" sz="1800" spc="-1" strike="noStrike">
-              <a:solidFill>
-                <a:srgbClr val="000000"/>
-              </a:solidFill>
-              <a:latin typeface="Arial"/>
-            </a:endParaRPr>
-          </a:p>
-          <a:p>
-            <a:pPr lvl="3" marL="1728000" indent="-216000">
+          </a:p>
+          <a:p>
+            <a:pPr marL="1728000" lvl="3" indent="-216000">
               <a:spcBef>
                 <a:spcPts val="567"/>
               </a:spcBef>
@@ -5219,7 +5612,7 @@
               <a:buChar char=""/>
             </a:pPr>
             <a:r>
-              <a:rPr b="0" lang="ru-RU" sz="1800" spc="-1" strike="noStrike">
+              <a:rPr lang="ru-RU" sz="1800" b="0" strike="noStrike" spc="-1">
                 <a:solidFill>
                   <a:srgbClr val="000000"/>
                 </a:solidFill>
@@ -5227,15 +5620,9 @@
               </a:rPr>
               <a:t>Четвёртый уровень структуры</a:t>
             </a:r>
-            <a:endParaRPr b="0" lang="ru-RU" sz="1800" spc="-1" strike="noStrike">
-              <a:solidFill>
-                <a:srgbClr val="000000"/>
-              </a:solidFill>
-              <a:latin typeface="Arial"/>
-            </a:endParaRPr>
-          </a:p>
-          <a:p>
-            <a:pPr lvl="4" marL="2160000" indent="-216000">
+          </a:p>
+          <a:p>
+            <a:pPr marL="2160000" lvl="4" indent="-216000">
               <a:spcBef>
                 <a:spcPts val="283"/>
               </a:spcBef>
@@ -5247,7 +5634,7 @@
               <a:buChar char=""/>
             </a:pPr>
             <a:r>
-              <a:rPr b="0" lang="ru-RU" sz="2000" spc="-1" strike="noStrike">
+              <a:rPr lang="ru-RU" sz="2000" b="0" strike="noStrike" spc="-1">
                 <a:solidFill>
                   <a:srgbClr val="000000"/>
                 </a:solidFill>
@@ -5255,15 +5642,9 @@
               </a:rPr>
               <a:t>Пятый уровень структуры</a:t>
             </a:r>
-            <a:endParaRPr b="0" lang="ru-RU" sz="2000" spc="-1" strike="noStrike">
-              <a:solidFill>
-                <a:srgbClr val="000000"/>
-              </a:solidFill>
-              <a:latin typeface="Arial"/>
-            </a:endParaRPr>
-          </a:p>
-          <a:p>
-            <a:pPr lvl="5" marL="2592000" indent="-216000">
+          </a:p>
+          <a:p>
+            <a:pPr marL="2592000" lvl="5" indent="-216000">
               <a:spcBef>
                 <a:spcPts val="283"/>
               </a:spcBef>
@@ -5275,7 +5656,7 @@
               <a:buChar char=""/>
             </a:pPr>
             <a:r>
-              <a:rPr b="0" lang="ru-RU" sz="2000" spc="-1" strike="noStrike">
+              <a:rPr lang="ru-RU" sz="2000" b="0" strike="noStrike" spc="-1">
                 <a:solidFill>
                   <a:srgbClr val="000000"/>
                 </a:solidFill>
@@ -5283,15 +5664,9 @@
               </a:rPr>
               <a:t>Шестой уровень структуры</a:t>
             </a:r>
-            <a:endParaRPr b="0" lang="ru-RU" sz="2000" spc="-1" strike="noStrike">
-              <a:solidFill>
-                <a:srgbClr val="000000"/>
-              </a:solidFill>
-              <a:latin typeface="Arial"/>
-            </a:endParaRPr>
-          </a:p>
-          <a:p>
-            <a:pPr lvl="6" marL="3024000" indent="-216000">
+          </a:p>
+          <a:p>
+            <a:pPr marL="3024000" lvl="6" indent="-216000">
               <a:spcBef>
                 <a:spcPts val="283"/>
               </a:spcBef>
@@ -5303,7 +5678,7 @@
               <a:buChar char=""/>
             </a:pPr>
             <a:r>
-              <a:rPr b="0" lang="ru-RU" sz="2000" spc="-1" strike="noStrike">
+              <a:rPr lang="ru-RU" sz="2000" b="0" strike="noStrike" spc="-1">
                 <a:solidFill>
                   <a:srgbClr val="000000"/>
                 </a:solidFill>
@@ -5311,37 +5686,36 @@
               </a:rPr>
               <a:t>Седьмой уровень структуры</a:t>
             </a:r>
-            <a:endParaRPr b="0" lang="ru-RU" sz="2000" spc="-1" strike="noStrike">
-              <a:solidFill>
-                <a:srgbClr val="000000"/>
-              </a:solidFill>
-              <a:latin typeface="Arial"/>
-            </a:endParaRPr>
           </a:p>
         </p:txBody>
       </p:sp>
     </p:spTree>
   </p:cSld>
-  <p:clrMap bg1="lt1" bg2="lt2" tx1="dk1" tx2="dk2" accent1="accent1" accent2="accent2" accent3="accent3" accent4="accent4" accent5="accent5" accent6="accent6" hlink="hlink" folHlink="folHlink"/>
+  <p:clrMap bg1="lt1" tx1="dk1" bg2="lt2" tx2="dk2" accent1="accent1" accent2="accent2" accent3="accent3" accent4="accent4" accent5="accent5" accent6="accent6" hlink="hlink" folHlink="folHlink"/>
   <p:sldLayoutIdLst>
-    <p:sldLayoutId id="2147483662" r:id="rId2"/>
-    <p:sldLayoutId id="2147483663" r:id="rId3"/>
-    <p:sldLayoutId id="2147483664" r:id="rId4"/>
-    <p:sldLayoutId id="2147483665" r:id="rId5"/>
-    <p:sldLayoutId id="2147483666" r:id="rId6"/>
-    <p:sldLayoutId id="2147483667" r:id="rId7"/>
-    <p:sldLayoutId id="2147483668" r:id="rId8"/>
-    <p:sldLayoutId id="2147483669" r:id="rId9"/>
-    <p:sldLayoutId id="2147483670" r:id="rId10"/>
-    <p:sldLayoutId id="2147483671" r:id="rId11"/>
-    <p:sldLayoutId id="2147483672" r:id="rId12"/>
-    <p:sldLayoutId id="2147483673" r:id="rId13"/>
+    <p:sldLayoutId id="2147483662" r:id="rId1"/>
+    <p:sldLayoutId id="2147483663" r:id="rId2"/>
+    <p:sldLayoutId id="2147483664" r:id="rId3"/>
+    <p:sldLayoutId id="2147483665" r:id="rId4"/>
+    <p:sldLayoutId id="2147483666" r:id="rId5"/>
+    <p:sldLayoutId id="2147483667" r:id="rId6"/>
+    <p:sldLayoutId id="2147483668" r:id="rId7"/>
+    <p:sldLayoutId id="2147483669" r:id="rId8"/>
+    <p:sldLayoutId id="2147483670" r:id="rId9"/>
+    <p:sldLayoutId id="2147483671" r:id="rId10"/>
+    <p:sldLayoutId id="2147483672" r:id="rId11"/>
+    <p:sldLayoutId id="2147483673" r:id="rId12"/>
   </p:sldLayoutIdLst>
+  <p:txStyles>
+    <p:titleStyle/>
+    <p:bodyStyle/>
+    <p:otherStyle/>
+  </p:txStyles>
 </p:sldMaster>
 </file>
 
 <file path=ppt/slides/slide1.xml><?xml version="1.0" encoding="utf-8"?>
-<p:sld xmlns:a="http://schemas.openxmlformats.org/drawingml/2006/main" xmlns:p="http://schemas.openxmlformats.org/presentationml/2006/main" xmlns:r="http://schemas.openxmlformats.org/officeDocument/2006/relationships" xmlns:p14="http://schemas.microsoft.com/office/powerpoint/2010/main" xmlns:p15="http://schemas.microsoft.com/office/powerpoint/2012/main" xmlns:mc="http://schemas.openxmlformats.org/markup-compatibility/2006">
+<p:sld xmlns:a="http://schemas.openxmlformats.org/drawingml/2006/main" xmlns:r="http://schemas.openxmlformats.org/officeDocument/2006/relationships" xmlns:p="http://schemas.openxmlformats.org/presentationml/2006/main">
   <p:cSld>
     <p:spTree>
       <p:nvGrpSpPr>
@@ -5377,15 +5751,22 @@
           </a:ln>
         </p:spPr>
         <p:style>
-          <a:lnRef idx="0"/>
-          <a:fillRef idx="0"/>
-          <a:effectRef idx="0"/>
+          <a:lnRef idx="0">
+            <a:scrgbClr r="0" g="0" b="0"/>
+          </a:lnRef>
+          <a:fillRef idx="0">
+            <a:scrgbClr r="0" g="0" b="0"/>
+          </a:fillRef>
+          <a:effectRef idx="0">
+            <a:scrgbClr r="0" g="0" b="0"/>
+          </a:effectRef>
           <a:fontRef idx="minor"/>
         </p:style>
         <p:txBody>
-          <a:bodyPr lIns="90000" rIns="90000" tIns="45000" bIns="45000" anchor="ctr">
-            <a:normAutofit fontScale="73000"/>
-          </a:bodyPr>
+          <a:bodyPr lIns="90000" tIns="45000" rIns="90000" bIns="45000" anchor="ctr">
+            <a:normAutofit fontScale="73000" lnSpcReduction="10000"/>
+          </a:bodyPr>
+          <a:lstStyle/>
           <a:p>
             <a:pPr algn="ctr">
               <a:lnSpc>
@@ -5393,7 +5774,7 @@
               </a:lnSpc>
             </a:pPr>
             <a:r>
-              <a:rPr b="0" lang="ru-RU" sz="4400" spc="-1" strike="noStrike">
+              <a:rPr lang="ru-RU" sz="4400" b="0" strike="noStrike" spc="-1">
                 <a:solidFill>
                   <a:srgbClr val="000000"/>
                 </a:solidFill>
@@ -5402,7 +5783,7 @@
               </a:rPr>
               <a:t>Временные адаптивные алгоритмы пространственной фильтрации в линейных МР</a:t>
             </a:r>
-            <a:endParaRPr b="0" lang="ru-RU" sz="4400" spc="-1" strike="noStrike">
+            <a:endParaRPr lang="ru-RU" sz="4400" b="0" strike="noStrike" spc="-1">
               <a:latin typeface="Arial"/>
             </a:endParaRPr>
           </a:p>
@@ -5428,9 +5809,15 @@
           </a:ln>
         </p:spPr>
         <p:style>
-          <a:lnRef idx="0"/>
-          <a:fillRef idx="0"/>
-          <a:effectRef idx="0"/>
+          <a:lnRef idx="0">
+            <a:scrgbClr r="0" g="0" b="0"/>
+          </a:lnRef>
+          <a:fillRef idx="0">
+            <a:scrgbClr r="0" g="0" b="0"/>
+          </a:fillRef>
+          <a:effectRef idx="0">
+            <a:scrgbClr r="0" g="0" b="0"/>
+          </a:effectRef>
           <a:fontRef idx="minor"/>
         </p:style>
       </p:sp>
@@ -5442,7 +5829,7 @@
         </p:nvGraphicFramePr>
         <p:xfrm>
           <a:off x="2627640" y="5445360"/>
-          <a:ext cx="6516000" cy="25920"/>
+          <a:ext cx="6516000" cy="1097280"/>
         </p:xfrm>
         <a:graphic>
           <a:graphicData uri="http://schemas.openxmlformats.org/drawingml/2006/table">
@@ -5456,9 +5843,8 @@
               <a:tr h="425160">
                 <a:tc>
                   <a:txBody>
-                    <a:bodyPr lIns="68400" rIns="68400" tIns="0" bIns="0">
-                      <a:noAutofit/>
-                    </a:bodyPr>
+                    <a:bodyPr/>
+                    <a:lstStyle/>
                     <a:p>
                       <a:pPr>
                         <a:lnSpc>
@@ -5469,7 +5855,7 @@
                         </a:spcAft>
                       </a:pPr>
                       <a:r>
-                        <a:rPr b="0" lang="ru-RU" sz="2000" spc="-1" strike="noStrike">
+                        <a:rPr lang="ru-RU" sz="2000" b="0" strike="noStrike" spc="-1">
                           <a:solidFill>
                             <a:srgbClr val="000000"/>
                           </a:solidFill>
@@ -5477,7 +5863,7 @@
                         </a:rPr>
                         <a:t>Обучающийся:</a:t>
                       </a:r>
-                      <a:endParaRPr b="0" lang="ru-RU" sz="2000" spc="-1" strike="noStrike">
+                      <a:endParaRPr lang="ru-RU" sz="2000" b="0" strike="noStrike" spc="-1">
                         <a:latin typeface="Arial"/>
                       </a:endParaRPr>
                     </a:p>
@@ -5500,9 +5886,8 @@
                 </a:tc>
                 <a:tc>
                   <a:txBody>
-                    <a:bodyPr lIns="68400" rIns="68400" tIns="0" bIns="0">
-                      <a:noAutofit/>
-                    </a:bodyPr>
+                    <a:bodyPr/>
+                    <a:lstStyle/>
                     <a:p>
                       <a:pPr>
                         <a:lnSpc>
@@ -5513,7 +5898,7 @@
                         </a:spcAft>
                       </a:pPr>
                       <a:r>
-                        <a:rPr b="0" lang="ru-RU" sz="2000" spc="-1" strike="noStrike">
+                        <a:rPr lang="ru-RU" sz="2000" b="0" strike="noStrike" spc="-1">
                           <a:solidFill>
                             <a:srgbClr val="000000"/>
                           </a:solidFill>
@@ -5521,7 +5906,7 @@
                         </a:rPr>
                         <a:t> </a:t>
                       </a:r>
-                      <a:endParaRPr b="0" lang="ru-RU" sz="2000" spc="-1" strike="noStrike">
+                      <a:endParaRPr lang="ru-RU" sz="2000" b="0" strike="noStrike" spc="-1">
                         <a:latin typeface="Arial"/>
                       </a:endParaRPr>
                     </a:p>
@@ -5544,9 +5929,8 @@
                 </a:tc>
                 <a:tc>
                   <a:txBody>
-                    <a:bodyPr lIns="68400" rIns="68400" tIns="0" bIns="0">
-                      <a:noAutofit/>
-                    </a:bodyPr>
+                    <a:bodyPr/>
+                    <a:lstStyle/>
                     <a:p>
                       <a:pPr>
                         <a:lnSpc>
@@ -5557,7 +5941,7 @@
                         </a:spcAft>
                       </a:pPr>
                       <a:r>
-                        <a:rPr b="0" lang="ru-RU" sz="2000" spc="-1" strike="noStrike">
+                        <a:rPr lang="ru-RU" sz="2000" b="0" strike="noStrike" spc="-1">
                           <a:solidFill>
                             <a:srgbClr val="000000"/>
                           </a:solidFill>
@@ -5566,7 +5950,7 @@
                         </a:rPr>
                         <a:t>Усиков Д.А.</a:t>
                       </a:r>
-                      <a:endParaRPr b="0" lang="ru-RU" sz="2000" spc="-1" strike="noStrike">
+                      <a:endParaRPr lang="ru-RU" sz="2000" b="0" strike="noStrike" spc="-1">
                         <a:latin typeface="Arial"/>
                       </a:endParaRPr>
                     </a:p>
@@ -5591,9 +5975,8 @@
               <a:tr h="425160">
                 <a:tc>
                   <a:txBody>
-                    <a:bodyPr lIns="68400" rIns="68400" tIns="0" bIns="0">
-                      <a:noAutofit/>
-                    </a:bodyPr>
+                    <a:bodyPr/>
+                    <a:lstStyle/>
                     <a:p>
                       <a:pPr>
                         <a:lnSpc>
@@ -5604,7 +5987,7 @@
                         </a:spcAft>
                       </a:pPr>
                       <a:r>
-                        <a:rPr b="0" lang="ru-RU" sz="2000" spc="-1" strike="noStrike">
+                        <a:rPr lang="ru-RU" sz="2000" b="0" strike="noStrike" spc="-1">
                           <a:solidFill>
                             <a:srgbClr val="000000"/>
                           </a:solidFill>
@@ -5612,7 +5995,7 @@
                         </a:rPr>
                         <a:t>Руководитель:</a:t>
                       </a:r>
-                      <a:endParaRPr b="0" lang="ru-RU" sz="2000" spc="-1" strike="noStrike">
+                      <a:endParaRPr lang="ru-RU" sz="2000" b="0" strike="noStrike" spc="-1">
                         <a:latin typeface="Arial"/>
                       </a:endParaRPr>
                     </a:p>
@@ -5635,9 +6018,8 @@
                 </a:tc>
                 <a:tc>
                   <a:txBody>
-                    <a:bodyPr lIns="68400" rIns="68400" tIns="0" bIns="0">
-                      <a:noAutofit/>
-                    </a:bodyPr>
+                    <a:bodyPr/>
+                    <a:lstStyle/>
                     <a:p>
                       <a:pPr>
                         <a:lnSpc>
@@ -5648,7 +6030,7 @@
                         </a:spcAft>
                       </a:pPr>
                       <a:r>
-                        <a:rPr b="0" lang="ru-RU" sz="2000" spc="-1" strike="noStrike">
+                        <a:rPr lang="ru-RU" sz="2000" b="0" strike="noStrike" spc="-1">
                           <a:solidFill>
                             <a:srgbClr val="000000"/>
                           </a:solidFill>
@@ -5656,7 +6038,7 @@
                         </a:rPr>
                         <a:t>д. ф.-м. н, проф.</a:t>
                       </a:r>
-                      <a:endParaRPr b="0" lang="ru-RU" sz="2000" spc="-1" strike="noStrike">
+                      <a:endParaRPr lang="ru-RU" sz="2000" b="0" strike="noStrike" spc="-1">
                         <a:latin typeface="Arial"/>
                       </a:endParaRPr>
                     </a:p>
@@ -5679,9 +6061,8 @@
                 </a:tc>
                 <a:tc>
                   <a:txBody>
-                    <a:bodyPr lIns="68400" rIns="68400" tIns="0" bIns="0">
-                      <a:noAutofit/>
-                    </a:bodyPr>
+                    <a:bodyPr/>
+                    <a:lstStyle/>
                     <a:p>
                       <a:pPr>
                         <a:lnSpc>
@@ -5692,7 +6073,7 @@
                         </a:spcAft>
                       </a:pPr>
                       <a:r>
-                        <a:rPr b="0" lang="ru-RU" sz="2000" spc="-1" strike="noStrike">
+                        <a:rPr lang="ru-RU" sz="2000" b="0" strike="noStrike" spc="-1">
                           <a:solidFill>
                             <a:srgbClr val="000000"/>
                           </a:solidFill>
@@ -5700,7 +6081,7 @@
                         </a:rPr>
                         <a:t>Аверина Л. И.</a:t>
                       </a:r>
-                      <a:endParaRPr b="0" lang="ru-RU" sz="2000" spc="-1" strike="noStrike">
+                      <a:endParaRPr lang="ru-RU" sz="2000" b="0" strike="noStrike" spc="-1">
                         <a:latin typeface="Arial"/>
                       </a:endParaRPr>
                     </a:p>
@@ -5728,11 +6109,14 @@
       </p:graphicFrame>
     </p:spTree>
   </p:cSld>
-  <mc:AlternateContent>
+  <p:clrMapOvr>
+    <a:masterClrMapping/>
+  </p:clrMapOvr>
+  <mc:AlternateContent xmlns:mc="http://schemas.openxmlformats.org/markup-compatibility/2006" xmlns:p14="http://schemas.microsoft.com/office/powerpoint/2010/main">
     <mc:Choice Requires="p14">
       <p:transition spd="slow" p14:dur="2000"/>
     </mc:Choice>
-    <mc:Fallback>
+    <mc:Fallback xmlns:p15="http://schemas.microsoft.com/office/powerpoint/2012/main" xmlns="">
       <p:transition spd="slow"/>
     </mc:Fallback>
   </mc:AlternateContent>
@@ -5740,7 +6124,7 @@
 </file>
 
 <file path=ppt/slides/slide10.xml><?xml version="1.0" encoding="utf-8"?>
-<p:sld xmlns:a="http://schemas.openxmlformats.org/drawingml/2006/main" xmlns:p="http://schemas.openxmlformats.org/presentationml/2006/main" xmlns:r="http://schemas.openxmlformats.org/officeDocument/2006/relationships" xmlns:p14="http://schemas.microsoft.com/office/powerpoint/2010/main" xmlns:p15="http://schemas.microsoft.com/office/powerpoint/2012/main" xmlns:mc="http://schemas.openxmlformats.org/markup-compatibility/2006">
+<p:sld xmlns:a="http://schemas.openxmlformats.org/drawingml/2006/main" xmlns:r="http://schemas.openxmlformats.org/officeDocument/2006/relationships" xmlns:p="http://schemas.openxmlformats.org/presentationml/2006/main">
   <p:cSld>
     <p:spTree>
       <p:nvGrpSpPr>
@@ -5776,15 +6160,22 @@
           </a:ln>
         </p:spPr>
         <p:style>
-          <a:lnRef idx="0"/>
-          <a:fillRef idx="0"/>
-          <a:effectRef idx="0"/>
+          <a:lnRef idx="0">
+            <a:scrgbClr r="0" g="0" b="0"/>
+          </a:lnRef>
+          <a:fillRef idx="0">
+            <a:scrgbClr r="0" g="0" b="0"/>
+          </a:fillRef>
+          <a:effectRef idx="0">
+            <a:scrgbClr r="0" g="0" b="0"/>
+          </a:effectRef>
           <a:fontRef idx="minor"/>
         </p:style>
         <p:txBody>
-          <a:bodyPr lIns="90000" rIns="90000" tIns="45000" bIns="45000" anchor="ctr">
+          <a:bodyPr lIns="90000" tIns="45000" rIns="90000" bIns="45000" anchor="ctr">
             <a:noAutofit/>
           </a:bodyPr>
+          <a:lstStyle/>
           <a:p>
             <a:pPr algn="ctr">
               <a:lnSpc>
@@ -5792,7 +6183,7 @@
               </a:lnSpc>
             </a:pPr>
             <a:r>
-              <a:rPr b="0" lang="ru-RU" sz="4400" spc="-1" strike="noStrike">
+              <a:rPr lang="ru-RU" sz="4400" b="0" strike="noStrike" spc="-1">
                 <a:solidFill>
                   <a:srgbClr val="000000"/>
                 </a:solidFill>
@@ -5801,7 +6192,7 @@
               </a:rPr>
               <a:t>Результаты моделирования</a:t>
             </a:r>
-            <a:endParaRPr b="0" lang="ru-RU" sz="4400" spc="-1" strike="noStrike">
+            <a:endParaRPr lang="ru-RU" sz="4400" b="0" strike="noStrike" spc="-1">
               <a:latin typeface="Arial"/>
             </a:endParaRPr>
           </a:p>
@@ -5827,9 +6218,15 @@
           </a:ln>
         </p:spPr>
         <p:style>
-          <a:lnRef idx="0"/>
-          <a:fillRef idx="0"/>
-          <a:effectRef idx="0"/>
+          <a:lnRef idx="0">
+            <a:scrgbClr r="0" g="0" b="0"/>
+          </a:lnRef>
+          <a:fillRef idx="0">
+            <a:scrgbClr r="0" g="0" b="0"/>
+          </a:fillRef>
+          <a:effectRef idx="0">
+            <a:scrgbClr r="0" g="0" b="0"/>
+          </a:effectRef>
           <a:fontRef idx="minor"/>
         </p:style>
       </p:sp>
@@ -5853,15 +6250,22 @@
           </a:ln>
         </p:spPr>
         <p:style>
-          <a:lnRef idx="0"/>
-          <a:fillRef idx="0"/>
-          <a:effectRef idx="0"/>
+          <a:lnRef idx="0">
+            <a:scrgbClr r="0" g="0" b="0"/>
+          </a:lnRef>
+          <a:fillRef idx="0">
+            <a:scrgbClr r="0" g="0" b="0"/>
+          </a:fillRef>
+          <a:effectRef idx="0">
+            <a:scrgbClr r="0" g="0" b="0"/>
+          </a:effectRef>
           <a:fontRef idx="minor"/>
         </p:style>
         <p:txBody>
-          <a:bodyPr lIns="90000" rIns="90000" tIns="45000" bIns="45000">
+          <a:bodyPr lIns="90000" tIns="45000" rIns="90000" bIns="45000">
             <a:spAutoFit/>
           </a:bodyPr>
+          <a:lstStyle/>
           <a:p>
             <a:pPr algn="ctr">
               <a:lnSpc>
@@ -5869,16 +6273,16 @@
               </a:lnSpc>
             </a:pPr>
             <a:fld id="{2665ED78-8644-453D-A93E-F0B558D1E4AF}" type="slidenum">
-              <a:rPr b="0" lang="ru-RU" sz="2400" spc="-1" strike="noStrike">
+              <a:rPr lang="ru-RU" sz="2400" b="0" strike="noStrike" spc="-1">
                 <a:solidFill>
                   <a:srgbClr val="000000"/>
                 </a:solidFill>
                 <a:latin typeface="Arial"/>
                 <a:ea typeface="DejaVu Sans"/>
               </a:rPr>
-              <a:t>9</a:t>
+              <a:t>10</a:t>
             </a:fld>
-            <a:endParaRPr b="0" lang="ru-RU" sz="2400" spc="-1" strike="noStrike">
+            <a:endParaRPr lang="ru-RU" sz="2400" b="0" strike="noStrike" spc="-1" dirty="0">
               <a:latin typeface="Arial"/>
             </a:endParaRPr>
           </a:p>
@@ -5886,53 +6290,7 @@
       </p:sp>
       <p:pic>
         <p:nvPicPr>
-          <p:cNvPr id="149" name="" descr=""/>
-          <p:cNvPicPr/>
-          <p:nvPr/>
-        </p:nvPicPr>
-        <p:blipFill>
-          <a:blip r:embed="rId1"/>
-          <a:stretch/>
-        </p:blipFill>
-        <p:spPr>
-          <a:xfrm>
-            <a:off x="648000" y="1411920"/>
-            <a:ext cx="3508200" cy="2548080"/>
-          </a:xfrm>
-          <a:prstGeom prst="rect">
-            <a:avLst/>
-          </a:prstGeom>
-          <a:ln>
-            <a:noFill/>
-          </a:ln>
-        </p:spPr>
-      </p:pic>
-      <p:pic>
-        <p:nvPicPr>
-          <p:cNvPr id="150" name="" descr=""/>
-          <p:cNvPicPr/>
-          <p:nvPr/>
-        </p:nvPicPr>
-        <p:blipFill>
-          <a:blip r:embed="rId2"/>
-          <a:stretch/>
-        </p:blipFill>
-        <p:spPr>
-          <a:xfrm>
-            <a:off x="656640" y="4207680"/>
-            <a:ext cx="3508200" cy="2560320"/>
-          </a:xfrm>
-          <a:prstGeom prst="rect">
-            <a:avLst/>
-          </a:prstGeom>
-          <a:ln>
-            <a:noFill/>
-          </a:ln>
-        </p:spPr>
-      </p:pic>
-      <p:pic>
-        <p:nvPicPr>
-          <p:cNvPr id="151" name="" descr=""/>
+          <p:cNvPr id="149" name="Рисунок 148"/>
           <p:cNvPicPr/>
           <p:nvPr/>
         </p:nvPicPr>
@@ -5942,8 +6300,8 @@
         </p:blipFill>
         <p:spPr>
           <a:xfrm>
-            <a:off x="4896000" y="1404000"/>
-            <a:ext cx="3374280" cy="2628000"/>
+            <a:off x="648000" y="1411920"/>
+            <a:ext cx="3508200" cy="2548080"/>
           </a:xfrm>
           <a:prstGeom prst="rect">
             <a:avLst/>
@@ -5955,7 +6313,7 @@
       </p:pic>
       <p:pic>
         <p:nvPicPr>
-          <p:cNvPr id="152" name="" descr=""/>
+          <p:cNvPr id="150" name="Рисунок 149"/>
           <p:cNvPicPr/>
           <p:nvPr/>
         </p:nvPicPr>
@@ -5965,6 +6323,52 @@
         </p:blipFill>
         <p:spPr>
           <a:xfrm>
+            <a:off x="656640" y="4207680"/>
+            <a:ext cx="3508200" cy="2560320"/>
+          </a:xfrm>
+          <a:prstGeom prst="rect">
+            <a:avLst/>
+          </a:prstGeom>
+          <a:ln>
+            <a:noFill/>
+          </a:ln>
+        </p:spPr>
+      </p:pic>
+      <p:pic>
+        <p:nvPicPr>
+          <p:cNvPr id="151" name="Рисунок 150"/>
+          <p:cNvPicPr/>
+          <p:nvPr/>
+        </p:nvPicPr>
+        <p:blipFill>
+          <a:blip r:embed="rId5"/>
+          <a:stretch/>
+        </p:blipFill>
+        <p:spPr>
+          <a:xfrm>
+            <a:off x="4896000" y="1404000"/>
+            <a:ext cx="3374280" cy="2628000"/>
+          </a:xfrm>
+          <a:prstGeom prst="rect">
+            <a:avLst/>
+          </a:prstGeom>
+          <a:ln>
+            <a:noFill/>
+          </a:ln>
+        </p:spPr>
+      </p:pic>
+      <p:pic>
+        <p:nvPicPr>
+          <p:cNvPr id="152" name="Рисунок 151"/>
+          <p:cNvPicPr/>
+          <p:nvPr/>
+        </p:nvPicPr>
+        <p:blipFill>
+          <a:blip r:embed="rId6"/>
+          <a:stretch/>
+        </p:blipFill>
+        <p:spPr>
+          <a:xfrm>
             <a:off x="4896000" y="4248000"/>
             <a:ext cx="3530520" cy="2556000"/>
           </a:xfrm>
@@ -5996,20 +6400,18 @@
           </a:ln>
         </p:spPr>
         <p:txBody>
-          <a:bodyPr lIns="90000" rIns="90000" tIns="45000" bIns="45000">
+          <a:bodyPr lIns="90000" tIns="45000" rIns="90000" bIns="45000">
             <a:noAutofit/>
           </a:bodyPr>
+          <a:lstStyle/>
           <a:p>
             <a:pPr algn="ctr"/>
             <a:r>
-              <a:rPr b="0" lang="ru-RU" sz="1400" spc="-1" strike="noStrike">
+              <a:rPr lang="ru-RU" sz="1400" b="0" strike="noStrike" spc="-1">
                 <a:latin typeface="Arial"/>
               </a:rPr>
               <a:t>Выигрыш в ОСШ от порядка фильра</a:t>
             </a:r>
-            <a:endParaRPr b="0" lang="ru-RU" sz="1400" spc="-1" strike="noStrike">
-              <a:latin typeface="Arial"/>
-            </a:endParaRPr>
           </a:p>
         </p:txBody>
       </p:sp>
@@ -6033,20 +6435,18 @@
           </a:ln>
         </p:spPr>
         <p:txBody>
-          <a:bodyPr lIns="90000" rIns="90000" tIns="45000" bIns="45000">
+          <a:bodyPr lIns="90000" tIns="45000" rIns="90000" bIns="45000">
             <a:noAutofit/>
           </a:bodyPr>
+          <a:lstStyle/>
           <a:p>
             <a:pPr algn="ctr"/>
             <a:r>
-              <a:rPr b="0" lang="ru-RU" sz="1400" spc="-1" strike="noStrike">
+              <a:rPr lang="ru-RU" sz="1400" b="0" strike="noStrike" spc="-1">
                 <a:latin typeface="Arial"/>
               </a:rPr>
               <a:t>Оценка PESQ от порядка фильтра</a:t>
             </a:r>
-            <a:endParaRPr b="0" lang="ru-RU" sz="1400" spc="-1" strike="noStrike">
-              <a:latin typeface="Arial"/>
-            </a:endParaRPr>
           </a:p>
         </p:txBody>
       </p:sp>
@@ -6070,20 +6470,18 @@
           </a:ln>
         </p:spPr>
         <p:txBody>
-          <a:bodyPr lIns="90000" rIns="90000" tIns="45000" bIns="45000">
+          <a:bodyPr lIns="90000" tIns="45000" rIns="90000" bIns="45000">
             <a:noAutofit/>
           </a:bodyPr>
+          <a:lstStyle/>
           <a:p>
             <a:pPr algn="ctr"/>
             <a:r>
-              <a:rPr b="0" lang="ru-RU" sz="1400" spc="-1" strike="noStrike">
+              <a:rPr lang="ru-RU" sz="1400" b="0" strike="noStrike" spc="-1">
                 <a:latin typeface="Arial"/>
               </a:rPr>
               <a:t>Выигрыш в ОСШ от числа микрофонов</a:t>
             </a:r>
-            <a:endParaRPr b="0" lang="ru-RU" sz="1400" spc="-1" strike="noStrike">
-              <a:latin typeface="Arial"/>
-            </a:endParaRPr>
           </a:p>
         </p:txBody>
       </p:sp>
@@ -6107,9 +6505,10 @@
           </a:ln>
         </p:spPr>
         <p:txBody>
-          <a:bodyPr lIns="90000" rIns="90000" tIns="45000" bIns="45000">
+          <a:bodyPr lIns="90000" tIns="45000" rIns="90000" bIns="45000">
             <a:noAutofit/>
           </a:bodyPr>
+          <a:lstStyle/>
           <a:p>
             <a:pPr algn="ctr">
               <a:lnSpc>
@@ -6117,31 +6516,31 @@
               </a:lnSpc>
             </a:pPr>
             <a:r>
-              <a:rPr b="0" lang="ru-RU" sz="1400" spc="-1" strike="noStrike">
+              <a:rPr lang="ru-RU" sz="1400" b="0" strike="noStrike" spc="-1">
                 <a:latin typeface="Arial"/>
                 <a:ea typeface="Noto Sans CJK SC"/>
               </a:rPr>
               <a:t>Оценка PESQ </a:t>
             </a:r>
             <a:r>
-              <a:rPr b="0" lang="ru-RU" sz="1400" spc="-1" strike="noStrike">
+              <a:rPr lang="ru-RU" sz="1400" b="0" strike="noStrike" spc="-1">
                 <a:latin typeface="Arial"/>
               </a:rPr>
               <a:t>от числа микрофонов</a:t>
             </a:r>
-            <a:endParaRPr b="0" lang="ru-RU" sz="1400" spc="-1" strike="noStrike">
-              <a:latin typeface="Arial"/>
-            </a:endParaRPr>
           </a:p>
         </p:txBody>
       </p:sp>
     </p:spTree>
   </p:cSld>
-  <mc:AlternateContent>
+  <p:clrMapOvr>
+    <a:masterClrMapping/>
+  </p:clrMapOvr>
+  <mc:AlternateContent xmlns:mc="http://schemas.openxmlformats.org/markup-compatibility/2006" xmlns:p14="http://schemas.microsoft.com/office/powerpoint/2010/main">
     <mc:Choice Requires="p14">
       <p:transition spd="slow" p14:dur="2000"/>
     </mc:Choice>
-    <mc:Fallback>
+    <mc:Fallback xmlns:p15="http://schemas.microsoft.com/office/powerpoint/2012/main" xmlns="">
       <p:transition spd="slow"/>
     </mc:Fallback>
   </mc:AlternateContent>
@@ -6149,7 +6548,7 @@
 </file>
 
 <file path=ppt/slides/slide11.xml><?xml version="1.0" encoding="utf-8"?>
-<p:sld xmlns:a="http://schemas.openxmlformats.org/drawingml/2006/main" xmlns:p="http://schemas.openxmlformats.org/presentationml/2006/main" xmlns:r="http://schemas.openxmlformats.org/officeDocument/2006/relationships" xmlns:p14="http://schemas.microsoft.com/office/powerpoint/2010/main" xmlns:p15="http://schemas.microsoft.com/office/powerpoint/2012/main" xmlns:mc="http://schemas.openxmlformats.org/markup-compatibility/2006">
+<p:sld xmlns:a="http://schemas.openxmlformats.org/drawingml/2006/main" xmlns:r="http://schemas.openxmlformats.org/officeDocument/2006/relationships" xmlns:p="http://schemas.openxmlformats.org/presentationml/2006/main">
   <p:cSld>
     <p:spTree>
       <p:nvGrpSpPr>
@@ -6167,14 +6566,14 @@
       </p:grpSpPr>
       <p:sp>
         <p:nvSpPr>
-          <p:cNvPr id="157" name="CustomShape 1"/>
+          <p:cNvPr id="146" name="CustomShape 1"/>
           <p:cNvSpPr/>
           <p:nvPr/>
         </p:nvSpPr>
         <p:spPr>
           <a:xfrm>
-            <a:off x="457200" y="1600200"/>
-            <a:ext cx="8220600" cy="4516920"/>
+            <a:off x="457200" y="90000"/>
+            <a:ext cx="8220600" cy="1134000"/>
           </a:xfrm>
           <a:prstGeom prst="rect">
             <a:avLst/>
@@ -6185,121 +6584,148 @@
           </a:ln>
         </p:spPr>
         <p:style>
-          <a:lnRef idx="0"/>
-          <a:fillRef idx="0"/>
-          <a:effectRef idx="0"/>
+          <a:lnRef idx="0">
+            <a:scrgbClr r="0" g="0" b="0"/>
+          </a:lnRef>
+          <a:fillRef idx="0">
+            <a:scrgbClr r="0" g="0" b="0"/>
+          </a:fillRef>
+          <a:effectRef idx="0">
+            <a:scrgbClr r="0" g="0" b="0"/>
+          </a:effectRef>
           <a:fontRef idx="minor"/>
         </p:style>
         <p:txBody>
-          <a:bodyPr lIns="90000" rIns="90000" tIns="45000" bIns="45000">
+          <a:bodyPr lIns="90000" tIns="45000" rIns="90000" bIns="45000" anchor="ctr">
             <a:noAutofit/>
           </a:bodyPr>
-          <a:p>
-            <a:pPr marL="343080" indent="-334080">
-              <a:lnSpc>
-                <a:spcPct val="100000"/>
-              </a:lnSpc>
-              <a:spcBef>
-                <a:spcPts val="641"/>
-              </a:spcBef>
-              <a:buClr>
-                <a:srgbClr val="000000"/>
-              </a:buClr>
-              <a:buFont typeface="Arial"/>
-              <a:buChar char="•"/>
-            </a:pPr>
-            <a:endParaRPr b="0" lang="ru-RU" sz="6400" spc="-1" strike="noStrike">
-              <a:latin typeface="Arial"/>
-            </a:endParaRPr>
-          </a:p>
-          <a:p>
-            <a:pPr marL="343080" indent="-334080">
-              <a:lnSpc>
-                <a:spcPct val="100000"/>
-              </a:lnSpc>
-              <a:spcBef>
-                <a:spcPts val="641"/>
-              </a:spcBef>
-              <a:buClr>
-                <a:srgbClr val="000000"/>
-              </a:buClr>
-              <a:buFont typeface="Arial"/>
-              <a:buChar char="•"/>
-            </a:pPr>
-            <a:r>
-              <a:rPr b="0" lang="ru-RU" sz="6400" spc="-1" strike="noStrike">
-                <a:solidFill>
-                  <a:srgbClr val="000000"/>
-                </a:solidFill>
-                <a:latin typeface="Calibri"/>
-                <a:ea typeface="DejaVu Sans"/>
-              </a:rPr>
-              <a:t>Спасибо за внимание</a:t>
-            </a:r>
-            <a:endParaRPr b="0" lang="ru-RU" sz="6400" spc="-1" strike="noStrike">
-              <a:latin typeface="Arial"/>
-            </a:endParaRPr>
-          </a:p>
-        </p:txBody>
-      </p:sp>
-      <p:sp>
-        <p:nvSpPr>
-          <p:cNvPr id="158" name="CustomShape 2"/>
-          <p:cNvSpPr/>
-          <p:nvPr/>
-        </p:nvSpPr>
-        <p:spPr>
-          <a:xfrm>
-            <a:off x="8460360" y="0"/>
-            <a:ext cx="683280" cy="456120"/>
-          </a:xfrm>
-          <a:prstGeom prst="rect">
-            <a:avLst/>
-          </a:prstGeom>
-          <a:noFill/>
-          <a:ln>
-            <a:noFill/>
-          </a:ln>
-        </p:spPr>
-        <p:style>
-          <a:lnRef idx="0"/>
-          <a:fillRef idx="0"/>
-          <a:effectRef idx="0"/>
-          <a:fontRef idx="minor"/>
-        </p:style>
-        <p:txBody>
-          <a:bodyPr lIns="90000" rIns="90000" tIns="45000" bIns="45000">
-            <a:spAutoFit/>
-          </a:bodyPr>
+          <a:lstStyle/>
           <a:p>
             <a:pPr algn="ctr">
               <a:lnSpc>
                 <a:spcPct val="100000"/>
               </a:lnSpc>
             </a:pPr>
-            <a:fld id="{E4FAA920-BF07-4B51-B077-C690F95DB634}" type="slidenum">
-              <a:rPr b="0" lang="ru-RU" sz="2400" spc="-1" strike="noStrike">
+            <a:r>
+              <a:rPr lang="ru-RU" sz="4400" spc="-1" dirty="0">
+                <a:solidFill>
+                  <a:srgbClr val="000000"/>
+                </a:solidFill>
+                <a:latin typeface="Calibri"/>
+              </a:rPr>
+              <a:t>Основные результаты работы</a:t>
+            </a:r>
+            <a:endParaRPr lang="ru-RU" sz="4400" b="0" strike="noStrike" spc="-1" dirty="0">
+              <a:latin typeface="Arial"/>
+            </a:endParaRPr>
+          </a:p>
+        </p:txBody>
+      </p:sp>
+      <p:sp>
+        <p:nvSpPr>
+          <p:cNvPr id="147" name="CustomShape 2"/>
+          <p:cNvSpPr/>
+          <p:nvPr/>
+        </p:nvSpPr>
+        <p:spPr>
+          <a:xfrm>
+            <a:off x="457200" y="1600200"/>
+            <a:ext cx="8220600" cy="4516920"/>
+          </a:xfrm>
+          <a:prstGeom prst="rect">
+            <a:avLst/>
+          </a:prstGeom>
+          <a:noFill/>
+          <a:ln>
+            <a:noFill/>
+          </a:ln>
+        </p:spPr>
+        <p:style>
+          <a:lnRef idx="0">
+            <a:scrgbClr r="0" g="0" b="0"/>
+          </a:lnRef>
+          <a:fillRef idx="0">
+            <a:scrgbClr r="0" g="0" b="0"/>
+          </a:fillRef>
+          <a:effectRef idx="0">
+            <a:scrgbClr r="0" g="0" b="0"/>
+          </a:effectRef>
+          <a:fontRef idx="minor"/>
+        </p:style>
+      </p:sp>
+      <p:sp>
+        <p:nvSpPr>
+          <p:cNvPr id="148" name="CustomShape 3"/>
+          <p:cNvSpPr/>
+          <p:nvPr/>
+        </p:nvSpPr>
+        <p:spPr>
+          <a:xfrm>
+            <a:off x="8460360" y="0"/>
+            <a:ext cx="683280" cy="456120"/>
+          </a:xfrm>
+          <a:prstGeom prst="rect">
+            <a:avLst/>
+          </a:prstGeom>
+          <a:noFill/>
+          <a:ln>
+            <a:noFill/>
+          </a:ln>
+        </p:spPr>
+        <p:style>
+          <a:lnRef idx="0">
+            <a:scrgbClr r="0" g="0" b="0"/>
+          </a:lnRef>
+          <a:fillRef idx="0">
+            <a:scrgbClr r="0" g="0" b="0"/>
+          </a:fillRef>
+          <a:effectRef idx="0">
+            <a:scrgbClr r="0" g="0" b="0"/>
+          </a:effectRef>
+          <a:fontRef idx="minor"/>
+        </p:style>
+        <p:txBody>
+          <a:bodyPr lIns="90000" tIns="45000" rIns="90000" bIns="45000">
+            <a:spAutoFit/>
+          </a:bodyPr>
+          <a:lstStyle/>
+          <a:p>
+            <a:pPr algn="ctr">
+              <a:lnSpc>
+                <a:spcPct val="100000"/>
+              </a:lnSpc>
+            </a:pPr>
+            <a:fld id="{2665ED78-8644-453D-A93E-F0B558D1E4AF}" type="slidenum">
+              <a:rPr lang="ru-RU" sz="2400" b="0" strike="noStrike" spc="-1">
                 <a:solidFill>
                   <a:srgbClr val="000000"/>
                 </a:solidFill>
                 <a:latin typeface="Arial"/>
                 <a:ea typeface="DejaVu Sans"/>
               </a:rPr>
-              <a:t>9</a:t>
+              <a:t>11</a:t>
             </a:fld>
-            <a:endParaRPr b="0" lang="ru-RU" sz="2400" spc="-1" strike="noStrike">
+            <a:endParaRPr lang="ru-RU" sz="2400" b="0" strike="noStrike" spc="-1" dirty="0">
               <a:latin typeface="Arial"/>
             </a:endParaRPr>
           </a:p>
         </p:txBody>
       </p:sp>
     </p:spTree>
+    <p:extLst>
+      <p:ext uri="{BB962C8B-B14F-4D97-AF65-F5344CB8AC3E}">
+        <p14:creationId xmlns:p14="http://schemas.microsoft.com/office/powerpoint/2010/main" val="3735469789"/>
+      </p:ext>
+    </p:extLst>
   </p:cSld>
-  <mc:AlternateContent>
+  <p:clrMapOvr>
+    <a:masterClrMapping/>
+  </p:clrMapOvr>
+  <mc:AlternateContent xmlns:mc="http://schemas.openxmlformats.org/markup-compatibility/2006" xmlns:p14="http://schemas.microsoft.com/office/powerpoint/2010/main">
     <mc:Choice Requires="p14">
       <p:transition spd="slow" p14:dur="2000"/>
     </mc:Choice>
-    <mc:Fallback>
+    <mc:Fallback xmlns:p15="http://schemas.microsoft.com/office/powerpoint/2012/main" xmlns="">
       <p:transition spd="slow"/>
     </mc:Fallback>
   </mc:AlternateContent>
@@ -6307,7 +6733,7 @@
 </file>
 
 <file path=ppt/slides/slide2.xml><?xml version="1.0" encoding="utf-8"?>
-<p:sld xmlns:a="http://schemas.openxmlformats.org/drawingml/2006/main" xmlns:p="http://schemas.openxmlformats.org/presentationml/2006/main" xmlns:r="http://schemas.openxmlformats.org/officeDocument/2006/relationships" xmlns:p14="http://schemas.microsoft.com/office/powerpoint/2010/main" xmlns:p15="http://schemas.microsoft.com/office/powerpoint/2012/main" xmlns:mc="http://schemas.openxmlformats.org/markup-compatibility/2006">
+<p:sld xmlns:a="http://schemas.openxmlformats.org/drawingml/2006/main" xmlns:r="http://schemas.openxmlformats.org/officeDocument/2006/relationships" xmlns:p="http://schemas.openxmlformats.org/presentationml/2006/main">
   <p:cSld>
     <p:spTree>
       <p:nvGrpSpPr>
@@ -6343,15 +6769,22 @@
           </a:ln>
         </p:spPr>
         <p:style>
-          <a:lnRef idx="0"/>
-          <a:fillRef idx="0"/>
-          <a:effectRef idx="0"/>
+          <a:lnRef idx="0">
+            <a:scrgbClr r="0" g="0" b="0"/>
+          </a:lnRef>
+          <a:fillRef idx="0">
+            <a:scrgbClr r="0" g="0" b="0"/>
+          </a:fillRef>
+          <a:effectRef idx="0">
+            <a:scrgbClr r="0" g="0" b="0"/>
+          </a:effectRef>
           <a:fontRef idx="minor"/>
         </p:style>
         <p:txBody>
-          <a:bodyPr lIns="90000" rIns="90000" tIns="45000" bIns="45000">
+          <a:bodyPr lIns="90000" tIns="45000" rIns="90000" bIns="45000">
             <a:noAutofit/>
           </a:bodyPr>
+          <a:lstStyle/>
           <a:p>
             <a:pPr>
               <a:lnSpc>
@@ -6362,7 +6795,7 @@
               </a:spcBef>
             </a:pPr>
             <a:r>
-              <a:rPr b="0" lang="ru-RU" sz="2000" spc="-1" strike="noStrike">
+              <a:rPr lang="ru-RU" sz="2000" b="0" strike="noStrike" spc="-1">
                 <a:solidFill>
                   <a:srgbClr val="000000"/>
                 </a:solidFill>
@@ -6371,7 +6804,7 @@
               </a:rPr>
               <a:t>Цель: </a:t>
             </a:r>
-            <a:endParaRPr b="0" lang="ru-RU" sz="2000" spc="-1" strike="noStrike">
+            <a:endParaRPr lang="ru-RU" sz="2000" b="0" strike="noStrike" spc="-1">
               <a:latin typeface="Arial"/>
             </a:endParaRPr>
           </a:p>
@@ -6385,7 +6818,7 @@
               </a:spcBef>
             </a:pPr>
             <a:r>
-              <a:rPr b="0" lang="ru-RU" sz="2000" spc="-1" strike="noStrike">
+              <a:rPr lang="ru-RU" sz="2000" b="0" strike="noStrike" spc="-1">
                 <a:solidFill>
                   <a:srgbClr val="000000"/>
                 </a:solidFill>
@@ -6394,7 +6827,7 @@
               </a:rPr>
               <a:t>Изучение основ адаптивной пространственной фильтрации в МР и проверить полученные знания на численном эксперименте</a:t>
             </a:r>
-            <a:endParaRPr b="0" lang="ru-RU" sz="2000" spc="-1" strike="noStrike">
+            <a:endParaRPr lang="ru-RU" sz="2000" b="0" strike="noStrike" spc="-1">
               <a:latin typeface="Arial"/>
             </a:endParaRPr>
           </a:p>
@@ -6408,7 +6841,7 @@
               </a:spcBef>
             </a:pPr>
             <a:r>
-              <a:rPr b="0" lang="ru-RU" sz="2000" spc="-1" strike="noStrike">
+              <a:rPr lang="ru-RU" sz="2000" b="0" strike="noStrike" spc="-1">
                 <a:solidFill>
                   <a:srgbClr val="000000"/>
                 </a:solidFill>
@@ -6417,7 +6850,7 @@
               </a:rPr>
               <a:t>Задачи: </a:t>
             </a:r>
-            <a:endParaRPr b="0" lang="ru-RU" sz="2000" spc="-1" strike="noStrike">
+            <a:endParaRPr lang="ru-RU" sz="2000" b="0" strike="noStrike" spc="-1">
               <a:latin typeface="Arial"/>
             </a:endParaRPr>
           </a:p>
@@ -6431,26 +6864,16 @@
               </a:spcBef>
             </a:pPr>
             <a:r>
-              <a:rPr b="0" lang="ru-RU" sz="2000" spc="-1" strike="noStrike">
+              <a:rPr lang="ru-RU" sz="2000" b="0" strike="noStrike" spc="-1">
                 <a:solidFill>
                   <a:srgbClr val="000000"/>
                 </a:solidFill>
                 <a:latin typeface="Calibri"/>
                 <a:ea typeface="DejaVu Sans"/>
               </a:rPr>
-              <a:t>1) </a:t>
+              <a:t>1) Рассмотреть основные подходы пространственной фильтрации</a:t>
             </a:r>
-            <a:r>
-              <a:rPr b="0" lang="ru-RU" sz="2000" spc="-1" strike="noStrike">
-                <a:solidFill>
-                  <a:srgbClr val="000000"/>
-                </a:solidFill>
-                <a:latin typeface="Calibri"/>
-                <a:ea typeface="DejaVu Sans"/>
-              </a:rPr>
-              <a:t>Рассмотреть основные подходы пространственной фильтрации</a:t>
-            </a:r>
-            <a:endParaRPr b="0" lang="ru-RU" sz="2000" spc="-1" strike="noStrike">
+            <a:endParaRPr lang="ru-RU" sz="2000" b="0" strike="noStrike" spc="-1">
               <a:latin typeface="Arial"/>
             </a:endParaRPr>
           </a:p>
@@ -6464,7 +6887,7 @@
               </a:spcBef>
             </a:pPr>
             <a:r>
-              <a:rPr b="0" lang="ru-RU" sz="2000" spc="-1" strike="noStrike">
+              <a:rPr lang="ru-RU" sz="2000" b="0" strike="noStrike" spc="-1">
                 <a:solidFill>
                   <a:srgbClr val="000000"/>
                 </a:solidFill>
@@ -6473,7 +6896,7 @@
               </a:rPr>
               <a:t>2) Освоить адаптивные алгоритмы</a:t>
             </a:r>
-            <a:endParaRPr b="0" lang="ru-RU" sz="2000" spc="-1" strike="noStrike">
+            <a:endParaRPr lang="ru-RU" sz="2000" b="0" strike="noStrike" spc="-1">
               <a:latin typeface="Arial"/>
             </a:endParaRPr>
           </a:p>
@@ -6487,7 +6910,7 @@
               </a:spcBef>
             </a:pPr>
             <a:r>
-              <a:rPr b="0" lang="ru-RU" sz="2000" spc="-1" strike="noStrike">
+              <a:rPr lang="ru-RU" sz="2000" b="0" strike="noStrike" spc="-1">
                 <a:solidFill>
                   <a:srgbClr val="000000"/>
                 </a:solidFill>
@@ -6496,7 +6919,7 @@
               </a:rPr>
               <a:t>3) Изучить методы формирования луча </a:t>
             </a:r>
-            <a:endParaRPr b="0" lang="ru-RU" sz="2000" spc="-1" strike="noStrike">
+            <a:endParaRPr lang="ru-RU" sz="2000" b="0" strike="noStrike" spc="-1">
               <a:latin typeface="Arial"/>
             </a:endParaRPr>
           </a:p>
@@ -6510,7 +6933,7 @@
               </a:spcBef>
             </a:pPr>
             <a:r>
-              <a:rPr b="0" lang="ru-RU" sz="2000" spc="-1" strike="noStrike">
+              <a:rPr lang="ru-RU" sz="2000" b="0" strike="noStrike" spc="-1">
                 <a:solidFill>
                   <a:srgbClr val="000000"/>
                 </a:solidFill>
@@ -6519,7 +6942,7 @@
               </a:rPr>
               <a:t>4) Смоделировать приём сигнала на МР с последующей фильтрацией</a:t>
             </a:r>
-            <a:endParaRPr b="0" lang="ru-RU" sz="2000" spc="-1" strike="noStrike">
+            <a:endParaRPr lang="ru-RU" sz="2000" b="0" strike="noStrike" spc="-1">
               <a:latin typeface="Arial"/>
             </a:endParaRPr>
           </a:p>
@@ -6545,15 +6968,22 @@
           </a:ln>
         </p:spPr>
         <p:style>
-          <a:lnRef idx="0"/>
-          <a:fillRef idx="0"/>
-          <a:effectRef idx="0"/>
+          <a:lnRef idx="0">
+            <a:scrgbClr r="0" g="0" b="0"/>
+          </a:lnRef>
+          <a:fillRef idx="0">
+            <a:scrgbClr r="0" g="0" b="0"/>
+          </a:fillRef>
+          <a:effectRef idx="0">
+            <a:scrgbClr r="0" g="0" b="0"/>
+          </a:effectRef>
           <a:fontRef idx="minor"/>
         </p:style>
         <p:txBody>
-          <a:bodyPr lIns="90000" rIns="90000" tIns="45000" bIns="45000">
+          <a:bodyPr lIns="90000" tIns="45000" rIns="90000" bIns="45000">
             <a:spAutoFit/>
           </a:bodyPr>
+          <a:lstStyle/>
           <a:p>
             <a:pPr algn="ctr">
               <a:lnSpc>
@@ -6561,16 +6991,16 @@
               </a:lnSpc>
             </a:pPr>
             <a:fld id="{6F0FC966-3516-409F-B294-482091B8EE55}" type="slidenum">
-              <a:rPr b="0" lang="ru-RU" sz="2400" spc="-1" strike="noStrike">
+              <a:rPr lang="ru-RU" sz="2400" b="0" strike="noStrike" spc="-1">
                 <a:solidFill>
                   <a:srgbClr val="000000"/>
                 </a:solidFill>
                 <a:latin typeface="Arial"/>
                 <a:ea typeface="DejaVu Sans"/>
               </a:rPr>
-              <a:t>1</a:t>
+              <a:t>2</a:t>
             </a:fld>
-            <a:endParaRPr b="0" lang="ru-RU" sz="2400" spc="-1" strike="noStrike">
+            <a:endParaRPr lang="ru-RU" sz="2400" b="0" strike="noStrike" spc="-1">
               <a:latin typeface="Arial"/>
             </a:endParaRPr>
           </a:p>
@@ -6578,11 +7008,14 @@
       </p:sp>
     </p:spTree>
   </p:cSld>
-  <mc:AlternateContent>
+  <p:clrMapOvr>
+    <a:masterClrMapping/>
+  </p:clrMapOvr>
+  <mc:AlternateContent xmlns:mc="http://schemas.openxmlformats.org/markup-compatibility/2006" xmlns:p14="http://schemas.microsoft.com/office/powerpoint/2010/main">
     <mc:Choice Requires="p14">
       <p:transition spd="slow" p14:dur="2000"/>
     </mc:Choice>
-    <mc:Fallback>
+    <mc:Fallback xmlns:p15="http://schemas.microsoft.com/office/powerpoint/2012/main" xmlns="">
       <p:transition spd="slow"/>
     </mc:Fallback>
   </mc:AlternateContent>
@@ -6590,7 +7023,7 @@
 </file>
 
 <file path=ppt/slides/slide3.xml><?xml version="1.0" encoding="utf-8"?>
-<p:sld xmlns:a="http://schemas.openxmlformats.org/drawingml/2006/main" xmlns:p="http://schemas.openxmlformats.org/presentationml/2006/main" xmlns:r="http://schemas.openxmlformats.org/officeDocument/2006/relationships" xmlns:p14="http://schemas.microsoft.com/office/powerpoint/2010/main" xmlns:p15="http://schemas.microsoft.com/office/powerpoint/2012/main" xmlns:mc="http://schemas.openxmlformats.org/markup-compatibility/2006">
+<p:sld xmlns:a="http://schemas.openxmlformats.org/drawingml/2006/main" xmlns:r="http://schemas.openxmlformats.org/officeDocument/2006/relationships" xmlns:p="http://schemas.openxmlformats.org/presentationml/2006/main">
   <p:cSld>
     <p:spTree>
       <p:nvGrpSpPr>
@@ -6626,15 +7059,22 @@
           </a:ln>
         </p:spPr>
         <p:style>
-          <a:lnRef idx="0"/>
-          <a:fillRef idx="0"/>
-          <a:effectRef idx="0"/>
+          <a:lnRef idx="0">
+            <a:scrgbClr r="0" g="0" b="0"/>
+          </a:lnRef>
+          <a:fillRef idx="0">
+            <a:scrgbClr r="0" g="0" b="0"/>
+          </a:fillRef>
+          <a:effectRef idx="0">
+            <a:scrgbClr r="0" g="0" b="0"/>
+          </a:effectRef>
           <a:fontRef idx="minor"/>
         </p:style>
         <p:txBody>
-          <a:bodyPr lIns="90000" rIns="90000" tIns="45000" bIns="45000" anchor="ctr">
+          <a:bodyPr lIns="90000" tIns="45000" rIns="90000" bIns="45000" anchor="ctr">
             <a:noAutofit/>
           </a:bodyPr>
+          <a:lstStyle/>
           <a:p>
             <a:pPr algn="ctr">
               <a:lnSpc>
@@ -6642,7 +7082,7 @@
               </a:lnSpc>
             </a:pPr>
             <a:r>
-              <a:rPr b="0" lang="ru-RU" sz="4400" spc="-1" strike="noStrike">
+              <a:rPr lang="ru-RU" sz="4400" b="0" strike="noStrike" spc="-1">
                 <a:solidFill>
                   <a:srgbClr val="000000"/>
                 </a:solidFill>
@@ -6651,7 +7091,7 @@
               </a:rPr>
               <a:t>Применение</a:t>
             </a:r>
-            <a:endParaRPr b="0" lang="ru-RU" sz="4400" spc="-1" strike="noStrike">
+            <a:endParaRPr lang="ru-RU" sz="4400" b="0" strike="noStrike" spc="-1">
               <a:latin typeface="Arial"/>
             </a:endParaRPr>
           </a:p>
@@ -6677,15 +7117,22 @@
           </a:ln>
         </p:spPr>
         <p:style>
-          <a:lnRef idx="0"/>
-          <a:fillRef idx="0"/>
-          <a:effectRef idx="0"/>
+          <a:lnRef idx="0">
+            <a:scrgbClr r="0" g="0" b="0"/>
+          </a:lnRef>
+          <a:fillRef idx="0">
+            <a:scrgbClr r="0" g="0" b="0"/>
+          </a:fillRef>
+          <a:effectRef idx="0">
+            <a:scrgbClr r="0" g="0" b="0"/>
+          </a:effectRef>
           <a:fontRef idx="minor"/>
         </p:style>
         <p:txBody>
-          <a:bodyPr lIns="90000" rIns="90000" tIns="45000" bIns="45000">
+          <a:bodyPr lIns="90000" tIns="45000" rIns="90000" bIns="45000">
             <a:noAutofit/>
           </a:bodyPr>
+          <a:lstStyle/>
           <a:p>
             <a:pPr algn="ctr">
               <a:lnSpc>
@@ -6693,7 +7140,7 @@
               </a:lnSpc>
             </a:pPr>
             <a:r>
-              <a:rPr b="0" lang="ru-RU" sz="1800" spc="-1" strike="noStrike">
+              <a:rPr lang="ru-RU" sz="1800" b="0" strike="noStrike" spc="-1">
                 <a:solidFill>
                   <a:srgbClr val="000000"/>
                 </a:solidFill>
@@ -6702,7 +7149,7 @@
               </a:rPr>
               <a:t>Система «Бумеранг»</a:t>
             </a:r>
-            <a:endParaRPr b="0" lang="ru-RU" sz="1800" spc="-1" strike="noStrike">
+            <a:endParaRPr lang="ru-RU" sz="1800" b="0" strike="noStrike" spc="-1">
               <a:latin typeface="Arial"/>
             </a:endParaRPr>
           </a:p>
@@ -6728,15 +7175,22 @@
           </a:ln>
         </p:spPr>
         <p:style>
-          <a:lnRef idx="0"/>
-          <a:fillRef idx="0"/>
-          <a:effectRef idx="0"/>
+          <a:lnRef idx="0">
+            <a:scrgbClr r="0" g="0" b="0"/>
+          </a:lnRef>
+          <a:fillRef idx="0">
+            <a:scrgbClr r="0" g="0" b="0"/>
+          </a:fillRef>
+          <a:effectRef idx="0">
+            <a:scrgbClr r="0" g="0" b="0"/>
+          </a:effectRef>
           <a:fontRef idx="minor"/>
         </p:style>
         <p:txBody>
-          <a:bodyPr lIns="90000" rIns="90000" tIns="45000" bIns="45000">
+          <a:bodyPr lIns="90000" tIns="45000" rIns="90000" bIns="45000">
             <a:noAutofit/>
           </a:bodyPr>
+          <a:lstStyle/>
           <a:p>
             <a:pPr algn="ctr">
               <a:lnSpc>
@@ -6744,7 +7198,7 @@
               </a:lnSpc>
             </a:pPr>
             <a:r>
-              <a:rPr b="0" lang="ru-RU" sz="1800" spc="-1" strike="noStrike">
+              <a:rPr lang="ru-RU" sz="1800" b="0" strike="noStrike" spc="-1">
                 <a:solidFill>
                   <a:srgbClr val="000000"/>
                 </a:solidFill>
@@ -6753,7 +7207,7 @@
               </a:rPr>
               <a:t>Система «SENTRI»</a:t>
             </a:r>
-            <a:endParaRPr b="0" lang="ru-RU" sz="1800" spc="-1" strike="noStrike">
+            <a:endParaRPr lang="ru-RU" sz="1800" b="0" strike="noStrike" spc="-1">
               <a:latin typeface="Arial"/>
             </a:endParaRPr>
           </a:p>
@@ -6761,53 +7215,7 @@
       </p:sp>
       <p:pic>
         <p:nvPicPr>
-          <p:cNvPr id="90" name="Рисунок 1" descr=""/>
-          <p:cNvPicPr/>
-          <p:nvPr/>
-        </p:nvPicPr>
-        <p:blipFill>
-          <a:blip r:embed="rId1"/>
-          <a:stretch/>
-        </p:blipFill>
-        <p:spPr>
-          <a:xfrm>
-            <a:off x="3564000" y="1450440"/>
-            <a:ext cx="1575000" cy="2453400"/>
-          </a:xfrm>
-          <a:prstGeom prst="rect">
-            <a:avLst/>
-          </a:prstGeom>
-          <a:ln>
-            <a:noFill/>
-          </a:ln>
-        </p:spPr>
-      </p:pic>
-      <p:pic>
-        <p:nvPicPr>
-          <p:cNvPr id="91" name="Рисунок 2" descr=""/>
-          <p:cNvPicPr/>
-          <p:nvPr/>
-        </p:nvPicPr>
-        <p:blipFill>
-          <a:blip r:embed="rId2"/>
-          <a:stretch/>
-        </p:blipFill>
-        <p:spPr>
-          <a:xfrm>
-            <a:off x="216360" y="1845000"/>
-            <a:ext cx="2986920" cy="2019960"/>
-          </a:xfrm>
-          <a:prstGeom prst="rect">
-            <a:avLst/>
-          </a:prstGeom>
-          <a:ln>
-            <a:noFill/>
-          </a:ln>
-        </p:spPr>
-      </p:pic>
-      <p:pic>
-        <p:nvPicPr>
-          <p:cNvPr id="92" name="Рисунок 88" descr=""/>
+          <p:cNvPr id="90" name="Рисунок 1"/>
           <p:cNvPicPr/>
           <p:nvPr/>
         </p:nvPicPr>
@@ -6817,8 +7225,8 @@
         </p:blipFill>
         <p:spPr>
           <a:xfrm>
-            <a:off x="1307520" y="3618360"/>
-            <a:ext cx="1631520" cy="1917000"/>
+            <a:off x="3564000" y="1450440"/>
+            <a:ext cx="1575000" cy="2453400"/>
           </a:xfrm>
           <a:prstGeom prst="rect">
             <a:avLst/>
@@ -6830,7 +7238,7 @@
       </p:pic>
       <p:pic>
         <p:nvPicPr>
-          <p:cNvPr id="93" name="Рисунок 89" descr=""/>
+          <p:cNvPr id="91" name="Рисунок 2"/>
           <p:cNvPicPr/>
           <p:nvPr/>
         </p:nvPicPr>
@@ -6840,8 +7248,8 @@
         </p:blipFill>
         <p:spPr>
           <a:xfrm>
-            <a:off x="3708000" y="3835080"/>
-            <a:ext cx="2230920" cy="1738800"/>
+            <a:off x="216360" y="1845000"/>
+            <a:ext cx="2986920" cy="2019960"/>
           </a:xfrm>
           <a:prstGeom prst="rect">
             <a:avLst/>
@@ -6853,7 +7261,7 @@
       </p:pic>
       <p:pic>
         <p:nvPicPr>
-          <p:cNvPr id="94" name="Рисунок 12" descr=""/>
+          <p:cNvPr id="92" name="Рисунок 88"/>
           <p:cNvPicPr/>
           <p:nvPr/>
         </p:nvPicPr>
@@ -6863,6 +7271,52 @@
         </p:blipFill>
         <p:spPr>
           <a:xfrm>
+            <a:off x="1307520" y="3618360"/>
+            <a:ext cx="1631520" cy="1917000"/>
+          </a:xfrm>
+          <a:prstGeom prst="rect">
+            <a:avLst/>
+          </a:prstGeom>
+          <a:ln>
+            <a:noFill/>
+          </a:ln>
+        </p:spPr>
+      </p:pic>
+      <p:pic>
+        <p:nvPicPr>
+          <p:cNvPr id="93" name="Рисунок 89"/>
+          <p:cNvPicPr/>
+          <p:nvPr/>
+        </p:nvPicPr>
+        <p:blipFill>
+          <a:blip r:embed="rId6"/>
+          <a:stretch/>
+        </p:blipFill>
+        <p:spPr>
+          <a:xfrm>
+            <a:off x="3708000" y="3835080"/>
+            <a:ext cx="2230920" cy="1738800"/>
+          </a:xfrm>
+          <a:prstGeom prst="rect">
+            <a:avLst/>
+          </a:prstGeom>
+          <a:ln>
+            <a:noFill/>
+          </a:ln>
+        </p:spPr>
+      </p:pic>
+      <p:pic>
+        <p:nvPicPr>
+          <p:cNvPr id="94" name="Рисунок 12"/>
+          <p:cNvPicPr/>
+          <p:nvPr/>
+        </p:nvPicPr>
+        <p:blipFill>
+          <a:blip r:embed="rId7"/>
+          <a:stretch/>
+        </p:blipFill>
+        <p:spPr>
+          <a:xfrm>
             <a:off x="6243840" y="2468520"/>
             <a:ext cx="2732760" cy="2732760"/>
           </a:xfrm>
@@ -6894,26 +7348,33 @@
           </a:ln>
         </p:spPr>
         <p:style>
-          <a:lnRef idx="0"/>
-          <a:fillRef idx="0"/>
-          <a:effectRef idx="0"/>
+          <a:lnRef idx="0">
+            <a:scrgbClr r="0" g="0" b="0"/>
+          </a:lnRef>
+          <a:fillRef idx="0">
+            <a:scrgbClr r="0" g="0" b="0"/>
+          </a:fillRef>
+          <a:effectRef idx="0">
+            <a:scrgbClr r="0" g="0" b="0"/>
+          </a:effectRef>
           <a:fontRef idx="minor"/>
         </p:style>
         <p:txBody>
-          <a:bodyPr lIns="90000" rIns="90000" tIns="45000" bIns="45000">
+          <a:bodyPr lIns="90000" tIns="45000" rIns="90000" bIns="45000">
             <a:noAutofit/>
           </a:bodyPr>
+          <a:lstStyle/>
           <a:p>
             <a:pPr algn="ctr">
               <a:lnSpc>
                 <a:spcPct val="100000"/>
               </a:lnSpc>
               <a:tabLst>
-                <a:tab algn="l" pos="408240"/>
+                <a:tab pos="408240" algn="l"/>
               </a:tabLst>
             </a:pPr>
             <a:r>
-              <a:rPr b="0" lang="ru-RU" sz="1800" spc="-1" strike="noStrike">
+              <a:rPr lang="ru-RU" sz="1800" b="0" strike="noStrike" spc="-1">
                 <a:solidFill>
                   <a:srgbClr val="000000"/>
                 </a:solidFill>
@@ -6922,7 +7383,7 @@
               </a:rPr>
               <a:t>Микрофонная решетка для объёмной записи звука</a:t>
             </a:r>
-            <a:endParaRPr b="0" lang="ru-RU" sz="1800" spc="-1" strike="noStrike">
+            <a:endParaRPr lang="ru-RU" sz="1800" b="0" strike="noStrike" spc="-1">
               <a:latin typeface="Arial"/>
             </a:endParaRPr>
           </a:p>
@@ -6948,15 +7409,22 @@
           </a:ln>
         </p:spPr>
         <p:style>
-          <a:lnRef idx="0"/>
-          <a:fillRef idx="0"/>
-          <a:effectRef idx="0"/>
+          <a:lnRef idx="0">
+            <a:scrgbClr r="0" g="0" b="0"/>
+          </a:lnRef>
+          <a:fillRef idx="0">
+            <a:scrgbClr r="0" g="0" b="0"/>
+          </a:fillRef>
+          <a:effectRef idx="0">
+            <a:scrgbClr r="0" g="0" b="0"/>
+          </a:effectRef>
           <a:fontRef idx="minor"/>
         </p:style>
         <p:txBody>
-          <a:bodyPr lIns="90000" rIns="90000" tIns="45000" bIns="45000">
+          <a:bodyPr lIns="90000" tIns="45000" rIns="90000" bIns="45000">
             <a:spAutoFit/>
           </a:bodyPr>
+          <a:lstStyle/>
           <a:p>
             <a:pPr algn="ctr">
               <a:lnSpc>
@@ -6964,16 +7432,16 @@
               </a:lnSpc>
             </a:pPr>
             <a:fld id="{A98E7539-1154-4693-8222-6DE5F3FE2813}" type="slidenum">
-              <a:rPr b="0" lang="ru-RU" sz="2400" spc="-1" strike="noStrike">
+              <a:rPr lang="ru-RU" sz="2400" b="0" strike="noStrike" spc="-1">
                 <a:solidFill>
                   <a:srgbClr val="000000"/>
                 </a:solidFill>
                 <a:latin typeface="Arial"/>
                 <a:ea typeface="DejaVu Sans"/>
               </a:rPr>
-              <a:t>1</a:t>
+              <a:t>3</a:t>
             </a:fld>
-            <a:endParaRPr b="0" lang="ru-RU" sz="2400" spc="-1" strike="noStrike">
+            <a:endParaRPr lang="ru-RU" sz="2400" b="0" strike="noStrike" spc="-1">
               <a:latin typeface="Arial"/>
             </a:endParaRPr>
           </a:p>
@@ -6981,11 +7449,14 @@
       </p:sp>
     </p:spTree>
   </p:cSld>
-  <mc:AlternateContent>
+  <p:clrMapOvr>
+    <a:masterClrMapping/>
+  </p:clrMapOvr>
+  <mc:AlternateContent xmlns:mc="http://schemas.openxmlformats.org/markup-compatibility/2006" xmlns:p14="http://schemas.microsoft.com/office/powerpoint/2010/main">
     <mc:Choice Requires="p14">
       <p:transition spd="slow" p14:dur="2000"/>
     </mc:Choice>
-    <mc:Fallback>
+    <mc:Fallback xmlns:p15="http://schemas.microsoft.com/office/powerpoint/2012/main" xmlns="">
       <p:transition spd="slow"/>
     </mc:Fallback>
   </mc:AlternateContent>
@@ -6993,7 +7464,7 @@
 </file>
 
 <file path=ppt/slides/slide4.xml><?xml version="1.0" encoding="utf-8"?>
-<p:sld xmlns:a="http://schemas.openxmlformats.org/drawingml/2006/main" xmlns:p="http://schemas.openxmlformats.org/presentationml/2006/main" xmlns:r="http://schemas.openxmlformats.org/officeDocument/2006/relationships" xmlns:p14="http://schemas.microsoft.com/office/powerpoint/2010/main" xmlns:p15="http://schemas.microsoft.com/office/powerpoint/2012/main" xmlns:mc="http://schemas.openxmlformats.org/markup-compatibility/2006">
+<p:sld xmlns:a="http://schemas.openxmlformats.org/drawingml/2006/main" xmlns:r="http://schemas.openxmlformats.org/officeDocument/2006/relationships" xmlns:p="http://schemas.openxmlformats.org/presentationml/2006/main">
   <p:cSld>
     <p:spTree>
       <p:nvGrpSpPr>
@@ -7029,15 +7500,22 @@
           </a:ln>
         </p:spPr>
         <p:style>
-          <a:lnRef idx="0"/>
-          <a:fillRef idx="0"/>
-          <a:effectRef idx="0"/>
+          <a:lnRef idx="0">
+            <a:scrgbClr r="0" g="0" b="0"/>
+          </a:lnRef>
+          <a:fillRef idx="0">
+            <a:scrgbClr r="0" g="0" b="0"/>
+          </a:fillRef>
+          <a:effectRef idx="0">
+            <a:scrgbClr r="0" g="0" b="0"/>
+          </a:effectRef>
           <a:fontRef idx="minor"/>
         </p:style>
         <p:txBody>
-          <a:bodyPr lIns="90000" rIns="90000" tIns="45000" bIns="45000" anchor="ctr">
+          <a:bodyPr lIns="90000" tIns="45000" rIns="90000" bIns="45000" anchor="ctr">
             <a:noAutofit/>
           </a:bodyPr>
+          <a:lstStyle/>
           <a:p>
             <a:pPr algn="ctr">
               <a:lnSpc>
@@ -7045,7 +7523,7 @@
               </a:lnSpc>
             </a:pPr>
             <a:r>
-              <a:rPr b="0" lang="ru-RU" sz="4400" spc="-1" strike="noStrike">
+              <a:rPr lang="ru-RU" sz="4400" b="0" strike="noStrike" spc="-1">
                 <a:solidFill>
                   <a:srgbClr val="000000"/>
                 </a:solidFill>
@@ -7054,7 +7532,7 @@
               </a:rPr>
               <a:t>Формирователи луча</a:t>
             </a:r>
-            <a:endParaRPr b="0" lang="ru-RU" sz="4400" spc="-1" strike="noStrike">
+            <a:endParaRPr lang="ru-RU" sz="4400" b="0" strike="noStrike" spc="-1">
               <a:latin typeface="Arial"/>
             </a:endParaRPr>
           </a:p>
@@ -7080,9 +7558,15 @@
           </a:ln>
         </p:spPr>
         <p:style>
-          <a:lnRef idx="0"/>
-          <a:fillRef idx="0"/>
-          <a:effectRef idx="0"/>
+          <a:lnRef idx="0">
+            <a:scrgbClr r="0" g="0" b="0"/>
+          </a:lnRef>
+          <a:fillRef idx="0">
+            <a:scrgbClr r="0" g="0" b="0"/>
+          </a:fillRef>
+          <a:effectRef idx="0">
+            <a:scrgbClr r="0" g="0" b="0"/>
+          </a:effectRef>
           <a:fontRef idx="minor"/>
         </p:style>
       </p:sp>
@@ -7106,15 +7590,22 @@
           </a:ln>
         </p:spPr>
         <p:style>
-          <a:lnRef idx="0"/>
-          <a:fillRef idx="0"/>
-          <a:effectRef idx="0"/>
+          <a:lnRef idx="0">
+            <a:scrgbClr r="0" g="0" b="0"/>
+          </a:lnRef>
+          <a:fillRef idx="0">
+            <a:scrgbClr r="0" g="0" b="0"/>
+          </a:fillRef>
+          <a:effectRef idx="0">
+            <a:scrgbClr r="0" g="0" b="0"/>
+          </a:effectRef>
           <a:fontRef idx="minor"/>
         </p:style>
         <p:txBody>
-          <a:bodyPr lIns="90000" rIns="90000" tIns="45000" bIns="45000">
+          <a:bodyPr lIns="90000" tIns="45000" rIns="90000" bIns="45000">
             <a:noAutofit/>
           </a:bodyPr>
+          <a:lstStyle/>
           <a:p>
             <a:pPr>
               <a:lnSpc>
@@ -7122,7 +7613,7 @@
               </a:lnSpc>
             </a:pPr>
             <a:r>
-              <a:rPr b="0" lang="ru-RU" sz="1800" spc="-1" strike="noStrike">
+              <a:rPr lang="ru-RU" sz="1800" b="0" strike="noStrike" spc="-1">
                 <a:solidFill>
                   <a:srgbClr val="000000"/>
                 </a:solidFill>
@@ -7131,7 +7622,7 @@
               </a:rPr>
               <a:t>Частотный формирователь луча</a:t>
             </a:r>
-            <a:endParaRPr b="0" lang="ru-RU" sz="1800" spc="-1" strike="noStrike">
+            <a:endParaRPr lang="ru-RU" sz="1800" b="0" strike="noStrike" spc="-1">
               <a:latin typeface="Arial"/>
             </a:endParaRPr>
           </a:p>
@@ -7157,15 +7648,22 @@
           </a:ln>
         </p:spPr>
         <p:style>
-          <a:lnRef idx="0"/>
-          <a:fillRef idx="0"/>
-          <a:effectRef idx="0"/>
+          <a:lnRef idx="0">
+            <a:scrgbClr r="0" g="0" b="0"/>
+          </a:lnRef>
+          <a:fillRef idx="0">
+            <a:scrgbClr r="0" g="0" b="0"/>
+          </a:fillRef>
+          <a:effectRef idx="0">
+            <a:scrgbClr r="0" g="0" b="0"/>
+          </a:effectRef>
           <a:fontRef idx="minor"/>
         </p:style>
         <p:txBody>
-          <a:bodyPr lIns="90000" rIns="90000" tIns="45000" bIns="45000">
+          <a:bodyPr lIns="90000" tIns="45000" rIns="90000" bIns="45000">
             <a:noAutofit/>
           </a:bodyPr>
+          <a:lstStyle/>
           <a:p>
             <a:pPr>
               <a:lnSpc>
@@ -7173,7 +7671,7 @@
               </a:lnSpc>
             </a:pPr>
             <a:r>
-              <a:rPr b="0" lang="ru-RU" sz="1800" spc="-1" strike="noStrike">
+              <a:rPr lang="ru-RU" sz="1800" b="0" strike="noStrike" spc="-1">
                 <a:solidFill>
                   <a:srgbClr val="000000"/>
                 </a:solidFill>
@@ -7182,7 +7680,7 @@
               </a:rPr>
               <a:t>Временной формирователь луча</a:t>
             </a:r>
-            <a:endParaRPr b="0" lang="ru-RU" sz="1800" spc="-1" strike="noStrike">
+            <a:endParaRPr lang="ru-RU" sz="1800" b="0" strike="noStrike" spc="-1">
               <a:latin typeface="Arial"/>
             </a:endParaRPr>
           </a:p>
@@ -7190,12 +7688,12 @@
       </p:sp>
       <p:pic>
         <p:nvPicPr>
-          <p:cNvPr id="101" name="Рисунок 98" descr=""/>
+          <p:cNvPr id="101" name="Рисунок 98"/>
           <p:cNvPicPr/>
           <p:nvPr/>
         </p:nvPicPr>
         <p:blipFill>
-          <a:blip r:embed="rId1"/>
+          <a:blip r:embed="rId3"/>
           <a:stretch/>
         </p:blipFill>
         <p:spPr>
@@ -7213,12 +7711,12 @@
       </p:pic>
       <p:pic>
         <p:nvPicPr>
-          <p:cNvPr id="102" name="Рисунок 99" descr=""/>
+          <p:cNvPr id="102" name="Рисунок 99"/>
           <p:cNvPicPr/>
           <p:nvPr/>
         </p:nvPicPr>
         <p:blipFill>
-          <a:blip r:embed="rId2"/>
+          <a:blip r:embed="rId4"/>
           <a:stretch/>
         </p:blipFill>
         <p:spPr>
@@ -7254,15 +7752,22 @@
           </a:ln>
         </p:spPr>
         <p:style>
-          <a:lnRef idx="0"/>
-          <a:fillRef idx="0"/>
-          <a:effectRef idx="0"/>
+          <a:lnRef idx="0">
+            <a:scrgbClr r="0" g="0" b="0"/>
+          </a:lnRef>
+          <a:fillRef idx="0">
+            <a:scrgbClr r="0" g="0" b="0"/>
+          </a:fillRef>
+          <a:effectRef idx="0">
+            <a:scrgbClr r="0" g="0" b="0"/>
+          </a:effectRef>
           <a:fontRef idx="minor"/>
         </p:style>
         <p:txBody>
-          <a:bodyPr lIns="90000" rIns="90000" tIns="45000" bIns="45000">
+          <a:bodyPr lIns="90000" tIns="45000" rIns="90000" bIns="45000">
             <a:spAutoFit/>
           </a:bodyPr>
+          <a:lstStyle/>
           <a:p>
             <a:pPr algn="ctr">
               <a:lnSpc>
@@ -7270,16 +7775,16 @@
               </a:lnSpc>
             </a:pPr>
             <a:fld id="{8AAE8EE4-8CDF-4AE2-9610-00E622BC8A19}" type="slidenum">
-              <a:rPr b="0" lang="ru-RU" sz="2400" spc="-1" strike="noStrike">
+              <a:rPr lang="ru-RU" sz="2400" b="0" strike="noStrike" spc="-1">
                 <a:solidFill>
                   <a:srgbClr val="000000"/>
                 </a:solidFill>
                 <a:latin typeface="Arial"/>
                 <a:ea typeface="DejaVu Sans"/>
               </a:rPr>
-              <a:t>1</a:t>
+              <a:t>4</a:t>
             </a:fld>
-            <a:endParaRPr b="0" lang="ru-RU" sz="2400" spc="-1" strike="noStrike">
+            <a:endParaRPr lang="ru-RU" sz="2400" b="0" strike="noStrike" spc="-1">
               <a:latin typeface="Arial"/>
             </a:endParaRPr>
           </a:p>
@@ -7287,11 +7792,14 @@
       </p:sp>
     </p:spTree>
   </p:cSld>
-  <mc:AlternateContent>
+  <p:clrMapOvr>
+    <a:masterClrMapping/>
+  </p:clrMapOvr>
+  <mc:AlternateContent xmlns:mc="http://schemas.openxmlformats.org/markup-compatibility/2006" xmlns:p14="http://schemas.microsoft.com/office/powerpoint/2010/main">
     <mc:Choice Requires="p14">
       <p:transition spd="slow" p14:dur="2000"/>
     </mc:Choice>
-    <mc:Fallback>
+    <mc:Fallback xmlns:p15="http://schemas.microsoft.com/office/powerpoint/2012/main" xmlns="">
       <p:transition spd="slow"/>
     </mc:Fallback>
   </mc:AlternateContent>
@@ -7299,7 +7807,7 @@
 </file>
 
 <file path=ppt/slides/slide5.xml><?xml version="1.0" encoding="utf-8"?>
-<p:sld xmlns:a="http://schemas.openxmlformats.org/drawingml/2006/main" xmlns:p="http://schemas.openxmlformats.org/presentationml/2006/main" xmlns:r="http://schemas.openxmlformats.org/officeDocument/2006/relationships" xmlns:p14="http://schemas.microsoft.com/office/powerpoint/2010/main" xmlns:p15="http://schemas.microsoft.com/office/powerpoint/2012/main" xmlns:mc="http://schemas.openxmlformats.org/markup-compatibility/2006">
+<p:sld xmlns:a="http://schemas.openxmlformats.org/drawingml/2006/main" xmlns:r="http://schemas.openxmlformats.org/officeDocument/2006/relationships" xmlns:p="http://schemas.openxmlformats.org/presentationml/2006/main">
   <p:cSld>
     <p:spTree>
       <p:nvGrpSpPr>
@@ -7335,15 +7843,22 @@
           </a:ln>
         </p:spPr>
         <p:style>
-          <a:lnRef idx="0"/>
-          <a:fillRef idx="0"/>
-          <a:effectRef idx="0"/>
+          <a:lnRef idx="0">
+            <a:scrgbClr r="0" g="0" b="0"/>
+          </a:lnRef>
+          <a:fillRef idx="0">
+            <a:scrgbClr r="0" g="0" b="0"/>
+          </a:fillRef>
+          <a:effectRef idx="0">
+            <a:scrgbClr r="0" g="0" b="0"/>
+          </a:effectRef>
           <a:fontRef idx="minor"/>
         </p:style>
         <p:txBody>
-          <a:bodyPr lIns="90000" rIns="90000" tIns="45000" bIns="45000" anchor="ctr">
+          <a:bodyPr lIns="90000" tIns="45000" rIns="90000" bIns="45000" anchor="ctr">
             <a:noAutofit/>
           </a:bodyPr>
+          <a:lstStyle/>
           <a:p>
             <a:pPr algn="ctr">
               <a:lnSpc>
@@ -7351,7 +7866,7 @@
               </a:lnSpc>
             </a:pPr>
             <a:r>
-              <a:rPr b="0" lang="ru-RU" sz="4400" spc="-1" strike="noStrike">
+              <a:rPr lang="ru-RU" sz="4400" b="0" strike="noStrike" spc="-1">
                 <a:solidFill>
                   <a:srgbClr val="000000"/>
                 </a:solidFill>
@@ -7360,7 +7875,7 @@
               </a:rPr>
               <a:t>Пространственная фильтрация</a:t>
             </a:r>
-            <a:endParaRPr b="0" lang="ru-RU" sz="4400" spc="-1" strike="noStrike">
+            <a:endParaRPr lang="ru-RU" sz="4400" b="0" strike="noStrike" spc="-1">
               <a:latin typeface="Arial"/>
             </a:endParaRPr>
           </a:p>
@@ -7386,9 +7901,15 @@
           </a:ln>
         </p:spPr>
         <p:style>
-          <a:lnRef idx="0"/>
-          <a:fillRef idx="0"/>
-          <a:effectRef idx="0"/>
+          <a:lnRef idx="0">
+            <a:scrgbClr r="0" g="0" b="0"/>
+          </a:lnRef>
+          <a:fillRef idx="0">
+            <a:scrgbClr r="0" g="0" b="0"/>
+          </a:fillRef>
+          <a:effectRef idx="0">
+            <a:scrgbClr r="0" g="0" b="0"/>
+          </a:effectRef>
           <a:fontRef idx="minor"/>
         </p:style>
       </p:sp>
@@ -7408,12 +7929,12 @@
         </p:grpSpPr>
         <p:pic>
           <p:nvPicPr>
-            <p:cNvPr id="107" name="Рисунок 1" descr=""/>
+            <p:cNvPr id="107" name="Рисунок 1"/>
             <p:cNvPicPr/>
             <p:nvPr/>
           </p:nvPicPr>
           <p:blipFill>
-            <a:blip r:embed="rId1"/>
+            <a:blip r:embed="rId3"/>
             <a:stretch/>
           </p:blipFill>
           <p:spPr>
@@ -7449,9 +7970,15 @@
             </a:ln>
           </p:spPr>
           <p:style>
-            <a:lnRef idx="0"/>
-            <a:fillRef idx="0"/>
-            <a:effectRef idx="0"/>
+            <a:lnRef idx="0">
+              <a:scrgbClr r="0" g="0" b="0"/>
+            </a:lnRef>
+            <a:fillRef idx="0">
+              <a:scrgbClr r="0" g="0" b="0"/>
+            </a:fillRef>
+            <a:effectRef idx="0">
+              <a:scrgbClr r="0" g="0" b="0"/>
+            </a:effectRef>
             <a:fontRef idx="minor"/>
           </p:style>
         </p:sp>
@@ -7508,15 +8035,22 @@
             </a:ln>
           </p:spPr>
           <p:style>
-            <a:lnRef idx="0"/>
-            <a:fillRef idx="0"/>
-            <a:effectRef idx="0"/>
+            <a:lnRef idx="0">
+              <a:scrgbClr r="0" g="0" b="0"/>
+            </a:lnRef>
+            <a:fillRef idx="0">
+              <a:scrgbClr r="0" g="0" b="0"/>
+            </a:fillRef>
+            <a:effectRef idx="0">
+              <a:scrgbClr r="0" g="0" b="0"/>
+            </a:effectRef>
             <a:fontRef idx="minor"/>
           </p:style>
           <p:txBody>
-            <a:bodyPr lIns="90000" rIns="90000" tIns="45000" bIns="45000">
+            <a:bodyPr lIns="90000" tIns="45000" rIns="90000" bIns="45000">
               <a:spAutoFit/>
             </a:bodyPr>
+            <a:lstStyle/>
             <a:p>
               <a:pPr>
                 <a:lnSpc>
@@ -7524,7 +8058,7 @@
                 </a:lnSpc>
               </a:pPr>
               <a:r>
-                <a:rPr b="0" lang="ru-RU" sz="1800" spc="-1" strike="noStrike">
+                <a:rPr lang="ru-RU" sz="1800" b="0" strike="noStrike" spc="-1">
                   <a:solidFill>
                     <a:srgbClr val="000000"/>
                   </a:solidFill>
@@ -7533,7 +8067,7 @@
                 </a:rPr>
                 <a:t>ФЛ</a:t>
               </a:r>
-              <a:endParaRPr b="0" lang="ru-RU" sz="1800" spc="-1" strike="noStrike">
+              <a:endParaRPr lang="ru-RU" sz="1800" b="0" strike="noStrike" spc="-1">
                 <a:latin typeface="Arial"/>
               </a:endParaRPr>
             </a:p>
@@ -7592,15 +8126,22 @@
             </a:ln>
           </p:spPr>
           <p:style>
-            <a:lnRef idx="0"/>
-            <a:fillRef idx="0"/>
-            <a:effectRef idx="0"/>
+            <a:lnRef idx="0">
+              <a:scrgbClr r="0" g="0" b="0"/>
+            </a:lnRef>
+            <a:fillRef idx="0">
+              <a:scrgbClr r="0" g="0" b="0"/>
+            </a:fillRef>
+            <a:effectRef idx="0">
+              <a:scrgbClr r="0" g="0" b="0"/>
+            </a:effectRef>
             <a:fontRef idx="minor"/>
           </p:style>
           <p:txBody>
-            <a:bodyPr lIns="90000" rIns="90000" tIns="45000" bIns="45000">
+            <a:bodyPr lIns="90000" tIns="45000" rIns="90000" bIns="45000">
               <a:spAutoFit/>
             </a:bodyPr>
+            <a:lstStyle/>
             <a:p>
               <a:pPr>
                 <a:lnSpc>
@@ -7608,7 +8149,7 @@
                 </a:lnSpc>
               </a:pPr>
               <a:r>
-                <a:rPr b="0" lang="ru-RU" sz="1800" spc="-1" strike="noStrike">
+                <a:rPr lang="ru-RU" sz="1800" b="0" strike="noStrike" spc="-1">
                   <a:solidFill>
                     <a:srgbClr val="000000"/>
                   </a:solidFill>
@@ -7617,7 +8158,7 @@
                 </a:rPr>
                 <a:t>МК1</a:t>
               </a:r>
-              <a:endParaRPr b="0" lang="ru-RU" sz="1800" spc="-1" strike="noStrike">
+              <a:endParaRPr lang="ru-RU" sz="1800" b="0" strike="noStrike" spc="-1">
                 <a:latin typeface="Arial"/>
               </a:endParaRPr>
             </a:p>
@@ -7676,15 +8217,22 @@
             </a:ln>
           </p:spPr>
           <p:style>
-            <a:lnRef idx="0"/>
-            <a:fillRef idx="0"/>
-            <a:effectRef idx="0"/>
+            <a:lnRef idx="0">
+              <a:scrgbClr r="0" g="0" b="0"/>
+            </a:lnRef>
+            <a:fillRef idx="0">
+              <a:scrgbClr r="0" g="0" b="0"/>
+            </a:fillRef>
+            <a:effectRef idx="0">
+              <a:scrgbClr r="0" g="0" b="0"/>
+            </a:effectRef>
             <a:fontRef idx="minor"/>
           </p:style>
           <p:txBody>
-            <a:bodyPr lIns="90000" rIns="90000" tIns="45000" bIns="45000">
+            <a:bodyPr lIns="90000" tIns="45000" rIns="90000" bIns="45000">
               <a:spAutoFit/>
             </a:bodyPr>
+            <a:lstStyle/>
             <a:p>
               <a:pPr>
                 <a:lnSpc>
@@ -7692,7 +8240,7 @@
                 </a:lnSpc>
               </a:pPr>
               <a:r>
-                <a:rPr b="0" lang="ru-RU" sz="1800" spc="-1" strike="noStrike">
+                <a:rPr lang="ru-RU" sz="1800" b="0" strike="noStrike" spc="-1">
                   <a:solidFill>
                     <a:srgbClr val="000000"/>
                   </a:solidFill>
@@ -7701,7 +8249,7 @@
                 </a:rPr>
                 <a:t>МК2</a:t>
               </a:r>
-              <a:endParaRPr b="0" lang="ru-RU" sz="1800" spc="-1" strike="noStrike">
+              <a:endParaRPr lang="ru-RU" sz="1800" b="0" strike="noStrike" spc="-1">
                 <a:latin typeface="Arial"/>
               </a:endParaRPr>
             </a:p>
@@ -7728,15 +8276,22 @@
           </a:ln>
         </p:spPr>
         <p:style>
-          <a:lnRef idx="0"/>
-          <a:fillRef idx="0"/>
-          <a:effectRef idx="0"/>
+          <a:lnRef idx="0">
+            <a:scrgbClr r="0" g="0" b="0"/>
+          </a:lnRef>
+          <a:fillRef idx="0">
+            <a:scrgbClr r="0" g="0" b="0"/>
+          </a:fillRef>
+          <a:effectRef idx="0">
+            <a:scrgbClr r="0" g="0" b="0"/>
+          </a:effectRef>
           <a:fontRef idx="minor"/>
         </p:style>
         <p:txBody>
-          <a:bodyPr lIns="90000" rIns="90000" tIns="45000" bIns="45000">
+          <a:bodyPr lIns="90000" tIns="45000" rIns="90000" bIns="45000">
             <a:spAutoFit/>
           </a:bodyPr>
+          <a:lstStyle/>
           <a:p>
             <a:pPr algn="ctr">
               <a:lnSpc>
@@ -7744,16 +8299,16 @@
               </a:lnSpc>
             </a:pPr>
             <a:fld id="{B4FA1AA1-4DC1-409F-AC82-C0E27C46E3F4}" type="slidenum">
-              <a:rPr b="0" lang="ru-RU" sz="2400" spc="-1" strike="noStrike">
+              <a:rPr lang="ru-RU" sz="2400" b="0" strike="noStrike" spc="-1">
                 <a:solidFill>
                   <a:srgbClr val="000000"/>
                 </a:solidFill>
                 <a:latin typeface="Arial"/>
                 <a:ea typeface="DejaVu Sans"/>
               </a:rPr>
-              <a:t>1</a:t>
+              <a:t>5</a:t>
             </a:fld>
-            <a:endParaRPr b="0" lang="ru-RU" sz="2400" spc="-1" strike="noStrike">
+            <a:endParaRPr lang="ru-RU" sz="2400" b="0" strike="noStrike" spc="-1">
               <a:latin typeface="Arial"/>
             </a:endParaRPr>
           </a:p>
@@ -7761,11 +8316,14 @@
       </p:sp>
     </p:spTree>
   </p:cSld>
-  <mc:AlternateContent>
+  <p:clrMapOvr>
+    <a:masterClrMapping/>
+  </p:clrMapOvr>
+  <mc:AlternateContent xmlns:mc="http://schemas.openxmlformats.org/markup-compatibility/2006" xmlns:p14="http://schemas.microsoft.com/office/powerpoint/2010/main">
     <mc:Choice Requires="p14">
       <p:transition spd="slow" p14:dur="2000"/>
     </mc:Choice>
-    <mc:Fallback>
+    <mc:Fallback xmlns:p15="http://schemas.microsoft.com/office/powerpoint/2012/main" xmlns="">
       <p:transition spd="slow"/>
     </mc:Fallback>
   </mc:AlternateContent>
@@ -7773,7 +8331,7 @@
 </file>
 
 <file path=ppt/slides/slide6.xml><?xml version="1.0" encoding="utf-8"?>
-<p:sld xmlns:a="http://schemas.openxmlformats.org/drawingml/2006/main" xmlns:p="http://schemas.openxmlformats.org/presentationml/2006/main" xmlns:r="http://schemas.openxmlformats.org/officeDocument/2006/relationships" xmlns:p14="http://schemas.microsoft.com/office/powerpoint/2010/main" xmlns:p15="http://schemas.microsoft.com/office/powerpoint/2012/main" xmlns:mc="http://schemas.openxmlformats.org/markup-compatibility/2006">
+<p:sld xmlns:a="http://schemas.openxmlformats.org/drawingml/2006/main" xmlns:r="http://schemas.openxmlformats.org/officeDocument/2006/relationships" xmlns:p="http://schemas.openxmlformats.org/presentationml/2006/main">
   <p:cSld>
     <p:spTree>
       <p:nvGrpSpPr>
@@ -7809,15 +8367,22 @@
           </a:ln>
         </p:spPr>
         <p:style>
-          <a:lnRef idx="0"/>
-          <a:fillRef idx="0"/>
-          <a:effectRef idx="0"/>
+          <a:lnRef idx="0">
+            <a:scrgbClr r="0" g="0" b="0"/>
+          </a:lnRef>
+          <a:fillRef idx="0">
+            <a:scrgbClr r="0" g="0" b="0"/>
+          </a:fillRef>
+          <a:effectRef idx="0">
+            <a:scrgbClr r="0" g="0" b="0"/>
+          </a:effectRef>
           <a:fontRef idx="minor"/>
         </p:style>
         <p:txBody>
-          <a:bodyPr lIns="90000" rIns="90000" tIns="45000" bIns="45000" anchor="ctr">
+          <a:bodyPr lIns="90000" tIns="45000" rIns="90000" bIns="45000" anchor="ctr">
             <a:noAutofit/>
           </a:bodyPr>
+          <a:lstStyle/>
           <a:p>
             <a:pPr algn="ctr">
               <a:lnSpc>
@@ -7825,7 +8390,7 @@
               </a:lnSpc>
             </a:pPr>
             <a:r>
-              <a:rPr b="0" lang="ru-RU" sz="4400" spc="-1" strike="noStrike">
+              <a:rPr lang="ru-RU" sz="4400" b="0" strike="noStrike" spc="-1">
                 <a:solidFill>
                   <a:srgbClr val="000000"/>
                 </a:solidFill>
@@ -7834,7 +8399,7 @@
               </a:rPr>
               <a:t>Подходы пространственной фильтрации</a:t>
             </a:r>
-            <a:endParaRPr b="0" lang="ru-RU" sz="4400" spc="-1" strike="noStrike">
+            <a:endParaRPr lang="ru-RU" sz="4400" b="0" strike="noStrike" spc="-1">
               <a:latin typeface="Arial"/>
             </a:endParaRPr>
           </a:p>
@@ -7860,15 +8425,22 @@
           </a:ln>
         </p:spPr>
         <p:style>
-          <a:lnRef idx="0"/>
-          <a:fillRef idx="0"/>
-          <a:effectRef idx="0"/>
+          <a:lnRef idx="0">
+            <a:scrgbClr r="0" g="0" b="0"/>
+          </a:lnRef>
+          <a:fillRef idx="0">
+            <a:scrgbClr r="0" g="0" b="0"/>
+          </a:fillRef>
+          <a:effectRef idx="0">
+            <a:scrgbClr r="0" g="0" b="0"/>
+          </a:effectRef>
           <a:fontRef idx="minor"/>
         </p:style>
         <p:txBody>
-          <a:bodyPr lIns="90000" rIns="90000" tIns="45000" bIns="45000">
+          <a:bodyPr lIns="90000" tIns="45000" rIns="90000" bIns="45000">
             <a:noAutofit/>
           </a:bodyPr>
+          <a:lstStyle/>
           <a:p>
             <a:pPr algn="ctr">
               <a:lnSpc>
@@ -7876,7 +8448,7 @@
               </a:lnSpc>
             </a:pPr>
             <a:r>
-              <a:rPr b="0" lang="en-US" sz="1800" spc="-1" strike="noStrike">
+              <a:rPr lang="en-US" sz="1800" b="0" strike="noStrike" spc="-1">
                 <a:solidFill>
                   <a:srgbClr val="000000"/>
                 </a:solidFill>
@@ -7885,7 +8457,7 @@
               </a:rPr>
               <a:t>Data-independent</a:t>
             </a:r>
-            <a:endParaRPr b="0" lang="ru-RU" sz="1800" spc="-1" strike="noStrike">
+            <a:endParaRPr lang="ru-RU" sz="1800" b="0" strike="noStrike" spc="-1">
               <a:latin typeface="Arial"/>
             </a:endParaRPr>
           </a:p>
@@ -7911,15 +8483,22 @@
           </a:ln>
         </p:spPr>
         <p:style>
-          <a:lnRef idx="0"/>
-          <a:fillRef idx="0"/>
-          <a:effectRef idx="0"/>
+          <a:lnRef idx="0">
+            <a:scrgbClr r="0" g="0" b="0"/>
+          </a:lnRef>
+          <a:fillRef idx="0">
+            <a:scrgbClr r="0" g="0" b="0"/>
+          </a:fillRef>
+          <a:effectRef idx="0">
+            <a:scrgbClr r="0" g="0" b="0"/>
+          </a:effectRef>
           <a:fontRef idx="minor"/>
         </p:style>
         <p:txBody>
-          <a:bodyPr lIns="90000" rIns="90000" tIns="45000" bIns="45000">
+          <a:bodyPr lIns="90000" tIns="45000" rIns="90000" bIns="45000">
             <a:noAutofit/>
           </a:bodyPr>
+          <a:lstStyle/>
           <a:p>
             <a:pPr algn="ctr">
               <a:lnSpc>
@@ -7927,7 +8506,7 @@
               </a:lnSpc>
             </a:pPr>
             <a:r>
-              <a:rPr b="0" lang="en-US" sz="1800" spc="-1" strike="noStrike">
+              <a:rPr lang="en-US" sz="1800" b="0" strike="noStrike" spc="-1">
                 <a:solidFill>
                   <a:srgbClr val="000000"/>
                 </a:solidFill>
@@ -7936,7 +8515,7 @@
               </a:rPr>
               <a:t>Stastically-optimum</a:t>
             </a:r>
-            <a:endParaRPr b="0" lang="ru-RU" sz="1800" spc="-1" strike="noStrike">
+            <a:endParaRPr lang="ru-RU" sz="1800" b="0" strike="noStrike" spc="-1">
               <a:latin typeface="Arial"/>
             </a:endParaRPr>
           </a:p>
@@ -7944,12 +8523,12 @@
       </p:sp>
       <p:pic>
         <p:nvPicPr>
-          <p:cNvPr id="119" name="Рисунок 1" descr=""/>
+          <p:cNvPr id="119" name="Рисунок 1"/>
           <p:cNvPicPr/>
           <p:nvPr/>
         </p:nvPicPr>
         <p:blipFill>
-          <a:blip r:embed="rId1"/>
+          <a:blip r:embed="rId3"/>
           <a:stretch/>
         </p:blipFill>
         <p:spPr>
@@ -7967,12 +8546,12 @@
       </p:pic>
       <p:pic>
         <p:nvPicPr>
-          <p:cNvPr id="120" name="Рисунок 2" descr=""/>
+          <p:cNvPr id="120" name="Рисунок 2"/>
           <p:cNvPicPr/>
           <p:nvPr/>
         </p:nvPicPr>
         <p:blipFill>
-          <a:blip r:embed="rId2"/>
+          <a:blip r:embed="rId4"/>
           <a:stretch/>
         </p:blipFill>
         <p:spPr>
@@ -8008,15 +8587,22 @@
           </a:ln>
         </p:spPr>
         <p:style>
-          <a:lnRef idx="0"/>
-          <a:fillRef idx="0"/>
-          <a:effectRef idx="0"/>
+          <a:lnRef idx="0">
+            <a:scrgbClr r="0" g="0" b="0"/>
+          </a:lnRef>
+          <a:fillRef idx="0">
+            <a:scrgbClr r="0" g="0" b="0"/>
+          </a:fillRef>
+          <a:effectRef idx="0">
+            <a:scrgbClr r="0" g="0" b="0"/>
+          </a:effectRef>
           <a:fontRef idx="minor"/>
         </p:style>
         <p:txBody>
-          <a:bodyPr lIns="90000" rIns="90000" tIns="45000" bIns="45000">
+          <a:bodyPr lIns="90000" tIns="45000" rIns="90000" bIns="45000">
             <a:spAutoFit/>
           </a:bodyPr>
+          <a:lstStyle/>
           <a:p>
             <a:pPr algn="ctr">
               <a:lnSpc>
@@ -8024,16 +8610,16 @@
               </a:lnSpc>
             </a:pPr>
             <a:fld id="{A4BC6D0E-5C7A-4CCF-9E58-2E67FA1DD629}" type="slidenum">
-              <a:rPr b="0" lang="ru-RU" sz="2400" spc="-1" strike="noStrike">
+              <a:rPr lang="ru-RU" sz="2400" b="0" strike="noStrike" spc="-1">
                 <a:solidFill>
                   <a:srgbClr val="000000"/>
                 </a:solidFill>
                 <a:latin typeface="Arial"/>
                 <a:ea typeface="DejaVu Sans"/>
               </a:rPr>
-              <a:t>1</a:t>
+              <a:t>6</a:t>
             </a:fld>
-            <a:endParaRPr b="0" lang="ru-RU" sz="2400" spc="-1" strike="noStrike">
+            <a:endParaRPr lang="ru-RU" sz="2400" b="0" strike="noStrike" spc="-1">
               <a:latin typeface="Arial"/>
             </a:endParaRPr>
           </a:p>
@@ -8041,11 +8627,14 @@
       </p:sp>
     </p:spTree>
   </p:cSld>
-  <mc:AlternateContent>
+  <p:clrMapOvr>
+    <a:masterClrMapping/>
+  </p:clrMapOvr>
+  <mc:AlternateContent xmlns:mc="http://schemas.openxmlformats.org/markup-compatibility/2006" xmlns:p14="http://schemas.microsoft.com/office/powerpoint/2010/main">
     <mc:Choice Requires="p14">
       <p:transition spd="slow" p14:dur="2000"/>
     </mc:Choice>
-    <mc:Fallback>
+    <mc:Fallback xmlns:p15="http://schemas.microsoft.com/office/powerpoint/2012/main" xmlns="">
       <p:transition spd="slow"/>
     </mc:Fallback>
   </mc:AlternateContent>
@@ -8053,7 +8642,7 @@
 </file>
 
 <file path=ppt/slides/slide7.xml><?xml version="1.0" encoding="utf-8"?>
-<p:sld xmlns:a="http://schemas.openxmlformats.org/drawingml/2006/main" xmlns:p="http://schemas.openxmlformats.org/presentationml/2006/main" xmlns:r="http://schemas.openxmlformats.org/officeDocument/2006/relationships" xmlns:p14="http://schemas.microsoft.com/office/powerpoint/2010/main" xmlns:p15="http://schemas.microsoft.com/office/powerpoint/2012/main" xmlns:mc="http://schemas.openxmlformats.org/markup-compatibility/2006">
+<p:sld xmlns:a="http://schemas.openxmlformats.org/drawingml/2006/main" xmlns:r="http://schemas.openxmlformats.org/officeDocument/2006/relationships" xmlns:p="http://schemas.openxmlformats.org/presentationml/2006/main">
   <p:cSld>
     <p:spTree>
       <p:nvGrpSpPr>
@@ -8089,15 +8678,22 @@
           </a:ln>
         </p:spPr>
         <p:style>
-          <a:lnRef idx="0"/>
-          <a:fillRef idx="0"/>
-          <a:effectRef idx="0"/>
+          <a:lnRef idx="0">
+            <a:scrgbClr r="0" g="0" b="0"/>
+          </a:lnRef>
+          <a:fillRef idx="0">
+            <a:scrgbClr r="0" g="0" b="0"/>
+          </a:fillRef>
+          <a:effectRef idx="0">
+            <a:scrgbClr r="0" g="0" b="0"/>
+          </a:effectRef>
           <a:fontRef idx="minor"/>
         </p:style>
         <p:txBody>
-          <a:bodyPr lIns="90000" rIns="90000" tIns="45000" bIns="45000" anchor="ctr">
+          <a:bodyPr lIns="90000" tIns="45000" rIns="90000" bIns="45000" anchor="ctr">
             <a:noAutofit/>
           </a:bodyPr>
+          <a:lstStyle/>
           <a:p>
             <a:pPr algn="ctr">
               <a:lnSpc>
@@ -8105,7 +8701,7 @@
               </a:lnSpc>
             </a:pPr>
             <a:r>
-              <a:rPr b="0" lang="ru-RU" sz="4400" spc="-1" strike="noStrike">
+              <a:rPr lang="ru-RU" sz="4400" b="0" strike="noStrike" spc="-1">
                 <a:solidFill>
                   <a:srgbClr val="000000"/>
                 </a:solidFill>
@@ -8114,7 +8710,7 @@
               </a:rPr>
               <a:t>Линейно ограниченные ФЛ</a:t>
             </a:r>
-            <a:endParaRPr b="0" lang="ru-RU" sz="4400" spc="-1" strike="noStrike">
+            <a:endParaRPr lang="ru-RU" sz="4400" b="0" strike="noStrike" spc="-1">
               <a:latin typeface="Arial"/>
             </a:endParaRPr>
           </a:p>
@@ -8140,9 +8736,15 @@
           </a:ln>
         </p:spPr>
         <p:style>
-          <a:lnRef idx="0"/>
-          <a:fillRef idx="0"/>
-          <a:effectRef idx="0"/>
+          <a:lnRef idx="0">
+            <a:scrgbClr r="0" g="0" b="0"/>
+          </a:lnRef>
+          <a:fillRef idx="0">
+            <a:scrgbClr r="0" g="0" b="0"/>
+          </a:fillRef>
+          <a:effectRef idx="0">
+            <a:scrgbClr r="0" g="0" b="0"/>
+          </a:effectRef>
           <a:fontRef idx="minor"/>
         </p:style>
       </p:sp>
@@ -8166,15 +8768,22 @@
           </a:ln>
         </p:spPr>
         <p:style>
-          <a:lnRef idx="0"/>
-          <a:fillRef idx="0"/>
-          <a:effectRef idx="0"/>
+          <a:lnRef idx="0">
+            <a:scrgbClr r="0" g="0" b="0"/>
+          </a:lnRef>
+          <a:fillRef idx="0">
+            <a:scrgbClr r="0" g="0" b="0"/>
+          </a:fillRef>
+          <a:effectRef idx="0">
+            <a:scrgbClr r="0" g="0" b="0"/>
+          </a:effectRef>
           <a:fontRef idx="minor"/>
         </p:style>
         <p:txBody>
-          <a:bodyPr lIns="90000" rIns="90000" tIns="45000" bIns="45000">
+          <a:bodyPr lIns="90000" tIns="45000" rIns="90000" bIns="45000">
             <a:spAutoFit/>
           </a:bodyPr>
+          <a:lstStyle/>
           <a:p>
             <a:pPr>
               <a:lnSpc>
@@ -8182,7 +8791,7 @@
               </a:lnSpc>
             </a:pPr>
             <a:r>
-              <a:rPr b="0" i="1" lang="en-US" sz="2000" spc="-1" strike="noStrike">
+              <a:rPr lang="en-US" sz="2000" b="0" i="1" strike="noStrike" spc="-1">
                 <a:solidFill>
                   <a:srgbClr val="000000"/>
                 </a:solidFill>
@@ -8192,7 +8801,7 @@
               <a:t>LC LMS </a:t>
             </a:r>
             <a:r>
-              <a:rPr b="0" i="1" lang="ru-RU" sz="2000" spc="-1" strike="noStrike">
+              <a:rPr lang="ru-RU" sz="2000" b="0" i="1" strike="noStrike" spc="-1">
                 <a:solidFill>
                   <a:srgbClr val="000000"/>
                 </a:solidFill>
@@ -8202,7 +8811,7 @@
               <a:t>– </a:t>
             </a:r>
             <a:r>
-              <a:rPr b="0" i="1" lang="en-US" sz="2000" spc="-1" strike="noStrike">
+              <a:rPr lang="en-US" sz="2000" b="0" i="1" strike="noStrike" spc="-1">
                 <a:solidFill>
                   <a:srgbClr val="000000"/>
                 </a:solidFill>
@@ -8212,7 +8821,7 @@
               <a:t> Linear Constrained Least Mean Squares </a:t>
             </a:r>
             <a:r>
-              <a:rPr b="0" i="1" lang="ru-RU" sz="2000" spc="-1" strike="noStrike">
+              <a:rPr lang="ru-RU" sz="2000" b="0" i="1" strike="noStrike" spc="-1">
                 <a:solidFill>
                   <a:srgbClr val="000000"/>
                 </a:solidFill>
@@ -8222,7 +8831,7 @@
               <a:t> –</a:t>
             </a:r>
             <a:r>
-              <a:rPr b="0" i="1" lang="en-US" sz="2000" spc="-1" strike="noStrike">
+              <a:rPr lang="en-US" sz="2000" b="0" i="1" strike="noStrike" spc="-1">
                 <a:solidFill>
                   <a:srgbClr val="000000"/>
                 </a:solidFill>
@@ -8232,7 +8841,7 @@
               <a:t> </a:t>
             </a:r>
             <a:r>
-              <a:rPr b="0" i="1" lang="ru-RU" sz="2000" spc="-1" strike="noStrike">
+              <a:rPr lang="ru-RU" sz="2000" b="0" i="1" strike="noStrike" spc="-1">
                 <a:solidFill>
                   <a:srgbClr val="000000"/>
                 </a:solidFill>
@@ -8241,7 +8850,7 @@
               </a:rPr>
               <a:t>Алгоритм Фроста</a:t>
             </a:r>
-            <a:endParaRPr b="0" lang="ru-RU" sz="2000" spc="-1" strike="noStrike">
+            <a:endParaRPr lang="ru-RU" sz="2000" b="0" strike="noStrike" spc="-1">
               <a:latin typeface="Arial"/>
             </a:endParaRPr>
           </a:p>
@@ -8252,7 +8861,7 @@
               </a:lnSpc>
             </a:pPr>
             <a:r>
-              <a:rPr b="0" i="1" lang="en-US" sz="2000" spc="-1" strike="noStrike">
+              <a:rPr lang="en-US" sz="2000" b="0" i="1" strike="noStrike" spc="-1">
                 <a:solidFill>
                   <a:srgbClr val="000000"/>
                 </a:solidFill>
@@ -8262,7 +8871,7 @@
               <a:t>LC RLS </a:t>
             </a:r>
             <a:r>
-              <a:rPr b="0" i="1" lang="ru-RU" sz="2000" spc="-1" strike="noStrike">
+              <a:rPr lang="ru-RU" sz="2000" b="0" i="1" strike="noStrike" spc="-1">
                 <a:solidFill>
                   <a:srgbClr val="000000"/>
                 </a:solidFill>
@@ -8272,7 +8881,7 @@
               <a:t>– </a:t>
             </a:r>
             <a:r>
-              <a:rPr b="0" i="1" lang="en-US" sz="2000" spc="-1" strike="noStrike">
+              <a:rPr lang="en-US" sz="2000" b="0" i="1" strike="noStrike" spc="-1">
                 <a:solidFill>
                   <a:srgbClr val="000000"/>
                 </a:solidFill>
@@ -8281,7 +8890,7 @@
               </a:rPr>
               <a:t> Linear Constrained Recursive Least Squares</a:t>
             </a:r>
-            <a:endParaRPr b="0" lang="ru-RU" sz="2000" spc="-1" strike="noStrike">
+            <a:endParaRPr lang="ru-RU" sz="2000" b="0" strike="noStrike" spc="-1">
               <a:latin typeface="Arial"/>
             </a:endParaRPr>
           </a:p>
@@ -8291,7 +8900,7 @@
                 <a:spcPct val="100000"/>
               </a:lnSpc>
             </a:pPr>
-            <a:endParaRPr b="0" lang="ru-RU" sz="2000" spc="-1" strike="noStrike">
+            <a:endParaRPr lang="ru-RU" sz="2000" b="0" strike="noStrike" spc="-1">
               <a:latin typeface="Arial"/>
             </a:endParaRPr>
           </a:p>
@@ -8301,7 +8910,7 @@
                 <a:spcPct val="100000"/>
               </a:lnSpc>
             </a:pPr>
-            <a:endParaRPr b="0" lang="ru-RU" sz="2000" spc="-1" strike="noStrike">
+            <a:endParaRPr lang="ru-RU" sz="2000" b="0" strike="noStrike" spc="-1">
               <a:latin typeface="Arial"/>
             </a:endParaRPr>
           </a:p>
@@ -8327,15 +8936,22 @@
           </a:ln>
         </p:spPr>
         <p:style>
-          <a:lnRef idx="0"/>
-          <a:fillRef idx="0"/>
-          <a:effectRef idx="0"/>
+          <a:lnRef idx="0">
+            <a:scrgbClr r="0" g="0" b="0"/>
+          </a:lnRef>
+          <a:fillRef idx="0">
+            <a:scrgbClr r="0" g="0" b="0"/>
+          </a:fillRef>
+          <a:effectRef idx="0">
+            <a:scrgbClr r="0" g="0" b="0"/>
+          </a:effectRef>
           <a:fontRef idx="minor"/>
         </p:style>
         <p:txBody>
-          <a:bodyPr lIns="90000" rIns="90000" tIns="45000" bIns="45000">
+          <a:bodyPr lIns="90000" tIns="45000" rIns="90000" bIns="45000">
             <a:spAutoFit/>
           </a:bodyPr>
+          <a:lstStyle/>
           <a:p>
             <a:pPr>
               <a:lnSpc>
@@ -8343,7 +8959,7 @@
               </a:lnSpc>
             </a:pPr>
             <a:r>
-              <a:rPr b="0" lang="ru-RU" sz="2000" spc="-1" strike="noStrike">
+              <a:rPr lang="ru-RU" sz="2000" b="0" strike="noStrike" spc="-1">
                 <a:solidFill>
                   <a:srgbClr val="000000"/>
                 </a:solidFill>
@@ -8353,7 +8969,7 @@
               <a:t>Минимизация </a:t>
             </a:r>
             <a:r>
-              <a:rPr b="0" lang="en-US" sz="2000" spc="-1" strike="noStrike">
+              <a:rPr lang="en-US" sz="2000" b="0" strike="noStrike" spc="-1">
                 <a:solidFill>
                   <a:srgbClr val="000000"/>
                 </a:solidFill>
@@ -8363,7 +8979,7 @@
               <a:t>MSE</a:t>
             </a:r>
             <a:r>
-              <a:rPr b="0" lang="ru-RU" sz="2000" spc="-1" strike="noStrike">
+              <a:rPr lang="ru-RU" sz="2000" b="0" strike="noStrike" spc="-1">
                 <a:solidFill>
                   <a:srgbClr val="000000"/>
                 </a:solidFill>
@@ -8372,9 +8988,12 @@
               </a:rPr>
               <a:t>-функции </a:t>
             </a:r>
+            <a:r>
+              <a:t/>
+            </a:r>
             <a:br/>
             <a:r>
-              <a:rPr b="0" lang="ru-RU" sz="2000" spc="-1" strike="noStrike">
+              <a:rPr lang="ru-RU" sz="2000" b="0" strike="noStrike" spc="-1">
                 <a:solidFill>
                   <a:srgbClr val="000000"/>
                 </a:solidFill>
@@ -8383,7 +9002,7 @@
               </a:rPr>
               <a:t>с линейными ограничениями </a:t>
             </a:r>
-            <a:endParaRPr b="0" lang="ru-RU" sz="2000" spc="-1" strike="noStrike">
+            <a:endParaRPr lang="ru-RU" sz="2000" b="0" strike="noStrike" spc="-1">
               <a:latin typeface="Arial"/>
             </a:endParaRPr>
           </a:p>
@@ -8409,15 +9028,22 @@
           </a:ln>
         </p:spPr>
         <p:style>
-          <a:lnRef idx="0"/>
-          <a:fillRef idx="0"/>
-          <a:effectRef idx="0"/>
+          <a:lnRef idx="0">
+            <a:scrgbClr r="0" g="0" b="0"/>
+          </a:lnRef>
+          <a:fillRef idx="0">
+            <a:scrgbClr r="0" g="0" b="0"/>
+          </a:fillRef>
+          <a:effectRef idx="0">
+            <a:scrgbClr r="0" g="0" b="0"/>
+          </a:effectRef>
           <a:fontRef idx="minor"/>
         </p:style>
         <p:txBody>
-          <a:bodyPr lIns="90000" rIns="90000" tIns="45000" bIns="45000">
+          <a:bodyPr lIns="90000" tIns="45000" rIns="90000" bIns="45000">
             <a:spAutoFit/>
           </a:bodyPr>
+          <a:lstStyle/>
           <a:p>
             <a:pPr>
               <a:lnSpc>
@@ -8425,7 +9051,7 @@
               </a:lnSpc>
             </a:pPr>
             <a:r>
-              <a:rPr b="0" lang="ru-RU" sz="2000" spc="-1" strike="noStrike">
+              <a:rPr lang="ru-RU" sz="2000" b="0" strike="noStrike" spc="-1">
                 <a:solidFill>
                   <a:srgbClr val="000000"/>
                 </a:solidFill>
@@ -8435,7 +9061,7 @@
               <a:t>Минимизация </a:t>
             </a:r>
             <a:r>
-              <a:rPr b="0" lang="en-US" sz="2000" spc="-1" strike="noStrike">
+              <a:rPr lang="en-US" sz="2000" b="0" strike="noStrike" spc="-1">
                 <a:solidFill>
                   <a:srgbClr val="000000"/>
                 </a:solidFill>
@@ -8445,7 +9071,7 @@
               <a:t>LS</a:t>
             </a:r>
             <a:r>
-              <a:rPr b="0" lang="ru-RU" sz="2000" spc="-1" strike="noStrike">
+              <a:rPr lang="ru-RU" sz="2000" b="0" strike="noStrike" spc="-1">
                 <a:solidFill>
                   <a:srgbClr val="000000"/>
                 </a:solidFill>
@@ -8454,9 +9080,12 @@
               </a:rPr>
               <a:t>-функции </a:t>
             </a:r>
+            <a:r>
+              <a:t/>
+            </a:r>
             <a:br/>
             <a:r>
-              <a:rPr b="0" lang="ru-RU" sz="2000" spc="-1" strike="noStrike">
+              <a:rPr lang="ru-RU" sz="2000" b="0" strike="noStrike" spc="-1">
                 <a:solidFill>
                   <a:srgbClr val="000000"/>
                 </a:solidFill>
@@ -8465,7 +9094,7 @@
               </a:rPr>
               <a:t>с линейными ограничениями </a:t>
             </a:r>
-            <a:endParaRPr b="0" lang="ru-RU" sz="2000" spc="-1" strike="noStrike">
+            <a:endParaRPr lang="ru-RU" sz="2000" b="0" strike="noStrike" spc="-1">
               <a:latin typeface="Arial"/>
             </a:endParaRPr>
           </a:p>
@@ -8486,6 +9115,7 @@
             <a:avLst/>
             <a:gdLst/>
             <a:ahLst/>
+            <a:cxnLst/>
             <a:rect l="l" t="t" r="r" b="b"/>
             <a:pathLst>
               <a:path w="21600" h="21600">
@@ -8503,7 +9133,7 @@
             <a:solidFill>
               <a:schemeClr val="tx1"/>
             </a:solidFill>
-            <a:tailEnd len="med" type="arrow" w="med"/>
+            <a:tailEnd type="arrow" w="med" len="med"/>
           </a:ln>
         </p:spPr>
         <p:style>
@@ -8534,6 +9164,7 @@
             <a:avLst/>
             <a:gdLst/>
             <a:ahLst/>
+            <a:cxnLst/>
             <a:rect l="l" t="t" r="r" b="b"/>
             <a:pathLst>
               <a:path w="21600" h="21600">
@@ -8551,7 +9182,7 @@
             <a:solidFill>
               <a:schemeClr val="tx1"/>
             </a:solidFill>
-            <a:tailEnd len="med" type="arrow" w="med"/>
+            <a:tailEnd type="arrow" w="med" len="med"/>
           </a:ln>
         </p:spPr>
         <p:style>
@@ -8587,15 +9218,22 @@
           </a:ln>
         </p:spPr>
         <p:style>
-          <a:lnRef idx="0"/>
-          <a:fillRef idx="0"/>
-          <a:effectRef idx="0"/>
+          <a:lnRef idx="0">
+            <a:scrgbClr r="0" g="0" b="0"/>
+          </a:lnRef>
+          <a:fillRef idx="0">
+            <a:scrgbClr r="0" g="0" b="0"/>
+          </a:fillRef>
+          <a:effectRef idx="0">
+            <a:scrgbClr r="0" g="0" b="0"/>
+          </a:effectRef>
           <a:fontRef idx="minor"/>
         </p:style>
         <p:txBody>
-          <a:bodyPr wrap="none" lIns="90000" rIns="90000" tIns="45000" bIns="45000">
+          <a:bodyPr wrap="none" lIns="90000" tIns="45000" rIns="90000" bIns="45000">
             <a:spAutoFit/>
           </a:bodyPr>
+          <a:lstStyle/>
           <a:p>
             <a:pPr>
               <a:lnSpc>
@@ -8603,7 +9241,7 @@
               </a:lnSpc>
             </a:pPr>
             <a:r>
-              <a:rPr b="0" i="1" lang="en-US" sz="2000" spc="-1" strike="noStrike">
+              <a:rPr lang="en-US" sz="2000" b="0" i="1" strike="noStrike" spc="-1">
                 <a:solidFill>
                   <a:srgbClr val="000000"/>
                 </a:solidFill>
@@ -8612,7 +9250,7 @@
               </a:rPr>
               <a:t>LC RLS</a:t>
             </a:r>
-            <a:endParaRPr b="0" lang="ru-RU" sz="2000" spc="-1" strike="noStrike">
+            <a:endParaRPr lang="ru-RU" sz="2000" b="0" strike="noStrike" spc="-1">
               <a:latin typeface="Arial"/>
             </a:endParaRPr>
           </a:p>
@@ -8633,6 +9271,7 @@
             <a:avLst/>
             <a:gdLst/>
             <a:ahLst/>
+            <a:cxnLst/>
             <a:rect l="l" t="t" r="r" b="b"/>
             <a:pathLst>
               <a:path w="21600" h="21600">
@@ -8650,7 +9289,7 @@
             <a:solidFill>
               <a:schemeClr val="tx1"/>
             </a:solidFill>
-            <a:tailEnd len="med" type="arrow" w="med"/>
+            <a:tailEnd type="arrow" w="med" len="med"/>
           </a:ln>
         </p:spPr>
         <p:style>
@@ -8686,15 +9325,22 @@
           </a:ln>
         </p:spPr>
         <p:style>
-          <a:lnRef idx="0"/>
-          <a:fillRef idx="0"/>
-          <a:effectRef idx="0"/>
+          <a:lnRef idx="0">
+            <a:scrgbClr r="0" g="0" b="0"/>
+          </a:lnRef>
+          <a:fillRef idx="0">
+            <a:scrgbClr r="0" g="0" b="0"/>
+          </a:fillRef>
+          <a:effectRef idx="0">
+            <a:scrgbClr r="0" g="0" b="0"/>
+          </a:effectRef>
           <a:fontRef idx="minor"/>
         </p:style>
         <p:txBody>
-          <a:bodyPr wrap="none" lIns="90000" rIns="90000" tIns="45000" bIns="45000">
+          <a:bodyPr wrap="none" lIns="90000" tIns="45000" rIns="90000" bIns="45000">
             <a:spAutoFit/>
           </a:bodyPr>
+          <a:lstStyle/>
           <a:p>
             <a:pPr>
               <a:lnSpc>
@@ -8702,7 +9348,7 @@
               </a:lnSpc>
             </a:pPr>
             <a:r>
-              <a:rPr b="0" i="1" lang="en-US" sz="2000" spc="-1" strike="noStrike">
+              <a:rPr lang="en-US" sz="2000" b="0" i="1" strike="noStrike" spc="-1">
                 <a:solidFill>
                   <a:srgbClr val="000000"/>
                 </a:solidFill>
@@ -8711,7 +9357,7 @@
               </a:rPr>
               <a:t>LC LMS</a:t>
             </a:r>
-            <a:endParaRPr b="0" lang="ru-RU" sz="2000" spc="-1" strike="noStrike">
+            <a:endParaRPr lang="ru-RU" sz="2000" b="0" strike="noStrike" spc="-1">
               <a:latin typeface="Arial"/>
             </a:endParaRPr>
           </a:p>
@@ -8732,6 +9378,7 @@
             <a:avLst/>
             <a:gdLst/>
             <a:ahLst/>
+            <a:cxnLst/>
             <a:rect l="l" t="t" r="r" b="b"/>
             <a:pathLst>
               <a:path w="21600" h="21600">
@@ -8749,7 +9396,7 @@
             <a:solidFill>
               <a:schemeClr val="tx1"/>
             </a:solidFill>
-            <a:tailEnd len="med" type="arrow" w="med"/>
+            <a:tailEnd type="arrow" w="med" len="med"/>
           </a:ln>
         </p:spPr>
         <p:style>
@@ -8785,15 +9432,22 @@
           </a:ln>
         </p:spPr>
         <p:style>
-          <a:lnRef idx="0"/>
-          <a:fillRef idx="0"/>
-          <a:effectRef idx="0"/>
+          <a:lnRef idx="0">
+            <a:scrgbClr r="0" g="0" b="0"/>
+          </a:lnRef>
+          <a:fillRef idx="0">
+            <a:scrgbClr r="0" g="0" b="0"/>
+          </a:fillRef>
+          <a:effectRef idx="0">
+            <a:scrgbClr r="0" g="0" b="0"/>
+          </a:effectRef>
           <a:fontRef idx="minor"/>
         </p:style>
         <p:txBody>
-          <a:bodyPr lIns="90000" rIns="90000" tIns="45000" bIns="45000">
+          <a:bodyPr lIns="90000" tIns="45000" rIns="90000" bIns="45000">
             <a:spAutoFit/>
           </a:bodyPr>
+          <a:lstStyle/>
           <a:p>
             <a:pPr algn="ctr">
               <a:lnSpc>
@@ -8801,16 +9455,16 @@
               </a:lnSpc>
             </a:pPr>
             <a:fld id="{EA6363D3-BC40-494A-B99F-BD8087DB01DB}" type="slidenum">
-              <a:rPr b="0" lang="ru-RU" sz="2400" spc="-1" strike="noStrike">
+              <a:rPr lang="ru-RU" sz="2400" b="0" strike="noStrike" spc="-1">
                 <a:solidFill>
                   <a:srgbClr val="000000"/>
                 </a:solidFill>
                 <a:latin typeface="Arial"/>
                 <a:ea typeface="DejaVu Sans"/>
               </a:rPr>
-              <a:t>1</a:t>
+              <a:t>7</a:t>
             </a:fld>
-            <a:endParaRPr b="0" lang="ru-RU" sz="2400" spc="-1" strike="noStrike">
+            <a:endParaRPr lang="ru-RU" sz="2400" b="0" strike="noStrike" spc="-1">
               <a:latin typeface="Arial"/>
             </a:endParaRPr>
           </a:p>
@@ -8818,12 +9472,12 @@
       </p:sp>
       <p:pic>
         <p:nvPicPr>
-          <p:cNvPr id="134" name="" descr=""/>
+          <p:cNvPr id="134" name="Рисунок 133"/>
           <p:cNvPicPr/>
           <p:nvPr/>
         </p:nvPicPr>
         <p:blipFill>
-          <a:blip r:embed="rId1"/>
+          <a:blip r:embed="rId3"/>
           <a:stretch/>
         </p:blipFill>
         <p:spPr>
@@ -8841,12 +9495,12 @@
       </p:pic>
       <p:pic>
         <p:nvPicPr>
-          <p:cNvPr id="135" name="" descr=""/>
+          <p:cNvPr id="135" name="Рисунок 134"/>
           <p:cNvPicPr/>
           <p:nvPr/>
         </p:nvPicPr>
         <p:blipFill>
-          <a:blip r:embed="rId2"/>
+          <a:blip r:embed="rId4"/>
           <a:stretch/>
         </p:blipFill>
         <p:spPr>
@@ -8864,11 +9518,14 @@
       </p:pic>
     </p:spTree>
   </p:cSld>
-  <mc:AlternateContent>
+  <p:clrMapOvr>
+    <a:masterClrMapping/>
+  </p:clrMapOvr>
+  <mc:AlternateContent xmlns:mc="http://schemas.openxmlformats.org/markup-compatibility/2006" xmlns:p14="http://schemas.microsoft.com/office/powerpoint/2010/main">
     <mc:Choice Requires="p14">
       <p:transition spd="slow" p14:dur="2000"/>
     </mc:Choice>
-    <mc:Fallback>
+    <mc:Fallback xmlns:p15="http://schemas.microsoft.com/office/powerpoint/2012/main" xmlns="">
       <p:transition spd="slow"/>
     </mc:Fallback>
   </mc:AlternateContent>
@@ -8876,7 +9533,7 @@
 </file>
 
 <file path=ppt/slides/slide8.xml><?xml version="1.0" encoding="utf-8"?>
-<p:sld xmlns:a="http://schemas.openxmlformats.org/drawingml/2006/main" xmlns:p="http://schemas.openxmlformats.org/presentationml/2006/main" xmlns:r="http://schemas.openxmlformats.org/officeDocument/2006/relationships" xmlns:p14="http://schemas.microsoft.com/office/powerpoint/2010/main" xmlns:p15="http://schemas.microsoft.com/office/powerpoint/2012/main" xmlns:mc="http://schemas.openxmlformats.org/markup-compatibility/2006">
+<p:sld xmlns:a="http://schemas.openxmlformats.org/drawingml/2006/main" xmlns:r="http://schemas.openxmlformats.org/officeDocument/2006/relationships" xmlns:p="http://schemas.openxmlformats.org/presentationml/2006/main">
   <p:cSld>
     <p:spTree>
       <p:nvGrpSpPr>
@@ -8912,15 +9569,22 @@
           </a:ln>
         </p:spPr>
         <p:style>
-          <a:lnRef idx="0"/>
-          <a:fillRef idx="0"/>
-          <a:effectRef idx="0"/>
+          <a:lnRef idx="0">
+            <a:scrgbClr r="0" g="0" b="0"/>
+          </a:lnRef>
+          <a:fillRef idx="0">
+            <a:scrgbClr r="0" g="0" b="0"/>
+          </a:fillRef>
+          <a:effectRef idx="0">
+            <a:scrgbClr r="0" g="0" b="0"/>
+          </a:effectRef>
           <a:fontRef idx="minor"/>
         </p:style>
         <p:txBody>
-          <a:bodyPr lIns="90000" rIns="90000" tIns="45000" bIns="45000" anchor="ctr">
+          <a:bodyPr lIns="90000" tIns="45000" rIns="90000" bIns="45000" anchor="ctr">
             <a:normAutofit fontScale="88000"/>
           </a:bodyPr>
+          <a:lstStyle/>
           <a:p>
             <a:pPr algn="ctr">
               <a:lnSpc>
@@ -8928,7 +9592,7 @@
               </a:lnSpc>
             </a:pPr>
             <a:r>
-              <a:rPr b="0" lang="ru-RU" sz="4400" spc="-1" strike="noStrike">
+              <a:rPr lang="ru-RU" sz="4400" b="0" strike="noStrike" spc="-1">
                 <a:solidFill>
                   <a:srgbClr val="000000"/>
                 </a:solidFill>
@@ -8937,7 +9601,7 @@
               </a:rPr>
               <a:t>Моделирование. Постановка задачи.</a:t>
             </a:r>
-            <a:endParaRPr b="0" lang="ru-RU" sz="4400" spc="-1" strike="noStrike">
+            <a:endParaRPr lang="ru-RU" sz="4400" b="0" strike="noStrike" spc="-1">
               <a:latin typeface="Arial"/>
             </a:endParaRPr>
           </a:p>
@@ -8945,104 +9609,7 @@
       </p:sp>
       <p:pic>
         <p:nvPicPr>
-          <p:cNvPr id="137" name="Рисунок 115" descr=""/>
-          <p:cNvPicPr/>
-          <p:nvPr/>
-        </p:nvPicPr>
-        <p:blipFill>
-          <a:blip r:embed="rId1"/>
-          <a:stretch/>
-        </p:blipFill>
-        <p:spPr>
-          <a:xfrm>
-            <a:off x="613800" y="5096160"/>
-            <a:ext cx="5502600" cy="1565280"/>
-          </a:xfrm>
-          <a:prstGeom prst="rect">
-            <a:avLst/>
-          </a:prstGeom>
-          <a:ln>
-            <a:noFill/>
-          </a:ln>
-        </p:spPr>
-      </p:pic>
-      <p:pic>
-        <p:nvPicPr>
-          <p:cNvPr id="138" name="Рисунок 116" descr=""/>
-          <p:cNvPicPr/>
-          <p:nvPr/>
-        </p:nvPicPr>
-        <p:blipFill>
-          <a:blip r:embed="rId2"/>
-          <a:stretch/>
-        </p:blipFill>
-        <p:spPr>
-          <a:xfrm>
-            <a:off x="6192000" y="5138640"/>
-            <a:ext cx="1796400" cy="1486800"/>
-          </a:xfrm>
-          <a:prstGeom prst="rect">
-            <a:avLst/>
-          </a:prstGeom>
-          <a:ln>
-            <a:noFill/>
-          </a:ln>
-        </p:spPr>
-      </p:pic>
-      <p:sp>
-        <p:nvSpPr>
-          <p:cNvPr id="139" name="CustomShape 2"/>
-          <p:cNvSpPr/>
-          <p:nvPr/>
-        </p:nvSpPr>
-        <p:spPr>
-          <a:xfrm>
-            <a:off x="8460360" y="0"/>
-            <a:ext cx="683280" cy="456120"/>
-          </a:xfrm>
-          <a:prstGeom prst="rect">
-            <a:avLst/>
-          </a:prstGeom>
-          <a:noFill/>
-          <a:ln>
-            <a:noFill/>
-          </a:ln>
-        </p:spPr>
-        <p:style>
-          <a:lnRef idx="0"/>
-          <a:fillRef idx="0"/>
-          <a:effectRef idx="0"/>
-          <a:fontRef idx="minor"/>
-        </p:style>
-        <p:txBody>
-          <a:bodyPr lIns="90000" rIns="90000" tIns="45000" bIns="45000">
-            <a:spAutoFit/>
-          </a:bodyPr>
-          <a:p>
-            <a:pPr algn="ctr">
-              <a:lnSpc>
-                <a:spcPct val="100000"/>
-              </a:lnSpc>
-            </a:pPr>
-            <a:fld id="{06959F03-8411-4C8F-BE76-92F67A3444BD}" type="slidenum">
-              <a:rPr b="0" lang="ru-RU" sz="2400" spc="-1" strike="noStrike">
-                <a:solidFill>
-                  <a:srgbClr val="000000"/>
-                </a:solidFill>
-                <a:latin typeface="Arial"/>
-                <a:ea typeface="DejaVu Sans"/>
-              </a:rPr>
-              <a:t>8</a:t>
-            </a:fld>
-            <a:endParaRPr b="0" lang="ru-RU" sz="2400" spc="-1" strike="noStrike">
-              <a:latin typeface="Arial"/>
-            </a:endParaRPr>
-          </a:p>
-        </p:txBody>
-      </p:sp>
-      <p:pic>
-        <p:nvPicPr>
-          <p:cNvPr id="140" name="" descr=""/>
+          <p:cNvPr id="137" name="Рисунок 115"/>
           <p:cNvPicPr/>
           <p:nvPr/>
         </p:nvPicPr>
@@ -9052,8 +9619,8 @@
         </p:blipFill>
         <p:spPr>
           <a:xfrm>
-            <a:off x="216000" y="1368000"/>
-            <a:ext cx="4104000" cy="3744000"/>
+            <a:off x="613800" y="5096160"/>
+            <a:ext cx="5502600" cy="1565280"/>
           </a:xfrm>
           <a:prstGeom prst="rect">
             <a:avLst/>
@@ -9065,7 +9632,7 @@
       </p:pic>
       <p:pic>
         <p:nvPicPr>
-          <p:cNvPr id="141" name="" descr=""/>
+          <p:cNvPr id="138" name="Рисунок 116"/>
           <p:cNvPicPr/>
           <p:nvPr/>
         </p:nvPicPr>
@@ -9075,8 +9642,8 @@
         </p:blipFill>
         <p:spPr>
           <a:xfrm>
-            <a:off x="3888000" y="2413440"/>
-            <a:ext cx="4968000" cy="2626560"/>
+            <a:off x="6192000" y="5138640"/>
+            <a:ext cx="1796400" cy="1486800"/>
           </a:xfrm>
           <a:prstGeom prst="rect">
             <a:avLst/>
@@ -9086,13 +9653,120 @@
           </a:ln>
         </p:spPr>
       </p:pic>
+      <p:sp>
+        <p:nvSpPr>
+          <p:cNvPr id="139" name="CustomShape 2"/>
+          <p:cNvSpPr/>
+          <p:nvPr/>
+        </p:nvSpPr>
+        <p:spPr>
+          <a:xfrm>
+            <a:off x="8460360" y="0"/>
+            <a:ext cx="683280" cy="456120"/>
+          </a:xfrm>
+          <a:prstGeom prst="rect">
+            <a:avLst/>
+          </a:prstGeom>
+          <a:noFill/>
+          <a:ln>
+            <a:noFill/>
+          </a:ln>
+        </p:spPr>
+        <p:style>
+          <a:lnRef idx="0">
+            <a:scrgbClr r="0" g="0" b="0"/>
+          </a:lnRef>
+          <a:fillRef idx="0">
+            <a:scrgbClr r="0" g="0" b="0"/>
+          </a:fillRef>
+          <a:effectRef idx="0">
+            <a:scrgbClr r="0" g="0" b="0"/>
+          </a:effectRef>
+          <a:fontRef idx="minor"/>
+        </p:style>
+        <p:txBody>
+          <a:bodyPr lIns="90000" tIns="45000" rIns="90000" bIns="45000">
+            <a:spAutoFit/>
+          </a:bodyPr>
+          <a:lstStyle/>
+          <a:p>
+            <a:pPr algn="ctr">
+              <a:lnSpc>
+                <a:spcPct val="100000"/>
+              </a:lnSpc>
+            </a:pPr>
+            <a:fld id="{06959F03-8411-4C8F-BE76-92F67A3444BD}" type="slidenum">
+              <a:rPr lang="ru-RU" sz="2400" b="0" strike="noStrike" spc="-1">
+                <a:solidFill>
+                  <a:srgbClr val="000000"/>
+                </a:solidFill>
+                <a:latin typeface="Arial"/>
+                <a:ea typeface="DejaVu Sans"/>
+              </a:rPr>
+              <a:t>8</a:t>
+            </a:fld>
+            <a:endParaRPr lang="ru-RU" sz="2400" b="0" strike="noStrike" spc="-1">
+              <a:latin typeface="Arial"/>
+            </a:endParaRPr>
+          </a:p>
+        </p:txBody>
+      </p:sp>
+      <p:pic>
+        <p:nvPicPr>
+          <p:cNvPr id="140" name="Рисунок 139"/>
+          <p:cNvPicPr/>
+          <p:nvPr/>
+        </p:nvPicPr>
+        <p:blipFill>
+          <a:blip r:embed="rId5"/>
+          <a:stretch/>
+        </p:blipFill>
+        <p:spPr>
+          <a:xfrm>
+            <a:off x="216000" y="1368000"/>
+            <a:ext cx="4104000" cy="3744000"/>
+          </a:xfrm>
+          <a:prstGeom prst="rect">
+            <a:avLst/>
+          </a:prstGeom>
+          <a:ln>
+            <a:noFill/>
+          </a:ln>
+        </p:spPr>
+      </p:pic>
+      <p:pic>
+        <p:nvPicPr>
+          <p:cNvPr id="141" name="Рисунок 140"/>
+          <p:cNvPicPr/>
+          <p:nvPr/>
+        </p:nvPicPr>
+        <p:blipFill>
+          <a:blip r:embed="rId6"/>
+          <a:stretch/>
+        </p:blipFill>
+        <p:spPr>
+          <a:xfrm>
+            <a:off x="3888000" y="2413440"/>
+            <a:ext cx="4968000" cy="2626560"/>
+          </a:xfrm>
+          <a:prstGeom prst="rect">
+            <a:avLst/>
+          </a:prstGeom>
+          <a:ln>
+            <a:noFill/>
+          </a:ln>
+        </p:spPr>
+      </p:pic>
     </p:spTree>
   </p:cSld>
-  <mc:AlternateContent>
+  <p:clrMapOvr>
+    <a:masterClrMapping/>
+  </p:clrMapOvr>
+  <mc:AlternateContent xmlns:mc="http://schemas.openxmlformats.org/markup-compatibility/2006" xmlns:p14="http://schemas.microsoft.com/office/powerpoint/2010/main">
     <mc:Choice Requires="p14">
       <p:transition spd="slow" p14:dur="2000"/>
     </mc:Choice>
-    <mc:Fallback>
+    <mc:Fallback xmlns:p15="http://schemas.microsoft.com/office/powerpoint/2012/main" xmlns="">
       <p:transition spd="slow"/>
     </mc:Fallback>
   </mc:AlternateContent>
@@ -9100,7 +9774,7 @@
 </file>
 
 <file path=ppt/slides/slide9.xml><?xml version="1.0" encoding="utf-8"?>
-<p:sld xmlns:a="http://schemas.openxmlformats.org/drawingml/2006/main" xmlns:p="http://schemas.openxmlformats.org/presentationml/2006/main" xmlns:r="http://schemas.openxmlformats.org/officeDocument/2006/relationships" xmlns:p14="http://schemas.microsoft.com/office/powerpoint/2010/main" xmlns:p15="http://schemas.microsoft.com/office/powerpoint/2012/main" xmlns:mc="http://schemas.openxmlformats.org/markup-compatibility/2006">
+<p:sld xmlns:a="http://schemas.openxmlformats.org/drawingml/2006/main" xmlns:r="http://schemas.openxmlformats.org/officeDocument/2006/relationships" xmlns:p="http://schemas.openxmlformats.org/presentationml/2006/main">
   <p:cSld>
     <p:spTree>
       <p:nvGrpSpPr>
@@ -9136,15 +9810,22 @@
           </a:ln>
         </p:spPr>
         <p:style>
-          <a:lnRef idx="0"/>
-          <a:fillRef idx="0"/>
-          <a:effectRef idx="0"/>
+          <a:lnRef idx="0">
+            <a:scrgbClr r="0" g="0" b="0"/>
+          </a:lnRef>
+          <a:fillRef idx="0">
+            <a:scrgbClr r="0" g="0" b="0"/>
+          </a:fillRef>
+          <a:effectRef idx="0">
+            <a:scrgbClr r="0" g="0" b="0"/>
+          </a:effectRef>
           <a:fontRef idx="minor"/>
         </p:style>
         <p:txBody>
-          <a:bodyPr lIns="90000" rIns="90000" tIns="45000" bIns="45000" anchor="ctr">
-            <a:normAutofit fontScale="88000"/>
-          </a:bodyPr>
+          <a:bodyPr lIns="90000" tIns="45000" rIns="90000" bIns="45000" anchor="ctr">
+            <a:normAutofit fontScale="88000" lnSpcReduction="20000"/>
+          </a:bodyPr>
+          <a:lstStyle/>
           <a:p>
             <a:pPr algn="ctr">
               <a:lnSpc>
@@ -9152,7 +9833,7 @@
               </a:lnSpc>
             </a:pPr>
             <a:r>
-              <a:rPr b="0" lang="en-US" sz="4400" spc="-1" strike="noStrike">
+              <a:rPr lang="en-US" sz="4400" b="0" strike="noStrike" spc="-1">
                 <a:solidFill>
                   <a:srgbClr val="000000"/>
                 </a:solidFill>
@@ -9161,7 +9842,7 @@
               </a:rPr>
               <a:t>Perceptual Evaluation of Speech Quality (PESQ)</a:t>
             </a:r>
-            <a:endParaRPr b="0" lang="ru-RU" sz="4400" spc="-1" strike="noStrike">
+            <a:endParaRPr lang="ru-RU" sz="4400" b="0" strike="noStrike" spc="-1">
               <a:latin typeface="Arial"/>
             </a:endParaRPr>
           </a:p>
@@ -9187,20 +9868,26 @@
           </a:ln>
         </p:spPr>
         <p:style>
-          <a:lnRef idx="0"/>
-          <a:fillRef idx="0"/>
-          <a:effectRef idx="0"/>
+          <a:lnRef idx="0">
+            <a:scrgbClr r="0" g="0" b="0"/>
+          </a:lnRef>
+          <a:fillRef idx="0">
+            <a:scrgbClr r="0" g="0" b="0"/>
+          </a:fillRef>
+          <a:effectRef idx="0">
+            <a:scrgbClr r="0" g="0" b="0"/>
+          </a:effectRef>
           <a:fontRef idx="minor"/>
         </p:style>
       </p:sp>
       <p:pic>
         <p:nvPicPr>
-          <p:cNvPr id="144" name="Рисунок 119" descr=""/>
+          <p:cNvPr id="144" name="Рисунок 119"/>
           <p:cNvPicPr/>
           <p:nvPr/>
         </p:nvPicPr>
         <p:blipFill>
-          <a:blip r:embed="rId1"/>
+          <a:blip r:embed="rId3"/>
           <a:stretch/>
         </p:blipFill>
         <p:spPr>
@@ -9236,15 +9923,22 @@
           </a:ln>
         </p:spPr>
         <p:style>
-          <a:lnRef idx="0"/>
-          <a:fillRef idx="0"/>
-          <a:effectRef idx="0"/>
+          <a:lnRef idx="0">
+            <a:scrgbClr r="0" g="0" b="0"/>
+          </a:lnRef>
+          <a:fillRef idx="0">
+            <a:scrgbClr r="0" g="0" b="0"/>
+          </a:fillRef>
+          <a:effectRef idx="0">
+            <a:scrgbClr r="0" g="0" b="0"/>
+          </a:effectRef>
           <a:fontRef idx="minor"/>
         </p:style>
         <p:txBody>
-          <a:bodyPr lIns="90000" rIns="90000" tIns="45000" bIns="45000">
+          <a:bodyPr lIns="90000" tIns="45000" rIns="90000" bIns="45000">
             <a:spAutoFit/>
           </a:bodyPr>
+          <a:lstStyle/>
           <a:p>
             <a:pPr algn="ctr">
               <a:lnSpc>
@@ -9252,7 +9946,7 @@
               </a:lnSpc>
             </a:pPr>
             <a:fld id="{0A677106-6E25-4FC4-8B99-BECD705384CD}" type="slidenum">
-              <a:rPr b="0" lang="ru-RU" sz="2400" spc="-1" strike="noStrike">
+              <a:rPr lang="ru-RU" sz="2400" b="0" strike="noStrike" spc="-1">
                 <a:solidFill>
                   <a:srgbClr val="000000"/>
                 </a:solidFill>
@@ -9261,7 +9955,7 @@
               </a:rPr>
               <a:t>9</a:t>
             </a:fld>
-            <a:endParaRPr b="0" lang="ru-RU" sz="2400" spc="-1" strike="noStrike">
+            <a:endParaRPr lang="ru-RU" sz="2400" b="0" strike="noStrike" spc="-1">
               <a:latin typeface="Arial"/>
             </a:endParaRPr>
           </a:p>
@@ -9269,11 +9963,14 @@
       </p:sp>
     </p:spTree>
   </p:cSld>
-  <mc:AlternateContent>
+  <p:clrMapOvr>
+    <a:masterClrMapping/>
+  </p:clrMapOvr>
+  <mc:AlternateContent xmlns:mc="http://schemas.openxmlformats.org/markup-compatibility/2006" xmlns:p14="http://schemas.microsoft.com/office/powerpoint/2010/main">
     <mc:Choice Requires="p14">
       <p:transition spd="slow" p14:dur="2000"/>
     </mc:Choice>
-    <mc:Fallback>
+    <mc:Fallback xmlns:p15="http://schemas.microsoft.com/office/powerpoint/2012/main" xmlns="">
       <p:transition spd="slow"/>
     </mc:Fallback>
   </mc:AlternateContent>
@@ -9291,31 +9988,31 @@
         <a:sysClr val="window" lastClr="FFFFFF"/>
       </a:lt1>
       <a:dk2>
-        <a:srgbClr val="1f497d"/>
+        <a:srgbClr val="1F497D"/>
       </a:dk2>
       <a:lt2>
-        <a:srgbClr val="eeece1"/>
+        <a:srgbClr val="EEECE1"/>
       </a:lt2>
       <a:accent1>
-        <a:srgbClr val="4f81bd"/>
+        <a:srgbClr val="4F81BD"/>
       </a:accent1>
       <a:accent2>
-        <a:srgbClr val="c0504d"/>
+        <a:srgbClr val="C0504D"/>
       </a:accent2>
       <a:accent3>
-        <a:srgbClr val="9bbb59"/>
+        <a:srgbClr val="9BBB59"/>
       </a:accent3>
       <a:accent4>
-        <a:srgbClr val="8064a2"/>
+        <a:srgbClr val="8064A2"/>
       </a:accent4>
       <a:accent5>
-        <a:srgbClr val="4bacc6"/>
+        <a:srgbClr val="4BACC6"/>
       </a:accent5>
       <a:accent6>
-        <a:srgbClr val="f79646"/>
+        <a:srgbClr val="F79646"/>
       </a:accent6>
       <a:hlink>
-        <a:srgbClr val="0000ff"/>
+        <a:srgbClr val="0000FF"/>
       </a:hlink>
       <a:folHlink>
         <a:srgbClr val="800080"/>
@@ -9503,6 +10200,8 @@
       </a:bgFillStyleLst>
     </a:fmtScheme>
   </a:themeElements>
+  <a:objectDefaults/>
+  <a:extraClrSchemeLst/>
 </a:theme>
 </file>
 
@@ -9517,31 +10216,31 @@
         <a:sysClr val="window" lastClr="FFFFFF"/>
       </a:lt1>
       <a:dk2>
-        <a:srgbClr val="1f497d"/>
+        <a:srgbClr val="1F497D"/>
       </a:dk2>
       <a:lt2>
-        <a:srgbClr val="eeece1"/>
+        <a:srgbClr val="EEECE1"/>
       </a:lt2>
       <a:accent1>
-        <a:srgbClr val="4f81bd"/>
+        <a:srgbClr val="4F81BD"/>
       </a:accent1>
       <a:accent2>
-        <a:srgbClr val="c0504d"/>
+        <a:srgbClr val="C0504D"/>
       </a:accent2>
       <a:accent3>
-        <a:srgbClr val="9bbb59"/>
+        <a:srgbClr val="9BBB59"/>
       </a:accent3>
       <a:accent4>
-        <a:srgbClr val="8064a2"/>
+        <a:srgbClr val="8064A2"/>
       </a:accent4>
       <a:accent5>
-        <a:srgbClr val="4bacc6"/>
+        <a:srgbClr val="4BACC6"/>
       </a:accent5>
       <a:accent6>
-        <a:srgbClr val="f79646"/>
+        <a:srgbClr val="F79646"/>
       </a:accent6>
       <a:hlink>
-        <a:srgbClr val="0000ff"/>
+        <a:srgbClr val="0000FF"/>
       </a:hlink>
       <a:folHlink>
         <a:srgbClr val="800080"/>
@@ -9729,6 +10428,8 @@
       </a:bgFillStyleLst>
     </a:fmtScheme>
   </a:themeElements>
+  <a:objectDefaults/>
+  <a:extraClrSchemeLst/>
 </a:theme>
 </file>
 
@@ -9743,31 +10444,31 @@
         <a:sysClr val="window" lastClr="FFFFFF"/>
       </a:lt1>
       <a:dk2>
-        <a:srgbClr val="1f497d"/>
+        <a:srgbClr val="1F497D"/>
       </a:dk2>
       <a:lt2>
-        <a:srgbClr val="eeece1"/>
+        <a:srgbClr val="EEECE1"/>
       </a:lt2>
       <a:accent1>
-        <a:srgbClr val="4f81bd"/>
+        <a:srgbClr val="4F81BD"/>
       </a:accent1>
       <a:accent2>
-        <a:srgbClr val="c0504d"/>
+        <a:srgbClr val="C0504D"/>
       </a:accent2>
       <a:accent3>
-        <a:srgbClr val="9bbb59"/>
+        <a:srgbClr val="9BBB59"/>
       </a:accent3>
       <a:accent4>
-        <a:srgbClr val="8064a2"/>
+        <a:srgbClr val="8064A2"/>
       </a:accent4>
       <a:accent5>
-        <a:srgbClr val="4bacc6"/>
+        <a:srgbClr val="4BACC6"/>
       </a:accent5>
       <a:accent6>
-        <a:srgbClr val="f79646"/>
+        <a:srgbClr val="F79646"/>
       </a:accent6>
       <a:hlink>
-        <a:srgbClr val="0000ff"/>
+        <a:srgbClr val="0000FF"/>
       </a:hlink>
       <a:folHlink>
         <a:srgbClr val="800080"/>
@@ -9955,5 +10656,7 @@
       </a:bgFillStyleLst>
     </a:fmtScheme>
   </a:themeElements>
+  <a:objectDefaults/>
+  <a:extraClrSchemeLst/>
 </a:theme>
 </file>
--- a/student_session_2021/Доклад.pptx
+++ b/student_session_2021/Доклад.pptx
@@ -1,33 +1,463 @@
 
 <file path=ppt/presentation.xml><?xml version="1.0" encoding="utf-8"?>
-<p:presentation xmlns:a="http://schemas.openxmlformats.org/drawingml/2006/main" xmlns:p="http://schemas.openxmlformats.org/presentationml/2006/main" xmlns:r="http://schemas.openxmlformats.org/officeDocument/2006/relationships" xmlns:p14="http://schemas.microsoft.com/office/powerpoint/2010/main" xmlns:p15="http://schemas.microsoft.com/office/powerpoint/2012/main" xmlns:mc="http://schemas.openxmlformats.org/markup-compatibility/2006">
+<p:presentation xmlns:a="http://schemas.openxmlformats.org/drawingml/2006/main" xmlns:r="http://schemas.openxmlformats.org/officeDocument/2006/relationships" xmlns:p="http://schemas.openxmlformats.org/presentationml/2006/main">
   <p:sldMasterIdLst>
-    <p:sldMasterId id="2147483648" r:id="rId2"/>
-    <p:sldMasterId id="2147483661" r:id="rId3"/>
+    <p:sldMasterId id="2147483648" r:id="rId1"/>
+    <p:sldMasterId id="2147483661" r:id="rId2"/>
   </p:sldMasterIdLst>
   <p:notesMasterIdLst>
-    <p:notesMasterId r:id="rId4"/>
+    <p:notesMasterId r:id="rId14"/>
   </p:notesMasterIdLst>
   <p:sldIdLst>
-    <p:sldId id="256" r:id="rId5"/>
-    <p:sldId id="257" r:id="rId6"/>
-    <p:sldId id="258" r:id="rId7"/>
-    <p:sldId id="259" r:id="rId8"/>
-    <p:sldId id="260" r:id="rId9"/>
-    <p:sldId id="261" r:id="rId10"/>
-    <p:sldId id="262" r:id="rId11"/>
-    <p:sldId id="263" r:id="rId12"/>
-    <p:sldId id="264" r:id="rId13"/>
-    <p:sldId id="265" r:id="rId14"/>
-    <p:sldId id="266" r:id="rId15"/>
+    <p:sldId id="256" r:id="rId3"/>
+    <p:sldId id="257" r:id="rId4"/>
+    <p:sldId id="258" r:id="rId5"/>
+    <p:sldId id="259" r:id="rId6"/>
+    <p:sldId id="260" r:id="rId7"/>
+    <p:sldId id="261" r:id="rId8"/>
+    <p:sldId id="262" r:id="rId9"/>
+    <p:sldId id="263" r:id="rId10"/>
+    <p:sldId id="264" r:id="rId11"/>
+    <p:sldId id="265" r:id="rId12"/>
+    <p:sldId id="266" r:id="rId13"/>
   </p:sldIdLst>
-  <p:sldSz cx="9144000" cy="6858000"/>
+  <p:sldSz cx="9144000" cy="6858000" type="screen4x3"/>
   <p:notesSz cx="6858000" cy="9144000"/>
+  <p:defaultTextStyle>
+    <a:defPPr>
+      <a:defRPr lang="ru-RU"/>
+    </a:defPPr>
+    <a:lvl1pPr marL="0" algn="l" defTabSz="914400" rtl="0" eaLnBrk="1" latinLnBrk="0" hangingPunct="1">
+      <a:defRPr sz="1800" kern="1200">
+        <a:solidFill>
+          <a:schemeClr val="tx1"/>
+        </a:solidFill>
+        <a:latin typeface="+mn-lt"/>
+        <a:ea typeface="+mn-ea"/>
+        <a:cs typeface="+mn-cs"/>
+      </a:defRPr>
+    </a:lvl1pPr>
+    <a:lvl2pPr marL="457200" algn="l" defTabSz="914400" rtl="0" eaLnBrk="1" latinLnBrk="0" hangingPunct="1">
+      <a:defRPr sz="1800" kern="1200">
+        <a:solidFill>
+          <a:schemeClr val="tx1"/>
+        </a:solidFill>
+        <a:latin typeface="+mn-lt"/>
+        <a:ea typeface="+mn-ea"/>
+        <a:cs typeface="+mn-cs"/>
+      </a:defRPr>
+    </a:lvl2pPr>
+    <a:lvl3pPr marL="914400" algn="l" defTabSz="914400" rtl="0" eaLnBrk="1" latinLnBrk="0" hangingPunct="1">
+      <a:defRPr sz="1800" kern="1200">
+        <a:solidFill>
+          <a:schemeClr val="tx1"/>
+        </a:solidFill>
+        <a:latin typeface="+mn-lt"/>
+        <a:ea typeface="+mn-ea"/>
+        <a:cs typeface="+mn-cs"/>
+      </a:defRPr>
+    </a:lvl3pPr>
+    <a:lvl4pPr marL="1371600" algn="l" defTabSz="914400" rtl="0" eaLnBrk="1" latinLnBrk="0" hangingPunct="1">
+      <a:defRPr sz="1800" kern="1200">
+        <a:solidFill>
+          <a:schemeClr val="tx1"/>
+        </a:solidFill>
+        <a:latin typeface="+mn-lt"/>
+        <a:ea typeface="+mn-ea"/>
+        <a:cs typeface="+mn-cs"/>
+      </a:defRPr>
+    </a:lvl4pPr>
+    <a:lvl5pPr marL="1828800" algn="l" defTabSz="914400" rtl="0" eaLnBrk="1" latinLnBrk="0" hangingPunct="1">
+      <a:defRPr sz="1800" kern="1200">
+        <a:solidFill>
+          <a:schemeClr val="tx1"/>
+        </a:solidFill>
+        <a:latin typeface="+mn-lt"/>
+        <a:ea typeface="+mn-ea"/>
+        <a:cs typeface="+mn-cs"/>
+      </a:defRPr>
+    </a:lvl5pPr>
+    <a:lvl6pPr marL="2286000" algn="l" defTabSz="914400" rtl="0" eaLnBrk="1" latinLnBrk="0" hangingPunct="1">
+      <a:defRPr sz="1800" kern="1200">
+        <a:solidFill>
+          <a:schemeClr val="tx1"/>
+        </a:solidFill>
+        <a:latin typeface="+mn-lt"/>
+        <a:ea typeface="+mn-ea"/>
+        <a:cs typeface="+mn-cs"/>
+      </a:defRPr>
+    </a:lvl6pPr>
+    <a:lvl7pPr marL="2743200" algn="l" defTabSz="914400" rtl="0" eaLnBrk="1" latinLnBrk="0" hangingPunct="1">
+      <a:defRPr sz="1800" kern="1200">
+        <a:solidFill>
+          <a:schemeClr val="tx1"/>
+        </a:solidFill>
+        <a:latin typeface="+mn-lt"/>
+        <a:ea typeface="+mn-ea"/>
+        <a:cs typeface="+mn-cs"/>
+      </a:defRPr>
+    </a:lvl7pPr>
+    <a:lvl8pPr marL="3200400" algn="l" defTabSz="914400" rtl="0" eaLnBrk="1" latinLnBrk="0" hangingPunct="1">
+      <a:defRPr sz="1800" kern="1200">
+        <a:solidFill>
+          <a:schemeClr val="tx1"/>
+        </a:solidFill>
+        <a:latin typeface="+mn-lt"/>
+        <a:ea typeface="+mn-ea"/>
+        <a:cs typeface="+mn-cs"/>
+      </a:defRPr>
+    </a:lvl8pPr>
+    <a:lvl9pPr marL="3657600" algn="l" defTabSz="914400" rtl="0" eaLnBrk="1" latinLnBrk="0" hangingPunct="1">
+      <a:defRPr sz="1800" kern="1200">
+        <a:solidFill>
+          <a:schemeClr val="tx1"/>
+        </a:solidFill>
+        <a:latin typeface="+mn-lt"/>
+        <a:ea typeface="+mn-ea"/>
+        <a:cs typeface="+mn-cs"/>
+      </a:defRPr>
+    </a:lvl9pPr>
+  </p:defaultTextStyle>
 </p:presentation>
 </file>
 
 <file path=ppt/notesMasters/notesMaster1.xml><?xml version="1.0" encoding="utf-8"?>
-<p:notesMaster xmlns:a="http://schemas.openxmlformats.org/drawingml/2006/main" xmlns:p="http://schemas.openxmlformats.org/presentationml/2006/main" xmlns:r="http://schemas.openxmlformats.org/officeDocument/2006/relationships" xmlns:p14="http://schemas.microsoft.com/office/powerpoint/2010/main" xmlns:p15="http://schemas.microsoft.com/office/powerpoint/2012/main" xmlns:mc="http://schemas.openxmlformats.org/markup-compatibility/2006">
+<p:notesMaster xmlns:a="http://schemas.openxmlformats.org/drawingml/2006/main" xmlns:r="http://schemas.openxmlformats.org/officeDocument/2006/relationships" xmlns:p="http://schemas.openxmlformats.org/presentationml/2006/main">
+  <p:cSld>
+    <p:bg>
+      <p:bgRef idx="1001">
+        <a:schemeClr val="bg1"/>
+      </p:bgRef>
+    </p:bg>
+    <p:spTree>
+      <p:nvGrpSpPr>
+        <p:cNvPr id="1" name=""/>
+        <p:cNvGrpSpPr/>
+        <p:nvPr/>
+      </p:nvGrpSpPr>
+      <p:grpSpPr>
+        <a:xfrm>
+          <a:off x="0" y="0"/>
+          <a:ext cx="0" cy="0"/>
+          <a:chOff x="0" y="0"/>
+          <a:chExt cx="0" cy="0"/>
+        </a:xfrm>
+      </p:grpSpPr>
+      <p:sp>
+        <p:nvSpPr>
+          <p:cNvPr id="76" name="PlaceHolder 1"/>
+          <p:cNvSpPr>
+            <a:spLocks noGrp="1" noRot="1" noChangeAspect="1"/>
+          </p:cNvSpPr>
+          <p:nvPr>
+            <p:ph type="sldImg"/>
+          </p:nvPr>
+        </p:nvSpPr>
+        <p:spPr>
+          <a:xfrm>
+            <a:off x="216000" y="812520"/>
+            <a:ext cx="7127280" cy="4008960"/>
+          </a:xfrm>
+          <a:prstGeom prst="rect">
+            <a:avLst/>
+          </a:prstGeom>
+        </p:spPr>
+        <p:txBody>
+          <a:bodyPr lIns="0" tIns="0" rIns="0" bIns="0" anchor="ctr">
+            <a:noAutofit/>
+          </a:bodyPr>
+          <a:lstStyle/>
+          <a:p>
+            <a:pPr algn="ctr"/>
+            <a:r>
+              <a:rPr lang="ru-RU" sz="4400" b="0" strike="noStrike" spc="-1">
+                <a:latin typeface="Arial"/>
+              </a:rPr>
+              <a:t>Для перемещения страницы щёлкните мышью</a:t>
+            </a:r>
+          </a:p>
+        </p:txBody>
+      </p:sp>
+      <p:sp>
+        <p:nvSpPr>
+          <p:cNvPr id="77" name="PlaceHolder 2"/>
+          <p:cNvSpPr>
+            <a:spLocks noGrp="1"/>
+          </p:cNvSpPr>
+          <p:nvPr>
+            <p:ph type="body"/>
+          </p:nvPr>
+        </p:nvSpPr>
+        <p:spPr>
+          <a:xfrm>
+            <a:off x="756000" y="5078520"/>
+            <a:ext cx="6047640" cy="4811040"/>
+          </a:xfrm>
+          <a:prstGeom prst="rect">
+            <a:avLst/>
+          </a:prstGeom>
+        </p:spPr>
+        <p:txBody>
+          <a:bodyPr lIns="0" tIns="0" rIns="0" bIns="0">
+            <a:noAutofit/>
+          </a:bodyPr>
+          <a:lstStyle/>
+          <a:p>
+            <a:r>
+              <a:rPr lang="ru-RU" sz="2000" b="0" strike="noStrike" spc="-1">
+                <a:latin typeface="Arial"/>
+              </a:rPr>
+              <a:t>Для правки формата примечаний щёлкните мышью</a:t>
+            </a:r>
+          </a:p>
+        </p:txBody>
+      </p:sp>
+      <p:sp>
+        <p:nvSpPr>
+          <p:cNvPr id="78" name="PlaceHolder 3"/>
+          <p:cNvSpPr>
+            <a:spLocks noGrp="1"/>
+          </p:cNvSpPr>
+          <p:nvPr>
+            <p:ph type="hdr"/>
+          </p:nvPr>
+        </p:nvSpPr>
+        <p:spPr>
+          <a:xfrm>
+            <a:off x="0" y="0"/>
+            <a:ext cx="3280680" cy="534240"/>
+          </a:xfrm>
+          <a:prstGeom prst="rect">
+            <a:avLst/>
+          </a:prstGeom>
+        </p:spPr>
+        <p:txBody>
+          <a:bodyPr lIns="0" tIns="0" rIns="0" bIns="0">
+            <a:noAutofit/>
+          </a:bodyPr>
+          <a:lstStyle/>
+          <a:p>
+            <a:r>
+              <a:rPr lang="ru-RU" sz="1400" b="0" strike="noStrike" spc="-1">
+                <a:latin typeface="Times New Roman"/>
+              </a:rPr>
+              <a:t>&lt;верхний колонтитул&gt;</a:t>
+            </a:r>
+          </a:p>
+        </p:txBody>
+      </p:sp>
+      <p:sp>
+        <p:nvSpPr>
+          <p:cNvPr id="79" name="PlaceHolder 4"/>
+          <p:cNvSpPr>
+            <a:spLocks noGrp="1"/>
+          </p:cNvSpPr>
+          <p:nvPr>
+            <p:ph type="dt"/>
+          </p:nvPr>
+        </p:nvSpPr>
+        <p:spPr>
+          <a:xfrm>
+            <a:off x="4278960" y="0"/>
+            <a:ext cx="3280680" cy="534240"/>
+          </a:xfrm>
+          <a:prstGeom prst="rect">
+            <a:avLst/>
+          </a:prstGeom>
+        </p:spPr>
+        <p:txBody>
+          <a:bodyPr lIns="0" tIns="0" rIns="0" bIns="0">
+            <a:noAutofit/>
+          </a:bodyPr>
+          <a:lstStyle/>
+          <a:p>
+            <a:pPr algn="r"/>
+            <a:r>
+              <a:rPr lang="ru-RU" sz="1400" b="0" strike="noStrike" spc="-1">
+                <a:latin typeface="Times New Roman"/>
+              </a:rPr>
+              <a:t>&lt;дата/время&gt;</a:t>
+            </a:r>
+          </a:p>
+        </p:txBody>
+      </p:sp>
+      <p:sp>
+        <p:nvSpPr>
+          <p:cNvPr id="80" name="PlaceHolder 5"/>
+          <p:cNvSpPr>
+            <a:spLocks noGrp="1"/>
+          </p:cNvSpPr>
+          <p:nvPr>
+            <p:ph type="ftr"/>
+          </p:nvPr>
+        </p:nvSpPr>
+        <p:spPr>
+          <a:xfrm>
+            <a:off x="0" y="10157400"/>
+            <a:ext cx="3280680" cy="534240"/>
+          </a:xfrm>
+          <a:prstGeom prst="rect">
+            <a:avLst/>
+          </a:prstGeom>
+        </p:spPr>
+        <p:txBody>
+          <a:bodyPr lIns="0" tIns="0" rIns="0" bIns="0" anchor="b">
+            <a:noAutofit/>
+          </a:bodyPr>
+          <a:lstStyle/>
+          <a:p>
+            <a:r>
+              <a:rPr lang="ru-RU" sz="1400" b="0" strike="noStrike" spc="-1">
+                <a:latin typeface="Times New Roman"/>
+              </a:rPr>
+              <a:t>&lt;нижний колонтитул&gt;</a:t>
+            </a:r>
+          </a:p>
+        </p:txBody>
+      </p:sp>
+      <p:sp>
+        <p:nvSpPr>
+          <p:cNvPr id="81" name="PlaceHolder 6"/>
+          <p:cNvSpPr>
+            <a:spLocks noGrp="1"/>
+          </p:cNvSpPr>
+          <p:nvPr>
+            <p:ph type="sldNum"/>
+          </p:nvPr>
+        </p:nvSpPr>
+        <p:spPr>
+          <a:xfrm>
+            <a:off x="4278960" y="10157400"/>
+            <a:ext cx="3280680" cy="534240"/>
+          </a:xfrm>
+          <a:prstGeom prst="rect">
+            <a:avLst/>
+          </a:prstGeom>
+        </p:spPr>
+        <p:txBody>
+          <a:bodyPr lIns="0" tIns="0" rIns="0" bIns="0" anchor="b">
+            <a:noAutofit/>
+          </a:bodyPr>
+          <a:lstStyle/>
+          <a:p>
+            <a:pPr algn="r"/>
+            <a:fld id="{CD6F6C61-A0D9-4BAF-AA0B-9BFF9A9EF593}" type="slidenum">
+              <a:rPr lang="ru-RU" sz="1400" b="0" strike="noStrike" spc="-1">
+                <a:latin typeface="Times New Roman"/>
+              </a:rPr>
+              <a:t>‹#›</a:t>
+            </a:fld>
+            <a:endParaRPr lang="ru-RU" sz="1400" b="0" strike="noStrike" spc="-1">
+              <a:latin typeface="Times New Roman"/>
+            </a:endParaRPr>
+          </a:p>
+        </p:txBody>
+      </p:sp>
+    </p:spTree>
+    <p:extLst>
+      <p:ext uri="{BB962C8B-B14F-4D97-AF65-F5344CB8AC3E}">
+        <p14:creationId xmlns:p14="http://schemas.microsoft.com/office/powerpoint/2010/main" val="374688196"/>
+      </p:ext>
+    </p:extLst>
+  </p:cSld>
+  <p:clrMap bg1="lt1" tx1="dk1" bg2="lt2" tx2="dk2" accent1="accent1" accent2="accent2" accent3="accent3" accent4="accent4" accent5="accent5" accent6="accent6" hlink="hlink" folHlink="folHlink"/>
+  <p:notesStyle>
+    <a:lvl1pPr marL="0" algn="l" defTabSz="914400" rtl="0" eaLnBrk="1" latinLnBrk="0" hangingPunct="1">
+      <a:defRPr sz="1200" kern="1200">
+        <a:solidFill>
+          <a:schemeClr val="tx1"/>
+        </a:solidFill>
+        <a:latin typeface="+mn-lt"/>
+        <a:ea typeface="+mn-ea"/>
+        <a:cs typeface="+mn-cs"/>
+      </a:defRPr>
+    </a:lvl1pPr>
+    <a:lvl2pPr marL="457200" algn="l" defTabSz="914400" rtl="0" eaLnBrk="1" latinLnBrk="0" hangingPunct="1">
+      <a:defRPr sz="1200" kern="1200">
+        <a:solidFill>
+          <a:schemeClr val="tx1"/>
+        </a:solidFill>
+        <a:latin typeface="+mn-lt"/>
+        <a:ea typeface="+mn-ea"/>
+        <a:cs typeface="+mn-cs"/>
+      </a:defRPr>
+    </a:lvl2pPr>
+    <a:lvl3pPr marL="914400" algn="l" defTabSz="914400" rtl="0" eaLnBrk="1" latinLnBrk="0" hangingPunct="1">
+      <a:defRPr sz="1200" kern="1200">
+        <a:solidFill>
+          <a:schemeClr val="tx1"/>
+        </a:solidFill>
+        <a:latin typeface="+mn-lt"/>
+        <a:ea typeface="+mn-ea"/>
+        <a:cs typeface="+mn-cs"/>
+      </a:defRPr>
+    </a:lvl3pPr>
+    <a:lvl4pPr marL="1371600" algn="l" defTabSz="914400" rtl="0" eaLnBrk="1" latinLnBrk="0" hangingPunct="1">
+      <a:defRPr sz="1200" kern="1200">
+        <a:solidFill>
+          <a:schemeClr val="tx1"/>
+        </a:solidFill>
+        <a:latin typeface="+mn-lt"/>
+        <a:ea typeface="+mn-ea"/>
+        <a:cs typeface="+mn-cs"/>
+      </a:defRPr>
+    </a:lvl4pPr>
+    <a:lvl5pPr marL="1828800" algn="l" defTabSz="914400" rtl="0" eaLnBrk="1" latinLnBrk="0" hangingPunct="1">
+      <a:defRPr sz="1200" kern="1200">
+        <a:solidFill>
+          <a:schemeClr val="tx1"/>
+        </a:solidFill>
+        <a:latin typeface="+mn-lt"/>
+        <a:ea typeface="+mn-ea"/>
+        <a:cs typeface="+mn-cs"/>
+      </a:defRPr>
+    </a:lvl5pPr>
+    <a:lvl6pPr marL="2286000" algn="l" defTabSz="914400" rtl="0" eaLnBrk="1" latinLnBrk="0" hangingPunct="1">
+      <a:defRPr sz="1200" kern="1200">
+        <a:solidFill>
+          <a:schemeClr val="tx1"/>
+        </a:solidFill>
+        <a:latin typeface="+mn-lt"/>
+        <a:ea typeface="+mn-ea"/>
+        <a:cs typeface="+mn-cs"/>
+      </a:defRPr>
+    </a:lvl6pPr>
+    <a:lvl7pPr marL="2743200" algn="l" defTabSz="914400" rtl="0" eaLnBrk="1" latinLnBrk="0" hangingPunct="1">
+      <a:defRPr sz="1200" kern="1200">
+        <a:solidFill>
+          <a:schemeClr val="tx1"/>
+        </a:solidFill>
+        <a:latin typeface="+mn-lt"/>
+        <a:ea typeface="+mn-ea"/>
+        <a:cs typeface="+mn-cs"/>
+      </a:defRPr>
+    </a:lvl7pPr>
+    <a:lvl8pPr marL="3200400" algn="l" defTabSz="914400" rtl="0" eaLnBrk="1" latinLnBrk="0" hangingPunct="1">
+      <a:defRPr sz="1200" kern="1200">
+        <a:solidFill>
+          <a:schemeClr val="tx1"/>
+        </a:solidFill>
+        <a:latin typeface="+mn-lt"/>
+        <a:ea typeface="+mn-ea"/>
+        <a:cs typeface="+mn-cs"/>
+      </a:defRPr>
+    </a:lvl8pPr>
+    <a:lvl9pPr marL="3657600" algn="l" defTabSz="914400" rtl="0" eaLnBrk="1" latinLnBrk="0" hangingPunct="1">
+      <a:defRPr sz="1200" kern="1200">
+        <a:solidFill>
+          <a:schemeClr val="tx1"/>
+        </a:solidFill>
+        <a:latin typeface="+mn-lt"/>
+        <a:ea typeface="+mn-ea"/>
+        <a:cs typeface="+mn-cs"/>
+      </a:defRPr>
+    </a:lvl9pPr>
+  </p:notesStyle>
+</p:notesMaster>
+</file>
+
+<file path=ppt/notesSlides/notesSlide1.xml><?xml version="1.0" encoding="utf-8"?>
+<p:notes xmlns:a="http://schemas.openxmlformats.org/drawingml/2006/main" xmlns:r="http://schemas.openxmlformats.org/officeDocument/2006/relationships" xmlns:p="http://schemas.openxmlformats.org/presentationml/2006/main">
   <p:cSld>
     <p:spTree>
       <p:nvGrpSpPr>
@@ -45,9 +475,9 @@
       </p:grpSpPr>
       <p:sp>
         <p:nvSpPr>
-          <p:cNvPr id="76" name="PlaceHolder 1"/>
+          <p:cNvPr id="160" name="PlaceHolder 1"/>
           <p:cNvSpPr>
-            <a:spLocks noGrp="1"/>
+            <a:spLocks noGrp="1" noRot="1" noChangeAspect="1"/>
           </p:cNvSpPr>
           <p:nvPr>
             <p:ph type="sldImg"/>
@@ -55,34 +485,17 @@
         </p:nvSpPr>
         <p:spPr>
           <a:xfrm>
-            <a:off x="216000" y="812520"/>
-            <a:ext cx="7127280" cy="4008960"/>
-          </a:xfrm>
-          <a:prstGeom prst="rect">
-            <a:avLst/>
-          </a:prstGeom>
-        </p:spPr>
-        <p:txBody>
-          <a:bodyPr lIns="0" rIns="0" tIns="0" bIns="0" anchor="ctr">
-            <a:noAutofit/>
-          </a:bodyPr>
-          <a:p>
-            <a:pPr algn="ctr"/>
-            <a:r>
-              <a:rPr b="0" lang="ru-RU" sz="4400" spc="-1" strike="noStrike">
-                <a:latin typeface="Arial"/>
-              </a:rPr>
-              <a:t>Для перемещения страницы щёлкните мышью</a:t>
-            </a:r>
-            <a:endParaRPr b="0" lang="ru-RU" sz="4400" spc="-1" strike="noStrike">
-              <a:latin typeface="Arial"/>
-            </a:endParaRPr>
-          </a:p>
-        </p:txBody>
-      </p:sp>
-      <p:sp>
-        <p:nvSpPr>
-          <p:cNvPr id="77" name="PlaceHolder 2"/>
+            <a:off x="1144440" y="685800"/>
+            <a:ext cx="4559040" cy="3419280"/>
+          </a:xfrm>
+          <a:prstGeom prst="rect">
+            <a:avLst/>
+          </a:prstGeom>
+        </p:spPr>
+      </p:sp>
+      <p:sp>
+        <p:nvSpPr>
+          <p:cNvPr id="161" name="PlaceHolder 2"/>
           <p:cNvSpPr>
             <a:spLocks noGrp="1"/>
           </p:cNvSpPr>
@@ -92,184 +505,193 @@
         </p:nvSpPr>
         <p:spPr>
           <a:xfrm>
-            <a:off x="756000" y="5078520"/>
-            <a:ext cx="6047640" cy="4811040"/>
-          </a:xfrm>
-          <a:prstGeom prst="rect">
-            <a:avLst/>
-          </a:prstGeom>
-        </p:spPr>
-        <p:txBody>
-          <a:bodyPr lIns="0" rIns="0" tIns="0" bIns="0">
+            <a:off x="685800" y="4343400"/>
+            <a:ext cx="5475960" cy="4104360"/>
+          </a:xfrm>
+          <a:prstGeom prst="rect">
+            <a:avLst/>
+          </a:prstGeom>
+        </p:spPr>
+        <p:txBody>
+          <a:bodyPr lIns="0" tIns="0" rIns="0" bIns="0">
             <a:noAutofit/>
           </a:bodyPr>
-          <a:p>
+          <a:lstStyle/>
+          <a:p>
+            <a:pPr marL="216000" indent="-205920">
+              <a:lnSpc>
+                <a:spcPct val="100000"/>
+              </a:lnSpc>
+              <a:tabLst>
+                <a:tab pos="0" algn="l"/>
+              </a:tabLst>
+            </a:pPr>
             <a:r>
-              <a:rPr b="0" lang="ru-RU" sz="2000" spc="-1" strike="noStrike">
-                <a:latin typeface="Arial"/>
-              </a:rPr>
-              <a:t>Для правки формата примечаний щёлкните мышью</a:t>
+              <a:rPr lang="ru-RU" sz="1200" b="0" strike="noStrike" spc="-1">
+                <a:solidFill>
+                  <a:srgbClr val="000000"/>
+                </a:solidFill>
+                <a:latin typeface="+mn-lt"/>
+                <a:ea typeface="+mn-ea"/>
+              </a:rPr>
+              <a:t>МР нашли свое применение не только в системах речевой связи, но и в сфере безопасности. </a:t>
             </a:r>
-            <a:endParaRPr b="0" lang="ru-RU" sz="2000" spc="-1" strike="noStrike">
-              <a:latin typeface="Arial"/>
-            </a:endParaRPr>
-          </a:p>
-        </p:txBody>
-      </p:sp>
-      <p:sp>
-        <p:nvSpPr>
-          <p:cNvPr id="78" name="PlaceHolder 3"/>
-          <p:cNvSpPr>
-            <a:spLocks noGrp="1"/>
-          </p:cNvSpPr>
-          <p:nvPr>
-            <p:ph type="hdr"/>
-          </p:nvPr>
-        </p:nvSpPr>
-        <p:spPr>
-          <a:xfrm>
-            <a:off x="0" y="0"/>
-            <a:ext cx="3280680" cy="534240"/>
-          </a:xfrm>
-          <a:prstGeom prst="rect">
-            <a:avLst/>
-          </a:prstGeom>
-        </p:spPr>
-        <p:txBody>
-          <a:bodyPr lIns="0" rIns="0" tIns="0" bIns="0">
+            <a:endParaRPr lang="ru-RU" sz="1200" b="0" strike="noStrike" spc="-1">
+              <a:latin typeface="Arial"/>
+            </a:endParaRPr>
+          </a:p>
+          <a:p>
+            <a:pPr marL="216000" indent="-205920">
+              <a:lnSpc>
+                <a:spcPct val="100000"/>
+              </a:lnSpc>
+              <a:tabLst>
+                <a:tab pos="0" algn="l"/>
+              </a:tabLst>
+            </a:pPr>
+            <a:r>
+              <a:rPr lang="ru-RU" sz="1200" b="0" strike="noStrike" spc="-1">
+                <a:solidFill>
+                  <a:srgbClr val="000000"/>
+                </a:solidFill>
+                <a:latin typeface="+mn-lt"/>
+                <a:ea typeface="+mn-ea"/>
+              </a:rPr>
+              <a:t>Система «Бумеранг»  используется для защиты транспортных средств и войск от снайперского огня. Она позволяет определить положение стрелка. </a:t>
+            </a:r>
+            <a:endParaRPr lang="ru-RU" sz="1200" b="0" strike="noStrike" spc="-1">
+              <a:latin typeface="Arial"/>
+            </a:endParaRPr>
+          </a:p>
+          <a:p>
+            <a:pPr marL="216000" indent="-205920">
+              <a:lnSpc>
+                <a:spcPct val="100000"/>
+              </a:lnSpc>
+              <a:tabLst>
+                <a:tab pos="0" algn="l"/>
+              </a:tabLst>
+            </a:pPr>
+            <a:endParaRPr lang="ru-RU" sz="1200" b="0" strike="noStrike" spc="-1">
+              <a:latin typeface="Arial"/>
+            </a:endParaRPr>
+          </a:p>
+          <a:p>
+            <a:pPr marL="216000" indent="-205920">
+              <a:lnSpc>
+                <a:spcPct val="100000"/>
+              </a:lnSpc>
+              <a:tabLst>
+                <a:tab pos="0" algn="l"/>
+              </a:tabLst>
+            </a:pPr>
+            <a:r>
+              <a:rPr lang="ru-RU" sz="1200" b="0" strike="noStrike" spc="-1">
+                <a:solidFill>
+                  <a:srgbClr val="000000"/>
+                </a:solidFill>
+                <a:latin typeface="+mn-lt"/>
+                <a:ea typeface="+mn-ea"/>
+              </a:rPr>
+              <a:t>Система «SENTRI» применяется в городах, способна различить звук выстрела, определить его направлениее и вызвать полицию </a:t>
+            </a:r>
+            <a:endParaRPr lang="ru-RU" sz="1200" b="0" strike="noStrike" spc="-1">
+              <a:latin typeface="Arial"/>
+            </a:endParaRPr>
+          </a:p>
+          <a:p>
+            <a:pPr marL="216000" indent="-205920">
+              <a:lnSpc>
+                <a:spcPct val="100000"/>
+              </a:lnSpc>
+              <a:tabLst>
+                <a:tab pos="0" algn="l"/>
+              </a:tabLst>
+            </a:pPr>
+            <a:r>
+              <a:rPr lang="ru-RU" sz="1200" b="0" strike="noStrike" spc="-1">
+                <a:solidFill>
+                  <a:srgbClr val="000000"/>
+                </a:solidFill>
+                <a:latin typeface="+mn-lt"/>
+                <a:ea typeface="+mn-ea"/>
+              </a:rPr>
+              <a:t>МР используются  для  получения  объемной  звуковой картины. Такие решения используются, например, в  автомобильной  промышленности  для  точного выявления мест, являющихся источниками нежелательных шумов – скрипа, стука и т.д.</a:t>
+            </a:r>
+            <a:endParaRPr lang="ru-RU" sz="1200" b="0" strike="noStrike" spc="-1">
+              <a:latin typeface="Arial"/>
+            </a:endParaRPr>
+          </a:p>
+        </p:txBody>
+      </p:sp>
+      <p:sp>
+        <p:nvSpPr>
+          <p:cNvPr id="162" name="CustomShape 3"/>
+          <p:cNvSpPr/>
+          <p:nvPr/>
+        </p:nvSpPr>
+        <p:spPr>
+          <a:xfrm>
+            <a:off x="3884760" y="8685360"/>
+            <a:ext cx="2961360" cy="446760"/>
+          </a:xfrm>
+          <a:prstGeom prst="rect">
+            <a:avLst/>
+          </a:prstGeom>
+          <a:noFill/>
+          <a:ln>
+            <a:noFill/>
+          </a:ln>
+        </p:spPr>
+        <p:style>
+          <a:lnRef idx="0">
+            <a:scrgbClr r="0" g="0" b="0"/>
+          </a:lnRef>
+          <a:fillRef idx="0">
+            <a:scrgbClr r="0" g="0" b="0"/>
+          </a:fillRef>
+          <a:effectRef idx="0">
+            <a:scrgbClr r="0" g="0" b="0"/>
+          </a:effectRef>
+          <a:fontRef idx="minor"/>
+        </p:style>
+        <p:txBody>
+          <a:bodyPr lIns="90000" tIns="45000" rIns="90000" bIns="45000" anchor="b">
             <a:noAutofit/>
           </a:bodyPr>
-          <a:p>
-            <a:r>
-              <a:rPr b="0" lang="ru-RU" sz="1400" spc="-1" strike="noStrike">
-                <a:latin typeface="Times New Roman"/>
-              </a:rPr>
-              <a:t>&lt;верхний колонтитул&gt;</a:t>
-            </a:r>
-            <a:endParaRPr b="0" lang="ru-RU" sz="1400" spc="-1" strike="noStrike">
-              <a:latin typeface="Times New Roman"/>
-            </a:endParaRPr>
-          </a:p>
-        </p:txBody>
-      </p:sp>
-      <p:sp>
-        <p:nvSpPr>
-          <p:cNvPr id="79" name="PlaceHolder 4"/>
-          <p:cNvSpPr>
-            <a:spLocks noGrp="1"/>
-          </p:cNvSpPr>
-          <p:nvPr>
-            <p:ph type="dt"/>
-          </p:nvPr>
-        </p:nvSpPr>
-        <p:spPr>
-          <a:xfrm>
-            <a:off x="4278960" y="0"/>
-            <a:ext cx="3280680" cy="534240"/>
-          </a:xfrm>
-          <a:prstGeom prst="rect">
-            <a:avLst/>
-          </a:prstGeom>
-        </p:spPr>
-        <p:txBody>
-          <a:bodyPr lIns="0" rIns="0" tIns="0" bIns="0">
-            <a:noAutofit/>
-          </a:bodyPr>
-          <a:p>
-            <a:pPr algn="r"/>
-            <a:r>
-              <a:rPr b="0" lang="ru-RU" sz="1400" spc="-1" strike="noStrike">
-                <a:latin typeface="Times New Roman"/>
-              </a:rPr>
-              <a:t>&lt;дата/время&gt;</a:t>
-            </a:r>
-            <a:endParaRPr b="0" lang="ru-RU" sz="1400" spc="-1" strike="noStrike">
-              <a:latin typeface="Times New Roman"/>
-            </a:endParaRPr>
-          </a:p>
-        </p:txBody>
-      </p:sp>
-      <p:sp>
-        <p:nvSpPr>
-          <p:cNvPr id="80" name="PlaceHolder 5"/>
-          <p:cNvSpPr>
-            <a:spLocks noGrp="1"/>
-          </p:cNvSpPr>
-          <p:nvPr>
-            <p:ph type="ftr"/>
-          </p:nvPr>
-        </p:nvSpPr>
-        <p:spPr>
-          <a:xfrm>
-            <a:off x="0" y="10157400"/>
-            <a:ext cx="3280680" cy="534240"/>
-          </a:xfrm>
-          <a:prstGeom prst="rect">
-            <a:avLst/>
-          </a:prstGeom>
-        </p:spPr>
-        <p:txBody>
-          <a:bodyPr lIns="0" rIns="0" tIns="0" bIns="0" anchor="b">
-            <a:noAutofit/>
-          </a:bodyPr>
-          <a:p>
-            <a:r>
-              <a:rPr b="0" lang="ru-RU" sz="1400" spc="-1" strike="noStrike">
-                <a:latin typeface="Times New Roman"/>
-              </a:rPr>
-              <a:t>&lt;нижний колонтитул&gt;</a:t>
-            </a:r>
-            <a:endParaRPr b="0" lang="ru-RU" sz="1400" spc="-1" strike="noStrike">
-              <a:latin typeface="Times New Roman"/>
-            </a:endParaRPr>
-          </a:p>
-        </p:txBody>
-      </p:sp>
-      <p:sp>
-        <p:nvSpPr>
-          <p:cNvPr id="81" name="PlaceHolder 6"/>
-          <p:cNvSpPr>
-            <a:spLocks noGrp="1"/>
-          </p:cNvSpPr>
-          <p:nvPr>
-            <p:ph type="sldNum"/>
-          </p:nvPr>
-        </p:nvSpPr>
-        <p:spPr>
-          <a:xfrm>
-            <a:off x="4278960" y="10157400"/>
-            <a:ext cx="3280680" cy="534240"/>
-          </a:xfrm>
-          <a:prstGeom prst="rect">
-            <a:avLst/>
-          </a:prstGeom>
-        </p:spPr>
-        <p:txBody>
-          <a:bodyPr lIns="0" rIns="0" tIns="0" bIns="0" anchor="b">
-            <a:noAutofit/>
-          </a:bodyPr>
-          <a:p>
-            <a:pPr algn="r"/>
-            <a:fld id="{CD6F6C61-A0D9-4BAF-AA0B-9BFF9A9EF593}" type="slidenum">
-              <a:rPr b="0" lang="ru-RU" sz="1400" spc="-1" strike="noStrike">
-                <a:latin typeface="Times New Roman"/>
-              </a:rPr>
-              <a:t>&lt;номер&gt;</a:t>
+          <a:lstStyle/>
+          <a:p>
+            <a:pPr algn="r">
+              <a:lnSpc>
+                <a:spcPct val="100000"/>
+              </a:lnSpc>
+            </a:pPr>
+            <a:fld id="{623DB4C0-5843-439C-866D-8873AB7196E7}" type="slidenum">
+              <a:rPr lang="ru-RU" sz="1200" b="0" strike="noStrike" spc="-1">
+                <a:solidFill>
+                  <a:srgbClr val="000000"/>
+                </a:solidFill>
+                <a:latin typeface="+mn-lt"/>
+                <a:ea typeface="+mn-ea"/>
+              </a:rPr>
+              <a:t>3</a:t>
             </a:fld>
-            <a:endParaRPr b="0" lang="ru-RU" sz="1400" spc="-1" strike="noStrike">
-              <a:latin typeface="Times New Roman"/>
+            <a:endParaRPr lang="ru-RU" sz="1200" b="0" strike="noStrike" spc="-1">
+              <a:latin typeface="Arial"/>
             </a:endParaRPr>
           </a:p>
         </p:txBody>
       </p:sp>
     </p:spTree>
   </p:cSld>
-  <p:clrMap bg1="lt1" bg2="lt2" tx1="dk1" tx2="dk2" accent1="accent1" accent2="accent2" accent3="accent3" accent4="accent4" accent5="accent5" accent6="accent6" hlink="hlink" folHlink="folHlink"/>
-</p:notesMaster>
+  <p:clrMapOvr>
+    <a:masterClrMapping/>
+  </p:clrMapOvr>
+</p:notes>
 </file>
 
-<file path=ppt/notesSlides/notesSlide10.xml><?xml version="1.0" encoding="utf-8"?>
-<p:notes xmlns:a="http://schemas.openxmlformats.org/drawingml/2006/main" xmlns:p="http://schemas.openxmlformats.org/presentationml/2006/main" xmlns:r="http://schemas.openxmlformats.org/officeDocument/2006/relationships" xmlns:p14="http://schemas.microsoft.com/office/powerpoint/2010/main" xmlns:p15="http://schemas.microsoft.com/office/powerpoint/2012/main" xmlns:mc="http://schemas.openxmlformats.org/markup-compatibility/2006">
+<file path=ppt/notesSlides/notesSlide2.xml><?xml version="1.0" encoding="utf-8"?>
+<p:notes xmlns:a="http://schemas.openxmlformats.org/drawingml/2006/main" xmlns:r="http://schemas.openxmlformats.org/officeDocument/2006/relationships" xmlns:p="http://schemas.openxmlformats.org/presentationml/2006/main">
   <p:cSld>
     <p:spTree>
       <p:nvGrpSpPr>
@@ -287,9 +709,9 @@
       </p:grpSpPr>
       <p:sp>
         <p:nvSpPr>
-          <p:cNvPr id="181" name="PlaceHolder 1"/>
+          <p:cNvPr id="163" name="PlaceHolder 1"/>
           <p:cNvSpPr>
-            <a:spLocks noGrp="1"/>
+            <a:spLocks noGrp="1" noRot="1" noChangeAspect="1"/>
           </p:cNvSpPr>
           <p:nvPr>
             <p:ph type="sldImg"/>
@@ -307,7 +729,7 @@
       </p:sp>
       <p:sp>
         <p:nvSpPr>
-          <p:cNvPr id="182" name="PlaceHolder 2"/>
+          <p:cNvPr id="164" name="PlaceHolder 2"/>
           <p:cNvSpPr>
             <a:spLocks noGrp="1"/>
           </p:cNvSpPr>
@@ -325,29 +747,30 @@
           </a:prstGeom>
         </p:spPr>
         <p:txBody>
-          <a:bodyPr lIns="0" rIns="0" tIns="0" bIns="0">
+          <a:bodyPr lIns="0" tIns="0" rIns="0" bIns="0">
             <a:noAutofit/>
           </a:bodyPr>
+          <a:lstStyle/>
           <a:p>
             <a:pPr marL="216000" indent="-205920">
               <a:lnSpc>
                 <a:spcPct val="100000"/>
               </a:lnSpc>
               <a:tabLst>
-                <a:tab algn="l" pos="0"/>
+                <a:tab pos="0" algn="l"/>
               </a:tabLst>
             </a:pPr>
             <a:r>
-              <a:rPr b="0" lang="ru-RU" sz="1200" spc="-1" strike="noStrike">
+              <a:rPr lang="ru-RU" sz="1400" b="0" strike="noStrike" spc="-1">
                 <a:solidFill>
                   <a:srgbClr val="000000"/>
                 </a:solidFill>
                 <a:latin typeface="+mn-lt"/>
                 <a:ea typeface="+mn-ea"/>
               </a:rPr>
-              <a:t>графики выигрыша в ОСШ от порядка адаптивных фильтров и от числа микрофонов. Тоже самое для выигрыша в PESQ.</a:t>
+              <a:t>Сигналы речевого диапазона частот занимают полосу от 300 до 3400 Гц, то есть являются широкополосными.</a:t>
             </a:r>
-            <a:endParaRPr b="0" lang="ru-RU" sz="1200" spc="-1" strike="noStrike">
+            <a:endParaRPr lang="ru-RU" sz="1400" b="0" strike="noStrike" spc="-1">
               <a:latin typeface="Arial"/>
             </a:endParaRPr>
           </a:p>
@@ -357,20 +780,20 @@
                 <a:spcPct val="100000"/>
               </a:lnSpc>
               <a:tabLst>
-                <a:tab algn="l" pos="0"/>
+                <a:tab pos="0" algn="l"/>
               </a:tabLst>
             </a:pPr>
             <a:r>
-              <a:rPr b="0" lang="ru-RU" sz="1200" spc="-1" strike="noStrike">
+              <a:rPr lang="ru-RU" sz="1400" b="0" strike="noStrike" spc="-1">
                 <a:solidFill>
                   <a:srgbClr val="000000"/>
                 </a:solidFill>
                 <a:latin typeface="+mn-lt"/>
                 <a:ea typeface="+mn-ea"/>
               </a:rPr>
-              <a:t> </a:t>
+              <a:t>Для обработки звука МР используются в сочетании с формирователями луча. Это процессоры, которые обеспечивают частотно-зависимый отклик для каждого канала МР. Различают</a:t>
             </a:r>
-            <a:endParaRPr b="0" lang="ru-RU" sz="1200" spc="-1" strike="noStrike">
+            <a:endParaRPr lang="ru-RU" sz="1400" b="0" strike="noStrike" spc="-1">
               <a:latin typeface="Arial"/>
             </a:endParaRPr>
           </a:p>
@@ -380,71 +803,104 @@
                 <a:spcPct val="100000"/>
               </a:lnSpc>
               <a:tabLst>
-                <a:tab algn="l" pos="0"/>
+                <a:tab pos="0" algn="l"/>
+              </a:tabLst>
+            </a:pPr>
+            <a:endParaRPr lang="ru-RU" sz="1400" b="0" strike="noStrike" spc="-1">
+              <a:latin typeface="Arial"/>
+            </a:endParaRPr>
+          </a:p>
+          <a:p>
+            <a:pPr marL="216000" indent="-205920">
+              <a:lnSpc>
+                <a:spcPct val="100000"/>
+              </a:lnSpc>
+              <a:tabLst>
+                <a:tab pos="0" algn="l"/>
+              </a:tabLst>
+            </a:pPr>
+            <a:endParaRPr lang="ru-RU" sz="1400" b="0" strike="noStrike" spc="-1">
+              <a:latin typeface="Arial"/>
+            </a:endParaRPr>
+          </a:p>
+          <a:p>
+            <a:pPr marL="216000" indent="-205920">
+              <a:lnSpc>
+                <a:spcPct val="100000"/>
+              </a:lnSpc>
+              <a:tabLst>
+                <a:tab pos="0" algn="l"/>
               </a:tabLst>
             </a:pPr>
             <a:r>
-              <a:rPr b="0" lang="ru-RU" sz="1200" spc="-1" strike="noStrike">
+              <a:rPr lang="ru-RU" sz="1400" b="0" strike="noStrike" spc="-1">
+                <a:solidFill>
+                  <a:srgbClr val="000000"/>
+                </a:solidFill>
+                <a:latin typeface="Arial"/>
+                <a:ea typeface="+mn-ea"/>
+              </a:rPr>
+              <a:t>Частотный ФЛ, который разбивает спектр принятых сигналов на диапазоны и умножает каждый диапазон на соответствующие коэффициенты, и временной,  который  обеспечивает  частотно  зависимые коэффициенты с помощью линий задержки КИХ фильтров, расположенных в канале каждого сенсора. В данной работе я работал с временным формирователем луча</a:t>
+            </a:r>
+            <a:endParaRPr lang="ru-RU" sz="1400" b="0" strike="noStrike" spc="-1">
+              <a:latin typeface="Arial"/>
+            </a:endParaRPr>
+          </a:p>
+        </p:txBody>
+      </p:sp>
+      <p:sp>
+        <p:nvSpPr>
+          <p:cNvPr id="165" name="CustomShape 3"/>
+          <p:cNvSpPr/>
+          <p:nvPr/>
+        </p:nvSpPr>
+        <p:spPr>
+          <a:xfrm>
+            <a:off x="3884760" y="8685360"/>
+            <a:ext cx="2961360" cy="446760"/>
+          </a:xfrm>
+          <a:prstGeom prst="rect">
+            <a:avLst/>
+          </a:prstGeom>
+          <a:noFill/>
+          <a:ln>
+            <a:noFill/>
+          </a:ln>
+        </p:spPr>
+        <p:style>
+          <a:lnRef idx="0">
+            <a:scrgbClr r="0" g="0" b="0"/>
+          </a:lnRef>
+          <a:fillRef idx="0">
+            <a:scrgbClr r="0" g="0" b="0"/>
+          </a:fillRef>
+          <a:effectRef idx="0">
+            <a:scrgbClr r="0" g="0" b="0"/>
+          </a:effectRef>
+          <a:fontRef idx="minor"/>
+        </p:style>
+        <p:txBody>
+          <a:bodyPr lIns="90000" tIns="45000" rIns="90000" bIns="45000" anchor="b">
+            <a:noAutofit/>
+          </a:bodyPr>
+          <a:lstStyle/>
+          <a:p>
+            <a:pPr algn="r">
+              <a:lnSpc>
+                <a:spcPct val="100000"/>
+              </a:lnSpc>
+            </a:pPr>
+            <a:fld id="{ABBF9C8F-0EE0-460C-9B4D-D3F718B5C191}" type="slidenum">
+              <a:rPr lang="ru-RU" sz="1200" b="0" strike="noStrike" spc="-1">
                 <a:solidFill>
                   <a:srgbClr val="000000"/>
                 </a:solidFill>
                 <a:latin typeface="+mn-lt"/>
                 <a:ea typeface="+mn-ea"/>
               </a:rPr>
-              <a:t>На данном слайде представленные результаты моделирования. Были построенны оценка ОСШ и PESQ в зависимости от числа микрофонов и порядка фильтра</a:t>
-            </a:r>
-            <a:endParaRPr b="0" lang="ru-RU" sz="1200" spc="-1" strike="noStrike">
-              <a:latin typeface="Arial"/>
-            </a:endParaRPr>
-          </a:p>
-        </p:txBody>
-      </p:sp>
-      <p:sp>
-        <p:nvSpPr>
-          <p:cNvPr id="183" name="CustomShape 3"/>
-          <p:cNvSpPr/>
-          <p:nvPr/>
-        </p:nvSpPr>
-        <p:spPr>
-          <a:xfrm>
-            <a:off x="3884760" y="8685360"/>
-            <a:ext cx="2961360" cy="446760"/>
-          </a:xfrm>
-          <a:prstGeom prst="rect">
-            <a:avLst/>
-          </a:prstGeom>
-          <a:noFill/>
-          <a:ln>
-            <a:noFill/>
-          </a:ln>
-        </p:spPr>
-        <p:style>
-          <a:lnRef idx="0"/>
-          <a:fillRef idx="0"/>
-          <a:effectRef idx="0"/>
-          <a:fontRef idx="minor"/>
-        </p:style>
-        <p:txBody>
-          <a:bodyPr lIns="90000" rIns="90000" tIns="45000" bIns="45000" anchor="b">
-            <a:noAutofit/>
-          </a:bodyPr>
-          <a:p>
-            <a:pPr algn="r">
-              <a:lnSpc>
-                <a:spcPct val="100000"/>
-              </a:lnSpc>
-            </a:pPr>
-            <a:fld id="{88F3543D-9737-4633-B23A-B19FC869545E}" type="slidenum">
-              <a:rPr b="0" lang="ru-RU" sz="1200" spc="-1" strike="noStrike">
-                <a:solidFill>
-                  <a:srgbClr val="000000"/>
-                </a:solidFill>
-                <a:latin typeface="+mn-lt"/>
-                <a:ea typeface="+mn-ea"/>
-              </a:rPr>
-              <a:t>&lt;номер&gt;</a:t>
+              <a:t>4</a:t>
             </a:fld>
-            <a:endParaRPr b="0" lang="ru-RU" sz="1200" spc="-1" strike="noStrike">
+            <a:endParaRPr lang="ru-RU" sz="1200" b="0" strike="noStrike" spc="-1">
               <a:latin typeface="Arial"/>
             </a:endParaRPr>
           </a:p>
@@ -452,11 +908,14 @@
       </p:sp>
     </p:spTree>
   </p:cSld>
+  <p:clrMapOvr>
+    <a:masterClrMapping/>
+  </p:clrMapOvr>
 </p:notes>
 </file>
 
-<file path=ppt/notesSlides/notesSlide11.xml><?xml version="1.0" encoding="utf-8"?>
-<p:notes xmlns:a="http://schemas.openxmlformats.org/drawingml/2006/main" xmlns:p="http://schemas.openxmlformats.org/presentationml/2006/main" xmlns:r="http://schemas.openxmlformats.org/officeDocument/2006/relationships" xmlns:p14="http://schemas.microsoft.com/office/powerpoint/2010/main" xmlns:p15="http://schemas.microsoft.com/office/powerpoint/2012/main" xmlns:mc="http://schemas.openxmlformats.org/markup-compatibility/2006">
+<file path=ppt/notesSlides/notesSlide3.xml><?xml version="1.0" encoding="utf-8"?>
+<p:notes xmlns:a="http://schemas.openxmlformats.org/drawingml/2006/main" xmlns:r="http://schemas.openxmlformats.org/officeDocument/2006/relationships" xmlns:p="http://schemas.openxmlformats.org/presentationml/2006/main">
   <p:cSld>
     <p:spTree>
       <p:nvGrpSpPr>
@@ -474,9 +933,9 @@
       </p:grpSpPr>
       <p:sp>
         <p:nvSpPr>
-          <p:cNvPr id="184" name="PlaceHolder 1"/>
+          <p:cNvPr id="166" name="PlaceHolder 1"/>
           <p:cNvSpPr>
-            <a:spLocks noGrp="1"/>
+            <a:spLocks noGrp="1" noRot="1" noChangeAspect="1"/>
           </p:cNvSpPr>
           <p:nvPr>
             <p:ph type="sldImg"/>
@@ -485,16 +944,16 @@
         <p:spPr>
           <a:xfrm>
             <a:off x="1144440" y="685800"/>
-            <a:ext cx="4559400" cy="3419640"/>
-          </a:xfrm>
-          <a:prstGeom prst="rect">
-            <a:avLst/>
-          </a:prstGeom>
-        </p:spPr>
-      </p:sp>
-      <p:sp>
-        <p:nvSpPr>
-          <p:cNvPr id="185" name="PlaceHolder 2"/>
+            <a:ext cx="4559040" cy="3419280"/>
+          </a:xfrm>
+          <a:prstGeom prst="rect">
+            <a:avLst/>
+          </a:prstGeom>
+        </p:spPr>
+      </p:sp>
+      <p:sp>
+        <p:nvSpPr>
+          <p:cNvPr id="167" name="PlaceHolder 2"/>
           <p:cNvSpPr>
             <a:spLocks noGrp="1"/>
           </p:cNvSpPr>
@@ -512,33 +971,53 @@
           </a:prstGeom>
         </p:spPr>
         <p:txBody>
-          <a:bodyPr lIns="0" rIns="0" tIns="0" bIns="0">
+          <a:bodyPr lIns="0" tIns="0" rIns="0" bIns="0">
             <a:noAutofit/>
           </a:bodyPr>
-          <a:p>
-            <a:pPr marL="216000" indent="-205920">
+          <a:lstStyle/>
+          <a:p>
+            <a:pPr marL="216000" indent="-212400">
               <a:lnSpc>
                 <a:spcPct val="100000"/>
               </a:lnSpc>
               <a:tabLst>
-                <a:tab algn="l" pos="0"/>
+                <a:tab pos="0" algn="l"/>
               </a:tabLst>
             </a:pPr>
             <a:r>
-              <a:rPr b="0" lang="ru-RU" sz="1200" spc="-1" strike="noStrike">
-                <a:latin typeface="Arial"/>
-              </a:rPr>
-              <a:t>В конце откроешь слайд и скажешь  типа «Основные результаты работы представлены на слайде, спасибо за внимание»</a:t>
+              <a:rPr lang="ru-RU" sz="1400" b="0" strike="noStrike" spc="-1">
+                <a:latin typeface="+mn-lt"/>
+              </a:rPr>
+              <a:t>Формирователь луча можно рассматривать как разновидность фильтра. Частотно-ВременнОй фильтр используются для приема сигнала и увеличения или уменьшения его отдельных частотных компонент</a:t>
             </a:r>
-            <a:endParaRPr b="0" lang="ru-RU" sz="1200" spc="-1" strike="noStrike">
-              <a:latin typeface="Arial"/>
-            </a:endParaRPr>
-          </a:p>
-        </p:txBody>
-      </p:sp>
-      <p:sp>
-        <p:nvSpPr>
-          <p:cNvPr id="186" name="CustomShape 3"/>
+            <a:endParaRPr lang="ru-RU" sz="1400" b="0" strike="noStrike" spc="-1">
+              <a:latin typeface="Arial"/>
+            </a:endParaRPr>
+          </a:p>
+          <a:p>
+            <a:pPr marL="216000" indent="-212400">
+              <a:lnSpc>
+                <a:spcPct val="100000"/>
+              </a:lnSpc>
+              <a:tabLst>
+                <a:tab pos="0" algn="l"/>
+              </a:tabLst>
+            </a:pPr>
+            <a:r>
+              <a:rPr lang="ru-RU" sz="1400" b="0" strike="noStrike" spc="-1">
+                <a:latin typeface="+mn-lt"/>
+              </a:rPr>
+              <a:t>А роль ФЛ состоит в увеличении сигналов с определенного направления и уменьшении сигналов со всех других направлений</a:t>
+            </a:r>
+            <a:endParaRPr lang="ru-RU" sz="1400" b="0" strike="noStrike" spc="-1">
+              <a:latin typeface="Arial"/>
+            </a:endParaRPr>
+          </a:p>
+        </p:txBody>
+      </p:sp>
+      <p:sp>
+        <p:nvSpPr>
+          <p:cNvPr id="168" name="CustomShape 3"/>
           <p:cNvSpPr/>
           <p:nvPr/>
         </p:nvSpPr>
@@ -556,32 +1035,39 @@
           </a:ln>
         </p:spPr>
         <p:style>
-          <a:lnRef idx="0"/>
-          <a:fillRef idx="0"/>
-          <a:effectRef idx="0"/>
+          <a:lnRef idx="0">
+            <a:scrgbClr r="0" g="0" b="0"/>
+          </a:lnRef>
+          <a:fillRef idx="0">
+            <a:scrgbClr r="0" g="0" b="0"/>
+          </a:fillRef>
+          <a:effectRef idx="0">
+            <a:scrgbClr r="0" g="0" b="0"/>
+          </a:effectRef>
           <a:fontRef idx="minor"/>
         </p:style>
         <p:txBody>
-          <a:bodyPr lIns="90000" rIns="90000" tIns="45000" bIns="45000" anchor="b">
+          <a:bodyPr lIns="90000" tIns="45000" rIns="90000" bIns="45000" anchor="b">
             <a:noAutofit/>
           </a:bodyPr>
+          <a:lstStyle/>
           <a:p>
             <a:pPr algn="r">
               <a:lnSpc>
                 <a:spcPct val="100000"/>
               </a:lnSpc>
             </a:pPr>
-            <a:fld id="{CC78F031-6D67-4C01-8157-DE942E6F0363}" type="slidenum">
-              <a:rPr b="0" lang="ru-RU" sz="1200" spc="-1" strike="noStrike">
+            <a:fld id="{52E74A8F-041F-4DC5-BC5E-C3842F72F8C5}" type="slidenum">
+              <a:rPr lang="ru-RU" sz="1200" b="0" strike="noStrike" spc="-1">
                 <a:solidFill>
                   <a:srgbClr val="000000"/>
                 </a:solidFill>
                 <a:latin typeface="+mn-lt"/>
                 <a:ea typeface="+mn-ea"/>
               </a:rPr>
-              <a:t>&lt;номер&gt;</a:t>
+              <a:t>5</a:t>
             </a:fld>
-            <a:endParaRPr b="0" lang="ru-RU" sz="1200" spc="-1" strike="noStrike">
+            <a:endParaRPr lang="ru-RU" sz="1200" b="0" strike="noStrike" spc="-1">
               <a:latin typeface="Arial"/>
             </a:endParaRPr>
           </a:p>
@@ -589,11 +1075,14 @@
       </p:sp>
     </p:spTree>
   </p:cSld>
+  <p:clrMapOvr>
+    <a:masterClrMapping/>
+  </p:clrMapOvr>
 </p:notes>
 </file>
 
-<file path=ppt/notesSlides/notesSlide3.xml><?xml version="1.0" encoding="utf-8"?>
-<p:notes xmlns:a="http://schemas.openxmlformats.org/drawingml/2006/main" xmlns:p="http://schemas.openxmlformats.org/presentationml/2006/main" xmlns:r="http://schemas.openxmlformats.org/officeDocument/2006/relationships" xmlns:p14="http://schemas.microsoft.com/office/powerpoint/2010/main" xmlns:p15="http://schemas.microsoft.com/office/powerpoint/2012/main" xmlns:mc="http://schemas.openxmlformats.org/markup-compatibility/2006">
+<file path=ppt/notesSlides/notesSlide4.xml><?xml version="1.0" encoding="utf-8"?>
+<p:notes xmlns:a="http://schemas.openxmlformats.org/drawingml/2006/main" xmlns:r="http://schemas.openxmlformats.org/officeDocument/2006/relationships" xmlns:p="http://schemas.openxmlformats.org/presentationml/2006/main">
   <p:cSld>
     <p:spTree>
       <p:nvGrpSpPr>
@@ -611,9 +1100,9 @@
       </p:grpSpPr>
       <p:sp>
         <p:nvSpPr>
-          <p:cNvPr id="160" name="PlaceHolder 1"/>
+          <p:cNvPr id="169" name="PlaceHolder 1"/>
           <p:cNvSpPr>
-            <a:spLocks noGrp="1"/>
+            <a:spLocks noGrp="1" noRot="1" noChangeAspect="1"/>
           </p:cNvSpPr>
           <p:nvPr>
             <p:ph type="sldImg"/>
@@ -631,7 +1120,7 @@
       </p:sp>
       <p:sp>
         <p:nvSpPr>
-          <p:cNvPr id="161" name="PlaceHolder 2"/>
+          <p:cNvPr id="170" name="PlaceHolder 2"/>
           <p:cNvSpPr>
             <a:spLocks noGrp="1"/>
           </p:cNvSpPr>
@@ -649,29 +1138,30 @@
           </a:prstGeom>
         </p:spPr>
         <p:txBody>
-          <a:bodyPr lIns="0" rIns="0" tIns="0" bIns="0">
+          <a:bodyPr lIns="0" tIns="0" rIns="0" bIns="0">
             <a:noAutofit/>
           </a:bodyPr>
+          <a:lstStyle/>
           <a:p>
             <a:pPr marL="216000" indent="-205920">
               <a:lnSpc>
                 <a:spcPct val="100000"/>
               </a:lnSpc>
               <a:tabLst>
-                <a:tab algn="l" pos="0"/>
+                <a:tab pos="0" algn="l"/>
               </a:tabLst>
             </a:pPr>
             <a:r>
-              <a:rPr b="0" lang="ru-RU" sz="1200" spc="-1" strike="noStrike">
+              <a:rPr lang="ru-RU" sz="1200" b="0" strike="noStrike" spc="-1">
                 <a:solidFill>
                   <a:srgbClr val="000000"/>
                 </a:solidFill>
                 <a:latin typeface="+mn-lt"/>
                 <a:ea typeface="+mn-ea"/>
               </a:rPr>
-              <a:t>МР нашли свое применение не только в системах речевой связи, но и в сфере безопасности. </a:t>
+              <a:t>Существует два подхода пространственной фильтрации. </a:t>
             </a:r>
-            <a:endParaRPr b="0" lang="ru-RU" sz="1200" spc="-1" strike="noStrike">
+            <a:endParaRPr lang="ru-RU" sz="1200" b="0" strike="noStrike" spc="-1">
               <a:latin typeface="Arial"/>
             </a:endParaRPr>
           </a:p>
@@ -681,20 +1171,20 @@
                 <a:spcPct val="100000"/>
               </a:lnSpc>
               <a:tabLst>
-                <a:tab algn="l" pos="0"/>
+                <a:tab pos="0" algn="l"/>
               </a:tabLst>
             </a:pPr>
             <a:r>
-              <a:rPr b="0" lang="ru-RU" sz="1200" spc="-1" strike="noStrike">
+              <a:rPr lang="ru-RU" sz="1200" b="0" strike="noStrike" spc="-1">
                 <a:solidFill>
                   <a:srgbClr val="000000"/>
                 </a:solidFill>
                 <a:latin typeface="+mn-lt"/>
                 <a:ea typeface="+mn-ea"/>
               </a:rPr>
-              <a:t>Система «Бумеранг»  используется для защиты транспортных средств и войск от снайперского огня. Она позволяет определить положение стрелка. </a:t>
+              <a:t>В первом случае работа ФЛ не зависит от входных данных. Применяется в стационарной помеховой обстановке, где мы априори знаем положения источников помех.</a:t>
             </a:r>
-            <a:endParaRPr b="0" lang="ru-RU" sz="1200" spc="-1" strike="noStrike">
+            <a:endParaRPr lang="ru-RU" sz="1200" b="0" strike="noStrike" spc="-1">
               <a:latin typeface="Arial"/>
             </a:endParaRPr>
           </a:p>
@@ -704,10 +1194,20 @@
                 <a:spcPct val="100000"/>
               </a:lnSpc>
               <a:tabLst>
-                <a:tab algn="l" pos="0"/>
+                <a:tab pos="0" algn="l"/>
               </a:tabLst>
             </a:pPr>
-            <a:endParaRPr b="0" lang="ru-RU" sz="1200" spc="-1" strike="noStrike">
+            <a:r>
+              <a:rPr lang="ru-RU" sz="1200" b="0" strike="noStrike" spc="-1">
+                <a:solidFill>
+                  <a:srgbClr val="000000"/>
+                </a:solidFill>
+                <a:latin typeface="+mn-lt"/>
+                <a:ea typeface="+mn-ea"/>
+              </a:rPr>
+              <a:t>Во втором подходе ФЛ определяет статистику входных данных и адаптирует коэффициенты к оптимальному с точки зрения определенных критериев решению. Такой алгоритм работоспособен в динамической помеховой обстановке. </a:t>
+            </a:r>
+            <a:endParaRPr lang="ru-RU" sz="1200" b="0" strike="noStrike" spc="-1">
               <a:latin typeface="Arial"/>
             </a:endParaRPr>
           </a:p>
@@ -717,94 +1217,68 @@
                 <a:spcPct val="100000"/>
               </a:lnSpc>
               <a:tabLst>
-                <a:tab algn="l" pos="0"/>
+                <a:tab pos="0" algn="l"/>
               </a:tabLst>
             </a:pPr>
-            <a:r>
-              <a:rPr b="0" lang="ru-RU" sz="1200" spc="-1" strike="noStrike">
+            <a:endParaRPr lang="ru-RU" sz="1200" b="0" strike="noStrike" spc="-1">
+              <a:latin typeface="Arial"/>
+            </a:endParaRPr>
+          </a:p>
+        </p:txBody>
+      </p:sp>
+      <p:sp>
+        <p:nvSpPr>
+          <p:cNvPr id="171" name="CustomShape 3"/>
+          <p:cNvSpPr/>
+          <p:nvPr/>
+        </p:nvSpPr>
+        <p:spPr>
+          <a:xfrm>
+            <a:off x="3884760" y="8685360"/>
+            <a:ext cx="2961360" cy="446760"/>
+          </a:xfrm>
+          <a:prstGeom prst="rect">
+            <a:avLst/>
+          </a:prstGeom>
+          <a:noFill/>
+          <a:ln>
+            <a:noFill/>
+          </a:ln>
+        </p:spPr>
+        <p:style>
+          <a:lnRef idx="0">
+            <a:scrgbClr r="0" g="0" b="0"/>
+          </a:lnRef>
+          <a:fillRef idx="0">
+            <a:scrgbClr r="0" g="0" b="0"/>
+          </a:fillRef>
+          <a:effectRef idx="0">
+            <a:scrgbClr r="0" g="0" b="0"/>
+          </a:effectRef>
+          <a:fontRef idx="minor"/>
+        </p:style>
+        <p:txBody>
+          <a:bodyPr lIns="90000" tIns="45000" rIns="90000" bIns="45000" anchor="b">
+            <a:noAutofit/>
+          </a:bodyPr>
+          <a:lstStyle/>
+          <a:p>
+            <a:pPr algn="r">
+              <a:lnSpc>
+                <a:spcPct val="100000"/>
+              </a:lnSpc>
+            </a:pPr>
+            <a:fld id="{9B8A4B6D-E752-4AED-9FF8-9B8E784AF26A}" type="slidenum">
+              <a:rPr lang="ru-RU" sz="1200" b="0" strike="noStrike" spc="-1">
                 <a:solidFill>
                   <a:srgbClr val="000000"/>
                 </a:solidFill>
                 <a:latin typeface="+mn-lt"/>
                 <a:ea typeface="+mn-ea"/>
               </a:rPr>
-              <a:t>Система «SENTRI» применяется в городах, способна различить звук выстрела, определить его направлениее и вызвать полицию </a:t>
-            </a:r>
-            <a:endParaRPr b="0" lang="ru-RU" sz="1200" spc="-1" strike="noStrike">
-              <a:latin typeface="Arial"/>
-            </a:endParaRPr>
-          </a:p>
-          <a:p>
-            <a:pPr marL="216000" indent="-205920">
-              <a:lnSpc>
-                <a:spcPct val="100000"/>
-              </a:lnSpc>
-              <a:tabLst>
-                <a:tab algn="l" pos="0"/>
-              </a:tabLst>
-            </a:pPr>
-            <a:r>
-              <a:rPr b="0" lang="ru-RU" sz="1200" spc="-1" strike="noStrike">
-                <a:solidFill>
-                  <a:srgbClr val="000000"/>
-                </a:solidFill>
-                <a:latin typeface="+mn-lt"/>
-                <a:ea typeface="+mn-ea"/>
-              </a:rPr>
-              <a:t>МР используются  для  получения  объемной  звуковой картины. Такие решения используются, например, в  автомобильной  промышленности  для  точного выявления мест, являющихся источниками нежелательных шумов – скрипа, стука и т.д.</a:t>
-            </a:r>
-            <a:endParaRPr b="0" lang="ru-RU" sz="1200" spc="-1" strike="noStrike">
-              <a:latin typeface="Arial"/>
-            </a:endParaRPr>
-          </a:p>
-        </p:txBody>
-      </p:sp>
-      <p:sp>
-        <p:nvSpPr>
-          <p:cNvPr id="162" name="CustomShape 3"/>
-          <p:cNvSpPr/>
-          <p:nvPr/>
-        </p:nvSpPr>
-        <p:spPr>
-          <a:xfrm>
-            <a:off x="3884760" y="8685360"/>
-            <a:ext cx="2961360" cy="446760"/>
-          </a:xfrm>
-          <a:prstGeom prst="rect">
-            <a:avLst/>
-          </a:prstGeom>
-          <a:noFill/>
-          <a:ln>
-            <a:noFill/>
-          </a:ln>
-        </p:spPr>
-        <p:style>
-          <a:lnRef idx="0"/>
-          <a:fillRef idx="0"/>
-          <a:effectRef idx="0"/>
-          <a:fontRef idx="minor"/>
-        </p:style>
-        <p:txBody>
-          <a:bodyPr lIns="90000" rIns="90000" tIns="45000" bIns="45000" anchor="b">
-            <a:noAutofit/>
-          </a:bodyPr>
-          <a:p>
-            <a:pPr algn="r">
-              <a:lnSpc>
-                <a:spcPct val="100000"/>
-              </a:lnSpc>
-            </a:pPr>
-            <a:fld id="{623DB4C0-5843-439C-866D-8873AB7196E7}" type="slidenum">
-              <a:rPr b="0" lang="ru-RU" sz="1200" spc="-1" strike="noStrike">
-                <a:solidFill>
-                  <a:srgbClr val="000000"/>
-                </a:solidFill>
-                <a:latin typeface="+mn-lt"/>
-                <a:ea typeface="+mn-ea"/>
-              </a:rPr>
-              <a:t>9</a:t>
+              <a:t>6</a:t>
             </a:fld>
-            <a:endParaRPr b="0" lang="ru-RU" sz="1200" spc="-1" strike="noStrike">
+            <a:endParaRPr lang="ru-RU" sz="1200" b="0" strike="noStrike" spc="-1">
               <a:latin typeface="Arial"/>
             </a:endParaRPr>
           </a:p>
@@ -812,11 +1286,14 @@
       </p:sp>
     </p:spTree>
   </p:cSld>
+  <p:clrMapOvr>
+    <a:masterClrMapping/>
+  </p:clrMapOvr>
 </p:notes>
 </file>
 
-<file path=ppt/notesSlides/notesSlide4.xml><?xml version="1.0" encoding="utf-8"?>
-<p:notes xmlns:a="http://schemas.openxmlformats.org/drawingml/2006/main" xmlns:p="http://schemas.openxmlformats.org/presentationml/2006/main" xmlns:r="http://schemas.openxmlformats.org/officeDocument/2006/relationships" xmlns:p14="http://schemas.microsoft.com/office/powerpoint/2010/main" xmlns:p15="http://schemas.microsoft.com/office/powerpoint/2012/main" xmlns:mc="http://schemas.openxmlformats.org/markup-compatibility/2006">
+<file path=ppt/notesSlides/notesSlide5.xml><?xml version="1.0" encoding="utf-8"?>
+<p:notes xmlns:a="http://schemas.openxmlformats.org/drawingml/2006/main" xmlns:r="http://schemas.openxmlformats.org/officeDocument/2006/relationships" xmlns:p="http://schemas.openxmlformats.org/presentationml/2006/main">
   <p:cSld>
     <p:spTree>
       <p:nvGrpSpPr>
@@ -834,9 +1311,9 @@
       </p:grpSpPr>
       <p:sp>
         <p:nvSpPr>
-          <p:cNvPr id="163" name="PlaceHolder 1"/>
+          <p:cNvPr id="172" name="PlaceHolder 1"/>
           <p:cNvSpPr>
-            <a:spLocks noGrp="1"/>
+            <a:spLocks noGrp="1" noRot="1" noChangeAspect="1"/>
           </p:cNvSpPr>
           <p:nvPr>
             <p:ph type="sldImg"/>
@@ -854,7 +1331,7 @@
       </p:sp>
       <p:sp>
         <p:nvSpPr>
-          <p:cNvPr id="164" name="PlaceHolder 2"/>
+          <p:cNvPr id="173" name="PlaceHolder 2"/>
           <p:cNvSpPr>
             <a:spLocks noGrp="1"/>
           </p:cNvSpPr>
@@ -872,29 +1349,40 @@
           </a:prstGeom>
         </p:spPr>
         <p:txBody>
-          <a:bodyPr lIns="0" rIns="0" tIns="0" bIns="0">
+          <a:bodyPr lIns="0" tIns="0" rIns="0" bIns="0">
             <a:noAutofit/>
           </a:bodyPr>
+          <a:lstStyle/>
           <a:p>
             <a:pPr marL="216000" indent="-205920">
               <a:lnSpc>
                 <a:spcPct val="100000"/>
               </a:lnSpc>
               <a:tabLst>
-                <a:tab algn="l" pos="0"/>
+                <a:tab pos="0" algn="l"/>
               </a:tabLst>
             </a:pPr>
             <a:r>
-              <a:rPr b="0" lang="ru-RU" sz="1400" spc="-1" strike="noStrike">
+              <a:rPr lang="ru-RU" sz="1200" b="0" strike="noStrike" spc="-1">
                 <a:solidFill>
                   <a:srgbClr val="000000"/>
                 </a:solidFill>
                 <a:latin typeface="+mn-lt"/>
                 <a:ea typeface="+mn-ea"/>
               </a:rPr>
-              <a:t>Сигналы речевого диапазона частот занимают полосу от 300 до 3400 Гц, то есть являются широкополосными.</a:t>
+              <a:t>Один из подходов адаптивной пространственной фильтрации состоит в минимизации целевой функции при выполнении линейных ограничений. Были рассмотрены 2 традиционных адаптивных алгоритма </a:t>
             </a:r>
-            <a:endParaRPr b="0" lang="ru-RU" sz="1400" spc="-1" strike="noStrike">
+            <a:r>
+              <a:rPr lang="en-US" sz="1200" b="0" strike="noStrike" spc="-1">
+                <a:solidFill>
+                  <a:srgbClr val="000000"/>
+                </a:solidFill>
+                <a:latin typeface="+mn-lt"/>
+                <a:ea typeface="+mn-ea"/>
+              </a:rPr>
+              <a:t>LC LMS, LC RLS.</a:t>
+            </a:r>
+            <a:endParaRPr lang="ru-RU" sz="1200" b="0" strike="noStrike" spc="-1">
               <a:latin typeface="Arial"/>
             </a:endParaRPr>
           </a:p>
@@ -904,77 +1392,28 @@
                 <a:spcPct val="100000"/>
               </a:lnSpc>
               <a:tabLst>
-                <a:tab algn="l" pos="0"/>
+                <a:tab pos="0" algn="l"/>
               </a:tabLst>
             </a:pPr>
             <a:r>
-              <a:rPr b="0" lang="ru-RU" sz="1400" spc="-1" strike="noStrike">
+              <a:rPr lang="ru-RU" sz="1200" b="0" strike="noStrike" spc="-1">
                 <a:solidFill>
                   <a:srgbClr val="000000"/>
                 </a:solidFill>
                 <a:latin typeface="+mn-lt"/>
                 <a:ea typeface="+mn-ea"/>
               </a:rPr>
-              <a:t>Для обработки звука МР используются в сочетании с формирователями луча. Это процессоры, которые обеспечивают частотно-зависимый отклик для каждого канала МР. Различают</a:t>
+              <a:t>RLS алгоритм имеет более высокую скорость сходимости, но в то же время более вычислительно затратен</a:t>
             </a:r>
-            <a:endParaRPr b="0" lang="ru-RU" sz="1400" spc="-1" strike="noStrike">
-              <a:latin typeface="Arial"/>
-            </a:endParaRPr>
-          </a:p>
-          <a:p>
-            <a:pPr marL="216000" indent="-205920">
-              <a:lnSpc>
-                <a:spcPct val="100000"/>
-              </a:lnSpc>
-              <a:tabLst>
-                <a:tab algn="l" pos="0"/>
-              </a:tabLst>
-            </a:pPr>
-            <a:endParaRPr b="0" lang="ru-RU" sz="1400" spc="-1" strike="noStrike">
-              <a:latin typeface="Arial"/>
-            </a:endParaRPr>
-          </a:p>
-          <a:p>
-            <a:pPr marL="216000" indent="-205920">
-              <a:lnSpc>
-                <a:spcPct val="100000"/>
-              </a:lnSpc>
-              <a:tabLst>
-                <a:tab algn="l" pos="0"/>
-              </a:tabLst>
-            </a:pPr>
-            <a:endParaRPr b="0" lang="ru-RU" sz="1400" spc="-1" strike="noStrike">
-              <a:latin typeface="Arial"/>
-            </a:endParaRPr>
-          </a:p>
-          <a:p>
-            <a:pPr marL="216000" indent="-205920">
-              <a:lnSpc>
-                <a:spcPct val="100000"/>
-              </a:lnSpc>
-              <a:tabLst>
-                <a:tab algn="l" pos="0"/>
-              </a:tabLst>
-            </a:pPr>
-            <a:r>
-              <a:rPr b="0" lang="ru-RU" sz="1400" spc="-1" strike="noStrike">
-                <a:solidFill>
-                  <a:srgbClr val="000000"/>
-                </a:solidFill>
-                <a:latin typeface="Arial"/>
-                <a:ea typeface="+mn-ea"/>
-              </a:rPr>
-              <a:t>Частотный ФЛ, который разбивает спектр принятых сигналов на диапазоны и умножает каждый диапазон на соответствующие коэффициенты, и временной,  который  обеспечивает  частотно  зависимые коэффициенты с помощью линий задержки КИХ фильтров, расположенных в канале каждого сенсора. В данной работе я работал с временным формирователем луча</a:t>
-            </a:r>
-            <a:endParaRPr b="0" lang="ru-RU" sz="1400" spc="-1" strike="noStrike">
-              <a:latin typeface="Arial"/>
-            </a:endParaRPr>
-          </a:p>
-        </p:txBody>
-      </p:sp>
-      <p:sp>
-        <p:nvSpPr>
-          <p:cNvPr id="165" name="CustomShape 3"/>
+            <a:endParaRPr lang="ru-RU" sz="1200" b="0" strike="noStrike" spc="-1">
+              <a:latin typeface="Arial"/>
+            </a:endParaRPr>
+          </a:p>
+        </p:txBody>
+      </p:sp>
+      <p:sp>
+        <p:nvSpPr>
+          <p:cNvPr id="174" name="CustomShape 3"/>
           <p:cNvSpPr/>
           <p:nvPr/>
         </p:nvSpPr>
@@ -992,32 +1431,39 @@
           </a:ln>
         </p:spPr>
         <p:style>
-          <a:lnRef idx="0"/>
-          <a:fillRef idx="0"/>
-          <a:effectRef idx="0"/>
+          <a:lnRef idx="0">
+            <a:scrgbClr r="0" g="0" b="0"/>
+          </a:lnRef>
+          <a:fillRef idx="0">
+            <a:scrgbClr r="0" g="0" b="0"/>
+          </a:fillRef>
+          <a:effectRef idx="0">
+            <a:scrgbClr r="0" g="0" b="0"/>
+          </a:effectRef>
           <a:fontRef idx="minor"/>
         </p:style>
         <p:txBody>
-          <a:bodyPr lIns="90000" rIns="90000" tIns="45000" bIns="45000" anchor="b">
+          <a:bodyPr lIns="90000" tIns="45000" rIns="90000" bIns="45000" anchor="b">
             <a:noAutofit/>
           </a:bodyPr>
+          <a:lstStyle/>
           <a:p>
             <a:pPr algn="r">
               <a:lnSpc>
                 <a:spcPct val="100000"/>
               </a:lnSpc>
             </a:pPr>
-            <a:fld id="{ABBF9C8F-0EE0-460C-9B4D-D3F718B5C191}" type="slidenum">
-              <a:rPr b="0" lang="ru-RU" sz="1200" spc="-1" strike="noStrike">
+            <a:fld id="{1A9DD59F-A618-4F4A-8343-370CB8435FC7}" type="slidenum">
+              <a:rPr lang="ru-RU" sz="1200" b="0" strike="noStrike" spc="-1">
                 <a:solidFill>
                   <a:srgbClr val="000000"/>
                 </a:solidFill>
                 <a:latin typeface="+mn-lt"/>
                 <a:ea typeface="+mn-ea"/>
               </a:rPr>
-              <a:t>9</a:t>
+              <a:t>7</a:t>
             </a:fld>
-            <a:endParaRPr b="0" lang="ru-RU" sz="1200" spc="-1" strike="noStrike">
+            <a:endParaRPr lang="ru-RU" sz="1200" b="0" strike="noStrike" spc="-1">
               <a:latin typeface="Arial"/>
             </a:endParaRPr>
           </a:p>
@@ -1025,11 +1471,14 @@
       </p:sp>
     </p:spTree>
   </p:cSld>
+  <p:clrMapOvr>
+    <a:masterClrMapping/>
+  </p:clrMapOvr>
 </p:notes>
 </file>
 
-<file path=ppt/notesSlides/notesSlide5.xml><?xml version="1.0" encoding="utf-8"?>
-<p:notes xmlns:a="http://schemas.openxmlformats.org/drawingml/2006/main" xmlns:p="http://schemas.openxmlformats.org/presentationml/2006/main" xmlns:r="http://schemas.openxmlformats.org/officeDocument/2006/relationships" xmlns:p14="http://schemas.microsoft.com/office/powerpoint/2010/main" xmlns:p15="http://schemas.microsoft.com/office/powerpoint/2012/main" xmlns:mc="http://schemas.openxmlformats.org/markup-compatibility/2006">
+<file path=ppt/notesSlides/notesSlide6.xml><?xml version="1.0" encoding="utf-8"?>
+<p:notes xmlns:a="http://schemas.openxmlformats.org/drawingml/2006/main" xmlns:r="http://schemas.openxmlformats.org/officeDocument/2006/relationships" xmlns:p="http://schemas.openxmlformats.org/presentationml/2006/main">
   <p:cSld>
     <p:spTree>
       <p:nvGrpSpPr>
@@ -1047,9 +1496,9 @@
       </p:grpSpPr>
       <p:sp>
         <p:nvSpPr>
-          <p:cNvPr id="166" name="PlaceHolder 1"/>
+          <p:cNvPr id="175" name="PlaceHolder 1"/>
           <p:cNvSpPr>
-            <a:spLocks noGrp="1"/>
+            <a:spLocks noGrp="1" noRot="1" noChangeAspect="1"/>
           </p:cNvSpPr>
           <p:nvPr>
             <p:ph type="sldImg"/>
@@ -1057,17 +1506,17 @@
         </p:nvSpPr>
         <p:spPr>
           <a:xfrm>
-            <a:off x="1144440" y="685800"/>
-            <a:ext cx="4559040" cy="3419280"/>
-          </a:xfrm>
-          <a:prstGeom prst="rect">
-            <a:avLst/>
-          </a:prstGeom>
-        </p:spPr>
-      </p:sp>
-      <p:sp>
-        <p:nvSpPr>
-          <p:cNvPr id="167" name="PlaceHolder 2"/>
+            <a:off x="1144588" y="685800"/>
+            <a:ext cx="4559300" cy="3419475"/>
+          </a:xfrm>
+          <a:prstGeom prst="rect">
+            <a:avLst/>
+          </a:prstGeom>
+        </p:spPr>
+      </p:sp>
+      <p:sp>
+        <p:nvSpPr>
+          <p:cNvPr id="176" name="PlaceHolder 2"/>
           <p:cNvSpPr>
             <a:spLocks noGrp="1"/>
           </p:cNvSpPr>
@@ -1085,52 +1534,47 @@
           </a:prstGeom>
         </p:spPr>
         <p:txBody>
-          <a:bodyPr lIns="0" rIns="0" tIns="0" bIns="0">
+          <a:bodyPr lIns="0" tIns="0" rIns="0" bIns="0">
             <a:noAutofit/>
           </a:bodyPr>
-          <a:p>
-            <a:pPr marL="216000" indent="-212400">
+          <a:lstStyle/>
+          <a:p>
+            <a:pPr marL="216000" indent="-205920">
               <a:lnSpc>
                 <a:spcPct val="100000"/>
               </a:lnSpc>
               <a:tabLst>
-                <a:tab algn="l" pos="0"/>
+                <a:tab pos="0" algn="l"/>
               </a:tabLst>
             </a:pPr>
             <a:r>
-              <a:rPr b="0" lang="ru-RU" sz="1400" spc="-1" strike="noStrike">
-                <a:latin typeface="+mn-lt"/>
-              </a:rPr>
-              <a:t>Формирователь луча можно рассматривать как разновидность фильтра. Частотно-ВременнОй фильтр используются для приема сигнала и увеличения или уменьшения его отдельных частотных компонент</a:t>
+              <a:rPr lang="ru-RU" sz="2000" b="0" strike="noStrike" spc="-1">
+                <a:latin typeface="Arial"/>
+              </a:rPr>
+              <a:t>Для последующего моделирования была использована линейная эквидистантная микрофонная решетка с расстоянием между микрофонами 4 см. </a:t>
             </a:r>
-            <a:endParaRPr b="0" lang="ru-RU" sz="1400" spc="-1" strike="noStrike">
-              <a:latin typeface="Arial"/>
-            </a:endParaRPr>
-          </a:p>
-          <a:p>
-            <a:pPr marL="216000" indent="-212400">
+          </a:p>
+          <a:p>
+            <a:pPr marL="216000" indent="-205920">
               <a:lnSpc>
                 <a:spcPct val="100000"/>
               </a:lnSpc>
               <a:tabLst>
-                <a:tab algn="l" pos="0"/>
+                <a:tab pos="0" algn="l"/>
               </a:tabLst>
             </a:pPr>
             <a:r>
-              <a:rPr b="0" lang="ru-RU" sz="1400" spc="-1" strike="noStrike">
-                <a:latin typeface="+mn-lt"/>
-              </a:rPr>
-              <a:t>А роль ФЛ состоит в увеличении сигналов с определенного направления и уменьшении сигналов со всех других направлений</a:t>
+              <a:rPr lang="ru-RU" sz="2000" b="0" strike="noStrike" spc="-1">
+                <a:latin typeface="Arial"/>
+              </a:rPr>
+              <a:t>Ею был осуществлен прием смеси полезного сигнала с направления 0 град азимута и помехи – с направления 60 град.</a:t>
             </a:r>
-            <a:endParaRPr b="0" lang="ru-RU" sz="1400" spc="-1" strike="noStrike">
-              <a:latin typeface="Arial"/>
-            </a:endParaRPr>
-          </a:p>
-        </p:txBody>
-      </p:sp>
-      <p:sp>
-        <p:nvSpPr>
-          <p:cNvPr id="168" name="CustomShape 3"/>
+          </a:p>
+        </p:txBody>
+      </p:sp>
+      <p:sp>
+        <p:nvSpPr>
+          <p:cNvPr id="177" name="CustomShape 3"/>
           <p:cNvSpPr/>
           <p:nvPr/>
         </p:nvSpPr>
@@ -1148,32 +1592,39 @@
           </a:ln>
         </p:spPr>
         <p:style>
-          <a:lnRef idx="0"/>
-          <a:fillRef idx="0"/>
-          <a:effectRef idx="0"/>
+          <a:lnRef idx="0">
+            <a:scrgbClr r="0" g="0" b="0"/>
+          </a:lnRef>
+          <a:fillRef idx="0">
+            <a:scrgbClr r="0" g="0" b="0"/>
+          </a:fillRef>
+          <a:effectRef idx="0">
+            <a:scrgbClr r="0" g="0" b="0"/>
+          </a:effectRef>
           <a:fontRef idx="minor"/>
         </p:style>
         <p:txBody>
-          <a:bodyPr lIns="90000" rIns="90000" tIns="45000" bIns="45000" anchor="b">
+          <a:bodyPr lIns="90000" tIns="45000" rIns="90000" bIns="45000" anchor="b">
             <a:noAutofit/>
           </a:bodyPr>
+          <a:lstStyle/>
           <a:p>
             <a:pPr algn="r">
               <a:lnSpc>
                 <a:spcPct val="100000"/>
               </a:lnSpc>
             </a:pPr>
-            <a:fld id="{52E74A8F-041F-4DC5-BC5E-C3842F72F8C5}" type="slidenum">
-              <a:rPr b="0" lang="ru-RU" sz="1200" spc="-1" strike="noStrike">
+            <a:fld id="{317754E2-42F6-420A-8B31-5CC38E3E63C2}" type="slidenum">
+              <a:rPr lang="ru-RU" sz="1200" b="0" strike="noStrike" spc="-1">
                 <a:solidFill>
                   <a:srgbClr val="000000"/>
                 </a:solidFill>
                 <a:latin typeface="+mn-lt"/>
                 <a:ea typeface="+mn-ea"/>
               </a:rPr>
-              <a:t>9</a:t>
+              <a:t>8</a:t>
             </a:fld>
-            <a:endParaRPr b="0" lang="ru-RU" sz="1200" spc="-1" strike="noStrike">
+            <a:endParaRPr lang="ru-RU" sz="1200" b="0" strike="noStrike" spc="-1">
               <a:latin typeface="Arial"/>
             </a:endParaRPr>
           </a:p>
@@ -1181,11 +1632,14 @@
       </p:sp>
     </p:spTree>
   </p:cSld>
+  <p:clrMapOvr>
+    <a:masterClrMapping/>
+  </p:clrMapOvr>
 </p:notes>
 </file>
 
-<file path=ppt/notesSlides/notesSlide6.xml><?xml version="1.0" encoding="utf-8"?>
-<p:notes xmlns:a="http://schemas.openxmlformats.org/drawingml/2006/main" xmlns:p="http://schemas.openxmlformats.org/presentationml/2006/main" xmlns:r="http://schemas.openxmlformats.org/officeDocument/2006/relationships" xmlns:p14="http://schemas.microsoft.com/office/powerpoint/2010/main" xmlns:p15="http://schemas.microsoft.com/office/powerpoint/2012/main" xmlns:mc="http://schemas.openxmlformats.org/markup-compatibility/2006">
+<file path=ppt/notesSlides/notesSlide7.xml><?xml version="1.0" encoding="utf-8"?>
+<p:notes xmlns:a="http://schemas.openxmlformats.org/drawingml/2006/main" xmlns:r="http://schemas.openxmlformats.org/officeDocument/2006/relationships" xmlns:p="http://schemas.openxmlformats.org/presentationml/2006/main">
   <p:cSld>
     <p:spTree>
       <p:nvGrpSpPr>
@@ -1203,9 +1657,9 @@
       </p:grpSpPr>
       <p:sp>
         <p:nvSpPr>
-          <p:cNvPr id="169" name="PlaceHolder 1"/>
+          <p:cNvPr id="178" name="PlaceHolder 1"/>
           <p:cNvSpPr>
-            <a:spLocks noGrp="1"/>
+            <a:spLocks noGrp="1" noRot="1" noChangeAspect="1"/>
           </p:cNvSpPr>
           <p:nvPr>
             <p:ph type="sldImg"/>
@@ -1223,7 +1677,7 @@
       </p:sp>
       <p:sp>
         <p:nvSpPr>
-          <p:cNvPr id="170" name="PlaceHolder 2"/>
+          <p:cNvPr id="179" name="PlaceHolder 2"/>
           <p:cNvSpPr>
             <a:spLocks noGrp="1"/>
           </p:cNvSpPr>
@@ -1241,29 +1695,30 @@
           </a:prstGeom>
         </p:spPr>
         <p:txBody>
-          <a:bodyPr lIns="0" rIns="0" tIns="0" bIns="0">
+          <a:bodyPr lIns="0" tIns="0" rIns="0" bIns="0">
             <a:noAutofit/>
           </a:bodyPr>
+          <a:lstStyle/>
           <a:p>
             <a:pPr marL="216000" indent="-205920">
               <a:lnSpc>
                 <a:spcPct val="100000"/>
               </a:lnSpc>
               <a:tabLst>
-                <a:tab algn="l" pos="0"/>
+                <a:tab pos="0" algn="l"/>
               </a:tabLst>
             </a:pPr>
             <a:r>
-              <a:rPr b="0" lang="ru-RU" sz="1200" spc="-1" strike="noStrike">
+              <a:rPr lang="ru-RU" sz="1200" b="0" strike="noStrike" spc="-1">
                 <a:solidFill>
                   <a:srgbClr val="000000"/>
                 </a:solidFill>
                 <a:latin typeface="+mn-lt"/>
                 <a:ea typeface="+mn-ea"/>
               </a:rPr>
-              <a:t>Существует два подхода пространственной фильтрации. </a:t>
+              <a:t>Для оценки работы адаптивных формирователей луча помимо традиционного расчета ОСШ, применялась одна из техник объективной оценки качества, разборчивости речи. </a:t>
             </a:r>
-            <a:endParaRPr b="0" lang="ru-RU" sz="1200" spc="-1" strike="noStrike">
+            <a:endParaRPr lang="ru-RU" sz="1200" b="0" strike="noStrike" spc="-1">
               <a:latin typeface="Arial"/>
             </a:endParaRPr>
           </a:p>
@@ -1273,107 +1728,91 @@
                 <a:spcPct val="100000"/>
               </a:lnSpc>
               <a:tabLst>
-                <a:tab algn="l" pos="0"/>
+                <a:tab pos="0" algn="l"/>
+              </a:tabLst>
+            </a:pPr>
+            <a:endParaRPr lang="ru-RU" sz="1200" b="0" strike="noStrike" spc="-1">
+              <a:latin typeface="Arial"/>
+            </a:endParaRPr>
+          </a:p>
+          <a:p>
+            <a:pPr marL="216000" indent="-205920">
+              <a:lnSpc>
+                <a:spcPct val="100000"/>
+              </a:lnSpc>
+              <a:tabLst>
+                <a:tab pos="0" algn="l"/>
               </a:tabLst>
             </a:pPr>
             <a:r>
-              <a:rPr b="0" lang="ru-RU" sz="1200" spc="-1" strike="noStrike">
+              <a:rPr lang="ru-RU" sz="1200" b="0" strike="noStrike" spc="-1">
                 <a:solidFill>
                   <a:srgbClr val="000000"/>
                 </a:solidFill>
                 <a:latin typeface="+mn-lt"/>
                 <a:ea typeface="+mn-ea"/>
               </a:rPr>
-              <a:t>В первом случае работа ФЛ не зависит от входных данных. Применяется в стационарной помеховой обстановке, где мы априори знаем положения источников помех.</a:t>
+              <a:t>Для определения качества передачи речи в PESQ предусмотрено сравнение входного, или эталонного, сигнала с его искаженной версией на выходе системы связи. Этот процесс схематично показан на рисунке. Алгоритм PESQ оценивает качество речи по пятибалльной шкале – от 1 до 5. </a:t>
             </a:r>
-            <a:endParaRPr b="0" lang="ru-RU" sz="1200" spc="-1" strike="noStrike">
-              <a:latin typeface="Arial"/>
-            </a:endParaRPr>
-          </a:p>
-          <a:p>
-            <a:pPr marL="216000" indent="-205920">
+            <a:endParaRPr lang="ru-RU" sz="1200" b="0" strike="noStrike" spc="-1">
+              <a:latin typeface="Arial"/>
+            </a:endParaRPr>
+          </a:p>
+        </p:txBody>
+      </p:sp>
+      <p:sp>
+        <p:nvSpPr>
+          <p:cNvPr id="180" name="CustomShape 3"/>
+          <p:cNvSpPr/>
+          <p:nvPr/>
+        </p:nvSpPr>
+        <p:spPr>
+          <a:xfrm>
+            <a:off x="3884760" y="8685360"/>
+            <a:ext cx="2961360" cy="446760"/>
+          </a:xfrm>
+          <a:prstGeom prst="rect">
+            <a:avLst/>
+          </a:prstGeom>
+          <a:noFill/>
+          <a:ln>
+            <a:noFill/>
+          </a:ln>
+        </p:spPr>
+        <p:style>
+          <a:lnRef idx="0">
+            <a:scrgbClr r="0" g="0" b="0"/>
+          </a:lnRef>
+          <a:fillRef idx="0">
+            <a:scrgbClr r="0" g="0" b="0"/>
+          </a:fillRef>
+          <a:effectRef idx="0">
+            <a:scrgbClr r="0" g="0" b="0"/>
+          </a:effectRef>
+          <a:fontRef idx="minor"/>
+        </p:style>
+        <p:txBody>
+          <a:bodyPr lIns="90000" tIns="45000" rIns="90000" bIns="45000" anchor="b">
+            <a:noAutofit/>
+          </a:bodyPr>
+          <a:lstStyle/>
+          <a:p>
+            <a:pPr algn="r">
               <a:lnSpc>
                 <a:spcPct val="100000"/>
               </a:lnSpc>
-              <a:tabLst>
-                <a:tab algn="l" pos="0"/>
-              </a:tabLst>
             </a:pPr>
-            <a:r>
-              <a:rPr b="0" lang="ru-RU" sz="1200" spc="-1" strike="noStrike">
+            <a:fld id="{A091825E-5940-4EB8-A046-E98597CC45A2}" type="slidenum">
+              <a:rPr lang="ru-RU" sz="1200" b="0" strike="noStrike" spc="-1">
                 <a:solidFill>
                   <a:srgbClr val="000000"/>
                 </a:solidFill>
                 <a:latin typeface="+mn-lt"/>
                 <a:ea typeface="+mn-ea"/>
               </a:rPr>
-              <a:t>Во втором подходе ФЛ определяет статистику входных данных и адаптирует коэффициенты к оптимальному с точки зрения определенных критериев решению. Такой алгоритм работоспособен в динамической помеховой обстановке. </a:t>
-            </a:r>
-            <a:endParaRPr b="0" lang="ru-RU" sz="1200" spc="-1" strike="noStrike">
-              <a:latin typeface="Arial"/>
-            </a:endParaRPr>
-          </a:p>
-          <a:p>
-            <a:pPr marL="216000" indent="-205920">
-              <a:lnSpc>
-                <a:spcPct val="100000"/>
-              </a:lnSpc>
-              <a:tabLst>
-                <a:tab algn="l" pos="0"/>
-              </a:tabLst>
-            </a:pPr>
-            <a:endParaRPr b="0" lang="ru-RU" sz="1200" spc="-1" strike="noStrike">
-              <a:latin typeface="Arial"/>
-            </a:endParaRPr>
-          </a:p>
-        </p:txBody>
-      </p:sp>
-      <p:sp>
-        <p:nvSpPr>
-          <p:cNvPr id="171" name="CustomShape 3"/>
-          <p:cNvSpPr/>
-          <p:nvPr/>
-        </p:nvSpPr>
-        <p:spPr>
-          <a:xfrm>
-            <a:off x="3884760" y="8685360"/>
-            <a:ext cx="2961360" cy="446760"/>
-          </a:xfrm>
-          <a:prstGeom prst="rect">
-            <a:avLst/>
-          </a:prstGeom>
-          <a:noFill/>
-          <a:ln>
-            <a:noFill/>
-          </a:ln>
-        </p:spPr>
-        <p:style>
-          <a:lnRef idx="0"/>
-          <a:fillRef idx="0"/>
-          <a:effectRef idx="0"/>
-          <a:fontRef idx="minor"/>
-        </p:style>
-        <p:txBody>
-          <a:bodyPr lIns="90000" rIns="90000" tIns="45000" bIns="45000" anchor="b">
-            <a:noAutofit/>
-          </a:bodyPr>
-          <a:p>
-            <a:pPr algn="r">
-              <a:lnSpc>
-                <a:spcPct val="100000"/>
-              </a:lnSpc>
-            </a:pPr>
-            <a:fld id="{9B8A4B6D-E752-4AED-9FF8-9B8E784AF26A}" type="slidenum">
-              <a:rPr b="0" lang="ru-RU" sz="1200" spc="-1" strike="noStrike">
-                <a:solidFill>
-                  <a:srgbClr val="000000"/>
-                </a:solidFill>
-                <a:latin typeface="+mn-lt"/>
-                <a:ea typeface="+mn-ea"/>
-              </a:rPr>
               <a:t>9</a:t>
             </a:fld>
-            <a:endParaRPr b="0" lang="ru-RU" sz="1200" spc="-1" strike="noStrike">
+            <a:endParaRPr lang="ru-RU" sz="1200" b="0" strike="noStrike" spc="-1">
               <a:latin typeface="Arial"/>
             </a:endParaRPr>
           </a:p>
@@ -1381,11 +1820,14 @@
       </p:sp>
     </p:spTree>
   </p:cSld>
+  <p:clrMapOvr>
+    <a:masterClrMapping/>
+  </p:clrMapOvr>
 </p:notes>
 </file>
 
-<file path=ppt/notesSlides/notesSlide7.xml><?xml version="1.0" encoding="utf-8"?>
-<p:notes xmlns:a="http://schemas.openxmlformats.org/drawingml/2006/main" xmlns:p="http://schemas.openxmlformats.org/presentationml/2006/main" xmlns:r="http://schemas.openxmlformats.org/officeDocument/2006/relationships" xmlns:p14="http://schemas.microsoft.com/office/powerpoint/2010/main" xmlns:p15="http://schemas.microsoft.com/office/powerpoint/2012/main" xmlns:mc="http://schemas.openxmlformats.org/markup-compatibility/2006">
+<file path=ppt/notesSlides/notesSlide8.xml><?xml version="1.0" encoding="utf-8"?>
+<p:notes xmlns:a="http://schemas.openxmlformats.org/drawingml/2006/main" xmlns:r="http://schemas.openxmlformats.org/officeDocument/2006/relationships" xmlns:p="http://schemas.openxmlformats.org/presentationml/2006/main">
   <p:cSld>
     <p:spTree>
       <p:nvGrpSpPr>
@@ -1403,9 +1845,9 @@
       </p:grpSpPr>
       <p:sp>
         <p:nvSpPr>
-          <p:cNvPr id="172" name="PlaceHolder 1"/>
+          <p:cNvPr id="181" name="PlaceHolder 1"/>
           <p:cNvSpPr>
-            <a:spLocks noGrp="1"/>
+            <a:spLocks noGrp="1" noRot="1" noChangeAspect="1"/>
           </p:cNvSpPr>
           <p:nvPr>
             <p:ph type="sldImg"/>
@@ -1423,7 +1865,7 @@
       </p:sp>
       <p:sp>
         <p:nvSpPr>
-          <p:cNvPr id="173" name="PlaceHolder 2"/>
+          <p:cNvPr id="182" name="PlaceHolder 2"/>
           <p:cNvSpPr>
             <a:spLocks noGrp="1"/>
           </p:cNvSpPr>
@@ -1441,39 +1883,53 @@
           </a:prstGeom>
         </p:spPr>
         <p:txBody>
-          <a:bodyPr lIns="0" rIns="0" tIns="0" bIns="0">
+          <a:bodyPr lIns="0" tIns="0" rIns="0" bIns="0">
             <a:noAutofit/>
           </a:bodyPr>
+          <a:lstStyle/>
           <a:p>
             <a:pPr marL="216000" indent="-205920">
               <a:lnSpc>
                 <a:spcPct val="100000"/>
               </a:lnSpc>
               <a:tabLst>
-                <a:tab algn="l" pos="0"/>
+                <a:tab pos="0" algn="l"/>
               </a:tabLst>
             </a:pPr>
             <a:r>
-              <a:rPr b="0" lang="ru-RU" sz="1200" spc="-1" strike="noStrike">
+              <a:rPr lang="ru-RU" sz="1200" b="0" strike="noStrike" spc="-1">
                 <a:solidFill>
                   <a:srgbClr val="000000"/>
                 </a:solidFill>
                 <a:latin typeface="+mn-lt"/>
                 <a:ea typeface="+mn-ea"/>
               </a:rPr>
-              <a:t>Один из подходов адаптивной пространственной фильтрации состоит в минимизации целевой функции при выполнении линейных ограничений. Были рассмотрены 2 традиционных адаптивных алгоритма </a:t>
+              <a:t>графики выигрыша в ОСШ от порядка адаптивных фильтров и от числа микрофонов. Тоже самое для выигрыша в PESQ.</a:t>
             </a:r>
+            <a:endParaRPr lang="ru-RU" sz="1200" b="0" strike="noStrike" spc="-1">
+              <a:latin typeface="Arial"/>
+            </a:endParaRPr>
+          </a:p>
+          <a:p>
+            <a:pPr marL="216000" indent="-205920">
+              <a:lnSpc>
+                <a:spcPct val="100000"/>
+              </a:lnSpc>
+              <a:tabLst>
+                <a:tab pos="0" algn="l"/>
+              </a:tabLst>
+            </a:pPr>
             <a:r>
-              <a:rPr b="0" lang="en-US" sz="1200" spc="-1" strike="noStrike">
+              <a:rPr lang="ru-RU" sz="1200" b="0" strike="noStrike" spc="-1">
                 <a:solidFill>
                   <a:srgbClr val="000000"/>
                 </a:solidFill>
                 <a:latin typeface="+mn-lt"/>
                 <a:ea typeface="+mn-ea"/>
               </a:rPr>
-              <a:t>LC LMS, LC RLS.</a:t>
+              <a:t> </a:t>
             </a:r>
-            <a:endParaRPr b="0" lang="ru-RU" sz="1200" spc="-1" strike="noStrike">
+            <a:endParaRPr lang="ru-RU" sz="1200" b="0" strike="noStrike" spc="-1">
               <a:latin typeface="Arial"/>
             </a:endParaRPr>
           </a:p>
@@ -1483,28 +1939,28 @@
                 <a:spcPct val="100000"/>
               </a:lnSpc>
               <a:tabLst>
-                <a:tab algn="l" pos="0"/>
+                <a:tab pos="0" algn="l"/>
               </a:tabLst>
             </a:pPr>
             <a:r>
-              <a:rPr b="0" lang="ru-RU" sz="1200" spc="-1" strike="noStrike">
+              <a:rPr lang="ru-RU" sz="1200" b="0" strike="noStrike" spc="-1">
                 <a:solidFill>
                   <a:srgbClr val="000000"/>
                 </a:solidFill>
                 <a:latin typeface="+mn-lt"/>
                 <a:ea typeface="+mn-ea"/>
               </a:rPr>
-              <a:t>RLS алгоритм имеет более высокую скорость сходимости, но в то же время более вычислительно затратен</a:t>
+              <a:t>На данном слайде представленные результаты моделирования. Были построенны оценка ОСШ и PESQ в зависимости от числа микрофонов и порядка фильтра</a:t>
             </a:r>
-            <a:endParaRPr b="0" lang="ru-RU" sz="1200" spc="-1" strike="noStrike">
-              <a:latin typeface="Arial"/>
-            </a:endParaRPr>
-          </a:p>
-        </p:txBody>
-      </p:sp>
-      <p:sp>
-        <p:nvSpPr>
-          <p:cNvPr id="174" name="CustomShape 3"/>
+            <a:endParaRPr lang="ru-RU" sz="1200" b="0" strike="noStrike" spc="-1">
+              <a:latin typeface="Arial"/>
+            </a:endParaRPr>
+          </a:p>
+        </p:txBody>
+      </p:sp>
+      <p:sp>
+        <p:nvSpPr>
+          <p:cNvPr id="183" name="CustomShape 3"/>
           <p:cNvSpPr/>
           <p:nvPr/>
         </p:nvSpPr>
@@ -1522,32 +1978,39 @@
           </a:ln>
         </p:spPr>
         <p:style>
-          <a:lnRef idx="0"/>
-          <a:fillRef idx="0"/>
-          <a:effectRef idx="0"/>
+          <a:lnRef idx="0">
+            <a:scrgbClr r="0" g="0" b="0"/>
+          </a:lnRef>
+          <a:fillRef idx="0">
+            <a:scrgbClr r="0" g="0" b="0"/>
+          </a:fillRef>
+          <a:effectRef idx="0">
+            <a:scrgbClr r="0" g="0" b="0"/>
+          </a:effectRef>
           <a:fontRef idx="minor"/>
         </p:style>
         <p:txBody>
-          <a:bodyPr lIns="90000" rIns="90000" tIns="45000" bIns="45000" anchor="b">
+          <a:bodyPr lIns="90000" tIns="45000" rIns="90000" bIns="45000" anchor="b">
             <a:noAutofit/>
           </a:bodyPr>
+          <a:lstStyle/>
           <a:p>
             <a:pPr algn="r">
               <a:lnSpc>
                 <a:spcPct val="100000"/>
               </a:lnSpc>
             </a:pPr>
-            <a:fld id="{1A9DD59F-A618-4F4A-8343-370CB8435FC7}" type="slidenum">
-              <a:rPr b="0" lang="ru-RU" sz="1200" spc="-1" strike="noStrike">
+            <a:fld id="{88F3543D-9737-4633-B23A-B19FC869545E}" type="slidenum">
+              <a:rPr lang="ru-RU" sz="1200" b="0" strike="noStrike" spc="-1">
                 <a:solidFill>
                   <a:srgbClr val="000000"/>
                 </a:solidFill>
                 <a:latin typeface="+mn-lt"/>
                 <a:ea typeface="+mn-ea"/>
               </a:rPr>
-              <a:t>9</a:t>
+              <a:t>10</a:t>
             </a:fld>
-            <a:endParaRPr b="0" lang="ru-RU" sz="1200" spc="-1" strike="noStrike">
+            <a:endParaRPr lang="ru-RU" sz="1200" b="0" strike="noStrike" spc="-1">
               <a:latin typeface="Arial"/>
             </a:endParaRPr>
           </a:p>
@@ -1555,11 +2018,14 @@
       </p:sp>
     </p:spTree>
   </p:cSld>
+  <p:clrMapOvr>
+    <a:masterClrMapping/>
+  </p:clrMapOvr>
 </p:notes>
 </file>
 
-<file path=ppt/notesSlides/notesSlide8.xml><?xml version="1.0" encoding="utf-8"?>
-<p:notes xmlns:a="http://schemas.openxmlformats.org/drawingml/2006/main" xmlns:p="http://schemas.openxmlformats.org/presentationml/2006/main" xmlns:r="http://schemas.openxmlformats.org/officeDocument/2006/relationships" xmlns:p14="http://schemas.microsoft.com/office/powerpoint/2010/main" xmlns:p15="http://schemas.microsoft.com/office/powerpoint/2012/main" xmlns:mc="http://schemas.openxmlformats.org/markup-compatibility/2006">
+<file path=ppt/notesSlides/notesSlide9.xml><?xml version="1.0" encoding="utf-8"?>
+<p:notes xmlns:a="http://schemas.openxmlformats.org/drawingml/2006/main" xmlns:r="http://schemas.openxmlformats.org/officeDocument/2006/relationships" xmlns:p="http://schemas.openxmlformats.org/presentationml/2006/main">
   <p:cSld>
     <p:spTree>
       <p:nvGrpSpPr>
@@ -1577,9 +2043,9 @@
       </p:grpSpPr>
       <p:sp>
         <p:nvSpPr>
-          <p:cNvPr id="175" name="PlaceHolder 1"/>
+          <p:cNvPr id="184" name="PlaceHolder 1"/>
           <p:cNvSpPr>
-            <a:spLocks noGrp="1"/>
+            <a:spLocks noGrp="1" noRot="1" noChangeAspect="1"/>
           </p:cNvSpPr>
           <p:nvPr>
             <p:ph type="sldImg"/>
@@ -1587,17 +2053,17 @@
         </p:nvSpPr>
         <p:spPr>
           <a:xfrm>
-            <a:off x="1144440" y="685800"/>
-            <a:ext cx="4559040" cy="3419280"/>
-          </a:xfrm>
-          <a:prstGeom prst="rect">
-            <a:avLst/>
-          </a:prstGeom>
-        </p:spPr>
-      </p:sp>
-      <p:sp>
-        <p:nvSpPr>
-          <p:cNvPr id="176" name="PlaceHolder 2"/>
+            <a:off x="1144588" y="685800"/>
+            <a:ext cx="4559300" cy="3419475"/>
+          </a:xfrm>
+          <a:prstGeom prst="rect">
+            <a:avLst/>
+          </a:prstGeom>
+        </p:spPr>
+      </p:sp>
+      <p:sp>
+        <p:nvSpPr>
+          <p:cNvPr id="185" name="PlaceHolder 2"/>
           <p:cNvSpPr>
             <a:spLocks noGrp="1"/>
           </p:cNvSpPr>
@@ -1615,52 +2081,31 @@
           </a:prstGeom>
         </p:spPr>
         <p:txBody>
-          <a:bodyPr lIns="0" rIns="0" tIns="0" bIns="0">
+          <a:bodyPr lIns="0" tIns="0" rIns="0" bIns="0">
             <a:noAutofit/>
           </a:bodyPr>
+          <a:lstStyle/>
           <a:p>
             <a:pPr marL="216000" indent="-205920">
               <a:lnSpc>
                 <a:spcPct val="100000"/>
               </a:lnSpc>
               <a:tabLst>
-                <a:tab algn="l" pos="0"/>
+                <a:tab pos="0" algn="l"/>
               </a:tabLst>
             </a:pPr>
             <a:r>
-              <a:rPr b="0" lang="ru-RU" sz="2000" spc="-1" strike="noStrike">
+              <a:rPr lang="ru-RU" sz="1200" b="0" strike="noStrike" spc="-1">
                 <a:latin typeface="Arial"/>
               </a:rPr>
-              <a:t>Для последующего моделирования была использована линейная эквидистантная микрофонная решетка с расстоянием между микрофонами 4 см. </a:t>
+              <a:t>В конце откроешь слайд и скажешь  типа «Основные результаты работы представлены на слайде, спасибо за внимание»</a:t>
             </a:r>
-            <a:endParaRPr b="0" lang="ru-RU" sz="2000" spc="-1" strike="noStrike">
-              <a:latin typeface="Arial"/>
-            </a:endParaRPr>
-          </a:p>
-          <a:p>
-            <a:pPr marL="216000" indent="-205920">
-              <a:lnSpc>
-                <a:spcPct val="100000"/>
-              </a:lnSpc>
-              <a:tabLst>
-                <a:tab algn="l" pos="0"/>
-              </a:tabLst>
-            </a:pPr>
-            <a:r>
-              <a:rPr b="0" lang="ru-RU" sz="2000" spc="-1" strike="noStrike">
-                <a:latin typeface="Arial"/>
-              </a:rPr>
-              <a:t>Ею был осуществлен прием смеси полезного сигнала с направления 0 град азимута и помехи – с направления 60 град.</a:t>
-            </a:r>
-            <a:endParaRPr b="0" lang="ru-RU" sz="2000" spc="-1" strike="noStrike">
-              <a:latin typeface="Arial"/>
-            </a:endParaRPr>
-          </a:p>
-        </p:txBody>
-      </p:sp>
-      <p:sp>
-        <p:nvSpPr>
-          <p:cNvPr id="177" name="CustomShape 3"/>
+          </a:p>
+        </p:txBody>
+      </p:sp>
+      <p:sp>
+        <p:nvSpPr>
+          <p:cNvPr id="186" name="CustomShape 3"/>
           <p:cNvSpPr/>
           <p:nvPr/>
         </p:nvSpPr>
@@ -1678,32 +2123,39 @@
           </a:ln>
         </p:spPr>
         <p:style>
-          <a:lnRef idx="0"/>
-          <a:fillRef idx="0"/>
-          <a:effectRef idx="0"/>
+          <a:lnRef idx="0">
+            <a:scrgbClr r="0" g="0" b="0"/>
+          </a:lnRef>
+          <a:fillRef idx="0">
+            <a:scrgbClr r="0" g="0" b="0"/>
+          </a:fillRef>
+          <a:effectRef idx="0">
+            <a:scrgbClr r="0" g="0" b="0"/>
+          </a:effectRef>
           <a:fontRef idx="minor"/>
         </p:style>
         <p:txBody>
-          <a:bodyPr lIns="90000" rIns="90000" tIns="45000" bIns="45000" anchor="b">
+          <a:bodyPr lIns="90000" tIns="45000" rIns="90000" bIns="45000" anchor="b">
             <a:noAutofit/>
           </a:bodyPr>
+          <a:lstStyle/>
           <a:p>
             <a:pPr algn="r">
               <a:lnSpc>
                 <a:spcPct val="100000"/>
               </a:lnSpc>
             </a:pPr>
-            <a:fld id="{317754E2-42F6-420A-8B31-5CC38E3E63C2}" type="slidenum">
-              <a:rPr b="0" lang="ru-RU" sz="1200" spc="-1" strike="noStrike">
+            <a:fld id="{CC78F031-6D67-4C01-8157-DE942E6F0363}" type="slidenum">
+              <a:rPr lang="ru-RU" sz="1200" b="0" strike="noStrike" spc="-1">
                 <a:solidFill>
                   <a:srgbClr val="000000"/>
                 </a:solidFill>
                 <a:latin typeface="+mn-lt"/>
                 <a:ea typeface="+mn-ea"/>
               </a:rPr>
-              <a:t>9</a:t>
+              <a:t>11</a:t>
             </a:fld>
-            <a:endParaRPr b="0" lang="ru-RU" sz="1200" spc="-1" strike="noStrike">
+            <a:endParaRPr lang="ru-RU" sz="1200" b="0" strike="noStrike" spc="-1">
               <a:latin typeface="Arial"/>
             </a:endParaRPr>
           </a:p>
@@ -1711,188 +2163,14 @@
       </p:sp>
     </p:spTree>
   </p:cSld>
-</p:notes>
-</file>
-
-<file path=ppt/notesSlides/notesSlide9.xml><?xml version="1.0" encoding="utf-8"?>
-<p:notes xmlns:a="http://schemas.openxmlformats.org/drawingml/2006/main" xmlns:p="http://schemas.openxmlformats.org/presentationml/2006/main" xmlns:r="http://schemas.openxmlformats.org/officeDocument/2006/relationships" xmlns:p14="http://schemas.microsoft.com/office/powerpoint/2010/main" xmlns:p15="http://schemas.microsoft.com/office/powerpoint/2012/main" xmlns:mc="http://schemas.openxmlformats.org/markup-compatibility/2006">
-  <p:cSld>
-    <p:spTree>
-      <p:nvGrpSpPr>
-        <p:cNvPr id="1" name=""/>
-        <p:cNvGrpSpPr/>
-        <p:nvPr/>
-      </p:nvGrpSpPr>
-      <p:grpSpPr>
-        <a:xfrm>
-          <a:off x="0" y="0"/>
-          <a:ext cx="0" cy="0"/>
-          <a:chOff x="0" y="0"/>
-          <a:chExt cx="0" cy="0"/>
-        </a:xfrm>
-      </p:grpSpPr>
-      <p:sp>
-        <p:nvSpPr>
-          <p:cNvPr id="178" name="PlaceHolder 1"/>
-          <p:cNvSpPr>
-            <a:spLocks noGrp="1"/>
-          </p:cNvSpPr>
-          <p:nvPr>
-            <p:ph type="sldImg"/>
-          </p:nvPr>
-        </p:nvSpPr>
-        <p:spPr>
-          <a:xfrm>
-            <a:off x="1144440" y="685800"/>
-            <a:ext cx="4559040" cy="3419280"/>
-          </a:xfrm>
-          <a:prstGeom prst="rect">
-            <a:avLst/>
-          </a:prstGeom>
-        </p:spPr>
-      </p:sp>
-      <p:sp>
-        <p:nvSpPr>
-          <p:cNvPr id="179" name="PlaceHolder 2"/>
-          <p:cNvSpPr>
-            <a:spLocks noGrp="1"/>
-          </p:cNvSpPr>
-          <p:nvPr>
-            <p:ph type="body"/>
-          </p:nvPr>
-        </p:nvSpPr>
-        <p:spPr>
-          <a:xfrm>
-            <a:off x="685800" y="4343400"/>
-            <a:ext cx="5475960" cy="4104360"/>
-          </a:xfrm>
-          <a:prstGeom prst="rect">
-            <a:avLst/>
-          </a:prstGeom>
-        </p:spPr>
-        <p:txBody>
-          <a:bodyPr lIns="0" rIns="0" tIns="0" bIns="0">
-            <a:noAutofit/>
-          </a:bodyPr>
-          <a:p>
-            <a:pPr marL="216000" indent="-205920">
-              <a:lnSpc>
-                <a:spcPct val="100000"/>
-              </a:lnSpc>
-              <a:tabLst>
-                <a:tab algn="l" pos="0"/>
-              </a:tabLst>
-            </a:pPr>
-            <a:r>
-              <a:rPr b="0" lang="ru-RU" sz="1200" spc="-1" strike="noStrike">
-                <a:solidFill>
-                  <a:srgbClr val="000000"/>
-                </a:solidFill>
-                <a:latin typeface="+mn-lt"/>
-                <a:ea typeface="+mn-ea"/>
-              </a:rPr>
-              <a:t>Для оценки работы адаптивных формирователей луча помимо традиционного расчета ОСШ, применялась одна из техник объективной оценки качества, разборчивости речи. </a:t>
-            </a:r>
-            <a:endParaRPr b="0" lang="ru-RU" sz="1200" spc="-1" strike="noStrike">
-              <a:latin typeface="Arial"/>
-            </a:endParaRPr>
-          </a:p>
-          <a:p>
-            <a:pPr marL="216000" indent="-205920">
-              <a:lnSpc>
-                <a:spcPct val="100000"/>
-              </a:lnSpc>
-              <a:tabLst>
-                <a:tab algn="l" pos="0"/>
-              </a:tabLst>
-            </a:pPr>
-            <a:endParaRPr b="0" lang="ru-RU" sz="1200" spc="-1" strike="noStrike">
-              <a:latin typeface="Arial"/>
-            </a:endParaRPr>
-          </a:p>
-          <a:p>
-            <a:pPr marL="216000" indent="-205920">
-              <a:lnSpc>
-                <a:spcPct val="100000"/>
-              </a:lnSpc>
-              <a:tabLst>
-                <a:tab algn="l" pos="0"/>
-              </a:tabLst>
-            </a:pPr>
-            <a:r>
-              <a:rPr b="0" lang="ru-RU" sz="1200" spc="-1" strike="noStrike">
-                <a:solidFill>
-                  <a:srgbClr val="000000"/>
-                </a:solidFill>
-                <a:latin typeface="+mn-lt"/>
-                <a:ea typeface="+mn-ea"/>
-              </a:rPr>
-              <a:t>Для определения качества передачи речи в PESQ предусмотрено сравнение входного, или эталонного, сигнала с его искаженной версией на выходе системы связи. Этот процесс схематично показан на рисунке. Алгоритм PESQ оценивает качество речи по пятибалльной шкале – от 1 до 5. </a:t>
-            </a:r>
-            <a:endParaRPr b="0" lang="ru-RU" sz="1200" spc="-1" strike="noStrike">
-              <a:latin typeface="Arial"/>
-            </a:endParaRPr>
-          </a:p>
-        </p:txBody>
-      </p:sp>
-      <p:sp>
-        <p:nvSpPr>
-          <p:cNvPr id="180" name="CustomShape 3"/>
-          <p:cNvSpPr/>
-          <p:nvPr/>
-        </p:nvSpPr>
-        <p:spPr>
-          <a:xfrm>
-            <a:off x="3884760" y="8685360"/>
-            <a:ext cx="2961360" cy="446760"/>
-          </a:xfrm>
-          <a:prstGeom prst="rect">
-            <a:avLst/>
-          </a:prstGeom>
-          <a:noFill/>
-          <a:ln>
-            <a:noFill/>
-          </a:ln>
-        </p:spPr>
-        <p:style>
-          <a:lnRef idx="0"/>
-          <a:fillRef idx="0"/>
-          <a:effectRef idx="0"/>
-          <a:fontRef idx="minor"/>
-        </p:style>
-        <p:txBody>
-          <a:bodyPr lIns="90000" rIns="90000" tIns="45000" bIns="45000" anchor="b">
-            <a:noAutofit/>
-          </a:bodyPr>
-          <a:p>
-            <a:pPr algn="r">
-              <a:lnSpc>
-                <a:spcPct val="100000"/>
-              </a:lnSpc>
-            </a:pPr>
-            <a:fld id="{A091825E-5940-4EB8-A046-E98597CC45A2}" type="slidenum">
-              <a:rPr b="0" lang="ru-RU" sz="1200" spc="-1" strike="noStrike">
-                <a:solidFill>
-                  <a:srgbClr val="000000"/>
-                </a:solidFill>
-                <a:latin typeface="+mn-lt"/>
-                <a:ea typeface="+mn-ea"/>
-              </a:rPr>
-              <a:t>&lt;номер&gt;</a:t>
-            </a:fld>
-            <a:endParaRPr b="0" lang="ru-RU" sz="1200" spc="-1" strike="noStrike">
-              <a:latin typeface="Arial"/>
-            </a:endParaRPr>
-          </a:p>
-        </p:txBody>
-      </p:sp>
-    </p:spTree>
-  </p:cSld>
+  <p:clrMapOvr>
+    <a:masterClrMapping/>
+  </p:clrMapOvr>
 </p:notes>
 </file>
 
 <file path=ppt/slideLayouts/slideLayout1.xml><?xml version="1.0" encoding="utf-8"?>
-<p:sldLayout xmlns:a="http://schemas.openxmlformats.org/drawingml/2006/main" xmlns:p="http://schemas.openxmlformats.org/presentationml/2006/main" xmlns:r="http://schemas.openxmlformats.org/officeDocument/2006/relationships" xmlns:p14="http://schemas.microsoft.com/office/powerpoint/2010/main" xmlns:p15="http://schemas.microsoft.com/office/powerpoint/2012/main" xmlns:mc="http://schemas.openxmlformats.org/markup-compatibility/2006" type="blank" preserve="1">
+<p:sldLayout xmlns:a="http://schemas.openxmlformats.org/drawingml/2006/main" xmlns:r="http://schemas.openxmlformats.org/officeDocument/2006/relationships" xmlns:p="http://schemas.openxmlformats.org/presentationml/2006/main" type="blank" preserve="1">
   <p:cSld name="Blank Slide">
     <p:spTree>
       <p:nvGrpSpPr>
@@ -1910,11 +2188,14 @@
       </p:grpSpPr>
     </p:spTree>
   </p:cSld>
+  <p:clrMapOvr>
+    <a:masterClrMapping/>
+  </p:clrMapOvr>
 </p:sldLayout>
 </file>
 
 <file path=ppt/slideLayouts/slideLayout10.xml><?xml version="1.0" encoding="utf-8"?>
-<p:sldLayout xmlns:a="http://schemas.openxmlformats.org/drawingml/2006/main" xmlns:p="http://schemas.openxmlformats.org/presentationml/2006/main" xmlns:r="http://schemas.openxmlformats.org/officeDocument/2006/relationships" xmlns:p14="http://schemas.microsoft.com/office/powerpoint/2010/main" xmlns:p15="http://schemas.microsoft.com/office/powerpoint/2012/main" xmlns:mc="http://schemas.openxmlformats.org/markup-compatibility/2006" type="objOverTx" preserve="1">
+<p:sldLayout xmlns:a="http://schemas.openxmlformats.org/drawingml/2006/main" xmlns:r="http://schemas.openxmlformats.org/officeDocument/2006/relationships" xmlns:p="http://schemas.openxmlformats.org/presentationml/2006/main" type="objOverTx" preserve="1">
   <p:cSld name="Title, Content over Content">
     <p:spTree>
       <p:nvGrpSpPr>
@@ -1950,12 +2231,13 @@
           </a:prstGeom>
         </p:spPr>
         <p:txBody>
-          <a:bodyPr lIns="0" rIns="0" tIns="0" bIns="0" anchor="ctr">
+          <a:bodyPr lIns="0" tIns="0" rIns="0" bIns="0" anchor="ctr">
             <a:noAutofit/>
           </a:bodyPr>
+          <a:lstStyle/>
           <a:p>
             <a:pPr algn="ctr"/>
-            <a:endParaRPr b="0" lang="ru-RU" sz="4400" spc="-1" strike="noStrike">
+            <a:endParaRPr lang="ru-RU" sz="4400" b="0" strike="noStrike" spc="-1">
               <a:latin typeface="Arial"/>
             </a:endParaRPr>
           </a:p>
@@ -1981,11 +2263,12 @@
           </a:prstGeom>
         </p:spPr>
         <p:txBody>
-          <a:bodyPr lIns="0" rIns="0" tIns="0" bIns="0">
+          <a:bodyPr lIns="0" tIns="0" rIns="0" bIns="0">
             <a:normAutofit/>
           </a:bodyPr>
-          <a:p>
-            <a:endParaRPr b="0" lang="ru-RU" sz="3200" spc="-1" strike="noStrike">
+          <a:lstStyle/>
+          <a:p>
+            <a:endParaRPr lang="ru-RU" sz="3200" b="0" strike="noStrike" spc="-1">
               <a:latin typeface="Arial"/>
             </a:endParaRPr>
           </a:p>
@@ -2011,11 +2294,12 @@
           </a:prstGeom>
         </p:spPr>
         <p:txBody>
-          <a:bodyPr lIns="0" rIns="0" tIns="0" bIns="0">
+          <a:bodyPr lIns="0" tIns="0" rIns="0" bIns="0">
             <a:normAutofit/>
           </a:bodyPr>
-          <a:p>
-            <a:endParaRPr b="0" lang="ru-RU" sz="3200" spc="-1" strike="noStrike">
+          <a:lstStyle/>
+          <a:p>
+            <a:endParaRPr lang="ru-RU" sz="3200" b="0" strike="noStrike" spc="-1">
               <a:latin typeface="Arial"/>
             </a:endParaRPr>
           </a:p>
@@ -2023,11 +2307,14 @@
       </p:sp>
     </p:spTree>
   </p:cSld>
+  <p:clrMapOvr>
+    <a:masterClrMapping/>
+  </p:clrMapOvr>
 </p:sldLayout>
 </file>
 
 <file path=ppt/slideLayouts/slideLayout11.xml><?xml version="1.0" encoding="utf-8"?>
-<p:sldLayout xmlns:a="http://schemas.openxmlformats.org/drawingml/2006/main" xmlns:p="http://schemas.openxmlformats.org/presentationml/2006/main" xmlns:r="http://schemas.openxmlformats.org/officeDocument/2006/relationships" xmlns:p14="http://schemas.microsoft.com/office/powerpoint/2010/main" xmlns:p15="http://schemas.microsoft.com/office/powerpoint/2012/main" xmlns:mc="http://schemas.openxmlformats.org/markup-compatibility/2006" type="fourObj" preserve="1">
+<p:sldLayout xmlns:a="http://schemas.openxmlformats.org/drawingml/2006/main" xmlns:r="http://schemas.openxmlformats.org/officeDocument/2006/relationships" xmlns:p="http://schemas.openxmlformats.org/presentationml/2006/main" type="fourObj" preserve="1">
   <p:cSld name="Title, 4 Content">
     <p:spTree>
       <p:nvGrpSpPr>
@@ -2063,12 +2350,13 @@
           </a:prstGeom>
         </p:spPr>
         <p:txBody>
-          <a:bodyPr lIns="0" rIns="0" tIns="0" bIns="0" anchor="ctr">
+          <a:bodyPr lIns="0" tIns="0" rIns="0" bIns="0" anchor="ctr">
             <a:noAutofit/>
           </a:bodyPr>
+          <a:lstStyle/>
           <a:p>
             <a:pPr algn="ctr"/>
-            <a:endParaRPr b="0" lang="ru-RU" sz="4400" spc="-1" strike="noStrike">
+            <a:endParaRPr lang="ru-RU" sz="4400" b="0" strike="noStrike" spc="-1">
               <a:latin typeface="Arial"/>
             </a:endParaRPr>
           </a:p>
@@ -2094,11 +2382,12 @@
           </a:prstGeom>
         </p:spPr>
         <p:txBody>
-          <a:bodyPr lIns="0" rIns="0" tIns="0" bIns="0">
+          <a:bodyPr lIns="0" tIns="0" rIns="0" bIns="0">
             <a:normAutofit/>
           </a:bodyPr>
-          <a:p>
-            <a:endParaRPr b="0" lang="ru-RU" sz="3200" spc="-1" strike="noStrike">
+          <a:lstStyle/>
+          <a:p>
+            <a:endParaRPr lang="ru-RU" sz="3200" b="0" strike="noStrike" spc="-1">
               <a:latin typeface="Arial"/>
             </a:endParaRPr>
           </a:p>
@@ -2124,11 +2413,12 @@
           </a:prstGeom>
         </p:spPr>
         <p:txBody>
-          <a:bodyPr lIns="0" rIns="0" tIns="0" bIns="0">
+          <a:bodyPr lIns="0" tIns="0" rIns="0" bIns="0">
             <a:normAutofit/>
           </a:bodyPr>
-          <a:p>
-            <a:endParaRPr b="0" lang="ru-RU" sz="3200" spc="-1" strike="noStrike">
+          <a:lstStyle/>
+          <a:p>
+            <a:endParaRPr lang="ru-RU" sz="3200" b="0" strike="noStrike" spc="-1">
               <a:latin typeface="Arial"/>
             </a:endParaRPr>
           </a:p>
@@ -2154,11 +2444,12 @@
           </a:prstGeom>
         </p:spPr>
         <p:txBody>
-          <a:bodyPr lIns="0" rIns="0" tIns="0" bIns="0">
+          <a:bodyPr lIns="0" tIns="0" rIns="0" bIns="0">
             <a:normAutofit/>
           </a:bodyPr>
-          <a:p>
-            <a:endParaRPr b="0" lang="ru-RU" sz="3200" spc="-1" strike="noStrike">
+          <a:lstStyle/>
+          <a:p>
+            <a:endParaRPr lang="ru-RU" sz="3200" b="0" strike="noStrike" spc="-1">
               <a:latin typeface="Arial"/>
             </a:endParaRPr>
           </a:p>
@@ -2184,11 +2475,12 @@
           </a:prstGeom>
         </p:spPr>
         <p:txBody>
-          <a:bodyPr lIns="0" rIns="0" tIns="0" bIns="0">
+          <a:bodyPr lIns="0" tIns="0" rIns="0" bIns="0">
             <a:normAutofit/>
           </a:bodyPr>
-          <a:p>
-            <a:endParaRPr b="0" lang="ru-RU" sz="3200" spc="-1" strike="noStrike">
+          <a:lstStyle/>
+          <a:p>
+            <a:endParaRPr lang="ru-RU" sz="3200" b="0" strike="noStrike" spc="-1">
               <a:latin typeface="Arial"/>
             </a:endParaRPr>
           </a:p>
@@ -2196,11 +2488,14 @@
       </p:sp>
     </p:spTree>
   </p:cSld>
+  <p:clrMapOvr>
+    <a:masterClrMapping/>
+  </p:clrMapOvr>
 </p:sldLayout>
 </file>
 
 <file path=ppt/slideLayouts/slideLayout12.xml><?xml version="1.0" encoding="utf-8"?>
-<p:sldLayout xmlns:a="http://schemas.openxmlformats.org/drawingml/2006/main" xmlns:p="http://schemas.openxmlformats.org/presentationml/2006/main" xmlns:r="http://schemas.openxmlformats.org/officeDocument/2006/relationships" xmlns:p14="http://schemas.microsoft.com/office/powerpoint/2010/main" xmlns:p15="http://schemas.microsoft.com/office/powerpoint/2012/main" xmlns:mc="http://schemas.openxmlformats.org/markup-compatibility/2006" type="blank" preserve="1">
+<p:sldLayout xmlns:a="http://schemas.openxmlformats.org/drawingml/2006/main" xmlns:r="http://schemas.openxmlformats.org/officeDocument/2006/relationships" xmlns:p="http://schemas.openxmlformats.org/presentationml/2006/main" type="blank" preserve="1">
   <p:cSld name="Title, 6 Content">
     <p:spTree>
       <p:nvGrpSpPr>
@@ -2236,12 +2531,13 @@
           </a:prstGeom>
         </p:spPr>
         <p:txBody>
-          <a:bodyPr lIns="0" rIns="0" tIns="0" bIns="0" anchor="ctr">
+          <a:bodyPr lIns="0" tIns="0" rIns="0" bIns="0" anchor="ctr">
             <a:noAutofit/>
           </a:bodyPr>
+          <a:lstStyle/>
           <a:p>
             <a:pPr algn="ctr"/>
-            <a:endParaRPr b="0" lang="ru-RU" sz="4400" spc="-1" strike="noStrike">
+            <a:endParaRPr lang="ru-RU" sz="4400" b="0" strike="noStrike" spc="-1">
               <a:latin typeface="Arial"/>
             </a:endParaRPr>
           </a:p>
@@ -2267,11 +2563,12 @@
           </a:prstGeom>
         </p:spPr>
         <p:txBody>
-          <a:bodyPr lIns="0" rIns="0" tIns="0" bIns="0">
+          <a:bodyPr lIns="0" tIns="0" rIns="0" bIns="0">
             <a:normAutofit fontScale="76000"/>
           </a:bodyPr>
-          <a:p>
-            <a:endParaRPr b="0" lang="ru-RU" sz="3200" spc="-1" strike="noStrike">
+          <a:lstStyle/>
+          <a:p>
+            <a:endParaRPr lang="ru-RU" sz="3200" b="0" strike="noStrike" spc="-1">
               <a:latin typeface="Arial"/>
             </a:endParaRPr>
           </a:p>
@@ -2297,11 +2594,12 @@
           </a:prstGeom>
         </p:spPr>
         <p:txBody>
-          <a:bodyPr lIns="0" rIns="0" tIns="0" bIns="0">
+          <a:bodyPr lIns="0" tIns="0" rIns="0" bIns="0">
             <a:normAutofit fontScale="76000"/>
           </a:bodyPr>
-          <a:p>
-            <a:endParaRPr b="0" lang="ru-RU" sz="3200" spc="-1" strike="noStrike">
+          <a:lstStyle/>
+          <a:p>
+            <a:endParaRPr lang="ru-RU" sz="3200" b="0" strike="noStrike" spc="-1">
               <a:latin typeface="Arial"/>
             </a:endParaRPr>
           </a:p>
@@ -2327,11 +2625,12 @@
           </a:prstGeom>
         </p:spPr>
         <p:txBody>
-          <a:bodyPr lIns="0" rIns="0" tIns="0" bIns="0">
+          <a:bodyPr lIns="0" tIns="0" rIns="0" bIns="0">
             <a:normAutofit fontScale="76000"/>
           </a:bodyPr>
-          <a:p>
-            <a:endParaRPr b="0" lang="ru-RU" sz="3200" spc="-1" strike="noStrike">
+          <a:lstStyle/>
+          <a:p>
+            <a:endParaRPr lang="ru-RU" sz="3200" b="0" strike="noStrike" spc="-1">
               <a:latin typeface="Arial"/>
             </a:endParaRPr>
           </a:p>
@@ -2357,11 +2656,12 @@
           </a:prstGeom>
         </p:spPr>
         <p:txBody>
-          <a:bodyPr lIns="0" rIns="0" tIns="0" bIns="0">
+          <a:bodyPr lIns="0" tIns="0" rIns="0" bIns="0">
             <a:normAutofit fontScale="76000"/>
           </a:bodyPr>
-          <a:p>
-            <a:endParaRPr b="0" lang="ru-RU" sz="3200" spc="-1" strike="noStrike">
+          <a:lstStyle/>
+          <a:p>
+            <a:endParaRPr lang="ru-RU" sz="3200" b="0" strike="noStrike" spc="-1">
               <a:latin typeface="Arial"/>
             </a:endParaRPr>
           </a:p>
@@ -2387,11 +2687,12 @@
           </a:prstGeom>
         </p:spPr>
         <p:txBody>
-          <a:bodyPr lIns="0" rIns="0" tIns="0" bIns="0">
+          <a:bodyPr lIns="0" tIns="0" rIns="0" bIns="0">
             <a:normAutofit fontScale="76000"/>
           </a:bodyPr>
-          <a:p>
-            <a:endParaRPr b="0" lang="ru-RU" sz="3200" spc="-1" strike="noStrike">
+          <a:lstStyle/>
+          <a:p>
+            <a:endParaRPr lang="ru-RU" sz="3200" b="0" strike="noStrike" spc="-1">
               <a:latin typeface="Arial"/>
             </a:endParaRPr>
           </a:p>
@@ -2417,11 +2718,12 @@
           </a:prstGeom>
         </p:spPr>
         <p:txBody>
-          <a:bodyPr lIns="0" rIns="0" tIns="0" bIns="0">
+          <a:bodyPr lIns="0" tIns="0" rIns="0" bIns="0">
             <a:normAutofit fontScale="76000"/>
           </a:bodyPr>
-          <a:p>
-            <a:endParaRPr b="0" lang="ru-RU" sz="3200" spc="-1" strike="noStrike">
+          <a:lstStyle/>
+          <a:p>
+            <a:endParaRPr lang="ru-RU" sz="3200" b="0" strike="noStrike" spc="-1">
               <a:latin typeface="Arial"/>
             </a:endParaRPr>
           </a:p>
@@ -2429,11 +2731,14 @@
       </p:sp>
     </p:spTree>
   </p:cSld>
+  <p:clrMapOvr>
+    <a:masterClrMapping/>
+  </p:clrMapOvr>
 </p:sldLayout>
 </file>
 
 <file path=ppt/slideLayouts/slideLayout13.xml><?xml version="1.0" encoding="utf-8"?>
-<p:sldLayout xmlns:a="http://schemas.openxmlformats.org/drawingml/2006/main" xmlns:p="http://schemas.openxmlformats.org/presentationml/2006/main" xmlns:r="http://schemas.openxmlformats.org/officeDocument/2006/relationships" xmlns:p14="http://schemas.microsoft.com/office/powerpoint/2010/main" xmlns:p15="http://schemas.microsoft.com/office/powerpoint/2012/main" xmlns:mc="http://schemas.openxmlformats.org/markup-compatibility/2006" type="blank" preserve="1">
+<p:sldLayout xmlns:a="http://schemas.openxmlformats.org/drawingml/2006/main" xmlns:r="http://schemas.openxmlformats.org/officeDocument/2006/relationships" xmlns:p="http://schemas.openxmlformats.org/presentationml/2006/main" type="blank" preserve="1">
   <p:cSld name="Blank Slide">
     <p:spTree>
       <p:nvGrpSpPr>
@@ -2451,11 +2756,14 @@
       </p:grpSpPr>
     </p:spTree>
   </p:cSld>
+  <p:clrMapOvr>
+    <a:masterClrMapping/>
+  </p:clrMapOvr>
 </p:sldLayout>
 </file>
 
 <file path=ppt/slideLayouts/slideLayout14.xml><?xml version="1.0" encoding="utf-8"?>
-<p:sldLayout xmlns:a="http://schemas.openxmlformats.org/drawingml/2006/main" xmlns:p="http://schemas.openxmlformats.org/presentationml/2006/main" xmlns:r="http://schemas.openxmlformats.org/officeDocument/2006/relationships" xmlns:p14="http://schemas.microsoft.com/office/powerpoint/2010/main" xmlns:p15="http://schemas.microsoft.com/office/powerpoint/2012/main" xmlns:mc="http://schemas.openxmlformats.org/markup-compatibility/2006" type="tx" preserve="1">
+<p:sldLayout xmlns:a="http://schemas.openxmlformats.org/drawingml/2006/main" xmlns:r="http://schemas.openxmlformats.org/officeDocument/2006/relationships" xmlns:p="http://schemas.openxmlformats.org/presentationml/2006/main" type="tx" preserve="1">
   <p:cSld name="Title Slide">
     <p:spTree>
       <p:nvGrpSpPr>
@@ -2491,12 +2799,13 @@
           </a:prstGeom>
         </p:spPr>
         <p:txBody>
-          <a:bodyPr lIns="0" rIns="0" tIns="0" bIns="0" anchor="ctr">
+          <a:bodyPr lIns="0" tIns="0" rIns="0" bIns="0" anchor="ctr">
             <a:noAutofit/>
           </a:bodyPr>
+          <a:lstStyle/>
           <a:p>
             <a:pPr algn="ctr"/>
-            <a:endParaRPr b="0" lang="ru-RU" sz="4400" spc="-1" strike="noStrike">
+            <a:endParaRPr lang="ru-RU" sz="4400" b="0" strike="noStrike" spc="-1">
               <a:latin typeface="Arial"/>
             </a:endParaRPr>
           </a:p>
@@ -2522,12 +2831,13 @@
           </a:prstGeom>
         </p:spPr>
         <p:txBody>
-          <a:bodyPr lIns="0" rIns="0" tIns="0" bIns="0" anchor="ctr">
+          <a:bodyPr lIns="0" tIns="0" rIns="0" bIns="0" anchor="ctr">
             <a:noAutofit/>
           </a:bodyPr>
+          <a:lstStyle/>
           <a:p>
             <a:pPr algn="ctr"/>
-            <a:endParaRPr b="0" lang="ru-RU" sz="3200" spc="-1" strike="noStrike">
+            <a:endParaRPr lang="ru-RU" sz="3200" b="0" strike="noStrike" spc="-1">
               <a:latin typeface="Arial"/>
             </a:endParaRPr>
           </a:p>
@@ -2535,11 +2845,14 @@
       </p:sp>
     </p:spTree>
   </p:cSld>
+  <p:clrMapOvr>
+    <a:masterClrMapping/>
+  </p:clrMapOvr>
 </p:sldLayout>
 </file>
 
 <file path=ppt/slideLayouts/slideLayout15.xml><?xml version="1.0" encoding="utf-8"?>
-<p:sldLayout xmlns:a="http://schemas.openxmlformats.org/drawingml/2006/main" xmlns:p="http://schemas.openxmlformats.org/presentationml/2006/main" xmlns:r="http://schemas.openxmlformats.org/officeDocument/2006/relationships" xmlns:p14="http://schemas.microsoft.com/office/powerpoint/2010/main" xmlns:p15="http://schemas.microsoft.com/office/powerpoint/2012/main" xmlns:mc="http://schemas.openxmlformats.org/markup-compatibility/2006" type="obj" preserve="1">
+<p:sldLayout xmlns:a="http://schemas.openxmlformats.org/drawingml/2006/main" xmlns:r="http://schemas.openxmlformats.org/officeDocument/2006/relationships" xmlns:p="http://schemas.openxmlformats.org/presentationml/2006/main" type="obj" preserve="1">
   <p:cSld name="Title, Content">
     <p:spTree>
       <p:nvGrpSpPr>
@@ -2575,12 +2888,13 @@
           </a:prstGeom>
         </p:spPr>
         <p:txBody>
-          <a:bodyPr lIns="0" rIns="0" tIns="0" bIns="0" anchor="ctr">
+          <a:bodyPr lIns="0" tIns="0" rIns="0" bIns="0" anchor="ctr">
             <a:noAutofit/>
           </a:bodyPr>
+          <a:lstStyle/>
           <a:p>
             <a:pPr algn="ctr"/>
-            <a:endParaRPr b="0" lang="ru-RU" sz="4400" spc="-1" strike="noStrike">
+            <a:endParaRPr lang="ru-RU" sz="4400" b="0" strike="noStrike" spc="-1">
               <a:latin typeface="Arial"/>
             </a:endParaRPr>
           </a:p>
@@ -2606,11 +2920,12 @@
           </a:prstGeom>
         </p:spPr>
         <p:txBody>
-          <a:bodyPr lIns="0" rIns="0" tIns="0" bIns="0">
+          <a:bodyPr lIns="0" tIns="0" rIns="0" bIns="0">
             <a:normAutofit/>
           </a:bodyPr>
-          <a:p>
-            <a:endParaRPr b="0" lang="ru-RU" sz="3200" spc="-1" strike="noStrike">
+          <a:lstStyle/>
+          <a:p>
+            <a:endParaRPr lang="ru-RU" sz="3200" b="0" strike="noStrike" spc="-1">
               <a:latin typeface="Arial"/>
             </a:endParaRPr>
           </a:p>
@@ -2618,11 +2933,14 @@
       </p:sp>
     </p:spTree>
   </p:cSld>
+  <p:clrMapOvr>
+    <a:masterClrMapping/>
+  </p:clrMapOvr>
 </p:sldLayout>
 </file>
 
 <file path=ppt/slideLayouts/slideLayout16.xml><?xml version="1.0" encoding="utf-8"?>
-<p:sldLayout xmlns:a="http://schemas.openxmlformats.org/drawingml/2006/main" xmlns:p="http://schemas.openxmlformats.org/presentationml/2006/main" xmlns:r="http://schemas.openxmlformats.org/officeDocument/2006/relationships" xmlns:p14="http://schemas.microsoft.com/office/powerpoint/2010/main" xmlns:p15="http://schemas.microsoft.com/office/powerpoint/2012/main" xmlns:mc="http://schemas.openxmlformats.org/markup-compatibility/2006" type="twoObj" preserve="1">
+<p:sldLayout xmlns:a="http://schemas.openxmlformats.org/drawingml/2006/main" xmlns:r="http://schemas.openxmlformats.org/officeDocument/2006/relationships" xmlns:p="http://schemas.openxmlformats.org/presentationml/2006/main" type="twoObj" preserve="1">
   <p:cSld name="Title, 2 Content">
     <p:spTree>
       <p:nvGrpSpPr>
@@ -2658,12 +2976,13 @@
           </a:prstGeom>
         </p:spPr>
         <p:txBody>
-          <a:bodyPr lIns="0" rIns="0" tIns="0" bIns="0" anchor="ctr">
+          <a:bodyPr lIns="0" tIns="0" rIns="0" bIns="0" anchor="ctr">
             <a:noAutofit/>
           </a:bodyPr>
+          <a:lstStyle/>
           <a:p>
             <a:pPr algn="ctr"/>
-            <a:endParaRPr b="0" lang="ru-RU" sz="4400" spc="-1" strike="noStrike">
+            <a:endParaRPr lang="ru-RU" sz="4400" b="0" strike="noStrike" spc="-1">
               <a:latin typeface="Arial"/>
             </a:endParaRPr>
           </a:p>
@@ -2689,11 +3008,12 @@
           </a:prstGeom>
         </p:spPr>
         <p:txBody>
-          <a:bodyPr lIns="0" rIns="0" tIns="0" bIns="0">
+          <a:bodyPr lIns="0" tIns="0" rIns="0" bIns="0">
             <a:normAutofit/>
           </a:bodyPr>
-          <a:p>
-            <a:endParaRPr b="0" lang="ru-RU" sz="3200" spc="-1" strike="noStrike">
+          <a:lstStyle/>
+          <a:p>
+            <a:endParaRPr lang="ru-RU" sz="3200" b="0" strike="noStrike" spc="-1">
               <a:latin typeface="Arial"/>
             </a:endParaRPr>
           </a:p>
@@ -2719,11 +3039,12 @@
           </a:prstGeom>
         </p:spPr>
         <p:txBody>
-          <a:bodyPr lIns="0" rIns="0" tIns="0" bIns="0">
+          <a:bodyPr lIns="0" tIns="0" rIns="0" bIns="0">
             <a:normAutofit/>
           </a:bodyPr>
-          <a:p>
-            <a:endParaRPr b="0" lang="ru-RU" sz="3200" spc="-1" strike="noStrike">
+          <a:lstStyle/>
+          <a:p>
+            <a:endParaRPr lang="ru-RU" sz="3200" b="0" strike="noStrike" spc="-1">
               <a:latin typeface="Arial"/>
             </a:endParaRPr>
           </a:p>
@@ -2731,11 +3052,14 @@
       </p:sp>
     </p:spTree>
   </p:cSld>
+  <p:clrMapOvr>
+    <a:masterClrMapping/>
+  </p:clrMapOvr>
 </p:sldLayout>
 </file>
 
 <file path=ppt/slideLayouts/slideLayout17.xml><?xml version="1.0" encoding="utf-8"?>
-<p:sldLayout xmlns:a="http://schemas.openxmlformats.org/drawingml/2006/main" xmlns:p="http://schemas.openxmlformats.org/presentationml/2006/main" xmlns:r="http://schemas.openxmlformats.org/officeDocument/2006/relationships" xmlns:p14="http://schemas.microsoft.com/office/powerpoint/2010/main" xmlns:p15="http://schemas.microsoft.com/office/powerpoint/2012/main" xmlns:mc="http://schemas.openxmlformats.org/markup-compatibility/2006" type="titleOnly" preserve="1">
+<p:sldLayout xmlns:a="http://schemas.openxmlformats.org/drawingml/2006/main" xmlns:r="http://schemas.openxmlformats.org/officeDocument/2006/relationships" xmlns:p="http://schemas.openxmlformats.org/presentationml/2006/main" type="titleOnly" preserve="1">
   <p:cSld name="Title Only">
     <p:spTree>
       <p:nvGrpSpPr>
@@ -2771,12 +3095,13 @@
           </a:prstGeom>
         </p:spPr>
         <p:txBody>
-          <a:bodyPr lIns="0" rIns="0" tIns="0" bIns="0" anchor="ctr">
+          <a:bodyPr lIns="0" tIns="0" rIns="0" bIns="0" anchor="ctr">
             <a:noAutofit/>
           </a:bodyPr>
+          <a:lstStyle/>
           <a:p>
             <a:pPr algn="ctr"/>
-            <a:endParaRPr b="0" lang="ru-RU" sz="4400" spc="-1" strike="noStrike">
+            <a:endParaRPr lang="ru-RU" sz="4400" b="0" strike="noStrike" spc="-1">
               <a:latin typeface="Arial"/>
             </a:endParaRPr>
           </a:p>
@@ -2784,11 +3109,14 @@
       </p:sp>
     </p:spTree>
   </p:cSld>
+  <p:clrMapOvr>
+    <a:masterClrMapping/>
+  </p:clrMapOvr>
 </p:sldLayout>
 </file>
 
 <file path=ppt/slideLayouts/slideLayout18.xml><?xml version="1.0" encoding="utf-8"?>
-<p:sldLayout xmlns:a="http://schemas.openxmlformats.org/drawingml/2006/main" xmlns:p="http://schemas.openxmlformats.org/presentationml/2006/main" xmlns:r="http://schemas.openxmlformats.org/officeDocument/2006/relationships" xmlns:p14="http://schemas.microsoft.com/office/powerpoint/2010/main" xmlns:p15="http://schemas.microsoft.com/office/powerpoint/2012/main" xmlns:mc="http://schemas.openxmlformats.org/markup-compatibility/2006" type="objOnly" preserve="1">
+<p:sldLayout xmlns:a="http://schemas.openxmlformats.org/drawingml/2006/main" xmlns:r="http://schemas.openxmlformats.org/officeDocument/2006/relationships" xmlns:p="http://schemas.openxmlformats.org/presentationml/2006/main" type="objOnly" preserve="1">
   <p:cSld name="Centered Text">
     <p:spTree>
       <p:nvGrpSpPr>
@@ -2824,12 +3152,13 @@
           </a:prstGeom>
         </p:spPr>
         <p:txBody>
-          <a:bodyPr lIns="0" rIns="0" tIns="0" bIns="0" anchor="ctr">
+          <a:bodyPr lIns="0" tIns="0" rIns="0" bIns="0" anchor="ctr">
             <a:noAutofit/>
           </a:bodyPr>
+          <a:lstStyle/>
           <a:p>
             <a:pPr algn="ctr"/>
-            <a:endParaRPr b="0" lang="ru-RU" sz="3200" spc="-1" strike="noStrike">
+            <a:endParaRPr lang="ru-RU" sz="3200" b="0" strike="noStrike" spc="-1">
               <a:latin typeface="Arial"/>
             </a:endParaRPr>
           </a:p>
@@ -2837,11 +3166,14 @@
       </p:sp>
     </p:spTree>
   </p:cSld>
+  <p:clrMapOvr>
+    <a:masterClrMapping/>
+  </p:clrMapOvr>
 </p:sldLayout>
 </file>
 
 <file path=ppt/slideLayouts/slideLayout19.xml><?xml version="1.0" encoding="utf-8"?>
-<p:sldLayout xmlns:a="http://schemas.openxmlformats.org/drawingml/2006/main" xmlns:p="http://schemas.openxmlformats.org/presentationml/2006/main" xmlns:r="http://schemas.openxmlformats.org/officeDocument/2006/relationships" xmlns:p14="http://schemas.microsoft.com/office/powerpoint/2010/main" xmlns:p15="http://schemas.microsoft.com/office/powerpoint/2012/main" xmlns:mc="http://schemas.openxmlformats.org/markup-compatibility/2006" type="twoObjAndObj" preserve="1">
+<p:sldLayout xmlns:a="http://schemas.openxmlformats.org/drawingml/2006/main" xmlns:r="http://schemas.openxmlformats.org/officeDocument/2006/relationships" xmlns:p="http://schemas.openxmlformats.org/presentationml/2006/main" type="twoObjAndObj" preserve="1">
   <p:cSld name="Title, 2 Content and Content">
     <p:spTree>
       <p:nvGrpSpPr>
@@ -2877,12 +3209,13 @@
           </a:prstGeom>
         </p:spPr>
         <p:txBody>
-          <a:bodyPr lIns="0" rIns="0" tIns="0" bIns="0" anchor="ctr">
+          <a:bodyPr lIns="0" tIns="0" rIns="0" bIns="0" anchor="ctr">
             <a:noAutofit/>
           </a:bodyPr>
+          <a:lstStyle/>
           <a:p>
             <a:pPr algn="ctr"/>
-            <a:endParaRPr b="0" lang="ru-RU" sz="4400" spc="-1" strike="noStrike">
+            <a:endParaRPr lang="ru-RU" sz="4400" b="0" strike="noStrike" spc="-1">
               <a:latin typeface="Arial"/>
             </a:endParaRPr>
           </a:p>
@@ -2908,11 +3241,12 @@
           </a:prstGeom>
         </p:spPr>
         <p:txBody>
-          <a:bodyPr lIns="0" rIns="0" tIns="0" bIns="0">
+          <a:bodyPr lIns="0" tIns="0" rIns="0" bIns="0">
             <a:normAutofit/>
           </a:bodyPr>
-          <a:p>
-            <a:endParaRPr b="0" lang="ru-RU" sz="3200" spc="-1" strike="noStrike">
+          <a:lstStyle/>
+          <a:p>
+            <a:endParaRPr lang="ru-RU" sz="3200" b="0" strike="noStrike" spc="-1">
               <a:latin typeface="Arial"/>
             </a:endParaRPr>
           </a:p>
@@ -2938,11 +3272,12 @@
           </a:prstGeom>
         </p:spPr>
         <p:txBody>
-          <a:bodyPr lIns="0" rIns="0" tIns="0" bIns="0">
+          <a:bodyPr lIns="0" tIns="0" rIns="0" bIns="0">
             <a:normAutofit/>
           </a:bodyPr>
-          <a:p>
-            <a:endParaRPr b="0" lang="ru-RU" sz="3200" spc="-1" strike="noStrike">
+          <a:lstStyle/>
+          <a:p>
+            <a:endParaRPr lang="ru-RU" sz="3200" b="0" strike="noStrike" spc="-1">
               <a:latin typeface="Arial"/>
             </a:endParaRPr>
           </a:p>
@@ -2968,11 +3303,12 @@
           </a:prstGeom>
         </p:spPr>
         <p:txBody>
-          <a:bodyPr lIns="0" rIns="0" tIns="0" bIns="0">
+          <a:bodyPr lIns="0" tIns="0" rIns="0" bIns="0">
             <a:normAutofit/>
           </a:bodyPr>
-          <a:p>
-            <a:endParaRPr b="0" lang="ru-RU" sz="3200" spc="-1" strike="noStrike">
+          <a:lstStyle/>
+          <a:p>
+            <a:endParaRPr lang="ru-RU" sz="3200" b="0" strike="noStrike" spc="-1">
               <a:latin typeface="Arial"/>
             </a:endParaRPr>
           </a:p>
@@ -2980,11 +3316,14 @@
       </p:sp>
     </p:spTree>
   </p:cSld>
+  <p:clrMapOvr>
+    <a:masterClrMapping/>
+  </p:clrMapOvr>
 </p:sldLayout>
 </file>
 
 <file path=ppt/slideLayouts/slideLayout2.xml><?xml version="1.0" encoding="utf-8"?>
-<p:sldLayout xmlns:a="http://schemas.openxmlformats.org/drawingml/2006/main" xmlns:p="http://schemas.openxmlformats.org/presentationml/2006/main" xmlns:r="http://schemas.openxmlformats.org/officeDocument/2006/relationships" xmlns:p14="http://schemas.microsoft.com/office/powerpoint/2010/main" xmlns:p15="http://schemas.microsoft.com/office/powerpoint/2012/main" xmlns:mc="http://schemas.openxmlformats.org/markup-compatibility/2006" type="tx" preserve="1">
+<p:sldLayout xmlns:a="http://schemas.openxmlformats.org/drawingml/2006/main" xmlns:r="http://schemas.openxmlformats.org/officeDocument/2006/relationships" xmlns:p="http://schemas.openxmlformats.org/presentationml/2006/main" type="tx" preserve="1">
   <p:cSld name="Title Slide">
     <p:spTree>
       <p:nvGrpSpPr>
@@ -3020,12 +3359,13 @@
           </a:prstGeom>
         </p:spPr>
         <p:txBody>
-          <a:bodyPr lIns="0" rIns="0" tIns="0" bIns="0" anchor="ctr">
+          <a:bodyPr lIns="0" tIns="0" rIns="0" bIns="0" anchor="ctr">
             <a:noAutofit/>
           </a:bodyPr>
+          <a:lstStyle/>
           <a:p>
             <a:pPr algn="ctr"/>
-            <a:endParaRPr b="0" lang="ru-RU" sz="4400" spc="-1" strike="noStrike">
+            <a:endParaRPr lang="ru-RU" sz="4400" b="0" strike="noStrike" spc="-1">
               <a:latin typeface="Arial"/>
             </a:endParaRPr>
           </a:p>
@@ -3051,12 +3391,13 @@
           </a:prstGeom>
         </p:spPr>
         <p:txBody>
-          <a:bodyPr lIns="0" rIns="0" tIns="0" bIns="0" anchor="ctr">
+          <a:bodyPr lIns="0" tIns="0" rIns="0" bIns="0" anchor="ctr">
             <a:noAutofit/>
           </a:bodyPr>
+          <a:lstStyle/>
           <a:p>
             <a:pPr algn="ctr"/>
-            <a:endParaRPr b="0" lang="ru-RU" sz="3200" spc="-1" strike="noStrike">
+            <a:endParaRPr lang="ru-RU" sz="3200" b="0" strike="noStrike" spc="-1">
               <a:latin typeface="Arial"/>
             </a:endParaRPr>
           </a:p>
@@ -3064,11 +3405,14 @@
       </p:sp>
     </p:spTree>
   </p:cSld>
+  <p:clrMapOvr>
+    <a:masterClrMapping/>
+  </p:clrMapOvr>
 </p:sldLayout>
 </file>
 
 <file path=ppt/slideLayouts/slideLayout20.xml><?xml version="1.0" encoding="utf-8"?>
-<p:sldLayout xmlns:a="http://schemas.openxmlformats.org/drawingml/2006/main" xmlns:p="http://schemas.openxmlformats.org/presentationml/2006/main" xmlns:r="http://schemas.openxmlformats.org/officeDocument/2006/relationships" xmlns:p14="http://schemas.microsoft.com/office/powerpoint/2010/main" xmlns:p15="http://schemas.microsoft.com/office/powerpoint/2012/main" xmlns:mc="http://schemas.openxmlformats.org/markup-compatibility/2006" type="objAndTwoObj" preserve="1">
+<p:sldLayout xmlns:a="http://schemas.openxmlformats.org/drawingml/2006/main" xmlns:r="http://schemas.openxmlformats.org/officeDocument/2006/relationships" xmlns:p="http://schemas.openxmlformats.org/presentationml/2006/main" type="objAndTwoObj" preserve="1">
   <p:cSld name="Title Content and 2 Content">
     <p:spTree>
       <p:nvGrpSpPr>
@@ -3104,12 +3448,13 @@
           </a:prstGeom>
         </p:spPr>
         <p:txBody>
-          <a:bodyPr lIns="0" rIns="0" tIns="0" bIns="0" anchor="ctr">
+          <a:bodyPr lIns="0" tIns="0" rIns="0" bIns="0" anchor="ctr">
             <a:noAutofit/>
           </a:bodyPr>
+          <a:lstStyle/>
           <a:p>
             <a:pPr algn="ctr"/>
-            <a:endParaRPr b="0" lang="ru-RU" sz="4400" spc="-1" strike="noStrike">
+            <a:endParaRPr lang="ru-RU" sz="4400" b="0" strike="noStrike" spc="-1">
               <a:latin typeface="Arial"/>
             </a:endParaRPr>
           </a:p>
@@ -3135,11 +3480,12 @@
           </a:prstGeom>
         </p:spPr>
         <p:txBody>
-          <a:bodyPr lIns="0" rIns="0" tIns="0" bIns="0">
+          <a:bodyPr lIns="0" tIns="0" rIns="0" bIns="0">
             <a:normAutofit/>
           </a:bodyPr>
-          <a:p>
-            <a:endParaRPr b="0" lang="ru-RU" sz="3200" spc="-1" strike="noStrike">
+          <a:lstStyle/>
+          <a:p>
+            <a:endParaRPr lang="ru-RU" sz="3200" b="0" strike="noStrike" spc="-1">
               <a:latin typeface="Arial"/>
             </a:endParaRPr>
           </a:p>
@@ -3165,11 +3511,12 @@
           </a:prstGeom>
         </p:spPr>
         <p:txBody>
-          <a:bodyPr lIns="0" rIns="0" tIns="0" bIns="0">
+          <a:bodyPr lIns="0" tIns="0" rIns="0" bIns="0">
             <a:normAutofit/>
           </a:bodyPr>
-          <a:p>
-            <a:endParaRPr b="0" lang="ru-RU" sz="3200" spc="-1" strike="noStrike">
+          <a:lstStyle/>
+          <a:p>
+            <a:endParaRPr lang="ru-RU" sz="3200" b="0" strike="noStrike" spc="-1">
               <a:latin typeface="Arial"/>
             </a:endParaRPr>
           </a:p>
@@ -3195,11 +3542,12 @@
           </a:prstGeom>
         </p:spPr>
         <p:txBody>
-          <a:bodyPr lIns="0" rIns="0" tIns="0" bIns="0">
+          <a:bodyPr lIns="0" tIns="0" rIns="0" bIns="0">
             <a:normAutofit/>
           </a:bodyPr>
-          <a:p>
-            <a:endParaRPr b="0" lang="ru-RU" sz="3200" spc="-1" strike="noStrike">
+          <a:lstStyle/>
+          <a:p>
+            <a:endParaRPr lang="ru-RU" sz="3200" b="0" strike="noStrike" spc="-1">
               <a:latin typeface="Arial"/>
             </a:endParaRPr>
           </a:p>
@@ -3207,11 +3555,14 @@
       </p:sp>
     </p:spTree>
   </p:cSld>
+  <p:clrMapOvr>
+    <a:masterClrMapping/>
+  </p:clrMapOvr>
 </p:sldLayout>
 </file>
 
 <file path=ppt/slideLayouts/slideLayout21.xml><?xml version="1.0" encoding="utf-8"?>
-<p:sldLayout xmlns:a="http://schemas.openxmlformats.org/drawingml/2006/main" xmlns:p="http://schemas.openxmlformats.org/presentationml/2006/main" xmlns:r="http://schemas.openxmlformats.org/officeDocument/2006/relationships" xmlns:p14="http://schemas.microsoft.com/office/powerpoint/2010/main" xmlns:p15="http://schemas.microsoft.com/office/powerpoint/2012/main" xmlns:mc="http://schemas.openxmlformats.org/markup-compatibility/2006" type="twoObjOverTx" preserve="1">
+<p:sldLayout xmlns:a="http://schemas.openxmlformats.org/drawingml/2006/main" xmlns:r="http://schemas.openxmlformats.org/officeDocument/2006/relationships" xmlns:p="http://schemas.openxmlformats.org/presentationml/2006/main" type="twoObjOverTx" preserve="1">
   <p:cSld name="Title, 2 Content over Content">
     <p:spTree>
       <p:nvGrpSpPr>
@@ -3247,12 +3598,13 @@
           </a:prstGeom>
         </p:spPr>
         <p:txBody>
-          <a:bodyPr lIns="0" rIns="0" tIns="0" bIns="0" anchor="ctr">
+          <a:bodyPr lIns="0" tIns="0" rIns="0" bIns="0" anchor="ctr">
             <a:noAutofit/>
           </a:bodyPr>
+          <a:lstStyle/>
           <a:p>
             <a:pPr algn="ctr"/>
-            <a:endParaRPr b="0" lang="ru-RU" sz="4400" spc="-1" strike="noStrike">
+            <a:endParaRPr lang="ru-RU" sz="4400" b="0" strike="noStrike" spc="-1">
               <a:latin typeface="Arial"/>
             </a:endParaRPr>
           </a:p>
@@ -3278,11 +3630,12 @@
           </a:prstGeom>
         </p:spPr>
         <p:txBody>
-          <a:bodyPr lIns="0" rIns="0" tIns="0" bIns="0">
+          <a:bodyPr lIns="0" tIns="0" rIns="0" bIns="0">
             <a:normAutofit/>
           </a:bodyPr>
-          <a:p>
-            <a:endParaRPr b="0" lang="ru-RU" sz="3200" spc="-1" strike="noStrike">
+          <a:lstStyle/>
+          <a:p>
+            <a:endParaRPr lang="ru-RU" sz="3200" b="0" strike="noStrike" spc="-1">
               <a:latin typeface="Arial"/>
             </a:endParaRPr>
           </a:p>
@@ -3308,11 +3661,12 @@
           </a:prstGeom>
         </p:spPr>
         <p:txBody>
-          <a:bodyPr lIns="0" rIns="0" tIns="0" bIns="0">
+          <a:bodyPr lIns="0" tIns="0" rIns="0" bIns="0">
             <a:normAutofit/>
           </a:bodyPr>
-          <a:p>
-            <a:endParaRPr b="0" lang="ru-RU" sz="3200" spc="-1" strike="noStrike">
+          <a:lstStyle/>
+          <a:p>
+            <a:endParaRPr lang="ru-RU" sz="3200" b="0" strike="noStrike" spc="-1">
               <a:latin typeface="Arial"/>
             </a:endParaRPr>
           </a:p>
@@ -3338,11 +3692,12 @@
           </a:prstGeom>
         </p:spPr>
         <p:txBody>
-          <a:bodyPr lIns="0" rIns="0" tIns="0" bIns="0">
+          <a:bodyPr lIns="0" tIns="0" rIns="0" bIns="0">
             <a:normAutofit/>
           </a:bodyPr>
-          <a:p>
-            <a:endParaRPr b="0" lang="ru-RU" sz="3200" spc="-1" strike="noStrike">
+          <a:lstStyle/>
+          <a:p>
+            <a:endParaRPr lang="ru-RU" sz="3200" b="0" strike="noStrike" spc="-1">
               <a:latin typeface="Arial"/>
             </a:endParaRPr>
           </a:p>
@@ -3350,11 +3705,14 @@
       </p:sp>
     </p:spTree>
   </p:cSld>
+  <p:clrMapOvr>
+    <a:masterClrMapping/>
+  </p:clrMapOvr>
 </p:sldLayout>
 </file>
 
 <file path=ppt/slideLayouts/slideLayout22.xml><?xml version="1.0" encoding="utf-8"?>
-<p:sldLayout xmlns:a="http://schemas.openxmlformats.org/drawingml/2006/main" xmlns:p="http://schemas.openxmlformats.org/presentationml/2006/main" xmlns:r="http://schemas.openxmlformats.org/officeDocument/2006/relationships" xmlns:p14="http://schemas.microsoft.com/office/powerpoint/2010/main" xmlns:p15="http://schemas.microsoft.com/office/powerpoint/2012/main" xmlns:mc="http://schemas.openxmlformats.org/markup-compatibility/2006" type="objOverTx" preserve="1">
+<p:sldLayout xmlns:a="http://schemas.openxmlformats.org/drawingml/2006/main" xmlns:r="http://schemas.openxmlformats.org/officeDocument/2006/relationships" xmlns:p="http://schemas.openxmlformats.org/presentationml/2006/main" type="objOverTx" preserve="1">
   <p:cSld name="Title, Content over Content">
     <p:spTree>
       <p:nvGrpSpPr>
@@ -3390,12 +3748,13 @@
           </a:prstGeom>
         </p:spPr>
         <p:txBody>
-          <a:bodyPr lIns="0" rIns="0" tIns="0" bIns="0" anchor="ctr">
+          <a:bodyPr lIns="0" tIns="0" rIns="0" bIns="0" anchor="ctr">
             <a:noAutofit/>
           </a:bodyPr>
+          <a:lstStyle/>
           <a:p>
             <a:pPr algn="ctr"/>
-            <a:endParaRPr b="0" lang="ru-RU" sz="4400" spc="-1" strike="noStrike">
+            <a:endParaRPr lang="ru-RU" sz="4400" b="0" strike="noStrike" spc="-1">
               <a:latin typeface="Arial"/>
             </a:endParaRPr>
           </a:p>
@@ -3421,11 +3780,12 @@
           </a:prstGeom>
         </p:spPr>
         <p:txBody>
-          <a:bodyPr lIns="0" rIns="0" tIns="0" bIns="0">
+          <a:bodyPr lIns="0" tIns="0" rIns="0" bIns="0">
             <a:normAutofit/>
           </a:bodyPr>
-          <a:p>
-            <a:endParaRPr b="0" lang="ru-RU" sz="3200" spc="-1" strike="noStrike">
+          <a:lstStyle/>
+          <a:p>
+            <a:endParaRPr lang="ru-RU" sz="3200" b="0" strike="noStrike" spc="-1">
               <a:latin typeface="Arial"/>
             </a:endParaRPr>
           </a:p>
@@ -3451,11 +3811,12 @@
           </a:prstGeom>
         </p:spPr>
         <p:txBody>
-          <a:bodyPr lIns="0" rIns="0" tIns="0" bIns="0">
+          <a:bodyPr lIns="0" tIns="0" rIns="0" bIns="0">
             <a:normAutofit/>
           </a:bodyPr>
-          <a:p>
-            <a:endParaRPr b="0" lang="ru-RU" sz="3200" spc="-1" strike="noStrike">
+          <a:lstStyle/>
+          <a:p>
+            <a:endParaRPr lang="ru-RU" sz="3200" b="0" strike="noStrike" spc="-1">
               <a:latin typeface="Arial"/>
             </a:endParaRPr>
           </a:p>
@@ -3463,11 +3824,14 @@
       </p:sp>
     </p:spTree>
   </p:cSld>
+  <p:clrMapOvr>
+    <a:masterClrMapping/>
+  </p:clrMapOvr>
 </p:sldLayout>
 </file>
 
 <file path=ppt/slideLayouts/slideLayout23.xml><?xml version="1.0" encoding="utf-8"?>
-<p:sldLayout xmlns:a="http://schemas.openxmlformats.org/drawingml/2006/main" xmlns:p="http://schemas.openxmlformats.org/presentationml/2006/main" xmlns:r="http://schemas.openxmlformats.org/officeDocument/2006/relationships" xmlns:p14="http://schemas.microsoft.com/office/powerpoint/2010/main" xmlns:p15="http://schemas.microsoft.com/office/powerpoint/2012/main" xmlns:mc="http://schemas.openxmlformats.org/markup-compatibility/2006" type="fourObj" preserve="1">
+<p:sldLayout xmlns:a="http://schemas.openxmlformats.org/drawingml/2006/main" xmlns:r="http://schemas.openxmlformats.org/officeDocument/2006/relationships" xmlns:p="http://schemas.openxmlformats.org/presentationml/2006/main" type="fourObj" preserve="1">
   <p:cSld name="Title, 4 Content">
     <p:spTree>
       <p:nvGrpSpPr>
@@ -3503,12 +3867,13 @@
           </a:prstGeom>
         </p:spPr>
         <p:txBody>
-          <a:bodyPr lIns="0" rIns="0" tIns="0" bIns="0" anchor="ctr">
+          <a:bodyPr lIns="0" tIns="0" rIns="0" bIns="0" anchor="ctr">
             <a:noAutofit/>
           </a:bodyPr>
+          <a:lstStyle/>
           <a:p>
             <a:pPr algn="ctr"/>
-            <a:endParaRPr b="0" lang="ru-RU" sz="4400" spc="-1" strike="noStrike">
+            <a:endParaRPr lang="ru-RU" sz="4400" b="0" strike="noStrike" spc="-1">
               <a:latin typeface="Arial"/>
             </a:endParaRPr>
           </a:p>
@@ -3534,11 +3899,12 @@
           </a:prstGeom>
         </p:spPr>
         <p:txBody>
-          <a:bodyPr lIns="0" rIns="0" tIns="0" bIns="0">
+          <a:bodyPr lIns="0" tIns="0" rIns="0" bIns="0">
             <a:normAutofit/>
           </a:bodyPr>
-          <a:p>
-            <a:endParaRPr b="0" lang="ru-RU" sz="3200" spc="-1" strike="noStrike">
+          <a:lstStyle/>
+          <a:p>
+            <a:endParaRPr lang="ru-RU" sz="3200" b="0" strike="noStrike" spc="-1">
               <a:latin typeface="Arial"/>
             </a:endParaRPr>
           </a:p>
@@ -3564,11 +3930,12 @@
           </a:prstGeom>
         </p:spPr>
         <p:txBody>
-          <a:bodyPr lIns="0" rIns="0" tIns="0" bIns="0">
+          <a:bodyPr lIns="0" tIns="0" rIns="0" bIns="0">
             <a:normAutofit/>
           </a:bodyPr>
-          <a:p>
-            <a:endParaRPr b="0" lang="ru-RU" sz="3200" spc="-1" strike="noStrike">
+          <a:lstStyle/>
+          <a:p>
+            <a:endParaRPr lang="ru-RU" sz="3200" b="0" strike="noStrike" spc="-1">
               <a:latin typeface="Arial"/>
             </a:endParaRPr>
           </a:p>
@@ -3594,11 +3961,12 @@
           </a:prstGeom>
         </p:spPr>
         <p:txBody>
-          <a:bodyPr lIns="0" rIns="0" tIns="0" bIns="0">
+          <a:bodyPr lIns="0" tIns="0" rIns="0" bIns="0">
             <a:normAutofit/>
           </a:bodyPr>
-          <a:p>
-            <a:endParaRPr b="0" lang="ru-RU" sz="3200" spc="-1" strike="noStrike">
+          <a:lstStyle/>
+          <a:p>
+            <a:endParaRPr lang="ru-RU" sz="3200" b="0" strike="noStrike" spc="-1">
               <a:latin typeface="Arial"/>
             </a:endParaRPr>
           </a:p>
@@ -3624,11 +3992,12 @@
           </a:prstGeom>
         </p:spPr>
         <p:txBody>
-          <a:bodyPr lIns="0" rIns="0" tIns="0" bIns="0">
+          <a:bodyPr lIns="0" tIns="0" rIns="0" bIns="0">
             <a:normAutofit/>
           </a:bodyPr>
-          <a:p>
-            <a:endParaRPr b="0" lang="ru-RU" sz="3200" spc="-1" strike="noStrike">
+          <a:lstStyle/>
+          <a:p>
+            <a:endParaRPr lang="ru-RU" sz="3200" b="0" strike="noStrike" spc="-1">
               <a:latin typeface="Arial"/>
             </a:endParaRPr>
           </a:p>
@@ -3636,11 +4005,14 @@
       </p:sp>
     </p:spTree>
   </p:cSld>
+  <p:clrMapOvr>
+    <a:masterClrMapping/>
+  </p:clrMapOvr>
 </p:sldLayout>
 </file>
 
 <file path=ppt/slideLayouts/slideLayout24.xml><?xml version="1.0" encoding="utf-8"?>
-<p:sldLayout xmlns:a="http://schemas.openxmlformats.org/drawingml/2006/main" xmlns:p="http://schemas.openxmlformats.org/presentationml/2006/main" xmlns:r="http://schemas.openxmlformats.org/officeDocument/2006/relationships" xmlns:p14="http://schemas.microsoft.com/office/powerpoint/2010/main" xmlns:p15="http://schemas.microsoft.com/office/powerpoint/2012/main" xmlns:mc="http://schemas.openxmlformats.org/markup-compatibility/2006" type="blank" preserve="1">
+<p:sldLayout xmlns:a="http://schemas.openxmlformats.org/drawingml/2006/main" xmlns:r="http://schemas.openxmlformats.org/officeDocument/2006/relationships" xmlns:p="http://schemas.openxmlformats.org/presentationml/2006/main" type="blank" preserve="1">
   <p:cSld name="Title, 6 Content">
     <p:spTree>
       <p:nvGrpSpPr>
@@ -3676,12 +4048,13 @@
           </a:prstGeom>
         </p:spPr>
         <p:txBody>
-          <a:bodyPr lIns="0" rIns="0" tIns="0" bIns="0" anchor="ctr">
+          <a:bodyPr lIns="0" tIns="0" rIns="0" bIns="0" anchor="ctr">
             <a:noAutofit/>
           </a:bodyPr>
+          <a:lstStyle/>
           <a:p>
             <a:pPr algn="ctr"/>
-            <a:endParaRPr b="0" lang="ru-RU" sz="4400" spc="-1" strike="noStrike">
+            <a:endParaRPr lang="ru-RU" sz="4400" b="0" strike="noStrike" spc="-1">
               <a:latin typeface="Arial"/>
             </a:endParaRPr>
           </a:p>
@@ -3707,11 +4080,12 @@
           </a:prstGeom>
         </p:spPr>
         <p:txBody>
-          <a:bodyPr lIns="0" rIns="0" tIns="0" bIns="0">
+          <a:bodyPr lIns="0" tIns="0" rIns="0" bIns="0">
             <a:normAutofit fontScale="76000"/>
           </a:bodyPr>
-          <a:p>
-            <a:endParaRPr b="0" lang="ru-RU" sz="3200" spc="-1" strike="noStrike">
+          <a:lstStyle/>
+          <a:p>
+            <a:endParaRPr lang="ru-RU" sz="3200" b="0" strike="noStrike" spc="-1">
               <a:latin typeface="Arial"/>
             </a:endParaRPr>
           </a:p>
@@ -3737,11 +4111,12 @@
           </a:prstGeom>
         </p:spPr>
         <p:txBody>
-          <a:bodyPr lIns="0" rIns="0" tIns="0" bIns="0">
+          <a:bodyPr lIns="0" tIns="0" rIns="0" bIns="0">
             <a:normAutofit fontScale="76000"/>
           </a:bodyPr>
-          <a:p>
-            <a:endParaRPr b="0" lang="ru-RU" sz="3200" spc="-1" strike="noStrike">
+          <a:lstStyle/>
+          <a:p>
+            <a:endParaRPr lang="ru-RU" sz="3200" b="0" strike="noStrike" spc="-1">
               <a:latin typeface="Arial"/>
             </a:endParaRPr>
           </a:p>
@@ -3767,11 +4142,12 @@
           </a:prstGeom>
         </p:spPr>
         <p:txBody>
-          <a:bodyPr lIns="0" rIns="0" tIns="0" bIns="0">
+          <a:bodyPr lIns="0" tIns="0" rIns="0" bIns="0">
             <a:normAutofit fontScale="76000"/>
           </a:bodyPr>
-          <a:p>
-            <a:endParaRPr b="0" lang="ru-RU" sz="3200" spc="-1" strike="noStrike">
+          <a:lstStyle/>
+          <a:p>
+            <a:endParaRPr lang="ru-RU" sz="3200" b="0" strike="noStrike" spc="-1">
               <a:latin typeface="Arial"/>
             </a:endParaRPr>
           </a:p>
@@ -3797,11 +4173,12 @@
           </a:prstGeom>
         </p:spPr>
         <p:txBody>
-          <a:bodyPr lIns="0" rIns="0" tIns="0" bIns="0">
+          <a:bodyPr lIns="0" tIns="0" rIns="0" bIns="0">
             <a:normAutofit fontScale="76000"/>
           </a:bodyPr>
-          <a:p>
-            <a:endParaRPr b="0" lang="ru-RU" sz="3200" spc="-1" strike="noStrike">
+          <a:lstStyle/>
+          <a:p>
+            <a:endParaRPr lang="ru-RU" sz="3200" b="0" strike="noStrike" spc="-1">
               <a:latin typeface="Arial"/>
             </a:endParaRPr>
           </a:p>
@@ -3827,11 +4204,12 @@
           </a:prstGeom>
         </p:spPr>
         <p:txBody>
-          <a:bodyPr lIns="0" rIns="0" tIns="0" bIns="0">
+          <a:bodyPr lIns="0" tIns="0" rIns="0" bIns="0">
             <a:normAutofit fontScale="76000"/>
           </a:bodyPr>
-          <a:p>
-            <a:endParaRPr b="0" lang="ru-RU" sz="3200" spc="-1" strike="noStrike">
+          <a:lstStyle/>
+          <a:p>
+            <a:endParaRPr lang="ru-RU" sz="3200" b="0" strike="noStrike" spc="-1">
               <a:latin typeface="Arial"/>
             </a:endParaRPr>
           </a:p>
@@ -3857,11 +4235,12 @@
           </a:prstGeom>
         </p:spPr>
         <p:txBody>
-          <a:bodyPr lIns="0" rIns="0" tIns="0" bIns="0">
+          <a:bodyPr lIns="0" tIns="0" rIns="0" bIns="0">
             <a:normAutofit fontScale="76000"/>
           </a:bodyPr>
-          <a:p>
-            <a:endParaRPr b="0" lang="ru-RU" sz="3200" spc="-1" strike="noStrike">
+          <a:lstStyle/>
+          <a:p>
+            <a:endParaRPr lang="ru-RU" sz="3200" b="0" strike="noStrike" spc="-1">
               <a:latin typeface="Arial"/>
             </a:endParaRPr>
           </a:p>
@@ -3869,11 +4248,14 @@
       </p:sp>
     </p:spTree>
   </p:cSld>
+  <p:clrMapOvr>
+    <a:masterClrMapping/>
+  </p:clrMapOvr>
 </p:sldLayout>
 </file>
 
 <file path=ppt/slideLayouts/slideLayout3.xml><?xml version="1.0" encoding="utf-8"?>
-<p:sldLayout xmlns:a="http://schemas.openxmlformats.org/drawingml/2006/main" xmlns:p="http://schemas.openxmlformats.org/presentationml/2006/main" xmlns:r="http://schemas.openxmlformats.org/officeDocument/2006/relationships" xmlns:p14="http://schemas.microsoft.com/office/powerpoint/2010/main" xmlns:p15="http://schemas.microsoft.com/office/powerpoint/2012/main" xmlns:mc="http://schemas.openxmlformats.org/markup-compatibility/2006" type="obj" preserve="1">
+<p:sldLayout xmlns:a="http://schemas.openxmlformats.org/drawingml/2006/main" xmlns:r="http://schemas.openxmlformats.org/officeDocument/2006/relationships" xmlns:p="http://schemas.openxmlformats.org/presentationml/2006/main" type="obj" preserve="1">
   <p:cSld name="Title, Content">
     <p:spTree>
       <p:nvGrpSpPr>
@@ -3909,12 +4291,13 @@
           </a:prstGeom>
         </p:spPr>
         <p:txBody>
-          <a:bodyPr lIns="0" rIns="0" tIns="0" bIns="0" anchor="ctr">
+          <a:bodyPr lIns="0" tIns="0" rIns="0" bIns="0" anchor="ctr">
             <a:noAutofit/>
           </a:bodyPr>
+          <a:lstStyle/>
           <a:p>
             <a:pPr algn="ctr"/>
-            <a:endParaRPr b="0" lang="ru-RU" sz="4400" spc="-1" strike="noStrike">
+            <a:endParaRPr lang="ru-RU" sz="4400" b="0" strike="noStrike" spc="-1">
               <a:latin typeface="Arial"/>
             </a:endParaRPr>
           </a:p>
@@ -3940,11 +4323,12 @@
           </a:prstGeom>
         </p:spPr>
         <p:txBody>
-          <a:bodyPr lIns="0" rIns="0" tIns="0" bIns="0">
+          <a:bodyPr lIns="0" tIns="0" rIns="0" bIns="0">
             <a:normAutofit/>
           </a:bodyPr>
-          <a:p>
-            <a:endParaRPr b="0" lang="ru-RU" sz="3200" spc="-1" strike="noStrike">
+          <a:lstStyle/>
+          <a:p>
+            <a:endParaRPr lang="ru-RU" sz="3200" b="0" strike="noStrike" spc="-1">
               <a:latin typeface="Arial"/>
             </a:endParaRPr>
           </a:p>
@@ -3952,11 +4336,14 @@
       </p:sp>
     </p:spTree>
   </p:cSld>
+  <p:clrMapOvr>
+    <a:masterClrMapping/>
+  </p:clrMapOvr>
 </p:sldLayout>
 </file>
 
 <file path=ppt/slideLayouts/slideLayout4.xml><?xml version="1.0" encoding="utf-8"?>
-<p:sldLayout xmlns:a="http://schemas.openxmlformats.org/drawingml/2006/main" xmlns:p="http://schemas.openxmlformats.org/presentationml/2006/main" xmlns:r="http://schemas.openxmlformats.org/officeDocument/2006/relationships" xmlns:p14="http://schemas.microsoft.com/office/powerpoint/2010/main" xmlns:p15="http://schemas.microsoft.com/office/powerpoint/2012/main" xmlns:mc="http://schemas.openxmlformats.org/markup-compatibility/2006" type="twoObj" preserve="1">
+<p:sldLayout xmlns:a="http://schemas.openxmlformats.org/drawingml/2006/main" xmlns:r="http://schemas.openxmlformats.org/officeDocument/2006/relationships" xmlns:p="http://schemas.openxmlformats.org/presentationml/2006/main" type="twoObj" preserve="1">
   <p:cSld name="Title, 2 Content">
     <p:spTree>
       <p:nvGrpSpPr>
@@ -3992,12 +4379,13 @@
           </a:prstGeom>
         </p:spPr>
         <p:txBody>
-          <a:bodyPr lIns="0" rIns="0" tIns="0" bIns="0" anchor="ctr">
+          <a:bodyPr lIns="0" tIns="0" rIns="0" bIns="0" anchor="ctr">
             <a:noAutofit/>
           </a:bodyPr>
+          <a:lstStyle/>
           <a:p>
             <a:pPr algn="ctr"/>
-            <a:endParaRPr b="0" lang="ru-RU" sz="4400" spc="-1" strike="noStrike">
+            <a:endParaRPr lang="ru-RU" sz="4400" b="0" strike="noStrike" spc="-1">
               <a:latin typeface="Arial"/>
             </a:endParaRPr>
           </a:p>
@@ -4023,11 +4411,12 @@
           </a:prstGeom>
         </p:spPr>
         <p:txBody>
-          <a:bodyPr lIns="0" rIns="0" tIns="0" bIns="0">
+          <a:bodyPr lIns="0" tIns="0" rIns="0" bIns="0">
             <a:normAutofit/>
           </a:bodyPr>
-          <a:p>
-            <a:endParaRPr b="0" lang="ru-RU" sz="3200" spc="-1" strike="noStrike">
+          <a:lstStyle/>
+          <a:p>
+            <a:endParaRPr lang="ru-RU" sz="3200" b="0" strike="noStrike" spc="-1">
               <a:latin typeface="Arial"/>
             </a:endParaRPr>
           </a:p>
@@ -4053,11 +4442,12 @@
           </a:prstGeom>
         </p:spPr>
         <p:txBody>
-          <a:bodyPr lIns="0" rIns="0" tIns="0" bIns="0">
+          <a:bodyPr lIns="0" tIns="0" rIns="0" bIns="0">
             <a:normAutofit/>
           </a:bodyPr>
-          <a:p>
-            <a:endParaRPr b="0" lang="ru-RU" sz="3200" spc="-1" strike="noStrike">
+          <a:lstStyle/>
+          <a:p>
+            <a:endParaRPr lang="ru-RU" sz="3200" b="0" strike="noStrike" spc="-1">
               <a:latin typeface="Arial"/>
             </a:endParaRPr>
           </a:p>
@@ -4065,11 +4455,14 @@
       </p:sp>
     </p:spTree>
   </p:cSld>
+  <p:clrMapOvr>
+    <a:masterClrMapping/>
+  </p:clrMapOvr>
 </p:sldLayout>
 </file>
 
 <file path=ppt/slideLayouts/slideLayout5.xml><?xml version="1.0" encoding="utf-8"?>
-<p:sldLayout xmlns:a="http://schemas.openxmlformats.org/drawingml/2006/main" xmlns:p="http://schemas.openxmlformats.org/presentationml/2006/main" xmlns:r="http://schemas.openxmlformats.org/officeDocument/2006/relationships" xmlns:p14="http://schemas.microsoft.com/office/powerpoint/2010/main" xmlns:p15="http://schemas.microsoft.com/office/powerpoint/2012/main" xmlns:mc="http://schemas.openxmlformats.org/markup-compatibility/2006" type="titleOnly" preserve="1">
+<p:sldLayout xmlns:a="http://schemas.openxmlformats.org/drawingml/2006/main" xmlns:r="http://schemas.openxmlformats.org/officeDocument/2006/relationships" xmlns:p="http://schemas.openxmlformats.org/presentationml/2006/main" type="titleOnly" preserve="1">
   <p:cSld name="Title Only">
     <p:spTree>
       <p:nvGrpSpPr>
@@ -4105,12 +4498,13 @@
           </a:prstGeom>
         </p:spPr>
         <p:txBody>
-          <a:bodyPr lIns="0" rIns="0" tIns="0" bIns="0" anchor="ctr">
+          <a:bodyPr lIns="0" tIns="0" rIns="0" bIns="0" anchor="ctr">
             <a:noAutofit/>
           </a:bodyPr>
+          <a:lstStyle/>
           <a:p>
             <a:pPr algn="ctr"/>
-            <a:endParaRPr b="0" lang="ru-RU" sz="4400" spc="-1" strike="noStrike">
+            <a:endParaRPr lang="ru-RU" sz="4400" b="0" strike="noStrike" spc="-1">
               <a:latin typeface="Arial"/>
             </a:endParaRPr>
           </a:p>
@@ -4118,11 +4512,14 @@
       </p:sp>
     </p:spTree>
   </p:cSld>
+  <p:clrMapOvr>
+    <a:masterClrMapping/>
+  </p:clrMapOvr>
 </p:sldLayout>
 </file>
 
 <file path=ppt/slideLayouts/slideLayout6.xml><?xml version="1.0" encoding="utf-8"?>
-<p:sldLayout xmlns:a="http://schemas.openxmlformats.org/drawingml/2006/main" xmlns:p="http://schemas.openxmlformats.org/presentationml/2006/main" xmlns:r="http://schemas.openxmlformats.org/officeDocument/2006/relationships" xmlns:p14="http://schemas.microsoft.com/office/powerpoint/2010/main" xmlns:p15="http://schemas.microsoft.com/office/powerpoint/2012/main" xmlns:mc="http://schemas.openxmlformats.org/markup-compatibility/2006" type="objOnly" preserve="1">
+<p:sldLayout xmlns:a="http://schemas.openxmlformats.org/drawingml/2006/main" xmlns:r="http://schemas.openxmlformats.org/officeDocument/2006/relationships" xmlns:p="http://schemas.openxmlformats.org/presentationml/2006/main" type="objOnly" preserve="1">
   <p:cSld name="Centered Text">
     <p:spTree>
       <p:nvGrpSpPr>
@@ -4158,12 +4555,13 @@
           </a:prstGeom>
         </p:spPr>
         <p:txBody>
-          <a:bodyPr lIns="0" rIns="0" tIns="0" bIns="0" anchor="ctr">
+          <a:bodyPr lIns="0" tIns="0" rIns="0" bIns="0" anchor="ctr">
             <a:noAutofit/>
           </a:bodyPr>
+          <a:lstStyle/>
           <a:p>
             <a:pPr algn="ctr"/>
-            <a:endParaRPr b="0" lang="ru-RU" sz="3200" spc="-1" strike="noStrike">
+            <a:endParaRPr lang="ru-RU" sz="3200" b="0" strike="noStrike" spc="-1">
               <a:latin typeface="Arial"/>
             </a:endParaRPr>
           </a:p>
@@ -4171,11 +4569,14 @@
       </p:sp>
     </p:spTree>
   </p:cSld>
+  <p:clrMapOvr>
+    <a:masterClrMapping/>
+  </p:clrMapOvr>
 </p:sldLayout>
 </file>
 
 <file path=ppt/slideLayouts/slideLayout7.xml><?xml version="1.0" encoding="utf-8"?>
-<p:sldLayout xmlns:a="http://schemas.openxmlformats.org/drawingml/2006/main" xmlns:p="http://schemas.openxmlformats.org/presentationml/2006/main" xmlns:r="http://schemas.openxmlformats.org/officeDocument/2006/relationships" xmlns:p14="http://schemas.microsoft.com/office/powerpoint/2010/main" xmlns:p15="http://schemas.microsoft.com/office/powerpoint/2012/main" xmlns:mc="http://schemas.openxmlformats.org/markup-compatibility/2006" type="twoObjAndObj" preserve="1">
+<p:sldLayout xmlns:a="http://schemas.openxmlformats.org/drawingml/2006/main" xmlns:r="http://schemas.openxmlformats.org/officeDocument/2006/relationships" xmlns:p="http://schemas.openxmlformats.org/presentationml/2006/main" type="twoObjAndObj" preserve="1">
   <p:cSld name="Title, 2 Content and Content">
     <p:spTree>
       <p:nvGrpSpPr>
@@ -4211,12 +4612,13 @@
           </a:prstGeom>
         </p:spPr>
         <p:txBody>
-          <a:bodyPr lIns="0" rIns="0" tIns="0" bIns="0" anchor="ctr">
+          <a:bodyPr lIns="0" tIns="0" rIns="0" bIns="0" anchor="ctr">
             <a:noAutofit/>
           </a:bodyPr>
+          <a:lstStyle/>
           <a:p>
             <a:pPr algn="ctr"/>
-            <a:endParaRPr b="0" lang="ru-RU" sz="4400" spc="-1" strike="noStrike">
+            <a:endParaRPr lang="ru-RU" sz="4400" b="0" strike="noStrike" spc="-1">
               <a:latin typeface="Arial"/>
             </a:endParaRPr>
           </a:p>
@@ -4242,11 +4644,12 @@
           </a:prstGeom>
         </p:spPr>
         <p:txBody>
-          <a:bodyPr lIns="0" rIns="0" tIns="0" bIns="0">
+          <a:bodyPr lIns="0" tIns="0" rIns="0" bIns="0">
             <a:normAutofit/>
           </a:bodyPr>
-          <a:p>
-            <a:endParaRPr b="0" lang="ru-RU" sz="3200" spc="-1" strike="noStrike">
+          <a:lstStyle/>
+          <a:p>
+            <a:endParaRPr lang="ru-RU" sz="3200" b="0" strike="noStrike" spc="-1">
               <a:latin typeface="Arial"/>
             </a:endParaRPr>
           </a:p>
@@ -4272,11 +4675,12 @@
           </a:prstGeom>
         </p:spPr>
         <p:txBody>
-          <a:bodyPr lIns="0" rIns="0" tIns="0" bIns="0">
+          <a:bodyPr lIns="0" tIns="0" rIns="0" bIns="0">
             <a:normAutofit/>
           </a:bodyPr>
-          <a:p>
-            <a:endParaRPr b="0" lang="ru-RU" sz="3200" spc="-1" strike="noStrike">
+          <a:lstStyle/>
+          <a:p>
+            <a:endParaRPr lang="ru-RU" sz="3200" b="0" strike="noStrike" spc="-1">
               <a:latin typeface="Arial"/>
             </a:endParaRPr>
           </a:p>
@@ -4302,11 +4706,12 @@
           </a:prstGeom>
         </p:spPr>
         <p:txBody>
-          <a:bodyPr lIns="0" rIns="0" tIns="0" bIns="0">
+          <a:bodyPr lIns="0" tIns="0" rIns="0" bIns="0">
             <a:normAutofit/>
           </a:bodyPr>
-          <a:p>
-            <a:endParaRPr b="0" lang="ru-RU" sz="3200" spc="-1" strike="noStrike">
+          <a:lstStyle/>
+          <a:p>
+            <a:endParaRPr lang="ru-RU" sz="3200" b="0" strike="noStrike" spc="-1">
               <a:latin typeface="Arial"/>
             </a:endParaRPr>
           </a:p>
@@ -4314,11 +4719,14 @@
       </p:sp>
     </p:spTree>
   </p:cSld>
+  <p:clrMapOvr>
+    <a:masterClrMapping/>
+  </p:clrMapOvr>
 </p:sldLayout>
 </file>
 
 <file path=ppt/slideLayouts/slideLayout8.xml><?xml version="1.0" encoding="utf-8"?>
-<p:sldLayout xmlns:a="http://schemas.openxmlformats.org/drawingml/2006/main" xmlns:p="http://schemas.openxmlformats.org/presentationml/2006/main" xmlns:r="http://schemas.openxmlformats.org/officeDocument/2006/relationships" xmlns:p14="http://schemas.microsoft.com/office/powerpoint/2010/main" xmlns:p15="http://schemas.microsoft.com/office/powerpoint/2012/main" xmlns:mc="http://schemas.openxmlformats.org/markup-compatibility/2006" type="objAndTwoObj" preserve="1">
+<p:sldLayout xmlns:a="http://schemas.openxmlformats.org/drawingml/2006/main" xmlns:r="http://schemas.openxmlformats.org/officeDocument/2006/relationships" xmlns:p="http://schemas.openxmlformats.org/presentationml/2006/main" type="objAndTwoObj" preserve="1">
   <p:cSld name="Title Content and 2 Content">
     <p:spTree>
       <p:nvGrpSpPr>
@@ -4354,12 +4762,13 @@
           </a:prstGeom>
         </p:spPr>
         <p:txBody>
-          <a:bodyPr lIns="0" rIns="0" tIns="0" bIns="0" anchor="ctr">
+          <a:bodyPr lIns="0" tIns="0" rIns="0" bIns="0" anchor="ctr">
             <a:noAutofit/>
           </a:bodyPr>
+          <a:lstStyle/>
           <a:p>
             <a:pPr algn="ctr"/>
-            <a:endParaRPr b="0" lang="ru-RU" sz="4400" spc="-1" strike="noStrike">
+            <a:endParaRPr lang="ru-RU" sz="4400" b="0" strike="noStrike" spc="-1">
               <a:latin typeface="Arial"/>
             </a:endParaRPr>
           </a:p>
@@ -4385,11 +4794,12 @@
           </a:prstGeom>
         </p:spPr>
         <p:txBody>
-          <a:bodyPr lIns="0" rIns="0" tIns="0" bIns="0">
+          <a:bodyPr lIns="0" tIns="0" rIns="0" bIns="0">
             <a:normAutofit/>
           </a:bodyPr>
-          <a:p>
-            <a:endParaRPr b="0" lang="ru-RU" sz="3200" spc="-1" strike="noStrike">
+          <a:lstStyle/>
+          <a:p>
+            <a:endParaRPr lang="ru-RU" sz="3200" b="0" strike="noStrike" spc="-1">
               <a:latin typeface="Arial"/>
             </a:endParaRPr>
           </a:p>
@@ -4415,11 +4825,12 @@
           </a:prstGeom>
         </p:spPr>
         <p:txBody>
-          <a:bodyPr lIns="0" rIns="0" tIns="0" bIns="0">
+          <a:bodyPr lIns="0" tIns="0" rIns="0" bIns="0">
             <a:normAutofit/>
           </a:bodyPr>
-          <a:p>
-            <a:endParaRPr b="0" lang="ru-RU" sz="3200" spc="-1" strike="noStrike">
+          <a:lstStyle/>
+          <a:p>
+            <a:endParaRPr lang="ru-RU" sz="3200" b="0" strike="noStrike" spc="-1">
               <a:latin typeface="Arial"/>
             </a:endParaRPr>
           </a:p>
@@ -4445,11 +4856,12 @@
           </a:prstGeom>
         </p:spPr>
         <p:txBody>
-          <a:bodyPr lIns="0" rIns="0" tIns="0" bIns="0">
+          <a:bodyPr lIns="0" tIns="0" rIns="0" bIns="0">
             <a:normAutofit/>
           </a:bodyPr>
-          <a:p>
-            <a:endParaRPr b="0" lang="ru-RU" sz="3200" spc="-1" strike="noStrike">
+          <a:lstStyle/>
+          <a:p>
+            <a:endParaRPr lang="ru-RU" sz="3200" b="0" strike="noStrike" spc="-1">
               <a:latin typeface="Arial"/>
             </a:endParaRPr>
           </a:p>
@@ -4457,11 +4869,14 @@
       </p:sp>
     </p:spTree>
   </p:cSld>
+  <p:clrMapOvr>
+    <a:masterClrMapping/>
+  </p:clrMapOvr>
 </p:sldLayout>
 </file>
 
 <file path=ppt/slideLayouts/slideLayout9.xml><?xml version="1.0" encoding="utf-8"?>
-<p:sldLayout xmlns:a="http://schemas.openxmlformats.org/drawingml/2006/main" xmlns:p="http://schemas.openxmlformats.org/presentationml/2006/main" xmlns:r="http://schemas.openxmlformats.org/officeDocument/2006/relationships" xmlns:p14="http://schemas.microsoft.com/office/powerpoint/2010/main" xmlns:p15="http://schemas.microsoft.com/office/powerpoint/2012/main" xmlns:mc="http://schemas.openxmlformats.org/markup-compatibility/2006" type="twoObjOverTx" preserve="1">
+<p:sldLayout xmlns:a="http://schemas.openxmlformats.org/drawingml/2006/main" xmlns:r="http://schemas.openxmlformats.org/officeDocument/2006/relationships" xmlns:p="http://schemas.openxmlformats.org/presentationml/2006/main" type="twoObjOverTx" preserve="1">
   <p:cSld name="Title, 2 Content over Content">
     <p:spTree>
       <p:nvGrpSpPr>
@@ -4497,12 +4912,13 @@
           </a:prstGeom>
         </p:spPr>
         <p:txBody>
-          <a:bodyPr lIns="0" rIns="0" tIns="0" bIns="0" anchor="ctr">
+          <a:bodyPr lIns="0" tIns="0" rIns="0" bIns="0" anchor="ctr">
             <a:noAutofit/>
           </a:bodyPr>
+          <a:lstStyle/>
           <a:p>
             <a:pPr algn="ctr"/>
-            <a:endParaRPr b="0" lang="ru-RU" sz="4400" spc="-1" strike="noStrike">
+            <a:endParaRPr lang="ru-RU" sz="4400" b="0" strike="noStrike" spc="-1">
               <a:latin typeface="Arial"/>
             </a:endParaRPr>
           </a:p>
@@ -4528,11 +4944,12 @@
           </a:prstGeom>
         </p:spPr>
         <p:txBody>
-          <a:bodyPr lIns="0" rIns="0" tIns="0" bIns="0">
+          <a:bodyPr lIns="0" tIns="0" rIns="0" bIns="0">
             <a:normAutofit/>
           </a:bodyPr>
-          <a:p>
-            <a:endParaRPr b="0" lang="ru-RU" sz="3200" spc="-1" strike="noStrike">
+          <a:lstStyle/>
+          <a:p>
+            <a:endParaRPr lang="ru-RU" sz="3200" b="0" strike="noStrike" spc="-1">
               <a:latin typeface="Arial"/>
             </a:endParaRPr>
           </a:p>
@@ -4558,11 +4975,12 @@
           </a:prstGeom>
         </p:spPr>
         <p:txBody>
-          <a:bodyPr lIns="0" rIns="0" tIns="0" bIns="0">
+          <a:bodyPr lIns="0" tIns="0" rIns="0" bIns="0">
             <a:normAutofit/>
           </a:bodyPr>
-          <a:p>
-            <a:endParaRPr b="0" lang="ru-RU" sz="3200" spc="-1" strike="noStrike">
+          <a:lstStyle/>
+          <a:p>
+            <a:endParaRPr lang="ru-RU" sz="3200" b="0" strike="noStrike" spc="-1">
               <a:latin typeface="Arial"/>
             </a:endParaRPr>
           </a:p>
@@ -4588,11 +5006,12 @@
           </a:prstGeom>
         </p:spPr>
         <p:txBody>
-          <a:bodyPr lIns="0" rIns="0" tIns="0" bIns="0">
+          <a:bodyPr lIns="0" tIns="0" rIns="0" bIns="0">
             <a:normAutofit/>
           </a:bodyPr>
-          <a:p>
-            <a:endParaRPr b="0" lang="ru-RU" sz="3200" spc="-1" strike="noStrike">
+          <a:lstStyle/>
+          <a:p>
+            <a:endParaRPr lang="ru-RU" sz="3200" b="0" strike="noStrike" spc="-1">
               <a:latin typeface="Arial"/>
             </a:endParaRPr>
           </a:p>
@@ -4600,17 +5019,21 @@
       </p:sp>
     </p:spTree>
   </p:cSld>
+  <p:clrMapOvr>
+    <a:masterClrMapping/>
+  </p:clrMapOvr>
 </p:sldLayout>
 </file>
 
 <file path=ppt/slideMasters/slideMaster1.xml><?xml version="1.0" encoding="utf-8"?>
-<p:sldMaster xmlns:a="http://schemas.openxmlformats.org/drawingml/2006/main" xmlns:p="http://schemas.openxmlformats.org/presentationml/2006/main" xmlns:r="http://schemas.openxmlformats.org/officeDocument/2006/relationships" xmlns:p14="http://schemas.microsoft.com/office/powerpoint/2010/main" xmlns:p15="http://schemas.microsoft.com/office/powerpoint/2012/main" xmlns:mc="http://schemas.openxmlformats.org/markup-compatibility/2006">
+<p:sldMaster xmlns:a="http://schemas.openxmlformats.org/drawingml/2006/main" xmlns:r="http://schemas.openxmlformats.org/officeDocument/2006/relationships" xmlns:p="http://schemas.openxmlformats.org/presentationml/2006/main">
   <p:cSld>
     <p:bg>
       <p:bgPr>
         <a:solidFill>
-          <a:srgbClr val="ffffff"/>
+          <a:srgbClr val="FFFFFF"/>
         </a:solidFill>
+        <a:effectLst/>
       </p:bgPr>
     </p:bg>
     <p:spTree>
@@ -4629,7 +5052,7 @@
       </p:grpSpPr>
       <p:sp>
         <p:nvSpPr>
-          <p:cNvPr id="0" name="PlaceHolder 1"/>
+          <p:cNvPr id="2" name="PlaceHolder 1"/>
           <p:cNvSpPr>
             <a:spLocks noGrp="1"/>
           </p:cNvSpPr>
@@ -4647,26 +5070,24 @@
           </a:prstGeom>
         </p:spPr>
         <p:txBody>
-          <a:bodyPr lIns="0" rIns="0" tIns="0" bIns="0" anchor="ctr">
+          <a:bodyPr lIns="0" tIns="0" rIns="0" bIns="0" anchor="ctr">
             <a:noAutofit/>
           </a:bodyPr>
+          <a:lstStyle/>
           <a:p>
             <a:pPr algn="ctr"/>
             <a:r>
-              <a:rPr b="0" lang="ru-RU" sz="4400" spc="-1" strike="noStrike">
+              <a:rPr lang="ru-RU" sz="4400" b="0" strike="noStrike" spc="-1">
                 <a:latin typeface="Arial"/>
               </a:rPr>
               <a:t>Для правки текста заглавия щёлкните мышью</a:t>
             </a:r>
-            <a:endParaRPr b="0" lang="ru-RU" sz="4400" spc="-1" strike="noStrike">
-              <a:latin typeface="Arial"/>
-            </a:endParaRPr>
-          </a:p>
-        </p:txBody>
-      </p:sp>
-      <p:sp>
-        <p:nvSpPr>
-          <p:cNvPr id="1" name="PlaceHolder 2"/>
+          </a:p>
+        </p:txBody>
+      </p:sp>
+      <p:sp>
+        <p:nvSpPr>
+          <p:cNvPr id="3" name="PlaceHolder 2"/>
           <p:cNvSpPr>
             <a:spLocks noGrp="1"/>
           </p:cNvSpPr>
@@ -4684,9 +5105,10 @@
           </a:prstGeom>
         </p:spPr>
         <p:txBody>
-          <a:bodyPr lIns="0" rIns="0" tIns="0" bIns="0">
+          <a:bodyPr lIns="0" tIns="0" rIns="0" bIns="0">
             <a:normAutofit/>
           </a:bodyPr>
+          <a:lstStyle/>
           <a:p>
             <a:pPr marL="432000" indent="-324000">
               <a:spcBef>
@@ -4700,17 +5122,14 @@
               <a:buChar char=""/>
             </a:pPr>
             <a:r>
-              <a:rPr b="0" lang="ru-RU" sz="3200" spc="-1" strike="noStrike">
+              <a:rPr lang="ru-RU" sz="3200" b="0" strike="noStrike" spc="-1">
                 <a:latin typeface="Arial"/>
               </a:rPr>
               <a:t>Для правки структуры щёлкните мышью</a:t>
             </a:r>
-            <a:endParaRPr b="0" lang="ru-RU" sz="3200" spc="-1" strike="noStrike">
-              <a:latin typeface="Arial"/>
-            </a:endParaRPr>
-          </a:p>
-          <a:p>
-            <a:pPr lvl="1" marL="864000" indent="-324000">
+          </a:p>
+          <a:p>
+            <a:pPr marL="864000" lvl="1" indent="-324000">
               <a:spcBef>
                 <a:spcPts val="1134"/>
               </a:spcBef>
@@ -4722,17 +5141,14 @@
               <a:buChar char=""/>
             </a:pPr>
             <a:r>
-              <a:rPr b="0" lang="ru-RU" sz="2800" spc="-1" strike="noStrike">
+              <a:rPr lang="ru-RU" sz="2800" b="0" strike="noStrike" spc="-1">
                 <a:latin typeface="Arial"/>
               </a:rPr>
               <a:t>Второй уровень структуры</a:t>
             </a:r>
-            <a:endParaRPr b="0" lang="ru-RU" sz="2800" spc="-1" strike="noStrike">
-              <a:latin typeface="Arial"/>
-            </a:endParaRPr>
-          </a:p>
-          <a:p>
-            <a:pPr lvl="2" marL="1296000" indent="-288000">
+          </a:p>
+          <a:p>
+            <a:pPr marL="1296000" lvl="2" indent="-288000">
               <a:spcBef>
                 <a:spcPts val="850"/>
               </a:spcBef>
@@ -4744,17 +5160,14 @@
               <a:buChar char=""/>
             </a:pPr>
             <a:r>
-              <a:rPr b="0" lang="ru-RU" sz="2400" spc="-1" strike="noStrike">
+              <a:rPr lang="ru-RU" sz="2400" b="0" strike="noStrike" spc="-1">
                 <a:latin typeface="Arial"/>
               </a:rPr>
               <a:t>Третий уровень структуры</a:t>
             </a:r>
-            <a:endParaRPr b="0" lang="ru-RU" sz="2400" spc="-1" strike="noStrike">
-              <a:latin typeface="Arial"/>
-            </a:endParaRPr>
-          </a:p>
-          <a:p>
-            <a:pPr lvl="3" marL="1728000" indent="-216000">
+          </a:p>
+          <a:p>
+            <a:pPr marL="1728000" lvl="3" indent="-216000">
               <a:spcBef>
                 <a:spcPts val="567"/>
               </a:spcBef>
@@ -4766,17 +5179,14 @@
               <a:buChar char=""/>
             </a:pPr>
             <a:r>
-              <a:rPr b="0" lang="ru-RU" sz="2000" spc="-1" strike="noStrike">
+              <a:rPr lang="ru-RU" sz="2000" b="0" strike="noStrike" spc="-1">
                 <a:latin typeface="Arial"/>
               </a:rPr>
               <a:t>Четвёртый уровень структуры</a:t>
             </a:r>
-            <a:endParaRPr b="0" lang="ru-RU" sz="2000" spc="-1" strike="noStrike">
-              <a:latin typeface="Arial"/>
-            </a:endParaRPr>
-          </a:p>
-          <a:p>
-            <a:pPr lvl="4" marL="2160000" indent="-216000">
+          </a:p>
+          <a:p>
+            <a:pPr marL="2160000" lvl="4" indent="-216000">
               <a:spcBef>
                 <a:spcPts val="283"/>
               </a:spcBef>
@@ -4788,17 +5198,14 @@
               <a:buChar char=""/>
             </a:pPr>
             <a:r>
-              <a:rPr b="0" lang="ru-RU" sz="2000" spc="-1" strike="noStrike">
+              <a:rPr lang="ru-RU" sz="2000" b="0" strike="noStrike" spc="-1">
                 <a:latin typeface="Arial"/>
               </a:rPr>
               <a:t>Пятый уровень структуры</a:t>
             </a:r>
-            <a:endParaRPr b="0" lang="ru-RU" sz="2000" spc="-1" strike="noStrike">
-              <a:latin typeface="Arial"/>
-            </a:endParaRPr>
-          </a:p>
-          <a:p>
-            <a:pPr lvl="5" marL="2592000" indent="-216000">
+          </a:p>
+          <a:p>
+            <a:pPr marL="2592000" lvl="5" indent="-216000">
               <a:spcBef>
                 <a:spcPts val="283"/>
               </a:spcBef>
@@ -4810,17 +5217,14 @@
               <a:buChar char=""/>
             </a:pPr>
             <a:r>
-              <a:rPr b="0" lang="ru-RU" sz="2000" spc="-1" strike="noStrike">
+              <a:rPr lang="ru-RU" sz="2000" b="0" strike="noStrike" spc="-1">
                 <a:latin typeface="Arial"/>
               </a:rPr>
               <a:t>Шестой уровень структуры</a:t>
             </a:r>
-            <a:endParaRPr b="0" lang="ru-RU" sz="2000" spc="-1" strike="noStrike">
-              <a:latin typeface="Arial"/>
-            </a:endParaRPr>
-          </a:p>
-          <a:p>
-            <a:pPr lvl="6" marL="3024000" indent="-216000">
+          </a:p>
+          <a:p>
+            <a:pPr marL="3024000" lvl="6" indent="-216000">
               <a:spcBef>
                 <a:spcPts val="283"/>
               </a:spcBef>
@@ -4832,45 +5236,48 @@
               <a:buChar char=""/>
             </a:pPr>
             <a:r>
-              <a:rPr b="0" lang="ru-RU" sz="2000" spc="-1" strike="noStrike">
+              <a:rPr lang="ru-RU" sz="2000" b="0" strike="noStrike" spc="-1">
                 <a:latin typeface="Arial"/>
               </a:rPr>
               <a:t>Седьмой уровень структуры</a:t>
             </a:r>
-            <a:endParaRPr b="0" lang="ru-RU" sz="2000" spc="-1" strike="noStrike">
-              <a:latin typeface="Arial"/>
-            </a:endParaRPr>
           </a:p>
         </p:txBody>
       </p:sp>
     </p:spTree>
   </p:cSld>
-  <p:clrMap bg1="lt1" bg2="lt2" tx1="dk1" tx2="dk2" accent1="accent1" accent2="accent2" accent3="accent3" accent4="accent4" accent5="accent5" accent6="accent6" hlink="hlink" folHlink="folHlink"/>
+  <p:clrMap bg1="lt1" tx1="dk1" bg2="lt2" tx2="dk2" accent1="accent1" accent2="accent2" accent3="accent3" accent4="accent4" accent5="accent5" accent6="accent6" hlink="hlink" folHlink="folHlink"/>
   <p:sldLayoutIdLst>
-    <p:sldLayoutId id="2147483649" r:id="rId2"/>
-    <p:sldLayoutId id="2147483650" r:id="rId3"/>
-    <p:sldLayoutId id="2147483651" r:id="rId4"/>
-    <p:sldLayoutId id="2147483652" r:id="rId5"/>
-    <p:sldLayoutId id="2147483653" r:id="rId6"/>
-    <p:sldLayoutId id="2147483654" r:id="rId7"/>
-    <p:sldLayoutId id="2147483655" r:id="rId8"/>
-    <p:sldLayoutId id="2147483656" r:id="rId9"/>
-    <p:sldLayoutId id="2147483657" r:id="rId10"/>
-    <p:sldLayoutId id="2147483658" r:id="rId11"/>
-    <p:sldLayoutId id="2147483659" r:id="rId12"/>
-    <p:sldLayoutId id="2147483660" r:id="rId13"/>
+    <p:sldLayoutId id="2147483649" r:id="rId1"/>
+    <p:sldLayoutId id="2147483650" r:id="rId2"/>
+    <p:sldLayoutId id="2147483651" r:id="rId3"/>
+    <p:sldLayoutId id="2147483652" r:id="rId4"/>
+    <p:sldLayoutId id="2147483653" r:id="rId5"/>
+    <p:sldLayoutId id="2147483654" r:id="rId6"/>
+    <p:sldLayoutId id="2147483655" r:id="rId7"/>
+    <p:sldLayoutId id="2147483656" r:id="rId8"/>
+    <p:sldLayoutId id="2147483657" r:id="rId9"/>
+    <p:sldLayoutId id="2147483658" r:id="rId10"/>
+    <p:sldLayoutId id="2147483659" r:id="rId11"/>
+    <p:sldLayoutId id="2147483660" r:id="rId12"/>
   </p:sldLayoutIdLst>
+  <p:txStyles>
+    <p:titleStyle/>
+    <p:bodyStyle/>
+    <p:otherStyle/>
+  </p:txStyles>
 </p:sldMaster>
 </file>
 
 <file path=ppt/slideMasters/slideMaster2.xml><?xml version="1.0" encoding="utf-8"?>
-<p:sldMaster xmlns:a="http://schemas.openxmlformats.org/drawingml/2006/main" xmlns:p="http://schemas.openxmlformats.org/presentationml/2006/main" xmlns:r="http://schemas.openxmlformats.org/officeDocument/2006/relationships" xmlns:p14="http://schemas.microsoft.com/office/powerpoint/2010/main" xmlns:p15="http://schemas.microsoft.com/office/powerpoint/2012/main" xmlns:mc="http://schemas.openxmlformats.org/markup-compatibility/2006">
+<p:sldMaster xmlns:a="http://schemas.openxmlformats.org/drawingml/2006/main" xmlns:r="http://schemas.openxmlformats.org/officeDocument/2006/relationships" xmlns:p="http://schemas.openxmlformats.org/presentationml/2006/main">
   <p:cSld>
     <p:bg>
       <p:bgPr>
         <a:solidFill>
-          <a:srgbClr val="ffffff"/>
+          <a:srgbClr val="FFFFFF"/>
         </a:solidFill>
+        <a:effectLst/>
       </p:bgPr>
     </p:bg>
     <p:spTree>
@@ -4907,20 +5314,18 @@
           </a:prstGeom>
         </p:spPr>
         <p:txBody>
-          <a:bodyPr lIns="0" rIns="0" tIns="0" bIns="0" anchor="ctr">
+          <a:bodyPr lIns="0" tIns="0" rIns="0" bIns="0" anchor="ctr">
             <a:noAutofit/>
           </a:bodyPr>
+          <a:lstStyle/>
           <a:p>
             <a:pPr algn="ctr"/>
             <a:r>
-              <a:rPr b="0" lang="ru-RU" sz="4400" spc="-1" strike="noStrike">
+              <a:rPr lang="ru-RU" sz="4400" b="0" strike="noStrike" spc="-1">
                 <a:latin typeface="Arial"/>
               </a:rPr>
               <a:t>Для правки текста заглавия щёлкните мышью</a:t>
             </a:r>
-            <a:endParaRPr b="0" lang="ru-RU" sz="4400" spc="-1" strike="noStrike">
-              <a:latin typeface="Arial"/>
-            </a:endParaRPr>
           </a:p>
         </p:txBody>
       </p:sp>
@@ -4944,9 +5349,10 @@
           </a:prstGeom>
         </p:spPr>
         <p:txBody>
-          <a:bodyPr lIns="0" rIns="0" tIns="0" bIns="0">
+          <a:bodyPr lIns="0" tIns="0" rIns="0" bIns="0">
             <a:normAutofit/>
           </a:bodyPr>
+          <a:lstStyle/>
           <a:p>
             <a:pPr marL="432000" indent="-324000">
               <a:spcBef>
@@ -4960,17 +5366,14 @@
               <a:buChar char=""/>
             </a:pPr>
             <a:r>
-              <a:rPr b="0" lang="ru-RU" sz="3200" spc="-1" strike="noStrike">
+              <a:rPr lang="ru-RU" sz="3200" b="0" strike="noStrike" spc="-1">
                 <a:latin typeface="Arial"/>
               </a:rPr>
               <a:t>Для правки структуры щёлкните мышью</a:t>
             </a:r>
-            <a:endParaRPr b="0" lang="ru-RU" sz="3200" spc="-1" strike="noStrike">
-              <a:latin typeface="Arial"/>
-            </a:endParaRPr>
-          </a:p>
-          <a:p>
-            <a:pPr lvl="1" marL="864000" indent="-324000">
+          </a:p>
+          <a:p>
+            <a:pPr marL="864000" lvl="1" indent="-324000">
               <a:spcBef>
                 <a:spcPts val="1134"/>
               </a:spcBef>
@@ -4982,17 +5385,14 @@
               <a:buChar char=""/>
             </a:pPr>
             <a:r>
-              <a:rPr b="0" lang="ru-RU" sz="2800" spc="-1" strike="noStrike">
+              <a:rPr lang="ru-RU" sz="2800" b="0" strike="noStrike" spc="-1">
                 <a:latin typeface="Arial"/>
               </a:rPr>
               <a:t>Второй уровень структуры</a:t>
             </a:r>
-            <a:endParaRPr b="0" lang="ru-RU" sz="2800" spc="-1" strike="noStrike">
-              <a:latin typeface="Arial"/>
-            </a:endParaRPr>
-          </a:p>
-          <a:p>
-            <a:pPr lvl="2" marL="1296000" indent="-288000">
+          </a:p>
+          <a:p>
+            <a:pPr marL="1296000" lvl="2" indent="-288000">
               <a:spcBef>
                 <a:spcPts val="850"/>
               </a:spcBef>
@@ -5004,17 +5404,14 @@
               <a:buChar char=""/>
             </a:pPr>
             <a:r>
-              <a:rPr b="0" lang="ru-RU" sz="2400" spc="-1" strike="noStrike">
+              <a:rPr lang="ru-RU" sz="2400" b="0" strike="noStrike" spc="-1">
                 <a:latin typeface="Arial"/>
               </a:rPr>
               <a:t>Третий уровень структуры</a:t>
             </a:r>
-            <a:endParaRPr b="0" lang="ru-RU" sz="2400" spc="-1" strike="noStrike">
-              <a:latin typeface="Arial"/>
-            </a:endParaRPr>
-          </a:p>
-          <a:p>
-            <a:pPr lvl="3" marL="1728000" indent="-216000">
+          </a:p>
+          <a:p>
+            <a:pPr marL="1728000" lvl="3" indent="-216000">
               <a:spcBef>
                 <a:spcPts val="567"/>
               </a:spcBef>
@@ -5026,17 +5423,14 @@
               <a:buChar char=""/>
             </a:pPr>
             <a:r>
-              <a:rPr b="0" lang="ru-RU" sz="2000" spc="-1" strike="noStrike">
+              <a:rPr lang="ru-RU" sz="2000" b="0" strike="noStrike" spc="-1">
                 <a:latin typeface="Arial"/>
               </a:rPr>
               <a:t>Четвёртый уровень структуры</a:t>
             </a:r>
-            <a:endParaRPr b="0" lang="ru-RU" sz="2000" spc="-1" strike="noStrike">
-              <a:latin typeface="Arial"/>
-            </a:endParaRPr>
-          </a:p>
-          <a:p>
-            <a:pPr lvl="4" marL="2160000" indent="-216000">
+          </a:p>
+          <a:p>
+            <a:pPr marL="2160000" lvl="4" indent="-216000">
               <a:spcBef>
                 <a:spcPts val="283"/>
               </a:spcBef>
@@ -5048,17 +5442,14 @@
               <a:buChar char=""/>
             </a:pPr>
             <a:r>
-              <a:rPr b="0" lang="ru-RU" sz="2000" spc="-1" strike="noStrike">
+              <a:rPr lang="ru-RU" sz="2000" b="0" strike="noStrike" spc="-1">
                 <a:latin typeface="Arial"/>
               </a:rPr>
               <a:t>Пятый уровень структуры</a:t>
             </a:r>
-            <a:endParaRPr b="0" lang="ru-RU" sz="2000" spc="-1" strike="noStrike">
-              <a:latin typeface="Arial"/>
-            </a:endParaRPr>
-          </a:p>
-          <a:p>
-            <a:pPr lvl="5" marL="2592000" indent="-216000">
+          </a:p>
+          <a:p>
+            <a:pPr marL="2592000" lvl="5" indent="-216000">
               <a:spcBef>
                 <a:spcPts val="283"/>
               </a:spcBef>
@@ -5070,17 +5461,14 @@
               <a:buChar char=""/>
             </a:pPr>
             <a:r>
-              <a:rPr b="0" lang="ru-RU" sz="2000" spc="-1" strike="noStrike">
+              <a:rPr lang="ru-RU" sz="2000" b="0" strike="noStrike" spc="-1">
                 <a:latin typeface="Arial"/>
               </a:rPr>
               <a:t>Шестой уровень структуры</a:t>
             </a:r>
-            <a:endParaRPr b="0" lang="ru-RU" sz="2000" spc="-1" strike="noStrike">
-              <a:latin typeface="Arial"/>
-            </a:endParaRPr>
-          </a:p>
-          <a:p>
-            <a:pPr lvl="6" marL="3024000" indent="-216000">
+          </a:p>
+          <a:p>
+            <a:pPr marL="3024000" lvl="6" indent="-216000">
               <a:spcBef>
                 <a:spcPts val="283"/>
               </a:spcBef>
@@ -5092,39 +5480,41 @@
               <a:buChar char=""/>
             </a:pPr>
             <a:r>
-              <a:rPr b="0" lang="ru-RU" sz="2000" spc="-1" strike="noStrike">
+              <a:rPr lang="ru-RU" sz="2000" b="0" strike="noStrike" spc="-1">
                 <a:latin typeface="Arial"/>
               </a:rPr>
               <a:t>Седьмой уровень структуры</a:t>
             </a:r>
-            <a:endParaRPr b="0" lang="ru-RU" sz="2000" spc="-1" strike="noStrike">
-              <a:latin typeface="Arial"/>
-            </a:endParaRPr>
           </a:p>
         </p:txBody>
       </p:sp>
     </p:spTree>
   </p:cSld>
-  <p:clrMap bg1="lt1" bg2="lt2" tx1="dk1" tx2="dk2" accent1="accent1" accent2="accent2" accent3="accent3" accent4="accent4" accent5="accent5" accent6="accent6" hlink="hlink" folHlink="folHlink"/>
+  <p:clrMap bg1="lt1" tx1="dk1" bg2="lt2" tx2="dk2" accent1="accent1" accent2="accent2" accent3="accent3" accent4="accent4" accent5="accent5" accent6="accent6" hlink="hlink" folHlink="folHlink"/>
   <p:sldLayoutIdLst>
-    <p:sldLayoutId id="2147483662" r:id="rId2"/>
-    <p:sldLayoutId id="2147483663" r:id="rId3"/>
-    <p:sldLayoutId id="2147483664" r:id="rId4"/>
-    <p:sldLayoutId id="2147483665" r:id="rId5"/>
-    <p:sldLayoutId id="2147483666" r:id="rId6"/>
-    <p:sldLayoutId id="2147483667" r:id="rId7"/>
-    <p:sldLayoutId id="2147483668" r:id="rId8"/>
-    <p:sldLayoutId id="2147483669" r:id="rId9"/>
-    <p:sldLayoutId id="2147483670" r:id="rId10"/>
-    <p:sldLayoutId id="2147483671" r:id="rId11"/>
-    <p:sldLayoutId id="2147483672" r:id="rId12"/>
-    <p:sldLayoutId id="2147483673" r:id="rId13"/>
+    <p:sldLayoutId id="2147483662" r:id="rId1"/>
+    <p:sldLayoutId id="2147483663" r:id="rId2"/>
+    <p:sldLayoutId id="2147483664" r:id="rId3"/>
+    <p:sldLayoutId id="2147483665" r:id="rId4"/>
+    <p:sldLayoutId id="2147483666" r:id="rId5"/>
+    <p:sldLayoutId id="2147483667" r:id="rId6"/>
+    <p:sldLayoutId id="2147483668" r:id="rId7"/>
+    <p:sldLayoutId id="2147483669" r:id="rId8"/>
+    <p:sldLayoutId id="2147483670" r:id="rId9"/>
+    <p:sldLayoutId id="2147483671" r:id="rId10"/>
+    <p:sldLayoutId id="2147483672" r:id="rId11"/>
+    <p:sldLayoutId id="2147483673" r:id="rId12"/>
   </p:sldLayoutIdLst>
+  <p:txStyles>
+    <p:titleStyle/>
+    <p:bodyStyle/>
+    <p:otherStyle/>
+  </p:txStyles>
 </p:sldMaster>
 </file>
 
 <file path=ppt/slides/slide1.xml><?xml version="1.0" encoding="utf-8"?>
-<p:sld xmlns:a="http://schemas.openxmlformats.org/drawingml/2006/main" xmlns:p="http://schemas.openxmlformats.org/presentationml/2006/main" xmlns:r="http://schemas.openxmlformats.org/officeDocument/2006/relationships" xmlns:p14="http://schemas.microsoft.com/office/powerpoint/2010/main" xmlns:p15="http://schemas.microsoft.com/office/powerpoint/2012/main" xmlns:mc="http://schemas.openxmlformats.org/markup-compatibility/2006">
+<p:sld xmlns:a="http://schemas.openxmlformats.org/drawingml/2006/main" xmlns:r="http://schemas.openxmlformats.org/officeDocument/2006/relationships" xmlns:p="http://schemas.openxmlformats.org/presentationml/2006/main">
   <p:cSld>
     <p:spTree>
       <p:nvGrpSpPr>
@@ -5160,15 +5550,22 @@
           </a:ln>
         </p:spPr>
         <p:style>
-          <a:lnRef idx="0"/>
-          <a:fillRef idx="0"/>
-          <a:effectRef idx="0"/>
+          <a:lnRef idx="0">
+            <a:scrgbClr r="0" g="0" b="0"/>
+          </a:lnRef>
+          <a:fillRef idx="0">
+            <a:scrgbClr r="0" g="0" b="0"/>
+          </a:fillRef>
+          <a:effectRef idx="0">
+            <a:scrgbClr r="0" g="0" b="0"/>
+          </a:effectRef>
           <a:fontRef idx="minor"/>
         </p:style>
         <p:txBody>
-          <a:bodyPr lIns="90000" rIns="90000" tIns="45000" bIns="45000" anchor="ctr">
-            <a:normAutofit fontScale="73000"/>
-          </a:bodyPr>
+          <a:bodyPr lIns="90000" tIns="45000" rIns="90000" bIns="45000" anchor="ctr">
+            <a:normAutofit fontScale="73000" lnSpcReduction="10000"/>
+          </a:bodyPr>
+          <a:lstStyle/>
           <a:p>
             <a:pPr algn="ctr">
               <a:lnSpc>
@@ -5176,7 +5573,7 @@
               </a:lnSpc>
             </a:pPr>
             <a:r>
-              <a:rPr b="0" lang="ru-RU" sz="4400" spc="-1" strike="noStrike">
+              <a:rPr lang="ru-RU" sz="4400" b="0" strike="noStrike" spc="-1">
                 <a:solidFill>
                   <a:srgbClr val="000000"/>
                 </a:solidFill>
@@ -5185,7 +5582,7 @@
               </a:rPr>
               <a:t>Временные адаптивные алгоритмы пространственной фильтрации в линейных МР</a:t>
             </a:r>
-            <a:endParaRPr b="0" lang="ru-RU" sz="4400" spc="-1" strike="noStrike">
+            <a:endParaRPr lang="ru-RU" sz="4400" b="0" strike="noStrike" spc="-1">
               <a:latin typeface="Arial"/>
             </a:endParaRPr>
           </a:p>
@@ -5211,9 +5608,15 @@
           </a:ln>
         </p:spPr>
         <p:style>
-          <a:lnRef idx="0"/>
-          <a:fillRef idx="0"/>
-          <a:effectRef idx="0"/>
+          <a:lnRef idx="0">
+            <a:scrgbClr r="0" g="0" b="0"/>
+          </a:lnRef>
+          <a:fillRef idx="0">
+            <a:scrgbClr r="0" g="0" b="0"/>
+          </a:fillRef>
+          <a:effectRef idx="0">
+            <a:scrgbClr r="0" g="0" b="0"/>
+          </a:effectRef>
           <a:fontRef idx="minor"/>
         </p:style>
       </p:sp>
@@ -5225,7 +5628,7 @@
         </p:nvGraphicFramePr>
         <p:xfrm>
           <a:off x="2627640" y="5445360"/>
-          <a:ext cx="6515640" cy="849960"/>
+          <a:ext cx="6516000" cy="1097280"/>
         </p:xfrm>
         <a:graphic>
           <a:graphicData uri="http://schemas.openxmlformats.org/drawingml/2006/table">
@@ -5239,9 +5642,8 @@
               <a:tr h="425160">
                 <a:tc>
                   <a:txBody>
-                    <a:bodyPr lIns="68400" rIns="68400">
-                      <a:noAutofit/>
-                    </a:bodyPr>
+                    <a:bodyPr/>
+                    <a:lstStyle/>
                     <a:p>
                       <a:pPr>
                         <a:lnSpc>
@@ -5252,7 +5654,7 @@
                         </a:spcAft>
                       </a:pPr>
                       <a:r>
-                        <a:rPr b="0" lang="ru-RU" sz="2000" spc="-1" strike="noStrike">
+                        <a:rPr lang="ru-RU" sz="2000" b="0" strike="noStrike" spc="-1">
                           <a:solidFill>
                             <a:srgbClr val="000000"/>
                           </a:solidFill>
@@ -5260,7 +5662,7 @@
                         </a:rPr>
                         <a:t>Обучающийся:</a:t>
                       </a:r>
-                      <a:endParaRPr b="0" lang="ru-RU" sz="2000" spc="-1" strike="noStrike">
+                      <a:endParaRPr lang="ru-RU" sz="2000" b="0" strike="noStrike" spc="-1">
                         <a:latin typeface="Arial"/>
                       </a:endParaRPr>
                     </a:p>
@@ -5283,9 +5685,8 @@
                 </a:tc>
                 <a:tc>
                   <a:txBody>
-                    <a:bodyPr lIns="68400" rIns="68400">
-                      <a:noAutofit/>
-                    </a:bodyPr>
+                    <a:bodyPr/>
+                    <a:lstStyle/>
                     <a:p>
                       <a:pPr>
                         <a:lnSpc>
@@ -5296,7 +5697,7 @@
                         </a:spcAft>
                       </a:pPr>
                       <a:r>
-                        <a:rPr b="0" lang="ru-RU" sz="2000" spc="-1" strike="noStrike">
+                        <a:rPr lang="ru-RU" sz="2000" b="0" strike="noStrike" spc="-1">
                           <a:solidFill>
                             <a:srgbClr val="000000"/>
                           </a:solidFill>
@@ -5304,7 +5705,7 @@
                         </a:rPr>
                         <a:t> </a:t>
                       </a:r>
-                      <a:endParaRPr b="0" lang="ru-RU" sz="2000" spc="-1" strike="noStrike">
+                      <a:endParaRPr lang="ru-RU" sz="2000" b="0" strike="noStrike" spc="-1">
                         <a:latin typeface="Arial"/>
                       </a:endParaRPr>
                     </a:p>
@@ -5327,9 +5728,8 @@
                 </a:tc>
                 <a:tc>
                   <a:txBody>
-                    <a:bodyPr lIns="68400" rIns="68400">
-                      <a:noAutofit/>
-                    </a:bodyPr>
+                    <a:bodyPr/>
+                    <a:lstStyle/>
                     <a:p>
                       <a:pPr>
                         <a:lnSpc>
@@ -5340,7 +5740,7 @@
                         </a:spcAft>
                       </a:pPr>
                       <a:r>
-                        <a:rPr b="0" lang="ru-RU" sz="2000" spc="-1" strike="noStrike">
+                        <a:rPr lang="ru-RU" sz="2000" b="0" strike="noStrike" spc="-1">
                           <a:solidFill>
                             <a:srgbClr val="000000"/>
                           </a:solidFill>
@@ -5349,7 +5749,7 @@
                         </a:rPr>
                         <a:t>Усиков Д.А.</a:t>
                       </a:r>
-                      <a:endParaRPr b="0" lang="ru-RU" sz="2000" spc="-1" strike="noStrike">
+                      <a:endParaRPr lang="ru-RU" sz="2000" b="0" strike="noStrike" spc="-1">
                         <a:latin typeface="Arial"/>
                       </a:endParaRPr>
                     </a:p>
@@ -5374,9 +5774,8 @@
               <a:tr h="425160">
                 <a:tc>
                   <a:txBody>
-                    <a:bodyPr lIns="68400" rIns="68400">
-                      <a:noAutofit/>
-                    </a:bodyPr>
+                    <a:bodyPr/>
+                    <a:lstStyle/>
                     <a:p>
                       <a:pPr>
                         <a:lnSpc>
@@ -5387,7 +5786,7 @@
                         </a:spcAft>
                       </a:pPr>
                       <a:r>
-                        <a:rPr b="0" lang="ru-RU" sz="2000" spc="-1" strike="noStrike">
+                        <a:rPr lang="ru-RU" sz="2000" b="0" strike="noStrike" spc="-1">
                           <a:solidFill>
                             <a:srgbClr val="000000"/>
                           </a:solidFill>
@@ -5395,7 +5794,7 @@
                         </a:rPr>
                         <a:t>Руководитель:</a:t>
                       </a:r>
-                      <a:endParaRPr b="0" lang="ru-RU" sz="2000" spc="-1" strike="noStrike">
+                      <a:endParaRPr lang="ru-RU" sz="2000" b="0" strike="noStrike" spc="-1">
                         <a:latin typeface="Arial"/>
                       </a:endParaRPr>
                     </a:p>
@@ -5418,9 +5817,8 @@
                 </a:tc>
                 <a:tc>
                   <a:txBody>
-                    <a:bodyPr lIns="68400" rIns="68400">
-                      <a:noAutofit/>
-                    </a:bodyPr>
+                    <a:bodyPr/>
+                    <a:lstStyle/>
                     <a:p>
                       <a:pPr>
                         <a:lnSpc>
@@ -5431,7 +5829,7 @@
                         </a:spcAft>
                       </a:pPr>
                       <a:r>
-                        <a:rPr b="0" lang="ru-RU" sz="2000" spc="-1" strike="noStrike">
+                        <a:rPr lang="ru-RU" sz="2000" b="0" strike="noStrike" spc="-1">
                           <a:solidFill>
                             <a:srgbClr val="000000"/>
                           </a:solidFill>
@@ -5439,7 +5837,7 @@
                         </a:rPr>
                         <a:t>д. ф.-м. н, проф.</a:t>
                       </a:r>
-                      <a:endParaRPr b="0" lang="ru-RU" sz="2000" spc="-1" strike="noStrike">
+                      <a:endParaRPr lang="ru-RU" sz="2000" b="0" strike="noStrike" spc="-1">
                         <a:latin typeface="Arial"/>
                       </a:endParaRPr>
                     </a:p>
@@ -5462,9 +5860,8 @@
                 </a:tc>
                 <a:tc>
                   <a:txBody>
-                    <a:bodyPr lIns="68400" rIns="68400">
-                      <a:noAutofit/>
-                    </a:bodyPr>
+                    <a:bodyPr/>
+                    <a:lstStyle/>
                     <a:p>
                       <a:pPr>
                         <a:lnSpc>
@@ -5475,7 +5872,7 @@
                         </a:spcAft>
                       </a:pPr>
                       <a:r>
-                        <a:rPr b="0" lang="ru-RU" sz="2000" spc="-1" strike="noStrike">
+                        <a:rPr lang="ru-RU" sz="2000" b="0" strike="noStrike" spc="-1">
                           <a:solidFill>
                             <a:srgbClr val="000000"/>
                           </a:solidFill>
@@ -5483,7 +5880,7 @@
                         </a:rPr>
                         <a:t>Аверина Л. И.</a:t>
                       </a:r>
-                      <a:endParaRPr b="0" lang="ru-RU" sz="2000" spc="-1" strike="noStrike">
+                      <a:endParaRPr lang="ru-RU" sz="2000" b="0" strike="noStrike" spc="-1">
                         <a:latin typeface="Arial"/>
                       </a:endParaRPr>
                     </a:p>
@@ -5511,11 +5908,14 @@
       </p:graphicFrame>
     </p:spTree>
   </p:cSld>
-  <mc:AlternateContent>
+  <p:clrMapOvr>
+    <a:masterClrMapping/>
+  </p:clrMapOvr>
+  <mc:AlternateContent xmlns:mc="http://schemas.openxmlformats.org/markup-compatibility/2006" xmlns:p14="http://schemas.microsoft.com/office/powerpoint/2010/main">
     <mc:Choice Requires="p14">
       <p:transition spd="slow" p14:dur="2000"/>
     </mc:Choice>
-    <mc:Fallback>
+    <mc:Fallback xmlns:p15="http://schemas.microsoft.com/office/powerpoint/2012/main" xmlns="">
       <p:transition spd="slow"/>
     </mc:Fallback>
   </mc:AlternateContent>
@@ -5523,7 +5923,7 @@
 </file>
 
 <file path=ppt/slides/slide10.xml><?xml version="1.0" encoding="utf-8"?>
-<p:sld xmlns:a="http://schemas.openxmlformats.org/drawingml/2006/main" xmlns:p="http://schemas.openxmlformats.org/presentationml/2006/main" xmlns:r="http://schemas.openxmlformats.org/officeDocument/2006/relationships" xmlns:p14="http://schemas.microsoft.com/office/powerpoint/2010/main" xmlns:p15="http://schemas.microsoft.com/office/powerpoint/2012/main" xmlns:mc="http://schemas.openxmlformats.org/markup-compatibility/2006">
+<p:sld xmlns:a="http://schemas.openxmlformats.org/drawingml/2006/main" xmlns:r="http://schemas.openxmlformats.org/officeDocument/2006/relationships" xmlns:p="http://schemas.openxmlformats.org/presentationml/2006/main">
   <p:cSld>
     <p:spTree>
       <p:nvGrpSpPr>
@@ -5559,15 +5959,22 @@
           </a:ln>
         </p:spPr>
         <p:style>
-          <a:lnRef idx="0"/>
-          <a:fillRef idx="0"/>
-          <a:effectRef idx="0"/>
+          <a:lnRef idx="0">
+            <a:scrgbClr r="0" g="0" b="0"/>
+          </a:lnRef>
+          <a:fillRef idx="0">
+            <a:scrgbClr r="0" g="0" b="0"/>
+          </a:fillRef>
+          <a:effectRef idx="0">
+            <a:scrgbClr r="0" g="0" b="0"/>
+          </a:effectRef>
           <a:fontRef idx="minor"/>
         </p:style>
         <p:txBody>
-          <a:bodyPr lIns="90000" rIns="90000" tIns="45000" bIns="45000" anchor="ctr">
+          <a:bodyPr lIns="90000" tIns="45000" rIns="90000" bIns="45000" anchor="ctr">
             <a:noAutofit/>
           </a:bodyPr>
+          <a:lstStyle/>
           <a:p>
             <a:pPr algn="ctr">
               <a:lnSpc>
@@ -5575,7 +5982,7 @@
               </a:lnSpc>
             </a:pPr>
             <a:r>
-              <a:rPr b="0" lang="ru-RU" sz="4400" spc="-1" strike="noStrike">
+              <a:rPr lang="ru-RU" sz="4400" b="0" strike="noStrike" spc="-1">
                 <a:solidFill>
                   <a:srgbClr val="000000"/>
                 </a:solidFill>
@@ -5584,7 +5991,7 @@
               </a:rPr>
               <a:t>Результаты моделирования</a:t>
             </a:r>
-            <a:endParaRPr b="0" lang="ru-RU" sz="4400" spc="-1" strike="noStrike">
+            <a:endParaRPr lang="ru-RU" sz="4400" b="0" strike="noStrike" spc="-1">
               <a:latin typeface="Arial"/>
             </a:endParaRPr>
           </a:p>
@@ -5610,9 +6017,15 @@
           </a:ln>
         </p:spPr>
         <p:style>
-          <a:lnRef idx="0"/>
-          <a:fillRef idx="0"/>
-          <a:effectRef idx="0"/>
+          <a:lnRef idx="0">
+            <a:scrgbClr r="0" g="0" b="0"/>
+          </a:lnRef>
+          <a:fillRef idx="0">
+            <a:scrgbClr r="0" g="0" b="0"/>
+          </a:fillRef>
+          <a:effectRef idx="0">
+            <a:scrgbClr r="0" g="0" b="0"/>
+          </a:effectRef>
           <a:fontRef idx="minor"/>
         </p:style>
       </p:sp>
@@ -5636,15 +6049,22 @@
           </a:ln>
         </p:spPr>
         <p:style>
-          <a:lnRef idx="0"/>
-          <a:fillRef idx="0"/>
-          <a:effectRef idx="0"/>
+          <a:lnRef idx="0">
+            <a:scrgbClr r="0" g="0" b="0"/>
+          </a:lnRef>
+          <a:fillRef idx="0">
+            <a:scrgbClr r="0" g="0" b="0"/>
+          </a:fillRef>
+          <a:effectRef idx="0">
+            <a:scrgbClr r="0" g="0" b="0"/>
+          </a:effectRef>
           <a:fontRef idx="minor"/>
         </p:style>
         <p:txBody>
-          <a:bodyPr lIns="90000" rIns="90000" tIns="45000" bIns="45000">
+          <a:bodyPr lIns="90000" tIns="45000" rIns="90000" bIns="45000">
             <a:spAutoFit/>
           </a:bodyPr>
+          <a:lstStyle/>
           <a:p>
             <a:pPr algn="ctr">
               <a:lnSpc>
@@ -5652,16 +6072,16 @@
               </a:lnSpc>
             </a:pPr>
             <a:fld id="{2D1CA76B-02A4-44E0-B300-BE3286805A53}" type="slidenum">
-              <a:rPr b="0" lang="ru-RU" sz="2400" spc="-1" strike="noStrike">
+              <a:rPr lang="ru-RU" sz="2400" b="0" strike="noStrike" spc="-1">
                 <a:solidFill>
                   <a:srgbClr val="000000"/>
                 </a:solidFill>
                 <a:latin typeface="Arial"/>
                 <a:ea typeface="DejaVu Sans"/>
               </a:rPr>
-              <a:t>9</a:t>
+              <a:t>10</a:t>
             </a:fld>
-            <a:endParaRPr b="0" lang="ru-RU" sz="2400" spc="-1" strike="noStrike">
+            <a:endParaRPr lang="ru-RU" sz="2400" b="0" strike="noStrike" spc="-1">
               <a:latin typeface="Arial"/>
             </a:endParaRPr>
           </a:p>
@@ -5669,53 +6089,7 @@
       </p:sp>
       <p:pic>
         <p:nvPicPr>
-          <p:cNvPr id="149" name="Рисунок 148" descr=""/>
-          <p:cNvPicPr/>
-          <p:nvPr/>
-        </p:nvPicPr>
-        <p:blipFill>
-          <a:blip r:embed="rId1"/>
-          <a:stretch/>
-        </p:blipFill>
-        <p:spPr>
-          <a:xfrm>
-            <a:off x="648000" y="1411920"/>
-            <a:ext cx="3506760" cy="2546640"/>
-          </a:xfrm>
-          <a:prstGeom prst="rect">
-            <a:avLst/>
-          </a:prstGeom>
-          <a:ln>
-            <a:noFill/>
-          </a:ln>
-        </p:spPr>
-      </p:pic>
-      <p:pic>
-        <p:nvPicPr>
-          <p:cNvPr id="150" name="Рисунок 149" descr=""/>
-          <p:cNvPicPr/>
-          <p:nvPr/>
-        </p:nvPicPr>
-        <p:blipFill>
-          <a:blip r:embed="rId2"/>
-          <a:stretch/>
-        </p:blipFill>
-        <p:spPr>
-          <a:xfrm>
-            <a:off x="656640" y="4207680"/>
-            <a:ext cx="3506760" cy="2558880"/>
-          </a:xfrm>
-          <a:prstGeom prst="rect">
-            <a:avLst/>
-          </a:prstGeom>
-          <a:ln>
-            <a:noFill/>
-          </a:ln>
-        </p:spPr>
-      </p:pic>
-      <p:pic>
-        <p:nvPicPr>
-          <p:cNvPr id="151" name="Рисунок 150" descr=""/>
+          <p:cNvPr id="149" name="Рисунок 148"/>
           <p:cNvPicPr/>
           <p:nvPr/>
         </p:nvPicPr>
@@ -5725,8 +6099,8 @@
         </p:blipFill>
         <p:spPr>
           <a:xfrm>
-            <a:off x="4896000" y="1404000"/>
-            <a:ext cx="3372840" cy="2626560"/>
+            <a:off x="648000" y="1411920"/>
+            <a:ext cx="3506760" cy="2546640"/>
           </a:xfrm>
           <a:prstGeom prst="rect">
             <a:avLst/>
@@ -5738,7 +6112,7 @@
       </p:pic>
       <p:pic>
         <p:nvPicPr>
-          <p:cNvPr id="152" name="Рисунок 151" descr=""/>
+          <p:cNvPr id="150" name="Рисунок 149"/>
           <p:cNvPicPr/>
           <p:nvPr/>
         </p:nvPicPr>
@@ -5748,6 +6122,52 @@
         </p:blipFill>
         <p:spPr>
           <a:xfrm>
+            <a:off x="656640" y="4207680"/>
+            <a:ext cx="3506760" cy="2558880"/>
+          </a:xfrm>
+          <a:prstGeom prst="rect">
+            <a:avLst/>
+          </a:prstGeom>
+          <a:ln>
+            <a:noFill/>
+          </a:ln>
+        </p:spPr>
+      </p:pic>
+      <p:pic>
+        <p:nvPicPr>
+          <p:cNvPr id="151" name="Рисунок 150"/>
+          <p:cNvPicPr/>
+          <p:nvPr/>
+        </p:nvPicPr>
+        <p:blipFill>
+          <a:blip r:embed="rId5"/>
+          <a:stretch/>
+        </p:blipFill>
+        <p:spPr>
+          <a:xfrm>
+            <a:off x="4896000" y="1404000"/>
+            <a:ext cx="3372840" cy="2626560"/>
+          </a:xfrm>
+          <a:prstGeom prst="rect">
+            <a:avLst/>
+          </a:prstGeom>
+          <a:ln>
+            <a:noFill/>
+          </a:ln>
+        </p:spPr>
+      </p:pic>
+      <p:pic>
+        <p:nvPicPr>
+          <p:cNvPr id="152" name="Рисунок 151"/>
+          <p:cNvPicPr/>
+          <p:nvPr/>
+        </p:nvPicPr>
+        <p:blipFill>
+          <a:blip r:embed="rId6"/>
+          <a:stretch/>
+        </p:blipFill>
+        <p:spPr>
+          <a:xfrm>
             <a:off x="4896000" y="4248000"/>
             <a:ext cx="3529080" cy="2554560"/>
           </a:xfrm>
@@ -5779,15 +6199,22 @@
           </a:ln>
         </p:spPr>
         <p:style>
-          <a:lnRef idx="0"/>
-          <a:fillRef idx="0"/>
-          <a:effectRef idx="0"/>
+          <a:lnRef idx="0">
+            <a:scrgbClr r="0" g="0" b="0"/>
+          </a:lnRef>
+          <a:fillRef idx="0">
+            <a:scrgbClr r="0" g="0" b="0"/>
+          </a:fillRef>
+          <a:effectRef idx="0">
+            <a:scrgbClr r="0" g="0" b="0"/>
+          </a:effectRef>
           <a:fontRef idx="minor"/>
         </p:style>
         <p:txBody>
-          <a:bodyPr lIns="90000" rIns="90000" tIns="45000" bIns="45000">
+          <a:bodyPr lIns="90000" tIns="45000" rIns="90000" bIns="45000">
             <a:noAutofit/>
           </a:bodyPr>
+          <a:lstStyle/>
           <a:p>
             <a:pPr algn="ctr">
               <a:lnSpc>
@@ -5795,7 +6222,7 @@
               </a:lnSpc>
             </a:pPr>
             <a:r>
-              <a:rPr b="0" lang="ru-RU" sz="1400" spc="-1" strike="noStrike">
+              <a:rPr lang="ru-RU" sz="1400" b="0" strike="noStrike" spc="-1">
                 <a:solidFill>
                   <a:srgbClr val="000000"/>
                 </a:solidFill>
@@ -5804,7 +6231,7 @@
               </a:rPr>
               <a:t>Выигрыш в ОСШ от порядка фильра</a:t>
             </a:r>
-            <a:endParaRPr b="0" lang="ru-RU" sz="1400" spc="-1" strike="noStrike">
+            <a:endParaRPr lang="ru-RU" sz="1400" b="0" strike="noStrike" spc="-1">
               <a:latin typeface="Arial"/>
             </a:endParaRPr>
           </a:p>
@@ -5830,15 +6257,22 @@
           </a:ln>
         </p:spPr>
         <p:style>
-          <a:lnRef idx="0"/>
-          <a:fillRef idx="0"/>
-          <a:effectRef idx="0"/>
+          <a:lnRef idx="0">
+            <a:scrgbClr r="0" g="0" b="0"/>
+          </a:lnRef>
+          <a:fillRef idx="0">
+            <a:scrgbClr r="0" g="0" b="0"/>
+          </a:fillRef>
+          <a:effectRef idx="0">
+            <a:scrgbClr r="0" g="0" b="0"/>
+          </a:effectRef>
           <a:fontRef idx="minor"/>
         </p:style>
         <p:txBody>
-          <a:bodyPr lIns="90000" rIns="90000" tIns="45000" bIns="45000">
+          <a:bodyPr lIns="90000" tIns="45000" rIns="90000" bIns="45000">
             <a:noAutofit/>
           </a:bodyPr>
+          <a:lstStyle/>
           <a:p>
             <a:pPr algn="ctr">
               <a:lnSpc>
@@ -5846,7 +6280,7 @@
               </a:lnSpc>
             </a:pPr>
             <a:r>
-              <a:rPr b="0" lang="ru-RU" sz="1400" spc="-1" strike="noStrike">
+              <a:rPr lang="ru-RU" sz="1400" b="0" strike="noStrike" spc="-1">
                 <a:solidFill>
                   <a:srgbClr val="000000"/>
                 </a:solidFill>
@@ -5855,7 +6289,7 @@
               </a:rPr>
               <a:t>Оценка PESQ от порядка фильтра</a:t>
             </a:r>
-            <a:endParaRPr b="0" lang="ru-RU" sz="1400" spc="-1" strike="noStrike">
+            <a:endParaRPr lang="ru-RU" sz="1400" b="0" strike="noStrike" spc="-1">
               <a:latin typeface="Arial"/>
             </a:endParaRPr>
           </a:p>
@@ -5881,15 +6315,22 @@
           </a:ln>
         </p:spPr>
         <p:style>
-          <a:lnRef idx="0"/>
-          <a:fillRef idx="0"/>
-          <a:effectRef idx="0"/>
+          <a:lnRef idx="0">
+            <a:scrgbClr r="0" g="0" b="0"/>
+          </a:lnRef>
+          <a:fillRef idx="0">
+            <a:scrgbClr r="0" g="0" b="0"/>
+          </a:fillRef>
+          <a:effectRef idx="0">
+            <a:scrgbClr r="0" g="0" b="0"/>
+          </a:effectRef>
           <a:fontRef idx="minor"/>
         </p:style>
         <p:txBody>
-          <a:bodyPr lIns="90000" rIns="90000" tIns="45000" bIns="45000">
+          <a:bodyPr lIns="90000" tIns="45000" rIns="90000" bIns="45000">
             <a:noAutofit/>
           </a:bodyPr>
+          <a:lstStyle/>
           <a:p>
             <a:pPr algn="ctr">
               <a:lnSpc>
@@ -5897,7 +6338,7 @@
               </a:lnSpc>
             </a:pPr>
             <a:r>
-              <a:rPr b="0" lang="ru-RU" sz="1400" spc="-1" strike="noStrike">
+              <a:rPr lang="ru-RU" sz="1400" b="0" strike="noStrike" spc="-1">
                 <a:solidFill>
                   <a:srgbClr val="000000"/>
                 </a:solidFill>
@@ -5906,7 +6347,7 @@
               </a:rPr>
               <a:t>Выигрыш в ОСШ от числа микрофонов</a:t>
             </a:r>
-            <a:endParaRPr b="0" lang="ru-RU" sz="1400" spc="-1" strike="noStrike">
+            <a:endParaRPr lang="ru-RU" sz="1400" b="0" strike="noStrike" spc="-1">
               <a:latin typeface="Arial"/>
             </a:endParaRPr>
           </a:p>
@@ -5932,15 +6373,22 @@
           </a:ln>
         </p:spPr>
         <p:style>
-          <a:lnRef idx="0"/>
-          <a:fillRef idx="0"/>
-          <a:effectRef idx="0"/>
+          <a:lnRef idx="0">
+            <a:scrgbClr r="0" g="0" b="0"/>
+          </a:lnRef>
+          <a:fillRef idx="0">
+            <a:scrgbClr r="0" g="0" b="0"/>
+          </a:fillRef>
+          <a:effectRef idx="0">
+            <a:scrgbClr r="0" g="0" b="0"/>
+          </a:effectRef>
           <a:fontRef idx="minor"/>
         </p:style>
         <p:txBody>
-          <a:bodyPr lIns="90000" rIns="90000" tIns="45000" bIns="45000">
+          <a:bodyPr lIns="90000" tIns="45000" rIns="90000" bIns="45000">
             <a:noAutofit/>
           </a:bodyPr>
+          <a:lstStyle/>
           <a:p>
             <a:pPr algn="ctr">
               <a:lnSpc>
@@ -5948,7 +6396,7 @@
               </a:lnSpc>
             </a:pPr>
             <a:r>
-              <a:rPr b="0" lang="ru-RU" sz="1400" spc="-1" strike="noStrike">
+              <a:rPr lang="ru-RU" sz="1400" b="0" strike="noStrike" spc="-1">
                 <a:solidFill>
                   <a:srgbClr val="000000"/>
                 </a:solidFill>
@@ -5958,7 +6406,7 @@
               <a:t>Оценка PESQ </a:t>
             </a:r>
             <a:r>
-              <a:rPr b="0" lang="ru-RU" sz="1400" spc="-1" strike="noStrike">
+              <a:rPr lang="ru-RU" sz="1400" b="0" strike="noStrike" spc="-1">
                 <a:solidFill>
                   <a:srgbClr val="000000"/>
                 </a:solidFill>
@@ -5967,7 +6415,7 @@
               </a:rPr>
               <a:t>от числа микрофонов</a:t>
             </a:r>
-            <a:endParaRPr b="0" lang="ru-RU" sz="1400" spc="-1" strike="noStrike">
+            <a:endParaRPr lang="ru-RU" sz="1400" b="0" strike="noStrike" spc="-1">
               <a:latin typeface="Arial"/>
             </a:endParaRPr>
           </a:p>
@@ -5975,11 +6423,14 @@
       </p:sp>
     </p:spTree>
   </p:cSld>
-  <mc:AlternateContent>
+  <p:clrMapOvr>
+    <a:masterClrMapping/>
+  </p:clrMapOvr>
+  <mc:AlternateContent xmlns:mc="http://schemas.openxmlformats.org/markup-compatibility/2006" xmlns:p14="http://schemas.microsoft.com/office/powerpoint/2010/main">
     <mc:Choice Requires="p14">
       <p:transition spd="slow" p14:dur="2000"/>
     </mc:Choice>
-    <mc:Fallback>
+    <mc:Fallback xmlns:p15="http://schemas.microsoft.com/office/powerpoint/2012/main" xmlns="">
       <p:transition spd="slow"/>
     </mc:Fallback>
   </mc:AlternateContent>
@@ -5987,7 +6438,7 @@
 </file>
 
 <file path=ppt/slides/slide11.xml><?xml version="1.0" encoding="utf-8"?>
-<p:sld xmlns:a="http://schemas.openxmlformats.org/drawingml/2006/main" xmlns:p="http://schemas.openxmlformats.org/presentationml/2006/main" xmlns:r="http://schemas.openxmlformats.org/officeDocument/2006/relationships" xmlns:p14="http://schemas.microsoft.com/office/powerpoint/2010/main" xmlns:p15="http://schemas.microsoft.com/office/powerpoint/2012/main" xmlns:mc="http://schemas.openxmlformats.org/markup-compatibility/2006">
+<p:sld xmlns:a="http://schemas.openxmlformats.org/drawingml/2006/main" xmlns:r="http://schemas.openxmlformats.org/officeDocument/2006/relationships" xmlns:p="http://schemas.openxmlformats.org/presentationml/2006/main">
   <p:cSld>
     <p:spTree>
       <p:nvGrpSpPr>
@@ -6023,15 +6474,22 @@
           </a:ln>
         </p:spPr>
         <p:style>
-          <a:lnRef idx="0"/>
-          <a:fillRef idx="0"/>
-          <a:effectRef idx="0"/>
+          <a:lnRef idx="0">
+            <a:scrgbClr r="0" g="0" b="0"/>
+          </a:lnRef>
+          <a:fillRef idx="0">
+            <a:scrgbClr r="0" g="0" b="0"/>
+          </a:fillRef>
+          <a:effectRef idx="0">
+            <a:scrgbClr r="0" g="0" b="0"/>
+          </a:effectRef>
           <a:fontRef idx="minor"/>
         </p:style>
         <p:txBody>
-          <a:bodyPr lIns="90000" rIns="90000" tIns="45000" bIns="45000" anchor="ctr">
+          <a:bodyPr lIns="90000" tIns="45000" rIns="90000" bIns="45000" anchor="ctr">
             <a:noAutofit/>
           </a:bodyPr>
+          <a:lstStyle/>
           <a:p>
             <a:pPr algn="ctr">
               <a:lnSpc>
@@ -6039,7 +6497,7 @@
               </a:lnSpc>
             </a:pPr>
             <a:r>
-              <a:rPr b="0" lang="ru-RU" sz="4400" spc="-1" strike="noStrike">
+              <a:rPr lang="ru-RU" sz="4400" b="0" strike="noStrike" spc="-1">
                 <a:solidFill>
                   <a:srgbClr val="000000"/>
                 </a:solidFill>
@@ -6048,7 +6506,7 @@
               </a:rPr>
               <a:t>Основные результаты работы</a:t>
             </a:r>
-            <a:endParaRPr b="0" lang="ru-RU" sz="4400" spc="-1" strike="noStrike">
+            <a:endParaRPr lang="ru-RU" sz="4400" b="0" strike="noStrike" spc="-1">
               <a:latin typeface="Arial"/>
             </a:endParaRPr>
           </a:p>
@@ -6074,17 +6532,24 @@
           </a:ln>
         </p:spPr>
         <p:style>
-          <a:lnRef idx="0"/>
-          <a:fillRef idx="0"/>
-          <a:effectRef idx="0"/>
+          <a:lnRef idx="0">
+            <a:scrgbClr r="0" g="0" b="0"/>
+          </a:lnRef>
+          <a:fillRef idx="0">
+            <a:scrgbClr r="0" g="0" b="0"/>
+          </a:fillRef>
+          <a:effectRef idx="0">
+            <a:scrgbClr r="0" g="0" b="0"/>
+          </a:effectRef>
           <a:fontRef idx="minor"/>
         </p:style>
         <p:txBody>
-          <a:bodyPr lIns="90000" rIns="90000" tIns="45000" bIns="45000">
+          <a:bodyPr lIns="90000" tIns="45000" rIns="90000" bIns="45000">
             <a:noAutofit/>
           </a:bodyPr>
-          <a:p>
-            <a:pPr marL="216000" indent="-215640">
+          <a:lstStyle/>
+          <a:p>
+            <a:pPr marL="216000" indent="-215640" algn="just">
               <a:lnSpc>
                 <a:spcPct val="115000"/>
               </a:lnSpc>
@@ -6095,11 +6560,11 @@
               <a:buFont typeface="Wingdings" charset="2"/>
               <a:buChar char=""/>
               <a:tabLst>
-                <a:tab algn="l" pos="408240"/>
+                <a:tab pos="408240" algn="l"/>
               </a:tabLst>
             </a:pPr>
             <a:r>
-              <a:rPr b="0" lang="ru-RU" sz="1800" spc="-1" strike="noStrike">
+              <a:rPr lang="ru-RU" sz="1800" b="0" strike="noStrike" spc="-1" dirty="0">
                 <a:solidFill>
                   <a:srgbClr val="000000"/>
                 </a:solidFill>
@@ -6108,12 +6573,12 @@
               </a:rPr>
               <a:t>Рассмотрены принципы пространственной фильтрации и методы формирования луча</a:t>
             </a:r>
-            <a:endParaRPr b="0" lang="ru-RU" sz="1800" spc="-1" strike="noStrike">
-              <a:latin typeface="Arial"/>
-            </a:endParaRPr>
-          </a:p>
-          <a:p>
-            <a:pPr marL="216000" indent="-215640">
+            <a:endParaRPr lang="ru-RU" sz="1800" b="0" strike="noStrike" spc="-1" dirty="0">
+              <a:latin typeface="Arial"/>
+            </a:endParaRPr>
+          </a:p>
+          <a:p>
+            <a:pPr marL="216000" indent="-215640" algn="just">
               <a:lnSpc>
                 <a:spcPct val="115000"/>
               </a:lnSpc>
@@ -6124,25 +6589,45 @@
               <a:buFont typeface="Wingdings" charset="2"/>
               <a:buChar char=""/>
               <a:tabLst>
-                <a:tab algn="l" pos="408240"/>
+                <a:tab pos="408240" algn="l"/>
               </a:tabLst>
             </a:pPr>
             <a:r>
-              <a:rPr b="0" lang="ru-RU" sz="1800" spc="-1" strike="noStrike">
+              <a:rPr lang="ru-RU" spc="-1" dirty="0" smtClean="0">
                 <a:solidFill>
                   <a:srgbClr val="000000"/>
                 </a:solidFill>
                 <a:latin typeface="Arial"/>
                 <a:ea typeface="DejaVu Sans"/>
               </a:rPr>
-              <a:t>Изучены адаптивные алгоритмы пространственной фильтрации  </a:t>
+              <a:t>Освоены линейно ограниченные </a:t>
             </a:r>
-            <a:endParaRPr b="0" lang="ru-RU" sz="1800" spc="-1" strike="noStrike">
-              <a:latin typeface="Arial"/>
-            </a:endParaRPr>
-          </a:p>
-          <a:p>
-            <a:pPr marL="216000" indent="-215640">
+            <a:r>
+              <a:rPr lang="ru-RU" sz="1800" b="0" strike="noStrike" spc="-1" dirty="0" smtClean="0">
+                <a:solidFill>
+                  <a:srgbClr val="000000"/>
+                </a:solidFill>
+                <a:latin typeface="Arial"/>
+                <a:ea typeface="DejaVu Sans"/>
+              </a:rPr>
+              <a:t>адаптивные </a:t>
+            </a:r>
+            <a:r>
+              <a:rPr lang="ru-RU" sz="1800" b="0" strike="noStrike" spc="-1" dirty="0">
+                <a:solidFill>
+                  <a:srgbClr val="000000"/>
+                </a:solidFill>
+                <a:latin typeface="Arial"/>
+                <a:ea typeface="DejaVu Sans"/>
+              </a:rPr>
+              <a:t>алгоритмы пространственной фильтрации  </a:t>
+            </a:r>
+            <a:endParaRPr lang="ru-RU" sz="1800" b="0" strike="noStrike" spc="-1" dirty="0">
+              <a:latin typeface="Arial"/>
+            </a:endParaRPr>
+          </a:p>
+          <a:p>
+            <a:pPr marL="216000" indent="-215640" algn="just">
               <a:lnSpc>
                 <a:spcPct val="115000"/>
               </a:lnSpc>
@@ -6153,25 +6638,35 @@
               <a:buFont typeface="Wingdings" charset="2"/>
               <a:buChar char=""/>
               <a:tabLst>
-                <a:tab algn="l" pos="408240"/>
+                <a:tab pos="408240" algn="l"/>
               </a:tabLst>
             </a:pPr>
             <a:r>
-              <a:rPr b="0" lang="ru-RU" sz="1800" spc="-1" strike="noStrike">
+              <a:rPr lang="ru-RU" sz="1800" b="0" strike="noStrike" spc="-1" dirty="0" smtClean="0">
                 <a:solidFill>
                   <a:srgbClr val="000000"/>
                 </a:solidFill>
                 <a:latin typeface="Arial"/>
                 <a:ea typeface="DejaVu Sans"/>
               </a:rPr>
-              <a:t>Смоделирован приём сигнала с помехой на МР</a:t>
+              <a:t>Построены </a:t>
             </a:r>
-            <a:endParaRPr b="0" lang="ru-RU" sz="1800" spc="-1" strike="noStrike">
-              <a:latin typeface="Arial"/>
-            </a:endParaRPr>
-          </a:p>
-          <a:p>
-            <a:pPr marL="216000" indent="-215640">
+            <a:r>
+              <a:rPr lang="ru-RU" sz="1800" b="0" strike="noStrike" spc="-1" dirty="0">
+                <a:solidFill>
+                  <a:srgbClr val="000000"/>
+                </a:solidFill>
+                <a:latin typeface="Arial"/>
+                <a:ea typeface="DejaVu Sans"/>
+              </a:rPr>
+              <a:t>зависимости выигрыша ОСШ и PESQ от числа микрофонов и порядка фильтра</a:t>
+            </a:r>
+            <a:endParaRPr lang="ru-RU" sz="1800" b="0" strike="noStrike" spc="-1" dirty="0">
+              <a:latin typeface="Arial"/>
+            </a:endParaRPr>
+          </a:p>
+          <a:p>
+            <a:pPr marL="216000" indent="-215640" algn="just">
               <a:lnSpc>
                 <a:spcPct val="115000"/>
               </a:lnSpc>
@@ -6182,101 +6677,73 @@
               <a:buFont typeface="Wingdings" charset="2"/>
               <a:buChar char=""/>
               <a:tabLst>
-                <a:tab algn="l" pos="408240"/>
+                <a:tab pos="408240" algn="l"/>
               </a:tabLst>
             </a:pPr>
             <a:r>
-              <a:rPr b="0" lang="ru-RU" sz="1800" spc="-1" strike="noStrike">
+              <a:rPr lang="ru-RU" sz="1800" b="0" strike="noStrike" spc="-1" dirty="0" smtClean="0">
+                <a:solidFill>
+                  <a:srgbClr val="000000"/>
+                </a:solidFill>
+                <a:latin typeface="Arial"/>
+                <a:ea typeface="Noto Sans CJK SC"/>
+              </a:rPr>
+              <a:t>Установлено, что при </a:t>
+            </a:r>
+            <a:r>
+              <a:rPr lang="ru-RU" sz="1800" b="0" strike="noStrike" spc="-1" dirty="0">
+                <a:solidFill>
+                  <a:srgbClr val="000000"/>
+                </a:solidFill>
+                <a:latin typeface="Arial"/>
+                <a:ea typeface="Noto Sans CJK SC"/>
+              </a:rPr>
+              <a:t>увеличении  значения порядка фильтра выше </a:t>
+            </a:r>
+            <a:r>
+              <a:rPr lang="ru-RU" sz="1800" b="0" strike="noStrike" spc="-1" dirty="0">
                 <a:solidFill>
                   <a:srgbClr val="000000"/>
                 </a:solidFill>
                 <a:latin typeface="Arial"/>
                 <a:ea typeface="DejaVu Sans"/>
               </a:rPr>
-              <a:t>Построены зависимости выигрыша ОСШ и PESQ от числа микрофонов и порядка фильтра</a:t>
+              <a:t>определённого </a:t>
             </a:r>
-            <a:endParaRPr b="0" lang="ru-RU" sz="1800" spc="-1" strike="noStrike">
-              <a:latin typeface="Arial"/>
-            </a:endParaRPr>
-          </a:p>
-          <a:p>
-            <a:pPr marL="216000" indent="-215640">
-              <a:lnSpc>
-                <a:spcPct val="115000"/>
-              </a:lnSpc>
-              <a:buClr>
-                <a:srgbClr val="000000"/>
-              </a:buClr>
-              <a:buSzPct val="45000"/>
-              <a:buFont typeface="Wingdings" charset="2"/>
-              <a:buChar char=""/>
-              <a:tabLst>
-                <a:tab algn="l" pos="408240"/>
-              </a:tabLst>
-            </a:pPr>
             <a:r>
-              <a:rPr b="0" lang="ru-RU" sz="1800" spc="-1" strike="noStrike">
+              <a:rPr lang="ru-RU" sz="1800" b="0" strike="noStrike" spc="-1" dirty="0" smtClean="0">
                 <a:solidFill>
                   <a:srgbClr val="000000"/>
                 </a:solidFill>
                 <a:latin typeface="Arial"/>
                 <a:ea typeface="DejaVu Sans"/>
               </a:rPr>
-              <a:t>LC RLS алгоритм производит более качественную фильтрацию в отличие от LC LMS алгоритма</a:t>
-            </a:r>
-            <a:endParaRPr b="0" lang="ru-RU" sz="1800" spc="-1" strike="noStrike">
-              <a:latin typeface="Arial"/>
-            </a:endParaRPr>
-          </a:p>
-          <a:p>
-            <a:pPr marL="216000" indent="-215640">
-              <a:lnSpc>
-                <a:spcPct val="115000"/>
-              </a:lnSpc>
-              <a:buClr>
-                <a:srgbClr val="000000"/>
-              </a:buClr>
-              <a:buSzPct val="45000"/>
-              <a:buFont typeface="Wingdings" charset="2"/>
-              <a:buChar char=""/>
-              <a:tabLst>
-                <a:tab algn="l" pos="408240"/>
-              </a:tabLst>
-            </a:pPr>
-            <a:r>
-              <a:rPr b="0" lang="ru-RU" sz="1800" spc="-1" strike="noStrike">
-                <a:solidFill>
-                  <a:srgbClr val="000000"/>
-                </a:solidFill>
-                <a:latin typeface="Arial"/>
-                <a:ea typeface="Noto Sans CJK SC"/>
-              </a:rPr>
-              <a:t>При увеличении  значения порядка фильтра выше </a:t>
+              <a:t>в LC </a:t>
             </a:r>
             <a:r>
-              <a:rPr b="0" lang="ru-RU" sz="1800" spc="-1" strike="noStrike">
+              <a:rPr lang="ru-RU" sz="1800" b="0" strike="noStrike" spc="-1" dirty="0">
                 <a:solidFill>
                   <a:srgbClr val="000000"/>
                 </a:solidFill>
                 <a:latin typeface="Arial"/>
                 <a:ea typeface="DejaVu Sans"/>
               </a:rPr>
-              <a:t>определённого в         LC RLS алгоритме, не происходит значительное увеличение выигрыша ОСШ и оценки PESQ   </a:t>
+              <a:t>RLS алгоритме, не происходит значительное увеличение выигрыша ОСШ и оценки PESQ   </a:t>
             </a:r>
-            <a:endParaRPr b="0" lang="ru-RU" sz="1800" spc="-1" strike="noStrike">
-              <a:latin typeface="Arial"/>
-            </a:endParaRPr>
-          </a:p>
-          <a:p>
-            <a:pPr>
+            <a:endParaRPr lang="ru-RU" sz="1800" b="0" strike="noStrike" spc="-1" dirty="0">
+              <a:latin typeface="Arial"/>
+            </a:endParaRPr>
+          </a:p>
+          <a:p>
+            <a:pPr algn="just">
               <a:lnSpc>
                 <a:spcPct val="150000"/>
               </a:lnSpc>
               <a:tabLst>
-                <a:tab algn="l" pos="408240"/>
+                <a:tab pos="408240" algn="l"/>
               </a:tabLst>
             </a:pPr>
-            <a:endParaRPr b="0" lang="ru-RU" sz="1800" spc="-1" strike="noStrike">
+            <a:endParaRPr lang="ru-RU" sz="1800" b="0" strike="noStrike" spc="-1" dirty="0">
               <a:latin typeface="Arial"/>
             </a:endParaRPr>
           </a:p>
@@ -6302,15 +6769,22 @@
           </a:ln>
         </p:spPr>
         <p:style>
-          <a:lnRef idx="0"/>
-          <a:fillRef idx="0"/>
-          <a:effectRef idx="0"/>
+          <a:lnRef idx="0">
+            <a:scrgbClr r="0" g="0" b="0"/>
+          </a:lnRef>
+          <a:fillRef idx="0">
+            <a:scrgbClr r="0" g="0" b="0"/>
+          </a:fillRef>
+          <a:effectRef idx="0">
+            <a:scrgbClr r="0" g="0" b="0"/>
+          </a:effectRef>
           <a:fontRef idx="minor"/>
         </p:style>
         <p:txBody>
-          <a:bodyPr lIns="90000" rIns="90000" tIns="45000" bIns="45000">
+          <a:bodyPr lIns="90000" tIns="45000" rIns="90000" bIns="45000">
             <a:spAutoFit/>
           </a:bodyPr>
+          <a:lstStyle/>
           <a:p>
             <a:pPr algn="ctr">
               <a:lnSpc>
@@ -6318,16 +6792,16 @@
               </a:lnSpc>
             </a:pPr>
             <a:fld id="{2CC77586-19A4-4046-99AB-C27604A38BBA}" type="slidenum">
-              <a:rPr b="0" lang="ru-RU" sz="2400" spc="-1" strike="noStrike">
+              <a:rPr lang="ru-RU" sz="2400" b="0" strike="noStrike" spc="-1">
                 <a:solidFill>
                   <a:srgbClr val="000000"/>
                 </a:solidFill>
                 <a:latin typeface="Arial"/>
                 <a:ea typeface="DejaVu Sans"/>
               </a:rPr>
-              <a:t>9</a:t>
+              <a:t>11</a:t>
             </a:fld>
-            <a:endParaRPr b="0" lang="ru-RU" sz="2400" spc="-1" strike="noStrike">
+            <a:endParaRPr lang="ru-RU" sz="2400" b="0" strike="noStrike" spc="-1">
               <a:latin typeface="Arial"/>
             </a:endParaRPr>
           </a:p>
@@ -6335,11 +6809,14 @@
       </p:sp>
     </p:spTree>
   </p:cSld>
-  <mc:AlternateContent>
+  <p:clrMapOvr>
+    <a:masterClrMapping/>
+  </p:clrMapOvr>
+  <mc:AlternateContent xmlns:mc="http://schemas.openxmlformats.org/markup-compatibility/2006" xmlns:p14="http://schemas.microsoft.com/office/powerpoint/2010/main">
     <mc:Choice Requires="p14">
       <p:transition spd="slow" p14:dur="2000"/>
     </mc:Choice>
-    <mc:Fallback>
+    <mc:Fallback xmlns:p15="http://schemas.microsoft.com/office/powerpoint/2012/main" xmlns="">
       <p:transition spd="slow"/>
     </mc:Fallback>
   </mc:AlternateContent>
@@ -6347,7 +6824,7 @@
 </file>
 
 <file path=ppt/slides/slide2.xml><?xml version="1.0" encoding="utf-8"?>
-<p:sld xmlns:a="http://schemas.openxmlformats.org/drawingml/2006/main" xmlns:p="http://schemas.openxmlformats.org/presentationml/2006/main" xmlns:r="http://schemas.openxmlformats.org/officeDocument/2006/relationships" xmlns:p14="http://schemas.microsoft.com/office/powerpoint/2010/main" xmlns:p15="http://schemas.microsoft.com/office/powerpoint/2012/main" xmlns:mc="http://schemas.openxmlformats.org/markup-compatibility/2006">
+<p:sld xmlns:a="http://schemas.openxmlformats.org/drawingml/2006/main" xmlns:r="http://schemas.openxmlformats.org/officeDocument/2006/relationships" xmlns:p="http://schemas.openxmlformats.org/presentationml/2006/main">
   <p:cSld>
     <p:spTree>
       <p:nvGrpSpPr>
@@ -6371,7 +6848,7 @@
         </p:nvSpPr>
         <p:spPr>
           <a:xfrm>
-            <a:off x="459720" y="476640"/>
+            <a:off x="491142" y="446857"/>
             <a:ext cx="8223120" cy="4519440"/>
           </a:xfrm>
           <a:prstGeom prst="rect">
@@ -6383,15 +6860,22 @@
           </a:ln>
         </p:spPr>
         <p:style>
-          <a:lnRef idx="0"/>
-          <a:fillRef idx="0"/>
-          <a:effectRef idx="0"/>
+          <a:lnRef idx="0">
+            <a:scrgbClr r="0" g="0" b="0"/>
+          </a:lnRef>
+          <a:fillRef idx="0">
+            <a:scrgbClr r="0" g="0" b="0"/>
+          </a:fillRef>
+          <a:effectRef idx="0">
+            <a:scrgbClr r="0" g="0" b="0"/>
+          </a:effectRef>
           <a:fontRef idx="minor"/>
         </p:style>
         <p:txBody>
-          <a:bodyPr lIns="90000" rIns="90000" tIns="45000" bIns="45000">
+          <a:bodyPr lIns="90000" tIns="45000" rIns="90000" bIns="45000">
             <a:noAutofit/>
           </a:bodyPr>
+          <a:lstStyle/>
           <a:p>
             <a:pPr>
               <a:lnSpc>
@@ -6402,7 +6886,7 @@
               </a:spcBef>
             </a:pPr>
             <a:r>
-              <a:rPr b="0" lang="ru-RU" sz="2000" spc="-1" strike="noStrike">
+              <a:rPr lang="ru-RU" sz="2400" b="0" strike="noStrike" spc="-1" dirty="0">
                 <a:solidFill>
                   <a:srgbClr val="000000"/>
                 </a:solidFill>
@@ -6411,7 +6895,7 @@
               </a:rPr>
               <a:t>Цель:</a:t>
             </a:r>
-            <a:endParaRPr b="0" lang="ru-RU" sz="2000" spc="-1" strike="noStrike">
+            <a:endParaRPr lang="ru-RU" sz="2400" b="0" strike="noStrike" spc="-1" dirty="0">
               <a:latin typeface="Arial"/>
             </a:endParaRPr>
           </a:p>
@@ -6425,7 +6909,7 @@
               </a:spcBef>
             </a:pPr>
             <a:r>
-              <a:rPr b="0" lang="ru-RU" sz="2000" spc="-1" strike="noStrike">
+              <a:rPr lang="ru-RU" sz="2400" b="0" strike="noStrike" spc="-1" dirty="0">
                 <a:solidFill>
                   <a:srgbClr val="000000"/>
                 </a:solidFill>
@@ -6434,7 +6918,7 @@
               </a:rPr>
               <a:t>Изучение основ адаптивной пространственной фильтрации в МР и проверить полученные знания на численном эксперименте</a:t>
             </a:r>
-            <a:endParaRPr b="0" lang="ru-RU" sz="2000" spc="-1" strike="noStrike">
+            <a:endParaRPr lang="ru-RU" sz="2400" b="0" strike="noStrike" spc="-1" dirty="0">
               <a:latin typeface="Arial"/>
             </a:endParaRPr>
           </a:p>
@@ -6448,7 +6932,7 @@
               </a:spcBef>
             </a:pPr>
             <a:r>
-              <a:rPr b="0" lang="ru-RU" sz="2000" spc="-1" strike="noStrike">
+              <a:rPr lang="ru-RU" sz="2400" b="0" strike="noStrike" spc="-1" dirty="0">
                 <a:solidFill>
                   <a:srgbClr val="000000"/>
                 </a:solidFill>
@@ -6457,7 +6941,7 @@
               </a:rPr>
               <a:t>Задачи: </a:t>
             </a:r>
-            <a:endParaRPr b="0" lang="ru-RU" sz="2000" spc="-1" strike="noStrike">
+            <a:endParaRPr lang="ru-RU" sz="2400" b="0" strike="noStrike" spc="-1" dirty="0">
               <a:latin typeface="Arial"/>
             </a:endParaRPr>
           </a:p>
@@ -6471,7 +6955,7 @@
               </a:spcBef>
             </a:pPr>
             <a:r>
-              <a:rPr b="0" lang="ru-RU" sz="2000" spc="-1" strike="noStrike">
+              <a:rPr lang="ru-RU" sz="2400" b="0" strike="noStrike" spc="-1" dirty="0">
                 <a:solidFill>
                   <a:srgbClr val="000000"/>
                 </a:solidFill>
@@ -6480,7 +6964,7 @@
               </a:rPr>
               <a:t>1) Рассмотреть основные подходы пространственной фильтрации</a:t>
             </a:r>
-            <a:endParaRPr b="0" lang="ru-RU" sz="2000" spc="-1" strike="noStrike">
+            <a:endParaRPr lang="ru-RU" sz="2400" b="0" strike="noStrike" spc="-1" dirty="0">
               <a:latin typeface="Arial"/>
             </a:endParaRPr>
           </a:p>
@@ -6494,16 +6978,26 @@
               </a:spcBef>
             </a:pPr>
             <a:r>
-              <a:rPr b="0" lang="ru-RU" sz="2000" spc="-1" strike="noStrike">
+              <a:rPr lang="ru-RU" sz="2400" b="0" strike="noStrike" spc="-1" dirty="0">
                 <a:solidFill>
                   <a:srgbClr val="000000"/>
                 </a:solidFill>
                 <a:latin typeface="Calibri"/>
                 <a:ea typeface="DejaVu Sans"/>
               </a:rPr>
-              <a:t>2) Освоить адаптивные алгоритмы</a:t>
+              <a:t>2) Освоить </a:t>
             </a:r>
-            <a:endParaRPr b="0" lang="ru-RU" sz="2000" spc="-1" strike="noStrike">
+            <a:r>
+              <a:rPr lang="ru-RU" sz="2400" b="0" strike="noStrike" spc="-1" dirty="0" smtClean="0">
+                <a:solidFill>
+                  <a:srgbClr val="000000"/>
+                </a:solidFill>
+                <a:latin typeface="Calibri"/>
+                <a:ea typeface="DejaVu Sans"/>
+              </a:rPr>
+              <a:t>линейно ограниченные адаптивные формирователи луча</a:t>
+            </a:r>
+            <a:endParaRPr lang="ru-RU" sz="2400" b="0" strike="noStrike" spc="-1" dirty="0">
               <a:latin typeface="Arial"/>
             </a:endParaRPr>
           </a:p>
@@ -6517,39 +7011,36 @@
               </a:spcBef>
             </a:pPr>
             <a:r>
-              <a:rPr b="0" lang="ru-RU" sz="2000" spc="-1" strike="noStrike">
+              <a:rPr lang="ru-RU" sz="2400" b="0" strike="noStrike" spc="-1" dirty="0">
                 <a:solidFill>
                   <a:srgbClr val="000000"/>
                 </a:solidFill>
                 <a:latin typeface="Calibri"/>
                 <a:ea typeface="DejaVu Sans"/>
               </a:rPr>
-              <a:t>3) Изучить методы формирования луча </a:t>
+              <a:t>3) </a:t>
             </a:r>
-            <a:endParaRPr b="0" lang="ru-RU" sz="2000" spc="-1" strike="noStrike">
-              <a:latin typeface="Arial"/>
-            </a:endParaRPr>
-          </a:p>
-          <a:p>
-            <a:pPr>
-              <a:lnSpc>
-                <a:spcPct val="100000"/>
-              </a:lnSpc>
-              <a:spcBef>
-                <a:spcPts val="641"/>
-              </a:spcBef>
-            </a:pPr>
             <a:r>
-              <a:rPr b="0" lang="ru-RU" sz="2000" spc="-1" strike="noStrike">
+              <a:rPr lang="ru-RU" sz="2400" spc="-1" dirty="0" smtClean="0">
                 <a:solidFill>
                   <a:srgbClr val="000000"/>
                 </a:solidFill>
                 <a:latin typeface="Calibri"/>
                 <a:ea typeface="DejaVu Sans"/>
               </a:rPr>
-              <a:t>4) Смоделировать приём сигнала на МР с последующей фильтрацией</a:t>
+              <a:t>Сравнить эффективность алгоритмов, используя объективную оценку качества речи </a:t>
             </a:r>
-            <a:endParaRPr b="0" lang="ru-RU" sz="2000" spc="-1" strike="noStrike">
+            <a:r>
+              <a:rPr lang="en-US" sz="2400" spc="-1" dirty="0" smtClean="0">
+                <a:solidFill>
+                  <a:srgbClr val="000000"/>
+                </a:solidFill>
+                <a:latin typeface="Calibri"/>
+                <a:ea typeface="DejaVu Sans"/>
+              </a:rPr>
+              <a:t>PESQ</a:t>
+            </a:r>
+            <a:endParaRPr lang="ru-RU" sz="2400" b="0" strike="noStrike" spc="-1" dirty="0">
               <a:latin typeface="Arial"/>
             </a:endParaRPr>
           </a:p>
@@ -6575,15 +7066,22 @@
           </a:ln>
         </p:spPr>
         <p:style>
-          <a:lnRef idx="0"/>
-          <a:fillRef idx="0"/>
-          <a:effectRef idx="0"/>
+          <a:lnRef idx="0">
+            <a:scrgbClr r="0" g="0" b="0"/>
+          </a:lnRef>
+          <a:fillRef idx="0">
+            <a:scrgbClr r="0" g="0" b="0"/>
+          </a:fillRef>
+          <a:effectRef idx="0">
+            <a:scrgbClr r="0" g="0" b="0"/>
+          </a:effectRef>
           <a:fontRef idx="minor"/>
         </p:style>
         <p:txBody>
-          <a:bodyPr lIns="90000" rIns="90000" tIns="45000" bIns="45000">
+          <a:bodyPr lIns="90000" tIns="45000" rIns="90000" bIns="45000">
             <a:spAutoFit/>
           </a:bodyPr>
+          <a:lstStyle/>
           <a:p>
             <a:pPr algn="ctr">
               <a:lnSpc>
@@ -6591,16 +7089,16 @@
               </a:lnSpc>
             </a:pPr>
             <a:fld id="{DBB05B3D-634F-43AB-9013-2CEA1BD59B53}" type="slidenum">
-              <a:rPr b="0" lang="ru-RU" sz="2400" spc="-1" strike="noStrike">
+              <a:rPr lang="ru-RU" sz="2400" b="0" strike="noStrike" spc="-1">
                 <a:solidFill>
                   <a:srgbClr val="000000"/>
                 </a:solidFill>
                 <a:latin typeface="Arial"/>
                 <a:ea typeface="DejaVu Sans"/>
               </a:rPr>
-              <a:t>1</a:t>
+              <a:t>2</a:t>
             </a:fld>
-            <a:endParaRPr b="0" lang="ru-RU" sz="2400" spc="-1" strike="noStrike">
+            <a:endParaRPr lang="ru-RU" sz="2400" b="0" strike="noStrike" spc="-1">
               <a:latin typeface="Arial"/>
             </a:endParaRPr>
           </a:p>
@@ -6608,11 +7106,14 @@
       </p:sp>
     </p:spTree>
   </p:cSld>
-  <mc:AlternateContent>
+  <p:clrMapOvr>
+    <a:masterClrMapping/>
+  </p:clrMapOvr>
+  <mc:AlternateContent xmlns:mc="http://schemas.openxmlformats.org/markup-compatibility/2006" xmlns:p14="http://schemas.microsoft.com/office/powerpoint/2010/main">
     <mc:Choice Requires="p14">
       <p:transition spd="slow" p14:dur="2000"/>
     </mc:Choice>
-    <mc:Fallback>
+    <mc:Fallback xmlns:p15="http://schemas.microsoft.com/office/powerpoint/2012/main" xmlns="">
       <p:transition spd="slow"/>
     </mc:Fallback>
   </mc:AlternateContent>
@@ -6620,7 +7121,7 @@
 </file>
 
 <file path=ppt/slides/slide3.xml><?xml version="1.0" encoding="utf-8"?>
-<p:sld xmlns:a="http://schemas.openxmlformats.org/drawingml/2006/main" xmlns:p="http://schemas.openxmlformats.org/presentationml/2006/main" xmlns:r="http://schemas.openxmlformats.org/officeDocument/2006/relationships" xmlns:p14="http://schemas.microsoft.com/office/powerpoint/2010/main" xmlns:p15="http://schemas.microsoft.com/office/powerpoint/2012/main" xmlns:mc="http://schemas.openxmlformats.org/markup-compatibility/2006">
+<p:sld xmlns:a="http://schemas.openxmlformats.org/drawingml/2006/main" xmlns:r="http://schemas.openxmlformats.org/officeDocument/2006/relationships" xmlns:p="http://schemas.openxmlformats.org/presentationml/2006/main">
   <p:cSld>
     <p:spTree>
       <p:nvGrpSpPr>
@@ -6656,15 +7157,22 @@
           </a:ln>
         </p:spPr>
         <p:style>
-          <a:lnRef idx="0"/>
-          <a:fillRef idx="0"/>
-          <a:effectRef idx="0"/>
+          <a:lnRef idx="0">
+            <a:scrgbClr r="0" g="0" b="0"/>
+          </a:lnRef>
+          <a:fillRef idx="0">
+            <a:scrgbClr r="0" g="0" b="0"/>
+          </a:fillRef>
+          <a:effectRef idx="0">
+            <a:scrgbClr r="0" g="0" b="0"/>
+          </a:effectRef>
           <a:fontRef idx="minor"/>
         </p:style>
         <p:txBody>
-          <a:bodyPr lIns="90000" rIns="90000" tIns="45000" bIns="45000" anchor="ctr">
+          <a:bodyPr lIns="90000" tIns="45000" rIns="90000" bIns="45000" anchor="ctr">
             <a:noAutofit/>
           </a:bodyPr>
+          <a:lstStyle/>
           <a:p>
             <a:pPr algn="ctr">
               <a:lnSpc>
@@ -6672,7 +7180,7 @@
               </a:lnSpc>
             </a:pPr>
             <a:r>
-              <a:rPr b="0" lang="ru-RU" sz="4400" spc="-1" strike="noStrike">
+              <a:rPr lang="ru-RU" sz="4400" b="0" strike="noStrike" spc="-1">
                 <a:solidFill>
                   <a:srgbClr val="000000"/>
                 </a:solidFill>
@@ -6681,7 +7189,7 @@
               </a:rPr>
               <a:t>Применение</a:t>
             </a:r>
-            <a:endParaRPr b="0" lang="ru-RU" sz="4400" spc="-1" strike="noStrike">
+            <a:endParaRPr lang="ru-RU" sz="4400" b="0" strike="noStrike" spc="-1">
               <a:latin typeface="Arial"/>
             </a:endParaRPr>
           </a:p>
@@ -6707,15 +7215,22 @@
           </a:ln>
         </p:spPr>
         <p:style>
-          <a:lnRef idx="0"/>
-          <a:fillRef idx="0"/>
-          <a:effectRef idx="0"/>
+          <a:lnRef idx="0">
+            <a:scrgbClr r="0" g="0" b="0"/>
+          </a:lnRef>
+          <a:fillRef idx="0">
+            <a:scrgbClr r="0" g="0" b="0"/>
+          </a:fillRef>
+          <a:effectRef idx="0">
+            <a:scrgbClr r="0" g="0" b="0"/>
+          </a:effectRef>
           <a:fontRef idx="minor"/>
         </p:style>
         <p:txBody>
-          <a:bodyPr lIns="90000" rIns="90000" tIns="45000" bIns="45000">
+          <a:bodyPr lIns="90000" tIns="45000" rIns="90000" bIns="45000">
             <a:noAutofit/>
           </a:bodyPr>
+          <a:lstStyle/>
           <a:p>
             <a:pPr algn="ctr">
               <a:lnSpc>
@@ -6723,7 +7238,7 @@
               </a:lnSpc>
             </a:pPr>
             <a:r>
-              <a:rPr b="0" lang="ru-RU" sz="1800" spc="-1" strike="noStrike">
+              <a:rPr lang="ru-RU" sz="1800" b="0" strike="noStrike" spc="-1">
                 <a:solidFill>
                   <a:srgbClr val="000000"/>
                 </a:solidFill>
@@ -6732,7 +7247,7 @@
               </a:rPr>
               <a:t>Система «Бумеранг»</a:t>
             </a:r>
-            <a:endParaRPr b="0" lang="ru-RU" sz="1800" spc="-1" strike="noStrike">
+            <a:endParaRPr lang="ru-RU" sz="1800" b="0" strike="noStrike" spc="-1">
               <a:latin typeface="Arial"/>
             </a:endParaRPr>
           </a:p>
@@ -6758,15 +7273,22 @@
           </a:ln>
         </p:spPr>
         <p:style>
-          <a:lnRef idx="0"/>
-          <a:fillRef idx="0"/>
-          <a:effectRef idx="0"/>
+          <a:lnRef idx="0">
+            <a:scrgbClr r="0" g="0" b="0"/>
+          </a:lnRef>
+          <a:fillRef idx="0">
+            <a:scrgbClr r="0" g="0" b="0"/>
+          </a:fillRef>
+          <a:effectRef idx="0">
+            <a:scrgbClr r="0" g="0" b="0"/>
+          </a:effectRef>
           <a:fontRef idx="minor"/>
         </p:style>
         <p:txBody>
-          <a:bodyPr lIns="90000" rIns="90000" tIns="45000" bIns="45000">
+          <a:bodyPr lIns="90000" tIns="45000" rIns="90000" bIns="45000">
             <a:noAutofit/>
           </a:bodyPr>
+          <a:lstStyle/>
           <a:p>
             <a:pPr algn="ctr">
               <a:lnSpc>
@@ -6774,7 +7296,7 @@
               </a:lnSpc>
             </a:pPr>
             <a:r>
-              <a:rPr b="0" lang="ru-RU" sz="1800" spc="-1" strike="noStrike">
+              <a:rPr lang="ru-RU" sz="1800" b="0" strike="noStrike" spc="-1">
                 <a:solidFill>
                   <a:srgbClr val="000000"/>
                 </a:solidFill>
@@ -6783,7 +7305,7 @@
               </a:rPr>
               <a:t>Система «SENTRI»</a:t>
             </a:r>
-            <a:endParaRPr b="0" lang="ru-RU" sz="1800" spc="-1" strike="noStrike">
+            <a:endParaRPr lang="ru-RU" sz="1800" b="0" strike="noStrike" spc="-1">
               <a:latin typeface="Arial"/>
             </a:endParaRPr>
           </a:p>
@@ -6791,53 +7313,7 @@
       </p:sp>
       <p:pic>
         <p:nvPicPr>
-          <p:cNvPr id="90" name="Рисунок 1" descr=""/>
-          <p:cNvPicPr/>
-          <p:nvPr/>
-        </p:nvPicPr>
-        <p:blipFill>
-          <a:blip r:embed="rId1"/>
-          <a:stretch/>
-        </p:blipFill>
-        <p:spPr>
-          <a:xfrm>
-            <a:off x="3564000" y="1450440"/>
-            <a:ext cx="1573560" cy="2451960"/>
-          </a:xfrm>
-          <a:prstGeom prst="rect">
-            <a:avLst/>
-          </a:prstGeom>
-          <a:ln>
-            <a:noFill/>
-          </a:ln>
-        </p:spPr>
-      </p:pic>
-      <p:pic>
-        <p:nvPicPr>
-          <p:cNvPr id="91" name="Рисунок 2" descr=""/>
-          <p:cNvPicPr/>
-          <p:nvPr/>
-        </p:nvPicPr>
-        <p:blipFill>
-          <a:blip r:embed="rId2"/>
-          <a:stretch/>
-        </p:blipFill>
-        <p:spPr>
-          <a:xfrm>
-            <a:off x="216360" y="1845000"/>
-            <a:ext cx="2985480" cy="2018520"/>
-          </a:xfrm>
-          <a:prstGeom prst="rect">
-            <a:avLst/>
-          </a:prstGeom>
-          <a:ln>
-            <a:noFill/>
-          </a:ln>
-        </p:spPr>
-      </p:pic>
-      <p:pic>
-        <p:nvPicPr>
-          <p:cNvPr id="92" name="Рисунок 88" descr=""/>
+          <p:cNvPr id="90" name="Рисунок 1"/>
           <p:cNvPicPr/>
           <p:nvPr/>
         </p:nvPicPr>
@@ -6847,8 +7323,8 @@
         </p:blipFill>
         <p:spPr>
           <a:xfrm>
-            <a:off x="1307520" y="3618360"/>
-            <a:ext cx="1630080" cy="1915560"/>
+            <a:off x="3564000" y="1450440"/>
+            <a:ext cx="1573560" cy="2451960"/>
           </a:xfrm>
           <a:prstGeom prst="rect">
             <a:avLst/>
@@ -6860,7 +7336,7 @@
       </p:pic>
       <p:pic>
         <p:nvPicPr>
-          <p:cNvPr id="93" name="Рисунок 89" descr=""/>
+          <p:cNvPr id="91" name="Рисунок 2"/>
           <p:cNvPicPr/>
           <p:nvPr/>
         </p:nvPicPr>
@@ -6870,8 +7346,8 @@
         </p:blipFill>
         <p:spPr>
           <a:xfrm>
-            <a:off x="3708000" y="3835080"/>
-            <a:ext cx="2229480" cy="1737360"/>
+            <a:off x="216360" y="1845000"/>
+            <a:ext cx="2985480" cy="2018520"/>
           </a:xfrm>
           <a:prstGeom prst="rect">
             <a:avLst/>
@@ -6883,7 +7359,7 @@
       </p:pic>
       <p:pic>
         <p:nvPicPr>
-          <p:cNvPr id="94" name="Рисунок 12" descr=""/>
+          <p:cNvPr id="92" name="Рисунок 88"/>
           <p:cNvPicPr/>
           <p:nvPr/>
         </p:nvPicPr>
@@ -6893,6 +7369,52 @@
         </p:blipFill>
         <p:spPr>
           <a:xfrm>
+            <a:off x="1307520" y="3618360"/>
+            <a:ext cx="1630080" cy="1915560"/>
+          </a:xfrm>
+          <a:prstGeom prst="rect">
+            <a:avLst/>
+          </a:prstGeom>
+          <a:ln>
+            <a:noFill/>
+          </a:ln>
+        </p:spPr>
+      </p:pic>
+      <p:pic>
+        <p:nvPicPr>
+          <p:cNvPr id="93" name="Рисунок 89"/>
+          <p:cNvPicPr/>
+          <p:nvPr/>
+        </p:nvPicPr>
+        <p:blipFill>
+          <a:blip r:embed="rId6"/>
+          <a:stretch/>
+        </p:blipFill>
+        <p:spPr>
+          <a:xfrm>
+            <a:off x="3708000" y="3835080"/>
+            <a:ext cx="2229480" cy="1737360"/>
+          </a:xfrm>
+          <a:prstGeom prst="rect">
+            <a:avLst/>
+          </a:prstGeom>
+          <a:ln>
+            <a:noFill/>
+          </a:ln>
+        </p:spPr>
+      </p:pic>
+      <p:pic>
+        <p:nvPicPr>
+          <p:cNvPr id="94" name="Рисунок 12"/>
+          <p:cNvPicPr/>
+          <p:nvPr/>
+        </p:nvPicPr>
+        <p:blipFill>
+          <a:blip r:embed="rId7"/>
+          <a:stretch/>
+        </p:blipFill>
+        <p:spPr>
+          <a:xfrm>
             <a:off x="6243840" y="2468520"/>
             <a:ext cx="2731320" cy="2731320"/>
           </a:xfrm>
@@ -6924,26 +7446,33 @@
           </a:ln>
         </p:spPr>
         <p:style>
-          <a:lnRef idx="0"/>
-          <a:fillRef idx="0"/>
-          <a:effectRef idx="0"/>
+          <a:lnRef idx="0">
+            <a:scrgbClr r="0" g="0" b="0"/>
+          </a:lnRef>
+          <a:fillRef idx="0">
+            <a:scrgbClr r="0" g="0" b="0"/>
+          </a:fillRef>
+          <a:effectRef idx="0">
+            <a:scrgbClr r="0" g="0" b="0"/>
+          </a:effectRef>
           <a:fontRef idx="minor"/>
         </p:style>
         <p:txBody>
-          <a:bodyPr lIns="90000" rIns="90000" tIns="45000" bIns="45000">
+          <a:bodyPr lIns="90000" tIns="45000" rIns="90000" bIns="45000">
             <a:noAutofit/>
           </a:bodyPr>
+          <a:lstStyle/>
           <a:p>
             <a:pPr algn="ctr">
               <a:lnSpc>
                 <a:spcPct val="100000"/>
               </a:lnSpc>
               <a:tabLst>
-                <a:tab algn="l" pos="408240"/>
+                <a:tab pos="408240" algn="l"/>
               </a:tabLst>
             </a:pPr>
             <a:r>
-              <a:rPr b="0" lang="ru-RU" sz="1800" spc="-1" strike="noStrike">
+              <a:rPr lang="ru-RU" sz="1800" b="0" strike="noStrike" spc="-1">
                 <a:solidFill>
                   <a:srgbClr val="000000"/>
                 </a:solidFill>
@@ -6952,7 +7481,7 @@
               </a:rPr>
               <a:t>Микрофонная решетка для объёмной записи звука</a:t>
             </a:r>
-            <a:endParaRPr b="0" lang="ru-RU" sz="1800" spc="-1" strike="noStrike">
+            <a:endParaRPr lang="ru-RU" sz="1800" b="0" strike="noStrike" spc="-1">
               <a:latin typeface="Arial"/>
             </a:endParaRPr>
           </a:p>
@@ -6978,15 +7507,22 @@
           </a:ln>
         </p:spPr>
         <p:style>
-          <a:lnRef idx="0"/>
-          <a:fillRef idx="0"/>
-          <a:effectRef idx="0"/>
+          <a:lnRef idx="0">
+            <a:scrgbClr r="0" g="0" b="0"/>
+          </a:lnRef>
+          <a:fillRef idx="0">
+            <a:scrgbClr r="0" g="0" b="0"/>
+          </a:fillRef>
+          <a:effectRef idx="0">
+            <a:scrgbClr r="0" g="0" b="0"/>
+          </a:effectRef>
           <a:fontRef idx="minor"/>
         </p:style>
         <p:txBody>
-          <a:bodyPr lIns="90000" rIns="90000" tIns="45000" bIns="45000">
+          <a:bodyPr lIns="90000" tIns="45000" rIns="90000" bIns="45000">
             <a:spAutoFit/>
           </a:bodyPr>
+          <a:lstStyle/>
           <a:p>
             <a:pPr algn="ctr">
               <a:lnSpc>
@@ -6994,16 +7530,16 @@
               </a:lnSpc>
             </a:pPr>
             <a:fld id="{C2F72FDB-1E65-4E5B-8D3A-024C35F26F38}" type="slidenum">
-              <a:rPr b="0" lang="ru-RU" sz="2400" spc="-1" strike="noStrike">
+              <a:rPr lang="ru-RU" sz="2400" b="0" strike="noStrike" spc="-1">
                 <a:solidFill>
                   <a:srgbClr val="000000"/>
                 </a:solidFill>
                 <a:latin typeface="Arial"/>
                 <a:ea typeface="DejaVu Sans"/>
               </a:rPr>
-              <a:t>1</a:t>
+              <a:t>3</a:t>
             </a:fld>
-            <a:endParaRPr b="0" lang="ru-RU" sz="2400" spc="-1" strike="noStrike">
+            <a:endParaRPr lang="ru-RU" sz="2400" b="0" strike="noStrike" spc="-1">
               <a:latin typeface="Arial"/>
             </a:endParaRPr>
           </a:p>
@@ -7011,11 +7547,14 @@
       </p:sp>
     </p:spTree>
   </p:cSld>
-  <mc:AlternateContent>
+  <p:clrMapOvr>
+    <a:masterClrMapping/>
+  </p:clrMapOvr>
+  <mc:AlternateContent xmlns:mc="http://schemas.openxmlformats.org/markup-compatibility/2006" xmlns:p14="http://schemas.microsoft.com/office/powerpoint/2010/main">
     <mc:Choice Requires="p14">
       <p:transition spd="slow" p14:dur="2000"/>
     </mc:Choice>
-    <mc:Fallback>
+    <mc:Fallback xmlns:p15="http://schemas.microsoft.com/office/powerpoint/2012/main" xmlns="">
       <p:transition spd="slow"/>
     </mc:Fallback>
   </mc:AlternateContent>
@@ -7023,7 +7562,7 @@
 </file>
 
 <file path=ppt/slides/slide4.xml><?xml version="1.0" encoding="utf-8"?>
-<p:sld xmlns:a="http://schemas.openxmlformats.org/drawingml/2006/main" xmlns:p="http://schemas.openxmlformats.org/presentationml/2006/main" xmlns:r="http://schemas.openxmlformats.org/officeDocument/2006/relationships" xmlns:p14="http://schemas.microsoft.com/office/powerpoint/2010/main" xmlns:p15="http://schemas.microsoft.com/office/powerpoint/2012/main" xmlns:mc="http://schemas.openxmlformats.org/markup-compatibility/2006">
+<p:sld xmlns:a="http://schemas.openxmlformats.org/drawingml/2006/main" xmlns:r="http://schemas.openxmlformats.org/officeDocument/2006/relationships" xmlns:p="http://schemas.openxmlformats.org/presentationml/2006/main">
   <p:cSld>
     <p:spTree>
       <p:nvGrpSpPr>
@@ -7059,15 +7598,22 @@
           </a:ln>
         </p:spPr>
         <p:style>
-          <a:lnRef idx="0"/>
-          <a:fillRef idx="0"/>
-          <a:effectRef idx="0"/>
+          <a:lnRef idx="0">
+            <a:scrgbClr r="0" g="0" b="0"/>
+          </a:lnRef>
+          <a:fillRef idx="0">
+            <a:scrgbClr r="0" g="0" b="0"/>
+          </a:fillRef>
+          <a:effectRef idx="0">
+            <a:scrgbClr r="0" g="0" b="0"/>
+          </a:effectRef>
           <a:fontRef idx="minor"/>
         </p:style>
         <p:txBody>
-          <a:bodyPr lIns="90000" rIns="90000" tIns="45000" bIns="45000" anchor="ctr">
+          <a:bodyPr lIns="90000" tIns="45000" rIns="90000" bIns="45000" anchor="ctr">
             <a:noAutofit/>
           </a:bodyPr>
+          <a:lstStyle/>
           <a:p>
             <a:pPr algn="ctr">
               <a:lnSpc>
@@ -7075,7 +7621,7 @@
               </a:lnSpc>
             </a:pPr>
             <a:r>
-              <a:rPr b="0" lang="ru-RU" sz="4400" spc="-1" strike="noStrike">
+              <a:rPr lang="ru-RU" sz="4400" b="0" strike="noStrike" spc="-1">
                 <a:solidFill>
                   <a:srgbClr val="000000"/>
                 </a:solidFill>
@@ -7084,7 +7630,7 @@
               </a:rPr>
               <a:t>Формирователи луча</a:t>
             </a:r>
-            <a:endParaRPr b="0" lang="ru-RU" sz="4400" spc="-1" strike="noStrike">
+            <a:endParaRPr lang="ru-RU" sz="4400" b="0" strike="noStrike" spc="-1">
               <a:latin typeface="Arial"/>
             </a:endParaRPr>
           </a:p>
@@ -7110,9 +7656,15 @@
           </a:ln>
         </p:spPr>
         <p:style>
-          <a:lnRef idx="0"/>
-          <a:fillRef idx="0"/>
-          <a:effectRef idx="0"/>
+          <a:lnRef idx="0">
+            <a:scrgbClr r="0" g="0" b="0"/>
+          </a:lnRef>
+          <a:fillRef idx="0">
+            <a:scrgbClr r="0" g="0" b="0"/>
+          </a:fillRef>
+          <a:effectRef idx="0">
+            <a:scrgbClr r="0" g="0" b="0"/>
+          </a:effectRef>
           <a:fontRef idx="minor"/>
         </p:style>
       </p:sp>
@@ -7136,15 +7688,22 @@
           </a:ln>
         </p:spPr>
         <p:style>
-          <a:lnRef idx="0"/>
-          <a:fillRef idx="0"/>
-          <a:effectRef idx="0"/>
+          <a:lnRef idx="0">
+            <a:scrgbClr r="0" g="0" b="0"/>
+          </a:lnRef>
+          <a:fillRef idx="0">
+            <a:scrgbClr r="0" g="0" b="0"/>
+          </a:fillRef>
+          <a:effectRef idx="0">
+            <a:scrgbClr r="0" g="0" b="0"/>
+          </a:effectRef>
           <a:fontRef idx="minor"/>
         </p:style>
         <p:txBody>
-          <a:bodyPr lIns="90000" rIns="90000" tIns="45000" bIns="45000">
+          <a:bodyPr lIns="90000" tIns="45000" rIns="90000" bIns="45000">
             <a:noAutofit/>
           </a:bodyPr>
+          <a:lstStyle/>
           <a:p>
             <a:pPr>
               <a:lnSpc>
@@ -7152,7 +7711,7 @@
               </a:lnSpc>
             </a:pPr>
             <a:r>
-              <a:rPr b="0" lang="ru-RU" sz="1800" spc="-1" strike="noStrike">
+              <a:rPr lang="ru-RU" sz="1800" b="0" strike="noStrike" spc="-1">
                 <a:solidFill>
                   <a:srgbClr val="000000"/>
                 </a:solidFill>
@@ -7161,7 +7720,7 @@
               </a:rPr>
               <a:t>Частотный формирователь луча</a:t>
             </a:r>
-            <a:endParaRPr b="0" lang="ru-RU" sz="1800" spc="-1" strike="noStrike">
+            <a:endParaRPr lang="ru-RU" sz="1800" b="0" strike="noStrike" spc="-1">
               <a:latin typeface="Arial"/>
             </a:endParaRPr>
           </a:p>
@@ -7187,15 +7746,22 @@
           </a:ln>
         </p:spPr>
         <p:style>
-          <a:lnRef idx="0"/>
-          <a:fillRef idx="0"/>
-          <a:effectRef idx="0"/>
+          <a:lnRef idx="0">
+            <a:scrgbClr r="0" g="0" b="0"/>
+          </a:lnRef>
+          <a:fillRef idx="0">
+            <a:scrgbClr r="0" g="0" b="0"/>
+          </a:fillRef>
+          <a:effectRef idx="0">
+            <a:scrgbClr r="0" g="0" b="0"/>
+          </a:effectRef>
           <a:fontRef idx="minor"/>
         </p:style>
         <p:txBody>
-          <a:bodyPr lIns="90000" rIns="90000" tIns="45000" bIns="45000">
+          <a:bodyPr lIns="90000" tIns="45000" rIns="90000" bIns="45000">
             <a:noAutofit/>
           </a:bodyPr>
+          <a:lstStyle/>
           <a:p>
             <a:pPr>
               <a:lnSpc>
@@ -7203,7 +7769,7 @@
               </a:lnSpc>
             </a:pPr>
             <a:r>
-              <a:rPr b="0" lang="ru-RU" sz="1800" spc="-1" strike="noStrike">
+              <a:rPr lang="ru-RU" sz="1800" b="0" strike="noStrike" spc="-1">
                 <a:solidFill>
                   <a:srgbClr val="000000"/>
                 </a:solidFill>
@@ -7212,7 +7778,7 @@
               </a:rPr>
               <a:t>Временной формирователь луча</a:t>
             </a:r>
-            <a:endParaRPr b="0" lang="ru-RU" sz="1800" spc="-1" strike="noStrike">
+            <a:endParaRPr lang="ru-RU" sz="1800" b="0" strike="noStrike" spc="-1">
               <a:latin typeface="Arial"/>
             </a:endParaRPr>
           </a:p>
@@ -7220,12 +7786,12 @@
       </p:sp>
       <p:pic>
         <p:nvPicPr>
-          <p:cNvPr id="101" name="Рисунок 98" descr=""/>
+          <p:cNvPr id="101" name="Рисунок 98"/>
           <p:cNvPicPr/>
           <p:nvPr/>
         </p:nvPicPr>
         <p:blipFill>
-          <a:blip r:embed="rId1"/>
+          <a:blip r:embed="rId3"/>
           <a:stretch/>
         </p:blipFill>
         <p:spPr>
@@ -7243,12 +7809,12 @@
       </p:pic>
       <p:pic>
         <p:nvPicPr>
-          <p:cNvPr id="102" name="Рисунок 99" descr=""/>
+          <p:cNvPr id="102" name="Рисунок 99"/>
           <p:cNvPicPr/>
           <p:nvPr/>
         </p:nvPicPr>
         <p:blipFill>
-          <a:blip r:embed="rId2"/>
+          <a:blip r:embed="rId4"/>
           <a:stretch/>
         </p:blipFill>
         <p:spPr>
@@ -7284,15 +7850,22 @@
           </a:ln>
         </p:spPr>
         <p:style>
-          <a:lnRef idx="0"/>
-          <a:fillRef idx="0"/>
-          <a:effectRef idx="0"/>
+          <a:lnRef idx="0">
+            <a:scrgbClr r="0" g="0" b="0"/>
+          </a:lnRef>
+          <a:fillRef idx="0">
+            <a:scrgbClr r="0" g="0" b="0"/>
+          </a:fillRef>
+          <a:effectRef idx="0">
+            <a:scrgbClr r="0" g="0" b="0"/>
+          </a:effectRef>
           <a:fontRef idx="minor"/>
         </p:style>
         <p:txBody>
-          <a:bodyPr lIns="90000" rIns="90000" tIns="45000" bIns="45000">
+          <a:bodyPr lIns="90000" tIns="45000" rIns="90000" bIns="45000">
             <a:spAutoFit/>
           </a:bodyPr>
+          <a:lstStyle/>
           <a:p>
             <a:pPr algn="ctr">
               <a:lnSpc>
@@ -7300,16 +7873,16 @@
               </a:lnSpc>
             </a:pPr>
             <a:fld id="{EBC79A8A-3E63-4281-A692-DAB279F8EDE3}" type="slidenum">
-              <a:rPr b="0" lang="ru-RU" sz="2400" spc="-1" strike="noStrike">
+              <a:rPr lang="ru-RU" sz="2400" b="0" strike="noStrike" spc="-1">
                 <a:solidFill>
                   <a:srgbClr val="000000"/>
                 </a:solidFill>
                 <a:latin typeface="Arial"/>
                 <a:ea typeface="DejaVu Sans"/>
               </a:rPr>
-              <a:t>1</a:t>
+              <a:t>4</a:t>
             </a:fld>
-            <a:endParaRPr b="0" lang="ru-RU" sz="2400" spc="-1" strike="noStrike">
+            <a:endParaRPr lang="ru-RU" sz="2400" b="0" strike="noStrike" spc="-1">
               <a:latin typeface="Arial"/>
             </a:endParaRPr>
           </a:p>
@@ -7317,11 +7890,14 @@
       </p:sp>
     </p:spTree>
   </p:cSld>
-  <mc:AlternateContent>
+  <p:clrMapOvr>
+    <a:masterClrMapping/>
+  </p:clrMapOvr>
+  <mc:AlternateContent xmlns:mc="http://schemas.openxmlformats.org/markup-compatibility/2006" xmlns:p14="http://schemas.microsoft.com/office/powerpoint/2010/main">
     <mc:Choice Requires="p14">
       <p:transition spd="slow" p14:dur="2000"/>
     </mc:Choice>
-    <mc:Fallback>
+    <mc:Fallback xmlns:p15="http://schemas.microsoft.com/office/powerpoint/2012/main" xmlns="">
       <p:transition spd="slow"/>
     </mc:Fallback>
   </mc:AlternateContent>
@@ -7329,7 +7905,7 @@
 </file>
 
 <file path=ppt/slides/slide5.xml><?xml version="1.0" encoding="utf-8"?>
-<p:sld xmlns:a="http://schemas.openxmlformats.org/drawingml/2006/main" xmlns:p="http://schemas.openxmlformats.org/presentationml/2006/main" xmlns:r="http://schemas.openxmlformats.org/officeDocument/2006/relationships" xmlns:p14="http://schemas.microsoft.com/office/powerpoint/2010/main" xmlns:p15="http://schemas.microsoft.com/office/powerpoint/2012/main" xmlns:mc="http://schemas.openxmlformats.org/markup-compatibility/2006">
+<p:sld xmlns:a="http://schemas.openxmlformats.org/drawingml/2006/main" xmlns:r="http://schemas.openxmlformats.org/officeDocument/2006/relationships" xmlns:p="http://schemas.openxmlformats.org/presentationml/2006/main">
   <p:cSld>
     <p:spTree>
       <p:nvGrpSpPr>
@@ -7365,15 +7941,22 @@
           </a:ln>
         </p:spPr>
         <p:style>
-          <a:lnRef idx="0"/>
-          <a:fillRef idx="0"/>
-          <a:effectRef idx="0"/>
+          <a:lnRef idx="0">
+            <a:scrgbClr r="0" g="0" b="0"/>
+          </a:lnRef>
+          <a:fillRef idx="0">
+            <a:scrgbClr r="0" g="0" b="0"/>
+          </a:fillRef>
+          <a:effectRef idx="0">
+            <a:scrgbClr r="0" g="0" b="0"/>
+          </a:effectRef>
           <a:fontRef idx="minor"/>
         </p:style>
         <p:txBody>
-          <a:bodyPr lIns="90000" rIns="90000" tIns="45000" bIns="45000" anchor="ctr">
+          <a:bodyPr lIns="90000" tIns="45000" rIns="90000" bIns="45000" anchor="ctr">
             <a:noAutofit/>
           </a:bodyPr>
+          <a:lstStyle/>
           <a:p>
             <a:pPr algn="ctr">
               <a:lnSpc>
@@ -7381,7 +7964,7 @@
               </a:lnSpc>
             </a:pPr>
             <a:r>
-              <a:rPr b="0" lang="ru-RU" sz="4400" spc="-1" strike="noStrike">
+              <a:rPr lang="ru-RU" sz="4400" b="0" strike="noStrike" spc="-1">
                 <a:solidFill>
                   <a:srgbClr val="000000"/>
                 </a:solidFill>
@@ -7390,7 +7973,7 @@
               </a:rPr>
               <a:t>Пространственная фильтрация</a:t>
             </a:r>
-            <a:endParaRPr b="0" lang="ru-RU" sz="4400" spc="-1" strike="noStrike">
+            <a:endParaRPr lang="ru-RU" sz="4400" b="0" strike="noStrike" spc="-1">
               <a:latin typeface="Arial"/>
             </a:endParaRPr>
           </a:p>
@@ -7416,9 +7999,15 @@
           </a:ln>
         </p:spPr>
         <p:style>
-          <a:lnRef idx="0"/>
-          <a:fillRef idx="0"/>
-          <a:effectRef idx="0"/>
+          <a:lnRef idx="0">
+            <a:scrgbClr r="0" g="0" b="0"/>
+          </a:lnRef>
+          <a:fillRef idx="0">
+            <a:scrgbClr r="0" g="0" b="0"/>
+          </a:fillRef>
+          <a:effectRef idx="0">
+            <a:scrgbClr r="0" g="0" b="0"/>
+          </a:effectRef>
           <a:fontRef idx="minor"/>
         </p:style>
       </p:sp>
@@ -7438,12 +8027,12 @@
         </p:grpSpPr>
         <p:pic>
           <p:nvPicPr>
-            <p:cNvPr id="107" name="Рисунок 1" descr=""/>
+            <p:cNvPr id="107" name="Рисунок 1"/>
             <p:cNvPicPr/>
             <p:nvPr/>
           </p:nvPicPr>
           <p:blipFill>
-            <a:blip r:embed="rId1"/>
+            <a:blip r:embed="rId3"/>
             <a:stretch/>
           </p:blipFill>
           <p:spPr>
@@ -7479,9 +8068,15 @@
             </a:ln>
           </p:spPr>
           <p:style>
-            <a:lnRef idx="0"/>
-            <a:fillRef idx="0"/>
-            <a:effectRef idx="0"/>
+            <a:lnRef idx="0">
+              <a:scrgbClr r="0" g="0" b="0"/>
+            </a:lnRef>
+            <a:fillRef idx="0">
+              <a:scrgbClr r="0" g="0" b="0"/>
+            </a:fillRef>
+            <a:effectRef idx="0">
+              <a:scrgbClr r="0" g="0" b="0"/>
+            </a:effectRef>
             <a:fontRef idx="minor"/>
           </p:style>
         </p:sp>
@@ -7538,15 +8133,22 @@
             </a:ln>
           </p:spPr>
           <p:style>
-            <a:lnRef idx="0"/>
-            <a:fillRef idx="0"/>
-            <a:effectRef idx="0"/>
+            <a:lnRef idx="0">
+              <a:scrgbClr r="0" g="0" b="0"/>
+            </a:lnRef>
+            <a:fillRef idx="0">
+              <a:scrgbClr r="0" g="0" b="0"/>
+            </a:fillRef>
+            <a:effectRef idx="0">
+              <a:scrgbClr r="0" g="0" b="0"/>
+            </a:effectRef>
             <a:fontRef idx="minor"/>
           </p:style>
           <p:txBody>
-            <a:bodyPr lIns="90000" rIns="90000" tIns="45000" bIns="45000">
+            <a:bodyPr lIns="90000" tIns="45000" rIns="90000" bIns="45000">
               <a:spAutoFit/>
             </a:bodyPr>
+            <a:lstStyle/>
             <a:p>
               <a:pPr>
                 <a:lnSpc>
@@ -7554,7 +8156,7 @@
                 </a:lnSpc>
               </a:pPr>
               <a:r>
-                <a:rPr b="0" lang="ru-RU" sz="1800" spc="-1" strike="noStrike">
+                <a:rPr lang="ru-RU" sz="1800" b="0" strike="noStrike" spc="-1">
                   <a:solidFill>
                     <a:srgbClr val="000000"/>
                   </a:solidFill>
@@ -7563,7 +8165,7 @@
                 </a:rPr>
                 <a:t>ФЛ</a:t>
               </a:r>
-              <a:endParaRPr b="0" lang="ru-RU" sz="1800" spc="-1" strike="noStrike">
+              <a:endParaRPr lang="ru-RU" sz="1800" b="0" strike="noStrike" spc="-1">
                 <a:latin typeface="Arial"/>
               </a:endParaRPr>
             </a:p>
@@ -7622,15 +8224,22 @@
             </a:ln>
           </p:spPr>
           <p:style>
-            <a:lnRef idx="0"/>
-            <a:fillRef idx="0"/>
-            <a:effectRef idx="0"/>
+            <a:lnRef idx="0">
+              <a:scrgbClr r="0" g="0" b="0"/>
+            </a:lnRef>
+            <a:fillRef idx="0">
+              <a:scrgbClr r="0" g="0" b="0"/>
+            </a:fillRef>
+            <a:effectRef idx="0">
+              <a:scrgbClr r="0" g="0" b="0"/>
+            </a:effectRef>
             <a:fontRef idx="minor"/>
           </p:style>
           <p:txBody>
-            <a:bodyPr lIns="90000" rIns="90000" tIns="45000" bIns="45000">
+            <a:bodyPr lIns="90000" tIns="45000" rIns="90000" bIns="45000">
               <a:spAutoFit/>
             </a:bodyPr>
+            <a:lstStyle/>
             <a:p>
               <a:pPr>
                 <a:lnSpc>
@@ -7638,7 +8247,7 @@
                 </a:lnSpc>
               </a:pPr>
               <a:r>
-                <a:rPr b="0" lang="ru-RU" sz="1800" spc="-1" strike="noStrike">
+                <a:rPr lang="ru-RU" sz="1800" b="0" strike="noStrike" spc="-1">
                   <a:solidFill>
                     <a:srgbClr val="000000"/>
                   </a:solidFill>
@@ -7647,7 +8256,7 @@
                 </a:rPr>
                 <a:t>МК1</a:t>
               </a:r>
-              <a:endParaRPr b="0" lang="ru-RU" sz="1800" spc="-1" strike="noStrike">
+              <a:endParaRPr lang="ru-RU" sz="1800" b="0" strike="noStrike" spc="-1">
                 <a:latin typeface="Arial"/>
               </a:endParaRPr>
             </a:p>
@@ -7706,15 +8315,22 @@
             </a:ln>
           </p:spPr>
           <p:style>
-            <a:lnRef idx="0"/>
-            <a:fillRef idx="0"/>
-            <a:effectRef idx="0"/>
+            <a:lnRef idx="0">
+              <a:scrgbClr r="0" g="0" b="0"/>
+            </a:lnRef>
+            <a:fillRef idx="0">
+              <a:scrgbClr r="0" g="0" b="0"/>
+            </a:fillRef>
+            <a:effectRef idx="0">
+              <a:scrgbClr r="0" g="0" b="0"/>
+            </a:effectRef>
             <a:fontRef idx="minor"/>
           </p:style>
           <p:txBody>
-            <a:bodyPr lIns="90000" rIns="90000" tIns="45000" bIns="45000">
+            <a:bodyPr lIns="90000" tIns="45000" rIns="90000" bIns="45000">
               <a:spAutoFit/>
             </a:bodyPr>
+            <a:lstStyle/>
             <a:p>
               <a:pPr>
                 <a:lnSpc>
@@ -7722,7 +8338,7 @@
                 </a:lnSpc>
               </a:pPr>
               <a:r>
-                <a:rPr b="0" lang="ru-RU" sz="1800" spc="-1" strike="noStrike">
+                <a:rPr lang="ru-RU" sz="1800" b="0" strike="noStrike" spc="-1">
                   <a:solidFill>
                     <a:srgbClr val="000000"/>
                   </a:solidFill>
@@ -7731,7 +8347,7 @@
                 </a:rPr>
                 <a:t>МК2</a:t>
               </a:r>
-              <a:endParaRPr b="0" lang="ru-RU" sz="1800" spc="-1" strike="noStrike">
+              <a:endParaRPr lang="ru-RU" sz="1800" b="0" strike="noStrike" spc="-1">
                 <a:latin typeface="Arial"/>
               </a:endParaRPr>
             </a:p>
@@ -7758,15 +8374,22 @@
           </a:ln>
         </p:spPr>
         <p:style>
-          <a:lnRef idx="0"/>
-          <a:fillRef idx="0"/>
-          <a:effectRef idx="0"/>
+          <a:lnRef idx="0">
+            <a:scrgbClr r="0" g="0" b="0"/>
+          </a:lnRef>
+          <a:fillRef idx="0">
+            <a:scrgbClr r="0" g="0" b="0"/>
+          </a:fillRef>
+          <a:effectRef idx="0">
+            <a:scrgbClr r="0" g="0" b="0"/>
+          </a:effectRef>
           <a:fontRef idx="minor"/>
         </p:style>
         <p:txBody>
-          <a:bodyPr lIns="90000" rIns="90000" tIns="45000" bIns="45000">
+          <a:bodyPr lIns="90000" tIns="45000" rIns="90000" bIns="45000">
             <a:spAutoFit/>
           </a:bodyPr>
+          <a:lstStyle/>
           <a:p>
             <a:pPr algn="ctr">
               <a:lnSpc>
@@ -7774,16 +8397,16 @@
               </a:lnSpc>
             </a:pPr>
             <a:fld id="{7F28B903-BF55-4160-8806-D67930CFFFDC}" type="slidenum">
-              <a:rPr b="0" lang="ru-RU" sz="2400" spc="-1" strike="noStrike">
+              <a:rPr lang="ru-RU" sz="2400" b="0" strike="noStrike" spc="-1">
                 <a:solidFill>
                   <a:srgbClr val="000000"/>
                 </a:solidFill>
                 <a:latin typeface="Arial"/>
                 <a:ea typeface="DejaVu Sans"/>
               </a:rPr>
-              <a:t>1</a:t>
+              <a:t>5</a:t>
             </a:fld>
-            <a:endParaRPr b="0" lang="ru-RU" sz="2400" spc="-1" strike="noStrike">
+            <a:endParaRPr lang="ru-RU" sz="2400" b="0" strike="noStrike" spc="-1">
               <a:latin typeface="Arial"/>
             </a:endParaRPr>
           </a:p>
@@ -7791,11 +8414,14 @@
       </p:sp>
     </p:spTree>
   </p:cSld>
-  <mc:AlternateContent>
+  <p:clrMapOvr>
+    <a:masterClrMapping/>
+  </p:clrMapOvr>
+  <mc:AlternateContent xmlns:mc="http://schemas.openxmlformats.org/markup-compatibility/2006" xmlns:p14="http://schemas.microsoft.com/office/powerpoint/2010/main">
     <mc:Choice Requires="p14">
       <p:transition spd="slow" p14:dur="2000"/>
     </mc:Choice>
-    <mc:Fallback>
+    <mc:Fallback xmlns:p15="http://schemas.microsoft.com/office/powerpoint/2012/main" xmlns="">
       <p:transition spd="slow"/>
     </mc:Fallback>
   </mc:AlternateContent>
@@ -7803,7 +8429,7 @@
 </file>
 
 <file path=ppt/slides/slide6.xml><?xml version="1.0" encoding="utf-8"?>
-<p:sld xmlns:a="http://schemas.openxmlformats.org/drawingml/2006/main" xmlns:p="http://schemas.openxmlformats.org/presentationml/2006/main" xmlns:r="http://schemas.openxmlformats.org/officeDocument/2006/relationships" xmlns:p14="http://schemas.microsoft.com/office/powerpoint/2010/main" xmlns:p15="http://schemas.microsoft.com/office/powerpoint/2012/main" xmlns:mc="http://schemas.openxmlformats.org/markup-compatibility/2006">
+<p:sld xmlns:a="http://schemas.openxmlformats.org/drawingml/2006/main" xmlns:r="http://schemas.openxmlformats.org/officeDocument/2006/relationships" xmlns:p="http://schemas.openxmlformats.org/presentationml/2006/main">
   <p:cSld>
     <p:spTree>
       <p:nvGrpSpPr>
@@ -7839,15 +8465,22 @@
           </a:ln>
         </p:spPr>
         <p:style>
-          <a:lnRef idx="0"/>
-          <a:fillRef idx="0"/>
-          <a:effectRef idx="0"/>
+          <a:lnRef idx="0">
+            <a:scrgbClr r="0" g="0" b="0"/>
+          </a:lnRef>
+          <a:fillRef idx="0">
+            <a:scrgbClr r="0" g="0" b="0"/>
+          </a:fillRef>
+          <a:effectRef idx="0">
+            <a:scrgbClr r="0" g="0" b="0"/>
+          </a:effectRef>
           <a:fontRef idx="minor"/>
         </p:style>
         <p:txBody>
-          <a:bodyPr lIns="90000" rIns="90000" tIns="45000" bIns="45000" anchor="ctr">
+          <a:bodyPr lIns="90000" tIns="45000" rIns="90000" bIns="45000" anchor="ctr">
             <a:noAutofit/>
           </a:bodyPr>
+          <a:lstStyle/>
           <a:p>
             <a:pPr algn="ctr">
               <a:lnSpc>
@@ -7855,7 +8488,7 @@
               </a:lnSpc>
             </a:pPr>
             <a:r>
-              <a:rPr b="0" lang="ru-RU" sz="4400" spc="-1" strike="noStrike">
+              <a:rPr lang="ru-RU" sz="4400" b="0" strike="noStrike" spc="-1">
                 <a:solidFill>
                   <a:srgbClr val="000000"/>
                 </a:solidFill>
@@ -7864,7 +8497,7 @@
               </a:rPr>
               <a:t>Подходы пространственной фильтрации</a:t>
             </a:r>
-            <a:endParaRPr b="0" lang="ru-RU" sz="4400" spc="-1" strike="noStrike">
+            <a:endParaRPr lang="ru-RU" sz="4400" b="0" strike="noStrike" spc="-1">
               <a:latin typeface="Arial"/>
             </a:endParaRPr>
           </a:p>
@@ -7890,15 +8523,22 @@
           </a:ln>
         </p:spPr>
         <p:style>
-          <a:lnRef idx="0"/>
-          <a:fillRef idx="0"/>
-          <a:effectRef idx="0"/>
+          <a:lnRef idx="0">
+            <a:scrgbClr r="0" g="0" b="0"/>
+          </a:lnRef>
+          <a:fillRef idx="0">
+            <a:scrgbClr r="0" g="0" b="0"/>
+          </a:fillRef>
+          <a:effectRef idx="0">
+            <a:scrgbClr r="0" g="0" b="0"/>
+          </a:effectRef>
           <a:fontRef idx="minor"/>
         </p:style>
         <p:txBody>
-          <a:bodyPr lIns="90000" rIns="90000" tIns="45000" bIns="45000">
+          <a:bodyPr lIns="90000" tIns="45000" rIns="90000" bIns="45000">
             <a:noAutofit/>
           </a:bodyPr>
+          <a:lstStyle/>
           <a:p>
             <a:pPr algn="ctr">
               <a:lnSpc>
@@ -7906,7 +8546,7 @@
               </a:lnSpc>
             </a:pPr>
             <a:r>
-              <a:rPr b="0" lang="en-US" sz="1800" spc="-1" strike="noStrike">
+              <a:rPr lang="en-US" sz="1800" b="0" strike="noStrike" spc="-1">
                 <a:solidFill>
                   <a:srgbClr val="000000"/>
                 </a:solidFill>
@@ -7915,7 +8555,7 @@
               </a:rPr>
               <a:t>Data-independent</a:t>
             </a:r>
-            <a:endParaRPr b="0" lang="ru-RU" sz="1800" spc="-1" strike="noStrike">
+            <a:endParaRPr lang="ru-RU" sz="1800" b="0" strike="noStrike" spc="-1">
               <a:latin typeface="Arial"/>
             </a:endParaRPr>
           </a:p>
@@ -7941,15 +8581,22 @@
           </a:ln>
         </p:spPr>
         <p:style>
-          <a:lnRef idx="0"/>
-          <a:fillRef idx="0"/>
-          <a:effectRef idx="0"/>
+          <a:lnRef idx="0">
+            <a:scrgbClr r="0" g="0" b="0"/>
+          </a:lnRef>
+          <a:fillRef idx="0">
+            <a:scrgbClr r="0" g="0" b="0"/>
+          </a:fillRef>
+          <a:effectRef idx="0">
+            <a:scrgbClr r="0" g="0" b="0"/>
+          </a:effectRef>
           <a:fontRef idx="minor"/>
         </p:style>
         <p:txBody>
-          <a:bodyPr lIns="90000" rIns="90000" tIns="45000" bIns="45000">
+          <a:bodyPr lIns="90000" tIns="45000" rIns="90000" bIns="45000">
             <a:noAutofit/>
           </a:bodyPr>
+          <a:lstStyle/>
           <a:p>
             <a:pPr algn="ctr">
               <a:lnSpc>
@@ -7957,7 +8604,7 @@
               </a:lnSpc>
             </a:pPr>
             <a:r>
-              <a:rPr b="0" lang="en-US" sz="1800" spc="-1" strike="noStrike">
+              <a:rPr lang="en-US" sz="1800" b="0" strike="noStrike" spc="-1">
                 <a:solidFill>
                   <a:srgbClr val="000000"/>
                 </a:solidFill>
@@ -7966,7 +8613,7 @@
               </a:rPr>
               <a:t>Stastically-optimum</a:t>
             </a:r>
-            <a:endParaRPr b="0" lang="ru-RU" sz="1800" spc="-1" strike="noStrike">
+            <a:endParaRPr lang="ru-RU" sz="1800" b="0" strike="noStrike" spc="-1">
               <a:latin typeface="Arial"/>
             </a:endParaRPr>
           </a:p>
@@ -7974,12 +8621,12 @@
       </p:sp>
       <p:pic>
         <p:nvPicPr>
-          <p:cNvPr id="119" name="Рисунок 1" descr=""/>
+          <p:cNvPr id="119" name="Рисунок 1"/>
           <p:cNvPicPr/>
           <p:nvPr/>
         </p:nvPicPr>
         <p:blipFill>
-          <a:blip r:embed="rId1"/>
+          <a:blip r:embed="rId3"/>
           <a:stretch/>
         </p:blipFill>
         <p:spPr>
@@ -7997,12 +8644,12 @@
       </p:pic>
       <p:pic>
         <p:nvPicPr>
-          <p:cNvPr id="120" name="Рисунок 2" descr=""/>
+          <p:cNvPr id="120" name="Рисунок 2"/>
           <p:cNvPicPr/>
           <p:nvPr/>
         </p:nvPicPr>
         <p:blipFill>
-          <a:blip r:embed="rId2"/>
+          <a:blip r:embed="rId4"/>
           <a:stretch/>
         </p:blipFill>
         <p:spPr>
@@ -8038,15 +8685,22 @@
           </a:ln>
         </p:spPr>
         <p:style>
-          <a:lnRef idx="0"/>
-          <a:fillRef idx="0"/>
-          <a:effectRef idx="0"/>
+          <a:lnRef idx="0">
+            <a:scrgbClr r="0" g="0" b="0"/>
+          </a:lnRef>
+          <a:fillRef idx="0">
+            <a:scrgbClr r="0" g="0" b="0"/>
+          </a:fillRef>
+          <a:effectRef idx="0">
+            <a:scrgbClr r="0" g="0" b="0"/>
+          </a:effectRef>
           <a:fontRef idx="minor"/>
         </p:style>
         <p:txBody>
-          <a:bodyPr lIns="90000" rIns="90000" tIns="45000" bIns="45000">
+          <a:bodyPr lIns="90000" tIns="45000" rIns="90000" bIns="45000">
             <a:spAutoFit/>
           </a:bodyPr>
+          <a:lstStyle/>
           <a:p>
             <a:pPr algn="ctr">
               <a:lnSpc>
@@ -8054,16 +8708,16 @@
               </a:lnSpc>
             </a:pPr>
             <a:fld id="{198515CE-41F8-4B2A-A10D-8CBA95BD0395}" type="slidenum">
-              <a:rPr b="0" lang="ru-RU" sz="2400" spc="-1" strike="noStrike">
+              <a:rPr lang="ru-RU" sz="2400" b="0" strike="noStrike" spc="-1">
                 <a:solidFill>
                   <a:srgbClr val="000000"/>
                 </a:solidFill>
                 <a:latin typeface="Arial"/>
                 <a:ea typeface="DejaVu Sans"/>
               </a:rPr>
-              <a:t>1</a:t>
+              <a:t>6</a:t>
             </a:fld>
-            <a:endParaRPr b="0" lang="ru-RU" sz="2400" spc="-1" strike="noStrike">
+            <a:endParaRPr lang="ru-RU" sz="2400" b="0" strike="noStrike" spc="-1">
               <a:latin typeface="Arial"/>
             </a:endParaRPr>
           </a:p>
@@ -8071,11 +8725,14 @@
       </p:sp>
     </p:spTree>
   </p:cSld>
-  <mc:AlternateContent>
+  <p:clrMapOvr>
+    <a:masterClrMapping/>
+  </p:clrMapOvr>
+  <mc:AlternateContent xmlns:mc="http://schemas.openxmlformats.org/markup-compatibility/2006" xmlns:p14="http://schemas.microsoft.com/office/powerpoint/2010/main">
     <mc:Choice Requires="p14">
       <p:transition spd="slow" p14:dur="2000"/>
     </mc:Choice>
-    <mc:Fallback>
+    <mc:Fallback xmlns:p15="http://schemas.microsoft.com/office/powerpoint/2012/main" xmlns="">
       <p:transition spd="slow"/>
     </mc:Fallback>
   </mc:AlternateContent>
@@ -8083,7 +8740,7 @@
 </file>
 
 <file path=ppt/slides/slide7.xml><?xml version="1.0" encoding="utf-8"?>
-<p:sld xmlns:a="http://schemas.openxmlformats.org/drawingml/2006/main" xmlns:p="http://schemas.openxmlformats.org/presentationml/2006/main" xmlns:r="http://schemas.openxmlformats.org/officeDocument/2006/relationships" xmlns:p14="http://schemas.microsoft.com/office/powerpoint/2010/main" xmlns:p15="http://schemas.microsoft.com/office/powerpoint/2012/main" xmlns:mc="http://schemas.openxmlformats.org/markup-compatibility/2006">
+<p:sld xmlns:a="http://schemas.openxmlformats.org/drawingml/2006/main" xmlns:r="http://schemas.openxmlformats.org/officeDocument/2006/relationships" xmlns:p="http://schemas.openxmlformats.org/presentationml/2006/main">
   <p:cSld>
     <p:spTree>
       <p:nvGrpSpPr>
@@ -8119,15 +8776,22 @@
           </a:ln>
         </p:spPr>
         <p:style>
-          <a:lnRef idx="0"/>
-          <a:fillRef idx="0"/>
-          <a:effectRef idx="0"/>
+          <a:lnRef idx="0">
+            <a:scrgbClr r="0" g="0" b="0"/>
+          </a:lnRef>
+          <a:fillRef idx="0">
+            <a:scrgbClr r="0" g="0" b="0"/>
+          </a:fillRef>
+          <a:effectRef idx="0">
+            <a:scrgbClr r="0" g="0" b="0"/>
+          </a:effectRef>
           <a:fontRef idx="minor"/>
         </p:style>
         <p:txBody>
-          <a:bodyPr lIns="90000" rIns="90000" tIns="45000" bIns="45000" anchor="ctr">
+          <a:bodyPr lIns="90000" tIns="45000" rIns="90000" bIns="45000" anchor="ctr">
             <a:noAutofit/>
           </a:bodyPr>
+          <a:lstStyle/>
           <a:p>
             <a:pPr algn="ctr">
               <a:lnSpc>
@@ -8135,7 +8799,7 @@
               </a:lnSpc>
             </a:pPr>
             <a:r>
-              <a:rPr b="0" lang="ru-RU" sz="4400" spc="-1" strike="noStrike">
+              <a:rPr lang="ru-RU" sz="4400" b="0" strike="noStrike" spc="-1">
                 <a:solidFill>
                   <a:srgbClr val="000000"/>
                 </a:solidFill>
@@ -8144,7 +8808,7 @@
               </a:rPr>
               <a:t>Линейно ограниченные ФЛ</a:t>
             </a:r>
-            <a:endParaRPr b="0" lang="ru-RU" sz="4400" spc="-1" strike="noStrike">
+            <a:endParaRPr lang="ru-RU" sz="4400" b="0" strike="noStrike" spc="-1">
               <a:latin typeface="Arial"/>
             </a:endParaRPr>
           </a:p>
@@ -8170,9 +8834,15 @@
           </a:ln>
         </p:spPr>
         <p:style>
-          <a:lnRef idx="0"/>
-          <a:fillRef idx="0"/>
-          <a:effectRef idx="0"/>
+          <a:lnRef idx="0">
+            <a:scrgbClr r="0" g="0" b="0"/>
+          </a:lnRef>
+          <a:fillRef idx="0">
+            <a:scrgbClr r="0" g="0" b="0"/>
+          </a:fillRef>
+          <a:effectRef idx="0">
+            <a:scrgbClr r="0" g="0" b="0"/>
+          </a:effectRef>
           <a:fontRef idx="minor"/>
         </p:style>
       </p:sp>
@@ -8196,15 +8866,22 @@
           </a:ln>
         </p:spPr>
         <p:style>
-          <a:lnRef idx="0"/>
-          <a:fillRef idx="0"/>
-          <a:effectRef idx="0"/>
+          <a:lnRef idx="0">
+            <a:scrgbClr r="0" g="0" b="0"/>
+          </a:lnRef>
+          <a:fillRef idx="0">
+            <a:scrgbClr r="0" g="0" b="0"/>
+          </a:fillRef>
+          <a:effectRef idx="0">
+            <a:scrgbClr r="0" g="0" b="0"/>
+          </a:effectRef>
           <a:fontRef idx="minor"/>
         </p:style>
         <p:txBody>
-          <a:bodyPr lIns="90000" rIns="90000" tIns="45000" bIns="45000">
+          <a:bodyPr lIns="90000" tIns="45000" rIns="90000" bIns="45000">
             <a:spAutoFit/>
           </a:bodyPr>
+          <a:lstStyle/>
           <a:p>
             <a:pPr>
               <a:lnSpc>
@@ -8212,7 +8889,7 @@
               </a:lnSpc>
             </a:pPr>
             <a:r>
-              <a:rPr b="0" i="1" lang="en-US" sz="2000" spc="-1" strike="noStrike">
+              <a:rPr lang="en-US" sz="2000" b="0" i="1" strike="noStrike" spc="-1">
                 <a:solidFill>
                   <a:srgbClr val="000000"/>
                 </a:solidFill>
@@ -8222,7 +8899,7 @@
               <a:t>LC LMS </a:t>
             </a:r>
             <a:r>
-              <a:rPr b="0" i="1" lang="ru-RU" sz="2000" spc="-1" strike="noStrike">
+              <a:rPr lang="ru-RU" sz="2000" b="0" i="1" strike="noStrike" spc="-1">
                 <a:solidFill>
                   <a:srgbClr val="000000"/>
                 </a:solidFill>
@@ -8232,7 +8909,7 @@
               <a:t>– </a:t>
             </a:r>
             <a:r>
-              <a:rPr b="0" i="1" lang="en-US" sz="2000" spc="-1" strike="noStrike">
+              <a:rPr lang="en-US" sz="2000" b="0" i="1" strike="noStrike" spc="-1">
                 <a:solidFill>
                   <a:srgbClr val="000000"/>
                 </a:solidFill>
@@ -8242,7 +8919,7 @@
               <a:t> Linear Constrained Least Mean Squares </a:t>
             </a:r>
             <a:r>
-              <a:rPr b="0" i="1" lang="ru-RU" sz="2000" spc="-1" strike="noStrike">
+              <a:rPr lang="ru-RU" sz="2000" b="0" i="1" strike="noStrike" spc="-1">
                 <a:solidFill>
                   <a:srgbClr val="000000"/>
                 </a:solidFill>
@@ -8252,7 +8929,7 @@
               <a:t> –</a:t>
             </a:r>
             <a:r>
-              <a:rPr b="0" i="1" lang="en-US" sz="2000" spc="-1" strike="noStrike">
+              <a:rPr lang="en-US" sz="2000" b="0" i="1" strike="noStrike" spc="-1">
                 <a:solidFill>
                   <a:srgbClr val="000000"/>
                 </a:solidFill>
@@ -8262,7 +8939,7 @@
               <a:t> </a:t>
             </a:r>
             <a:r>
-              <a:rPr b="0" i="1" lang="ru-RU" sz="2000" spc="-1" strike="noStrike">
+              <a:rPr lang="ru-RU" sz="2000" b="0" i="1" strike="noStrike" spc="-1">
                 <a:solidFill>
                   <a:srgbClr val="000000"/>
                 </a:solidFill>
@@ -8271,7 +8948,7 @@
               </a:rPr>
               <a:t>Алгоритм Фроста</a:t>
             </a:r>
-            <a:endParaRPr b="0" lang="ru-RU" sz="2000" spc="-1" strike="noStrike">
+            <a:endParaRPr lang="ru-RU" sz="2000" b="0" strike="noStrike" spc="-1">
               <a:latin typeface="Arial"/>
             </a:endParaRPr>
           </a:p>
@@ -8282,7 +8959,7 @@
               </a:lnSpc>
             </a:pPr>
             <a:r>
-              <a:rPr b="0" i="1" lang="en-US" sz="2000" spc="-1" strike="noStrike">
+              <a:rPr lang="en-US" sz="2000" b="0" i="1" strike="noStrike" spc="-1">
                 <a:solidFill>
                   <a:srgbClr val="000000"/>
                 </a:solidFill>
@@ -8292,7 +8969,7 @@
               <a:t>LC RLS </a:t>
             </a:r>
             <a:r>
-              <a:rPr b="0" i="1" lang="ru-RU" sz="2000" spc="-1" strike="noStrike">
+              <a:rPr lang="ru-RU" sz="2000" b="0" i="1" strike="noStrike" spc="-1">
                 <a:solidFill>
                   <a:srgbClr val="000000"/>
                 </a:solidFill>
@@ -8302,7 +8979,7 @@
               <a:t>– </a:t>
             </a:r>
             <a:r>
-              <a:rPr b="0" i="1" lang="en-US" sz="2000" spc="-1" strike="noStrike">
+              <a:rPr lang="en-US" sz="2000" b="0" i="1" strike="noStrike" spc="-1">
                 <a:solidFill>
                   <a:srgbClr val="000000"/>
                 </a:solidFill>
@@ -8311,7 +8988,7 @@
               </a:rPr>
               <a:t> Linear Constrained Recursive Least Squares</a:t>
             </a:r>
-            <a:endParaRPr b="0" lang="ru-RU" sz="2000" spc="-1" strike="noStrike">
+            <a:endParaRPr lang="ru-RU" sz="2000" b="0" strike="noStrike" spc="-1">
               <a:latin typeface="Arial"/>
             </a:endParaRPr>
           </a:p>
@@ -8321,7 +8998,7 @@
                 <a:spcPct val="100000"/>
               </a:lnSpc>
             </a:pPr>
-            <a:endParaRPr b="0" lang="ru-RU" sz="2000" spc="-1" strike="noStrike">
+            <a:endParaRPr lang="ru-RU" sz="2000" b="0" strike="noStrike" spc="-1">
               <a:latin typeface="Arial"/>
             </a:endParaRPr>
           </a:p>
@@ -8331,7 +9008,7 @@
                 <a:spcPct val="100000"/>
               </a:lnSpc>
             </a:pPr>
-            <a:endParaRPr b="0" lang="ru-RU" sz="2000" spc="-1" strike="noStrike">
+            <a:endParaRPr lang="ru-RU" sz="2000" b="0" strike="noStrike" spc="-1">
               <a:latin typeface="Arial"/>
             </a:endParaRPr>
           </a:p>
@@ -8357,15 +9034,22 @@
           </a:ln>
         </p:spPr>
         <p:style>
-          <a:lnRef idx="0"/>
-          <a:fillRef idx="0"/>
-          <a:effectRef idx="0"/>
+          <a:lnRef idx="0">
+            <a:scrgbClr r="0" g="0" b="0"/>
+          </a:lnRef>
+          <a:fillRef idx="0">
+            <a:scrgbClr r="0" g="0" b="0"/>
+          </a:fillRef>
+          <a:effectRef idx="0">
+            <a:scrgbClr r="0" g="0" b="0"/>
+          </a:effectRef>
           <a:fontRef idx="minor"/>
         </p:style>
         <p:txBody>
-          <a:bodyPr lIns="90000" rIns="90000" tIns="45000" bIns="45000">
+          <a:bodyPr lIns="90000" tIns="45000" rIns="90000" bIns="45000">
             <a:spAutoFit/>
           </a:bodyPr>
+          <a:lstStyle/>
           <a:p>
             <a:pPr>
               <a:lnSpc>
@@ -8373,7 +9057,7 @@
               </a:lnSpc>
             </a:pPr>
             <a:r>
-              <a:rPr b="0" lang="ru-RU" sz="2000" spc="-1" strike="noStrike">
+              <a:rPr lang="ru-RU" sz="2000" b="0" strike="noStrike" spc="-1">
                 <a:solidFill>
                   <a:srgbClr val="000000"/>
                 </a:solidFill>
@@ -8383,7 +9067,7 @@
               <a:t>Минимизация </a:t>
             </a:r>
             <a:r>
-              <a:rPr b="0" lang="en-US" sz="2000" spc="-1" strike="noStrike">
+              <a:rPr lang="en-US" sz="2000" b="0" strike="noStrike" spc="-1">
                 <a:solidFill>
                   <a:srgbClr val="000000"/>
                 </a:solidFill>
@@ -8393,7 +9077,7 @@
               <a:t>MSE</a:t>
             </a:r>
             <a:r>
-              <a:rPr b="0" lang="ru-RU" sz="2000" spc="-1" strike="noStrike">
+              <a:rPr lang="ru-RU" sz="2000" b="0" strike="noStrike" spc="-1">
                 <a:solidFill>
                   <a:srgbClr val="000000"/>
                 </a:solidFill>
@@ -8402,9 +9086,12 @@
               </a:rPr>
               <a:t>-функции </a:t>
             </a:r>
+            <a:r>
+              <a:t/>
+            </a:r>
             <a:br/>
             <a:r>
-              <a:rPr b="0" lang="ru-RU" sz="2000" spc="-1" strike="noStrike">
+              <a:rPr lang="ru-RU" sz="2000" b="0" strike="noStrike" spc="-1">
                 <a:solidFill>
                   <a:srgbClr val="000000"/>
                 </a:solidFill>
@@ -8413,7 +9100,7 @@
               </a:rPr>
               <a:t>с линейными ограничениями </a:t>
             </a:r>
-            <a:endParaRPr b="0" lang="ru-RU" sz="2000" spc="-1" strike="noStrike">
+            <a:endParaRPr lang="ru-RU" sz="2000" b="0" strike="noStrike" spc="-1">
               <a:latin typeface="Arial"/>
             </a:endParaRPr>
           </a:p>
@@ -8439,15 +9126,22 @@
           </a:ln>
         </p:spPr>
         <p:style>
-          <a:lnRef idx="0"/>
-          <a:fillRef idx="0"/>
-          <a:effectRef idx="0"/>
+          <a:lnRef idx="0">
+            <a:scrgbClr r="0" g="0" b="0"/>
+          </a:lnRef>
+          <a:fillRef idx="0">
+            <a:scrgbClr r="0" g="0" b="0"/>
+          </a:fillRef>
+          <a:effectRef idx="0">
+            <a:scrgbClr r="0" g="0" b="0"/>
+          </a:effectRef>
           <a:fontRef idx="minor"/>
         </p:style>
         <p:txBody>
-          <a:bodyPr lIns="90000" rIns="90000" tIns="45000" bIns="45000">
+          <a:bodyPr lIns="90000" tIns="45000" rIns="90000" bIns="45000">
             <a:spAutoFit/>
           </a:bodyPr>
+          <a:lstStyle/>
           <a:p>
             <a:pPr>
               <a:lnSpc>
@@ -8455,7 +9149,7 @@
               </a:lnSpc>
             </a:pPr>
             <a:r>
-              <a:rPr b="0" lang="ru-RU" sz="2000" spc="-1" strike="noStrike">
+              <a:rPr lang="ru-RU" sz="2000" b="0" strike="noStrike" spc="-1">
                 <a:solidFill>
                   <a:srgbClr val="000000"/>
                 </a:solidFill>
@@ -8465,7 +9159,7 @@
               <a:t>Минимизация </a:t>
             </a:r>
             <a:r>
-              <a:rPr b="0" lang="en-US" sz="2000" spc="-1" strike="noStrike">
+              <a:rPr lang="en-US" sz="2000" b="0" strike="noStrike" spc="-1">
                 <a:solidFill>
                   <a:srgbClr val="000000"/>
                 </a:solidFill>
@@ -8475,7 +9169,7 @@
               <a:t>LS</a:t>
             </a:r>
             <a:r>
-              <a:rPr b="0" lang="ru-RU" sz="2000" spc="-1" strike="noStrike">
+              <a:rPr lang="ru-RU" sz="2000" b="0" strike="noStrike" spc="-1">
                 <a:solidFill>
                   <a:srgbClr val="000000"/>
                 </a:solidFill>
@@ -8484,9 +9178,12 @@
               </a:rPr>
               <a:t>-функции </a:t>
             </a:r>
+            <a:r>
+              <a:t/>
+            </a:r>
             <a:br/>
             <a:r>
-              <a:rPr b="0" lang="ru-RU" sz="2000" spc="-1" strike="noStrike">
+              <a:rPr lang="ru-RU" sz="2000" b="0" strike="noStrike" spc="-1">
                 <a:solidFill>
                   <a:srgbClr val="000000"/>
                 </a:solidFill>
@@ -8495,7 +9192,7 @@
               </a:rPr>
               <a:t>с линейными ограничениями </a:t>
             </a:r>
-            <a:endParaRPr b="0" lang="ru-RU" sz="2000" spc="-1" strike="noStrike">
+            <a:endParaRPr lang="ru-RU" sz="2000" b="0" strike="noStrike" spc="-1">
               <a:latin typeface="Arial"/>
             </a:endParaRPr>
           </a:p>
@@ -8516,6 +9213,7 @@
             <a:avLst/>
             <a:gdLst/>
             <a:ahLst/>
+            <a:cxnLst/>
             <a:rect l="l" t="t" r="r" b="b"/>
             <a:pathLst>
               <a:path w="21600" h="21600">
@@ -8533,7 +9231,7 @@
             <a:solidFill>
               <a:schemeClr val="tx1"/>
             </a:solidFill>
-            <a:tailEnd len="med" type="arrow" w="med"/>
+            <a:tailEnd type="arrow" w="med" len="med"/>
           </a:ln>
         </p:spPr>
         <p:style>
@@ -8564,6 +9262,7 @@
             <a:avLst/>
             <a:gdLst/>
             <a:ahLst/>
+            <a:cxnLst/>
             <a:rect l="l" t="t" r="r" b="b"/>
             <a:pathLst>
               <a:path w="21600" h="21600">
@@ -8581,7 +9280,7 @@
             <a:solidFill>
               <a:schemeClr val="tx1"/>
             </a:solidFill>
-            <a:tailEnd len="med" type="arrow" w="med"/>
+            <a:tailEnd type="arrow" w="med" len="med"/>
           </a:ln>
         </p:spPr>
         <p:style>
@@ -8617,15 +9316,22 @@
           </a:ln>
         </p:spPr>
         <p:style>
-          <a:lnRef idx="0"/>
-          <a:fillRef idx="0"/>
-          <a:effectRef idx="0"/>
+          <a:lnRef idx="0">
+            <a:scrgbClr r="0" g="0" b="0"/>
+          </a:lnRef>
+          <a:fillRef idx="0">
+            <a:scrgbClr r="0" g="0" b="0"/>
+          </a:fillRef>
+          <a:effectRef idx="0">
+            <a:scrgbClr r="0" g="0" b="0"/>
+          </a:effectRef>
           <a:fontRef idx="minor"/>
         </p:style>
         <p:txBody>
-          <a:bodyPr wrap="none" lIns="90000" rIns="90000" tIns="45000" bIns="45000">
+          <a:bodyPr wrap="none" lIns="90000" tIns="45000" rIns="90000" bIns="45000">
             <a:spAutoFit/>
           </a:bodyPr>
+          <a:lstStyle/>
           <a:p>
             <a:pPr>
               <a:lnSpc>
@@ -8633,7 +9339,7 @@
               </a:lnSpc>
             </a:pPr>
             <a:r>
-              <a:rPr b="0" i="1" lang="en-US" sz="2000" spc="-1" strike="noStrike">
+              <a:rPr lang="en-US" sz="2000" b="0" i="1" strike="noStrike" spc="-1">
                 <a:solidFill>
                   <a:srgbClr val="000000"/>
                 </a:solidFill>
@@ -8642,7 +9348,7 @@
               </a:rPr>
               <a:t>LC RLS</a:t>
             </a:r>
-            <a:endParaRPr b="0" lang="ru-RU" sz="2000" spc="-1" strike="noStrike">
+            <a:endParaRPr lang="ru-RU" sz="2000" b="0" strike="noStrike" spc="-1">
               <a:latin typeface="Arial"/>
             </a:endParaRPr>
           </a:p>
@@ -8663,6 +9369,7 @@
             <a:avLst/>
             <a:gdLst/>
             <a:ahLst/>
+            <a:cxnLst/>
             <a:rect l="l" t="t" r="r" b="b"/>
             <a:pathLst>
               <a:path w="21600" h="21600">
@@ -8680,7 +9387,7 @@
             <a:solidFill>
               <a:schemeClr val="tx1"/>
             </a:solidFill>
-            <a:tailEnd len="med" type="arrow" w="med"/>
+            <a:tailEnd type="arrow" w="med" len="med"/>
           </a:ln>
         </p:spPr>
         <p:style>
@@ -8716,15 +9423,22 @@
           </a:ln>
         </p:spPr>
         <p:style>
-          <a:lnRef idx="0"/>
-          <a:fillRef idx="0"/>
-          <a:effectRef idx="0"/>
+          <a:lnRef idx="0">
+            <a:scrgbClr r="0" g="0" b="0"/>
+          </a:lnRef>
+          <a:fillRef idx="0">
+            <a:scrgbClr r="0" g="0" b="0"/>
+          </a:fillRef>
+          <a:effectRef idx="0">
+            <a:scrgbClr r="0" g="0" b="0"/>
+          </a:effectRef>
           <a:fontRef idx="minor"/>
         </p:style>
         <p:txBody>
-          <a:bodyPr wrap="none" lIns="90000" rIns="90000" tIns="45000" bIns="45000">
+          <a:bodyPr wrap="none" lIns="90000" tIns="45000" rIns="90000" bIns="45000">
             <a:spAutoFit/>
           </a:bodyPr>
+          <a:lstStyle/>
           <a:p>
             <a:pPr>
               <a:lnSpc>
@@ -8732,7 +9446,7 @@
               </a:lnSpc>
             </a:pPr>
             <a:r>
-              <a:rPr b="0" i="1" lang="en-US" sz="2000" spc="-1" strike="noStrike">
+              <a:rPr lang="en-US" sz="2000" b="0" i="1" strike="noStrike" spc="-1">
                 <a:solidFill>
                   <a:srgbClr val="000000"/>
                 </a:solidFill>
@@ -8741,7 +9455,7 @@
               </a:rPr>
               <a:t>LC LMS</a:t>
             </a:r>
-            <a:endParaRPr b="0" lang="ru-RU" sz="2000" spc="-1" strike="noStrike">
+            <a:endParaRPr lang="ru-RU" sz="2000" b="0" strike="noStrike" spc="-1">
               <a:latin typeface="Arial"/>
             </a:endParaRPr>
           </a:p>
@@ -8762,6 +9476,7 @@
             <a:avLst/>
             <a:gdLst/>
             <a:ahLst/>
+            <a:cxnLst/>
             <a:rect l="l" t="t" r="r" b="b"/>
             <a:pathLst>
               <a:path w="21600" h="21600">
@@ -8779,7 +9494,7 @@
             <a:solidFill>
               <a:schemeClr val="tx1"/>
             </a:solidFill>
-            <a:tailEnd len="med" type="arrow" w="med"/>
+            <a:tailEnd type="arrow" w="med" len="med"/>
           </a:ln>
         </p:spPr>
         <p:style>
@@ -8815,15 +9530,22 @@
           </a:ln>
         </p:spPr>
         <p:style>
-          <a:lnRef idx="0"/>
-          <a:fillRef idx="0"/>
-          <a:effectRef idx="0"/>
+          <a:lnRef idx="0">
+            <a:scrgbClr r="0" g="0" b="0"/>
+          </a:lnRef>
+          <a:fillRef idx="0">
+            <a:scrgbClr r="0" g="0" b="0"/>
+          </a:fillRef>
+          <a:effectRef idx="0">
+            <a:scrgbClr r="0" g="0" b="0"/>
+          </a:effectRef>
           <a:fontRef idx="minor"/>
         </p:style>
         <p:txBody>
-          <a:bodyPr lIns="90000" rIns="90000" tIns="45000" bIns="45000">
+          <a:bodyPr lIns="90000" tIns="45000" rIns="90000" bIns="45000">
             <a:spAutoFit/>
           </a:bodyPr>
+          <a:lstStyle/>
           <a:p>
             <a:pPr algn="ctr">
               <a:lnSpc>
@@ -8831,16 +9553,16 @@
               </a:lnSpc>
             </a:pPr>
             <a:fld id="{EB5D8001-7204-4D99-BFAC-5A13DD38F1DC}" type="slidenum">
-              <a:rPr b="0" lang="ru-RU" sz="2400" spc="-1" strike="noStrike">
+              <a:rPr lang="ru-RU" sz="2400" b="0" strike="noStrike" spc="-1">
                 <a:solidFill>
                   <a:srgbClr val="000000"/>
                 </a:solidFill>
                 <a:latin typeface="Arial"/>
                 <a:ea typeface="DejaVu Sans"/>
               </a:rPr>
-              <a:t>1</a:t>
+              <a:t>7</a:t>
             </a:fld>
-            <a:endParaRPr b="0" lang="ru-RU" sz="2400" spc="-1" strike="noStrike">
+            <a:endParaRPr lang="ru-RU" sz="2400" b="0" strike="noStrike" spc="-1">
               <a:latin typeface="Arial"/>
             </a:endParaRPr>
           </a:p>
@@ -8848,12 +9570,12 @@
       </p:sp>
       <p:pic>
         <p:nvPicPr>
-          <p:cNvPr id="134" name="Рисунок 133" descr=""/>
+          <p:cNvPr id="134" name="Рисунок 133"/>
           <p:cNvPicPr/>
           <p:nvPr/>
         </p:nvPicPr>
         <p:blipFill>
-          <a:blip r:embed="rId1"/>
+          <a:blip r:embed="rId3"/>
           <a:stretch/>
         </p:blipFill>
         <p:spPr>
@@ -8871,12 +9593,12 @@
       </p:pic>
       <p:pic>
         <p:nvPicPr>
-          <p:cNvPr id="135" name="Рисунок 134" descr=""/>
+          <p:cNvPr id="135" name="Рисунок 134"/>
           <p:cNvPicPr/>
           <p:nvPr/>
         </p:nvPicPr>
         <p:blipFill>
-          <a:blip r:embed="rId2"/>
+          <a:blip r:embed="rId4"/>
           <a:stretch/>
         </p:blipFill>
         <p:spPr>
@@ -8894,11 +9616,14 @@
       </p:pic>
     </p:spTree>
   </p:cSld>
-  <mc:AlternateContent>
+  <p:clrMapOvr>
+    <a:masterClrMapping/>
+  </p:clrMapOvr>
+  <mc:AlternateContent xmlns:mc="http://schemas.openxmlformats.org/markup-compatibility/2006" xmlns:p14="http://schemas.microsoft.com/office/powerpoint/2010/main">
     <mc:Choice Requires="p14">
       <p:transition spd="slow" p14:dur="2000"/>
     </mc:Choice>
-    <mc:Fallback>
+    <mc:Fallback xmlns:p15="http://schemas.microsoft.com/office/powerpoint/2012/main" xmlns="">
       <p:transition spd="slow"/>
     </mc:Fallback>
   </mc:AlternateContent>
@@ -8906,7 +9631,7 @@
 </file>
 
 <file path=ppt/slides/slide8.xml><?xml version="1.0" encoding="utf-8"?>
-<p:sld xmlns:a="http://schemas.openxmlformats.org/drawingml/2006/main" xmlns:p="http://schemas.openxmlformats.org/presentationml/2006/main" xmlns:r="http://schemas.openxmlformats.org/officeDocument/2006/relationships" xmlns:p14="http://schemas.microsoft.com/office/powerpoint/2010/main" xmlns:p15="http://schemas.microsoft.com/office/powerpoint/2012/main" xmlns:mc="http://schemas.openxmlformats.org/markup-compatibility/2006">
+<p:sld xmlns:a="http://schemas.openxmlformats.org/drawingml/2006/main" xmlns:r="http://schemas.openxmlformats.org/officeDocument/2006/relationships" xmlns:p="http://schemas.openxmlformats.org/presentationml/2006/main">
   <p:cSld>
     <p:spTree>
       <p:nvGrpSpPr>
@@ -8942,15 +9667,22 @@
           </a:ln>
         </p:spPr>
         <p:style>
-          <a:lnRef idx="0"/>
-          <a:fillRef idx="0"/>
-          <a:effectRef idx="0"/>
+          <a:lnRef idx="0">
+            <a:scrgbClr r="0" g="0" b="0"/>
+          </a:lnRef>
+          <a:fillRef idx="0">
+            <a:scrgbClr r="0" g="0" b="0"/>
+          </a:fillRef>
+          <a:effectRef idx="0">
+            <a:scrgbClr r="0" g="0" b="0"/>
+          </a:effectRef>
           <a:fontRef idx="minor"/>
         </p:style>
         <p:txBody>
-          <a:bodyPr lIns="90000" rIns="90000" tIns="45000" bIns="45000" anchor="ctr">
+          <a:bodyPr lIns="90000" tIns="45000" rIns="90000" bIns="45000" anchor="ctr">
             <a:normAutofit fontScale="88000"/>
           </a:bodyPr>
+          <a:lstStyle/>
           <a:p>
             <a:pPr algn="ctr">
               <a:lnSpc>
@@ -8958,7 +9690,7 @@
               </a:lnSpc>
             </a:pPr>
             <a:r>
-              <a:rPr b="0" lang="ru-RU" sz="4400" spc="-1" strike="noStrike">
+              <a:rPr lang="ru-RU" sz="4400" b="0" strike="noStrike" spc="-1">
                 <a:solidFill>
                   <a:srgbClr val="000000"/>
                 </a:solidFill>
@@ -8967,7 +9699,7 @@
               </a:rPr>
               <a:t>Моделирование. Постановка задачи.</a:t>
             </a:r>
-            <a:endParaRPr b="0" lang="ru-RU" sz="4400" spc="-1" strike="noStrike">
+            <a:endParaRPr lang="ru-RU" sz="4400" b="0" strike="noStrike" spc="-1">
               <a:latin typeface="Arial"/>
             </a:endParaRPr>
           </a:p>
@@ -8975,104 +9707,7 @@
       </p:sp>
       <p:pic>
         <p:nvPicPr>
-          <p:cNvPr id="137" name="Рисунок 115" descr=""/>
-          <p:cNvPicPr/>
-          <p:nvPr/>
-        </p:nvPicPr>
-        <p:blipFill>
-          <a:blip r:embed="rId1"/>
-          <a:stretch/>
-        </p:blipFill>
-        <p:spPr>
-          <a:xfrm>
-            <a:off x="613800" y="5096160"/>
-            <a:ext cx="5501160" cy="1563840"/>
-          </a:xfrm>
-          <a:prstGeom prst="rect">
-            <a:avLst/>
-          </a:prstGeom>
-          <a:ln>
-            <a:noFill/>
-          </a:ln>
-        </p:spPr>
-      </p:pic>
-      <p:pic>
-        <p:nvPicPr>
-          <p:cNvPr id="138" name="Рисунок 116" descr=""/>
-          <p:cNvPicPr/>
-          <p:nvPr/>
-        </p:nvPicPr>
-        <p:blipFill>
-          <a:blip r:embed="rId2"/>
-          <a:stretch/>
-        </p:blipFill>
-        <p:spPr>
-          <a:xfrm>
-            <a:off x="6192000" y="5138640"/>
-            <a:ext cx="1794960" cy="1485360"/>
-          </a:xfrm>
-          <a:prstGeom prst="rect">
-            <a:avLst/>
-          </a:prstGeom>
-          <a:ln>
-            <a:noFill/>
-          </a:ln>
-        </p:spPr>
-      </p:pic>
-      <p:sp>
-        <p:nvSpPr>
-          <p:cNvPr id="139" name="CustomShape 2"/>
-          <p:cNvSpPr/>
-          <p:nvPr/>
-        </p:nvSpPr>
-        <p:spPr>
-          <a:xfrm>
-            <a:off x="8460360" y="0"/>
-            <a:ext cx="681840" cy="455400"/>
-          </a:xfrm>
-          <a:prstGeom prst="rect">
-            <a:avLst/>
-          </a:prstGeom>
-          <a:noFill/>
-          <a:ln>
-            <a:noFill/>
-          </a:ln>
-        </p:spPr>
-        <p:style>
-          <a:lnRef idx="0"/>
-          <a:fillRef idx="0"/>
-          <a:effectRef idx="0"/>
-          <a:fontRef idx="minor"/>
-        </p:style>
-        <p:txBody>
-          <a:bodyPr lIns="90000" rIns="90000" tIns="45000" bIns="45000">
-            <a:spAutoFit/>
-          </a:bodyPr>
-          <a:p>
-            <a:pPr algn="ctr">
-              <a:lnSpc>
-                <a:spcPct val="100000"/>
-              </a:lnSpc>
-            </a:pPr>
-            <a:fld id="{BD5345A2-A0EB-474C-8225-F5A42D091B9A}" type="slidenum">
-              <a:rPr b="0" lang="ru-RU" sz="2400" spc="-1" strike="noStrike">
-                <a:solidFill>
-                  <a:srgbClr val="000000"/>
-                </a:solidFill>
-                <a:latin typeface="Arial"/>
-                <a:ea typeface="DejaVu Sans"/>
-              </a:rPr>
-              <a:t>8</a:t>
-            </a:fld>
-            <a:endParaRPr b="0" lang="ru-RU" sz="2400" spc="-1" strike="noStrike">
-              <a:latin typeface="Arial"/>
-            </a:endParaRPr>
-          </a:p>
-        </p:txBody>
-      </p:sp>
-      <p:pic>
-        <p:nvPicPr>
-          <p:cNvPr id="140" name="Рисунок 139" descr=""/>
+          <p:cNvPr id="137" name="Рисунок 115"/>
           <p:cNvPicPr/>
           <p:nvPr/>
         </p:nvPicPr>
@@ -9082,8 +9717,8 @@
         </p:blipFill>
         <p:spPr>
           <a:xfrm>
-            <a:off x="216000" y="1368000"/>
-            <a:ext cx="4102560" cy="3742560"/>
+            <a:off x="613800" y="5096160"/>
+            <a:ext cx="5501160" cy="1563840"/>
           </a:xfrm>
           <a:prstGeom prst="rect">
             <a:avLst/>
@@ -9095,7 +9730,7 @@
       </p:pic>
       <p:pic>
         <p:nvPicPr>
-          <p:cNvPr id="141" name="Рисунок 140" descr=""/>
+          <p:cNvPr id="138" name="Рисунок 116"/>
           <p:cNvPicPr/>
           <p:nvPr/>
         </p:nvPicPr>
@@ -9105,8 +9740,8 @@
         </p:blipFill>
         <p:spPr>
           <a:xfrm>
-            <a:off x="3888000" y="2413440"/>
-            <a:ext cx="4966560" cy="2625120"/>
+            <a:off x="6192000" y="5138640"/>
+            <a:ext cx="1794960" cy="1485360"/>
           </a:xfrm>
           <a:prstGeom prst="rect">
             <a:avLst/>
@@ -9116,13 +9751,120 @@
           </a:ln>
         </p:spPr>
       </p:pic>
+      <p:sp>
+        <p:nvSpPr>
+          <p:cNvPr id="139" name="CustomShape 2"/>
+          <p:cNvSpPr/>
+          <p:nvPr/>
+        </p:nvSpPr>
+        <p:spPr>
+          <a:xfrm>
+            <a:off x="8460360" y="0"/>
+            <a:ext cx="681840" cy="455400"/>
+          </a:xfrm>
+          <a:prstGeom prst="rect">
+            <a:avLst/>
+          </a:prstGeom>
+          <a:noFill/>
+          <a:ln>
+            <a:noFill/>
+          </a:ln>
+        </p:spPr>
+        <p:style>
+          <a:lnRef idx="0">
+            <a:scrgbClr r="0" g="0" b="0"/>
+          </a:lnRef>
+          <a:fillRef idx="0">
+            <a:scrgbClr r="0" g="0" b="0"/>
+          </a:fillRef>
+          <a:effectRef idx="0">
+            <a:scrgbClr r="0" g="0" b="0"/>
+          </a:effectRef>
+          <a:fontRef idx="minor"/>
+        </p:style>
+        <p:txBody>
+          <a:bodyPr lIns="90000" tIns="45000" rIns="90000" bIns="45000">
+            <a:spAutoFit/>
+          </a:bodyPr>
+          <a:lstStyle/>
+          <a:p>
+            <a:pPr algn="ctr">
+              <a:lnSpc>
+                <a:spcPct val="100000"/>
+              </a:lnSpc>
+            </a:pPr>
+            <a:fld id="{BD5345A2-A0EB-474C-8225-F5A42D091B9A}" type="slidenum">
+              <a:rPr lang="ru-RU" sz="2400" b="0" strike="noStrike" spc="-1">
+                <a:solidFill>
+                  <a:srgbClr val="000000"/>
+                </a:solidFill>
+                <a:latin typeface="Arial"/>
+                <a:ea typeface="DejaVu Sans"/>
+              </a:rPr>
+              <a:t>8</a:t>
+            </a:fld>
+            <a:endParaRPr lang="ru-RU" sz="2400" b="0" strike="noStrike" spc="-1">
+              <a:latin typeface="Arial"/>
+            </a:endParaRPr>
+          </a:p>
+        </p:txBody>
+      </p:sp>
+      <p:pic>
+        <p:nvPicPr>
+          <p:cNvPr id="140" name="Рисунок 139"/>
+          <p:cNvPicPr/>
+          <p:nvPr/>
+        </p:nvPicPr>
+        <p:blipFill>
+          <a:blip r:embed="rId5"/>
+          <a:stretch/>
+        </p:blipFill>
+        <p:spPr>
+          <a:xfrm>
+            <a:off x="216000" y="1368000"/>
+            <a:ext cx="4102560" cy="3742560"/>
+          </a:xfrm>
+          <a:prstGeom prst="rect">
+            <a:avLst/>
+          </a:prstGeom>
+          <a:ln>
+            <a:noFill/>
+          </a:ln>
+        </p:spPr>
+      </p:pic>
+      <p:pic>
+        <p:nvPicPr>
+          <p:cNvPr id="141" name="Рисунок 140"/>
+          <p:cNvPicPr/>
+          <p:nvPr/>
+        </p:nvPicPr>
+        <p:blipFill>
+          <a:blip r:embed="rId6"/>
+          <a:stretch/>
+        </p:blipFill>
+        <p:spPr>
+          <a:xfrm>
+            <a:off x="3888000" y="2413440"/>
+            <a:ext cx="4966560" cy="2625120"/>
+          </a:xfrm>
+          <a:prstGeom prst="rect">
+            <a:avLst/>
+          </a:prstGeom>
+          <a:ln>
+            <a:noFill/>
+          </a:ln>
+        </p:spPr>
+      </p:pic>
     </p:spTree>
   </p:cSld>
-  <mc:AlternateContent>
+  <p:clrMapOvr>
+    <a:masterClrMapping/>
+  </p:clrMapOvr>
+  <mc:AlternateContent xmlns:mc="http://schemas.openxmlformats.org/markup-compatibility/2006" xmlns:p14="http://schemas.microsoft.com/office/powerpoint/2010/main">
     <mc:Choice Requires="p14">
       <p:transition spd="slow" p14:dur="2000"/>
     </mc:Choice>
-    <mc:Fallback>
+    <mc:Fallback xmlns:p15="http://schemas.microsoft.com/office/powerpoint/2012/main" xmlns="">
       <p:transition spd="slow"/>
     </mc:Fallback>
   </mc:AlternateContent>
@@ -9130,7 +9872,7 @@
 </file>
 
 <file path=ppt/slides/slide9.xml><?xml version="1.0" encoding="utf-8"?>
-<p:sld xmlns:a="http://schemas.openxmlformats.org/drawingml/2006/main" xmlns:p="http://schemas.openxmlformats.org/presentationml/2006/main" xmlns:r="http://schemas.openxmlformats.org/officeDocument/2006/relationships" xmlns:p14="http://schemas.microsoft.com/office/powerpoint/2010/main" xmlns:p15="http://schemas.microsoft.com/office/powerpoint/2012/main" xmlns:mc="http://schemas.openxmlformats.org/markup-compatibility/2006">
+<p:sld xmlns:a="http://schemas.openxmlformats.org/drawingml/2006/main" xmlns:r="http://schemas.openxmlformats.org/officeDocument/2006/relationships" xmlns:p="http://schemas.openxmlformats.org/presentationml/2006/main">
   <p:cSld>
     <p:spTree>
       <p:nvGrpSpPr>
@@ -9166,15 +9908,22 @@
           </a:ln>
         </p:spPr>
         <p:style>
-          <a:lnRef idx="0"/>
-          <a:fillRef idx="0"/>
-          <a:effectRef idx="0"/>
+          <a:lnRef idx="0">
+            <a:scrgbClr r="0" g="0" b="0"/>
+          </a:lnRef>
+          <a:fillRef idx="0">
+            <a:scrgbClr r="0" g="0" b="0"/>
+          </a:fillRef>
+          <a:effectRef idx="0">
+            <a:scrgbClr r="0" g="0" b="0"/>
+          </a:effectRef>
           <a:fontRef idx="minor"/>
         </p:style>
         <p:txBody>
-          <a:bodyPr lIns="90000" rIns="90000" tIns="45000" bIns="45000" anchor="ctr">
-            <a:normAutofit fontScale="88000"/>
-          </a:bodyPr>
+          <a:bodyPr lIns="90000" tIns="45000" rIns="90000" bIns="45000" anchor="ctr">
+            <a:normAutofit fontScale="88000" lnSpcReduction="20000"/>
+          </a:bodyPr>
+          <a:lstStyle/>
           <a:p>
             <a:pPr algn="ctr">
               <a:lnSpc>
@@ -9182,7 +9931,7 @@
               </a:lnSpc>
             </a:pPr>
             <a:r>
-              <a:rPr b="0" lang="en-US" sz="4400" spc="-1" strike="noStrike">
+              <a:rPr lang="en-US" sz="4400" b="0" strike="noStrike" spc="-1">
                 <a:solidFill>
                   <a:srgbClr val="000000"/>
                 </a:solidFill>
@@ -9191,7 +9940,7 @@
               </a:rPr>
               <a:t>Perceptual Evaluation of Speech Quality (PESQ)</a:t>
             </a:r>
-            <a:endParaRPr b="0" lang="ru-RU" sz="4400" spc="-1" strike="noStrike">
+            <a:endParaRPr lang="ru-RU" sz="4400" b="0" strike="noStrike" spc="-1">
               <a:latin typeface="Arial"/>
             </a:endParaRPr>
           </a:p>
@@ -9217,20 +9966,26 @@
           </a:ln>
         </p:spPr>
         <p:style>
-          <a:lnRef idx="0"/>
-          <a:fillRef idx="0"/>
-          <a:effectRef idx="0"/>
+          <a:lnRef idx="0">
+            <a:scrgbClr r="0" g="0" b="0"/>
+          </a:lnRef>
+          <a:fillRef idx="0">
+            <a:scrgbClr r="0" g="0" b="0"/>
+          </a:fillRef>
+          <a:effectRef idx="0">
+            <a:scrgbClr r="0" g="0" b="0"/>
+          </a:effectRef>
           <a:fontRef idx="minor"/>
         </p:style>
       </p:sp>
       <p:pic>
         <p:nvPicPr>
-          <p:cNvPr id="144" name="Рисунок 119" descr=""/>
+          <p:cNvPr id="144" name="Рисунок 119"/>
           <p:cNvPicPr/>
           <p:nvPr/>
         </p:nvPicPr>
         <p:blipFill>
-          <a:blip r:embed="rId1"/>
+          <a:blip r:embed="rId3"/>
           <a:stretch/>
         </p:blipFill>
         <p:spPr>
@@ -9266,15 +10021,22 @@
           </a:ln>
         </p:spPr>
         <p:style>
-          <a:lnRef idx="0"/>
-          <a:fillRef idx="0"/>
-          <a:effectRef idx="0"/>
+          <a:lnRef idx="0">
+            <a:scrgbClr r="0" g="0" b="0"/>
+          </a:lnRef>
+          <a:fillRef idx="0">
+            <a:scrgbClr r="0" g="0" b="0"/>
+          </a:fillRef>
+          <a:effectRef idx="0">
+            <a:scrgbClr r="0" g="0" b="0"/>
+          </a:effectRef>
           <a:fontRef idx="minor"/>
         </p:style>
         <p:txBody>
-          <a:bodyPr lIns="90000" rIns="90000" tIns="45000" bIns="45000">
+          <a:bodyPr lIns="90000" tIns="45000" rIns="90000" bIns="45000">
             <a:spAutoFit/>
           </a:bodyPr>
+          <a:lstStyle/>
           <a:p>
             <a:pPr algn="ctr">
               <a:lnSpc>
@@ -9282,7 +10044,7 @@
               </a:lnSpc>
             </a:pPr>
             <a:fld id="{62D42347-4385-4198-86D1-C24842713AE8}" type="slidenum">
-              <a:rPr b="0" lang="ru-RU" sz="2400" spc="-1" strike="noStrike">
+              <a:rPr lang="ru-RU" sz="2400" b="0" strike="noStrike" spc="-1">
                 <a:solidFill>
                   <a:srgbClr val="000000"/>
                 </a:solidFill>
@@ -9291,7 +10053,7 @@
               </a:rPr>
               <a:t>9</a:t>
             </a:fld>
-            <a:endParaRPr b="0" lang="ru-RU" sz="2400" spc="-1" strike="noStrike">
+            <a:endParaRPr lang="ru-RU" sz="2400" b="0" strike="noStrike" spc="-1">
               <a:latin typeface="Arial"/>
             </a:endParaRPr>
           </a:p>
@@ -9299,11 +10061,14 @@
       </p:sp>
     </p:spTree>
   </p:cSld>
-  <mc:AlternateContent>
+  <p:clrMapOvr>
+    <a:masterClrMapping/>
+  </p:clrMapOvr>
+  <mc:AlternateContent xmlns:mc="http://schemas.openxmlformats.org/markup-compatibility/2006" xmlns:p14="http://schemas.microsoft.com/office/powerpoint/2010/main">
     <mc:Choice Requires="p14">
       <p:transition spd="slow" p14:dur="2000"/>
     </mc:Choice>
-    <mc:Fallback>
+    <mc:Fallback xmlns:p15="http://schemas.microsoft.com/office/powerpoint/2012/main" xmlns="">
       <p:transition spd="slow"/>
     </mc:Fallback>
   </mc:AlternateContent>
@@ -9321,31 +10086,31 @@
         <a:sysClr val="window" lastClr="FFFFFF"/>
       </a:lt1>
       <a:dk2>
-        <a:srgbClr val="1f497d"/>
+        <a:srgbClr val="1F497D"/>
       </a:dk2>
       <a:lt2>
-        <a:srgbClr val="eeece1"/>
+        <a:srgbClr val="EEECE1"/>
       </a:lt2>
       <a:accent1>
-        <a:srgbClr val="4f81bd"/>
+        <a:srgbClr val="4F81BD"/>
       </a:accent1>
       <a:accent2>
-        <a:srgbClr val="c0504d"/>
+        <a:srgbClr val="C0504D"/>
       </a:accent2>
       <a:accent3>
-        <a:srgbClr val="9bbb59"/>
+        <a:srgbClr val="9BBB59"/>
       </a:accent3>
       <a:accent4>
-        <a:srgbClr val="8064a2"/>
+        <a:srgbClr val="8064A2"/>
       </a:accent4>
       <a:accent5>
-        <a:srgbClr val="4bacc6"/>
+        <a:srgbClr val="4BACC6"/>
       </a:accent5>
       <a:accent6>
-        <a:srgbClr val="f79646"/>
+        <a:srgbClr val="F79646"/>
       </a:accent6>
       <a:hlink>
-        <a:srgbClr val="0000ff"/>
+        <a:srgbClr val="0000FF"/>
       </a:hlink>
       <a:folHlink>
         <a:srgbClr val="800080"/>
@@ -9533,6 +10298,8 @@
       </a:bgFillStyleLst>
     </a:fmtScheme>
   </a:themeElements>
+  <a:objectDefaults/>
+  <a:extraClrSchemeLst/>
 </a:theme>
 </file>
 
@@ -9547,31 +10314,31 @@
         <a:sysClr val="window" lastClr="FFFFFF"/>
       </a:lt1>
       <a:dk2>
-        <a:srgbClr val="1f497d"/>
+        <a:srgbClr val="1F497D"/>
       </a:dk2>
       <a:lt2>
-        <a:srgbClr val="eeece1"/>
+        <a:srgbClr val="EEECE1"/>
       </a:lt2>
       <a:accent1>
-        <a:srgbClr val="4f81bd"/>
+        <a:srgbClr val="4F81BD"/>
       </a:accent1>
       <a:accent2>
-        <a:srgbClr val="c0504d"/>
+        <a:srgbClr val="C0504D"/>
       </a:accent2>
       <a:accent3>
-        <a:srgbClr val="9bbb59"/>
+        <a:srgbClr val="9BBB59"/>
       </a:accent3>
       <a:accent4>
-        <a:srgbClr val="8064a2"/>
+        <a:srgbClr val="8064A2"/>
       </a:accent4>
       <a:accent5>
-        <a:srgbClr val="4bacc6"/>
+        <a:srgbClr val="4BACC6"/>
       </a:accent5>
       <a:accent6>
-        <a:srgbClr val="f79646"/>
+        <a:srgbClr val="F79646"/>
       </a:accent6>
       <a:hlink>
-        <a:srgbClr val="0000ff"/>
+        <a:srgbClr val="0000FF"/>
       </a:hlink>
       <a:folHlink>
         <a:srgbClr val="800080"/>
@@ -9759,6 +10526,8 @@
       </a:bgFillStyleLst>
     </a:fmtScheme>
   </a:themeElements>
+  <a:objectDefaults/>
+  <a:extraClrSchemeLst/>
 </a:theme>
 </file>
 
@@ -9773,31 +10542,31 @@
         <a:sysClr val="window" lastClr="FFFFFF"/>
       </a:lt1>
       <a:dk2>
-        <a:srgbClr val="1f497d"/>
+        <a:srgbClr val="1F497D"/>
       </a:dk2>
       <a:lt2>
-        <a:srgbClr val="eeece1"/>
+        <a:srgbClr val="EEECE1"/>
       </a:lt2>
       <a:accent1>
-        <a:srgbClr val="4f81bd"/>
+        <a:srgbClr val="4F81BD"/>
       </a:accent1>
       <a:accent2>
-        <a:srgbClr val="c0504d"/>
+        <a:srgbClr val="C0504D"/>
       </a:accent2>
       <a:accent3>
-        <a:srgbClr val="9bbb59"/>
+        <a:srgbClr val="9BBB59"/>
       </a:accent3>
       <a:accent4>
-        <a:srgbClr val="8064a2"/>
+        <a:srgbClr val="8064A2"/>
       </a:accent4>
       <a:accent5>
-        <a:srgbClr val="4bacc6"/>
+        <a:srgbClr val="4BACC6"/>
       </a:accent5>
       <a:accent6>
-        <a:srgbClr val="f79646"/>
+        <a:srgbClr val="F79646"/>
       </a:accent6>
       <a:hlink>
-        <a:srgbClr val="0000ff"/>
+        <a:srgbClr val="0000FF"/>
       </a:hlink>
       <a:folHlink>
         <a:srgbClr val="800080"/>
@@ -9985,5 +10754,7 @@
       </a:bgFillStyleLst>
     </a:fmtScheme>
   </a:themeElements>
+  <a:objectDefaults/>
+  <a:extraClrSchemeLst/>
 </a:theme>
 </file>
--- a/student_session_2021/Доклад.pptx
+++ b/student_session_2021/Доклад.pptx
@@ -250,7 +250,7 @@
           </a:bodyPr>
           <a:p>
             <a:pPr algn="r"/>
-            <a:fld id="{CD6F6C61-A0D9-4BAF-AA0B-9BFF9A9EF593}" type="slidenum">
+            <a:fld id="{44424704-8B98-4537-AA7A-52F8FEF1BBEC}" type="slidenum">
               <a:rPr b="0" lang="ru-RU" sz="1400" spc="-1" strike="noStrike">
                 <a:latin typeface="Times New Roman"/>
               </a:rPr>
@@ -298,7 +298,7 @@
         <p:spPr>
           <a:xfrm>
             <a:off x="1144440" y="685800"/>
-            <a:ext cx="4559040" cy="3419280"/>
+            <a:ext cx="4558680" cy="3418920"/>
           </a:xfrm>
           <a:prstGeom prst="rect">
             <a:avLst/>
@@ -318,7 +318,7 @@
         <p:spPr>
           <a:xfrm>
             <a:off x="685800" y="4343400"/>
-            <a:ext cx="5475960" cy="4104360"/>
+            <a:ext cx="5475600" cy="4104000"/>
           </a:xfrm>
           <a:prstGeom prst="rect">
             <a:avLst/>
@@ -329,7 +329,7 @@
             <a:noAutofit/>
           </a:bodyPr>
           <a:p>
-            <a:pPr marL="216000" indent="-205920">
+            <a:pPr marL="216000" indent="-205560">
               <a:lnSpc>
                 <a:spcPct val="100000"/>
               </a:lnSpc>
@@ -352,7 +352,7 @@
             </a:endParaRPr>
           </a:p>
           <a:p>
-            <a:pPr marL="216000" indent="-205920">
+            <a:pPr marL="216000" indent="-205560">
               <a:lnSpc>
                 <a:spcPct val="100000"/>
               </a:lnSpc>
@@ -375,7 +375,7 @@
             </a:endParaRPr>
           </a:p>
           <a:p>
-            <a:pPr marL="216000" indent="-205920">
+            <a:pPr marL="216000" indent="-205560">
               <a:lnSpc>
                 <a:spcPct val="100000"/>
               </a:lnSpc>
@@ -408,7 +408,7 @@
         <p:spPr>
           <a:xfrm>
             <a:off x="3884760" y="8685360"/>
-            <a:ext cx="2961360" cy="446760"/>
+            <a:ext cx="2961000" cy="446400"/>
           </a:xfrm>
           <a:prstGeom prst="rect">
             <a:avLst/>
@@ -434,7 +434,7 @@
                 <a:spcPct val="100000"/>
               </a:lnSpc>
             </a:pPr>
-            <a:fld id="{88F3543D-9737-4633-B23A-B19FC869545E}" type="slidenum">
+            <a:fld id="{8362BC11-3C39-4610-9E2F-3DD8034692BD}" type="slidenum">
               <a:rPr b="0" lang="ru-RU" sz="1200" spc="-1" strike="noStrike">
                 <a:solidFill>
                   <a:srgbClr val="000000"/>
@@ -485,7 +485,7 @@
         <p:spPr>
           <a:xfrm>
             <a:off x="1144440" y="685800"/>
-            <a:ext cx="4559400" cy="3419640"/>
+            <a:ext cx="4559040" cy="3419280"/>
           </a:xfrm>
           <a:prstGeom prst="rect">
             <a:avLst/>
@@ -505,7 +505,7 @@
         <p:spPr>
           <a:xfrm>
             <a:off x="685800" y="4343400"/>
-            <a:ext cx="5475960" cy="4104360"/>
+            <a:ext cx="5475600" cy="4104000"/>
           </a:xfrm>
           <a:prstGeom prst="rect">
             <a:avLst/>
@@ -516,7 +516,7 @@
             <a:noAutofit/>
           </a:bodyPr>
           <a:p>
-            <a:pPr marL="216000" indent="-205920">
+            <a:pPr marL="216000" indent="-205560">
               <a:lnSpc>
                 <a:spcPct val="100000"/>
               </a:lnSpc>
@@ -545,7 +545,7 @@
         <p:spPr>
           <a:xfrm>
             <a:off x="3884760" y="8685360"/>
-            <a:ext cx="2961360" cy="446760"/>
+            <a:ext cx="2961000" cy="446400"/>
           </a:xfrm>
           <a:prstGeom prst="rect">
             <a:avLst/>
@@ -571,7 +571,7 @@
                 <a:spcPct val="100000"/>
               </a:lnSpc>
             </a:pPr>
-            <a:fld id="{CC78F031-6D67-4C01-8157-DE942E6F0363}" type="slidenum">
+            <a:fld id="{5C8EBBD5-67C5-435D-B2EA-1D592BFB1AF1}" type="slidenum">
               <a:rPr b="0" lang="ru-RU" sz="1200" spc="-1" strike="noStrike">
                 <a:solidFill>
                   <a:srgbClr val="000000"/>
@@ -622,7 +622,7 @@
         <p:spPr>
           <a:xfrm>
             <a:off x="1144440" y="685800"/>
-            <a:ext cx="4559040" cy="3419280"/>
+            <a:ext cx="4558680" cy="3418920"/>
           </a:xfrm>
           <a:prstGeom prst="rect">
             <a:avLst/>
@@ -642,7 +642,7 @@
         <p:spPr>
           <a:xfrm>
             <a:off x="685800" y="4343400"/>
-            <a:ext cx="5475960" cy="4104360"/>
+            <a:ext cx="5475600" cy="4104000"/>
           </a:xfrm>
           <a:prstGeom prst="rect">
             <a:avLst/>
@@ -653,7 +653,7 @@
             <a:noAutofit/>
           </a:bodyPr>
           <a:p>
-            <a:pPr marL="216000" indent="-205920">
+            <a:pPr marL="216000" indent="-205560">
               <a:lnSpc>
                 <a:spcPct val="100000"/>
               </a:lnSpc>
@@ -676,7 +676,7 @@
             </a:endParaRPr>
           </a:p>
           <a:p>
-            <a:pPr marL="216000" indent="-205920">
+            <a:pPr marL="216000" indent="-205560">
               <a:lnSpc>
                 <a:spcPct val="100000"/>
               </a:lnSpc>
@@ -699,7 +699,7 @@
             </a:endParaRPr>
           </a:p>
           <a:p>
-            <a:pPr marL="216000" indent="-205920">
+            <a:pPr marL="216000" indent="-205560">
               <a:lnSpc>
                 <a:spcPct val="100000"/>
               </a:lnSpc>
@@ -712,7 +712,7 @@
             </a:endParaRPr>
           </a:p>
           <a:p>
-            <a:pPr marL="216000" indent="-205920">
+            <a:pPr marL="216000" indent="-205560">
               <a:lnSpc>
                 <a:spcPct val="100000"/>
               </a:lnSpc>
@@ -735,7 +735,7 @@
             </a:endParaRPr>
           </a:p>
           <a:p>
-            <a:pPr marL="216000" indent="-205920">
+            <a:pPr marL="216000" indent="-205560">
               <a:lnSpc>
                 <a:spcPct val="100000"/>
               </a:lnSpc>
@@ -768,7 +768,7 @@
         <p:spPr>
           <a:xfrm>
             <a:off x="3884760" y="8685360"/>
-            <a:ext cx="2961360" cy="446760"/>
+            <a:ext cx="2961000" cy="446400"/>
           </a:xfrm>
           <a:prstGeom prst="rect">
             <a:avLst/>
@@ -794,7 +794,7 @@
                 <a:spcPct val="100000"/>
               </a:lnSpc>
             </a:pPr>
-            <a:fld id="{623DB4C0-5843-439C-866D-8873AB7196E7}" type="slidenum">
+            <a:fld id="{B40549CE-83FE-42AE-BEA0-21D5C4F5DFD4}" type="slidenum">
               <a:rPr b="0" lang="ru-RU" sz="1200" spc="-1" strike="noStrike">
                 <a:solidFill>
                   <a:srgbClr val="000000"/>
@@ -802,7 +802,7 @@
                 <a:latin typeface="+mn-lt"/>
                 <a:ea typeface="+mn-ea"/>
               </a:rPr>
-              <a:t>9</a:t>
+              <a:t>&lt;номер&gt;</a:t>
             </a:fld>
             <a:endParaRPr b="0" lang="ru-RU" sz="1200" spc="-1" strike="noStrike">
               <a:latin typeface="Arial"/>
@@ -845,7 +845,7 @@
         <p:spPr>
           <a:xfrm>
             <a:off x="1144440" y="685800"/>
-            <a:ext cx="4559040" cy="3419280"/>
+            <a:ext cx="4558680" cy="3418920"/>
           </a:xfrm>
           <a:prstGeom prst="rect">
             <a:avLst/>
@@ -865,7 +865,7 @@
         <p:spPr>
           <a:xfrm>
             <a:off x="685800" y="4343400"/>
-            <a:ext cx="5475960" cy="4104360"/>
+            <a:ext cx="5475600" cy="4104000"/>
           </a:xfrm>
           <a:prstGeom prst="rect">
             <a:avLst/>
@@ -876,7 +876,7 @@
             <a:noAutofit/>
           </a:bodyPr>
           <a:p>
-            <a:pPr marL="216000" indent="-205920">
+            <a:pPr marL="216000" indent="-205560">
               <a:lnSpc>
                 <a:spcPct val="100000"/>
               </a:lnSpc>
@@ -899,7 +899,7 @@
             </a:endParaRPr>
           </a:p>
           <a:p>
-            <a:pPr marL="216000" indent="-205920">
+            <a:pPr marL="216000" indent="-205560">
               <a:lnSpc>
                 <a:spcPct val="100000"/>
               </a:lnSpc>
@@ -922,7 +922,7 @@
             </a:endParaRPr>
           </a:p>
           <a:p>
-            <a:pPr marL="216000" indent="-205920">
+            <a:pPr marL="216000" indent="-205560">
               <a:lnSpc>
                 <a:spcPct val="100000"/>
               </a:lnSpc>
@@ -935,7 +935,7 @@
             </a:endParaRPr>
           </a:p>
           <a:p>
-            <a:pPr marL="216000" indent="-205920">
+            <a:pPr marL="216000" indent="-205560">
               <a:lnSpc>
                 <a:spcPct val="100000"/>
               </a:lnSpc>
@@ -948,7 +948,7 @@
             </a:endParaRPr>
           </a:p>
           <a:p>
-            <a:pPr marL="216000" indent="-205920">
+            <a:pPr marL="216000" indent="-205560">
               <a:lnSpc>
                 <a:spcPct val="100000"/>
               </a:lnSpc>
@@ -981,7 +981,7 @@
         <p:spPr>
           <a:xfrm>
             <a:off x="3884760" y="8685360"/>
-            <a:ext cx="2961360" cy="446760"/>
+            <a:ext cx="2961000" cy="446400"/>
           </a:xfrm>
           <a:prstGeom prst="rect">
             <a:avLst/>
@@ -1007,7 +1007,7 @@
                 <a:spcPct val="100000"/>
               </a:lnSpc>
             </a:pPr>
-            <a:fld id="{ABBF9C8F-0EE0-460C-9B4D-D3F718B5C191}" type="slidenum">
+            <a:fld id="{977F6BA2-061F-44E5-8F36-527824FD8723}" type="slidenum">
               <a:rPr b="0" lang="ru-RU" sz="1200" spc="-1" strike="noStrike">
                 <a:solidFill>
                   <a:srgbClr val="000000"/>
@@ -1015,7 +1015,7 @@
                 <a:latin typeface="+mn-lt"/>
                 <a:ea typeface="+mn-ea"/>
               </a:rPr>
-              <a:t>9</a:t>
+              <a:t>&lt;номер&gt;</a:t>
             </a:fld>
             <a:endParaRPr b="0" lang="ru-RU" sz="1200" spc="-1" strike="noStrike">
               <a:latin typeface="Arial"/>
@@ -1058,7 +1058,7 @@
         <p:spPr>
           <a:xfrm>
             <a:off x="1144440" y="685800"/>
-            <a:ext cx="4559040" cy="3419280"/>
+            <a:ext cx="4558680" cy="3418920"/>
           </a:xfrm>
           <a:prstGeom prst="rect">
             <a:avLst/>
@@ -1078,7 +1078,7 @@
         <p:spPr>
           <a:xfrm>
             <a:off x="685800" y="4343400"/>
-            <a:ext cx="5475960" cy="4104360"/>
+            <a:ext cx="5475600" cy="4104000"/>
           </a:xfrm>
           <a:prstGeom prst="rect">
             <a:avLst/>
@@ -1089,7 +1089,7 @@
             <a:noAutofit/>
           </a:bodyPr>
           <a:p>
-            <a:pPr marL="216000" indent="-212400">
+            <a:pPr marL="216000" indent="-212040">
               <a:lnSpc>
                 <a:spcPct val="100000"/>
               </a:lnSpc>
@@ -1101,14 +1101,14 @@
               <a:rPr b="0" lang="ru-RU" sz="1400" spc="-1" strike="noStrike">
                 <a:latin typeface="+mn-lt"/>
               </a:rPr>
-              <a:t>Формирователь луча можно рассматривать как разновидность фильтра. Частотно-ВременнОй фильтр используются для приема сигнала и увеличения или уменьшения его отдельных частотных компонент</a:t>
+              <a:t>Формирователь луча можно рассматривать как разновидность фильтра. Частотно-Временной фильтр используются для приема сигнала и увеличения или уменьшения его отдельных частотных компонент</a:t>
             </a:r>
             <a:endParaRPr b="0" lang="ru-RU" sz="1400" spc="-1" strike="noStrike">
               <a:latin typeface="Arial"/>
             </a:endParaRPr>
           </a:p>
           <a:p>
-            <a:pPr marL="216000" indent="-212400">
+            <a:pPr marL="216000" indent="-212040">
               <a:lnSpc>
                 <a:spcPct val="100000"/>
               </a:lnSpc>
@@ -1137,7 +1137,7 @@
         <p:spPr>
           <a:xfrm>
             <a:off x="3884760" y="8685360"/>
-            <a:ext cx="2961360" cy="446760"/>
+            <a:ext cx="2961000" cy="446400"/>
           </a:xfrm>
           <a:prstGeom prst="rect">
             <a:avLst/>
@@ -1163,7 +1163,7 @@
                 <a:spcPct val="100000"/>
               </a:lnSpc>
             </a:pPr>
-            <a:fld id="{52E74A8F-041F-4DC5-BC5E-C3842F72F8C5}" type="slidenum">
+            <a:fld id="{388BDB02-6CFE-436A-84B1-63D458D1C00A}" type="slidenum">
               <a:rPr b="0" lang="ru-RU" sz="1200" spc="-1" strike="noStrike">
                 <a:solidFill>
                   <a:srgbClr val="000000"/>
@@ -1171,7 +1171,7 @@
                 <a:latin typeface="+mn-lt"/>
                 <a:ea typeface="+mn-ea"/>
               </a:rPr>
-              <a:t>9</a:t>
+              <a:t>&lt;номер&gt;</a:t>
             </a:fld>
             <a:endParaRPr b="0" lang="ru-RU" sz="1200" spc="-1" strike="noStrike">
               <a:latin typeface="Arial"/>
@@ -1214,7 +1214,7 @@
         <p:spPr>
           <a:xfrm>
             <a:off x="1144440" y="685800"/>
-            <a:ext cx="4559040" cy="3419280"/>
+            <a:ext cx="4558680" cy="3418920"/>
           </a:xfrm>
           <a:prstGeom prst="rect">
             <a:avLst/>
@@ -1234,7 +1234,7 @@
         <p:spPr>
           <a:xfrm>
             <a:off x="685800" y="4343400"/>
-            <a:ext cx="5475960" cy="4104360"/>
+            <a:ext cx="5475600" cy="4104000"/>
           </a:xfrm>
           <a:prstGeom prst="rect">
             <a:avLst/>
@@ -1245,7 +1245,7 @@
             <a:noAutofit/>
           </a:bodyPr>
           <a:p>
-            <a:pPr marL="216000" indent="-205920">
+            <a:pPr marL="216000" indent="-205560">
               <a:lnSpc>
                 <a:spcPct val="100000"/>
               </a:lnSpc>
@@ -1268,7 +1268,7 @@
             </a:endParaRPr>
           </a:p>
           <a:p>
-            <a:pPr marL="216000" indent="-205920">
+            <a:pPr marL="216000" indent="-205560">
               <a:lnSpc>
                 <a:spcPct val="100000"/>
               </a:lnSpc>
@@ -1291,7 +1291,7 @@
             </a:endParaRPr>
           </a:p>
           <a:p>
-            <a:pPr marL="216000" indent="-205920">
+            <a:pPr marL="216000" indent="-205560">
               <a:lnSpc>
                 <a:spcPct val="100000"/>
               </a:lnSpc>
@@ -1314,7 +1314,7 @@
             </a:endParaRPr>
           </a:p>
           <a:p>
-            <a:pPr marL="216000" indent="-205920">
+            <a:pPr marL="216000" indent="-205560">
               <a:lnSpc>
                 <a:spcPct val="100000"/>
               </a:lnSpc>
@@ -1337,7 +1337,7 @@
         <p:spPr>
           <a:xfrm>
             <a:off x="3884760" y="8685360"/>
-            <a:ext cx="2961360" cy="446760"/>
+            <a:ext cx="2961000" cy="446400"/>
           </a:xfrm>
           <a:prstGeom prst="rect">
             <a:avLst/>
@@ -1363,7 +1363,7 @@
                 <a:spcPct val="100000"/>
               </a:lnSpc>
             </a:pPr>
-            <a:fld id="{9B8A4B6D-E752-4AED-9FF8-9B8E784AF26A}" type="slidenum">
+            <a:fld id="{6446B28C-6F2F-4FB1-981E-C4AB1CB5F571}" type="slidenum">
               <a:rPr b="0" lang="ru-RU" sz="1200" spc="-1" strike="noStrike">
                 <a:solidFill>
                   <a:srgbClr val="000000"/>
@@ -1371,7 +1371,7 @@
                 <a:latin typeface="+mn-lt"/>
                 <a:ea typeface="+mn-ea"/>
               </a:rPr>
-              <a:t>9</a:t>
+              <a:t>&lt;номер&gt;</a:t>
             </a:fld>
             <a:endParaRPr b="0" lang="ru-RU" sz="1200" spc="-1" strike="noStrike">
               <a:latin typeface="Arial"/>
@@ -1414,7 +1414,7 @@
         <p:spPr>
           <a:xfrm>
             <a:off x="1144440" y="685800"/>
-            <a:ext cx="4559040" cy="3419280"/>
+            <a:ext cx="4558680" cy="3418920"/>
           </a:xfrm>
           <a:prstGeom prst="rect">
             <a:avLst/>
@@ -1434,7 +1434,7 @@
         <p:spPr>
           <a:xfrm>
             <a:off x="685800" y="4343400"/>
-            <a:ext cx="5475960" cy="4104360"/>
+            <a:ext cx="5475600" cy="4104000"/>
           </a:xfrm>
           <a:prstGeom prst="rect">
             <a:avLst/>
@@ -1445,7 +1445,7 @@
             <a:noAutofit/>
           </a:bodyPr>
           <a:p>
-            <a:pPr marL="216000" indent="-205920">
+            <a:pPr marL="216000" indent="-205560">
               <a:lnSpc>
                 <a:spcPct val="100000"/>
               </a:lnSpc>
@@ -1478,7 +1478,7 @@
             </a:endParaRPr>
           </a:p>
           <a:p>
-            <a:pPr marL="216000" indent="-205920">
+            <a:pPr marL="216000" indent="-205560">
               <a:lnSpc>
                 <a:spcPct val="100000"/>
               </a:lnSpc>
@@ -1511,7 +1511,7 @@
         <p:spPr>
           <a:xfrm>
             <a:off x="3884760" y="8685360"/>
-            <a:ext cx="2961360" cy="446760"/>
+            <a:ext cx="2961000" cy="446400"/>
           </a:xfrm>
           <a:prstGeom prst="rect">
             <a:avLst/>
@@ -1537,7 +1537,7 @@
                 <a:spcPct val="100000"/>
               </a:lnSpc>
             </a:pPr>
-            <a:fld id="{1A9DD59F-A618-4F4A-8343-370CB8435FC7}" type="slidenum">
+            <a:fld id="{E8A0B80D-49D9-47F8-AB4E-D5A50D04BCED}" type="slidenum">
               <a:rPr b="0" lang="ru-RU" sz="1200" spc="-1" strike="noStrike">
                 <a:solidFill>
                   <a:srgbClr val="000000"/>
@@ -1545,7 +1545,7 @@
                 <a:latin typeface="+mn-lt"/>
                 <a:ea typeface="+mn-ea"/>
               </a:rPr>
-              <a:t>9</a:t>
+              <a:t>&lt;номер&gt;</a:t>
             </a:fld>
             <a:endParaRPr b="0" lang="ru-RU" sz="1200" spc="-1" strike="noStrike">
               <a:latin typeface="Arial"/>
@@ -1588,7 +1588,7 @@
         <p:spPr>
           <a:xfrm>
             <a:off x="1144440" y="685800"/>
-            <a:ext cx="4559040" cy="3419280"/>
+            <a:ext cx="4558680" cy="3418920"/>
           </a:xfrm>
           <a:prstGeom prst="rect">
             <a:avLst/>
@@ -1608,7 +1608,7 @@
         <p:spPr>
           <a:xfrm>
             <a:off x="685800" y="4343400"/>
-            <a:ext cx="5475960" cy="4104360"/>
+            <a:ext cx="5475600" cy="4104000"/>
           </a:xfrm>
           <a:prstGeom prst="rect">
             <a:avLst/>
@@ -1619,7 +1619,7 @@
             <a:noAutofit/>
           </a:bodyPr>
           <a:p>
-            <a:pPr marL="216000" indent="-205920">
+            <a:pPr marL="216000" indent="-205560">
               <a:lnSpc>
                 <a:spcPct val="100000"/>
               </a:lnSpc>
@@ -1638,7 +1638,7 @@
             </a:endParaRPr>
           </a:p>
           <a:p>
-            <a:pPr marL="216000" indent="-205920">
+            <a:pPr marL="216000" indent="-205560">
               <a:lnSpc>
                 <a:spcPct val="100000"/>
               </a:lnSpc>
@@ -1667,7 +1667,7 @@
         <p:spPr>
           <a:xfrm>
             <a:off x="3884760" y="8685360"/>
-            <a:ext cx="2961360" cy="446760"/>
+            <a:ext cx="2961000" cy="446400"/>
           </a:xfrm>
           <a:prstGeom prst="rect">
             <a:avLst/>
@@ -1693,7 +1693,7 @@
                 <a:spcPct val="100000"/>
               </a:lnSpc>
             </a:pPr>
-            <a:fld id="{317754E2-42F6-420A-8B31-5CC38E3E63C2}" type="slidenum">
+            <a:fld id="{91FB2672-E57F-40A3-81FD-43866DC3418E}" type="slidenum">
               <a:rPr b="0" lang="ru-RU" sz="1200" spc="-1" strike="noStrike">
                 <a:solidFill>
                   <a:srgbClr val="000000"/>
@@ -1701,7 +1701,7 @@
                 <a:latin typeface="+mn-lt"/>
                 <a:ea typeface="+mn-ea"/>
               </a:rPr>
-              <a:t>9</a:t>
+              <a:t>&lt;номер&gt;</a:t>
             </a:fld>
             <a:endParaRPr b="0" lang="ru-RU" sz="1200" spc="-1" strike="noStrike">
               <a:latin typeface="Arial"/>
@@ -1744,7 +1744,7 @@
         <p:spPr>
           <a:xfrm>
             <a:off x="1144440" y="685800"/>
-            <a:ext cx="4559040" cy="3419280"/>
+            <a:ext cx="4558680" cy="3418920"/>
           </a:xfrm>
           <a:prstGeom prst="rect">
             <a:avLst/>
@@ -1764,7 +1764,7 @@
         <p:spPr>
           <a:xfrm>
             <a:off x="685800" y="4343400"/>
-            <a:ext cx="5475960" cy="4104360"/>
+            <a:ext cx="5475600" cy="4104000"/>
           </a:xfrm>
           <a:prstGeom prst="rect">
             <a:avLst/>
@@ -1775,7 +1775,7 @@
             <a:noAutofit/>
           </a:bodyPr>
           <a:p>
-            <a:pPr marL="216000" indent="-205920">
+            <a:pPr marL="216000" indent="-205560">
               <a:lnSpc>
                 <a:spcPct val="100000"/>
               </a:lnSpc>
@@ -1798,7 +1798,7 @@
             </a:endParaRPr>
           </a:p>
           <a:p>
-            <a:pPr marL="216000" indent="-205920">
+            <a:pPr marL="216000" indent="-205560">
               <a:lnSpc>
                 <a:spcPct val="100000"/>
               </a:lnSpc>
@@ -1811,7 +1811,7 @@
             </a:endParaRPr>
           </a:p>
           <a:p>
-            <a:pPr marL="216000" indent="-205920">
+            <a:pPr marL="216000" indent="-205560">
               <a:lnSpc>
                 <a:spcPct val="100000"/>
               </a:lnSpc>
@@ -1844,7 +1844,7 @@
         <p:spPr>
           <a:xfrm>
             <a:off x="3884760" y="8685360"/>
-            <a:ext cx="2961360" cy="446760"/>
+            <a:ext cx="2961000" cy="446400"/>
           </a:xfrm>
           <a:prstGeom prst="rect">
             <a:avLst/>
@@ -1870,7 +1870,7 @@
                 <a:spcPct val="100000"/>
               </a:lnSpc>
             </a:pPr>
-            <a:fld id="{A091825E-5940-4EB8-A046-E98597CC45A2}" type="slidenum">
+            <a:fld id="{62E508E1-4418-4F31-A2EA-0F62B3408765}" type="slidenum">
               <a:rPr b="0" lang="ru-RU" sz="1200" spc="-1" strike="noStrike">
                 <a:solidFill>
                   <a:srgbClr val="000000"/>
@@ -2268,7 +2268,7 @@
         </p:spPr>
         <p:txBody>
           <a:bodyPr lIns="0" rIns="0" tIns="0" bIns="0">
-            <a:normAutofit fontScale="76000"/>
+            <a:normAutofit fontScale="75000"/>
           </a:bodyPr>
           <a:p>
             <a:endParaRPr b="0" lang="ru-RU" sz="3200" spc="-1" strike="noStrike">
@@ -2298,7 +2298,7 @@
         </p:spPr>
         <p:txBody>
           <a:bodyPr lIns="0" rIns="0" tIns="0" bIns="0">
-            <a:normAutofit fontScale="76000"/>
+            <a:normAutofit fontScale="75000"/>
           </a:bodyPr>
           <a:p>
             <a:endParaRPr b="0" lang="ru-RU" sz="3200" spc="-1" strike="noStrike">
@@ -2328,7 +2328,7 @@
         </p:spPr>
         <p:txBody>
           <a:bodyPr lIns="0" rIns="0" tIns="0" bIns="0">
-            <a:normAutofit fontScale="76000"/>
+            <a:normAutofit fontScale="75000"/>
           </a:bodyPr>
           <a:p>
             <a:endParaRPr b="0" lang="ru-RU" sz="3200" spc="-1" strike="noStrike">
@@ -2358,7 +2358,7 @@
         </p:spPr>
         <p:txBody>
           <a:bodyPr lIns="0" rIns="0" tIns="0" bIns="0">
-            <a:normAutofit fontScale="76000"/>
+            <a:normAutofit fontScale="75000"/>
           </a:bodyPr>
           <a:p>
             <a:endParaRPr b="0" lang="ru-RU" sz="3200" spc="-1" strike="noStrike">
@@ -2388,7 +2388,7 @@
         </p:spPr>
         <p:txBody>
           <a:bodyPr lIns="0" rIns="0" tIns="0" bIns="0">
-            <a:normAutofit fontScale="76000"/>
+            <a:normAutofit fontScale="75000"/>
           </a:bodyPr>
           <a:p>
             <a:endParaRPr b="0" lang="ru-RU" sz="3200" spc="-1" strike="noStrike">
@@ -2418,7 +2418,7 @@
         </p:spPr>
         <p:txBody>
           <a:bodyPr lIns="0" rIns="0" tIns="0" bIns="0">
-            <a:normAutofit fontScale="76000"/>
+            <a:normAutofit fontScale="75000"/>
           </a:bodyPr>
           <a:p>
             <a:endParaRPr b="0" lang="ru-RU" sz="3200" spc="-1" strike="noStrike">
@@ -3708,7 +3708,7 @@
         </p:spPr>
         <p:txBody>
           <a:bodyPr lIns="0" rIns="0" tIns="0" bIns="0">
-            <a:normAutofit fontScale="76000"/>
+            <a:normAutofit fontScale="75000"/>
           </a:bodyPr>
           <a:p>
             <a:endParaRPr b="0" lang="ru-RU" sz="3200" spc="-1" strike="noStrike">
@@ -3738,7 +3738,7 @@
         </p:spPr>
         <p:txBody>
           <a:bodyPr lIns="0" rIns="0" tIns="0" bIns="0">
-            <a:normAutofit fontScale="76000"/>
+            <a:normAutofit fontScale="75000"/>
           </a:bodyPr>
           <a:p>
             <a:endParaRPr b="0" lang="ru-RU" sz="3200" spc="-1" strike="noStrike">
@@ -3768,7 +3768,7 @@
         </p:spPr>
         <p:txBody>
           <a:bodyPr lIns="0" rIns="0" tIns="0" bIns="0">
-            <a:normAutofit fontScale="76000"/>
+            <a:normAutofit fontScale="75000"/>
           </a:bodyPr>
           <a:p>
             <a:endParaRPr b="0" lang="ru-RU" sz="3200" spc="-1" strike="noStrike">
@@ -3798,7 +3798,7 @@
         </p:spPr>
         <p:txBody>
           <a:bodyPr lIns="0" rIns="0" tIns="0" bIns="0">
-            <a:normAutofit fontScale="76000"/>
+            <a:normAutofit fontScale="75000"/>
           </a:bodyPr>
           <a:p>
             <a:endParaRPr b="0" lang="ru-RU" sz="3200" spc="-1" strike="noStrike">
@@ -3828,7 +3828,7 @@
         </p:spPr>
         <p:txBody>
           <a:bodyPr lIns="0" rIns="0" tIns="0" bIns="0">
-            <a:normAutofit fontScale="76000"/>
+            <a:normAutofit fontScale="75000"/>
           </a:bodyPr>
           <a:p>
             <a:endParaRPr b="0" lang="ru-RU" sz="3200" spc="-1" strike="noStrike">
@@ -3858,7 +3858,7 @@
         </p:spPr>
         <p:txBody>
           <a:bodyPr lIns="0" rIns="0" tIns="0" bIns="0">
-            <a:normAutofit fontScale="76000"/>
+            <a:normAutofit fontScale="75000"/>
           </a:bodyPr>
           <a:p>
             <a:endParaRPr b="0" lang="ru-RU" sz="3200" spc="-1" strike="noStrike">
@@ -5149,7 +5149,7 @@
         <p:spPr>
           <a:xfrm>
             <a:off x="685800" y="2130480"/>
-            <a:ext cx="7761960" cy="1459440"/>
+            <a:ext cx="7761600" cy="1459080"/>
           </a:xfrm>
           <a:prstGeom prst="rect">
             <a:avLst/>
@@ -5200,7 +5200,7 @@
         <p:spPr>
           <a:xfrm>
             <a:off x="1371600" y="3886200"/>
-            <a:ext cx="6390360" cy="1742040"/>
+            <a:ext cx="6390000" cy="1741680"/>
           </a:xfrm>
           <a:prstGeom prst="rect">
             <a:avLst/>
@@ -5225,7 +5225,7 @@
         </p:nvGraphicFramePr>
         <p:xfrm>
           <a:off x="2627640" y="5445360"/>
-          <a:ext cx="6515640" cy="849960"/>
+          <a:ext cx="6515640" cy="1032840"/>
         </p:xfrm>
         <a:graphic>
           <a:graphicData uri="http://schemas.openxmlformats.org/drawingml/2006/table">
@@ -5267,16 +5267,24 @@
                   </a:txBody>
                   <a:tcPr marL="68400" marR="68400">
                     <a:lnL w="12240">
-                      <a:noFill/>
+                      <a:solidFill>
+                        <a:srgbClr val="ffffff"/>
+                      </a:solidFill>
                     </a:lnL>
                     <a:lnR w="12240">
-                      <a:noFill/>
+                      <a:solidFill>
+                        <a:srgbClr val="ffffff"/>
+                      </a:solidFill>
                     </a:lnR>
                     <a:lnT w="12240">
-                      <a:noFill/>
+                      <a:solidFill>
+                        <a:srgbClr val="ffffff"/>
+                      </a:solidFill>
                     </a:lnT>
                     <a:lnB w="12240">
-                      <a:noFill/>
+                      <a:solidFill>
+                        <a:srgbClr val="ffffff"/>
+                      </a:solidFill>
                     </a:lnB>
                     <a:noFill/>
                   </a:tcPr>
@@ -5311,16 +5319,24 @@
                   </a:txBody>
                   <a:tcPr marL="68400" marR="68400">
                     <a:lnL w="12240">
-                      <a:noFill/>
+                      <a:solidFill>
+                        <a:srgbClr val="ffffff"/>
+                      </a:solidFill>
                     </a:lnL>
                     <a:lnR w="12240">
-                      <a:noFill/>
+                      <a:solidFill>
+                        <a:srgbClr val="ffffff"/>
+                      </a:solidFill>
                     </a:lnR>
                     <a:lnT w="12240">
-                      <a:noFill/>
+                      <a:solidFill>
+                        <a:srgbClr val="ffffff"/>
+                      </a:solidFill>
                     </a:lnT>
                     <a:lnB w="12240">
-                      <a:noFill/>
+                      <a:solidFill>
+                        <a:srgbClr val="ffffff"/>
+                      </a:solidFill>
                     </a:lnB>
                     <a:noFill/>
                   </a:tcPr>
@@ -5356,16 +5372,24 @@
                   </a:txBody>
                   <a:tcPr marL="68400" marR="68400">
                     <a:lnL w="12240">
-                      <a:noFill/>
+                      <a:solidFill>
+                        <a:srgbClr val="ffffff"/>
+                      </a:solidFill>
                     </a:lnL>
                     <a:lnR w="12240">
-                      <a:noFill/>
+                      <a:solidFill>
+                        <a:srgbClr val="ffffff"/>
+                      </a:solidFill>
                     </a:lnR>
                     <a:lnT w="12240">
-                      <a:noFill/>
+                      <a:solidFill>
+                        <a:srgbClr val="ffffff"/>
+                      </a:solidFill>
                     </a:lnT>
                     <a:lnB w="12240">
-                      <a:noFill/>
+                      <a:solidFill>
+                        <a:srgbClr val="ffffff"/>
+                      </a:solidFill>
                     </a:lnB>
                     <a:noFill/>
                   </a:tcPr>
@@ -5402,16 +5426,24 @@
                   </a:txBody>
                   <a:tcPr marL="68400" marR="68400">
                     <a:lnL w="12240">
-                      <a:noFill/>
+                      <a:solidFill>
+                        <a:srgbClr val="ffffff"/>
+                      </a:solidFill>
                     </a:lnL>
                     <a:lnR w="12240">
-                      <a:noFill/>
+                      <a:solidFill>
+                        <a:srgbClr val="ffffff"/>
+                      </a:solidFill>
                     </a:lnR>
                     <a:lnT w="12240">
-                      <a:noFill/>
+                      <a:solidFill>
+                        <a:srgbClr val="ffffff"/>
+                      </a:solidFill>
                     </a:lnT>
                     <a:lnB w="12240">
-                      <a:noFill/>
+                      <a:solidFill>
+                        <a:srgbClr val="ffffff"/>
+                      </a:solidFill>
                     </a:lnB>
                     <a:noFill/>
                   </a:tcPr>
@@ -5446,16 +5478,24 @@
                   </a:txBody>
                   <a:tcPr marL="68400" marR="68400">
                     <a:lnL w="12240">
-                      <a:noFill/>
+                      <a:solidFill>
+                        <a:srgbClr val="ffffff"/>
+                      </a:solidFill>
                     </a:lnL>
                     <a:lnR w="12240">
-                      <a:noFill/>
+                      <a:solidFill>
+                        <a:srgbClr val="ffffff"/>
+                      </a:solidFill>
                     </a:lnR>
                     <a:lnT w="12240">
-                      <a:noFill/>
+                      <a:solidFill>
+                        <a:srgbClr val="ffffff"/>
+                      </a:solidFill>
                     </a:lnT>
                     <a:lnB w="12240">
-                      <a:noFill/>
+                      <a:solidFill>
+                        <a:srgbClr val="ffffff"/>
+                      </a:solidFill>
                     </a:lnB>
                     <a:noFill/>
                   </a:tcPr>
@@ -5490,16 +5530,24 @@
                   </a:txBody>
                   <a:tcPr marL="68400" marR="68400">
                     <a:lnL w="12240">
-                      <a:noFill/>
+                      <a:solidFill>
+                        <a:srgbClr val="ffffff"/>
+                      </a:solidFill>
                     </a:lnL>
                     <a:lnR w="12240">
-                      <a:noFill/>
+                      <a:solidFill>
+                        <a:srgbClr val="ffffff"/>
+                      </a:solidFill>
                     </a:lnR>
                     <a:lnT w="12240">
-                      <a:noFill/>
+                      <a:solidFill>
+                        <a:srgbClr val="ffffff"/>
+                      </a:solidFill>
                     </a:lnT>
                     <a:lnB w="12240">
-                      <a:noFill/>
+                      <a:solidFill>
+                        <a:srgbClr val="ffffff"/>
+                      </a:solidFill>
                     </a:lnB>
                     <a:noFill/>
                   </a:tcPr>
@@ -5548,7 +5596,7 @@
         <p:spPr>
           <a:xfrm>
             <a:off x="457200" y="90000"/>
-            <a:ext cx="8219160" cy="1132560"/>
+            <a:ext cx="8218800" cy="1132200"/>
           </a:xfrm>
           <a:prstGeom prst="rect">
             <a:avLst/>
@@ -5599,7 +5647,7 @@
         <p:spPr>
           <a:xfrm>
             <a:off x="457200" y="1600200"/>
-            <a:ext cx="8219160" cy="4515480"/>
+            <a:ext cx="8218800" cy="4515120"/>
           </a:xfrm>
           <a:prstGeom prst="rect">
             <a:avLst/>
@@ -5625,7 +5673,7 @@
         <p:spPr>
           <a:xfrm>
             <a:off x="8460360" y="0"/>
-            <a:ext cx="681840" cy="455400"/>
+            <a:ext cx="681480" cy="455400"/>
           </a:xfrm>
           <a:prstGeom prst="rect">
             <a:avLst/>
@@ -5651,7 +5699,7 @@
                 <a:spcPct val="100000"/>
               </a:lnSpc>
             </a:pPr>
-            <a:fld id="{2D1CA76B-02A4-44E0-B300-BE3286805A53}" type="slidenum">
+            <a:fld id="{5FB8BBF9-3354-4199-9746-1500EED2F096}" type="slidenum">
               <a:rPr b="0" lang="ru-RU" sz="2400" spc="-1" strike="noStrike">
                 <a:solidFill>
                   <a:srgbClr val="000000"/>
@@ -5659,7 +5707,7 @@
                 <a:latin typeface="Arial"/>
                 <a:ea typeface="DejaVu Sans"/>
               </a:rPr>
-              <a:t>9</a:t>
+              <a:t>&lt;номер&gt;</a:t>
             </a:fld>
             <a:endParaRPr b="0" lang="ru-RU" sz="2400" spc="-1" strike="noStrike">
               <a:latin typeface="Arial"/>
@@ -5680,7 +5728,7 @@
         <p:spPr>
           <a:xfrm>
             <a:off x="648000" y="1411920"/>
-            <a:ext cx="3506760" cy="2546640"/>
+            <a:ext cx="3506400" cy="2546280"/>
           </a:xfrm>
           <a:prstGeom prst="rect">
             <a:avLst/>
@@ -5703,7 +5751,7 @@
         <p:spPr>
           <a:xfrm>
             <a:off x="656640" y="4207680"/>
-            <a:ext cx="3506760" cy="2558880"/>
+            <a:ext cx="3506400" cy="2558520"/>
           </a:xfrm>
           <a:prstGeom prst="rect">
             <a:avLst/>
@@ -5726,7 +5774,7 @@
         <p:spPr>
           <a:xfrm>
             <a:off x="4896000" y="1404000"/>
-            <a:ext cx="3372840" cy="2626560"/>
+            <a:ext cx="3372480" cy="2626200"/>
           </a:xfrm>
           <a:prstGeom prst="rect">
             <a:avLst/>
@@ -5749,7 +5797,7 @@
         <p:spPr>
           <a:xfrm>
             <a:off x="4896000" y="4248000"/>
-            <a:ext cx="3529080" cy="2554560"/>
+            <a:ext cx="3528720" cy="2554200"/>
           </a:xfrm>
           <a:prstGeom prst="rect">
             <a:avLst/>
@@ -5768,7 +5816,7 @@
         <p:spPr>
           <a:xfrm>
             <a:off x="4909680" y="4032000"/>
-            <a:ext cx="3515400" cy="600840"/>
+            <a:ext cx="3515040" cy="600480"/>
           </a:xfrm>
           <a:prstGeom prst="rect">
             <a:avLst/>
@@ -5819,7 +5867,7 @@
         <p:spPr>
           <a:xfrm>
             <a:off x="4835160" y="1197720"/>
-            <a:ext cx="3515400" cy="600840"/>
+            <a:ext cx="3515040" cy="600480"/>
           </a:xfrm>
           <a:prstGeom prst="rect">
             <a:avLst/>
@@ -5870,7 +5918,7 @@
         <p:spPr>
           <a:xfrm>
             <a:off x="794520" y="4032000"/>
-            <a:ext cx="3515400" cy="600840"/>
+            <a:ext cx="3515040" cy="600480"/>
           </a:xfrm>
           <a:prstGeom prst="rect">
             <a:avLst/>
@@ -5921,7 +5969,7 @@
         <p:spPr>
           <a:xfrm>
             <a:off x="720000" y="1197720"/>
-            <a:ext cx="3515400" cy="600840"/>
+            <a:ext cx="3515040" cy="600480"/>
           </a:xfrm>
           <a:prstGeom prst="rect">
             <a:avLst/>
@@ -6012,7 +6060,7 @@
         <p:spPr>
           <a:xfrm>
             <a:off x="457200" y="90000"/>
-            <a:ext cx="8219160" cy="1132560"/>
+            <a:ext cx="8218800" cy="1132200"/>
           </a:xfrm>
           <a:prstGeom prst="rect">
             <a:avLst/>
@@ -6063,7 +6111,7 @@
         <p:spPr>
           <a:xfrm>
             <a:off x="216000" y="1368000"/>
-            <a:ext cx="8460360" cy="4747680"/>
+            <a:ext cx="8460000" cy="4747320"/>
           </a:xfrm>
           <a:prstGeom prst="rect">
             <a:avLst/>
@@ -6084,7 +6132,7 @@
             <a:noAutofit/>
           </a:bodyPr>
           <a:p>
-            <a:pPr marL="216000" indent="-215640">
+            <a:pPr marL="216000" indent="-215280">
               <a:lnSpc>
                 <a:spcPct val="115000"/>
               </a:lnSpc>
@@ -6113,7 +6161,7 @@
             </a:endParaRPr>
           </a:p>
           <a:p>
-            <a:pPr marL="216000" indent="-215640">
+            <a:pPr marL="216000" indent="-215280">
               <a:lnSpc>
                 <a:spcPct val="115000"/>
               </a:lnSpc>
@@ -6142,7 +6190,7 @@
             </a:endParaRPr>
           </a:p>
           <a:p>
-            <a:pPr marL="216000" indent="-215640">
+            <a:pPr marL="216000" indent="-215280">
               <a:lnSpc>
                 <a:spcPct val="115000"/>
               </a:lnSpc>
@@ -6171,7 +6219,7 @@
             </a:endParaRPr>
           </a:p>
           <a:p>
-            <a:pPr marL="216000" indent="-215640">
+            <a:pPr marL="216000" indent="-215280">
               <a:lnSpc>
                 <a:spcPct val="115000"/>
               </a:lnSpc>
@@ -6200,7 +6248,7 @@
             </a:endParaRPr>
           </a:p>
           <a:p>
-            <a:pPr marL="216000" indent="-215640">
+            <a:pPr marL="216000" indent="-215280">
               <a:lnSpc>
                 <a:spcPct val="115000"/>
               </a:lnSpc>
@@ -6229,7 +6277,7 @@
             </a:endParaRPr>
           </a:p>
           <a:p>
-            <a:pPr marL="216000" indent="-215640">
+            <a:pPr marL="216000" indent="-215280">
               <a:lnSpc>
                 <a:spcPct val="115000"/>
               </a:lnSpc>
@@ -6291,7 +6339,7 @@
         <p:spPr>
           <a:xfrm>
             <a:off x="8460360" y="0"/>
-            <a:ext cx="681840" cy="455400"/>
+            <a:ext cx="681480" cy="455400"/>
           </a:xfrm>
           <a:prstGeom prst="rect">
             <a:avLst/>
@@ -6317,7 +6365,7 @@
                 <a:spcPct val="100000"/>
               </a:lnSpc>
             </a:pPr>
-            <a:fld id="{2CC77586-19A4-4046-99AB-C27604A38BBA}" type="slidenum">
+            <a:fld id="{FD864227-E7A4-4938-AEE5-EB22F5A9D761}" type="slidenum">
               <a:rPr b="0" lang="ru-RU" sz="2400" spc="-1" strike="noStrike">
                 <a:solidFill>
                   <a:srgbClr val="000000"/>
@@ -6325,7 +6373,7 @@
                 <a:latin typeface="Arial"/>
                 <a:ea typeface="DejaVu Sans"/>
               </a:rPr>
-              <a:t>9</a:t>
+              <a:t>&lt;номер&gt;</a:t>
             </a:fld>
             <a:endParaRPr b="0" lang="ru-RU" sz="2400" spc="-1" strike="noStrike">
               <a:latin typeface="Arial"/>
@@ -6372,7 +6420,7 @@
         <p:spPr>
           <a:xfrm>
             <a:off x="459720" y="476640"/>
-            <a:ext cx="8223120" cy="4519440"/>
+            <a:ext cx="8222760" cy="4519080"/>
           </a:xfrm>
           <a:prstGeom prst="rect">
             <a:avLst/>
@@ -6564,7 +6612,7 @@
         <p:spPr>
           <a:xfrm>
             <a:off x="8460360" y="0"/>
-            <a:ext cx="681840" cy="455400"/>
+            <a:ext cx="681480" cy="455400"/>
           </a:xfrm>
           <a:prstGeom prst="rect">
             <a:avLst/>
@@ -6590,7 +6638,7 @@
                 <a:spcPct val="100000"/>
               </a:lnSpc>
             </a:pPr>
-            <a:fld id="{DBB05B3D-634F-43AB-9013-2CEA1BD59B53}" type="slidenum">
+            <a:fld id="{16C0FCD0-1029-4EB8-83A5-E3B7A51B3901}" type="slidenum">
               <a:rPr b="0" lang="ru-RU" sz="2400" spc="-1" strike="noStrike">
                 <a:solidFill>
                   <a:srgbClr val="000000"/>
@@ -6645,7 +6693,7 @@
         <p:spPr>
           <a:xfrm>
             <a:off x="457200" y="274680"/>
-            <a:ext cx="8219160" cy="1132560"/>
+            <a:ext cx="8218800" cy="1132200"/>
           </a:xfrm>
           <a:prstGeom prst="rect">
             <a:avLst/>
@@ -6696,7 +6744,7 @@
         <p:spPr>
           <a:xfrm>
             <a:off x="457200" y="5798160"/>
-            <a:ext cx="2414880" cy="341640"/>
+            <a:ext cx="2414520" cy="341280"/>
           </a:xfrm>
           <a:prstGeom prst="rect">
             <a:avLst/>
@@ -6747,7 +6795,7 @@
         <p:spPr>
           <a:xfrm>
             <a:off x="2949120" y="5954040"/>
-            <a:ext cx="3235320" cy="341640"/>
+            <a:ext cx="3234960" cy="341280"/>
           </a:xfrm>
           <a:prstGeom prst="rect">
             <a:avLst/>
@@ -6802,7 +6850,7 @@
         <p:spPr>
           <a:xfrm>
             <a:off x="3564000" y="1450440"/>
-            <a:ext cx="1573560" cy="2451960"/>
+            <a:ext cx="1573200" cy="2451600"/>
           </a:xfrm>
           <a:prstGeom prst="rect">
             <a:avLst/>
@@ -6825,7 +6873,7 @@
         <p:spPr>
           <a:xfrm>
             <a:off x="216360" y="1845000"/>
-            <a:ext cx="2985480" cy="2018520"/>
+            <a:ext cx="2985120" cy="2018160"/>
           </a:xfrm>
           <a:prstGeom prst="rect">
             <a:avLst/>
@@ -6848,7 +6896,7 @@
         <p:spPr>
           <a:xfrm>
             <a:off x="1307520" y="3618360"/>
-            <a:ext cx="1630080" cy="1915560"/>
+            <a:ext cx="1629720" cy="1915200"/>
           </a:xfrm>
           <a:prstGeom prst="rect">
             <a:avLst/>
@@ -6871,7 +6919,7 @@
         <p:spPr>
           <a:xfrm>
             <a:off x="3708000" y="3835080"/>
-            <a:ext cx="2229480" cy="1737360"/>
+            <a:ext cx="2229120" cy="1737000"/>
           </a:xfrm>
           <a:prstGeom prst="rect">
             <a:avLst/>
@@ -6894,7 +6942,7 @@
         <p:spPr>
           <a:xfrm>
             <a:off x="6243840" y="2468520"/>
-            <a:ext cx="2731320" cy="2731320"/>
+            <a:ext cx="2730960" cy="2730960"/>
           </a:xfrm>
           <a:prstGeom prst="rect">
             <a:avLst/>
@@ -6913,7 +6961,7 @@
         <p:spPr>
           <a:xfrm>
             <a:off x="5994720" y="5754240"/>
-            <a:ext cx="3091320" cy="741600"/>
+            <a:ext cx="3090960" cy="741240"/>
           </a:xfrm>
           <a:prstGeom prst="rect">
             <a:avLst/>
@@ -6967,7 +7015,7 @@
         <p:spPr>
           <a:xfrm>
             <a:off x="8460360" y="0"/>
-            <a:ext cx="681840" cy="455400"/>
+            <a:ext cx="681480" cy="455400"/>
           </a:xfrm>
           <a:prstGeom prst="rect">
             <a:avLst/>
@@ -6993,7 +7041,7 @@
                 <a:spcPct val="100000"/>
               </a:lnSpc>
             </a:pPr>
-            <a:fld id="{C2F72FDB-1E65-4E5B-8D3A-024C35F26F38}" type="slidenum">
+            <a:fld id="{D818384F-BD8E-4A0D-83BA-2244C5346FE2}" type="slidenum">
               <a:rPr b="0" lang="ru-RU" sz="2400" spc="-1" strike="noStrike">
                 <a:solidFill>
                   <a:srgbClr val="000000"/>
@@ -7001,7 +7049,7 @@
                 <a:latin typeface="Arial"/>
                 <a:ea typeface="DejaVu Sans"/>
               </a:rPr>
-              <a:t>1</a:t>
+              <a:t>&lt;номер&gt;</a:t>
             </a:fld>
             <a:endParaRPr b="0" lang="ru-RU" sz="2400" spc="-1" strike="noStrike">
               <a:latin typeface="Arial"/>
@@ -7048,7 +7096,7 @@
         <p:spPr>
           <a:xfrm>
             <a:off x="457200" y="274680"/>
-            <a:ext cx="8219160" cy="1132560"/>
+            <a:ext cx="8218800" cy="1132200"/>
           </a:xfrm>
           <a:prstGeom prst="rect">
             <a:avLst/>
@@ -7099,7 +7147,7 @@
         <p:spPr>
           <a:xfrm>
             <a:off x="457200" y="1600200"/>
-            <a:ext cx="8219160" cy="4515480"/>
+            <a:ext cx="8218800" cy="4515120"/>
           </a:xfrm>
           <a:prstGeom prst="rect">
             <a:avLst/>
@@ -7125,7 +7173,7 @@
         <p:spPr>
           <a:xfrm>
             <a:off x="381600" y="1996920"/>
-            <a:ext cx="3883680" cy="342000"/>
+            <a:ext cx="3883320" cy="341640"/>
           </a:xfrm>
           <a:prstGeom prst="rect">
             <a:avLst/>
@@ -7176,7 +7224,7 @@
         <p:spPr>
           <a:xfrm>
             <a:off x="4821120" y="1996920"/>
-            <a:ext cx="4027680" cy="342000"/>
+            <a:ext cx="4027320" cy="341640"/>
           </a:xfrm>
           <a:prstGeom prst="rect">
             <a:avLst/>
@@ -7231,7 +7279,7 @@
         <p:spPr>
           <a:xfrm>
             <a:off x="4567680" y="2789280"/>
-            <a:ext cx="4534560" cy="2798280"/>
+            <a:ext cx="4534200" cy="2797920"/>
           </a:xfrm>
           <a:prstGeom prst="rect">
             <a:avLst/>
@@ -7254,7 +7302,7 @@
         <p:spPr>
           <a:xfrm>
             <a:off x="80640" y="2617920"/>
-            <a:ext cx="4485240" cy="2890080"/>
+            <a:ext cx="4484880" cy="2889720"/>
           </a:xfrm>
           <a:prstGeom prst="rect">
             <a:avLst/>
@@ -7273,7 +7321,7 @@
         <p:spPr>
           <a:xfrm>
             <a:off x="8460360" y="0"/>
-            <a:ext cx="681840" cy="455400"/>
+            <a:ext cx="681480" cy="455400"/>
           </a:xfrm>
           <a:prstGeom prst="rect">
             <a:avLst/>
@@ -7299,7 +7347,7 @@
                 <a:spcPct val="100000"/>
               </a:lnSpc>
             </a:pPr>
-            <a:fld id="{EBC79A8A-3E63-4281-A692-DAB279F8EDE3}" type="slidenum">
+            <a:fld id="{D5AC334F-787C-40A8-B76B-F7110B9243E9}" type="slidenum">
               <a:rPr b="0" lang="ru-RU" sz="2400" spc="-1" strike="noStrike">
                 <a:solidFill>
                   <a:srgbClr val="000000"/>
@@ -7307,7 +7355,7 @@
                 <a:latin typeface="Arial"/>
                 <a:ea typeface="DejaVu Sans"/>
               </a:rPr>
-              <a:t>1</a:t>
+              <a:t>&lt;номер&gt;</a:t>
             </a:fld>
             <a:endParaRPr b="0" lang="ru-RU" sz="2400" spc="-1" strike="noStrike">
               <a:latin typeface="Arial"/>
@@ -7354,7 +7402,7 @@
         <p:spPr>
           <a:xfrm>
             <a:off x="457200" y="274680"/>
-            <a:ext cx="8219160" cy="1132560"/>
+            <a:ext cx="8218800" cy="1132200"/>
           </a:xfrm>
           <a:prstGeom prst="rect">
             <a:avLst/>
@@ -7405,7 +7453,7 @@
         <p:spPr>
           <a:xfrm>
             <a:off x="457200" y="1600200"/>
-            <a:ext cx="8219160" cy="4515480"/>
+            <a:ext cx="8218800" cy="4515120"/>
           </a:xfrm>
           <a:prstGeom prst="rect">
             <a:avLst/>
@@ -7431,9 +7479,9 @@
         <p:grpSpPr>
           <a:xfrm>
             <a:off x="323640" y="1845000"/>
-            <a:ext cx="8588160" cy="3483360"/>
+            <a:ext cx="8587800" cy="3483000"/>
             <a:chOff x="323640" y="1845000"/>
-            <a:chExt cx="8588160" cy="3483360"/>
+            <a:chExt cx="8587800" cy="3483000"/>
           </a:xfrm>
         </p:grpSpPr>
         <p:pic>
@@ -7449,7 +7497,7 @@
           <p:spPr>
             <a:xfrm>
               <a:off x="323640" y="1845000"/>
-              <a:ext cx="8588160" cy="3483360"/>
+              <a:ext cx="8587800" cy="3483000"/>
             </a:xfrm>
             <a:prstGeom prst="rect">
               <a:avLst/>
@@ -7468,7 +7516,7 @@
           <p:spPr>
             <a:xfrm>
               <a:off x="6804360" y="3285000"/>
-              <a:ext cx="502200" cy="367560"/>
+              <a:ext cx="501840" cy="367200"/>
             </a:xfrm>
             <a:prstGeom prst="rect">
               <a:avLst/>
@@ -7494,27 +7542,25 @@
           <p:spPr>
             <a:xfrm>
               <a:off x="6876360" y="3285000"/>
-              <a:ext cx="430200" cy="398880"/>
+              <a:ext cx="429840" cy="398520"/>
             </a:xfrm>
             <a:prstGeom prst="rect">
               <a:avLst/>
             </a:prstGeom>
-            <a:ln>
+            <a:solidFill>
+              <a:srgbClr val="ffffff"/>
+            </a:solidFill>
+            <a:ln w="25560">
               <a:solidFill>
-                <a:schemeClr val="bg1"/>
+                <a:srgbClr val="ffffff"/>
               </a:solidFill>
+              <a:miter/>
             </a:ln>
           </p:spPr>
           <p:style>
-            <a:lnRef idx="2">
-              <a:schemeClr val="dk1"/>
-            </a:lnRef>
-            <a:fillRef idx="1">
-              <a:schemeClr val="lt1"/>
-            </a:fillRef>
-            <a:effectRef idx="0">
-              <a:schemeClr val="dk1"/>
-            </a:effectRef>
+            <a:lnRef idx="0"/>
+            <a:fillRef idx="0"/>
+            <a:effectRef idx="0"/>
             <a:fontRef idx="minor"/>
           </p:style>
         </p:sp>
@@ -7527,7 +7573,7 @@
           <p:spPr>
             <a:xfrm>
               <a:off x="6840360" y="3316320"/>
-              <a:ext cx="502200" cy="363960"/>
+              <a:ext cx="501840" cy="363960"/>
             </a:xfrm>
             <a:prstGeom prst="rect">
               <a:avLst/>
@@ -7578,27 +7624,25 @@
           <p:spPr>
             <a:xfrm>
               <a:off x="3754080" y="2605680"/>
-              <a:ext cx="492120" cy="398880"/>
+              <a:ext cx="491760" cy="398520"/>
             </a:xfrm>
             <a:prstGeom prst="rect">
               <a:avLst/>
             </a:prstGeom>
-            <a:ln>
+            <a:solidFill>
+              <a:srgbClr val="ffffff"/>
+            </a:solidFill>
+            <a:ln w="25560">
               <a:solidFill>
-                <a:schemeClr val="bg1"/>
+                <a:srgbClr val="ffffff"/>
               </a:solidFill>
+              <a:miter/>
             </a:ln>
           </p:spPr>
           <p:style>
-            <a:lnRef idx="2">
-              <a:schemeClr val="dk1"/>
-            </a:lnRef>
-            <a:fillRef idx="1">
-              <a:schemeClr val="lt1"/>
-            </a:fillRef>
-            <a:effectRef idx="0">
-              <a:schemeClr val="dk1"/>
-            </a:effectRef>
+            <a:lnRef idx="0"/>
+            <a:fillRef idx="0"/>
+            <a:effectRef idx="0"/>
             <a:fontRef idx="minor"/>
           </p:style>
         </p:sp>
@@ -7611,7 +7655,7 @@
           <p:spPr>
             <a:xfrm>
               <a:off x="3701160" y="2637000"/>
-              <a:ext cx="718200" cy="363960"/>
+              <a:ext cx="717840" cy="363960"/>
             </a:xfrm>
             <a:prstGeom prst="rect">
               <a:avLst/>
@@ -7662,27 +7706,25 @@
           <p:spPr>
             <a:xfrm>
               <a:off x="3747600" y="4077000"/>
-              <a:ext cx="492120" cy="398880"/>
+              <a:ext cx="491760" cy="398520"/>
             </a:xfrm>
             <a:prstGeom prst="rect">
               <a:avLst/>
             </a:prstGeom>
-            <a:ln>
+            <a:solidFill>
+              <a:srgbClr val="ffffff"/>
+            </a:solidFill>
+            <a:ln w="25560">
               <a:solidFill>
-                <a:schemeClr val="bg1"/>
+                <a:srgbClr val="ffffff"/>
               </a:solidFill>
+              <a:miter/>
             </a:ln>
           </p:spPr>
           <p:style>
-            <a:lnRef idx="2">
-              <a:schemeClr val="dk1"/>
-            </a:lnRef>
-            <a:fillRef idx="1">
-              <a:schemeClr val="lt1"/>
-            </a:fillRef>
-            <a:effectRef idx="0">
-              <a:schemeClr val="dk1"/>
-            </a:effectRef>
+            <a:lnRef idx="0"/>
+            <a:fillRef idx="0"/>
+            <a:effectRef idx="0"/>
             <a:fontRef idx="minor"/>
           </p:style>
         </p:sp>
@@ -7695,7 +7737,7 @@
           <p:spPr>
             <a:xfrm>
               <a:off x="3701160" y="4077000"/>
-              <a:ext cx="653040" cy="363960"/>
+              <a:ext cx="652680" cy="363960"/>
             </a:xfrm>
             <a:prstGeom prst="rect">
               <a:avLst/>
@@ -7747,7 +7789,7 @@
         <p:spPr>
           <a:xfrm>
             <a:off x="8460360" y="0"/>
-            <a:ext cx="681840" cy="455400"/>
+            <a:ext cx="681480" cy="455400"/>
           </a:xfrm>
           <a:prstGeom prst="rect">
             <a:avLst/>
@@ -7773,7 +7815,7 @@
                 <a:spcPct val="100000"/>
               </a:lnSpc>
             </a:pPr>
-            <a:fld id="{7F28B903-BF55-4160-8806-D67930CFFFDC}" type="slidenum">
+            <a:fld id="{17B60A5E-199E-48AA-AB0C-4BC01904DBC3}" type="slidenum">
               <a:rPr b="0" lang="ru-RU" sz="2400" spc="-1" strike="noStrike">
                 <a:solidFill>
                   <a:srgbClr val="000000"/>
@@ -7781,7 +7823,7 @@
                 <a:latin typeface="Arial"/>
                 <a:ea typeface="DejaVu Sans"/>
               </a:rPr>
-              <a:t>1</a:t>
+              <a:t>&lt;номер&gt;</a:t>
             </a:fld>
             <a:endParaRPr b="0" lang="ru-RU" sz="2400" spc="-1" strike="noStrike">
               <a:latin typeface="Arial"/>
@@ -7828,7 +7870,7 @@
         <p:spPr>
           <a:xfrm>
             <a:off x="457200" y="274680"/>
-            <a:ext cx="8219160" cy="1132560"/>
+            <a:ext cx="8218800" cy="1132200"/>
           </a:xfrm>
           <a:prstGeom prst="rect">
             <a:avLst/>
@@ -7879,7 +7921,7 @@
         <p:spPr>
           <a:xfrm>
             <a:off x="470160" y="1676880"/>
-            <a:ext cx="3812040" cy="598320"/>
+            <a:ext cx="3811680" cy="597960"/>
           </a:xfrm>
           <a:prstGeom prst="rect">
             <a:avLst/>
@@ -7930,7 +7972,7 @@
         <p:spPr>
           <a:xfrm>
             <a:off x="4572000" y="1686240"/>
-            <a:ext cx="3812040" cy="598320"/>
+            <a:ext cx="3811680" cy="597960"/>
           </a:xfrm>
           <a:prstGeom prst="rect">
             <a:avLst/>
@@ -7985,7 +8027,7 @@
         <p:spPr>
           <a:xfrm>
             <a:off x="827640" y="2324880"/>
-            <a:ext cx="3886560" cy="2590560"/>
+            <a:ext cx="3886200" cy="2590200"/>
           </a:xfrm>
           <a:prstGeom prst="rect">
             <a:avLst/>
@@ -8008,7 +8050,7 @@
         <p:spPr>
           <a:xfrm>
             <a:off x="5047920" y="2315520"/>
-            <a:ext cx="3987000" cy="3415680"/>
+            <a:ext cx="3986640" cy="3415320"/>
           </a:xfrm>
           <a:prstGeom prst="rect">
             <a:avLst/>
@@ -8027,7 +8069,7 @@
         <p:spPr>
           <a:xfrm>
             <a:off x="8460360" y="0"/>
-            <a:ext cx="681840" cy="455400"/>
+            <a:ext cx="681480" cy="455400"/>
           </a:xfrm>
           <a:prstGeom prst="rect">
             <a:avLst/>
@@ -8053,7 +8095,7 @@
                 <a:spcPct val="100000"/>
               </a:lnSpc>
             </a:pPr>
-            <a:fld id="{198515CE-41F8-4B2A-A10D-8CBA95BD0395}" type="slidenum">
+            <a:fld id="{968B03A1-8ACD-4CB1-A1B5-2B0AD05B5438}" type="slidenum">
               <a:rPr b="0" lang="ru-RU" sz="2400" spc="-1" strike="noStrike">
                 <a:solidFill>
                   <a:srgbClr val="000000"/>
@@ -8061,7 +8103,7 @@
                 <a:latin typeface="Arial"/>
                 <a:ea typeface="DejaVu Sans"/>
               </a:rPr>
-              <a:t>1</a:t>
+              <a:t>&lt;номер&gt;</a:t>
             </a:fld>
             <a:endParaRPr b="0" lang="ru-RU" sz="2400" spc="-1" strike="noStrike">
               <a:latin typeface="Arial"/>
@@ -8108,7 +8150,7 @@
         <p:spPr>
           <a:xfrm>
             <a:off x="457200" y="276120"/>
-            <a:ext cx="8219160" cy="1132560"/>
+            <a:ext cx="8218800" cy="1132200"/>
           </a:xfrm>
           <a:prstGeom prst="rect">
             <a:avLst/>
@@ -8159,7 +8201,7 @@
         <p:spPr>
           <a:xfrm>
             <a:off x="457200" y="1600200"/>
-            <a:ext cx="8219160" cy="4515480"/>
+            <a:ext cx="8218800" cy="4515120"/>
           </a:xfrm>
           <a:prstGeom prst="rect">
             <a:avLst/>
@@ -8185,7 +8227,7 @@
         <p:spPr>
           <a:xfrm>
             <a:off x="467640" y="5058000"/>
-            <a:ext cx="8567280" cy="1309320"/>
+            <a:ext cx="8566920" cy="1309320"/>
           </a:xfrm>
           <a:prstGeom prst="rect">
             <a:avLst/>
@@ -8346,7 +8388,7 @@
         <p:spPr>
           <a:xfrm>
             <a:off x="467640" y="1755720"/>
-            <a:ext cx="4390560" cy="699480"/>
+            <a:ext cx="4390200" cy="699480"/>
           </a:xfrm>
           <a:prstGeom prst="rect">
             <a:avLst/>
@@ -8428,7 +8470,7 @@
         <p:spPr>
           <a:xfrm>
             <a:off x="4932000" y="1755720"/>
-            <a:ext cx="4390560" cy="699480"/>
+            <a:ext cx="4390200" cy="699480"/>
           </a:xfrm>
           <a:prstGeom prst="rect">
             <a:avLst/>
@@ -8510,7 +8552,7 @@
         <p:spPr>
           <a:xfrm flipH="1">
             <a:off x="2913480" y="1268640"/>
-            <a:ext cx="1222200" cy="484920"/>
+            <a:ext cx="1221840" cy="484560"/>
           </a:xfrm>
           <a:custGeom>
             <a:avLst/>
@@ -8531,21 +8573,16 @@
           <a:noFill/>
           <a:ln w="28440">
             <a:solidFill>
-              <a:schemeClr val="tx1"/>
+              <a:srgbClr val="000000"/>
             </a:solidFill>
+            <a:miter/>
             <a:tailEnd len="med" type="arrow" w="med"/>
           </a:ln>
         </p:spPr>
         <p:style>
-          <a:lnRef idx="1">
-            <a:schemeClr val="accent1"/>
-          </a:lnRef>
-          <a:fillRef idx="0">
-            <a:schemeClr val="accent1"/>
-          </a:fillRef>
-          <a:effectRef idx="0">
-            <a:schemeClr val="accent1"/>
-          </a:effectRef>
+          <a:lnRef idx="0"/>
+          <a:fillRef idx="0"/>
+          <a:effectRef idx="0"/>
           <a:fontRef idx="minor"/>
         </p:style>
       </p:sp>
@@ -8558,7 +8595,7 @@
         <p:spPr>
           <a:xfrm>
             <a:off x="4140000" y="1268640"/>
-            <a:ext cx="1222200" cy="484920"/>
+            <a:ext cx="1221840" cy="484560"/>
           </a:xfrm>
           <a:custGeom>
             <a:avLst/>
@@ -8579,21 +8616,16 @@
           <a:noFill/>
           <a:ln w="28440">
             <a:solidFill>
-              <a:schemeClr val="tx1"/>
+              <a:srgbClr val="000000"/>
             </a:solidFill>
+            <a:miter/>
             <a:tailEnd len="med" type="arrow" w="med"/>
           </a:ln>
         </p:spPr>
         <p:style>
-          <a:lnRef idx="1">
-            <a:schemeClr val="accent1"/>
-          </a:lnRef>
-          <a:fillRef idx="0">
-            <a:schemeClr val="accent1"/>
-          </a:fillRef>
-          <a:effectRef idx="0">
-            <a:schemeClr val="accent1"/>
-          </a:effectRef>
+          <a:lnRef idx="0"/>
+          <a:fillRef idx="0"/>
+          <a:effectRef idx="0"/>
           <a:fontRef idx="minor"/>
         </p:style>
       </p:sp>
@@ -8657,7 +8689,7 @@
         <p:spPr>
           <a:xfrm>
             <a:off x="6456960" y="3531240"/>
-            <a:ext cx="360" cy="474840"/>
+            <a:ext cx="360" cy="474480"/>
           </a:xfrm>
           <a:custGeom>
             <a:avLst/>
@@ -8678,21 +8710,16 @@
           <a:noFill/>
           <a:ln w="28440">
             <a:solidFill>
-              <a:schemeClr val="tx1"/>
+              <a:srgbClr val="000000"/>
             </a:solidFill>
+            <a:miter/>
             <a:tailEnd len="med" type="arrow" w="med"/>
           </a:ln>
         </p:spPr>
         <p:style>
-          <a:lnRef idx="1">
-            <a:schemeClr val="accent1"/>
-          </a:lnRef>
-          <a:fillRef idx="0">
-            <a:schemeClr val="accent1"/>
-          </a:fillRef>
-          <a:effectRef idx="0">
-            <a:schemeClr val="accent1"/>
-          </a:effectRef>
+          <a:lnRef idx="0"/>
+          <a:fillRef idx="0"/>
+          <a:effectRef idx="0"/>
           <a:fontRef idx="minor"/>
         </p:style>
       </p:sp>
@@ -8756,7 +8783,7 @@
         <p:spPr>
           <a:xfrm>
             <a:off x="2099880" y="3531240"/>
-            <a:ext cx="360" cy="474840"/>
+            <a:ext cx="360" cy="474480"/>
           </a:xfrm>
           <a:custGeom>
             <a:avLst/>
@@ -8777,41 +8804,10 @@
           <a:noFill/>
           <a:ln w="28440">
             <a:solidFill>
-              <a:schemeClr val="tx1"/>
+              <a:srgbClr val="000000"/>
             </a:solidFill>
+            <a:miter/>
             <a:tailEnd len="med" type="arrow" w="med"/>
-          </a:ln>
-        </p:spPr>
-        <p:style>
-          <a:lnRef idx="1">
-            <a:schemeClr val="accent1"/>
-          </a:lnRef>
-          <a:fillRef idx="0">
-            <a:schemeClr val="accent1"/>
-          </a:fillRef>
-          <a:effectRef idx="0">
-            <a:schemeClr val="accent1"/>
-          </a:effectRef>
-          <a:fontRef idx="minor"/>
-        </p:style>
-      </p:sp>
-      <p:sp>
-        <p:nvSpPr>
-          <p:cNvPr id="133" name="CustomShape 12"/>
-          <p:cNvSpPr/>
-          <p:nvPr/>
-        </p:nvSpPr>
-        <p:spPr>
-          <a:xfrm>
-            <a:off x="8460360" y="0"/>
-            <a:ext cx="681840" cy="455400"/>
-          </a:xfrm>
-          <a:prstGeom prst="rect">
-            <a:avLst/>
-          </a:prstGeom>
-          <a:noFill/>
-          <a:ln>
-            <a:noFill/>
           </a:ln>
         </p:spPr>
         <p:style>
@@ -8820,6 +8816,32 @@
           <a:effectRef idx="0"/>
           <a:fontRef idx="minor"/>
         </p:style>
+      </p:sp>
+      <p:sp>
+        <p:nvSpPr>
+          <p:cNvPr id="133" name="CustomShape 12"/>
+          <p:cNvSpPr/>
+          <p:nvPr/>
+        </p:nvSpPr>
+        <p:spPr>
+          <a:xfrm>
+            <a:off x="8460360" y="0"/>
+            <a:ext cx="681480" cy="455400"/>
+          </a:xfrm>
+          <a:prstGeom prst="rect">
+            <a:avLst/>
+          </a:prstGeom>
+          <a:noFill/>
+          <a:ln>
+            <a:noFill/>
+          </a:ln>
+        </p:spPr>
+        <p:style>
+          <a:lnRef idx="0"/>
+          <a:fillRef idx="0"/>
+          <a:effectRef idx="0"/>
+          <a:fontRef idx="minor"/>
+        </p:style>
         <p:txBody>
           <a:bodyPr lIns="90000" rIns="90000" tIns="45000" bIns="45000">
             <a:spAutoFit/>
@@ -8830,7 +8852,7 @@
                 <a:spcPct val="100000"/>
               </a:lnSpc>
             </a:pPr>
-            <a:fld id="{EB5D8001-7204-4D99-BFAC-5A13DD38F1DC}" type="slidenum">
+            <a:fld id="{54628C41-C229-485A-8B65-464E89F99F8B}" type="slidenum">
               <a:rPr b="0" lang="ru-RU" sz="2400" spc="-1" strike="noStrike">
                 <a:solidFill>
                   <a:srgbClr val="000000"/>
@@ -8838,7 +8860,7 @@
                 <a:latin typeface="Arial"/>
                 <a:ea typeface="DejaVu Sans"/>
               </a:rPr>
-              <a:t>1</a:t>
+              <a:t>&lt;номер&gt;</a:t>
             </a:fld>
             <a:endParaRPr b="0" lang="ru-RU" sz="2400" spc="-1" strike="noStrike">
               <a:latin typeface="Arial"/>
@@ -8859,7 +8881,7 @@
         <p:spPr>
           <a:xfrm>
             <a:off x="965160" y="2654280"/>
-            <a:ext cx="2221200" cy="811440"/>
+            <a:ext cx="2220840" cy="811080"/>
           </a:xfrm>
           <a:prstGeom prst="rect">
             <a:avLst/>
@@ -8882,7 +8904,7 @@
         <p:spPr>
           <a:xfrm>
             <a:off x="4940280" y="2552760"/>
-            <a:ext cx="3249720" cy="989280"/>
+            <a:ext cx="3249360" cy="988920"/>
           </a:xfrm>
           <a:prstGeom prst="rect">
             <a:avLst/>
@@ -8931,7 +8953,7 @@
         <p:spPr>
           <a:xfrm>
             <a:off x="457200" y="274680"/>
-            <a:ext cx="8219160" cy="1132560"/>
+            <a:ext cx="8218800" cy="1132200"/>
           </a:xfrm>
           <a:prstGeom prst="rect">
             <a:avLst/>
@@ -8986,7 +9008,7 @@
         <p:spPr>
           <a:xfrm>
             <a:off x="613800" y="5096160"/>
-            <a:ext cx="5501160" cy="1563840"/>
+            <a:ext cx="5500800" cy="1563480"/>
           </a:xfrm>
           <a:prstGeom prst="rect">
             <a:avLst/>
@@ -9009,7 +9031,7 @@
         <p:spPr>
           <a:xfrm>
             <a:off x="6192000" y="5138640"/>
-            <a:ext cx="1794960" cy="1485360"/>
+            <a:ext cx="1794600" cy="1485000"/>
           </a:xfrm>
           <a:prstGeom prst="rect">
             <a:avLst/>
@@ -9028,7 +9050,7 @@
         <p:spPr>
           <a:xfrm>
             <a:off x="8460360" y="0"/>
-            <a:ext cx="681840" cy="455400"/>
+            <a:ext cx="681480" cy="455400"/>
           </a:xfrm>
           <a:prstGeom prst="rect">
             <a:avLst/>
@@ -9054,7 +9076,7 @@
                 <a:spcPct val="100000"/>
               </a:lnSpc>
             </a:pPr>
-            <a:fld id="{BD5345A2-A0EB-474C-8225-F5A42D091B9A}" type="slidenum">
+            <a:fld id="{4A40A776-2B16-429C-8937-BA657F8659BD}" type="slidenum">
               <a:rPr b="0" lang="ru-RU" sz="2400" spc="-1" strike="noStrike">
                 <a:solidFill>
                   <a:srgbClr val="000000"/>
@@ -9062,7 +9084,7 @@
                 <a:latin typeface="Arial"/>
                 <a:ea typeface="DejaVu Sans"/>
               </a:rPr>
-              <a:t>8</a:t>
+              <a:t>&lt;номер&gt;</a:t>
             </a:fld>
             <a:endParaRPr b="0" lang="ru-RU" sz="2400" spc="-1" strike="noStrike">
               <a:latin typeface="Arial"/>
@@ -9083,7 +9105,7 @@
         <p:spPr>
           <a:xfrm>
             <a:off x="216000" y="1368000"/>
-            <a:ext cx="4102560" cy="3742560"/>
+            <a:ext cx="4102200" cy="3742200"/>
           </a:xfrm>
           <a:prstGeom prst="rect">
             <a:avLst/>
@@ -9106,7 +9128,7 @@
         <p:spPr>
           <a:xfrm>
             <a:off x="3888000" y="2413440"/>
-            <a:ext cx="4966560" cy="2625120"/>
+            <a:ext cx="4966200" cy="2624760"/>
           </a:xfrm>
           <a:prstGeom prst="rect">
             <a:avLst/>
@@ -9155,7 +9177,7 @@
         <p:spPr>
           <a:xfrm>
             <a:off x="457200" y="422280"/>
-            <a:ext cx="8219160" cy="1132560"/>
+            <a:ext cx="8218800" cy="1132200"/>
           </a:xfrm>
           <a:prstGeom prst="rect">
             <a:avLst/>
@@ -9206,7 +9228,7 @@
         <p:spPr>
           <a:xfrm>
             <a:off x="457200" y="1600200"/>
-            <a:ext cx="8219160" cy="4515480"/>
+            <a:ext cx="8218800" cy="4515120"/>
           </a:xfrm>
           <a:prstGeom prst="rect">
             <a:avLst/>
@@ -9236,7 +9258,7 @@
         <p:spPr>
           <a:xfrm>
             <a:off x="1763640" y="2304000"/>
-            <a:ext cx="5439600" cy="2515320"/>
+            <a:ext cx="5439240" cy="2514960"/>
           </a:xfrm>
           <a:prstGeom prst="rect">
             <a:avLst/>
@@ -9255,7 +9277,7 @@
         <p:spPr>
           <a:xfrm>
             <a:off x="8460360" y="0"/>
-            <a:ext cx="681840" cy="455400"/>
+            <a:ext cx="681480" cy="455400"/>
           </a:xfrm>
           <a:prstGeom prst="rect">
             <a:avLst/>
@@ -9281,7 +9303,7 @@
                 <a:spcPct val="100000"/>
               </a:lnSpc>
             </a:pPr>
-            <a:fld id="{62D42347-4385-4198-86D1-C24842713AE8}" type="slidenum">
+            <a:fld id="{2E3CFD0B-19F2-4CE0-8BAA-BD5D052C600A}" type="slidenum">
               <a:rPr b="0" lang="ru-RU" sz="2400" spc="-1" strike="noStrike">
                 <a:solidFill>
                   <a:srgbClr val="000000"/>
@@ -9289,7 +9311,7 @@
                 <a:latin typeface="Arial"/>
                 <a:ea typeface="DejaVu Sans"/>
               </a:rPr>
-              <a:t>9</a:t>
+              <a:t>&lt;номер&gt;</a:t>
             </a:fld>
             <a:endParaRPr b="0" lang="ru-RU" sz="2400" spc="-1" strike="noStrike">
               <a:latin typeface="Arial"/>

--- a/student_session_2021/Доклад.pptx
+++ b/student_session_2021/Доклад.pptx
@@ -316,7 +316,7 @@
           </a:bodyPr>
           <a:p>
             <a:pPr algn="r"/>
-            <a:fld id="{F22FE9D8-301A-4F10-9C6F-FC0E1C81000B}" type="slidenum">
+            <a:fld id="{C477C796-52E8-48A5-A5BC-2C63F4746F6E}" type="slidenum">
               <a:rPr b="0" lang="ru-RU" sz="1400" spc="-1" strike="noStrike">
                 <a:latin typeface="Times New Roman"/>
               </a:rPr>
@@ -364,7 +364,7 @@
         <p:spPr>
           <a:xfrm>
             <a:off x="1144440" y="685800"/>
-            <a:ext cx="4557960" cy="3418200"/>
+            <a:ext cx="4557600" cy="3417840"/>
           </a:xfrm>
           <a:prstGeom prst="rect">
             <a:avLst/>
@@ -384,7 +384,7 @@
         <p:spPr>
           <a:xfrm>
             <a:off x="685800" y="4343400"/>
-            <a:ext cx="5474880" cy="4103280"/>
+            <a:ext cx="5474520" cy="4102920"/>
           </a:xfrm>
           <a:prstGeom prst="rect">
             <a:avLst/>
@@ -395,7 +395,7 @@
             <a:noAutofit/>
           </a:bodyPr>
           <a:p>
-            <a:pPr marL="216000" indent="-204840">
+            <a:pPr marL="216000" indent="-204480">
               <a:lnSpc>
                 <a:spcPct val="100000"/>
               </a:lnSpc>
@@ -418,7 +418,7 @@
             </a:endParaRPr>
           </a:p>
           <a:p>
-            <a:pPr marL="216000" indent="-204840">
+            <a:pPr marL="216000" indent="-204480">
               <a:lnSpc>
                 <a:spcPct val="100000"/>
               </a:lnSpc>
@@ -441,7 +441,7 @@
             </a:endParaRPr>
           </a:p>
           <a:p>
-            <a:pPr marL="216000" indent="-204840">
+            <a:pPr marL="216000" indent="-204480">
               <a:lnSpc>
                 <a:spcPct val="100000"/>
               </a:lnSpc>
@@ -474,7 +474,7 @@
         <p:spPr>
           <a:xfrm>
             <a:off x="3884760" y="8685360"/>
-            <a:ext cx="2960280" cy="445680"/>
+            <a:ext cx="2959920" cy="445320"/>
           </a:xfrm>
           <a:prstGeom prst="rect">
             <a:avLst/>
@@ -500,7 +500,7 @@
                 <a:spcPct val="100000"/>
               </a:lnSpc>
             </a:pPr>
-            <a:fld id="{B52C179A-0A99-4C0D-A39D-F1E164A20A3B}" type="slidenum">
+            <a:fld id="{FD5750DA-4A3B-4846-8A2E-1A2974F1D248}" type="slidenum">
               <a:rPr b="0" lang="ru-RU" sz="1200" spc="-1" strike="noStrike">
                 <a:solidFill>
                   <a:srgbClr val="000000"/>
@@ -551,7 +551,7 @@
         <p:spPr>
           <a:xfrm>
             <a:off x="1144440" y="685800"/>
-            <a:ext cx="4558320" cy="3418560"/>
+            <a:ext cx="4557960" cy="3418200"/>
           </a:xfrm>
           <a:prstGeom prst="rect">
             <a:avLst/>
@@ -571,7 +571,7 @@
         <p:spPr>
           <a:xfrm>
             <a:off x="685800" y="4343400"/>
-            <a:ext cx="5474880" cy="4103280"/>
+            <a:ext cx="5474520" cy="4102920"/>
           </a:xfrm>
           <a:prstGeom prst="rect">
             <a:avLst/>
@@ -582,7 +582,7 @@
             <a:noAutofit/>
           </a:bodyPr>
           <a:p>
-            <a:pPr marL="216000" indent="-204840">
+            <a:pPr marL="216000" indent="-204480">
               <a:lnSpc>
                 <a:spcPct val="100000"/>
               </a:lnSpc>
@@ -611,7 +611,7 @@
         <p:spPr>
           <a:xfrm>
             <a:off x="3884760" y="8685360"/>
-            <a:ext cx="2960280" cy="445680"/>
+            <a:ext cx="2959920" cy="445320"/>
           </a:xfrm>
           <a:prstGeom prst="rect">
             <a:avLst/>
@@ -637,7 +637,7 @@
                 <a:spcPct val="100000"/>
               </a:lnSpc>
             </a:pPr>
-            <a:fld id="{B65E3C3E-BF61-4B0E-A82E-EE111484F983}" type="slidenum">
+            <a:fld id="{9A91886A-6E13-4BE5-8E4A-8F7FCC034A8A}" type="slidenum">
               <a:rPr b="0" lang="ru-RU" sz="1200" spc="-1" strike="noStrike">
                 <a:solidFill>
                   <a:srgbClr val="000000"/>
@@ -688,7 +688,7 @@
         <p:spPr>
           <a:xfrm>
             <a:off x="1144440" y="685800"/>
-            <a:ext cx="4557960" cy="3418200"/>
+            <a:ext cx="4557600" cy="3417840"/>
           </a:xfrm>
           <a:prstGeom prst="rect">
             <a:avLst/>
@@ -708,7 +708,7 @@
         <p:spPr>
           <a:xfrm>
             <a:off x="685800" y="4343400"/>
-            <a:ext cx="5474880" cy="4103280"/>
+            <a:ext cx="5474520" cy="4102920"/>
           </a:xfrm>
           <a:prstGeom prst="rect">
             <a:avLst/>
@@ -719,7 +719,7 @@
             <a:noAutofit/>
           </a:bodyPr>
           <a:p>
-            <a:pPr marL="216000" indent="-204840">
+            <a:pPr marL="216000" indent="-204480">
               <a:lnSpc>
                 <a:spcPct val="100000"/>
               </a:lnSpc>
@@ -728,21 +728,17 @@
               </a:tabLst>
             </a:pPr>
             <a:r>
-              <a:rPr b="0" lang="ru-RU" sz="1200" spc="-1" strike="noStrike">
-                <a:solidFill>
-                  <a:srgbClr val="000000"/>
-                </a:solidFill>
-                <a:latin typeface="+mn-lt"/>
-                <a:ea typeface="+mn-ea"/>
+              <a:rPr b="0" lang="ru-RU" sz="1800" spc="-1" strike="noStrike">
+                <a:latin typeface="Arial"/>
               </a:rPr>
               <a:t>МР нашли свое применение не только в системах речевой связи, но и в сфере безопасности. </a:t>
             </a:r>
-            <a:endParaRPr b="0" lang="ru-RU" sz="1200" spc="-1" strike="noStrike">
-              <a:latin typeface="Arial"/>
-            </a:endParaRPr>
-          </a:p>
-          <a:p>
-            <a:pPr marL="216000" indent="-204840">
+            <a:endParaRPr b="0" lang="ru-RU" sz="1800" spc="-1" strike="noStrike">
+              <a:latin typeface="Arial"/>
+            </a:endParaRPr>
+          </a:p>
+          <a:p>
+            <a:pPr marL="216000" indent="-204480">
               <a:lnSpc>
                 <a:spcPct val="100000"/>
               </a:lnSpc>
@@ -751,21 +747,17 @@
               </a:tabLst>
             </a:pPr>
             <a:r>
-              <a:rPr b="0" lang="ru-RU" sz="1200" spc="-1" strike="noStrike">
-                <a:solidFill>
-                  <a:srgbClr val="000000"/>
-                </a:solidFill>
-                <a:latin typeface="+mn-lt"/>
-                <a:ea typeface="+mn-ea"/>
+              <a:rPr b="0" lang="ru-RU" sz="1800" spc="-1" strike="noStrike">
+                <a:latin typeface="Arial"/>
               </a:rPr>
               <a:t>Система «Бумеранг»  используется для защиты транспортных средств и войск от снайперского огня. Она позволяет определить положение стрелка. </a:t>
             </a:r>
-            <a:endParaRPr b="0" lang="ru-RU" sz="1200" spc="-1" strike="noStrike">
-              <a:latin typeface="Arial"/>
-            </a:endParaRPr>
-          </a:p>
-          <a:p>
-            <a:pPr marL="216000" indent="-204840">
+            <a:endParaRPr b="0" lang="ru-RU" sz="1800" spc="-1" strike="noStrike">
+              <a:latin typeface="Arial"/>
+            </a:endParaRPr>
+          </a:p>
+          <a:p>
+            <a:pPr marL="216000" indent="-204480">
               <a:lnSpc>
                 <a:spcPct val="100000"/>
               </a:lnSpc>
@@ -773,12 +765,12 @@
                 <a:tab algn="l" pos="0"/>
               </a:tabLst>
             </a:pPr>
-            <a:endParaRPr b="0" lang="ru-RU" sz="1200" spc="-1" strike="noStrike">
-              <a:latin typeface="Arial"/>
-            </a:endParaRPr>
-          </a:p>
-          <a:p>
-            <a:pPr marL="216000" indent="-204840">
+            <a:endParaRPr b="0" lang="ru-RU" sz="1800" spc="-1" strike="noStrike">
+              <a:latin typeface="Arial"/>
+            </a:endParaRPr>
+          </a:p>
+          <a:p>
+            <a:pPr marL="216000" indent="-204480">
               <a:lnSpc>
                 <a:spcPct val="100000"/>
               </a:lnSpc>
@@ -787,21 +779,17 @@
               </a:tabLst>
             </a:pPr>
             <a:r>
-              <a:rPr b="0" lang="ru-RU" sz="1200" spc="-1" strike="noStrike">
-                <a:solidFill>
-                  <a:srgbClr val="000000"/>
-                </a:solidFill>
-                <a:latin typeface="+mn-lt"/>
-                <a:ea typeface="+mn-ea"/>
+              <a:rPr b="0" lang="ru-RU" sz="1800" spc="-1" strike="noStrike">
+                <a:latin typeface="Arial"/>
               </a:rPr>
               <a:t>Система «SENTRI» применяется в городах, способна различить звук выстрела, определить его направлениее и вызвать полицию </a:t>
             </a:r>
-            <a:endParaRPr b="0" lang="ru-RU" sz="1200" spc="-1" strike="noStrike">
-              <a:latin typeface="Arial"/>
-            </a:endParaRPr>
-          </a:p>
-          <a:p>
-            <a:pPr marL="216000" indent="-204840">
+            <a:endParaRPr b="0" lang="ru-RU" sz="1800" spc="-1" strike="noStrike">
+              <a:latin typeface="Arial"/>
+            </a:endParaRPr>
+          </a:p>
+          <a:p>
+            <a:pPr marL="216000" indent="-204480">
               <a:lnSpc>
                 <a:spcPct val="100000"/>
               </a:lnSpc>
@@ -810,21 +798,17 @@
               </a:tabLst>
             </a:pPr>
             <a:r>
-              <a:rPr b="0" lang="ru-RU" sz="1200" spc="-1" strike="noStrike">
-                <a:solidFill>
-                  <a:srgbClr val="000000"/>
-                </a:solidFill>
-                <a:latin typeface="+mn-lt"/>
-                <a:ea typeface="+mn-ea"/>
+              <a:rPr b="0" lang="ru-RU" sz="1800" spc="-1" strike="noStrike">
+                <a:latin typeface="Arial"/>
               </a:rPr>
               <a:t>МР используются  для  получения  объемной  звуковой картины. Такие решения используются, например, в  автомобильной  промышленности  для  точного выявления мест, являющихся источниками нежелательных шумов – скрипа, стука и т. д.</a:t>
             </a:r>
-            <a:endParaRPr b="0" lang="ru-RU" sz="1200" spc="-1" strike="noStrike">
-              <a:latin typeface="Arial"/>
-            </a:endParaRPr>
-          </a:p>
-          <a:p>
-            <a:pPr marL="216000" indent="-204840">
+            <a:endParaRPr b="0" lang="ru-RU" sz="1800" spc="-1" strike="noStrike">
+              <a:latin typeface="Arial"/>
+            </a:endParaRPr>
+          </a:p>
+          <a:p>
+            <a:pPr marL="216000" indent="-204480">
               <a:lnSpc>
                 <a:spcPct val="100000"/>
               </a:lnSpc>
@@ -833,16 +817,12 @@
               </a:tabLst>
             </a:pPr>
             <a:r>
-              <a:rPr b="0" lang="ru-RU" sz="1200" spc="-1" strike="noStrike">
-                <a:solidFill>
-                  <a:srgbClr val="000000"/>
-                </a:solidFill>
-                <a:latin typeface="+mn-lt"/>
-                <a:ea typeface="+mn-ea"/>
+              <a:rPr b="0" lang="ru-RU" sz="1800" spc="-1" strike="noStrike">
+                <a:latin typeface="Arial"/>
               </a:rPr>
               <a:t>В нашей работе мы применили МР для пространственной фильтрации.</a:t>
             </a:r>
-            <a:endParaRPr b="0" lang="ru-RU" sz="1200" spc="-1" strike="noStrike">
+            <a:endParaRPr b="0" lang="ru-RU" sz="1800" spc="-1" strike="noStrike">
               <a:latin typeface="Arial"/>
             </a:endParaRPr>
           </a:p>
@@ -857,7 +837,7 @@
         <p:spPr>
           <a:xfrm>
             <a:off x="3884760" y="8685360"/>
-            <a:ext cx="2960280" cy="445680"/>
+            <a:ext cx="2959920" cy="445320"/>
           </a:xfrm>
           <a:prstGeom prst="rect">
             <a:avLst/>
@@ -883,7 +863,7 @@
                 <a:spcPct val="100000"/>
               </a:lnSpc>
             </a:pPr>
-            <a:fld id="{371F31FB-7017-4FED-B2B2-91B9DAA51F4F}" type="slidenum">
+            <a:fld id="{A325B8F2-A980-4C2B-AE27-5BC9CDF028D3}" type="slidenum">
               <a:rPr b="0" lang="ru-RU" sz="1200" spc="-1" strike="noStrike">
                 <a:solidFill>
                   <a:srgbClr val="000000"/>
@@ -934,7 +914,7 @@
         <p:spPr>
           <a:xfrm>
             <a:off x="1144440" y="685800"/>
-            <a:ext cx="4557960" cy="3418200"/>
+            <a:ext cx="4557600" cy="3417840"/>
           </a:xfrm>
           <a:prstGeom prst="rect">
             <a:avLst/>
@@ -954,7 +934,7 @@
         <p:spPr>
           <a:xfrm>
             <a:off x="685800" y="4343400"/>
-            <a:ext cx="5474880" cy="4103280"/>
+            <a:ext cx="5474520" cy="4102920"/>
           </a:xfrm>
           <a:prstGeom prst="rect">
             <a:avLst/>
@@ -965,7 +945,7 @@
             <a:noAutofit/>
           </a:bodyPr>
           <a:p>
-            <a:pPr marL="216000" indent="-204840">
+            <a:pPr marL="216000" indent="-204480">
               <a:lnSpc>
                 <a:spcPct val="100000"/>
               </a:lnSpc>
@@ -988,7 +968,7 @@
             </a:endParaRPr>
           </a:p>
           <a:p>
-            <a:pPr marL="216000" indent="-204840">
+            <a:pPr marL="216000" indent="-204480">
               <a:lnSpc>
                 <a:spcPct val="100000"/>
               </a:lnSpc>
@@ -1011,7 +991,7 @@
             </a:endParaRPr>
           </a:p>
           <a:p>
-            <a:pPr marL="216000" indent="-204840">
+            <a:pPr marL="216000" indent="-204480">
               <a:lnSpc>
                 <a:spcPct val="100000"/>
               </a:lnSpc>
@@ -1024,7 +1004,7 @@
             </a:endParaRPr>
           </a:p>
           <a:p>
-            <a:pPr marL="216000" indent="-204840">
+            <a:pPr marL="216000" indent="-204480">
               <a:lnSpc>
                 <a:spcPct val="100000"/>
               </a:lnSpc>
@@ -1037,7 +1017,7 @@
             </a:endParaRPr>
           </a:p>
           <a:p>
-            <a:pPr marL="216000" indent="-204840">
+            <a:pPr marL="216000" indent="-204480">
               <a:lnSpc>
                 <a:spcPct val="100000"/>
               </a:lnSpc>
@@ -1070,7 +1050,7 @@
         <p:spPr>
           <a:xfrm>
             <a:off x="3884760" y="8685360"/>
-            <a:ext cx="2960280" cy="445680"/>
+            <a:ext cx="2959920" cy="445320"/>
           </a:xfrm>
           <a:prstGeom prst="rect">
             <a:avLst/>
@@ -1096,7 +1076,7 @@
                 <a:spcPct val="100000"/>
               </a:lnSpc>
             </a:pPr>
-            <a:fld id="{9851ED63-1415-4B93-83BA-1B899A9E8C30}" type="slidenum">
+            <a:fld id="{CF3E8692-4888-4522-9229-B95E497D355F}" type="slidenum">
               <a:rPr b="0" lang="ru-RU" sz="1200" spc="-1" strike="noStrike">
                 <a:solidFill>
                   <a:srgbClr val="000000"/>
@@ -1147,7 +1127,7 @@
         <p:spPr>
           <a:xfrm>
             <a:off x="1144440" y="685800"/>
-            <a:ext cx="4557960" cy="3418200"/>
+            <a:ext cx="4557600" cy="3417840"/>
           </a:xfrm>
           <a:prstGeom prst="rect">
             <a:avLst/>
@@ -1167,7 +1147,7 @@
         <p:spPr>
           <a:xfrm>
             <a:off x="685800" y="4343400"/>
-            <a:ext cx="5474880" cy="4103280"/>
+            <a:ext cx="5474520" cy="4102920"/>
           </a:xfrm>
           <a:prstGeom prst="rect">
             <a:avLst/>
@@ -1178,7 +1158,7 @@
             <a:noAutofit/>
           </a:bodyPr>
           <a:p>
-            <a:pPr marL="216000" indent="-211320">
+            <a:pPr marL="216000" indent="-210960">
               <a:lnSpc>
                 <a:spcPct val="100000"/>
               </a:lnSpc>
@@ -1197,7 +1177,7 @@
             </a:endParaRPr>
           </a:p>
           <a:p>
-            <a:pPr marL="216000" indent="-211320">
+            <a:pPr marL="216000" indent="-210960">
               <a:lnSpc>
                 <a:spcPct val="100000"/>
               </a:lnSpc>
@@ -1226,7 +1206,7 @@
         <p:spPr>
           <a:xfrm>
             <a:off x="3884760" y="8685360"/>
-            <a:ext cx="2960280" cy="445680"/>
+            <a:ext cx="2959920" cy="445320"/>
           </a:xfrm>
           <a:prstGeom prst="rect">
             <a:avLst/>
@@ -1252,7 +1232,7 @@
                 <a:spcPct val="100000"/>
               </a:lnSpc>
             </a:pPr>
-            <a:fld id="{A493B45E-CBE6-40FB-8181-C56CBA6FB0AF}" type="slidenum">
+            <a:fld id="{1CA1BC07-4301-420D-81BB-C97EE816D010}" type="slidenum">
               <a:rPr b="0" lang="ru-RU" sz="1200" spc="-1" strike="noStrike">
                 <a:solidFill>
                   <a:srgbClr val="000000"/>
@@ -1303,7 +1283,7 @@
         <p:spPr>
           <a:xfrm>
             <a:off x="1144440" y="685800"/>
-            <a:ext cx="4557960" cy="3418200"/>
+            <a:ext cx="4557600" cy="3417840"/>
           </a:xfrm>
           <a:prstGeom prst="rect">
             <a:avLst/>
@@ -1323,7 +1303,7 @@
         <p:spPr>
           <a:xfrm>
             <a:off x="685800" y="4343400"/>
-            <a:ext cx="5474880" cy="4103280"/>
+            <a:ext cx="5474520" cy="4102920"/>
           </a:xfrm>
           <a:prstGeom prst="rect">
             <a:avLst/>
@@ -1334,7 +1314,7 @@
             <a:noAutofit/>
           </a:bodyPr>
           <a:p>
-            <a:pPr marL="216000" indent="-204840">
+            <a:pPr marL="216000" indent="-204480">
               <a:lnSpc>
                 <a:spcPct val="100000"/>
               </a:lnSpc>
@@ -1357,7 +1337,7 @@
             </a:endParaRPr>
           </a:p>
           <a:p>
-            <a:pPr marL="216000" indent="-204840">
+            <a:pPr marL="216000" indent="-204480">
               <a:lnSpc>
                 <a:spcPct val="100000"/>
               </a:lnSpc>
@@ -1380,7 +1360,7 @@
             </a:endParaRPr>
           </a:p>
           <a:p>
-            <a:pPr marL="216000" indent="-204840">
+            <a:pPr marL="216000" indent="-204480">
               <a:lnSpc>
                 <a:spcPct val="100000"/>
               </a:lnSpc>
@@ -1403,7 +1383,7 @@
             </a:endParaRPr>
           </a:p>
           <a:p>
-            <a:pPr marL="216000" indent="-204840">
+            <a:pPr marL="216000" indent="-204480">
               <a:lnSpc>
                 <a:spcPct val="100000"/>
               </a:lnSpc>
@@ -1426,7 +1406,7 @@
         <p:spPr>
           <a:xfrm>
             <a:off x="3884760" y="8685360"/>
-            <a:ext cx="2960280" cy="445680"/>
+            <a:ext cx="2959920" cy="445320"/>
           </a:xfrm>
           <a:prstGeom prst="rect">
             <a:avLst/>
@@ -1452,7 +1432,7 @@
                 <a:spcPct val="100000"/>
               </a:lnSpc>
             </a:pPr>
-            <a:fld id="{68DC97B6-A3E8-4936-BE33-3EA061DC35BB}" type="slidenum">
+            <a:fld id="{5C0231C5-2543-4C45-8540-68C80FA2A79C}" type="slidenum">
               <a:rPr b="0" lang="ru-RU" sz="1200" spc="-1" strike="noStrike">
                 <a:solidFill>
                   <a:srgbClr val="000000"/>
@@ -1503,7 +1483,7 @@
         <p:spPr>
           <a:xfrm>
             <a:off x="1144440" y="685800"/>
-            <a:ext cx="4557960" cy="3418200"/>
+            <a:ext cx="4557600" cy="3417840"/>
           </a:xfrm>
           <a:prstGeom prst="rect">
             <a:avLst/>
@@ -1523,7 +1503,7 @@
         <p:spPr>
           <a:xfrm>
             <a:off x="685800" y="4343400"/>
-            <a:ext cx="5474880" cy="4103280"/>
+            <a:ext cx="5474520" cy="4102920"/>
           </a:xfrm>
           <a:prstGeom prst="rect">
             <a:avLst/>
@@ -1534,7 +1514,7 @@
             <a:noAutofit/>
           </a:bodyPr>
           <a:p>
-            <a:pPr marL="216000" indent="-204840">
+            <a:pPr marL="216000" indent="-204480">
               <a:lnSpc>
                 <a:spcPct val="100000"/>
               </a:lnSpc>
@@ -1567,7 +1547,7 @@
             </a:endParaRPr>
           </a:p>
           <a:p>
-            <a:pPr marL="216000" indent="-204840">
+            <a:pPr marL="216000" indent="-204480">
               <a:lnSpc>
                 <a:spcPct val="100000"/>
               </a:lnSpc>
@@ -1600,7 +1580,7 @@
         <p:spPr>
           <a:xfrm>
             <a:off x="3884760" y="8685360"/>
-            <a:ext cx="2960280" cy="445680"/>
+            <a:ext cx="2959920" cy="445320"/>
           </a:xfrm>
           <a:prstGeom prst="rect">
             <a:avLst/>
@@ -1626,7 +1606,7 @@
                 <a:spcPct val="100000"/>
               </a:lnSpc>
             </a:pPr>
-            <a:fld id="{CD6B42F5-1BCD-4139-A960-FC37ECE7C9ED}" type="slidenum">
+            <a:fld id="{E3D15735-6A5B-4FE5-A4E8-CB8187F43765}" type="slidenum">
               <a:rPr b="0" lang="ru-RU" sz="1200" spc="-1" strike="noStrike">
                 <a:solidFill>
                   <a:srgbClr val="000000"/>
@@ -1677,7 +1657,7 @@
         <p:spPr>
           <a:xfrm>
             <a:off x="1144440" y="685800"/>
-            <a:ext cx="4558320" cy="3418560"/>
+            <a:ext cx="4557960" cy="3418200"/>
           </a:xfrm>
           <a:prstGeom prst="rect">
             <a:avLst/>
@@ -1697,7 +1677,7 @@
         <p:spPr>
           <a:xfrm>
             <a:off x="685800" y="4343400"/>
-            <a:ext cx="5474880" cy="4103280"/>
+            <a:ext cx="5474520" cy="4102920"/>
           </a:xfrm>
           <a:prstGeom prst="rect">
             <a:avLst/>
@@ -1708,7 +1688,7 @@
             <a:noAutofit/>
           </a:bodyPr>
           <a:p>
-            <a:pPr marL="216000" indent="-204840">
+            <a:pPr marL="216000" indent="-204480">
               <a:lnSpc>
                 <a:spcPct val="100000"/>
               </a:lnSpc>
@@ -1727,7 +1707,7 @@
             </a:endParaRPr>
           </a:p>
           <a:p>
-            <a:pPr marL="216000" indent="-204840">
+            <a:pPr marL="216000" indent="-204480">
               <a:lnSpc>
                 <a:spcPct val="100000"/>
               </a:lnSpc>
@@ -1756,7 +1736,7 @@
         <p:spPr>
           <a:xfrm>
             <a:off x="3884760" y="8685360"/>
-            <a:ext cx="2960280" cy="445680"/>
+            <a:ext cx="2959920" cy="445320"/>
           </a:xfrm>
           <a:prstGeom prst="rect">
             <a:avLst/>
@@ -1782,7 +1762,7 @@
                 <a:spcPct val="100000"/>
               </a:lnSpc>
             </a:pPr>
-            <a:fld id="{C610A70A-4D40-4438-AC59-7F36B00C6F46}" type="slidenum">
+            <a:fld id="{3C0DCAF9-90EA-4703-8C81-0CD09ED90BDF}" type="slidenum">
               <a:rPr b="0" lang="ru-RU" sz="1200" spc="-1" strike="noStrike">
                 <a:solidFill>
                   <a:srgbClr val="000000"/>
@@ -1833,7 +1813,7 @@
         <p:spPr>
           <a:xfrm>
             <a:off x="1144440" y="685800"/>
-            <a:ext cx="4557960" cy="3418200"/>
+            <a:ext cx="4557600" cy="3417840"/>
           </a:xfrm>
           <a:prstGeom prst="rect">
             <a:avLst/>
@@ -1853,7 +1833,7 @@
         <p:spPr>
           <a:xfrm>
             <a:off x="685800" y="4343400"/>
-            <a:ext cx="5474880" cy="4103280"/>
+            <a:ext cx="5474520" cy="4102920"/>
           </a:xfrm>
           <a:prstGeom prst="rect">
             <a:avLst/>
@@ -1864,7 +1844,7 @@
             <a:noAutofit/>
           </a:bodyPr>
           <a:p>
-            <a:pPr marL="216000" indent="-204840">
+            <a:pPr marL="216000" indent="-204480">
               <a:lnSpc>
                 <a:spcPct val="100000"/>
               </a:lnSpc>
@@ -1887,7 +1867,7 @@
             </a:endParaRPr>
           </a:p>
           <a:p>
-            <a:pPr marL="216000" indent="-204840">
+            <a:pPr marL="216000" indent="-204480">
               <a:lnSpc>
                 <a:spcPct val="100000"/>
               </a:lnSpc>
@@ -1910,7 +1890,7 @@
             </a:endParaRPr>
           </a:p>
           <a:p>
-            <a:pPr marL="216000" indent="-204840">
+            <a:pPr marL="216000" indent="-204480">
               <a:lnSpc>
                 <a:spcPct val="100000"/>
               </a:lnSpc>
@@ -1923,7 +1903,7 @@
             </a:endParaRPr>
           </a:p>
           <a:p>
-            <a:pPr marL="216000" indent="-204840">
+            <a:pPr marL="216000" indent="-204480">
               <a:lnSpc>
                 <a:spcPct val="100000"/>
               </a:lnSpc>
@@ -1956,7 +1936,7 @@
         <p:spPr>
           <a:xfrm>
             <a:off x="3884760" y="8685360"/>
-            <a:ext cx="2960280" cy="445680"/>
+            <a:ext cx="2959920" cy="445320"/>
           </a:xfrm>
           <a:prstGeom prst="rect">
             <a:avLst/>
@@ -1982,7 +1962,7 @@
                 <a:spcPct val="100000"/>
               </a:lnSpc>
             </a:pPr>
-            <a:fld id="{2BDFA399-99AB-400C-88C8-575EE5D8CD7A}" type="slidenum">
+            <a:fld id="{73E29471-F29A-4846-83A3-F6DD3DFE0E91}" type="slidenum">
               <a:rPr b="0" lang="ru-RU" sz="1200" spc="-1" strike="noStrike">
                 <a:solidFill>
                   <a:srgbClr val="000000"/>
@@ -4768,13 +4748,19 @@
               <a:rPr b="0" lang="ru-RU" sz="4400" spc="-1" strike="noStrike">
                 <a:latin typeface="Arial"/>
               </a:rPr>
-              <a:t>Для правки текста заглавия </a:t>
+              <a:t>Для правки текста </a:t>
             </a:r>
             <a:r>
               <a:rPr b="0" lang="ru-RU" sz="4400" spc="-1" strike="noStrike">
                 <a:latin typeface="Arial"/>
               </a:rPr>
-              <a:t>щёлкните мышью</a:t>
+              <a:t>заглавия щёлкните </a:t>
+            </a:r>
+            <a:r>
+              <a:rPr b="0" lang="ru-RU" sz="4400" spc="-1" strike="noStrike">
+                <a:latin typeface="Arial"/>
+              </a:rPr>
+              <a:t>мышью</a:t>
             </a:r>
             <a:endParaRPr b="0" lang="ru-RU" sz="4400" spc="-1" strike="noStrike">
               <a:latin typeface="Arial"/>
@@ -5034,13 +5020,49 @@
               <a:rPr b="0" lang="ru-RU" sz="4400" spc="-1" strike="noStrike">
                 <a:latin typeface="Arial"/>
               </a:rPr>
-              <a:t>Для правки текста заглавия </a:t>
+              <a:t>Для </a:t>
             </a:r>
             <a:r>
               <a:rPr b="0" lang="ru-RU" sz="4400" spc="-1" strike="noStrike">
                 <a:latin typeface="Arial"/>
               </a:rPr>
-              <a:t>щёлкните мышью</a:t>
+              <a:t>правки </a:t>
+            </a:r>
+            <a:r>
+              <a:rPr b="0" lang="ru-RU" sz="4400" spc="-1" strike="noStrike">
+                <a:latin typeface="Arial"/>
+              </a:rPr>
+              <a:t>текста </a:t>
+            </a:r>
+            <a:r>
+              <a:rPr b="0" lang="ru-RU" sz="4400" spc="-1" strike="noStrike">
+                <a:latin typeface="Arial"/>
+              </a:rPr>
+              <a:t>заглави</a:t>
+            </a:r>
+            <a:r>
+              <a:rPr b="0" lang="ru-RU" sz="4400" spc="-1" strike="noStrike">
+                <a:latin typeface="Arial"/>
+              </a:rPr>
+              <a:t>я </a:t>
+            </a:r>
+            <a:r>
+              <a:rPr b="0" lang="ru-RU" sz="4400" spc="-1" strike="noStrike">
+                <a:latin typeface="Arial"/>
+              </a:rPr>
+              <a:t>щёлкни</a:t>
+            </a:r>
+            <a:r>
+              <a:rPr b="0" lang="ru-RU" sz="4400" spc="-1" strike="noStrike">
+                <a:latin typeface="Arial"/>
+              </a:rPr>
+              <a:t>те </a:t>
+            </a:r>
+            <a:r>
+              <a:rPr b="0" lang="ru-RU" sz="4400" spc="-1" strike="noStrike">
+                <a:latin typeface="Arial"/>
+              </a:rPr>
+              <a:t>мышью</a:t>
             </a:r>
             <a:endParaRPr b="0" lang="ru-RU" sz="4400" spc="-1" strike="noStrike">
               <a:latin typeface="Arial"/>
@@ -5273,7 +5295,7 @@
         <p:spPr>
           <a:xfrm>
             <a:off x="685800" y="2130480"/>
-            <a:ext cx="7760880" cy="1458360"/>
+            <a:ext cx="7760520" cy="1458000"/>
           </a:xfrm>
           <a:prstGeom prst="rect">
             <a:avLst/>
@@ -5324,7 +5346,7 @@
         <p:spPr>
           <a:xfrm>
             <a:off x="1371600" y="3886200"/>
-            <a:ext cx="6389280" cy="1740960"/>
+            <a:ext cx="6388920" cy="1740600"/>
           </a:xfrm>
           <a:prstGeom prst="rect">
             <a:avLst/>
@@ -5672,7 +5694,7 @@
         <p:spPr>
           <a:xfrm>
             <a:off x="457200" y="90000"/>
-            <a:ext cx="8218080" cy="1131480"/>
+            <a:ext cx="8217720" cy="1131120"/>
           </a:xfrm>
           <a:prstGeom prst="rect">
             <a:avLst/>
@@ -5723,7 +5745,7 @@
         <p:spPr>
           <a:xfrm>
             <a:off x="457200" y="1600200"/>
-            <a:ext cx="8218080" cy="4514400"/>
+            <a:ext cx="8217720" cy="4514040"/>
           </a:xfrm>
           <a:prstGeom prst="rect">
             <a:avLst/>
@@ -5749,7 +5771,7 @@
         <p:spPr>
           <a:xfrm>
             <a:off x="8460360" y="0"/>
-            <a:ext cx="680760" cy="455400"/>
+            <a:ext cx="680400" cy="455400"/>
           </a:xfrm>
           <a:prstGeom prst="rect">
             <a:avLst/>
@@ -5775,7 +5797,7 @@
                 <a:spcPct val="100000"/>
               </a:lnSpc>
             </a:pPr>
-            <a:fld id="{FF2D6544-3845-49AD-A52A-610C2BE5E874}" type="slidenum">
+            <a:fld id="{7F687605-72DB-4B33-8155-C871AD43B73F}" type="slidenum">
               <a:rPr b="0" lang="ru-RU" sz="2400" spc="-1" strike="noStrike">
                 <a:solidFill>
                   <a:srgbClr val="000000"/>
@@ -5804,7 +5826,7 @@
         <p:spPr>
           <a:xfrm>
             <a:off x="648000" y="1411920"/>
-            <a:ext cx="3505680" cy="2545560"/>
+            <a:ext cx="3505320" cy="2545200"/>
           </a:xfrm>
           <a:prstGeom prst="rect">
             <a:avLst/>
@@ -5827,7 +5849,7 @@
         <p:spPr>
           <a:xfrm>
             <a:off x="656640" y="4207680"/>
-            <a:ext cx="3505680" cy="2557800"/>
+            <a:ext cx="3505320" cy="2557440"/>
           </a:xfrm>
           <a:prstGeom prst="rect">
             <a:avLst/>
@@ -5850,7 +5872,7 @@
         <p:spPr>
           <a:xfrm>
             <a:off x="4896000" y="1404000"/>
-            <a:ext cx="3371760" cy="2625480"/>
+            <a:ext cx="3371400" cy="2625120"/>
           </a:xfrm>
           <a:prstGeom prst="rect">
             <a:avLst/>
@@ -5873,7 +5895,7 @@
         <p:spPr>
           <a:xfrm>
             <a:off x="4896000" y="4248000"/>
-            <a:ext cx="3528000" cy="2553480"/>
+            <a:ext cx="3527640" cy="2553120"/>
           </a:xfrm>
           <a:prstGeom prst="rect">
             <a:avLst/>
@@ -5892,7 +5914,7 @@
         <p:spPr>
           <a:xfrm>
             <a:off x="4909680" y="4032000"/>
-            <a:ext cx="3514320" cy="599760"/>
+            <a:ext cx="3513960" cy="599400"/>
           </a:xfrm>
           <a:prstGeom prst="rect">
             <a:avLst/>
@@ -5943,7 +5965,7 @@
         <p:spPr>
           <a:xfrm>
             <a:off x="4835160" y="1197720"/>
-            <a:ext cx="3514320" cy="599760"/>
+            <a:ext cx="3513960" cy="599400"/>
           </a:xfrm>
           <a:prstGeom prst="rect">
             <a:avLst/>
@@ -5994,7 +6016,7 @@
         <p:spPr>
           <a:xfrm>
             <a:off x="794520" y="4032000"/>
-            <a:ext cx="3514320" cy="599760"/>
+            <a:ext cx="3513960" cy="599400"/>
           </a:xfrm>
           <a:prstGeom prst="rect">
             <a:avLst/>
@@ -6045,7 +6067,7 @@
         <p:spPr>
           <a:xfrm>
             <a:off x="720000" y="1197720"/>
-            <a:ext cx="3514320" cy="599760"/>
+            <a:ext cx="3513960" cy="599400"/>
           </a:xfrm>
           <a:prstGeom prst="rect">
             <a:avLst/>
@@ -6136,7 +6158,7 @@
         <p:spPr>
           <a:xfrm>
             <a:off x="457200" y="90000"/>
-            <a:ext cx="8218080" cy="1131480"/>
+            <a:ext cx="8217720" cy="1131120"/>
           </a:xfrm>
           <a:prstGeom prst="rect">
             <a:avLst/>
@@ -6187,7 +6209,7 @@
         <p:spPr>
           <a:xfrm>
             <a:off x="216000" y="1368000"/>
-            <a:ext cx="8459280" cy="4746600"/>
+            <a:ext cx="8458920" cy="4746240"/>
           </a:xfrm>
           <a:prstGeom prst="rect">
             <a:avLst/>
@@ -6208,7 +6230,7 @@
             <a:noAutofit/>
           </a:bodyPr>
           <a:p>
-            <a:pPr marL="216000" indent="-214560" algn="just">
+            <a:pPr marL="216000" indent="-214200" algn="just">
               <a:lnSpc>
                 <a:spcPct val="115000"/>
               </a:lnSpc>
@@ -6237,7 +6259,7 @@
             </a:endParaRPr>
           </a:p>
           <a:p>
-            <a:pPr marL="216000" indent="-214560" algn="just">
+            <a:pPr marL="216000" indent="-214200" algn="just">
               <a:lnSpc>
                 <a:spcPct val="115000"/>
               </a:lnSpc>
@@ -6266,7 +6288,7 @@
             </a:endParaRPr>
           </a:p>
           <a:p>
-            <a:pPr marL="216000" indent="-214560" algn="just">
+            <a:pPr marL="216000" indent="-214200" algn="just">
               <a:lnSpc>
                 <a:spcPct val="115000"/>
               </a:lnSpc>
@@ -6295,7 +6317,7 @@
             </a:endParaRPr>
           </a:p>
           <a:p>
-            <a:pPr marL="216000" indent="-214560" algn="just">
+            <a:pPr marL="216000" indent="-214200" algn="just">
               <a:lnSpc>
                 <a:spcPct val="115000"/>
               </a:lnSpc>
@@ -6357,7 +6379,7 @@
         <p:spPr>
           <a:xfrm>
             <a:off x="8460360" y="0"/>
-            <a:ext cx="680760" cy="455400"/>
+            <a:ext cx="680400" cy="455400"/>
           </a:xfrm>
           <a:prstGeom prst="rect">
             <a:avLst/>
@@ -6383,7 +6405,7 @@
                 <a:spcPct val="100000"/>
               </a:lnSpc>
             </a:pPr>
-            <a:fld id="{11BE4C51-AB47-4917-B8D4-71F641755BD5}" type="slidenum">
+            <a:fld id="{A4FAB517-0DC7-476F-8D5B-F525D96B0E82}" type="slidenum">
               <a:rPr b="0" lang="ru-RU" sz="2400" spc="-1" strike="noStrike">
                 <a:solidFill>
                   <a:srgbClr val="000000"/>
@@ -6438,7 +6460,7 @@
         <p:spPr>
           <a:xfrm>
             <a:off x="491040" y="446760"/>
-            <a:ext cx="8222040" cy="4518360"/>
+            <a:ext cx="8221680" cy="4518000"/>
           </a:xfrm>
           <a:prstGeom prst="rect">
             <a:avLst/>
@@ -6617,7 +6639,7 @@
         <p:spPr>
           <a:xfrm>
             <a:off x="8460360" y="0"/>
-            <a:ext cx="680760" cy="455400"/>
+            <a:ext cx="680400" cy="455400"/>
           </a:xfrm>
           <a:prstGeom prst="rect">
             <a:avLst/>
@@ -6643,7 +6665,7 @@
                 <a:spcPct val="100000"/>
               </a:lnSpc>
             </a:pPr>
-            <a:fld id="{B10F6173-4433-4BFE-9BB1-5254B8F2DD60}" type="slidenum">
+            <a:fld id="{83A81878-4B24-415F-9C1C-D836ADF1A4E6}" type="slidenum">
               <a:rPr b="0" lang="ru-RU" sz="2400" spc="-1" strike="noStrike">
                 <a:solidFill>
                   <a:srgbClr val="000000"/>
@@ -6698,7 +6720,7 @@
         <p:spPr>
           <a:xfrm>
             <a:off x="457200" y="274680"/>
-            <a:ext cx="8218080" cy="1131480"/>
+            <a:ext cx="8217720" cy="1131120"/>
           </a:xfrm>
           <a:prstGeom prst="rect">
             <a:avLst/>
@@ -6749,7 +6771,7 @@
         <p:spPr>
           <a:xfrm>
             <a:off x="457200" y="5798160"/>
-            <a:ext cx="2413800" cy="340560"/>
+            <a:ext cx="2413440" cy="340200"/>
           </a:xfrm>
           <a:prstGeom prst="rect">
             <a:avLst/>
@@ -6800,7 +6822,7 @@
         <p:spPr>
           <a:xfrm>
             <a:off x="2949120" y="5954040"/>
-            <a:ext cx="3234240" cy="340560"/>
+            <a:ext cx="3233880" cy="340200"/>
           </a:xfrm>
           <a:prstGeom prst="rect">
             <a:avLst/>
@@ -6855,7 +6877,7 @@
         <p:spPr>
           <a:xfrm>
             <a:off x="3564000" y="1450440"/>
-            <a:ext cx="1572480" cy="2450880"/>
+            <a:ext cx="1572120" cy="2450520"/>
           </a:xfrm>
           <a:prstGeom prst="rect">
             <a:avLst/>
@@ -6878,7 +6900,7 @@
         <p:spPr>
           <a:xfrm>
             <a:off x="216360" y="1845000"/>
-            <a:ext cx="2984400" cy="2017440"/>
+            <a:ext cx="2984040" cy="2017080"/>
           </a:xfrm>
           <a:prstGeom prst="rect">
             <a:avLst/>
@@ -6901,7 +6923,7 @@
         <p:spPr>
           <a:xfrm>
             <a:off x="1307520" y="3618360"/>
-            <a:ext cx="1629000" cy="1914480"/>
+            <a:ext cx="1628640" cy="1914120"/>
           </a:xfrm>
           <a:prstGeom prst="rect">
             <a:avLst/>
@@ -6924,7 +6946,7 @@
         <p:spPr>
           <a:xfrm>
             <a:off x="3708000" y="3835080"/>
-            <a:ext cx="2228400" cy="1736280"/>
+            <a:ext cx="2228040" cy="1735920"/>
           </a:xfrm>
           <a:prstGeom prst="rect">
             <a:avLst/>
@@ -6947,7 +6969,7 @@
         <p:spPr>
           <a:xfrm>
             <a:off x="6243840" y="2468520"/>
-            <a:ext cx="2730240" cy="2730240"/>
+            <a:ext cx="2729880" cy="2729880"/>
           </a:xfrm>
           <a:prstGeom prst="rect">
             <a:avLst/>
@@ -6966,7 +6988,7 @@
         <p:spPr>
           <a:xfrm>
             <a:off x="5994720" y="5754240"/>
-            <a:ext cx="3090240" cy="740520"/>
+            <a:ext cx="3089880" cy="740160"/>
           </a:xfrm>
           <a:prstGeom prst="rect">
             <a:avLst/>
@@ -7020,7 +7042,7 @@
         <p:spPr>
           <a:xfrm>
             <a:off x="8460360" y="0"/>
-            <a:ext cx="680760" cy="455400"/>
+            <a:ext cx="680400" cy="455400"/>
           </a:xfrm>
           <a:prstGeom prst="rect">
             <a:avLst/>
@@ -7046,7 +7068,7 @@
                 <a:spcPct val="100000"/>
               </a:lnSpc>
             </a:pPr>
-            <a:fld id="{3F984DF8-457D-4801-8198-4FB04B9F6FEC}" type="slidenum">
+            <a:fld id="{6DC90A3C-C7DA-447F-9E8B-7E4F232042E8}" type="slidenum">
               <a:rPr b="0" lang="ru-RU" sz="2400" spc="-1" strike="noStrike">
                 <a:solidFill>
                   <a:srgbClr val="000000"/>
@@ -7101,7 +7123,7 @@
         <p:spPr>
           <a:xfrm>
             <a:off x="457200" y="274680"/>
-            <a:ext cx="8218080" cy="1131480"/>
+            <a:ext cx="8217720" cy="1131120"/>
           </a:xfrm>
           <a:prstGeom prst="rect">
             <a:avLst/>
@@ -7152,7 +7174,7 @@
         <p:spPr>
           <a:xfrm>
             <a:off x="457200" y="1600200"/>
-            <a:ext cx="8218080" cy="4514400"/>
+            <a:ext cx="8217720" cy="4514040"/>
           </a:xfrm>
           <a:prstGeom prst="rect">
             <a:avLst/>
@@ -7178,7 +7200,7 @@
         <p:spPr>
           <a:xfrm>
             <a:off x="381600" y="1996920"/>
-            <a:ext cx="3882600" cy="340920"/>
+            <a:ext cx="3882240" cy="340560"/>
           </a:xfrm>
           <a:prstGeom prst="rect">
             <a:avLst/>
@@ -7229,7 +7251,7 @@
         <p:spPr>
           <a:xfrm>
             <a:off x="4821120" y="1996920"/>
-            <a:ext cx="4026600" cy="340920"/>
+            <a:ext cx="4026240" cy="340560"/>
           </a:xfrm>
           <a:prstGeom prst="rect">
             <a:avLst/>
@@ -7284,7 +7306,7 @@
         <p:spPr>
           <a:xfrm>
             <a:off x="4567680" y="2789280"/>
-            <a:ext cx="4533480" cy="2797200"/>
+            <a:ext cx="4533120" cy="2796840"/>
           </a:xfrm>
           <a:prstGeom prst="rect">
             <a:avLst/>
@@ -7307,7 +7329,7 @@
         <p:spPr>
           <a:xfrm>
             <a:off x="80640" y="2617920"/>
-            <a:ext cx="4484160" cy="2889000"/>
+            <a:ext cx="4483800" cy="2888640"/>
           </a:xfrm>
           <a:prstGeom prst="rect">
             <a:avLst/>
@@ -7326,7 +7348,7 @@
         <p:spPr>
           <a:xfrm>
             <a:off x="8460360" y="0"/>
-            <a:ext cx="680760" cy="455400"/>
+            <a:ext cx="680400" cy="455400"/>
           </a:xfrm>
           <a:prstGeom prst="rect">
             <a:avLst/>
@@ -7352,7 +7374,7 @@
                 <a:spcPct val="100000"/>
               </a:lnSpc>
             </a:pPr>
-            <a:fld id="{67E5B1D5-FD90-43F9-B3EA-EABC934B40F6}" type="slidenum">
+            <a:fld id="{B1B669C8-0914-4255-A4DE-963C7DAD4EEB}" type="slidenum">
               <a:rPr b="0" lang="ru-RU" sz="2400" spc="-1" strike="noStrike">
                 <a:solidFill>
                   <a:srgbClr val="000000"/>
@@ -7407,7 +7429,7 @@
         <p:spPr>
           <a:xfrm>
             <a:off x="457200" y="274680"/>
-            <a:ext cx="8218080" cy="1131480"/>
+            <a:ext cx="8217720" cy="1131120"/>
           </a:xfrm>
           <a:prstGeom prst="rect">
             <a:avLst/>
@@ -7458,7 +7480,7 @@
         <p:spPr>
           <a:xfrm>
             <a:off x="457200" y="1600200"/>
-            <a:ext cx="8218080" cy="4514400"/>
+            <a:ext cx="8217720" cy="4514040"/>
           </a:xfrm>
           <a:prstGeom prst="rect">
             <a:avLst/>
@@ -7484,9 +7506,9 @@
         <p:grpSpPr>
           <a:xfrm>
             <a:off x="323640" y="1845000"/>
-            <a:ext cx="8587080" cy="3482280"/>
+            <a:ext cx="8586720" cy="3481920"/>
             <a:chOff x="323640" y="1845000"/>
-            <a:chExt cx="8587080" cy="3482280"/>
+            <a:chExt cx="8586720" cy="3481920"/>
           </a:xfrm>
         </p:grpSpPr>
         <p:pic>
@@ -7502,7 +7524,7 @@
           <p:spPr>
             <a:xfrm>
               <a:off x="323640" y="1845000"/>
-              <a:ext cx="8587080" cy="3482280"/>
+              <a:ext cx="8586720" cy="3481920"/>
             </a:xfrm>
             <a:prstGeom prst="rect">
               <a:avLst/>
@@ -7521,7 +7543,7 @@
           <p:spPr>
             <a:xfrm>
               <a:off x="6804360" y="3285000"/>
-              <a:ext cx="501120" cy="366480"/>
+              <a:ext cx="500760" cy="366120"/>
             </a:xfrm>
             <a:prstGeom prst="rect">
               <a:avLst/>
@@ -7547,7 +7569,7 @@
           <p:spPr>
             <a:xfrm>
               <a:off x="6876360" y="3285000"/>
-              <a:ext cx="429120" cy="397800"/>
+              <a:ext cx="428760" cy="397440"/>
             </a:xfrm>
             <a:prstGeom prst="rect">
               <a:avLst/>
@@ -7580,7 +7602,7 @@
           <p:spPr>
             <a:xfrm>
               <a:off x="6840360" y="3316320"/>
-              <a:ext cx="501120" cy="363960"/>
+              <a:ext cx="500760" cy="363960"/>
             </a:xfrm>
             <a:prstGeom prst="rect">
               <a:avLst/>
@@ -7631,7 +7653,7 @@
           <p:spPr>
             <a:xfrm>
               <a:off x="3754080" y="2605680"/>
-              <a:ext cx="491040" cy="397800"/>
+              <a:ext cx="490680" cy="397440"/>
             </a:xfrm>
             <a:prstGeom prst="rect">
               <a:avLst/>
@@ -7664,7 +7686,7 @@
           <p:spPr>
             <a:xfrm>
               <a:off x="3701160" y="2637000"/>
-              <a:ext cx="717120" cy="363960"/>
+              <a:ext cx="716760" cy="363960"/>
             </a:xfrm>
             <a:prstGeom prst="rect">
               <a:avLst/>
@@ -7715,7 +7737,7 @@
           <p:spPr>
             <a:xfrm>
               <a:off x="3747600" y="4077000"/>
-              <a:ext cx="491040" cy="397800"/>
+              <a:ext cx="490680" cy="397440"/>
             </a:xfrm>
             <a:prstGeom prst="rect">
               <a:avLst/>
@@ -7748,7 +7770,7 @@
           <p:spPr>
             <a:xfrm>
               <a:off x="3701160" y="4077000"/>
-              <a:ext cx="651960" cy="363960"/>
+              <a:ext cx="651600" cy="363960"/>
             </a:xfrm>
             <a:prstGeom prst="rect">
               <a:avLst/>
@@ -7800,7 +7822,7 @@
         <p:spPr>
           <a:xfrm>
             <a:off x="8460360" y="0"/>
-            <a:ext cx="680760" cy="455400"/>
+            <a:ext cx="680400" cy="455400"/>
           </a:xfrm>
           <a:prstGeom prst="rect">
             <a:avLst/>
@@ -7826,7 +7848,7 @@
                 <a:spcPct val="100000"/>
               </a:lnSpc>
             </a:pPr>
-            <a:fld id="{FA593CC4-CE05-4B5D-8269-2B92E76BE970}" type="slidenum">
+            <a:fld id="{28CB8A97-D9CA-49CC-BE49-C54F2B583ADB}" type="slidenum">
               <a:rPr b="0" lang="ru-RU" sz="2400" spc="-1" strike="noStrike">
                 <a:solidFill>
                   <a:srgbClr val="000000"/>
@@ -7881,7 +7903,7 @@
         <p:spPr>
           <a:xfrm>
             <a:off x="457200" y="274680"/>
-            <a:ext cx="8218080" cy="1131480"/>
+            <a:ext cx="8217720" cy="1131120"/>
           </a:xfrm>
           <a:prstGeom prst="rect">
             <a:avLst/>
@@ -7932,7 +7954,7 @@
         <p:spPr>
           <a:xfrm>
             <a:off x="470160" y="1676880"/>
-            <a:ext cx="3810960" cy="597240"/>
+            <a:ext cx="3810600" cy="596880"/>
           </a:xfrm>
           <a:prstGeom prst="rect">
             <a:avLst/>
@@ -7983,7 +8005,7 @@
         <p:spPr>
           <a:xfrm>
             <a:off x="4572000" y="1686240"/>
-            <a:ext cx="3810960" cy="597240"/>
+            <a:ext cx="3810600" cy="596880"/>
           </a:xfrm>
           <a:prstGeom prst="rect">
             <a:avLst/>
@@ -8038,7 +8060,7 @@
         <p:spPr>
           <a:xfrm>
             <a:off x="827640" y="2324880"/>
-            <a:ext cx="3885480" cy="2589480"/>
+            <a:ext cx="3885120" cy="2589120"/>
           </a:xfrm>
           <a:prstGeom prst="rect">
             <a:avLst/>
@@ -8061,7 +8083,7 @@
         <p:spPr>
           <a:xfrm>
             <a:off x="5047920" y="2315520"/>
-            <a:ext cx="3985920" cy="3414600"/>
+            <a:ext cx="3985560" cy="3414240"/>
           </a:xfrm>
           <a:prstGeom prst="rect">
             <a:avLst/>
@@ -8080,7 +8102,7 @@
         <p:spPr>
           <a:xfrm>
             <a:off x="8460360" y="0"/>
-            <a:ext cx="680760" cy="455400"/>
+            <a:ext cx="680400" cy="455400"/>
           </a:xfrm>
           <a:prstGeom prst="rect">
             <a:avLst/>
@@ -8106,7 +8128,7 @@
                 <a:spcPct val="100000"/>
               </a:lnSpc>
             </a:pPr>
-            <a:fld id="{94FB272C-EF56-4597-AD2E-D057293A2E66}" type="slidenum">
+            <a:fld id="{F952E6B8-5ED8-4B8F-AD0D-850660C49A9E}" type="slidenum">
               <a:rPr b="0" lang="ru-RU" sz="2400" spc="-1" strike="noStrike">
                 <a:solidFill>
                   <a:srgbClr val="000000"/>
@@ -8161,7 +8183,7 @@
         <p:spPr>
           <a:xfrm>
             <a:off x="457200" y="276120"/>
-            <a:ext cx="8218080" cy="1131480"/>
+            <a:ext cx="8217720" cy="1131120"/>
           </a:xfrm>
           <a:prstGeom prst="rect">
             <a:avLst/>
@@ -8212,7 +8234,7 @@
         <p:spPr>
           <a:xfrm>
             <a:off x="457200" y="1600200"/>
-            <a:ext cx="8218080" cy="4514400"/>
+            <a:ext cx="8217720" cy="4514040"/>
           </a:xfrm>
           <a:prstGeom prst="rect">
             <a:avLst/>
@@ -8238,7 +8260,7 @@
         <p:spPr>
           <a:xfrm>
             <a:off x="467640" y="5058000"/>
-            <a:ext cx="8566200" cy="1309320"/>
+            <a:ext cx="8565840" cy="1309320"/>
           </a:xfrm>
           <a:prstGeom prst="rect">
             <a:avLst/>
@@ -8399,7 +8421,7 @@
         <p:spPr>
           <a:xfrm>
             <a:off x="467640" y="1755720"/>
-            <a:ext cx="4389480" cy="699480"/>
+            <a:ext cx="4389120" cy="699480"/>
           </a:xfrm>
           <a:prstGeom prst="rect">
             <a:avLst/>
@@ -8481,7 +8503,7 @@
         <p:spPr>
           <a:xfrm>
             <a:off x="4932000" y="1755720"/>
-            <a:ext cx="4389480" cy="699480"/>
+            <a:ext cx="4389120" cy="699480"/>
           </a:xfrm>
           <a:prstGeom prst="rect">
             <a:avLst/>
@@ -8562,8 +8584,8 @@
         </p:nvSpPr>
         <p:spPr>
           <a:xfrm flipH="1">
-            <a:off x="2912760" y="1268640"/>
-            <a:ext cx="1221120" cy="483840"/>
+            <a:off x="2912040" y="1268640"/>
+            <a:ext cx="1220760" cy="483480"/>
           </a:xfrm>
           <a:custGeom>
             <a:avLst/>
@@ -8611,7 +8633,7 @@
         <p:spPr>
           <a:xfrm>
             <a:off x="4140000" y="1268640"/>
-            <a:ext cx="1221120" cy="483840"/>
+            <a:ext cx="1220760" cy="483480"/>
           </a:xfrm>
           <a:custGeom>
             <a:avLst/>
@@ -8710,7 +8732,7 @@
         <p:spPr>
           <a:xfrm>
             <a:off x="6456960" y="3531240"/>
-            <a:ext cx="360" cy="473760"/>
+            <a:ext cx="360" cy="473400"/>
           </a:xfrm>
           <a:custGeom>
             <a:avLst/>
@@ -8809,7 +8831,7 @@
         <p:spPr>
           <a:xfrm>
             <a:off x="2099880" y="3531240"/>
-            <a:ext cx="360" cy="473760"/>
+            <a:ext cx="360" cy="473400"/>
           </a:xfrm>
           <a:custGeom>
             <a:avLst/>
@@ -8857,7 +8879,7 @@
         <p:spPr>
           <a:xfrm>
             <a:off x="8460360" y="0"/>
-            <a:ext cx="680760" cy="455400"/>
+            <a:ext cx="680400" cy="455400"/>
           </a:xfrm>
           <a:prstGeom prst="rect">
             <a:avLst/>
@@ -8883,7 +8905,7 @@
                 <a:spcPct val="100000"/>
               </a:lnSpc>
             </a:pPr>
-            <a:fld id="{007B9EE7-1741-45CC-8C3F-7640D1CFF356}" type="slidenum">
+            <a:fld id="{A77F0005-4C9B-434F-BD0C-7660AC1B548A}" type="slidenum">
               <a:rPr b="0" lang="ru-RU" sz="2400" spc="-1" strike="noStrike">
                 <a:solidFill>
                   <a:srgbClr val="000000"/>
@@ -8912,7 +8934,7 @@
         <p:spPr>
           <a:xfrm>
             <a:off x="965160" y="2654280"/>
-            <a:ext cx="2220120" cy="810360"/>
+            <a:ext cx="2219760" cy="810000"/>
           </a:xfrm>
           <a:prstGeom prst="rect">
             <a:avLst/>
@@ -8935,7 +8957,7 @@
         <p:spPr>
           <a:xfrm>
             <a:off x="4940280" y="2552760"/>
-            <a:ext cx="3248640" cy="988200"/>
+            <a:ext cx="3248280" cy="987840"/>
           </a:xfrm>
           <a:prstGeom prst="rect">
             <a:avLst/>
@@ -8984,7 +9006,7 @@
         <p:spPr>
           <a:xfrm>
             <a:off x="457200" y="274680"/>
-            <a:ext cx="8218080" cy="1131480"/>
+            <a:ext cx="8217720" cy="1131120"/>
           </a:xfrm>
           <a:prstGeom prst="rect">
             <a:avLst/>
@@ -9039,7 +9061,7 @@
         <p:spPr>
           <a:xfrm>
             <a:off x="613800" y="5096160"/>
-            <a:ext cx="5500080" cy="1562760"/>
+            <a:ext cx="5499720" cy="1562400"/>
           </a:xfrm>
           <a:prstGeom prst="rect">
             <a:avLst/>
@@ -9062,7 +9084,7 @@
         <p:spPr>
           <a:xfrm>
             <a:off x="6192000" y="5138640"/>
-            <a:ext cx="1793880" cy="1484280"/>
+            <a:ext cx="1793520" cy="1483920"/>
           </a:xfrm>
           <a:prstGeom prst="rect">
             <a:avLst/>
@@ -9081,7 +9103,7 @@
         <p:spPr>
           <a:xfrm>
             <a:off x="8460360" y="0"/>
-            <a:ext cx="680760" cy="455400"/>
+            <a:ext cx="680400" cy="455400"/>
           </a:xfrm>
           <a:prstGeom prst="rect">
             <a:avLst/>
@@ -9107,7 +9129,7 @@
                 <a:spcPct val="100000"/>
               </a:lnSpc>
             </a:pPr>
-            <a:fld id="{87B5747D-9DF8-43E3-9253-84208732B11D}" type="slidenum">
+            <a:fld id="{FFF2D3DD-3787-414C-83BE-C6ED16FAB45C}" type="slidenum">
               <a:rPr b="0" lang="ru-RU" sz="2400" spc="-1" strike="noStrike">
                 <a:solidFill>
                   <a:srgbClr val="000000"/>
@@ -9136,7 +9158,7 @@
         <p:spPr>
           <a:xfrm>
             <a:off x="216000" y="1368000"/>
-            <a:ext cx="4101480" cy="3741480"/>
+            <a:ext cx="4101120" cy="3741120"/>
           </a:xfrm>
           <a:prstGeom prst="rect">
             <a:avLst/>
@@ -9159,7 +9181,7 @@
         <p:spPr>
           <a:xfrm>
             <a:off x="3888000" y="2413440"/>
-            <a:ext cx="4965480" cy="2624040"/>
+            <a:ext cx="4965120" cy="2623680"/>
           </a:xfrm>
           <a:prstGeom prst="rect">
             <a:avLst/>
@@ -9208,7 +9230,7 @@
         <p:spPr>
           <a:xfrm>
             <a:off x="457200" y="422280"/>
-            <a:ext cx="8218080" cy="1131480"/>
+            <a:ext cx="8217720" cy="1131120"/>
           </a:xfrm>
           <a:prstGeom prst="rect">
             <a:avLst/>
@@ -9259,7 +9281,7 @@
         <p:spPr>
           <a:xfrm>
             <a:off x="457200" y="1600200"/>
-            <a:ext cx="8218080" cy="4514400"/>
+            <a:ext cx="8217720" cy="4514040"/>
           </a:xfrm>
           <a:prstGeom prst="rect">
             <a:avLst/>
@@ -9289,7 +9311,7 @@
         <p:spPr>
           <a:xfrm>
             <a:off x="1763640" y="2304000"/>
-            <a:ext cx="5438520" cy="2514240"/>
+            <a:ext cx="5438160" cy="2513880"/>
           </a:xfrm>
           <a:prstGeom prst="rect">
             <a:avLst/>
@@ -9308,7 +9330,7 @@
         <p:spPr>
           <a:xfrm>
             <a:off x="8460360" y="0"/>
-            <a:ext cx="680760" cy="455400"/>
+            <a:ext cx="680400" cy="455400"/>
           </a:xfrm>
           <a:prstGeom prst="rect">
             <a:avLst/>
@@ -9334,7 +9356,7 @@
                 <a:spcPct val="100000"/>
               </a:lnSpc>
             </a:pPr>
-            <a:fld id="{F6FD836E-78F2-42B7-8657-4587BF48AA74}" type="slidenum">
+            <a:fld id="{4F2AD77F-DC3B-4AE3-870F-54925B48465B}" type="slidenum">
               <a:rPr b="0" lang="ru-RU" sz="2400" spc="-1" strike="noStrike">
                 <a:solidFill>
                   <a:srgbClr val="000000"/>
